--- a/Images/Figures_PPT/Jitter_Plot_LST8_Domain.pptx
+++ b/Images/Figures_PPT/Jitter_Plot_LST8_Domain.pptx
@@ -2359,7 +2359,7 @@
           </p:nvSpPr>
           <p:spPr>
             <a:xfrm>
-              <a:off x="1397280" y="2806779"/>
+              <a:off x="1397280" y="2806780"/>
               <a:ext cx="2817450" cy="0"/>
             </a:xfrm>
             <a:custGeom>
@@ -2402,7 +2402,7 @@
           </p:nvSpPr>
           <p:spPr>
             <a:xfrm>
-              <a:off x="1397280" y="2438082"/>
+              <a:off x="1397280" y="2438057"/>
               <a:ext cx="2817450" cy="0"/>
             </a:xfrm>
             <a:custGeom>
@@ -2445,7 +2445,7 @@
           </p:nvSpPr>
           <p:spPr>
             <a:xfrm>
-              <a:off x="1397280" y="2069384"/>
+              <a:off x="1397280" y="2069335"/>
               <a:ext cx="2817450" cy="0"/>
             </a:xfrm>
             <a:custGeom>
@@ -2488,7 +2488,7 @@
           </p:nvSpPr>
           <p:spPr>
             <a:xfrm>
-              <a:off x="1397280" y="1700686"/>
+              <a:off x="1397280" y="1700613"/>
               <a:ext cx="2817450" cy="0"/>
             </a:xfrm>
             <a:custGeom>
@@ -2531,7 +2531,7 @@
           </p:nvSpPr>
           <p:spPr>
             <a:xfrm>
-              <a:off x="1397280" y="2991128"/>
+              <a:off x="1397280" y="2991141"/>
               <a:ext cx="2817450" cy="0"/>
             </a:xfrm>
             <a:custGeom>
@@ -2574,7 +2574,7 @@
           </p:nvSpPr>
           <p:spPr>
             <a:xfrm>
-              <a:off x="1397280" y="2622430"/>
+              <a:off x="1397280" y="2622418"/>
               <a:ext cx="2817450" cy="0"/>
             </a:xfrm>
             <a:custGeom>
@@ -2617,7 +2617,7 @@
           </p:nvSpPr>
           <p:spPr>
             <a:xfrm>
-              <a:off x="1397280" y="2253733"/>
+              <a:off x="1397280" y="2253696"/>
               <a:ext cx="2817450" cy="0"/>
             </a:xfrm>
             <a:custGeom>
@@ -2660,7 +2660,7 @@
           </p:nvSpPr>
           <p:spPr>
             <a:xfrm>
-              <a:off x="1397280" y="1885035"/>
+              <a:off x="1397280" y="1884974"/>
               <a:ext cx="2817450" cy="0"/>
             </a:xfrm>
             <a:custGeom>
@@ -2703,7 +2703,7 @@
           </p:nvSpPr>
           <p:spPr>
             <a:xfrm>
-              <a:off x="1397280" y="1516338"/>
+              <a:off x="1397280" y="1516252"/>
               <a:ext cx="2817450" cy="0"/>
             </a:xfrm>
             <a:custGeom>
@@ -2875,7 +2875,7 @@
           </p:nvSpPr>
           <p:spPr>
             <a:xfrm>
-              <a:off x="2626987" y="2231746"/>
+              <a:off x="2749509" y="2231746"/>
               <a:ext cx="63202" cy="63202"/>
             </a:xfrm>
             <a:custGeom>
@@ -2918,7 +2918,7 @@
           </p:nvSpPr>
           <p:spPr>
             <a:xfrm>
-              <a:off x="1642837" y="2183490"/>
+              <a:off x="1823869" y="2183414"/>
               <a:ext cx="63202" cy="63202"/>
             </a:xfrm>
             <a:custGeom>
@@ -2961,7 +2961,7 @@
           </p:nvSpPr>
           <p:spPr>
             <a:xfrm>
-              <a:off x="3770339" y="2937338"/>
+              <a:off x="3643695" y="2937561"/>
               <a:ext cx="63202" cy="63202"/>
             </a:xfrm>
             <a:custGeom>
@@ -3004,7 +3004,7 @@
           </p:nvSpPr>
           <p:spPr>
             <a:xfrm>
-              <a:off x="4004763" y="2875378"/>
+              <a:off x="3720921" y="2875366"/>
               <a:ext cx="63202" cy="63202"/>
             </a:xfrm>
             <a:custGeom>
@@ -3047,7 +3047,7 @@
           </p:nvSpPr>
           <p:spPr>
             <a:xfrm>
-              <a:off x="3342046" y="2917756"/>
+              <a:off x="3396713" y="2917820"/>
               <a:ext cx="63202" cy="63202"/>
             </a:xfrm>
             <a:custGeom>
@@ -3090,7 +3090,7 @@
           </p:nvSpPr>
           <p:spPr>
             <a:xfrm>
-              <a:off x="1967620" y="2216213"/>
+              <a:off x="1759220" y="2216293"/>
               <a:ext cx="63202" cy="63202"/>
             </a:xfrm>
             <a:custGeom>
@@ -3133,7 +3133,7 @@
           </p:nvSpPr>
           <p:spPr>
             <a:xfrm>
-              <a:off x="2983909" y="2328812"/>
+              <a:off x="2832850" y="2328673"/>
               <a:ext cx="63202" cy="63202"/>
             </a:xfrm>
             <a:custGeom>
@@ -3176,7 +3176,7 @@
           </p:nvSpPr>
           <p:spPr>
             <a:xfrm>
-              <a:off x="3695163" y="2887128"/>
+              <a:off x="3878225" y="2887244"/>
               <a:ext cx="63202" cy="63202"/>
             </a:xfrm>
             <a:custGeom>
@@ -3219,7 +3219,7 @@
           </p:nvSpPr>
           <p:spPr>
             <a:xfrm>
-              <a:off x="2158792" y="2152476"/>
+              <a:off x="2059717" y="2152517"/>
               <a:ext cx="63202" cy="63202"/>
             </a:xfrm>
             <a:custGeom>
@@ -3262,7 +3262,7 @@
           </p:nvSpPr>
           <p:spPr>
             <a:xfrm>
-              <a:off x="3973687" y="2875224"/>
+              <a:off x="3502095" y="2874992"/>
               <a:ext cx="63202" cy="63202"/>
             </a:xfrm>
             <a:custGeom>
@@ -3305,7 +3305,7 @@
           </p:nvSpPr>
           <p:spPr>
             <a:xfrm>
-              <a:off x="2969211" y="2506164"/>
+              <a:off x="2662438" y="2505965"/>
               <a:ext cx="63202" cy="63202"/>
             </a:xfrm>
             <a:custGeom>
@@ -3348,7 +3348,7 @@
           </p:nvSpPr>
           <p:spPr>
             <a:xfrm>
-              <a:off x="3734162" y="2896495"/>
+              <a:off x="3418368" y="2896442"/>
               <a:ext cx="63202" cy="63202"/>
             </a:xfrm>
             <a:custGeom>
@@ -3391,7 +3391,7 @@
           </p:nvSpPr>
           <p:spPr>
             <a:xfrm>
-              <a:off x="3601316" y="2893106"/>
+              <a:off x="3591251" y="2893038"/>
               <a:ext cx="63202" cy="63202"/>
             </a:xfrm>
             <a:custGeom>
@@ -3434,7 +3434,7 @@
           </p:nvSpPr>
           <p:spPr>
             <a:xfrm>
-              <a:off x="1600430" y="2152312"/>
+              <a:off x="1739551" y="2152517"/>
               <a:ext cx="63202" cy="63202"/>
             </a:xfrm>
             <a:custGeom>
@@ -3477,7 +3477,7 @@
           </p:nvSpPr>
           <p:spPr>
             <a:xfrm>
-              <a:off x="3907222" y="2921408"/>
+              <a:off x="3350146" y="2921476"/>
               <a:ext cx="63202" cy="63202"/>
             </a:xfrm>
             <a:custGeom>
@@ -3520,7 +3520,7 @@
           </p:nvSpPr>
           <p:spPr>
             <a:xfrm>
-              <a:off x="2941217" y="2436748"/>
+              <a:off x="2852673" y="2436667"/>
               <a:ext cx="63202" cy="63202"/>
             </a:xfrm>
             <a:custGeom>
@@ -3563,7 +3563,7 @@
           </p:nvSpPr>
           <p:spPr>
             <a:xfrm>
-              <a:off x="3359376" y="2896450"/>
+              <a:off x="3631417" y="2896568"/>
               <a:ext cx="63202" cy="63202"/>
             </a:xfrm>
             <a:custGeom>
@@ -3606,7 +3606,7 @@
           </p:nvSpPr>
           <p:spPr>
             <a:xfrm>
-              <a:off x="4005963" y="2896475"/>
+              <a:off x="3773568" y="2896507"/>
               <a:ext cx="63202" cy="63202"/>
             </a:xfrm>
             <a:custGeom>
@@ -3649,7 +3649,7 @@
           </p:nvSpPr>
           <p:spPr>
             <a:xfrm>
-              <a:off x="3456764" y="2893210"/>
+              <a:off x="3597241" y="2893237"/>
               <a:ext cx="63202" cy="63202"/>
             </a:xfrm>
             <a:custGeom>
@@ -3692,7 +3692,7 @@
           </p:nvSpPr>
           <p:spPr>
             <a:xfrm>
-              <a:off x="3503931" y="2896459"/>
+              <a:off x="3731580" y="2896577"/>
               <a:ext cx="63202" cy="63202"/>
             </a:xfrm>
             <a:custGeom>
@@ -3735,7 +3735,7 @@
           </p:nvSpPr>
           <p:spPr>
             <a:xfrm>
-              <a:off x="3948961" y="2896468"/>
+              <a:off x="3615493" y="2896390"/>
               <a:ext cx="63202" cy="63202"/>
             </a:xfrm>
             <a:custGeom>
@@ -3778,7 +3778,7 @@
           </p:nvSpPr>
           <p:spPr>
             <a:xfrm>
-              <a:off x="3388691" y="2893165"/>
+              <a:off x="3988342" y="2893024"/>
               <a:ext cx="63202" cy="63202"/>
             </a:xfrm>
             <a:custGeom>
@@ -3821,7 +3821,7 @@
           </p:nvSpPr>
           <p:spPr>
             <a:xfrm>
-              <a:off x="3602476" y="2896418"/>
+              <a:off x="3430321" y="2896627"/>
               <a:ext cx="63202" cy="63202"/>
             </a:xfrm>
             <a:custGeom>
@@ -3864,7 +3864,7 @@
           </p:nvSpPr>
           <p:spPr>
             <a:xfrm>
-              <a:off x="3357311" y="2891075"/>
+              <a:off x="3490667" y="2891026"/>
               <a:ext cx="63202" cy="63202"/>
             </a:xfrm>
             <a:custGeom>
@@ -3907,7 +3907,7 @@
           </p:nvSpPr>
           <p:spPr>
             <a:xfrm>
-              <a:off x="3817264" y="2888031"/>
+              <a:off x="3750604" y="2887978"/>
               <a:ext cx="63202" cy="63202"/>
             </a:xfrm>
             <a:custGeom>
@@ -3950,7 +3950,7 @@
           </p:nvSpPr>
           <p:spPr>
             <a:xfrm>
-              <a:off x="3427170" y="2896470"/>
+              <a:off x="3639544" y="2896426"/>
               <a:ext cx="63202" cy="63202"/>
             </a:xfrm>
             <a:custGeom>
@@ -3993,7 +3993,7 @@
           </p:nvSpPr>
           <p:spPr>
             <a:xfrm>
-              <a:off x="3543966" y="2901657"/>
+              <a:off x="3384045" y="2901765"/>
               <a:ext cx="63202" cy="63202"/>
             </a:xfrm>
             <a:custGeom>
@@ -4036,7 +4036,7 @@
           </p:nvSpPr>
           <p:spPr>
             <a:xfrm>
-              <a:off x="3311244" y="2905208"/>
+              <a:off x="3733225" y="2905460"/>
               <a:ext cx="63202" cy="63202"/>
             </a:xfrm>
             <a:custGeom>
@@ -4079,7 +4079,7 @@
           </p:nvSpPr>
           <p:spPr>
             <a:xfrm>
-              <a:off x="2595940" y="2226673"/>
+              <a:off x="2541385" y="2226488"/>
               <a:ext cx="63202" cy="63202"/>
             </a:xfrm>
             <a:custGeom>
@@ -4122,7 +4122,7 @@
           </p:nvSpPr>
           <p:spPr>
             <a:xfrm>
-              <a:off x="2447651" y="2238107"/>
+              <a:off x="2881957" y="2237926"/>
               <a:ext cx="63202" cy="63202"/>
             </a:xfrm>
             <a:custGeom>
@@ -4165,7 +4165,7 @@
           </p:nvSpPr>
           <p:spPr>
             <a:xfrm>
-              <a:off x="3790609" y="2892518"/>
+              <a:off x="3682258" y="2892416"/>
               <a:ext cx="63202" cy="63202"/>
             </a:xfrm>
             <a:custGeom>
@@ -4208,7 +4208,7 @@
           </p:nvSpPr>
           <p:spPr>
             <a:xfrm>
-              <a:off x="3409642" y="2928284"/>
+              <a:off x="3807740" y="2928257"/>
               <a:ext cx="63202" cy="63202"/>
             </a:xfrm>
             <a:custGeom>
@@ -4251,7 +4251,7 @@
           </p:nvSpPr>
           <p:spPr>
             <a:xfrm>
-              <a:off x="3593227" y="2896333"/>
+              <a:off x="3793635" y="2896613"/>
               <a:ext cx="63202" cy="63202"/>
             </a:xfrm>
             <a:custGeom>
@@ -4294,7 +4294,7 @@
           </p:nvSpPr>
           <p:spPr>
             <a:xfrm>
-              <a:off x="2857303" y="2483594"/>
+              <a:off x="2480373" y="2483631"/>
               <a:ext cx="63202" cy="63202"/>
             </a:xfrm>
             <a:custGeom>
@@ -4337,7 +4337,7 @@
           </p:nvSpPr>
           <p:spPr>
             <a:xfrm>
-              <a:off x="2940407" y="2501153"/>
+              <a:off x="2582831" y="2501294"/>
               <a:ext cx="63202" cy="63202"/>
             </a:xfrm>
             <a:custGeom>
@@ -4380,7 +4380,7 @@
           </p:nvSpPr>
           <p:spPr>
             <a:xfrm>
-              <a:off x="3061769" y="2338631"/>
+              <a:off x="2550980" y="2338691"/>
               <a:ext cx="63202" cy="63202"/>
             </a:xfrm>
             <a:custGeom>
@@ -4423,7 +4423,7 @@
           </p:nvSpPr>
           <p:spPr>
             <a:xfrm>
-              <a:off x="2225046" y="2144950"/>
+              <a:off x="1738420" y="2145003"/>
               <a:ext cx="63202" cy="63202"/>
             </a:xfrm>
             <a:custGeom>
@@ -4466,7 +4466,7 @@
           </p:nvSpPr>
           <p:spPr>
             <a:xfrm>
-              <a:off x="1934949" y="2151222"/>
+              <a:off x="1816466" y="2151172"/>
               <a:ext cx="63202" cy="63202"/>
             </a:xfrm>
             <a:custGeom>
@@ -4509,7 +4509,7 @@
           </p:nvSpPr>
           <p:spPr>
             <a:xfrm>
-              <a:off x="1930287" y="2154376"/>
+              <a:off x="1776644" y="2154131"/>
               <a:ext cx="63202" cy="63202"/>
             </a:xfrm>
             <a:custGeom>
@@ -4552,7 +4552,7 @@
           </p:nvSpPr>
           <p:spPr>
             <a:xfrm>
-              <a:off x="3749694" y="2921663"/>
+              <a:off x="3721526" y="2921620"/>
               <a:ext cx="63202" cy="63202"/>
             </a:xfrm>
             <a:custGeom>
@@ -4595,7 +4595,7 @@
           </p:nvSpPr>
           <p:spPr>
             <a:xfrm>
-              <a:off x="3324247" y="2874726"/>
+              <a:off x="3529899" y="2874589"/>
               <a:ext cx="63202" cy="63202"/>
             </a:xfrm>
             <a:custGeom>
@@ -4638,7 +4638,7 @@
           </p:nvSpPr>
           <p:spPr>
             <a:xfrm>
-              <a:off x="2137402" y="1954195"/>
+              <a:off x="1725890" y="1954064"/>
               <a:ext cx="63202" cy="63202"/>
             </a:xfrm>
             <a:custGeom>
@@ -4681,7 +4681,7 @@
           </p:nvSpPr>
           <p:spPr>
             <a:xfrm>
-              <a:off x="3957532" y="2935090"/>
+              <a:off x="3718188" y="2935168"/>
               <a:ext cx="63202" cy="63202"/>
             </a:xfrm>
             <a:custGeom>
@@ -4724,7 +4724,7 @@
           </p:nvSpPr>
           <p:spPr>
             <a:xfrm>
-              <a:off x="2663009" y="2299468"/>
+              <a:off x="2507301" y="2299653"/>
               <a:ext cx="63202" cy="63202"/>
             </a:xfrm>
             <a:custGeom>
@@ -4767,7 +4767,7 @@
           </p:nvSpPr>
           <p:spPr>
             <a:xfrm>
-              <a:off x="2444704" y="2416006"/>
+              <a:off x="2546562" y="2416095"/>
               <a:ext cx="63202" cy="63202"/>
             </a:xfrm>
             <a:custGeom>
@@ -4810,7 +4810,7 @@
           </p:nvSpPr>
           <p:spPr>
             <a:xfrm>
-              <a:off x="3585568" y="2862516"/>
+              <a:off x="3355822" y="2862668"/>
               <a:ext cx="63202" cy="63202"/>
             </a:xfrm>
             <a:custGeom>
@@ -4853,7 +4853,7 @@
           </p:nvSpPr>
           <p:spPr>
             <a:xfrm>
-              <a:off x="1797832" y="2155428"/>
+              <a:off x="1834469" y="2155348"/>
               <a:ext cx="63202" cy="63202"/>
             </a:xfrm>
             <a:custGeom>
@@ -4995,7 +4995,7 @@
           </p:nvSpPr>
           <p:spPr>
             <a:xfrm>
-              <a:off x="1397280" y="4363414"/>
+              <a:off x="1397280" y="4363390"/>
               <a:ext cx="2817450" cy="0"/>
             </a:xfrm>
             <a:custGeom>
@@ -5038,7 +5038,7 @@
           </p:nvSpPr>
           <p:spPr>
             <a:xfrm>
-              <a:off x="1397280" y="3994717"/>
+              <a:off x="1397280" y="3994668"/>
               <a:ext cx="2817450" cy="0"/>
             </a:xfrm>
             <a:custGeom>
@@ -5081,7 +5081,7 @@
           </p:nvSpPr>
           <p:spPr>
             <a:xfrm>
-              <a:off x="1397280" y="3626019"/>
+              <a:off x="1397280" y="3625945"/>
               <a:ext cx="2817450" cy="0"/>
             </a:xfrm>
             <a:custGeom>
@@ -5124,7 +5124,7 @@
           </p:nvSpPr>
           <p:spPr>
             <a:xfrm>
-              <a:off x="1397280" y="4916461"/>
+              <a:off x="1397280" y="4916473"/>
               <a:ext cx="2817450" cy="0"/>
             </a:xfrm>
             <a:custGeom>
@@ -5167,7 +5167,7 @@
           </p:nvSpPr>
           <p:spPr>
             <a:xfrm>
-              <a:off x="1397280" y="4547763"/>
+              <a:off x="1397280" y="4547751"/>
               <a:ext cx="2817450" cy="0"/>
             </a:xfrm>
             <a:custGeom>
@@ -5210,7 +5210,7 @@
           </p:nvSpPr>
           <p:spPr>
             <a:xfrm>
-              <a:off x="1397280" y="4179065"/>
+              <a:off x="1397280" y="4179029"/>
               <a:ext cx="2817450" cy="0"/>
             </a:xfrm>
             <a:custGeom>
@@ -5253,7 +5253,7 @@
           </p:nvSpPr>
           <p:spPr>
             <a:xfrm>
-              <a:off x="1397280" y="3810368"/>
+              <a:off x="1397280" y="3810307"/>
               <a:ext cx="2817450" cy="0"/>
             </a:xfrm>
             <a:custGeom>
@@ -5296,7 +5296,7 @@
           </p:nvSpPr>
           <p:spPr>
             <a:xfrm>
-              <a:off x="1397280" y="3441670"/>
+              <a:off x="1397280" y="3441584"/>
               <a:ext cx="2817450" cy="0"/>
             </a:xfrm>
             <a:custGeom>
@@ -5468,7 +5468,7 @@
           </p:nvSpPr>
           <p:spPr>
             <a:xfrm>
-              <a:off x="2945573" y="4532738"/>
+              <a:off x="2513876" y="4532602"/>
               <a:ext cx="63202" cy="63202"/>
             </a:xfrm>
             <a:custGeom>
@@ -5511,7 +5511,7 @@
           </p:nvSpPr>
           <p:spPr>
             <a:xfrm>
-              <a:off x="2554424" y="4471867"/>
+              <a:off x="3046978" y="4471789"/>
               <a:ext cx="63202" cy="63202"/>
             </a:xfrm>
             <a:custGeom>
@@ -5554,7 +5554,7 @@
           </p:nvSpPr>
           <p:spPr>
             <a:xfrm>
-              <a:off x="2969557" y="4537573"/>
+              <a:off x="2718568" y="4537566"/>
               <a:ext cx="63202" cy="63202"/>
             </a:xfrm>
             <a:custGeom>
@@ -5597,7 +5597,7 @@
           </p:nvSpPr>
           <p:spPr>
             <a:xfrm>
-              <a:off x="2622125" y="4565854"/>
+              <a:off x="2635589" y="4566028"/>
               <a:ext cx="63202" cy="63202"/>
             </a:xfrm>
             <a:custGeom>
@@ -5640,7 +5640,7 @@
           </p:nvSpPr>
           <p:spPr>
             <a:xfrm>
-              <a:off x="2819839" y="4536014"/>
+              <a:off x="2466101" y="4536097"/>
               <a:ext cx="63202" cy="63202"/>
             </a:xfrm>
             <a:custGeom>
@@ -5683,7 +5683,7 @@
           </p:nvSpPr>
           <p:spPr>
             <a:xfrm>
-              <a:off x="2717711" y="4566628"/>
+              <a:off x="3029646" y="4566770"/>
               <a:ext cx="63202" cy="63202"/>
             </a:xfrm>
             <a:custGeom>
@@ -5726,7 +5726,7 @@
           </p:nvSpPr>
           <p:spPr>
             <a:xfrm>
-              <a:off x="3636999" y="4708764"/>
+              <a:off x="3795399" y="4708766"/>
               <a:ext cx="63202" cy="63202"/>
             </a:xfrm>
             <a:custGeom>
@@ -5769,7 +5769,7 @@
           </p:nvSpPr>
           <p:spPr>
             <a:xfrm>
-              <a:off x="2849601" y="4496503"/>
+              <a:off x="2490725" y="4496630"/>
               <a:ext cx="63202" cy="63202"/>
             </a:xfrm>
             <a:custGeom>
@@ -5812,7 +5812,7 @@
           </p:nvSpPr>
           <p:spPr>
             <a:xfrm>
-              <a:off x="4000717" y="4812227"/>
+              <a:off x="3961779" y="4812212"/>
               <a:ext cx="63202" cy="63202"/>
             </a:xfrm>
             <a:custGeom>
@@ -5855,7 +5855,7 @@
           </p:nvSpPr>
           <p:spPr>
             <a:xfrm>
-              <a:off x="3353572" y="4846749"/>
+              <a:off x="3999275" y="4846922"/>
               <a:ext cx="63202" cy="63202"/>
             </a:xfrm>
             <a:custGeom>
@@ -5898,7 +5898,7 @@
           </p:nvSpPr>
           <p:spPr>
             <a:xfrm>
-              <a:off x="3644998" y="4789801"/>
+              <a:off x="3900429" y="4789644"/>
               <a:ext cx="63202" cy="63202"/>
             </a:xfrm>
             <a:custGeom>
@@ -5941,7 +5941,7 @@
           </p:nvSpPr>
           <p:spPr>
             <a:xfrm>
-              <a:off x="2546990" y="4383777"/>
+              <a:off x="2711219" y="4383785"/>
               <a:ext cx="63202" cy="63202"/>
             </a:xfrm>
             <a:custGeom>
@@ -5984,7 +5984,7 @@
           </p:nvSpPr>
           <p:spPr>
             <a:xfrm>
-              <a:off x="2979024" y="4549977"/>
+              <a:off x="2820375" y="4550169"/>
               <a:ext cx="63202" cy="63202"/>
             </a:xfrm>
             <a:custGeom>
@@ -6027,7 +6027,7 @@
           </p:nvSpPr>
           <p:spPr>
             <a:xfrm>
-              <a:off x="3804805" y="4737884"/>
+              <a:off x="3509245" y="4737627"/>
               <a:ext cx="63202" cy="63202"/>
             </a:xfrm>
             <a:custGeom>
@@ -6070,7 +6070,7 @@
           </p:nvSpPr>
           <p:spPr>
             <a:xfrm>
-              <a:off x="2038950" y="3910113"/>
+              <a:off x="2137274" y="3910063"/>
               <a:ext cx="63202" cy="63202"/>
             </a:xfrm>
             <a:custGeom>
@@ -6113,7 +6113,7 @@
           </p:nvSpPr>
           <p:spPr>
             <a:xfrm>
-              <a:off x="1779718" y="3882401"/>
+              <a:off x="1888174" y="3882299"/>
               <a:ext cx="63202" cy="63202"/>
             </a:xfrm>
             <a:custGeom>
@@ -6156,7 +6156,7 @@
           </p:nvSpPr>
           <p:spPr>
             <a:xfrm>
-              <a:off x="1762365" y="3767620"/>
+              <a:off x="2210074" y="3767709"/>
               <a:ext cx="63202" cy="63202"/>
             </a:xfrm>
             <a:custGeom>
@@ -6199,7 +6199,7 @@
           </p:nvSpPr>
           <p:spPr>
             <a:xfrm>
-              <a:off x="3441173" y="4729257"/>
+              <a:off x="3795205" y="4729199"/>
               <a:ext cx="63202" cy="63202"/>
             </a:xfrm>
             <a:custGeom>
@@ -6242,7 +6242,7 @@
           </p:nvSpPr>
           <p:spPr>
             <a:xfrm>
-              <a:off x="2593201" y="4520638"/>
+              <a:off x="2895160" y="4520427"/>
               <a:ext cx="63202" cy="63202"/>
             </a:xfrm>
             <a:custGeom>
@@ -6285,7 +6285,7 @@
           </p:nvSpPr>
           <p:spPr>
             <a:xfrm>
-              <a:off x="2573582" y="4528228"/>
+              <a:off x="2939950" y="4528345"/>
               <a:ext cx="63202" cy="63202"/>
             </a:xfrm>
             <a:custGeom>
@@ -6328,7 +6328,7 @@
           </p:nvSpPr>
           <p:spPr>
             <a:xfrm>
-              <a:off x="3844711" y="4797768"/>
+              <a:off x="3701125" y="4797906"/>
               <a:ext cx="63202" cy="63202"/>
             </a:xfrm>
             <a:custGeom>
@@ -6427,7 +6427,7 @@
           </p:nvSpPr>
           <p:spPr>
             <a:xfrm>
-              <a:off x="1397280" y="6657444"/>
+              <a:off x="1397280" y="6657445"/>
               <a:ext cx="2817450" cy="0"/>
             </a:xfrm>
             <a:custGeom>
@@ -6470,7 +6470,7 @@
           </p:nvSpPr>
           <p:spPr>
             <a:xfrm>
-              <a:off x="1397280" y="6288747"/>
+              <a:off x="1397280" y="6288722"/>
               <a:ext cx="2817450" cy="0"/>
             </a:xfrm>
             <a:custGeom>
@@ -6513,7 +6513,7 @@
           </p:nvSpPr>
           <p:spPr>
             <a:xfrm>
-              <a:off x="1397280" y="5920049"/>
+              <a:off x="1397280" y="5920000"/>
               <a:ext cx="2817450" cy="0"/>
             </a:xfrm>
             <a:custGeom>
@@ -6556,7 +6556,7 @@
           </p:nvSpPr>
           <p:spPr>
             <a:xfrm>
-              <a:off x="1397280" y="5551352"/>
+              <a:off x="1397280" y="5551278"/>
               <a:ext cx="2817450" cy="0"/>
             </a:xfrm>
             <a:custGeom>
@@ -6599,7 +6599,7 @@
           </p:nvSpPr>
           <p:spPr>
             <a:xfrm>
-              <a:off x="1397280" y="6841793"/>
+              <a:off x="1397280" y="6841806"/>
               <a:ext cx="2817450" cy="0"/>
             </a:xfrm>
             <a:custGeom>
@@ -6642,7 +6642,7 @@
           </p:nvSpPr>
           <p:spPr>
             <a:xfrm>
-              <a:off x="1397280" y="6473096"/>
+              <a:off x="1397280" y="6473084"/>
               <a:ext cx="2817450" cy="0"/>
             </a:xfrm>
             <a:custGeom>
@@ -6685,7 +6685,7 @@
           </p:nvSpPr>
           <p:spPr>
             <a:xfrm>
-              <a:off x="1397280" y="6104398"/>
+              <a:off x="1397280" y="6104361"/>
               <a:ext cx="2817450" cy="0"/>
             </a:xfrm>
             <a:custGeom>
@@ -6728,7 +6728,7 @@
           </p:nvSpPr>
           <p:spPr>
             <a:xfrm>
-              <a:off x="1397280" y="5735700"/>
+              <a:off x="1397280" y="5735639"/>
               <a:ext cx="2817450" cy="0"/>
             </a:xfrm>
             <a:custGeom>
@@ -6771,7 +6771,7 @@
           </p:nvSpPr>
           <p:spPr>
             <a:xfrm>
-              <a:off x="1397280" y="5367003"/>
+              <a:off x="1397280" y="5366917"/>
               <a:ext cx="2817450" cy="0"/>
             </a:xfrm>
             <a:custGeom>
@@ -6943,7 +6943,7 @@
           </p:nvSpPr>
           <p:spPr>
             <a:xfrm>
-              <a:off x="1726087" y="5748638"/>
+              <a:off x="1767124" y="5748638"/>
               <a:ext cx="63202" cy="63202"/>
             </a:xfrm>
             <a:custGeom>
@@ -6986,7 +6986,7 @@
           </p:nvSpPr>
           <p:spPr>
             <a:xfrm>
-              <a:off x="1636396" y="5841198"/>
+              <a:off x="2126592" y="5841305"/>
               <a:ext cx="63202" cy="63202"/>
             </a:xfrm>
             <a:custGeom>
@@ -7029,7 +7029,7 @@
           </p:nvSpPr>
           <p:spPr>
             <a:xfrm>
-              <a:off x="1849549" y="5830070"/>
+              <a:off x="2152386" y="5830049"/>
               <a:ext cx="63202" cy="63202"/>
             </a:xfrm>
             <a:custGeom>
@@ -7072,7 +7072,7 @@
           </p:nvSpPr>
           <p:spPr>
             <a:xfrm>
-              <a:off x="1920324" y="5825878"/>
+              <a:off x="2152967" y="5825717"/>
               <a:ext cx="63202" cy="63202"/>
             </a:xfrm>
             <a:custGeom>
@@ -7115,7 +7115,7 @@
           </p:nvSpPr>
           <p:spPr>
             <a:xfrm>
-              <a:off x="3391302" y="6749439"/>
+              <a:off x="3855035" y="6749436"/>
               <a:ext cx="63202" cy="63202"/>
             </a:xfrm>
             <a:custGeom>
@@ -7158,7 +7158,7 @@
           </p:nvSpPr>
           <p:spPr>
             <a:xfrm>
-              <a:off x="1803568" y="5978705"/>
+              <a:off x="1671342" y="5978733"/>
               <a:ext cx="63202" cy="63202"/>
             </a:xfrm>
             <a:custGeom>
@@ -7201,7 +7201,7 @@
           </p:nvSpPr>
           <p:spPr>
             <a:xfrm>
-              <a:off x="1613521" y="5771277"/>
+              <a:off x="1899225" y="5771043"/>
               <a:ext cx="63202" cy="63202"/>
             </a:xfrm>
             <a:custGeom>
@@ -7244,7 +7244,7 @@
           </p:nvSpPr>
           <p:spPr>
             <a:xfrm>
-              <a:off x="1971707" y="5787393"/>
+              <a:off x="1977628" y="5787349"/>
               <a:ext cx="63202" cy="63202"/>
             </a:xfrm>
             <a:custGeom>
@@ -7287,7 +7287,7 @@
           </p:nvSpPr>
           <p:spPr>
             <a:xfrm>
-              <a:off x="1695495" y="5958198"/>
+              <a:off x="1778207" y="5958144"/>
               <a:ext cx="63202" cy="63202"/>
             </a:xfrm>
             <a:custGeom>
@@ -7330,7 +7330,7 @@
           </p:nvSpPr>
           <p:spPr>
             <a:xfrm>
-              <a:off x="1807994" y="5835645"/>
+              <a:off x="1772094" y="5835618"/>
               <a:ext cx="63202" cy="63202"/>
             </a:xfrm>
             <a:custGeom>
@@ -7373,7 +7373,7 @@
           </p:nvSpPr>
           <p:spPr>
             <a:xfrm>
-              <a:off x="1815776" y="6061810"/>
+              <a:off x="2152415" y="6061750"/>
               <a:ext cx="63202" cy="63202"/>
             </a:xfrm>
             <a:custGeom>
@@ -7416,7 +7416,7 @@
           </p:nvSpPr>
           <p:spPr>
             <a:xfrm>
-              <a:off x="2651881" y="6243050"/>
+              <a:off x="2680859" y="6243096"/>
               <a:ext cx="63202" cy="63202"/>
             </a:xfrm>
             <a:custGeom>
@@ -7459,7 +7459,7 @@
           </p:nvSpPr>
           <p:spPr>
             <a:xfrm>
-              <a:off x="2027419" y="5787517"/>
+              <a:off x="1833178" y="5787241"/>
               <a:ext cx="63202" cy="63202"/>
             </a:xfrm>
             <a:custGeom>
@@ -7502,7 +7502,7 @@
           </p:nvSpPr>
           <p:spPr>
             <a:xfrm>
-              <a:off x="1890947" y="6038949"/>
+              <a:off x="2220216" y="6038841"/>
               <a:ext cx="63202" cy="63202"/>
             </a:xfrm>
             <a:custGeom>
@@ -7545,7 +7545,7 @@
           </p:nvSpPr>
           <p:spPr>
             <a:xfrm>
-              <a:off x="2840513" y="6079794"/>
+              <a:off x="2821867" y="6079858"/>
               <a:ext cx="63202" cy="63202"/>
             </a:xfrm>
             <a:custGeom>
@@ -7588,7 +7588,7 @@
           </p:nvSpPr>
           <p:spPr>
             <a:xfrm>
-              <a:off x="1846972" y="6011446"/>
+              <a:off x="1820795" y="6011652"/>
               <a:ext cx="63202" cy="63202"/>
             </a:xfrm>
             <a:custGeom>
@@ -7631,7 +7631,7 @@
           </p:nvSpPr>
           <p:spPr>
             <a:xfrm>
-              <a:off x="1947844" y="5829914"/>
+              <a:off x="1633379" y="5829849"/>
               <a:ext cx="63202" cy="63202"/>
             </a:xfrm>
             <a:custGeom>
@@ -7674,7 +7674,7 @@
           </p:nvSpPr>
           <p:spPr>
             <a:xfrm>
-              <a:off x="2118439" y="5995430"/>
+              <a:off x="1740702" y="5995282"/>
               <a:ext cx="63202" cy="63202"/>
             </a:xfrm>
             <a:custGeom>
@@ -7717,7 +7717,7 @@
           </p:nvSpPr>
           <p:spPr>
             <a:xfrm>
-              <a:off x="1680770" y="5926830"/>
+              <a:off x="2172269" y="5926795"/>
               <a:ext cx="63202" cy="63202"/>
             </a:xfrm>
             <a:custGeom>
@@ -7760,7 +7760,7 @@
           </p:nvSpPr>
           <p:spPr>
             <a:xfrm>
-              <a:off x="1735578" y="6037845"/>
+              <a:off x="1647421" y="6037616"/>
               <a:ext cx="63202" cy="63202"/>
             </a:xfrm>
             <a:custGeom>
@@ -7803,7 +7803,7 @@
           </p:nvSpPr>
           <p:spPr>
             <a:xfrm>
-              <a:off x="3096667" y="6088054"/>
+              <a:off x="2976666" y="6088009"/>
               <a:ext cx="63202" cy="63202"/>
             </a:xfrm>
             <a:custGeom>
@@ -7846,7 +7846,7 @@
           </p:nvSpPr>
           <p:spPr>
             <a:xfrm>
-              <a:off x="1848074" y="5765628"/>
+              <a:off x="1875813" y="5765709"/>
               <a:ext cx="63202" cy="63202"/>
             </a:xfrm>
             <a:custGeom>
@@ -7889,7 +7889,7 @@
           </p:nvSpPr>
           <p:spPr>
             <a:xfrm>
-              <a:off x="2034904" y="5708152"/>
+              <a:off x="1642025" y="5708235"/>
               <a:ext cx="63202" cy="63202"/>
             </a:xfrm>
             <a:custGeom>
@@ -7932,7 +7932,7 @@
           </p:nvSpPr>
           <p:spPr>
             <a:xfrm>
-              <a:off x="1695068" y="5707377"/>
+              <a:off x="1712649" y="5707391"/>
               <a:ext cx="63202" cy="63202"/>
             </a:xfrm>
             <a:custGeom>
@@ -7975,7 +7975,7 @@
           </p:nvSpPr>
           <p:spPr>
             <a:xfrm>
-              <a:off x="1955481" y="5760163"/>
+              <a:off x="1971886" y="5760120"/>
               <a:ext cx="63202" cy="63202"/>
             </a:xfrm>
             <a:custGeom>
@@ -8018,7 +8018,7 @@
           </p:nvSpPr>
           <p:spPr>
             <a:xfrm>
-              <a:off x="2740963" y="6324611"/>
+              <a:off x="3043058" y="6324621"/>
               <a:ext cx="63202" cy="63202"/>
             </a:xfrm>
             <a:custGeom>
@@ -8061,7 +8061,7 @@
           </p:nvSpPr>
           <p:spPr>
             <a:xfrm>
-              <a:off x="2125700" y="5555593"/>
+              <a:off x="1743205" y="5555566"/>
               <a:ext cx="63202" cy="63202"/>
             </a:xfrm>
             <a:custGeom>
@@ -8104,7 +8104,7 @@
           </p:nvSpPr>
           <p:spPr>
             <a:xfrm>
-              <a:off x="2063832" y="5909932"/>
+              <a:off x="2107449" y="5909747"/>
               <a:ext cx="63202" cy="63202"/>
             </a:xfrm>
             <a:custGeom>
@@ -8147,7 +8147,7 @@
           </p:nvSpPr>
           <p:spPr>
             <a:xfrm>
-              <a:off x="1714645" y="5956205"/>
+              <a:off x="2186618" y="5956123"/>
               <a:ext cx="63202" cy="63202"/>
             </a:xfrm>
             <a:custGeom>
@@ -8190,7 +8190,7 @@
           </p:nvSpPr>
           <p:spPr>
             <a:xfrm>
-              <a:off x="2230055" y="5754105"/>
+              <a:off x="2067990" y="5754169"/>
               <a:ext cx="63202" cy="63202"/>
             </a:xfrm>
             <a:custGeom>
@@ -8233,7 +8233,7 @@
           </p:nvSpPr>
           <p:spPr>
             <a:xfrm>
-              <a:off x="2130983" y="5846885"/>
+              <a:off x="1617924" y="5846836"/>
               <a:ext cx="63202" cy="63202"/>
             </a:xfrm>
             <a:custGeom>
@@ -8276,7 +8276,7 @@
           </p:nvSpPr>
           <p:spPr>
             <a:xfrm>
-              <a:off x="1814266" y="5824419"/>
+              <a:off x="1723746" y="5824365"/>
               <a:ext cx="63202" cy="63202"/>
             </a:xfrm>
             <a:custGeom>
@@ -8319,7 +8319,7 @@
           </p:nvSpPr>
           <p:spPr>
             <a:xfrm>
-              <a:off x="3720661" y="6752941"/>
+              <a:off x="3674377" y="6753192"/>
               <a:ext cx="63202" cy="63202"/>
             </a:xfrm>
             <a:custGeom>
@@ -8362,7 +8362,7 @@
           </p:nvSpPr>
           <p:spPr>
             <a:xfrm>
-              <a:off x="1995715" y="5884264"/>
+              <a:off x="1705216" y="5884218"/>
               <a:ext cx="63202" cy="63202"/>
             </a:xfrm>
             <a:custGeom>
@@ -8405,7 +8405,7 @@
           </p:nvSpPr>
           <p:spPr>
             <a:xfrm>
-              <a:off x="2109993" y="5957847"/>
+              <a:off x="1933417" y="5957857"/>
               <a:ext cx="63202" cy="63202"/>
             </a:xfrm>
             <a:custGeom>
@@ -8448,7 +8448,7 @@
           </p:nvSpPr>
           <p:spPr>
             <a:xfrm>
-              <a:off x="2818699" y="6495678"/>
+              <a:off x="3004078" y="6495785"/>
               <a:ext cx="63202" cy="63202"/>
             </a:xfrm>
             <a:custGeom>
@@ -8491,7 +8491,7 @@
           </p:nvSpPr>
           <p:spPr>
             <a:xfrm>
-              <a:off x="1656454" y="5667719"/>
+              <a:off x="1843153" y="5667649"/>
               <a:ext cx="63202" cy="63202"/>
             </a:xfrm>
             <a:custGeom>
@@ -8534,7 +8534,7 @@
           </p:nvSpPr>
           <p:spPr>
             <a:xfrm>
-              <a:off x="1781625" y="5825793"/>
+              <a:off x="2116823" y="5825854"/>
               <a:ext cx="63202" cy="63202"/>
             </a:xfrm>
             <a:custGeom>
@@ -8577,7 +8577,7 @@
           </p:nvSpPr>
           <p:spPr>
             <a:xfrm>
-              <a:off x="2127936" y="5758017"/>
+              <a:off x="1772824" y="5757968"/>
               <a:ext cx="63202" cy="63202"/>
             </a:xfrm>
             <a:custGeom>
@@ -8620,7 +8620,7 @@
           </p:nvSpPr>
           <p:spPr>
             <a:xfrm>
-              <a:off x="2768634" y="6121720"/>
+              <a:off x="2900176" y="6121752"/>
               <a:ext cx="63202" cy="63202"/>
             </a:xfrm>
             <a:custGeom>
@@ -8663,7 +8663,7 @@
           </p:nvSpPr>
           <p:spPr>
             <a:xfrm>
-              <a:off x="2102578" y="5800448"/>
+              <a:off x="1872200" y="5800369"/>
               <a:ext cx="63202" cy="63202"/>
             </a:xfrm>
             <a:custGeom>
@@ -8706,7 +8706,7 @@
           </p:nvSpPr>
           <p:spPr>
             <a:xfrm>
-              <a:off x="1562790" y="5861864"/>
+              <a:off x="2219659" y="5861824"/>
               <a:ext cx="63202" cy="63202"/>
             </a:xfrm>
             <a:custGeom>
@@ -8749,7 +8749,7 @@
           </p:nvSpPr>
           <p:spPr>
             <a:xfrm>
-              <a:off x="3124226" y="6277686"/>
+              <a:off x="2952587" y="6277749"/>
               <a:ext cx="63202" cy="63202"/>
             </a:xfrm>
             <a:custGeom>
@@ -8792,7 +8792,7 @@
           </p:nvSpPr>
           <p:spPr>
             <a:xfrm>
-              <a:off x="1760290" y="5902442"/>
+              <a:off x="1755722" y="5902379"/>
               <a:ext cx="63202" cy="63202"/>
             </a:xfrm>
             <a:custGeom>
@@ -8835,7 +8835,7 @@
           </p:nvSpPr>
           <p:spPr>
             <a:xfrm>
-              <a:off x="2017900" y="5871623"/>
+              <a:off x="2199683" y="5871483"/>
               <a:ext cx="63202" cy="63202"/>
             </a:xfrm>
             <a:custGeom>
@@ -8878,7 +8878,7 @@
           </p:nvSpPr>
           <p:spPr>
             <a:xfrm>
-              <a:off x="2054206" y="5814238"/>
+              <a:off x="1755254" y="5814338"/>
               <a:ext cx="63202" cy="63202"/>
             </a:xfrm>
             <a:custGeom>
@@ -8921,7 +8921,7 @@
           </p:nvSpPr>
           <p:spPr>
             <a:xfrm>
-              <a:off x="1910882" y="5763473"/>
+              <a:off x="1989124" y="5763478"/>
               <a:ext cx="63202" cy="63202"/>
             </a:xfrm>
             <a:custGeom>
@@ -8964,7 +8964,7 @@
           </p:nvSpPr>
           <p:spPr>
             <a:xfrm>
-              <a:off x="1705511" y="5892816"/>
+              <a:off x="1864300" y="5892839"/>
               <a:ext cx="63202" cy="63202"/>
             </a:xfrm>
             <a:custGeom>
@@ -9007,7 +9007,7 @@
           </p:nvSpPr>
           <p:spPr>
             <a:xfrm>
-              <a:off x="2004663" y="5951509"/>
+              <a:off x="2184543" y="5951498"/>
               <a:ext cx="63202" cy="63202"/>
             </a:xfrm>
             <a:custGeom>
@@ -9050,7 +9050,7 @@
           </p:nvSpPr>
           <p:spPr>
             <a:xfrm>
-              <a:off x="2872912" y="6190927"/>
+              <a:off x="2964310" y="6190775"/>
               <a:ext cx="63202" cy="63202"/>
             </a:xfrm>
             <a:custGeom>
@@ -9093,7 +9093,7 @@
           </p:nvSpPr>
           <p:spPr>
             <a:xfrm>
-              <a:off x="2179990" y="5835089"/>
+              <a:off x="2061685" y="5835056"/>
               <a:ext cx="63202" cy="63202"/>
             </a:xfrm>
             <a:custGeom>
@@ -9136,7 +9136,7 @@
           </p:nvSpPr>
           <p:spPr>
             <a:xfrm>
-              <a:off x="2037083" y="5947946"/>
+              <a:off x="1789869" y="5947640"/>
               <a:ext cx="63202" cy="63202"/>
             </a:xfrm>
             <a:custGeom>
@@ -9179,7 +9179,7 @@
           </p:nvSpPr>
           <p:spPr>
             <a:xfrm>
-              <a:off x="1747284" y="5667857"/>
+              <a:off x="1999037" y="5667894"/>
               <a:ext cx="63202" cy="63202"/>
             </a:xfrm>
             <a:custGeom>
@@ -9222,7 +9222,7 @@
           </p:nvSpPr>
           <p:spPr>
             <a:xfrm>
-              <a:off x="2808378" y="6121884"/>
+              <a:off x="2709208" y="6121746"/>
               <a:ext cx="63202" cy="63202"/>
             </a:xfrm>
             <a:custGeom>
@@ -9265,7 +9265,7 @@
           </p:nvSpPr>
           <p:spPr>
             <a:xfrm>
-              <a:off x="2234002" y="5781460"/>
+              <a:off x="1651716" y="5781327"/>
               <a:ext cx="63202" cy="63202"/>
             </a:xfrm>
             <a:custGeom>
@@ -9308,7 +9308,7 @@
           </p:nvSpPr>
           <p:spPr>
             <a:xfrm>
-              <a:off x="1907964" y="5745681"/>
+              <a:off x="2033330" y="5745560"/>
               <a:ext cx="63202" cy="63202"/>
             </a:xfrm>
             <a:custGeom>
@@ -9351,7 +9351,7 @@
           </p:nvSpPr>
           <p:spPr>
             <a:xfrm>
-              <a:off x="1745824" y="5745675"/>
+              <a:off x="2150318" y="5745641"/>
               <a:ext cx="63202" cy="63202"/>
             </a:xfrm>
             <a:custGeom>
@@ -9394,7 +9394,7 @@
           </p:nvSpPr>
           <p:spPr>
             <a:xfrm>
-              <a:off x="2105803" y="5745836"/>
+              <a:off x="1866356" y="5745668"/>
               <a:ext cx="63202" cy="63202"/>
             </a:xfrm>
             <a:custGeom>
@@ -9437,7 +9437,7 @@
           </p:nvSpPr>
           <p:spPr>
             <a:xfrm>
-              <a:off x="2066371" y="5750064"/>
+              <a:off x="2226796" y="5749996"/>
               <a:ext cx="63202" cy="63202"/>
             </a:xfrm>
             <a:custGeom>
@@ -9480,7 +9480,7 @@
           </p:nvSpPr>
           <p:spPr>
             <a:xfrm>
-              <a:off x="1657337" y="5745620"/>
+              <a:off x="1664352" y="5745773"/>
               <a:ext cx="63202" cy="63202"/>
             </a:xfrm>
             <a:custGeom>
@@ -9523,7 +9523,7 @@
           </p:nvSpPr>
           <p:spPr>
             <a:xfrm>
-              <a:off x="1578686" y="5693008"/>
+              <a:off x="2007494" y="5693103"/>
               <a:ext cx="63202" cy="63202"/>
             </a:xfrm>
             <a:custGeom>
@@ -9566,7 +9566,7 @@
           </p:nvSpPr>
           <p:spPr>
             <a:xfrm>
-              <a:off x="1975271" y="5657717"/>
+              <a:off x="1738790" y="5657723"/>
               <a:ext cx="63202" cy="63202"/>
             </a:xfrm>
             <a:custGeom>
@@ -9609,7 +9609,7 @@
           </p:nvSpPr>
           <p:spPr>
             <a:xfrm>
-              <a:off x="3063880" y="6382237"/>
+              <a:off x="2782484" y="6382070"/>
               <a:ext cx="63202" cy="63202"/>
             </a:xfrm>
             <a:custGeom>
@@ -9652,7 +9652,7 @@
           </p:nvSpPr>
           <p:spPr>
             <a:xfrm>
-              <a:off x="2140858" y="5781426"/>
+              <a:off x="1963566" y="5781443"/>
               <a:ext cx="63202" cy="63202"/>
             </a:xfrm>
             <a:custGeom>
@@ -9695,7 +9695,7 @@
           </p:nvSpPr>
           <p:spPr>
             <a:xfrm>
-              <a:off x="2036507" y="5710007"/>
+              <a:off x="1639436" y="5709920"/>
               <a:ext cx="63202" cy="63202"/>
             </a:xfrm>
             <a:custGeom>
@@ -9738,7 +9738,7 @@
           </p:nvSpPr>
           <p:spPr>
             <a:xfrm>
-              <a:off x="2105124" y="5785962"/>
+              <a:off x="2103651" y="5785910"/>
               <a:ext cx="63202" cy="63202"/>
             </a:xfrm>
             <a:custGeom>
@@ -9781,7 +9781,7 @@
           </p:nvSpPr>
           <p:spPr>
             <a:xfrm>
-              <a:off x="3109019" y="6254304"/>
+              <a:off x="2978658" y="6254268"/>
               <a:ext cx="63202" cy="63202"/>
             </a:xfrm>
             <a:custGeom>
@@ -9824,7 +9824,7 @@
           </p:nvSpPr>
           <p:spPr>
             <a:xfrm>
-              <a:off x="1990287" y="5767988"/>
+              <a:off x="1911738" y="5767755"/>
               <a:ext cx="63202" cy="63202"/>
             </a:xfrm>
             <a:custGeom>
@@ -9867,7 +9867,7 @@
           </p:nvSpPr>
           <p:spPr>
             <a:xfrm>
-              <a:off x="1609525" y="5932607"/>
+              <a:off x="1640118" y="5932575"/>
               <a:ext cx="63202" cy="63202"/>
             </a:xfrm>
             <a:custGeom>
@@ -9910,7 +9910,7 @@
           </p:nvSpPr>
           <p:spPr>
             <a:xfrm>
-              <a:off x="1760953" y="5714656"/>
+              <a:off x="1658783" y="5714851"/>
               <a:ext cx="63202" cy="63202"/>
             </a:xfrm>
             <a:custGeom>
@@ -9953,7 +9953,7 @@
           </p:nvSpPr>
           <p:spPr>
             <a:xfrm>
-              <a:off x="2170645" y="5667362"/>
+              <a:off x="1747465" y="5667069"/>
               <a:ext cx="63202" cy="63202"/>
             </a:xfrm>
             <a:custGeom>
@@ -9996,7 +9996,7 @@
           </p:nvSpPr>
           <p:spPr>
             <a:xfrm>
-              <a:off x="2190690" y="5759117"/>
+              <a:off x="1806216" y="5758941"/>
               <a:ext cx="63202" cy="63202"/>
             </a:xfrm>
             <a:custGeom>
@@ -10039,7 +10039,7 @@
           </p:nvSpPr>
           <p:spPr>
             <a:xfrm>
-              <a:off x="2029204" y="5763069"/>
+              <a:off x="2184666" y="5763169"/>
               <a:ext cx="63202" cy="63202"/>
             </a:xfrm>
             <a:custGeom>
@@ -10082,7 +10082,7 @@
           </p:nvSpPr>
           <p:spPr>
             <a:xfrm>
-              <a:off x="2013765" y="5727671"/>
+              <a:off x="2117116" y="5727571"/>
               <a:ext cx="63202" cy="63202"/>
             </a:xfrm>
             <a:custGeom>
@@ -10125,7 +10125,7 @@
           </p:nvSpPr>
           <p:spPr>
             <a:xfrm>
-              <a:off x="1796491" y="5801121"/>
+              <a:off x="1804149" y="5801021"/>
               <a:ext cx="63202" cy="63202"/>
             </a:xfrm>
             <a:custGeom>
@@ -10168,7 +10168,7 @@
           </p:nvSpPr>
           <p:spPr>
             <a:xfrm>
-              <a:off x="2096241" y="5760916"/>
+              <a:off x="2059707" y="5760927"/>
               <a:ext cx="63202" cy="63202"/>
             </a:xfrm>
             <a:custGeom>
@@ -10211,7 +10211,7 @@
           </p:nvSpPr>
           <p:spPr>
             <a:xfrm>
-              <a:off x="2120373" y="5754334"/>
+              <a:off x="1635546" y="5754083"/>
               <a:ext cx="63202" cy="63202"/>
             </a:xfrm>
             <a:custGeom>
@@ -10254,7 +10254,7 @@
           </p:nvSpPr>
           <p:spPr>
             <a:xfrm>
-              <a:off x="1613551" y="5759382"/>
+              <a:off x="2053634" y="5759380"/>
               <a:ext cx="63202" cy="63202"/>
             </a:xfrm>
             <a:custGeom>
@@ -10297,7 +10297,7 @@
           </p:nvSpPr>
           <p:spPr>
             <a:xfrm>
-              <a:off x="2026934" y="5667867"/>
+              <a:off x="1941466" y="5667931"/>
               <a:ext cx="63202" cy="63202"/>
             </a:xfrm>
             <a:custGeom>
@@ -10340,7 +10340,7 @@
           </p:nvSpPr>
           <p:spPr>
             <a:xfrm>
-              <a:off x="1757041" y="5670257"/>
+              <a:off x="2106943" y="5670164"/>
               <a:ext cx="63202" cy="63202"/>
             </a:xfrm>
             <a:custGeom>
@@ -10383,7 +10383,7 @@
           </p:nvSpPr>
           <p:spPr>
             <a:xfrm>
-              <a:off x="1847519" y="5757849"/>
+              <a:off x="1550594" y="5757940"/>
               <a:ext cx="63202" cy="63202"/>
             </a:xfrm>
             <a:custGeom>
@@ -10426,7 +10426,7 @@
           </p:nvSpPr>
           <p:spPr>
             <a:xfrm>
-              <a:off x="2089719" y="5771444"/>
+              <a:off x="1594943" y="5771576"/>
               <a:ext cx="63202" cy="63202"/>
             </a:xfrm>
             <a:custGeom>
@@ -10469,7 +10469,7 @@
           </p:nvSpPr>
           <p:spPr>
             <a:xfrm>
-              <a:off x="2013146" y="5763496"/>
+              <a:off x="1860905" y="5763483"/>
               <a:ext cx="63202" cy="63202"/>
             </a:xfrm>
             <a:custGeom>
@@ -10512,7 +10512,7 @@
           </p:nvSpPr>
           <p:spPr>
             <a:xfrm>
-              <a:off x="1656467" y="5763447"/>
+              <a:off x="1735020" y="5763269"/>
               <a:ext cx="63202" cy="63202"/>
             </a:xfrm>
             <a:custGeom>
@@ -10555,7 +10555,7 @@
           </p:nvSpPr>
           <p:spPr>
             <a:xfrm>
-              <a:off x="2085017" y="5763161"/>
+              <a:off x="1754258" y="5763045"/>
               <a:ext cx="63202" cy="63202"/>
             </a:xfrm>
             <a:custGeom>
@@ -10598,7 +10598,7 @@
           </p:nvSpPr>
           <p:spPr>
             <a:xfrm>
-              <a:off x="2145330" y="5956151"/>
+              <a:off x="1598346" y="5956329"/>
               <a:ext cx="63202" cy="63202"/>
             </a:xfrm>
             <a:custGeom>
@@ -10641,7 +10641,7 @@
           </p:nvSpPr>
           <p:spPr>
             <a:xfrm>
-              <a:off x="1548583" y="5773547"/>
+              <a:off x="1958767" y="5773453"/>
               <a:ext cx="63202" cy="63202"/>
             </a:xfrm>
             <a:custGeom>
@@ -10684,7 +10684,7 @@
           </p:nvSpPr>
           <p:spPr>
             <a:xfrm>
-              <a:off x="1765500" y="5755409"/>
+              <a:off x="2135635" y="5755437"/>
               <a:ext cx="63202" cy="63202"/>
             </a:xfrm>
             <a:custGeom>
@@ -10727,7 +10727,7 @@
           </p:nvSpPr>
           <p:spPr>
             <a:xfrm>
-              <a:off x="2173339" y="5669009"/>
+              <a:off x="2222841" y="5668906"/>
               <a:ext cx="63202" cy="63202"/>
             </a:xfrm>
             <a:custGeom>
@@ -10770,7 +10770,7 @@
           </p:nvSpPr>
           <p:spPr>
             <a:xfrm>
-              <a:off x="1875176" y="5876403"/>
+              <a:off x="1561374" y="5876114"/>
               <a:ext cx="63202" cy="63202"/>
             </a:xfrm>
             <a:custGeom>
@@ -10813,7 +10813,7 @@
           </p:nvSpPr>
           <p:spPr>
             <a:xfrm>
-              <a:off x="2777728" y="6239769"/>
+              <a:off x="2803234" y="6239752"/>
               <a:ext cx="63202" cy="63202"/>
             </a:xfrm>
             <a:custGeom>
@@ -10856,7 +10856,7 @@
           </p:nvSpPr>
           <p:spPr>
             <a:xfrm>
-              <a:off x="2193335" y="6029544"/>
+              <a:off x="2095050" y="6029534"/>
               <a:ext cx="63202" cy="63202"/>
             </a:xfrm>
             <a:custGeom>
@@ -10899,7 +10899,7 @@
           </p:nvSpPr>
           <p:spPr>
             <a:xfrm>
-              <a:off x="2746699" y="6271464"/>
+              <a:off x="2469449" y="6271640"/>
               <a:ext cx="63202" cy="63202"/>
             </a:xfrm>
             <a:custGeom>
@@ -10942,7 +10942,7 @@
           </p:nvSpPr>
           <p:spPr>
             <a:xfrm>
-              <a:off x="2873347" y="6276282"/>
+              <a:off x="2786296" y="6276269"/>
               <a:ext cx="63202" cy="63202"/>
             </a:xfrm>
             <a:custGeom>
@@ -10985,7 +10985,7 @@
           </p:nvSpPr>
           <p:spPr>
             <a:xfrm>
-              <a:off x="1566269" y="5843065"/>
+              <a:off x="1673245" y="5842981"/>
               <a:ext cx="63202" cy="63202"/>
             </a:xfrm>
             <a:custGeom>
@@ -11028,7 +11028,7 @@
           </p:nvSpPr>
           <p:spPr>
             <a:xfrm>
-              <a:off x="1845820" y="5838187"/>
+              <a:off x="1844593" y="5838253"/>
               <a:ext cx="63202" cy="63202"/>
             </a:xfrm>
             <a:custGeom>
@@ -11071,7 +11071,7 @@
           </p:nvSpPr>
           <p:spPr>
             <a:xfrm>
-              <a:off x="1781849" y="5838362"/>
+              <a:off x="2126556" y="5838351"/>
               <a:ext cx="63202" cy="63202"/>
             </a:xfrm>
             <a:custGeom>
@@ -11114,7 +11114,7 @@
           </p:nvSpPr>
           <p:spPr>
             <a:xfrm>
-              <a:off x="1594578" y="5829231"/>
+              <a:off x="2139742" y="5829025"/>
               <a:ext cx="63202" cy="63202"/>
             </a:xfrm>
             <a:custGeom>
@@ -11157,7 +11157,7 @@
           </p:nvSpPr>
           <p:spPr>
             <a:xfrm>
-              <a:off x="1894456" y="5931644"/>
+              <a:off x="2045235" y="5931687"/>
               <a:ext cx="63202" cy="63202"/>
             </a:xfrm>
             <a:custGeom>
@@ -11200,7 +11200,7 @@
           </p:nvSpPr>
           <p:spPr>
             <a:xfrm>
-              <a:off x="2916456" y="6328945"/>
+              <a:off x="2644792" y="6329140"/>
               <a:ext cx="63202" cy="63202"/>
             </a:xfrm>
             <a:custGeom>
@@ -11243,7 +11243,7 @@
           </p:nvSpPr>
           <p:spPr>
             <a:xfrm>
-              <a:off x="2772944" y="6239526"/>
+              <a:off x="2540252" y="6239300"/>
               <a:ext cx="63202" cy="63202"/>
             </a:xfrm>
             <a:custGeom>
@@ -11286,7 +11286,7 @@
           </p:nvSpPr>
           <p:spPr>
             <a:xfrm>
-              <a:off x="1557694" y="6054706"/>
+              <a:off x="1642598" y="6054748"/>
               <a:ext cx="63202" cy="63202"/>
             </a:xfrm>
             <a:custGeom>
@@ -11329,7 +11329,7 @@
           </p:nvSpPr>
           <p:spPr>
             <a:xfrm>
-              <a:off x="2839113" y="6255920"/>
+              <a:off x="2877864" y="6256147"/>
               <a:ext cx="63202" cy="63202"/>
             </a:xfrm>
             <a:custGeom>
@@ -11372,7 +11372,7 @@
           </p:nvSpPr>
           <p:spPr>
             <a:xfrm>
-              <a:off x="2990588" y="6239338"/>
+              <a:off x="2566542" y="6239281"/>
               <a:ext cx="63202" cy="63202"/>
             </a:xfrm>
             <a:custGeom>
@@ -11415,7 +11415,7 @@
           </p:nvSpPr>
           <p:spPr>
             <a:xfrm>
-              <a:off x="1629848" y="5759713"/>
+              <a:off x="1647172" y="5759610"/>
               <a:ext cx="63202" cy="63202"/>
             </a:xfrm>
             <a:custGeom>
@@ -11458,7 +11458,7 @@
           </p:nvSpPr>
           <p:spPr>
             <a:xfrm>
-              <a:off x="3522350" y="6755980"/>
+              <a:off x="3827825" y="6756109"/>
               <a:ext cx="63202" cy="63202"/>
             </a:xfrm>
             <a:custGeom>
@@ -11501,7 +11501,7 @@
           </p:nvSpPr>
           <p:spPr>
             <a:xfrm>
-              <a:off x="1954678" y="5974079"/>
+              <a:off x="2228031" y="5973936"/>
               <a:ext cx="63202" cy="63202"/>
             </a:xfrm>
             <a:custGeom>
@@ -11544,7 +11544,7 @@
           </p:nvSpPr>
           <p:spPr>
             <a:xfrm>
-              <a:off x="1836011" y="5745053"/>
+              <a:off x="1936725" y="5744992"/>
               <a:ext cx="63202" cy="63202"/>
             </a:xfrm>
             <a:custGeom>
@@ -11587,7 +11587,7 @@
           </p:nvSpPr>
           <p:spPr>
             <a:xfrm>
-              <a:off x="1750852" y="5828389"/>
+              <a:off x="1913289" y="5828153"/>
               <a:ext cx="63202" cy="63202"/>
             </a:xfrm>
             <a:custGeom>
@@ -11630,7 +11630,7 @@
           </p:nvSpPr>
           <p:spPr>
             <a:xfrm>
-              <a:off x="1673969" y="5755308"/>
+              <a:off x="1975899" y="5755423"/>
               <a:ext cx="63202" cy="63202"/>
             </a:xfrm>
             <a:custGeom>
@@ -11673,7 +11673,7 @@
           </p:nvSpPr>
           <p:spPr>
             <a:xfrm>
-              <a:off x="2172674" y="5756939"/>
+              <a:off x="2158943" y="5756641"/>
               <a:ext cx="63202" cy="63202"/>
             </a:xfrm>
             <a:custGeom>
@@ -11716,7 +11716,7 @@
           </p:nvSpPr>
           <p:spPr>
             <a:xfrm>
-              <a:off x="1622281" y="5774189"/>
+              <a:off x="1952323" y="5774082"/>
               <a:ext cx="63202" cy="63202"/>
             </a:xfrm>
             <a:custGeom>
@@ -11759,7 +11759,7 @@
           </p:nvSpPr>
           <p:spPr>
             <a:xfrm>
-              <a:off x="2156245" y="5767850"/>
+              <a:off x="2100002" y="5767811"/>
               <a:ext cx="63202" cy="63202"/>
             </a:xfrm>
             <a:custGeom>
@@ -11802,7 +11802,7 @@
           </p:nvSpPr>
           <p:spPr>
             <a:xfrm>
-              <a:off x="3806661" y="6809079"/>
+              <a:off x="3866607" y="6809079"/>
               <a:ext cx="63202" cy="63202"/>
             </a:xfrm>
             <a:custGeom>
@@ -11901,7 +11901,7 @@
           </p:nvSpPr>
           <p:spPr>
             <a:xfrm>
-              <a:off x="4284320" y="2806779"/>
+              <a:off x="4284320" y="2806780"/>
               <a:ext cx="2817450" cy="0"/>
             </a:xfrm>
             <a:custGeom>
@@ -11944,7 +11944,7 @@
           </p:nvSpPr>
           <p:spPr>
             <a:xfrm>
-              <a:off x="4284320" y="2438082"/>
+              <a:off x="4284320" y="2438057"/>
               <a:ext cx="2817450" cy="0"/>
             </a:xfrm>
             <a:custGeom>
@@ -11987,7 +11987,7 @@
           </p:nvSpPr>
           <p:spPr>
             <a:xfrm>
-              <a:off x="4284320" y="2069384"/>
+              <a:off x="4284320" y="2069335"/>
               <a:ext cx="2817450" cy="0"/>
             </a:xfrm>
             <a:custGeom>
@@ -12030,7 +12030,7 @@
           </p:nvSpPr>
           <p:spPr>
             <a:xfrm>
-              <a:off x="4284320" y="1700686"/>
+              <a:off x="4284320" y="1700613"/>
               <a:ext cx="2817450" cy="0"/>
             </a:xfrm>
             <a:custGeom>
@@ -12073,7 +12073,7 @@
           </p:nvSpPr>
           <p:spPr>
             <a:xfrm>
-              <a:off x="4284320" y="2991128"/>
+              <a:off x="4284320" y="2991141"/>
               <a:ext cx="2817450" cy="0"/>
             </a:xfrm>
             <a:custGeom>
@@ -12116,7 +12116,7 @@
           </p:nvSpPr>
           <p:spPr>
             <a:xfrm>
-              <a:off x="4284320" y="2622430"/>
+              <a:off x="4284320" y="2622418"/>
               <a:ext cx="2817450" cy="0"/>
             </a:xfrm>
             <a:custGeom>
@@ -12159,7 +12159,7 @@
           </p:nvSpPr>
           <p:spPr>
             <a:xfrm>
-              <a:off x="4284320" y="2253733"/>
+              <a:off x="4284320" y="2253696"/>
               <a:ext cx="2817450" cy="0"/>
             </a:xfrm>
             <a:custGeom>
@@ -12202,7 +12202,7 @@
           </p:nvSpPr>
           <p:spPr>
             <a:xfrm>
-              <a:off x="4284320" y="1885035"/>
+              <a:off x="4284320" y="1884974"/>
               <a:ext cx="2817450" cy="0"/>
             </a:xfrm>
             <a:custGeom>
@@ -12245,7 +12245,7 @@
           </p:nvSpPr>
           <p:spPr>
             <a:xfrm>
-              <a:off x="4284320" y="1516338"/>
+              <a:off x="4284320" y="1516252"/>
               <a:ext cx="2817450" cy="0"/>
             </a:xfrm>
             <a:custGeom>
@@ -12417,7 +12417,7 @@
           </p:nvSpPr>
           <p:spPr>
             <a:xfrm>
-              <a:off x="5125708" y="1668491"/>
+              <a:off x="4780113" y="1668144"/>
               <a:ext cx="63202" cy="63202"/>
             </a:xfrm>
             <a:custGeom>
@@ -12460,7 +12460,7 @@
           </p:nvSpPr>
           <p:spPr>
             <a:xfrm>
-              <a:off x="4568089" y="1721918"/>
+              <a:off x="4760991" y="1721773"/>
               <a:ext cx="63202" cy="63202"/>
             </a:xfrm>
             <a:custGeom>
@@ -12503,7 +12503,7 @@
           </p:nvSpPr>
           <p:spPr>
             <a:xfrm>
-              <a:off x="4972871" y="1629575"/>
+              <a:off x="4878454" y="1629701"/>
               <a:ext cx="63202" cy="63202"/>
             </a:xfrm>
             <a:custGeom>
@@ -12546,7 +12546,7 @@
           </p:nvSpPr>
           <p:spPr>
             <a:xfrm>
-              <a:off x="4985965" y="1624197"/>
+              <a:off x="5026979" y="1624146"/>
               <a:ext cx="63202" cy="63202"/>
             </a:xfrm>
             <a:custGeom>
@@ -12589,7 +12589,7 @@
           </p:nvSpPr>
           <p:spPr>
             <a:xfrm>
-              <a:off x="4609276" y="1610138"/>
+              <a:off x="5129357" y="1610129"/>
               <a:ext cx="63202" cy="63202"/>
             </a:xfrm>
             <a:custGeom>
@@ -12632,7 +12632,7 @@
           </p:nvSpPr>
           <p:spPr>
             <a:xfrm>
-              <a:off x="4960555" y="1650918"/>
+              <a:off x="4851068" y="1651081"/>
               <a:ext cx="63202" cy="63202"/>
             </a:xfrm>
             <a:custGeom>
@@ -12675,7 +12675,7 @@
           </p:nvSpPr>
           <p:spPr>
             <a:xfrm>
-              <a:off x="4493038" y="1640612"/>
+              <a:off x="4592617" y="1640657"/>
               <a:ext cx="63202" cy="63202"/>
             </a:xfrm>
             <a:custGeom>
@@ -12718,7 +12718,7 @@
           </p:nvSpPr>
           <p:spPr>
             <a:xfrm>
-              <a:off x="5102928" y="1638846"/>
+              <a:off x="4934305" y="1638854"/>
               <a:ext cx="63202" cy="63202"/>
             </a:xfrm>
             <a:custGeom>
@@ -12761,7 +12761,7 @@
           </p:nvSpPr>
           <p:spPr>
             <a:xfrm>
-              <a:off x="4761820" y="1633097"/>
+              <a:off x="4679003" y="1632953"/>
               <a:ext cx="63202" cy="63202"/>
             </a:xfrm>
             <a:custGeom>
@@ -12804,7 +12804,7 @@
           </p:nvSpPr>
           <p:spPr>
             <a:xfrm>
-              <a:off x="5040155" y="1599360"/>
+              <a:off x="4540213" y="1599179"/>
               <a:ext cx="63202" cy="63202"/>
             </a:xfrm>
             <a:custGeom>
@@ -12847,7 +12847,7 @@
           </p:nvSpPr>
           <p:spPr>
             <a:xfrm>
-              <a:off x="4734174" y="1643976"/>
+              <a:off x="4616172" y="1644037"/>
               <a:ext cx="63202" cy="63202"/>
             </a:xfrm>
             <a:custGeom>
@@ -12890,7 +12890,7 @@
           </p:nvSpPr>
           <p:spPr>
             <a:xfrm>
-              <a:off x="4977994" y="1648791"/>
+              <a:off x="4948760" y="1648657"/>
               <a:ext cx="63202" cy="63202"/>
             </a:xfrm>
             <a:custGeom>
@@ -12933,7 +12933,7 @@
           </p:nvSpPr>
           <p:spPr>
             <a:xfrm>
-              <a:off x="4814732" y="1649650"/>
+              <a:off x="5052101" y="1649448"/>
               <a:ext cx="63202" cy="63202"/>
             </a:xfrm>
             <a:custGeom>
@@ -12976,7 +12976,7 @@
           </p:nvSpPr>
           <p:spPr>
             <a:xfrm>
-              <a:off x="4556819" y="1591190"/>
+              <a:off x="4933242" y="1591301"/>
               <a:ext cx="63202" cy="63202"/>
             </a:xfrm>
             <a:custGeom>
@@ -13019,7 +13019,7 @@
           </p:nvSpPr>
           <p:spPr>
             <a:xfrm>
-              <a:off x="4933983" y="1641487"/>
+              <a:off x="4550580" y="1641428"/>
               <a:ext cx="63202" cy="63202"/>
             </a:xfrm>
             <a:custGeom>
@@ -13062,7 +13062,7 @@
           </p:nvSpPr>
           <p:spPr>
             <a:xfrm>
-              <a:off x="4750403" y="1589078"/>
+              <a:off x="4453966" y="1589078"/>
               <a:ext cx="63202" cy="63202"/>
             </a:xfrm>
             <a:custGeom>
@@ -13105,7 +13105,7 @@
           </p:nvSpPr>
           <p:spPr>
             <a:xfrm>
-              <a:off x="4707540" y="1645042"/>
+              <a:off x="5082701" y="1644904"/>
               <a:ext cx="63202" cy="63202"/>
             </a:xfrm>
             <a:custGeom>
@@ -13148,7 +13148,7 @@
           </p:nvSpPr>
           <p:spPr>
             <a:xfrm>
-              <a:off x="4915179" y="1642177"/>
+              <a:off x="4679657" y="1642170"/>
               <a:ext cx="63202" cy="63202"/>
             </a:xfrm>
             <a:custGeom>
@@ -13191,7 +13191,7 @@
           </p:nvSpPr>
           <p:spPr>
             <a:xfrm>
-              <a:off x="4627076" y="1671969"/>
+              <a:off x="5083485" y="1671822"/>
               <a:ext cx="63202" cy="63202"/>
             </a:xfrm>
             <a:custGeom>
@@ -13234,7 +13234,7 @@
           </p:nvSpPr>
           <p:spPr>
             <a:xfrm>
-              <a:off x="4852798" y="1795475"/>
+              <a:off x="4544736" y="1795585"/>
               <a:ext cx="63202" cy="63202"/>
             </a:xfrm>
             <a:custGeom>
@@ -13277,7 +13277,7 @@
           </p:nvSpPr>
           <p:spPr>
             <a:xfrm>
-              <a:off x="4761589" y="1940550"/>
+              <a:off x="4631728" y="1940534"/>
               <a:ext cx="63202" cy="63202"/>
             </a:xfrm>
             <a:custGeom>
@@ -13320,7 +13320,7 @@
           </p:nvSpPr>
           <p:spPr>
             <a:xfrm>
-              <a:off x="5017693" y="1646338"/>
+              <a:off x="4573645" y="1646129"/>
               <a:ext cx="63202" cy="63202"/>
             </a:xfrm>
             <a:custGeom>
@@ -13363,7 +13363,7 @@
           </p:nvSpPr>
           <p:spPr>
             <a:xfrm>
-              <a:off x="5348895" y="2420114"/>
+              <a:off x="5548154" y="2420047"/>
               <a:ext cx="63202" cy="63202"/>
             </a:xfrm>
             <a:custGeom>
@@ -13406,7 +13406,7 @@
           </p:nvSpPr>
           <p:spPr>
             <a:xfrm>
-              <a:off x="4895751" y="1633100"/>
+              <a:off x="4524058" y="1632760"/>
               <a:ext cx="63202" cy="63202"/>
             </a:xfrm>
             <a:custGeom>
@@ -13449,7 +13449,7 @@
           </p:nvSpPr>
           <p:spPr>
             <a:xfrm>
-              <a:off x="4624028" y="1839374"/>
+              <a:off x="4639521" y="1839452"/>
               <a:ext cx="63202" cy="63202"/>
             </a:xfrm>
             <a:custGeom>
@@ -13492,7 +13492,7 @@
           </p:nvSpPr>
           <p:spPr>
             <a:xfrm>
-              <a:off x="4505379" y="1668653"/>
+              <a:off x="5093290" y="1668660"/>
               <a:ext cx="63202" cy="63202"/>
             </a:xfrm>
             <a:custGeom>
@@ -13535,7 +13535,7 @@
           </p:nvSpPr>
           <p:spPr>
             <a:xfrm>
-              <a:off x="4785801" y="1817325"/>
+              <a:off x="4930493" y="1817210"/>
               <a:ext cx="63202" cy="63202"/>
             </a:xfrm>
             <a:custGeom>
@@ -13578,7 +13578,7 @@
           </p:nvSpPr>
           <p:spPr>
             <a:xfrm>
-              <a:off x="4429739" y="1597171"/>
+              <a:off x="4519303" y="1597074"/>
               <a:ext cx="63202" cy="63202"/>
             </a:xfrm>
             <a:custGeom>
@@ -13621,7 +13621,7 @@
           </p:nvSpPr>
           <p:spPr>
             <a:xfrm>
-              <a:off x="4779915" y="1627355"/>
+              <a:off x="5037776" y="1627448"/>
               <a:ext cx="63202" cy="63202"/>
             </a:xfrm>
             <a:custGeom>
@@ -13664,7 +13664,7 @@
           </p:nvSpPr>
           <p:spPr>
             <a:xfrm>
-              <a:off x="5070505" y="1630125"/>
+              <a:off x="4870992" y="1629918"/>
               <a:ext cx="63202" cy="63202"/>
             </a:xfrm>
             <a:custGeom>
@@ -13707,7 +13707,7 @@
           </p:nvSpPr>
           <p:spPr>
             <a:xfrm>
-              <a:off x="5973968" y="2667005"/>
+              <a:off x="5695934" y="2667005"/>
               <a:ext cx="63202" cy="63202"/>
             </a:xfrm>
             <a:custGeom>
@@ -13750,7 +13750,7 @@
           </p:nvSpPr>
           <p:spPr>
             <a:xfrm>
-              <a:off x="4835791" y="1648905"/>
+              <a:off x="5051422" y="1648638"/>
               <a:ext cx="63202" cy="63202"/>
             </a:xfrm>
             <a:custGeom>
@@ -13793,7 +13793,7 @@
           </p:nvSpPr>
           <p:spPr>
             <a:xfrm>
-              <a:off x="5117944" y="1644512"/>
+              <a:off x="4434016" y="1644177"/>
               <a:ext cx="63202" cy="63202"/>
             </a:xfrm>
             <a:custGeom>
@@ -13836,7 +13836,7 @@
           </p:nvSpPr>
           <p:spPr>
             <a:xfrm>
-              <a:off x="4768037" y="1721038"/>
+              <a:off x="4712975" y="1720949"/>
               <a:ext cx="63202" cy="63202"/>
             </a:xfrm>
             <a:custGeom>
@@ -13879,7 +13879,7 @@
           </p:nvSpPr>
           <p:spPr>
             <a:xfrm>
-              <a:off x="4640622" y="1602722"/>
+              <a:off x="5075025" y="1602637"/>
               <a:ext cx="63202" cy="63202"/>
             </a:xfrm>
             <a:custGeom>
@@ -13922,7 +13922,7 @@
           </p:nvSpPr>
           <p:spPr>
             <a:xfrm>
-              <a:off x="4679796" y="1597700"/>
+              <a:off x="4514357" y="1597511"/>
               <a:ext cx="63202" cy="63202"/>
             </a:xfrm>
             <a:custGeom>
@@ -13965,7 +13965,7 @@
           </p:nvSpPr>
           <p:spPr>
             <a:xfrm>
-              <a:off x="5051760" y="1648127"/>
+              <a:off x="4864187" y="1647867"/>
               <a:ext cx="63202" cy="63202"/>
             </a:xfrm>
             <a:custGeom>
@@ -14008,7 +14008,7 @@
           </p:nvSpPr>
           <p:spPr>
             <a:xfrm>
-              <a:off x="4534390" y="1648025"/>
+              <a:off x="4535522" y="1648110"/>
               <a:ext cx="63202" cy="63202"/>
             </a:xfrm>
             <a:custGeom>
@@ -14051,7 +14051,7 @@
           </p:nvSpPr>
           <p:spPr>
             <a:xfrm>
-              <a:off x="4684903" y="1637471"/>
+              <a:off x="4868303" y="1637283"/>
               <a:ext cx="63202" cy="63202"/>
             </a:xfrm>
             <a:custGeom>
@@ -14094,7 +14094,7 @@
           </p:nvSpPr>
           <p:spPr>
             <a:xfrm>
-              <a:off x="5017166" y="2190554"/>
+              <a:off x="4900043" y="2190375"/>
               <a:ext cx="63202" cy="63202"/>
             </a:xfrm>
             <a:custGeom>
@@ -14137,7 +14137,7 @@
           </p:nvSpPr>
           <p:spPr>
             <a:xfrm>
-              <a:off x="4707041" y="1670453"/>
+              <a:off x="4899146" y="1670600"/>
               <a:ext cx="63202" cy="63202"/>
             </a:xfrm>
             <a:custGeom>
@@ -14180,7 +14180,7 @@
           </p:nvSpPr>
           <p:spPr>
             <a:xfrm>
-              <a:off x="5008395" y="2210599"/>
+              <a:off x="4967511" y="2210583"/>
               <a:ext cx="63202" cy="63202"/>
             </a:xfrm>
             <a:custGeom>
@@ -14223,7 +14223,7 @@
           </p:nvSpPr>
           <p:spPr>
             <a:xfrm>
-              <a:off x="4605640" y="1582199"/>
+              <a:off x="5028806" y="1581860"/>
               <a:ext cx="63202" cy="63202"/>
             </a:xfrm>
             <a:custGeom>
@@ -14266,7 +14266,7 @@
           </p:nvSpPr>
           <p:spPr>
             <a:xfrm>
-              <a:off x="4448809" y="1931306"/>
+              <a:off x="4891868" y="1931072"/>
               <a:ext cx="63202" cy="63202"/>
             </a:xfrm>
             <a:custGeom>
@@ -14309,7 +14309,7 @@
           </p:nvSpPr>
           <p:spPr>
             <a:xfrm>
-              <a:off x="4815865" y="1640228"/>
+              <a:off x="4526496" y="1640385"/>
               <a:ext cx="63202" cy="63202"/>
             </a:xfrm>
             <a:custGeom>
@@ -14352,7 +14352,7 @@
           </p:nvSpPr>
           <p:spPr>
             <a:xfrm>
-              <a:off x="4974344" y="1708960"/>
+              <a:off x="4529954" y="1708972"/>
               <a:ext cx="63202" cy="63202"/>
             </a:xfrm>
             <a:custGeom>
@@ -14395,7 +14395,7 @@
           </p:nvSpPr>
           <p:spPr>
             <a:xfrm>
-              <a:off x="4706672" y="1716995"/>
+              <a:off x="4814632" y="1716940"/>
               <a:ext cx="63202" cy="63202"/>
             </a:xfrm>
             <a:custGeom>
@@ -14438,7 +14438,7 @@
           </p:nvSpPr>
           <p:spPr>
             <a:xfrm>
-              <a:off x="4683400" y="1665630"/>
+              <a:off x="5003858" y="1665595"/>
               <a:ext cx="63202" cy="63202"/>
             </a:xfrm>
             <a:custGeom>
@@ -14481,7 +14481,7 @@
           </p:nvSpPr>
           <p:spPr>
             <a:xfrm>
-              <a:off x="4915895" y="1649409"/>
+              <a:off x="4693472" y="1649446"/>
               <a:ext cx="63202" cy="63202"/>
             </a:xfrm>
             <a:custGeom>
@@ -14524,7 +14524,7 @@
           </p:nvSpPr>
           <p:spPr>
             <a:xfrm>
-              <a:off x="4554251" y="1647955"/>
+              <a:off x="4905979" y="1648005"/>
               <a:ext cx="63202" cy="63202"/>
             </a:xfrm>
             <a:custGeom>
@@ -14567,7 +14567,7 @@
           </p:nvSpPr>
           <p:spPr>
             <a:xfrm>
-              <a:off x="5099789" y="1759066"/>
+              <a:off x="4630926" y="1759030"/>
               <a:ext cx="63202" cy="63202"/>
             </a:xfrm>
             <a:custGeom>
@@ -14610,7 +14610,7 @@
           </p:nvSpPr>
           <p:spPr>
             <a:xfrm>
-              <a:off x="5047995" y="1788818"/>
+              <a:off x="4942911" y="1788788"/>
               <a:ext cx="63202" cy="63202"/>
             </a:xfrm>
             <a:custGeom>
@@ -14653,7 +14653,7 @@
           </p:nvSpPr>
           <p:spPr>
             <a:xfrm>
-              <a:off x="4981965" y="1663653"/>
+              <a:off x="4794797" y="1663393"/>
               <a:ext cx="63202" cy="63202"/>
             </a:xfrm>
             <a:custGeom>
@@ -14696,7 +14696,7 @@
           </p:nvSpPr>
           <p:spPr>
             <a:xfrm>
-              <a:off x="4537252" y="1653917"/>
+              <a:off x="4910765" y="1653856"/>
               <a:ext cx="63202" cy="63202"/>
             </a:xfrm>
             <a:custGeom>
@@ -14739,7 +14739,7 @@
           </p:nvSpPr>
           <p:spPr>
             <a:xfrm>
-              <a:off x="4956003" y="1710981"/>
+              <a:off x="4997008" y="1710956"/>
               <a:ext cx="63202" cy="63202"/>
             </a:xfrm>
             <a:custGeom>
@@ -14782,7 +14782,7 @@
           </p:nvSpPr>
           <p:spPr>
             <a:xfrm>
-              <a:off x="4908117" y="1640434"/>
+              <a:off x="4879059" y="1640119"/>
               <a:ext cx="63202" cy="63202"/>
             </a:xfrm>
             <a:custGeom>
@@ -14825,7 +14825,7 @@
           </p:nvSpPr>
           <p:spPr>
             <a:xfrm>
-              <a:off x="5109028" y="1588697"/>
+              <a:off x="4492905" y="1588562"/>
               <a:ext cx="63202" cy="63202"/>
             </a:xfrm>
             <a:custGeom>
@@ -14868,7 +14868,7 @@
           </p:nvSpPr>
           <p:spPr>
             <a:xfrm>
-              <a:off x="4652099" y="1689399"/>
+              <a:off x="4605776" y="1689288"/>
               <a:ext cx="63202" cy="63202"/>
             </a:xfrm>
             <a:custGeom>
@@ -14911,7 +14911,7 @@
           </p:nvSpPr>
           <p:spPr>
             <a:xfrm>
-              <a:off x="4674849" y="1759151"/>
+              <a:off x="4888549" y="1758916"/>
               <a:ext cx="63202" cy="63202"/>
             </a:xfrm>
             <a:custGeom>
@@ -14954,7 +14954,7 @@
           </p:nvSpPr>
           <p:spPr>
             <a:xfrm>
-              <a:off x="4699845" y="1610412"/>
+              <a:off x="4602576" y="1610513"/>
               <a:ext cx="63202" cy="63202"/>
             </a:xfrm>
             <a:custGeom>
@@ -14997,7 +14997,7 @@
           </p:nvSpPr>
           <p:spPr>
             <a:xfrm>
-              <a:off x="4584219" y="2117830"/>
+              <a:off x="4784755" y="2117801"/>
               <a:ext cx="63202" cy="63202"/>
             </a:xfrm>
             <a:custGeom>
@@ -15040,7 +15040,7 @@
           </p:nvSpPr>
           <p:spPr>
             <a:xfrm>
-              <a:off x="4967107" y="1722493"/>
+              <a:off x="5057383" y="1722407"/>
               <a:ext cx="63202" cy="63202"/>
             </a:xfrm>
             <a:custGeom>
@@ -15083,7 +15083,7 @@
           </p:nvSpPr>
           <p:spPr>
             <a:xfrm>
-              <a:off x="5021284" y="1659879"/>
+              <a:off x="4560258" y="1659702"/>
               <a:ext cx="63202" cy="63202"/>
             </a:xfrm>
             <a:custGeom>
@@ -15126,7 +15126,7 @@
           </p:nvSpPr>
           <p:spPr>
             <a:xfrm>
-              <a:off x="4477025" y="1590783"/>
+              <a:off x="5112827" y="1590940"/>
               <a:ext cx="63202" cy="63202"/>
             </a:xfrm>
             <a:custGeom>
@@ -15169,7 +15169,7 @@
           </p:nvSpPr>
           <p:spPr>
             <a:xfrm>
-              <a:off x="4831468" y="1594587"/>
+              <a:off x="4581522" y="1594569"/>
               <a:ext cx="63202" cy="63202"/>
             </a:xfrm>
             <a:custGeom>
@@ -15212,7 +15212,7 @@
           </p:nvSpPr>
           <p:spPr>
             <a:xfrm>
-              <a:off x="5096473" y="1683387"/>
+              <a:off x="4793353" y="1683472"/>
               <a:ext cx="63202" cy="63202"/>
             </a:xfrm>
             <a:custGeom>
@@ -15255,7 +15255,7 @@
           </p:nvSpPr>
           <p:spPr>
             <a:xfrm>
-              <a:off x="5021158" y="1637361"/>
+              <a:off x="4966215" y="1637167"/>
               <a:ext cx="63202" cy="63202"/>
             </a:xfrm>
             <a:custGeom>
@@ -15298,7 +15298,7 @@
           </p:nvSpPr>
           <p:spPr>
             <a:xfrm>
-              <a:off x="4583352" y="1915999"/>
+              <a:off x="4678256" y="1915998"/>
               <a:ext cx="63202" cy="63202"/>
             </a:xfrm>
             <a:custGeom>
@@ -15341,7 +15341,7 @@
           </p:nvSpPr>
           <p:spPr>
             <a:xfrm>
-              <a:off x="4670305" y="1645186"/>
+              <a:off x="4702663" y="1645122"/>
               <a:ext cx="63202" cy="63202"/>
             </a:xfrm>
             <a:custGeom>
@@ -15384,7 +15384,7 @@
           </p:nvSpPr>
           <p:spPr>
             <a:xfrm>
-              <a:off x="4818154" y="1866451"/>
+              <a:off x="4792421" y="1866166"/>
               <a:ext cx="63202" cy="63202"/>
             </a:xfrm>
             <a:custGeom>
@@ -15427,7 +15427,7 @@
           </p:nvSpPr>
           <p:spPr>
             <a:xfrm>
-              <a:off x="6891253" y="2957817"/>
+              <a:off x="6614452" y="2957740"/>
               <a:ext cx="63202" cy="63202"/>
             </a:xfrm>
             <a:custGeom>
@@ -15470,7 +15470,7 @@
           </p:nvSpPr>
           <p:spPr>
             <a:xfrm>
-              <a:off x="4776529" y="1735749"/>
+              <a:off x="4466984" y="1735782"/>
               <a:ext cx="63202" cy="63202"/>
             </a:xfrm>
             <a:custGeom>
@@ -15513,7 +15513,7 @@
           </p:nvSpPr>
           <p:spPr>
             <a:xfrm>
-              <a:off x="4567461" y="1651403"/>
+              <a:off x="4590953" y="1651448"/>
               <a:ext cx="63202" cy="63202"/>
             </a:xfrm>
             <a:custGeom>
@@ -15556,7 +15556,7 @@
           </p:nvSpPr>
           <p:spPr>
             <a:xfrm>
-              <a:off x="4961776" y="1963597"/>
+              <a:off x="4642618" y="1963700"/>
               <a:ext cx="63202" cy="63202"/>
             </a:xfrm>
             <a:custGeom>
@@ -15599,7 +15599,7 @@
           </p:nvSpPr>
           <p:spPr>
             <a:xfrm>
-              <a:off x="4586598" y="1960814"/>
+              <a:off x="4987724" y="1960605"/>
               <a:ext cx="63202" cy="63202"/>
             </a:xfrm>
             <a:custGeom>
@@ -15642,7 +15642,7 @@
           </p:nvSpPr>
           <p:spPr>
             <a:xfrm>
-              <a:off x="5912242" y="2555342"/>
+              <a:off x="5771137" y="2555397"/>
               <a:ext cx="63202" cy="63202"/>
             </a:xfrm>
             <a:custGeom>
@@ -15685,7 +15685,7 @@
           </p:nvSpPr>
           <p:spPr>
             <a:xfrm>
-              <a:off x="4930898" y="1653305"/>
+              <a:off x="4844239" y="1653185"/>
               <a:ext cx="63202" cy="63202"/>
             </a:xfrm>
             <a:custGeom>
@@ -15728,7 +15728,7 @@
           </p:nvSpPr>
           <p:spPr>
             <a:xfrm>
-              <a:off x="5064037" y="2180556"/>
+              <a:off x="4876262" y="2180493"/>
               <a:ext cx="63202" cy="63202"/>
             </a:xfrm>
             <a:custGeom>
@@ -15771,7 +15771,7 @@
           </p:nvSpPr>
           <p:spPr>
             <a:xfrm>
-              <a:off x="4791389" y="1650577"/>
+              <a:off x="4440444" y="1650639"/>
               <a:ext cx="63202" cy="63202"/>
             </a:xfrm>
             <a:custGeom>
@@ -15814,7 +15814,7 @@
           </p:nvSpPr>
           <p:spPr>
             <a:xfrm>
-              <a:off x="4582066" y="1697178"/>
+              <a:off x="4882964" y="1697063"/>
               <a:ext cx="63202" cy="63202"/>
             </a:xfrm>
             <a:custGeom>
@@ -15857,7 +15857,7 @@
           </p:nvSpPr>
           <p:spPr>
             <a:xfrm>
-              <a:off x="4544217" y="1667586"/>
+              <a:off x="4651413" y="1667398"/>
               <a:ext cx="63202" cy="63202"/>
             </a:xfrm>
             <a:custGeom>
@@ -15900,7 +15900,7 @@
           </p:nvSpPr>
           <p:spPr>
             <a:xfrm>
-              <a:off x="5005516" y="1784894"/>
+              <a:off x="4803075" y="1784805"/>
               <a:ext cx="63202" cy="63202"/>
             </a:xfrm>
             <a:custGeom>
@@ -15943,7 +15943,7 @@
           </p:nvSpPr>
           <p:spPr>
             <a:xfrm>
-              <a:off x="5054405" y="1648125"/>
+              <a:off x="4450486" y="1647855"/>
               <a:ext cx="63202" cy="63202"/>
             </a:xfrm>
             <a:custGeom>
@@ -15986,7 +15986,7 @@
           </p:nvSpPr>
           <p:spPr>
             <a:xfrm>
-              <a:off x="4825468" y="1593770"/>
+              <a:off x="5102655" y="1593709"/>
               <a:ext cx="63202" cy="63202"/>
             </a:xfrm>
             <a:custGeom>
@@ -16029,7 +16029,7 @@
           </p:nvSpPr>
           <p:spPr>
             <a:xfrm>
-              <a:off x="4511820" y="1739367"/>
+              <a:off x="4566786" y="1739569"/>
               <a:ext cx="63202" cy="63202"/>
             </a:xfrm>
             <a:custGeom>
@@ -16072,7 +16072,7 @@
           </p:nvSpPr>
           <p:spPr>
             <a:xfrm>
-              <a:off x="4746008" y="1734221"/>
+              <a:off x="4992199" y="1734232"/>
               <a:ext cx="63202" cy="63202"/>
             </a:xfrm>
             <a:custGeom>
@@ -16214,7 +16214,7 @@
           </p:nvSpPr>
           <p:spPr>
             <a:xfrm>
-              <a:off x="4284320" y="4363414"/>
+              <a:off x="4284320" y="4363390"/>
               <a:ext cx="2817450" cy="0"/>
             </a:xfrm>
             <a:custGeom>
@@ -16257,7 +16257,7 @@
           </p:nvSpPr>
           <p:spPr>
             <a:xfrm>
-              <a:off x="4284320" y="3994717"/>
+              <a:off x="4284320" y="3994668"/>
               <a:ext cx="2817450" cy="0"/>
             </a:xfrm>
             <a:custGeom>
@@ -16300,7 +16300,7 @@
           </p:nvSpPr>
           <p:spPr>
             <a:xfrm>
-              <a:off x="4284320" y="3626019"/>
+              <a:off x="4284320" y="3625945"/>
               <a:ext cx="2817450" cy="0"/>
             </a:xfrm>
             <a:custGeom>
@@ -16343,7 +16343,7 @@
           </p:nvSpPr>
           <p:spPr>
             <a:xfrm>
-              <a:off x="4284320" y="4916461"/>
+              <a:off x="4284320" y="4916473"/>
               <a:ext cx="2817450" cy="0"/>
             </a:xfrm>
             <a:custGeom>
@@ -16386,7 +16386,7 @@
           </p:nvSpPr>
           <p:spPr>
             <a:xfrm>
-              <a:off x="4284320" y="4547763"/>
+              <a:off x="4284320" y="4547751"/>
               <a:ext cx="2817450" cy="0"/>
             </a:xfrm>
             <a:custGeom>
@@ -16429,7 +16429,7 @@
           </p:nvSpPr>
           <p:spPr>
             <a:xfrm>
-              <a:off x="4284320" y="4179065"/>
+              <a:off x="4284320" y="4179029"/>
               <a:ext cx="2817450" cy="0"/>
             </a:xfrm>
             <a:custGeom>
@@ -16472,7 +16472,7 @@
           </p:nvSpPr>
           <p:spPr>
             <a:xfrm>
-              <a:off x="4284320" y="3810368"/>
+              <a:off x="4284320" y="3810307"/>
               <a:ext cx="2817450" cy="0"/>
             </a:xfrm>
             <a:custGeom>
@@ -16515,7 +16515,7 @@
           </p:nvSpPr>
           <p:spPr>
             <a:xfrm>
-              <a:off x="4284320" y="3441670"/>
+              <a:off x="4284320" y="3441584"/>
               <a:ext cx="2817450" cy="0"/>
             </a:xfrm>
             <a:custGeom>
@@ -16687,7 +16687,7 @@
           </p:nvSpPr>
           <p:spPr>
             <a:xfrm>
-              <a:off x="5582741" y="4160756"/>
+              <a:off x="5482386" y="4160713"/>
               <a:ext cx="63202" cy="63202"/>
             </a:xfrm>
             <a:custGeom>
@@ -16730,7 +16730,7 @@
           </p:nvSpPr>
           <p:spPr>
             <a:xfrm>
-              <a:off x="4829360" y="3691765"/>
+              <a:off x="4619934" y="3691736"/>
               <a:ext cx="63202" cy="63202"/>
             </a:xfrm>
             <a:custGeom>
@@ -16773,7 +16773,7 @@
           </p:nvSpPr>
           <p:spPr>
             <a:xfrm>
-              <a:off x="6197253" y="3947639"/>
+              <a:off x="6261884" y="3947712"/>
               <a:ext cx="63202" cy="63202"/>
             </a:xfrm>
             <a:custGeom>
@@ -16816,7 +16816,7 @@
           </p:nvSpPr>
           <p:spPr>
             <a:xfrm>
-              <a:off x="6288241" y="4838792"/>
+              <a:off x="6302995" y="4838878"/>
               <a:ext cx="63202" cy="63202"/>
             </a:xfrm>
             <a:custGeom>
@@ -16859,7 +16859,7 @@
           </p:nvSpPr>
           <p:spPr>
             <a:xfrm>
-              <a:off x="6208304" y="4870836"/>
+              <a:off x="6339997" y="4870960"/>
               <a:ext cx="63202" cy="63202"/>
             </a:xfrm>
             <a:custGeom>
@@ -16958,7 +16958,7 @@
           </p:nvSpPr>
           <p:spPr>
             <a:xfrm>
-              <a:off x="4284320" y="6657444"/>
+              <a:off x="4284320" y="6657445"/>
               <a:ext cx="2817450" cy="0"/>
             </a:xfrm>
             <a:custGeom>
@@ -17001,7 +17001,7 @@
           </p:nvSpPr>
           <p:spPr>
             <a:xfrm>
-              <a:off x="4284320" y="6288747"/>
+              <a:off x="4284320" y="6288722"/>
               <a:ext cx="2817450" cy="0"/>
             </a:xfrm>
             <a:custGeom>
@@ -17044,7 +17044,7 @@
           </p:nvSpPr>
           <p:spPr>
             <a:xfrm>
-              <a:off x="4284320" y="5920049"/>
+              <a:off x="4284320" y="5920000"/>
               <a:ext cx="2817450" cy="0"/>
             </a:xfrm>
             <a:custGeom>
@@ -17087,7 +17087,7 @@
           </p:nvSpPr>
           <p:spPr>
             <a:xfrm>
-              <a:off x="4284320" y="5551352"/>
+              <a:off x="4284320" y="5551278"/>
               <a:ext cx="2817450" cy="0"/>
             </a:xfrm>
             <a:custGeom>
@@ -17130,7 +17130,7 @@
           </p:nvSpPr>
           <p:spPr>
             <a:xfrm>
-              <a:off x="4284320" y="6841793"/>
+              <a:off x="4284320" y="6841806"/>
               <a:ext cx="2817450" cy="0"/>
             </a:xfrm>
             <a:custGeom>
@@ -17173,7 +17173,7 @@
           </p:nvSpPr>
           <p:spPr>
             <a:xfrm>
-              <a:off x="4284320" y="6473096"/>
+              <a:off x="4284320" y="6473084"/>
               <a:ext cx="2817450" cy="0"/>
             </a:xfrm>
             <a:custGeom>
@@ -17216,7 +17216,7 @@
           </p:nvSpPr>
           <p:spPr>
             <a:xfrm>
-              <a:off x="4284320" y="6104398"/>
+              <a:off x="4284320" y="6104361"/>
               <a:ext cx="2817450" cy="0"/>
             </a:xfrm>
             <a:custGeom>
@@ -17259,7 +17259,7 @@
           </p:nvSpPr>
           <p:spPr>
             <a:xfrm>
-              <a:off x="4284320" y="5735700"/>
+              <a:off x="4284320" y="5735639"/>
               <a:ext cx="2817450" cy="0"/>
             </a:xfrm>
             <a:custGeom>
@@ -17302,7 +17302,7 @@
           </p:nvSpPr>
           <p:spPr>
             <a:xfrm>
-              <a:off x="4284320" y="5367003"/>
+              <a:off x="4284320" y="5366917"/>
               <a:ext cx="2817450" cy="0"/>
             </a:xfrm>
             <a:custGeom>
@@ -17474,7 +17474,7 @@
           </p:nvSpPr>
           <p:spPr>
             <a:xfrm>
-              <a:off x="5096280" y="5399512"/>
+              <a:off x="4599945" y="5399454"/>
               <a:ext cx="63202" cy="63202"/>
             </a:xfrm>
             <a:custGeom>
@@ -17517,7 +17517,7 @@
           </p:nvSpPr>
           <p:spPr>
             <a:xfrm>
-              <a:off x="4864801" y="5333519"/>
+              <a:off x="4806540" y="5333523"/>
               <a:ext cx="63202" cy="63202"/>
             </a:xfrm>
             <a:custGeom>
@@ -17560,7 +17560,7 @@
           </p:nvSpPr>
           <p:spPr>
             <a:xfrm>
-              <a:off x="5131986" y="5353411"/>
+              <a:off x="4970459" y="5353393"/>
               <a:ext cx="63202" cy="63202"/>
             </a:xfrm>
             <a:custGeom>
@@ -17603,7 +17603,7 @@
           </p:nvSpPr>
           <p:spPr>
             <a:xfrm>
-              <a:off x="4916279" y="5356475"/>
+              <a:off x="4880497" y="5356218"/>
               <a:ext cx="63202" cy="63202"/>
             </a:xfrm>
             <a:custGeom>
@@ -17646,7 +17646,7 @@
           </p:nvSpPr>
           <p:spPr>
             <a:xfrm>
-              <a:off x="6265302" y="6802933"/>
+              <a:off x="6833119" y="6802771"/>
               <a:ext cx="63202" cy="63202"/>
             </a:xfrm>
             <a:custGeom>
@@ -17689,7 +17689,7 @@
           </p:nvSpPr>
           <p:spPr>
             <a:xfrm>
-              <a:off x="4902797" y="5385398"/>
+              <a:off x="4938041" y="5385410"/>
               <a:ext cx="63202" cy="63202"/>
             </a:xfrm>
             <a:custGeom>
@@ -17732,7 +17732,7 @@
           </p:nvSpPr>
           <p:spPr>
             <a:xfrm>
-              <a:off x="4904751" y="5339195"/>
+              <a:off x="4490225" y="5339004"/>
               <a:ext cx="63202" cy="63202"/>
             </a:xfrm>
             <a:custGeom>
@@ -17775,7 +17775,7 @@
           </p:nvSpPr>
           <p:spPr>
             <a:xfrm>
-              <a:off x="4856697" y="5395912"/>
+              <a:off x="4442601" y="5395817"/>
               <a:ext cx="63202" cy="63202"/>
             </a:xfrm>
             <a:custGeom>
@@ -17818,7 +17818,7 @@
           </p:nvSpPr>
           <p:spPr>
             <a:xfrm>
-              <a:off x="4525401" y="5358904"/>
+              <a:off x="5047883" y="5359011"/>
               <a:ext cx="63202" cy="63202"/>
             </a:xfrm>
             <a:custGeom>
@@ -17861,7 +17861,7 @@
           </p:nvSpPr>
           <p:spPr>
             <a:xfrm>
-              <a:off x="4908367" y="5395977"/>
+              <a:off x="5058354" y="5395661"/>
               <a:ext cx="63202" cy="63202"/>
             </a:xfrm>
             <a:custGeom>
@@ -17904,7 +17904,7 @@
           </p:nvSpPr>
           <p:spPr>
             <a:xfrm>
-              <a:off x="4436055" y="5350950"/>
+              <a:off x="4503535" y="5350720"/>
               <a:ext cx="63202" cy="63202"/>
             </a:xfrm>
             <a:custGeom>
@@ -17947,7 +17947,7 @@
           </p:nvSpPr>
           <p:spPr>
             <a:xfrm>
-              <a:off x="4791129" y="5502129"/>
+              <a:off x="5034547" y="5502112"/>
               <a:ext cx="63202" cy="63202"/>
             </a:xfrm>
             <a:custGeom>
@@ -17990,7 +17990,7 @@
           </p:nvSpPr>
           <p:spPr>
             <a:xfrm>
-              <a:off x="4717272" y="5332916"/>
+              <a:off x="4671434" y="5332803"/>
               <a:ext cx="63202" cy="63202"/>
             </a:xfrm>
             <a:custGeom>
@@ -18033,7 +18033,7 @@
           </p:nvSpPr>
           <p:spPr>
             <a:xfrm>
-              <a:off x="5032737" y="5350181"/>
+              <a:off x="4749055" y="5349935"/>
               <a:ext cx="63202" cy="63202"/>
             </a:xfrm>
             <a:custGeom>
@@ -18076,7 +18076,7 @@
           </p:nvSpPr>
           <p:spPr>
             <a:xfrm>
-              <a:off x="4509934" y="5350063"/>
+              <a:off x="4623837" y="5350151"/>
               <a:ext cx="63202" cy="63202"/>
             </a:xfrm>
             <a:custGeom>
@@ -18119,7 +18119,7 @@
           </p:nvSpPr>
           <p:spPr>
             <a:xfrm>
-              <a:off x="4840676" y="5328267"/>
+              <a:off x="4818537" y="5328302"/>
               <a:ext cx="63202" cy="63202"/>
             </a:xfrm>
             <a:custGeom>
@@ -18162,7 +18162,7 @@
           </p:nvSpPr>
           <p:spPr>
             <a:xfrm>
-              <a:off x="5093527" y="5351383"/>
+              <a:off x="4769330" y="5351283"/>
               <a:ext cx="63202" cy="63202"/>
             </a:xfrm>
             <a:custGeom>
@@ -18205,7 +18205,7 @@
           </p:nvSpPr>
           <p:spPr>
             <a:xfrm>
-              <a:off x="4580486" y="5322827"/>
+              <a:off x="4521120" y="5322914"/>
               <a:ext cx="63202" cy="63202"/>
             </a:xfrm>
             <a:custGeom>
@@ -18248,7 +18248,7 @@
           </p:nvSpPr>
           <p:spPr>
             <a:xfrm>
-              <a:off x="4535987" y="5385557"/>
+              <a:off x="4881680" y="5385550"/>
               <a:ext cx="63202" cy="63202"/>
             </a:xfrm>
             <a:custGeom>
@@ -18291,7 +18291,7 @@
           </p:nvSpPr>
           <p:spPr>
             <a:xfrm>
-              <a:off x="4953177" y="5322148"/>
+              <a:off x="4871488" y="5322114"/>
               <a:ext cx="63202" cy="63202"/>
             </a:xfrm>
             <a:custGeom>
@@ -18334,7 +18334,7 @@
           </p:nvSpPr>
           <p:spPr>
             <a:xfrm>
-              <a:off x="4542097" y="5376238"/>
+              <a:off x="4545448" y="5376110"/>
               <a:ext cx="63202" cy="63202"/>
             </a:xfrm>
             <a:custGeom>
@@ -18377,7 +18377,7 @@
           </p:nvSpPr>
           <p:spPr>
             <a:xfrm>
-              <a:off x="5115535" y="5370452"/>
+              <a:off x="4447392" y="5370321"/>
               <a:ext cx="63202" cy="63202"/>
             </a:xfrm>
             <a:custGeom>
@@ -18420,7 +18420,7 @@
           </p:nvSpPr>
           <p:spPr>
             <a:xfrm>
-              <a:off x="4485585" y="5394783"/>
+              <a:off x="4865723" y="5394688"/>
               <a:ext cx="63202" cy="63202"/>
             </a:xfrm>
             <a:custGeom>
@@ -18463,7 +18463,7 @@
           </p:nvSpPr>
           <p:spPr>
             <a:xfrm>
-              <a:off x="4878183" y="5381710"/>
+              <a:off x="4785286" y="5381917"/>
               <a:ext cx="63202" cy="63202"/>
             </a:xfrm>
             <a:custGeom>
@@ -18506,7 +18506,7 @@
           </p:nvSpPr>
           <p:spPr>
             <a:xfrm>
-              <a:off x="4800500" y="5340326"/>
+              <a:off x="4829089" y="5340041"/>
               <a:ext cx="63202" cy="63202"/>
             </a:xfrm>
             <a:custGeom>
@@ -18549,7 +18549,7 @@
           </p:nvSpPr>
           <p:spPr>
             <a:xfrm>
-              <a:off x="4804987" y="5385303"/>
+              <a:off x="4761567" y="5385071"/>
               <a:ext cx="63202" cy="63202"/>
             </a:xfrm>
             <a:custGeom>
@@ -18592,7 +18592,7 @@
           </p:nvSpPr>
           <p:spPr>
             <a:xfrm>
-              <a:off x="4961625" y="5405328"/>
+              <a:off x="4996361" y="5405514"/>
               <a:ext cx="63202" cy="63202"/>
             </a:xfrm>
             <a:custGeom>
@@ -18635,7 +18635,7 @@
           </p:nvSpPr>
           <p:spPr>
             <a:xfrm>
-              <a:off x="4634929" y="5415341"/>
+              <a:off x="4531646" y="5415265"/>
               <a:ext cx="63202" cy="63202"/>
             </a:xfrm>
             <a:custGeom>
@@ -18678,7 +18678,7 @@
           </p:nvSpPr>
           <p:spPr>
             <a:xfrm>
-              <a:off x="4787751" y="5406437"/>
+              <a:off x="5079963" y="5406546"/>
               <a:ext cx="63202" cy="63202"/>
             </a:xfrm>
             <a:custGeom>
@@ -18721,7 +18721,7 @@
           </p:nvSpPr>
           <p:spPr>
             <a:xfrm>
-              <a:off x="4532441" y="5336056"/>
+              <a:off x="4921339" y="5335953"/>
               <a:ext cx="63202" cy="63202"/>
             </a:xfrm>
             <a:custGeom>
@@ -18764,7 +18764,7 @@
           </p:nvSpPr>
           <p:spPr>
             <a:xfrm>
-              <a:off x="4695129" y="5360174"/>
+              <a:off x="4695456" y="5359932"/>
               <a:ext cx="63202" cy="63202"/>
             </a:xfrm>
             <a:custGeom>
@@ -18807,7 +18807,7 @@
           </p:nvSpPr>
           <p:spPr>
             <a:xfrm>
-              <a:off x="4548245" y="5375262"/>
+              <a:off x="4560203" y="5375198"/>
               <a:ext cx="63202" cy="63202"/>
             </a:xfrm>
             <a:custGeom>
@@ -18850,7 +18850,7 @@
           </p:nvSpPr>
           <p:spPr>
             <a:xfrm>
-              <a:off x="4647434" y="5342285"/>
+              <a:off x="4547886" y="5342273"/>
               <a:ext cx="63202" cy="63202"/>
             </a:xfrm>
             <a:custGeom>
@@ -18893,7 +18893,7 @@
           </p:nvSpPr>
           <p:spPr>
             <a:xfrm>
-              <a:off x="4833847" y="5339147"/>
+              <a:off x="5116753" y="5339139"/>
               <a:ext cx="63202" cy="63202"/>
             </a:xfrm>
             <a:custGeom>
@@ -18936,7 +18936,7 @@
           </p:nvSpPr>
           <p:spPr>
             <a:xfrm>
-              <a:off x="5010564" y="5397771"/>
+              <a:off x="4968525" y="5397560"/>
               <a:ext cx="63202" cy="63202"/>
             </a:xfrm>
             <a:custGeom>
@@ -18979,7 +18979,7 @@
           </p:nvSpPr>
           <p:spPr>
             <a:xfrm>
-              <a:off x="4430656" y="5385507"/>
+              <a:off x="5121465" y="5385356"/>
               <a:ext cx="63202" cy="63202"/>
             </a:xfrm>
             <a:custGeom>
@@ -19022,7 +19022,7 @@
           </p:nvSpPr>
           <p:spPr>
             <a:xfrm>
-              <a:off x="4633506" y="5343131"/>
+              <a:off x="4595952" y="5343042"/>
               <a:ext cx="63202" cy="63202"/>
             </a:xfrm>
             <a:custGeom>
@@ -19065,7 +19065,7 @@
           </p:nvSpPr>
           <p:spPr>
             <a:xfrm>
-              <a:off x="4833246" y="5328473"/>
+              <a:off x="4465639" y="5328356"/>
               <a:ext cx="63202" cy="63202"/>
             </a:xfrm>
             <a:custGeom>
@@ -19108,7 +19108,7 @@
           </p:nvSpPr>
           <p:spPr>
             <a:xfrm>
-              <a:off x="4481668" y="5385503"/>
+              <a:off x="4645332" y="5385423"/>
               <a:ext cx="63202" cy="63202"/>
             </a:xfrm>
             <a:custGeom>
@@ -19151,7 +19151,7 @@
           </p:nvSpPr>
           <p:spPr>
             <a:xfrm>
-              <a:off x="4466890" y="5380238"/>
+              <a:off x="4782582" y="5380195"/>
               <a:ext cx="63202" cy="63202"/>
             </a:xfrm>
             <a:custGeom>
@@ -19194,7 +19194,7 @@
           </p:nvSpPr>
           <p:spPr>
             <a:xfrm>
-              <a:off x="4879784" y="5341293"/>
+              <a:off x="4899511" y="5341185"/>
               <a:ext cx="63202" cy="63202"/>
             </a:xfrm>
             <a:custGeom>
@@ -19237,7 +19237,7 @@
           </p:nvSpPr>
           <p:spPr>
             <a:xfrm>
-              <a:off x="4541669" y="5346603"/>
+              <a:off x="4541774" y="5346461"/>
               <a:ext cx="63202" cy="63202"/>
             </a:xfrm>
             <a:custGeom>
@@ -19280,7 +19280,7 @@
           </p:nvSpPr>
           <p:spPr>
             <a:xfrm>
-              <a:off x="5818053" y="6413132"/>
+              <a:off x="5604528" y="6413162"/>
               <a:ext cx="63202" cy="63202"/>
             </a:xfrm>
             <a:custGeom>
@@ -19323,7 +19323,7 @@
           </p:nvSpPr>
           <p:spPr>
             <a:xfrm>
-              <a:off x="4587479" y="5361532"/>
+              <a:off x="4926768" y="5361577"/>
               <a:ext cx="63202" cy="63202"/>
             </a:xfrm>
             <a:custGeom>
@@ -19366,7 +19366,7 @@
           </p:nvSpPr>
           <p:spPr>
             <a:xfrm>
-              <a:off x="5120809" y="5391091"/>
+              <a:off x="4918440" y="5390997"/>
               <a:ext cx="63202" cy="63202"/>
             </a:xfrm>
             <a:custGeom>
@@ -19409,7 +19409,7 @@
           </p:nvSpPr>
           <p:spPr>
             <a:xfrm>
-              <a:off x="4837389" y="5343854"/>
+              <a:off x="4845247" y="5343774"/>
               <a:ext cx="63202" cy="63202"/>
             </a:xfrm>
             <a:custGeom>
@@ -19452,7 +19452,7 @@
           </p:nvSpPr>
           <p:spPr>
             <a:xfrm>
-              <a:off x="5101185" y="5433172"/>
+              <a:off x="4437517" y="5432948"/>
               <a:ext cx="63202" cy="63202"/>
             </a:xfrm>
             <a:custGeom>
@@ -19495,7 +19495,7 @@
           </p:nvSpPr>
           <p:spPr>
             <a:xfrm>
-              <a:off x="4780035" y="5348537"/>
+              <a:off x="4764235" y="5348445"/>
               <a:ext cx="63202" cy="63202"/>
             </a:xfrm>
             <a:custGeom>
@@ -19538,7 +19538,7 @@
           </p:nvSpPr>
           <p:spPr>
             <a:xfrm>
-              <a:off x="5029967" y="5371115"/>
+              <a:off x="4791009" y="5371191"/>
               <a:ext cx="63202" cy="63202"/>
             </a:xfrm>
             <a:custGeom>
@@ -19581,7 +19581,7 @@
           </p:nvSpPr>
           <p:spPr>
             <a:xfrm>
-              <a:off x="4999417" y="5341544"/>
+              <a:off x="4744132" y="5341638"/>
               <a:ext cx="63202" cy="63202"/>
             </a:xfrm>
             <a:custGeom>
@@ -19624,7 +19624,7 @@
           </p:nvSpPr>
           <p:spPr>
             <a:xfrm>
-              <a:off x="4748555" y="5336119"/>
+              <a:off x="4748772" y="5336145"/>
               <a:ext cx="63202" cy="63202"/>
             </a:xfrm>
             <a:custGeom>
@@ -19667,7 +19667,7 @@
           </p:nvSpPr>
           <p:spPr>
             <a:xfrm>
-              <a:off x="5025876" y="5371656"/>
+              <a:off x="5110969" y="5371397"/>
               <a:ext cx="63202" cy="63202"/>
             </a:xfrm>
             <a:custGeom>
@@ -19710,7 +19710,7 @@
           </p:nvSpPr>
           <p:spPr>
             <a:xfrm>
-              <a:off x="4856236" y="5359617"/>
+              <a:off x="4558318" y="5359757"/>
               <a:ext cx="63202" cy="63202"/>
             </a:xfrm>
             <a:custGeom>
@@ -19753,7 +19753,7 @@
           </p:nvSpPr>
           <p:spPr>
             <a:xfrm>
-              <a:off x="4787456" y="5383378"/>
+              <a:off x="5047166" y="5383278"/>
               <a:ext cx="63202" cy="63202"/>
             </a:xfrm>
             <a:custGeom>
@@ -19796,7 +19796,7 @@
           </p:nvSpPr>
           <p:spPr>
             <a:xfrm>
-              <a:off x="4946417" y="5367003"/>
+              <a:off x="5058945" y="5367169"/>
               <a:ext cx="63202" cy="63202"/>
             </a:xfrm>
             <a:custGeom>
@@ -19839,7 +19839,7 @@
           </p:nvSpPr>
           <p:spPr>
             <a:xfrm>
-              <a:off x="4658779" y="5342171"/>
+              <a:off x="4680857" y="5341808"/>
               <a:ext cx="63202" cy="63202"/>
             </a:xfrm>
             <a:custGeom>
@@ -19882,7 +19882,7 @@
           </p:nvSpPr>
           <p:spPr>
             <a:xfrm>
-              <a:off x="4872880" y="5335915"/>
+              <a:off x="4678645" y="5335790"/>
               <a:ext cx="63202" cy="63202"/>
             </a:xfrm>
             <a:custGeom>
@@ -19925,7 +19925,7 @@
           </p:nvSpPr>
           <p:spPr>
             <a:xfrm>
-              <a:off x="4972567" y="5337318"/>
+              <a:off x="4996642" y="5337282"/>
               <a:ext cx="63202" cy="63202"/>
             </a:xfrm>
             <a:custGeom>
@@ -19968,7 +19968,7 @@
           </p:nvSpPr>
           <p:spPr>
             <a:xfrm>
-              <a:off x="4717490" y="5351387"/>
+              <a:off x="4563680" y="5351116"/>
               <a:ext cx="63202" cy="63202"/>
             </a:xfrm>
             <a:custGeom>
@@ -20011,7 +20011,7 @@
           </p:nvSpPr>
           <p:spPr>
             <a:xfrm>
-              <a:off x="4821410" y="5329359"/>
+              <a:off x="4541756" y="5329269"/>
               <a:ext cx="63202" cy="63202"/>
             </a:xfrm>
             <a:custGeom>
@@ -20054,7 +20054,7 @@
           </p:nvSpPr>
           <p:spPr>
             <a:xfrm>
-              <a:off x="4794557" y="5357464"/>
+              <a:off x="4451311" y="5357465"/>
               <a:ext cx="63202" cy="63202"/>
             </a:xfrm>
             <a:custGeom>
@@ -20097,7 +20097,7 @@
           </p:nvSpPr>
           <p:spPr>
             <a:xfrm>
-              <a:off x="4568728" y="5344384"/>
+              <a:off x="5056084" y="5344278"/>
               <a:ext cx="63202" cy="63202"/>
             </a:xfrm>
             <a:custGeom>
@@ -20140,7 +20140,7 @@
           </p:nvSpPr>
           <p:spPr>
             <a:xfrm>
-              <a:off x="6433555" y="6795301"/>
+              <a:off x="6887835" y="6795410"/>
               <a:ext cx="63202" cy="63202"/>
             </a:xfrm>
             <a:custGeom>
@@ -20183,7 +20183,7 @@
           </p:nvSpPr>
           <p:spPr>
             <a:xfrm>
-              <a:off x="4687355" y="5339181"/>
+              <a:off x="4583128" y="5338865"/>
               <a:ext cx="63202" cy="63202"/>
             </a:xfrm>
             <a:custGeom>
@@ -20226,7 +20226,7 @@
           </p:nvSpPr>
           <p:spPr>
             <a:xfrm>
-              <a:off x="5062717" y="5383810"/>
+              <a:off x="5040027" y="5383660"/>
               <a:ext cx="63202" cy="63202"/>
             </a:xfrm>
             <a:custGeom>
@@ -20269,7 +20269,7 @@
           </p:nvSpPr>
           <p:spPr>
             <a:xfrm>
-              <a:off x="4937031" y="5370834"/>
+              <a:off x="4464661" y="5370780"/>
               <a:ext cx="63202" cy="63202"/>
             </a:xfrm>
             <a:custGeom>
@@ -20312,7 +20312,7 @@
           </p:nvSpPr>
           <p:spPr>
             <a:xfrm>
-              <a:off x="4739007" y="5334548"/>
+              <a:off x="4708986" y="5334650"/>
               <a:ext cx="63202" cy="63202"/>
             </a:xfrm>
             <a:custGeom>
@@ -20355,7 +20355,7 @@
           </p:nvSpPr>
           <p:spPr>
             <a:xfrm>
-              <a:off x="4696926" y="5584342"/>
+              <a:off x="4974853" y="5584335"/>
               <a:ext cx="63202" cy="63202"/>
             </a:xfrm>
             <a:custGeom>
@@ -20398,7 +20398,7 @@
           </p:nvSpPr>
           <p:spPr>
             <a:xfrm>
-              <a:off x="5704394" y="6224477"/>
+              <a:off x="5665518" y="6224371"/>
               <a:ext cx="63202" cy="63202"/>
             </a:xfrm>
             <a:custGeom>
@@ -20441,7 +20441,7 @@
           </p:nvSpPr>
           <p:spPr>
             <a:xfrm>
-              <a:off x="4803923" y="5386026"/>
+              <a:off x="4490124" y="5385940"/>
               <a:ext cx="63202" cy="63202"/>
             </a:xfrm>
             <a:custGeom>
@@ -20484,7 +20484,7 @@
           </p:nvSpPr>
           <p:spPr>
             <a:xfrm>
-              <a:off x="4961698" y="5377028"/>
+              <a:off x="4589954" y="5377101"/>
               <a:ext cx="63202" cy="63202"/>
             </a:xfrm>
             <a:custGeom>
@@ -20527,7 +20527,7 @@
           </p:nvSpPr>
           <p:spPr>
             <a:xfrm>
-              <a:off x="4589068" y="5328499"/>
+              <a:off x="4701018" y="5328423"/>
               <a:ext cx="63202" cy="63202"/>
             </a:xfrm>
             <a:custGeom>
@@ -20570,7 +20570,7 @@
           </p:nvSpPr>
           <p:spPr>
             <a:xfrm>
-              <a:off x="4929002" y="5520100"/>
+              <a:off x="4996029" y="5520100"/>
               <a:ext cx="63202" cy="63202"/>
             </a:xfrm>
             <a:custGeom>
@@ -20613,7 +20613,7 @@
           </p:nvSpPr>
           <p:spPr>
             <a:xfrm>
-              <a:off x="5017677" y="5323468"/>
+              <a:off x="4969412" y="5323542"/>
               <a:ext cx="63202" cy="63202"/>
             </a:xfrm>
             <a:custGeom>
@@ -20656,7 +20656,7 @@
           </p:nvSpPr>
           <p:spPr>
             <a:xfrm>
-              <a:off x="5040353" y="5375362"/>
+              <a:off x="4894827" y="5375105"/>
               <a:ext cx="63202" cy="63202"/>
             </a:xfrm>
             <a:custGeom>
@@ -20699,7 +20699,7 @@
           </p:nvSpPr>
           <p:spPr>
             <a:xfrm>
-              <a:off x="4452592" y="5433024"/>
+              <a:off x="4684270" y="5432964"/>
               <a:ext cx="63202" cy="63202"/>
             </a:xfrm>
             <a:custGeom>
@@ -20742,7 +20742,7 @@
           </p:nvSpPr>
           <p:spPr>
             <a:xfrm>
-              <a:off x="4747703" y="5729111"/>
+              <a:off x="5025349" y="5729092"/>
               <a:ext cx="63202" cy="63202"/>
             </a:xfrm>
             <a:custGeom>
@@ -20785,7 +20785,7 @@
           </p:nvSpPr>
           <p:spPr>
             <a:xfrm>
-              <a:off x="4492224" y="5357645"/>
+              <a:off x="4544998" y="5357312"/>
               <a:ext cx="63202" cy="63202"/>
             </a:xfrm>
             <a:custGeom>
@@ -20828,7 +20828,7 @@
           </p:nvSpPr>
           <p:spPr>
             <a:xfrm>
-              <a:off x="4683774" y="5339186"/>
+              <a:off x="5112833" y="5338888"/>
               <a:ext cx="63202" cy="63202"/>
             </a:xfrm>
             <a:custGeom>
@@ -20871,7 +20871,7 @@
           </p:nvSpPr>
           <p:spPr>
             <a:xfrm>
-              <a:off x="4471704" y="5405166"/>
+              <a:off x="4464420" y="5405028"/>
               <a:ext cx="63202" cy="63202"/>
             </a:xfrm>
             <a:custGeom>
@@ -20914,7 +20914,7 @@
           </p:nvSpPr>
           <p:spPr>
             <a:xfrm>
-              <a:off x="4537896" y="5727764"/>
+              <a:off x="4721675" y="5727782"/>
               <a:ext cx="63202" cy="63202"/>
             </a:xfrm>
             <a:custGeom>
@@ -20957,7 +20957,7 @@
           </p:nvSpPr>
           <p:spPr>
             <a:xfrm>
-              <a:off x="4742590" y="5678414"/>
+              <a:off x="4987179" y="5678110"/>
               <a:ext cx="63202" cy="63202"/>
             </a:xfrm>
             <a:custGeom>
@@ -21000,7 +21000,7 @@
           </p:nvSpPr>
           <p:spPr>
             <a:xfrm>
-              <a:off x="4555116" y="5959925"/>
+              <a:off x="5002980" y="5960074"/>
               <a:ext cx="63202" cy="63202"/>
             </a:xfrm>
             <a:custGeom>
@@ -21043,7 +21043,7 @@
           </p:nvSpPr>
           <p:spPr>
             <a:xfrm>
-              <a:off x="4774439" y="5388466"/>
+              <a:off x="4690296" y="5388463"/>
               <a:ext cx="63202" cy="63202"/>
             </a:xfrm>
             <a:custGeom>
@@ -21086,7 +21086,7 @@
           </p:nvSpPr>
           <p:spPr>
             <a:xfrm>
-              <a:off x="5732965" y="6484893"/>
+              <a:off x="5762517" y="6485087"/>
               <a:ext cx="63202" cy="63202"/>
             </a:xfrm>
             <a:custGeom>
@@ -21129,7 +21129,7 @@
           </p:nvSpPr>
           <p:spPr>
             <a:xfrm>
-              <a:off x="4555670" y="5356350"/>
+              <a:off x="4702368" y="5356457"/>
               <a:ext cx="63202" cy="63202"/>
             </a:xfrm>
             <a:custGeom>
@@ -21172,7 +21172,7 @@
           </p:nvSpPr>
           <p:spPr>
             <a:xfrm>
-              <a:off x="4631759" y="5361971"/>
+              <a:off x="4489998" y="5361878"/>
               <a:ext cx="63202" cy="63202"/>
             </a:xfrm>
             <a:custGeom>
@@ -21215,7 +21215,7 @@
           </p:nvSpPr>
           <p:spPr>
             <a:xfrm>
-              <a:off x="4916644" y="5351536"/>
+              <a:off x="4791436" y="5351397"/>
               <a:ext cx="63202" cy="63202"/>
             </a:xfrm>
             <a:custGeom>
@@ -21258,7 +21258,7 @@
           </p:nvSpPr>
           <p:spPr>
             <a:xfrm>
-              <a:off x="4557555" y="6057298"/>
+              <a:off x="4623182" y="6057183"/>
               <a:ext cx="63202" cy="63202"/>
             </a:xfrm>
             <a:custGeom>
@@ -21301,7 +21301,7 @@
           </p:nvSpPr>
           <p:spPr>
             <a:xfrm>
-              <a:off x="5131497" y="5337526"/>
+              <a:off x="4947701" y="5337641"/>
               <a:ext cx="63202" cy="63202"/>
             </a:xfrm>
             <a:custGeom>
@@ -21344,7 +21344,7 @@
           </p:nvSpPr>
           <p:spPr>
             <a:xfrm>
-              <a:off x="4648130" y="5395734"/>
+              <a:off x="4602713" y="5395930"/>
               <a:ext cx="63202" cy="63202"/>
             </a:xfrm>
             <a:custGeom>
@@ -21387,7 +21387,7 @@
           </p:nvSpPr>
           <p:spPr>
             <a:xfrm>
-              <a:off x="5108843" y="5485344"/>
+              <a:off x="4905713" y="5485246"/>
               <a:ext cx="63202" cy="63202"/>
             </a:xfrm>
             <a:custGeom>
@@ -21430,7 +21430,7 @@
           </p:nvSpPr>
           <p:spPr>
             <a:xfrm>
-              <a:off x="4561547" y="5335509"/>
+              <a:off x="4721277" y="5335375"/>
               <a:ext cx="63202" cy="63202"/>
             </a:xfrm>
             <a:custGeom>
@@ -21473,7 +21473,7 @@
           </p:nvSpPr>
           <p:spPr>
             <a:xfrm>
-              <a:off x="5012599" y="5358730"/>
+              <a:off x="4868022" y="5358616"/>
               <a:ext cx="63202" cy="63202"/>
             </a:xfrm>
             <a:custGeom>
@@ -21516,7 +21516,7 @@
           </p:nvSpPr>
           <p:spPr>
             <a:xfrm>
-              <a:off x="5081789" y="5342168"/>
+              <a:off x="4624487" y="5342069"/>
               <a:ext cx="63202" cy="63202"/>
             </a:xfrm>
             <a:custGeom>
@@ -21559,7 +21559,7 @@
           </p:nvSpPr>
           <p:spPr>
             <a:xfrm>
-              <a:off x="4998424" y="5366697"/>
+              <a:off x="4833107" y="5366660"/>
               <a:ext cx="63202" cy="63202"/>
             </a:xfrm>
             <a:custGeom>
@@ -21602,7 +21602,7 @@
           </p:nvSpPr>
           <p:spPr>
             <a:xfrm>
-              <a:off x="4712810" y="5341407"/>
+              <a:off x="4637178" y="5341311"/>
               <a:ext cx="63202" cy="63202"/>
             </a:xfrm>
             <a:custGeom>
@@ -21645,7 +21645,7 @@
           </p:nvSpPr>
           <p:spPr>
             <a:xfrm>
-              <a:off x="4847189" y="5678404"/>
+              <a:off x="4998061" y="5678121"/>
               <a:ext cx="63202" cy="63202"/>
             </a:xfrm>
             <a:custGeom>
@@ -21688,7 +21688,7 @@
           </p:nvSpPr>
           <p:spPr>
             <a:xfrm>
-              <a:off x="4969434" y="5349467"/>
+              <a:off x="5041796" y="5349435"/>
               <a:ext cx="63202" cy="63202"/>
             </a:xfrm>
             <a:custGeom>
@@ -21731,7 +21731,7 @@
           </p:nvSpPr>
           <p:spPr>
             <a:xfrm>
-              <a:off x="4729488" y="5401063"/>
+              <a:off x="4714358" y="5400877"/>
               <a:ext cx="63202" cy="63202"/>
             </a:xfrm>
             <a:custGeom>
@@ -21774,7 +21774,7 @@
           </p:nvSpPr>
           <p:spPr>
             <a:xfrm>
-              <a:off x="5040926" y="5350144"/>
+              <a:off x="4494694" y="5349957"/>
               <a:ext cx="63202" cy="63202"/>
             </a:xfrm>
             <a:custGeom>
@@ -21817,7 +21817,7 @@
           </p:nvSpPr>
           <p:spPr>
             <a:xfrm>
-              <a:off x="4979789" y="5816453"/>
+              <a:off x="4715854" y="5816497"/>
               <a:ext cx="63202" cy="63202"/>
             </a:xfrm>
             <a:custGeom>
@@ -21860,7 +21860,7 @@
           </p:nvSpPr>
           <p:spPr>
             <a:xfrm>
-              <a:off x="4549703" y="5332219"/>
+              <a:off x="5035553" y="5332025"/>
               <a:ext cx="63202" cy="63202"/>
             </a:xfrm>
             <a:custGeom>
@@ -21903,7 +21903,7 @@
           </p:nvSpPr>
           <p:spPr>
             <a:xfrm>
-              <a:off x="4758217" y="5383982"/>
+              <a:off x="4463486" y="5384003"/>
               <a:ext cx="63202" cy="63202"/>
             </a:xfrm>
             <a:custGeom>
@@ -21946,7 +21946,7 @@
           </p:nvSpPr>
           <p:spPr>
             <a:xfrm>
-              <a:off x="4757846" y="5332706"/>
+              <a:off x="4585457" y="5332659"/>
               <a:ext cx="63202" cy="63202"/>
             </a:xfrm>
             <a:custGeom>
@@ -21989,7 +21989,7 @@
           </p:nvSpPr>
           <p:spPr>
             <a:xfrm>
-              <a:off x="5422056" y="6221459"/>
+              <a:off x="5445744" y="6221299"/>
               <a:ext cx="63202" cy="63202"/>
             </a:xfrm>
             <a:custGeom>
@@ -22032,7 +22032,7 @@
           </p:nvSpPr>
           <p:spPr>
             <a:xfrm>
-              <a:off x="5674973" y="6104233"/>
+              <a:off x="5572836" y="6103997"/>
               <a:ext cx="63202" cy="63202"/>
             </a:xfrm>
             <a:custGeom>
@@ -22075,7 +22075,7 @@
           </p:nvSpPr>
           <p:spPr>
             <a:xfrm>
-              <a:off x="4770639" y="5379520"/>
+              <a:off x="5058027" y="5379670"/>
               <a:ext cx="63202" cy="63202"/>
             </a:xfrm>
             <a:custGeom>
@@ -22118,7 +22118,7 @@
           </p:nvSpPr>
           <p:spPr>
             <a:xfrm>
-              <a:off x="4998567" y="5328341"/>
+              <a:off x="4671568" y="5328278"/>
               <a:ext cx="63202" cy="63202"/>
             </a:xfrm>
             <a:custGeom>
@@ -22161,7 +22161,7 @@
           </p:nvSpPr>
           <p:spPr>
             <a:xfrm>
-              <a:off x="4948699" y="5328452"/>
+              <a:off x="4571911" y="5328442"/>
               <a:ext cx="63202" cy="63202"/>
             </a:xfrm>
             <a:custGeom>
@@ -22204,7 +22204,7 @@
           </p:nvSpPr>
           <p:spPr>
             <a:xfrm>
-              <a:off x="4894878" y="5328402"/>
+              <a:off x="4496416" y="5328206"/>
               <a:ext cx="63202" cy="63202"/>
             </a:xfrm>
             <a:custGeom>
@@ -22247,7 +22247,7 @@
           </p:nvSpPr>
           <p:spPr>
             <a:xfrm>
-              <a:off x="4585300" y="5328319"/>
+              <a:off x="4656801" y="5328218"/>
               <a:ext cx="63202" cy="63202"/>
             </a:xfrm>
             <a:custGeom>
@@ -22290,7 +22290,7 @@
           </p:nvSpPr>
           <p:spPr>
             <a:xfrm>
-              <a:off x="4874879" y="5382562"/>
+              <a:off x="4527964" y="5382401"/>
               <a:ext cx="63202" cy="63202"/>
             </a:xfrm>
             <a:custGeom>
@@ -22333,7 +22333,7 @@
           </p:nvSpPr>
           <p:spPr>
             <a:xfrm>
-              <a:off x="4503079" y="5641645"/>
+              <a:off x="5096437" y="5641774"/>
               <a:ext cx="63202" cy="63202"/>
             </a:xfrm>
             <a:custGeom>
@@ -22376,7 +22376,7 @@
           </p:nvSpPr>
           <p:spPr>
             <a:xfrm>
-              <a:off x="4445112" y="5326601"/>
+              <a:off x="4886146" y="5326493"/>
               <a:ext cx="63202" cy="63202"/>
             </a:xfrm>
             <a:custGeom>
@@ -22419,7 +22419,7 @@
           </p:nvSpPr>
           <p:spPr>
             <a:xfrm>
-              <a:off x="4918033" y="5364130"/>
+              <a:off x="4875445" y="5364071"/>
               <a:ext cx="63202" cy="63202"/>
             </a:xfrm>
             <a:custGeom>
@@ -22462,7 +22462,7 @@
           </p:nvSpPr>
           <p:spPr>
             <a:xfrm>
-              <a:off x="4781989" y="5373479"/>
+              <a:off x="4763964" y="5373261"/>
               <a:ext cx="63202" cy="63202"/>
             </a:xfrm>
             <a:custGeom>
@@ -22505,7 +22505,7 @@
           </p:nvSpPr>
           <p:spPr>
             <a:xfrm>
-              <a:off x="5002319" y="5340174"/>
+              <a:off x="4714057" y="5340151"/>
               <a:ext cx="63202" cy="63202"/>
             </a:xfrm>
             <a:custGeom>
@@ -22548,7 +22548,7 @@
           </p:nvSpPr>
           <p:spPr>
             <a:xfrm>
-              <a:off x="4740714" y="5352793"/>
+              <a:off x="4921922" y="5352741"/>
               <a:ext cx="63202" cy="63202"/>
             </a:xfrm>
             <a:custGeom>
@@ -22591,7 +22591,7 @@
           </p:nvSpPr>
           <p:spPr>
             <a:xfrm>
-              <a:off x="6213964" y="6800202"/>
+              <a:off x="6750957" y="6800219"/>
               <a:ext cx="63202" cy="63202"/>
             </a:xfrm>
             <a:custGeom>
@@ -22634,7 +22634,7 @@
           </p:nvSpPr>
           <p:spPr>
             <a:xfrm>
-              <a:off x="4495084" y="5512298"/>
+              <a:off x="4439455" y="5512364"/>
               <a:ext cx="63202" cy="63202"/>
             </a:xfrm>
             <a:custGeom>
@@ -22677,7 +22677,7 @@
           </p:nvSpPr>
           <p:spPr>
             <a:xfrm>
-              <a:off x="5075346" y="5382820"/>
+              <a:off x="4658640" y="5382759"/>
               <a:ext cx="63202" cy="63202"/>
             </a:xfrm>
             <a:custGeom>
@@ -22720,7 +22720,7 @@
           </p:nvSpPr>
           <p:spPr>
             <a:xfrm>
-              <a:off x="4779184" y="5333935"/>
+              <a:off x="4976091" y="5333986"/>
               <a:ext cx="63202" cy="63202"/>
             </a:xfrm>
             <a:custGeom>
@@ -22763,7 +22763,7 @@
           </p:nvSpPr>
           <p:spPr>
             <a:xfrm>
-              <a:off x="4796852" y="5344914"/>
+              <a:off x="4639669" y="5345043"/>
               <a:ext cx="63202" cy="63202"/>
             </a:xfrm>
             <a:custGeom>
@@ -22806,7 +22806,7 @@
           </p:nvSpPr>
           <p:spPr>
             <a:xfrm>
-              <a:off x="4645512" y="5542654"/>
+              <a:off x="4559921" y="5542556"/>
               <a:ext cx="63202" cy="63202"/>
             </a:xfrm>
             <a:custGeom>
@@ -22849,7 +22849,7 @@
           </p:nvSpPr>
           <p:spPr>
             <a:xfrm>
-              <a:off x="4966582" y="5385602"/>
+              <a:off x="4870021" y="5385462"/>
               <a:ext cx="63202" cy="63202"/>
             </a:xfrm>
             <a:custGeom>
@@ -22892,7 +22892,7 @@
           </p:nvSpPr>
           <p:spPr>
             <a:xfrm>
-              <a:off x="4876141" y="5355985"/>
+              <a:off x="4858161" y="5356098"/>
               <a:ext cx="63202" cy="63202"/>
             </a:xfrm>
             <a:custGeom>
@@ -22935,7 +22935,7 @@
           </p:nvSpPr>
           <p:spPr>
             <a:xfrm>
-              <a:off x="5107338" y="5569431"/>
+              <a:off x="4933501" y="5569505"/>
               <a:ext cx="63202" cy="63202"/>
             </a:xfrm>
             <a:custGeom>
@@ -22978,7 +22978,7 @@
           </p:nvSpPr>
           <p:spPr>
             <a:xfrm>
-              <a:off x="4626474" y="5332706"/>
+              <a:off x="4717454" y="5332602"/>
               <a:ext cx="63202" cy="63202"/>
             </a:xfrm>
             <a:custGeom>
@@ -23021,7 +23021,7 @@
           </p:nvSpPr>
           <p:spPr>
             <a:xfrm>
-              <a:off x="4953911" y="5353583"/>
+              <a:off x="4485427" y="5353317"/>
               <a:ext cx="63202" cy="63202"/>
             </a:xfrm>
             <a:custGeom>
@@ -23064,7 +23064,7 @@
           </p:nvSpPr>
           <p:spPr>
             <a:xfrm>
-              <a:off x="5834987" y="6217832"/>
+              <a:off x="5509957" y="6217521"/>
               <a:ext cx="63202" cy="63202"/>
             </a:xfrm>
             <a:custGeom>
@@ -23107,7 +23107,7 @@
           </p:nvSpPr>
           <p:spPr>
             <a:xfrm>
-              <a:off x="5744543" y="6217553"/>
+              <a:off x="5528269" y="6217607"/>
               <a:ext cx="63202" cy="63202"/>
             </a:xfrm>
             <a:custGeom>
@@ -23150,7 +23150,7 @@
           </p:nvSpPr>
           <p:spPr>
             <a:xfrm>
-              <a:off x="4961790" y="5342056"/>
+              <a:off x="4895709" y="5341873"/>
               <a:ext cx="63202" cy="63202"/>
             </a:xfrm>
             <a:custGeom>
@@ -23193,7 +23193,7 @@
           </p:nvSpPr>
           <p:spPr>
             <a:xfrm>
-              <a:off x="4823474" y="5328454"/>
+              <a:off x="4711869" y="5328211"/>
               <a:ext cx="63202" cy="63202"/>
             </a:xfrm>
             <a:custGeom>
@@ -23236,7 +23236,7 @@
           </p:nvSpPr>
           <p:spPr>
             <a:xfrm>
-              <a:off x="5879157" y="6521850"/>
+              <a:off x="5644806" y="6521959"/>
               <a:ext cx="63202" cy="63202"/>
             </a:xfrm>
             <a:custGeom>
@@ -23279,7 +23279,7 @@
           </p:nvSpPr>
           <p:spPr>
             <a:xfrm>
-              <a:off x="5930504" y="6423790"/>
+              <a:off x="5517931" y="6423746"/>
               <a:ext cx="63202" cy="63202"/>
             </a:xfrm>
             <a:custGeom>
@@ -23322,7 +23322,7 @@
           </p:nvSpPr>
           <p:spPr>
             <a:xfrm>
-              <a:off x="4946828" y="5533270"/>
+              <a:off x="4685590" y="5533179"/>
               <a:ext cx="63202" cy="63202"/>
             </a:xfrm>
             <a:custGeom>
@@ -23365,7 +23365,7 @@
           </p:nvSpPr>
           <p:spPr>
             <a:xfrm>
-              <a:off x="5099936" y="5365643"/>
+              <a:off x="5126359" y="5365574"/>
               <a:ext cx="63202" cy="63202"/>
             </a:xfrm>
             <a:custGeom>
@@ -23408,7 +23408,7 @@
           </p:nvSpPr>
           <p:spPr>
             <a:xfrm>
-              <a:off x="4827680" y="5441327"/>
+              <a:off x="5005835" y="5441247"/>
               <a:ext cx="63202" cy="63202"/>
             </a:xfrm>
             <a:custGeom>
@@ -23451,7 +23451,7 @@
           </p:nvSpPr>
           <p:spPr>
             <a:xfrm>
-              <a:off x="5479434" y="6394029"/>
+              <a:off x="5971562" y="6393862"/>
               <a:ext cx="63202" cy="63202"/>
             </a:xfrm>
             <a:custGeom>
@@ -23494,7 +23494,7 @@
           </p:nvSpPr>
           <p:spPr>
             <a:xfrm>
-              <a:off x="4584557" y="5367618"/>
+              <a:off x="5128838" y="5367405"/>
               <a:ext cx="63202" cy="63202"/>
             </a:xfrm>
             <a:custGeom>
@@ -23537,7 +23537,7 @@
           </p:nvSpPr>
           <p:spPr>
             <a:xfrm>
-              <a:off x="4868942" y="5810298"/>
+              <a:off x="4807137" y="5810367"/>
               <a:ext cx="63202" cy="63202"/>
             </a:xfrm>
             <a:custGeom>
@@ -23580,7 +23580,7 @@
           </p:nvSpPr>
           <p:spPr>
             <a:xfrm>
-              <a:off x="4852793" y="5461794"/>
+              <a:off x="4530927" y="5461718"/>
               <a:ext cx="63202" cy="63202"/>
             </a:xfrm>
             <a:custGeom>
@@ -23623,7 +23623,7 @@
           </p:nvSpPr>
           <p:spPr>
             <a:xfrm>
-              <a:off x="4998286" y="5394335"/>
+              <a:off x="4542441" y="5394229"/>
               <a:ext cx="63202" cy="63202"/>
             </a:xfrm>
             <a:custGeom>
@@ -23666,7 +23666,7 @@
           </p:nvSpPr>
           <p:spPr>
             <a:xfrm>
-              <a:off x="4660767" y="5389346"/>
+              <a:off x="4675579" y="5389203"/>
               <a:ext cx="63202" cy="63202"/>
             </a:xfrm>
             <a:custGeom>
@@ -23709,7 +23709,7 @@
           </p:nvSpPr>
           <p:spPr>
             <a:xfrm>
-              <a:off x="4704061" y="5555540"/>
+              <a:off x="5067900" y="5555577"/>
               <a:ext cx="63202" cy="63202"/>
             </a:xfrm>
             <a:custGeom>
@@ -23752,7 +23752,7 @@
           </p:nvSpPr>
           <p:spPr>
             <a:xfrm>
-              <a:off x="4879599" y="5369253"/>
+              <a:off x="4918745" y="5369178"/>
               <a:ext cx="63202" cy="63202"/>
             </a:xfrm>
             <a:custGeom>
@@ -23795,7 +23795,7 @@
           </p:nvSpPr>
           <p:spPr>
             <a:xfrm>
-              <a:off x="4543148" y="5350024"/>
+              <a:off x="4770732" y="5350175"/>
               <a:ext cx="63202" cy="63202"/>
             </a:xfrm>
             <a:custGeom>
@@ -23838,7 +23838,7 @@
           </p:nvSpPr>
           <p:spPr>
             <a:xfrm>
-              <a:off x="5896827" y="6454293"/>
+              <a:off x="6006969" y="6454333"/>
               <a:ext cx="63202" cy="63202"/>
             </a:xfrm>
             <a:custGeom>
@@ -23881,7 +23881,7 @@
           </p:nvSpPr>
           <p:spPr>
             <a:xfrm>
-              <a:off x="4733713" y="5332337"/>
+              <a:off x="4504357" y="5332394"/>
               <a:ext cx="63202" cy="63202"/>
             </a:xfrm>
             <a:custGeom>
@@ -23924,7 +23924,7 @@
           </p:nvSpPr>
           <p:spPr>
             <a:xfrm>
-              <a:off x="4764722" y="5370939"/>
+              <a:off x="4669030" y="5370845"/>
               <a:ext cx="63202" cy="63202"/>
             </a:xfrm>
             <a:custGeom>
@@ -23967,7 +23967,7 @@
           </p:nvSpPr>
           <p:spPr>
             <a:xfrm>
-              <a:off x="4749420" y="5350372"/>
+              <a:off x="4709945" y="5350453"/>
               <a:ext cx="63202" cy="63202"/>
             </a:xfrm>
             <a:custGeom>
@@ -24010,7 +24010,7 @@
           </p:nvSpPr>
           <p:spPr>
             <a:xfrm>
-              <a:off x="5051970" y="5372977"/>
+              <a:off x="5059734" y="5372900"/>
               <a:ext cx="63202" cy="63202"/>
             </a:xfrm>
             <a:custGeom>
@@ -24053,7 +24053,7 @@
           </p:nvSpPr>
           <p:spPr>
             <a:xfrm>
-              <a:off x="4569248" y="5385563"/>
+              <a:off x="5114621" y="5385555"/>
               <a:ext cx="63202" cy="63202"/>
             </a:xfrm>
             <a:custGeom>
@@ -24096,7 +24096,7 @@
           </p:nvSpPr>
           <p:spPr>
             <a:xfrm>
-              <a:off x="4443525" y="5337707"/>
+              <a:off x="4862208" y="5337453"/>
               <a:ext cx="63202" cy="63202"/>
             </a:xfrm>
             <a:custGeom>
@@ -24139,7 +24139,7 @@
           </p:nvSpPr>
           <p:spPr>
             <a:xfrm>
-              <a:off x="4528021" y="5349905"/>
+              <a:off x="4497529" y="5349595"/>
               <a:ext cx="63202" cy="63202"/>
             </a:xfrm>
             <a:custGeom>
@@ -24182,7 +24182,7 @@
           </p:nvSpPr>
           <p:spPr>
             <a:xfrm>
-              <a:off x="4534907" y="5816306"/>
+              <a:off x="4839141" y="5816138"/>
               <a:ext cx="63202" cy="63202"/>
             </a:xfrm>
             <a:custGeom>
@@ -24225,7 +24225,7 @@
           </p:nvSpPr>
           <p:spPr>
             <a:xfrm>
-              <a:off x="4953048" y="5386159"/>
+              <a:off x="5104862" y="5386248"/>
               <a:ext cx="63202" cy="63202"/>
             </a:xfrm>
             <a:custGeom>
@@ -24268,7 +24268,7 @@
           </p:nvSpPr>
           <p:spPr>
             <a:xfrm>
-              <a:off x="4709969" y="5384734"/>
+              <a:off x="4683526" y="5384703"/>
               <a:ext cx="63202" cy="63202"/>
             </a:xfrm>
             <a:custGeom>
@@ -24311,7 +24311,7 @@
           </p:nvSpPr>
           <p:spPr>
             <a:xfrm>
-              <a:off x="4520008" y="5384113"/>
+              <a:off x="4651015" y="5383913"/>
               <a:ext cx="63202" cy="63202"/>
             </a:xfrm>
             <a:custGeom>
@@ -24354,7 +24354,7 @@
           </p:nvSpPr>
           <p:spPr>
             <a:xfrm>
-              <a:off x="4983773" y="5428033"/>
+              <a:off x="4511959" y="5427754"/>
               <a:ext cx="63202" cy="63202"/>
             </a:xfrm>
             <a:custGeom>
@@ -24397,7 +24397,7 @@
           </p:nvSpPr>
           <p:spPr>
             <a:xfrm>
-              <a:off x="5009118" y="5439784"/>
+              <a:off x="4849691" y="5439708"/>
               <a:ext cx="63202" cy="63202"/>
             </a:xfrm>
             <a:custGeom>
@@ -24440,7 +24440,7 @@
           </p:nvSpPr>
           <p:spPr>
             <a:xfrm>
-              <a:off x="4896121" y="5333689"/>
+              <a:off x="4807610" y="5333487"/>
               <a:ext cx="63202" cy="63202"/>
             </a:xfrm>
             <a:custGeom>
@@ -24483,7 +24483,7 @@
           </p:nvSpPr>
           <p:spPr>
             <a:xfrm>
-              <a:off x="4785026" y="5385508"/>
+              <a:off x="4706395" y="5385568"/>
               <a:ext cx="63202" cy="63202"/>
             </a:xfrm>
             <a:custGeom>
@@ -24526,7 +24526,7 @@
           </p:nvSpPr>
           <p:spPr>
             <a:xfrm>
-              <a:off x="4636567" y="5385555"/>
+              <a:off x="4951396" y="5385548"/>
               <a:ext cx="63202" cy="63202"/>
             </a:xfrm>
             <a:custGeom>
@@ -24569,7 +24569,7 @@
           </p:nvSpPr>
           <p:spPr>
             <a:xfrm>
-              <a:off x="4910024" y="5354839"/>
+              <a:off x="4912308" y="5354783"/>
               <a:ext cx="63202" cy="63202"/>
             </a:xfrm>
             <a:custGeom>
@@ -24612,7 +24612,7 @@
           </p:nvSpPr>
           <p:spPr>
             <a:xfrm>
-              <a:off x="4877620" y="5372563"/>
+              <a:off x="4758520" y="5372479"/>
               <a:ext cx="63202" cy="63202"/>
             </a:xfrm>
             <a:custGeom>
@@ -24655,7 +24655,7 @@
           </p:nvSpPr>
           <p:spPr>
             <a:xfrm>
-              <a:off x="4750011" y="5350439"/>
+              <a:off x="4770080" y="5350330"/>
               <a:ext cx="63202" cy="63202"/>
             </a:xfrm>
             <a:custGeom>
@@ -24698,7 +24698,7 @@
           </p:nvSpPr>
           <p:spPr>
             <a:xfrm>
-              <a:off x="4778061" y="5328441"/>
+              <a:off x="4544462" y="5328456"/>
               <a:ext cx="63202" cy="63202"/>
             </a:xfrm>
             <a:custGeom>
@@ -24741,7 +24741,7 @@
           </p:nvSpPr>
           <p:spPr>
             <a:xfrm>
-              <a:off x="5122715" y="5363391"/>
+              <a:off x="4841736" y="5363435"/>
               <a:ext cx="63202" cy="63202"/>
             </a:xfrm>
             <a:custGeom>
@@ -24784,7 +24784,7 @@
           </p:nvSpPr>
           <p:spPr>
             <a:xfrm>
-              <a:off x="4682750" y="5389325"/>
+              <a:off x="4655854" y="5389091"/>
               <a:ext cx="63202" cy="63202"/>
             </a:xfrm>
             <a:custGeom>
@@ -24827,7 +24827,7 @@
           </p:nvSpPr>
           <p:spPr>
             <a:xfrm>
-              <a:off x="4550542" y="5777978"/>
+              <a:off x="4742198" y="5777917"/>
               <a:ext cx="63202" cy="63202"/>
             </a:xfrm>
             <a:custGeom>
@@ -24870,7 +24870,7 @@
           </p:nvSpPr>
           <p:spPr>
             <a:xfrm>
-              <a:off x="5128186" y="5470695"/>
+              <a:off x="4964000" y="5470709"/>
               <a:ext cx="63202" cy="63202"/>
             </a:xfrm>
             <a:custGeom>
@@ -24913,7 +24913,7 @@
           </p:nvSpPr>
           <p:spPr>
             <a:xfrm>
-              <a:off x="4464106" y="5382865"/>
+              <a:off x="4803157" y="5382811"/>
               <a:ext cx="63202" cy="63202"/>
             </a:xfrm>
             <a:custGeom>
@@ -24956,7 +24956,7 @@
           </p:nvSpPr>
           <p:spPr>
             <a:xfrm>
-              <a:off x="4510377" y="5442017"/>
+              <a:off x="4576308" y="5441998"/>
               <a:ext cx="63202" cy="63202"/>
             </a:xfrm>
             <a:custGeom>
@@ -24999,7 +24999,7 @@
           </p:nvSpPr>
           <p:spPr>
             <a:xfrm>
-              <a:off x="4698482" y="5322613"/>
+              <a:off x="4593875" y="5322556"/>
               <a:ext cx="63202" cy="63202"/>
             </a:xfrm>
             <a:custGeom>
@@ -25042,7 +25042,7 @@
           </p:nvSpPr>
           <p:spPr>
             <a:xfrm>
-              <a:off x="5026701" y="5328320"/>
+              <a:off x="4854066" y="5328435"/>
               <a:ext cx="63202" cy="63202"/>
             </a:xfrm>
             <a:custGeom>
@@ -25085,7 +25085,7 @@
           </p:nvSpPr>
           <p:spPr>
             <a:xfrm>
-              <a:off x="4776869" y="5865218"/>
+              <a:off x="5038801" y="5865058"/>
               <a:ext cx="63202" cy="63202"/>
             </a:xfrm>
             <a:custGeom>
@@ -25128,7 +25128,7 @@
           </p:nvSpPr>
           <p:spPr>
             <a:xfrm>
-              <a:off x="4575956" y="5348365"/>
+              <a:off x="4980554" y="5348305"/>
               <a:ext cx="63202" cy="63202"/>
             </a:xfrm>
             <a:custGeom>
@@ -25171,7 +25171,7 @@
           </p:nvSpPr>
           <p:spPr>
             <a:xfrm>
-              <a:off x="4796261" y="5598521"/>
+              <a:off x="4509967" y="5598482"/>
               <a:ext cx="63202" cy="63202"/>
             </a:xfrm>
             <a:custGeom>
@@ -25214,7 +25214,7 @@
           </p:nvSpPr>
           <p:spPr>
             <a:xfrm>
-              <a:off x="4651123" y="5367568"/>
+              <a:off x="4557032" y="5367427"/>
               <a:ext cx="63202" cy="63202"/>
             </a:xfrm>
             <a:custGeom>
@@ -25257,7 +25257,7 @@
           </p:nvSpPr>
           <p:spPr>
             <a:xfrm>
-              <a:off x="5011238" y="5375523"/>
+              <a:off x="4520520" y="5375618"/>
               <a:ext cx="63202" cy="63202"/>
             </a:xfrm>
             <a:custGeom>
@@ -25300,7 +25300,7 @@
           </p:nvSpPr>
           <p:spPr>
             <a:xfrm>
-              <a:off x="5037348" y="5362706"/>
+              <a:off x="5120126" y="5362596"/>
               <a:ext cx="63202" cy="63202"/>
             </a:xfrm>
             <a:custGeom>
@@ -25343,7 +25343,7 @@
           </p:nvSpPr>
           <p:spPr>
             <a:xfrm>
-              <a:off x="5100753" y="5350927"/>
+              <a:off x="4581174" y="5350940"/>
               <a:ext cx="63202" cy="63202"/>
             </a:xfrm>
             <a:custGeom>
@@ -25386,7 +25386,7 @@
           </p:nvSpPr>
           <p:spPr>
             <a:xfrm>
-              <a:off x="4524960" y="5378499"/>
+              <a:off x="4676066" y="5378377"/>
               <a:ext cx="63202" cy="63202"/>
             </a:xfrm>
             <a:custGeom>
@@ -25429,7 +25429,7 @@
           </p:nvSpPr>
           <p:spPr>
             <a:xfrm>
-              <a:off x="4990692" y="5348585"/>
+              <a:off x="4985664" y="5348531"/>
               <a:ext cx="63202" cy="63202"/>
             </a:xfrm>
             <a:custGeom>
@@ -25472,7 +25472,7 @@
           </p:nvSpPr>
           <p:spPr>
             <a:xfrm>
-              <a:off x="4474751" y="5382902"/>
+              <a:off x="4701281" y="5382924"/>
               <a:ext cx="63202" cy="63202"/>
             </a:xfrm>
             <a:custGeom>
@@ -25515,7 +25515,7 @@
           </p:nvSpPr>
           <p:spPr>
             <a:xfrm>
-              <a:off x="4926750" y="5391100"/>
+              <a:off x="4969956" y="5390988"/>
               <a:ext cx="63202" cy="63202"/>
             </a:xfrm>
             <a:custGeom>
@@ -25558,7 +25558,7 @@
           </p:nvSpPr>
           <p:spPr>
             <a:xfrm>
-              <a:off x="6726573" y="6803889"/>
+              <a:off x="6600170" y="6803878"/>
               <a:ext cx="63202" cy="63202"/>
             </a:xfrm>
             <a:custGeom>
@@ -25601,7 +25601,7 @@
           </p:nvSpPr>
           <p:spPr>
             <a:xfrm>
-              <a:off x="4515414" y="5334597"/>
+              <a:off x="5062956" y="5334526"/>
               <a:ext cx="63202" cy="63202"/>
             </a:xfrm>
             <a:custGeom>
@@ -25644,7 +25644,7 @@
           </p:nvSpPr>
           <p:spPr>
             <a:xfrm>
-              <a:off x="5693247" y="6424281"/>
+              <a:off x="5388701" y="6424030"/>
               <a:ext cx="63202" cy="63202"/>
             </a:xfrm>
             <a:custGeom>
@@ -25687,7 +25687,7 @@
           </p:nvSpPr>
           <p:spPr>
             <a:xfrm>
-              <a:off x="4657807" y="5335748"/>
+              <a:off x="4757318" y="5335643"/>
               <a:ext cx="63202" cy="63202"/>
             </a:xfrm>
             <a:custGeom>
@@ -25730,7 +25730,7 @@
           </p:nvSpPr>
           <p:spPr>
             <a:xfrm>
-              <a:off x="4544498" y="5824938"/>
+              <a:off x="5101239" y="5824982"/>
               <a:ext cx="63202" cy="63202"/>
             </a:xfrm>
             <a:custGeom>
@@ -25773,7 +25773,7 @@
           </p:nvSpPr>
           <p:spPr>
             <a:xfrm>
-              <a:off x="4929445" y="5361217"/>
+              <a:off x="5096375" y="5361221"/>
               <a:ext cx="63202" cy="63202"/>
             </a:xfrm>
             <a:custGeom>
@@ -25816,7 +25816,7 @@
           </p:nvSpPr>
           <p:spPr>
             <a:xfrm>
-              <a:off x="4657675" y="5489913"/>
+              <a:off x="4822749" y="5489753"/>
               <a:ext cx="63202" cy="63202"/>
             </a:xfrm>
             <a:custGeom>
@@ -25859,7 +25859,7 @@
           </p:nvSpPr>
           <p:spPr>
             <a:xfrm>
-              <a:off x="5059351" y="5361127"/>
+              <a:off x="5041161" y="5361028"/>
               <a:ext cx="63202" cy="63202"/>
             </a:xfrm>
             <a:custGeom>
@@ -25902,7 +25902,7 @@
           </p:nvSpPr>
           <p:spPr>
             <a:xfrm>
-              <a:off x="4807523" y="5367063"/>
+              <a:off x="4983811" y="5367116"/>
               <a:ext cx="63202" cy="63202"/>
             </a:xfrm>
             <a:custGeom>
@@ -25945,7 +25945,7 @@
           </p:nvSpPr>
           <p:spPr>
             <a:xfrm>
-              <a:off x="5013736" y="5413267"/>
+              <a:off x="4500975" y="5413070"/>
               <a:ext cx="63202" cy="63202"/>
             </a:xfrm>
             <a:custGeom>
@@ -25988,7 +25988,7 @@
           </p:nvSpPr>
           <p:spPr>
             <a:xfrm>
-              <a:off x="5067701" y="5377428"/>
+              <a:off x="4472325" y="5377252"/>
               <a:ext cx="63202" cy="63202"/>
             </a:xfrm>
             <a:custGeom>
@@ -26031,7 +26031,7 @@
           </p:nvSpPr>
           <p:spPr>
             <a:xfrm>
-              <a:off x="4512281" y="5353018"/>
+              <a:off x="4725816" y="5353031"/>
               <a:ext cx="63202" cy="63202"/>
             </a:xfrm>
             <a:custGeom>
@@ -26074,7 +26074,7 @@
           </p:nvSpPr>
           <p:spPr>
             <a:xfrm>
-              <a:off x="4469446" y="5355085"/>
+              <a:off x="4900294" y="5354784"/>
               <a:ext cx="63202" cy="63202"/>
             </a:xfrm>
             <a:custGeom>
@@ -26117,7 +26117,7 @@
           </p:nvSpPr>
           <p:spPr>
             <a:xfrm>
-              <a:off x="4954805" y="5633800"/>
+              <a:off x="4483024" y="5633704"/>
               <a:ext cx="63202" cy="63202"/>
             </a:xfrm>
             <a:custGeom>
@@ -26160,7 +26160,7 @@
           </p:nvSpPr>
           <p:spPr>
             <a:xfrm>
-              <a:off x="4620702" y="5337190"/>
+              <a:off x="4738303" y="5337050"/>
               <a:ext cx="63202" cy="63202"/>
             </a:xfrm>
             <a:custGeom>
@@ -26203,7 +26203,7 @@
           </p:nvSpPr>
           <p:spPr>
             <a:xfrm>
-              <a:off x="4600013" y="5345742"/>
+              <a:off x="4635797" y="5345719"/>
               <a:ext cx="63202" cy="63202"/>
             </a:xfrm>
             <a:custGeom>
@@ -26246,7 +26246,7 @@
           </p:nvSpPr>
           <p:spPr>
             <a:xfrm>
-              <a:off x="4723588" y="5384684"/>
+              <a:off x="4832983" y="5384707"/>
               <a:ext cx="63202" cy="63202"/>
             </a:xfrm>
             <a:custGeom>
@@ -26289,7 +26289,7 @@
           </p:nvSpPr>
           <p:spPr>
             <a:xfrm>
-              <a:off x="4962971" y="5347977"/>
+              <a:off x="4777051" y="5347767"/>
               <a:ext cx="63202" cy="63202"/>
             </a:xfrm>
             <a:custGeom>
@@ -26332,7 +26332,7 @@
           </p:nvSpPr>
           <p:spPr>
             <a:xfrm>
-              <a:off x="5097510" y="5350100"/>
+              <a:off x="5065893" y="5350025"/>
               <a:ext cx="63202" cy="63202"/>
             </a:xfrm>
             <a:custGeom>
@@ -26375,7 +26375,7 @@
           </p:nvSpPr>
           <p:spPr>
             <a:xfrm>
-              <a:off x="4607222" y="5343063"/>
+              <a:off x="4555839" y="5342937"/>
               <a:ext cx="63202" cy="63202"/>
             </a:xfrm>
             <a:custGeom>
@@ -26418,7 +26418,7 @@
           </p:nvSpPr>
           <p:spPr>
             <a:xfrm>
-              <a:off x="5609909" y="6156519"/>
+              <a:off x="5893779" y="6156576"/>
               <a:ext cx="63202" cy="63202"/>
             </a:xfrm>
             <a:custGeom>
@@ -26461,7 +26461,7 @@
           </p:nvSpPr>
           <p:spPr>
             <a:xfrm>
-              <a:off x="4725532" y="5441536"/>
+              <a:off x="4924740" y="5441586"/>
               <a:ext cx="63202" cy="63202"/>
             </a:xfrm>
             <a:custGeom>
@@ -26504,7 +26504,7 @@
           </p:nvSpPr>
           <p:spPr>
             <a:xfrm>
-              <a:off x="4485883" y="5385650"/>
+              <a:off x="4865448" y="5385461"/>
               <a:ext cx="63202" cy="63202"/>
             </a:xfrm>
             <a:custGeom>
@@ -26547,7 +26547,7 @@
           </p:nvSpPr>
           <p:spPr>
             <a:xfrm>
-              <a:off x="4529517" y="5350574"/>
+              <a:off x="4729532" y="5350424"/>
               <a:ext cx="63202" cy="63202"/>
             </a:xfrm>
             <a:custGeom>
@@ -26590,7 +26590,7 @@
           </p:nvSpPr>
           <p:spPr>
             <a:xfrm>
-              <a:off x="4487455" y="5357934"/>
+              <a:off x="4772711" y="5357915"/>
               <a:ext cx="63202" cy="63202"/>
             </a:xfrm>
             <a:custGeom>
@@ -26633,7 +26633,7 @@
           </p:nvSpPr>
           <p:spPr>
             <a:xfrm>
-              <a:off x="4696046" y="5326662"/>
+              <a:off x="4574827" y="5326395"/>
               <a:ext cx="63202" cy="63202"/>
             </a:xfrm>
             <a:custGeom>
@@ -26676,7 +26676,7 @@
           </p:nvSpPr>
           <p:spPr>
             <a:xfrm>
-              <a:off x="4969735" y="5349421"/>
+              <a:off x="4664671" y="5349404"/>
               <a:ext cx="63202" cy="63202"/>
             </a:xfrm>
             <a:custGeom>
@@ -26719,7 +26719,7 @@
           </p:nvSpPr>
           <p:spPr>
             <a:xfrm>
-              <a:off x="4814468" y="5349513"/>
+              <a:off x="4822607" y="5349320"/>
               <a:ext cx="63202" cy="63202"/>
             </a:xfrm>
             <a:custGeom>
@@ -26762,7 +26762,7 @@
           </p:nvSpPr>
           <p:spPr>
             <a:xfrm>
-              <a:off x="4955147" y="5350568"/>
+              <a:off x="4876417" y="5350523"/>
               <a:ext cx="63202" cy="63202"/>
             </a:xfrm>
             <a:custGeom>
@@ -26805,7 +26805,7 @@
           </p:nvSpPr>
           <p:spPr>
             <a:xfrm>
-              <a:off x="4594495" y="5445735"/>
+              <a:off x="4490870" y="5445639"/>
               <a:ext cx="63202" cy="63202"/>
             </a:xfrm>
             <a:custGeom>
@@ -26848,7 +26848,7 @@
           </p:nvSpPr>
           <p:spPr>
             <a:xfrm>
-              <a:off x="4951413" y="5445556"/>
+              <a:off x="5050040" y="5445578"/>
               <a:ext cx="63202" cy="63202"/>
             </a:xfrm>
             <a:custGeom>
@@ -26891,7 +26891,7 @@
           </p:nvSpPr>
           <p:spPr>
             <a:xfrm>
-              <a:off x="5038737" y="5362007"/>
+              <a:off x="4803760" y="5361943"/>
               <a:ext cx="63202" cy="63202"/>
             </a:xfrm>
             <a:custGeom>
@@ -26934,7 +26934,7 @@
           </p:nvSpPr>
           <p:spPr>
             <a:xfrm>
-              <a:off x="4587961" y="5346558"/>
+              <a:off x="4808325" y="5346390"/>
               <a:ext cx="63202" cy="63202"/>
             </a:xfrm>
             <a:custGeom>
@@ -26977,7 +26977,7 @@
           </p:nvSpPr>
           <p:spPr>
             <a:xfrm>
-              <a:off x="5840399" y="6089718"/>
+              <a:off x="5928108" y="6089848"/>
               <a:ext cx="63202" cy="63202"/>
             </a:xfrm>
             <a:custGeom>
@@ -27020,7 +27020,7 @@
           </p:nvSpPr>
           <p:spPr>
             <a:xfrm>
-              <a:off x="5092372" y="5381769"/>
+              <a:off x="4915198" y="5381688"/>
               <a:ext cx="63202" cy="63202"/>
             </a:xfrm>
             <a:custGeom>
@@ -27063,7 +27063,7 @@
           </p:nvSpPr>
           <p:spPr>
             <a:xfrm>
-              <a:off x="4582642" y="5339882"/>
+              <a:off x="4960645" y="5339712"/>
               <a:ext cx="63202" cy="63202"/>
             </a:xfrm>
             <a:custGeom>
@@ -27106,7 +27106,7 @@
           </p:nvSpPr>
           <p:spPr>
             <a:xfrm>
-              <a:off x="4605325" y="5330273"/>
+              <a:off x="5081612" y="5330178"/>
               <a:ext cx="63202" cy="63202"/>
             </a:xfrm>
             <a:custGeom>
@@ -27149,7 +27149,7 @@
           </p:nvSpPr>
           <p:spPr>
             <a:xfrm>
-              <a:off x="4667166" y="5412971"/>
+              <a:off x="4874771" y="5412655"/>
               <a:ext cx="63202" cy="63202"/>
             </a:xfrm>
             <a:custGeom>
@@ -27192,7 +27192,7 @@
           </p:nvSpPr>
           <p:spPr>
             <a:xfrm>
-              <a:off x="4550722" y="5379611"/>
+              <a:off x="4977180" y="5379561"/>
               <a:ext cx="63202" cy="63202"/>
             </a:xfrm>
             <a:custGeom>
@@ -27235,7 +27235,7 @@
           </p:nvSpPr>
           <p:spPr>
             <a:xfrm>
-              <a:off x="5007303" y="5333197"/>
+              <a:off x="5076335" y="5333052"/>
               <a:ext cx="63202" cy="63202"/>
             </a:xfrm>
             <a:custGeom>
@@ -27278,7 +27278,7 @@
           </p:nvSpPr>
           <p:spPr>
             <a:xfrm>
-              <a:off x="4896382" y="5333643"/>
+              <a:off x="5053595" y="5333380"/>
               <a:ext cx="63202" cy="63202"/>
             </a:xfrm>
             <a:custGeom>
@@ -27321,7 +27321,7 @@
           </p:nvSpPr>
           <p:spPr>
             <a:xfrm>
-              <a:off x="5073598" y="5328166"/>
+              <a:off x="4461929" y="5328060"/>
               <a:ext cx="63202" cy="63202"/>
             </a:xfrm>
             <a:custGeom>
@@ -27364,7 +27364,7 @@
           </p:nvSpPr>
           <p:spPr>
             <a:xfrm>
-              <a:off x="4546192" y="5330282"/>
+              <a:off x="4770746" y="5330286"/>
               <a:ext cx="63202" cy="63202"/>
             </a:xfrm>
             <a:custGeom>
@@ -27407,7 +27407,7 @@
           </p:nvSpPr>
           <p:spPr>
             <a:xfrm>
-              <a:off x="4737662" y="5325703"/>
+              <a:off x="4548303" y="5325791"/>
               <a:ext cx="63202" cy="63202"/>
             </a:xfrm>
             <a:custGeom>
@@ -27450,7 +27450,7 @@
           </p:nvSpPr>
           <p:spPr>
             <a:xfrm>
-              <a:off x="4928490" y="5411667"/>
+              <a:off x="4651985" y="5411682"/>
               <a:ext cx="63202" cy="63202"/>
             </a:xfrm>
             <a:custGeom>
@@ -27493,7 +27493,7 @@
           </p:nvSpPr>
           <p:spPr>
             <a:xfrm>
-              <a:off x="4704439" y="5456728"/>
+              <a:off x="4705200" y="5456536"/>
               <a:ext cx="63202" cy="63202"/>
             </a:xfrm>
             <a:custGeom>
@@ -27536,7 +27536,7 @@
           </p:nvSpPr>
           <p:spPr>
             <a:xfrm>
-              <a:off x="4963438" y="5342687"/>
+              <a:off x="4648208" y="5342730"/>
               <a:ext cx="63202" cy="63202"/>
             </a:xfrm>
             <a:custGeom>
@@ -27579,7 +27579,7 @@
           </p:nvSpPr>
           <p:spPr>
             <a:xfrm>
-              <a:off x="4652568" y="5345452"/>
+              <a:off x="4943571" y="5345228"/>
               <a:ext cx="63202" cy="63202"/>
             </a:xfrm>
             <a:custGeom>
@@ -27622,7 +27622,7 @@
           </p:nvSpPr>
           <p:spPr>
             <a:xfrm>
-              <a:off x="4656071" y="5357938"/>
+              <a:off x="4917193" y="5357811"/>
               <a:ext cx="63202" cy="63202"/>
             </a:xfrm>
             <a:custGeom>
@@ -27665,7 +27665,7 @@
           </p:nvSpPr>
           <p:spPr>
             <a:xfrm>
-              <a:off x="5049973" y="5333289"/>
+              <a:off x="4513650" y="5333077"/>
               <a:ext cx="63202" cy="63202"/>
             </a:xfrm>
             <a:custGeom>
@@ -27708,7 +27708,7 @@
           </p:nvSpPr>
           <p:spPr>
             <a:xfrm>
-              <a:off x="5074091" y="5324741"/>
+              <a:off x="4598264" y="5324526"/>
               <a:ext cx="63202" cy="63202"/>
             </a:xfrm>
             <a:custGeom>
@@ -27751,7 +27751,7 @@
           </p:nvSpPr>
           <p:spPr>
             <a:xfrm>
-              <a:off x="4992305" y="5336092"/>
+              <a:off x="4848193" y="5336001"/>
               <a:ext cx="63202" cy="63202"/>
             </a:xfrm>
             <a:custGeom>
@@ -27794,7 +27794,7 @@
           </p:nvSpPr>
           <p:spPr>
             <a:xfrm>
-              <a:off x="4802771" y="5358001"/>
+              <a:off x="4593456" y="5357768"/>
               <a:ext cx="63202" cy="63202"/>
             </a:xfrm>
             <a:custGeom>
@@ -27837,7 +27837,7 @@
           </p:nvSpPr>
           <p:spPr>
             <a:xfrm>
-              <a:off x="4469756" y="5345606"/>
+              <a:off x="5078941" y="5345626"/>
               <a:ext cx="63202" cy="63202"/>
             </a:xfrm>
             <a:custGeom>
@@ -27880,7 +27880,7 @@
           </p:nvSpPr>
           <p:spPr>
             <a:xfrm>
-              <a:off x="4665415" y="5352043"/>
+              <a:off x="4604887" y="5352052"/>
               <a:ext cx="63202" cy="63202"/>
             </a:xfrm>
             <a:custGeom>
@@ -27923,7 +27923,7 @@
           </p:nvSpPr>
           <p:spPr>
             <a:xfrm>
-              <a:off x="4961863" y="5339751"/>
+              <a:off x="4904875" y="5339718"/>
               <a:ext cx="63202" cy="63202"/>
             </a:xfrm>
             <a:custGeom>
@@ -27966,7 +27966,7 @@
           </p:nvSpPr>
           <p:spPr>
             <a:xfrm>
-              <a:off x="4942308" y="5345796"/>
+              <a:off x="4597536" y="5345499"/>
               <a:ext cx="63202" cy="63202"/>
             </a:xfrm>
             <a:custGeom>
@@ -28009,7 +28009,7 @@
           </p:nvSpPr>
           <p:spPr>
             <a:xfrm>
-              <a:off x="4644690" y="5358655"/>
+              <a:off x="5066229" y="5358432"/>
               <a:ext cx="63202" cy="63202"/>
             </a:xfrm>
             <a:custGeom>
@@ -28052,7 +28052,7 @@
           </p:nvSpPr>
           <p:spPr>
             <a:xfrm>
-              <a:off x="5843928" y="6368571"/>
+              <a:off x="6002518" y="6368339"/>
               <a:ext cx="63202" cy="63202"/>
             </a:xfrm>
             <a:custGeom>
@@ -28095,7 +28095,7 @@
           </p:nvSpPr>
           <p:spPr>
             <a:xfrm>
-              <a:off x="4457115" y="5359238"/>
+              <a:off x="5043656" y="5359249"/>
               <a:ext cx="63202" cy="63202"/>
             </a:xfrm>
             <a:custGeom>
@@ -28138,7 +28138,7 @@
           </p:nvSpPr>
           <p:spPr>
             <a:xfrm>
-              <a:off x="4733797" y="5427517"/>
+              <a:off x="4727672" y="5427431"/>
               <a:ext cx="63202" cy="63202"/>
             </a:xfrm>
             <a:custGeom>
@@ -28181,7 +28181,7 @@
           </p:nvSpPr>
           <p:spPr>
             <a:xfrm>
-              <a:off x="4814789" y="5352092"/>
+              <a:off x="4783306" y="5351875"/>
               <a:ext cx="63202" cy="63202"/>
             </a:xfrm>
             <a:custGeom>
@@ -28224,7 +28224,7 @@
           </p:nvSpPr>
           <p:spPr>
             <a:xfrm>
-              <a:off x="4827528" y="5395257"/>
+              <a:off x="4591639" y="5394934"/>
               <a:ext cx="63202" cy="63202"/>
             </a:xfrm>
             <a:custGeom>
@@ -28267,7 +28267,7 @@
           </p:nvSpPr>
           <p:spPr>
             <a:xfrm>
-              <a:off x="4696409" y="5386769"/>
+              <a:off x="4707812" y="5386675"/>
               <a:ext cx="63202" cy="63202"/>
             </a:xfrm>
             <a:custGeom>
@@ -28310,7 +28310,7 @@
           </p:nvSpPr>
           <p:spPr>
             <a:xfrm>
-              <a:off x="6394911" y="6632146"/>
+              <a:off x="6418098" y="6632154"/>
               <a:ext cx="63202" cy="63202"/>
             </a:xfrm>
             <a:custGeom>
@@ -28353,7 +28353,7 @@
           </p:nvSpPr>
           <p:spPr>
             <a:xfrm>
-              <a:off x="4844396" y="5349145"/>
+              <a:off x="4788966" y="5348879"/>
               <a:ext cx="63202" cy="63202"/>
             </a:xfrm>
             <a:custGeom>
@@ -28396,7 +28396,7 @@
           </p:nvSpPr>
           <p:spPr>
             <a:xfrm>
-              <a:off x="4489936" y="5363844"/>
+              <a:off x="4598747" y="5363779"/>
               <a:ext cx="63202" cy="63202"/>
             </a:xfrm>
             <a:custGeom>
@@ -28439,7 +28439,7 @@
           </p:nvSpPr>
           <p:spPr>
             <a:xfrm>
-              <a:off x="4774941" y="5755659"/>
+              <a:off x="4704899" y="5755586"/>
               <a:ext cx="63202" cy="63202"/>
             </a:xfrm>
             <a:custGeom>
@@ -28482,7 +28482,7 @@
           </p:nvSpPr>
           <p:spPr>
             <a:xfrm>
-              <a:off x="4600679" y="5341636"/>
+              <a:off x="4556824" y="5341454"/>
               <a:ext cx="63202" cy="63202"/>
             </a:xfrm>
             <a:custGeom>
@@ -28525,7 +28525,7 @@
           </p:nvSpPr>
           <p:spPr>
             <a:xfrm>
-              <a:off x="4482978" y="5396672"/>
+              <a:off x="4960374" y="5396398"/>
               <a:ext cx="63202" cy="63202"/>
             </a:xfrm>
             <a:custGeom>
@@ -28568,7 +28568,7 @@
           </p:nvSpPr>
           <p:spPr>
             <a:xfrm>
-              <a:off x="4892746" y="5356363"/>
+              <a:off x="4956191" y="5356256"/>
               <a:ext cx="63202" cy="63202"/>
             </a:xfrm>
             <a:custGeom>
@@ -28611,7 +28611,7 @@
           </p:nvSpPr>
           <p:spPr>
             <a:xfrm>
-              <a:off x="4704298" y="5343607"/>
+              <a:off x="4791017" y="5343495"/>
               <a:ext cx="63202" cy="63202"/>
             </a:xfrm>
             <a:custGeom>
@@ -28654,7 +28654,7 @@
           </p:nvSpPr>
           <p:spPr>
             <a:xfrm>
-              <a:off x="4916525" y="5384063"/>
+              <a:off x="4557589" y="5383914"/>
               <a:ext cx="63202" cy="63202"/>
             </a:xfrm>
             <a:custGeom>
@@ -28697,7 +28697,7 @@
           </p:nvSpPr>
           <p:spPr>
             <a:xfrm>
-              <a:off x="4934406" y="5366318"/>
+              <a:off x="4519918" y="5366219"/>
               <a:ext cx="63202" cy="63202"/>
             </a:xfrm>
             <a:custGeom>
@@ -28740,7 +28740,7 @@
           </p:nvSpPr>
           <p:spPr>
             <a:xfrm>
-              <a:off x="4624980" y="5342272"/>
+              <a:off x="4482355" y="5342357"/>
               <a:ext cx="63202" cy="63202"/>
             </a:xfrm>
             <a:custGeom>
@@ -28783,7 +28783,7 @@
           </p:nvSpPr>
           <p:spPr>
             <a:xfrm>
-              <a:off x="4947299" y="5351478"/>
+              <a:off x="4846074" y="5351683"/>
               <a:ext cx="63202" cy="63202"/>
             </a:xfrm>
             <a:custGeom>
@@ -28826,7 +28826,7 @@
           </p:nvSpPr>
           <p:spPr>
             <a:xfrm>
-              <a:off x="4570297" y="5349756"/>
+              <a:off x="4957498" y="5349658"/>
               <a:ext cx="63202" cy="63202"/>
             </a:xfrm>
             <a:custGeom>
@@ -28869,7 +28869,7 @@
           </p:nvSpPr>
           <p:spPr>
             <a:xfrm>
-              <a:off x="4986176" y="5428667"/>
+              <a:off x="5019504" y="5428512"/>
               <a:ext cx="63202" cy="63202"/>
             </a:xfrm>
             <a:custGeom>
@@ -28912,7 +28912,7 @@
           </p:nvSpPr>
           <p:spPr>
             <a:xfrm>
-              <a:off x="4928625" y="5393246"/>
+              <a:off x="5102728" y="5393158"/>
               <a:ext cx="63202" cy="63202"/>
             </a:xfrm>
             <a:custGeom>
@@ -28955,7 +28955,7 @@
           </p:nvSpPr>
           <p:spPr>
             <a:xfrm>
-              <a:off x="4470060" y="5378130"/>
+              <a:off x="5130012" y="5378148"/>
               <a:ext cx="63202" cy="63202"/>
             </a:xfrm>
             <a:custGeom>
@@ -28998,7 +28998,7 @@
           </p:nvSpPr>
           <p:spPr>
             <a:xfrm>
-              <a:off x="4718157" y="5335637"/>
+              <a:off x="5130566" y="5335825"/>
               <a:ext cx="63202" cy="63202"/>
             </a:xfrm>
             <a:custGeom>
@@ -29041,7 +29041,7 @@
           </p:nvSpPr>
           <p:spPr>
             <a:xfrm>
-              <a:off x="4574980" y="5335873"/>
+              <a:off x="4522456" y="5335783"/>
               <a:ext cx="63202" cy="63202"/>
             </a:xfrm>
             <a:custGeom>
@@ -29084,7 +29084,7 @@
           </p:nvSpPr>
           <p:spPr>
             <a:xfrm>
-              <a:off x="4723193" y="5339505"/>
+              <a:off x="4820655" y="5339397"/>
               <a:ext cx="63202" cy="63202"/>
             </a:xfrm>
             <a:custGeom>
@@ -29127,7 +29127,7 @@
           </p:nvSpPr>
           <p:spPr>
             <a:xfrm>
-              <a:off x="4865502" y="5338249"/>
+              <a:off x="4797168" y="5338210"/>
               <a:ext cx="63202" cy="63202"/>
             </a:xfrm>
             <a:custGeom>
@@ -29170,7 +29170,7 @@
           </p:nvSpPr>
           <p:spPr>
             <a:xfrm>
-              <a:off x="5119628" y="5336759"/>
+              <a:off x="4482809" y="5336694"/>
               <a:ext cx="63202" cy="63202"/>
             </a:xfrm>
             <a:custGeom>
@@ -29213,7 +29213,7 @@
           </p:nvSpPr>
           <p:spPr>
             <a:xfrm>
-              <a:off x="4915971" y="5317369"/>
+              <a:off x="4853805" y="5317369"/>
               <a:ext cx="63202" cy="63202"/>
             </a:xfrm>
             <a:custGeom>
@@ -29256,7 +29256,7 @@
           </p:nvSpPr>
           <p:spPr>
             <a:xfrm>
-              <a:off x="4572263" y="5391145"/>
+              <a:off x="4709883" y="5391024"/>
               <a:ext cx="63202" cy="63202"/>
             </a:xfrm>
             <a:custGeom>
@@ -29299,7 +29299,7 @@
           </p:nvSpPr>
           <p:spPr>
             <a:xfrm>
-              <a:off x="4456955" y="5408639"/>
+              <a:off x="4725635" y="5408714"/>
               <a:ext cx="63202" cy="63202"/>
             </a:xfrm>
             <a:custGeom>
@@ -29342,7 +29342,7 @@
           </p:nvSpPr>
           <p:spPr>
             <a:xfrm>
-              <a:off x="4814770" y="5363108"/>
+              <a:off x="4738320" y="5362870"/>
               <a:ext cx="63202" cy="63202"/>
             </a:xfrm>
             <a:custGeom>
@@ -29385,7 +29385,7 @@
           </p:nvSpPr>
           <p:spPr>
             <a:xfrm>
-              <a:off x="4899436" y="5387641"/>
+              <a:off x="4817137" y="5387620"/>
               <a:ext cx="63202" cy="63202"/>
             </a:xfrm>
             <a:custGeom>
@@ -29428,7 +29428,7 @@
           </p:nvSpPr>
           <p:spPr>
             <a:xfrm>
-              <a:off x="4518982" y="5394680"/>
+              <a:off x="4914448" y="5394817"/>
               <a:ext cx="63202" cy="63202"/>
             </a:xfrm>
             <a:custGeom>
@@ -29471,7 +29471,7 @@
           </p:nvSpPr>
           <p:spPr>
             <a:xfrm>
-              <a:off x="4651609" y="5375358"/>
+              <a:off x="4824638" y="5374999"/>
               <a:ext cx="63202" cy="63202"/>
             </a:xfrm>
             <a:custGeom>
@@ -29514,7 +29514,7 @@
           </p:nvSpPr>
           <p:spPr>
             <a:xfrm>
-              <a:off x="5043213" y="5337001"/>
+              <a:off x="4560181" y="5336761"/>
               <a:ext cx="63202" cy="63202"/>
             </a:xfrm>
             <a:custGeom>
@@ -29557,7 +29557,7 @@
           </p:nvSpPr>
           <p:spPr>
             <a:xfrm>
-              <a:off x="4599675" y="5393922"/>
+              <a:off x="4732790" y="5393971"/>
               <a:ext cx="63202" cy="63202"/>
             </a:xfrm>
             <a:custGeom>
@@ -29600,7 +29600,7 @@
           </p:nvSpPr>
           <p:spPr>
             <a:xfrm>
-              <a:off x="5122035" y="5349739"/>
+              <a:off x="4647317" y="5349819"/>
               <a:ext cx="63202" cy="63202"/>
             </a:xfrm>
             <a:custGeom>
@@ -29643,7 +29643,7 @@
           </p:nvSpPr>
           <p:spPr>
             <a:xfrm>
-              <a:off x="4799416" y="5339161"/>
+              <a:off x="4457675" y="5338971"/>
               <a:ext cx="63202" cy="63202"/>
             </a:xfrm>
             <a:custGeom>
@@ -29686,7 +29686,7 @@
           </p:nvSpPr>
           <p:spPr>
             <a:xfrm>
-              <a:off x="4937630" y="5767805"/>
+              <a:off x="5106060" y="5767743"/>
               <a:ext cx="63202" cy="63202"/>
             </a:xfrm>
             <a:custGeom>
@@ -29729,7 +29729,7 @@
           </p:nvSpPr>
           <p:spPr>
             <a:xfrm>
-              <a:off x="4656936" y="5341708"/>
+              <a:off x="4610707" y="5341728"/>
               <a:ext cx="63202" cy="63202"/>
             </a:xfrm>
             <a:custGeom>
@@ -29772,7 +29772,7 @@
           </p:nvSpPr>
           <p:spPr>
             <a:xfrm>
-              <a:off x="4646659" y="5341552"/>
+              <a:off x="4633837" y="5341505"/>
               <a:ext cx="63202" cy="63202"/>
             </a:xfrm>
             <a:custGeom>
@@ -29815,7 +29815,7 @@
           </p:nvSpPr>
           <p:spPr>
             <a:xfrm>
-              <a:off x="4627502" y="5341777"/>
+              <a:off x="5093301" y="5341583"/>
               <a:ext cx="63202" cy="63202"/>
             </a:xfrm>
             <a:custGeom>
@@ -29858,7 +29858,7 @@
           </p:nvSpPr>
           <p:spPr>
             <a:xfrm>
-              <a:off x="4485559" y="5332166"/>
+              <a:off x="4452082" y="5331877"/>
               <a:ext cx="63202" cy="63202"/>
             </a:xfrm>
             <a:custGeom>
@@ -29901,7 +29901,7 @@
           </p:nvSpPr>
           <p:spPr>
             <a:xfrm>
-              <a:off x="4693205" y="5382933"/>
+              <a:off x="4600720" y="5382911"/>
               <a:ext cx="63202" cy="63202"/>
             </a:xfrm>
             <a:custGeom>
@@ -29944,7 +29944,7 @@
           </p:nvSpPr>
           <p:spPr>
             <a:xfrm>
-              <a:off x="4925609" y="5396874"/>
+              <a:off x="4965745" y="5396941"/>
               <a:ext cx="63202" cy="63202"/>
             </a:xfrm>
             <a:custGeom>
@@ -29987,7 +29987,7 @@
           </p:nvSpPr>
           <p:spPr>
             <a:xfrm>
-              <a:off x="4656994" y="5324562"/>
+              <a:off x="4519889" y="5324535"/>
               <a:ext cx="63202" cy="63202"/>
             </a:xfrm>
             <a:custGeom>
@@ -30030,7 +30030,7 @@
           </p:nvSpPr>
           <p:spPr>
             <a:xfrm>
-              <a:off x="4469297" y="5350842"/>
+              <a:off x="4534628" y="5350683"/>
               <a:ext cx="63202" cy="63202"/>
             </a:xfrm>
             <a:custGeom>
@@ -30073,7 +30073,7 @@
           </p:nvSpPr>
           <p:spPr>
             <a:xfrm>
-              <a:off x="5035098" y="5343941"/>
+              <a:off x="4967685" y="5343744"/>
               <a:ext cx="63202" cy="63202"/>
             </a:xfrm>
             <a:custGeom>
@@ -30116,7 +30116,7 @@
           </p:nvSpPr>
           <p:spPr>
             <a:xfrm>
-              <a:off x="4557145" y="5341192"/>
+              <a:off x="4966696" y="5341074"/>
               <a:ext cx="63202" cy="63202"/>
             </a:xfrm>
             <a:custGeom>
@@ -30159,7 +30159,7 @@
           </p:nvSpPr>
           <p:spPr>
             <a:xfrm>
-              <a:off x="4862612" y="5550599"/>
+              <a:off x="4826459" y="5550682"/>
               <a:ext cx="63202" cy="63202"/>
             </a:xfrm>
             <a:custGeom>
@@ -30202,7 +30202,7 @@
           </p:nvSpPr>
           <p:spPr>
             <a:xfrm>
-              <a:off x="4467792" y="5355655"/>
+              <a:off x="4688351" y="5355453"/>
               <a:ext cx="63202" cy="63202"/>
             </a:xfrm>
             <a:custGeom>
@@ -30245,7 +30245,7 @@
           </p:nvSpPr>
           <p:spPr>
             <a:xfrm>
-              <a:off x="4872416" y="5440076"/>
+              <a:off x="4972547" y="5440143"/>
               <a:ext cx="63202" cy="63202"/>
             </a:xfrm>
             <a:custGeom>
@@ -30288,7 +30288,7 @@
           </p:nvSpPr>
           <p:spPr>
             <a:xfrm>
-              <a:off x="5033710" y="5384062"/>
+              <a:off x="4572355" y="5383929"/>
               <a:ext cx="63202" cy="63202"/>
             </a:xfrm>
             <a:custGeom>
@@ -30331,7 +30331,7 @@
           </p:nvSpPr>
           <p:spPr>
             <a:xfrm>
-              <a:off x="5039132" y="5339787"/>
+              <a:off x="4642786" y="5339879"/>
               <a:ext cx="63202" cy="63202"/>
             </a:xfrm>
             <a:custGeom>
@@ -30374,7 +30374,7 @@
           </p:nvSpPr>
           <p:spPr>
             <a:xfrm>
-              <a:off x="4673270" y="5344251"/>
+              <a:off x="4955010" y="5344217"/>
               <a:ext cx="63202" cy="63202"/>
             </a:xfrm>
             <a:custGeom>
@@ -30417,7 +30417,7 @@
           </p:nvSpPr>
           <p:spPr>
             <a:xfrm>
-              <a:off x="5035629" y="5405148"/>
+              <a:off x="4675212" y="5404860"/>
               <a:ext cx="63202" cy="63202"/>
             </a:xfrm>
             <a:custGeom>
@@ -30460,7 +30460,7 @@
           </p:nvSpPr>
           <p:spPr>
             <a:xfrm>
-              <a:off x="4723785" y="5395945"/>
+              <a:off x="4857080" y="5395792"/>
               <a:ext cx="63202" cy="63202"/>
             </a:xfrm>
             <a:custGeom>
@@ -30503,7 +30503,7 @@
           </p:nvSpPr>
           <p:spPr>
             <a:xfrm>
-              <a:off x="5025182" y="5440390"/>
+              <a:off x="4613625" y="5440392"/>
               <a:ext cx="63202" cy="63202"/>
             </a:xfrm>
             <a:custGeom>
@@ -30546,7 +30546,7 @@
           </p:nvSpPr>
           <p:spPr>
             <a:xfrm>
-              <a:off x="4446953" y="5358854"/>
+              <a:off x="4729713" y="5358911"/>
               <a:ext cx="63202" cy="63202"/>
             </a:xfrm>
             <a:custGeom>
@@ -30589,7 +30589,7 @@
           </p:nvSpPr>
           <p:spPr>
             <a:xfrm>
-              <a:off x="4740692" y="5367876"/>
+              <a:off x="4602074" y="5367848"/>
               <a:ext cx="63202" cy="63202"/>
             </a:xfrm>
             <a:custGeom>
@@ -30632,7 +30632,7 @@
           </p:nvSpPr>
           <p:spPr>
             <a:xfrm>
-              <a:off x="4609652" y="5395493"/>
+              <a:off x="4999480" y="5395296"/>
               <a:ext cx="63202" cy="63202"/>
             </a:xfrm>
             <a:custGeom>
@@ -30675,7 +30675,7 @@
           </p:nvSpPr>
           <p:spPr>
             <a:xfrm>
-              <a:off x="4509930" y="5352399"/>
+              <a:off x="4507613" y="5352188"/>
               <a:ext cx="63202" cy="63202"/>
             </a:xfrm>
             <a:custGeom>
@@ -30718,7 +30718,7 @@
           </p:nvSpPr>
           <p:spPr>
             <a:xfrm>
-              <a:off x="4844950" y="5385670"/>
+              <a:off x="4873355" y="5385499"/>
               <a:ext cx="63202" cy="63202"/>
             </a:xfrm>
             <a:custGeom>
@@ -30761,7 +30761,7 @@
           </p:nvSpPr>
           <p:spPr>
             <a:xfrm>
-              <a:off x="4870752" y="5395596"/>
+              <a:off x="5112600" y="5395288"/>
               <a:ext cx="63202" cy="63202"/>
             </a:xfrm>
             <a:custGeom>
@@ -30804,7 +30804,7 @@
           </p:nvSpPr>
           <p:spPr>
             <a:xfrm>
-              <a:off x="4951679" y="5345306"/>
+              <a:off x="4451602" y="5345187"/>
               <a:ext cx="63202" cy="63202"/>
             </a:xfrm>
             <a:custGeom>
@@ -30847,7 +30847,7 @@
           </p:nvSpPr>
           <p:spPr>
             <a:xfrm>
-              <a:off x="4955788" y="5533477"/>
+              <a:off x="4747121" y="5533364"/>
               <a:ext cx="63202" cy="63202"/>
             </a:xfrm>
             <a:custGeom>
@@ -30890,7 +30890,7 @@
           </p:nvSpPr>
           <p:spPr>
             <a:xfrm>
-              <a:off x="5101553" y="5380070"/>
+              <a:off x="4931227" y="5379794"/>
               <a:ext cx="63202" cy="63202"/>
             </a:xfrm>
             <a:custGeom>
@@ -30933,7 +30933,7 @@
           </p:nvSpPr>
           <p:spPr>
             <a:xfrm>
-              <a:off x="5111191" y="5385638"/>
+              <a:off x="4792777" y="5385500"/>
               <a:ext cx="63202" cy="63202"/>
             </a:xfrm>
             <a:custGeom>
@@ -30976,7 +30976,7 @@
           </p:nvSpPr>
           <p:spPr>
             <a:xfrm>
-              <a:off x="4751830" y="5398796"/>
+              <a:off x="4519450" y="5398726"/>
               <a:ext cx="63202" cy="63202"/>
             </a:xfrm>
             <a:custGeom>
@@ -31019,7 +31019,7 @@
           </p:nvSpPr>
           <p:spPr>
             <a:xfrm>
-              <a:off x="4550392" y="5404267"/>
+              <a:off x="4785308" y="5404181"/>
               <a:ext cx="63202" cy="63202"/>
             </a:xfrm>
             <a:custGeom>
@@ -31062,7 +31062,7 @@
           </p:nvSpPr>
           <p:spPr>
             <a:xfrm>
-              <a:off x="4966245" y="5325576"/>
+              <a:off x="4553977" y="5325415"/>
               <a:ext cx="63202" cy="63202"/>
             </a:xfrm>
             <a:custGeom>
@@ -31105,7 +31105,7 @@
           </p:nvSpPr>
           <p:spPr>
             <a:xfrm>
-              <a:off x="4632347" y="5438264"/>
+              <a:off x="4443732" y="5438046"/>
               <a:ext cx="63202" cy="63202"/>
             </a:xfrm>
             <a:custGeom>
@@ -31148,7 +31148,7 @@
           </p:nvSpPr>
           <p:spPr>
             <a:xfrm>
-              <a:off x="4914771" y="5632525"/>
+              <a:off x="4748112" y="5632642"/>
               <a:ext cx="63202" cy="63202"/>
             </a:xfrm>
             <a:custGeom>
@@ -31191,7 +31191,7 @@
           </p:nvSpPr>
           <p:spPr>
             <a:xfrm>
-              <a:off x="5080355" y="5954824"/>
+              <a:off x="5121874" y="5954773"/>
               <a:ext cx="63202" cy="63202"/>
             </a:xfrm>
             <a:custGeom>
@@ -31234,7 +31234,7 @@
           </p:nvSpPr>
           <p:spPr>
             <a:xfrm>
-              <a:off x="4676446" y="5791249"/>
+              <a:off x="4890271" y="5791203"/>
               <a:ext cx="63202" cy="63202"/>
             </a:xfrm>
             <a:custGeom>
@@ -31277,7 +31277,7 @@
           </p:nvSpPr>
           <p:spPr>
             <a:xfrm>
-              <a:off x="4802006" y="5351698"/>
+              <a:off x="4993526" y="5351659"/>
               <a:ext cx="63202" cy="63202"/>
             </a:xfrm>
             <a:custGeom>
@@ -31320,7 +31320,7 @@
           </p:nvSpPr>
           <p:spPr>
             <a:xfrm>
-              <a:off x="5038743" y="5459916"/>
+              <a:off x="4700450" y="5460075"/>
               <a:ext cx="63202" cy="63202"/>
             </a:xfrm>
             <a:custGeom>
@@ -31363,7 +31363,7 @@
           </p:nvSpPr>
           <p:spPr>
             <a:xfrm>
-              <a:off x="4669399" y="5443718"/>
+              <a:off x="4942678" y="5443686"/>
               <a:ext cx="63202" cy="63202"/>
             </a:xfrm>
             <a:custGeom>
@@ -31406,7 +31406,7 @@
           </p:nvSpPr>
           <p:spPr>
             <a:xfrm>
-              <a:off x="4967300" y="5359044"/>
+              <a:off x="4927337" y="5358845"/>
               <a:ext cx="63202" cy="63202"/>
             </a:xfrm>
             <a:custGeom>
@@ -31449,7 +31449,7 @@
           </p:nvSpPr>
           <p:spPr>
             <a:xfrm>
-              <a:off x="4656890" y="5530688"/>
+              <a:off x="4597016" y="5530592"/>
               <a:ext cx="63202" cy="63202"/>
             </a:xfrm>
             <a:custGeom>
@@ -31492,7 +31492,7 @@
           </p:nvSpPr>
           <p:spPr>
             <a:xfrm>
-              <a:off x="4973589" y="5331810"/>
+              <a:off x="4762071" y="5331660"/>
               <a:ext cx="63202" cy="63202"/>
             </a:xfrm>
             <a:custGeom>
@@ -31535,7 +31535,7 @@
           </p:nvSpPr>
           <p:spPr>
             <a:xfrm>
-              <a:off x="4674152" y="5684307"/>
+              <a:off x="4545538" y="5684239"/>
               <a:ext cx="63202" cy="63202"/>
             </a:xfrm>
             <a:custGeom>
@@ -31578,7 +31578,7 @@
           </p:nvSpPr>
           <p:spPr>
             <a:xfrm>
-              <a:off x="4575243" y="5353074"/>
+              <a:off x="4849480" y="5352961"/>
               <a:ext cx="63202" cy="63202"/>
             </a:xfrm>
             <a:custGeom>
@@ -31621,7 +31621,7 @@
           </p:nvSpPr>
           <p:spPr>
             <a:xfrm>
-              <a:off x="4962177" y="5780700"/>
+              <a:off x="4852933" y="5780585"/>
               <a:ext cx="63202" cy="63202"/>
             </a:xfrm>
             <a:custGeom>
@@ -31664,7 +31664,7 @@
           </p:nvSpPr>
           <p:spPr>
             <a:xfrm>
-              <a:off x="4716152" y="5362630"/>
+              <a:off x="4680446" y="5362479"/>
               <a:ext cx="63202" cy="63202"/>
             </a:xfrm>
             <a:custGeom>
@@ -31707,7 +31707,7 @@
           </p:nvSpPr>
           <p:spPr>
             <a:xfrm>
-              <a:off x="4942755" y="5334018"/>
+              <a:off x="5108785" y="5333751"/>
               <a:ext cx="63202" cy="63202"/>
             </a:xfrm>
             <a:custGeom>
@@ -31750,7 +31750,7 @@
           </p:nvSpPr>
           <p:spPr>
             <a:xfrm>
-              <a:off x="5118313" y="5343459"/>
+              <a:off x="4666100" y="5343294"/>
               <a:ext cx="63202" cy="63202"/>
             </a:xfrm>
             <a:custGeom>
@@ -31793,7 +31793,7 @@
           </p:nvSpPr>
           <p:spPr>
             <a:xfrm>
-              <a:off x="5129252" y="5325476"/>
+              <a:off x="5077761" y="5325371"/>
               <a:ext cx="63202" cy="63202"/>
             </a:xfrm>
             <a:custGeom>
@@ -31836,7 +31836,7 @@
           </p:nvSpPr>
           <p:spPr>
             <a:xfrm>
-              <a:off x="4969005" y="5350561"/>
+              <a:off x="5067878" y="5350409"/>
               <a:ext cx="63202" cy="63202"/>
             </a:xfrm>
             <a:custGeom>
@@ -31879,7 +31879,7 @@
           </p:nvSpPr>
           <p:spPr>
             <a:xfrm>
-              <a:off x="4802588" y="5340321"/>
+              <a:off x="4796501" y="5340220"/>
               <a:ext cx="63202" cy="63202"/>
             </a:xfrm>
             <a:custGeom>
@@ -31922,7 +31922,7 @@
           </p:nvSpPr>
           <p:spPr>
             <a:xfrm>
-              <a:off x="4899676" y="5352813"/>
+              <a:off x="4944797" y="5352504"/>
               <a:ext cx="63202" cy="63202"/>
             </a:xfrm>
             <a:custGeom>
@@ -31965,7 +31965,7 @@
           </p:nvSpPr>
           <p:spPr>
             <a:xfrm>
-              <a:off x="4576650" y="5352722"/>
+              <a:off x="4515051" y="5352530"/>
               <a:ext cx="63202" cy="63202"/>
             </a:xfrm>
             <a:custGeom>
@@ -32008,7 +32008,7 @@
           </p:nvSpPr>
           <p:spPr>
             <a:xfrm>
-              <a:off x="4455004" y="5352822"/>
+              <a:off x="4878764" y="5352618"/>
               <a:ext cx="63202" cy="63202"/>
             </a:xfrm>
             <a:custGeom>
@@ -32051,7 +32051,7 @@
           </p:nvSpPr>
           <p:spPr>
             <a:xfrm>
-              <a:off x="4900314" y="5352868"/>
+              <a:off x="4819282" y="5352603"/>
               <a:ext cx="63202" cy="63202"/>
             </a:xfrm>
             <a:custGeom>
@@ -32094,7 +32094,7 @@
           </p:nvSpPr>
           <p:spPr>
             <a:xfrm>
-              <a:off x="4888219" y="5389942"/>
+              <a:off x="4968094" y="5389919"/>
               <a:ext cx="63202" cy="63202"/>
             </a:xfrm>
             <a:custGeom>
@@ -32137,7 +32137,7 @@
           </p:nvSpPr>
           <p:spPr>
             <a:xfrm>
-              <a:off x="4482790" y="5350783"/>
+              <a:off x="4638533" y="5350741"/>
               <a:ext cx="63202" cy="63202"/>
             </a:xfrm>
             <a:custGeom>
@@ -32180,7 +32180,7 @@
           </p:nvSpPr>
           <p:spPr>
             <a:xfrm>
-              <a:off x="4548064" y="5700855"/>
+              <a:off x="4863547" y="5700658"/>
               <a:ext cx="63202" cy="63202"/>
             </a:xfrm>
             <a:custGeom>
@@ -32223,7 +32223,7 @@
           </p:nvSpPr>
           <p:spPr>
             <a:xfrm>
-              <a:off x="5798123" y="6540013"/>
+              <a:off x="5356377" y="6539793"/>
               <a:ext cx="63202" cy="63202"/>
             </a:xfrm>
             <a:custGeom>
@@ -32266,7 +32266,7 @@
           </p:nvSpPr>
           <p:spPr>
             <a:xfrm>
-              <a:off x="4846596" y="5357580"/>
+              <a:off x="4517300" y="5357565"/>
               <a:ext cx="63202" cy="63202"/>
             </a:xfrm>
             <a:custGeom>
@@ -32309,7 +32309,7 @@
           </p:nvSpPr>
           <p:spPr>
             <a:xfrm>
-              <a:off x="4731707" y="5334682"/>
+              <a:off x="4435196" y="5334466"/>
               <a:ext cx="63202" cy="63202"/>
             </a:xfrm>
             <a:custGeom>
@@ -32352,7 +32352,7 @@
           </p:nvSpPr>
           <p:spPr>
             <a:xfrm>
-              <a:off x="4851013" y="5330243"/>
+              <a:off x="4454458" y="5330121"/>
               <a:ext cx="63202" cy="63202"/>
             </a:xfrm>
             <a:custGeom>
@@ -32395,7 +32395,7 @@
           </p:nvSpPr>
           <p:spPr>
             <a:xfrm>
-              <a:off x="4933574" y="5526356"/>
+              <a:off x="4474656" y="5526209"/>
               <a:ext cx="63202" cy="63202"/>
             </a:xfrm>
             <a:custGeom>
@@ -32438,7 +32438,7 @@
           </p:nvSpPr>
           <p:spPr>
             <a:xfrm>
-              <a:off x="4656985" y="5364391"/>
+              <a:off x="4512815" y="5364490"/>
               <a:ext cx="63202" cy="63202"/>
             </a:xfrm>
             <a:custGeom>
@@ -32481,7 +32481,7 @@
           </p:nvSpPr>
           <p:spPr>
             <a:xfrm>
-              <a:off x="4539410" y="5362744"/>
+              <a:off x="4433850" y="5362744"/>
               <a:ext cx="63202" cy="63202"/>
             </a:xfrm>
             <a:custGeom>
@@ -32524,7 +32524,7 @@
           </p:nvSpPr>
           <p:spPr>
             <a:xfrm>
-              <a:off x="4580160" y="5336860"/>
+              <a:off x="4749085" y="5336733"/>
               <a:ext cx="63202" cy="63202"/>
             </a:xfrm>
             <a:custGeom>
@@ -32623,7 +32623,7 @@
           </p:nvSpPr>
           <p:spPr>
             <a:xfrm>
-              <a:off x="7171360" y="2806779"/>
+              <a:off x="7171360" y="2806780"/>
               <a:ext cx="2817450" cy="0"/>
             </a:xfrm>
             <a:custGeom>
@@ -32666,7 +32666,7 @@
           </p:nvSpPr>
           <p:spPr>
             <a:xfrm>
-              <a:off x="7171360" y="2438082"/>
+              <a:off x="7171360" y="2438057"/>
               <a:ext cx="2817450" cy="0"/>
             </a:xfrm>
             <a:custGeom>
@@ -32709,7 +32709,7 @@
           </p:nvSpPr>
           <p:spPr>
             <a:xfrm>
-              <a:off x="7171360" y="2069384"/>
+              <a:off x="7171360" y="2069335"/>
               <a:ext cx="2817450" cy="0"/>
             </a:xfrm>
             <a:custGeom>
@@ -32752,7 +32752,7 @@
           </p:nvSpPr>
           <p:spPr>
             <a:xfrm>
-              <a:off x="7171360" y="1700686"/>
+              <a:off x="7171360" y="1700613"/>
               <a:ext cx="2817450" cy="0"/>
             </a:xfrm>
             <a:custGeom>
@@ -32795,7 +32795,7 @@
           </p:nvSpPr>
           <p:spPr>
             <a:xfrm>
-              <a:off x="7171360" y="2991128"/>
+              <a:off x="7171360" y="2991141"/>
               <a:ext cx="2817450" cy="0"/>
             </a:xfrm>
             <a:custGeom>
@@ -32838,7 +32838,7 @@
           </p:nvSpPr>
           <p:spPr>
             <a:xfrm>
-              <a:off x="7171360" y="2622430"/>
+              <a:off x="7171360" y="2622418"/>
               <a:ext cx="2817450" cy="0"/>
             </a:xfrm>
             <a:custGeom>
@@ -32881,7 +32881,7 @@
           </p:nvSpPr>
           <p:spPr>
             <a:xfrm>
-              <a:off x="7171360" y="2253733"/>
+              <a:off x="7171360" y="2253696"/>
               <a:ext cx="2817450" cy="0"/>
             </a:xfrm>
             <a:custGeom>
@@ -32924,7 +32924,7 @@
           </p:nvSpPr>
           <p:spPr>
             <a:xfrm>
-              <a:off x="7171360" y="1885035"/>
+              <a:off x="7171360" y="1884974"/>
               <a:ext cx="2817450" cy="0"/>
             </a:xfrm>
             <a:custGeom>
@@ -32967,7 +32967,7 @@
           </p:nvSpPr>
           <p:spPr>
             <a:xfrm>
-              <a:off x="7171360" y="1516338"/>
+              <a:off x="7171360" y="1516252"/>
               <a:ext cx="2817450" cy="0"/>
             </a:xfrm>
             <a:custGeom>
@@ -33139,7 +33139,7 @@
           </p:nvSpPr>
           <p:spPr>
             <a:xfrm>
-              <a:off x="9392182" y="2938092"/>
+              <a:off x="9147052" y="2938233"/>
               <a:ext cx="63202" cy="63202"/>
             </a:xfrm>
             <a:custGeom>
@@ -33182,7 +33182,7 @@
           </p:nvSpPr>
           <p:spPr>
             <a:xfrm>
-              <a:off x="7807111" y="2180088"/>
+              <a:off x="7408154" y="2180193"/>
               <a:ext cx="63202" cy="63202"/>
             </a:xfrm>
             <a:custGeom>
@@ -33225,7 +33225,7 @@
           </p:nvSpPr>
           <p:spPr>
             <a:xfrm>
-              <a:off x="7518463" y="2187897"/>
+              <a:off x="7478597" y="2187739"/>
               <a:ext cx="63202" cy="63202"/>
             </a:xfrm>
             <a:custGeom>
@@ -33268,7 +33268,7 @@
           </p:nvSpPr>
           <p:spPr>
             <a:xfrm>
-              <a:off x="7559325" y="2209742"/>
+              <a:off x="7935350" y="2209696"/>
               <a:ext cx="63202" cy="63202"/>
             </a:xfrm>
             <a:custGeom>
@@ -33311,7 +33311,7 @@
           </p:nvSpPr>
           <p:spPr>
             <a:xfrm>
-              <a:off x="7796964" y="2200733"/>
+              <a:off x="7351305" y="2200818"/>
               <a:ext cx="63202" cy="63202"/>
             </a:xfrm>
             <a:custGeom>
@@ -33354,7 +33354,7 @@
           </p:nvSpPr>
           <p:spPr>
             <a:xfrm>
-              <a:off x="7954006" y="2106041"/>
+              <a:off x="7918659" y="2105911"/>
               <a:ext cx="63202" cy="63202"/>
             </a:xfrm>
             <a:custGeom>
@@ -33397,7 +33397,7 @@
           </p:nvSpPr>
           <p:spPr>
             <a:xfrm>
-              <a:off x="8847537" y="2267250"/>
+              <a:off x="8674143" y="2267081"/>
               <a:ext cx="63202" cy="63202"/>
             </a:xfrm>
             <a:custGeom>
@@ -33440,7 +33440,7 @@
           </p:nvSpPr>
           <p:spPr>
             <a:xfrm>
-              <a:off x="7858722" y="2178338"/>
+              <a:off x="7750070" y="2178252"/>
               <a:ext cx="63202" cy="63202"/>
             </a:xfrm>
             <a:custGeom>
@@ -33483,7 +33483,7 @@
           </p:nvSpPr>
           <p:spPr>
             <a:xfrm>
-              <a:off x="7498132" y="2200458"/>
+              <a:off x="7554135" y="2200300"/>
               <a:ext cx="63202" cy="63202"/>
             </a:xfrm>
             <a:custGeom>
@@ -33526,7 +33526,7 @@
           </p:nvSpPr>
           <p:spPr>
             <a:xfrm>
-              <a:off x="7814395" y="2194391"/>
+              <a:off x="7645597" y="2194464"/>
               <a:ext cx="63202" cy="63202"/>
             </a:xfrm>
             <a:custGeom>
@@ -33569,7 +33569,7 @@
           </p:nvSpPr>
           <p:spPr>
             <a:xfrm>
-              <a:off x="8458756" y="2267445"/>
+              <a:off x="8790001" y="2267500"/>
               <a:ext cx="63202" cy="63202"/>
             </a:xfrm>
             <a:custGeom>
@@ -33612,7 +33612,7 @@
           </p:nvSpPr>
           <p:spPr>
             <a:xfrm>
-              <a:off x="8507480" y="2340011"/>
+              <a:off x="8680085" y="2340042"/>
               <a:ext cx="63202" cy="63202"/>
             </a:xfrm>
             <a:custGeom>
@@ -33655,7 +33655,7 @@
           </p:nvSpPr>
           <p:spPr>
             <a:xfrm>
-              <a:off x="8274898" y="2268912"/>
+              <a:off x="8682342" y="2268935"/>
               <a:ext cx="63202" cy="63202"/>
             </a:xfrm>
             <a:custGeom>
@@ -33698,7 +33698,7 @@
           </p:nvSpPr>
           <p:spPr>
             <a:xfrm>
-              <a:off x="8198708" y="2465886"/>
+              <a:off x="8634690" y="2465916"/>
               <a:ext cx="63202" cy="63202"/>
             </a:xfrm>
             <a:custGeom>
@@ -33741,7 +33741,7 @@
           </p:nvSpPr>
           <p:spPr>
             <a:xfrm>
-              <a:off x="8582644" y="2263732"/>
+              <a:off x="8355909" y="2263700"/>
               <a:ext cx="63202" cy="63202"/>
             </a:xfrm>
             <a:custGeom>
@@ -33784,7 +33784,7 @@
           </p:nvSpPr>
           <p:spPr>
             <a:xfrm>
-              <a:off x="7857431" y="2205171"/>
+              <a:off x="7742239" y="2205168"/>
               <a:ext cx="63202" cy="63202"/>
             </a:xfrm>
             <a:custGeom>
@@ -33827,7 +33827,7 @@
           </p:nvSpPr>
           <p:spPr>
             <a:xfrm>
-              <a:off x="8202062" y="2415783"/>
+              <a:off x="8596715" y="2415783"/>
               <a:ext cx="63202" cy="63202"/>
             </a:xfrm>
             <a:custGeom>
@@ -33870,7 +33870,7 @@
           </p:nvSpPr>
           <p:spPr>
             <a:xfrm>
-              <a:off x="8847318" y="2301112"/>
+              <a:off x="8712608" y="2300926"/>
               <a:ext cx="63202" cy="63202"/>
             </a:xfrm>
             <a:custGeom>
@@ -33913,7 +33913,7 @@
           </p:nvSpPr>
           <p:spPr>
             <a:xfrm>
-              <a:off x="8583278" y="2259757"/>
+              <a:off x="8795457" y="2259703"/>
               <a:ext cx="63202" cy="63202"/>
             </a:xfrm>
             <a:custGeom>
@@ -33956,7 +33956,7 @@
           </p:nvSpPr>
           <p:spPr>
             <a:xfrm>
-              <a:off x="8005467" y="2179966"/>
+              <a:off x="7369523" y="2179915"/>
               <a:ext cx="63202" cy="63202"/>
             </a:xfrm>
             <a:custGeom>
@@ -33999,7 +33999,7 @@
           </p:nvSpPr>
           <p:spPr>
             <a:xfrm>
-              <a:off x="8789940" y="2360678"/>
+              <a:off x="8778974" y="2360677"/>
               <a:ext cx="63202" cy="63202"/>
             </a:xfrm>
             <a:custGeom>
@@ -34042,7 +34042,7 @@
           </p:nvSpPr>
           <p:spPr>
             <a:xfrm>
-              <a:off x="8728115" y="2255914"/>
+              <a:off x="8776217" y="2256153"/>
               <a:ext cx="63202" cy="63202"/>
             </a:xfrm>
             <a:custGeom>
@@ -34085,7 +34085,7 @@
           </p:nvSpPr>
           <p:spPr>
             <a:xfrm>
-              <a:off x="8593432" y="2268826"/>
+              <a:off x="8674528" y="2268934"/>
               <a:ext cx="63202" cy="63202"/>
             </a:xfrm>
             <a:custGeom>
@@ -34128,7 +34128,7 @@
           </p:nvSpPr>
           <p:spPr>
             <a:xfrm>
-              <a:off x="7491758" y="2076434"/>
+              <a:off x="7966458" y="2076377"/>
               <a:ext cx="63202" cy="63202"/>
             </a:xfrm>
             <a:custGeom>
@@ -34171,7 +34171,7 @@
           </p:nvSpPr>
           <p:spPr>
             <a:xfrm>
-              <a:off x="7779258" y="2182988"/>
+              <a:off x="8016922" y="2182935"/>
               <a:ext cx="63202" cy="63202"/>
             </a:xfrm>
             <a:custGeom>
@@ -34214,7 +34214,7 @@
           </p:nvSpPr>
           <p:spPr>
             <a:xfrm>
-              <a:off x="8508028" y="2275266"/>
+              <a:off x="8320440" y="2275324"/>
               <a:ext cx="63202" cy="63202"/>
             </a:xfrm>
             <a:custGeom>
@@ -34257,7 +34257,7 @@
           </p:nvSpPr>
           <p:spPr>
             <a:xfrm>
-              <a:off x="8278916" y="2297712"/>
+              <a:off x="8568979" y="2297560"/>
               <a:ext cx="63202" cy="63202"/>
             </a:xfrm>
             <a:custGeom>
@@ -34300,7 +34300,7 @@
           </p:nvSpPr>
           <p:spPr>
             <a:xfrm>
-              <a:off x="9670266" y="2931842"/>
+              <a:off x="9507864" y="2931838"/>
               <a:ext cx="63202" cy="63202"/>
             </a:xfrm>
             <a:custGeom>
@@ -34343,7 +34343,7 @@
           </p:nvSpPr>
           <p:spPr>
             <a:xfrm>
-              <a:off x="7464870" y="2196621"/>
+              <a:off x="7769784" y="2196649"/>
               <a:ext cx="63202" cy="63202"/>
             </a:xfrm>
             <a:custGeom>
@@ -34386,7 +34386,7 @@
           </p:nvSpPr>
           <p:spPr>
             <a:xfrm>
-              <a:off x="7606219" y="2194414"/>
+              <a:off x="7843332" y="2194438"/>
               <a:ext cx="63202" cy="63202"/>
             </a:xfrm>
             <a:custGeom>
@@ -34429,7 +34429,7 @@
           </p:nvSpPr>
           <p:spPr>
             <a:xfrm>
-              <a:off x="7966391" y="2191023"/>
+              <a:off x="7672011" y="2191175"/>
               <a:ext cx="63202" cy="63202"/>
             </a:xfrm>
             <a:custGeom>
@@ -34472,7 +34472,7 @@
           </p:nvSpPr>
           <p:spPr>
             <a:xfrm>
-              <a:off x="7805258" y="2191599"/>
+              <a:off x="7519767" y="2191447"/>
               <a:ext cx="63202" cy="63202"/>
             </a:xfrm>
             <a:custGeom>
@@ -34515,7 +34515,7 @@
           </p:nvSpPr>
           <p:spPr>
             <a:xfrm>
-              <a:off x="7796217" y="2193275"/>
+              <a:off x="7995892" y="2193474"/>
               <a:ext cx="63202" cy="63202"/>
             </a:xfrm>
             <a:custGeom>
@@ -34558,7 +34558,7 @@
           </p:nvSpPr>
           <p:spPr>
             <a:xfrm>
-              <a:off x="7520771" y="2206746"/>
+              <a:off x="7536845" y="2206665"/>
               <a:ext cx="63202" cy="63202"/>
             </a:xfrm>
             <a:custGeom>
@@ -34601,7 +34601,7 @@
           </p:nvSpPr>
           <p:spPr>
             <a:xfrm>
-              <a:off x="8404256" y="2228074"/>
+              <a:off x="8858169" y="2228063"/>
               <a:ext cx="63202" cy="63202"/>
             </a:xfrm>
             <a:custGeom>
@@ -34644,7 +34644,7 @@
           </p:nvSpPr>
           <p:spPr>
             <a:xfrm>
-              <a:off x="8704254" y="2260899"/>
+              <a:off x="8486494" y="2260928"/>
               <a:ext cx="63202" cy="63202"/>
             </a:xfrm>
             <a:custGeom>
@@ -34687,7 +34687,7 @@
           </p:nvSpPr>
           <p:spPr>
             <a:xfrm>
-              <a:off x="8611528" y="2268288"/>
+              <a:off x="8517884" y="2268116"/>
               <a:ext cx="63202" cy="63202"/>
             </a:xfrm>
             <a:custGeom>
@@ -34730,7 +34730,7 @@
           </p:nvSpPr>
           <p:spPr>
             <a:xfrm>
-              <a:off x="8850079" y="2669630"/>
+              <a:off x="8862248" y="2669582"/>
               <a:ext cx="63202" cy="63202"/>
             </a:xfrm>
             <a:custGeom>
@@ -34773,7 +34773,7 @@
           </p:nvSpPr>
           <p:spPr>
             <a:xfrm>
-              <a:off x="7817048" y="2210009"/>
+              <a:off x="7588476" y="2209840"/>
               <a:ext cx="63202" cy="63202"/>
             </a:xfrm>
             <a:custGeom>
@@ -34816,7 +34816,7 @@
           </p:nvSpPr>
           <p:spPr>
             <a:xfrm>
-              <a:off x="7990280" y="2000427"/>
+              <a:off x="7469878" y="2000605"/>
               <a:ext cx="63202" cy="63202"/>
             </a:xfrm>
             <a:custGeom>
@@ -34859,7 +34859,7 @@
           </p:nvSpPr>
           <p:spPr>
             <a:xfrm>
-              <a:off x="7903809" y="2059187"/>
+              <a:off x="7926632" y="2059174"/>
               <a:ext cx="63202" cy="63202"/>
             </a:xfrm>
             <a:custGeom>
@@ -34902,7 +34902,7 @@
           </p:nvSpPr>
           <p:spPr>
             <a:xfrm>
-              <a:off x="7771842" y="2204307"/>
+              <a:off x="7381132" y="2204257"/>
               <a:ext cx="63202" cy="63202"/>
             </a:xfrm>
             <a:custGeom>
@@ -34945,7 +34945,7 @@
           </p:nvSpPr>
           <p:spPr>
             <a:xfrm>
-              <a:off x="7341239" y="2208072"/>
+              <a:off x="7417137" y="2208128"/>
               <a:ext cx="63202" cy="63202"/>
             </a:xfrm>
             <a:custGeom>
@@ -34988,7 +34988,7 @@
           </p:nvSpPr>
           <p:spPr>
             <a:xfrm>
-              <a:off x="7481810" y="2207881"/>
+              <a:off x="7355979" y="2207639"/>
               <a:ext cx="63202" cy="63202"/>
             </a:xfrm>
             <a:custGeom>
@@ -35031,7 +35031,7 @@
           </p:nvSpPr>
           <p:spPr>
             <a:xfrm>
-              <a:off x="7891268" y="2203574"/>
+              <a:off x="7315985" y="2203804"/>
               <a:ext cx="63202" cy="63202"/>
             </a:xfrm>
             <a:custGeom>
@@ -35074,7 +35074,7 @@
           </p:nvSpPr>
           <p:spPr>
             <a:xfrm>
-              <a:off x="7997785" y="2200753"/>
+              <a:off x="7500646" y="2200622"/>
               <a:ext cx="63202" cy="63202"/>
             </a:xfrm>
             <a:custGeom>
@@ -35216,7 +35216,7 @@
           </p:nvSpPr>
           <p:spPr>
             <a:xfrm>
-              <a:off x="7171360" y="4363414"/>
+              <a:off x="7171360" y="4363390"/>
               <a:ext cx="2817450" cy="0"/>
             </a:xfrm>
             <a:custGeom>
@@ -35259,7 +35259,7 @@
           </p:nvSpPr>
           <p:spPr>
             <a:xfrm>
-              <a:off x="7171360" y="3994717"/>
+              <a:off x="7171360" y="3994668"/>
               <a:ext cx="2817450" cy="0"/>
             </a:xfrm>
             <a:custGeom>
@@ -35302,7 +35302,7 @@
           </p:nvSpPr>
           <p:spPr>
             <a:xfrm>
-              <a:off x="7171360" y="3626019"/>
+              <a:off x="7171360" y="3625945"/>
               <a:ext cx="2817450" cy="0"/>
             </a:xfrm>
             <a:custGeom>
@@ -35345,7 +35345,7 @@
           </p:nvSpPr>
           <p:spPr>
             <a:xfrm>
-              <a:off x="7171360" y="4916461"/>
+              <a:off x="7171360" y="4916473"/>
               <a:ext cx="2817450" cy="0"/>
             </a:xfrm>
             <a:custGeom>
@@ -35388,7 +35388,7 @@
           </p:nvSpPr>
           <p:spPr>
             <a:xfrm>
-              <a:off x="7171360" y="4547763"/>
+              <a:off x="7171360" y="4547751"/>
               <a:ext cx="2817450" cy="0"/>
             </a:xfrm>
             <a:custGeom>
@@ -35431,7 +35431,7 @@
           </p:nvSpPr>
           <p:spPr>
             <a:xfrm>
-              <a:off x="7171360" y="4179065"/>
+              <a:off x="7171360" y="4179029"/>
               <a:ext cx="2817450" cy="0"/>
             </a:xfrm>
             <a:custGeom>
@@ -35474,7 +35474,7 @@
           </p:nvSpPr>
           <p:spPr>
             <a:xfrm>
-              <a:off x="7171360" y="3810368"/>
+              <a:off x="7171360" y="3810307"/>
               <a:ext cx="2817450" cy="0"/>
             </a:xfrm>
             <a:custGeom>
@@ -35517,7 +35517,7 @@
           </p:nvSpPr>
           <p:spPr>
             <a:xfrm>
-              <a:off x="7171360" y="3441670"/>
+              <a:off x="7171360" y="3441584"/>
               <a:ext cx="2817450" cy="0"/>
             </a:xfrm>
             <a:custGeom>
@@ -35689,7 +35689,7 @@
           </p:nvSpPr>
           <p:spPr>
             <a:xfrm>
-              <a:off x="8554228" y="4217593"/>
+              <a:off x="8726067" y="4217499"/>
               <a:ext cx="63202" cy="63202"/>
             </a:xfrm>
             <a:custGeom>
@@ -35732,7 +35732,7 @@
           </p:nvSpPr>
           <p:spPr>
             <a:xfrm>
-              <a:off x="8313928" y="4539362"/>
+              <a:off x="8659416" y="4539491"/>
               <a:ext cx="63202" cy="63202"/>
             </a:xfrm>
             <a:custGeom>
@@ -35775,7 +35775,7 @@
           </p:nvSpPr>
           <p:spPr>
             <a:xfrm>
-              <a:off x="9685703" y="4788227"/>
+              <a:off x="9673103" y="4788338"/>
               <a:ext cx="63202" cy="63202"/>
             </a:xfrm>
             <a:custGeom>
@@ -35818,7 +35818,7 @@
           </p:nvSpPr>
           <p:spPr>
             <a:xfrm>
-              <a:off x="9616321" y="4878840"/>
+              <a:off x="9693822" y="4878841"/>
               <a:ext cx="63202" cy="63202"/>
             </a:xfrm>
             <a:custGeom>
@@ -35861,7 +35861,7 @@
           </p:nvSpPr>
           <p:spPr>
             <a:xfrm>
-              <a:off x="9362078" y="4830958"/>
+              <a:off x="9420957" y="4831006"/>
               <a:ext cx="63202" cy="63202"/>
             </a:xfrm>
             <a:custGeom>
@@ -35904,7 +35904,7 @@
           </p:nvSpPr>
           <p:spPr>
             <a:xfrm>
-              <a:off x="8316674" y="4411801"/>
+              <a:off x="8326000" y="4411821"/>
               <a:ext cx="63202" cy="63202"/>
             </a:xfrm>
             <a:custGeom>
@@ -35947,7 +35947,7 @@
           </p:nvSpPr>
           <p:spPr>
             <a:xfrm>
-              <a:off x="8290147" y="4674781"/>
+              <a:off x="8202371" y="4674645"/>
               <a:ext cx="63202" cy="63202"/>
             </a:xfrm>
             <a:custGeom>
@@ -35990,7 +35990,7 @@
           </p:nvSpPr>
           <p:spPr>
             <a:xfrm>
-              <a:off x="8583343" y="4195169"/>
+              <a:off x="8241196" y="4195028"/>
               <a:ext cx="63202" cy="63202"/>
             </a:xfrm>
             <a:custGeom>
@@ -36033,7 +36033,7 @@
           </p:nvSpPr>
           <p:spPr>
             <a:xfrm>
-              <a:off x="9266778" y="4817161"/>
+              <a:off x="9773439" y="4817119"/>
               <a:ext cx="63202" cy="63202"/>
             </a:xfrm>
             <a:custGeom>
@@ -36076,7 +36076,7 @@
           </p:nvSpPr>
           <p:spPr>
             <a:xfrm>
-              <a:off x="8282492" y="4565824"/>
+              <a:off x="8371068" y="4565923"/>
               <a:ext cx="63202" cy="63202"/>
             </a:xfrm>
             <a:custGeom>
@@ -36119,7 +36119,7 @@
           </p:nvSpPr>
           <p:spPr>
             <a:xfrm>
-              <a:off x="8435409" y="4575538"/>
+              <a:off x="8258243" y="4575603"/>
               <a:ext cx="63202" cy="63202"/>
             </a:xfrm>
             <a:custGeom>
@@ -36162,7 +36162,7 @@
           </p:nvSpPr>
           <p:spPr>
             <a:xfrm>
-              <a:off x="8863465" y="4152361"/>
+              <a:off x="8502606" y="4152324"/>
               <a:ext cx="63202" cy="63202"/>
             </a:xfrm>
             <a:custGeom>
@@ -36205,7 +36205,7 @@
           </p:nvSpPr>
           <p:spPr>
             <a:xfrm>
-              <a:off x="8666195" y="4250792"/>
+              <a:off x="8846761" y="4250645"/>
               <a:ext cx="63202" cy="63202"/>
             </a:xfrm>
             <a:custGeom>
@@ -36248,7 +36248,7 @@
           </p:nvSpPr>
           <p:spPr>
             <a:xfrm>
-              <a:off x="9323248" y="4731419"/>
+              <a:off x="9245661" y="4731508"/>
               <a:ext cx="63202" cy="63202"/>
             </a:xfrm>
             <a:custGeom>
@@ -37743,7 +37743,7 @@
           </p:nvSpPr>
           <p:spPr>
             <a:xfrm>
-              <a:off x="1148183" y="2949436"/>
+              <a:off x="1148183" y="2949449"/>
               <a:ext cx="186466" cy="81691"/>
             </a:xfrm>
             <a:prstGeom prst="rect">
@@ -37789,7 +37789,7 @@
           </p:nvSpPr>
           <p:spPr>
             <a:xfrm>
-              <a:off x="1148183" y="2580739"/>
+              <a:off x="1148183" y="2580727"/>
               <a:ext cx="186466" cy="81691"/>
             </a:xfrm>
             <a:prstGeom prst="rect">
@@ -37835,7 +37835,7 @@
           </p:nvSpPr>
           <p:spPr>
             <a:xfrm>
-              <a:off x="1148183" y="2211987"/>
+              <a:off x="1148183" y="2211950"/>
               <a:ext cx="186466" cy="81746"/>
             </a:xfrm>
             <a:prstGeom prst="rect">
@@ -37881,7 +37881,7 @@
           </p:nvSpPr>
           <p:spPr>
             <a:xfrm>
-              <a:off x="1148183" y="1843344"/>
+              <a:off x="1148183" y="1843282"/>
               <a:ext cx="186466" cy="81691"/>
             </a:xfrm>
             <a:prstGeom prst="rect">
@@ -37927,7 +37927,7 @@
           </p:nvSpPr>
           <p:spPr>
             <a:xfrm>
-              <a:off x="1148183" y="1474646"/>
+              <a:off x="1148183" y="1474560"/>
               <a:ext cx="186466" cy="81691"/>
             </a:xfrm>
             <a:prstGeom prst="rect">
@@ -37973,7 +37973,7 @@
           </p:nvSpPr>
           <p:spPr>
             <a:xfrm>
-              <a:off x="1362485" y="2991128"/>
+              <a:off x="1362485" y="2991141"/>
               <a:ext cx="34794" cy="0"/>
             </a:xfrm>
             <a:custGeom>
@@ -38013,7 +38013,7 @@
           </p:nvSpPr>
           <p:spPr>
             <a:xfrm>
-              <a:off x="1362485" y="2622430"/>
+              <a:off x="1362485" y="2622418"/>
               <a:ext cx="34794" cy="0"/>
             </a:xfrm>
             <a:custGeom>
@@ -38053,7 +38053,7 @@
           </p:nvSpPr>
           <p:spPr>
             <a:xfrm>
-              <a:off x="1362485" y="2253733"/>
+              <a:off x="1362485" y="2253696"/>
               <a:ext cx="34794" cy="0"/>
             </a:xfrm>
             <a:custGeom>
@@ -38093,7 +38093,7 @@
           </p:nvSpPr>
           <p:spPr>
             <a:xfrm>
-              <a:off x="1362485" y="1885035"/>
+              <a:off x="1362485" y="1884974"/>
               <a:ext cx="34794" cy="0"/>
             </a:xfrm>
             <a:custGeom>
@@ -38133,7 +38133,7 @@
           </p:nvSpPr>
           <p:spPr>
             <a:xfrm>
-              <a:off x="1362485" y="1516338"/>
+              <a:off x="1362485" y="1516252"/>
               <a:ext cx="34794" cy="0"/>
             </a:xfrm>
             <a:custGeom>
@@ -38173,7 +38173,7 @@
           </p:nvSpPr>
           <p:spPr>
             <a:xfrm>
-              <a:off x="1148183" y="4874769"/>
+              <a:off x="1148183" y="4874781"/>
               <a:ext cx="186466" cy="81691"/>
             </a:xfrm>
             <a:prstGeom prst="rect">
@@ -38219,7 +38219,7 @@
           </p:nvSpPr>
           <p:spPr>
             <a:xfrm>
-              <a:off x="1148183" y="4506071"/>
+              <a:off x="1148183" y="4506059"/>
               <a:ext cx="186466" cy="81691"/>
             </a:xfrm>
             <a:prstGeom prst="rect">
@@ -38265,7 +38265,7 @@
           </p:nvSpPr>
           <p:spPr>
             <a:xfrm>
-              <a:off x="1148183" y="4137319"/>
+              <a:off x="1148183" y="4137282"/>
               <a:ext cx="186466" cy="81746"/>
             </a:xfrm>
             <a:prstGeom prst="rect">
@@ -38311,7 +38311,7 @@
           </p:nvSpPr>
           <p:spPr>
             <a:xfrm>
-              <a:off x="1148183" y="3768676"/>
+              <a:off x="1148183" y="3768615"/>
               <a:ext cx="186466" cy="81691"/>
             </a:xfrm>
             <a:prstGeom prst="rect">
@@ -38357,7 +38357,7 @@
           </p:nvSpPr>
           <p:spPr>
             <a:xfrm>
-              <a:off x="1148183" y="3399979"/>
+              <a:off x="1148183" y="3399893"/>
               <a:ext cx="186466" cy="81691"/>
             </a:xfrm>
             <a:prstGeom prst="rect">
@@ -38403,7 +38403,7 @@
           </p:nvSpPr>
           <p:spPr>
             <a:xfrm>
-              <a:off x="1362485" y="4916461"/>
+              <a:off x="1362485" y="4916473"/>
               <a:ext cx="34794" cy="0"/>
             </a:xfrm>
             <a:custGeom>
@@ -38443,7 +38443,7 @@
           </p:nvSpPr>
           <p:spPr>
             <a:xfrm>
-              <a:off x="1362485" y="4547763"/>
+              <a:off x="1362485" y="4547751"/>
               <a:ext cx="34794" cy="0"/>
             </a:xfrm>
             <a:custGeom>
@@ -38483,7 +38483,7 @@
           </p:nvSpPr>
           <p:spPr>
             <a:xfrm>
-              <a:off x="1362485" y="4179065"/>
+              <a:off x="1362485" y="4179029"/>
               <a:ext cx="34794" cy="0"/>
             </a:xfrm>
             <a:custGeom>
@@ -38523,7 +38523,7 @@
           </p:nvSpPr>
           <p:spPr>
             <a:xfrm>
-              <a:off x="1362485" y="3810368"/>
+              <a:off x="1362485" y="3810307"/>
               <a:ext cx="34794" cy="0"/>
             </a:xfrm>
             <a:custGeom>
@@ -38563,7 +38563,7 @@
           </p:nvSpPr>
           <p:spPr>
             <a:xfrm>
-              <a:off x="1362485" y="3441670"/>
+              <a:off x="1362485" y="3441584"/>
               <a:ext cx="34794" cy="0"/>
             </a:xfrm>
             <a:custGeom>
@@ -38603,7 +38603,7 @@
           </p:nvSpPr>
           <p:spPr>
             <a:xfrm>
-              <a:off x="1148183" y="6800101"/>
+              <a:off x="1148183" y="6800114"/>
               <a:ext cx="186466" cy="81691"/>
             </a:xfrm>
             <a:prstGeom prst="rect">
@@ -38649,7 +38649,7 @@
           </p:nvSpPr>
           <p:spPr>
             <a:xfrm>
-              <a:off x="1148183" y="6431404"/>
+              <a:off x="1148183" y="6431392"/>
               <a:ext cx="186466" cy="81691"/>
             </a:xfrm>
             <a:prstGeom prst="rect">
@@ -38695,7 +38695,7 @@
           </p:nvSpPr>
           <p:spPr>
             <a:xfrm>
-              <a:off x="1148183" y="6062652"/>
+              <a:off x="1148183" y="6062615"/>
               <a:ext cx="186466" cy="81746"/>
             </a:xfrm>
             <a:prstGeom prst="rect">
@@ -38741,7 +38741,7 @@
           </p:nvSpPr>
           <p:spPr>
             <a:xfrm>
-              <a:off x="1148183" y="5694009"/>
+              <a:off x="1148183" y="5693947"/>
               <a:ext cx="186466" cy="81691"/>
             </a:xfrm>
             <a:prstGeom prst="rect">
@@ -38787,7 +38787,7 @@
           </p:nvSpPr>
           <p:spPr>
             <a:xfrm>
-              <a:off x="1148183" y="5325311"/>
+              <a:off x="1148183" y="5325225"/>
               <a:ext cx="186466" cy="81691"/>
             </a:xfrm>
             <a:prstGeom prst="rect">
@@ -38833,7 +38833,7 @@
           </p:nvSpPr>
           <p:spPr>
             <a:xfrm>
-              <a:off x="1362485" y="6841793"/>
+              <a:off x="1362485" y="6841806"/>
               <a:ext cx="34794" cy="0"/>
             </a:xfrm>
             <a:custGeom>
@@ -38873,7 +38873,7 @@
           </p:nvSpPr>
           <p:spPr>
             <a:xfrm>
-              <a:off x="1362485" y="6473096"/>
+              <a:off x="1362485" y="6473084"/>
               <a:ext cx="34794" cy="0"/>
             </a:xfrm>
             <a:custGeom>
@@ -38913,7 +38913,7 @@
           </p:nvSpPr>
           <p:spPr>
             <a:xfrm>
-              <a:off x="1362485" y="6104398"/>
+              <a:off x="1362485" y="6104361"/>
               <a:ext cx="34794" cy="0"/>
             </a:xfrm>
             <a:custGeom>
@@ -38953,7 +38953,7 @@
           </p:nvSpPr>
           <p:spPr>
             <a:xfrm>
-              <a:off x="1362485" y="5735700"/>
+              <a:off x="1362485" y="5735639"/>
               <a:ext cx="34794" cy="0"/>
             </a:xfrm>
             <a:custGeom>
@@ -38993,7 +38993,7 @@
           </p:nvSpPr>
           <p:spPr>
             <a:xfrm>
-              <a:off x="1362485" y="5367003"/>
+              <a:off x="1362485" y="5366917"/>
               <a:ext cx="34794" cy="0"/>
             </a:xfrm>
             <a:custGeom>

--- a/Images/Figures_PPT/Jitter_Plot_LST8_Domain.pptx
+++ b/Images/Figures_PPT/Jitter_Plot_LST8_Domain.pptx
@@ -2359,7 +2359,7 @@
           </p:nvSpPr>
           <p:spPr>
             <a:xfrm>
-              <a:off x="1397280" y="2806780"/>
+              <a:off x="1397280" y="2806695"/>
               <a:ext cx="2817450" cy="0"/>
             </a:xfrm>
             <a:custGeom>
@@ -2402,7 +2402,7 @@
           </p:nvSpPr>
           <p:spPr>
             <a:xfrm>
-              <a:off x="1397280" y="2438057"/>
+              <a:off x="1397280" y="2438063"/>
               <a:ext cx="2817450" cy="0"/>
             </a:xfrm>
             <a:custGeom>
@@ -2445,7 +2445,7 @@
           </p:nvSpPr>
           <p:spPr>
             <a:xfrm>
-              <a:off x="1397280" y="2069335"/>
+              <a:off x="1397280" y="2069432"/>
               <a:ext cx="2817450" cy="0"/>
             </a:xfrm>
             <a:custGeom>
@@ -2488,7 +2488,7 @@
           </p:nvSpPr>
           <p:spPr>
             <a:xfrm>
-              <a:off x="1397280" y="1700613"/>
+              <a:off x="1397280" y="1700800"/>
               <a:ext cx="2817450" cy="0"/>
             </a:xfrm>
             <a:custGeom>
@@ -2531,7 +2531,7 @@
           </p:nvSpPr>
           <p:spPr>
             <a:xfrm>
-              <a:off x="1397280" y="2991141"/>
+              <a:off x="1397280" y="2991011"/>
               <a:ext cx="2817450" cy="0"/>
             </a:xfrm>
             <a:custGeom>
@@ -2574,7 +2574,7 @@
           </p:nvSpPr>
           <p:spPr>
             <a:xfrm>
-              <a:off x="1397280" y="2622418"/>
+              <a:off x="1397280" y="2622379"/>
               <a:ext cx="2817450" cy="0"/>
             </a:xfrm>
             <a:custGeom>
@@ -2617,7 +2617,7 @@
           </p:nvSpPr>
           <p:spPr>
             <a:xfrm>
-              <a:off x="1397280" y="2253696"/>
+              <a:off x="1397280" y="2253748"/>
               <a:ext cx="2817450" cy="0"/>
             </a:xfrm>
             <a:custGeom>
@@ -2660,7 +2660,7 @@
           </p:nvSpPr>
           <p:spPr>
             <a:xfrm>
-              <a:off x="1397280" y="1884974"/>
+              <a:off x="1397280" y="1885116"/>
               <a:ext cx="2817450" cy="0"/>
             </a:xfrm>
             <a:custGeom>
@@ -2703,7 +2703,7 @@
           </p:nvSpPr>
           <p:spPr>
             <a:xfrm>
-              <a:off x="1397280" y="1516252"/>
+              <a:off x="1397280" y="1516484"/>
               <a:ext cx="2817450" cy="0"/>
             </a:xfrm>
             <a:custGeom>
@@ -2875,7 +2875,7 @@
           </p:nvSpPr>
           <p:spPr>
             <a:xfrm>
-              <a:off x="2749509" y="2231746"/>
+              <a:off x="2608689" y="2231700"/>
               <a:ext cx="63202" cy="63202"/>
             </a:xfrm>
             <a:custGeom>
@@ -2918,7 +2918,7 @@
           </p:nvSpPr>
           <p:spPr>
             <a:xfrm>
-              <a:off x="1823869" y="2183414"/>
+              <a:off x="1722844" y="2183411"/>
               <a:ext cx="63202" cy="63202"/>
             </a:xfrm>
             <a:custGeom>
@@ -2961,7 +2961,7 @@
           </p:nvSpPr>
           <p:spPr>
             <a:xfrm>
-              <a:off x="3643695" y="2937561"/>
+              <a:off x="3937013" y="2937219"/>
               <a:ext cx="63202" cy="63202"/>
             </a:xfrm>
             <a:custGeom>
@@ -3004,7 +3004,7 @@
           </p:nvSpPr>
           <p:spPr>
             <a:xfrm>
-              <a:off x="3720921" y="2875366"/>
+              <a:off x="3689641" y="2875287"/>
               <a:ext cx="63202" cy="63202"/>
             </a:xfrm>
             <a:custGeom>
@@ -3047,7 +3047,7 @@
           </p:nvSpPr>
           <p:spPr>
             <a:xfrm>
-              <a:off x="3396713" y="2917820"/>
+              <a:off x="3381802" y="2917650"/>
               <a:ext cx="63202" cy="63202"/>
             </a:xfrm>
             <a:custGeom>
@@ -3090,7 +3090,7 @@
           </p:nvSpPr>
           <p:spPr>
             <a:xfrm>
-              <a:off x="1759220" y="2216293"/>
+              <a:off x="1630462" y="2216196"/>
               <a:ext cx="63202" cy="63202"/>
             </a:xfrm>
             <a:custGeom>
@@ -3133,7 +3133,7 @@
           </p:nvSpPr>
           <p:spPr>
             <a:xfrm>
-              <a:off x="2832850" y="2328673"/>
+              <a:off x="2661838" y="2328742"/>
               <a:ext cx="63202" cy="63202"/>
             </a:xfrm>
             <a:custGeom>
@@ -3176,7 +3176,7 @@
           </p:nvSpPr>
           <p:spPr>
             <a:xfrm>
-              <a:off x="3878225" y="2887244"/>
+              <a:off x="3644884" y="2887016"/>
               <a:ext cx="63202" cy="63202"/>
             </a:xfrm>
             <a:custGeom>
@@ -3219,7 +3219,7 @@
           </p:nvSpPr>
           <p:spPr>
             <a:xfrm>
-              <a:off x="2059717" y="2152517"/>
+              <a:off x="1965023" y="2152486"/>
               <a:ext cx="63202" cy="63202"/>
             </a:xfrm>
             <a:custGeom>
@@ -3262,7 +3262,7 @@
           </p:nvSpPr>
           <p:spPr>
             <a:xfrm>
-              <a:off x="3502095" y="2874992"/>
+              <a:off x="3395160" y="2875027"/>
               <a:ext cx="63202" cy="63202"/>
             </a:xfrm>
             <a:custGeom>
@@ -3305,7 +3305,7 @@
           </p:nvSpPr>
           <p:spPr>
             <a:xfrm>
-              <a:off x="2662438" y="2505965"/>
+              <a:off x="2464068" y="2505923"/>
               <a:ext cx="63202" cy="63202"/>
             </a:xfrm>
             <a:custGeom>
@@ -3348,7 +3348,7 @@
           </p:nvSpPr>
           <p:spPr>
             <a:xfrm>
-              <a:off x="3418368" y="2896442"/>
+              <a:off x="3898238" y="2896317"/>
               <a:ext cx="63202" cy="63202"/>
             </a:xfrm>
             <a:custGeom>
@@ -3391,7 +3391,7 @@
           </p:nvSpPr>
           <p:spPr>
             <a:xfrm>
-              <a:off x="3591251" y="2893038"/>
+              <a:off x="3337930" y="2893010"/>
               <a:ext cx="63202" cy="63202"/>
             </a:xfrm>
             <a:custGeom>
@@ -3434,7 +3434,7 @@
           </p:nvSpPr>
           <p:spPr>
             <a:xfrm>
-              <a:off x="1739551" y="2152517"/>
+              <a:off x="1735609" y="2152616"/>
               <a:ext cx="63202" cy="63202"/>
             </a:xfrm>
             <a:custGeom>
@@ -3477,7 +3477,7 @@
           </p:nvSpPr>
           <p:spPr>
             <a:xfrm>
-              <a:off x="3350146" y="2921476"/>
+              <a:off x="3366981" y="2921433"/>
               <a:ext cx="63202" cy="63202"/>
             </a:xfrm>
             <a:custGeom>
@@ -3520,7 +3520,7 @@
           </p:nvSpPr>
           <p:spPr>
             <a:xfrm>
-              <a:off x="2852673" y="2436667"/>
+              <a:off x="2775763" y="2436772"/>
               <a:ext cx="63202" cy="63202"/>
             </a:xfrm>
             <a:custGeom>
@@ -3563,7 +3563,7 @@
           </p:nvSpPr>
           <p:spPr>
             <a:xfrm>
-              <a:off x="3631417" y="2896568"/>
+              <a:off x="3338885" y="2896447"/>
               <a:ext cx="63202" cy="63202"/>
             </a:xfrm>
             <a:custGeom>
@@ -3606,7 +3606,7 @@
           </p:nvSpPr>
           <p:spPr>
             <a:xfrm>
-              <a:off x="3773568" y="2896507"/>
+              <a:off x="3728451" y="2896280"/>
               <a:ext cx="63202" cy="63202"/>
             </a:xfrm>
             <a:custGeom>
@@ -3649,7 +3649,7 @@
           </p:nvSpPr>
           <p:spPr>
             <a:xfrm>
-              <a:off x="3597241" y="2893237"/>
+              <a:off x="3519215" y="2893087"/>
               <a:ext cx="63202" cy="63202"/>
             </a:xfrm>
             <a:custGeom>
@@ -3692,7 +3692,7 @@
           </p:nvSpPr>
           <p:spPr>
             <a:xfrm>
-              <a:off x="3731580" y="2896577"/>
+              <a:off x="3894715" y="2896395"/>
               <a:ext cx="63202" cy="63202"/>
             </a:xfrm>
             <a:custGeom>
@@ -3735,7 +3735,7 @@
           </p:nvSpPr>
           <p:spPr>
             <a:xfrm>
-              <a:off x="3615493" y="2896390"/>
+              <a:off x="3431361" y="2896357"/>
               <a:ext cx="63202" cy="63202"/>
             </a:xfrm>
             <a:custGeom>
@@ -3778,7 +3778,7 @@
           </p:nvSpPr>
           <p:spPr>
             <a:xfrm>
-              <a:off x="3988342" y="2893024"/>
+              <a:off x="3351642" y="2893014"/>
               <a:ext cx="63202" cy="63202"/>
             </a:xfrm>
             <a:custGeom>
@@ -3821,7 +3821,7 @@
           </p:nvSpPr>
           <p:spPr>
             <a:xfrm>
-              <a:off x="3430321" y="2896627"/>
+              <a:off x="3477736" y="2896381"/>
               <a:ext cx="63202" cy="63202"/>
             </a:xfrm>
             <a:custGeom>
@@ -3864,7 +3864,7 @@
           </p:nvSpPr>
           <p:spPr>
             <a:xfrm>
-              <a:off x="3490667" y="2891026"/>
+              <a:off x="3672709" y="2890908"/>
               <a:ext cx="63202" cy="63202"/>
             </a:xfrm>
             <a:custGeom>
@@ -3907,7 +3907,7 @@
           </p:nvSpPr>
           <p:spPr>
             <a:xfrm>
-              <a:off x="3750604" y="2887978"/>
+              <a:off x="3366568" y="2887918"/>
               <a:ext cx="63202" cy="63202"/>
             </a:xfrm>
             <a:custGeom>
@@ -3950,7 +3950,7 @@
           </p:nvSpPr>
           <p:spPr>
             <a:xfrm>
-              <a:off x="3639544" y="2896426"/>
+              <a:off x="3753208" y="2896226"/>
               <a:ext cx="63202" cy="63202"/>
             </a:xfrm>
             <a:custGeom>
@@ -3993,7 +3993,7 @@
           </p:nvSpPr>
           <p:spPr>
             <a:xfrm>
-              <a:off x="3384045" y="2901765"/>
+              <a:off x="3632001" y="2901673"/>
               <a:ext cx="63202" cy="63202"/>
             </a:xfrm>
             <a:custGeom>
@@ -4036,7 +4036,7 @@
           </p:nvSpPr>
           <p:spPr>
             <a:xfrm>
-              <a:off x="3733225" y="2905460"/>
+              <a:off x="3457364" y="2905078"/>
               <a:ext cx="63202" cy="63202"/>
             </a:xfrm>
             <a:custGeom>
@@ -4079,7 +4079,7 @@
           </p:nvSpPr>
           <p:spPr>
             <a:xfrm>
-              <a:off x="2541385" y="2226488"/>
+              <a:off x="2447531" y="2226467"/>
               <a:ext cx="63202" cy="63202"/>
             </a:xfrm>
             <a:custGeom>
@@ -4122,7 +4122,7 @@
           </p:nvSpPr>
           <p:spPr>
             <a:xfrm>
-              <a:off x="2881957" y="2237926"/>
+              <a:off x="2453379" y="2237979"/>
               <a:ext cx="63202" cy="63202"/>
             </a:xfrm>
             <a:custGeom>
@@ -4165,7 +4165,7 @@
           </p:nvSpPr>
           <p:spPr>
             <a:xfrm>
-              <a:off x="3682258" y="2892416"/>
+              <a:off x="3841330" y="2892449"/>
               <a:ext cx="63202" cy="63202"/>
             </a:xfrm>
             <a:custGeom>
@@ -4208,7 +4208,7 @@
           </p:nvSpPr>
           <p:spPr>
             <a:xfrm>
-              <a:off x="3807740" y="2928257"/>
+              <a:off x="3777904" y="2928165"/>
               <a:ext cx="63202" cy="63202"/>
             </a:xfrm>
             <a:custGeom>
@@ -4251,7 +4251,7 @@
           </p:nvSpPr>
           <p:spPr>
             <a:xfrm>
-              <a:off x="3793635" y="2896613"/>
+              <a:off x="3532827" y="2896366"/>
               <a:ext cx="63202" cy="63202"/>
             </a:xfrm>
             <a:custGeom>
@@ -4294,7 +4294,7 @@
           </p:nvSpPr>
           <p:spPr>
             <a:xfrm>
-              <a:off x="2480373" y="2483631"/>
+              <a:off x="2449027" y="2483572"/>
               <a:ext cx="63202" cy="63202"/>
             </a:xfrm>
             <a:custGeom>
@@ -4337,7 +4337,7 @@
           </p:nvSpPr>
           <p:spPr>
             <a:xfrm>
-              <a:off x="2582831" y="2501294"/>
+              <a:off x="3038725" y="2501234"/>
               <a:ext cx="63202" cy="63202"/>
             </a:xfrm>
             <a:custGeom>
@@ -4380,7 +4380,7 @@
           </p:nvSpPr>
           <p:spPr>
             <a:xfrm>
-              <a:off x="2550980" y="2338691"/>
+              <a:off x="2749867" y="2338628"/>
               <a:ext cx="63202" cy="63202"/>
             </a:xfrm>
             <a:custGeom>
@@ -4423,7 +4423,7 @@
           </p:nvSpPr>
           <p:spPr>
             <a:xfrm>
-              <a:off x="1738420" y="2145003"/>
+              <a:off x="1845768" y="2145140"/>
               <a:ext cx="63202" cy="63202"/>
             </a:xfrm>
             <a:custGeom>
@@ -4466,7 +4466,7 @@
           </p:nvSpPr>
           <p:spPr>
             <a:xfrm>
-              <a:off x="1816466" y="2151172"/>
+              <a:off x="1920922" y="2151338"/>
               <a:ext cx="63202" cy="63202"/>
             </a:xfrm>
             <a:custGeom>
@@ -4509,7 +4509,7 @@
           </p:nvSpPr>
           <p:spPr>
             <a:xfrm>
-              <a:off x="1776644" y="2154131"/>
+              <a:off x="1837936" y="2154292"/>
               <a:ext cx="63202" cy="63202"/>
             </a:xfrm>
             <a:custGeom>
@@ -4552,7 +4552,7 @@
           </p:nvSpPr>
           <p:spPr>
             <a:xfrm>
-              <a:off x="3721526" y="2921620"/>
+              <a:off x="3991739" y="2921308"/>
               <a:ext cx="63202" cy="63202"/>
             </a:xfrm>
             <a:custGeom>
@@ -4595,7 +4595,7 @@
           </p:nvSpPr>
           <p:spPr>
             <a:xfrm>
-              <a:off x="3529899" y="2874589"/>
+              <a:off x="3857179" y="2874726"/>
               <a:ext cx="63202" cy="63202"/>
             </a:xfrm>
             <a:custGeom>
@@ -4638,7 +4638,7 @@
           </p:nvSpPr>
           <p:spPr>
             <a:xfrm>
-              <a:off x="1725890" y="1954064"/>
+              <a:off x="1926085" y="1954265"/>
               <a:ext cx="63202" cy="63202"/>
             </a:xfrm>
             <a:custGeom>
@@ -4681,7 +4681,7 @@
           </p:nvSpPr>
           <p:spPr>
             <a:xfrm>
-              <a:off x="3718188" y="2935168"/>
+              <a:off x="3609513" y="2935176"/>
               <a:ext cx="63202" cy="63202"/>
             </a:xfrm>
             <a:custGeom>
@@ -4724,7 +4724,7 @@
           </p:nvSpPr>
           <p:spPr>
             <a:xfrm>
-              <a:off x="2507301" y="2299653"/>
+              <a:off x="2424369" y="2299487"/>
               <a:ext cx="63202" cy="63202"/>
             </a:xfrm>
             <a:custGeom>
@@ -4767,7 +4767,7 @@
           </p:nvSpPr>
           <p:spPr>
             <a:xfrm>
-              <a:off x="2546562" y="2416095"/>
+              <a:off x="2439654" y="2416132"/>
               <a:ext cx="63202" cy="63202"/>
             </a:xfrm>
             <a:custGeom>
@@ -4810,7 +4810,7 @@
           </p:nvSpPr>
           <p:spPr>
             <a:xfrm>
-              <a:off x="3355822" y="2862668"/>
+              <a:off x="3584147" y="2862355"/>
               <a:ext cx="63202" cy="63202"/>
             </a:xfrm>
             <a:custGeom>
@@ -4853,7 +4853,7 @@
           </p:nvSpPr>
           <p:spPr>
             <a:xfrm>
-              <a:off x="1834469" y="2155348"/>
+              <a:off x="2168354" y="2155399"/>
               <a:ext cx="63202" cy="63202"/>
             </a:xfrm>
             <a:custGeom>
@@ -4952,7 +4952,7 @@
           </p:nvSpPr>
           <p:spPr>
             <a:xfrm>
-              <a:off x="1397280" y="4732112"/>
+              <a:off x="1397280" y="4732028"/>
               <a:ext cx="2817450" cy="0"/>
             </a:xfrm>
             <a:custGeom>
@@ -4995,7 +4995,7 @@
           </p:nvSpPr>
           <p:spPr>
             <a:xfrm>
-              <a:off x="1397280" y="4363390"/>
+              <a:off x="1397280" y="4363396"/>
               <a:ext cx="2817450" cy="0"/>
             </a:xfrm>
             <a:custGeom>
@@ -5038,7 +5038,7 @@
           </p:nvSpPr>
           <p:spPr>
             <a:xfrm>
-              <a:off x="1397280" y="3994668"/>
+              <a:off x="1397280" y="3994764"/>
               <a:ext cx="2817450" cy="0"/>
             </a:xfrm>
             <a:custGeom>
@@ -5081,7 +5081,7 @@
           </p:nvSpPr>
           <p:spPr>
             <a:xfrm>
-              <a:off x="1397280" y="3625945"/>
+              <a:off x="1397280" y="3626133"/>
               <a:ext cx="2817450" cy="0"/>
             </a:xfrm>
             <a:custGeom>
@@ -5124,7 +5124,7 @@
           </p:nvSpPr>
           <p:spPr>
             <a:xfrm>
-              <a:off x="1397280" y="4916473"/>
+              <a:off x="1397280" y="4916343"/>
               <a:ext cx="2817450" cy="0"/>
             </a:xfrm>
             <a:custGeom>
@@ -5167,7 +5167,7 @@
           </p:nvSpPr>
           <p:spPr>
             <a:xfrm>
-              <a:off x="1397280" y="4547751"/>
+              <a:off x="1397280" y="4547712"/>
               <a:ext cx="2817450" cy="0"/>
             </a:xfrm>
             <a:custGeom>
@@ -5210,7 +5210,7 @@
           </p:nvSpPr>
           <p:spPr>
             <a:xfrm>
-              <a:off x="1397280" y="4179029"/>
+              <a:off x="1397280" y="4179080"/>
               <a:ext cx="2817450" cy="0"/>
             </a:xfrm>
             <a:custGeom>
@@ -5253,7 +5253,7 @@
           </p:nvSpPr>
           <p:spPr>
             <a:xfrm>
-              <a:off x="1397280" y="3810307"/>
+              <a:off x="1397280" y="3810449"/>
               <a:ext cx="2817450" cy="0"/>
             </a:xfrm>
             <a:custGeom>
@@ -5296,7 +5296,7 @@
           </p:nvSpPr>
           <p:spPr>
             <a:xfrm>
-              <a:off x="1397280" y="3441584"/>
+              <a:off x="1397280" y="3441817"/>
               <a:ext cx="2817450" cy="0"/>
             </a:xfrm>
             <a:custGeom>
@@ -5468,7 +5468,7 @@
           </p:nvSpPr>
           <p:spPr>
             <a:xfrm>
-              <a:off x="2513876" y="4532602"/>
+              <a:off x="2568872" y="4532630"/>
               <a:ext cx="63202" cy="63202"/>
             </a:xfrm>
             <a:custGeom>
@@ -5511,7 +5511,7 @@
           </p:nvSpPr>
           <p:spPr>
             <a:xfrm>
-              <a:off x="3046978" y="4471789"/>
+              <a:off x="2690003" y="4471735"/>
               <a:ext cx="63202" cy="63202"/>
             </a:xfrm>
             <a:custGeom>
@@ -5554,7 +5554,7 @@
           </p:nvSpPr>
           <p:spPr>
             <a:xfrm>
-              <a:off x="2718568" y="4537566"/>
+              <a:off x="2442205" y="4537535"/>
               <a:ext cx="63202" cy="63202"/>
             </a:xfrm>
             <a:custGeom>
@@ -5597,7 +5597,7 @@
           </p:nvSpPr>
           <p:spPr>
             <a:xfrm>
-              <a:off x="2635589" y="4566028"/>
+              <a:off x="2714376" y="4565791"/>
               <a:ext cx="63202" cy="63202"/>
             </a:xfrm>
             <a:custGeom>
@@ -5640,7 +5640,7 @@
           </p:nvSpPr>
           <p:spPr>
             <a:xfrm>
-              <a:off x="2466101" y="4536097"/>
+              <a:off x="2845242" y="4536112"/>
               <a:ext cx="63202" cy="63202"/>
             </a:xfrm>
             <a:custGeom>
@@ -5683,7 +5683,7 @@
           </p:nvSpPr>
           <p:spPr>
             <a:xfrm>
-              <a:off x="3029646" y="4566770"/>
+              <a:off x="3098524" y="4566699"/>
               <a:ext cx="63202" cy="63202"/>
             </a:xfrm>
             <a:custGeom>
@@ -5726,7 +5726,7 @@
           </p:nvSpPr>
           <p:spPr>
             <a:xfrm>
-              <a:off x="3795399" y="4708766"/>
+              <a:off x="3577035" y="4708425"/>
               <a:ext cx="63202" cy="63202"/>
             </a:xfrm>
             <a:custGeom>
@@ -5769,7 +5769,7 @@
           </p:nvSpPr>
           <p:spPr>
             <a:xfrm>
-              <a:off x="2490725" y="4496630"/>
+              <a:off x="2454508" y="4496504"/>
               <a:ext cx="63202" cy="63202"/>
             </a:xfrm>
             <a:custGeom>
@@ -5812,7 +5812,7 @@
           </p:nvSpPr>
           <p:spPr>
             <a:xfrm>
-              <a:off x="3961779" y="4812212"/>
+              <a:off x="3607633" y="4812268"/>
               <a:ext cx="63202" cy="63202"/>
             </a:xfrm>
             <a:custGeom>
@@ -5855,7 +5855,7 @@
           </p:nvSpPr>
           <p:spPr>
             <a:xfrm>
-              <a:off x="3999275" y="4846922"/>
+              <a:off x="3948209" y="4846667"/>
               <a:ext cx="63202" cy="63202"/>
             </a:xfrm>
             <a:custGeom>
@@ -5898,7 +5898,7 @@
           </p:nvSpPr>
           <p:spPr>
             <a:xfrm>
-              <a:off x="3900429" y="4789644"/>
+              <a:off x="3311154" y="4789591"/>
               <a:ext cx="63202" cy="63202"/>
             </a:xfrm>
             <a:custGeom>
@@ -5941,7 +5941,7 @@
           </p:nvSpPr>
           <p:spPr>
             <a:xfrm>
-              <a:off x="2711219" y="4383785"/>
+              <a:off x="2729704" y="4383708"/>
               <a:ext cx="63202" cy="63202"/>
             </a:xfrm>
             <a:custGeom>
@@ -5984,7 +5984,7 @@
           </p:nvSpPr>
           <p:spPr>
             <a:xfrm>
-              <a:off x="2820375" y="4550169"/>
+              <a:off x="2983228" y="4549929"/>
               <a:ext cx="63202" cy="63202"/>
             </a:xfrm>
             <a:custGeom>
@@ -6027,7 +6027,7 @@
           </p:nvSpPr>
           <p:spPr>
             <a:xfrm>
-              <a:off x="3509245" y="4737627"/>
+              <a:off x="3863952" y="4737661"/>
               <a:ext cx="63202" cy="63202"/>
             </a:xfrm>
             <a:custGeom>
@@ -6070,7 +6070,7 @@
           </p:nvSpPr>
           <p:spPr>
             <a:xfrm>
-              <a:off x="2137274" y="3910063"/>
+              <a:off x="1858503" y="3909970"/>
               <a:ext cx="63202" cy="63202"/>
             </a:xfrm>
             <a:custGeom>
@@ -6113,7 +6113,7 @@
           </p:nvSpPr>
           <p:spPr>
             <a:xfrm>
-              <a:off x="1888174" y="3882299"/>
+              <a:off x="2104933" y="3882575"/>
               <a:ext cx="63202" cy="63202"/>
             </a:xfrm>
             <a:custGeom>
@@ -6156,7 +6156,7 @@
           </p:nvSpPr>
           <p:spPr>
             <a:xfrm>
-              <a:off x="2210074" y="3767709"/>
+              <a:off x="2159512" y="3767675"/>
               <a:ext cx="63202" cy="63202"/>
             </a:xfrm>
             <a:custGeom>
@@ -6199,7 +6199,7 @@
           </p:nvSpPr>
           <p:spPr>
             <a:xfrm>
-              <a:off x="3795205" y="4729199"/>
+              <a:off x="3556275" y="4729267"/>
               <a:ext cx="63202" cy="63202"/>
             </a:xfrm>
             <a:custGeom>
@@ -6242,7 +6242,7 @@
           </p:nvSpPr>
           <p:spPr>
             <a:xfrm>
-              <a:off x="2895160" y="4520427"/>
+              <a:off x="2577611" y="4520496"/>
               <a:ext cx="63202" cy="63202"/>
             </a:xfrm>
             <a:custGeom>
@@ -6285,7 +6285,7 @@
           </p:nvSpPr>
           <p:spPr>
             <a:xfrm>
-              <a:off x="2939950" y="4528345"/>
+              <a:off x="2891166" y="4528418"/>
               <a:ext cx="63202" cy="63202"/>
             </a:xfrm>
             <a:custGeom>
@@ -6328,7 +6328,7 @@
           </p:nvSpPr>
           <p:spPr>
             <a:xfrm>
-              <a:off x="3701125" y="4797906"/>
+              <a:off x="3853199" y="4797805"/>
               <a:ext cx="63202" cy="63202"/>
             </a:xfrm>
             <a:custGeom>
@@ -6427,7 +6427,7 @@
           </p:nvSpPr>
           <p:spPr>
             <a:xfrm>
-              <a:off x="1397280" y="6657445"/>
+              <a:off x="1397280" y="6657360"/>
               <a:ext cx="2817450" cy="0"/>
             </a:xfrm>
             <a:custGeom>
@@ -6470,7 +6470,7 @@
           </p:nvSpPr>
           <p:spPr>
             <a:xfrm>
-              <a:off x="1397280" y="6288722"/>
+              <a:off x="1397280" y="6288729"/>
               <a:ext cx="2817450" cy="0"/>
             </a:xfrm>
             <a:custGeom>
@@ -6513,7 +6513,7 @@
           </p:nvSpPr>
           <p:spPr>
             <a:xfrm>
-              <a:off x="1397280" y="5920000"/>
+              <a:off x="1397280" y="5920097"/>
               <a:ext cx="2817450" cy="0"/>
             </a:xfrm>
             <a:custGeom>
@@ -6556,7 +6556,7 @@
           </p:nvSpPr>
           <p:spPr>
             <a:xfrm>
-              <a:off x="1397280" y="5551278"/>
+              <a:off x="1397280" y="5551465"/>
               <a:ext cx="2817450" cy="0"/>
             </a:xfrm>
             <a:custGeom>
@@ -6599,7 +6599,7 @@
           </p:nvSpPr>
           <p:spPr>
             <a:xfrm>
-              <a:off x="1397280" y="6841806"/>
+              <a:off x="1397280" y="6841676"/>
               <a:ext cx="2817450" cy="0"/>
             </a:xfrm>
             <a:custGeom>
@@ -6642,7 +6642,7 @@
           </p:nvSpPr>
           <p:spPr>
             <a:xfrm>
-              <a:off x="1397280" y="6473084"/>
+              <a:off x="1397280" y="6473044"/>
               <a:ext cx="2817450" cy="0"/>
             </a:xfrm>
             <a:custGeom>
@@ -6685,7 +6685,7 @@
           </p:nvSpPr>
           <p:spPr>
             <a:xfrm>
-              <a:off x="1397280" y="6104361"/>
+              <a:off x="1397280" y="6104413"/>
               <a:ext cx="2817450" cy="0"/>
             </a:xfrm>
             <a:custGeom>
@@ -6728,7 +6728,7 @@
           </p:nvSpPr>
           <p:spPr>
             <a:xfrm>
-              <a:off x="1397280" y="5735639"/>
+              <a:off x="1397280" y="5735781"/>
               <a:ext cx="2817450" cy="0"/>
             </a:xfrm>
             <a:custGeom>
@@ -6771,7 +6771,7 @@
           </p:nvSpPr>
           <p:spPr>
             <a:xfrm>
-              <a:off x="1397280" y="5366917"/>
+              <a:off x="1397280" y="5367150"/>
               <a:ext cx="2817450" cy="0"/>
             </a:xfrm>
             <a:custGeom>
@@ -6943,7 +6943,7 @@
           </p:nvSpPr>
           <p:spPr>
             <a:xfrm>
-              <a:off x="1767124" y="5748638"/>
+              <a:off x="2003520" y="5748713"/>
               <a:ext cx="63202" cy="63202"/>
             </a:xfrm>
             <a:custGeom>
@@ -6986,7 +6986,7 @@
           </p:nvSpPr>
           <p:spPr>
             <a:xfrm>
-              <a:off x="2126592" y="5841305"/>
+              <a:off x="1803078" y="5841359"/>
               <a:ext cx="63202" cy="63202"/>
             </a:xfrm>
             <a:custGeom>
@@ -7029,7 +7029,7 @@
           </p:nvSpPr>
           <p:spPr>
             <a:xfrm>
-              <a:off x="2152386" y="5830049"/>
+              <a:off x="1691719" y="5830119"/>
               <a:ext cx="63202" cy="63202"/>
             </a:xfrm>
             <a:custGeom>
@@ -7072,7 +7072,7 @@
           </p:nvSpPr>
           <p:spPr>
             <a:xfrm>
-              <a:off x="2152967" y="5825717"/>
+              <a:off x="2135059" y="5825857"/>
               <a:ext cx="63202" cy="63202"/>
             </a:xfrm>
             <a:custGeom>
@@ -7115,7 +7115,7 @@
           </p:nvSpPr>
           <p:spPr>
             <a:xfrm>
-              <a:off x="3855035" y="6749436"/>
+              <a:off x="3636504" y="6749219"/>
               <a:ext cx="63202" cy="63202"/>
             </a:xfrm>
             <a:custGeom>
@@ -7158,7 +7158,7 @@
           </p:nvSpPr>
           <p:spPr>
             <a:xfrm>
-              <a:off x="1671342" y="5978733"/>
+              <a:off x="1736583" y="5978871"/>
               <a:ext cx="63202" cy="63202"/>
             </a:xfrm>
             <a:custGeom>
@@ -7201,7 +7201,7 @@
           </p:nvSpPr>
           <p:spPr>
             <a:xfrm>
-              <a:off x="1899225" y="5771043"/>
+              <a:off x="1616926" y="5771272"/>
               <a:ext cx="63202" cy="63202"/>
             </a:xfrm>
             <a:custGeom>
@@ -7244,7 +7244,7 @@
           </p:nvSpPr>
           <p:spPr>
             <a:xfrm>
-              <a:off x="1977628" y="5787349"/>
+              <a:off x="1697058" y="5787599"/>
               <a:ext cx="63202" cy="63202"/>
             </a:xfrm>
             <a:custGeom>
@@ -7287,7 +7287,7 @@
           </p:nvSpPr>
           <p:spPr>
             <a:xfrm>
-              <a:off x="1778207" y="5958144"/>
+              <a:off x="2200826" y="5958165"/>
               <a:ext cx="63202" cy="63202"/>
             </a:xfrm>
             <a:custGeom>
@@ -7330,7 +7330,7 @@
           </p:nvSpPr>
           <p:spPr>
             <a:xfrm>
-              <a:off x="1772094" y="5835618"/>
+              <a:off x="1655906" y="5835677"/>
               <a:ext cx="63202" cy="63202"/>
             </a:xfrm>
             <a:custGeom>
@@ -7373,7 +7373,7 @@
           </p:nvSpPr>
           <p:spPr>
             <a:xfrm>
-              <a:off x="2152415" y="6061750"/>
+              <a:off x="2078067" y="6061682"/>
               <a:ext cx="63202" cy="63202"/>
             </a:xfrm>
             <a:custGeom>
@@ -7416,7 +7416,7 @@
           </p:nvSpPr>
           <p:spPr>
             <a:xfrm>
-              <a:off x="2680859" y="6243096"/>
+              <a:off x="2829410" y="6243050"/>
               <a:ext cx="63202" cy="63202"/>
             </a:xfrm>
             <a:custGeom>
@@ -7459,7 +7459,7 @@
           </p:nvSpPr>
           <p:spPr>
             <a:xfrm>
-              <a:off x="1833178" y="5787241"/>
+              <a:off x="2202602" y="5787375"/>
               <a:ext cx="63202" cy="63202"/>
             </a:xfrm>
             <a:custGeom>
@@ -7502,7 +7502,7 @@
           </p:nvSpPr>
           <p:spPr>
             <a:xfrm>
-              <a:off x="2220216" y="6038841"/>
+              <a:off x="1799580" y="6038963"/>
               <a:ext cx="63202" cy="63202"/>
             </a:xfrm>
             <a:custGeom>
@@ -7545,7 +7545,7 @@
           </p:nvSpPr>
           <p:spPr>
             <a:xfrm>
-              <a:off x="2821867" y="6079858"/>
+              <a:off x="2736936" y="6079672"/>
               <a:ext cx="63202" cy="63202"/>
             </a:xfrm>
             <a:custGeom>
@@ -7588,7 +7588,7 @@
           </p:nvSpPr>
           <p:spPr>
             <a:xfrm>
-              <a:off x="1820795" y="6011652"/>
+              <a:off x="1732968" y="6011565"/>
               <a:ext cx="63202" cy="63202"/>
             </a:xfrm>
             <a:custGeom>
@@ -7631,7 +7631,7 @@
           </p:nvSpPr>
           <p:spPr>
             <a:xfrm>
-              <a:off x="1633379" y="5829849"/>
+              <a:off x="2222122" y="5829974"/>
               <a:ext cx="63202" cy="63202"/>
             </a:xfrm>
             <a:custGeom>
@@ -7674,7 +7674,7 @@
           </p:nvSpPr>
           <p:spPr>
             <a:xfrm>
-              <a:off x="1740702" y="5995282"/>
+              <a:off x="2175189" y="5995473"/>
               <a:ext cx="63202" cy="63202"/>
             </a:xfrm>
             <a:custGeom>
@@ -7717,7 +7717,7 @@
           </p:nvSpPr>
           <p:spPr>
             <a:xfrm>
-              <a:off x="2172269" y="5926795"/>
+              <a:off x="2191842" y="5926882"/>
               <a:ext cx="63202" cy="63202"/>
             </a:xfrm>
             <a:custGeom>
@@ -7760,7 +7760,7 @@
           </p:nvSpPr>
           <p:spPr>
             <a:xfrm>
-              <a:off x="1647421" y="6037616"/>
+              <a:off x="1645257" y="6037697"/>
               <a:ext cx="63202" cy="63202"/>
             </a:xfrm>
             <a:custGeom>
@@ -7803,7 +7803,7 @@
           </p:nvSpPr>
           <p:spPr>
             <a:xfrm>
-              <a:off x="2976666" y="6088009"/>
+              <a:off x="2667013" y="6088020"/>
               <a:ext cx="63202" cy="63202"/>
             </a:xfrm>
             <a:custGeom>
@@ -7846,7 +7846,7 @@
           </p:nvSpPr>
           <p:spPr>
             <a:xfrm>
-              <a:off x="1875813" y="5765709"/>
+              <a:off x="1767917" y="5765715"/>
               <a:ext cx="63202" cy="63202"/>
             </a:xfrm>
             <a:custGeom>
@@ -7889,7 +7889,7 @@
           </p:nvSpPr>
           <p:spPr>
             <a:xfrm>
-              <a:off x="1642025" y="5708235"/>
+              <a:off x="1589932" y="5708256"/>
               <a:ext cx="63202" cy="63202"/>
             </a:xfrm>
             <a:custGeom>
@@ -7932,7 +7932,7 @@
           </p:nvSpPr>
           <p:spPr>
             <a:xfrm>
-              <a:off x="1712649" y="5707391"/>
+              <a:off x="2136257" y="5707532"/>
               <a:ext cx="63202" cy="63202"/>
             </a:xfrm>
             <a:custGeom>
@@ -7975,7 +7975,7 @@
           </p:nvSpPr>
           <p:spPr>
             <a:xfrm>
-              <a:off x="1971886" y="5760120"/>
+              <a:off x="1632151" y="5760180"/>
               <a:ext cx="63202" cy="63202"/>
             </a:xfrm>
             <a:custGeom>
@@ -8018,7 +8018,7 @@
           </p:nvSpPr>
           <p:spPr>
             <a:xfrm>
-              <a:off x="3043058" y="6324621"/>
+              <a:off x="2954171" y="6324499"/>
               <a:ext cx="63202" cy="63202"/>
             </a:xfrm>
             <a:custGeom>
@@ -8061,7 +8061,7 @@
           </p:nvSpPr>
           <p:spPr>
             <a:xfrm>
-              <a:off x="1743205" y="5555566"/>
+              <a:off x="2237488" y="5555693"/>
               <a:ext cx="63202" cy="63202"/>
             </a:xfrm>
             <a:custGeom>
@@ -8104,7 +8104,7 @@
           </p:nvSpPr>
           <p:spPr>
             <a:xfrm>
-              <a:off x="2107449" y="5909747"/>
+              <a:off x="1900193" y="5909937"/>
               <a:ext cx="63202" cy="63202"/>
             </a:xfrm>
             <a:custGeom>
@@ -8147,7 +8147,7 @@
           </p:nvSpPr>
           <p:spPr>
             <a:xfrm>
-              <a:off x="2186618" y="5956123"/>
+              <a:off x="1870080" y="5956387"/>
               <a:ext cx="63202" cy="63202"/>
             </a:xfrm>
             <a:custGeom>
@@ -8190,7 +8190,7 @@
           </p:nvSpPr>
           <p:spPr>
             <a:xfrm>
-              <a:off x="2067990" y="5754169"/>
+              <a:off x="1821277" y="5754258"/>
               <a:ext cx="63202" cy="63202"/>
             </a:xfrm>
             <a:custGeom>
@@ -8233,7 +8233,7 @@
           </p:nvSpPr>
           <p:spPr>
             <a:xfrm>
-              <a:off x="1617924" y="5846836"/>
+              <a:off x="1571786" y="5846850"/>
               <a:ext cx="63202" cy="63202"/>
             </a:xfrm>
             <a:custGeom>
@@ -8276,7 +8276,7 @@
           </p:nvSpPr>
           <p:spPr>
             <a:xfrm>
-              <a:off x="1723746" y="5824365"/>
+              <a:off x="2237089" y="5824238"/>
               <a:ext cx="63202" cy="63202"/>
             </a:xfrm>
             <a:custGeom>
@@ -8319,7 +8319,7 @@
           </p:nvSpPr>
           <p:spPr>
             <a:xfrm>
-              <a:off x="3674377" y="6753192"/>
+              <a:off x="3357357" y="6752793"/>
               <a:ext cx="63202" cy="63202"/>
             </a:xfrm>
             <a:custGeom>
@@ -8362,7 +8362,7 @@
           </p:nvSpPr>
           <p:spPr>
             <a:xfrm>
-              <a:off x="1705216" y="5884218"/>
+              <a:off x="1738304" y="5884498"/>
               <a:ext cx="63202" cy="63202"/>
             </a:xfrm>
             <a:custGeom>
@@ -8405,7 +8405,7 @@
           </p:nvSpPr>
           <p:spPr>
             <a:xfrm>
-              <a:off x="1933417" y="5957857"/>
+              <a:off x="2044153" y="5957817"/>
               <a:ext cx="63202" cy="63202"/>
             </a:xfrm>
             <a:custGeom>
@@ -8448,7 +8448,7 @@
           </p:nvSpPr>
           <p:spPr>
             <a:xfrm>
-              <a:off x="3004078" y="6495785"/>
+              <a:off x="2571004" y="6495731"/>
               <a:ext cx="63202" cy="63202"/>
             </a:xfrm>
             <a:custGeom>
@@ -8491,7 +8491,7 @@
           </p:nvSpPr>
           <p:spPr>
             <a:xfrm>
-              <a:off x="1843153" y="5667649"/>
+              <a:off x="2097741" y="5667685"/>
               <a:ext cx="63202" cy="63202"/>
             </a:xfrm>
             <a:custGeom>
@@ -8534,7 +8534,7 @@
           </p:nvSpPr>
           <p:spPr>
             <a:xfrm>
-              <a:off x="2116823" y="5825854"/>
+              <a:off x="2197693" y="5825932"/>
               <a:ext cx="63202" cy="63202"/>
             </a:xfrm>
             <a:custGeom>
@@ -8577,7 +8577,7 @@
           </p:nvSpPr>
           <p:spPr>
             <a:xfrm>
-              <a:off x="1772824" y="5757968"/>
+              <a:off x="1718556" y="5758081"/>
               <a:ext cx="63202" cy="63202"/>
             </a:xfrm>
             <a:custGeom>
@@ -8620,7 +8620,7 @@
           </p:nvSpPr>
           <p:spPr>
             <a:xfrm>
-              <a:off x="2900176" y="6121752"/>
+              <a:off x="2825641" y="6121865"/>
               <a:ext cx="63202" cy="63202"/>
             </a:xfrm>
             <a:custGeom>
@@ -8663,7 +8663,7 @@
           </p:nvSpPr>
           <p:spPr>
             <a:xfrm>
-              <a:off x="1872200" y="5800369"/>
+              <a:off x="2214553" y="5800383"/>
               <a:ext cx="63202" cy="63202"/>
             </a:xfrm>
             <a:custGeom>
@@ -8706,7 +8706,7 @@
           </p:nvSpPr>
           <p:spPr>
             <a:xfrm>
-              <a:off x="2219659" y="5861824"/>
+              <a:off x="1640291" y="5861966"/>
               <a:ext cx="63202" cy="63202"/>
             </a:xfrm>
             <a:custGeom>
@@ -8749,7 +8749,7 @@
           </p:nvSpPr>
           <p:spPr>
             <a:xfrm>
-              <a:off x="2952587" y="6277749"/>
+              <a:off x="2801498" y="6277753"/>
               <a:ext cx="63202" cy="63202"/>
             </a:xfrm>
             <a:custGeom>
@@ -8792,7 +8792,7 @@
           </p:nvSpPr>
           <p:spPr>
             <a:xfrm>
-              <a:off x="1755722" y="5902379"/>
+              <a:off x="1597614" y="5902385"/>
               <a:ext cx="63202" cy="63202"/>
             </a:xfrm>
             <a:custGeom>
@@ -8835,7 +8835,7 @@
           </p:nvSpPr>
           <p:spPr>
             <a:xfrm>
-              <a:off x="2199683" y="5871483"/>
+              <a:off x="2205828" y="5871556"/>
               <a:ext cx="63202" cy="63202"/>
             </a:xfrm>
             <a:custGeom>
@@ -8878,7 +8878,7 @@
           </p:nvSpPr>
           <p:spPr>
             <a:xfrm>
-              <a:off x="1755254" y="5814338"/>
+              <a:off x="2029566" y="5814273"/>
               <a:ext cx="63202" cy="63202"/>
             </a:xfrm>
             <a:custGeom>
@@ -8921,7 +8921,7 @@
           </p:nvSpPr>
           <p:spPr>
             <a:xfrm>
-              <a:off x="1989124" y="5763478"/>
+              <a:off x="1719553" y="5763658"/>
               <a:ext cx="63202" cy="63202"/>
             </a:xfrm>
             <a:custGeom>
@@ -8964,7 +8964,7 @@
           </p:nvSpPr>
           <p:spPr>
             <a:xfrm>
-              <a:off x="1864300" y="5892839"/>
+              <a:off x="1874149" y="5892956"/>
               <a:ext cx="63202" cy="63202"/>
             </a:xfrm>
             <a:custGeom>
@@ -9007,7 +9007,7 @@
           </p:nvSpPr>
           <p:spPr>
             <a:xfrm>
-              <a:off x="2184543" y="5951498"/>
+              <a:off x="1776329" y="5951577"/>
               <a:ext cx="63202" cy="63202"/>
             </a:xfrm>
             <a:custGeom>
@@ -9050,7 +9050,7 @@
           </p:nvSpPr>
           <p:spPr>
             <a:xfrm>
-              <a:off x="2964310" y="6190775"/>
+              <a:off x="2817076" y="6190838"/>
               <a:ext cx="63202" cy="63202"/>
             </a:xfrm>
             <a:custGeom>
@@ -9093,7 +9093,7 @@
           </p:nvSpPr>
           <p:spPr>
             <a:xfrm>
-              <a:off x="2061685" y="5835056"/>
+              <a:off x="2077805" y="5835141"/>
               <a:ext cx="63202" cy="63202"/>
             </a:xfrm>
             <a:custGeom>
@@ -9136,7 +9136,7 @@
           </p:nvSpPr>
           <p:spPr>
             <a:xfrm>
-              <a:off x="1789869" y="5947640"/>
+              <a:off x="1996034" y="5947794"/>
               <a:ext cx="63202" cy="63202"/>
             </a:xfrm>
             <a:custGeom>
@@ -9179,7 +9179,7 @@
           </p:nvSpPr>
           <p:spPr>
             <a:xfrm>
-              <a:off x="1999037" y="5667894"/>
+              <a:off x="1669394" y="5667992"/>
               <a:ext cx="63202" cy="63202"/>
             </a:xfrm>
             <a:custGeom>
@@ -9222,7 +9222,7 @@
           </p:nvSpPr>
           <p:spPr>
             <a:xfrm>
-              <a:off x="2709208" y="6121746"/>
+              <a:off x="2937262" y="6121982"/>
               <a:ext cx="63202" cy="63202"/>
             </a:xfrm>
             <a:custGeom>
@@ -9265,7 +9265,7 @@
           </p:nvSpPr>
           <p:spPr>
             <a:xfrm>
-              <a:off x="1651716" y="5781327"/>
+              <a:off x="1958307" y="5781694"/>
               <a:ext cx="63202" cy="63202"/>
             </a:xfrm>
             <a:custGeom>
@@ -9308,7 +9308,7 @@
           </p:nvSpPr>
           <p:spPr>
             <a:xfrm>
-              <a:off x="2033330" y="5745560"/>
+              <a:off x="1760785" y="5745804"/>
               <a:ext cx="63202" cy="63202"/>
             </a:xfrm>
             <a:custGeom>
@@ -9351,7 +9351,7 @@
           </p:nvSpPr>
           <p:spPr>
             <a:xfrm>
-              <a:off x="2150318" y="5745641"/>
+              <a:off x="2051931" y="5745875"/>
               <a:ext cx="63202" cy="63202"/>
             </a:xfrm>
             <a:custGeom>
@@ -9394,7 +9394,7 @@
           </p:nvSpPr>
           <p:spPr>
             <a:xfrm>
-              <a:off x="1866356" y="5745668"/>
+              <a:off x="2100165" y="5745929"/>
               <a:ext cx="63202" cy="63202"/>
             </a:xfrm>
             <a:custGeom>
@@ -9437,7 +9437,7 @@
           </p:nvSpPr>
           <p:spPr>
             <a:xfrm>
-              <a:off x="2226796" y="5749996"/>
+              <a:off x="1629309" y="5750122"/>
               <a:ext cx="63202" cy="63202"/>
             </a:xfrm>
             <a:custGeom>
@@ -9480,7 +9480,7 @@
           </p:nvSpPr>
           <p:spPr>
             <a:xfrm>
-              <a:off x="1664352" y="5745773"/>
+              <a:off x="1734890" y="5745768"/>
               <a:ext cx="63202" cy="63202"/>
             </a:xfrm>
             <a:custGeom>
@@ -9523,7 +9523,7 @@
           </p:nvSpPr>
           <p:spPr>
             <a:xfrm>
-              <a:off x="2007494" y="5693103"/>
+              <a:off x="1705291" y="5693175"/>
               <a:ext cx="63202" cy="63202"/>
             </a:xfrm>
             <a:custGeom>
@@ -9566,7 +9566,7 @@
           </p:nvSpPr>
           <p:spPr>
             <a:xfrm>
-              <a:off x="1738790" y="5657723"/>
+              <a:off x="1581983" y="5657875"/>
               <a:ext cx="63202" cy="63202"/>
             </a:xfrm>
             <a:custGeom>
@@ -9609,7 +9609,7 @@
           </p:nvSpPr>
           <p:spPr>
             <a:xfrm>
-              <a:off x="2782484" y="6382070"/>
+              <a:off x="2853194" y="6381947"/>
               <a:ext cx="63202" cy="63202"/>
             </a:xfrm>
             <a:custGeom>
@@ -9652,7 +9652,7 @@
           </p:nvSpPr>
           <p:spPr>
             <a:xfrm>
-              <a:off x="1963566" y="5781443"/>
+              <a:off x="1666640" y="5781509"/>
               <a:ext cx="63202" cy="63202"/>
             </a:xfrm>
             <a:custGeom>
@@ -9695,7 +9695,7 @@
           </p:nvSpPr>
           <p:spPr>
             <a:xfrm>
-              <a:off x="1639436" y="5709920"/>
+              <a:off x="1722749" y="5710122"/>
               <a:ext cx="63202" cy="63202"/>
             </a:xfrm>
             <a:custGeom>
@@ -9738,7 +9738,7 @@
           </p:nvSpPr>
           <p:spPr>
             <a:xfrm>
-              <a:off x="2103651" y="5785910"/>
+              <a:off x="2196772" y="5785896"/>
               <a:ext cx="63202" cy="63202"/>
             </a:xfrm>
             <a:custGeom>
@@ -9781,7 +9781,7 @@
           </p:nvSpPr>
           <p:spPr>
             <a:xfrm>
-              <a:off x="2978658" y="6254268"/>
+              <a:off x="2721391" y="6254090"/>
               <a:ext cx="63202" cy="63202"/>
             </a:xfrm>
             <a:custGeom>
@@ -9824,7 +9824,7 @@
           </p:nvSpPr>
           <p:spPr>
             <a:xfrm>
-              <a:off x="1911738" y="5767755"/>
+              <a:off x="1832042" y="5767823"/>
               <a:ext cx="63202" cy="63202"/>
             </a:xfrm>
             <a:custGeom>
@@ -9867,7 +9867,7 @@
           </p:nvSpPr>
           <p:spPr>
             <a:xfrm>
-              <a:off x="1640118" y="5932575"/>
+              <a:off x="1978287" y="5932656"/>
               <a:ext cx="63202" cy="63202"/>
             </a:xfrm>
             <a:custGeom>
@@ -9910,7 +9910,7 @@
           </p:nvSpPr>
           <p:spPr>
             <a:xfrm>
-              <a:off x="1658783" y="5714851"/>
+              <a:off x="2228175" y="5714936"/>
               <a:ext cx="63202" cy="63202"/>
             </a:xfrm>
             <a:custGeom>
@@ -9953,7 +9953,7 @@
           </p:nvSpPr>
           <p:spPr>
             <a:xfrm>
-              <a:off x="1747465" y="5667069"/>
+              <a:off x="1621572" y="5667431"/>
               <a:ext cx="63202" cy="63202"/>
             </a:xfrm>
             <a:custGeom>
@@ -9996,7 +9996,7 @@
           </p:nvSpPr>
           <p:spPr>
             <a:xfrm>
-              <a:off x="1806216" y="5758941"/>
+              <a:off x="2125564" y="5759185"/>
               <a:ext cx="63202" cy="63202"/>
             </a:xfrm>
             <a:custGeom>
@@ -10039,7 +10039,7 @@
           </p:nvSpPr>
           <p:spPr>
             <a:xfrm>
-              <a:off x="2184666" y="5763169"/>
+              <a:off x="1759540" y="5763238"/>
               <a:ext cx="63202" cy="63202"/>
             </a:xfrm>
             <a:custGeom>
@@ -10082,7 +10082,7 @@
           </p:nvSpPr>
           <p:spPr>
             <a:xfrm>
-              <a:off x="2117116" y="5727571"/>
+              <a:off x="1715958" y="5727818"/>
               <a:ext cx="63202" cy="63202"/>
             </a:xfrm>
             <a:custGeom>
@@ -10125,7 +10125,7 @@
           </p:nvSpPr>
           <p:spPr>
             <a:xfrm>
-              <a:off x="1804149" y="5801021"/>
+              <a:off x="1812755" y="5801093"/>
               <a:ext cx="63202" cy="63202"/>
             </a:xfrm>
             <a:custGeom>
@@ -10168,7 +10168,7 @@
           </p:nvSpPr>
           <p:spPr>
             <a:xfrm>
-              <a:off x="2059707" y="5760927"/>
+              <a:off x="1960384" y="5760955"/>
               <a:ext cx="63202" cy="63202"/>
             </a:xfrm>
             <a:custGeom>
@@ -10211,7 +10211,7 @@
           </p:nvSpPr>
           <p:spPr>
             <a:xfrm>
-              <a:off x="1635546" y="5754083"/>
+              <a:off x="1766595" y="5754205"/>
               <a:ext cx="63202" cy="63202"/>
             </a:xfrm>
             <a:custGeom>
@@ -10254,7 +10254,7 @@
           </p:nvSpPr>
           <p:spPr>
             <a:xfrm>
-              <a:off x="2053634" y="5759380"/>
+              <a:off x="2080745" y="5759547"/>
               <a:ext cx="63202" cy="63202"/>
             </a:xfrm>
             <a:custGeom>
@@ -10297,7 +10297,7 @@
           </p:nvSpPr>
           <p:spPr>
             <a:xfrm>
-              <a:off x="1941466" y="5667931"/>
+              <a:off x="2059905" y="5667909"/>
               <a:ext cx="63202" cy="63202"/>
             </a:xfrm>
             <a:custGeom>
@@ -10340,7 +10340,7 @@
           </p:nvSpPr>
           <p:spPr>
             <a:xfrm>
-              <a:off x="2106943" y="5670164"/>
+              <a:off x="2098918" y="5670397"/>
               <a:ext cx="63202" cy="63202"/>
             </a:xfrm>
             <a:custGeom>
@@ -10383,7 +10383,7 @@
           </p:nvSpPr>
           <p:spPr>
             <a:xfrm>
-              <a:off x="1550594" y="5757940"/>
+              <a:off x="1771979" y="5758000"/>
               <a:ext cx="63202" cy="63202"/>
             </a:xfrm>
             <a:custGeom>
@@ -10426,7 +10426,7 @@
           </p:nvSpPr>
           <p:spPr>
             <a:xfrm>
-              <a:off x="1594943" y="5771576"/>
+              <a:off x="2137286" y="5771617"/>
               <a:ext cx="63202" cy="63202"/>
             </a:xfrm>
             <a:custGeom>
@@ -10469,7 +10469,7 @@
           </p:nvSpPr>
           <p:spPr>
             <a:xfrm>
-              <a:off x="1860905" y="5763483"/>
+              <a:off x="2037591" y="5763467"/>
               <a:ext cx="63202" cy="63202"/>
             </a:xfrm>
             <a:custGeom>
@@ -10512,7 +10512,7 @@
           </p:nvSpPr>
           <p:spPr>
             <a:xfrm>
-              <a:off x="1735020" y="5763269"/>
+              <a:off x="1944186" y="5763555"/>
               <a:ext cx="63202" cy="63202"/>
             </a:xfrm>
             <a:custGeom>
@@ -10555,7 +10555,7 @@
           </p:nvSpPr>
           <p:spPr>
             <a:xfrm>
-              <a:off x="1754258" y="5763045"/>
+              <a:off x="1974285" y="5763200"/>
               <a:ext cx="63202" cy="63202"/>
             </a:xfrm>
             <a:custGeom>
@@ -10598,7 +10598,7 @@
           </p:nvSpPr>
           <p:spPr>
             <a:xfrm>
-              <a:off x="1598346" y="5956329"/>
+              <a:off x="2206393" y="5956259"/>
               <a:ext cx="63202" cy="63202"/>
             </a:xfrm>
             <a:custGeom>
@@ -10641,7 +10641,7 @@
           </p:nvSpPr>
           <p:spPr>
             <a:xfrm>
-              <a:off x="1958767" y="5773453"/>
+              <a:off x="2074534" y="5773530"/>
               <a:ext cx="63202" cy="63202"/>
             </a:xfrm>
             <a:custGeom>
@@ -10684,7 +10684,7 @@
           </p:nvSpPr>
           <p:spPr>
             <a:xfrm>
-              <a:off x="2135635" y="5755437"/>
+              <a:off x="2036292" y="5755462"/>
               <a:ext cx="63202" cy="63202"/>
             </a:xfrm>
             <a:custGeom>
@@ -10727,7 +10727,7 @@
           </p:nvSpPr>
           <p:spPr>
             <a:xfrm>
-              <a:off x="2222841" y="5668906"/>
+              <a:off x="1772126" y="5669014"/>
               <a:ext cx="63202" cy="63202"/>
             </a:xfrm>
             <a:custGeom>
@@ -10770,7 +10770,7 @@
           </p:nvSpPr>
           <p:spPr>
             <a:xfrm>
-              <a:off x="1561374" y="5876114"/>
+              <a:off x="1588039" y="5876440"/>
               <a:ext cx="63202" cy="63202"/>
             </a:xfrm>
             <a:custGeom>
@@ -10813,7 +10813,7 @@
           </p:nvSpPr>
           <p:spPr>
             <a:xfrm>
-              <a:off x="2803234" y="6239752"/>
+              <a:off x="3029168" y="6239934"/>
               <a:ext cx="63202" cy="63202"/>
             </a:xfrm>
             <a:custGeom>
@@ -10856,7 +10856,7 @@
           </p:nvSpPr>
           <p:spPr>
             <a:xfrm>
-              <a:off x="2095050" y="6029534"/>
+              <a:off x="1838158" y="6029796"/>
               <a:ext cx="63202" cy="63202"/>
             </a:xfrm>
             <a:custGeom>
@@ -10899,7 +10899,7 @@
           </p:nvSpPr>
           <p:spPr>
             <a:xfrm>
-              <a:off x="2469449" y="6271640"/>
+              <a:off x="2794550" y="6271391"/>
               <a:ext cx="63202" cy="63202"/>
             </a:xfrm>
             <a:custGeom>
@@ -10942,7 +10942,7 @@
           </p:nvSpPr>
           <p:spPr>
             <a:xfrm>
-              <a:off x="2786296" y="6276269"/>
+              <a:off x="2769454" y="6276165"/>
               <a:ext cx="63202" cy="63202"/>
             </a:xfrm>
             <a:custGeom>
@@ -10985,7 +10985,7 @@
           </p:nvSpPr>
           <p:spPr>
             <a:xfrm>
-              <a:off x="1673245" y="5842981"/>
+              <a:off x="2173832" y="5843232"/>
               <a:ext cx="63202" cy="63202"/>
             </a:xfrm>
             <a:custGeom>
@@ -11028,7 +11028,7 @@
           </p:nvSpPr>
           <p:spPr>
             <a:xfrm>
-              <a:off x="1844593" y="5838253"/>
+              <a:off x="2132944" y="5838216"/>
               <a:ext cx="63202" cy="63202"/>
             </a:xfrm>
             <a:custGeom>
@@ -11071,7 +11071,7 @@
           </p:nvSpPr>
           <p:spPr>
             <a:xfrm>
-              <a:off x="2126556" y="5838351"/>
+              <a:off x="2117820" y="5838301"/>
               <a:ext cx="63202" cy="63202"/>
             </a:xfrm>
             <a:custGeom>
@@ -11114,7 +11114,7 @@
           </p:nvSpPr>
           <p:spPr>
             <a:xfrm>
-              <a:off x="2139742" y="5829025"/>
+              <a:off x="1740031" y="5829097"/>
               <a:ext cx="63202" cy="63202"/>
             </a:xfrm>
             <a:custGeom>
@@ -11157,7 +11157,7 @@
           </p:nvSpPr>
           <p:spPr>
             <a:xfrm>
-              <a:off x="2045235" y="5931687"/>
+              <a:off x="2138936" y="5931682"/>
               <a:ext cx="63202" cy="63202"/>
             </a:xfrm>
             <a:custGeom>
@@ -11200,7 +11200,7 @@
           </p:nvSpPr>
           <p:spPr>
             <a:xfrm>
-              <a:off x="2644792" y="6329140"/>
+              <a:off x="2621133" y="6329129"/>
               <a:ext cx="63202" cy="63202"/>
             </a:xfrm>
             <a:custGeom>
@@ -11243,7 +11243,7 @@
           </p:nvSpPr>
           <p:spPr>
             <a:xfrm>
-              <a:off x="2540252" y="6239300"/>
+              <a:off x="2677118" y="6239511"/>
               <a:ext cx="63202" cy="63202"/>
             </a:xfrm>
             <a:custGeom>
@@ -11286,7 +11286,7 @@
           </p:nvSpPr>
           <p:spPr>
             <a:xfrm>
-              <a:off x="1642598" y="6054748"/>
+              <a:off x="1578469" y="6054789"/>
               <a:ext cx="63202" cy="63202"/>
             </a:xfrm>
             <a:custGeom>
@@ -11329,7 +11329,7 @@
           </p:nvSpPr>
           <p:spPr>
             <a:xfrm>
-              <a:off x="2877864" y="6256147"/>
+              <a:off x="2978440" y="6255982"/>
               <a:ext cx="63202" cy="63202"/>
             </a:xfrm>
             <a:custGeom>
@@ -11372,7 +11372,7 @@
           </p:nvSpPr>
           <p:spPr>
             <a:xfrm>
-              <a:off x="2566542" y="6239281"/>
+              <a:off x="2439493" y="6239528"/>
               <a:ext cx="63202" cy="63202"/>
             </a:xfrm>
             <a:custGeom>
@@ -11415,7 +11415,7 @@
           </p:nvSpPr>
           <p:spPr>
             <a:xfrm>
-              <a:off x="1647172" y="5759610"/>
+              <a:off x="2154828" y="5759966"/>
               <a:ext cx="63202" cy="63202"/>
             </a:xfrm>
             <a:custGeom>
@@ -11458,7 +11458,7 @@
           </p:nvSpPr>
           <p:spPr>
             <a:xfrm>
-              <a:off x="3827825" y="6756109"/>
+              <a:off x="3919059" y="6755760"/>
               <a:ext cx="63202" cy="63202"/>
             </a:xfrm>
             <a:custGeom>
@@ -11501,7 +11501,7 @@
           </p:nvSpPr>
           <p:spPr>
             <a:xfrm>
-              <a:off x="2228031" y="5973936"/>
+              <a:off x="2178196" y="5973980"/>
               <a:ext cx="63202" cy="63202"/>
             </a:xfrm>
             <a:custGeom>
@@ -11544,7 +11544,7 @@
           </p:nvSpPr>
           <p:spPr>
             <a:xfrm>
-              <a:off x="1936725" y="5744992"/>
+              <a:off x="1982579" y="5745037"/>
               <a:ext cx="63202" cy="63202"/>
             </a:xfrm>
             <a:custGeom>
@@ -11587,7 +11587,7 @@
           </p:nvSpPr>
           <p:spPr>
             <a:xfrm>
-              <a:off x="1913289" y="5828153"/>
+              <a:off x="1935240" y="5828317"/>
               <a:ext cx="63202" cy="63202"/>
             </a:xfrm>
             <a:custGeom>
@@ -11630,7 +11630,7 @@
           </p:nvSpPr>
           <p:spPr>
             <a:xfrm>
-              <a:off x="1975899" y="5755423"/>
+              <a:off x="2118593" y="5755544"/>
               <a:ext cx="63202" cy="63202"/>
             </a:xfrm>
             <a:custGeom>
@@ -11673,7 +11673,7 @@
           </p:nvSpPr>
           <p:spPr>
             <a:xfrm>
-              <a:off x="2158943" y="5756641"/>
+              <a:off x="1884809" y="5756942"/>
               <a:ext cx="63202" cy="63202"/>
             </a:xfrm>
             <a:custGeom>
@@ -11716,7 +11716,7 @@
           </p:nvSpPr>
           <p:spPr>
             <a:xfrm>
-              <a:off x="1952323" y="5774082"/>
+              <a:off x="1785418" y="5774265"/>
               <a:ext cx="63202" cy="63202"/>
             </a:xfrm>
             <a:custGeom>
@@ -11759,7 +11759,7 @@
           </p:nvSpPr>
           <p:spPr>
             <a:xfrm>
-              <a:off x="2100002" y="5767811"/>
+              <a:off x="1942643" y="5767933"/>
               <a:ext cx="63202" cy="63202"/>
             </a:xfrm>
             <a:custGeom>
@@ -11802,7 +11802,7 @@
           </p:nvSpPr>
           <p:spPr>
             <a:xfrm>
-              <a:off x="3866607" y="6809079"/>
+              <a:off x="3967451" y="6809079"/>
               <a:ext cx="63202" cy="63202"/>
             </a:xfrm>
             <a:custGeom>
@@ -11901,7 +11901,7 @@
           </p:nvSpPr>
           <p:spPr>
             <a:xfrm>
-              <a:off x="4284320" y="2806780"/>
+              <a:off x="4284320" y="2806695"/>
               <a:ext cx="2817450" cy="0"/>
             </a:xfrm>
             <a:custGeom>
@@ -11944,7 +11944,7 @@
           </p:nvSpPr>
           <p:spPr>
             <a:xfrm>
-              <a:off x="4284320" y="2438057"/>
+              <a:off x="4284320" y="2438063"/>
               <a:ext cx="2817450" cy="0"/>
             </a:xfrm>
             <a:custGeom>
@@ -11987,7 +11987,7 @@
           </p:nvSpPr>
           <p:spPr>
             <a:xfrm>
-              <a:off x="4284320" y="2069335"/>
+              <a:off x="4284320" y="2069432"/>
               <a:ext cx="2817450" cy="0"/>
             </a:xfrm>
             <a:custGeom>
@@ -12030,7 +12030,7 @@
           </p:nvSpPr>
           <p:spPr>
             <a:xfrm>
-              <a:off x="4284320" y="1700613"/>
+              <a:off x="4284320" y="1700800"/>
               <a:ext cx="2817450" cy="0"/>
             </a:xfrm>
             <a:custGeom>
@@ -12073,7 +12073,7 @@
           </p:nvSpPr>
           <p:spPr>
             <a:xfrm>
-              <a:off x="4284320" y="2991141"/>
+              <a:off x="4284320" y="2991011"/>
               <a:ext cx="2817450" cy="0"/>
             </a:xfrm>
             <a:custGeom>
@@ -12116,7 +12116,7 @@
           </p:nvSpPr>
           <p:spPr>
             <a:xfrm>
-              <a:off x="4284320" y="2622418"/>
+              <a:off x="4284320" y="2622379"/>
               <a:ext cx="2817450" cy="0"/>
             </a:xfrm>
             <a:custGeom>
@@ -12159,7 +12159,7 @@
           </p:nvSpPr>
           <p:spPr>
             <a:xfrm>
-              <a:off x="4284320" y="2253696"/>
+              <a:off x="4284320" y="2253748"/>
               <a:ext cx="2817450" cy="0"/>
             </a:xfrm>
             <a:custGeom>
@@ -12202,7 +12202,7 @@
           </p:nvSpPr>
           <p:spPr>
             <a:xfrm>
-              <a:off x="4284320" y="1884974"/>
+              <a:off x="4284320" y="1885116"/>
               <a:ext cx="2817450" cy="0"/>
             </a:xfrm>
             <a:custGeom>
@@ -12245,7 +12245,7 @@
           </p:nvSpPr>
           <p:spPr>
             <a:xfrm>
-              <a:off x="4284320" y="1516252"/>
+              <a:off x="4284320" y="1516484"/>
               <a:ext cx="2817450" cy="0"/>
             </a:xfrm>
             <a:custGeom>
@@ -12417,7 +12417,7 @@
           </p:nvSpPr>
           <p:spPr>
             <a:xfrm>
-              <a:off x="4780113" y="1668144"/>
+              <a:off x="4575316" y="1668392"/>
               <a:ext cx="63202" cy="63202"/>
             </a:xfrm>
             <a:custGeom>
@@ -12460,7 +12460,7 @@
           </p:nvSpPr>
           <p:spPr>
             <a:xfrm>
-              <a:off x="4760991" y="1721773"/>
+              <a:off x="4464564" y="1722025"/>
               <a:ext cx="63202" cy="63202"/>
             </a:xfrm>
             <a:custGeom>
@@ -12503,7 +12503,7 @@
           </p:nvSpPr>
           <p:spPr>
             <a:xfrm>
-              <a:off x="4878454" y="1629701"/>
+              <a:off x="4700600" y="1629768"/>
               <a:ext cx="63202" cy="63202"/>
             </a:xfrm>
             <a:custGeom>
@@ -12546,7 +12546,7 @@
           </p:nvSpPr>
           <p:spPr>
             <a:xfrm>
-              <a:off x="5026979" y="1624146"/>
+              <a:off x="5063185" y="1624251"/>
               <a:ext cx="63202" cy="63202"/>
             </a:xfrm>
             <a:custGeom>
@@ -12589,7 +12589,7 @@
           </p:nvSpPr>
           <p:spPr>
             <a:xfrm>
-              <a:off x="5129357" y="1610129"/>
+              <a:off x="5025496" y="1610245"/>
               <a:ext cx="63202" cy="63202"/>
             </a:xfrm>
             <a:custGeom>
@@ -12632,7 +12632,7 @@
           </p:nvSpPr>
           <p:spPr>
             <a:xfrm>
-              <a:off x="4851068" y="1651081"/>
+              <a:off x="4841212" y="1651026"/>
               <a:ext cx="63202" cy="63202"/>
             </a:xfrm>
             <a:custGeom>
@@ -12675,7 +12675,7 @@
           </p:nvSpPr>
           <p:spPr>
             <a:xfrm>
-              <a:off x="4592617" y="1640657"/>
+              <a:off x="4918665" y="1640723"/>
               <a:ext cx="63202" cy="63202"/>
             </a:xfrm>
             <a:custGeom>
@@ -12718,7 +12718,7 @@
           </p:nvSpPr>
           <p:spPr>
             <a:xfrm>
-              <a:off x="4934305" y="1638854"/>
+              <a:off x="4679715" y="1638943"/>
               <a:ext cx="63202" cy="63202"/>
             </a:xfrm>
             <a:custGeom>
@@ -12761,7 +12761,7 @@
           </p:nvSpPr>
           <p:spPr>
             <a:xfrm>
-              <a:off x="4679003" y="1632953"/>
+              <a:off x="4609367" y="1633058"/>
               <a:ext cx="63202" cy="63202"/>
             </a:xfrm>
             <a:custGeom>
@@ -12804,7 +12804,7 @@
           </p:nvSpPr>
           <p:spPr>
             <a:xfrm>
-              <a:off x="4540213" y="1599179"/>
+              <a:off x="5078130" y="1599500"/>
               <a:ext cx="63202" cy="63202"/>
             </a:xfrm>
             <a:custGeom>
@@ -12847,7 +12847,7 @@
           </p:nvSpPr>
           <p:spPr>
             <a:xfrm>
-              <a:off x="4616172" y="1644037"/>
+              <a:off x="4577037" y="1644140"/>
               <a:ext cx="63202" cy="63202"/>
             </a:xfrm>
             <a:custGeom>
@@ -12890,7 +12890,7 @@
           </p:nvSpPr>
           <p:spPr>
             <a:xfrm>
-              <a:off x="4948760" y="1648657"/>
+              <a:off x="4927904" y="1648809"/>
               <a:ext cx="63202" cy="63202"/>
             </a:xfrm>
             <a:custGeom>
@@ -12933,7 +12933,7 @@
           </p:nvSpPr>
           <p:spPr>
             <a:xfrm>
-              <a:off x="5052101" y="1649448"/>
+              <a:off x="4993854" y="1649717"/>
               <a:ext cx="63202" cy="63202"/>
             </a:xfrm>
             <a:custGeom>
@@ -12976,7 +12976,7 @@
           </p:nvSpPr>
           <p:spPr>
             <a:xfrm>
-              <a:off x="4933242" y="1591301"/>
+              <a:off x="5009354" y="1591376"/>
               <a:ext cx="63202" cy="63202"/>
             </a:xfrm>
             <a:custGeom>
@@ -13019,7 +13019,7 @@
           </p:nvSpPr>
           <p:spPr>
             <a:xfrm>
-              <a:off x="4550580" y="1641428"/>
+              <a:off x="4903807" y="1641621"/>
               <a:ext cx="63202" cy="63202"/>
             </a:xfrm>
             <a:custGeom>
@@ -13062,7 +13062,7 @@
           </p:nvSpPr>
           <p:spPr>
             <a:xfrm>
-              <a:off x="4453966" y="1589078"/>
+              <a:off x="4480648" y="1589305"/>
               <a:ext cx="63202" cy="63202"/>
             </a:xfrm>
             <a:custGeom>
@@ -13105,7 +13105,7 @@
           </p:nvSpPr>
           <p:spPr>
             <a:xfrm>
-              <a:off x="5082701" y="1644904"/>
+              <a:off x="5122948" y="1645379"/>
               <a:ext cx="63202" cy="63202"/>
             </a:xfrm>
             <a:custGeom>
@@ -13148,7 +13148,7 @@
           </p:nvSpPr>
           <p:spPr>
             <a:xfrm>
-              <a:off x="4679657" y="1642170"/>
+              <a:off x="4621171" y="1642162"/>
               <a:ext cx="63202" cy="63202"/>
             </a:xfrm>
             <a:custGeom>
@@ -13191,7 +13191,7 @@
           </p:nvSpPr>
           <p:spPr>
             <a:xfrm>
-              <a:off x="5083485" y="1671822"/>
+              <a:off x="4842314" y="1672280"/>
               <a:ext cx="63202" cy="63202"/>
             </a:xfrm>
             <a:custGeom>
@@ -13234,7 +13234,7 @@
           </p:nvSpPr>
           <p:spPr>
             <a:xfrm>
-              <a:off x="4544736" y="1795585"/>
+              <a:off x="4648793" y="1795669"/>
               <a:ext cx="63202" cy="63202"/>
             </a:xfrm>
             <a:custGeom>
@@ -13277,7 +13277,7 @@
           </p:nvSpPr>
           <p:spPr>
             <a:xfrm>
-              <a:off x="4631728" y="1940534"/>
+              <a:off x="4566636" y="1940538"/>
               <a:ext cx="63202" cy="63202"/>
             </a:xfrm>
             <a:custGeom>
@@ -13320,7 +13320,7 @@
           </p:nvSpPr>
           <p:spPr>
             <a:xfrm>
-              <a:off x="4573645" y="1646129"/>
+              <a:off x="5130643" y="1646338"/>
               <a:ext cx="63202" cy="63202"/>
             </a:xfrm>
             <a:custGeom>
@@ -13363,7 +13363,7 @@
           </p:nvSpPr>
           <p:spPr>
             <a:xfrm>
-              <a:off x="5548154" y="2420047"/>
+              <a:off x="5764877" y="2420145"/>
               <a:ext cx="63202" cy="63202"/>
             </a:xfrm>
             <a:custGeom>
@@ -13406,7 +13406,7 @@
           </p:nvSpPr>
           <p:spPr>
             <a:xfrm>
-              <a:off x="4524058" y="1632760"/>
+              <a:off x="4472351" y="1632995"/>
               <a:ext cx="63202" cy="63202"/>
             </a:xfrm>
             <a:custGeom>
@@ -13449,7 +13449,7 @@
           </p:nvSpPr>
           <p:spPr>
             <a:xfrm>
-              <a:off x="4639521" y="1839452"/>
+              <a:off x="4489524" y="1839576"/>
               <a:ext cx="63202" cy="63202"/>
             </a:xfrm>
             <a:custGeom>
@@ -13492,7 +13492,7 @@
           </p:nvSpPr>
           <p:spPr>
             <a:xfrm>
-              <a:off x="5093290" y="1668660"/>
+              <a:off x="4987139" y="1668846"/>
               <a:ext cx="63202" cy="63202"/>
             </a:xfrm>
             <a:custGeom>
@@ -13535,7 +13535,7 @@
           </p:nvSpPr>
           <p:spPr>
             <a:xfrm>
-              <a:off x="4930493" y="1817210"/>
+              <a:off x="4494089" y="1817366"/>
               <a:ext cx="63202" cy="63202"/>
             </a:xfrm>
             <a:custGeom>
@@ -13578,7 +13578,7 @@
           </p:nvSpPr>
           <p:spPr>
             <a:xfrm>
-              <a:off x="4519303" y="1597074"/>
+              <a:off x="5051974" y="1597422"/>
               <a:ext cx="63202" cy="63202"/>
             </a:xfrm>
             <a:custGeom>
@@ -13621,7 +13621,7 @@
           </p:nvSpPr>
           <p:spPr>
             <a:xfrm>
-              <a:off x="5037776" y="1627448"/>
+              <a:off x="4478707" y="1627688"/>
               <a:ext cx="63202" cy="63202"/>
             </a:xfrm>
             <a:custGeom>
@@ -13664,7 +13664,7 @@
           </p:nvSpPr>
           <p:spPr>
             <a:xfrm>
-              <a:off x="4870992" y="1629918"/>
+              <a:off x="4528662" y="1630257"/>
               <a:ext cx="63202" cy="63202"/>
             </a:xfrm>
             <a:custGeom>
@@ -13707,7 +13707,7 @@
           </p:nvSpPr>
           <p:spPr>
             <a:xfrm>
-              <a:off x="5695934" y="2667005"/>
+              <a:off x="5757807" y="2667212"/>
               <a:ext cx="63202" cy="63202"/>
             </a:xfrm>
             <a:custGeom>
@@ -13750,7 +13750,7 @@
           </p:nvSpPr>
           <p:spPr>
             <a:xfrm>
-              <a:off x="5051422" y="1648638"/>
+              <a:off x="4840548" y="1649029"/>
               <a:ext cx="63202" cy="63202"/>
             </a:xfrm>
             <a:custGeom>
@@ -13793,7 +13793,7 @@
           </p:nvSpPr>
           <p:spPr>
             <a:xfrm>
-              <a:off x="4434016" y="1644177"/>
+              <a:off x="4966164" y="1644473"/>
               <a:ext cx="63202" cy="63202"/>
             </a:xfrm>
             <a:custGeom>
@@ -13836,7 +13836,7 @@
           </p:nvSpPr>
           <p:spPr>
             <a:xfrm>
-              <a:off x="4712975" y="1720949"/>
+              <a:off x="4455903" y="1721297"/>
               <a:ext cx="63202" cy="63202"/>
             </a:xfrm>
             <a:custGeom>
@@ -13879,7 +13879,7 @@
           </p:nvSpPr>
           <p:spPr>
             <a:xfrm>
-              <a:off x="5075025" y="1602637"/>
+              <a:off x="4893614" y="1602912"/>
               <a:ext cx="63202" cy="63202"/>
             </a:xfrm>
             <a:custGeom>
@@ -13922,7 +13922,7 @@
           </p:nvSpPr>
           <p:spPr>
             <a:xfrm>
-              <a:off x="4514357" y="1597511"/>
+              <a:off x="5036573" y="1597691"/>
               <a:ext cx="63202" cy="63202"/>
             </a:xfrm>
             <a:custGeom>
@@ -13965,7 +13965,7 @@
           </p:nvSpPr>
           <p:spPr>
             <a:xfrm>
-              <a:off x="4864187" y="1647867"/>
+              <a:off x="4994619" y="1648290"/>
               <a:ext cx="63202" cy="63202"/>
             </a:xfrm>
             <a:custGeom>
@@ -14008,7 +14008,7 @@
           </p:nvSpPr>
           <p:spPr>
             <a:xfrm>
-              <a:off x="4535522" y="1648110"/>
+              <a:off x="4931519" y="1648105"/>
               <a:ext cx="63202" cy="63202"/>
             </a:xfrm>
             <a:custGeom>
@@ -14051,7 +14051,7 @@
           </p:nvSpPr>
           <p:spPr>
             <a:xfrm>
-              <a:off x="4868303" y="1637283"/>
+              <a:off x="4524815" y="1637376"/>
               <a:ext cx="63202" cy="63202"/>
             </a:xfrm>
             <a:custGeom>
@@ -14094,7 +14094,7 @@
           </p:nvSpPr>
           <p:spPr>
             <a:xfrm>
-              <a:off x="4900043" y="2190375"/>
+              <a:off x="5000287" y="2190356"/>
               <a:ext cx="63202" cy="63202"/>
             </a:xfrm>
             <a:custGeom>
@@ -14137,7 +14137,7 @@
           </p:nvSpPr>
           <p:spPr>
             <a:xfrm>
-              <a:off x="4899146" y="1670600"/>
+              <a:off x="4652020" y="1670663"/>
               <a:ext cx="63202" cy="63202"/>
             </a:xfrm>
             <a:custGeom>
@@ -14180,7 +14180,7 @@
           </p:nvSpPr>
           <p:spPr>
             <a:xfrm>
-              <a:off x="4967511" y="2210583"/>
+              <a:off x="4805104" y="2210819"/>
               <a:ext cx="63202" cy="63202"/>
             </a:xfrm>
             <a:custGeom>
@@ -14223,7 +14223,7 @@
           </p:nvSpPr>
           <p:spPr>
             <a:xfrm>
-              <a:off x="5028806" y="1581860"/>
+              <a:off x="4704564" y="1582161"/>
               <a:ext cx="63202" cy="63202"/>
             </a:xfrm>
             <a:custGeom>
@@ -14266,7 +14266,7 @@
           </p:nvSpPr>
           <p:spPr>
             <a:xfrm>
-              <a:off x="4891868" y="1931072"/>
+              <a:off x="4781679" y="1931374"/>
               <a:ext cx="63202" cy="63202"/>
             </a:xfrm>
             <a:custGeom>
@@ -14309,7 +14309,7 @@
           </p:nvSpPr>
           <p:spPr>
             <a:xfrm>
-              <a:off x="4526496" y="1640385"/>
+              <a:off x="4467273" y="1640471"/>
               <a:ext cx="63202" cy="63202"/>
             </a:xfrm>
             <a:custGeom>
@@ -14352,7 +14352,7 @@
           </p:nvSpPr>
           <p:spPr>
             <a:xfrm>
-              <a:off x="4529954" y="1708972"/>
+              <a:off x="4822125" y="1708906"/>
               <a:ext cx="63202" cy="63202"/>
             </a:xfrm>
             <a:custGeom>
@@ -14395,7 +14395,7 @@
           </p:nvSpPr>
           <p:spPr>
             <a:xfrm>
-              <a:off x="4814632" y="1716940"/>
+              <a:off x="5090373" y="1717262"/>
               <a:ext cx="63202" cy="63202"/>
             </a:xfrm>
             <a:custGeom>
@@ -14438,7 +14438,7 @@
           </p:nvSpPr>
           <p:spPr>
             <a:xfrm>
-              <a:off x="5003858" y="1665595"/>
+              <a:off x="4852709" y="1665898"/>
               <a:ext cx="63202" cy="63202"/>
             </a:xfrm>
             <a:custGeom>
@@ -14481,7 +14481,7 @@
           </p:nvSpPr>
           <p:spPr>
             <a:xfrm>
-              <a:off x="4693472" y="1649446"/>
+              <a:off x="4738126" y="1649667"/>
               <a:ext cx="63202" cy="63202"/>
             </a:xfrm>
             <a:custGeom>
@@ -14524,7 +14524,7 @@
           </p:nvSpPr>
           <p:spPr>
             <a:xfrm>
-              <a:off x="4905979" y="1648005"/>
+              <a:off x="4956667" y="1648072"/>
               <a:ext cx="63202" cy="63202"/>
             </a:xfrm>
             <a:custGeom>
@@ -14567,7 +14567,7 @@
           </p:nvSpPr>
           <p:spPr>
             <a:xfrm>
-              <a:off x="4630926" y="1759030"/>
+              <a:off x="4556040" y="1759112"/>
               <a:ext cx="63202" cy="63202"/>
             </a:xfrm>
             <a:custGeom>
@@ -14610,7 +14610,7 @@
           </p:nvSpPr>
           <p:spPr>
             <a:xfrm>
-              <a:off x="4942911" y="1788788"/>
+              <a:off x="4472770" y="1788953"/>
               <a:ext cx="63202" cy="63202"/>
             </a:xfrm>
             <a:custGeom>
@@ -14653,7 +14653,7 @@
           </p:nvSpPr>
           <p:spPr>
             <a:xfrm>
-              <a:off x="4794797" y="1663393"/>
+              <a:off x="5129661" y="1663701"/>
               <a:ext cx="63202" cy="63202"/>
             </a:xfrm>
             <a:custGeom>
@@ -14696,7 +14696,7 @@
           </p:nvSpPr>
           <p:spPr>
             <a:xfrm>
-              <a:off x="4910765" y="1653856"/>
+              <a:off x="4818042" y="1654065"/>
               <a:ext cx="63202" cy="63202"/>
             </a:xfrm>
             <a:custGeom>
@@ -14739,7 +14739,7 @@
           </p:nvSpPr>
           <p:spPr>
             <a:xfrm>
-              <a:off x="4997008" y="1710956"/>
+              <a:off x="5129079" y="1711201"/>
               <a:ext cx="63202" cy="63202"/>
             </a:xfrm>
             <a:custGeom>
@@ -14782,7 +14782,7 @@
           </p:nvSpPr>
           <p:spPr>
             <a:xfrm>
-              <a:off x="4879059" y="1640119"/>
+              <a:off x="4784165" y="1640515"/>
               <a:ext cx="63202" cy="63202"/>
             </a:xfrm>
             <a:custGeom>
@@ -14825,7 +14825,7 @@
           </p:nvSpPr>
           <p:spPr>
             <a:xfrm>
-              <a:off x="4492905" y="1588562"/>
+              <a:off x="4828174" y="1588799"/>
               <a:ext cx="63202" cy="63202"/>
             </a:xfrm>
             <a:custGeom>
@@ -14868,7 +14868,7 @@
           </p:nvSpPr>
           <p:spPr>
             <a:xfrm>
-              <a:off x="4605776" y="1689288"/>
+              <a:off x="4966212" y="1689567"/>
               <a:ext cx="63202" cy="63202"/>
             </a:xfrm>
             <a:custGeom>
@@ -14911,7 +14911,7 @@
           </p:nvSpPr>
           <p:spPr>
             <a:xfrm>
-              <a:off x="4888549" y="1758916"/>
+              <a:off x="4635300" y="1759069"/>
               <a:ext cx="63202" cy="63202"/>
             </a:xfrm>
             <a:custGeom>
@@ -14954,7 +14954,7 @@
           </p:nvSpPr>
           <p:spPr>
             <a:xfrm>
-              <a:off x="4602576" y="1610513"/>
+              <a:off x="4654113" y="1610544"/>
               <a:ext cx="63202" cy="63202"/>
             </a:xfrm>
             <a:custGeom>
@@ -14997,7 +14997,7 @@
           </p:nvSpPr>
           <p:spPr>
             <a:xfrm>
-              <a:off x="4784755" y="2117801"/>
+              <a:off x="4637868" y="2117702"/>
               <a:ext cx="63202" cy="63202"/>
             </a:xfrm>
             <a:custGeom>
@@ -15040,7 +15040,7 @@
           </p:nvSpPr>
           <p:spPr>
             <a:xfrm>
-              <a:off x="5057383" y="1722407"/>
+              <a:off x="5117941" y="1722780"/>
               <a:ext cx="63202" cy="63202"/>
             </a:xfrm>
             <a:custGeom>
@@ -15083,7 +15083,7 @@
           </p:nvSpPr>
           <p:spPr>
             <a:xfrm>
-              <a:off x="4560258" y="1659702"/>
+              <a:off x="5092655" y="1659954"/>
               <a:ext cx="63202" cy="63202"/>
             </a:xfrm>
             <a:custGeom>
@@ -15126,7 +15126,7 @@
           </p:nvSpPr>
           <p:spPr>
             <a:xfrm>
-              <a:off x="5112827" y="1590940"/>
+              <a:off x="4899646" y="1591071"/>
               <a:ext cx="63202" cy="63202"/>
             </a:xfrm>
             <a:custGeom>
@@ -15169,7 +15169,7 @@
           </p:nvSpPr>
           <p:spPr>
             <a:xfrm>
-              <a:off x="4581522" y="1594569"/>
+              <a:off x="4640389" y="1594716"/>
               <a:ext cx="63202" cy="63202"/>
             </a:xfrm>
             <a:custGeom>
@@ -15212,7 +15212,7 @@
           </p:nvSpPr>
           <p:spPr>
             <a:xfrm>
-              <a:off x="4793353" y="1683472"/>
+              <a:off x="4928044" y="1683671"/>
               <a:ext cx="63202" cy="63202"/>
             </a:xfrm>
             <a:custGeom>
@@ -15255,7 +15255,7 @@
           </p:nvSpPr>
           <p:spPr>
             <a:xfrm>
-              <a:off x="4966215" y="1637167"/>
+              <a:off x="4968443" y="1637383"/>
               <a:ext cx="63202" cy="63202"/>
             </a:xfrm>
             <a:custGeom>
@@ -15298,7 +15298,7 @@
           </p:nvSpPr>
           <p:spPr>
             <a:xfrm>
-              <a:off x="4678256" y="1915998"/>
+              <a:off x="4731370" y="1916036"/>
               <a:ext cx="63202" cy="63202"/>
             </a:xfrm>
             <a:custGeom>
@@ -15341,7 +15341,7 @@
           </p:nvSpPr>
           <p:spPr>
             <a:xfrm>
-              <a:off x="4702663" y="1645122"/>
+              <a:off x="5088287" y="1645286"/>
               <a:ext cx="63202" cy="63202"/>
             </a:xfrm>
             <a:custGeom>
@@ -15384,7 +15384,7 @@
           </p:nvSpPr>
           <p:spPr>
             <a:xfrm>
-              <a:off x="4792421" y="1866166"/>
+              <a:off x="4920661" y="1866431"/>
               <a:ext cx="63202" cy="63202"/>
             </a:xfrm>
             <a:custGeom>
@@ -15427,7 +15427,7 @@
           </p:nvSpPr>
           <p:spPr>
             <a:xfrm>
-              <a:off x="6614452" y="2957740"/>
+              <a:off x="6198321" y="2957617"/>
               <a:ext cx="63202" cy="63202"/>
             </a:xfrm>
             <a:custGeom>
@@ -15470,7 +15470,7 @@
           </p:nvSpPr>
           <p:spPr>
             <a:xfrm>
-              <a:off x="4466984" y="1735782"/>
+              <a:off x="4697152" y="1736018"/>
               <a:ext cx="63202" cy="63202"/>
             </a:xfrm>
             <a:custGeom>
@@ -15513,7 +15513,7 @@
           </p:nvSpPr>
           <p:spPr>
             <a:xfrm>
-              <a:off x="4590953" y="1651448"/>
+              <a:off x="4556822" y="1651390"/>
               <a:ext cx="63202" cy="63202"/>
             </a:xfrm>
             <a:custGeom>
@@ -15556,7 +15556,7 @@
           </p:nvSpPr>
           <p:spPr>
             <a:xfrm>
-              <a:off x="4642618" y="1963700"/>
+              <a:off x="4471197" y="1963750"/>
               <a:ext cx="63202" cy="63202"/>
             </a:xfrm>
             <a:custGeom>
@@ -15599,7 +15599,7 @@
           </p:nvSpPr>
           <p:spPr>
             <a:xfrm>
-              <a:off x="4987724" y="1960605"/>
+              <a:off x="4747595" y="1960780"/>
               <a:ext cx="63202" cy="63202"/>
             </a:xfrm>
             <a:custGeom>
@@ -15642,7 +15642,7 @@
           </p:nvSpPr>
           <p:spPr>
             <a:xfrm>
-              <a:off x="5771137" y="2555397"/>
+              <a:off x="5644356" y="2555495"/>
               <a:ext cx="63202" cy="63202"/>
             </a:xfrm>
             <a:custGeom>
@@ -15685,7 +15685,7 @@
           </p:nvSpPr>
           <p:spPr>
             <a:xfrm>
-              <a:off x="4844239" y="1653185"/>
+              <a:off x="4729368" y="1653480"/>
               <a:ext cx="63202" cy="63202"/>
             </a:xfrm>
             <a:custGeom>
@@ -15728,7 +15728,7 @@
           </p:nvSpPr>
           <p:spPr>
             <a:xfrm>
-              <a:off x="4876262" y="2180493"/>
+              <a:off x="4720038" y="2180451"/>
               <a:ext cx="63202" cy="63202"/>
             </a:xfrm>
             <a:custGeom>
@@ -15771,7 +15771,7 @@
           </p:nvSpPr>
           <p:spPr>
             <a:xfrm>
-              <a:off x="4440444" y="1650639"/>
+              <a:off x="4706819" y="1650745"/>
               <a:ext cx="63202" cy="63202"/>
             </a:xfrm>
             <a:custGeom>
@@ -15814,7 +15814,7 @@
           </p:nvSpPr>
           <p:spPr>
             <a:xfrm>
-              <a:off x="4882964" y="1697063"/>
+              <a:off x="4719209" y="1697143"/>
               <a:ext cx="63202" cy="63202"/>
             </a:xfrm>
             <a:custGeom>
@@ -15857,7 +15857,7 @@
           </p:nvSpPr>
           <p:spPr>
             <a:xfrm>
-              <a:off x="4651413" y="1667398"/>
+              <a:off x="4886887" y="1667654"/>
               <a:ext cx="63202" cy="63202"/>
             </a:xfrm>
             <a:custGeom>
@@ -15900,7 +15900,7 @@
           </p:nvSpPr>
           <p:spPr>
             <a:xfrm>
-              <a:off x="4803075" y="1784805"/>
+              <a:off x="4877126" y="1784887"/>
               <a:ext cx="63202" cy="63202"/>
             </a:xfrm>
             <a:custGeom>
@@ -15943,7 +15943,7 @@
           </p:nvSpPr>
           <p:spPr>
             <a:xfrm>
-              <a:off x="4450486" y="1647855"/>
+              <a:off x="4833753" y="1648291"/>
               <a:ext cx="63202" cy="63202"/>
             </a:xfrm>
             <a:custGeom>
@@ -15986,7 +15986,7 @@
           </p:nvSpPr>
           <p:spPr>
             <a:xfrm>
-              <a:off x="5102655" y="1593709"/>
+              <a:off x="5055461" y="1593997"/>
               <a:ext cx="63202" cy="63202"/>
             </a:xfrm>
             <a:custGeom>
@@ -16029,7 +16029,7 @@
           </p:nvSpPr>
           <p:spPr>
             <a:xfrm>
-              <a:off x="4566786" y="1739569"/>
+              <a:off x="5092928" y="1739462"/>
               <a:ext cx="63202" cy="63202"/>
             </a:xfrm>
             <a:custGeom>
@@ -16072,7 +16072,7 @@
           </p:nvSpPr>
           <p:spPr>
             <a:xfrm>
-              <a:off x="4992199" y="1734232"/>
+              <a:off x="4487874" y="1734467"/>
               <a:ext cx="63202" cy="63202"/>
             </a:xfrm>
             <a:custGeom>
@@ -16171,7 +16171,7 @@
           </p:nvSpPr>
           <p:spPr>
             <a:xfrm>
-              <a:off x="4284320" y="4732112"/>
+              <a:off x="4284320" y="4732028"/>
               <a:ext cx="2817450" cy="0"/>
             </a:xfrm>
             <a:custGeom>
@@ -16214,7 +16214,7 @@
           </p:nvSpPr>
           <p:spPr>
             <a:xfrm>
-              <a:off x="4284320" y="4363390"/>
+              <a:off x="4284320" y="4363396"/>
               <a:ext cx="2817450" cy="0"/>
             </a:xfrm>
             <a:custGeom>
@@ -16257,7 +16257,7 @@
           </p:nvSpPr>
           <p:spPr>
             <a:xfrm>
-              <a:off x="4284320" y="3994668"/>
+              <a:off x="4284320" y="3994764"/>
               <a:ext cx="2817450" cy="0"/>
             </a:xfrm>
             <a:custGeom>
@@ -16300,7 +16300,7 @@
           </p:nvSpPr>
           <p:spPr>
             <a:xfrm>
-              <a:off x="4284320" y="3625945"/>
+              <a:off x="4284320" y="3626133"/>
               <a:ext cx="2817450" cy="0"/>
             </a:xfrm>
             <a:custGeom>
@@ -16343,7 +16343,7 @@
           </p:nvSpPr>
           <p:spPr>
             <a:xfrm>
-              <a:off x="4284320" y="4916473"/>
+              <a:off x="4284320" y="4916343"/>
               <a:ext cx="2817450" cy="0"/>
             </a:xfrm>
             <a:custGeom>
@@ -16386,7 +16386,7 @@
           </p:nvSpPr>
           <p:spPr>
             <a:xfrm>
-              <a:off x="4284320" y="4547751"/>
+              <a:off x="4284320" y="4547712"/>
               <a:ext cx="2817450" cy="0"/>
             </a:xfrm>
             <a:custGeom>
@@ -16429,7 +16429,7 @@
           </p:nvSpPr>
           <p:spPr>
             <a:xfrm>
-              <a:off x="4284320" y="4179029"/>
+              <a:off x="4284320" y="4179080"/>
               <a:ext cx="2817450" cy="0"/>
             </a:xfrm>
             <a:custGeom>
@@ -16472,7 +16472,7 @@
           </p:nvSpPr>
           <p:spPr>
             <a:xfrm>
-              <a:off x="4284320" y="3810307"/>
+              <a:off x="4284320" y="3810449"/>
               <a:ext cx="2817450" cy="0"/>
             </a:xfrm>
             <a:custGeom>
@@ -16515,7 +16515,7 @@
           </p:nvSpPr>
           <p:spPr>
             <a:xfrm>
-              <a:off x="4284320" y="3441584"/>
+              <a:off x="4284320" y="3441817"/>
               <a:ext cx="2817450" cy="0"/>
             </a:xfrm>
             <a:custGeom>
@@ -16687,7 +16687,7 @@
           </p:nvSpPr>
           <p:spPr>
             <a:xfrm>
-              <a:off x="5482386" y="4160713"/>
+              <a:off x="5626823" y="4160833"/>
               <a:ext cx="63202" cy="63202"/>
             </a:xfrm>
             <a:custGeom>
@@ -16730,7 +16730,7 @@
           </p:nvSpPr>
           <p:spPr>
             <a:xfrm>
-              <a:off x="4619934" y="3691736"/>
+              <a:off x="4772557" y="3691731"/>
               <a:ext cx="63202" cy="63202"/>
             </a:xfrm>
             <a:custGeom>
@@ -16773,7 +16773,7 @@
           </p:nvSpPr>
           <p:spPr>
             <a:xfrm>
-              <a:off x="6261884" y="3947712"/>
+              <a:off x="6673323" y="3947658"/>
               <a:ext cx="63202" cy="63202"/>
             </a:xfrm>
             <a:custGeom>
@@ -16816,7 +16816,7 @@
           </p:nvSpPr>
           <p:spPr>
             <a:xfrm>
-              <a:off x="6302995" y="4838878"/>
+              <a:off x="6271486" y="4838639"/>
               <a:ext cx="63202" cy="63202"/>
             </a:xfrm>
             <a:custGeom>
@@ -16859,7 +16859,7 @@
           </p:nvSpPr>
           <p:spPr>
             <a:xfrm>
-              <a:off x="6339997" y="4870960"/>
+              <a:off x="6511771" y="4870863"/>
               <a:ext cx="63202" cy="63202"/>
             </a:xfrm>
             <a:custGeom>
@@ -16958,7 +16958,7 @@
           </p:nvSpPr>
           <p:spPr>
             <a:xfrm>
-              <a:off x="4284320" y="6657445"/>
+              <a:off x="4284320" y="6657360"/>
               <a:ext cx="2817450" cy="0"/>
             </a:xfrm>
             <a:custGeom>
@@ -17001,7 +17001,7 @@
           </p:nvSpPr>
           <p:spPr>
             <a:xfrm>
-              <a:off x="4284320" y="6288722"/>
+              <a:off x="4284320" y="6288729"/>
               <a:ext cx="2817450" cy="0"/>
             </a:xfrm>
             <a:custGeom>
@@ -17044,7 +17044,7 @@
           </p:nvSpPr>
           <p:spPr>
             <a:xfrm>
-              <a:off x="4284320" y="5920000"/>
+              <a:off x="4284320" y="5920097"/>
               <a:ext cx="2817450" cy="0"/>
             </a:xfrm>
             <a:custGeom>
@@ -17087,7 +17087,7 @@
           </p:nvSpPr>
           <p:spPr>
             <a:xfrm>
-              <a:off x="4284320" y="5551278"/>
+              <a:off x="4284320" y="5551465"/>
               <a:ext cx="2817450" cy="0"/>
             </a:xfrm>
             <a:custGeom>
@@ -17130,7 +17130,7 @@
           </p:nvSpPr>
           <p:spPr>
             <a:xfrm>
-              <a:off x="4284320" y="6841806"/>
+              <a:off x="4284320" y="6841676"/>
               <a:ext cx="2817450" cy="0"/>
             </a:xfrm>
             <a:custGeom>
@@ -17173,7 +17173,7 @@
           </p:nvSpPr>
           <p:spPr>
             <a:xfrm>
-              <a:off x="4284320" y="6473084"/>
+              <a:off x="4284320" y="6473044"/>
               <a:ext cx="2817450" cy="0"/>
             </a:xfrm>
             <a:custGeom>
@@ -17216,7 +17216,7 @@
           </p:nvSpPr>
           <p:spPr>
             <a:xfrm>
-              <a:off x="4284320" y="6104361"/>
+              <a:off x="4284320" y="6104413"/>
               <a:ext cx="2817450" cy="0"/>
             </a:xfrm>
             <a:custGeom>
@@ -17259,7 +17259,7 @@
           </p:nvSpPr>
           <p:spPr>
             <a:xfrm>
-              <a:off x="4284320" y="5735639"/>
+              <a:off x="4284320" y="5735781"/>
               <a:ext cx="2817450" cy="0"/>
             </a:xfrm>
             <a:custGeom>
@@ -17302,7 +17302,7 @@
           </p:nvSpPr>
           <p:spPr>
             <a:xfrm>
-              <a:off x="4284320" y="5366917"/>
+              <a:off x="4284320" y="5367150"/>
               <a:ext cx="2817450" cy="0"/>
             </a:xfrm>
             <a:custGeom>
@@ -17474,7 +17474,7 @@
           </p:nvSpPr>
           <p:spPr>
             <a:xfrm>
-              <a:off x="4599945" y="5399454"/>
+              <a:off x="5076721" y="5399685"/>
               <a:ext cx="63202" cy="63202"/>
             </a:xfrm>
             <a:custGeom>
@@ -17517,7 +17517,7 @@
           </p:nvSpPr>
           <p:spPr>
             <a:xfrm>
-              <a:off x="4806540" y="5333523"/>
+              <a:off x="4768303" y="5333807"/>
               <a:ext cx="63202" cy="63202"/>
             </a:xfrm>
             <a:custGeom>
@@ -17560,7 +17560,7 @@
           </p:nvSpPr>
           <p:spPr>
             <a:xfrm>
-              <a:off x="4970459" y="5353393"/>
+              <a:off x="4601260" y="5353573"/>
               <a:ext cx="63202" cy="63202"/>
             </a:xfrm>
             <a:custGeom>
@@ -17603,7 +17603,7 @@
           </p:nvSpPr>
           <p:spPr>
             <a:xfrm>
-              <a:off x="4880497" y="5356218"/>
+              <a:off x="4944858" y="5356519"/>
               <a:ext cx="63202" cy="63202"/>
             </a:xfrm>
             <a:custGeom>
@@ -17646,7 +17646,7 @@
           </p:nvSpPr>
           <p:spPr>
             <a:xfrm>
-              <a:off x="6833119" y="6802771"/>
+              <a:off x="6242269" y="6802578"/>
               <a:ext cx="63202" cy="63202"/>
             </a:xfrm>
             <a:custGeom>
@@ -17689,7 +17689,7 @@
           </p:nvSpPr>
           <p:spPr>
             <a:xfrm>
-              <a:off x="4938041" y="5385410"/>
+              <a:off x="4459912" y="5385608"/>
               <a:ext cx="63202" cy="63202"/>
             </a:xfrm>
             <a:custGeom>
@@ -17732,7 +17732,7 @@
           </p:nvSpPr>
           <p:spPr>
             <a:xfrm>
-              <a:off x="4490225" y="5339004"/>
+              <a:off x="4827489" y="5339354"/>
               <a:ext cx="63202" cy="63202"/>
             </a:xfrm>
             <a:custGeom>
@@ -17775,7 +17775,7 @@
           </p:nvSpPr>
           <p:spPr>
             <a:xfrm>
-              <a:off x="4442601" y="5395817"/>
+              <a:off x="5060734" y="5396033"/>
               <a:ext cx="63202" cy="63202"/>
             </a:xfrm>
             <a:custGeom>
@@ -17818,7 +17818,7 @@
           </p:nvSpPr>
           <p:spPr>
             <a:xfrm>
-              <a:off x="5047883" y="5359011"/>
+              <a:off x="4475875" y="5359271"/>
               <a:ext cx="63202" cy="63202"/>
             </a:xfrm>
             <a:custGeom>
@@ -17861,7 +17861,7 @@
           </p:nvSpPr>
           <p:spPr>
             <a:xfrm>
-              <a:off x="5058354" y="5395661"/>
+              <a:off x="4859913" y="5395949"/>
               <a:ext cx="63202" cy="63202"/>
             </a:xfrm>
             <a:custGeom>
@@ -17904,7 +17904,7 @@
           </p:nvSpPr>
           <p:spPr>
             <a:xfrm>
-              <a:off x="4503535" y="5350720"/>
+              <a:off x="4714677" y="5351111"/>
               <a:ext cx="63202" cy="63202"/>
             </a:xfrm>
             <a:custGeom>
@@ -17947,7 +17947,7 @@
           </p:nvSpPr>
           <p:spPr>
             <a:xfrm>
-              <a:off x="5034547" y="5502112"/>
+              <a:off x="4687990" y="5502119"/>
               <a:ext cx="63202" cy="63202"/>
             </a:xfrm>
             <a:custGeom>
@@ -17990,7 +17990,7 @@
           </p:nvSpPr>
           <p:spPr>
             <a:xfrm>
-              <a:off x="4671434" y="5332803"/>
+              <a:off x="4622553" y="5332823"/>
               <a:ext cx="63202" cy="63202"/>
             </a:xfrm>
             <a:custGeom>
@@ -18033,7 +18033,7 @@
           </p:nvSpPr>
           <p:spPr>
             <a:xfrm>
-              <a:off x="4749055" y="5349935"/>
+              <a:off x="4551286" y="5350362"/>
               <a:ext cx="63202" cy="63202"/>
             </a:xfrm>
             <a:custGeom>
@@ -18076,7 +18076,7 @@
           </p:nvSpPr>
           <p:spPr>
             <a:xfrm>
-              <a:off x="4623837" y="5350151"/>
+              <a:off x="4662995" y="5350371"/>
               <a:ext cx="63202" cy="63202"/>
             </a:xfrm>
             <a:custGeom>
@@ -18119,7 +18119,7 @@
           </p:nvSpPr>
           <p:spPr>
             <a:xfrm>
-              <a:off x="4818537" y="5328302"/>
+              <a:off x="4489189" y="5328440"/>
               <a:ext cx="63202" cy="63202"/>
             </a:xfrm>
             <a:custGeom>
@@ -18162,7 +18162,7 @@
           </p:nvSpPr>
           <p:spPr>
             <a:xfrm>
-              <a:off x="4769330" y="5351283"/>
+              <a:off x="4682371" y="5351297"/>
               <a:ext cx="63202" cy="63202"/>
             </a:xfrm>
             <a:custGeom>
@@ -18205,7 +18205,7 @@
           </p:nvSpPr>
           <p:spPr>
             <a:xfrm>
-              <a:off x="4521120" y="5322914"/>
+              <a:off x="5125841" y="5322879"/>
               <a:ext cx="63202" cy="63202"/>
             </a:xfrm>
             <a:custGeom>
@@ -18248,7 +18248,7 @@
           </p:nvSpPr>
           <p:spPr>
             <a:xfrm>
-              <a:off x="4881680" y="5385550"/>
+              <a:off x="4932110" y="5385774"/>
               <a:ext cx="63202" cy="63202"/>
             </a:xfrm>
             <a:custGeom>
@@ -18291,7 +18291,7 @@
           </p:nvSpPr>
           <p:spPr>
             <a:xfrm>
-              <a:off x="4871488" y="5322114"/>
+              <a:off x="4544723" y="5322205"/>
               <a:ext cx="63202" cy="63202"/>
             </a:xfrm>
             <a:custGeom>
@@ -18334,7 +18334,7 @@
           </p:nvSpPr>
           <p:spPr>
             <a:xfrm>
-              <a:off x="4545448" y="5376110"/>
+              <a:off x="4922351" y="5376323"/>
               <a:ext cx="63202" cy="63202"/>
             </a:xfrm>
             <a:custGeom>
@@ -18377,7 +18377,7 @@
           </p:nvSpPr>
           <p:spPr>
             <a:xfrm>
-              <a:off x="4447392" y="5370321"/>
+              <a:off x="4704933" y="5370422"/>
               <a:ext cx="63202" cy="63202"/>
             </a:xfrm>
             <a:custGeom>
@@ -18420,7 +18420,7 @@
           </p:nvSpPr>
           <p:spPr>
             <a:xfrm>
-              <a:off x="4865723" y="5394688"/>
+              <a:off x="5089741" y="5394914"/>
               <a:ext cx="63202" cy="63202"/>
             </a:xfrm>
             <a:custGeom>
@@ -18463,7 +18463,7 @@
           </p:nvSpPr>
           <p:spPr>
             <a:xfrm>
-              <a:off x="4785286" y="5381917"/>
+              <a:off x="4729823" y="5382027"/>
               <a:ext cx="63202" cy="63202"/>
             </a:xfrm>
             <a:custGeom>
@@ -18506,7 +18506,7 @@
           </p:nvSpPr>
           <p:spPr>
             <a:xfrm>
-              <a:off x="4829089" y="5340041"/>
+              <a:off x="5125905" y="5340202"/>
               <a:ext cx="63202" cy="63202"/>
             </a:xfrm>
             <a:custGeom>
@@ -18549,7 +18549,7 @@
           </p:nvSpPr>
           <p:spPr>
             <a:xfrm>
-              <a:off x="4761567" y="5385071"/>
+              <a:off x="5048328" y="5385458"/>
               <a:ext cx="63202" cy="63202"/>
             </a:xfrm>
             <a:custGeom>
@@ -18592,7 +18592,7 @@
           </p:nvSpPr>
           <p:spPr>
             <a:xfrm>
-              <a:off x="4996361" y="5405514"/>
+              <a:off x="4946737" y="5405627"/>
               <a:ext cx="63202" cy="63202"/>
             </a:xfrm>
             <a:custGeom>
@@ -18635,7 +18635,7 @@
           </p:nvSpPr>
           <p:spPr>
             <a:xfrm>
-              <a:off x="4531646" y="5415265"/>
+              <a:off x="4865856" y="5415559"/>
               <a:ext cx="63202" cy="63202"/>
             </a:xfrm>
             <a:custGeom>
@@ -18678,7 +18678,7 @@
           </p:nvSpPr>
           <p:spPr>
             <a:xfrm>
-              <a:off x="5079963" y="5406546"/>
+              <a:off x="4653843" y="5406715"/>
               <a:ext cx="63202" cy="63202"/>
             </a:xfrm>
             <a:custGeom>
@@ -18721,7 +18721,7 @@
           </p:nvSpPr>
           <p:spPr>
             <a:xfrm>
-              <a:off x="4921339" y="5335953"/>
+              <a:off x="4733492" y="5336220"/>
               <a:ext cx="63202" cy="63202"/>
             </a:xfrm>
             <a:custGeom>
@@ -18764,7 +18764,7 @@
           </p:nvSpPr>
           <p:spPr>
             <a:xfrm>
-              <a:off x="4695456" y="5359932"/>
+              <a:off x="4462259" y="5360309"/>
               <a:ext cx="63202" cy="63202"/>
             </a:xfrm>
             <a:custGeom>
@@ -18807,7 +18807,7 @@
           </p:nvSpPr>
           <p:spPr>
             <a:xfrm>
-              <a:off x="4560203" y="5375198"/>
+              <a:off x="4621617" y="5375270"/>
               <a:ext cx="63202" cy="63202"/>
             </a:xfrm>
             <a:custGeom>
@@ -18850,7 +18850,7 @@
           </p:nvSpPr>
           <p:spPr>
             <a:xfrm>
-              <a:off x="4547886" y="5342273"/>
+              <a:off x="4870630" y="5342588"/>
               <a:ext cx="63202" cy="63202"/>
             </a:xfrm>
             <a:custGeom>
@@ -18893,7 +18893,7 @@
           </p:nvSpPr>
           <p:spPr>
             <a:xfrm>
-              <a:off x="5116753" y="5339139"/>
+              <a:off x="4614376" y="5339366"/>
               <a:ext cx="63202" cy="63202"/>
             </a:xfrm>
             <a:custGeom>
@@ -18936,7 +18936,7 @@
           </p:nvSpPr>
           <p:spPr>
             <a:xfrm>
-              <a:off x="4968525" y="5397560"/>
+              <a:off x="4750495" y="5397865"/>
               <a:ext cx="63202" cy="63202"/>
             </a:xfrm>
             <a:custGeom>
@@ -18979,7 +18979,7 @@
           </p:nvSpPr>
           <p:spPr>
             <a:xfrm>
-              <a:off x="5121465" y="5385356"/>
+              <a:off x="4431331" y="5385788"/>
               <a:ext cx="63202" cy="63202"/>
             </a:xfrm>
             <a:custGeom>
@@ -19022,7 +19022,7 @@
           </p:nvSpPr>
           <p:spPr>
             <a:xfrm>
-              <a:off x="4595952" y="5343042"/>
+              <a:off x="4594237" y="5343267"/>
               <a:ext cx="63202" cy="63202"/>
             </a:xfrm>
             <a:custGeom>
@@ -19065,7 +19065,7 @@
           </p:nvSpPr>
           <p:spPr>
             <a:xfrm>
-              <a:off x="4465639" y="5328356"/>
+              <a:off x="4896301" y="5328592"/>
               <a:ext cx="63202" cy="63202"/>
             </a:xfrm>
             <a:custGeom>
@@ -19108,7 +19108,7 @@
           </p:nvSpPr>
           <p:spPr>
             <a:xfrm>
-              <a:off x="4645332" y="5385423"/>
+              <a:off x="5040603" y="5385705"/>
               <a:ext cx="63202" cy="63202"/>
             </a:xfrm>
             <a:custGeom>
@@ -19151,7 +19151,7 @@
           </p:nvSpPr>
           <p:spPr>
             <a:xfrm>
-              <a:off x="4782582" y="5380195"/>
+              <a:off x="4643460" y="5380474"/>
               <a:ext cx="63202" cy="63202"/>
             </a:xfrm>
             <a:custGeom>
@@ -19194,7 +19194,7 @@
           </p:nvSpPr>
           <p:spPr>
             <a:xfrm>
-              <a:off x="4899511" y="5341185"/>
+              <a:off x="4932555" y="5341564"/>
               <a:ext cx="63202" cy="63202"/>
             </a:xfrm>
             <a:custGeom>
@@ -19237,7 +19237,7 @@
           </p:nvSpPr>
           <p:spPr>
             <a:xfrm>
-              <a:off x="4541774" y="5346461"/>
+              <a:off x="4554676" y="5346705"/>
               <a:ext cx="63202" cy="63202"/>
             </a:xfrm>
             <a:custGeom>
@@ -19280,7 +19280,7 @@
           </p:nvSpPr>
           <p:spPr>
             <a:xfrm>
-              <a:off x="5604528" y="6413162"/>
+              <a:off x="5928119" y="6413138"/>
               <a:ext cx="63202" cy="63202"/>
             </a:xfrm>
             <a:custGeom>
@@ -19323,7 +19323,7 @@
           </p:nvSpPr>
           <p:spPr>
             <a:xfrm>
-              <a:off x="4926768" y="5361577"/>
+              <a:off x="4442806" y="5361604"/>
               <a:ext cx="63202" cy="63202"/>
             </a:xfrm>
             <a:custGeom>
@@ -19366,7 +19366,7 @@
           </p:nvSpPr>
           <p:spPr>
             <a:xfrm>
-              <a:off x="4918440" y="5390997"/>
+              <a:off x="4933493" y="5391263"/>
               <a:ext cx="63202" cy="63202"/>
             </a:xfrm>
             <a:custGeom>
@@ -19409,7 +19409,7 @@
           </p:nvSpPr>
           <p:spPr>
             <a:xfrm>
-              <a:off x="4845247" y="5343774"/>
+              <a:off x="4517950" y="5343995"/>
               <a:ext cx="63202" cy="63202"/>
             </a:xfrm>
             <a:custGeom>
@@ -19452,7 +19452,7 @@
           </p:nvSpPr>
           <p:spPr>
             <a:xfrm>
-              <a:off x="4437517" y="5432948"/>
+              <a:off x="4986053" y="5433350"/>
               <a:ext cx="63202" cy="63202"/>
             </a:xfrm>
             <a:custGeom>
@@ -19495,7 +19495,7 @@
           </p:nvSpPr>
           <p:spPr>
             <a:xfrm>
-              <a:off x="4764235" y="5348445"/>
+              <a:off x="4603483" y="5348672"/>
               <a:ext cx="63202" cy="63202"/>
             </a:xfrm>
             <a:custGeom>
@@ -19538,7 +19538,7 @@
           </p:nvSpPr>
           <p:spPr>
             <a:xfrm>
-              <a:off x="4791009" y="5371191"/>
+              <a:off x="4764452" y="5371342"/>
               <a:ext cx="63202" cy="63202"/>
             </a:xfrm>
             <a:custGeom>
@@ -19581,7 +19581,7 @@
           </p:nvSpPr>
           <p:spPr>
             <a:xfrm>
-              <a:off x="4744132" y="5341638"/>
+              <a:off x="4755847" y="5341858"/>
               <a:ext cx="63202" cy="63202"/>
             </a:xfrm>
             <a:custGeom>
@@ -19624,7 +19624,7 @@
           </p:nvSpPr>
           <p:spPr>
             <a:xfrm>
-              <a:off x="4748772" y="5336145"/>
+              <a:off x="4780646" y="5336260"/>
               <a:ext cx="63202" cy="63202"/>
             </a:xfrm>
             <a:custGeom>
@@ -19667,7 +19667,7 @@
           </p:nvSpPr>
           <p:spPr>
             <a:xfrm>
-              <a:off x="5110969" y="5371397"/>
+              <a:off x="4919072" y="5371603"/>
               <a:ext cx="63202" cy="63202"/>
             </a:xfrm>
             <a:custGeom>
@@ -19710,7 +19710,7 @@
           </p:nvSpPr>
           <p:spPr>
             <a:xfrm>
-              <a:off x="4558318" y="5359757"/>
+              <a:off x="4803732" y="5359782"/>
               <a:ext cx="63202" cy="63202"/>
             </a:xfrm>
             <a:custGeom>
@@ -19753,7 +19753,7 @@
           </p:nvSpPr>
           <p:spPr>
             <a:xfrm>
-              <a:off x="5047166" y="5383278"/>
+              <a:off x="4750149" y="5383525"/>
               <a:ext cx="63202" cy="63202"/>
             </a:xfrm>
             <a:custGeom>
@@ -19796,7 +19796,7 @@
           </p:nvSpPr>
           <p:spPr>
             <a:xfrm>
-              <a:off x="5058945" y="5367169"/>
+              <a:off x="4664062" y="5367276"/>
               <a:ext cx="63202" cy="63202"/>
             </a:xfrm>
             <a:custGeom>
@@ -19839,7 +19839,7 @@
           </p:nvSpPr>
           <p:spPr>
             <a:xfrm>
-              <a:off x="4680857" y="5341808"/>
+              <a:off x="4580771" y="5342230"/>
               <a:ext cx="63202" cy="63202"/>
             </a:xfrm>
             <a:custGeom>
@@ -19882,7 +19882,7 @@
           </p:nvSpPr>
           <p:spPr>
             <a:xfrm>
-              <a:off x="4678645" y="5335790"/>
+              <a:off x="5127622" y="5336001"/>
               <a:ext cx="63202" cy="63202"/>
             </a:xfrm>
             <a:custGeom>
@@ -19925,7 +19925,7 @@
           </p:nvSpPr>
           <p:spPr>
             <a:xfrm>
-              <a:off x="4996642" y="5337282"/>
+              <a:off x="4987136" y="5337342"/>
               <a:ext cx="63202" cy="63202"/>
             </a:xfrm>
             <a:custGeom>
@@ -19968,7 +19968,7 @@
           </p:nvSpPr>
           <p:spPr>
             <a:xfrm>
-              <a:off x="4563680" y="5351116"/>
+              <a:off x="5017801" y="5351315"/>
               <a:ext cx="63202" cy="63202"/>
             </a:xfrm>
             <a:custGeom>
@@ -20011,7 +20011,7 @@
           </p:nvSpPr>
           <p:spPr>
             <a:xfrm>
-              <a:off x="4541756" y="5329269"/>
+              <a:off x="4583165" y="5329600"/>
               <a:ext cx="63202" cy="63202"/>
             </a:xfrm>
             <a:custGeom>
@@ -20054,7 +20054,7 @@
           </p:nvSpPr>
           <p:spPr>
             <a:xfrm>
-              <a:off x="4451311" y="5357465"/>
+              <a:off x="4508579" y="5357697"/>
               <a:ext cx="63202" cy="63202"/>
             </a:xfrm>
             <a:custGeom>
@@ -20097,7 +20097,7 @@
           </p:nvSpPr>
           <p:spPr>
             <a:xfrm>
-              <a:off x="5056084" y="5344278"/>
+              <a:off x="4633201" y="5344508"/>
               <a:ext cx="63202" cy="63202"/>
             </a:xfrm>
             <a:custGeom>
@@ -20140,7 +20140,7 @@
           </p:nvSpPr>
           <p:spPr>
             <a:xfrm>
-              <a:off x="6887835" y="6795410"/>
+              <a:off x="6524376" y="6795272"/>
               <a:ext cx="63202" cy="63202"/>
             </a:xfrm>
             <a:custGeom>
@@ -20183,7 +20183,7 @@
           </p:nvSpPr>
           <p:spPr>
             <a:xfrm>
-              <a:off x="4583128" y="5338865"/>
+              <a:off x="4432623" y="5339290"/>
               <a:ext cx="63202" cy="63202"/>
             </a:xfrm>
             <a:custGeom>
@@ -20226,7 +20226,7 @@
           </p:nvSpPr>
           <p:spPr>
             <a:xfrm>
-              <a:off x="5040027" y="5383660"/>
+              <a:off x="4434589" y="5383817"/>
               <a:ext cx="63202" cy="63202"/>
             </a:xfrm>
             <a:custGeom>
@@ -20269,7 +20269,7 @@
           </p:nvSpPr>
           <p:spPr>
             <a:xfrm>
-              <a:off x="4464661" y="5370780"/>
+              <a:off x="4807297" y="5370914"/>
               <a:ext cx="63202" cy="63202"/>
             </a:xfrm>
             <a:custGeom>
@@ -20312,7 +20312,7 @@
           </p:nvSpPr>
           <p:spPr>
             <a:xfrm>
-              <a:off x="4708986" y="5334650"/>
+              <a:off x="4823720" y="5334869"/>
               <a:ext cx="63202" cy="63202"/>
             </a:xfrm>
             <a:custGeom>
@@ -20355,7 +20355,7 @@
           </p:nvSpPr>
           <p:spPr>
             <a:xfrm>
-              <a:off x="4974853" y="5584335"/>
+              <a:off x="5048367" y="5584420"/>
               <a:ext cx="63202" cy="63202"/>
             </a:xfrm>
             <a:custGeom>
@@ -20398,7 +20398,7 @@
           </p:nvSpPr>
           <p:spPr>
             <a:xfrm>
-              <a:off x="5665518" y="6224371"/>
+              <a:off x="5868284" y="6224228"/>
               <a:ext cx="63202" cy="63202"/>
             </a:xfrm>
             <a:custGeom>
@@ -20441,7 +20441,7 @@
           </p:nvSpPr>
           <p:spPr>
             <a:xfrm>
-              <a:off x="4490124" y="5385940"/>
+              <a:off x="4815128" y="5386113"/>
               <a:ext cx="63202" cy="63202"/>
             </a:xfrm>
             <a:custGeom>
@@ -20484,7 +20484,7 @@
           </p:nvSpPr>
           <p:spPr>
             <a:xfrm>
-              <a:off x="4589954" y="5377101"/>
+              <a:off x="4987880" y="5377147"/>
               <a:ext cx="63202" cy="63202"/>
             </a:xfrm>
             <a:custGeom>
@@ -20527,7 +20527,7 @@
           </p:nvSpPr>
           <p:spPr>
             <a:xfrm>
-              <a:off x="4701018" y="5328423"/>
+              <a:off x="5013392" y="5328446"/>
               <a:ext cx="63202" cy="63202"/>
             </a:xfrm>
             <a:custGeom>
@@ -20570,7 +20570,7 @@
           </p:nvSpPr>
           <p:spPr>
             <a:xfrm>
-              <a:off x="4996029" y="5520100"/>
+              <a:off x="4655033" y="5520119"/>
               <a:ext cx="63202" cy="63202"/>
             </a:xfrm>
             <a:custGeom>
@@ -20613,7 +20613,7 @@
           </p:nvSpPr>
           <p:spPr>
             <a:xfrm>
-              <a:off x="4969412" y="5323542"/>
+              <a:off x="4902714" y="5323725"/>
               <a:ext cx="63202" cy="63202"/>
             </a:xfrm>
             <a:custGeom>
@@ -20656,7 +20656,7 @@
           </p:nvSpPr>
           <p:spPr>
             <a:xfrm>
-              <a:off x="4894827" y="5375105"/>
+              <a:off x="4723723" y="5375277"/>
               <a:ext cx="63202" cy="63202"/>
             </a:xfrm>
             <a:custGeom>
@@ -20699,7 +20699,7 @@
           </p:nvSpPr>
           <p:spPr>
             <a:xfrm>
-              <a:off x="4684270" y="5432964"/>
+              <a:off x="5069478" y="5433259"/>
               <a:ext cx="63202" cy="63202"/>
             </a:xfrm>
             <a:custGeom>
@@ -20742,7 +20742,7 @@
           </p:nvSpPr>
           <p:spPr>
             <a:xfrm>
-              <a:off x="5025349" y="5729092"/>
+              <a:off x="4940877" y="5729295"/>
               <a:ext cx="63202" cy="63202"/>
             </a:xfrm>
             <a:custGeom>
@@ -20785,7 +20785,7 @@
           </p:nvSpPr>
           <p:spPr>
             <a:xfrm>
-              <a:off x="4544998" y="5357312"/>
+              <a:off x="5005691" y="5357735"/>
               <a:ext cx="63202" cy="63202"/>
             </a:xfrm>
             <a:custGeom>
@@ -20828,7 +20828,7 @@
           </p:nvSpPr>
           <p:spPr>
             <a:xfrm>
-              <a:off x="5112833" y="5338888"/>
+              <a:off x="4476910" y="5339179"/>
               <a:ext cx="63202" cy="63202"/>
             </a:xfrm>
             <a:custGeom>
@@ -20871,7 +20871,7 @@
           </p:nvSpPr>
           <p:spPr>
             <a:xfrm>
-              <a:off x="4464420" y="5405028"/>
+              <a:off x="5114897" y="5405303"/>
               <a:ext cx="63202" cy="63202"/>
             </a:xfrm>
             <a:custGeom>
@@ -20914,7 +20914,7 @@
           </p:nvSpPr>
           <p:spPr>
             <a:xfrm>
-              <a:off x="4721675" y="5727782"/>
+              <a:off x="4634707" y="5727666"/>
               <a:ext cx="63202" cy="63202"/>
             </a:xfrm>
             <a:custGeom>
@@ -20957,7 +20957,7 @@
           </p:nvSpPr>
           <p:spPr>
             <a:xfrm>
-              <a:off x="4987179" y="5678110"/>
+              <a:off x="4939776" y="5678270"/>
               <a:ext cx="63202" cy="63202"/>
             </a:xfrm>
             <a:custGeom>
@@ -21000,7 +21000,7 @@
           </p:nvSpPr>
           <p:spPr>
             <a:xfrm>
-              <a:off x="5002980" y="5960074"/>
+              <a:off x="4559020" y="5960015"/>
               <a:ext cx="63202" cy="63202"/>
             </a:xfrm>
             <a:custGeom>
@@ -21043,7 +21043,7 @@
           </p:nvSpPr>
           <p:spPr>
             <a:xfrm>
-              <a:off x="4690296" y="5388463"/>
+              <a:off x="4922941" y="5388665"/>
               <a:ext cx="63202" cy="63202"/>
             </a:xfrm>
             <a:custGeom>
@@ -21086,7 +21086,7 @@
           </p:nvSpPr>
           <p:spPr>
             <a:xfrm>
-              <a:off x="5762517" y="6485087"/>
+              <a:off x="5712050" y="6485012"/>
               <a:ext cx="63202" cy="63202"/>
             </a:xfrm>
             <a:custGeom>
@@ -21129,7 +21129,7 @@
           </p:nvSpPr>
           <p:spPr>
             <a:xfrm>
-              <a:off x="4702368" y="5356457"/>
+              <a:off x="4899285" y="5356530"/>
               <a:ext cx="63202" cy="63202"/>
             </a:xfrm>
             <a:custGeom>
@@ -21172,7 +21172,7 @@
           </p:nvSpPr>
           <p:spPr>
             <a:xfrm>
-              <a:off x="4489998" y="5361878"/>
+              <a:off x="5066467" y="5362046"/>
               <a:ext cx="63202" cy="63202"/>
             </a:xfrm>
             <a:custGeom>
@@ -21215,7 +21215,7 @@
           </p:nvSpPr>
           <p:spPr>
             <a:xfrm>
-              <a:off x="4791436" y="5351397"/>
+              <a:off x="4730687" y="5351784"/>
               <a:ext cx="63202" cy="63202"/>
             </a:xfrm>
             <a:custGeom>
@@ -21258,7 +21258,7 @@
           </p:nvSpPr>
           <p:spPr>
             <a:xfrm>
-              <a:off x="4623182" y="6057183"/>
+              <a:off x="4887525" y="6057210"/>
               <a:ext cx="63202" cy="63202"/>
             </a:xfrm>
             <a:custGeom>
@@ -21301,7 +21301,7 @@
           </p:nvSpPr>
           <p:spPr>
             <a:xfrm>
-              <a:off x="4947701" y="5337641"/>
+              <a:off x="4829641" y="5337682"/>
               <a:ext cx="63202" cy="63202"/>
             </a:xfrm>
             <a:custGeom>
@@ -21344,7 +21344,7 @@
           </p:nvSpPr>
           <p:spPr>
             <a:xfrm>
-              <a:off x="4602713" y="5395930"/>
+              <a:off x="4685387" y="5396071"/>
               <a:ext cx="63202" cy="63202"/>
             </a:xfrm>
             <a:custGeom>
@@ -21387,7 +21387,7 @@
           </p:nvSpPr>
           <p:spPr>
             <a:xfrm>
-              <a:off x="4905713" y="5485246"/>
+              <a:off x="5097574" y="5485723"/>
               <a:ext cx="63202" cy="63202"/>
             </a:xfrm>
             <a:custGeom>
@@ -21430,7 +21430,7 @@
           </p:nvSpPr>
           <p:spPr>
             <a:xfrm>
-              <a:off x="4721277" y="5335375"/>
+              <a:off x="5029878" y="5335435"/>
               <a:ext cx="63202" cy="63202"/>
             </a:xfrm>
             <a:custGeom>
@@ -21473,7 +21473,7 @@
           </p:nvSpPr>
           <p:spPr>
             <a:xfrm>
-              <a:off x="4868022" y="5358616"/>
+              <a:off x="4656488" y="5358688"/>
               <a:ext cx="63202" cy="63202"/>
             </a:xfrm>
             <a:custGeom>
@@ -21516,7 +21516,7 @@
           </p:nvSpPr>
           <p:spPr>
             <a:xfrm>
-              <a:off x="4624487" y="5342069"/>
+              <a:off x="4553237" y="5342047"/>
               <a:ext cx="63202" cy="63202"/>
             </a:xfrm>
             <a:custGeom>
@@ -21559,7 +21559,7 @@
           </p:nvSpPr>
           <p:spPr>
             <a:xfrm>
-              <a:off x="4833107" y="5366660"/>
+              <a:off x="4651515" y="5366785"/>
               <a:ext cx="63202" cy="63202"/>
             </a:xfrm>
             <a:custGeom>
@@ -21602,7 +21602,7 @@
           </p:nvSpPr>
           <p:spPr>
             <a:xfrm>
-              <a:off x="4637178" y="5341311"/>
+              <a:off x="4852088" y="5341496"/>
               <a:ext cx="63202" cy="63202"/>
             </a:xfrm>
             <a:custGeom>
@@ -21645,7 +21645,7 @@
           </p:nvSpPr>
           <p:spPr>
             <a:xfrm>
-              <a:off x="4998061" y="5678121"/>
+              <a:off x="5018551" y="5678433"/>
               <a:ext cx="63202" cy="63202"/>
             </a:xfrm>
             <a:custGeom>
@@ -21688,7 +21688,7 @@
           </p:nvSpPr>
           <p:spPr>
             <a:xfrm>
-              <a:off x="5041796" y="5349435"/>
+              <a:off x="4820893" y="5349442"/>
               <a:ext cx="63202" cy="63202"/>
             </a:xfrm>
             <a:custGeom>
@@ -21731,7 +21731,7 @@
           </p:nvSpPr>
           <p:spPr>
             <a:xfrm>
-              <a:off x="4714358" y="5400877"/>
+              <a:off x="4902225" y="5401048"/>
               <a:ext cx="63202" cy="63202"/>
             </a:xfrm>
             <a:custGeom>
@@ -21774,7 +21774,7 @@
           </p:nvSpPr>
           <p:spPr>
             <a:xfrm>
-              <a:off x="4494694" y="5349957"/>
+              <a:off x="4996271" y="5350226"/>
               <a:ext cx="63202" cy="63202"/>
             </a:xfrm>
             <a:custGeom>
@@ -21817,7 +21817,7 @@
           </p:nvSpPr>
           <p:spPr>
             <a:xfrm>
-              <a:off x="4715854" y="5816497"/>
+              <a:off x="4928271" y="5816506"/>
               <a:ext cx="63202" cy="63202"/>
             </a:xfrm>
             <a:custGeom>
@@ -21860,7 +21860,7 @@
           </p:nvSpPr>
           <p:spPr>
             <a:xfrm>
-              <a:off x="5035553" y="5332025"/>
+              <a:off x="4835905" y="5332088"/>
               <a:ext cx="63202" cy="63202"/>
             </a:xfrm>
             <a:custGeom>
@@ -21903,7 +21903,7 @@
           </p:nvSpPr>
           <p:spPr>
             <a:xfrm>
-              <a:off x="4463486" y="5384003"/>
+              <a:off x="4608607" y="5384189"/>
               <a:ext cx="63202" cy="63202"/>
             </a:xfrm>
             <a:custGeom>
@@ -21946,7 +21946,7 @@
           </p:nvSpPr>
           <p:spPr>
             <a:xfrm>
-              <a:off x="4585457" y="5332659"/>
+              <a:off x="4855461" y="5332950"/>
               <a:ext cx="63202" cy="63202"/>
             </a:xfrm>
             <a:custGeom>
@@ -21989,7 +21989,7 @@
           </p:nvSpPr>
           <p:spPr>
             <a:xfrm>
-              <a:off x="5445744" y="6221299"/>
+              <a:off x="5369727" y="6221409"/>
               <a:ext cx="63202" cy="63202"/>
             </a:xfrm>
             <a:custGeom>
@@ -22032,7 +22032,7 @@
           </p:nvSpPr>
           <p:spPr>
             <a:xfrm>
-              <a:off x="5572836" y="6103997"/>
+              <a:off x="5363286" y="6104211"/>
               <a:ext cx="63202" cy="63202"/>
             </a:xfrm>
             <a:custGeom>
@@ -22075,7 +22075,7 @@
           </p:nvSpPr>
           <p:spPr>
             <a:xfrm>
-              <a:off x="5058027" y="5379670"/>
+              <a:off x="4991252" y="5379851"/>
               <a:ext cx="63202" cy="63202"/>
             </a:xfrm>
             <a:custGeom>
@@ -22118,7 +22118,7 @@
           </p:nvSpPr>
           <p:spPr>
             <a:xfrm>
-              <a:off x="4671568" y="5328278"/>
+              <a:off x="4811964" y="5328615"/>
               <a:ext cx="63202" cy="63202"/>
             </a:xfrm>
             <a:custGeom>
@@ -22161,7 +22161,7 @@
           </p:nvSpPr>
           <p:spPr>
             <a:xfrm>
-              <a:off x="4571911" y="5328442"/>
+              <a:off x="4935368" y="5328513"/>
               <a:ext cx="63202" cy="63202"/>
             </a:xfrm>
             <a:custGeom>
@@ -22204,7 +22204,7 @@
           </p:nvSpPr>
           <p:spPr>
             <a:xfrm>
-              <a:off x="4496416" y="5328206"/>
+              <a:off x="4928535" y="5328499"/>
               <a:ext cx="63202" cy="63202"/>
             </a:xfrm>
             <a:custGeom>
@@ -22247,7 +22247,7 @@
           </p:nvSpPr>
           <p:spPr>
             <a:xfrm>
-              <a:off x="4656801" y="5328218"/>
+              <a:off x="4448542" y="5328584"/>
               <a:ext cx="63202" cy="63202"/>
             </a:xfrm>
             <a:custGeom>
@@ -22290,7 +22290,7 @@
           </p:nvSpPr>
           <p:spPr>
             <a:xfrm>
-              <a:off x="4527964" y="5382401"/>
+              <a:off x="4986227" y="5382621"/>
               <a:ext cx="63202" cy="63202"/>
             </a:xfrm>
             <a:custGeom>
@@ -22333,7 +22333,7 @@
           </p:nvSpPr>
           <p:spPr>
             <a:xfrm>
-              <a:off x="5096437" y="5641774"/>
+              <a:off x="4740594" y="5641793"/>
               <a:ext cx="63202" cy="63202"/>
             </a:xfrm>
             <a:custGeom>
@@ -22376,7 +22376,7 @@
           </p:nvSpPr>
           <p:spPr>
             <a:xfrm>
-              <a:off x="4886146" y="5326493"/>
+              <a:off x="4589766" y="5326632"/>
               <a:ext cx="63202" cy="63202"/>
             </a:xfrm>
             <a:custGeom>
@@ -22419,7 +22419,7 @@
           </p:nvSpPr>
           <p:spPr>
             <a:xfrm>
-              <a:off x="4875445" y="5364071"/>
+              <a:off x="4884344" y="5364378"/>
               <a:ext cx="63202" cy="63202"/>
             </a:xfrm>
             <a:custGeom>
@@ -22462,7 +22462,7 @@
           </p:nvSpPr>
           <p:spPr>
             <a:xfrm>
-              <a:off x="4763964" y="5373261"/>
+              <a:off x="4494699" y="5373612"/>
               <a:ext cx="63202" cy="63202"/>
             </a:xfrm>
             <a:custGeom>
@@ -22505,7 +22505,7 @@
           </p:nvSpPr>
           <p:spPr>
             <a:xfrm>
-              <a:off x="4714057" y="5340151"/>
+              <a:off x="4631492" y="5340359"/>
               <a:ext cx="63202" cy="63202"/>
             </a:xfrm>
             <a:custGeom>
@@ -22548,7 +22548,7 @@
           </p:nvSpPr>
           <p:spPr>
             <a:xfrm>
-              <a:off x="4921922" y="5352741"/>
+              <a:off x="4697977" y="5352979"/>
               <a:ext cx="63202" cy="63202"/>
             </a:xfrm>
             <a:custGeom>
@@ -22591,7 +22591,7 @@
           </p:nvSpPr>
           <p:spPr>
             <a:xfrm>
-              <a:off x="6750957" y="6800219"/>
+              <a:off x="6874178" y="6800237"/>
               <a:ext cx="63202" cy="63202"/>
             </a:xfrm>
             <a:custGeom>
@@ -22634,7 +22634,7 @@
           </p:nvSpPr>
           <p:spPr>
             <a:xfrm>
-              <a:off x="4439455" y="5512364"/>
+              <a:off x="5053526" y="5512382"/>
               <a:ext cx="63202" cy="63202"/>
             </a:xfrm>
             <a:custGeom>
@@ -22677,7 +22677,7 @@
           </p:nvSpPr>
           <p:spPr>
             <a:xfrm>
-              <a:off x="4658640" y="5382759"/>
+              <a:off x="4753921" y="5383182"/>
               <a:ext cx="63202" cy="63202"/>
             </a:xfrm>
             <a:custGeom>
@@ -22720,7 +22720,7 @@
           </p:nvSpPr>
           <p:spPr>
             <a:xfrm>
-              <a:off x="4976091" y="5333986"/>
+              <a:off x="4700429" y="5334031"/>
               <a:ext cx="63202" cy="63202"/>
             </a:xfrm>
             <a:custGeom>
@@ -22763,7 +22763,7 @@
           </p:nvSpPr>
           <p:spPr>
             <a:xfrm>
-              <a:off x="4639669" y="5345043"/>
+              <a:off x="4763619" y="5345128"/>
               <a:ext cx="63202" cy="63202"/>
             </a:xfrm>
             <a:custGeom>
@@ -22806,7 +22806,7 @@
           </p:nvSpPr>
           <p:spPr>
             <a:xfrm>
-              <a:off x="4559921" y="5542556"/>
+              <a:off x="5066399" y="5542589"/>
               <a:ext cx="63202" cy="63202"/>
             </a:xfrm>
             <a:custGeom>
@@ -22849,7 +22849,7 @@
           </p:nvSpPr>
           <p:spPr>
             <a:xfrm>
-              <a:off x="4870021" y="5385462"/>
+              <a:off x="4552020" y="5385642"/>
               <a:ext cx="63202" cy="63202"/>
             </a:xfrm>
             <a:custGeom>
@@ -22892,7 +22892,7 @@
           </p:nvSpPr>
           <p:spPr>
             <a:xfrm>
-              <a:off x="4858161" y="5356098"/>
+              <a:off x="4458020" y="5356238"/>
               <a:ext cx="63202" cy="63202"/>
             </a:xfrm>
             <a:custGeom>
@@ -22935,7 +22935,7 @@
           </p:nvSpPr>
           <p:spPr>
             <a:xfrm>
-              <a:off x="4933501" y="5569505"/>
+              <a:off x="4906986" y="5569759"/>
               <a:ext cx="63202" cy="63202"/>
             </a:xfrm>
             <a:custGeom>
@@ -22978,7 +22978,7 @@
           </p:nvSpPr>
           <p:spPr>
             <a:xfrm>
-              <a:off x="4717454" y="5332602"/>
+              <a:off x="4738983" y="5332887"/>
               <a:ext cx="63202" cy="63202"/>
             </a:xfrm>
             <a:custGeom>
@@ -23021,7 +23021,7 @@
           </p:nvSpPr>
           <p:spPr>
             <a:xfrm>
-              <a:off x="4485427" y="5353317"/>
+              <a:off x="4746357" y="5353530"/>
               <a:ext cx="63202" cy="63202"/>
             </a:xfrm>
             <a:custGeom>
@@ -23064,7 +23064,7 @@
           </p:nvSpPr>
           <p:spPr>
             <a:xfrm>
-              <a:off x="5509957" y="6217521"/>
+              <a:off x="5417428" y="6217565"/>
               <a:ext cx="63202" cy="63202"/>
             </a:xfrm>
             <a:custGeom>
@@ -23107,7 +23107,7 @@
           </p:nvSpPr>
           <p:spPr>
             <a:xfrm>
-              <a:off x="5528269" y="6217607"/>
+              <a:off x="5791578" y="6217693"/>
               <a:ext cx="63202" cy="63202"/>
             </a:xfrm>
             <a:custGeom>
@@ -23150,7 +23150,7 @@
           </p:nvSpPr>
           <p:spPr>
             <a:xfrm>
-              <a:off x="4895709" y="5341873"/>
+              <a:off x="4989372" y="5342241"/>
               <a:ext cx="63202" cy="63202"/>
             </a:xfrm>
             <a:custGeom>
@@ -23193,7 +23193,7 @@
           </p:nvSpPr>
           <p:spPr>
             <a:xfrm>
-              <a:off x="4711869" y="5328211"/>
+              <a:off x="4900591" y="5328666"/>
               <a:ext cx="63202" cy="63202"/>
             </a:xfrm>
             <a:custGeom>
@@ -23236,7 +23236,7 @@
           </p:nvSpPr>
           <p:spPr>
             <a:xfrm>
-              <a:off x="5644806" y="6521959"/>
+              <a:off x="5378325" y="6521778"/>
               <a:ext cx="63202" cy="63202"/>
             </a:xfrm>
             <a:custGeom>
@@ -23279,7 +23279,7 @@
           </p:nvSpPr>
           <p:spPr>
             <a:xfrm>
-              <a:off x="5517931" y="6423746"/>
+              <a:off x="5647878" y="6423871"/>
               <a:ext cx="63202" cy="63202"/>
             </a:xfrm>
             <a:custGeom>
@@ -23322,7 +23322,7 @@
           </p:nvSpPr>
           <p:spPr>
             <a:xfrm>
-              <a:off x="4685590" y="5533179"/>
+              <a:off x="4482704" y="5533369"/>
               <a:ext cx="63202" cy="63202"/>
             </a:xfrm>
             <a:custGeom>
@@ -23365,7 +23365,7 @@
           </p:nvSpPr>
           <p:spPr>
             <a:xfrm>
-              <a:off x="5126359" y="5365574"/>
+              <a:off x="4448149" y="5365710"/>
               <a:ext cx="63202" cy="63202"/>
             </a:xfrm>
             <a:custGeom>
@@ -23408,7 +23408,7 @@
           </p:nvSpPr>
           <p:spPr>
             <a:xfrm>
-              <a:off x="5005835" y="5441247"/>
+              <a:off x="4572390" y="5441276"/>
               <a:ext cx="63202" cy="63202"/>
             </a:xfrm>
             <a:custGeom>
@@ -23451,7 +23451,7 @@
           </p:nvSpPr>
           <p:spPr>
             <a:xfrm>
-              <a:off x="5971562" y="6393862"/>
+              <a:off x="5622471" y="6393795"/>
               <a:ext cx="63202" cy="63202"/>
             </a:xfrm>
             <a:custGeom>
@@ -23494,7 +23494,7 @@
           </p:nvSpPr>
           <p:spPr>
             <a:xfrm>
-              <a:off x="5128838" y="5367405"/>
+              <a:off x="4429634" y="5367628"/>
               <a:ext cx="63202" cy="63202"/>
             </a:xfrm>
             <a:custGeom>
@@ -23537,7 +23537,7 @@
           </p:nvSpPr>
           <p:spPr>
             <a:xfrm>
-              <a:off x="4807137" y="5810367"/>
+              <a:off x="4777540" y="5810343"/>
               <a:ext cx="63202" cy="63202"/>
             </a:xfrm>
             <a:custGeom>
@@ -23580,7 +23580,7 @@
           </p:nvSpPr>
           <p:spPr>
             <a:xfrm>
-              <a:off x="4530927" y="5461718"/>
+              <a:off x="4973331" y="5462024"/>
               <a:ext cx="63202" cy="63202"/>
             </a:xfrm>
             <a:custGeom>
@@ -23623,7 +23623,7 @@
           </p:nvSpPr>
           <p:spPr>
             <a:xfrm>
-              <a:off x="4542441" y="5394229"/>
+              <a:off x="4536489" y="5394471"/>
               <a:ext cx="63202" cy="63202"/>
             </a:xfrm>
             <a:custGeom>
@@ -23666,7 +23666,7 @@
           </p:nvSpPr>
           <p:spPr>
             <a:xfrm>
-              <a:off x="4675579" y="5389203"/>
+              <a:off x="4922964" y="5389487"/>
               <a:ext cx="63202" cy="63202"/>
             </a:xfrm>
             <a:custGeom>
@@ -23709,7 +23709,7 @@
           </p:nvSpPr>
           <p:spPr>
             <a:xfrm>
-              <a:off x="5067900" y="5555577"/>
+              <a:off x="4478705" y="5555572"/>
               <a:ext cx="63202" cy="63202"/>
             </a:xfrm>
             <a:custGeom>
@@ -23752,7 +23752,7 @@
           </p:nvSpPr>
           <p:spPr>
             <a:xfrm>
-              <a:off x="4918745" y="5369178"/>
+              <a:off x="4500088" y="5369570"/>
               <a:ext cx="63202" cy="63202"/>
             </a:xfrm>
             <a:custGeom>
@@ -23795,7 +23795,7 @@
           </p:nvSpPr>
           <p:spPr>
             <a:xfrm>
-              <a:off x="4770732" y="5350175"/>
+              <a:off x="4960476" y="5350297"/>
               <a:ext cx="63202" cy="63202"/>
             </a:xfrm>
             <a:custGeom>
@@ -23838,7 +23838,7 @@
           </p:nvSpPr>
           <p:spPr>
             <a:xfrm>
-              <a:off x="6006969" y="6454333"/>
+              <a:off x="5311099" y="6454395"/>
               <a:ext cx="63202" cy="63202"/>
             </a:xfrm>
             <a:custGeom>
@@ -23881,7 +23881,7 @@
           </p:nvSpPr>
           <p:spPr>
             <a:xfrm>
-              <a:off x="4504357" y="5332394"/>
+              <a:off x="5022740" y="5332704"/>
               <a:ext cx="63202" cy="63202"/>
             </a:xfrm>
             <a:custGeom>
@@ -23924,7 +23924,7 @@
           </p:nvSpPr>
           <p:spPr>
             <a:xfrm>
-              <a:off x="4669030" y="5370845"/>
+              <a:off x="5006833" y="5371079"/>
               <a:ext cx="63202" cy="63202"/>
             </a:xfrm>
             <a:custGeom>
@@ -23967,7 +23967,7 @@
           </p:nvSpPr>
           <p:spPr>
             <a:xfrm>
-              <a:off x="4709945" y="5350453"/>
+              <a:off x="4719670" y="5350622"/>
               <a:ext cx="63202" cy="63202"/>
             </a:xfrm>
             <a:custGeom>
@@ -24010,7 +24010,7 @@
           </p:nvSpPr>
           <p:spPr>
             <a:xfrm>
-              <a:off x="5059734" y="5372900"/>
+              <a:off x="4447776" y="5373245"/>
               <a:ext cx="63202" cy="63202"/>
             </a:xfrm>
             <a:custGeom>
@@ -24053,7 +24053,7 @@
           </p:nvSpPr>
           <p:spPr>
             <a:xfrm>
-              <a:off x="5114621" y="5385555"/>
+              <a:off x="4919277" y="5385543"/>
               <a:ext cx="63202" cy="63202"/>
             </a:xfrm>
             <a:custGeom>
@@ -24096,7 +24096,7 @@
           </p:nvSpPr>
           <p:spPr>
             <a:xfrm>
-              <a:off x="4862208" y="5337453"/>
+              <a:off x="4883147" y="5337617"/>
               <a:ext cx="63202" cy="63202"/>
             </a:xfrm>
             <a:custGeom>
@@ -24139,7 +24139,7 @@
           </p:nvSpPr>
           <p:spPr>
             <a:xfrm>
-              <a:off x="4497529" y="5349595"/>
+              <a:off x="4508594" y="5349920"/>
               <a:ext cx="63202" cy="63202"/>
             </a:xfrm>
             <a:custGeom>
@@ -24182,7 +24182,7 @@
           </p:nvSpPr>
           <p:spPr>
             <a:xfrm>
-              <a:off x="4839141" y="5816138"/>
+              <a:off x="4754548" y="5816210"/>
               <a:ext cx="63202" cy="63202"/>
             </a:xfrm>
             <a:custGeom>
@@ -24225,7 +24225,7 @@
           </p:nvSpPr>
           <p:spPr>
             <a:xfrm>
-              <a:off x="5104862" y="5386248"/>
+              <a:off x="4644740" y="5386274"/>
               <a:ext cx="63202" cy="63202"/>
             </a:xfrm>
             <a:custGeom>
@@ -24268,7 +24268,7 @@
           </p:nvSpPr>
           <p:spPr>
             <a:xfrm>
-              <a:off x="4683526" y="5384703"/>
+              <a:off x="5010949" y="5384838"/>
               <a:ext cx="63202" cy="63202"/>
             </a:xfrm>
             <a:custGeom>
@@ -24311,7 +24311,7 @@
           </p:nvSpPr>
           <p:spPr>
             <a:xfrm>
-              <a:off x="4651015" y="5383913"/>
+              <a:off x="4796720" y="5384114"/>
               <a:ext cx="63202" cy="63202"/>
             </a:xfrm>
             <a:custGeom>
@@ -24354,7 +24354,7 @@
           </p:nvSpPr>
           <p:spPr>
             <a:xfrm>
-              <a:off x="4511959" y="5427754"/>
+              <a:off x="4739901" y="5428220"/>
               <a:ext cx="63202" cy="63202"/>
             </a:xfrm>
             <a:custGeom>
@@ -24397,7 +24397,7 @@
           </p:nvSpPr>
           <p:spPr>
             <a:xfrm>
-              <a:off x="4849691" y="5439708"/>
+              <a:off x="4657002" y="5439768"/>
               <a:ext cx="63202" cy="63202"/>
             </a:xfrm>
             <a:custGeom>
@@ -24440,7 +24440,7 @@
           </p:nvSpPr>
           <p:spPr>
             <a:xfrm>
-              <a:off x="4807610" y="5333487"/>
+              <a:off x="4616753" y="5333645"/>
               <a:ext cx="63202" cy="63202"/>
             </a:xfrm>
             <a:custGeom>
@@ -24483,7 +24483,7 @@
           </p:nvSpPr>
           <p:spPr>
             <a:xfrm>
-              <a:off x="4706395" y="5385568"/>
+              <a:off x="4972035" y="5385658"/>
               <a:ext cx="63202" cy="63202"/>
             </a:xfrm>
             <a:custGeom>
@@ -24526,7 +24526,7 @@
           </p:nvSpPr>
           <p:spPr>
             <a:xfrm>
-              <a:off x="4951396" y="5385548"/>
+              <a:off x="4807006" y="5385587"/>
               <a:ext cx="63202" cy="63202"/>
             </a:xfrm>
             <a:custGeom>
@@ -24569,7 +24569,7 @@
           </p:nvSpPr>
           <p:spPr>
             <a:xfrm>
-              <a:off x="4912308" y="5354783"/>
+              <a:off x="5116610" y="5355051"/>
               <a:ext cx="63202" cy="63202"/>
             </a:xfrm>
             <a:custGeom>
@@ -24612,7 +24612,7 @@
           </p:nvSpPr>
           <p:spPr>
             <a:xfrm>
-              <a:off x="4758520" y="5372479"/>
+              <a:off x="4503319" y="5372856"/>
               <a:ext cx="63202" cy="63202"/>
             </a:xfrm>
             <a:custGeom>
@@ -24655,7 +24655,7 @@
           </p:nvSpPr>
           <p:spPr>
             <a:xfrm>
-              <a:off x="4770080" y="5350330"/>
+              <a:off x="4987847" y="5350530"/>
               <a:ext cx="63202" cy="63202"/>
             </a:xfrm>
             <a:custGeom>
@@ -24698,7 +24698,7 @@
           </p:nvSpPr>
           <p:spPr>
             <a:xfrm>
-              <a:off x="4544462" y="5328456"/>
+              <a:off x="4823369" y="5328601"/>
               <a:ext cx="63202" cy="63202"/>
             </a:xfrm>
             <a:custGeom>
@@ -24741,7 +24741,7 @@
           </p:nvSpPr>
           <p:spPr>
             <a:xfrm>
-              <a:off x="4841736" y="5363435"/>
+              <a:off x="4656708" y="5363466"/>
               <a:ext cx="63202" cy="63202"/>
             </a:xfrm>
             <a:custGeom>
@@ -24784,7 +24784,7 @@
           </p:nvSpPr>
           <p:spPr>
             <a:xfrm>
-              <a:off x="4655854" y="5389091"/>
+              <a:off x="4717819" y="5389469"/>
               <a:ext cx="63202" cy="63202"/>
             </a:xfrm>
             <a:custGeom>
@@ -24827,7 +24827,7 @@
           </p:nvSpPr>
           <p:spPr>
             <a:xfrm>
-              <a:off x="4742198" y="5777917"/>
+              <a:off x="4735268" y="5778013"/>
               <a:ext cx="63202" cy="63202"/>
             </a:xfrm>
             <a:custGeom>
@@ -24870,7 +24870,7 @@
           </p:nvSpPr>
           <p:spPr>
             <a:xfrm>
-              <a:off x="4964000" y="5470709"/>
+              <a:off x="4824004" y="5470783"/>
               <a:ext cx="63202" cy="63202"/>
             </a:xfrm>
             <a:custGeom>
@@ -24913,7 +24913,7 @@
           </p:nvSpPr>
           <p:spPr>
             <a:xfrm>
-              <a:off x="4803157" y="5382811"/>
+              <a:off x="4745980" y="5382970"/>
               <a:ext cx="63202" cy="63202"/>
             </a:xfrm>
             <a:custGeom>
@@ -24956,7 +24956,7 @@
           </p:nvSpPr>
           <p:spPr>
             <a:xfrm>
-              <a:off x="4576308" y="5441998"/>
+              <a:off x="4834080" y="5442188"/>
               <a:ext cx="63202" cy="63202"/>
             </a:xfrm>
             <a:custGeom>
@@ -24999,7 +24999,7 @@
           </p:nvSpPr>
           <p:spPr>
             <a:xfrm>
-              <a:off x="4593875" y="5322556"/>
+              <a:off x="4942139" y="5322791"/>
               <a:ext cx="63202" cy="63202"/>
             </a:xfrm>
             <a:custGeom>
@@ -25042,7 +25042,7 @@
           </p:nvSpPr>
           <p:spPr>
             <a:xfrm>
-              <a:off x="4854066" y="5328435"/>
+              <a:off x="4594968" y="5328518"/>
               <a:ext cx="63202" cy="63202"/>
             </a:xfrm>
             <a:custGeom>
@@ -25085,7 +25085,7 @@
           </p:nvSpPr>
           <p:spPr>
             <a:xfrm>
-              <a:off x="5038801" y="5865058"/>
+              <a:off x="4904683" y="5865310"/>
               <a:ext cx="63202" cy="63202"/>
             </a:xfrm>
             <a:custGeom>
@@ -25128,7 +25128,7 @@
           </p:nvSpPr>
           <p:spPr>
             <a:xfrm>
-              <a:off x="4980554" y="5348305"/>
+              <a:off x="4430757" y="5348479"/>
               <a:ext cx="63202" cy="63202"/>
             </a:xfrm>
             <a:custGeom>
@@ -25171,7 +25171,7 @@
           </p:nvSpPr>
           <p:spPr>
             <a:xfrm>
-              <a:off x="4509967" y="5598482"/>
+              <a:off x="4959557" y="5598729"/>
               <a:ext cx="63202" cy="63202"/>
             </a:xfrm>
             <a:custGeom>
@@ -25214,7 +25214,7 @@
           </p:nvSpPr>
           <p:spPr>
             <a:xfrm>
-              <a:off x="4557032" y="5367427"/>
+              <a:off x="5118199" y="5367488"/>
               <a:ext cx="63202" cy="63202"/>
             </a:xfrm>
             <a:custGeom>
@@ -25257,7 +25257,7 @@
           </p:nvSpPr>
           <p:spPr>
             <a:xfrm>
-              <a:off x="4520520" y="5375618"/>
+              <a:off x="4739741" y="5375700"/>
               <a:ext cx="63202" cy="63202"/>
             </a:xfrm>
             <a:custGeom>
@@ -25300,7 +25300,7 @@
           </p:nvSpPr>
           <p:spPr>
             <a:xfrm>
-              <a:off x="5120126" y="5362596"/>
+              <a:off x="5130806" y="5362730"/>
               <a:ext cx="63202" cy="63202"/>
             </a:xfrm>
             <a:custGeom>
@@ -25343,7 +25343,7 @@
           </p:nvSpPr>
           <p:spPr>
             <a:xfrm>
-              <a:off x="4581174" y="5350940"/>
+              <a:off x="4736453" y="5351065"/>
               <a:ext cx="63202" cy="63202"/>
             </a:xfrm>
             <a:custGeom>
@@ -25386,7 +25386,7 @@
           </p:nvSpPr>
           <p:spPr>
             <a:xfrm>
-              <a:off x="4676066" y="5378377"/>
+              <a:off x="5108074" y="5378621"/>
               <a:ext cx="63202" cy="63202"/>
             </a:xfrm>
             <a:custGeom>
@@ -25429,7 +25429,7 @@
           </p:nvSpPr>
           <p:spPr>
             <a:xfrm>
-              <a:off x="4985664" y="5348531"/>
+              <a:off x="5120654" y="5348831"/>
               <a:ext cx="63202" cy="63202"/>
             </a:xfrm>
             <a:custGeom>
@@ -25472,7 +25472,7 @@
           </p:nvSpPr>
           <p:spPr>
             <a:xfrm>
-              <a:off x="4701281" y="5382924"/>
+              <a:off x="5119020" y="5383232"/>
               <a:ext cx="63202" cy="63202"/>
             </a:xfrm>
             <a:custGeom>
@@ -25515,7 +25515,7 @@
           </p:nvSpPr>
           <p:spPr>
             <a:xfrm>
-              <a:off x="4969956" y="5390988"/>
+              <a:off x="5097605" y="5391111"/>
               <a:ext cx="63202" cy="63202"/>
             </a:xfrm>
             <a:custGeom>
@@ -25558,7 +25558,7 @@
           </p:nvSpPr>
           <p:spPr>
             <a:xfrm>
-              <a:off x="6600170" y="6803878"/>
+              <a:off x="6310847" y="6803742"/>
               <a:ext cx="63202" cy="63202"/>
             </a:xfrm>
             <a:custGeom>
@@ -25601,7 +25601,7 @@
           </p:nvSpPr>
           <p:spPr>
             <a:xfrm>
-              <a:off x="5062956" y="5334526"/>
+              <a:off x="4675196" y="5334721"/>
               <a:ext cx="63202" cy="63202"/>
             </a:xfrm>
             <a:custGeom>
@@ -25644,7 +25644,7 @@
           </p:nvSpPr>
           <p:spPr>
             <a:xfrm>
-              <a:off x="5388701" y="6424030"/>
+              <a:off x="5575074" y="6424114"/>
               <a:ext cx="63202" cy="63202"/>
             </a:xfrm>
             <a:custGeom>
@@ -25687,7 +25687,7 @@
           </p:nvSpPr>
           <p:spPr>
             <a:xfrm>
-              <a:off x="4757318" y="5335643"/>
+              <a:off x="4471522" y="5336050"/>
               <a:ext cx="63202" cy="63202"/>
             </a:xfrm>
             <a:custGeom>
@@ -25730,7 +25730,7 @@
           </p:nvSpPr>
           <p:spPr>
             <a:xfrm>
-              <a:off x="5101239" y="5824982"/>
+              <a:off x="4524212" y="5825109"/>
               <a:ext cx="63202" cy="63202"/>
             </a:xfrm>
             <a:custGeom>
@@ -25773,7 +25773,7 @@
           </p:nvSpPr>
           <p:spPr>
             <a:xfrm>
-              <a:off x="5096375" y="5361221"/>
+              <a:off x="4592701" y="5361389"/>
               <a:ext cx="63202" cy="63202"/>
             </a:xfrm>
             <a:custGeom>
@@ -25816,7 +25816,7 @@
           </p:nvSpPr>
           <p:spPr>
             <a:xfrm>
-              <a:off x="4822749" y="5489753"/>
+              <a:off x="5118668" y="5490013"/>
               <a:ext cx="63202" cy="63202"/>
             </a:xfrm>
             <a:custGeom>
@@ -25859,7 +25859,7 @@
           </p:nvSpPr>
           <p:spPr>
             <a:xfrm>
-              <a:off x="5041161" y="5361028"/>
+              <a:off x="5124783" y="5361497"/>
               <a:ext cx="63202" cy="63202"/>
             </a:xfrm>
             <a:custGeom>
@@ -25902,7 +25902,7 @@
           </p:nvSpPr>
           <p:spPr>
             <a:xfrm>
-              <a:off x="4983811" y="5367116"/>
+              <a:off x="4742645" y="5367376"/>
               <a:ext cx="63202" cy="63202"/>
             </a:xfrm>
             <a:custGeom>
@@ -25945,7 +25945,7 @@
           </p:nvSpPr>
           <p:spPr>
             <a:xfrm>
-              <a:off x="4500975" y="5413070"/>
+              <a:off x="4632538" y="5413328"/>
               <a:ext cx="63202" cy="63202"/>
             </a:xfrm>
             <a:custGeom>
@@ -25988,7 +25988,7 @@
           </p:nvSpPr>
           <p:spPr>
             <a:xfrm>
-              <a:off x="4472325" y="5377252"/>
+              <a:off x="5089453" y="5377612"/>
               <a:ext cx="63202" cy="63202"/>
             </a:xfrm>
             <a:custGeom>
@@ -26031,7 +26031,7 @@
           </p:nvSpPr>
           <p:spPr>
             <a:xfrm>
-              <a:off x="4725816" y="5353031"/>
+              <a:off x="5105161" y="5353251"/>
               <a:ext cx="63202" cy="63202"/>
             </a:xfrm>
             <a:custGeom>
@@ -26074,7 +26074,7 @@
           </p:nvSpPr>
           <p:spPr>
             <a:xfrm>
-              <a:off x="4900294" y="5354784"/>
+              <a:off x="4689646" y="5354968"/>
               <a:ext cx="63202" cy="63202"/>
             </a:xfrm>
             <a:custGeom>
@@ -26117,7 +26117,7 @@
           </p:nvSpPr>
           <p:spPr>
             <a:xfrm>
-              <a:off x="4483024" y="5633704"/>
+              <a:off x="4595606" y="5633881"/>
               <a:ext cx="63202" cy="63202"/>
             </a:xfrm>
             <a:custGeom>
@@ -26160,7 +26160,7 @@
           </p:nvSpPr>
           <p:spPr>
             <a:xfrm>
-              <a:off x="4738303" y="5337050"/>
+              <a:off x="4946930" y="5337309"/>
               <a:ext cx="63202" cy="63202"/>
             </a:xfrm>
             <a:custGeom>
@@ -26203,7 +26203,7 @@
           </p:nvSpPr>
           <p:spPr>
             <a:xfrm>
-              <a:off x="4635797" y="5345719"/>
+              <a:off x="4453020" y="5345946"/>
               <a:ext cx="63202" cy="63202"/>
             </a:xfrm>
             <a:custGeom>
@@ -26246,7 +26246,7 @@
           </p:nvSpPr>
           <p:spPr>
             <a:xfrm>
-              <a:off x="4832983" y="5384707"/>
+              <a:off x="4879838" y="5384887"/>
               <a:ext cx="63202" cy="63202"/>
             </a:xfrm>
             <a:custGeom>
@@ -26289,7 +26289,7 @@
           </p:nvSpPr>
           <p:spPr>
             <a:xfrm>
-              <a:off x="4777051" y="5347767"/>
+              <a:off x="5121304" y="5348005"/>
               <a:ext cx="63202" cy="63202"/>
             </a:xfrm>
             <a:custGeom>
@@ -26332,7 +26332,7 @@
           </p:nvSpPr>
           <p:spPr>
             <a:xfrm>
-              <a:off x="5065893" y="5350025"/>
+              <a:off x="4651699" y="5350400"/>
               <a:ext cx="63202" cy="63202"/>
             </a:xfrm>
             <a:custGeom>
@@ -26375,7 +26375,7 @@
           </p:nvSpPr>
           <p:spPr>
             <a:xfrm>
-              <a:off x="4555839" y="5342937"/>
+              <a:off x="4669277" y="5343403"/>
               <a:ext cx="63202" cy="63202"/>
             </a:xfrm>
             <a:custGeom>
@@ -26418,7 +26418,7 @@
           </p:nvSpPr>
           <p:spPr>
             <a:xfrm>
-              <a:off x="5893779" y="6156576"/>
+              <a:off x="5746502" y="6156520"/>
               <a:ext cx="63202" cy="63202"/>
             </a:xfrm>
             <a:custGeom>
@@ -26461,7 +26461,7 @@
           </p:nvSpPr>
           <p:spPr>
             <a:xfrm>
-              <a:off x="4924740" y="5441586"/>
+              <a:off x="4620443" y="5441685"/>
               <a:ext cx="63202" cy="63202"/>
             </a:xfrm>
             <a:custGeom>
@@ -26504,7 +26504,7 @@
           </p:nvSpPr>
           <p:spPr>
             <a:xfrm>
-              <a:off x="4865448" y="5385461"/>
+              <a:off x="4765406" y="5385788"/>
               <a:ext cx="63202" cy="63202"/>
             </a:xfrm>
             <a:custGeom>
@@ -26547,7 +26547,7 @@
           </p:nvSpPr>
           <p:spPr>
             <a:xfrm>
-              <a:off x="4729532" y="5350424"/>
+              <a:off x="4460046" y="5350658"/>
               <a:ext cx="63202" cy="63202"/>
             </a:xfrm>
             <a:custGeom>
@@ -26590,7 +26590,7 @@
           </p:nvSpPr>
           <p:spPr>
             <a:xfrm>
-              <a:off x="4772711" y="5357915"/>
+              <a:off x="5050130" y="5357964"/>
               <a:ext cx="63202" cy="63202"/>
             </a:xfrm>
             <a:custGeom>
@@ -26633,7 +26633,7 @@
           </p:nvSpPr>
           <p:spPr>
             <a:xfrm>
-              <a:off x="4574827" y="5326395"/>
+              <a:off x="4646641" y="5326831"/>
               <a:ext cx="63202" cy="63202"/>
             </a:xfrm>
             <a:custGeom>
@@ -26676,7 +26676,7 @@
           </p:nvSpPr>
           <p:spPr>
             <a:xfrm>
-              <a:off x="4664671" y="5349404"/>
+              <a:off x="4743452" y="5349411"/>
               <a:ext cx="63202" cy="63202"/>
             </a:xfrm>
             <a:custGeom>
@@ -26719,7 +26719,7 @@
           </p:nvSpPr>
           <p:spPr>
             <a:xfrm>
-              <a:off x="4822607" y="5349320"/>
+              <a:off x="4572984" y="5349575"/>
               <a:ext cx="63202" cy="63202"/>
             </a:xfrm>
             <a:custGeom>
@@ -26762,7 +26762,7 @@
           </p:nvSpPr>
           <p:spPr>
             <a:xfrm>
-              <a:off x="4876417" y="5350523"/>
+              <a:off x="4766673" y="5350807"/>
               <a:ext cx="63202" cy="63202"/>
             </a:xfrm>
             <a:custGeom>
@@ -26805,7 +26805,7 @@
           </p:nvSpPr>
           <p:spPr>
             <a:xfrm>
-              <a:off x="4490870" y="5445639"/>
+              <a:off x="5024612" y="5445665"/>
               <a:ext cx="63202" cy="63202"/>
             </a:xfrm>
             <a:custGeom>
@@ -26848,7 +26848,7 @@
           </p:nvSpPr>
           <p:spPr>
             <a:xfrm>
-              <a:off x="5050040" y="5445578"/>
+              <a:off x="4702761" y="5445864"/>
               <a:ext cx="63202" cy="63202"/>
             </a:xfrm>
             <a:custGeom>
@@ -26891,7 +26891,7 @@
           </p:nvSpPr>
           <p:spPr>
             <a:xfrm>
-              <a:off x="4803760" y="5361943"/>
+              <a:off x="4507773" y="5362157"/>
               <a:ext cx="63202" cy="63202"/>
             </a:xfrm>
             <a:custGeom>
@@ -26934,7 +26934,7 @@
           </p:nvSpPr>
           <p:spPr>
             <a:xfrm>
-              <a:off x="4808325" y="5346390"/>
+              <a:off x="4600641" y="5346627"/>
               <a:ext cx="63202" cy="63202"/>
             </a:xfrm>
             <a:custGeom>
@@ -26977,7 +26977,7 @@
           </p:nvSpPr>
           <p:spPr>
             <a:xfrm>
-              <a:off x="5928108" y="6089848"/>
+              <a:off x="6002254" y="6089789"/>
               <a:ext cx="63202" cy="63202"/>
             </a:xfrm>
             <a:custGeom>
@@ -27020,7 +27020,7 @@
           </p:nvSpPr>
           <p:spPr>
             <a:xfrm>
-              <a:off x="4915198" y="5381688"/>
+              <a:off x="4585307" y="5381960"/>
               <a:ext cx="63202" cy="63202"/>
             </a:xfrm>
             <a:custGeom>
@@ -27063,7 +27063,7 @@
           </p:nvSpPr>
           <p:spPr>
             <a:xfrm>
-              <a:off x="4960645" y="5339712"/>
+              <a:off x="4951785" y="5339855"/>
               <a:ext cx="63202" cy="63202"/>
             </a:xfrm>
             <a:custGeom>
@@ -27106,7 +27106,7 @@
           </p:nvSpPr>
           <p:spPr>
             <a:xfrm>
-              <a:off x="5081612" y="5330178"/>
+              <a:off x="4825597" y="5330431"/>
               <a:ext cx="63202" cy="63202"/>
             </a:xfrm>
             <a:custGeom>
@@ -27149,7 +27149,7 @@
           </p:nvSpPr>
           <p:spPr>
             <a:xfrm>
-              <a:off x="4874771" y="5412655"/>
+              <a:off x="4975493" y="5412884"/>
               <a:ext cx="63202" cy="63202"/>
             </a:xfrm>
             <a:custGeom>
@@ -27192,7 +27192,7 @@
           </p:nvSpPr>
           <p:spPr>
             <a:xfrm>
-              <a:off x="4977180" y="5379561"/>
+              <a:off x="4914200" y="5379733"/>
               <a:ext cx="63202" cy="63202"/>
             </a:xfrm>
             <a:custGeom>
@@ -27235,7 +27235,7 @@
           </p:nvSpPr>
           <p:spPr>
             <a:xfrm>
-              <a:off x="5076335" y="5333052"/>
+              <a:off x="5124204" y="5333483"/>
               <a:ext cx="63202" cy="63202"/>
             </a:xfrm>
             <a:custGeom>
@@ -27278,7 +27278,7 @@
           </p:nvSpPr>
           <p:spPr>
             <a:xfrm>
-              <a:off x="5053595" y="5333380"/>
+              <a:off x="4472020" y="5333780"/>
               <a:ext cx="63202" cy="63202"/>
             </a:xfrm>
             <a:custGeom>
@@ -27321,7 +27321,7 @@
           </p:nvSpPr>
           <p:spPr>
             <a:xfrm>
-              <a:off x="4461929" y="5328060"/>
+              <a:off x="4727809" y="5328242"/>
               <a:ext cx="63202" cy="63202"/>
             </a:xfrm>
             <a:custGeom>
@@ -27364,7 +27364,7 @@
           </p:nvSpPr>
           <p:spPr>
             <a:xfrm>
-              <a:off x="4770746" y="5330286"/>
+              <a:off x="4857951" y="5330311"/>
               <a:ext cx="63202" cy="63202"/>
             </a:xfrm>
             <a:custGeom>
@@ -27407,7 +27407,7 @@
           </p:nvSpPr>
           <p:spPr>
             <a:xfrm>
-              <a:off x="4548303" y="5325791"/>
+              <a:off x="4818814" y="5325946"/>
               <a:ext cx="63202" cy="63202"/>
             </a:xfrm>
             <a:custGeom>
@@ -27450,7 +27450,7 @@
           </p:nvSpPr>
           <p:spPr>
             <a:xfrm>
-              <a:off x="4651985" y="5411682"/>
+              <a:off x="5078448" y="5411873"/>
               <a:ext cx="63202" cy="63202"/>
             </a:xfrm>
             <a:custGeom>
@@ -27493,7 +27493,7 @@
           </p:nvSpPr>
           <p:spPr>
             <a:xfrm>
-              <a:off x="4705200" y="5456536"/>
+              <a:off x="5031155" y="5456900"/>
               <a:ext cx="63202" cy="63202"/>
             </a:xfrm>
             <a:custGeom>
@@ -27536,7 +27536,7 @@
           </p:nvSpPr>
           <p:spPr>
             <a:xfrm>
-              <a:off x="4648208" y="5342730"/>
+              <a:off x="4851507" y="5342901"/>
               <a:ext cx="63202" cy="63202"/>
             </a:xfrm>
             <a:custGeom>
@@ -27579,7 +27579,7 @@
           </p:nvSpPr>
           <p:spPr>
             <a:xfrm>
-              <a:off x="4943571" y="5345228"/>
+              <a:off x="4748761" y="5345424"/>
               <a:ext cx="63202" cy="63202"/>
             </a:xfrm>
             <a:custGeom>
@@ -27622,7 +27622,7 @@
           </p:nvSpPr>
           <p:spPr>
             <a:xfrm>
-              <a:off x="4917193" y="5357811"/>
+              <a:off x="4483380" y="5358147"/>
               <a:ext cx="63202" cy="63202"/>
             </a:xfrm>
             <a:custGeom>
@@ -27665,7 +27665,7 @@
           </p:nvSpPr>
           <p:spPr>
             <a:xfrm>
-              <a:off x="4513650" y="5333077"/>
+              <a:off x="5049904" y="5333266"/>
               <a:ext cx="63202" cy="63202"/>
             </a:xfrm>
             <a:custGeom>
@@ -27708,7 +27708,7 @@
           </p:nvSpPr>
           <p:spPr>
             <a:xfrm>
-              <a:off x="4598264" y="5324526"/>
+              <a:off x="4965469" y="5324912"/>
               <a:ext cx="63202" cy="63202"/>
             </a:xfrm>
             <a:custGeom>
@@ -27751,7 +27751,7 @@
           </p:nvSpPr>
           <p:spPr>
             <a:xfrm>
-              <a:off x="4848193" y="5336001"/>
+              <a:off x="4955757" y="5336261"/>
               <a:ext cx="63202" cy="63202"/>
             </a:xfrm>
             <a:custGeom>
@@ -27794,7 +27794,7 @@
           </p:nvSpPr>
           <p:spPr>
             <a:xfrm>
-              <a:off x="4593456" y="5357768"/>
+              <a:off x="4653046" y="5357993"/>
               <a:ext cx="63202" cy="63202"/>
             </a:xfrm>
             <a:custGeom>
@@ -27837,7 +27837,7 @@
           </p:nvSpPr>
           <p:spPr>
             <a:xfrm>
-              <a:off x="5078941" y="5345626"/>
+              <a:off x="4631338" y="5345933"/>
               <a:ext cx="63202" cy="63202"/>
             </a:xfrm>
             <a:custGeom>
@@ -27880,7 +27880,7 @@
           </p:nvSpPr>
           <p:spPr>
             <a:xfrm>
-              <a:off x="4604887" y="5352052"/>
+              <a:off x="4449461" y="5352007"/>
               <a:ext cx="63202" cy="63202"/>
             </a:xfrm>
             <a:custGeom>
@@ -27923,7 +27923,7 @@
           </p:nvSpPr>
           <p:spPr>
             <a:xfrm>
-              <a:off x="4904875" y="5339718"/>
+              <a:off x="4742670" y="5339929"/>
               <a:ext cx="63202" cy="63202"/>
             </a:xfrm>
             <a:custGeom>
@@ -27966,7 +27966,7 @@
           </p:nvSpPr>
           <p:spPr>
             <a:xfrm>
-              <a:off x="4597536" y="5345499"/>
+              <a:off x="4963806" y="5345942"/>
               <a:ext cx="63202" cy="63202"/>
             </a:xfrm>
             <a:custGeom>
@@ -28009,7 +28009,7 @@
           </p:nvSpPr>
           <p:spPr>
             <a:xfrm>
-              <a:off x="5066229" y="5358432"/>
+              <a:off x="5046438" y="5358815"/>
               <a:ext cx="63202" cy="63202"/>
             </a:xfrm>
             <a:custGeom>
@@ -28052,7 +28052,7 @@
           </p:nvSpPr>
           <p:spPr>
             <a:xfrm>
-              <a:off x="6002518" y="6368339"/>
+              <a:off x="5910695" y="6368317"/>
               <a:ext cx="63202" cy="63202"/>
             </a:xfrm>
             <a:custGeom>
@@ -28095,7 +28095,7 @@
           </p:nvSpPr>
           <p:spPr>
             <a:xfrm>
-              <a:off x="5043656" y="5359249"/>
+              <a:off x="4928105" y="5359597"/>
               <a:ext cx="63202" cy="63202"/>
             </a:xfrm>
             <a:custGeom>
@@ -28138,7 +28138,7 @@
           </p:nvSpPr>
           <p:spPr>
             <a:xfrm>
-              <a:off x="4727672" y="5427431"/>
+              <a:off x="4684910" y="5427704"/>
               <a:ext cx="63202" cy="63202"/>
             </a:xfrm>
             <a:custGeom>
@@ -28181,7 +28181,7 @@
           </p:nvSpPr>
           <p:spPr>
             <a:xfrm>
-              <a:off x="4783306" y="5351875"/>
+              <a:off x="5076584" y="5352093"/>
               <a:ext cx="63202" cy="63202"/>
             </a:xfrm>
             <a:custGeom>
@@ -28224,7 +28224,7 @@
           </p:nvSpPr>
           <p:spPr>
             <a:xfrm>
-              <a:off x="4591639" y="5394934"/>
+              <a:off x="4454455" y="5395210"/>
               <a:ext cx="63202" cy="63202"/>
             </a:xfrm>
             <a:custGeom>
@@ -28267,7 +28267,7 @@
           </p:nvSpPr>
           <p:spPr>
             <a:xfrm>
-              <a:off x="4707812" y="5386675"/>
+              <a:off x="4921631" y="5386648"/>
               <a:ext cx="63202" cy="63202"/>
             </a:xfrm>
             <a:custGeom>
@@ -28310,7 +28310,7 @@
           </p:nvSpPr>
           <p:spPr>
             <a:xfrm>
-              <a:off x="6418098" y="6632154"/>
+              <a:off x="6478277" y="6632173"/>
               <a:ext cx="63202" cy="63202"/>
             </a:xfrm>
             <a:custGeom>
@@ -28353,7 +28353,7 @@
           </p:nvSpPr>
           <p:spPr>
             <a:xfrm>
-              <a:off x="4788966" y="5348879"/>
+              <a:off x="4785461" y="5349196"/>
               <a:ext cx="63202" cy="63202"/>
             </a:xfrm>
             <a:custGeom>
@@ -28396,7 +28396,7 @@
           </p:nvSpPr>
           <p:spPr>
             <a:xfrm>
-              <a:off x="4598747" y="5363779"/>
+              <a:off x="4773937" y="5364021"/>
               <a:ext cx="63202" cy="63202"/>
             </a:xfrm>
             <a:custGeom>
@@ -28439,7 +28439,7 @@
           </p:nvSpPr>
           <p:spPr>
             <a:xfrm>
-              <a:off x="4704899" y="5755586"/>
+              <a:off x="4551310" y="5755671"/>
               <a:ext cx="63202" cy="63202"/>
             </a:xfrm>
             <a:custGeom>
@@ -28482,7 +28482,7 @@
           </p:nvSpPr>
           <p:spPr>
             <a:xfrm>
-              <a:off x="4556824" y="5341454"/>
+              <a:off x="4932007" y="5341932"/>
               <a:ext cx="63202" cy="63202"/>
             </a:xfrm>
             <a:custGeom>
@@ -28525,7 +28525,7 @@
           </p:nvSpPr>
           <p:spPr>
             <a:xfrm>
-              <a:off x="4960374" y="5396398"/>
+              <a:off x="4605609" y="5396621"/>
               <a:ext cx="63202" cy="63202"/>
             </a:xfrm>
             <a:custGeom>
@@ -28568,7 +28568,7 @@
           </p:nvSpPr>
           <p:spPr>
             <a:xfrm>
-              <a:off x="4956191" y="5356256"/>
+              <a:off x="4478226" y="5356699"/>
               <a:ext cx="63202" cy="63202"/>
             </a:xfrm>
             <a:custGeom>
@@ -28611,7 +28611,7 @@
           </p:nvSpPr>
           <p:spPr>
             <a:xfrm>
-              <a:off x="4791017" y="5343495"/>
+              <a:off x="4684288" y="5343599"/>
               <a:ext cx="63202" cy="63202"/>
             </a:xfrm>
             <a:custGeom>
@@ -28654,7 +28654,7 @@
           </p:nvSpPr>
           <p:spPr>
             <a:xfrm>
-              <a:off x="4557589" y="5383914"/>
+              <a:off x="4994123" y="5384113"/>
               <a:ext cx="63202" cy="63202"/>
             </a:xfrm>
             <a:custGeom>
@@ -28697,7 +28697,7 @@
           </p:nvSpPr>
           <p:spPr>
             <a:xfrm>
-              <a:off x="4519918" y="5366219"/>
+              <a:off x="4999467" y="5366608"/>
               <a:ext cx="63202" cy="63202"/>
             </a:xfrm>
             <a:custGeom>
@@ -28740,7 +28740,7 @@
           </p:nvSpPr>
           <p:spPr>
             <a:xfrm>
-              <a:off x="4482355" y="5342357"/>
+              <a:off x="4445915" y="5342558"/>
               <a:ext cx="63202" cy="63202"/>
             </a:xfrm>
             <a:custGeom>
@@ -28783,7 +28783,7 @@
           </p:nvSpPr>
           <p:spPr>
             <a:xfrm>
-              <a:off x="4846074" y="5351683"/>
+              <a:off x="4762590" y="5351766"/>
               <a:ext cx="63202" cy="63202"/>
             </a:xfrm>
             <a:custGeom>
@@ -28826,7 +28826,7 @@
           </p:nvSpPr>
           <p:spPr>
             <a:xfrm>
-              <a:off x="4957498" y="5349658"/>
+              <a:off x="5098707" y="5349925"/>
               <a:ext cx="63202" cy="63202"/>
             </a:xfrm>
             <a:custGeom>
@@ -28869,7 +28869,7 @@
           </p:nvSpPr>
           <p:spPr>
             <a:xfrm>
-              <a:off x="5019504" y="5428512"/>
+              <a:off x="5063574" y="5428696"/>
               <a:ext cx="63202" cy="63202"/>
             </a:xfrm>
             <a:custGeom>
@@ -28912,7 +28912,7 @@
           </p:nvSpPr>
           <p:spPr>
             <a:xfrm>
-              <a:off x="5102728" y="5393158"/>
+              <a:off x="4492511" y="5393313"/>
               <a:ext cx="63202" cy="63202"/>
             </a:xfrm>
             <a:custGeom>
@@ -28955,7 +28955,7 @@
           </p:nvSpPr>
           <p:spPr>
             <a:xfrm>
-              <a:off x="5130012" y="5378148"/>
+              <a:off x="4477964" y="5378293"/>
               <a:ext cx="63202" cy="63202"/>
             </a:xfrm>
             <a:custGeom>
@@ -28998,7 +28998,7 @@
           </p:nvSpPr>
           <p:spPr>
             <a:xfrm>
-              <a:off x="5130566" y="5335825"/>
+              <a:off x="4757421" y="5335974"/>
               <a:ext cx="63202" cy="63202"/>
             </a:xfrm>
             <a:custGeom>
@@ -29041,7 +29041,7 @@
           </p:nvSpPr>
           <p:spPr>
             <a:xfrm>
-              <a:off x="4522456" y="5335783"/>
+              <a:off x="4614662" y="5335904"/>
               <a:ext cx="63202" cy="63202"/>
             </a:xfrm>
             <a:custGeom>
@@ -29084,7 +29084,7 @@
           </p:nvSpPr>
           <p:spPr>
             <a:xfrm>
-              <a:off x="4820655" y="5339397"/>
+              <a:off x="4887813" y="5339583"/>
               <a:ext cx="63202" cy="63202"/>
             </a:xfrm>
             <a:custGeom>
@@ -29127,7 +29127,7 @@
           </p:nvSpPr>
           <p:spPr>
             <a:xfrm>
-              <a:off x="4797168" y="5338210"/>
+              <a:off x="4847566" y="5338359"/>
               <a:ext cx="63202" cy="63202"/>
             </a:xfrm>
             <a:custGeom>
@@ -29170,7 +29170,7 @@
           </p:nvSpPr>
           <p:spPr>
             <a:xfrm>
-              <a:off x="4482809" y="5336694"/>
+              <a:off x="4781828" y="5337141"/>
               <a:ext cx="63202" cy="63202"/>
             </a:xfrm>
             <a:custGeom>
@@ -29213,7 +29213,7 @@
           </p:nvSpPr>
           <p:spPr>
             <a:xfrm>
-              <a:off x="4853805" y="5317369"/>
+              <a:off x="4470707" y="5317369"/>
               <a:ext cx="63202" cy="63202"/>
             </a:xfrm>
             <a:custGeom>
@@ -29256,7 +29256,7 @@
           </p:nvSpPr>
           <p:spPr>
             <a:xfrm>
-              <a:off x="4709883" y="5391024"/>
+              <a:off x="4580458" y="5391149"/>
               <a:ext cx="63202" cy="63202"/>
             </a:xfrm>
             <a:custGeom>
@@ -29299,7 +29299,7 @@
           </p:nvSpPr>
           <p:spPr>
             <a:xfrm>
-              <a:off x="4725635" y="5408714"/>
+              <a:off x="4789008" y="5409008"/>
               <a:ext cx="63202" cy="63202"/>
             </a:xfrm>
             <a:custGeom>
@@ -29342,7 +29342,7 @@
           </p:nvSpPr>
           <p:spPr>
             <a:xfrm>
-              <a:off x="4738320" y="5362870"/>
+              <a:off x="5120263" y="5363202"/>
               <a:ext cx="63202" cy="63202"/>
             </a:xfrm>
             <a:custGeom>
@@ -29385,7 +29385,7 @@
           </p:nvSpPr>
           <p:spPr>
             <a:xfrm>
-              <a:off x="4817137" y="5387620"/>
+              <a:off x="4824634" y="5387914"/>
               <a:ext cx="63202" cy="63202"/>
             </a:xfrm>
             <a:custGeom>
@@ -29428,7 +29428,7 @@
           </p:nvSpPr>
           <p:spPr>
             <a:xfrm>
-              <a:off x="4914448" y="5394817"/>
+              <a:off x="4928871" y="5394879"/>
               <a:ext cx="63202" cy="63202"/>
             </a:xfrm>
             <a:custGeom>
@@ -29471,7 +29471,7 @@
           </p:nvSpPr>
           <p:spPr>
             <a:xfrm>
-              <a:off x="4824638" y="5374999"/>
+              <a:off x="4445436" y="5375268"/>
               <a:ext cx="63202" cy="63202"/>
             </a:xfrm>
             <a:custGeom>
@@ -29514,7 +29514,7 @@
           </p:nvSpPr>
           <p:spPr>
             <a:xfrm>
-              <a:off x="4560181" y="5336761"/>
+              <a:off x="4693733" y="5337120"/>
               <a:ext cx="63202" cy="63202"/>
             </a:xfrm>
             <a:custGeom>
@@ -29557,7 +29557,7 @@
           </p:nvSpPr>
           <p:spPr>
             <a:xfrm>
-              <a:off x="4732790" y="5393971"/>
+              <a:off x="4803217" y="5394196"/>
               <a:ext cx="63202" cy="63202"/>
             </a:xfrm>
             <a:custGeom>
@@ -29600,7 +29600,7 @@
           </p:nvSpPr>
           <p:spPr>
             <a:xfrm>
-              <a:off x="4647317" y="5349819"/>
+              <a:off x="4472357" y="5350035"/>
               <a:ext cx="63202" cy="63202"/>
             </a:xfrm>
             <a:custGeom>
@@ -29643,7 +29643,7 @@
           </p:nvSpPr>
           <p:spPr>
             <a:xfrm>
-              <a:off x="4457675" y="5338971"/>
+              <a:off x="4494832" y="5339175"/>
               <a:ext cx="63202" cy="63202"/>
             </a:xfrm>
             <a:custGeom>
@@ -29686,7 +29686,7 @@
           </p:nvSpPr>
           <p:spPr>
             <a:xfrm>
-              <a:off x="5106060" y="5767743"/>
+              <a:off x="4781563" y="5767978"/>
               <a:ext cx="63202" cy="63202"/>
             </a:xfrm>
             <a:custGeom>
@@ -29729,7 +29729,7 @@
           </p:nvSpPr>
           <p:spPr>
             <a:xfrm>
-              <a:off x="4610707" y="5341728"/>
+              <a:off x="4484680" y="5341698"/>
               <a:ext cx="63202" cy="63202"/>
             </a:xfrm>
             <a:custGeom>
@@ -29772,7 +29772,7 @@
           </p:nvSpPr>
           <p:spPr>
             <a:xfrm>
-              <a:off x="4633837" y="5341505"/>
+              <a:off x="5133104" y="5341702"/>
               <a:ext cx="63202" cy="63202"/>
             </a:xfrm>
             <a:custGeom>
@@ -29815,7 +29815,7 @@
           </p:nvSpPr>
           <p:spPr>
             <a:xfrm>
-              <a:off x="5093301" y="5341583"/>
+              <a:off x="4817674" y="5341922"/>
               <a:ext cx="63202" cy="63202"/>
             </a:xfrm>
             <a:custGeom>
@@ -29858,7 +29858,7 @@
           </p:nvSpPr>
           <p:spPr>
             <a:xfrm>
-              <a:off x="4452082" y="5331877"/>
+              <a:off x="4518439" y="5332260"/>
               <a:ext cx="63202" cy="63202"/>
             </a:xfrm>
             <a:custGeom>
@@ -29901,7 +29901,7 @@
           </p:nvSpPr>
           <p:spPr>
             <a:xfrm>
-              <a:off x="4600720" y="5382911"/>
+              <a:off x="4655195" y="5383202"/>
               <a:ext cx="63202" cy="63202"/>
             </a:xfrm>
             <a:custGeom>
@@ -29944,7 +29944,7 @@
           </p:nvSpPr>
           <p:spPr>
             <a:xfrm>
-              <a:off x="4965745" y="5396941"/>
+              <a:off x="4647559" y="5397167"/>
               <a:ext cx="63202" cy="63202"/>
             </a:xfrm>
             <a:custGeom>
@@ -29987,7 +29987,7 @@
           </p:nvSpPr>
           <p:spPr>
             <a:xfrm>
-              <a:off x="4519889" y="5324535"/>
+              <a:off x="4704352" y="5324853"/>
               <a:ext cx="63202" cy="63202"/>
             </a:xfrm>
             <a:custGeom>
@@ -30030,7 +30030,7 @@
           </p:nvSpPr>
           <p:spPr>
             <a:xfrm>
-              <a:off x="4534628" y="5350683"/>
+              <a:off x="4792767" y="5351145"/>
               <a:ext cx="63202" cy="63202"/>
             </a:xfrm>
             <a:custGeom>
@@ -30073,7 +30073,7 @@
           </p:nvSpPr>
           <p:spPr>
             <a:xfrm>
-              <a:off x="4967685" y="5343744"/>
+              <a:off x="5005717" y="5343928"/>
               <a:ext cx="63202" cy="63202"/>
             </a:xfrm>
             <a:custGeom>
@@ -30116,7 +30116,7 @@
           </p:nvSpPr>
           <p:spPr>
             <a:xfrm>
-              <a:off x="4966696" y="5341074"/>
+              <a:off x="4445266" y="5341470"/>
               <a:ext cx="63202" cy="63202"/>
             </a:xfrm>
             <a:custGeom>
@@ -30159,7 +30159,7 @@
           </p:nvSpPr>
           <p:spPr>
             <a:xfrm>
-              <a:off x="4826459" y="5550682"/>
+              <a:off x="5068192" y="5550921"/>
               <a:ext cx="63202" cy="63202"/>
             </a:xfrm>
             <a:custGeom>
@@ -30202,7 +30202,7 @@
           </p:nvSpPr>
           <p:spPr>
             <a:xfrm>
-              <a:off x="4688351" y="5355453"/>
+              <a:off x="4993460" y="5355713"/>
               <a:ext cx="63202" cy="63202"/>
             </a:xfrm>
             <a:custGeom>
@@ -30245,7 +30245,7 @@
           </p:nvSpPr>
           <p:spPr>
             <a:xfrm>
-              <a:off x="4972547" y="5440143"/>
+              <a:off x="4506385" y="5440320"/>
               <a:ext cx="63202" cy="63202"/>
             </a:xfrm>
             <a:custGeom>
@@ -30288,7 +30288,7 @@
           </p:nvSpPr>
           <p:spPr>
             <a:xfrm>
-              <a:off x="4572355" y="5383929"/>
+              <a:off x="4685288" y="5384235"/>
               <a:ext cx="63202" cy="63202"/>
             </a:xfrm>
             <a:custGeom>
@@ -30331,7 +30331,7 @@
           </p:nvSpPr>
           <p:spPr>
             <a:xfrm>
-              <a:off x="4642786" y="5339879"/>
+              <a:off x="5041995" y="5339910"/>
               <a:ext cx="63202" cy="63202"/>
             </a:xfrm>
             <a:custGeom>
@@ -30374,7 +30374,7 @@
           </p:nvSpPr>
           <p:spPr>
             <a:xfrm>
-              <a:off x="4955010" y="5344217"/>
+              <a:off x="4514710" y="5344416"/>
               <a:ext cx="63202" cy="63202"/>
             </a:xfrm>
             <a:custGeom>
@@ -30417,7 +30417,7 @@
           </p:nvSpPr>
           <p:spPr>
             <a:xfrm>
-              <a:off x="4675212" y="5404860"/>
+              <a:off x="5094315" y="5405185"/>
               <a:ext cx="63202" cy="63202"/>
             </a:xfrm>
             <a:custGeom>
@@ -30460,7 +30460,7 @@
           </p:nvSpPr>
           <p:spPr>
             <a:xfrm>
-              <a:off x="4857080" y="5395792"/>
+              <a:off x="4789568" y="5395870"/>
               <a:ext cx="63202" cy="63202"/>
             </a:xfrm>
             <a:custGeom>
@@ -30503,7 +30503,7 @@
           </p:nvSpPr>
           <p:spPr>
             <a:xfrm>
-              <a:off x="4613625" y="5440392"/>
+              <a:off x="4660509" y="5440499"/>
               <a:ext cx="63202" cy="63202"/>
             </a:xfrm>
             <a:custGeom>
@@ -30546,7 +30546,7 @@
           </p:nvSpPr>
           <p:spPr>
             <a:xfrm>
-              <a:off x="4729713" y="5358911"/>
+              <a:off x="4916136" y="5359249"/>
               <a:ext cx="63202" cy="63202"/>
             </a:xfrm>
             <a:custGeom>
@@ -30589,7 +30589,7 @@
           </p:nvSpPr>
           <p:spPr>
             <a:xfrm>
-              <a:off x="4602074" y="5367848"/>
+              <a:off x="4643017" y="5367860"/>
               <a:ext cx="63202" cy="63202"/>
             </a:xfrm>
             <a:custGeom>
@@ -30632,7 +30632,7 @@
           </p:nvSpPr>
           <p:spPr>
             <a:xfrm>
-              <a:off x="4999480" y="5395296"/>
+              <a:off x="4583805" y="5395554"/>
               <a:ext cx="63202" cy="63202"/>
             </a:xfrm>
             <a:custGeom>
@@ -30675,7 +30675,7 @@
           </p:nvSpPr>
           <p:spPr>
             <a:xfrm>
-              <a:off x="4507613" y="5352188"/>
+              <a:off x="4678927" y="5352610"/>
               <a:ext cx="63202" cy="63202"/>
             </a:xfrm>
             <a:custGeom>
@@ -30718,7 +30718,7 @@
           </p:nvSpPr>
           <p:spPr>
             <a:xfrm>
-              <a:off x="4873355" y="5385499"/>
+              <a:off x="4563097" y="5385577"/>
               <a:ext cx="63202" cy="63202"/>
             </a:xfrm>
             <a:custGeom>
@@ -30761,7 +30761,7 @@
           </p:nvSpPr>
           <p:spPr>
             <a:xfrm>
-              <a:off x="5112600" y="5395288"/>
+              <a:off x="5093583" y="5395641"/>
               <a:ext cx="63202" cy="63202"/>
             </a:xfrm>
             <a:custGeom>
@@ -30804,7 +30804,7 @@
           </p:nvSpPr>
           <p:spPr>
             <a:xfrm>
-              <a:off x="4451602" y="5345187"/>
+              <a:off x="4488958" y="5345630"/>
               <a:ext cx="63202" cy="63202"/>
             </a:xfrm>
             <a:custGeom>
@@ -30847,7 +30847,7 @@
           </p:nvSpPr>
           <p:spPr>
             <a:xfrm>
-              <a:off x="4747121" y="5533364"/>
+              <a:off x="4792031" y="5533636"/>
               <a:ext cx="63202" cy="63202"/>
             </a:xfrm>
             <a:custGeom>
@@ -30890,7 +30890,7 @@
           </p:nvSpPr>
           <p:spPr>
             <a:xfrm>
-              <a:off x="4931227" y="5379794"/>
+              <a:off x="4642854" y="5380296"/>
               <a:ext cx="63202" cy="63202"/>
             </a:xfrm>
             <a:custGeom>
@@ -30933,7 +30933,7 @@
           </p:nvSpPr>
           <p:spPr>
             <a:xfrm>
-              <a:off x="4792777" y="5385500"/>
+              <a:off x="4886918" y="5385784"/>
               <a:ext cx="63202" cy="63202"/>
             </a:xfrm>
             <a:custGeom>
@@ -30976,7 +30976,7 @@
           </p:nvSpPr>
           <p:spPr>
             <a:xfrm>
-              <a:off x="4519450" y="5398726"/>
+              <a:off x="4498032" y="5398862"/>
               <a:ext cx="63202" cy="63202"/>
             </a:xfrm>
             <a:custGeom>
@@ -31019,7 +31019,7 @@
           </p:nvSpPr>
           <p:spPr>
             <a:xfrm>
-              <a:off x="4785308" y="5404181"/>
+              <a:off x="4711610" y="5404560"/>
               <a:ext cx="63202" cy="63202"/>
             </a:xfrm>
             <a:custGeom>
@@ -31062,7 +31062,7 @@
           </p:nvSpPr>
           <p:spPr>
             <a:xfrm>
-              <a:off x="4553977" y="5325415"/>
+              <a:off x="4537039" y="5325516"/>
               <a:ext cx="63202" cy="63202"/>
             </a:xfrm>
             <a:custGeom>
@@ -31105,7 +31105,7 @@
           </p:nvSpPr>
           <p:spPr>
             <a:xfrm>
-              <a:off x="4443732" y="5438046"/>
+              <a:off x="4952679" y="5438325"/>
               <a:ext cx="63202" cy="63202"/>
             </a:xfrm>
             <a:custGeom>
@@ -31148,7 +31148,7 @@
           </p:nvSpPr>
           <p:spPr>
             <a:xfrm>
-              <a:off x="4748112" y="5632642"/>
+              <a:off x="4941107" y="5632678"/>
               <a:ext cx="63202" cy="63202"/>
             </a:xfrm>
             <a:custGeom>
@@ -31191,7 +31191,7 @@
           </p:nvSpPr>
           <p:spPr>
             <a:xfrm>
-              <a:off x="5121874" y="5954773"/>
+              <a:off x="5077779" y="5954871"/>
               <a:ext cx="63202" cy="63202"/>
             </a:xfrm>
             <a:custGeom>
@@ -31234,7 +31234,7 @@
           </p:nvSpPr>
           <p:spPr>
             <a:xfrm>
-              <a:off x="4890271" y="5791203"/>
+              <a:off x="4835240" y="5791153"/>
               <a:ext cx="63202" cy="63202"/>
             </a:xfrm>
             <a:custGeom>
@@ -31277,7 +31277,7 @@
           </p:nvSpPr>
           <p:spPr>
             <a:xfrm>
-              <a:off x="4993526" y="5351659"/>
+              <a:off x="4429490" y="5351720"/>
               <a:ext cx="63202" cy="63202"/>
             </a:xfrm>
             <a:custGeom>
@@ -31320,7 +31320,7 @@
           </p:nvSpPr>
           <p:spPr>
             <a:xfrm>
-              <a:off x="4700450" y="5460075"/>
+              <a:off x="4929341" y="5460028"/>
               <a:ext cx="63202" cy="63202"/>
             </a:xfrm>
             <a:custGeom>
@@ -31363,7 +31363,7 @@
           </p:nvSpPr>
           <p:spPr>
             <a:xfrm>
-              <a:off x="4942678" y="5443686"/>
+              <a:off x="4902969" y="5443981"/>
               <a:ext cx="63202" cy="63202"/>
             </a:xfrm>
             <a:custGeom>
@@ -31406,7 +31406,7 @@
           </p:nvSpPr>
           <p:spPr>
             <a:xfrm>
-              <a:off x="4927337" y="5358845"/>
+              <a:off x="4944260" y="5359047"/>
               <a:ext cx="63202" cy="63202"/>
             </a:xfrm>
             <a:custGeom>
@@ -31449,7 +31449,7 @@
           </p:nvSpPr>
           <p:spPr>
             <a:xfrm>
-              <a:off x="4597016" y="5530592"/>
+              <a:off x="5095549" y="5530961"/>
               <a:ext cx="63202" cy="63202"/>
             </a:xfrm>
             <a:custGeom>
@@ -31492,7 +31492,7 @@
           </p:nvSpPr>
           <p:spPr>
             <a:xfrm>
-              <a:off x="4762071" y="5331660"/>
+              <a:off x="4863036" y="5331855"/>
               <a:ext cx="63202" cy="63202"/>
             </a:xfrm>
             <a:custGeom>
@@ -31535,7 +31535,7 @@
           </p:nvSpPr>
           <p:spPr>
             <a:xfrm>
-              <a:off x="4545538" y="5684239"/>
+              <a:off x="4971573" y="5684247"/>
               <a:ext cx="63202" cy="63202"/>
             </a:xfrm>
             <a:custGeom>
@@ -31578,7 +31578,7 @@
           </p:nvSpPr>
           <p:spPr>
             <a:xfrm>
-              <a:off x="4849480" y="5352961"/>
+              <a:off x="4454301" y="5353179"/>
               <a:ext cx="63202" cy="63202"/>
             </a:xfrm>
             <a:custGeom>
@@ -31621,7 +31621,7 @@
           </p:nvSpPr>
           <p:spPr>
             <a:xfrm>
-              <a:off x="4852933" y="5780585"/>
+              <a:off x="4448089" y="5780840"/>
               <a:ext cx="63202" cy="63202"/>
             </a:xfrm>
             <a:custGeom>
@@ -31664,7 +31664,7 @@
           </p:nvSpPr>
           <p:spPr>
             <a:xfrm>
-              <a:off x="4680446" y="5362479"/>
+              <a:off x="4830464" y="5362912"/>
               <a:ext cx="63202" cy="63202"/>
             </a:xfrm>
             <a:custGeom>
@@ -31707,7 +31707,7 @@
           </p:nvSpPr>
           <p:spPr>
             <a:xfrm>
-              <a:off x="5108785" y="5333751"/>
+              <a:off x="4482792" y="5334212"/>
               <a:ext cx="63202" cy="63202"/>
             </a:xfrm>
             <a:custGeom>
@@ -31750,7 +31750,7 @@
           </p:nvSpPr>
           <p:spPr>
             <a:xfrm>
-              <a:off x="4666100" y="5343294"/>
+              <a:off x="5126693" y="5343532"/>
               <a:ext cx="63202" cy="63202"/>
             </a:xfrm>
             <a:custGeom>
@@ -31793,7 +31793,7 @@
           </p:nvSpPr>
           <p:spPr>
             <a:xfrm>
-              <a:off x="5077761" y="5325371"/>
+              <a:off x="5008827" y="5325709"/>
               <a:ext cx="63202" cy="63202"/>
             </a:xfrm>
             <a:custGeom>
@@ -31836,7 +31836,7 @@
           </p:nvSpPr>
           <p:spPr>
             <a:xfrm>
-              <a:off x="5067878" y="5350409"/>
+              <a:off x="4791585" y="5350655"/>
               <a:ext cx="63202" cy="63202"/>
             </a:xfrm>
             <a:custGeom>
@@ -31879,7 +31879,7 @@
           </p:nvSpPr>
           <p:spPr>
             <a:xfrm>
-              <a:off x="4796501" y="5340220"/>
+              <a:off x="4884120" y="5340487"/>
               <a:ext cx="63202" cy="63202"/>
             </a:xfrm>
             <a:custGeom>
@@ -31922,7 +31922,7 @@
           </p:nvSpPr>
           <p:spPr>
             <a:xfrm>
-              <a:off x="4944797" y="5352504"/>
+              <a:off x="4648238" y="5352973"/>
               <a:ext cx="63202" cy="63202"/>
             </a:xfrm>
             <a:custGeom>
@@ -31965,7 +31965,7 @@
           </p:nvSpPr>
           <p:spPr>
             <a:xfrm>
-              <a:off x="4515051" y="5352530"/>
+              <a:off x="4927503" y="5352908"/>
               <a:ext cx="63202" cy="63202"/>
             </a:xfrm>
             <a:custGeom>
@@ -32008,7 +32008,7 @@
           </p:nvSpPr>
           <p:spPr>
             <a:xfrm>
-              <a:off x="4878764" y="5352618"/>
+              <a:off x="4835513" y="5352992"/>
               <a:ext cx="63202" cy="63202"/>
             </a:xfrm>
             <a:custGeom>
@@ -32051,7 +32051,7 @@
           </p:nvSpPr>
           <p:spPr>
             <a:xfrm>
-              <a:off x="4819282" y="5352603"/>
+              <a:off x="4862799" y="5352846"/>
               <a:ext cx="63202" cy="63202"/>
             </a:xfrm>
             <a:custGeom>
@@ -32094,7 +32094,7 @@
           </p:nvSpPr>
           <p:spPr>
             <a:xfrm>
-              <a:off x="4968094" y="5389919"/>
+              <a:off x="5125746" y="5390060"/>
               <a:ext cx="63202" cy="63202"/>
             </a:xfrm>
             <a:custGeom>
@@ -32137,7 +32137,7 @@
           </p:nvSpPr>
           <p:spPr>
             <a:xfrm>
-              <a:off x="4638533" y="5350741"/>
+              <a:off x="4770449" y="5350969"/>
               <a:ext cx="63202" cy="63202"/>
             </a:xfrm>
             <a:custGeom>
@@ -32180,7 +32180,7 @@
           </p:nvSpPr>
           <p:spPr>
             <a:xfrm>
-              <a:off x="4863547" y="5700658"/>
+              <a:off x="4434175" y="5700724"/>
               <a:ext cx="63202" cy="63202"/>
             </a:xfrm>
             <a:custGeom>
@@ -32223,7 +32223,7 @@
           </p:nvSpPr>
           <p:spPr>
             <a:xfrm>
-              <a:off x="5356377" y="6539793"/>
+              <a:off x="6007295" y="6539793"/>
               <a:ext cx="63202" cy="63202"/>
             </a:xfrm>
             <a:custGeom>
@@ -32266,7 +32266,7 @@
           </p:nvSpPr>
           <p:spPr>
             <a:xfrm>
-              <a:off x="4517300" y="5357565"/>
+              <a:off x="4922810" y="5357812"/>
               <a:ext cx="63202" cy="63202"/>
             </a:xfrm>
             <a:custGeom>
@@ -32309,7 +32309,7 @@
           </p:nvSpPr>
           <p:spPr>
             <a:xfrm>
-              <a:off x="4435196" y="5334466"/>
+              <a:off x="4951678" y="5334821"/>
               <a:ext cx="63202" cy="63202"/>
             </a:xfrm>
             <a:custGeom>
@@ -32352,7 +32352,7 @@
           </p:nvSpPr>
           <p:spPr>
             <a:xfrm>
-              <a:off x="4454458" y="5330121"/>
+              <a:off x="4864330" y="5330267"/>
               <a:ext cx="63202" cy="63202"/>
             </a:xfrm>
             <a:custGeom>
@@ -32395,7 +32395,7 @@
           </p:nvSpPr>
           <p:spPr>
             <a:xfrm>
-              <a:off x="4474656" y="5526209"/>
+              <a:off x="4477487" y="5526453"/>
               <a:ext cx="63202" cy="63202"/>
             </a:xfrm>
             <a:custGeom>
@@ -32438,7 +32438,7 @@
           </p:nvSpPr>
           <p:spPr>
             <a:xfrm>
-              <a:off x="4512815" y="5364490"/>
+              <a:off x="4786764" y="5364568"/>
               <a:ext cx="63202" cy="63202"/>
             </a:xfrm>
             <a:custGeom>
@@ -32481,7 +32481,7 @@
           </p:nvSpPr>
           <p:spPr>
             <a:xfrm>
-              <a:off x="4433850" y="5362744"/>
+              <a:off x="4632019" y="5362793"/>
               <a:ext cx="63202" cy="63202"/>
             </a:xfrm>
             <a:custGeom>
@@ -32524,7 +32524,7 @@
           </p:nvSpPr>
           <p:spPr>
             <a:xfrm>
-              <a:off x="4749085" y="5336733"/>
+              <a:off x="4429603" y="5336906"/>
               <a:ext cx="63202" cy="63202"/>
             </a:xfrm>
             <a:custGeom>
@@ -32623,7 +32623,7 @@
           </p:nvSpPr>
           <p:spPr>
             <a:xfrm>
-              <a:off x="7171360" y="2806780"/>
+              <a:off x="7171360" y="2806695"/>
               <a:ext cx="2817450" cy="0"/>
             </a:xfrm>
             <a:custGeom>
@@ -32666,7 +32666,7 @@
           </p:nvSpPr>
           <p:spPr>
             <a:xfrm>
-              <a:off x="7171360" y="2438057"/>
+              <a:off x="7171360" y="2438063"/>
               <a:ext cx="2817450" cy="0"/>
             </a:xfrm>
             <a:custGeom>
@@ -32709,7 +32709,7 @@
           </p:nvSpPr>
           <p:spPr>
             <a:xfrm>
-              <a:off x="7171360" y="2069335"/>
+              <a:off x="7171360" y="2069432"/>
               <a:ext cx="2817450" cy="0"/>
             </a:xfrm>
             <a:custGeom>
@@ -32752,7 +32752,7 @@
           </p:nvSpPr>
           <p:spPr>
             <a:xfrm>
-              <a:off x="7171360" y="1700613"/>
+              <a:off x="7171360" y="1700800"/>
               <a:ext cx="2817450" cy="0"/>
             </a:xfrm>
             <a:custGeom>
@@ -32795,7 +32795,7 @@
           </p:nvSpPr>
           <p:spPr>
             <a:xfrm>
-              <a:off x="7171360" y="2991141"/>
+              <a:off x="7171360" y="2991011"/>
               <a:ext cx="2817450" cy="0"/>
             </a:xfrm>
             <a:custGeom>
@@ -32838,7 +32838,7 @@
           </p:nvSpPr>
           <p:spPr>
             <a:xfrm>
-              <a:off x="7171360" y="2622418"/>
+              <a:off x="7171360" y="2622379"/>
               <a:ext cx="2817450" cy="0"/>
             </a:xfrm>
             <a:custGeom>
@@ -32881,7 +32881,7 @@
           </p:nvSpPr>
           <p:spPr>
             <a:xfrm>
-              <a:off x="7171360" y="2253696"/>
+              <a:off x="7171360" y="2253748"/>
               <a:ext cx="2817450" cy="0"/>
             </a:xfrm>
             <a:custGeom>
@@ -32924,7 +32924,7 @@
           </p:nvSpPr>
           <p:spPr>
             <a:xfrm>
-              <a:off x="7171360" y="1884974"/>
+              <a:off x="7171360" y="1885116"/>
               <a:ext cx="2817450" cy="0"/>
             </a:xfrm>
             <a:custGeom>
@@ -32967,7 +32967,7 @@
           </p:nvSpPr>
           <p:spPr>
             <a:xfrm>
-              <a:off x="7171360" y="1516252"/>
+              <a:off x="7171360" y="1516484"/>
               <a:ext cx="2817450" cy="0"/>
             </a:xfrm>
             <a:custGeom>
@@ -33139,7 +33139,7 @@
           </p:nvSpPr>
           <p:spPr>
             <a:xfrm>
-              <a:off x="9147052" y="2938233"/>
+              <a:off x="9207878" y="2937999"/>
               <a:ext cx="63202" cy="63202"/>
             </a:xfrm>
             <a:custGeom>
@@ -33182,7 +33182,7 @@
           </p:nvSpPr>
           <p:spPr>
             <a:xfrm>
-              <a:off x="7408154" y="2180193"/>
+              <a:off x="7937909" y="2180052"/>
               <a:ext cx="63202" cy="63202"/>
             </a:xfrm>
             <a:custGeom>
@@ -33225,7 +33225,7 @@
           </p:nvSpPr>
           <p:spPr>
             <a:xfrm>
-              <a:off x="7478597" y="2187739"/>
+              <a:off x="7642581" y="2187775"/>
               <a:ext cx="63202" cy="63202"/>
             </a:xfrm>
             <a:custGeom>
@@ -33268,7 +33268,7 @@
           </p:nvSpPr>
           <p:spPr>
             <a:xfrm>
-              <a:off x="7935350" y="2209696"/>
+              <a:off x="7596945" y="2209733"/>
               <a:ext cx="63202" cy="63202"/>
             </a:xfrm>
             <a:custGeom>
@@ -33311,7 +33311,7 @@
           </p:nvSpPr>
           <p:spPr>
             <a:xfrm>
-              <a:off x="7351305" y="2200818"/>
+              <a:off x="7391668" y="2200630"/>
               <a:ext cx="63202" cy="63202"/>
             </a:xfrm>
             <a:custGeom>
@@ -33354,7 +33354,7 @@
           </p:nvSpPr>
           <p:spPr>
             <a:xfrm>
-              <a:off x="7918659" y="2105911"/>
+              <a:off x="7978052" y="2106115"/>
               <a:ext cx="63202" cy="63202"/>
             </a:xfrm>
             <a:custGeom>
@@ -33397,7 +33397,7 @@
           </p:nvSpPr>
           <p:spPr>
             <a:xfrm>
-              <a:off x="8674143" y="2267081"/>
+              <a:off x="8815381" y="2267013"/>
               <a:ext cx="63202" cy="63202"/>
             </a:xfrm>
             <a:custGeom>
@@ -33440,7 +33440,7 @@
           </p:nvSpPr>
           <p:spPr>
             <a:xfrm>
-              <a:off x="7750070" y="2178252"/>
+              <a:off x="7921470" y="2178385"/>
               <a:ext cx="63202" cy="63202"/>
             </a:xfrm>
             <a:custGeom>
@@ -33483,7 +33483,7 @@
           </p:nvSpPr>
           <p:spPr>
             <a:xfrm>
-              <a:off x="7554135" y="2200300"/>
+              <a:off x="7635804" y="2200335"/>
               <a:ext cx="63202" cy="63202"/>
             </a:xfrm>
             <a:custGeom>
@@ -33526,7 +33526,7 @@
           </p:nvSpPr>
           <p:spPr>
             <a:xfrm>
-              <a:off x="7645597" y="2194464"/>
+              <a:off x="7327124" y="2194482"/>
               <a:ext cx="63202" cy="63202"/>
             </a:xfrm>
             <a:custGeom>
@@ -33569,7 +33569,7 @@
           </p:nvSpPr>
           <p:spPr>
             <a:xfrm>
-              <a:off x="8790001" y="2267500"/>
+              <a:off x="8690514" y="2267622"/>
               <a:ext cx="63202" cy="63202"/>
             </a:xfrm>
             <a:custGeom>
@@ -33612,7 +33612,7 @@
           </p:nvSpPr>
           <p:spPr>
             <a:xfrm>
-              <a:off x="8680085" y="2340042"/>
+              <a:off x="8892647" y="2340101"/>
               <a:ext cx="63202" cy="63202"/>
             </a:xfrm>
             <a:custGeom>
@@ -33655,7 +33655,7 @@
           </p:nvSpPr>
           <p:spPr>
             <a:xfrm>
-              <a:off x="8682342" y="2268935"/>
+              <a:off x="8891703" y="2269014"/>
               <a:ext cx="63202" cy="63202"/>
             </a:xfrm>
             <a:custGeom>
@@ -33698,7 +33698,7 @@
           </p:nvSpPr>
           <p:spPr>
             <a:xfrm>
-              <a:off x="8634690" y="2465916"/>
+              <a:off x="8733415" y="2465867"/>
               <a:ext cx="63202" cy="63202"/>
             </a:xfrm>
             <a:custGeom>
@@ -33741,7 +33741,7 @@
           </p:nvSpPr>
           <p:spPr>
             <a:xfrm>
-              <a:off x="8355909" y="2263700"/>
+              <a:off x="8512607" y="2263683"/>
               <a:ext cx="63202" cy="63202"/>
             </a:xfrm>
             <a:custGeom>
@@ -33784,7 +33784,7 @@
           </p:nvSpPr>
           <p:spPr>
             <a:xfrm>
-              <a:off x="7742239" y="2205168"/>
+              <a:off x="7472449" y="2205161"/>
               <a:ext cx="63202" cy="63202"/>
             </a:xfrm>
             <a:custGeom>
@@ -33827,7 +33827,7 @@
           </p:nvSpPr>
           <p:spPr>
             <a:xfrm>
-              <a:off x="8596715" y="2415783"/>
+              <a:off x="8734329" y="2415656"/>
               <a:ext cx="63202" cy="63202"/>
             </a:xfrm>
             <a:custGeom>
@@ -33870,7 +33870,7 @@
           </p:nvSpPr>
           <p:spPr>
             <a:xfrm>
-              <a:off x="8712608" y="2300926"/>
+              <a:off x="8770337" y="2300895"/>
               <a:ext cx="63202" cy="63202"/>
             </a:xfrm>
             <a:custGeom>
@@ -33913,7 +33913,7 @@
           </p:nvSpPr>
           <p:spPr>
             <a:xfrm>
-              <a:off x="8795457" y="2259703"/>
+              <a:off x="8673568" y="2259803"/>
               <a:ext cx="63202" cy="63202"/>
             </a:xfrm>
             <a:custGeom>
@@ -33956,7 +33956,7 @@
           </p:nvSpPr>
           <p:spPr>
             <a:xfrm>
-              <a:off x="7369523" y="2179915"/>
+              <a:off x="7610446" y="2180131"/>
               <a:ext cx="63202" cy="63202"/>
             </a:xfrm>
             <a:custGeom>
@@ -33999,7 +33999,7 @@
           </p:nvSpPr>
           <p:spPr>
             <a:xfrm>
-              <a:off x="8778974" y="2360677"/>
+              <a:off x="8276765" y="2360622"/>
               <a:ext cx="63202" cy="63202"/>
             </a:xfrm>
             <a:custGeom>
@@ -34042,7 +34042,7 @@
           </p:nvSpPr>
           <p:spPr>
             <a:xfrm>
-              <a:off x="8776217" y="2256153"/>
+              <a:off x="8427977" y="2256017"/>
               <a:ext cx="63202" cy="63202"/>
             </a:xfrm>
             <a:custGeom>
@@ -34085,7 +34085,7 @@
           </p:nvSpPr>
           <p:spPr>
             <a:xfrm>
-              <a:off x="8674528" y="2268934"/>
+              <a:off x="8685349" y="2268854"/>
               <a:ext cx="63202" cy="63202"/>
             </a:xfrm>
             <a:custGeom>
@@ -34128,7 +34128,7 @@
           </p:nvSpPr>
           <p:spPr>
             <a:xfrm>
-              <a:off x="7966458" y="2076377"/>
+              <a:off x="8000049" y="2076460"/>
               <a:ext cx="63202" cy="63202"/>
             </a:xfrm>
             <a:custGeom>
@@ -34171,7 +34171,7 @@
           </p:nvSpPr>
           <p:spPr>
             <a:xfrm>
-              <a:off x="8016922" y="2182935"/>
+              <a:off x="7416914" y="2183189"/>
               <a:ext cx="63202" cy="63202"/>
             </a:xfrm>
             <a:custGeom>
@@ -34214,7 +34214,7 @@
           </p:nvSpPr>
           <p:spPr>
             <a:xfrm>
-              <a:off x="8320440" y="2275324"/>
+              <a:off x="8598072" y="2275123"/>
               <a:ext cx="63202" cy="63202"/>
             </a:xfrm>
             <a:custGeom>
@@ -34257,7 +34257,7 @@
           </p:nvSpPr>
           <p:spPr>
             <a:xfrm>
-              <a:off x="8568979" y="2297560"/>
+              <a:off x="8667214" y="2297694"/>
               <a:ext cx="63202" cy="63202"/>
             </a:xfrm>
             <a:custGeom>
@@ -34300,7 +34300,7 @@
           </p:nvSpPr>
           <p:spPr>
             <a:xfrm>
-              <a:off x="9507864" y="2931838"/>
+              <a:off x="9344749" y="2931688"/>
               <a:ext cx="63202" cy="63202"/>
             </a:xfrm>
             <a:custGeom>
@@ -34343,7 +34343,7 @@
           </p:nvSpPr>
           <p:spPr>
             <a:xfrm>
-              <a:off x="7769784" y="2196649"/>
+              <a:off x="7592138" y="2196640"/>
               <a:ext cx="63202" cy="63202"/>
             </a:xfrm>
             <a:custGeom>
@@ -34386,7 +34386,7 @@
           </p:nvSpPr>
           <p:spPr>
             <a:xfrm>
-              <a:off x="7843332" y="2194438"/>
+              <a:off x="7611896" y="2194566"/>
               <a:ext cx="63202" cy="63202"/>
             </a:xfrm>
             <a:custGeom>
@@ -34429,7 +34429,7 @@
           </p:nvSpPr>
           <p:spPr>
             <a:xfrm>
-              <a:off x="7672011" y="2191175"/>
+              <a:off x="7445534" y="2191100"/>
               <a:ext cx="63202" cy="63202"/>
             </a:xfrm>
             <a:custGeom>
@@ -34472,7 +34472,7 @@
           </p:nvSpPr>
           <p:spPr>
             <a:xfrm>
-              <a:off x="7519767" y="2191447"/>
+              <a:off x="7846015" y="2191432"/>
               <a:ext cx="63202" cy="63202"/>
             </a:xfrm>
             <a:custGeom>
@@ -34515,7 +34515,7 @@
           </p:nvSpPr>
           <p:spPr>
             <a:xfrm>
-              <a:off x="7995892" y="2193474"/>
+              <a:off x="7543208" y="2193329"/>
               <a:ext cx="63202" cy="63202"/>
             </a:xfrm>
             <a:custGeom>
@@ -34558,7 +34558,7 @@
           </p:nvSpPr>
           <p:spPr>
             <a:xfrm>
-              <a:off x="7536845" y="2206665"/>
+              <a:off x="7567455" y="2206727"/>
               <a:ext cx="63202" cy="63202"/>
             </a:xfrm>
             <a:custGeom>
@@ -34601,7 +34601,7 @@
           </p:nvSpPr>
           <p:spPr>
             <a:xfrm>
-              <a:off x="8858169" y="2228063"/>
+              <a:off x="8792272" y="2227912"/>
               <a:ext cx="63202" cy="63202"/>
             </a:xfrm>
             <a:custGeom>
@@ -34644,7 +34644,7 @@
           </p:nvSpPr>
           <p:spPr>
             <a:xfrm>
-              <a:off x="8486494" y="2260928"/>
+              <a:off x="8230114" y="2260830"/>
               <a:ext cx="63202" cy="63202"/>
             </a:xfrm>
             <a:custGeom>
@@ -34687,7 +34687,7 @@
           </p:nvSpPr>
           <p:spPr>
             <a:xfrm>
-              <a:off x="8517884" y="2268116"/>
+              <a:off x="8497638" y="2268144"/>
               <a:ext cx="63202" cy="63202"/>
             </a:xfrm>
             <a:custGeom>
@@ -34730,7 +34730,7 @@
           </p:nvSpPr>
           <p:spPr>
             <a:xfrm>
-              <a:off x="8862248" y="2669582"/>
+              <a:off x="8658725" y="2669811"/>
               <a:ext cx="63202" cy="63202"/>
             </a:xfrm>
             <a:custGeom>
@@ -34773,7 +34773,7 @@
           </p:nvSpPr>
           <p:spPr>
             <a:xfrm>
-              <a:off x="7588476" y="2209840"/>
+              <a:off x="7414459" y="2209915"/>
               <a:ext cx="63202" cy="63202"/>
             </a:xfrm>
             <a:custGeom>
@@ -34816,7 +34816,7 @@
           </p:nvSpPr>
           <p:spPr>
             <a:xfrm>
-              <a:off x="7469878" y="2000605"/>
+              <a:off x="7929909" y="2000686"/>
               <a:ext cx="63202" cy="63202"/>
             </a:xfrm>
             <a:custGeom>
@@ -34859,7 +34859,7 @@
           </p:nvSpPr>
           <p:spPr>
             <a:xfrm>
-              <a:off x="7926632" y="2059174"/>
+              <a:off x="7450160" y="2059280"/>
               <a:ext cx="63202" cy="63202"/>
             </a:xfrm>
             <a:custGeom>
@@ -34902,7 +34902,7 @@
           </p:nvSpPr>
           <p:spPr>
             <a:xfrm>
-              <a:off x="7381132" y="2204257"/>
+              <a:off x="7610492" y="2204450"/>
               <a:ext cx="63202" cy="63202"/>
             </a:xfrm>
             <a:custGeom>
@@ -34945,7 +34945,7 @@
           </p:nvSpPr>
           <p:spPr>
             <a:xfrm>
-              <a:off x="7417137" y="2208128"/>
+              <a:off x="7787362" y="2207997"/>
               <a:ext cx="63202" cy="63202"/>
             </a:xfrm>
             <a:custGeom>
@@ -34988,7 +34988,7 @@
           </p:nvSpPr>
           <p:spPr>
             <a:xfrm>
-              <a:off x="7355979" y="2207639"/>
+              <a:off x="7966385" y="2207827"/>
               <a:ext cx="63202" cy="63202"/>
             </a:xfrm>
             <a:custGeom>
@@ -35031,7 +35031,7 @@
           </p:nvSpPr>
           <p:spPr>
             <a:xfrm>
-              <a:off x="7315985" y="2203804"/>
+              <a:off x="7891985" y="2203747"/>
               <a:ext cx="63202" cy="63202"/>
             </a:xfrm>
             <a:custGeom>
@@ -35074,7 +35074,7 @@
           </p:nvSpPr>
           <p:spPr>
             <a:xfrm>
-              <a:off x="7500646" y="2200622"/>
+              <a:off x="7396723" y="2200659"/>
               <a:ext cx="63202" cy="63202"/>
             </a:xfrm>
             <a:custGeom>
@@ -35173,7 +35173,7 @@
           </p:nvSpPr>
           <p:spPr>
             <a:xfrm>
-              <a:off x="7171360" y="4732112"/>
+              <a:off x="7171360" y="4732028"/>
               <a:ext cx="2817450" cy="0"/>
             </a:xfrm>
             <a:custGeom>
@@ -35216,7 +35216,7 @@
           </p:nvSpPr>
           <p:spPr>
             <a:xfrm>
-              <a:off x="7171360" y="4363390"/>
+              <a:off x="7171360" y="4363396"/>
               <a:ext cx="2817450" cy="0"/>
             </a:xfrm>
             <a:custGeom>
@@ -35259,7 +35259,7 @@
           </p:nvSpPr>
           <p:spPr>
             <a:xfrm>
-              <a:off x="7171360" y="3994668"/>
+              <a:off x="7171360" y="3994764"/>
               <a:ext cx="2817450" cy="0"/>
             </a:xfrm>
             <a:custGeom>
@@ -35302,7 +35302,7 @@
           </p:nvSpPr>
           <p:spPr>
             <a:xfrm>
-              <a:off x="7171360" y="3625945"/>
+              <a:off x="7171360" y="3626133"/>
               <a:ext cx="2817450" cy="0"/>
             </a:xfrm>
             <a:custGeom>
@@ -35345,7 +35345,7 @@
           </p:nvSpPr>
           <p:spPr>
             <a:xfrm>
-              <a:off x="7171360" y="4916473"/>
+              <a:off x="7171360" y="4916343"/>
               <a:ext cx="2817450" cy="0"/>
             </a:xfrm>
             <a:custGeom>
@@ -35388,7 +35388,7 @@
           </p:nvSpPr>
           <p:spPr>
             <a:xfrm>
-              <a:off x="7171360" y="4547751"/>
+              <a:off x="7171360" y="4547712"/>
               <a:ext cx="2817450" cy="0"/>
             </a:xfrm>
             <a:custGeom>
@@ -35431,7 +35431,7 @@
           </p:nvSpPr>
           <p:spPr>
             <a:xfrm>
-              <a:off x="7171360" y="4179029"/>
+              <a:off x="7171360" y="4179080"/>
               <a:ext cx="2817450" cy="0"/>
             </a:xfrm>
             <a:custGeom>
@@ -35474,7 +35474,7 @@
           </p:nvSpPr>
           <p:spPr>
             <a:xfrm>
-              <a:off x="7171360" y="3810307"/>
+              <a:off x="7171360" y="3810449"/>
               <a:ext cx="2817450" cy="0"/>
             </a:xfrm>
             <a:custGeom>
@@ -35517,7 +35517,7 @@
           </p:nvSpPr>
           <p:spPr>
             <a:xfrm>
-              <a:off x="7171360" y="3441584"/>
+              <a:off x="7171360" y="3441817"/>
               <a:ext cx="2817450" cy="0"/>
             </a:xfrm>
             <a:custGeom>
@@ -35689,7 +35689,7 @@
           </p:nvSpPr>
           <p:spPr>
             <a:xfrm>
-              <a:off x="8726067" y="4217499"/>
+              <a:off x="8647609" y="4217453"/>
               <a:ext cx="63202" cy="63202"/>
             </a:xfrm>
             <a:custGeom>
@@ -35732,7 +35732,7 @@
           </p:nvSpPr>
           <p:spPr>
             <a:xfrm>
-              <a:off x="8659416" y="4539491"/>
+              <a:off x="8448892" y="4539243"/>
               <a:ext cx="63202" cy="63202"/>
             </a:xfrm>
             <a:custGeom>
@@ -35775,7 +35775,7 @@
           </p:nvSpPr>
           <p:spPr>
             <a:xfrm>
-              <a:off x="9673103" y="4788338"/>
+              <a:off x="9395086" y="4788234"/>
               <a:ext cx="63202" cy="63202"/>
             </a:xfrm>
             <a:custGeom>
@@ -35818,7 +35818,7 @@
           </p:nvSpPr>
           <p:spPr>
             <a:xfrm>
-              <a:off x="9693822" y="4878841"/>
+              <a:off x="9182890" y="4878746"/>
               <a:ext cx="63202" cy="63202"/>
             </a:xfrm>
             <a:custGeom>
@@ -35861,7 +35861,7 @@
           </p:nvSpPr>
           <p:spPr>
             <a:xfrm>
-              <a:off x="9420957" y="4831006"/>
+              <a:off x="9397358" y="4830932"/>
               <a:ext cx="63202" cy="63202"/>
             </a:xfrm>
             <a:custGeom>
@@ -35904,7 +35904,7 @@
           </p:nvSpPr>
           <p:spPr>
             <a:xfrm>
-              <a:off x="8326000" y="4411821"/>
+              <a:off x="8457307" y="4411899"/>
               <a:ext cx="63202" cy="63202"/>
             </a:xfrm>
             <a:custGeom>
@@ -35947,7 +35947,7 @@
           </p:nvSpPr>
           <p:spPr>
             <a:xfrm>
-              <a:off x="8202371" y="4674645"/>
+              <a:off x="8827164" y="4674532"/>
               <a:ext cx="63202" cy="63202"/>
             </a:xfrm>
             <a:custGeom>
@@ -35990,7 +35990,7 @@
           </p:nvSpPr>
           <p:spPr>
             <a:xfrm>
-              <a:off x="8241196" y="4195028"/>
+              <a:off x="8230005" y="4195154"/>
               <a:ext cx="63202" cy="63202"/>
             </a:xfrm>
             <a:custGeom>
@@ -36033,7 +36033,7 @@
           </p:nvSpPr>
           <p:spPr>
             <a:xfrm>
-              <a:off x="9773439" y="4817119"/>
+              <a:off x="9199806" y="4816976"/>
               <a:ext cx="63202" cy="63202"/>
             </a:xfrm>
             <a:custGeom>
@@ -36076,7 +36076,7 @@
           </p:nvSpPr>
           <p:spPr>
             <a:xfrm>
-              <a:off x="8371068" y="4565923"/>
+              <a:off x="8704827" y="4565772"/>
               <a:ext cx="63202" cy="63202"/>
             </a:xfrm>
             <a:custGeom>
@@ -36119,7 +36119,7 @@
           </p:nvSpPr>
           <p:spPr>
             <a:xfrm>
-              <a:off x="8258243" y="4575603"/>
+              <a:off x="8570408" y="4575367"/>
               <a:ext cx="63202" cy="63202"/>
             </a:xfrm>
             <a:custGeom>
@@ -36162,7 +36162,7 @@
           </p:nvSpPr>
           <p:spPr>
             <a:xfrm>
-              <a:off x="8502606" y="4152324"/>
+              <a:off x="8271583" y="4152305"/>
               <a:ext cx="63202" cy="63202"/>
             </a:xfrm>
             <a:custGeom>
@@ -36205,7 +36205,7 @@
           </p:nvSpPr>
           <p:spPr>
             <a:xfrm>
-              <a:off x="8846761" y="4250645"/>
+              <a:off x="8785247" y="4250717"/>
               <a:ext cx="63202" cy="63202"/>
             </a:xfrm>
             <a:custGeom>
@@ -36248,7 +36248,7 @@
           </p:nvSpPr>
           <p:spPr>
             <a:xfrm>
-              <a:off x="9245661" y="4731508"/>
+              <a:off x="9354011" y="4731387"/>
               <a:ext cx="63202" cy="63202"/>
             </a:xfrm>
             <a:custGeom>
@@ -37743,7 +37743,7 @@
           </p:nvSpPr>
           <p:spPr>
             <a:xfrm>
-              <a:off x="1148183" y="2949449"/>
+              <a:off x="1148183" y="2949319"/>
               <a:ext cx="186466" cy="81691"/>
             </a:xfrm>
             <a:prstGeom prst="rect">
@@ -37789,7 +37789,7 @@
           </p:nvSpPr>
           <p:spPr>
             <a:xfrm>
-              <a:off x="1148183" y="2580727"/>
+              <a:off x="1148183" y="2580688"/>
               <a:ext cx="186466" cy="81691"/>
             </a:xfrm>
             <a:prstGeom prst="rect">
@@ -37835,7 +37835,7 @@
           </p:nvSpPr>
           <p:spPr>
             <a:xfrm>
-              <a:off x="1148183" y="2211950"/>
+              <a:off x="1148183" y="2212001"/>
               <a:ext cx="186466" cy="81746"/>
             </a:xfrm>
             <a:prstGeom prst="rect">
@@ -37881,7 +37881,7 @@
           </p:nvSpPr>
           <p:spPr>
             <a:xfrm>
-              <a:off x="1148183" y="1843282"/>
+              <a:off x="1148183" y="1843424"/>
               <a:ext cx="186466" cy="81691"/>
             </a:xfrm>
             <a:prstGeom prst="rect">
@@ -37927,7 +37927,7 @@
           </p:nvSpPr>
           <p:spPr>
             <a:xfrm>
-              <a:off x="1148183" y="1474560"/>
+              <a:off x="1148183" y="1474793"/>
               <a:ext cx="186466" cy="81691"/>
             </a:xfrm>
             <a:prstGeom prst="rect">
@@ -37973,7 +37973,7 @@
           </p:nvSpPr>
           <p:spPr>
             <a:xfrm>
-              <a:off x="1362485" y="2991141"/>
+              <a:off x="1362485" y="2991011"/>
               <a:ext cx="34794" cy="0"/>
             </a:xfrm>
             <a:custGeom>
@@ -38013,7 +38013,7 @@
           </p:nvSpPr>
           <p:spPr>
             <a:xfrm>
-              <a:off x="1362485" y="2622418"/>
+              <a:off x="1362485" y="2622379"/>
               <a:ext cx="34794" cy="0"/>
             </a:xfrm>
             <a:custGeom>
@@ -38053,7 +38053,7 @@
           </p:nvSpPr>
           <p:spPr>
             <a:xfrm>
-              <a:off x="1362485" y="2253696"/>
+              <a:off x="1362485" y="2253748"/>
               <a:ext cx="34794" cy="0"/>
             </a:xfrm>
             <a:custGeom>
@@ -38093,7 +38093,7 @@
           </p:nvSpPr>
           <p:spPr>
             <a:xfrm>
-              <a:off x="1362485" y="1884974"/>
+              <a:off x="1362485" y="1885116"/>
               <a:ext cx="34794" cy="0"/>
             </a:xfrm>
             <a:custGeom>
@@ -38133,7 +38133,7 @@
           </p:nvSpPr>
           <p:spPr>
             <a:xfrm>
-              <a:off x="1362485" y="1516252"/>
+              <a:off x="1362485" y="1516484"/>
               <a:ext cx="34794" cy="0"/>
             </a:xfrm>
             <a:custGeom>
@@ -38173,7 +38173,7 @@
           </p:nvSpPr>
           <p:spPr>
             <a:xfrm>
-              <a:off x="1148183" y="4874781"/>
+              <a:off x="1148183" y="4874652"/>
               <a:ext cx="186466" cy="81691"/>
             </a:xfrm>
             <a:prstGeom prst="rect">
@@ -38219,7 +38219,7 @@
           </p:nvSpPr>
           <p:spPr>
             <a:xfrm>
-              <a:off x="1148183" y="4506059"/>
+              <a:off x="1148183" y="4506020"/>
               <a:ext cx="186466" cy="81691"/>
             </a:xfrm>
             <a:prstGeom prst="rect">
@@ -38265,7 +38265,7 @@
           </p:nvSpPr>
           <p:spPr>
             <a:xfrm>
-              <a:off x="1148183" y="4137282"/>
+              <a:off x="1148183" y="4137334"/>
               <a:ext cx="186466" cy="81746"/>
             </a:xfrm>
             <a:prstGeom prst="rect">
@@ -38311,7 +38311,7 @@
           </p:nvSpPr>
           <p:spPr>
             <a:xfrm>
-              <a:off x="1148183" y="3768615"/>
+              <a:off x="1148183" y="3768757"/>
               <a:ext cx="186466" cy="81691"/>
             </a:xfrm>
             <a:prstGeom prst="rect">
@@ -38357,7 +38357,7 @@
           </p:nvSpPr>
           <p:spPr>
             <a:xfrm>
-              <a:off x="1148183" y="3399893"/>
+              <a:off x="1148183" y="3400125"/>
               <a:ext cx="186466" cy="81691"/>
             </a:xfrm>
             <a:prstGeom prst="rect">
@@ -38403,7 +38403,7 @@
           </p:nvSpPr>
           <p:spPr>
             <a:xfrm>
-              <a:off x="1362485" y="4916473"/>
+              <a:off x="1362485" y="4916343"/>
               <a:ext cx="34794" cy="0"/>
             </a:xfrm>
             <a:custGeom>
@@ -38443,7 +38443,7 @@
           </p:nvSpPr>
           <p:spPr>
             <a:xfrm>
-              <a:off x="1362485" y="4547751"/>
+              <a:off x="1362485" y="4547712"/>
               <a:ext cx="34794" cy="0"/>
             </a:xfrm>
             <a:custGeom>
@@ -38483,7 +38483,7 @@
           </p:nvSpPr>
           <p:spPr>
             <a:xfrm>
-              <a:off x="1362485" y="4179029"/>
+              <a:off x="1362485" y="4179080"/>
               <a:ext cx="34794" cy="0"/>
             </a:xfrm>
             <a:custGeom>
@@ -38523,7 +38523,7 @@
           </p:nvSpPr>
           <p:spPr>
             <a:xfrm>
-              <a:off x="1362485" y="3810307"/>
+              <a:off x="1362485" y="3810449"/>
               <a:ext cx="34794" cy="0"/>
             </a:xfrm>
             <a:custGeom>
@@ -38563,7 +38563,7 @@
           </p:nvSpPr>
           <p:spPr>
             <a:xfrm>
-              <a:off x="1362485" y="3441584"/>
+              <a:off x="1362485" y="3441817"/>
               <a:ext cx="34794" cy="0"/>
             </a:xfrm>
             <a:custGeom>
@@ -38603,7 +38603,7 @@
           </p:nvSpPr>
           <p:spPr>
             <a:xfrm>
-              <a:off x="1148183" y="6800114"/>
+              <a:off x="1148183" y="6799984"/>
               <a:ext cx="186466" cy="81691"/>
             </a:xfrm>
             <a:prstGeom prst="rect">
@@ -38649,7 +38649,7 @@
           </p:nvSpPr>
           <p:spPr>
             <a:xfrm>
-              <a:off x="1148183" y="6431392"/>
+              <a:off x="1148183" y="6431353"/>
               <a:ext cx="186466" cy="81691"/>
             </a:xfrm>
             <a:prstGeom prst="rect">
@@ -38695,7 +38695,7 @@
           </p:nvSpPr>
           <p:spPr>
             <a:xfrm>
-              <a:off x="1148183" y="6062615"/>
+              <a:off x="1148183" y="6062667"/>
               <a:ext cx="186466" cy="81746"/>
             </a:xfrm>
             <a:prstGeom prst="rect">
@@ -38741,7 +38741,7 @@
           </p:nvSpPr>
           <p:spPr>
             <a:xfrm>
-              <a:off x="1148183" y="5693947"/>
+              <a:off x="1148183" y="5694089"/>
               <a:ext cx="186466" cy="81691"/>
             </a:xfrm>
             <a:prstGeom prst="rect">
@@ -38787,7 +38787,7 @@
           </p:nvSpPr>
           <p:spPr>
             <a:xfrm>
-              <a:off x="1148183" y="5325225"/>
+              <a:off x="1148183" y="5325458"/>
               <a:ext cx="186466" cy="81691"/>
             </a:xfrm>
             <a:prstGeom prst="rect">
@@ -38833,7 +38833,7 @@
           </p:nvSpPr>
           <p:spPr>
             <a:xfrm>
-              <a:off x="1362485" y="6841806"/>
+              <a:off x="1362485" y="6841676"/>
               <a:ext cx="34794" cy="0"/>
             </a:xfrm>
             <a:custGeom>
@@ -38873,7 +38873,7 @@
           </p:nvSpPr>
           <p:spPr>
             <a:xfrm>
-              <a:off x="1362485" y="6473084"/>
+              <a:off x="1362485" y="6473044"/>
               <a:ext cx="34794" cy="0"/>
             </a:xfrm>
             <a:custGeom>
@@ -38913,7 +38913,7 @@
           </p:nvSpPr>
           <p:spPr>
             <a:xfrm>
-              <a:off x="1362485" y="6104361"/>
+              <a:off x="1362485" y="6104413"/>
               <a:ext cx="34794" cy="0"/>
             </a:xfrm>
             <a:custGeom>
@@ -38953,7 +38953,7 @@
           </p:nvSpPr>
           <p:spPr>
             <a:xfrm>
-              <a:off x="1362485" y="5735639"/>
+              <a:off x="1362485" y="5735781"/>
               <a:ext cx="34794" cy="0"/>
             </a:xfrm>
             <a:custGeom>
@@ -38993,7 +38993,7 @@
           </p:nvSpPr>
           <p:spPr>
             <a:xfrm>
-              <a:off x="1362485" y="5366917"/>
+              <a:off x="1362485" y="5367150"/>
               <a:ext cx="34794" cy="0"/>
             </a:xfrm>
             <a:custGeom>

--- a/Images/Figures_PPT/Jitter_Plot_LST8_Domain.pptx
+++ b/Images/Figures_PPT/Jitter_Plot_LST8_Domain.pptx
@@ -2359,7 +2359,7 @@
           </p:nvSpPr>
           <p:spPr>
             <a:xfrm>
-              <a:off x="1397280" y="2806695"/>
+              <a:off x="1397280" y="2806800"/>
               <a:ext cx="2817450" cy="0"/>
             </a:xfrm>
             <a:custGeom>
@@ -2402,7 +2402,7 @@
           </p:nvSpPr>
           <p:spPr>
             <a:xfrm>
-              <a:off x="1397280" y="2438063"/>
+              <a:off x="1397280" y="2438131"/>
               <a:ext cx="2817450" cy="0"/>
             </a:xfrm>
             <a:custGeom>
@@ -2445,7 +2445,7 @@
           </p:nvSpPr>
           <p:spPr>
             <a:xfrm>
-              <a:off x="1397280" y="2069432"/>
+              <a:off x="1397280" y="2069463"/>
               <a:ext cx="2817450" cy="0"/>
             </a:xfrm>
             <a:custGeom>
@@ -2488,7 +2488,7 @@
           </p:nvSpPr>
           <p:spPr>
             <a:xfrm>
-              <a:off x="1397280" y="1700800"/>
+              <a:off x="1397280" y="1700795"/>
               <a:ext cx="2817450" cy="0"/>
             </a:xfrm>
             <a:custGeom>
@@ -2531,7 +2531,7 @@
           </p:nvSpPr>
           <p:spPr>
             <a:xfrm>
-              <a:off x="1397280" y="2991011"/>
+              <a:off x="1397280" y="2991134"/>
               <a:ext cx="2817450" cy="0"/>
             </a:xfrm>
             <a:custGeom>
@@ -2574,7 +2574,7 @@
           </p:nvSpPr>
           <p:spPr>
             <a:xfrm>
-              <a:off x="1397280" y="2622379"/>
+              <a:off x="1397280" y="2622466"/>
               <a:ext cx="2817450" cy="0"/>
             </a:xfrm>
             <a:custGeom>
@@ -2617,7 +2617,7 @@
           </p:nvSpPr>
           <p:spPr>
             <a:xfrm>
-              <a:off x="1397280" y="2253748"/>
+              <a:off x="1397280" y="2253797"/>
               <a:ext cx="2817450" cy="0"/>
             </a:xfrm>
             <a:custGeom>
@@ -2660,7 +2660,7 @@
           </p:nvSpPr>
           <p:spPr>
             <a:xfrm>
-              <a:off x="1397280" y="1885116"/>
+              <a:off x="1397280" y="1885129"/>
               <a:ext cx="2817450" cy="0"/>
             </a:xfrm>
             <a:custGeom>
@@ -2703,7 +2703,7 @@
           </p:nvSpPr>
           <p:spPr>
             <a:xfrm>
-              <a:off x="1397280" y="1516484"/>
+              <a:off x="1397280" y="1516461"/>
               <a:ext cx="2817450" cy="0"/>
             </a:xfrm>
             <a:custGeom>
@@ -2875,7 +2875,7 @@
           </p:nvSpPr>
           <p:spPr>
             <a:xfrm>
-              <a:off x="2608689" y="2231700"/>
+              <a:off x="2432766" y="2231800"/>
               <a:ext cx="63202" cy="63202"/>
             </a:xfrm>
             <a:custGeom>
@@ -2918,7 +2918,7 @@
           </p:nvSpPr>
           <p:spPr>
             <a:xfrm>
-              <a:off x="1722844" y="2183411"/>
+              <a:off x="1735642" y="2183438"/>
               <a:ext cx="63202" cy="63202"/>
             </a:xfrm>
             <a:custGeom>
@@ -2961,7 +2961,7 @@
           </p:nvSpPr>
           <p:spPr>
             <a:xfrm>
-              <a:off x="3937013" y="2937219"/>
+              <a:off x="3745108" y="2937434"/>
               <a:ext cx="63202" cy="63202"/>
             </a:xfrm>
             <a:custGeom>
@@ -3004,7 +3004,7 @@
           </p:nvSpPr>
           <p:spPr>
             <a:xfrm>
-              <a:off x="3689641" y="2875287"/>
+              <a:off x="3948337" y="2875570"/>
               <a:ext cx="63202" cy="63202"/>
             </a:xfrm>
             <a:custGeom>
@@ -3047,7 +3047,7 @@
           </p:nvSpPr>
           <p:spPr>
             <a:xfrm>
-              <a:off x="3381802" y="2917650"/>
+              <a:off x="3539015" y="2917744"/>
               <a:ext cx="63202" cy="63202"/>
             </a:xfrm>
             <a:custGeom>
@@ -3090,7 +3090,7 @@
           </p:nvSpPr>
           <p:spPr>
             <a:xfrm>
-              <a:off x="1630462" y="2216196"/>
+              <a:off x="1901559" y="2216359"/>
               <a:ext cx="63202" cy="63202"/>
             </a:xfrm>
             <a:custGeom>
@@ -3133,7 +3133,7 @@
           </p:nvSpPr>
           <p:spPr>
             <a:xfrm>
-              <a:off x="2661838" y="2328742"/>
+              <a:off x="2844959" y="2328710"/>
               <a:ext cx="63202" cy="63202"/>
             </a:xfrm>
             <a:custGeom>
@@ -3176,7 +3176,7 @@
           </p:nvSpPr>
           <p:spPr>
             <a:xfrm>
-              <a:off x="3644884" y="2887016"/>
+              <a:off x="3465430" y="2887404"/>
               <a:ext cx="63202" cy="63202"/>
             </a:xfrm>
             <a:custGeom>
@@ -3219,7 +3219,7 @@
           </p:nvSpPr>
           <p:spPr>
             <a:xfrm>
-              <a:off x="1965023" y="2152486"/>
+              <a:off x="1581517" y="2152616"/>
               <a:ext cx="63202" cy="63202"/>
             </a:xfrm>
             <a:custGeom>
@@ -3262,7 +3262,7 @@
           </p:nvSpPr>
           <p:spPr>
             <a:xfrm>
-              <a:off x="3395160" y="2875027"/>
+              <a:off x="3831251" y="2875037"/>
               <a:ext cx="63202" cy="63202"/>
             </a:xfrm>
             <a:custGeom>
@@ -3305,7 +3305,7 @@
           </p:nvSpPr>
           <p:spPr>
             <a:xfrm>
-              <a:off x="2464068" y="2505923"/>
+              <a:off x="3024393" y="2506162"/>
               <a:ext cx="63202" cy="63202"/>
             </a:xfrm>
             <a:custGeom>
@@ -3348,7 +3348,7 @@
           </p:nvSpPr>
           <p:spPr>
             <a:xfrm>
-              <a:off x="3898238" y="2896317"/>
+              <a:off x="3947536" y="2896381"/>
               <a:ext cx="63202" cy="63202"/>
             </a:xfrm>
             <a:custGeom>
@@ -3391,7 +3391,7 @@
           </p:nvSpPr>
           <p:spPr>
             <a:xfrm>
-              <a:off x="3337930" y="2893010"/>
+              <a:off x="3309210" y="2893183"/>
               <a:ext cx="63202" cy="63202"/>
             </a:xfrm>
             <a:custGeom>
@@ -3434,7 +3434,7 @@
           </p:nvSpPr>
           <p:spPr>
             <a:xfrm>
-              <a:off x="1735609" y="2152616"/>
+              <a:off x="2072393" y="2152486"/>
               <a:ext cx="63202" cy="63202"/>
             </a:xfrm>
             <a:custGeom>
@@ -3477,7 +3477,7 @@
           </p:nvSpPr>
           <p:spPr>
             <a:xfrm>
-              <a:off x="3366981" y="2921433"/>
+              <a:off x="3649953" y="2921574"/>
               <a:ext cx="63202" cy="63202"/>
             </a:xfrm>
             <a:custGeom>
@@ -3520,7 +3520,7 @@
           </p:nvSpPr>
           <p:spPr>
             <a:xfrm>
-              <a:off x="2775763" y="2436772"/>
+              <a:off x="2619034" y="2436625"/>
               <a:ext cx="63202" cy="63202"/>
             </a:xfrm>
             <a:custGeom>
@@ -3563,7 +3563,7 @@
           </p:nvSpPr>
           <p:spPr>
             <a:xfrm>
-              <a:off x="3338885" y="2896447"/>
+              <a:off x="3508343" y="2896524"/>
               <a:ext cx="63202" cy="63202"/>
             </a:xfrm>
             <a:custGeom>
@@ -3606,7 +3606,7 @@
           </p:nvSpPr>
           <p:spPr>
             <a:xfrm>
-              <a:off x="3728451" y="2896280"/>
+              <a:off x="3488067" y="2896481"/>
               <a:ext cx="63202" cy="63202"/>
             </a:xfrm>
             <a:custGeom>
@@ -3649,7 +3649,7 @@
           </p:nvSpPr>
           <p:spPr>
             <a:xfrm>
-              <a:off x="3519215" y="2893087"/>
+              <a:off x="3920226" y="2893083"/>
               <a:ext cx="63202" cy="63202"/>
             </a:xfrm>
             <a:custGeom>
@@ -3692,7 +3692,7 @@
           </p:nvSpPr>
           <p:spPr>
             <a:xfrm>
-              <a:off x="3894715" y="2896395"/>
+              <a:off x="3815397" y="2896616"/>
               <a:ext cx="63202" cy="63202"/>
             </a:xfrm>
             <a:custGeom>
@@ -3735,7 +3735,7 @@
           </p:nvSpPr>
           <p:spPr>
             <a:xfrm>
-              <a:off x="3431361" y="2896357"/>
+              <a:off x="3543111" y="2896392"/>
               <a:ext cx="63202" cy="63202"/>
             </a:xfrm>
             <a:custGeom>
@@ -3778,7 +3778,7 @@
           </p:nvSpPr>
           <p:spPr>
             <a:xfrm>
-              <a:off x="3351642" y="2893014"/>
+              <a:off x="3402948" y="2893127"/>
               <a:ext cx="63202" cy="63202"/>
             </a:xfrm>
             <a:custGeom>
@@ -3821,7 +3821,7 @@
           </p:nvSpPr>
           <p:spPr>
             <a:xfrm>
-              <a:off x="3477736" y="2896381"/>
+              <a:off x="3310032" y="2896569"/>
               <a:ext cx="63202" cy="63202"/>
             </a:xfrm>
             <a:custGeom>
@@ -3864,7 +3864,7 @@
           </p:nvSpPr>
           <p:spPr>
             <a:xfrm>
-              <a:off x="3672709" y="2890908"/>
+              <a:off x="3816110" y="2890905"/>
               <a:ext cx="63202" cy="63202"/>
             </a:xfrm>
             <a:custGeom>
@@ -3907,7 +3907,7 @@
           </p:nvSpPr>
           <p:spPr>
             <a:xfrm>
-              <a:off x="3366568" y="2887918"/>
+              <a:off x="3683390" y="2888022"/>
               <a:ext cx="63202" cy="63202"/>
             </a:xfrm>
             <a:custGeom>
@@ -3950,7 +3950,7 @@
           </p:nvSpPr>
           <p:spPr>
             <a:xfrm>
-              <a:off x="3753208" y="2896226"/>
+              <a:off x="3984778" y="2896585"/>
               <a:ext cx="63202" cy="63202"/>
             </a:xfrm>
             <a:custGeom>
@@ -3993,7 +3993,7 @@
           </p:nvSpPr>
           <p:spPr>
             <a:xfrm>
-              <a:off x="3632001" y="2901673"/>
+              <a:off x="3452619" y="2901721"/>
               <a:ext cx="63202" cy="63202"/>
             </a:xfrm>
             <a:custGeom>
@@ -4036,7 +4036,7 @@
           </p:nvSpPr>
           <p:spPr>
             <a:xfrm>
-              <a:off x="3457364" y="2905078"/>
+              <a:off x="3430757" y="2905402"/>
               <a:ext cx="63202" cy="63202"/>
             </a:xfrm>
             <a:custGeom>
@@ -4079,7 +4079,7 @@
           </p:nvSpPr>
           <p:spPr>
             <a:xfrm>
-              <a:off x="2447531" y="2226467"/>
+              <a:off x="2586908" y="2226536"/>
               <a:ext cx="63202" cy="63202"/>
             </a:xfrm>
             <a:custGeom>
@@ -4122,7 +4122,7 @@
           </p:nvSpPr>
           <p:spPr>
             <a:xfrm>
-              <a:off x="2453379" y="2237979"/>
+              <a:off x="2505373" y="2238039"/>
               <a:ext cx="63202" cy="63202"/>
             </a:xfrm>
             <a:custGeom>
@@ -4165,7 +4165,7 @@
           </p:nvSpPr>
           <p:spPr>
             <a:xfrm>
-              <a:off x="3841330" y="2892449"/>
+              <a:off x="3965299" y="2892566"/>
               <a:ext cx="63202" cy="63202"/>
             </a:xfrm>
             <a:custGeom>
@@ -4208,7 +4208,7 @@
           </p:nvSpPr>
           <p:spPr>
             <a:xfrm>
-              <a:off x="3777904" y="2928165"/>
+              <a:off x="3450531" y="2928246"/>
               <a:ext cx="63202" cy="63202"/>
             </a:xfrm>
             <a:custGeom>
@@ -4251,7 +4251,7 @@
           </p:nvSpPr>
           <p:spPr>
             <a:xfrm>
-              <a:off x="3532827" y="2896366"/>
+              <a:off x="3903402" y="2896369"/>
               <a:ext cx="63202" cy="63202"/>
             </a:xfrm>
             <a:custGeom>
@@ -4294,7 +4294,7 @@
           </p:nvSpPr>
           <p:spPr>
             <a:xfrm>
-              <a:off x="2449027" y="2483572"/>
+              <a:off x="2937587" y="2483625"/>
               <a:ext cx="63202" cy="63202"/>
             </a:xfrm>
             <a:custGeom>
@@ -4337,7 +4337,7 @@
           </p:nvSpPr>
           <p:spPr>
             <a:xfrm>
-              <a:off x="3038725" y="2501234"/>
+              <a:off x="2470136" y="2501415"/>
               <a:ext cx="63202" cy="63202"/>
             </a:xfrm>
             <a:custGeom>
@@ -4380,7 +4380,7 @@
           </p:nvSpPr>
           <p:spPr>
             <a:xfrm>
-              <a:off x="2749867" y="2338628"/>
+              <a:off x="2871639" y="2338710"/>
               <a:ext cx="63202" cy="63202"/>
             </a:xfrm>
             <a:custGeom>
@@ -4423,7 +4423,7 @@
           </p:nvSpPr>
           <p:spPr>
             <a:xfrm>
-              <a:off x="1845768" y="2145140"/>
+              <a:off x="1702017" y="2145240"/>
               <a:ext cx="63202" cy="63202"/>
             </a:xfrm>
             <a:custGeom>
@@ -4466,7 +4466,7 @@
           </p:nvSpPr>
           <p:spPr>
             <a:xfrm>
-              <a:off x="1920922" y="2151338"/>
+              <a:off x="1632567" y="2151305"/>
               <a:ext cx="63202" cy="63202"/>
             </a:xfrm>
             <a:custGeom>
@@ -4509,7 +4509,7 @@
           </p:nvSpPr>
           <p:spPr>
             <a:xfrm>
-              <a:off x="1837936" y="2154292"/>
+              <a:off x="1589587" y="2154278"/>
               <a:ext cx="63202" cy="63202"/>
             </a:xfrm>
             <a:custGeom>
@@ -4552,7 +4552,7 @@
           </p:nvSpPr>
           <p:spPr>
             <a:xfrm>
-              <a:off x="3991739" y="2921308"/>
+              <a:off x="3980164" y="2921644"/>
               <a:ext cx="63202" cy="63202"/>
             </a:xfrm>
             <a:custGeom>
@@ -4595,7 +4595,7 @@
           </p:nvSpPr>
           <p:spPr>
             <a:xfrm>
-              <a:off x="3857179" y="2874726"/>
+              <a:off x="3725876" y="2874706"/>
               <a:ext cx="63202" cy="63202"/>
             </a:xfrm>
             <a:custGeom>
@@ -4638,7 +4638,7 @@
           </p:nvSpPr>
           <p:spPr>
             <a:xfrm>
-              <a:off x="1926085" y="1954265"/>
+              <a:off x="1944258" y="1954103"/>
               <a:ext cx="63202" cy="63202"/>
             </a:xfrm>
             <a:custGeom>
@@ -4681,7 +4681,7 @@
           </p:nvSpPr>
           <p:spPr>
             <a:xfrm>
-              <a:off x="3609513" y="2935176"/>
+              <a:off x="3937191" y="2935195"/>
               <a:ext cx="63202" cy="63202"/>
             </a:xfrm>
             <a:custGeom>
@@ -4724,7 +4724,7 @@
           </p:nvSpPr>
           <p:spPr>
             <a:xfrm>
-              <a:off x="2424369" y="2299487"/>
+              <a:off x="3119207" y="2299584"/>
               <a:ext cx="63202" cy="63202"/>
             </a:xfrm>
             <a:custGeom>
@@ -4767,7 +4767,7 @@
           </p:nvSpPr>
           <p:spPr>
             <a:xfrm>
-              <a:off x="2439654" y="2416132"/>
+              <a:off x="2603301" y="2416255"/>
               <a:ext cx="63202" cy="63202"/>
             </a:xfrm>
             <a:custGeom>
@@ -4810,7 +4810,7 @@
           </p:nvSpPr>
           <p:spPr>
             <a:xfrm>
-              <a:off x="3584147" y="2862355"/>
+              <a:off x="3532628" y="2862474"/>
               <a:ext cx="63202" cy="63202"/>
             </a:xfrm>
             <a:custGeom>
@@ -4853,7 +4853,7 @@
           </p:nvSpPr>
           <p:spPr>
             <a:xfrm>
-              <a:off x="2168354" y="2155399"/>
+              <a:off x="2245079" y="2155385"/>
               <a:ext cx="63202" cy="63202"/>
             </a:xfrm>
             <a:custGeom>
@@ -4952,7 +4952,7 @@
           </p:nvSpPr>
           <p:spPr>
             <a:xfrm>
-              <a:off x="1397280" y="4732028"/>
+              <a:off x="1397280" y="4732132"/>
               <a:ext cx="2817450" cy="0"/>
             </a:xfrm>
             <a:custGeom>
@@ -4995,7 +4995,7 @@
           </p:nvSpPr>
           <p:spPr>
             <a:xfrm>
-              <a:off x="1397280" y="4363396"/>
+              <a:off x="1397280" y="4363464"/>
               <a:ext cx="2817450" cy="0"/>
             </a:xfrm>
             <a:custGeom>
@@ -5038,7 +5038,7 @@
           </p:nvSpPr>
           <p:spPr>
             <a:xfrm>
-              <a:off x="1397280" y="3994764"/>
+              <a:off x="1397280" y="3994796"/>
               <a:ext cx="2817450" cy="0"/>
             </a:xfrm>
             <a:custGeom>
@@ -5081,7 +5081,7 @@
           </p:nvSpPr>
           <p:spPr>
             <a:xfrm>
-              <a:off x="1397280" y="3626133"/>
+              <a:off x="1397280" y="3626128"/>
               <a:ext cx="2817450" cy="0"/>
             </a:xfrm>
             <a:custGeom>
@@ -5124,7 +5124,7 @@
           </p:nvSpPr>
           <p:spPr>
             <a:xfrm>
-              <a:off x="1397280" y="4916343"/>
+              <a:off x="1397280" y="4916466"/>
               <a:ext cx="2817450" cy="0"/>
             </a:xfrm>
             <a:custGeom>
@@ -5167,7 +5167,7 @@
           </p:nvSpPr>
           <p:spPr>
             <a:xfrm>
-              <a:off x="1397280" y="4547712"/>
+              <a:off x="1397280" y="4547798"/>
               <a:ext cx="2817450" cy="0"/>
             </a:xfrm>
             <a:custGeom>
@@ -5210,7 +5210,7 @@
           </p:nvSpPr>
           <p:spPr>
             <a:xfrm>
-              <a:off x="1397280" y="4179080"/>
+              <a:off x="1397280" y="4179130"/>
               <a:ext cx="2817450" cy="0"/>
             </a:xfrm>
             <a:custGeom>
@@ -5253,7 +5253,7 @@
           </p:nvSpPr>
           <p:spPr>
             <a:xfrm>
-              <a:off x="1397280" y="3810449"/>
+              <a:off x="1397280" y="3810462"/>
               <a:ext cx="2817450" cy="0"/>
             </a:xfrm>
             <a:custGeom>
@@ -5296,7 +5296,7 @@
           </p:nvSpPr>
           <p:spPr>
             <a:xfrm>
-              <a:off x="1397280" y="3441817"/>
+              <a:off x="1397280" y="3441794"/>
               <a:ext cx="2817450" cy="0"/>
             </a:xfrm>
             <a:custGeom>
@@ -5468,7 +5468,7 @@
           </p:nvSpPr>
           <p:spPr>
             <a:xfrm>
-              <a:off x="2568872" y="4532630"/>
+              <a:off x="3058261" y="4532853"/>
               <a:ext cx="63202" cy="63202"/>
             </a:xfrm>
             <a:custGeom>
@@ -5511,7 +5511,7 @@
           </p:nvSpPr>
           <p:spPr>
             <a:xfrm>
-              <a:off x="2690003" y="4471735"/>
+              <a:off x="2547998" y="4471866"/>
               <a:ext cx="63202" cy="63202"/>
             </a:xfrm>
             <a:custGeom>
@@ -5554,7 +5554,7 @@
           </p:nvSpPr>
           <p:spPr>
             <a:xfrm>
-              <a:off x="2442205" y="4537535"/>
+              <a:off x="2484737" y="4537622"/>
               <a:ext cx="63202" cy="63202"/>
             </a:xfrm>
             <a:custGeom>
@@ -5597,7 +5597,7 @@
           </p:nvSpPr>
           <p:spPr>
             <a:xfrm>
-              <a:off x="2714376" y="4565791"/>
+              <a:off x="2570563" y="4565933"/>
               <a:ext cx="63202" cy="63202"/>
             </a:xfrm>
             <a:custGeom>
@@ -5640,7 +5640,7 @@
           </p:nvSpPr>
           <p:spPr>
             <a:xfrm>
-              <a:off x="2845242" y="4536112"/>
+              <a:off x="3068776" y="4536031"/>
               <a:ext cx="63202" cy="63202"/>
             </a:xfrm>
             <a:custGeom>
@@ -5683,7 +5683,7 @@
           </p:nvSpPr>
           <p:spPr>
             <a:xfrm>
-              <a:off x="3098524" y="4566699"/>
+              <a:off x="2622953" y="4566721"/>
               <a:ext cx="63202" cy="63202"/>
             </a:xfrm>
             <a:custGeom>
@@ -5726,7 +5726,7 @@
           </p:nvSpPr>
           <p:spPr>
             <a:xfrm>
-              <a:off x="3577035" y="4708425"/>
+              <a:off x="3500775" y="4708627"/>
               <a:ext cx="63202" cy="63202"/>
             </a:xfrm>
             <a:custGeom>
@@ -5769,7 +5769,7 @@
           </p:nvSpPr>
           <p:spPr>
             <a:xfrm>
-              <a:off x="2454508" y="4496504"/>
+              <a:off x="2542479" y="4496755"/>
               <a:ext cx="63202" cy="63202"/>
             </a:xfrm>
             <a:custGeom>
@@ -5812,7 +5812,7 @@
           </p:nvSpPr>
           <p:spPr>
             <a:xfrm>
-              <a:off x="3607633" y="4812268"/>
+              <a:off x="3457591" y="4812244"/>
               <a:ext cx="63202" cy="63202"/>
             </a:xfrm>
             <a:custGeom>
@@ -5855,7 +5855,7 @@
           </p:nvSpPr>
           <p:spPr>
             <a:xfrm>
-              <a:off x="3948209" y="4846667"/>
+              <a:off x="3561028" y="4846886"/>
               <a:ext cx="63202" cy="63202"/>
             </a:xfrm>
             <a:custGeom>
@@ -5898,7 +5898,7 @@
           </p:nvSpPr>
           <p:spPr>
             <a:xfrm>
-              <a:off x="3311154" y="4789591"/>
+              <a:off x="3732217" y="4789772"/>
               <a:ext cx="63202" cy="63202"/>
             </a:xfrm>
             <a:custGeom>
@@ -5941,7 +5941,7 @@
           </p:nvSpPr>
           <p:spPr>
             <a:xfrm>
-              <a:off x="2729704" y="4383708"/>
+              <a:off x="2868225" y="4383782"/>
               <a:ext cx="63202" cy="63202"/>
             </a:xfrm>
             <a:custGeom>
@@ -5984,7 +5984,7 @@
           </p:nvSpPr>
           <p:spPr>
             <a:xfrm>
-              <a:off x="2983228" y="4549929"/>
+              <a:off x="2621873" y="4550155"/>
               <a:ext cx="63202" cy="63202"/>
             </a:xfrm>
             <a:custGeom>
@@ -6027,7 +6027,7 @@
           </p:nvSpPr>
           <p:spPr>
             <a:xfrm>
-              <a:off x="3863952" y="4737661"/>
+              <a:off x="3503915" y="4737855"/>
               <a:ext cx="63202" cy="63202"/>
             </a:xfrm>
             <a:custGeom>
@@ -6070,7 +6070,7 @@
           </p:nvSpPr>
           <p:spPr>
             <a:xfrm>
-              <a:off x="1858503" y="3909970"/>
+              <a:off x="1897280" y="3910146"/>
               <a:ext cx="63202" cy="63202"/>
             </a:xfrm>
             <a:custGeom>
@@ -6113,7 +6113,7 @@
           </p:nvSpPr>
           <p:spPr>
             <a:xfrm>
-              <a:off x="2104933" y="3882575"/>
+              <a:off x="1994164" y="3882447"/>
               <a:ext cx="63202" cy="63202"/>
             </a:xfrm>
             <a:custGeom>
@@ -6156,7 +6156,7 @@
           </p:nvSpPr>
           <p:spPr>
             <a:xfrm>
-              <a:off x="2159512" y="3767675"/>
+              <a:off x="1940129" y="3767848"/>
               <a:ext cx="63202" cy="63202"/>
             </a:xfrm>
             <a:custGeom>
@@ -6199,7 +6199,7 @@
           </p:nvSpPr>
           <p:spPr>
             <a:xfrm>
-              <a:off x="3556275" y="4729267"/>
+              <a:off x="3596611" y="4729175"/>
               <a:ext cx="63202" cy="63202"/>
             </a:xfrm>
             <a:custGeom>
@@ -6242,7 +6242,7 @@
           </p:nvSpPr>
           <p:spPr>
             <a:xfrm>
-              <a:off x="2577611" y="4520496"/>
+              <a:off x="2942349" y="4520747"/>
               <a:ext cx="63202" cy="63202"/>
             </a:xfrm>
             <a:custGeom>
@@ -6285,7 +6285,7 @@
           </p:nvSpPr>
           <p:spPr>
             <a:xfrm>
-              <a:off x="2891166" y="4528418"/>
+              <a:off x="2640807" y="4528392"/>
               <a:ext cx="63202" cy="63202"/>
             </a:xfrm>
             <a:custGeom>
@@ -6328,7 +6328,7 @@
           </p:nvSpPr>
           <p:spPr>
             <a:xfrm>
-              <a:off x="3853199" y="4797805"/>
+              <a:off x="3864141" y="4797785"/>
               <a:ext cx="63202" cy="63202"/>
             </a:xfrm>
             <a:custGeom>
@@ -6427,7 +6427,7 @@
           </p:nvSpPr>
           <p:spPr>
             <a:xfrm>
-              <a:off x="1397280" y="6657360"/>
+              <a:off x="1397280" y="6657465"/>
               <a:ext cx="2817450" cy="0"/>
             </a:xfrm>
             <a:custGeom>
@@ -6470,7 +6470,7 @@
           </p:nvSpPr>
           <p:spPr>
             <a:xfrm>
-              <a:off x="1397280" y="6288729"/>
+              <a:off x="1397280" y="6288797"/>
               <a:ext cx="2817450" cy="0"/>
             </a:xfrm>
             <a:custGeom>
@@ -6513,7 +6513,7 @@
           </p:nvSpPr>
           <p:spPr>
             <a:xfrm>
-              <a:off x="1397280" y="5920097"/>
+              <a:off x="1397280" y="5920128"/>
               <a:ext cx="2817450" cy="0"/>
             </a:xfrm>
             <a:custGeom>
@@ -6556,7 +6556,7 @@
           </p:nvSpPr>
           <p:spPr>
             <a:xfrm>
-              <a:off x="1397280" y="5551465"/>
+              <a:off x="1397280" y="5551460"/>
               <a:ext cx="2817450" cy="0"/>
             </a:xfrm>
             <a:custGeom>
@@ -6599,7 +6599,7 @@
           </p:nvSpPr>
           <p:spPr>
             <a:xfrm>
-              <a:off x="1397280" y="6841676"/>
+              <a:off x="1397280" y="6841799"/>
               <a:ext cx="2817450" cy="0"/>
             </a:xfrm>
             <a:custGeom>
@@ -6642,7 +6642,7 @@
           </p:nvSpPr>
           <p:spPr>
             <a:xfrm>
-              <a:off x="1397280" y="6473044"/>
+              <a:off x="1397280" y="6473131"/>
               <a:ext cx="2817450" cy="0"/>
             </a:xfrm>
             <a:custGeom>
@@ -6685,7 +6685,7 @@
           </p:nvSpPr>
           <p:spPr>
             <a:xfrm>
-              <a:off x="1397280" y="6104413"/>
+              <a:off x="1397280" y="6104463"/>
               <a:ext cx="2817450" cy="0"/>
             </a:xfrm>
             <a:custGeom>
@@ -6728,7 +6728,7 @@
           </p:nvSpPr>
           <p:spPr>
             <a:xfrm>
-              <a:off x="1397280" y="5735781"/>
+              <a:off x="1397280" y="5735794"/>
               <a:ext cx="2817450" cy="0"/>
             </a:xfrm>
             <a:custGeom>
@@ -6771,7 +6771,7 @@
           </p:nvSpPr>
           <p:spPr>
             <a:xfrm>
-              <a:off x="1397280" y="5367150"/>
+              <a:off x="1397280" y="5367126"/>
               <a:ext cx="2817450" cy="0"/>
             </a:xfrm>
             <a:custGeom>
@@ -6943,7 +6943,7 @@
           </p:nvSpPr>
           <p:spPr>
             <a:xfrm>
-              <a:off x="2003520" y="5748713"/>
+              <a:off x="1813370" y="5748799"/>
               <a:ext cx="63202" cy="63202"/>
             </a:xfrm>
             <a:custGeom>
@@ -6986,7 +6986,7 @@
           </p:nvSpPr>
           <p:spPr>
             <a:xfrm>
-              <a:off x="1803078" y="5841359"/>
+              <a:off x="1798006" y="5841369"/>
               <a:ext cx="63202" cy="63202"/>
             </a:xfrm>
             <a:custGeom>
@@ -7029,7 +7029,7 @@
           </p:nvSpPr>
           <p:spPr>
             <a:xfrm>
-              <a:off x="1691719" y="5830119"/>
+              <a:off x="1575543" y="5830213"/>
               <a:ext cx="63202" cy="63202"/>
             </a:xfrm>
             <a:custGeom>
@@ -7072,7 +7072,7 @@
           </p:nvSpPr>
           <p:spPr>
             <a:xfrm>
-              <a:off x="2135059" y="5825857"/>
+              <a:off x="1926849" y="5825973"/>
               <a:ext cx="63202" cy="63202"/>
             </a:xfrm>
             <a:custGeom>
@@ -7115,7 +7115,7 @@
           </p:nvSpPr>
           <p:spPr>
             <a:xfrm>
-              <a:off x="3636504" y="6749219"/>
+              <a:off x="3918313" y="6749309"/>
               <a:ext cx="63202" cy="63202"/>
             </a:xfrm>
             <a:custGeom>
@@ -7158,7 +7158,7 @@
           </p:nvSpPr>
           <p:spPr>
             <a:xfrm>
-              <a:off x="1736583" y="5978871"/>
+              <a:off x="2153396" y="5978972"/>
               <a:ext cx="63202" cy="63202"/>
             </a:xfrm>
             <a:custGeom>
@@ -7201,7 +7201,7 @@
           </p:nvSpPr>
           <p:spPr>
             <a:xfrm>
-              <a:off x="1616926" y="5771272"/>
+              <a:off x="2045192" y="5771264"/>
               <a:ext cx="63202" cy="63202"/>
             </a:xfrm>
             <a:custGeom>
@@ -7244,7 +7244,7 @@
           </p:nvSpPr>
           <p:spPr>
             <a:xfrm>
-              <a:off x="1697058" y="5787599"/>
+              <a:off x="1574960" y="5787520"/>
               <a:ext cx="63202" cy="63202"/>
             </a:xfrm>
             <a:custGeom>
@@ -7287,7 +7287,7 @@
           </p:nvSpPr>
           <p:spPr>
             <a:xfrm>
-              <a:off x="2200826" y="5958165"/>
+              <a:off x="1729456" y="5958097"/>
               <a:ext cx="63202" cy="63202"/>
             </a:xfrm>
             <a:custGeom>
@@ -7330,7 +7330,7 @@
           </p:nvSpPr>
           <p:spPr>
             <a:xfrm>
-              <a:off x="1655906" y="5835677"/>
+              <a:off x="1949414" y="5835862"/>
               <a:ext cx="63202" cy="63202"/>
             </a:xfrm>
             <a:custGeom>
@@ -7373,7 +7373,7 @@
           </p:nvSpPr>
           <p:spPr>
             <a:xfrm>
-              <a:off x="2078067" y="6061682"/>
+              <a:off x="1831393" y="6061882"/>
               <a:ext cx="63202" cy="63202"/>
             </a:xfrm>
             <a:custGeom>
@@ -7416,7 +7416,7 @@
           </p:nvSpPr>
           <p:spPr>
             <a:xfrm>
-              <a:off x="2829410" y="6243050"/>
+              <a:off x="3098602" y="6243257"/>
               <a:ext cx="63202" cy="63202"/>
             </a:xfrm>
             <a:custGeom>
@@ -7459,7 +7459,7 @@
           </p:nvSpPr>
           <p:spPr>
             <a:xfrm>
-              <a:off x="2202602" y="5787375"/>
+              <a:off x="2157151" y="5787542"/>
               <a:ext cx="63202" cy="63202"/>
             </a:xfrm>
             <a:custGeom>
@@ -7502,7 +7502,7 @@
           </p:nvSpPr>
           <p:spPr>
             <a:xfrm>
-              <a:off x="1799580" y="6038963"/>
+              <a:off x="1746746" y="6038832"/>
               <a:ext cx="63202" cy="63202"/>
             </a:xfrm>
             <a:custGeom>
@@ -7545,7 +7545,7 @@
           </p:nvSpPr>
           <p:spPr>
             <a:xfrm>
-              <a:off x="2736936" y="6079672"/>
+              <a:off x="2659328" y="6079851"/>
               <a:ext cx="63202" cy="63202"/>
             </a:xfrm>
             <a:custGeom>
@@ -7588,7 +7588,7 @@
           </p:nvSpPr>
           <p:spPr>
             <a:xfrm>
-              <a:off x="1732968" y="6011565"/>
+              <a:off x="1979041" y="6011635"/>
               <a:ext cx="63202" cy="63202"/>
             </a:xfrm>
             <a:custGeom>
@@ -7631,7 +7631,7 @@
           </p:nvSpPr>
           <p:spPr>
             <a:xfrm>
-              <a:off x="2222122" y="5829974"/>
+              <a:off x="1579325" y="5829977"/>
               <a:ext cx="63202" cy="63202"/>
             </a:xfrm>
             <a:custGeom>
@@ -7674,7 +7674,7 @@
           </p:nvSpPr>
           <p:spPr>
             <a:xfrm>
-              <a:off x="2175189" y="5995473"/>
+              <a:off x="2229640" y="5995421"/>
               <a:ext cx="63202" cy="63202"/>
             </a:xfrm>
             <a:custGeom>
@@ -7717,7 +7717,7 @@
           </p:nvSpPr>
           <p:spPr>
             <a:xfrm>
-              <a:off x="2191842" y="5926882"/>
+              <a:off x="1583219" y="5926986"/>
               <a:ext cx="63202" cy="63202"/>
             </a:xfrm>
             <a:custGeom>
@@ -7760,7 +7760,7 @@
           </p:nvSpPr>
           <p:spPr>
             <a:xfrm>
-              <a:off x="1645257" y="6037697"/>
+              <a:off x="1844056" y="6037908"/>
               <a:ext cx="63202" cy="63202"/>
             </a:xfrm>
             <a:custGeom>
@@ -7803,7 +7803,7 @@
           </p:nvSpPr>
           <p:spPr>
             <a:xfrm>
-              <a:off x="2667013" y="6088020"/>
+              <a:off x="2460478" y="6087861"/>
               <a:ext cx="63202" cy="63202"/>
             </a:xfrm>
             <a:custGeom>
@@ -7846,7 +7846,7 @@
           </p:nvSpPr>
           <p:spPr>
             <a:xfrm>
-              <a:off x="1767917" y="5765715"/>
+              <a:off x="2048081" y="5765650"/>
               <a:ext cx="63202" cy="63202"/>
             </a:xfrm>
             <a:custGeom>
@@ -7889,7 +7889,7 @@
           </p:nvSpPr>
           <p:spPr>
             <a:xfrm>
-              <a:off x="1589932" y="5708256"/>
+              <a:off x="2006006" y="5708338"/>
               <a:ext cx="63202" cy="63202"/>
             </a:xfrm>
             <a:custGeom>
@@ -7932,7 +7932,7 @@
           </p:nvSpPr>
           <p:spPr>
             <a:xfrm>
-              <a:off x="2136257" y="5707532"/>
+              <a:off x="1554411" y="5707551"/>
               <a:ext cx="63202" cy="63202"/>
             </a:xfrm>
             <a:custGeom>
@@ -7975,7 +7975,7 @@
           </p:nvSpPr>
           <p:spPr>
             <a:xfrm>
-              <a:off x="1632151" y="5760180"/>
+              <a:off x="1662426" y="5760174"/>
               <a:ext cx="63202" cy="63202"/>
             </a:xfrm>
             <a:custGeom>
@@ -8018,7 +8018,7 @@
           </p:nvSpPr>
           <p:spPr>
             <a:xfrm>
-              <a:off x="2954171" y="6324499"/>
+              <a:off x="2428652" y="6324801"/>
               <a:ext cx="63202" cy="63202"/>
             </a:xfrm>
             <a:custGeom>
@@ -8061,7 +8061,7 @@
           </p:nvSpPr>
           <p:spPr>
             <a:xfrm>
-              <a:off x="2237488" y="5555693"/>
+              <a:off x="1650207" y="5555652"/>
               <a:ext cx="63202" cy="63202"/>
             </a:xfrm>
             <a:custGeom>
@@ -8104,7 +8104,7 @@
           </p:nvSpPr>
           <p:spPr>
             <a:xfrm>
-              <a:off x="1900193" y="5909937"/>
+              <a:off x="2133865" y="5909901"/>
               <a:ext cx="63202" cy="63202"/>
             </a:xfrm>
             <a:custGeom>
@@ -8147,7 +8147,7 @@
           </p:nvSpPr>
           <p:spPr>
             <a:xfrm>
-              <a:off x="1870080" y="5956387"/>
+              <a:off x="2134478" y="5956344"/>
               <a:ext cx="63202" cy="63202"/>
             </a:xfrm>
             <a:custGeom>
@@ -8190,7 +8190,7 @@
           </p:nvSpPr>
           <p:spPr>
             <a:xfrm>
-              <a:off x="1821277" y="5754258"/>
+              <a:off x="2161571" y="5754196"/>
               <a:ext cx="63202" cy="63202"/>
             </a:xfrm>
             <a:custGeom>
@@ -8233,7 +8233,7 @@
           </p:nvSpPr>
           <p:spPr>
             <a:xfrm>
-              <a:off x="1571786" y="5846850"/>
+              <a:off x="1979208" y="5846940"/>
               <a:ext cx="63202" cy="63202"/>
             </a:xfrm>
             <a:custGeom>
@@ -8276,7 +8276,7 @@
           </p:nvSpPr>
           <p:spPr>
             <a:xfrm>
-              <a:off x="2237089" y="5824238"/>
+              <a:off x="1580403" y="5824479"/>
               <a:ext cx="63202" cy="63202"/>
             </a:xfrm>
             <a:custGeom>
@@ -8319,7 +8319,7 @@
           </p:nvSpPr>
           <p:spPr>
             <a:xfrm>
-              <a:off x="3357357" y="6752793"/>
+              <a:off x="3487875" y="6752939"/>
               <a:ext cx="63202" cy="63202"/>
             </a:xfrm>
             <a:custGeom>
@@ -8362,7 +8362,7 @@
           </p:nvSpPr>
           <p:spPr>
             <a:xfrm>
-              <a:off x="1738304" y="5884498"/>
+              <a:off x="1764777" y="5884328"/>
               <a:ext cx="63202" cy="63202"/>
             </a:xfrm>
             <a:custGeom>
@@ -8405,7 +8405,7 @@
           </p:nvSpPr>
           <p:spPr>
             <a:xfrm>
-              <a:off x="2044153" y="5957817"/>
+              <a:off x="1966020" y="5957756"/>
               <a:ext cx="63202" cy="63202"/>
             </a:xfrm>
             <a:custGeom>
@@ -8448,7 +8448,7 @@
           </p:nvSpPr>
           <p:spPr>
             <a:xfrm>
-              <a:off x="2571004" y="6495731"/>
+              <a:off x="2567935" y="6495676"/>
               <a:ext cx="63202" cy="63202"/>
             </a:xfrm>
             <a:custGeom>
@@ -8491,7 +8491,7 @@
           </p:nvSpPr>
           <p:spPr>
             <a:xfrm>
-              <a:off x="2097741" y="5667685"/>
+              <a:off x="1835497" y="5667751"/>
               <a:ext cx="63202" cy="63202"/>
             </a:xfrm>
             <a:custGeom>
@@ -8534,7 +8534,7 @@
           </p:nvSpPr>
           <p:spPr>
             <a:xfrm>
-              <a:off x="2197693" y="5825932"/>
+              <a:off x="1778087" y="5825986"/>
               <a:ext cx="63202" cy="63202"/>
             </a:xfrm>
             <a:custGeom>
@@ -8577,7 +8577,7 @@
           </p:nvSpPr>
           <p:spPr>
             <a:xfrm>
-              <a:off x="1718556" y="5758081"/>
+              <a:off x="2045059" y="5758085"/>
               <a:ext cx="63202" cy="63202"/>
             </a:xfrm>
             <a:custGeom>
@@ -8620,7 +8620,7 @@
           </p:nvSpPr>
           <p:spPr>
             <a:xfrm>
-              <a:off x="2825641" y="6121865"/>
+              <a:off x="3025107" y="6121750"/>
               <a:ext cx="63202" cy="63202"/>
             </a:xfrm>
             <a:custGeom>
@@ -8663,7 +8663,7 @@
           </p:nvSpPr>
           <p:spPr>
             <a:xfrm>
-              <a:off x="2214553" y="5800383"/>
+              <a:off x="1825317" y="5800527"/>
               <a:ext cx="63202" cy="63202"/>
             </a:xfrm>
             <a:custGeom>
@@ -8706,7 +8706,7 @@
           </p:nvSpPr>
           <p:spPr>
             <a:xfrm>
-              <a:off x="1640291" y="5861966"/>
+              <a:off x="1561370" y="5862042"/>
               <a:ext cx="63202" cy="63202"/>
             </a:xfrm>
             <a:custGeom>
@@ -8749,7 +8749,7 @@
           </p:nvSpPr>
           <p:spPr>
             <a:xfrm>
-              <a:off x="2801498" y="6277753"/>
+              <a:off x="3101220" y="6277880"/>
               <a:ext cx="63202" cy="63202"/>
             </a:xfrm>
             <a:custGeom>
@@ -8792,7 +8792,7 @@
           </p:nvSpPr>
           <p:spPr>
             <a:xfrm>
-              <a:off x="1597614" y="5902385"/>
+              <a:off x="1606764" y="5902588"/>
               <a:ext cx="63202" cy="63202"/>
             </a:xfrm>
             <a:custGeom>
@@ -8835,7 +8835,7 @@
           </p:nvSpPr>
           <p:spPr>
             <a:xfrm>
-              <a:off x="2205828" y="5871556"/>
+              <a:off x="1684556" y="5871422"/>
               <a:ext cx="63202" cy="63202"/>
             </a:xfrm>
             <a:custGeom>
@@ -8878,7 +8878,7 @@
           </p:nvSpPr>
           <p:spPr>
             <a:xfrm>
-              <a:off x="2029566" y="5814273"/>
+              <a:off x="1939543" y="5814429"/>
               <a:ext cx="63202" cy="63202"/>
             </a:xfrm>
             <a:custGeom>
@@ -8921,7 +8921,7 @@
           </p:nvSpPr>
           <p:spPr>
             <a:xfrm>
-              <a:off x="1719553" y="5763658"/>
+              <a:off x="1544010" y="5763431"/>
               <a:ext cx="63202" cy="63202"/>
             </a:xfrm>
             <a:custGeom>
@@ -8964,7 +8964,7 @@
           </p:nvSpPr>
           <p:spPr>
             <a:xfrm>
-              <a:off x="1874149" y="5892956"/>
+              <a:off x="2224954" y="5893039"/>
               <a:ext cx="63202" cy="63202"/>
             </a:xfrm>
             <a:custGeom>
@@ -9007,7 +9007,7 @@
           </p:nvSpPr>
           <p:spPr>
             <a:xfrm>
-              <a:off x="1776329" y="5951577"/>
+              <a:off x="2215957" y="5951550"/>
               <a:ext cx="63202" cy="63202"/>
             </a:xfrm>
             <a:custGeom>
@@ -9050,7 +9050,7 @@
           </p:nvSpPr>
           <p:spPr>
             <a:xfrm>
-              <a:off x="2817076" y="6190838"/>
+              <a:off x="2949404" y="6190800"/>
               <a:ext cx="63202" cy="63202"/>
             </a:xfrm>
             <a:custGeom>
@@ -9093,7 +9093,7 @@
           </p:nvSpPr>
           <p:spPr>
             <a:xfrm>
-              <a:off x="2077805" y="5835141"/>
+              <a:off x="2141374" y="5835132"/>
               <a:ext cx="63202" cy="63202"/>
             </a:xfrm>
             <a:custGeom>
@@ -9136,7 +9136,7 @@
           </p:nvSpPr>
           <p:spPr>
             <a:xfrm>
-              <a:off x="1996034" y="5947794"/>
+              <a:off x="1897976" y="5947813"/>
               <a:ext cx="63202" cy="63202"/>
             </a:xfrm>
             <a:custGeom>
@@ -9179,7 +9179,7 @@
           </p:nvSpPr>
           <p:spPr>
             <a:xfrm>
-              <a:off x="1669394" y="5667992"/>
+              <a:off x="1556301" y="5668192"/>
               <a:ext cx="63202" cy="63202"/>
             </a:xfrm>
             <a:custGeom>
@@ -9222,7 +9222,7 @@
           </p:nvSpPr>
           <p:spPr>
             <a:xfrm>
-              <a:off x="2937262" y="6121982"/>
+              <a:off x="2901912" y="6121827"/>
               <a:ext cx="63202" cy="63202"/>
             </a:xfrm>
             <a:custGeom>
@@ -9265,7 +9265,7 @@
           </p:nvSpPr>
           <p:spPr>
             <a:xfrm>
-              <a:off x="1958307" y="5781694"/>
+              <a:off x="1986587" y="5781483"/>
               <a:ext cx="63202" cy="63202"/>
             </a:xfrm>
             <a:custGeom>
@@ -9308,7 +9308,7 @@
           </p:nvSpPr>
           <p:spPr>
             <a:xfrm>
-              <a:off x="1760785" y="5745804"/>
+              <a:off x="2231873" y="5745760"/>
               <a:ext cx="63202" cy="63202"/>
             </a:xfrm>
             <a:custGeom>
@@ -9351,7 +9351,7 @@
           </p:nvSpPr>
           <p:spPr>
             <a:xfrm>
-              <a:off x="2051931" y="5745875"/>
+              <a:off x="1952394" y="5745913"/>
               <a:ext cx="63202" cy="63202"/>
             </a:xfrm>
             <a:custGeom>
@@ -9394,7 +9394,7 @@
           </p:nvSpPr>
           <p:spPr>
             <a:xfrm>
-              <a:off x="2100165" y="5745929"/>
+              <a:off x="2060540" y="5745919"/>
               <a:ext cx="63202" cy="63202"/>
             </a:xfrm>
             <a:custGeom>
@@ -9437,7 +9437,7 @@
           </p:nvSpPr>
           <p:spPr>
             <a:xfrm>
-              <a:off x="1629309" y="5750122"/>
+              <a:off x="1917005" y="5750183"/>
               <a:ext cx="63202" cy="63202"/>
             </a:xfrm>
             <a:custGeom>
@@ -9480,7 +9480,7 @@
           </p:nvSpPr>
           <p:spPr>
             <a:xfrm>
-              <a:off x="1734890" y="5745768"/>
+              <a:off x="1663898" y="5745970"/>
               <a:ext cx="63202" cy="63202"/>
             </a:xfrm>
             <a:custGeom>
@@ -9523,7 +9523,7 @@
           </p:nvSpPr>
           <p:spPr>
             <a:xfrm>
-              <a:off x="1705291" y="5693175"/>
+              <a:off x="2184805" y="5693241"/>
               <a:ext cx="63202" cy="63202"/>
             </a:xfrm>
             <a:custGeom>
@@ -9566,7 +9566,7 @@
           </p:nvSpPr>
           <p:spPr>
             <a:xfrm>
-              <a:off x="1581983" y="5657875"/>
+              <a:off x="2205977" y="5657676"/>
               <a:ext cx="63202" cy="63202"/>
             </a:xfrm>
             <a:custGeom>
@@ -9609,7 +9609,7 @@
           </p:nvSpPr>
           <p:spPr>
             <a:xfrm>
-              <a:off x="2853194" y="6381947"/>
+              <a:off x="2784748" y="6382066"/>
               <a:ext cx="63202" cy="63202"/>
             </a:xfrm>
             <a:custGeom>
@@ -9652,7 +9652,7 @@
           </p:nvSpPr>
           <p:spPr>
             <a:xfrm>
-              <a:off x="1666640" y="5781509"/>
+              <a:off x="2002912" y="5781746"/>
               <a:ext cx="63202" cy="63202"/>
             </a:xfrm>
             <a:custGeom>
@@ -9695,7 +9695,7 @@
           </p:nvSpPr>
           <p:spPr>
             <a:xfrm>
-              <a:off x="1722749" y="5710122"/>
+              <a:off x="1782890" y="5710154"/>
               <a:ext cx="63202" cy="63202"/>
             </a:xfrm>
             <a:custGeom>
@@ -9738,7 +9738,7 @@
           </p:nvSpPr>
           <p:spPr>
             <a:xfrm>
-              <a:off x="2196772" y="5785896"/>
+              <a:off x="2096289" y="5785903"/>
               <a:ext cx="63202" cy="63202"/>
             </a:xfrm>
             <a:custGeom>
@@ -9781,7 +9781,7 @@
           </p:nvSpPr>
           <p:spPr>
             <a:xfrm>
-              <a:off x="2721391" y="6254090"/>
+              <a:off x="2987680" y="6254276"/>
               <a:ext cx="63202" cy="63202"/>
             </a:xfrm>
             <a:custGeom>
@@ -9824,7 +9824,7 @@
           </p:nvSpPr>
           <p:spPr>
             <a:xfrm>
-              <a:off x="1832042" y="5767823"/>
+              <a:off x="1913476" y="5768022"/>
               <a:ext cx="63202" cy="63202"/>
             </a:xfrm>
             <a:custGeom>
@@ -9867,7 +9867,7 @@
           </p:nvSpPr>
           <p:spPr>
             <a:xfrm>
-              <a:off x="1978287" y="5932656"/>
+              <a:off x="1572239" y="5932670"/>
               <a:ext cx="63202" cy="63202"/>
             </a:xfrm>
             <a:custGeom>
@@ -9910,7 +9910,7 @@
           </p:nvSpPr>
           <p:spPr>
             <a:xfrm>
-              <a:off x="2228175" y="5714936"/>
+              <a:off x="1664577" y="5714929"/>
               <a:ext cx="63202" cy="63202"/>
             </a:xfrm>
             <a:custGeom>
@@ -9953,7 +9953,7 @@
           </p:nvSpPr>
           <p:spPr>
             <a:xfrm>
-              <a:off x="1621572" y="5667431"/>
+              <a:off x="2234345" y="5667376"/>
               <a:ext cx="63202" cy="63202"/>
             </a:xfrm>
             <a:custGeom>
@@ -9996,7 +9996,7 @@
           </p:nvSpPr>
           <p:spPr>
             <a:xfrm>
-              <a:off x="2125564" y="5759185"/>
+              <a:off x="2154830" y="5759062"/>
               <a:ext cx="63202" cy="63202"/>
             </a:xfrm>
             <a:custGeom>
@@ -10039,7 +10039,7 @@
           </p:nvSpPr>
           <p:spPr>
             <a:xfrm>
-              <a:off x="1759540" y="5763238"/>
+              <a:off x="1623773" y="5763174"/>
               <a:ext cx="63202" cy="63202"/>
             </a:xfrm>
             <a:custGeom>
@@ -10082,7 +10082,7 @@
           </p:nvSpPr>
           <p:spPr>
             <a:xfrm>
-              <a:off x="1715958" y="5727818"/>
+              <a:off x="2005025" y="5727871"/>
               <a:ext cx="63202" cy="63202"/>
             </a:xfrm>
             <a:custGeom>
@@ -10125,7 +10125,7 @@
           </p:nvSpPr>
           <p:spPr>
             <a:xfrm>
-              <a:off x="1812755" y="5801093"/>
+              <a:off x="1928741" y="5801113"/>
               <a:ext cx="63202" cy="63202"/>
             </a:xfrm>
             <a:custGeom>
@@ -10168,7 +10168,7 @@
           </p:nvSpPr>
           <p:spPr>
             <a:xfrm>
-              <a:off x="1960384" y="5760955"/>
+              <a:off x="2053074" y="5761062"/>
               <a:ext cx="63202" cy="63202"/>
             </a:xfrm>
             <a:custGeom>
@@ -10211,7 +10211,7 @@
           </p:nvSpPr>
           <p:spPr>
             <a:xfrm>
-              <a:off x="1766595" y="5754205"/>
+              <a:off x="2223550" y="5754365"/>
               <a:ext cx="63202" cy="63202"/>
             </a:xfrm>
             <a:custGeom>
@@ -10254,7 +10254,7 @@
           </p:nvSpPr>
           <p:spPr>
             <a:xfrm>
-              <a:off x="2080745" y="5759547"/>
+              <a:off x="1646865" y="5759528"/>
               <a:ext cx="63202" cy="63202"/>
             </a:xfrm>
             <a:custGeom>
@@ -10297,7 +10297,7 @@
           </p:nvSpPr>
           <p:spPr>
             <a:xfrm>
-              <a:off x="2059905" y="5667909"/>
+              <a:off x="2088613" y="5667997"/>
               <a:ext cx="63202" cy="63202"/>
             </a:xfrm>
             <a:custGeom>
@@ -10340,7 +10340,7 @@
           </p:nvSpPr>
           <p:spPr>
             <a:xfrm>
-              <a:off x="2098918" y="5670397"/>
+              <a:off x="1733667" y="5670133"/>
               <a:ext cx="63202" cy="63202"/>
             </a:xfrm>
             <a:custGeom>
@@ -10383,7 +10383,7 @@
           </p:nvSpPr>
           <p:spPr>
             <a:xfrm>
-              <a:off x="1771979" y="5758000"/>
+              <a:off x="1903774" y="5757925"/>
               <a:ext cx="63202" cy="63202"/>
             </a:xfrm>
             <a:custGeom>
@@ -10426,7 +10426,7 @@
           </p:nvSpPr>
           <p:spPr>
             <a:xfrm>
-              <a:off x="2137286" y="5771617"/>
+              <a:off x="2046299" y="5771583"/>
               <a:ext cx="63202" cy="63202"/>
             </a:xfrm>
             <a:custGeom>
@@ -10469,7 +10469,7 @@
           </p:nvSpPr>
           <p:spPr>
             <a:xfrm>
-              <a:off x="2037591" y="5763467"/>
+              <a:off x="2057916" y="5763484"/>
               <a:ext cx="63202" cy="63202"/>
             </a:xfrm>
             <a:custGeom>
@@ -10512,7 +10512,7 @@
           </p:nvSpPr>
           <p:spPr>
             <a:xfrm>
-              <a:off x="1944186" y="5763555"/>
+              <a:off x="1631575" y="5763436"/>
               <a:ext cx="63202" cy="63202"/>
             </a:xfrm>
             <a:custGeom>
@@ -10555,7 +10555,7 @@
           </p:nvSpPr>
           <p:spPr>
             <a:xfrm>
-              <a:off x="1974285" y="5763200"/>
+              <a:off x="1618079" y="5763213"/>
               <a:ext cx="63202" cy="63202"/>
             </a:xfrm>
             <a:custGeom>
@@ -10598,7 +10598,7 @@
           </p:nvSpPr>
           <p:spPr>
             <a:xfrm>
-              <a:off x="2206393" y="5956259"/>
+              <a:off x="2079530" y="5956343"/>
               <a:ext cx="63202" cy="63202"/>
             </a:xfrm>
             <a:custGeom>
@@ -10641,7 +10641,7 @@
           </p:nvSpPr>
           <p:spPr>
             <a:xfrm>
-              <a:off x="2074534" y="5773530"/>
+              <a:off x="1779582" y="5773535"/>
               <a:ext cx="63202" cy="63202"/>
             </a:xfrm>
             <a:custGeom>
@@ -10684,7 +10684,7 @@
           </p:nvSpPr>
           <p:spPr>
             <a:xfrm>
-              <a:off x="2036292" y="5755462"/>
+              <a:off x="1751490" y="5755490"/>
               <a:ext cx="63202" cy="63202"/>
             </a:xfrm>
             <a:custGeom>
@@ -10727,7 +10727,7 @@
           </p:nvSpPr>
           <p:spPr>
             <a:xfrm>
-              <a:off x="1772126" y="5669014"/>
+              <a:off x="1976569" y="5669161"/>
               <a:ext cx="63202" cy="63202"/>
             </a:xfrm>
             <a:custGeom>
@@ -10770,7 +10770,7 @@
           </p:nvSpPr>
           <p:spPr>
             <a:xfrm>
-              <a:off x="1588039" y="5876440"/>
+              <a:off x="1659543" y="5876475"/>
               <a:ext cx="63202" cy="63202"/>
             </a:xfrm>
             <a:custGeom>
@@ -10813,7 +10813,7 @@
           </p:nvSpPr>
           <p:spPr>
             <a:xfrm>
-              <a:off x="3029168" y="6239934"/>
+              <a:off x="2539544" y="6239986"/>
               <a:ext cx="63202" cy="63202"/>
             </a:xfrm>
             <a:custGeom>
@@ -10856,7 +10856,7 @@
           </p:nvSpPr>
           <p:spPr>
             <a:xfrm>
-              <a:off x="1838158" y="6029796"/>
+              <a:off x="1864583" y="6029597"/>
               <a:ext cx="63202" cy="63202"/>
             </a:xfrm>
             <a:custGeom>
@@ -10899,7 +10899,7 @@
           </p:nvSpPr>
           <p:spPr>
             <a:xfrm>
-              <a:off x="2794550" y="6271391"/>
+              <a:off x="2732928" y="6271511"/>
               <a:ext cx="63202" cy="63202"/>
             </a:xfrm>
             <a:custGeom>
@@ -10942,7 +10942,7 @@
           </p:nvSpPr>
           <p:spPr>
             <a:xfrm>
-              <a:off x="2769454" y="6276165"/>
+              <a:off x="2884662" y="6276281"/>
               <a:ext cx="63202" cy="63202"/>
             </a:xfrm>
             <a:custGeom>
@@ -10985,7 +10985,7 @@
           </p:nvSpPr>
           <p:spPr>
             <a:xfrm>
-              <a:off x="2173832" y="5843232"/>
+              <a:off x="2192386" y="5843185"/>
               <a:ext cx="63202" cy="63202"/>
             </a:xfrm>
             <a:custGeom>
@@ -11028,7 +11028,7 @@
           </p:nvSpPr>
           <p:spPr>
             <a:xfrm>
-              <a:off x="2132944" y="5838216"/>
+              <a:off x="2177143" y="5838374"/>
               <a:ext cx="63202" cy="63202"/>
             </a:xfrm>
             <a:custGeom>
@@ -11071,7 +11071,7 @@
           </p:nvSpPr>
           <p:spPr>
             <a:xfrm>
-              <a:off x="2117820" y="5838301"/>
+              <a:off x="1677860" y="5838388"/>
               <a:ext cx="63202" cy="63202"/>
             </a:xfrm>
             <a:custGeom>
@@ -11114,7 +11114,7 @@
           </p:nvSpPr>
           <p:spPr>
             <a:xfrm>
-              <a:off x="1740031" y="5829097"/>
+              <a:off x="1933895" y="5829227"/>
               <a:ext cx="63202" cy="63202"/>
             </a:xfrm>
             <a:custGeom>
@@ -11157,7 +11157,7 @@
           </p:nvSpPr>
           <p:spPr>
             <a:xfrm>
-              <a:off x="2138936" y="5931682"/>
+              <a:off x="1962101" y="5931534"/>
               <a:ext cx="63202" cy="63202"/>
             </a:xfrm>
             <a:custGeom>
@@ -11200,7 +11200,7 @@
           </p:nvSpPr>
           <p:spPr>
             <a:xfrm>
-              <a:off x="2621133" y="6329129"/>
+              <a:off x="3005380" y="6329166"/>
               <a:ext cx="63202" cy="63202"/>
             </a:xfrm>
             <a:custGeom>
@@ -11243,7 +11243,7 @@
           </p:nvSpPr>
           <p:spPr>
             <a:xfrm>
-              <a:off x="2677118" y="6239511"/>
+              <a:off x="3099519" y="6239637"/>
               <a:ext cx="63202" cy="63202"/>
             </a:xfrm>
             <a:custGeom>
@@ -11286,7 +11286,7 @@
           </p:nvSpPr>
           <p:spPr>
             <a:xfrm>
-              <a:off x="1578469" y="6054789"/>
+              <a:off x="2197145" y="6054804"/>
               <a:ext cx="63202" cy="63202"/>
             </a:xfrm>
             <a:custGeom>
@@ -11329,7 +11329,7 @@
           </p:nvSpPr>
           <p:spPr>
             <a:xfrm>
-              <a:off x="2978440" y="6255982"/>
+              <a:off x="3068338" y="6256001"/>
               <a:ext cx="63202" cy="63202"/>
             </a:xfrm>
             <a:custGeom>
@@ -11372,7 +11372,7 @@
           </p:nvSpPr>
           <p:spPr>
             <a:xfrm>
-              <a:off x="2439493" y="6239528"/>
+              <a:off x="2854815" y="6239557"/>
               <a:ext cx="63202" cy="63202"/>
             </a:xfrm>
             <a:custGeom>
@@ -11415,7 +11415,7 @@
           </p:nvSpPr>
           <p:spPr>
             <a:xfrm>
-              <a:off x="2154828" y="5759966"/>
+              <a:off x="2195261" y="5760000"/>
               <a:ext cx="63202" cy="63202"/>
             </a:xfrm>
             <a:custGeom>
@@ -11458,7 +11458,7 @@
           </p:nvSpPr>
           <p:spPr>
             <a:xfrm>
-              <a:off x="3919059" y="6755760"/>
+              <a:off x="3421601" y="6755977"/>
               <a:ext cx="63202" cy="63202"/>
             </a:xfrm>
             <a:custGeom>
@@ -11501,7 +11501,7 @@
           </p:nvSpPr>
           <p:spPr>
             <a:xfrm>
-              <a:off x="2178196" y="5973980"/>
+              <a:off x="2055071" y="5973998"/>
               <a:ext cx="63202" cy="63202"/>
             </a:xfrm>
             <a:custGeom>
@@ -11544,7 +11544,7 @@
           </p:nvSpPr>
           <p:spPr>
             <a:xfrm>
-              <a:off x="1982579" y="5745037"/>
+              <a:off x="1729375" y="5744994"/>
               <a:ext cx="63202" cy="63202"/>
             </a:xfrm>
             <a:custGeom>
@@ -11587,7 +11587,7 @@
           </p:nvSpPr>
           <p:spPr>
             <a:xfrm>
-              <a:off x="1935240" y="5828317"/>
+              <a:off x="2028490" y="5828413"/>
               <a:ext cx="63202" cy="63202"/>
             </a:xfrm>
             <a:custGeom>
@@ -11630,7 +11630,7 @@
           </p:nvSpPr>
           <p:spPr>
             <a:xfrm>
-              <a:off x="2118593" y="5755544"/>
+              <a:off x="1826536" y="5755306"/>
               <a:ext cx="63202" cy="63202"/>
             </a:xfrm>
             <a:custGeom>
@@ -11673,7 +11673,7 @@
           </p:nvSpPr>
           <p:spPr>
             <a:xfrm>
-              <a:off x="1884809" y="5756942"/>
+              <a:off x="2132082" y="5756860"/>
               <a:ext cx="63202" cy="63202"/>
             </a:xfrm>
             <a:custGeom>
@@ -11716,7 +11716,7 @@
           </p:nvSpPr>
           <p:spPr>
             <a:xfrm>
-              <a:off x="1785418" y="5774265"/>
+              <a:off x="2174723" y="5774279"/>
               <a:ext cx="63202" cy="63202"/>
             </a:xfrm>
             <a:custGeom>
@@ -11759,7 +11759,7 @@
           </p:nvSpPr>
           <p:spPr>
             <a:xfrm>
-              <a:off x="1942643" y="5767933"/>
+              <a:off x="1959054" y="5767878"/>
               <a:ext cx="63202" cy="63202"/>
             </a:xfrm>
             <a:custGeom>
@@ -11802,7 +11802,7 @@
           </p:nvSpPr>
           <p:spPr>
             <a:xfrm>
-              <a:off x="3967451" y="6809079"/>
+              <a:off x="3458962" y="6809079"/>
               <a:ext cx="63202" cy="63202"/>
             </a:xfrm>
             <a:custGeom>
@@ -11901,7 +11901,7 @@
           </p:nvSpPr>
           <p:spPr>
             <a:xfrm>
-              <a:off x="4284320" y="2806695"/>
+              <a:off x="4284320" y="2806800"/>
               <a:ext cx="2817450" cy="0"/>
             </a:xfrm>
             <a:custGeom>
@@ -11944,7 +11944,7 @@
           </p:nvSpPr>
           <p:spPr>
             <a:xfrm>
-              <a:off x="4284320" y="2438063"/>
+              <a:off x="4284320" y="2438131"/>
               <a:ext cx="2817450" cy="0"/>
             </a:xfrm>
             <a:custGeom>
@@ -11987,7 +11987,7 @@
           </p:nvSpPr>
           <p:spPr>
             <a:xfrm>
-              <a:off x="4284320" y="2069432"/>
+              <a:off x="4284320" y="2069463"/>
               <a:ext cx="2817450" cy="0"/>
             </a:xfrm>
             <a:custGeom>
@@ -12030,7 +12030,7 @@
           </p:nvSpPr>
           <p:spPr>
             <a:xfrm>
-              <a:off x="4284320" y="1700800"/>
+              <a:off x="4284320" y="1700795"/>
               <a:ext cx="2817450" cy="0"/>
             </a:xfrm>
             <a:custGeom>
@@ -12073,7 +12073,7 @@
           </p:nvSpPr>
           <p:spPr>
             <a:xfrm>
-              <a:off x="4284320" y="2991011"/>
+              <a:off x="4284320" y="2991134"/>
               <a:ext cx="2817450" cy="0"/>
             </a:xfrm>
             <a:custGeom>
@@ -12116,7 +12116,7 @@
           </p:nvSpPr>
           <p:spPr>
             <a:xfrm>
-              <a:off x="4284320" y="2622379"/>
+              <a:off x="4284320" y="2622466"/>
               <a:ext cx="2817450" cy="0"/>
             </a:xfrm>
             <a:custGeom>
@@ -12159,7 +12159,7 @@
           </p:nvSpPr>
           <p:spPr>
             <a:xfrm>
-              <a:off x="4284320" y="2253748"/>
+              <a:off x="4284320" y="2253797"/>
               <a:ext cx="2817450" cy="0"/>
             </a:xfrm>
             <a:custGeom>
@@ -12202,7 +12202,7 @@
           </p:nvSpPr>
           <p:spPr>
             <a:xfrm>
-              <a:off x="4284320" y="1885116"/>
+              <a:off x="4284320" y="1885129"/>
               <a:ext cx="2817450" cy="0"/>
             </a:xfrm>
             <a:custGeom>
@@ -12245,7 +12245,7 @@
           </p:nvSpPr>
           <p:spPr>
             <a:xfrm>
-              <a:off x="4284320" y="1516484"/>
+              <a:off x="4284320" y="1516461"/>
               <a:ext cx="2817450" cy="0"/>
             </a:xfrm>
             <a:custGeom>
@@ -12417,7 +12417,7 @@
           </p:nvSpPr>
           <p:spPr>
             <a:xfrm>
-              <a:off x="4575316" y="1668392"/>
+              <a:off x="4650683" y="1668334"/>
               <a:ext cx="63202" cy="63202"/>
             </a:xfrm>
             <a:custGeom>
@@ -12460,7 +12460,7 @@
           </p:nvSpPr>
           <p:spPr>
             <a:xfrm>
-              <a:off x="4464564" y="1722025"/>
+              <a:off x="4567704" y="1721860"/>
               <a:ext cx="63202" cy="63202"/>
             </a:xfrm>
             <a:custGeom>
@@ -12503,7 +12503,7 @@
           </p:nvSpPr>
           <p:spPr>
             <a:xfrm>
-              <a:off x="4700600" y="1629768"/>
+              <a:off x="5010508" y="1629791"/>
               <a:ext cx="63202" cy="63202"/>
             </a:xfrm>
             <a:custGeom>
@@ -12546,7 +12546,7 @@
           </p:nvSpPr>
           <p:spPr>
             <a:xfrm>
-              <a:off x="5063185" y="1624251"/>
+              <a:off x="4718690" y="1624194"/>
               <a:ext cx="63202" cy="63202"/>
             </a:xfrm>
             <a:custGeom>
@@ -12589,7 +12589,7 @@
           </p:nvSpPr>
           <p:spPr>
             <a:xfrm>
-              <a:off x="5025496" y="1610245"/>
+              <a:off x="4853038" y="1610216"/>
               <a:ext cx="63202" cy="63202"/>
             </a:xfrm>
             <a:custGeom>
@@ -12632,7 +12632,7 @@
           </p:nvSpPr>
           <p:spPr>
             <a:xfrm>
-              <a:off x="4841212" y="1651026"/>
+              <a:off x="4926214" y="1651103"/>
               <a:ext cx="63202" cy="63202"/>
             </a:xfrm>
             <a:custGeom>
@@ -12675,7 +12675,7 @@
           </p:nvSpPr>
           <p:spPr>
             <a:xfrm>
-              <a:off x="4918665" y="1640723"/>
+              <a:off x="4705052" y="1640886"/>
               <a:ext cx="63202" cy="63202"/>
             </a:xfrm>
             <a:custGeom>
@@ -12718,7 +12718,7 @@
           </p:nvSpPr>
           <p:spPr>
             <a:xfrm>
-              <a:off x="4679715" y="1638943"/>
+              <a:off x="4508244" y="1638917"/>
               <a:ext cx="63202" cy="63202"/>
             </a:xfrm>
             <a:custGeom>
@@ -12761,7 +12761,7 @@
           </p:nvSpPr>
           <p:spPr>
             <a:xfrm>
-              <a:off x="4609367" y="1633058"/>
+              <a:off x="4612527" y="1632964"/>
               <a:ext cx="63202" cy="63202"/>
             </a:xfrm>
             <a:custGeom>
@@ -12804,7 +12804,7 @@
           </p:nvSpPr>
           <p:spPr>
             <a:xfrm>
-              <a:off x="5078130" y="1599500"/>
+              <a:off x="4686313" y="1599393"/>
               <a:ext cx="63202" cy="63202"/>
             </a:xfrm>
             <a:custGeom>
@@ -12847,7 +12847,7 @@
           </p:nvSpPr>
           <p:spPr>
             <a:xfrm>
-              <a:off x="4577037" y="1644140"/>
+              <a:off x="4602971" y="1644257"/>
               <a:ext cx="63202" cy="63202"/>
             </a:xfrm>
             <a:custGeom>
@@ -12890,7 +12890,7 @@
           </p:nvSpPr>
           <p:spPr>
             <a:xfrm>
-              <a:off x="4927904" y="1648809"/>
+              <a:off x="4766699" y="1648954"/>
               <a:ext cx="63202" cy="63202"/>
             </a:xfrm>
             <a:custGeom>
@@ -12933,7 +12933,7 @@
           </p:nvSpPr>
           <p:spPr>
             <a:xfrm>
-              <a:off x="4993854" y="1649717"/>
+              <a:off x="4517246" y="1649517"/>
               <a:ext cx="63202" cy="63202"/>
             </a:xfrm>
             <a:custGeom>
@@ -12976,7 +12976,7 @@
           </p:nvSpPr>
           <p:spPr>
             <a:xfrm>
-              <a:off x="5009354" y="1591376"/>
+              <a:off x="5005953" y="1591278"/>
               <a:ext cx="63202" cy="63202"/>
             </a:xfrm>
             <a:custGeom>
@@ -13019,7 +13019,7 @@
           </p:nvSpPr>
           <p:spPr>
             <a:xfrm>
-              <a:off x="4903807" y="1641621"/>
+              <a:off x="4586245" y="1641677"/>
               <a:ext cx="63202" cy="63202"/>
             </a:xfrm>
             <a:custGeom>
@@ -13062,7 +13062,7 @@
           </p:nvSpPr>
           <p:spPr>
             <a:xfrm>
-              <a:off x="4480648" y="1589305"/>
+              <a:off x="4951635" y="1589234"/>
               <a:ext cx="63202" cy="63202"/>
             </a:xfrm>
             <a:custGeom>
@@ -13105,7 +13105,7 @@
           </p:nvSpPr>
           <p:spPr>
             <a:xfrm>
-              <a:off x="5122948" y="1645379"/>
+              <a:off x="5073627" y="1645086"/>
               <a:ext cx="63202" cy="63202"/>
             </a:xfrm>
             <a:custGeom>
@@ -13148,7 +13148,7 @@
           </p:nvSpPr>
           <p:spPr>
             <a:xfrm>
-              <a:off x="4621171" y="1642162"/>
+              <a:off x="4831108" y="1642175"/>
               <a:ext cx="63202" cy="63202"/>
             </a:xfrm>
             <a:custGeom>
@@ -13191,7 +13191,7 @@
           </p:nvSpPr>
           <p:spPr>
             <a:xfrm>
-              <a:off x="4842314" y="1672280"/>
+              <a:off x="4878892" y="1672241"/>
               <a:ext cx="63202" cy="63202"/>
             </a:xfrm>
             <a:custGeom>
@@ -13234,7 +13234,7 @@
           </p:nvSpPr>
           <p:spPr>
             <a:xfrm>
-              <a:off x="4648793" y="1795669"/>
+              <a:off x="4789777" y="1795528"/>
               <a:ext cx="63202" cy="63202"/>
             </a:xfrm>
             <a:custGeom>
@@ -13277,7 +13277,7 @@
           </p:nvSpPr>
           <p:spPr>
             <a:xfrm>
-              <a:off x="4566636" y="1940538"/>
+              <a:off x="4800913" y="1940656"/>
               <a:ext cx="63202" cy="63202"/>
             </a:xfrm>
             <a:custGeom>
@@ -13320,7 +13320,7 @@
           </p:nvSpPr>
           <p:spPr>
             <a:xfrm>
-              <a:off x="5130643" y="1646338"/>
+              <a:off x="4986805" y="1646345"/>
               <a:ext cx="63202" cy="63202"/>
             </a:xfrm>
             <a:custGeom>
@@ -13363,7 +13363,7 @@
           </p:nvSpPr>
           <p:spPr>
             <a:xfrm>
-              <a:off x="5764877" y="2420145"/>
+              <a:off x="5362227" y="2420055"/>
               <a:ext cx="63202" cy="63202"/>
             </a:xfrm>
             <a:custGeom>
@@ -13406,7 +13406,7 @@
           </p:nvSpPr>
           <p:spPr>
             <a:xfrm>
-              <a:off x="4472351" y="1632995"/>
+              <a:off x="4561896" y="1633100"/>
               <a:ext cx="63202" cy="63202"/>
             </a:xfrm>
             <a:custGeom>
@@ -13449,7 +13449,7 @@
           </p:nvSpPr>
           <p:spPr>
             <a:xfrm>
-              <a:off x="4489524" y="1839576"/>
+              <a:off x="4553462" y="1839501"/>
               <a:ext cx="63202" cy="63202"/>
             </a:xfrm>
             <a:custGeom>
@@ -13492,7 +13492,7 @@
           </p:nvSpPr>
           <p:spPr>
             <a:xfrm>
-              <a:off x="4987139" y="1668846"/>
+              <a:off x="4612493" y="1668953"/>
               <a:ext cx="63202" cy="63202"/>
             </a:xfrm>
             <a:custGeom>
@@ -13535,7 +13535,7 @@
           </p:nvSpPr>
           <p:spPr>
             <a:xfrm>
-              <a:off x="4494089" y="1817366"/>
+              <a:off x="5118329" y="1817400"/>
               <a:ext cx="63202" cy="63202"/>
             </a:xfrm>
             <a:custGeom>
@@ -13578,7 +13578,7 @@
           </p:nvSpPr>
           <p:spPr>
             <a:xfrm>
-              <a:off x="5051974" y="1597422"/>
+              <a:off x="4678649" y="1597270"/>
               <a:ext cx="63202" cy="63202"/>
             </a:xfrm>
             <a:custGeom>
@@ -13621,7 +13621,7 @@
           </p:nvSpPr>
           <p:spPr>
             <a:xfrm>
-              <a:off x="4478707" y="1627688"/>
+              <a:off x="4842659" y="1627633"/>
               <a:ext cx="63202" cy="63202"/>
             </a:xfrm>
             <a:custGeom>
@@ -13664,7 +13664,7 @@
           </p:nvSpPr>
           <p:spPr>
             <a:xfrm>
-              <a:off x="4528662" y="1630257"/>
+              <a:off x="4481672" y="1630103"/>
               <a:ext cx="63202" cy="63202"/>
             </a:xfrm>
             <a:custGeom>
@@ -13707,7 +13707,7 @@
           </p:nvSpPr>
           <p:spPr>
             <a:xfrm>
-              <a:off x="5757807" y="2667212"/>
+              <a:off x="5904496" y="2667144"/>
               <a:ext cx="63202" cy="63202"/>
             </a:xfrm>
             <a:custGeom>
@@ -13750,7 +13750,7 @@
           </p:nvSpPr>
           <p:spPr>
             <a:xfrm>
-              <a:off x="4840548" y="1649029"/>
+              <a:off x="4777902" y="1648772"/>
               <a:ext cx="63202" cy="63202"/>
             </a:xfrm>
             <a:custGeom>
@@ -13793,7 +13793,7 @@
           </p:nvSpPr>
           <p:spPr>
             <a:xfrm>
-              <a:off x="4966164" y="1644473"/>
+              <a:off x="4721837" y="1644402"/>
               <a:ext cx="63202" cy="63202"/>
             </a:xfrm>
             <a:custGeom>
@@ -13836,7 +13836,7 @@
           </p:nvSpPr>
           <p:spPr>
             <a:xfrm>
-              <a:off x="4455903" y="1721297"/>
+              <a:off x="4927911" y="1721295"/>
               <a:ext cx="63202" cy="63202"/>
             </a:xfrm>
             <a:custGeom>
@@ -13879,7 +13879,7 @@
           </p:nvSpPr>
           <p:spPr>
             <a:xfrm>
-              <a:off x="4893614" y="1602912"/>
+              <a:off x="4763005" y="1602740"/>
               <a:ext cx="63202" cy="63202"/>
             </a:xfrm>
             <a:custGeom>
@@ -13922,7 +13922,7 @@
           </p:nvSpPr>
           <p:spPr>
             <a:xfrm>
-              <a:off x="5036573" y="1597691"/>
+              <a:off x="5059879" y="1597627"/>
               <a:ext cx="63202" cy="63202"/>
             </a:xfrm>
             <a:custGeom>
@@ -13965,7 +13965,7 @@
           </p:nvSpPr>
           <p:spPr>
             <a:xfrm>
-              <a:off x="4994619" y="1648290"/>
+              <a:off x="4925426" y="1648224"/>
               <a:ext cx="63202" cy="63202"/>
             </a:xfrm>
             <a:custGeom>
@@ -14008,7 +14008,7 @@
           </p:nvSpPr>
           <p:spPr>
             <a:xfrm>
-              <a:off x="4931519" y="1648105"/>
+              <a:off x="4429284" y="1648275"/>
               <a:ext cx="63202" cy="63202"/>
             </a:xfrm>
             <a:custGeom>
@@ -14051,7 +14051,7 @@
           </p:nvSpPr>
           <p:spPr>
             <a:xfrm>
-              <a:off x="4524815" y="1637376"/>
+              <a:off x="5090492" y="1637351"/>
               <a:ext cx="63202" cy="63202"/>
             </a:xfrm>
             <a:custGeom>
@@ -14094,7 +14094,7 @@
           </p:nvSpPr>
           <p:spPr>
             <a:xfrm>
-              <a:off x="5000287" y="2190356"/>
+              <a:off x="4706098" y="2190469"/>
               <a:ext cx="63202" cy="63202"/>
             </a:xfrm>
             <a:custGeom>
@@ -14137,7 +14137,7 @@
           </p:nvSpPr>
           <p:spPr>
             <a:xfrm>
-              <a:off x="4652020" y="1670663"/>
+              <a:off x="4649443" y="1670578"/>
               <a:ext cx="63202" cy="63202"/>
             </a:xfrm>
             <a:custGeom>
@@ -14180,7 +14180,7 @@
           </p:nvSpPr>
           <p:spPr>
             <a:xfrm>
-              <a:off x="4805104" y="2210819"/>
+              <a:off x="4515344" y="2210690"/>
               <a:ext cx="63202" cy="63202"/>
             </a:xfrm>
             <a:custGeom>
@@ -14223,7 +14223,7 @@
           </p:nvSpPr>
           <p:spPr>
             <a:xfrm>
-              <a:off x="4704564" y="1582161"/>
+              <a:off x="5080039" y="1582067"/>
               <a:ext cx="63202" cy="63202"/>
             </a:xfrm>
             <a:custGeom>
@@ -14266,7 +14266,7 @@
           </p:nvSpPr>
           <p:spPr>
             <a:xfrm>
-              <a:off x="4781679" y="1931374"/>
+              <a:off x="4790334" y="1931274"/>
               <a:ext cx="63202" cy="63202"/>
             </a:xfrm>
             <a:custGeom>
@@ -14309,7 +14309,7 @@
           </p:nvSpPr>
           <p:spPr>
             <a:xfrm>
-              <a:off x="4467273" y="1640471"/>
+              <a:off x="4609454" y="1640314"/>
               <a:ext cx="63202" cy="63202"/>
             </a:xfrm>
             <a:custGeom>
@@ -14352,7 +14352,7 @@
           </p:nvSpPr>
           <p:spPr>
             <a:xfrm>
-              <a:off x="4822125" y="1708906"/>
+              <a:off x="5095112" y="1709115"/>
               <a:ext cx="63202" cy="63202"/>
             </a:xfrm>
             <a:custGeom>
@@ -14395,7 +14395,7 @@
           </p:nvSpPr>
           <p:spPr>
             <a:xfrm>
-              <a:off x="5090373" y="1717262"/>
+              <a:off x="4723169" y="1717079"/>
               <a:ext cx="63202" cy="63202"/>
             </a:xfrm>
             <a:custGeom>
@@ -14438,7 +14438,7 @@
           </p:nvSpPr>
           <p:spPr>
             <a:xfrm>
-              <a:off x="4852709" y="1665898"/>
+              <a:off x="4507716" y="1666000"/>
               <a:ext cx="63202" cy="63202"/>
             </a:xfrm>
             <a:custGeom>
@@ -14481,7 +14481,7 @@
           </p:nvSpPr>
           <p:spPr>
             <a:xfrm>
-              <a:off x="4738126" y="1649667"/>
+              <a:off x="4470212" y="1649508"/>
               <a:ext cx="63202" cy="63202"/>
             </a:xfrm>
             <a:custGeom>
@@ -14524,7 +14524,7 @@
           </p:nvSpPr>
           <p:spPr>
             <a:xfrm>
-              <a:off x="4956667" y="1648072"/>
+              <a:off x="4667614" y="1648207"/>
               <a:ext cx="63202" cy="63202"/>
             </a:xfrm>
             <a:custGeom>
@@ -14567,7 +14567,7 @@
           </p:nvSpPr>
           <p:spPr>
             <a:xfrm>
-              <a:off x="4556040" y="1759112"/>
+              <a:off x="4469413" y="1759287"/>
               <a:ext cx="63202" cy="63202"/>
             </a:xfrm>
             <a:custGeom>
@@ -14610,7 +14610,7 @@
           </p:nvSpPr>
           <p:spPr>
             <a:xfrm>
-              <a:off x="4472770" y="1788953"/>
+              <a:off x="5103342" y="1789125"/>
               <a:ext cx="63202" cy="63202"/>
             </a:xfrm>
             <a:custGeom>
@@ -14653,7 +14653,7 @@
           </p:nvSpPr>
           <p:spPr>
             <a:xfrm>
-              <a:off x="5129661" y="1663701"/>
+              <a:off x="5107151" y="1663533"/>
               <a:ext cx="63202" cy="63202"/>
             </a:xfrm>
             <a:custGeom>
@@ -14696,7 +14696,7 @@
           </p:nvSpPr>
           <p:spPr>
             <a:xfrm>
-              <a:off x="4818042" y="1654065"/>
+              <a:off x="4692004" y="1654022"/>
               <a:ext cx="63202" cy="63202"/>
             </a:xfrm>
             <a:custGeom>
@@ -14739,7 +14739,7 @@
           </p:nvSpPr>
           <p:spPr>
             <a:xfrm>
-              <a:off x="5129079" y="1711201"/>
+              <a:off x="4588626" y="1711231"/>
               <a:ext cx="63202" cy="63202"/>
             </a:xfrm>
             <a:custGeom>
@@ -14782,7 +14782,7 @@
           </p:nvSpPr>
           <p:spPr>
             <a:xfrm>
-              <a:off x="4784165" y="1640515"/>
+              <a:off x="4480744" y="1640330"/>
               <a:ext cx="63202" cy="63202"/>
             </a:xfrm>
             <a:custGeom>
@@ -14825,7 +14825,7 @@
           </p:nvSpPr>
           <p:spPr>
             <a:xfrm>
-              <a:off x="4828174" y="1588799"/>
+              <a:off x="4638091" y="1588823"/>
               <a:ext cx="63202" cy="63202"/>
             </a:xfrm>
             <a:custGeom>
@@ -14868,7 +14868,7 @@
           </p:nvSpPr>
           <p:spPr>
             <a:xfrm>
-              <a:off x="4966212" y="1689567"/>
+              <a:off x="5066636" y="1689425"/>
               <a:ext cx="63202" cy="63202"/>
             </a:xfrm>
             <a:custGeom>
@@ -14911,7 +14911,7 @@
           </p:nvSpPr>
           <p:spPr>
             <a:xfrm>
-              <a:off x="4635300" y="1759069"/>
+              <a:off x="4884426" y="1759004"/>
               <a:ext cx="63202" cy="63202"/>
             </a:xfrm>
             <a:custGeom>
@@ -14954,7 +14954,7 @@
           </p:nvSpPr>
           <p:spPr>
             <a:xfrm>
-              <a:off x="4654113" y="1610544"/>
+              <a:off x="4537020" y="1610598"/>
               <a:ext cx="63202" cy="63202"/>
             </a:xfrm>
             <a:custGeom>
@@ -14997,7 +14997,7 @@
           </p:nvSpPr>
           <p:spPr>
             <a:xfrm>
-              <a:off x="4637868" y="2117702"/>
+              <a:off x="4772154" y="2117741"/>
               <a:ext cx="63202" cy="63202"/>
             </a:xfrm>
             <a:custGeom>
@@ -15040,7 +15040,7 @@
           </p:nvSpPr>
           <p:spPr>
             <a:xfrm>
-              <a:off x="5117941" y="1722780"/>
+              <a:off x="4579663" y="1722650"/>
               <a:ext cx="63202" cy="63202"/>
             </a:xfrm>
             <a:custGeom>
@@ -15083,7 +15083,7 @@
           </p:nvSpPr>
           <p:spPr>
             <a:xfrm>
-              <a:off x="5092655" y="1659954"/>
+              <a:off x="4844389" y="1660048"/>
               <a:ext cx="63202" cy="63202"/>
             </a:xfrm>
             <a:custGeom>
@@ -15126,7 +15126,7 @@
           </p:nvSpPr>
           <p:spPr>
             <a:xfrm>
-              <a:off x="4899646" y="1591071"/>
+              <a:off x="4743428" y="1591019"/>
               <a:ext cx="63202" cy="63202"/>
             </a:xfrm>
             <a:custGeom>
@@ -15169,7 +15169,7 @@
           </p:nvSpPr>
           <p:spPr>
             <a:xfrm>
-              <a:off x="4640389" y="1594716"/>
+              <a:off x="4762932" y="1594576"/>
               <a:ext cx="63202" cy="63202"/>
             </a:xfrm>
             <a:custGeom>
@@ -15212,7 +15212,7 @@
           </p:nvSpPr>
           <p:spPr>
             <a:xfrm>
-              <a:off x="4928044" y="1683671"/>
+              <a:off x="4832642" y="1683627"/>
               <a:ext cx="63202" cy="63202"/>
             </a:xfrm>
             <a:custGeom>
@@ -15255,7 +15255,7 @@
           </p:nvSpPr>
           <p:spPr>
             <a:xfrm>
-              <a:off x="4968443" y="1637383"/>
+              <a:off x="4630718" y="1637552"/>
               <a:ext cx="63202" cy="63202"/>
             </a:xfrm>
             <a:custGeom>
@@ -15298,7 +15298,7 @@
           </p:nvSpPr>
           <p:spPr>
             <a:xfrm>
-              <a:off x="4731370" y="1916036"/>
+              <a:off x="5115255" y="1916134"/>
               <a:ext cx="63202" cy="63202"/>
             </a:xfrm>
             <a:custGeom>
@@ -15341,7 +15341,7 @@
           </p:nvSpPr>
           <p:spPr>
             <a:xfrm>
-              <a:off x="5088287" y="1645286"/>
+              <a:off x="4544773" y="1645332"/>
               <a:ext cx="63202" cy="63202"/>
             </a:xfrm>
             <a:custGeom>
@@ -15384,7 +15384,7 @@
           </p:nvSpPr>
           <p:spPr>
             <a:xfrm>
-              <a:off x="4920661" y="1866431"/>
+              <a:off x="4952915" y="1866556"/>
               <a:ext cx="63202" cy="63202"/>
             </a:xfrm>
             <a:custGeom>
@@ -15427,7 +15427,7 @@
           </p:nvSpPr>
           <p:spPr>
             <a:xfrm>
-              <a:off x="6198321" y="2957617"/>
+              <a:off x="6269564" y="2957601"/>
               <a:ext cx="63202" cy="63202"/>
             </a:xfrm>
             <a:custGeom>
@@ -15470,7 +15470,7 @@
           </p:nvSpPr>
           <p:spPr>
             <a:xfrm>
-              <a:off x="4697152" y="1736018"/>
+              <a:off x="4453417" y="1735790"/>
               <a:ext cx="63202" cy="63202"/>
             </a:xfrm>
             <a:custGeom>
@@ -15513,7 +15513,7 @@
           </p:nvSpPr>
           <p:spPr>
             <a:xfrm>
-              <a:off x="4556822" y="1651390"/>
+              <a:off x="4665148" y="1651494"/>
               <a:ext cx="63202" cy="63202"/>
             </a:xfrm>
             <a:custGeom>
@@ -15556,7 +15556,7 @@
           </p:nvSpPr>
           <p:spPr>
             <a:xfrm>
-              <a:off x="4471197" y="1963750"/>
+              <a:off x="4519412" y="1963620"/>
               <a:ext cx="63202" cy="63202"/>
             </a:xfrm>
             <a:custGeom>
@@ -15599,7 +15599,7 @@
           </p:nvSpPr>
           <p:spPr>
             <a:xfrm>
-              <a:off x="4747595" y="1960780"/>
+              <a:off x="5032034" y="1960755"/>
               <a:ext cx="63202" cy="63202"/>
             </a:xfrm>
             <a:custGeom>
@@ -15642,7 +15642,7 @@
           </p:nvSpPr>
           <p:spPr>
             <a:xfrm>
-              <a:off x="5644356" y="2555495"/>
+              <a:off x="5696409" y="2555378"/>
               <a:ext cx="63202" cy="63202"/>
             </a:xfrm>
             <a:custGeom>
@@ -15685,7 +15685,7 @@
           </p:nvSpPr>
           <p:spPr>
             <a:xfrm>
-              <a:off x="4729368" y="1653480"/>
+              <a:off x="4833623" y="1653360"/>
               <a:ext cx="63202" cy="63202"/>
             </a:xfrm>
             <a:custGeom>
@@ -15728,7 +15728,7 @@
           </p:nvSpPr>
           <p:spPr>
             <a:xfrm>
-              <a:off x="4720038" y="2180451"/>
+              <a:off x="4446523" y="2180470"/>
               <a:ext cx="63202" cy="63202"/>
             </a:xfrm>
             <a:custGeom>
@@ -15771,7 +15771,7 @@
           </p:nvSpPr>
           <p:spPr>
             <a:xfrm>
-              <a:off x="4706819" y="1650745"/>
+              <a:off x="4789750" y="1650697"/>
               <a:ext cx="63202" cy="63202"/>
             </a:xfrm>
             <a:custGeom>
@@ -15814,7 +15814,7 @@
           </p:nvSpPr>
           <p:spPr>
             <a:xfrm>
-              <a:off x="4719209" y="1697143"/>
+              <a:off x="5113186" y="1697091"/>
               <a:ext cx="63202" cy="63202"/>
             </a:xfrm>
             <a:custGeom>
@@ -15857,7 +15857,7 @@
           </p:nvSpPr>
           <p:spPr>
             <a:xfrm>
-              <a:off x="4886887" y="1667654"/>
+              <a:off x="5061202" y="1667759"/>
               <a:ext cx="63202" cy="63202"/>
             </a:xfrm>
             <a:custGeom>
@@ -15900,7 +15900,7 @@
           </p:nvSpPr>
           <p:spPr>
             <a:xfrm>
-              <a:off x="4877126" y="1784887"/>
+              <a:off x="4935629" y="1785078"/>
               <a:ext cx="63202" cy="63202"/>
             </a:xfrm>
             <a:custGeom>
@@ -15943,7 +15943,7 @@
           </p:nvSpPr>
           <p:spPr>
             <a:xfrm>
-              <a:off x="4833753" y="1648291"/>
+              <a:off x="4971093" y="1648242"/>
               <a:ext cx="63202" cy="63202"/>
             </a:xfrm>
             <a:custGeom>
@@ -15986,7 +15986,7 @@
           </p:nvSpPr>
           <p:spPr>
             <a:xfrm>
-              <a:off x="5055461" y="1593997"/>
+              <a:off x="4507980" y="1593985"/>
               <a:ext cx="63202" cy="63202"/>
             </a:xfrm>
             <a:custGeom>
@@ -16029,7 +16029,7 @@
           </p:nvSpPr>
           <p:spPr>
             <a:xfrm>
-              <a:off x="5092928" y="1739462"/>
+              <a:off x="4590179" y="1739560"/>
               <a:ext cx="63202" cy="63202"/>
             </a:xfrm>
             <a:custGeom>
@@ -16072,7 +16072,7 @@
           </p:nvSpPr>
           <p:spPr>
             <a:xfrm>
-              <a:off x="4487874" y="1734467"/>
+              <a:off x="4733446" y="1734551"/>
               <a:ext cx="63202" cy="63202"/>
             </a:xfrm>
             <a:custGeom>
@@ -16171,7 +16171,7 @@
           </p:nvSpPr>
           <p:spPr>
             <a:xfrm>
-              <a:off x="4284320" y="4732028"/>
+              <a:off x="4284320" y="4732132"/>
               <a:ext cx="2817450" cy="0"/>
             </a:xfrm>
             <a:custGeom>
@@ -16214,7 +16214,7 @@
           </p:nvSpPr>
           <p:spPr>
             <a:xfrm>
-              <a:off x="4284320" y="4363396"/>
+              <a:off x="4284320" y="4363464"/>
               <a:ext cx="2817450" cy="0"/>
             </a:xfrm>
             <a:custGeom>
@@ -16257,7 +16257,7 @@
           </p:nvSpPr>
           <p:spPr>
             <a:xfrm>
-              <a:off x="4284320" y="3994764"/>
+              <a:off x="4284320" y="3994796"/>
               <a:ext cx="2817450" cy="0"/>
             </a:xfrm>
             <a:custGeom>
@@ -16300,7 +16300,7 @@
           </p:nvSpPr>
           <p:spPr>
             <a:xfrm>
-              <a:off x="4284320" y="3626133"/>
+              <a:off x="4284320" y="3626128"/>
               <a:ext cx="2817450" cy="0"/>
             </a:xfrm>
             <a:custGeom>
@@ -16343,7 +16343,7 @@
           </p:nvSpPr>
           <p:spPr>
             <a:xfrm>
-              <a:off x="4284320" y="4916343"/>
+              <a:off x="4284320" y="4916466"/>
               <a:ext cx="2817450" cy="0"/>
             </a:xfrm>
             <a:custGeom>
@@ -16386,7 +16386,7 @@
           </p:nvSpPr>
           <p:spPr>
             <a:xfrm>
-              <a:off x="4284320" y="4547712"/>
+              <a:off x="4284320" y="4547798"/>
               <a:ext cx="2817450" cy="0"/>
             </a:xfrm>
             <a:custGeom>
@@ -16429,7 +16429,7 @@
           </p:nvSpPr>
           <p:spPr>
             <a:xfrm>
-              <a:off x="4284320" y="4179080"/>
+              <a:off x="4284320" y="4179130"/>
               <a:ext cx="2817450" cy="0"/>
             </a:xfrm>
             <a:custGeom>
@@ -16472,7 +16472,7 @@
           </p:nvSpPr>
           <p:spPr>
             <a:xfrm>
-              <a:off x="4284320" y="3810449"/>
+              <a:off x="4284320" y="3810462"/>
               <a:ext cx="2817450" cy="0"/>
             </a:xfrm>
             <a:custGeom>
@@ -16515,7 +16515,7 @@
           </p:nvSpPr>
           <p:spPr>
             <a:xfrm>
-              <a:off x="4284320" y="3441817"/>
+              <a:off x="4284320" y="3441794"/>
               <a:ext cx="2817450" cy="0"/>
             </a:xfrm>
             <a:custGeom>
@@ -16687,7 +16687,7 @@
           </p:nvSpPr>
           <p:spPr>
             <a:xfrm>
-              <a:off x="5626823" y="4160833"/>
+              <a:off x="5896726" y="4160864"/>
               <a:ext cx="63202" cy="63202"/>
             </a:xfrm>
             <a:custGeom>
@@ -16730,7 +16730,7 @@
           </p:nvSpPr>
           <p:spPr>
             <a:xfrm>
-              <a:off x="4772557" y="3691731"/>
+              <a:off x="4937723" y="3691955"/>
               <a:ext cx="63202" cy="63202"/>
             </a:xfrm>
             <a:custGeom>
@@ -16773,7 +16773,7 @@
           </p:nvSpPr>
           <p:spPr>
             <a:xfrm>
-              <a:off x="6673323" y="3947658"/>
+              <a:off x="6663232" y="3947841"/>
               <a:ext cx="63202" cy="63202"/>
             </a:xfrm>
             <a:custGeom>
@@ -16816,7 +16816,7 @@
           </p:nvSpPr>
           <p:spPr>
             <a:xfrm>
-              <a:off x="6271486" y="4838639"/>
+              <a:off x="6611145" y="4838871"/>
               <a:ext cx="63202" cy="63202"/>
             </a:xfrm>
             <a:custGeom>
@@ -16859,7 +16859,7 @@
           </p:nvSpPr>
           <p:spPr>
             <a:xfrm>
-              <a:off x="6511771" y="4870863"/>
+              <a:off x="6410303" y="4870734"/>
               <a:ext cx="63202" cy="63202"/>
             </a:xfrm>
             <a:custGeom>
@@ -16958,7 +16958,7 @@
           </p:nvSpPr>
           <p:spPr>
             <a:xfrm>
-              <a:off x="4284320" y="6657360"/>
+              <a:off x="4284320" y="6657465"/>
               <a:ext cx="2817450" cy="0"/>
             </a:xfrm>
             <a:custGeom>
@@ -17001,7 +17001,7 @@
           </p:nvSpPr>
           <p:spPr>
             <a:xfrm>
-              <a:off x="4284320" y="6288729"/>
+              <a:off x="4284320" y="6288797"/>
               <a:ext cx="2817450" cy="0"/>
             </a:xfrm>
             <a:custGeom>
@@ -17044,7 +17044,7 @@
           </p:nvSpPr>
           <p:spPr>
             <a:xfrm>
-              <a:off x="4284320" y="5920097"/>
+              <a:off x="4284320" y="5920128"/>
               <a:ext cx="2817450" cy="0"/>
             </a:xfrm>
             <a:custGeom>
@@ -17087,7 +17087,7 @@
           </p:nvSpPr>
           <p:spPr>
             <a:xfrm>
-              <a:off x="4284320" y="5551465"/>
+              <a:off x="4284320" y="5551460"/>
               <a:ext cx="2817450" cy="0"/>
             </a:xfrm>
             <a:custGeom>
@@ -17130,7 +17130,7 @@
           </p:nvSpPr>
           <p:spPr>
             <a:xfrm>
-              <a:off x="4284320" y="6841676"/>
+              <a:off x="4284320" y="6841799"/>
               <a:ext cx="2817450" cy="0"/>
             </a:xfrm>
             <a:custGeom>
@@ -17173,7 +17173,7 @@
           </p:nvSpPr>
           <p:spPr>
             <a:xfrm>
-              <a:off x="4284320" y="6473044"/>
+              <a:off x="4284320" y="6473131"/>
               <a:ext cx="2817450" cy="0"/>
             </a:xfrm>
             <a:custGeom>
@@ -17216,7 +17216,7 @@
           </p:nvSpPr>
           <p:spPr>
             <a:xfrm>
-              <a:off x="4284320" y="6104413"/>
+              <a:off x="4284320" y="6104463"/>
               <a:ext cx="2817450" cy="0"/>
             </a:xfrm>
             <a:custGeom>
@@ -17259,7 +17259,7 @@
           </p:nvSpPr>
           <p:spPr>
             <a:xfrm>
-              <a:off x="4284320" y="5735781"/>
+              <a:off x="4284320" y="5735794"/>
               <a:ext cx="2817450" cy="0"/>
             </a:xfrm>
             <a:custGeom>
@@ -17302,7 +17302,7 @@
           </p:nvSpPr>
           <p:spPr>
             <a:xfrm>
-              <a:off x="4284320" y="5367150"/>
+              <a:off x="4284320" y="5367126"/>
               <a:ext cx="2817450" cy="0"/>
             </a:xfrm>
             <a:custGeom>
@@ -17474,7 +17474,7 @@
           </p:nvSpPr>
           <p:spPr>
             <a:xfrm>
-              <a:off x="5076721" y="5399685"/>
+              <a:off x="5013219" y="5399693"/>
               <a:ext cx="63202" cy="63202"/>
             </a:xfrm>
             <a:custGeom>
@@ -17517,7 +17517,7 @@
           </p:nvSpPr>
           <p:spPr>
             <a:xfrm>
-              <a:off x="4768303" y="5333807"/>
+              <a:off x="4531834" y="5333632"/>
               <a:ext cx="63202" cy="63202"/>
             </a:xfrm>
             <a:custGeom>
@@ -17560,7 +17560,7 @@
           </p:nvSpPr>
           <p:spPr>
             <a:xfrm>
-              <a:off x="4601260" y="5353573"/>
+              <a:off x="4808055" y="5353474"/>
               <a:ext cx="63202" cy="63202"/>
             </a:xfrm>
             <a:custGeom>
@@ -17603,7 +17603,7 @@
           </p:nvSpPr>
           <p:spPr>
             <a:xfrm>
-              <a:off x="4944858" y="5356519"/>
+              <a:off x="5101793" y="5356648"/>
               <a:ext cx="63202" cy="63202"/>
             </a:xfrm>
             <a:custGeom>
@@ -17646,7 +17646,7 @@
           </p:nvSpPr>
           <p:spPr>
             <a:xfrm>
-              <a:off x="6242269" y="6802578"/>
+              <a:off x="6814393" y="6802804"/>
               <a:ext cx="63202" cy="63202"/>
             </a:xfrm>
             <a:custGeom>
@@ -17689,7 +17689,7 @@
           </p:nvSpPr>
           <p:spPr>
             <a:xfrm>
-              <a:off x="4459912" y="5385608"/>
+              <a:off x="4758040" y="5385591"/>
               <a:ext cx="63202" cy="63202"/>
             </a:xfrm>
             <a:custGeom>
@@ -17732,7 +17732,7 @@
           </p:nvSpPr>
           <p:spPr>
             <a:xfrm>
-              <a:off x="4827489" y="5339354"/>
+              <a:off x="5007212" y="5339281"/>
               <a:ext cx="63202" cy="63202"/>
             </a:xfrm>
             <a:custGeom>
@@ -17775,7 +17775,7 @@
           </p:nvSpPr>
           <p:spPr>
             <a:xfrm>
-              <a:off x="5060734" y="5396033"/>
+              <a:off x="4566112" y="5395953"/>
               <a:ext cx="63202" cy="63202"/>
             </a:xfrm>
             <a:custGeom>
@@ -17818,7 +17818,7 @@
           </p:nvSpPr>
           <p:spPr>
             <a:xfrm>
-              <a:off x="4475875" y="5359271"/>
+              <a:off x="4615207" y="5359241"/>
               <a:ext cx="63202" cy="63202"/>
             </a:xfrm>
             <a:custGeom>
@@ -17861,7 +17861,7 @@
           </p:nvSpPr>
           <p:spPr>
             <a:xfrm>
-              <a:off x="4859913" y="5395949"/>
+              <a:off x="4594040" y="5396010"/>
               <a:ext cx="63202" cy="63202"/>
             </a:xfrm>
             <a:custGeom>
@@ -17904,7 +17904,7 @@
           </p:nvSpPr>
           <p:spPr>
             <a:xfrm>
-              <a:off x="4714677" y="5351111"/>
+              <a:off x="4771742" y="5350900"/>
               <a:ext cx="63202" cy="63202"/>
             </a:xfrm>
             <a:custGeom>
@@ -17947,7 +17947,7 @@
           </p:nvSpPr>
           <p:spPr>
             <a:xfrm>
-              <a:off x="4687990" y="5502119"/>
+              <a:off x="4760312" y="5502219"/>
               <a:ext cx="63202" cy="63202"/>
             </a:xfrm>
             <a:custGeom>
@@ -17990,7 +17990,7 @@
           </p:nvSpPr>
           <p:spPr>
             <a:xfrm>
-              <a:off x="4622553" y="5332823"/>
+              <a:off x="4894304" y="5333045"/>
               <a:ext cx="63202" cy="63202"/>
             </a:xfrm>
             <a:custGeom>
@@ -18033,7 +18033,7 @@
           </p:nvSpPr>
           <p:spPr>
             <a:xfrm>
-              <a:off x="4551286" y="5350362"/>
+              <a:off x="4698856" y="5350318"/>
               <a:ext cx="63202" cy="63202"/>
             </a:xfrm>
             <a:custGeom>
@@ -18076,7 +18076,7 @@
           </p:nvSpPr>
           <p:spPr>
             <a:xfrm>
-              <a:off x="4662995" y="5350371"/>
+              <a:off x="5102085" y="5350389"/>
               <a:ext cx="63202" cy="63202"/>
             </a:xfrm>
             <a:custGeom>
@@ -18119,7 +18119,7 @@
           </p:nvSpPr>
           <p:spPr>
             <a:xfrm>
-              <a:off x="4489189" y="5328440"/>
+              <a:off x="4722846" y="5328599"/>
               <a:ext cx="63202" cy="63202"/>
             </a:xfrm>
             <a:custGeom>
@@ -18162,7 +18162,7 @@
           </p:nvSpPr>
           <p:spPr>
             <a:xfrm>
-              <a:off x="4682371" y="5351297"/>
+              <a:off x="4834297" y="5351274"/>
               <a:ext cx="63202" cy="63202"/>
             </a:xfrm>
             <a:custGeom>
@@ -18205,7 +18205,7 @@
           </p:nvSpPr>
           <p:spPr>
             <a:xfrm>
-              <a:off x="5125841" y="5322879"/>
+              <a:off x="4921496" y="5322857"/>
               <a:ext cx="63202" cy="63202"/>
             </a:xfrm>
             <a:custGeom>
@@ -18248,7 +18248,7 @@
           </p:nvSpPr>
           <p:spPr>
             <a:xfrm>
-              <a:off x="4932110" y="5385774"/>
+              <a:off x="5056931" y="5385577"/>
               <a:ext cx="63202" cy="63202"/>
             </a:xfrm>
             <a:custGeom>
@@ -18291,7 +18291,7 @@
           </p:nvSpPr>
           <p:spPr>
             <a:xfrm>
-              <a:off x="4544723" y="5322205"/>
+              <a:off x="4705233" y="5322235"/>
               <a:ext cx="63202" cy="63202"/>
             </a:xfrm>
             <a:custGeom>
@@ -18334,7 +18334,7 @@
           </p:nvSpPr>
           <p:spPr>
             <a:xfrm>
-              <a:off x="4922351" y="5376323"/>
+              <a:off x="4603585" y="5376474"/>
               <a:ext cx="63202" cy="63202"/>
             </a:xfrm>
             <a:custGeom>
@@ -18377,7 +18377,7 @@
           </p:nvSpPr>
           <p:spPr>
             <a:xfrm>
-              <a:off x="4704933" y="5370422"/>
+              <a:off x="4915741" y="5370433"/>
               <a:ext cx="63202" cy="63202"/>
             </a:xfrm>
             <a:custGeom>
@@ -18420,7 +18420,7 @@
           </p:nvSpPr>
           <p:spPr>
             <a:xfrm>
-              <a:off x="5089741" y="5394914"/>
+              <a:off x="4898340" y="5394793"/>
               <a:ext cx="63202" cy="63202"/>
             </a:xfrm>
             <a:custGeom>
@@ -18463,7 +18463,7 @@
           </p:nvSpPr>
           <p:spPr>
             <a:xfrm>
-              <a:off x="4729823" y="5382027"/>
+              <a:off x="4529022" y="5381855"/>
               <a:ext cx="63202" cy="63202"/>
             </a:xfrm>
             <a:custGeom>
@@ -18506,7 +18506,7 @@
           </p:nvSpPr>
           <p:spPr>
             <a:xfrm>
-              <a:off x="5125905" y="5340202"/>
+              <a:off x="5087013" y="5340205"/>
               <a:ext cx="63202" cy="63202"/>
             </a:xfrm>
             <a:custGeom>
@@ -18549,7 +18549,7 @@
           </p:nvSpPr>
           <p:spPr>
             <a:xfrm>
-              <a:off x="5048328" y="5385458"/>
+              <a:off x="4620093" y="5385426"/>
               <a:ext cx="63202" cy="63202"/>
             </a:xfrm>
             <a:custGeom>
@@ -18592,7 +18592,7 @@
           </p:nvSpPr>
           <p:spPr>
             <a:xfrm>
-              <a:off x="4946737" y="5405627"/>
+              <a:off x="4662290" y="5405514"/>
               <a:ext cx="63202" cy="63202"/>
             </a:xfrm>
             <a:custGeom>
@@ -18635,7 +18635,7 @@
           </p:nvSpPr>
           <p:spPr>
             <a:xfrm>
-              <a:off x="4865856" y="5415559"/>
+              <a:off x="4438840" y="5415459"/>
               <a:ext cx="63202" cy="63202"/>
             </a:xfrm>
             <a:custGeom>
@@ -18678,7 +18678,7 @@
           </p:nvSpPr>
           <p:spPr>
             <a:xfrm>
-              <a:off x="4653843" y="5406715"/>
+              <a:off x="4593323" y="5406794"/>
               <a:ext cx="63202" cy="63202"/>
             </a:xfrm>
             <a:custGeom>
@@ -18721,7 +18721,7 @@
           </p:nvSpPr>
           <p:spPr>
             <a:xfrm>
-              <a:off x="4733492" y="5336220"/>
+              <a:off x="4616388" y="5336291"/>
               <a:ext cx="63202" cy="63202"/>
             </a:xfrm>
             <a:custGeom>
@@ -18764,7 +18764,7 @@
           </p:nvSpPr>
           <p:spPr>
             <a:xfrm>
-              <a:off x="4462259" y="5360309"/>
+              <a:off x="4858450" y="5360222"/>
               <a:ext cx="63202" cy="63202"/>
             </a:xfrm>
             <a:custGeom>
@@ -18807,7 +18807,7 @@
           </p:nvSpPr>
           <p:spPr>
             <a:xfrm>
-              <a:off x="4621617" y="5375270"/>
+              <a:off x="4668297" y="5375245"/>
               <a:ext cx="63202" cy="63202"/>
             </a:xfrm>
             <a:custGeom>
@@ -18850,7 +18850,7 @@
           </p:nvSpPr>
           <p:spPr>
             <a:xfrm>
-              <a:off x="4870630" y="5342588"/>
+              <a:off x="5023910" y="5342555"/>
               <a:ext cx="63202" cy="63202"/>
             </a:xfrm>
             <a:custGeom>
@@ -18893,7 +18893,7 @@
           </p:nvSpPr>
           <p:spPr>
             <a:xfrm>
-              <a:off x="4614376" y="5339366"/>
+              <a:off x="4677829" y="5339309"/>
               <a:ext cx="63202" cy="63202"/>
             </a:xfrm>
             <a:custGeom>
@@ -18936,7 +18936,7 @@
           </p:nvSpPr>
           <p:spPr>
             <a:xfrm>
-              <a:off x="4750495" y="5397865"/>
+              <a:off x="4826000" y="5397853"/>
               <a:ext cx="63202" cy="63202"/>
             </a:xfrm>
             <a:custGeom>
@@ -18979,7 +18979,7 @@
           </p:nvSpPr>
           <p:spPr>
             <a:xfrm>
-              <a:off x="4431331" y="5385788"/>
+              <a:off x="4549308" y="5385776"/>
               <a:ext cx="63202" cy="63202"/>
             </a:xfrm>
             <a:custGeom>
@@ -19022,7 +19022,7 @@
           </p:nvSpPr>
           <p:spPr>
             <a:xfrm>
-              <a:off x="4594237" y="5343267"/>
+              <a:off x="4459392" y="5343234"/>
               <a:ext cx="63202" cy="63202"/>
             </a:xfrm>
             <a:custGeom>
@@ -19065,7 +19065,7 @@
           </p:nvSpPr>
           <p:spPr>
             <a:xfrm>
-              <a:off x="4896301" y="5328592"/>
+              <a:off x="5038909" y="5328528"/>
               <a:ext cx="63202" cy="63202"/>
             </a:xfrm>
             <a:custGeom>
@@ -19108,7 +19108,7 @@
           </p:nvSpPr>
           <p:spPr>
             <a:xfrm>
-              <a:off x="5040603" y="5385705"/>
+              <a:off x="4669459" y="5385560"/>
               <a:ext cx="63202" cy="63202"/>
             </a:xfrm>
             <a:custGeom>
@@ -19151,7 +19151,7 @@
           </p:nvSpPr>
           <p:spPr>
             <a:xfrm>
-              <a:off x="4643460" y="5380474"/>
+              <a:off x="4940167" y="5380405"/>
               <a:ext cx="63202" cy="63202"/>
             </a:xfrm>
             <a:custGeom>
@@ -19194,7 +19194,7 @@
           </p:nvSpPr>
           <p:spPr>
             <a:xfrm>
-              <a:off x="4932555" y="5341564"/>
+              <a:off x="4532828" y="5341540"/>
               <a:ext cx="63202" cy="63202"/>
             </a:xfrm>
             <a:custGeom>
@@ -19237,7 +19237,7 @@
           </p:nvSpPr>
           <p:spPr>
             <a:xfrm>
-              <a:off x="4554676" y="5346705"/>
+              <a:off x="4939267" y="5346596"/>
               <a:ext cx="63202" cy="63202"/>
             </a:xfrm>
             <a:custGeom>
@@ -19280,7 +19280,7 @@
           </p:nvSpPr>
           <p:spPr>
             <a:xfrm>
-              <a:off x="5928119" y="6413138"/>
+              <a:off x="5610036" y="6413108"/>
               <a:ext cx="63202" cy="63202"/>
             </a:xfrm>
             <a:custGeom>
@@ -19323,7 +19323,7 @@
           </p:nvSpPr>
           <p:spPr>
             <a:xfrm>
-              <a:off x="4442806" y="5361604"/>
+              <a:off x="5028932" y="5361798"/>
               <a:ext cx="63202" cy="63202"/>
             </a:xfrm>
             <a:custGeom>
@@ -19366,7 +19366,7 @@
           </p:nvSpPr>
           <p:spPr>
             <a:xfrm>
-              <a:off x="4933493" y="5391263"/>
+              <a:off x="4745460" y="5391313"/>
               <a:ext cx="63202" cy="63202"/>
             </a:xfrm>
             <a:custGeom>
@@ -19409,7 +19409,7 @@
           </p:nvSpPr>
           <p:spPr>
             <a:xfrm>
-              <a:off x="4517950" y="5343995"/>
+              <a:off x="4579172" y="5343959"/>
               <a:ext cx="63202" cy="63202"/>
             </a:xfrm>
             <a:custGeom>
@@ -19452,7 +19452,7 @@
           </p:nvSpPr>
           <p:spPr>
             <a:xfrm>
-              <a:off x="4986053" y="5433350"/>
+              <a:off x="4644905" y="5433354"/>
               <a:ext cx="63202" cy="63202"/>
             </a:xfrm>
             <a:custGeom>
@@ -19495,7 +19495,7 @@
           </p:nvSpPr>
           <p:spPr>
             <a:xfrm>
-              <a:off x="4603483" y="5348672"/>
+              <a:off x="4450211" y="5348850"/>
               <a:ext cx="63202" cy="63202"/>
             </a:xfrm>
             <a:custGeom>
@@ -19538,7 +19538,7 @@
           </p:nvSpPr>
           <p:spPr>
             <a:xfrm>
-              <a:off x="4764452" y="5371342"/>
+              <a:off x="4675617" y="5371394"/>
               <a:ext cx="63202" cy="63202"/>
             </a:xfrm>
             <a:custGeom>
@@ -19581,7 +19581,7 @@
           </p:nvSpPr>
           <p:spPr>
             <a:xfrm>
-              <a:off x="4755847" y="5341858"/>
+              <a:off x="4606990" y="5341665"/>
               <a:ext cx="63202" cy="63202"/>
             </a:xfrm>
             <a:custGeom>
@@ -19624,7 +19624,7 @@
           </p:nvSpPr>
           <p:spPr>
             <a:xfrm>
-              <a:off x="4780646" y="5336260"/>
+              <a:off x="4686427" y="5336390"/>
               <a:ext cx="63202" cy="63202"/>
             </a:xfrm>
             <a:custGeom>
@@ -19667,7 +19667,7 @@
           </p:nvSpPr>
           <p:spPr>
             <a:xfrm>
-              <a:off x="4919072" y="5371603"/>
+              <a:off x="4823682" y="5371700"/>
               <a:ext cx="63202" cy="63202"/>
             </a:xfrm>
             <a:custGeom>
@@ -19710,7 +19710,7 @@
           </p:nvSpPr>
           <p:spPr>
             <a:xfrm>
-              <a:off x="4803732" y="5359782"/>
+              <a:off x="4474291" y="5359792"/>
               <a:ext cx="63202" cy="63202"/>
             </a:xfrm>
             <a:custGeom>
@@ -19753,7 +19753,7 @@
           </p:nvSpPr>
           <p:spPr>
             <a:xfrm>
-              <a:off x="4750149" y="5383525"/>
+              <a:off x="5051264" y="5383526"/>
               <a:ext cx="63202" cy="63202"/>
             </a:xfrm>
             <a:custGeom>
@@ -19796,7 +19796,7 @@
           </p:nvSpPr>
           <p:spPr>
             <a:xfrm>
-              <a:off x="4664062" y="5367276"/>
+              <a:off x="4849683" y="5367267"/>
               <a:ext cx="63202" cy="63202"/>
             </a:xfrm>
             <a:custGeom>
@@ -19839,7 +19839,7 @@
           </p:nvSpPr>
           <p:spPr>
             <a:xfrm>
-              <a:off x="4580771" y="5342230"/>
+              <a:off x="5117748" y="5342233"/>
               <a:ext cx="63202" cy="63202"/>
             </a:xfrm>
             <a:custGeom>
@@ -19882,7 +19882,7 @@
           </p:nvSpPr>
           <p:spPr>
             <a:xfrm>
-              <a:off x="5127622" y="5336001"/>
+              <a:off x="4530520" y="5335824"/>
               <a:ext cx="63202" cy="63202"/>
             </a:xfrm>
             <a:custGeom>
@@ -19925,7 +19925,7 @@
           </p:nvSpPr>
           <p:spPr>
             <a:xfrm>
-              <a:off x="4987136" y="5337342"/>
+              <a:off x="4893938" y="5337460"/>
               <a:ext cx="63202" cy="63202"/>
             </a:xfrm>
             <a:custGeom>
@@ -19968,7 +19968,7 @@
           </p:nvSpPr>
           <p:spPr>
             <a:xfrm>
-              <a:off x="5017801" y="5351315"/>
+              <a:off x="5028321" y="5351309"/>
               <a:ext cx="63202" cy="63202"/>
             </a:xfrm>
             <a:custGeom>
@@ -20011,7 +20011,7 @@
           </p:nvSpPr>
           <p:spPr>
             <a:xfrm>
-              <a:off x="4583165" y="5329600"/>
+              <a:off x="5024286" y="5329531"/>
               <a:ext cx="63202" cy="63202"/>
             </a:xfrm>
             <a:custGeom>
@@ -20054,7 +20054,7 @@
           </p:nvSpPr>
           <p:spPr>
             <a:xfrm>
-              <a:off x="4508579" y="5357697"/>
+              <a:off x="5091767" y="5357691"/>
               <a:ext cx="63202" cy="63202"/>
             </a:xfrm>
             <a:custGeom>
@@ -20097,7 +20097,7 @@
           </p:nvSpPr>
           <p:spPr>
             <a:xfrm>
-              <a:off x="4633201" y="5344508"/>
+              <a:off x="4524822" y="5344355"/>
               <a:ext cx="63202" cy="63202"/>
             </a:xfrm>
             <a:custGeom>
@@ -20140,7 +20140,7 @@
           </p:nvSpPr>
           <p:spPr>
             <a:xfrm>
-              <a:off x="6524376" y="6795272"/>
+              <a:off x="6587266" y="6795366"/>
               <a:ext cx="63202" cy="63202"/>
             </a:xfrm>
             <a:custGeom>
@@ -20183,7 +20183,7 @@
           </p:nvSpPr>
           <p:spPr>
             <a:xfrm>
-              <a:off x="4432623" y="5339290"/>
+              <a:off x="4979761" y="5339143"/>
               <a:ext cx="63202" cy="63202"/>
             </a:xfrm>
             <a:custGeom>
@@ -20226,7 +20226,7 @@
           </p:nvSpPr>
           <p:spPr>
             <a:xfrm>
-              <a:off x="4434589" y="5383817"/>
+              <a:off x="4891952" y="5383878"/>
               <a:ext cx="63202" cy="63202"/>
             </a:xfrm>
             <a:custGeom>
@@ -20269,7 +20269,7 @@
           </p:nvSpPr>
           <p:spPr>
             <a:xfrm>
-              <a:off x="4807297" y="5370914"/>
+              <a:off x="4556149" y="5370892"/>
               <a:ext cx="63202" cy="63202"/>
             </a:xfrm>
             <a:custGeom>
@@ -20312,7 +20312,7 @@
           </p:nvSpPr>
           <p:spPr>
             <a:xfrm>
-              <a:off x="4823720" y="5334869"/>
+              <a:off x="4982397" y="5334654"/>
               <a:ext cx="63202" cy="63202"/>
             </a:xfrm>
             <a:custGeom>
@@ -20355,7 +20355,7 @@
           </p:nvSpPr>
           <p:spPr>
             <a:xfrm>
-              <a:off x="5048367" y="5584420"/>
+              <a:off x="4893532" y="5584472"/>
               <a:ext cx="63202" cy="63202"/>
             </a:xfrm>
             <a:custGeom>
@@ -20398,7 +20398,7 @@
           </p:nvSpPr>
           <p:spPr>
             <a:xfrm>
-              <a:off x="5868284" y="6224228"/>
+              <a:off x="5634223" y="6224397"/>
               <a:ext cx="63202" cy="63202"/>
             </a:xfrm>
             <a:custGeom>
@@ -20441,7 +20441,7 @@
           </p:nvSpPr>
           <p:spPr>
             <a:xfrm>
-              <a:off x="4815128" y="5386113"/>
+              <a:off x="4429527" y="5385964"/>
               <a:ext cx="63202" cy="63202"/>
             </a:xfrm>
             <a:custGeom>
@@ -20484,7 +20484,7 @@
           </p:nvSpPr>
           <p:spPr>
             <a:xfrm>
-              <a:off x="4987880" y="5377147"/>
+              <a:off x="4943607" y="5377065"/>
               <a:ext cx="63202" cy="63202"/>
             </a:xfrm>
             <a:custGeom>
@@ -20527,7 +20527,7 @@
           </p:nvSpPr>
           <p:spPr>
             <a:xfrm>
-              <a:off x="5013392" y="5328446"/>
+              <a:off x="4548387" y="5328436"/>
               <a:ext cx="63202" cy="63202"/>
             </a:xfrm>
             <a:custGeom>
@@ -20570,7 +20570,7 @@
           </p:nvSpPr>
           <p:spPr>
             <a:xfrm>
-              <a:off x="4655033" y="5520119"/>
+              <a:off x="4778170" y="5520354"/>
               <a:ext cx="63202" cy="63202"/>
             </a:xfrm>
             <a:custGeom>
@@ -20613,7 +20613,7 @@
           </p:nvSpPr>
           <p:spPr>
             <a:xfrm>
-              <a:off x="4902714" y="5323725"/>
+              <a:off x="4579790" y="5323598"/>
               <a:ext cx="63202" cy="63202"/>
             </a:xfrm>
             <a:custGeom>
@@ -20656,7 +20656,7 @@
           </p:nvSpPr>
           <p:spPr>
             <a:xfrm>
-              <a:off x="4723723" y="5375277"/>
+              <a:off x="4492366" y="5375441"/>
               <a:ext cx="63202" cy="63202"/>
             </a:xfrm>
             <a:custGeom>
@@ -20699,7 +20699,7 @@
           </p:nvSpPr>
           <p:spPr>
             <a:xfrm>
-              <a:off x="5069478" y="5433259"/>
+              <a:off x="4542843" y="5433180"/>
               <a:ext cx="63202" cy="63202"/>
             </a:xfrm>
             <a:custGeom>
@@ -20742,7 +20742,7 @@
           </p:nvSpPr>
           <p:spPr>
             <a:xfrm>
-              <a:off x="4940877" y="5729295"/>
+              <a:off x="4743943" y="5729159"/>
               <a:ext cx="63202" cy="63202"/>
             </a:xfrm>
             <a:custGeom>
@@ -20785,7 +20785,7 @@
           </p:nvSpPr>
           <p:spPr>
             <a:xfrm>
-              <a:off x="5005691" y="5357735"/>
+              <a:off x="4776648" y="5357513"/>
               <a:ext cx="63202" cy="63202"/>
             </a:xfrm>
             <a:custGeom>
@@ -20828,7 +20828,7 @@
           </p:nvSpPr>
           <p:spPr>
             <a:xfrm>
-              <a:off x="4476910" y="5339179"/>
+              <a:off x="4657519" y="5339185"/>
               <a:ext cx="63202" cy="63202"/>
             </a:xfrm>
             <a:custGeom>
@@ -20871,7 +20871,7 @@
           </p:nvSpPr>
           <p:spPr>
             <a:xfrm>
-              <a:off x="5114897" y="5405303"/>
+              <a:off x="4842228" y="5405218"/>
               <a:ext cx="63202" cy="63202"/>
             </a:xfrm>
             <a:custGeom>
@@ -20914,7 +20914,7 @@
           </p:nvSpPr>
           <p:spPr>
             <a:xfrm>
-              <a:off x="4634707" y="5727666"/>
+              <a:off x="4877633" y="5727752"/>
               <a:ext cx="63202" cy="63202"/>
             </a:xfrm>
             <a:custGeom>
@@ -20957,7 +20957,7 @@
           </p:nvSpPr>
           <p:spPr>
             <a:xfrm>
-              <a:off x="4939776" y="5678270"/>
+              <a:off x="5017957" y="5678467"/>
               <a:ext cx="63202" cy="63202"/>
             </a:xfrm>
             <a:custGeom>
@@ -21000,7 +21000,7 @@
           </p:nvSpPr>
           <p:spPr>
             <a:xfrm>
-              <a:off x="4559020" y="5960015"/>
+              <a:off x="4512297" y="5960162"/>
               <a:ext cx="63202" cy="63202"/>
             </a:xfrm>
             <a:custGeom>
@@ -21043,7 +21043,7 @@
           </p:nvSpPr>
           <p:spPr>
             <a:xfrm>
-              <a:off x="4922941" y="5388665"/>
+              <a:off x="4675600" y="5388641"/>
               <a:ext cx="63202" cy="63202"/>
             </a:xfrm>
             <a:custGeom>
@@ -21086,7 +21086,7 @@
           </p:nvSpPr>
           <p:spPr>
             <a:xfrm>
-              <a:off x="5712050" y="6485012"/>
+              <a:off x="5326340" y="6485142"/>
               <a:ext cx="63202" cy="63202"/>
             </a:xfrm>
             <a:custGeom>
@@ -21129,7 +21129,7 @@
           </p:nvSpPr>
           <p:spPr>
             <a:xfrm>
-              <a:off x="4899285" y="5356530"/>
+              <a:off x="4657044" y="5356453"/>
               <a:ext cx="63202" cy="63202"/>
             </a:xfrm>
             <a:custGeom>
@@ -21172,7 +21172,7 @@
           </p:nvSpPr>
           <p:spPr>
             <a:xfrm>
-              <a:off x="5066467" y="5362046"/>
+              <a:off x="4786574" y="5362022"/>
               <a:ext cx="63202" cy="63202"/>
             </a:xfrm>
             <a:custGeom>
@@ -21215,7 +21215,7 @@
           </p:nvSpPr>
           <p:spPr>
             <a:xfrm>
-              <a:off x="4730687" y="5351784"/>
+              <a:off x="5043373" y="5351634"/>
               <a:ext cx="63202" cy="63202"/>
             </a:xfrm>
             <a:custGeom>
@@ -21258,7 +21258,7 @@
           </p:nvSpPr>
           <p:spPr>
             <a:xfrm>
-              <a:off x="4887525" y="6057210"/>
+              <a:off x="5071221" y="6057269"/>
               <a:ext cx="63202" cy="63202"/>
             </a:xfrm>
             <a:custGeom>
@@ -21301,7 +21301,7 @@
           </p:nvSpPr>
           <p:spPr>
             <a:xfrm>
-              <a:off x="4829641" y="5337682"/>
+              <a:off x="4867008" y="5337771"/>
               <a:ext cx="63202" cy="63202"/>
             </a:xfrm>
             <a:custGeom>
@@ -21344,7 +21344,7 @@
           </p:nvSpPr>
           <p:spPr>
             <a:xfrm>
-              <a:off x="4685387" y="5396071"/>
+              <a:off x="5123137" y="5395995"/>
               <a:ext cx="63202" cy="63202"/>
             </a:xfrm>
             <a:custGeom>
@@ -21387,7 +21387,7 @@
           </p:nvSpPr>
           <p:spPr>
             <a:xfrm>
-              <a:off x="5097574" y="5485723"/>
+              <a:off x="4974182" y="5485593"/>
               <a:ext cx="63202" cy="63202"/>
             </a:xfrm>
             <a:custGeom>
@@ -21430,7 +21430,7 @@
           </p:nvSpPr>
           <p:spPr>
             <a:xfrm>
-              <a:off x="5029878" y="5335435"/>
+              <a:off x="4755534" y="5335498"/>
               <a:ext cx="63202" cy="63202"/>
             </a:xfrm>
             <a:custGeom>
@@ -21473,7 +21473,7 @@
           </p:nvSpPr>
           <p:spPr>
             <a:xfrm>
-              <a:off x="4656488" y="5358688"/>
+              <a:off x="4436841" y="5358664"/>
               <a:ext cx="63202" cy="63202"/>
             </a:xfrm>
             <a:custGeom>
@@ -21516,7 +21516,7 @@
           </p:nvSpPr>
           <p:spPr>
             <a:xfrm>
-              <a:off x="4553237" y="5342047"/>
+              <a:off x="4581482" y="5342065"/>
               <a:ext cx="63202" cy="63202"/>
             </a:xfrm>
             <a:custGeom>
@@ -21559,7 +21559,7 @@
           </p:nvSpPr>
           <p:spPr>
             <a:xfrm>
-              <a:off x="4651515" y="5366785"/>
+              <a:off x="4878658" y="5366850"/>
               <a:ext cx="63202" cy="63202"/>
             </a:xfrm>
             <a:custGeom>
@@ -21602,7 +21602,7 @@
           </p:nvSpPr>
           <p:spPr>
             <a:xfrm>
-              <a:off x="4852088" y="5341496"/>
+              <a:off x="4842018" y="5341326"/>
               <a:ext cx="63202" cy="63202"/>
             </a:xfrm>
             <a:custGeom>
@@ -21645,7 +21645,7 @@
           </p:nvSpPr>
           <p:spPr>
             <a:xfrm>
-              <a:off x="5018551" y="5678433"/>
+              <a:off x="5044866" y="5678371"/>
               <a:ext cx="63202" cy="63202"/>
             </a:xfrm>
             <a:custGeom>
@@ -21688,7 +21688,7 @@
           </p:nvSpPr>
           <p:spPr>
             <a:xfrm>
-              <a:off x="4820893" y="5349442"/>
+              <a:off x="4730473" y="5349421"/>
               <a:ext cx="63202" cy="63202"/>
             </a:xfrm>
             <a:custGeom>
@@ -21731,7 +21731,7 @@
           </p:nvSpPr>
           <p:spPr>
             <a:xfrm>
-              <a:off x="4902225" y="5401048"/>
+              <a:off x="5021762" y="5401025"/>
               <a:ext cx="63202" cy="63202"/>
             </a:xfrm>
             <a:custGeom>
@@ -21774,7 +21774,7 @@
           </p:nvSpPr>
           <p:spPr>
             <a:xfrm>
-              <a:off x="4996271" y="5350226"/>
+              <a:off x="4782291" y="5350148"/>
               <a:ext cx="63202" cy="63202"/>
             </a:xfrm>
             <a:custGeom>
@@ -21817,7 +21817,7 @@
           </p:nvSpPr>
           <p:spPr>
             <a:xfrm>
-              <a:off x="4928271" y="5816506"/>
+              <a:off x="4681723" y="5816696"/>
               <a:ext cx="63202" cy="63202"/>
             </a:xfrm>
             <a:custGeom>
@@ -21860,7 +21860,7 @@
           </p:nvSpPr>
           <p:spPr>
             <a:xfrm>
-              <a:off x="4835905" y="5332088"/>
+              <a:off x="4643227" y="5332306"/>
               <a:ext cx="63202" cy="63202"/>
             </a:xfrm>
             <a:custGeom>
@@ -21903,7 +21903,7 @@
           </p:nvSpPr>
           <p:spPr>
             <a:xfrm>
-              <a:off x="4608607" y="5384189"/>
+              <a:off x="4670901" y="5384336"/>
               <a:ext cx="63202" cy="63202"/>
             </a:xfrm>
             <a:custGeom>
@@ -21946,7 +21946,7 @@
           </p:nvSpPr>
           <p:spPr>
             <a:xfrm>
-              <a:off x="4855461" y="5332950"/>
+              <a:off x="4796024" y="5333040"/>
               <a:ext cx="63202" cy="63202"/>
             </a:xfrm>
             <a:custGeom>
@@ -21989,7 +21989,7 @@
           </p:nvSpPr>
           <p:spPr>
             <a:xfrm>
-              <a:off x="5369727" y="6221409"/>
+              <a:off x="5978705" y="6221490"/>
               <a:ext cx="63202" cy="63202"/>
             </a:xfrm>
             <a:custGeom>
@@ -22032,7 +22032,7 @@
           </p:nvSpPr>
           <p:spPr>
             <a:xfrm>
-              <a:off x="5363286" y="6104211"/>
+              <a:off x="5527908" y="6104243"/>
               <a:ext cx="63202" cy="63202"/>
             </a:xfrm>
             <a:custGeom>
@@ -22075,7 +22075,7 @@
           </p:nvSpPr>
           <p:spPr>
             <a:xfrm>
-              <a:off x="4991252" y="5379851"/>
+              <a:off x="4843158" y="5379830"/>
               <a:ext cx="63202" cy="63202"/>
             </a:xfrm>
             <a:custGeom>
@@ -22118,7 +22118,7 @@
           </p:nvSpPr>
           <p:spPr>
             <a:xfrm>
-              <a:off x="4811964" y="5328615"/>
+              <a:off x="4843141" y="5328599"/>
               <a:ext cx="63202" cy="63202"/>
             </a:xfrm>
             <a:custGeom>
@@ -22161,7 +22161,7 @@
           </p:nvSpPr>
           <p:spPr>
             <a:xfrm>
-              <a:off x="4935368" y="5328513"/>
+              <a:off x="4848444" y="5328613"/>
               <a:ext cx="63202" cy="63202"/>
             </a:xfrm>
             <a:custGeom>
@@ -22204,7 +22204,7 @@
           </p:nvSpPr>
           <p:spPr>
             <a:xfrm>
-              <a:off x="4928535" y="5328499"/>
+              <a:off x="4509238" y="5328504"/>
               <a:ext cx="63202" cy="63202"/>
             </a:xfrm>
             <a:custGeom>
@@ -22247,7 +22247,7 @@
           </p:nvSpPr>
           <p:spPr>
             <a:xfrm>
-              <a:off x="4448542" y="5328584"/>
+              <a:off x="4796445" y="5328464"/>
               <a:ext cx="63202" cy="63202"/>
             </a:xfrm>
             <a:custGeom>
@@ -22290,7 +22290,7 @@
           </p:nvSpPr>
           <p:spPr>
             <a:xfrm>
-              <a:off x="4986227" y="5382621"/>
+              <a:off x="4606668" y="5382800"/>
               <a:ext cx="63202" cy="63202"/>
             </a:xfrm>
             <a:custGeom>
@@ -22333,7 +22333,7 @@
           </p:nvSpPr>
           <p:spPr>
             <a:xfrm>
-              <a:off x="4740594" y="5641793"/>
+              <a:off x="4770402" y="5641807"/>
               <a:ext cx="63202" cy="63202"/>
             </a:xfrm>
             <a:custGeom>
@@ -22376,7 +22376,7 @@
           </p:nvSpPr>
           <p:spPr>
             <a:xfrm>
-              <a:off x="4589766" y="5326632"/>
+              <a:off x="5041276" y="5326654"/>
               <a:ext cx="63202" cy="63202"/>
             </a:xfrm>
             <a:custGeom>
@@ -22419,7 +22419,7 @@
           </p:nvSpPr>
           <p:spPr>
             <a:xfrm>
-              <a:off x="4884344" y="5364378"/>
+              <a:off x="4849557" y="5364191"/>
               <a:ext cx="63202" cy="63202"/>
             </a:xfrm>
             <a:custGeom>
@@ -22462,7 +22462,7 @@
           </p:nvSpPr>
           <p:spPr>
             <a:xfrm>
-              <a:off x="4494699" y="5373612"/>
+              <a:off x="4559511" y="5373627"/>
               <a:ext cx="63202" cy="63202"/>
             </a:xfrm>
             <a:custGeom>
@@ -22505,7 +22505,7 @@
           </p:nvSpPr>
           <p:spPr>
             <a:xfrm>
-              <a:off x="4631492" y="5340359"/>
+              <a:off x="4757526" y="5340455"/>
               <a:ext cx="63202" cy="63202"/>
             </a:xfrm>
             <a:custGeom>
@@ -22548,7 +22548,7 @@
           </p:nvSpPr>
           <p:spPr>
             <a:xfrm>
-              <a:off x="4697977" y="5352979"/>
+              <a:off x="4781295" y="5352869"/>
               <a:ext cx="63202" cy="63202"/>
             </a:xfrm>
             <a:custGeom>
@@ -22591,7 +22591,7 @@
           </p:nvSpPr>
           <p:spPr>
             <a:xfrm>
-              <a:off x="6874178" y="6800237"/>
+              <a:off x="6435537" y="6800215"/>
               <a:ext cx="63202" cy="63202"/>
             </a:xfrm>
             <a:custGeom>
@@ -22634,7 +22634,7 @@
           </p:nvSpPr>
           <p:spPr>
             <a:xfrm>
-              <a:off x="5053526" y="5512382"/>
+              <a:off x="4877838" y="5512521"/>
               <a:ext cx="63202" cy="63202"/>
             </a:xfrm>
             <a:custGeom>
@@ -22677,7 +22677,7 @@
           </p:nvSpPr>
           <p:spPr>
             <a:xfrm>
-              <a:off x="4753921" y="5383182"/>
+              <a:off x="5088919" y="5383017"/>
               <a:ext cx="63202" cy="63202"/>
             </a:xfrm>
             <a:custGeom>
@@ -22720,7 +22720,7 @@
           </p:nvSpPr>
           <p:spPr>
             <a:xfrm>
-              <a:off x="4700429" y="5334031"/>
+              <a:off x="4463542" y="5334143"/>
               <a:ext cx="63202" cy="63202"/>
             </a:xfrm>
             <a:custGeom>
@@ -22763,7 +22763,7 @@
           </p:nvSpPr>
           <p:spPr>
             <a:xfrm>
-              <a:off x="4763619" y="5345128"/>
+              <a:off x="4876148" y="5345217"/>
               <a:ext cx="63202" cy="63202"/>
             </a:xfrm>
             <a:custGeom>
@@ -22806,7 +22806,7 @@
           </p:nvSpPr>
           <p:spPr>
             <a:xfrm>
-              <a:off x="5066399" y="5542589"/>
+              <a:off x="4465964" y="5542624"/>
               <a:ext cx="63202" cy="63202"/>
             </a:xfrm>
             <a:custGeom>
@@ -22849,7 +22849,7 @@
           </p:nvSpPr>
           <p:spPr>
             <a:xfrm>
-              <a:off x="4552020" y="5385642"/>
+              <a:off x="4551139" y="5385541"/>
               <a:ext cx="63202" cy="63202"/>
             </a:xfrm>
             <a:custGeom>
@@ -22892,7 +22892,7 @@
           </p:nvSpPr>
           <p:spPr>
             <a:xfrm>
-              <a:off x="4458020" y="5356238"/>
+              <a:off x="4704048" y="5356075"/>
               <a:ext cx="63202" cy="63202"/>
             </a:xfrm>
             <a:custGeom>
@@ -22935,7 +22935,7 @@
           </p:nvSpPr>
           <p:spPr>
             <a:xfrm>
-              <a:off x="4906986" y="5569759"/>
+              <a:off x="4467305" y="5569741"/>
               <a:ext cx="63202" cy="63202"/>
             </a:xfrm>
             <a:custGeom>
@@ -22978,7 +22978,7 @@
           </p:nvSpPr>
           <p:spPr>
             <a:xfrm>
-              <a:off x="4738983" y="5332887"/>
+              <a:off x="4497459" y="5332879"/>
               <a:ext cx="63202" cy="63202"/>
             </a:xfrm>
             <a:custGeom>
@@ -23021,7 +23021,7 @@
           </p:nvSpPr>
           <p:spPr>
             <a:xfrm>
-              <a:off x="4746357" y="5353530"/>
+              <a:off x="4595437" y="5353599"/>
               <a:ext cx="63202" cy="63202"/>
             </a:xfrm>
             <a:custGeom>
@@ -23064,7 +23064,7 @@
           </p:nvSpPr>
           <p:spPr>
             <a:xfrm>
-              <a:off x="5417428" y="6217565"/>
+              <a:off x="5914013" y="6217742"/>
               <a:ext cx="63202" cy="63202"/>
             </a:xfrm>
             <a:custGeom>
@@ -23107,7 +23107,7 @@
           </p:nvSpPr>
           <p:spPr>
             <a:xfrm>
-              <a:off x="5791578" y="6217693"/>
+              <a:off x="5707765" y="6217867"/>
               <a:ext cx="63202" cy="63202"/>
             </a:xfrm>
             <a:custGeom>
@@ -23150,7 +23150,7 @@
           </p:nvSpPr>
           <p:spPr>
             <a:xfrm>
-              <a:off x="4989372" y="5342241"/>
+              <a:off x="4742739" y="5342045"/>
               <a:ext cx="63202" cy="63202"/>
             </a:xfrm>
             <a:custGeom>
@@ -23193,7 +23193,7 @@
           </p:nvSpPr>
           <p:spPr>
             <a:xfrm>
-              <a:off x="4900591" y="5328666"/>
+              <a:off x="4469587" y="5328560"/>
               <a:ext cx="63202" cy="63202"/>
             </a:xfrm>
             <a:custGeom>
@@ -23236,7 +23236,7 @@
           </p:nvSpPr>
           <p:spPr>
             <a:xfrm>
-              <a:off x="5378325" y="6521778"/>
+              <a:off x="5907527" y="6521854"/>
               <a:ext cx="63202" cy="63202"/>
             </a:xfrm>
             <a:custGeom>
@@ -23279,7 +23279,7 @@
           </p:nvSpPr>
           <p:spPr>
             <a:xfrm>
-              <a:off x="5647878" y="6423871"/>
+              <a:off x="5915315" y="6423692"/>
               <a:ext cx="63202" cy="63202"/>
             </a:xfrm>
             <a:custGeom>
@@ -23322,7 +23322,7 @@
           </p:nvSpPr>
           <p:spPr>
             <a:xfrm>
-              <a:off x="4482704" y="5533369"/>
+              <a:off x="5060080" y="5533462"/>
               <a:ext cx="63202" cy="63202"/>
             </a:xfrm>
             <a:custGeom>
@@ -23365,7 +23365,7 @@
           </p:nvSpPr>
           <p:spPr>
             <a:xfrm>
-              <a:off x="4448149" y="5365710"/>
+              <a:off x="4970737" y="5365688"/>
               <a:ext cx="63202" cy="63202"/>
             </a:xfrm>
             <a:custGeom>
@@ -23408,7 +23408,7 @@
           </p:nvSpPr>
           <p:spPr>
             <a:xfrm>
-              <a:off x="4572390" y="5441276"/>
+              <a:off x="4907228" y="5441189"/>
               <a:ext cx="63202" cy="63202"/>
             </a:xfrm>
             <a:custGeom>
@@ -23451,7 +23451,7 @@
           </p:nvSpPr>
           <p:spPr>
             <a:xfrm>
-              <a:off x="5622471" y="6393795"/>
+              <a:off x="5879302" y="6394038"/>
               <a:ext cx="63202" cy="63202"/>
             </a:xfrm>
             <a:custGeom>
@@ -23494,7 +23494,7 @@
           </p:nvSpPr>
           <p:spPr>
             <a:xfrm>
-              <a:off x="4429634" y="5367628"/>
+              <a:off x="4908121" y="5367497"/>
               <a:ext cx="63202" cy="63202"/>
             </a:xfrm>
             <a:custGeom>
@@ -23537,7 +23537,7 @@
           </p:nvSpPr>
           <p:spPr>
             <a:xfrm>
-              <a:off x="4777540" y="5810343"/>
+              <a:off x="4565613" y="5810372"/>
               <a:ext cx="63202" cy="63202"/>
             </a:xfrm>
             <a:custGeom>
@@ -23580,7 +23580,7 @@
           </p:nvSpPr>
           <p:spPr>
             <a:xfrm>
-              <a:off x="4973331" y="5462024"/>
+              <a:off x="4983585" y="5461921"/>
               <a:ext cx="63202" cy="63202"/>
             </a:xfrm>
             <a:custGeom>
@@ -23623,7 +23623,7 @@
           </p:nvSpPr>
           <p:spPr>
             <a:xfrm>
-              <a:off x="4536489" y="5394471"/>
+              <a:off x="5069856" y="5394412"/>
               <a:ext cx="63202" cy="63202"/>
             </a:xfrm>
             <a:custGeom>
@@ -23666,7 +23666,7 @@
           </p:nvSpPr>
           <p:spPr>
             <a:xfrm>
-              <a:off x="4922964" y="5389487"/>
+              <a:off x="4543649" y="5389241"/>
               <a:ext cx="63202" cy="63202"/>
             </a:xfrm>
             <a:custGeom>
@@ -23709,7 +23709,7 @@
           </p:nvSpPr>
           <p:spPr>
             <a:xfrm>
-              <a:off x="4478705" y="5555572"/>
+              <a:off x="4466440" y="5555564"/>
               <a:ext cx="63202" cy="63202"/>
             </a:xfrm>
             <a:custGeom>
@@ -23752,7 +23752,7 @@
           </p:nvSpPr>
           <p:spPr>
             <a:xfrm>
-              <a:off x="4500088" y="5369570"/>
+              <a:off x="4852632" y="5369556"/>
               <a:ext cx="63202" cy="63202"/>
             </a:xfrm>
             <a:custGeom>
@@ -23795,7 +23795,7 @@
           </p:nvSpPr>
           <p:spPr>
             <a:xfrm>
-              <a:off x="4960476" y="5350297"/>
+              <a:off x="4554976" y="5350271"/>
               <a:ext cx="63202" cy="63202"/>
             </a:xfrm>
             <a:custGeom>
@@ -23838,7 +23838,7 @@
           </p:nvSpPr>
           <p:spPr>
             <a:xfrm>
-              <a:off x="5311099" y="6454395"/>
+              <a:off x="5579624" y="6454396"/>
               <a:ext cx="63202" cy="63202"/>
             </a:xfrm>
             <a:custGeom>
@@ -23881,7 +23881,7 @@
           </p:nvSpPr>
           <p:spPr>
             <a:xfrm>
-              <a:off x="5022740" y="5332704"/>
+              <a:off x="4592226" y="5332590"/>
               <a:ext cx="63202" cy="63202"/>
             </a:xfrm>
             <a:custGeom>
@@ -23924,7 +23924,7 @@
           </p:nvSpPr>
           <p:spPr>
             <a:xfrm>
-              <a:off x="5006833" y="5371079"/>
+              <a:off x="4810978" y="5370929"/>
               <a:ext cx="63202" cy="63202"/>
             </a:xfrm>
             <a:custGeom>
@@ -23967,7 +23967,7 @@
           </p:nvSpPr>
           <p:spPr>
             <a:xfrm>
-              <a:off x="4719670" y="5350622"/>
+              <a:off x="4601554" y="5350547"/>
               <a:ext cx="63202" cy="63202"/>
             </a:xfrm>
             <a:custGeom>
@@ -24010,7 +24010,7 @@
           </p:nvSpPr>
           <p:spPr>
             <a:xfrm>
-              <a:off x="4447776" y="5373245"/>
+              <a:off x="4935274" y="5373262"/>
               <a:ext cx="63202" cy="63202"/>
             </a:xfrm>
             <a:custGeom>
@@ -24053,7 +24053,7 @@
           </p:nvSpPr>
           <p:spPr>
             <a:xfrm>
-              <a:off x="4919277" y="5385543"/>
+              <a:off x="4794655" y="5385665"/>
               <a:ext cx="63202" cy="63202"/>
             </a:xfrm>
             <a:custGeom>
@@ -24096,7 +24096,7 @@
           </p:nvSpPr>
           <p:spPr>
             <a:xfrm>
-              <a:off x="4883147" y="5337617"/>
+              <a:off x="4964618" y="5337619"/>
               <a:ext cx="63202" cy="63202"/>
             </a:xfrm>
             <a:custGeom>
@@ -24139,7 +24139,7 @@
           </p:nvSpPr>
           <p:spPr>
             <a:xfrm>
-              <a:off x="4508594" y="5349920"/>
+              <a:off x="4503072" y="5349768"/>
               <a:ext cx="63202" cy="63202"/>
             </a:xfrm>
             <a:custGeom>
@@ -24182,7 +24182,7 @@
           </p:nvSpPr>
           <p:spPr>
             <a:xfrm>
-              <a:off x="4754548" y="5816210"/>
+              <a:off x="4435530" y="5816317"/>
               <a:ext cx="63202" cy="63202"/>
             </a:xfrm>
             <a:custGeom>
@@ -24225,7 +24225,7 @@
           </p:nvSpPr>
           <p:spPr>
             <a:xfrm>
-              <a:off x="4644740" y="5386274"/>
+              <a:off x="4811664" y="5386472"/>
               <a:ext cx="63202" cy="63202"/>
             </a:xfrm>
             <a:custGeom>
@@ -24268,7 +24268,7 @@
           </p:nvSpPr>
           <p:spPr>
             <a:xfrm>
-              <a:off x="5010949" y="5384838"/>
+              <a:off x="4897860" y="5384959"/>
               <a:ext cx="63202" cy="63202"/>
             </a:xfrm>
             <a:custGeom>
@@ -24311,7 +24311,7 @@
           </p:nvSpPr>
           <p:spPr>
             <a:xfrm>
-              <a:off x="4796720" y="5384114"/>
+              <a:off x="4782621" y="5384117"/>
               <a:ext cx="63202" cy="63202"/>
             </a:xfrm>
             <a:custGeom>
@@ -24354,7 +24354,7 @@
           </p:nvSpPr>
           <p:spPr>
             <a:xfrm>
-              <a:off x="4739901" y="5428220"/>
+              <a:off x="4755471" y="5428176"/>
               <a:ext cx="63202" cy="63202"/>
             </a:xfrm>
             <a:custGeom>
@@ -24397,7 +24397,7 @@
           </p:nvSpPr>
           <p:spPr>
             <a:xfrm>
-              <a:off x="4657002" y="5439768"/>
+              <a:off x="5086581" y="5439764"/>
               <a:ext cx="63202" cy="63202"/>
             </a:xfrm>
             <a:custGeom>
@@ -24440,7 +24440,7 @@
           </p:nvSpPr>
           <p:spPr>
             <a:xfrm>
-              <a:off x="4616753" y="5333645"/>
+              <a:off x="4581446" y="5333666"/>
               <a:ext cx="63202" cy="63202"/>
             </a:xfrm>
             <a:custGeom>
@@ -24483,7 +24483,7 @@
           </p:nvSpPr>
           <p:spPr>
             <a:xfrm>
-              <a:off x="4972035" y="5385658"/>
+              <a:off x="4647268" y="5385589"/>
               <a:ext cx="63202" cy="63202"/>
             </a:xfrm>
             <a:custGeom>
@@ -24526,7 +24526,7 @@
           </p:nvSpPr>
           <p:spPr>
             <a:xfrm>
-              <a:off x="4807006" y="5385587"/>
+              <a:off x="4741112" y="5385694"/>
               <a:ext cx="63202" cy="63202"/>
             </a:xfrm>
             <a:custGeom>
@@ -24569,7 +24569,7 @@
           </p:nvSpPr>
           <p:spPr>
             <a:xfrm>
-              <a:off x="5116610" y="5355051"/>
+              <a:off x="5052240" y="5355014"/>
               <a:ext cx="63202" cy="63202"/>
             </a:xfrm>
             <a:custGeom>
@@ -24612,7 +24612,7 @@
           </p:nvSpPr>
           <p:spPr>
             <a:xfrm>
-              <a:off x="4503319" y="5372856"/>
+              <a:off x="4777026" y="5372655"/>
               <a:ext cx="63202" cy="63202"/>
             </a:xfrm>
             <a:custGeom>
@@ -24655,7 +24655,7 @@
           </p:nvSpPr>
           <p:spPr>
             <a:xfrm>
-              <a:off x="4987847" y="5350530"/>
+              <a:off x="5020290" y="5350743"/>
               <a:ext cx="63202" cy="63202"/>
             </a:xfrm>
             <a:custGeom>
@@ -24698,7 +24698,7 @@
           </p:nvSpPr>
           <p:spPr>
             <a:xfrm>
-              <a:off x="4823369" y="5328601"/>
+              <a:off x="4791023" y="5328543"/>
               <a:ext cx="63202" cy="63202"/>
             </a:xfrm>
             <a:custGeom>
@@ -24741,7 +24741,7 @@
           </p:nvSpPr>
           <p:spPr>
             <a:xfrm>
-              <a:off x="4656708" y="5363466"/>
+              <a:off x="4612885" y="5363677"/>
               <a:ext cx="63202" cy="63202"/>
             </a:xfrm>
             <a:custGeom>
@@ -24784,7 +24784,7 @@
           </p:nvSpPr>
           <p:spPr>
             <a:xfrm>
-              <a:off x="4717819" y="5389469"/>
+              <a:off x="4870371" y="5389495"/>
               <a:ext cx="63202" cy="63202"/>
             </a:xfrm>
             <a:custGeom>
@@ -24827,7 +24827,7 @@
           </p:nvSpPr>
           <p:spPr>
             <a:xfrm>
-              <a:off x="4735268" y="5778013"/>
+              <a:off x="5017504" y="5777987"/>
               <a:ext cx="63202" cy="63202"/>
             </a:xfrm>
             <a:custGeom>
@@ -24870,7 +24870,7 @@
           </p:nvSpPr>
           <p:spPr>
             <a:xfrm>
-              <a:off x="4824004" y="5470783"/>
+              <a:off x="5055817" y="5470861"/>
               <a:ext cx="63202" cy="63202"/>
             </a:xfrm>
             <a:custGeom>
@@ -24913,7 +24913,7 @@
           </p:nvSpPr>
           <p:spPr>
             <a:xfrm>
-              <a:off x="4745980" y="5382970"/>
+              <a:off x="4548175" y="5383174"/>
               <a:ext cx="63202" cy="63202"/>
             </a:xfrm>
             <a:custGeom>
@@ -24956,7 +24956,7 @@
           </p:nvSpPr>
           <p:spPr>
             <a:xfrm>
-              <a:off x="4834080" y="5442188"/>
+              <a:off x="4634568" y="5442144"/>
               <a:ext cx="63202" cy="63202"/>
             </a:xfrm>
             <a:custGeom>
@@ -24999,7 +24999,7 @@
           </p:nvSpPr>
           <p:spPr>
             <a:xfrm>
-              <a:off x="4942139" y="5322791"/>
+              <a:off x="5113306" y="5322577"/>
               <a:ext cx="63202" cy="63202"/>
             </a:xfrm>
             <a:custGeom>
@@ -25042,7 +25042,7 @@
           </p:nvSpPr>
           <p:spPr>
             <a:xfrm>
-              <a:off x="4594968" y="5328518"/>
+              <a:off x="4580541" y="5328629"/>
               <a:ext cx="63202" cy="63202"/>
             </a:xfrm>
             <a:custGeom>
@@ -25085,7 +25085,7 @@
           </p:nvSpPr>
           <p:spPr>
             <a:xfrm>
-              <a:off x="4904683" y="5865310"/>
+              <a:off x="4567915" y="5865229"/>
               <a:ext cx="63202" cy="63202"/>
             </a:xfrm>
             <a:custGeom>
@@ -25128,7 +25128,7 @@
           </p:nvSpPr>
           <p:spPr>
             <a:xfrm>
-              <a:off x="4430757" y="5348479"/>
+              <a:off x="4636876" y="5348325"/>
               <a:ext cx="63202" cy="63202"/>
             </a:xfrm>
             <a:custGeom>
@@ -25171,7 +25171,7 @@
           </p:nvSpPr>
           <p:spPr>
             <a:xfrm>
-              <a:off x="4959557" y="5598729"/>
+              <a:off x="4595285" y="5598861"/>
               <a:ext cx="63202" cy="63202"/>
             </a:xfrm>
             <a:custGeom>
@@ -25214,7 +25214,7 @@
           </p:nvSpPr>
           <p:spPr>
             <a:xfrm>
-              <a:off x="5118199" y="5367488"/>
+              <a:off x="5036946" y="5367513"/>
               <a:ext cx="63202" cy="63202"/>
             </a:xfrm>
             <a:custGeom>
@@ -25257,7 +25257,7 @@
           </p:nvSpPr>
           <p:spPr>
             <a:xfrm>
-              <a:off x="4739741" y="5375700"/>
+              <a:off x="5086221" y="5375596"/>
               <a:ext cx="63202" cy="63202"/>
             </a:xfrm>
             <a:custGeom>
@@ -25300,7 +25300,7 @@
           </p:nvSpPr>
           <p:spPr>
             <a:xfrm>
-              <a:off x="5130806" y="5362730"/>
+              <a:off x="5050594" y="5362731"/>
               <a:ext cx="63202" cy="63202"/>
             </a:xfrm>
             <a:custGeom>
@@ -25343,7 +25343,7 @@
           </p:nvSpPr>
           <p:spPr>
             <a:xfrm>
-              <a:off x="4736453" y="5351065"/>
+              <a:off x="4676144" y="5350874"/>
               <a:ext cx="63202" cy="63202"/>
             </a:xfrm>
             <a:custGeom>
@@ -25386,7 +25386,7 @@
           </p:nvSpPr>
           <p:spPr>
             <a:xfrm>
-              <a:off x="5108074" y="5378621"/>
+              <a:off x="4794032" y="5378593"/>
               <a:ext cx="63202" cy="63202"/>
             </a:xfrm>
             <a:custGeom>
@@ -25429,7 +25429,7 @@
           </p:nvSpPr>
           <p:spPr>
             <a:xfrm>
-              <a:off x="5120654" y="5348831"/>
+              <a:off x="5095309" y="5348735"/>
               <a:ext cx="63202" cy="63202"/>
             </a:xfrm>
             <a:custGeom>
@@ -25472,7 +25472,7 @@
           </p:nvSpPr>
           <p:spPr>
             <a:xfrm>
-              <a:off x="5119020" y="5383232"/>
+              <a:off x="4818614" y="5383165"/>
               <a:ext cx="63202" cy="63202"/>
             </a:xfrm>
             <a:custGeom>
@@ -25515,7 +25515,7 @@
           </p:nvSpPr>
           <p:spPr>
             <a:xfrm>
-              <a:off x="5097605" y="5391111"/>
+              <a:off x="5110753" y="5391231"/>
               <a:ext cx="63202" cy="63202"/>
             </a:xfrm>
             <a:custGeom>
@@ -25558,7 +25558,7 @@
           </p:nvSpPr>
           <p:spPr>
             <a:xfrm>
-              <a:off x="6310847" y="6803742"/>
+              <a:off x="6570386" y="6804055"/>
               <a:ext cx="63202" cy="63202"/>
             </a:xfrm>
             <a:custGeom>
@@ -25601,7 +25601,7 @@
           </p:nvSpPr>
           <p:spPr>
             <a:xfrm>
-              <a:off x="4675196" y="5334721"/>
+              <a:off x="4552204" y="5334671"/>
               <a:ext cx="63202" cy="63202"/>
             </a:xfrm>
             <a:custGeom>
@@ -25644,7 +25644,7 @@
           </p:nvSpPr>
           <p:spPr>
             <a:xfrm>
-              <a:off x="5575074" y="6424114"/>
+              <a:off x="5345781" y="6424322"/>
               <a:ext cx="63202" cy="63202"/>
             </a:xfrm>
             <a:custGeom>
@@ -25687,7 +25687,7 @@
           </p:nvSpPr>
           <p:spPr>
             <a:xfrm>
-              <a:off x="4471522" y="5336050"/>
+              <a:off x="4635212" y="5335989"/>
               <a:ext cx="63202" cy="63202"/>
             </a:xfrm>
             <a:custGeom>
@@ -25730,7 +25730,7 @@
           </p:nvSpPr>
           <p:spPr>
             <a:xfrm>
-              <a:off x="4524212" y="5825109"/>
+              <a:off x="4735102" y="5825022"/>
               <a:ext cx="63202" cy="63202"/>
             </a:xfrm>
             <a:custGeom>
@@ -25773,7 +25773,7 @@
           </p:nvSpPr>
           <p:spPr>
             <a:xfrm>
-              <a:off x="4592701" y="5361389"/>
+              <a:off x="4890108" y="5361363"/>
               <a:ext cx="63202" cy="63202"/>
             </a:xfrm>
             <a:custGeom>
@@ -25816,7 +25816,7 @@
           </p:nvSpPr>
           <p:spPr>
             <a:xfrm>
-              <a:off x="5118668" y="5490013"/>
+              <a:off x="4761844" y="5489964"/>
               <a:ext cx="63202" cy="63202"/>
             </a:xfrm>
             <a:custGeom>
@@ -25859,7 +25859,7 @@
           </p:nvSpPr>
           <p:spPr>
             <a:xfrm>
-              <a:off x="5124783" y="5361497"/>
+              <a:off x="5122191" y="5361332"/>
               <a:ext cx="63202" cy="63202"/>
             </a:xfrm>
             <a:custGeom>
@@ -25902,7 +25902,7 @@
           </p:nvSpPr>
           <p:spPr>
             <a:xfrm>
-              <a:off x="4742645" y="5367376"/>
+              <a:off x="4735352" y="5367148"/>
               <a:ext cx="63202" cy="63202"/>
             </a:xfrm>
             <a:custGeom>
@@ -25945,7 +25945,7 @@
           </p:nvSpPr>
           <p:spPr>
             <a:xfrm>
-              <a:off x="4632538" y="5413328"/>
+              <a:off x="4519870" y="5413356"/>
               <a:ext cx="63202" cy="63202"/>
             </a:xfrm>
             <a:custGeom>
@@ -25988,7 +25988,7 @@
           </p:nvSpPr>
           <p:spPr>
             <a:xfrm>
-              <a:off x="5089453" y="5377612"/>
+              <a:off x="4732298" y="5377565"/>
               <a:ext cx="63202" cy="63202"/>
             </a:xfrm>
             <a:custGeom>
@@ -26031,7 +26031,7 @@
           </p:nvSpPr>
           <p:spPr>
             <a:xfrm>
-              <a:off x="5105161" y="5353251"/>
+              <a:off x="4618782" y="5353251"/>
               <a:ext cx="63202" cy="63202"/>
             </a:xfrm>
             <a:custGeom>
@@ -26074,7 +26074,7 @@
           </p:nvSpPr>
           <p:spPr>
             <a:xfrm>
-              <a:off x="4689646" y="5354968"/>
+              <a:off x="4996293" y="5354961"/>
               <a:ext cx="63202" cy="63202"/>
             </a:xfrm>
             <a:custGeom>
@@ -26117,7 +26117,7 @@
           </p:nvSpPr>
           <p:spPr>
             <a:xfrm>
-              <a:off x="4595606" y="5633881"/>
+              <a:off x="4777412" y="5633771"/>
               <a:ext cx="63202" cy="63202"/>
             </a:xfrm>
             <a:custGeom>
@@ -26160,7 +26160,7 @@
           </p:nvSpPr>
           <p:spPr>
             <a:xfrm>
-              <a:off x="4946930" y="5337309"/>
+              <a:off x="4785706" y="5337235"/>
               <a:ext cx="63202" cy="63202"/>
             </a:xfrm>
             <a:custGeom>
@@ -26203,7 +26203,7 @@
           </p:nvSpPr>
           <p:spPr>
             <a:xfrm>
-              <a:off x="4453020" y="5345946"/>
+              <a:off x="5131318" y="5345926"/>
               <a:ext cx="63202" cy="63202"/>
             </a:xfrm>
             <a:custGeom>
@@ -26246,7 +26246,7 @@
           </p:nvSpPr>
           <p:spPr>
             <a:xfrm>
-              <a:off x="4879838" y="5384887"/>
+              <a:off x="4659313" y="5384845"/>
               <a:ext cx="63202" cy="63202"/>
             </a:xfrm>
             <a:custGeom>
@@ -26289,7 +26289,7 @@
           </p:nvSpPr>
           <p:spPr>
             <a:xfrm>
-              <a:off x="5121304" y="5348005"/>
+              <a:off x="5079852" y="5348077"/>
               <a:ext cx="63202" cy="63202"/>
             </a:xfrm>
             <a:custGeom>
@@ -26332,7 +26332,7 @@
           </p:nvSpPr>
           <p:spPr>
             <a:xfrm>
-              <a:off x="4651699" y="5350400"/>
+              <a:off x="4858567" y="5350305"/>
               <a:ext cx="63202" cy="63202"/>
             </a:xfrm>
             <a:custGeom>
@@ -26375,7 +26375,7 @@
           </p:nvSpPr>
           <p:spPr>
             <a:xfrm>
-              <a:off x="4669277" y="5343403"/>
+              <a:off x="4895512" y="5343362"/>
               <a:ext cx="63202" cy="63202"/>
             </a:xfrm>
             <a:custGeom>
@@ -26418,7 +26418,7 @@
           </p:nvSpPr>
           <p:spPr>
             <a:xfrm>
-              <a:off x="5746502" y="6156520"/>
+              <a:off x="5352254" y="6156504"/>
               <a:ext cx="63202" cy="63202"/>
             </a:xfrm>
             <a:custGeom>
@@ -26461,7 +26461,7 @@
           </p:nvSpPr>
           <p:spPr>
             <a:xfrm>
-              <a:off x="4620443" y="5441685"/>
+              <a:off x="4573118" y="5441741"/>
               <a:ext cx="63202" cy="63202"/>
             </a:xfrm>
             <a:custGeom>
@@ -26504,7 +26504,7 @@
           </p:nvSpPr>
           <p:spPr>
             <a:xfrm>
-              <a:off x="4765406" y="5385788"/>
+              <a:off x="4773129" y="5385577"/>
               <a:ext cx="63202" cy="63202"/>
             </a:xfrm>
             <a:custGeom>
@@ -26547,7 +26547,7 @@
           </p:nvSpPr>
           <p:spPr>
             <a:xfrm>
-              <a:off x="4460046" y="5350658"/>
+              <a:off x="4782088" y="5350671"/>
               <a:ext cx="63202" cy="63202"/>
             </a:xfrm>
             <a:custGeom>
@@ -26590,7 +26590,7 @@
           </p:nvSpPr>
           <p:spPr>
             <a:xfrm>
-              <a:off x="5050130" y="5357964"/>
+              <a:off x="4786851" y="5358047"/>
               <a:ext cx="63202" cy="63202"/>
             </a:xfrm>
             <a:custGeom>
@@ -26633,7 +26633,7 @@
           </p:nvSpPr>
           <p:spPr>
             <a:xfrm>
-              <a:off x="4646641" y="5326831"/>
+              <a:off x="4765044" y="5326605"/>
               <a:ext cx="63202" cy="63202"/>
             </a:xfrm>
             <a:custGeom>
@@ -26676,7 +26676,7 @@
           </p:nvSpPr>
           <p:spPr>
             <a:xfrm>
-              <a:off x="4743452" y="5349411"/>
+              <a:off x="5056341" y="5349639"/>
               <a:ext cx="63202" cy="63202"/>
             </a:xfrm>
             <a:custGeom>
@@ -26719,7 +26719,7 @@
           </p:nvSpPr>
           <p:spPr>
             <a:xfrm>
-              <a:off x="4572984" y="5349575"/>
+              <a:off x="5048661" y="5349480"/>
               <a:ext cx="63202" cy="63202"/>
             </a:xfrm>
             <a:custGeom>
@@ -26762,7 +26762,7 @@
           </p:nvSpPr>
           <p:spPr>
             <a:xfrm>
-              <a:off x="4766673" y="5350807"/>
+              <a:off x="4462706" y="5350645"/>
               <a:ext cx="63202" cy="63202"/>
             </a:xfrm>
             <a:custGeom>
@@ -26805,7 +26805,7 @@
           </p:nvSpPr>
           <p:spPr>
             <a:xfrm>
-              <a:off x="5024612" y="5445665"/>
+              <a:off x="4916411" y="5445887"/>
               <a:ext cx="63202" cy="63202"/>
             </a:xfrm>
             <a:custGeom>
@@ -26848,7 +26848,7 @@
           </p:nvSpPr>
           <p:spPr>
             <a:xfrm>
-              <a:off x="4702761" y="5445864"/>
+              <a:off x="4610600" y="5445693"/>
               <a:ext cx="63202" cy="63202"/>
             </a:xfrm>
             <a:custGeom>
@@ -26891,7 +26891,7 @@
           </p:nvSpPr>
           <p:spPr>
             <a:xfrm>
-              <a:off x="4507773" y="5362157"/>
+              <a:off x="4809365" y="5362053"/>
               <a:ext cx="63202" cy="63202"/>
             </a:xfrm>
             <a:custGeom>
@@ -26934,7 +26934,7 @@
           </p:nvSpPr>
           <p:spPr>
             <a:xfrm>
-              <a:off x="4600641" y="5346627"/>
+              <a:off x="4629409" y="5346653"/>
               <a:ext cx="63202" cy="63202"/>
             </a:xfrm>
             <a:custGeom>
@@ -26977,7 +26977,7 @@
           </p:nvSpPr>
           <p:spPr>
             <a:xfrm>
-              <a:off x="6002254" y="6089789"/>
+              <a:off x="6010134" y="6089830"/>
               <a:ext cx="63202" cy="63202"/>
             </a:xfrm>
             <a:custGeom>
@@ -27020,7 +27020,7 @@
           </p:nvSpPr>
           <p:spPr>
             <a:xfrm>
-              <a:off x="4585307" y="5381960"/>
+              <a:off x="4940384" y="5381869"/>
               <a:ext cx="63202" cy="63202"/>
             </a:xfrm>
             <a:custGeom>
@@ -27063,7 +27063,7 @@
           </p:nvSpPr>
           <p:spPr>
             <a:xfrm>
-              <a:off x="4951785" y="5339855"/>
+              <a:off x="4676766" y="5339811"/>
               <a:ext cx="63202" cy="63202"/>
             </a:xfrm>
             <a:custGeom>
@@ -27106,7 +27106,7 @@
           </p:nvSpPr>
           <p:spPr>
             <a:xfrm>
-              <a:off x="4825597" y="5330431"/>
+              <a:off x="5124203" y="5330291"/>
               <a:ext cx="63202" cy="63202"/>
             </a:xfrm>
             <a:custGeom>
@@ -27149,7 +27149,7 @@
           </p:nvSpPr>
           <p:spPr>
             <a:xfrm>
-              <a:off x="4975493" y="5412884"/>
+              <a:off x="4755284" y="5412961"/>
               <a:ext cx="63202" cy="63202"/>
             </a:xfrm>
             <a:custGeom>
@@ -27192,7 +27192,7 @@
           </p:nvSpPr>
           <p:spPr>
             <a:xfrm>
-              <a:off x="4914200" y="5379733"/>
+              <a:off x="4883947" y="5379779"/>
               <a:ext cx="63202" cy="63202"/>
             </a:xfrm>
             <a:custGeom>
@@ -27235,7 +27235,7 @@
           </p:nvSpPr>
           <p:spPr>
             <a:xfrm>
-              <a:off x="5124204" y="5333483"/>
+              <a:off x="5127539" y="5333440"/>
               <a:ext cx="63202" cy="63202"/>
             </a:xfrm>
             <a:custGeom>
@@ -27278,7 +27278,7 @@
           </p:nvSpPr>
           <p:spPr>
             <a:xfrm>
-              <a:off x="4472020" y="5333780"/>
+              <a:off x="4439339" y="5333698"/>
               <a:ext cx="63202" cy="63202"/>
             </a:xfrm>
             <a:custGeom>
@@ -27321,7 +27321,7 @@
           </p:nvSpPr>
           <p:spPr>
             <a:xfrm>
-              <a:off x="4727809" y="5328242"/>
+              <a:off x="4677326" y="5328290"/>
               <a:ext cx="63202" cy="63202"/>
             </a:xfrm>
             <a:custGeom>
@@ -27364,7 +27364,7 @@
           </p:nvSpPr>
           <p:spPr>
             <a:xfrm>
-              <a:off x="4857951" y="5330311"/>
+              <a:off x="4441640" y="5330276"/>
               <a:ext cx="63202" cy="63202"/>
             </a:xfrm>
             <a:custGeom>
@@ -27407,7 +27407,7 @@
           </p:nvSpPr>
           <p:spPr>
             <a:xfrm>
-              <a:off x="4818814" y="5325946"/>
+              <a:off x="4886486" y="5325915"/>
               <a:ext cx="63202" cy="63202"/>
             </a:xfrm>
             <a:custGeom>
@@ -27450,7 +27450,7 @@
           </p:nvSpPr>
           <p:spPr>
             <a:xfrm>
-              <a:off x="5078448" y="5411873"/>
+              <a:off x="4674941" y="5411693"/>
               <a:ext cx="63202" cy="63202"/>
             </a:xfrm>
             <a:custGeom>
@@ -27493,7 +27493,7 @@
           </p:nvSpPr>
           <p:spPr>
             <a:xfrm>
-              <a:off x="5031155" y="5456900"/>
+              <a:off x="4461945" y="5456797"/>
               <a:ext cx="63202" cy="63202"/>
             </a:xfrm>
             <a:custGeom>
@@ -27536,7 +27536,7 @@
           </p:nvSpPr>
           <p:spPr>
             <a:xfrm>
-              <a:off x="4851507" y="5342901"/>
+              <a:off x="4709042" y="5342912"/>
               <a:ext cx="63202" cy="63202"/>
             </a:xfrm>
             <a:custGeom>
@@ -27579,7 +27579,7 @@
           </p:nvSpPr>
           <p:spPr>
             <a:xfrm>
-              <a:off x="4748761" y="5345424"/>
+              <a:off x="4789554" y="5345554"/>
               <a:ext cx="63202" cy="63202"/>
             </a:xfrm>
             <a:custGeom>
@@ -27622,7 +27622,7 @@
           </p:nvSpPr>
           <p:spPr>
             <a:xfrm>
-              <a:off x="4483380" y="5358147"/>
+              <a:off x="5019855" y="5357878"/>
               <a:ext cx="63202" cy="63202"/>
             </a:xfrm>
             <a:custGeom>
@@ -27665,7 +27665,7 @@
           </p:nvSpPr>
           <p:spPr>
             <a:xfrm>
-              <a:off x="5049904" y="5333266"/>
+              <a:off x="4658080" y="5333434"/>
               <a:ext cx="63202" cy="63202"/>
             </a:xfrm>
             <a:custGeom>
@@ -27708,7 +27708,7 @@
           </p:nvSpPr>
           <p:spPr>
             <a:xfrm>
-              <a:off x="4965469" y="5324912"/>
+              <a:off x="4562556" y="5324749"/>
               <a:ext cx="63202" cy="63202"/>
             </a:xfrm>
             <a:custGeom>
@@ -27751,7 +27751,7 @@
           </p:nvSpPr>
           <p:spPr>
             <a:xfrm>
-              <a:off x="4955757" y="5336261"/>
+              <a:off x="5069388" y="5336255"/>
               <a:ext cx="63202" cy="63202"/>
             </a:xfrm>
             <a:custGeom>
@@ -27794,7 +27794,7 @@
           </p:nvSpPr>
           <p:spPr>
             <a:xfrm>
-              <a:off x="4653046" y="5357993"/>
+              <a:off x="4572862" y="5358140"/>
               <a:ext cx="63202" cy="63202"/>
             </a:xfrm>
             <a:custGeom>
@@ -27837,7 +27837,7 @@
           </p:nvSpPr>
           <p:spPr>
             <a:xfrm>
-              <a:off x="4631338" y="5345933"/>
+              <a:off x="4725104" y="5345769"/>
               <a:ext cx="63202" cy="63202"/>
             </a:xfrm>
             <a:custGeom>
@@ -27880,7 +27880,7 @@
           </p:nvSpPr>
           <p:spPr>
             <a:xfrm>
-              <a:off x="4449461" y="5352007"/>
+              <a:off x="4770598" y="5352146"/>
               <a:ext cx="63202" cy="63202"/>
             </a:xfrm>
             <a:custGeom>
@@ -27923,7 +27923,7 @@
           </p:nvSpPr>
           <p:spPr>
             <a:xfrm>
-              <a:off x="4742670" y="5339929"/>
+              <a:off x="5018993" y="5339935"/>
               <a:ext cx="63202" cy="63202"/>
             </a:xfrm>
             <a:custGeom>
@@ -27966,7 +27966,7 @@
           </p:nvSpPr>
           <p:spPr>
             <a:xfrm>
-              <a:off x="4963806" y="5345942"/>
+              <a:off x="4841367" y="5345821"/>
               <a:ext cx="63202" cy="63202"/>
             </a:xfrm>
             <a:custGeom>
@@ -28009,7 +28009,7 @@
           </p:nvSpPr>
           <p:spPr>
             <a:xfrm>
-              <a:off x="5046438" y="5358815"/>
+              <a:off x="4622292" y="5358762"/>
               <a:ext cx="63202" cy="63202"/>
             </a:xfrm>
             <a:custGeom>
@@ -28052,7 +28052,7 @@
           </p:nvSpPr>
           <p:spPr>
             <a:xfrm>
-              <a:off x="5910695" y="6368317"/>
+              <a:off x="6012108" y="6368678"/>
               <a:ext cx="63202" cy="63202"/>
             </a:xfrm>
             <a:custGeom>
@@ -28095,7 +28095,7 @@
           </p:nvSpPr>
           <p:spPr>
             <a:xfrm>
-              <a:off x="4928105" y="5359597"/>
+              <a:off x="5034730" y="5359538"/>
               <a:ext cx="63202" cy="63202"/>
             </a:xfrm>
             <a:custGeom>
@@ -28138,7 +28138,7 @@
           </p:nvSpPr>
           <p:spPr>
             <a:xfrm>
-              <a:off x="4684910" y="5427704"/>
+              <a:off x="4749346" y="5427593"/>
               <a:ext cx="63202" cy="63202"/>
             </a:xfrm>
             <a:custGeom>
@@ -28181,7 +28181,7 @@
           </p:nvSpPr>
           <p:spPr>
             <a:xfrm>
-              <a:off x="5076584" y="5352093"/>
+              <a:off x="4869234" y="5352211"/>
               <a:ext cx="63202" cy="63202"/>
             </a:xfrm>
             <a:custGeom>
@@ -28224,7 +28224,7 @@
           </p:nvSpPr>
           <p:spPr>
             <a:xfrm>
-              <a:off x="4454455" y="5395210"/>
+              <a:off x="4457765" y="5395227"/>
               <a:ext cx="63202" cy="63202"/>
             </a:xfrm>
             <a:custGeom>
@@ -28267,7 +28267,7 @@
           </p:nvSpPr>
           <p:spPr>
             <a:xfrm>
-              <a:off x="4921631" y="5386648"/>
+              <a:off x="4989206" y="5386738"/>
               <a:ext cx="63202" cy="63202"/>
             </a:xfrm>
             <a:custGeom>
@@ -28310,7 +28310,7 @@
           </p:nvSpPr>
           <p:spPr>
             <a:xfrm>
-              <a:off x="6478277" y="6632173"/>
+              <a:off x="6847978" y="6632105"/>
               <a:ext cx="63202" cy="63202"/>
             </a:xfrm>
             <a:custGeom>
@@ -28353,7 +28353,7 @@
           </p:nvSpPr>
           <p:spPr>
             <a:xfrm>
-              <a:off x="4785461" y="5349196"/>
+              <a:off x="4466898" y="5349188"/>
               <a:ext cx="63202" cy="63202"/>
             </a:xfrm>
             <a:custGeom>
@@ -28396,7 +28396,7 @@
           </p:nvSpPr>
           <p:spPr>
             <a:xfrm>
-              <a:off x="4773937" y="5364021"/>
+              <a:off x="5108388" y="5363984"/>
               <a:ext cx="63202" cy="63202"/>
             </a:xfrm>
             <a:custGeom>
@@ -28439,7 +28439,7 @@
           </p:nvSpPr>
           <p:spPr>
             <a:xfrm>
-              <a:off x="4551310" y="5755671"/>
+              <a:off x="4851736" y="5755889"/>
               <a:ext cx="63202" cy="63202"/>
             </a:xfrm>
             <a:custGeom>
@@ -28482,7 +28482,7 @@
           </p:nvSpPr>
           <p:spPr>
             <a:xfrm>
-              <a:off x="4932007" y="5341932"/>
+              <a:off x="4630111" y="5341699"/>
               <a:ext cx="63202" cy="63202"/>
             </a:xfrm>
             <a:custGeom>
@@ -28525,7 +28525,7 @@
           </p:nvSpPr>
           <p:spPr>
             <a:xfrm>
-              <a:off x="4605609" y="5396621"/>
+              <a:off x="4692106" y="5396739"/>
               <a:ext cx="63202" cy="63202"/>
             </a:xfrm>
             <a:custGeom>
@@ -28568,7 +28568,7 @@
           </p:nvSpPr>
           <p:spPr>
             <a:xfrm>
-              <a:off x="4478226" y="5356699"/>
+              <a:off x="4826473" y="5356432"/>
               <a:ext cx="63202" cy="63202"/>
             </a:xfrm>
             <a:custGeom>
@@ -28611,7 +28611,7 @@
           </p:nvSpPr>
           <p:spPr>
             <a:xfrm>
-              <a:off x="4684288" y="5343599"/>
+              <a:off x="4486721" y="5343507"/>
               <a:ext cx="63202" cy="63202"/>
             </a:xfrm>
             <a:custGeom>
@@ -28654,7 +28654,7 @@
           </p:nvSpPr>
           <p:spPr>
             <a:xfrm>
-              <a:off x="4994123" y="5384113"/>
+              <a:off x="4901453" y="5384304"/>
               <a:ext cx="63202" cy="63202"/>
             </a:xfrm>
             <a:custGeom>
@@ -28697,7 +28697,7 @@
           </p:nvSpPr>
           <p:spPr>
             <a:xfrm>
-              <a:off x="4999467" y="5366608"/>
+              <a:off x="4645870" y="5366558"/>
               <a:ext cx="63202" cy="63202"/>
             </a:xfrm>
             <a:custGeom>
@@ -28740,7 +28740,7 @@
           </p:nvSpPr>
           <p:spPr>
             <a:xfrm>
-              <a:off x="4445915" y="5342558"/>
+              <a:off x="4999377" y="5342430"/>
               <a:ext cx="63202" cy="63202"/>
             </a:xfrm>
             <a:custGeom>
@@ -28783,7 +28783,7 @@
           </p:nvSpPr>
           <p:spPr>
             <a:xfrm>
-              <a:off x="4762590" y="5351766"/>
+              <a:off x="4551950" y="5351641"/>
               <a:ext cx="63202" cy="63202"/>
             </a:xfrm>
             <a:custGeom>
@@ -28826,7 +28826,7 @@
           </p:nvSpPr>
           <p:spPr>
             <a:xfrm>
-              <a:off x="5098707" y="5349925"/>
+              <a:off x="4725899" y="5349984"/>
               <a:ext cx="63202" cy="63202"/>
             </a:xfrm>
             <a:custGeom>
@@ -28869,7 +28869,7 @@
           </p:nvSpPr>
           <p:spPr>
             <a:xfrm>
-              <a:off x="5063574" y="5428696"/>
+              <a:off x="4752153" y="5428783"/>
               <a:ext cx="63202" cy="63202"/>
             </a:xfrm>
             <a:custGeom>
@@ -28912,7 +28912,7 @@
           </p:nvSpPr>
           <p:spPr>
             <a:xfrm>
-              <a:off x="4492511" y="5393313"/>
+              <a:off x="4455512" y="5393430"/>
               <a:ext cx="63202" cy="63202"/>
             </a:xfrm>
             <a:custGeom>
@@ -28955,7 +28955,7 @@
           </p:nvSpPr>
           <p:spPr>
             <a:xfrm>
-              <a:off x="4477964" y="5378293"/>
+              <a:off x="4429718" y="5378222"/>
               <a:ext cx="63202" cy="63202"/>
             </a:xfrm>
             <a:custGeom>
@@ -28998,7 +28998,7 @@
           </p:nvSpPr>
           <p:spPr>
             <a:xfrm>
-              <a:off x="4757421" y="5335974"/>
+              <a:off x="4483916" y="5335779"/>
               <a:ext cx="63202" cy="63202"/>
             </a:xfrm>
             <a:custGeom>
@@ -29041,7 +29041,7 @@
           </p:nvSpPr>
           <p:spPr>
             <a:xfrm>
-              <a:off x="4614662" y="5335904"/>
+              <a:off x="5112933" y="5336032"/>
               <a:ext cx="63202" cy="63202"/>
             </a:xfrm>
             <a:custGeom>
@@ -29084,7 +29084,7 @@
           </p:nvSpPr>
           <p:spPr>
             <a:xfrm>
-              <a:off x="4887813" y="5339583"/>
+              <a:off x="4510712" y="5339525"/>
               <a:ext cx="63202" cy="63202"/>
             </a:xfrm>
             <a:custGeom>
@@ -29127,7 +29127,7 @@
           </p:nvSpPr>
           <p:spPr>
             <a:xfrm>
-              <a:off x="4847566" y="5338359"/>
+              <a:off x="5016899" y="5338451"/>
               <a:ext cx="63202" cy="63202"/>
             </a:xfrm>
             <a:custGeom>
@@ -29170,7 +29170,7 @@
           </p:nvSpPr>
           <p:spPr>
             <a:xfrm>
-              <a:off x="4781828" y="5337141"/>
+              <a:off x="4879905" y="5337137"/>
               <a:ext cx="63202" cy="63202"/>
             </a:xfrm>
             <a:custGeom>
@@ -29213,7 +29213,7 @@
           </p:nvSpPr>
           <p:spPr>
             <a:xfrm>
-              <a:off x="4470707" y="5317369"/>
+              <a:off x="5045536" y="5317369"/>
               <a:ext cx="63202" cy="63202"/>
             </a:xfrm>
             <a:custGeom>
@@ -29256,7 +29256,7 @@
           </p:nvSpPr>
           <p:spPr>
             <a:xfrm>
-              <a:off x="4580458" y="5391149"/>
+              <a:off x="4472776" y="5391317"/>
               <a:ext cx="63202" cy="63202"/>
             </a:xfrm>
             <a:custGeom>
@@ -29299,7 +29299,7 @@
           </p:nvSpPr>
           <p:spPr>
             <a:xfrm>
-              <a:off x="4789008" y="5409008"/>
+              <a:off x="5014076" y="5408907"/>
               <a:ext cx="63202" cy="63202"/>
             </a:xfrm>
             <a:custGeom>
@@ -29342,7 +29342,7 @@
           </p:nvSpPr>
           <p:spPr>
             <a:xfrm>
-              <a:off x="5120263" y="5363202"/>
+              <a:off x="4474183" y="5363045"/>
               <a:ext cx="63202" cy="63202"/>
             </a:xfrm>
             <a:custGeom>
@@ -29385,7 +29385,7 @@
           </p:nvSpPr>
           <p:spPr>
             <a:xfrm>
-              <a:off x="4824634" y="5387914"/>
+              <a:off x="4815155" y="5387966"/>
               <a:ext cx="63202" cy="63202"/>
             </a:xfrm>
             <a:custGeom>
@@ -29428,7 +29428,7 @@
           </p:nvSpPr>
           <p:spPr>
             <a:xfrm>
-              <a:off x="4928871" y="5394879"/>
+              <a:off x="4642637" y="5394881"/>
               <a:ext cx="63202" cy="63202"/>
             </a:xfrm>
             <a:custGeom>
@@ -29471,7 +29471,7 @@
           </p:nvSpPr>
           <p:spPr>
             <a:xfrm>
-              <a:off x="4445436" y="5375268"/>
+              <a:off x="5117341" y="5375474"/>
               <a:ext cx="63202" cy="63202"/>
             </a:xfrm>
             <a:custGeom>
@@ -29514,7 +29514,7 @@
           </p:nvSpPr>
           <p:spPr>
             <a:xfrm>
-              <a:off x="4693733" y="5337120"/>
+              <a:off x="4462418" y="5336887"/>
               <a:ext cx="63202" cy="63202"/>
             </a:xfrm>
             <a:custGeom>
@@ -29557,7 +29557,7 @@
           </p:nvSpPr>
           <p:spPr>
             <a:xfrm>
-              <a:off x="4803217" y="5394196"/>
+              <a:off x="4447085" y="5394207"/>
               <a:ext cx="63202" cy="63202"/>
             </a:xfrm>
             <a:custGeom>
@@ -29600,7 +29600,7 @@
           </p:nvSpPr>
           <p:spPr>
             <a:xfrm>
-              <a:off x="4472357" y="5350035"/>
+              <a:off x="5117949" y="5349840"/>
               <a:ext cx="63202" cy="63202"/>
             </a:xfrm>
             <a:custGeom>
@@ -29643,7 +29643,7 @@
           </p:nvSpPr>
           <p:spPr>
             <a:xfrm>
-              <a:off x="4494832" y="5339175"/>
+              <a:off x="4950183" y="5339318"/>
               <a:ext cx="63202" cy="63202"/>
             </a:xfrm>
             <a:custGeom>
@@ -29686,7 +29686,7 @@
           </p:nvSpPr>
           <p:spPr>
             <a:xfrm>
-              <a:off x="4781563" y="5767978"/>
+              <a:off x="4763119" y="5767889"/>
               <a:ext cx="63202" cy="63202"/>
             </a:xfrm>
             <a:custGeom>
@@ -29729,7 +29729,7 @@
           </p:nvSpPr>
           <p:spPr>
             <a:xfrm>
-              <a:off x="4484680" y="5341698"/>
+              <a:off x="5061031" y="5341921"/>
               <a:ext cx="63202" cy="63202"/>
             </a:xfrm>
             <a:custGeom>
@@ -29772,7 +29772,7 @@
           </p:nvSpPr>
           <p:spPr>
             <a:xfrm>
-              <a:off x="5133104" y="5341702"/>
+              <a:off x="4521261" y="5341731"/>
               <a:ext cx="63202" cy="63202"/>
             </a:xfrm>
             <a:custGeom>
@@ -29815,7 +29815,7 @@
           </p:nvSpPr>
           <p:spPr>
             <a:xfrm>
-              <a:off x="4817674" y="5341922"/>
+              <a:off x="4873663" y="5341896"/>
               <a:ext cx="63202" cy="63202"/>
             </a:xfrm>
             <a:custGeom>
@@ -29858,7 +29858,7 @@
           </p:nvSpPr>
           <p:spPr>
             <a:xfrm>
-              <a:off x="4518439" y="5332260"/>
+              <a:off x="4928585" y="5332223"/>
               <a:ext cx="63202" cy="63202"/>
             </a:xfrm>
             <a:custGeom>
@@ -29901,7 +29901,7 @@
           </p:nvSpPr>
           <p:spPr>
             <a:xfrm>
-              <a:off x="4655195" y="5383202"/>
+              <a:off x="4737749" y="5383117"/>
               <a:ext cx="63202" cy="63202"/>
             </a:xfrm>
             <a:custGeom>
@@ -29944,7 +29944,7 @@
           </p:nvSpPr>
           <p:spPr>
             <a:xfrm>
-              <a:off x="4647559" y="5397167"/>
+              <a:off x="4566998" y="5397067"/>
               <a:ext cx="63202" cy="63202"/>
             </a:xfrm>
             <a:custGeom>
@@ -29987,7 +29987,7 @@
           </p:nvSpPr>
           <p:spPr>
             <a:xfrm>
-              <a:off x="4704352" y="5324853"/>
+              <a:off x="4755968" y="5324848"/>
               <a:ext cx="63202" cy="63202"/>
             </a:xfrm>
             <a:custGeom>
@@ -30030,7 +30030,7 @@
           </p:nvSpPr>
           <p:spPr>
             <a:xfrm>
-              <a:off x="4792767" y="5351145"/>
+              <a:off x="4444718" y="5351057"/>
               <a:ext cx="63202" cy="63202"/>
             </a:xfrm>
             <a:custGeom>
@@ -30073,7 +30073,7 @@
           </p:nvSpPr>
           <p:spPr>
             <a:xfrm>
-              <a:off x="5005717" y="5343928"/>
+              <a:off x="5038672" y="5343870"/>
               <a:ext cx="63202" cy="63202"/>
             </a:xfrm>
             <a:custGeom>
@@ -30116,7 +30116,7 @@
           </p:nvSpPr>
           <p:spPr>
             <a:xfrm>
-              <a:off x="4445266" y="5341470"/>
+              <a:off x="4667347" y="5341514"/>
               <a:ext cx="63202" cy="63202"/>
             </a:xfrm>
             <a:custGeom>
@@ -30159,7 +30159,7 @@
           </p:nvSpPr>
           <p:spPr>
             <a:xfrm>
-              <a:off x="5068192" y="5550921"/>
+              <a:off x="5046548" y="5550970"/>
               <a:ext cx="63202" cy="63202"/>
             </a:xfrm>
             <a:custGeom>
@@ -30202,7 +30202,7 @@
           </p:nvSpPr>
           <p:spPr>
             <a:xfrm>
-              <a:off x="4993460" y="5355713"/>
+              <a:off x="4979115" y="5355786"/>
               <a:ext cx="63202" cy="63202"/>
             </a:xfrm>
             <a:custGeom>
@@ -30245,7 +30245,7 @@
           </p:nvSpPr>
           <p:spPr>
             <a:xfrm>
-              <a:off x="4506385" y="5440320"/>
+              <a:off x="4459688" y="5440094"/>
               <a:ext cx="63202" cy="63202"/>
             </a:xfrm>
             <a:custGeom>
@@ -30288,7 +30288,7 @@
           </p:nvSpPr>
           <p:spPr>
             <a:xfrm>
-              <a:off x="4685288" y="5384235"/>
+              <a:off x="4708542" y="5384156"/>
               <a:ext cx="63202" cy="63202"/>
             </a:xfrm>
             <a:custGeom>
@@ -30331,7 +30331,7 @@
           </p:nvSpPr>
           <p:spPr>
             <a:xfrm>
-              <a:off x="5041995" y="5339910"/>
+              <a:off x="4613634" y="5339981"/>
               <a:ext cx="63202" cy="63202"/>
             </a:xfrm>
             <a:custGeom>
@@ -30374,7 +30374,7 @@
           </p:nvSpPr>
           <p:spPr>
             <a:xfrm>
-              <a:off x="4514710" y="5344416"/>
+              <a:off x="4540015" y="5344264"/>
               <a:ext cx="63202" cy="63202"/>
             </a:xfrm>
             <a:custGeom>
@@ -30417,7 +30417,7 @@
           </p:nvSpPr>
           <p:spPr>
             <a:xfrm>
-              <a:off x="5094315" y="5405185"/>
+              <a:off x="4726924" y="5405228"/>
               <a:ext cx="63202" cy="63202"/>
             </a:xfrm>
             <a:custGeom>
@@ -30460,7 +30460,7 @@
           </p:nvSpPr>
           <p:spPr>
             <a:xfrm>
-              <a:off x="4789568" y="5395870"/>
+              <a:off x="4742959" y="5396083"/>
               <a:ext cx="63202" cy="63202"/>
             </a:xfrm>
             <a:custGeom>
@@ -30503,7 +30503,7 @@
           </p:nvSpPr>
           <p:spPr>
             <a:xfrm>
-              <a:off x="4660509" y="5440499"/>
+              <a:off x="4685412" y="5440455"/>
               <a:ext cx="63202" cy="63202"/>
             </a:xfrm>
             <a:custGeom>
@@ -30546,7 +30546,7 @@
           </p:nvSpPr>
           <p:spPr>
             <a:xfrm>
-              <a:off x="4916136" y="5359249"/>
+              <a:off x="5087266" y="5359200"/>
               <a:ext cx="63202" cy="63202"/>
             </a:xfrm>
             <a:custGeom>
@@ -30589,7 +30589,7 @@
           </p:nvSpPr>
           <p:spPr>
             <a:xfrm>
-              <a:off x="4643017" y="5367860"/>
+              <a:off x="4925035" y="5367980"/>
               <a:ext cx="63202" cy="63202"/>
             </a:xfrm>
             <a:custGeom>
@@ -30632,7 +30632,7 @@
           </p:nvSpPr>
           <p:spPr>
             <a:xfrm>
-              <a:off x="4583805" y="5395554"/>
+              <a:off x="4655499" y="5395610"/>
               <a:ext cx="63202" cy="63202"/>
             </a:xfrm>
             <a:custGeom>
@@ -30675,7 +30675,7 @@
           </p:nvSpPr>
           <p:spPr>
             <a:xfrm>
-              <a:off x="4678927" y="5352610"/>
+              <a:off x="5069039" y="5352567"/>
               <a:ext cx="63202" cy="63202"/>
             </a:xfrm>
             <a:custGeom>
@@ -30718,7 +30718,7 @@
           </p:nvSpPr>
           <p:spPr>
             <a:xfrm>
-              <a:off x="4563097" y="5385577"/>
+              <a:off x="4459837" y="5385761"/>
               <a:ext cx="63202" cy="63202"/>
             </a:xfrm>
             <a:custGeom>
@@ -30761,7 +30761,7 @@
           </p:nvSpPr>
           <p:spPr>
             <a:xfrm>
-              <a:off x="5093583" y="5395641"/>
+              <a:off x="4540717" y="5395630"/>
               <a:ext cx="63202" cy="63202"/>
             </a:xfrm>
             <a:custGeom>
@@ -30804,7 +30804,7 @@
           </p:nvSpPr>
           <p:spPr>
             <a:xfrm>
-              <a:off x="4488958" y="5345630"/>
+              <a:off x="4546933" y="5345505"/>
               <a:ext cx="63202" cy="63202"/>
             </a:xfrm>
             <a:custGeom>
@@ -30847,7 +30847,7 @@
           </p:nvSpPr>
           <p:spPr>
             <a:xfrm>
-              <a:off x="4792031" y="5533636"/>
+              <a:off x="4775933" y="5533525"/>
               <a:ext cx="63202" cy="63202"/>
             </a:xfrm>
             <a:custGeom>
@@ -30890,7 +30890,7 @@
           </p:nvSpPr>
           <p:spPr>
             <a:xfrm>
-              <a:off x="4642854" y="5380296"/>
+              <a:off x="4942690" y="5380276"/>
               <a:ext cx="63202" cy="63202"/>
             </a:xfrm>
             <a:custGeom>
@@ -30933,7 +30933,7 @@
           </p:nvSpPr>
           <p:spPr>
             <a:xfrm>
-              <a:off x="4886918" y="5385784"/>
+              <a:off x="4456515" y="5385649"/>
               <a:ext cx="63202" cy="63202"/>
             </a:xfrm>
             <a:custGeom>
@@ -30976,7 +30976,7 @@
           </p:nvSpPr>
           <p:spPr>
             <a:xfrm>
-              <a:off x="4498032" y="5398862"/>
+              <a:off x="4799878" y="5399000"/>
               <a:ext cx="63202" cy="63202"/>
             </a:xfrm>
             <a:custGeom>
@@ -31019,7 +31019,7 @@
           </p:nvSpPr>
           <p:spPr>
             <a:xfrm>
-              <a:off x="4711610" y="5404560"/>
+              <a:off x="4574065" y="5404593"/>
               <a:ext cx="63202" cy="63202"/>
             </a:xfrm>
             <a:custGeom>
@@ -31062,7 +31062,7 @@
           </p:nvSpPr>
           <p:spPr>
             <a:xfrm>
-              <a:off x="4537039" y="5325516"/>
+              <a:off x="4768946" y="5325686"/>
               <a:ext cx="63202" cy="63202"/>
             </a:xfrm>
             <a:custGeom>
@@ -31105,7 +31105,7 @@
           </p:nvSpPr>
           <p:spPr>
             <a:xfrm>
-              <a:off x="4952679" y="5438325"/>
+              <a:off x="4637321" y="5438419"/>
               <a:ext cx="63202" cy="63202"/>
             </a:xfrm>
             <a:custGeom>
@@ -31148,7 +31148,7 @@
           </p:nvSpPr>
           <p:spPr>
             <a:xfrm>
-              <a:off x="4941107" y="5632678"/>
+              <a:off x="4871159" y="5632567"/>
               <a:ext cx="63202" cy="63202"/>
             </a:xfrm>
             <a:custGeom>
@@ -31191,7 +31191,7 @@
           </p:nvSpPr>
           <p:spPr>
             <a:xfrm>
-              <a:off x="5077779" y="5954871"/>
+              <a:off x="4631977" y="5955023"/>
               <a:ext cx="63202" cy="63202"/>
             </a:xfrm>
             <a:custGeom>
@@ -31234,7 +31234,7 @@
           </p:nvSpPr>
           <p:spPr>
             <a:xfrm>
-              <a:off x="4835240" y="5791153"/>
+              <a:off x="4963792" y="5791174"/>
               <a:ext cx="63202" cy="63202"/>
             </a:xfrm>
             <a:custGeom>
@@ -31277,7 +31277,7 @@
           </p:nvSpPr>
           <p:spPr>
             <a:xfrm>
-              <a:off x="4429490" y="5351720"/>
+              <a:off x="4570374" y="5351736"/>
               <a:ext cx="63202" cy="63202"/>
             </a:xfrm>
             <a:custGeom>
@@ -31320,7 +31320,7 @@
           </p:nvSpPr>
           <p:spPr>
             <a:xfrm>
-              <a:off x="4929341" y="5460028"/>
+              <a:off x="4565149" y="5460029"/>
               <a:ext cx="63202" cy="63202"/>
             </a:xfrm>
             <a:custGeom>
@@ -31363,7 +31363,7 @@
           </p:nvSpPr>
           <p:spPr>
             <a:xfrm>
-              <a:off x="4902969" y="5443981"/>
+              <a:off x="4614232" y="5443942"/>
               <a:ext cx="63202" cy="63202"/>
             </a:xfrm>
             <a:custGeom>
@@ -31406,7 +31406,7 @@
           </p:nvSpPr>
           <p:spPr>
             <a:xfrm>
-              <a:off x="4944260" y="5359047"/>
+              <a:off x="4523569" y="5359126"/>
               <a:ext cx="63202" cy="63202"/>
             </a:xfrm>
             <a:custGeom>
@@ -31449,7 +31449,7 @@
           </p:nvSpPr>
           <p:spPr>
             <a:xfrm>
-              <a:off x="5095549" y="5530961"/>
+              <a:off x="5114209" y="5530832"/>
               <a:ext cx="63202" cy="63202"/>
             </a:xfrm>
             <a:custGeom>
@@ -31492,7 +31492,7 @@
           </p:nvSpPr>
           <p:spPr>
             <a:xfrm>
-              <a:off x="4863036" y="5331855"/>
+              <a:off x="4771006" y="5331729"/>
               <a:ext cx="63202" cy="63202"/>
             </a:xfrm>
             <a:custGeom>
@@ -31535,7 +31535,7 @@
           </p:nvSpPr>
           <p:spPr>
             <a:xfrm>
-              <a:off x="4971573" y="5684247"/>
+              <a:off x="4563683" y="5684292"/>
               <a:ext cx="63202" cy="63202"/>
             </a:xfrm>
             <a:custGeom>
@@ -31578,7 +31578,7 @@
           </p:nvSpPr>
           <p:spPr>
             <a:xfrm>
-              <a:off x="4454301" y="5353179"/>
+              <a:off x="4829636" y="5353110"/>
               <a:ext cx="63202" cy="63202"/>
             </a:xfrm>
             <a:custGeom>
@@ -31621,7 +31621,7 @@
           </p:nvSpPr>
           <p:spPr>
             <a:xfrm>
-              <a:off x="4448089" y="5780840"/>
+              <a:off x="4921572" y="5781021"/>
               <a:ext cx="63202" cy="63202"/>
             </a:xfrm>
             <a:custGeom>
@@ -31664,7 +31664,7 @@
           </p:nvSpPr>
           <p:spPr>
             <a:xfrm>
-              <a:off x="4830464" y="5362912"/>
+              <a:off x="4741269" y="5362666"/>
               <a:ext cx="63202" cy="63202"/>
             </a:xfrm>
             <a:custGeom>
@@ -31707,7 +31707,7 @@
           </p:nvSpPr>
           <p:spPr>
             <a:xfrm>
-              <a:off x="4482792" y="5334212"/>
+              <a:off x="4862376" y="5334029"/>
               <a:ext cx="63202" cy="63202"/>
             </a:xfrm>
             <a:custGeom>
@@ -31750,7 +31750,7 @@
           </p:nvSpPr>
           <p:spPr>
             <a:xfrm>
-              <a:off x="5126693" y="5343532"/>
+              <a:off x="4686203" y="5343528"/>
               <a:ext cx="63202" cy="63202"/>
             </a:xfrm>
             <a:custGeom>
@@ -31793,7 +31793,7 @@
           </p:nvSpPr>
           <p:spPr>
             <a:xfrm>
-              <a:off x="5008827" y="5325709"/>
+              <a:off x="5058059" y="5325542"/>
               <a:ext cx="63202" cy="63202"/>
             </a:xfrm>
             <a:custGeom>
@@ -31836,7 +31836,7 @@
           </p:nvSpPr>
           <p:spPr>
             <a:xfrm>
-              <a:off x="4791585" y="5350655"/>
+              <a:off x="4498939" y="5350605"/>
               <a:ext cx="63202" cy="63202"/>
             </a:xfrm>
             <a:custGeom>
@@ -31879,7 +31879,7 @@
           </p:nvSpPr>
           <p:spPr>
             <a:xfrm>
-              <a:off x="4884120" y="5340487"/>
+              <a:off x="4701632" y="5340341"/>
               <a:ext cx="63202" cy="63202"/>
             </a:xfrm>
             <a:custGeom>
@@ -31922,7 +31922,7 @@
           </p:nvSpPr>
           <p:spPr>
             <a:xfrm>
-              <a:off x="4648238" y="5352973"/>
+              <a:off x="4717184" y="5352935"/>
               <a:ext cx="63202" cy="63202"/>
             </a:xfrm>
             <a:custGeom>
@@ -31965,7 +31965,7 @@
           </p:nvSpPr>
           <p:spPr>
             <a:xfrm>
-              <a:off x="4927503" y="5352908"/>
+              <a:off x="4978997" y="5352863"/>
               <a:ext cx="63202" cy="63202"/>
             </a:xfrm>
             <a:custGeom>
@@ -32008,7 +32008,7 @@
           </p:nvSpPr>
           <p:spPr>
             <a:xfrm>
-              <a:off x="4835513" y="5352992"/>
+              <a:off x="5033482" y="5352789"/>
               <a:ext cx="63202" cy="63202"/>
             </a:xfrm>
             <a:custGeom>
@@ -32051,7 +32051,7 @@
           </p:nvSpPr>
           <p:spPr>
             <a:xfrm>
-              <a:off x="4862799" y="5352846"/>
+              <a:off x="4923793" y="5352812"/>
               <a:ext cx="63202" cy="63202"/>
             </a:xfrm>
             <a:custGeom>
@@ -32094,7 +32094,7 @@
           </p:nvSpPr>
           <p:spPr>
             <a:xfrm>
-              <a:off x="5125746" y="5390060"/>
+              <a:off x="4870202" y="5390218"/>
               <a:ext cx="63202" cy="63202"/>
             </a:xfrm>
             <a:custGeom>
@@ -32137,7 +32137,7 @@
           </p:nvSpPr>
           <p:spPr>
             <a:xfrm>
-              <a:off x="4770449" y="5350969"/>
+              <a:off x="5083069" y="5351082"/>
               <a:ext cx="63202" cy="63202"/>
             </a:xfrm>
             <a:custGeom>
@@ -32180,7 +32180,7 @@
           </p:nvSpPr>
           <p:spPr>
             <a:xfrm>
-              <a:off x="4434175" y="5700724"/>
+              <a:off x="4804958" y="5700821"/>
               <a:ext cx="63202" cy="63202"/>
             </a:xfrm>
             <a:custGeom>
@@ -32223,7 +32223,7 @@
           </p:nvSpPr>
           <p:spPr>
             <a:xfrm>
-              <a:off x="6007295" y="6539793"/>
+              <a:off x="5406802" y="6539978"/>
               <a:ext cx="63202" cy="63202"/>
             </a:xfrm>
             <a:custGeom>
@@ -32266,7 +32266,7 @@
           </p:nvSpPr>
           <p:spPr>
             <a:xfrm>
-              <a:off x="4922810" y="5357812"/>
+              <a:off x="5079402" y="5357529"/>
               <a:ext cx="63202" cy="63202"/>
             </a:xfrm>
             <a:custGeom>
@@ -32309,7 +32309,7 @@
           </p:nvSpPr>
           <p:spPr>
             <a:xfrm>
-              <a:off x="4951678" y="5334821"/>
+              <a:off x="4840400" y="5334844"/>
               <a:ext cx="63202" cy="63202"/>
             </a:xfrm>
             <a:custGeom>
@@ -32352,7 +32352,7 @@
           </p:nvSpPr>
           <p:spPr>
             <a:xfrm>
-              <a:off x="4864330" y="5330267"/>
+              <a:off x="4653727" y="5330239"/>
               <a:ext cx="63202" cy="63202"/>
             </a:xfrm>
             <a:custGeom>
@@ -32395,7 +32395,7 @@
           </p:nvSpPr>
           <p:spPr>
             <a:xfrm>
-              <a:off x="4477487" y="5526453"/>
+              <a:off x="5054047" y="5526361"/>
               <a:ext cx="63202" cy="63202"/>
             </a:xfrm>
             <a:custGeom>
@@ -32438,7 +32438,7 @@
           </p:nvSpPr>
           <p:spPr>
             <a:xfrm>
-              <a:off x="4786764" y="5364568"/>
+              <a:off x="4977423" y="5364710"/>
               <a:ext cx="63202" cy="63202"/>
             </a:xfrm>
             <a:custGeom>
@@ -32481,7 +32481,7 @@
           </p:nvSpPr>
           <p:spPr>
             <a:xfrm>
-              <a:off x="4632019" y="5362793"/>
+              <a:off x="4438754" y="5362702"/>
               <a:ext cx="63202" cy="63202"/>
             </a:xfrm>
             <a:custGeom>
@@ -32524,7 +32524,7 @@
           </p:nvSpPr>
           <p:spPr>
             <a:xfrm>
-              <a:off x="4429603" y="5336906"/>
+              <a:off x="4787458" y="5336953"/>
               <a:ext cx="63202" cy="63202"/>
             </a:xfrm>
             <a:custGeom>
@@ -32623,7 +32623,7 @@
           </p:nvSpPr>
           <p:spPr>
             <a:xfrm>
-              <a:off x="7171360" y="2806695"/>
+              <a:off x="7171360" y="2806800"/>
               <a:ext cx="2817450" cy="0"/>
             </a:xfrm>
             <a:custGeom>
@@ -32666,7 +32666,7 @@
           </p:nvSpPr>
           <p:spPr>
             <a:xfrm>
-              <a:off x="7171360" y="2438063"/>
+              <a:off x="7171360" y="2438131"/>
               <a:ext cx="2817450" cy="0"/>
             </a:xfrm>
             <a:custGeom>
@@ -32709,7 +32709,7 @@
           </p:nvSpPr>
           <p:spPr>
             <a:xfrm>
-              <a:off x="7171360" y="2069432"/>
+              <a:off x="7171360" y="2069463"/>
               <a:ext cx="2817450" cy="0"/>
             </a:xfrm>
             <a:custGeom>
@@ -32752,7 +32752,7 @@
           </p:nvSpPr>
           <p:spPr>
             <a:xfrm>
-              <a:off x="7171360" y="1700800"/>
+              <a:off x="7171360" y="1700795"/>
               <a:ext cx="2817450" cy="0"/>
             </a:xfrm>
             <a:custGeom>
@@ -32795,7 +32795,7 @@
           </p:nvSpPr>
           <p:spPr>
             <a:xfrm>
-              <a:off x="7171360" y="2991011"/>
+              <a:off x="7171360" y="2991134"/>
               <a:ext cx="2817450" cy="0"/>
             </a:xfrm>
             <a:custGeom>
@@ -32838,7 +32838,7 @@
           </p:nvSpPr>
           <p:spPr>
             <a:xfrm>
-              <a:off x="7171360" y="2622379"/>
+              <a:off x="7171360" y="2622466"/>
               <a:ext cx="2817450" cy="0"/>
             </a:xfrm>
             <a:custGeom>
@@ -32881,7 +32881,7 @@
           </p:nvSpPr>
           <p:spPr>
             <a:xfrm>
-              <a:off x="7171360" y="2253748"/>
+              <a:off x="7171360" y="2253797"/>
               <a:ext cx="2817450" cy="0"/>
             </a:xfrm>
             <a:custGeom>
@@ -32924,7 +32924,7 @@
           </p:nvSpPr>
           <p:spPr>
             <a:xfrm>
-              <a:off x="7171360" y="1885116"/>
+              <a:off x="7171360" y="1885129"/>
               <a:ext cx="2817450" cy="0"/>
             </a:xfrm>
             <a:custGeom>
@@ -32967,7 +32967,7 @@
           </p:nvSpPr>
           <p:spPr>
             <a:xfrm>
-              <a:off x="7171360" y="1516484"/>
+              <a:off x="7171360" y="1516461"/>
               <a:ext cx="2817450" cy="0"/>
             </a:xfrm>
             <a:custGeom>
@@ -33139,7 +33139,7 @@
           </p:nvSpPr>
           <p:spPr>
             <a:xfrm>
-              <a:off x="9207878" y="2937999"/>
+              <a:off x="9342314" y="2938182"/>
               <a:ext cx="63202" cy="63202"/>
             </a:xfrm>
             <a:custGeom>
@@ -33182,7 +33182,7 @@
           </p:nvSpPr>
           <p:spPr>
             <a:xfrm>
-              <a:off x="7937909" y="2180052"/>
+              <a:off x="7504773" y="2180232"/>
               <a:ext cx="63202" cy="63202"/>
             </a:xfrm>
             <a:custGeom>
@@ -33225,7 +33225,7 @@
           </p:nvSpPr>
           <p:spPr>
             <a:xfrm>
-              <a:off x="7642581" y="2187775"/>
+              <a:off x="7348520" y="2187787"/>
               <a:ext cx="63202" cy="63202"/>
             </a:xfrm>
             <a:custGeom>
@@ -33268,7 +33268,7 @@
           </p:nvSpPr>
           <p:spPr>
             <a:xfrm>
-              <a:off x="7596945" y="2209733"/>
+              <a:off x="7501880" y="2209560"/>
               <a:ext cx="63202" cy="63202"/>
             </a:xfrm>
             <a:custGeom>
@@ -33311,7 +33311,7 @@
           </p:nvSpPr>
           <p:spPr>
             <a:xfrm>
-              <a:off x="7391668" y="2200630"/>
+              <a:off x="7580244" y="2200700"/>
               <a:ext cx="63202" cy="63202"/>
             </a:xfrm>
             <a:custGeom>
@@ -33354,7 +33354,7 @@
           </p:nvSpPr>
           <p:spPr>
             <a:xfrm>
-              <a:off x="7978052" y="2106115"/>
+              <a:off x="7858570" y="2105996"/>
               <a:ext cx="63202" cy="63202"/>
             </a:xfrm>
             <a:custGeom>
@@ -33397,7 +33397,7 @@
           </p:nvSpPr>
           <p:spPr>
             <a:xfrm>
-              <a:off x="8815381" y="2267013"/>
+              <a:off x="8473439" y="2267317"/>
               <a:ext cx="63202" cy="63202"/>
             </a:xfrm>
             <a:custGeom>
@@ -33440,7 +33440,7 @@
           </p:nvSpPr>
           <p:spPr>
             <a:xfrm>
-              <a:off x="7921470" y="2178385"/>
+              <a:off x="7680335" y="2178412"/>
               <a:ext cx="63202" cy="63202"/>
             </a:xfrm>
             <a:custGeom>
@@ -33483,7 +33483,7 @@
           </p:nvSpPr>
           <p:spPr>
             <a:xfrm>
-              <a:off x="7635804" y="2200335"/>
+              <a:off x="7950984" y="2200374"/>
               <a:ext cx="63202" cy="63202"/>
             </a:xfrm>
             <a:custGeom>
@@ -33526,7 +33526,7 @@
           </p:nvSpPr>
           <p:spPr>
             <a:xfrm>
-              <a:off x="7327124" y="2194482"/>
+              <a:off x="7891113" y="2194672"/>
               <a:ext cx="63202" cy="63202"/>
             </a:xfrm>
             <a:custGeom>
@@ -33569,7 +33569,7 @@
           </p:nvSpPr>
           <p:spPr>
             <a:xfrm>
-              <a:off x="8690514" y="2267622"/>
+              <a:off x="8842421" y="2267514"/>
               <a:ext cx="63202" cy="63202"/>
             </a:xfrm>
             <a:custGeom>
@@ -33612,7 +33612,7 @@
           </p:nvSpPr>
           <p:spPr>
             <a:xfrm>
-              <a:off x="8892647" y="2340101"/>
+              <a:off x="8366700" y="2340155"/>
               <a:ext cx="63202" cy="63202"/>
             </a:xfrm>
             <a:custGeom>
@@ -33655,7 +33655,7 @@
           </p:nvSpPr>
           <p:spPr>
             <a:xfrm>
-              <a:off x="8891703" y="2269014"/>
+              <a:off x="8254721" y="2268898"/>
               <a:ext cx="63202" cy="63202"/>
             </a:xfrm>
             <a:custGeom>
@@ -33698,7 +33698,7 @@
           </p:nvSpPr>
           <p:spPr>
             <a:xfrm>
-              <a:off x="8733415" y="2465867"/>
+              <a:off x="8237201" y="2465894"/>
               <a:ext cx="63202" cy="63202"/>
             </a:xfrm>
             <a:custGeom>
@@ -33741,7 +33741,7 @@
           </p:nvSpPr>
           <p:spPr>
             <a:xfrm>
-              <a:off x="8512607" y="2263683"/>
+              <a:off x="8266262" y="2263728"/>
               <a:ext cx="63202" cy="63202"/>
             </a:xfrm>
             <a:custGeom>
@@ -33784,7 +33784,7 @@
           </p:nvSpPr>
           <p:spPr>
             <a:xfrm>
-              <a:off x="7472449" y="2205161"/>
+              <a:off x="7483188" y="2205319"/>
               <a:ext cx="63202" cy="63202"/>
             </a:xfrm>
             <a:custGeom>
@@ -33827,7 +33827,7 @@
           </p:nvSpPr>
           <p:spPr>
             <a:xfrm>
-              <a:off x="8734329" y="2415656"/>
+              <a:off x="8900468" y="2415888"/>
               <a:ext cx="63202" cy="63202"/>
             </a:xfrm>
             <a:custGeom>
@@ -33870,7 +33870,7 @@
           </p:nvSpPr>
           <p:spPr>
             <a:xfrm>
-              <a:off x="8770337" y="2300895"/>
+              <a:off x="8431219" y="2301085"/>
               <a:ext cx="63202" cy="63202"/>
             </a:xfrm>
             <a:custGeom>
@@ -33913,7 +33913,7 @@
           </p:nvSpPr>
           <p:spPr>
             <a:xfrm>
-              <a:off x="8673568" y="2259803"/>
+              <a:off x="8584443" y="2259932"/>
               <a:ext cx="63202" cy="63202"/>
             </a:xfrm>
             <a:custGeom>
@@ -33956,7 +33956,7 @@
           </p:nvSpPr>
           <p:spPr>
             <a:xfrm>
-              <a:off x="7610446" y="2180131"/>
+              <a:off x="7753545" y="2180120"/>
               <a:ext cx="63202" cy="63202"/>
             </a:xfrm>
             <a:custGeom>
@@ -33999,7 +33999,7 @@
           </p:nvSpPr>
           <p:spPr>
             <a:xfrm>
-              <a:off x="8276765" y="2360622"/>
+              <a:off x="8438014" y="2360841"/>
               <a:ext cx="63202" cy="63202"/>
             </a:xfrm>
             <a:custGeom>
@@ -34042,7 +34042,7 @@
           </p:nvSpPr>
           <p:spPr>
             <a:xfrm>
-              <a:off x="8427977" y="2256017"/>
+              <a:off x="8668688" y="2256109"/>
               <a:ext cx="63202" cy="63202"/>
             </a:xfrm>
             <a:custGeom>
@@ -34085,7 +34085,7 @@
           </p:nvSpPr>
           <p:spPr>
             <a:xfrm>
-              <a:off x="8685349" y="2268854"/>
+              <a:off x="8459951" y="2268962"/>
               <a:ext cx="63202" cy="63202"/>
             </a:xfrm>
             <a:custGeom>
@@ -34128,7 +34128,7 @@
           </p:nvSpPr>
           <p:spPr>
             <a:xfrm>
-              <a:off x="8000049" y="2076460"/>
+              <a:off x="7749695" y="2076512"/>
               <a:ext cx="63202" cy="63202"/>
             </a:xfrm>
             <a:custGeom>
@@ -34171,7 +34171,7 @@
           </p:nvSpPr>
           <p:spPr>
             <a:xfrm>
-              <a:off x="7416914" y="2183189"/>
+              <a:off x="7924251" y="2182987"/>
               <a:ext cx="63202" cy="63202"/>
             </a:xfrm>
             <a:custGeom>
@@ -34214,7 +34214,7 @@
           </p:nvSpPr>
           <p:spPr>
             <a:xfrm>
-              <a:off x="8598072" y="2275123"/>
+              <a:off x="8336717" y="2275303"/>
               <a:ext cx="63202" cy="63202"/>
             </a:xfrm>
             <a:custGeom>
@@ -34257,7 +34257,7 @@
           </p:nvSpPr>
           <p:spPr>
             <a:xfrm>
-              <a:off x="8667214" y="2297694"/>
+              <a:off x="8277643" y="2297894"/>
               <a:ext cx="63202" cy="63202"/>
             </a:xfrm>
             <a:custGeom>
@@ -34300,7 +34300,7 @@
           </p:nvSpPr>
           <p:spPr>
             <a:xfrm>
-              <a:off x="9344749" y="2931688"/>
+              <a:off x="9482038" y="2931951"/>
               <a:ext cx="63202" cy="63202"/>
             </a:xfrm>
             <a:custGeom>
@@ -34343,7 +34343,7 @@
           </p:nvSpPr>
           <p:spPr>
             <a:xfrm>
-              <a:off x="7592138" y="2196640"/>
+              <a:off x="7695744" y="2196641"/>
               <a:ext cx="63202" cy="63202"/>
             </a:xfrm>
             <a:custGeom>
@@ -34386,7 +34386,7 @@
           </p:nvSpPr>
           <p:spPr>
             <a:xfrm>
-              <a:off x="7611896" y="2194566"/>
+              <a:off x="7793974" y="2194658"/>
               <a:ext cx="63202" cy="63202"/>
             </a:xfrm>
             <a:custGeom>
@@ -34429,7 +34429,7 @@
           </p:nvSpPr>
           <p:spPr>
             <a:xfrm>
-              <a:off x="7445534" y="2191100"/>
+              <a:off x="7648710" y="2191218"/>
               <a:ext cx="63202" cy="63202"/>
             </a:xfrm>
             <a:custGeom>
@@ -34472,7 +34472,7 @@
           </p:nvSpPr>
           <p:spPr>
             <a:xfrm>
-              <a:off x="7846015" y="2191432"/>
+              <a:off x="7519700" y="2191451"/>
               <a:ext cx="63202" cy="63202"/>
             </a:xfrm>
             <a:custGeom>
@@ -34515,7 +34515,7 @@
           </p:nvSpPr>
           <p:spPr>
             <a:xfrm>
-              <a:off x="7543208" y="2193329"/>
+              <a:off x="7750511" y="2193551"/>
               <a:ext cx="63202" cy="63202"/>
             </a:xfrm>
             <a:custGeom>
@@ -34558,7 +34558,7 @@
           </p:nvSpPr>
           <p:spPr>
             <a:xfrm>
-              <a:off x="7567455" y="2206727"/>
+              <a:off x="7576295" y="2206710"/>
               <a:ext cx="63202" cy="63202"/>
             </a:xfrm>
             <a:custGeom>
@@ -34601,7 +34601,7 @@
           </p:nvSpPr>
           <p:spPr>
             <a:xfrm>
-              <a:off x="8792272" y="2227912"/>
+              <a:off x="8840487" y="2228049"/>
               <a:ext cx="63202" cy="63202"/>
             </a:xfrm>
             <a:custGeom>
@@ -34644,7 +34644,7 @@
           </p:nvSpPr>
           <p:spPr>
             <a:xfrm>
-              <a:off x="8230114" y="2260830"/>
+              <a:off x="8467674" y="2260816"/>
               <a:ext cx="63202" cy="63202"/>
             </a:xfrm>
             <a:custGeom>
@@ -34687,7 +34687,7 @@
           </p:nvSpPr>
           <p:spPr>
             <a:xfrm>
-              <a:off x="8497638" y="2268144"/>
+              <a:off x="8221366" y="2268266"/>
               <a:ext cx="63202" cy="63202"/>
             </a:xfrm>
             <a:custGeom>
@@ -34730,7 +34730,7 @@
           </p:nvSpPr>
           <p:spPr>
             <a:xfrm>
-              <a:off x="8658725" y="2669811"/>
+              <a:off x="8216829" y="2669627"/>
               <a:ext cx="63202" cy="63202"/>
             </a:xfrm>
             <a:custGeom>
@@ -34773,7 +34773,7 @@
           </p:nvSpPr>
           <p:spPr>
             <a:xfrm>
-              <a:off x="7414459" y="2209915"/>
+              <a:off x="7961382" y="2210113"/>
               <a:ext cx="63202" cy="63202"/>
             </a:xfrm>
             <a:custGeom>
@@ -34816,7 +34816,7 @@
           </p:nvSpPr>
           <p:spPr>
             <a:xfrm>
-              <a:off x="7929909" y="2000686"/>
+              <a:off x="7562667" y="2000716"/>
               <a:ext cx="63202" cy="63202"/>
             </a:xfrm>
             <a:custGeom>
@@ -34859,7 +34859,7 @@
           </p:nvSpPr>
           <p:spPr>
             <a:xfrm>
-              <a:off x="7450160" y="2059280"/>
+              <a:off x="7417459" y="2059189"/>
               <a:ext cx="63202" cy="63202"/>
             </a:xfrm>
             <a:custGeom>
@@ -34902,7 +34902,7 @@
           </p:nvSpPr>
           <p:spPr>
             <a:xfrm>
-              <a:off x="7610492" y="2204450"/>
+              <a:off x="7575939" y="2204588"/>
               <a:ext cx="63202" cy="63202"/>
             </a:xfrm>
             <a:custGeom>
@@ -34945,7 +34945,7 @@
           </p:nvSpPr>
           <p:spPr>
             <a:xfrm>
-              <a:off x="7787362" y="2207997"/>
+              <a:off x="7696753" y="2208334"/>
               <a:ext cx="63202" cy="63202"/>
             </a:xfrm>
             <a:custGeom>
@@ -34988,7 +34988,7 @@
           </p:nvSpPr>
           <p:spPr>
             <a:xfrm>
-              <a:off x="7966385" y="2207827"/>
+              <a:off x="7535824" y="2207852"/>
               <a:ext cx="63202" cy="63202"/>
             </a:xfrm>
             <a:custGeom>
@@ -35031,7 +35031,7 @@
           </p:nvSpPr>
           <p:spPr>
             <a:xfrm>
-              <a:off x="7891985" y="2203747"/>
+              <a:off x="7860840" y="2203786"/>
               <a:ext cx="63202" cy="63202"/>
             </a:xfrm>
             <a:custGeom>
@@ -35074,7 +35074,7 @@
           </p:nvSpPr>
           <p:spPr>
             <a:xfrm>
-              <a:off x="7396723" y="2200659"/>
+              <a:off x="7549108" y="2200932"/>
               <a:ext cx="63202" cy="63202"/>
             </a:xfrm>
             <a:custGeom>
@@ -35173,7 +35173,7 @@
           </p:nvSpPr>
           <p:spPr>
             <a:xfrm>
-              <a:off x="7171360" y="4732028"/>
+              <a:off x="7171360" y="4732132"/>
               <a:ext cx="2817450" cy="0"/>
             </a:xfrm>
             <a:custGeom>
@@ -35216,7 +35216,7 @@
           </p:nvSpPr>
           <p:spPr>
             <a:xfrm>
-              <a:off x="7171360" y="4363396"/>
+              <a:off x="7171360" y="4363464"/>
               <a:ext cx="2817450" cy="0"/>
             </a:xfrm>
             <a:custGeom>
@@ -35259,7 +35259,7 @@
           </p:nvSpPr>
           <p:spPr>
             <a:xfrm>
-              <a:off x="7171360" y="3994764"/>
+              <a:off x="7171360" y="3994796"/>
               <a:ext cx="2817450" cy="0"/>
             </a:xfrm>
             <a:custGeom>
@@ -35302,7 +35302,7 @@
           </p:nvSpPr>
           <p:spPr>
             <a:xfrm>
-              <a:off x="7171360" y="3626133"/>
+              <a:off x="7171360" y="3626128"/>
               <a:ext cx="2817450" cy="0"/>
             </a:xfrm>
             <a:custGeom>
@@ -35345,7 +35345,7 @@
           </p:nvSpPr>
           <p:spPr>
             <a:xfrm>
-              <a:off x="7171360" y="4916343"/>
+              <a:off x="7171360" y="4916466"/>
               <a:ext cx="2817450" cy="0"/>
             </a:xfrm>
             <a:custGeom>
@@ -35388,7 +35388,7 @@
           </p:nvSpPr>
           <p:spPr>
             <a:xfrm>
-              <a:off x="7171360" y="4547712"/>
+              <a:off x="7171360" y="4547798"/>
               <a:ext cx="2817450" cy="0"/>
             </a:xfrm>
             <a:custGeom>
@@ -35431,7 +35431,7 @@
           </p:nvSpPr>
           <p:spPr>
             <a:xfrm>
-              <a:off x="7171360" y="4179080"/>
+              <a:off x="7171360" y="4179130"/>
               <a:ext cx="2817450" cy="0"/>
             </a:xfrm>
             <a:custGeom>
@@ -35474,7 +35474,7 @@
           </p:nvSpPr>
           <p:spPr>
             <a:xfrm>
-              <a:off x="7171360" y="3810449"/>
+              <a:off x="7171360" y="3810462"/>
               <a:ext cx="2817450" cy="0"/>
             </a:xfrm>
             <a:custGeom>
@@ -35517,7 +35517,7 @@
           </p:nvSpPr>
           <p:spPr>
             <a:xfrm>
-              <a:off x="7171360" y="3441817"/>
+              <a:off x="7171360" y="3441794"/>
               <a:ext cx="2817450" cy="0"/>
             </a:xfrm>
             <a:custGeom>
@@ -35689,7 +35689,7 @@
           </p:nvSpPr>
           <p:spPr>
             <a:xfrm>
-              <a:off x="8647609" y="4217453"/>
+              <a:off x="8268805" y="4217686"/>
               <a:ext cx="63202" cy="63202"/>
             </a:xfrm>
             <a:custGeom>
@@ -35732,7 +35732,7 @@
           </p:nvSpPr>
           <p:spPr>
             <a:xfrm>
-              <a:off x="8448892" y="4539243"/>
+              <a:off x="8268517" y="4539529"/>
               <a:ext cx="63202" cy="63202"/>
             </a:xfrm>
             <a:custGeom>
@@ -35775,7 +35775,7 @@
           </p:nvSpPr>
           <p:spPr>
             <a:xfrm>
-              <a:off x="9395086" y="4788234"/>
+              <a:off x="9130674" y="4788166"/>
               <a:ext cx="63202" cy="63202"/>
             </a:xfrm>
             <a:custGeom>
@@ -35818,7 +35818,7 @@
           </p:nvSpPr>
           <p:spPr>
             <a:xfrm>
-              <a:off x="9182890" y="4878746"/>
+              <a:off x="9224970" y="4878985"/>
               <a:ext cx="63202" cy="63202"/>
             </a:xfrm>
             <a:custGeom>
@@ -35861,7 +35861,7 @@
           </p:nvSpPr>
           <p:spPr>
             <a:xfrm>
-              <a:off x="9397358" y="4830932"/>
+              <a:off x="9389159" y="4830999"/>
               <a:ext cx="63202" cy="63202"/>
             </a:xfrm>
             <a:custGeom>
@@ -35904,7 +35904,7 @@
           </p:nvSpPr>
           <p:spPr>
             <a:xfrm>
-              <a:off x="8457307" y="4411899"/>
+              <a:off x="8690594" y="4411883"/>
               <a:ext cx="63202" cy="63202"/>
             </a:xfrm>
             <a:custGeom>
@@ -35947,7 +35947,7 @@
           </p:nvSpPr>
           <p:spPr>
             <a:xfrm>
-              <a:off x="8827164" y="4674532"/>
+              <a:off x="8486936" y="4674701"/>
               <a:ext cx="63202" cy="63202"/>
             </a:xfrm>
             <a:custGeom>
@@ -35990,7 +35990,7 @@
           </p:nvSpPr>
           <p:spPr>
             <a:xfrm>
-              <a:off x="8230005" y="4195154"/>
+              <a:off x="8252519" y="4195075"/>
               <a:ext cx="63202" cy="63202"/>
             </a:xfrm>
             <a:custGeom>
@@ -36033,7 +36033,7 @@
           </p:nvSpPr>
           <p:spPr>
             <a:xfrm>
-              <a:off x="9199806" y="4816976"/>
+              <a:off x="9429086" y="4817138"/>
               <a:ext cx="63202" cy="63202"/>
             </a:xfrm>
             <a:custGeom>
@@ -36076,7 +36076,7 @@
           </p:nvSpPr>
           <p:spPr>
             <a:xfrm>
-              <a:off x="8704827" y="4565772"/>
+              <a:off x="8781337" y="4565898"/>
               <a:ext cx="63202" cy="63202"/>
             </a:xfrm>
             <a:custGeom>
@@ -36119,7 +36119,7 @@
           </p:nvSpPr>
           <p:spPr>
             <a:xfrm>
-              <a:off x="8570408" y="4575367"/>
+              <a:off x="8203710" y="4575579"/>
               <a:ext cx="63202" cy="63202"/>
             </a:xfrm>
             <a:custGeom>
@@ -36162,7 +36162,7 @@
           </p:nvSpPr>
           <p:spPr>
             <a:xfrm>
-              <a:off x="8271583" y="4152305"/>
+              <a:off x="8844370" y="4152237"/>
               <a:ext cx="63202" cy="63202"/>
             </a:xfrm>
             <a:custGeom>
@@ -36205,7 +36205,7 @@
           </p:nvSpPr>
           <p:spPr>
             <a:xfrm>
-              <a:off x="8785247" y="4250717"/>
+              <a:off x="8603920" y="4250785"/>
               <a:ext cx="63202" cy="63202"/>
             </a:xfrm>
             <a:custGeom>
@@ -36248,7 +36248,7 @@
           </p:nvSpPr>
           <p:spPr>
             <a:xfrm>
-              <a:off x="9354011" y="4731387"/>
+              <a:off x="9504665" y="4731588"/>
               <a:ext cx="63202" cy="63202"/>
             </a:xfrm>
             <a:custGeom>
@@ -37743,7 +37743,7 @@
           </p:nvSpPr>
           <p:spPr>
             <a:xfrm>
-              <a:off x="1148183" y="2949319"/>
+              <a:off x="1148183" y="2949442"/>
               <a:ext cx="186466" cy="81691"/>
             </a:xfrm>
             <a:prstGeom prst="rect">
@@ -37789,7 +37789,7 @@
           </p:nvSpPr>
           <p:spPr>
             <a:xfrm>
-              <a:off x="1148183" y="2580688"/>
+              <a:off x="1148183" y="2580774"/>
               <a:ext cx="186466" cy="81691"/>
             </a:xfrm>
             <a:prstGeom prst="rect">
@@ -37835,7 +37835,7 @@
           </p:nvSpPr>
           <p:spPr>
             <a:xfrm>
-              <a:off x="1148183" y="2212001"/>
+              <a:off x="1148183" y="2212051"/>
               <a:ext cx="186466" cy="81746"/>
             </a:xfrm>
             <a:prstGeom prst="rect">
@@ -37881,7 +37881,7 @@
           </p:nvSpPr>
           <p:spPr>
             <a:xfrm>
-              <a:off x="1148183" y="1843424"/>
+              <a:off x="1148183" y="1843438"/>
               <a:ext cx="186466" cy="81691"/>
             </a:xfrm>
             <a:prstGeom prst="rect">
@@ -37927,7 +37927,7 @@
           </p:nvSpPr>
           <p:spPr>
             <a:xfrm>
-              <a:off x="1148183" y="1474793"/>
+              <a:off x="1148183" y="1474769"/>
               <a:ext cx="186466" cy="81691"/>
             </a:xfrm>
             <a:prstGeom prst="rect">
@@ -37973,7 +37973,7 @@
           </p:nvSpPr>
           <p:spPr>
             <a:xfrm>
-              <a:off x="1362485" y="2991011"/>
+              <a:off x="1362485" y="2991134"/>
               <a:ext cx="34794" cy="0"/>
             </a:xfrm>
             <a:custGeom>
@@ -38013,7 +38013,7 @@
           </p:nvSpPr>
           <p:spPr>
             <a:xfrm>
-              <a:off x="1362485" y="2622379"/>
+              <a:off x="1362485" y="2622466"/>
               <a:ext cx="34794" cy="0"/>
             </a:xfrm>
             <a:custGeom>
@@ -38053,7 +38053,7 @@
           </p:nvSpPr>
           <p:spPr>
             <a:xfrm>
-              <a:off x="1362485" y="2253748"/>
+              <a:off x="1362485" y="2253797"/>
               <a:ext cx="34794" cy="0"/>
             </a:xfrm>
             <a:custGeom>
@@ -38093,7 +38093,7 @@
           </p:nvSpPr>
           <p:spPr>
             <a:xfrm>
-              <a:off x="1362485" y="1885116"/>
+              <a:off x="1362485" y="1885129"/>
               <a:ext cx="34794" cy="0"/>
             </a:xfrm>
             <a:custGeom>
@@ -38133,7 +38133,7 @@
           </p:nvSpPr>
           <p:spPr>
             <a:xfrm>
-              <a:off x="1362485" y="1516484"/>
+              <a:off x="1362485" y="1516461"/>
               <a:ext cx="34794" cy="0"/>
             </a:xfrm>
             <a:custGeom>
@@ -38173,7 +38173,7 @@
           </p:nvSpPr>
           <p:spPr>
             <a:xfrm>
-              <a:off x="1148183" y="4874652"/>
+              <a:off x="1148183" y="4874775"/>
               <a:ext cx="186466" cy="81691"/>
             </a:xfrm>
             <a:prstGeom prst="rect">
@@ -38219,7 +38219,7 @@
           </p:nvSpPr>
           <p:spPr>
             <a:xfrm>
-              <a:off x="1148183" y="4506020"/>
+              <a:off x="1148183" y="4506106"/>
               <a:ext cx="186466" cy="81691"/>
             </a:xfrm>
             <a:prstGeom prst="rect">
@@ -38265,7 +38265,7 @@
           </p:nvSpPr>
           <p:spPr>
             <a:xfrm>
-              <a:off x="1148183" y="4137334"/>
+              <a:off x="1148183" y="4137384"/>
               <a:ext cx="186466" cy="81746"/>
             </a:xfrm>
             <a:prstGeom prst="rect">
@@ -38311,7 +38311,7 @@
           </p:nvSpPr>
           <p:spPr>
             <a:xfrm>
-              <a:off x="1148183" y="3768757"/>
+              <a:off x="1148183" y="3768770"/>
               <a:ext cx="186466" cy="81691"/>
             </a:xfrm>
             <a:prstGeom prst="rect">
@@ -38357,7 +38357,7 @@
           </p:nvSpPr>
           <p:spPr>
             <a:xfrm>
-              <a:off x="1148183" y="3400125"/>
+              <a:off x="1148183" y="3400102"/>
               <a:ext cx="186466" cy="81691"/>
             </a:xfrm>
             <a:prstGeom prst="rect">
@@ -38403,7 +38403,7 @@
           </p:nvSpPr>
           <p:spPr>
             <a:xfrm>
-              <a:off x="1362485" y="4916343"/>
+              <a:off x="1362485" y="4916466"/>
               <a:ext cx="34794" cy="0"/>
             </a:xfrm>
             <a:custGeom>
@@ -38443,7 +38443,7 @@
           </p:nvSpPr>
           <p:spPr>
             <a:xfrm>
-              <a:off x="1362485" y="4547712"/>
+              <a:off x="1362485" y="4547798"/>
               <a:ext cx="34794" cy="0"/>
             </a:xfrm>
             <a:custGeom>
@@ -38483,7 +38483,7 @@
           </p:nvSpPr>
           <p:spPr>
             <a:xfrm>
-              <a:off x="1362485" y="4179080"/>
+              <a:off x="1362485" y="4179130"/>
               <a:ext cx="34794" cy="0"/>
             </a:xfrm>
             <a:custGeom>
@@ -38523,7 +38523,7 @@
           </p:nvSpPr>
           <p:spPr>
             <a:xfrm>
-              <a:off x="1362485" y="3810449"/>
+              <a:off x="1362485" y="3810462"/>
               <a:ext cx="34794" cy="0"/>
             </a:xfrm>
             <a:custGeom>
@@ -38563,7 +38563,7 @@
           </p:nvSpPr>
           <p:spPr>
             <a:xfrm>
-              <a:off x="1362485" y="3441817"/>
+              <a:off x="1362485" y="3441794"/>
               <a:ext cx="34794" cy="0"/>
             </a:xfrm>
             <a:custGeom>
@@ -38603,7 +38603,7 @@
           </p:nvSpPr>
           <p:spPr>
             <a:xfrm>
-              <a:off x="1148183" y="6799984"/>
+              <a:off x="1148183" y="6800107"/>
               <a:ext cx="186466" cy="81691"/>
             </a:xfrm>
             <a:prstGeom prst="rect">
@@ -38649,7 +38649,7 @@
           </p:nvSpPr>
           <p:spPr>
             <a:xfrm>
-              <a:off x="1148183" y="6431353"/>
+              <a:off x="1148183" y="6431439"/>
               <a:ext cx="186466" cy="81691"/>
             </a:xfrm>
             <a:prstGeom prst="rect">
@@ -38695,7 +38695,7 @@
           </p:nvSpPr>
           <p:spPr>
             <a:xfrm>
-              <a:off x="1148183" y="6062667"/>
+              <a:off x="1148183" y="6062716"/>
               <a:ext cx="186466" cy="81746"/>
             </a:xfrm>
             <a:prstGeom prst="rect">
@@ -38741,7 +38741,7 @@
           </p:nvSpPr>
           <p:spPr>
             <a:xfrm>
-              <a:off x="1148183" y="5694089"/>
+              <a:off x="1148183" y="5694103"/>
               <a:ext cx="186466" cy="81691"/>
             </a:xfrm>
             <a:prstGeom prst="rect">
@@ -38787,7 +38787,7 @@
           </p:nvSpPr>
           <p:spPr>
             <a:xfrm>
-              <a:off x="1148183" y="5325458"/>
+              <a:off x="1148183" y="5325434"/>
               <a:ext cx="186466" cy="81691"/>
             </a:xfrm>
             <a:prstGeom prst="rect">
@@ -38833,7 +38833,7 @@
           </p:nvSpPr>
           <p:spPr>
             <a:xfrm>
-              <a:off x="1362485" y="6841676"/>
+              <a:off x="1362485" y="6841799"/>
               <a:ext cx="34794" cy="0"/>
             </a:xfrm>
             <a:custGeom>
@@ -38873,7 +38873,7 @@
           </p:nvSpPr>
           <p:spPr>
             <a:xfrm>
-              <a:off x="1362485" y="6473044"/>
+              <a:off x="1362485" y="6473131"/>
               <a:ext cx="34794" cy="0"/>
             </a:xfrm>
             <a:custGeom>
@@ -38913,7 +38913,7 @@
           </p:nvSpPr>
           <p:spPr>
             <a:xfrm>
-              <a:off x="1362485" y="6104413"/>
+              <a:off x="1362485" y="6104463"/>
               <a:ext cx="34794" cy="0"/>
             </a:xfrm>
             <a:custGeom>
@@ -38953,7 +38953,7 @@
           </p:nvSpPr>
           <p:spPr>
             <a:xfrm>
-              <a:off x="1362485" y="5735781"/>
+              <a:off x="1362485" y="5735794"/>
               <a:ext cx="34794" cy="0"/>
             </a:xfrm>
             <a:custGeom>
@@ -38993,7 +38993,7 @@
           </p:nvSpPr>
           <p:spPr>
             <a:xfrm>
-              <a:off x="1362485" y="5367150"/>
+              <a:off x="1362485" y="5367126"/>
               <a:ext cx="34794" cy="0"/>
             </a:xfrm>
             <a:custGeom>

--- a/Images/Figures_PPT/Jitter_Plot_LST8_Domain.pptx
+++ b/Images/Figures_PPT/Jitter_Plot_LST8_Domain.pptx
@@ -2359,7 +2359,7 @@
           </p:nvSpPr>
           <p:spPr>
             <a:xfrm>
-              <a:off x="1397280" y="2806800"/>
+              <a:off x="1397280" y="2806689"/>
               <a:ext cx="2817450" cy="0"/>
             </a:xfrm>
             <a:custGeom>
@@ -2402,7 +2402,7 @@
           </p:nvSpPr>
           <p:spPr>
             <a:xfrm>
-              <a:off x="1397280" y="2438131"/>
+              <a:off x="1397280" y="2438007"/>
               <a:ext cx="2817450" cy="0"/>
             </a:xfrm>
             <a:custGeom>
@@ -2445,7 +2445,7 @@
           </p:nvSpPr>
           <p:spPr>
             <a:xfrm>
-              <a:off x="1397280" y="2069463"/>
+              <a:off x="1397280" y="2069325"/>
               <a:ext cx="2817450" cy="0"/>
             </a:xfrm>
             <a:custGeom>
@@ -2488,7 +2488,7 @@
           </p:nvSpPr>
           <p:spPr>
             <a:xfrm>
-              <a:off x="1397280" y="1700795"/>
+              <a:off x="1397280" y="1700642"/>
               <a:ext cx="2817450" cy="0"/>
             </a:xfrm>
             <a:custGeom>
@@ -2531,7 +2531,7 @@
           </p:nvSpPr>
           <p:spPr>
             <a:xfrm>
-              <a:off x="1397280" y="2991134"/>
+              <a:off x="1397280" y="2991030"/>
               <a:ext cx="2817450" cy="0"/>
             </a:xfrm>
             <a:custGeom>
@@ -2574,7 +2574,7 @@
           </p:nvSpPr>
           <p:spPr>
             <a:xfrm>
-              <a:off x="1397280" y="2622466"/>
+              <a:off x="1397280" y="2622348"/>
               <a:ext cx="2817450" cy="0"/>
             </a:xfrm>
             <a:custGeom>
@@ -2617,7 +2617,7 @@
           </p:nvSpPr>
           <p:spPr>
             <a:xfrm>
-              <a:off x="1397280" y="2253797"/>
+              <a:off x="1397280" y="2253666"/>
               <a:ext cx="2817450" cy="0"/>
             </a:xfrm>
             <a:custGeom>
@@ -2660,7 +2660,7 @@
           </p:nvSpPr>
           <p:spPr>
             <a:xfrm>
-              <a:off x="1397280" y="1885129"/>
+              <a:off x="1397280" y="1884983"/>
               <a:ext cx="2817450" cy="0"/>
             </a:xfrm>
             <a:custGeom>
@@ -2703,7 +2703,7 @@
           </p:nvSpPr>
           <p:spPr>
             <a:xfrm>
-              <a:off x="1397280" y="1516461"/>
+              <a:off x="1397280" y="1516301"/>
               <a:ext cx="2817450" cy="0"/>
             </a:xfrm>
             <a:custGeom>
@@ -2875,7 +2875,7 @@
           </p:nvSpPr>
           <p:spPr>
             <a:xfrm>
-              <a:off x="2432766" y="2231800"/>
+              <a:off x="2766667" y="2231564"/>
               <a:ext cx="63202" cy="63202"/>
             </a:xfrm>
             <a:custGeom>
@@ -2918,7 +2918,7 @@
           </p:nvSpPr>
           <p:spPr>
             <a:xfrm>
-              <a:off x="1735642" y="2183438"/>
+              <a:off x="1862521" y="2183363"/>
               <a:ext cx="63202" cy="63202"/>
             </a:xfrm>
             <a:custGeom>
@@ -2961,7 +2961,7 @@
           </p:nvSpPr>
           <p:spPr>
             <a:xfrm>
-              <a:off x="3745108" y="2937434"/>
+              <a:off x="3767428" y="2937360"/>
               <a:ext cx="63202" cy="63202"/>
             </a:xfrm>
             <a:custGeom>
@@ -3004,7 +3004,7 @@
           </p:nvSpPr>
           <p:spPr>
             <a:xfrm>
-              <a:off x="3948337" y="2875570"/>
+              <a:off x="3332359" y="2875371"/>
               <a:ext cx="63202" cy="63202"/>
             </a:xfrm>
             <a:custGeom>
@@ -3047,7 +3047,7 @@
           </p:nvSpPr>
           <p:spPr>
             <a:xfrm>
-              <a:off x="3539015" y="2917744"/>
+              <a:off x="3407004" y="2917696"/>
               <a:ext cx="63202" cy="63202"/>
             </a:xfrm>
             <a:custGeom>
@@ -3090,7 +3090,7 @@
           </p:nvSpPr>
           <p:spPr>
             <a:xfrm>
-              <a:off x="1901559" y="2216359"/>
+              <a:off x="1858218" y="2216311"/>
               <a:ext cx="63202" cy="63202"/>
             </a:xfrm>
             <a:custGeom>
@@ -3133,7 +3133,7 @@
           </p:nvSpPr>
           <p:spPr>
             <a:xfrm>
-              <a:off x="2844959" y="2328710"/>
+              <a:off x="3085961" y="2328742"/>
               <a:ext cx="63202" cy="63202"/>
             </a:xfrm>
             <a:custGeom>
@@ -3176,7 +3176,7 @@
           </p:nvSpPr>
           <p:spPr>
             <a:xfrm>
-              <a:off x="3465430" y="2887404"/>
+              <a:off x="3667327" y="2887223"/>
               <a:ext cx="63202" cy="63202"/>
             </a:xfrm>
             <a:custGeom>
@@ -3219,7 +3219,7 @@
           </p:nvSpPr>
           <p:spPr>
             <a:xfrm>
-              <a:off x="1581517" y="2152616"/>
+              <a:off x="1697613" y="2152362"/>
               <a:ext cx="63202" cy="63202"/>
             </a:xfrm>
             <a:custGeom>
@@ -3262,7 +3262,7 @@
           </p:nvSpPr>
           <p:spPr>
             <a:xfrm>
-              <a:off x="3831251" y="2875037"/>
+              <a:off x="3607823" y="2875028"/>
               <a:ext cx="63202" cy="63202"/>
             </a:xfrm>
             <a:custGeom>
@@ -3305,7 +3305,7 @@
           </p:nvSpPr>
           <p:spPr>
             <a:xfrm>
-              <a:off x="3024393" y="2506162"/>
+              <a:off x="2915670" y="2505857"/>
               <a:ext cx="63202" cy="63202"/>
             </a:xfrm>
             <a:custGeom>
@@ -3348,7 +3348,7 @@
           </p:nvSpPr>
           <p:spPr>
             <a:xfrm>
-              <a:off x="3947536" y="2896381"/>
+              <a:off x="3634092" y="2896524"/>
               <a:ext cx="63202" cy="63202"/>
             </a:xfrm>
             <a:custGeom>
@@ -3391,7 +3391,7 @@
           </p:nvSpPr>
           <p:spPr>
             <a:xfrm>
-              <a:off x="3309210" y="2893183"/>
+              <a:off x="3321337" y="2893090"/>
               <a:ext cx="63202" cy="63202"/>
             </a:xfrm>
             <a:custGeom>
@@ -3434,7 +3434,7 @@
           </p:nvSpPr>
           <p:spPr>
             <a:xfrm>
-              <a:off x="2072393" y="2152486"/>
+              <a:off x="2226510" y="2152308"/>
               <a:ext cx="63202" cy="63202"/>
             </a:xfrm>
             <a:custGeom>
@@ -3477,7 +3477,7 @@
           </p:nvSpPr>
           <p:spPr>
             <a:xfrm>
-              <a:off x="3649953" y="2921574"/>
+              <a:off x="3462531" y="2921429"/>
               <a:ext cx="63202" cy="63202"/>
             </a:xfrm>
             <a:custGeom>
@@ -3520,7 +3520,7 @@
           </p:nvSpPr>
           <p:spPr>
             <a:xfrm>
-              <a:off x="2619034" y="2436625"/>
+              <a:off x="2833969" y="2436739"/>
               <a:ext cx="63202" cy="63202"/>
             </a:xfrm>
             <a:custGeom>
@@ -3563,7 +3563,7 @@
           </p:nvSpPr>
           <p:spPr>
             <a:xfrm>
-              <a:off x="3508343" y="2896524"/>
+              <a:off x="3682358" y="2896340"/>
               <a:ext cx="63202" cy="63202"/>
             </a:xfrm>
             <a:custGeom>
@@ -3606,7 +3606,7 @@
           </p:nvSpPr>
           <p:spPr>
             <a:xfrm>
-              <a:off x="3488067" y="2896481"/>
+              <a:off x="3648308" y="2896382"/>
               <a:ext cx="63202" cy="63202"/>
             </a:xfrm>
             <a:custGeom>
@@ -3649,7 +3649,7 @@
           </p:nvSpPr>
           <p:spPr>
             <a:xfrm>
-              <a:off x="3920226" y="2893083"/>
+              <a:off x="3759528" y="2893013"/>
               <a:ext cx="63202" cy="63202"/>
             </a:xfrm>
             <a:custGeom>
@@ -3692,7 +3692,7 @@
           </p:nvSpPr>
           <p:spPr>
             <a:xfrm>
-              <a:off x="3815397" y="2896616"/>
+              <a:off x="3694608" y="2896482"/>
               <a:ext cx="63202" cy="63202"/>
             </a:xfrm>
             <a:custGeom>
@@ -3735,7 +3735,7 @@
           </p:nvSpPr>
           <p:spPr>
             <a:xfrm>
-              <a:off x="3543111" y="2896392"/>
+              <a:off x="3902489" y="2896494"/>
               <a:ext cx="63202" cy="63202"/>
             </a:xfrm>
             <a:custGeom>
@@ -3778,7 +3778,7 @@
           </p:nvSpPr>
           <p:spPr>
             <a:xfrm>
-              <a:off x="3402948" y="2893127"/>
+              <a:off x="3929717" y="2892961"/>
               <a:ext cx="63202" cy="63202"/>
             </a:xfrm>
             <a:custGeom>
@@ -3821,7 +3821,7 @@
           </p:nvSpPr>
           <p:spPr>
             <a:xfrm>
-              <a:off x="3310032" y="2896569"/>
+              <a:off x="3807500" y="2896264"/>
               <a:ext cx="63202" cy="63202"/>
             </a:xfrm>
             <a:custGeom>
@@ -3864,7 +3864,7 @@
           </p:nvSpPr>
           <p:spPr>
             <a:xfrm>
-              <a:off x="3816110" y="2890905"/>
+              <a:off x="3307728" y="2890940"/>
               <a:ext cx="63202" cy="63202"/>
             </a:xfrm>
             <a:custGeom>
@@ -3907,7 +3907,7 @@
           </p:nvSpPr>
           <p:spPr>
             <a:xfrm>
-              <a:off x="3683390" y="2888022"/>
+              <a:off x="3610206" y="2887955"/>
               <a:ext cx="63202" cy="63202"/>
             </a:xfrm>
             <a:custGeom>
@@ -3950,7 +3950,7 @@
           </p:nvSpPr>
           <p:spPr>
             <a:xfrm>
-              <a:off x="3984778" y="2896585"/>
+              <a:off x="3844215" y="2896479"/>
               <a:ext cx="63202" cy="63202"/>
             </a:xfrm>
             <a:custGeom>
@@ -3993,7 +3993,7 @@
           </p:nvSpPr>
           <p:spPr>
             <a:xfrm>
-              <a:off x="3452619" y="2901721"/>
+              <a:off x="3953866" y="2901415"/>
               <a:ext cx="63202" cy="63202"/>
             </a:xfrm>
             <a:custGeom>
@@ -4036,7 +4036,7 @@
           </p:nvSpPr>
           <p:spPr>
             <a:xfrm>
-              <a:off x="3430757" y="2905402"/>
+              <a:off x="3719520" y="2905377"/>
               <a:ext cx="63202" cy="63202"/>
             </a:xfrm>
             <a:custGeom>
@@ -4079,7 +4079,7 @@
           </p:nvSpPr>
           <p:spPr>
             <a:xfrm>
-              <a:off x="2586908" y="2226536"/>
+              <a:off x="3008266" y="2226546"/>
               <a:ext cx="63202" cy="63202"/>
             </a:xfrm>
             <a:custGeom>
@@ -4122,7 +4122,7 @@
           </p:nvSpPr>
           <p:spPr>
             <a:xfrm>
-              <a:off x="2505373" y="2238039"/>
+              <a:off x="2541800" y="2237965"/>
               <a:ext cx="63202" cy="63202"/>
             </a:xfrm>
             <a:custGeom>
@@ -4165,7 +4165,7 @@
           </p:nvSpPr>
           <p:spPr>
             <a:xfrm>
-              <a:off x="3965299" y="2892566"/>
+              <a:off x="3627011" y="2892328"/>
               <a:ext cx="63202" cy="63202"/>
             </a:xfrm>
             <a:custGeom>
@@ -4208,7 +4208,7 @@
           </p:nvSpPr>
           <p:spPr>
             <a:xfrm>
-              <a:off x="3450531" y="2928246"/>
+              <a:off x="3422996" y="2928058"/>
               <a:ext cx="63202" cy="63202"/>
             </a:xfrm>
             <a:custGeom>
@@ -4251,7 +4251,7 @@
           </p:nvSpPr>
           <p:spPr>
             <a:xfrm>
-              <a:off x="3903402" y="2896369"/>
+              <a:off x="3852115" y="2896271"/>
               <a:ext cx="63202" cy="63202"/>
             </a:xfrm>
             <a:custGeom>
@@ -4294,7 +4294,7 @@
           </p:nvSpPr>
           <p:spPr>
             <a:xfrm>
-              <a:off x="2937587" y="2483625"/>
+              <a:off x="2870440" y="2483516"/>
               <a:ext cx="63202" cy="63202"/>
             </a:xfrm>
             <a:custGeom>
@@ -4337,7 +4337,7 @@
           </p:nvSpPr>
           <p:spPr>
             <a:xfrm>
-              <a:off x="2470136" y="2501415"/>
+              <a:off x="2946329" y="2501101"/>
               <a:ext cx="63202" cy="63202"/>
             </a:xfrm>
             <a:custGeom>
@@ -4380,7 +4380,7 @@
           </p:nvSpPr>
           <p:spPr>
             <a:xfrm>
-              <a:off x="2871639" y="2338710"/>
+              <a:off x="2790232" y="2338500"/>
               <a:ext cx="63202" cy="63202"/>
             </a:xfrm>
             <a:custGeom>
@@ -4423,7 +4423,7 @@
           </p:nvSpPr>
           <p:spPr>
             <a:xfrm>
-              <a:off x="1702017" y="2145240"/>
+              <a:off x="2177119" y="2145019"/>
               <a:ext cx="63202" cy="63202"/>
             </a:xfrm>
             <a:custGeom>
@@ -4466,7 +4466,7 @@
           </p:nvSpPr>
           <p:spPr>
             <a:xfrm>
-              <a:off x="1632567" y="2151305"/>
+              <a:off x="1623122" y="2151286"/>
               <a:ext cx="63202" cy="63202"/>
             </a:xfrm>
             <a:custGeom>
@@ -4509,7 +4509,7 @@
           </p:nvSpPr>
           <p:spPr>
             <a:xfrm>
-              <a:off x="1589587" y="2154278"/>
+              <a:off x="1703600" y="2154242"/>
               <a:ext cx="63202" cy="63202"/>
             </a:xfrm>
             <a:custGeom>
@@ -4552,7 +4552,7 @@
           </p:nvSpPr>
           <p:spPr>
             <a:xfrm>
-              <a:off x="3980164" y="2921644"/>
+              <a:off x="3720857" y="2921448"/>
               <a:ext cx="63202" cy="63202"/>
             </a:xfrm>
             <a:custGeom>
@@ -4595,7 +4595,7 @@
           </p:nvSpPr>
           <p:spPr>
             <a:xfrm>
-              <a:off x="3725876" y="2874706"/>
+              <a:off x="3904863" y="2874649"/>
               <a:ext cx="63202" cy="63202"/>
             </a:xfrm>
             <a:custGeom>
@@ -4638,7 +4638,7 @@
           </p:nvSpPr>
           <p:spPr>
             <a:xfrm>
-              <a:off x="1944258" y="1954103"/>
+              <a:off x="1778342" y="1953954"/>
               <a:ext cx="63202" cy="63202"/>
             </a:xfrm>
             <a:custGeom>
@@ -4681,7 +4681,7 @@
           </p:nvSpPr>
           <p:spPr>
             <a:xfrm>
-              <a:off x="3937191" y="2935195"/>
+              <a:off x="3798525" y="2935103"/>
               <a:ext cx="63202" cy="63202"/>
             </a:xfrm>
             <a:custGeom>
@@ -4724,7 +4724,7 @@
           </p:nvSpPr>
           <p:spPr>
             <a:xfrm>
-              <a:off x="3119207" y="2299584"/>
+              <a:off x="3047188" y="2299585"/>
               <a:ext cx="63202" cy="63202"/>
             </a:xfrm>
             <a:custGeom>
@@ -4767,7 +4767,7 @@
           </p:nvSpPr>
           <p:spPr>
             <a:xfrm>
-              <a:off x="2603301" y="2416255"/>
+              <a:off x="2471226" y="2416041"/>
               <a:ext cx="63202" cy="63202"/>
             </a:xfrm>
             <a:custGeom>
@@ -4810,7 +4810,7 @@
           </p:nvSpPr>
           <p:spPr>
             <a:xfrm>
-              <a:off x="3532628" y="2862474"/>
+              <a:off x="3938358" y="2862561"/>
               <a:ext cx="63202" cy="63202"/>
             </a:xfrm>
             <a:custGeom>
@@ -4853,7 +4853,7 @@
           </p:nvSpPr>
           <p:spPr>
             <a:xfrm>
-              <a:off x="2245079" y="2155385"/>
+              <a:off x="1653660" y="2155468"/>
               <a:ext cx="63202" cy="63202"/>
             </a:xfrm>
             <a:custGeom>
@@ -4952,7 +4952,7 @@
           </p:nvSpPr>
           <p:spPr>
             <a:xfrm>
-              <a:off x="1397280" y="4732132"/>
+              <a:off x="1397280" y="4732022"/>
               <a:ext cx="2817450" cy="0"/>
             </a:xfrm>
             <a:custGeom>
@@ -4995,7 +4995,7 @@
           </p:nvSpPr>
           <p:spPr>
             <a:xfrm>
-              <a:off x="1397280" y="4363464"/>
+              <a:off x="1397280" y="4363340"/>
               <a:ext cx="2817450" cy="0"/>
             </a:xfrm>
             <a:custGeom>
@@ -5038,7 +5038,7 @@
           </p:nvSpPr>
           <p:spPr>
             <a:xfrm>
-              <a:off x="1397280" y="3994796"/>
+              <a:off x="1397280" y="3994657"/>
               <a:ext cx="2817450" cy="0"/>
             </a:xfrm>
             <a:custGeom>
@@ -5081,7 +5081,7 @@
           </p:nvSpPr>
           <p:spPr>
             <a:xfrm>
-              <a:off x="1397280" y="3626128"/>
+              <a:off x="1397280" y="3625975"/>
               <a:ext cx="2817450" cy="0"/>
             </a:xfrm>
             <a:custGeom>
@@ -5124,7 +5124,7 @@
           </p:nvSpPr>
           <p:spPr>
             <a:xfrm>
-              <a:off x="1397280" y="4916466"/>
+              <a:off x="1397280" y="4916363"/>
               <a:ext cx="2817450" cy="0"/>
             </a:xfrm>
             <a:custGeom>
@@ -5167,7 +5167,7 @@
           </p:nvSpPr>
           <p:spPr>
             <a:xfrm>
-              <a:off x="1397280" y="4547798"/>
+              <a:off x="1397280" y="4547681"/>
               <a:ext cx="2817450" cy="0"/>
             </a:xfrm>
             <a:custGeom>
@@ -5210,7 +5210,7 @@
           </p:nvSpPr>
           <p:spPr>
             <a:xfrm>
-              <a:off x="1397280" y="4179130"/>
+              <a:off x="1397280" y="4178998"/>
               <a:ext cx="2817450" cy="0"/>
             </a:xfrm>
             <a:custGeom>
@@ -5253,7 +5253,7 @@
           </p:nvSpPr>
           <p:spPr>
             <a:xfrm>
-              <a:off x="1397280" y="3810462"/>
+              <a:off x="1397280" y="3810316"/>
               <a:ext cx="2817450" cy="0"/>
             </a:xfrm>
             <a:custGeom>
@@ -5296,7 +5296,7 @@
           </p:nvSpPr>
           <p:spPr>
             <a:xfrm>
-              <a:off x="1397280" y="3441794"/>
+              <a:off x="1397280" y="3441634"/>
               <a:ext cx="2817450" cy="0"/>
             </a:xfrm>
             <a:custGeom>
@@ -5468,7 +5468,7 @@
           </p:nvSpPr>
           <p:spPr>
             <a:xfrm>
-              <a:off x="3058261" y="4532853"/>
+              <a:off x="2944050" y="4532729"/>
               <a:ext cx="63202" cy="63202"/>
             </a:xfrm>
             <a:custGeom>
@@ -5511,7 +5511,7 @@
           </p:nvSpPr>
           <p:spPr>
             <a:xfrm>
-              <a:off x="2547998" y="4471866"/>
+              <a:off x="2773125" y="4471747"/>
               <a:ext cx="63202" cy="63202"/>
             </a:xfrm>
             <a:custGeom>
@@ -5554,7 +5554,7 @@
           </p:nvSpPr>
           <p:spPr>
             <a:xfrm>
-              <a:off x="2484737" y="4537622"/>
+              <a:off x="2998231" y="4537564"/>
               <a:ext cx="63202" cy="63202"/>
             </a:xfrm>
             <a:custGeom>
@@ -5597,7 +5597,7 @@
           </p:nvSpPr>
           <p:spPr>
             <a:xfrm>
-              <a:off x="2570563" y="4565933"/>
+              <a:off x="2577942" y="4565985"/>
               <a:ext cx="63202" cy="63202"/>
             </a:xfrm>
             <a:custGeom>
@@ -5640,7 +5640,7 @@
           </p:nvSpPr>
           <p:spPr>
             <a:xfrm>
-              <a:off x="3068776" y="4536031"/>
+              <a:off x="2610796" y="4536130"/>
               <a:ext cx="63202" cy="63202"/>
             </a:xfrm>
             <a:custGeom>
@@ -5683,7 +5683,7 @@
           </p:nvSpPr>
           <p:spPr>
             <a:xfrm>
-              <a:off x="2622953" y="4566721"/>
+              <a:off x="3066336" y="4566614"/>
               <a:ext cx="63202" cy="63202"/>
             </a:xfrm>
             <a:custGeom>
@@ -5726,7 +5726,7 @@
           </p:nvSpPr>
           <p:spPr>
             <a:xfrm>
-              <a:off x="3500775" y="4708627"/>
+              <a:off x="3806838" y="4708509"/>
               <a:ext cx="63202" cy="63202"/>
             </a:xfrm>
             <a:custGeom>
@@ -5769,7 +5769,7 @@
           </p:nvSpPr>
           <p:spPr>
             <a:xfrm>
-              <a:off x="2542479" y="4496755"/>
+              <a:off x="2601156" y="4496515"/>
               <a:ext cx="63202" cy="63202"/>
             </a:xfrm>
             <a:custGeom>
@@ -5812,7 +5812,7 @@
           </p:nvSpPr>
           <p:spPr>
             <a:xfrm>
-              <a:off x="3457591" y="4812244"/>
+              <a:off x="3499890" y="4812096"/>
               <a:ext cx="63202" cy="63202"/>
             </a:xfrm>
             <a:custGeom>
@@ -5855,7 +5855,7 @@
           </p:nvSpPr>
           <p:spPr>
             <a:xfrm>
-              <a:off x="3561028" y="4846886"/>
+              <a:off x="3574115" y="4846909"/>
               <a:ext cx="63202" cy="63202"/>
             </a:xfrm>
             <a:custGeom>
@@ -5898,7 +5898,7 @@
           </p:nvSpPr>
           <p:spPr>
             <a:xfrm>
-              <a:off x="3732217" y="4789772"/>
+              <a:off x="3961419" y="4789498"/>
               <a:ext cx="63202" cy="63202"/>
             </a:xfrm>
             <a:custGeom>
@@ -5941,7 +5941,7 @@
           </p:nvSpPr>
           <p:spPr>
             <a:xfrm>
-              <a:off x="2868225" y="4383782"/>
+              <a:off x="2478653" y="4383716"/>
               <a:ext cx="63202" cy="63202"/>
             </a:xfrm>
             <a:custGeom>
@@ -5984,7 +5984,7 @@
           </p:nvSpPr>
           <p:spPr>
             <a:xfrm>
-              <a:off x="2621873" y="4550155"/>
+              <a:off x="3110365" y="4549886"/>
               <a:ext cx="63202" cy="63202"/>
             </a:xfrm>
             <a:custGeom>
@@ -6027,7 +6027,7 @@
           </p:nvSpPr>
           <p:spPr>
             <a:xfrm>
-              <a:off x="3503915" y="4737855"/>
+              <a:off x="3480785" y="4737574"/>
               <a:ext cx="63202" cy="63202"/>
             </a:xfrm>
             <a:custGeom>
@@ -6070,7 +6070,7 @@
           </p:nvSpPr>
           <p:spPr>
             <a:xfrm>
-              <a:off x="1897280" y="3910146"/>
+              <a:off x="1601322" y="3909878"/>
               <a:ext cx="63202" cy="63202"/>
             </a:xfrm>
             <a:custGeom>
@@ -6113,7 +6113,7 @@
           </p:nvSpPr>
           <p:spPr>
             <a:xfrm>
-              <a:off x="1994164" y="3882447"/>
+              <a:off x="1647799" y="3882424"/>
               <a:ext cx="63202" cy="63202"/>
             </a:xfrm>
             <a:custGeom>
@@ -6156,7 +6156,7 @@
           </p:nvSpPr>
           <p:spPr>
             <a:xfrm>
-              <a:off x="1940129" y="3767848"/>
+              <a:off x="1559896" y="3767657"/>
               <a:ext cx="63202" cy="63202"/>
             </a:xfrm>
             <a:custGeom>
@@ -6199,7 +6199,7 @@
           </p:nvSpPr>
           <p:spPr>
             <a:xfrm>
-              <a:off x="3596611" y="4729175"/>
+              <a:off x="3598944" y="4729203"/>
               <a:ext cx="63202" cy="63202"/>
             </a:xfrm>
             <a:custGeom>
@@ -6242,7 +6242,7 @@
           </p:nvSpPr>
           <p:spPr>
             <a:xfrm>
-              <a:off x="2942349" y="4520747"/>
+              <a:off x="3050707" y="4520584"/>
               <a:ext cx="63202" cy="63202"/>
             </a:xfrm>
             <a:custGeom>
@@ -6285,7 +6285,7 @@
           </p:nvSpPr>
           <p:spPr>
             <a:xfrm>
-              <a:off x="2640807" y="4528392"/>
+              <a:off x="3100346" y="4528126"/>
               <a:ext cx="63202" cy="63202"/>
             </a:xfrm>
             <a:custGeom>
@@ -6328,7 +6328,7 @@
           </p:nvSpPr>
           <p:spPr>
             <a:xfrm>
-              <a:off x="3864141" y="4797785"/>
+              <a:off x="3917006" y="4797855"/>
               <a:ext cx="63202" cy="63202"/>
             </a:xfrm>
             <a:custGeom>
@@ -6427,7 +6427,7 @@
           </p:nvSpPr>
           <p:spPr>
             <a:xfrm>
-              <a:off x="1397280" y="6657465"/>
+              <a:off x="1397280" y="6657354"/>
               <a:ext cx="2817450" cy="0"/>
             </a:xfrm>
             <a:custGeom>
@@ -6470,7 +6470,7 @@
           </p:nvSpPr>
           <p:spPr>
             <a:xfrm>
-              <a:off x="1397280" y="6288797"/>
+              <a:off x="1397280" y="6288672"/>
               <a:ext cx="2817450" cy="0"/>
             </a:xfrm>
             <a:custGeom>
@@ -6513,7 +6513,7 @@
           </p:nvSpPr>
           <p:spPr>
             <a:xfrm>
-              <a:off x="1397280" y="5920128"/>
+              <a:off x="1397280" y="5919990"/>
               <a:ext cx="2817450" cy="0"/>
             </a:xfrm>
             <a:custGeom>
@@ -6556,7 +6556,7 @@
           </p:nvSpPr>
           <p:spPr>
             <a:xfrm>
-              <a:off x="1397280" y="5551460"/>
+              <a:off x="1397280" y="5551307"/>
               <a:ext cx="2817450" cy="0"/>
             </a:xfrm>
             <a:custGeom>
@@ -6599,7 +6599,7 @@
           </p:nvSpPr>
           <p:spPr>
             <a:xfrm>
-              <a:off x="1397280" y="6841799"/>
+              <a:off x="1397280" y="6841696"/>
               <a:ext cx="2817450" cy="0"/>
             </a:xfrm>
             <a:custGeom>
@@ -6642,7 +6642,7 @@
           </p:nvSpPr>
           <p:spPr>
             <a:xfrm>
-              <a:off x="1397280" y="6473131"/>
+              <a:off x="1397280" y="6473013"/>
               <a:ext cx="2817450" cy="0"/>
             </a:xfrm>
             <a:custGeom>
@@ -6685,7 +6685,7 @@
           </p:nvSpPr>
           <p:spPr>
             <a:xfrm>
-              <a:off x="1397280" y="6104463"/>
+              <a:off x="1397280" y="6104331"/>
               <a:ext cx="2817450" cy="0"/>
             </a:xfrm>
             <a:custGeom>
@@ -6728,7 +6728,7 @@
           </p:nvSpPr>
           <p:spPr>
             <a:xfrm>
-              <a:off x="1397280" y="5735794"/>
+              <a:off x="1397280" y="5735649"/>
               <a:ext cx="2817450" cy="0"/>
             </a:xfrm>
             <a:custGeom>
@@ -6771,7 +6771,7 @@
           </p:nvSpPr>
           <p:spPr>
             <a:xfrm>
-              <a:off x="1397280" y="5367126"/>
+              <a:off x="1397280" y="5366966"/>
               <a:ext cx="2817450" cy="0"/>
             </a:xfrm>
             <a:custGeom>
@@ -6943,7 +6943,7 @@
           </p:nvSpPr>
           <p:spPr>
             <a:xfrm>
-              <a:off x="1813370" y="5748799"/>
+              <a:off x="1843288" y="5748692"/>
               <a:ext cx="63202" cy="63202"/>
             </a:xfrm>
             <a:custGeom>
@@ -6986,7 +6986,7 @@
           </p:nvSpPr>
           <p:spPr>
             <a:xfrm>
-              <a:off x="1798006" y="5841369"/>
+              <a:off x="1593565" y="5841203"/>
               <a:ext cx="63202" cy="63202"/>
             </a:xfrm>
             <a:custGeom>
@@ -7029,7 +7029,7 @@
           </p:nvSpPr>
           <p:spPr>
             <a:xfrm>
-              <a:off x="1575543" y="5830213"/>
+              <a:off x="1790110" y="5830248"/>
               <a:ext cx="63202" cy="63202"/>
             </a:xfrm>
             <a:custGeom>
@@ -7072,7 +7072,7 @@
           </p:nvSpPr>
           <p:spPr>
             <a:xfrm>
-              <a:off x="1926849" y="5825973"/>
+              <a:off x="1868542" y="5825602"/>
               <a:ext cx="63202" cy="63202"/>
             </a:xfrm>
             <a:custGeom>
@@ -7115,7 +7115,7 @@
           </p:nvSpPr>
           <p:spPr>
             <a:xfrm>
-              <a:off x="3918313" y="6749309"/>
+              <a:off x="3972827" y="6749116"/>
               <a:ext cx="63202" cy="63202"/>
             </a:xfrm>
             <a:custGeom>
@@ -7158,7 +7158,7 @@
           </p:nvSpPr>
           <p:spPr>
             <a:xfrm>
-              <a:off x="2153396" y="5978972"/>
+              <a:off x="2131966" y="5978676"/>
               <a:ext cx="63202" cy="63202"/>
             </a:xfrm>
             <a:custGeom>
@@ -7201,7 +7201,7 @@
           </p:nvSpPr>
           <p:spPr>
             <a:xfrm>
-              <a:off x="2045192" y="5771264"/>
+              <a:off x="1756488" y="5771276"/>
               <a:ext cx="63202" cy="63202"/>
             </a:xfrm>
             <a:custGeom>
@@ -7244,7 +7244,7 @@
           </p:nvSpPr>
           <p:spPr>
             <a:xfrm>
-              <a:off x="1574960" y="5787520"/>
+              <a:off x="2119858" y="5787341"/>
               <a:ext cx="63202" cy="63202"/>
             </a:xfrm>
             <a:custGeom>
@@ -7287,7 +7287,7 @@
           </p:nvSpPr>
           <p:spPr>
             <a:xfrm>
-              <a:off x="1729456" y="5958097"/>
+              <a:off x="2152225" y="5958105"/>
               <a:ext cx="63202" cy="63202"/>
             </a:xfrm>
             <a:custGeom>
@@ -7330,7 +7330,7 @@
           </p:nvSpPr>
           <p:spPr>
             <a:xfrm>
-              <a:off x="1949414" y="5835862"/>
+              <a:off x="1663702" y="5835742"/>
               <a:ext cx="63202" cy="63202"/>
             </a:xfrm>
             <a:custGeom>
@@ -7373,7 +7373,7 @@
           </p:nvSpPr>
           <p:spPr>
             <a:xfrm>
-              <a:off x="1831393" y="6061882"/>
+              <a:off x="1761037" y="6061617"/>
               <a:ext cx="63202" cy="63202"/>
             </a:xfrm>
             <a:custGeom>
@@ -7416,7 +7416,7 @@
           </p:nvSpPr>
           <p:spPr>
             <a:xfrm>
-              <a:off x="3098602" y="6243257"/>
+              <a:off x="2641375" y="6243174"/>
               <a:ext cx="63202" cy="63202"/>
             </a:xfrm>
             <a:custGeom>
@@ -7459,7 +7459,7 @@
           </p:nvSpPr>
           <p:spPr>
             <a:xfrm>
-              <a:off x="2157151" y="5787542"/>
+              <a:off x="2233077" y="5787452"/>
               <a:ext cx="63202" cy="63202"/>
             </a:xfrm>
             <a:custGeom>
@@ -7502,7 +7502,7 @@
           </p:nvSpPr>
           <p:spPr>
             <a:xfrm>
-              <a:off x="1746746" y="6038832"/>
+              <a:off x="2101953" y="6038822"/>
               <a:ext cx="63202" cy="63202"/>
             </a:xfrm>
             <a:custGeom>
@@ -7545,7 +7545,7 @@
           </p:nvSpPr>
           <p:spPr>
             <a:xfrm>
-              <a:off x="2659328" y="6079851"/>
+              <a:off x="3090220" y="6079708"/>
               <a:ext cx="63202" cy="63202"/>
             </a:xfrm>
             <a:custGeom>
@@ -7588,7 +7588,7 @@
           </p:nvSpPr>
           <p:spPr>
             <a:xfrm>
-              <a:off x="1979041" y="6011635"/>
+              <a:off x="1783617" y="6011540"/>
               <a:ext cx="63202" cy="63202"/>
             </a:xfrm>
             <a:custGeom>
@@ -7631,7 +7631,7 @@
           </p:nvSpPr>
           <p:spPr>
             <a:xfrm>
-              <a:off x="1579325" y="5829977"/>
+              <a:off x="1896767" y="5829828"/>
               <a:ext cx="63202" cy="63202"/>
             </a:xfrm>
             <a:custGeom>
@@ -7674,7 +7674,7 @@
           </p:nvSpPr>
           <p:spPr>
             <a:xfrm>
-              <a:off x="2229640" y="5995421"/>
+              <a:off x="1559578" y="5995387"/>
               <a:ext cx="63202" cy="63202"/>
             </a:xfrm>
             <a:custGeom>
@@ -7717,7 +7717,7 @@
           </p:nvSpPr>
           <p:spPr>
             <a:xfrm>
-              <a:off x="1583219" y="5926986"/>
+              <a:off x="2109876" y="5926649"/>
               <a:ext cx="63202" cy="63202"/>
             </a:xfrm>
             <a:custGeom>
@@ -7760,7 +7760,7 @@
           </p:nvSpPr>
           <p:spPr>
             <a:xfrm>
-              <a:off x="1844056" y="6037908"/>
+              <a:off x="1645352" y="6037591"/>
               <a:ext cx="63202" cy="63202"/>
             </a:xfrm>
             <a:custGeom>
@@ -7803,7 +7803,7 @@
           </p:nvSpPr>
           <p:spPr>
             <a:xfrm>
-              <a:off x="2460478" y="6087861"/>
+              <a:off x="2668262" y="6087865"/>
               <a:ext cx="63202" cy="63202"/>
             </a:xfrm>
             <a:custGeom>
@@ -7846,7 +7846,7 @@
           </p:nvSpPr>
           <p:spPr>
             <a:xfrm>
-              <a:off x="2048081" y="5765650"/>
+              <a:off x="1888781" y="5765584"/>
               <a:ext cx="63202" cy="63202"/>
             </a:xfrm>
             <a:custGeom>
@@ -7889,7 +7889,7 @@
           </p:nvSpPr>
           <p:spPr>
             <a:xfrm>
-              <a:off x="2006006" y="5708338"/>
+              <a:off x="1895620" y="5708204"/>
               <a:ext cx="63202" cy="63202"/>
             </a:xfrm>
             <a:custGeom>
@@ -7932,7 +7932,7 @@
           </p:nvSpPr>
           <p:spPr>
             <a:xfrm>
-              <a:off x="1554411" y="5707551"/>
+              <a:off x="1574252" y="5707283"/>
               <a:ext cx="63202" cy="63202"/>
             </a:xfrm>
             <a:custGeom>
@@ -7975,7 +7975,7 @@
           </p:nvSpPr>
           <p:spPr>
             <a:xfrm>
-              <a:off x="1662426" y="5760174"/>
+              <a:off x="1809203" y="5760151"/>
               <a:ext cx="63202" cy="63202"/>
             </a:xfrm>
             <a:custGeom>
@@ -8018,7 +8018,7 @@
           </p:nvSpPr>
           <p:spPr>
             <a:xfrm>
-              <a:off x="2428652" y="6324801"/>
+              <a:off x="2952762" y="6324564"/>
               <a:ext cx="63202" cy="63202"/>
             </a:xfrm>
             <a:custGeom>
@@ -8061,7 +8061,7 @@
           </p:nvSpPr>
           <p:spPr>
             <a:xfrm>
-              <a:off x="1650207" y="5555652"/>
+              <a:off x="1945779" y="5555440"/>
               <a:ext cx="63202" cy="63202"/>
             </a:xfrm>
             <a:custGeom>
@@ -8104,7 +8104,7 @@
           </p:nvSpPr>
           <p:spPr>
             <a:xfrm>
-              <a:off x="2133865" y="5909901"/>
+              <a:off x="1909949" y="5909788"/>
               <a:ext cx="63202" cy="63202"/>
             </a:xfrm>
             <a:custGeom>
@@ -8147,7 +8147,7 @@
           </p:nvSpPr>
           <p:spPr>
             <a:xfrm>
-              <a:off x="2134478" y="5956344"/>
+              <a:off x="1802457" y="5956244"/>
               <a:ext cx="63202" cy="63202"/>
             </a:xfrm>
             <a:custGeom>
@@ -8190,7 +8190,7 @@
           </p:nvSpPr>
           <p:spPr>
             <a:xfrm>
-              <a:off x="2161571" y="5754196"/>
+              <a:off x="2085708" y="5754182"/>
               <a:ext cx="63202" cy="63202"/>
             </a:xfrm>
             <a:custGeom>
@@ -8233,7 +8233,7 @@
           </p:nvSpPr>
           <p:spPr>
             <a:xfrm>
-              <a:off x="1979208" y="5846940"/>
+              <a:off x="1704365" y="5846751"/>
               <a:ext cx="63202" cy="63202"/>
             </a:xfrm>
             <a:custGeom>
@@ -8276,7 +8276,7 @@
           </p:nvSpPr>
           <p:spPr>
             <a:xfrm>
-              <a:off x="1580403" y="5824479"/>
+              <a:off x="2062166" y="5824147"/>
               <a:ext cx="63202" cy="63202"/>
             </a:xfrm>
             <a:custGeom>
@@ -8319,7 +8319,7 @@
           </p:nvSpPr>
           <p:spPr>
             <a:xfrm>
-              <a:off x="3487875" y="6752939"/>
+              <a:off x="4000720" y="6752949"/>
               <a:ext cx="63202" cy="63202"/>
             </a:xfrm>
             <a:custGeom>
@@ -8362,7 +8362,7 @@
           </p:nvSpPr>
           <p:spPr>
             <a:xfrm>
-              <a:off x="1764777" y="5884328"/>
+              <a:off x="1954642" y="5884292"/>
               <a:ext cx="63202" cy="63202"/>
             </a:xfrm>
             <a:custGeom>
@@ -8405,7 +8405,7 @@
           </p:nvSpPr>
           <p:spPr>
             <a:xfrm>
-              <a:off x="1966020" y="5957756"/>
+              <a:off x="1674344" y="5957738"/>
               <a:ext cx="63202" cy="63202"/>
             </a:xfrm>
             <a:custGeom>
@@ -8448,7 +8448,7 @@
           </p:nvSpPr>
           <p:spPr>
             <a:xfrm>
-              <a:off x="2567935" y="6495676"/>
+              <a:off x="3103763" y="6495503"/>
               <a:ext cx="63202" cy="63202"/>
             </a:xfrm>
             <a:custGeom>
@@ -8491,7 +8491,7 @@
           </p:nvSpPr>
           <p:spPr>
             <a:xfrm>
-              <a:off x="1835497" y="5667751"/>
+              <a:off x="1680870" y="5667563"/>
               <a:ext cx="63202" cy="63202"/>
             </a:xfrm>
             <a:custGeom>
@@ -8534,7 +8534,7 @@
           </p:nvSpPr>
           <p:spPr>
             <a:xfrm>
-              <a:off x="1778087" y="5825986"/>
+              <a:off x="1868043" y="5825593"/>
               <a:ext cx="63202" cy="63202"/>
             </a:xfrm>
             <a:custGeom>
@@ -8577,7 +8577,7 @@
           </p:nvSpPr>
           <p:spPr>
             <a:xfrm>
-              <a:off x="2045059" y="5758085"/>
+              <a:off x="1795371" y="5757869"/>
               <a:ext cx="63202" cy="63202"/>
             </a:xfrm>
             <a:custGeom>
@@ -8620,7 +8620,7 @@
           </p:nvSpPr>
           <p:spPr>
             <a:xfrm>
-              <a:off x="3025107" y="6121750"/>
+              <a:off x="3014361" y="6121659"/>
               <a:ext cx="63202" cy="63202"/>
             </a:xfrm>
             <a:custGeom>
@@ -8663,7 +8663,7 @@
           </p:nvSpPr>
           <p:spPr>
             <a:xfrm>
-              <a:off x="1825317" y="5800527"/>
+              <a:off x="1583031" y="5800159"/>
               <a:ext cx="63202" cy="63202"/>
             </a:xfrm>
             <a:custGeom>
@@ -8706,7 +8706,7 @@
           </p:nvSpPr>
           <p:spPr>
             <a:xfrm>
-              <a:off x="1561370" y="5862042"/>
+              <a:off x="1837476" y="5861768"/>
               <a:ext cx="63202" cy="63202"/>
             </a:xfrm>
             <a:custGeom>
@@ -8749,7 +8749,7 @@
           </p:nvSpPr>
           <p:spPr>
             <a:xfrm>
-              <a:off x="3101220" y="6277880"/>
+              <a:off x="2587421" y="6277826"/>
               <a:ext cx="63202" cy="63202"/>
             </a:xfrm>
             <a:custGeom>
@@ -8792,7 +8792,7 @@
           </p:nvSpPr>
           <p:spPr>
             <a:xfrm>
-              <a:off x="1606764" y="5902588"/>
+              <a:off x="2109135" y="5902270"/>
               <a:ext cx="63202" cy="63202"/>
             </a:xfrm>
             <a:custGeom>
@@ -8835,7 +8835,7 @@
           </p:nvSpPr>
           <p:spPr>
             <a:xfrm>
-              <a:off x="1684556" y="5871422"/>
+              <a:off x="1936095" y="5871429"/>
               <a:ext cx="63202" cy="63202"/>
             </a:xfrm>
             <a:custGeom>
@@ -8878,7 +8878,7 @@
           </p:nvSpPr>
           <p:spPr>
             <a:xfrm>
-              <a:off x="1939543" y="5814429"/>
+              <a:off x="1845924" y="5814223"/>
               <a:ext cx="63202" cy="63202"/>
             </a:xfrm>
             <a:custGeom>
@@ -8921,7 +8921,7 @@
           </p:nvSpPr>
           <p:spPr>
             <a:xfrm>
-              <a:off x="1544010" y="5763431"/>
+              <a:off x="1753895" y="5763463"/>
               <a:ext cx="63202" cy="63202"/>
             </a:xfrm>
             <a:custGeom>
@@ -8964,7 +8964,7 @@
           </p:nvSpPr>
           <p:spPr>
             <a:xfrm>
-              <a:off x="2224954" y="5893039"/>
+              <a:off x="1724825" y="5892852"/>
               <a:ext cx="63202" cy="63202"/>
             </a:xfrm>
             <a:custGeom>
@@ -9007,7 +9007,7 @@
           </p:nvSpPr>
           <p:spPr>
             <a:xfrm>
-              <a:off x="2215957" y="5951550"/>
+              <a:off x="1906601" y="5951463"/>
               <a:ext cx="63202" cy="63202"/>
             </a:xfrm>
             <a:custGeom>
@@ -9050,7 +9050,7 @@
           </p:nvSpPr>
           <p:spPr>
             <a:xfrm>
-              <a:off x="2949404" y="6190800"/>
+              <a:off x="3087253" y="6190661"/>
               <a:ext cx="63202" cy="63202"/>
             </a:xfrm>
             <a:custGeom>
@@ -9093,7 +9093,7 @@
           </p:nvSpPr>
           <p:spPr>
             <a:xfrm>
-              <a:off x="2141374" y="5835132"/>
+              <a:off x="2226578" y="5834852"/>
               <a:ext cx="63202" cy="63202"/>
             </a:xfrm>
             <a:custGeom>
@@ -9136,7 +9136,7 @@
           </p:nvSpPr>
           <p:spPr>
             <a:xfrm>
-              <a:off x="1897976" y="5947813"/>
+              <a:off x="1941946" y="5947612"/>
               <a:ext cx="63202" cy="63202"/>
             </a:xfrm>
             <a:custGeom>
@@ -9179,7 +9179,7 @@
           </p:nvSpPr>
           <p:spPr>
             <a:xfrm>
-              <a:off x="1556301" y="5668192"/>
+              <a:off x="2140826" y="5667896"/>
               <a:ext cx="63202" cy="63202"/>
             </a:xfrm>
             <a:custGeom>
@@ -9222,7 +9222,7 @@
           </p:nvSpPr>
           <p:spPr>
             <a:xfrm>
-              <a:off x="2901912" y="6121827"/>
+              <a:off x="3001593" y="6121630"/>
               <a:ext cx="63202" cy="63202"/>
             </a:xfrm>
             <a:custGeom>
@@ -9265,7 +9265,7 @@
           </p:nvSpPr>
           <p:spPr>
             <a:xfrm>
-              <a:off x="1986587" y="5781483"/>
+              <a:off x="1942483" y="5781413"/>
               <a:ext cx="63202" cy="63202"/>
             </a:xfrm>
             <a:custGeom>
@@ -9308,7 +9308,7 @@
           </p:nvSpPr>
           <p:spPr>
             <a:xfrm>
-              <a:off x="2231873" y="5745760"/>
+              <a:off x="2001524" y="5745683"/>
               <a:ext cx="63202" cy="63202"/>
             </a:xfrm>
             <a:custGeom>
@@ -9351,7 +9351,7 @@
           </p:nvSpPr>
           <p:spPr>
             <a:xfrm>
-              <a:off x="1952394" y="5745913"/>
+              <a:off x="2024476" y="5745669"/>
               <a:ext cx="63202" cy="63202"/>
             </a:xfrm>
             <a:custGeom>
@@ -9394,7 +9394,7 @@
           </p:nvSpPr>
           <p:spPr>
             <a:xfrm>
-              <a:off x="2060540" y="5745919"/>
+              <a:off x="1660958" y="5745705"/>
               <a:ext cx="63202" cy="63202"/>
             </a:xfrm>
             <a:custGeom>
@@ -9437,7 +9437,7 @@
           </p:nvSpPr>
           <p:spPr>
             <a:xfrm>
-              <a:off x="1917005" y="5750183"/>
+              <a:off x="2074298" y="5750043"/>
               <a:ext cx="63202" cy="63202"/>
             </a:xfrm>
             <a:custGeom>
@@ -9480,7 +9480,7 @@
           </p:nvSpPr>
           <p:spPr>
             <a:xfrm>
-              <a:off x="1663898" y="5745970"/>
+              <a:off x="2016225" y="5745736"/>
               <a:ext cx="63202" cy="63202"/>
             </a:xfrm>
             <a:custGeom>
@@ -9523,7 +9523,7 @@
           </p:nvSpPr>
           <p:spPr>
             <a:xfrm>
-              <a:off x="2184805" y="5693241"/>
+              <a:off x="2180836" y="5693133"/>
               <a:ext cx="63202" cy="63202"/>
             </a:xfrm>
             <a:custGeom>
@@ -9566,7 +9566,7 @@
           </p:nvSpPr>
           <p:spPr>
             <a:xfrm>
-              <a:off x="2205977" y="5657676"/>
+              <a:off x="1985138" y="5657622"/>
               <a:ext cx="63202" cy="63202"/>
             </a:xfrm>
             <a:custGeom>
@@ -9609,7 +9609,7 @@
           </p:nvSpPr>
           <p:spPr>
             <a:xfrm>
-              <a:off x="2784748" y="6382066"/>
+              <a:off x="2838785" y="6382092"/>
               <a:ext cx="63202" cy="63202"/>
             </a:xfrm>
             <a:custGeom>
@@ -9652,7 +9652,7 @@
           </p:nvSpPr>
           <p:spPr>
             <a:xfrm>
-              <a:off x="2002912" y="5781746"/>
+              <a:off x="1886010" y="5781607"/>
               <a:ext cx="63202" cy="63202"/>
             </a:xfrm>
             <a:custGeom>
@@ -9695,7 +9695,7 @@
           </p:nvSpPr>
           <p:spPr>
             <a:xfrm>
-              <a:off x="1782890" y="5710154"/>
+              <a:off x="2057684" y="5709954"/>
               <a:ext cx="63202" cy="63202"/>
             </a:xfrm>
             <a:custGeom>
@@ -9738,7 +9738,7 @@
           </p:nvSpPr>
           <p:spPr>
             <a:xfrm>
-              <a:off x="2096289" y="5785903"/>
+              <a:off x="1929157" y="5785964"/>
               <a:ext cx="63202" cy="63202"/>
             </a:xfrm>
             <a:custGeom>
@@ -9781,7 +9781,7 @@
           </p:nvSpPr>
           <p:spPr>
             <a:xfrm>
-              <a:off x="2987680" y="6254276"/>
+              <a:off x="2803702" y="6254206"/>
               <a:ext cx="63202" cy="63202"/>
             </a:xfrm>
             <a:custGeom>
@@ -9824,7 +9824,7 @@
           </p:nvSpPr>
           <p:spPr>
             <a:xfrm>
-              <a:off x="1913476" y="5768022"/>
+              <a:off x="2139235" y="5767916"/>
               <a:ext cx="63202" cy="63202"/>
             </a:xfrm>
             <a:custGeom>
@@ -9867,7 +9867,7 @@
           </p:nvSpPr>
           <p:spPr>
             <a:xfrm>
-              <a:off x="1572239" y="5932670"/>
+              <a:off x="1995030" y="5932705"/>
               <a:ext cx="63202" cy="63202"/>
             </a:xfrm>
             <a:custGeom>
@@ -9910,7 +9910,7 @@
           </p:nvSpPr>
           <p:spPr>
             <a:xfrm>
-              <a:off x="1664577" y="5714929"/>
+              <a:off x="1616508" y="5714672"/>
               <a:ext cx="63202" cy="63202"/>
             </a:xfrm>
             <a:custGeom>
@@ -9953,7 +9953,7 @@
           </p:nvSpPr>
           <p:spPr>
             <a:xfrm>
-              <a:off x="2234345" y="5667376"/>
+              <a:off x="2114912" y="5667032"/>
               <a:ext cx="63202" cy="63202"/>
             </a:xfrm>
             <a:custGeom>
@@ -9996,7 +9996,7 @@
           </p:nvSpPr>
           <p:spPr>
             <a:xfrm>
-              <a:off x="2154830" y="5759062"/>
+              <a:off x="2019953" y="5759007"/>
               <a:ext cx="63202" cy="63202"/>
             </a:xfrm>
             <a:custGeom>
@@ -10039,7 +10039,7 @@
           </p:nvSpPr>
           <p:spPr>
             <a:xfrm>
-              <a:off x="1623773" y="5763174"/>
+              <a:off x="1769719" y="5763114"/>
               <a:ext cx="63202" cy="63202"/>
             </a:xfrm>
             <a:custGeom>
@@ -10082,7 +10082,7 @@
           </p:nvSpPr>
           <p:spPr>
             <a:xfrm>
-              <a:off x="2005025" y="5727871"/>
+              <a:off x="1664736" y="5727719"/>
               <a:ext cx="63202" cy="63202"/>
             </a:xfrm>
             <a:custGeom>
@@ -10125,7 +10125,7 @@
           </p:nvSpPr>
           <p:spPr>
             <a:xfrm>
-              <a:off x="1928741" y="5801113"/>
+              <a:off x="1609545" y="5801011"/>
               <a:ext cx="63202" cy="63202"/>
             </a:xfrm>
             <a:custGeom>
@@ -10168,7 +10168,7 @@
           </p:nvSpPr>
           <p:spPr>
             <a:xfrm>
-              <a:off x="2053074" y="5761062"/>
+              <a:off x="1573521" y="5760815"/>
               <a:ext cx="63202" cy="63202"/>
             </a:xfrm>
             <a:custGeom>
@@ -10211,7 +10211,7 @@
           </p:nvSpPr>
           <p:spPr>
             <a:xfrm>
-              <a:off x="2223550" y="5754365"/>
+              <a:off x="1819006" y="5754232"/>
               <a:ext cx="63202" cy="63202"/>
             </a:xfrm>
             <a:custGeom>
@@ -10254,7 +10254,7 @@
           </p:nvSpPr>
           <p:spPr>
             <a:xfrm>
-              <a:off x="1646865" y="5759528"/>
+              <a:off x="1925401" y="5759346"/>
               <a:ext cx="63202" cy="63202"/>
             </a:xfrm>
             <a:custGeom>
@@ -10297,7 +10297,7 @@
           </p:nvSpPr>
           <p:spPr>
             <a:xfrm>
-              <a:off x="2088613" y="5667997"/>
+              <a:off x="1640630" y="5668005"/>
               <a:ext cx="63202" cy="63202"/>
             </a:xfrm>
             <a:custGeom>
@@ -10340,7 +10340,7 @@
           </p:nvSpPr>
           <p:spPr>
             <a:xfrm>
-              <a:off x="1733667" y="5670133"/>
+              <a:off x="1582836" y="5670186"/>
               <a:ext cx="63202" cy="63202"/>
             </a:xfrm>
             <a:custGeom>
@@ -10383,7 +10383,7 @@
           </p:nvSpPr>
           <p:spPr>
             <a:xfrm>
-              <a:off x="1903774" y="5757925"/>
+              <a:off x="2105092" y="5757806"/>
               <a:ext cx="63202" cy="63202"/>
             </a:xfrm>
             <a:custGeom>
@@ -10426,7 +10426,7 @@
           </p:nvSpPr>
           <p:spPr>
             <a:xfrm>
-              <a:off x="2046299" y="5771583"/>
+              <a:off x="1731038" y="5771635"/>
               <a:ext cx="63202" cy="63202"/>
             </a:xfrm>
             <a:custGeom>
@@ -10469,7 +10469,7 @@
           </p:nvSpPr>
           <p:spPr>
             <a:xfrm>
-              <a:off x="2057916" y="5763484"/>
+              <a:off x="1997438" y="5763305"/>
               <a:ext cx="63202" cy="63202"/>
             </a:xfrm>
             <a:custGeom>
@@ -10512,7 +10512,7 @@
           </p:nvSpPr>
           <p:spPr>
             <a:xfrm>
-              <a:off x="1631575" y="5763436"/>
+              <a:off x="1815020" y="5763299"/>
               <a:ext cx="63202" cy="63202"/>
             </a:xfrm>
             <a:custGeom>
@@ -10555,7 +10555,7 @@
           </p:nvSpPr>
           <p:spPr>
             <a:xfrm>
-              <a:off x="1618079" y="5763213"/>
+              <a:off x="2094127" y="5763170"/>
               <a:ext cx="63202" cy="63202"/>
             </a:xfrm>
             <a:custGeom>
@@ -10598,7 +10598,7 @@
           </p:nvSpPr>
           <p:spPr>
             <a:xfrm>
-              <a:off x="2079530" y="5956343"/>
+              <a:off x="1687920" y="5956161"/>
               <a:ext cx="63202" cy="63202"/>
             </a:xfrm>
             <a:custGeom>
@@ -10641,7 +10641,7 @@
           </p:nvSpPr>
           <p:spPr>
             <a:xfrm>
-              <a:off x="1779582" y="5773535"/>
+              <a:off x="1586282" y="5773336"/>
               <a:ext cx="63202" cy="63202"/>
             </a:xfrm>
             <a:custGeom>
@@ -10684,7 +10684,7 @@
           </p:nvSpPr>
           <p:spPr>
             <a:xfrm>
-              <a:off x="1751490" y="5755490"/>
+              <a:off x="1989492" y="5755225"/>
               <a:ext cx="63202" cy="63202"/>
             </a:xfrm>
             <a:custGeom>
@@ -10727,7 +10727,7 @@
           </p:nvSpPr>
           <p:spPr>
             <a:xfrm>
-              <a:off x="1976569" y="5669161"/>
+              <a:off x="2010093" y="5668918"/>
               <a:ext cx="63202" cy="63202"/>
             </a:xfrm>
             <a:custGeom>
@@ -10770,7 +10770,7 @@
           </p:nvSpPr>
           <p:spPr>
             <a:xfrm>
-              <a:off x="1659543" y="5876475"/>
+              <a:off x="1596378" y="5876364"/>
               <a:ext cx="63202" cy="63202"/>
             </a:xfrm>
             <a:custGeom>
@@ -10813,7 +10813,7 @@
           </p:nvSpPr>
           <p:spPr>
             <a:xfrm>
-              <a:off x="2539544" y="6239986"/>
+              <a:off x="2445464" y="6239697"/>
               <a:ext cx="63202" cy="63202"/>
             </a:xfrm>
             <a:custGeom>
@@ -10856,7 +10856,7 @@
           </p:nvSpPr>
           <p:spPr>
             <a:xfrm>
-              <a:off x="1864583" y="6029597"/>
+              <a:off x="2097793" y="6029517"/>
               <a:ext cx="63202" cy="63202"/>
             </a:xfrm>
             <a:custGeom>
@@ -10899,7 +10899,7 @@
           </p:nvSpPr>
           <p:spPr>
             <a:xfrm>
-              <a:off x="2732928" y="6271511"/>
+              <a:off x="2676699" y="6271322"/>
               <a:ext cx="63202" cy="63202"/>
             </a:xfrm>
             <a:custGeom>
@@ -10942,7 +10942,7 @@
           </p:nvSpPr>
           <p:spPr>
             <a:xfrm>
-              <a:off x="2884662" y="6276281"/>
+              <a:off x="2537343" y="6276274"/>
               <a:ext cx="63202" cy="63202"/>
             </a:xfrm>
             <a:custGeom>
@@ -10985,7 +10985,7 @@
           </p:nvSpPr>
           <p:spPr>
             <a:xfrm>
-              <a:off x="2192386" y="5843185"/>
+              <a:off x="1732345" y="5843117"/>
               <a:ext cx="63202" cy="63202"/>
             </a:xfrm>
             <a:custGeom>
@@ -11028,7 +11028,7 @@
           </p:nvSpPr>
           <p:spPr>
             <a:xfrm>
-              <a:off x="2177143" y="5838374"/>
+              <a:off x="2136149" y="5838381"/>
               <a:ext cx="63202" cy="63202"/>
             </a:xfrm>
             <a:custGeom>
@@ -11071,7 +11071,7 @@
           </p:nvSpPr>
           <p:spPr>
             <a:xfrm>
-              <a:off x="1677860" y="5838388"/>
+              <a:off x="1885423" y="5838261"/>
               <a:ext cx="63202" cy="63202"/>
             </a:xfrm>
             <a:custGeom>
@@ -11114,7 +11114,7 @@
           </p:nvSpPr>
           <p:spPr>
             <a:xfrm>
-              <a:off x="1933895" y="5829227"/>
+              <a:off x="1759677" y="5829120"/>
               <a:ext cx="63202" cy="63202"/>
             </a:xfrm>
             <a:custGeom>
@@ -11157,7 +11157,7 @@
           </p:nvSpPr>
           <p:spPr>
             <a:xfrm>
-              <a:off x="1962101" y="5931534"/>
+              <a:off x="1711560" y="5931575"/>
               <a:ext cx="63202" cy="63202"/>
             </a:xfrm>
             <a:custGeom>
@@ -11200,7 +11200,7 @@
           </p:nvSpPr>
           <p:spPr>
             <a:xfrm>
-              <a:off x="3005380" y="6329166"/>
+              <a:off x="3108557" y="6328840"/>
               <a:ext cx="63202" cy="63202"/>
             </a:xfrm>
             <a:custGeom>
@@ -11243,7 +11243,7 @@
           </p:nvSpPr>
           <p:spPr>
             <a:xfrm>
-              <a:off x="3099519" y="6239637"/>
+              <a:off x="2459289" y="6239274"/>
               <a:ext cx="63202" cy="63202"/>
             </a:xfrm>
             <a:custGeom>
@@ -11286,7 +11286,7 @@
           </p:nvSpPr>
           <p:spPr>
             <a:xfrm>
-              <a:off x="2197145" y="6054804"/>
+              <a:off x="1589248" y="6054651"/>
               <a:ext cx="63202" cy="63202"/>
             </a:xfrm>
             <a:custGeom>
@@ -11329,7 +11329,7 @@
           </p:nvSpPr>
           <p:spPr>
             <a:xfrm>
-              <a:off x="3068338" y="6256001"/>
+              <a:off x="2560613" y="6255859"/>
               <a:ext cx="63202" cy="63202"/>
             </a:xfrm>
             <a:custGeom>
@@ -11372,7 +11372,7 @@
           </p:nvSpPr>
           <p:spPr>
             <a:xfrm>
-              <a:off x="2854815" y="6239557"/>
+              <a:off x="2830219" y="6239398"/>
               <a:ext cx="63202" cy="63202"/>
             </a:xfrm>
             <a:custGeom>
@@ -11415,7 +11415,7 @@
           </p:nvSpPr>
           <p:spPr>
             <a:xfrm>
-              <a:off x="2195261" y="5760000"/>
+              <a:off x="1656189" y="5759672"/>
               <a:ext cx="63202" cy="63202"/>
             </a:xfrm>
             <a:custGeom>
@@ -11458,7 +11458,7 @@
           </p:nvSpPr>
           <p:spPr>
             <a:xfrm>
-              <a:off x="3421601" y="6755977"/>
+              <a:off x="3428333" y="6755875"/>
               <a:ext cx="63202" cy="63202"/>
             </a:xfrm>
             <a:custGeom>
@@ -11501,7 +11501,7 @@
           </p:nvSpPr>
           <p:spPr>
             <a:xfrm>
-              <a:off x="2055071" y="5973998"/>
+              <a:off x="1697900" y="5973870"/>
               <a:ext cx="63202" cy="63202"/>
             </a:xfrm>
             <a:custGeom>
@@ -11544,7 +11544,7 @@
           </p:nvSpPr>
           <p:spPr>
             <a:xfrm>
-              <a:off x="1729375" y="5744994"/>
+              <a:off x="1571553" y="5745030"/>
               <a:ext cx="63202" cy="63202"/>
             </a:xfrm>
             <a:custGeom>
@@ -11587,7 +11587,7 @@
           </p:nvSpPr>
           <p:spPr>
             <a:xfrm>
-              <a:off x="2028490" y="5828413"/>
+              <a:off x="1765351" y="5828376"/>
               <a:ext cx="63202" cy="63202"/>
             </a:xfrm>
             <a:custGeom>
@@ -11630,7 +11630,7 @@
           </p:nvSpPr>
           <p:spPr>
             <a:xfrm>
-              <a:off x="1826536" y="5755306"/>
+              <a:off x="2135437" y="5755343"/>
               <a:ext cx="63202" cy="63202"/>
             </a:xfrm>
             <a:custGeom>
@@ -11673,7 +11673,7 @@
           </p:nvSpPr>
           <p:spPr>
             <a:xfrm>
-              <a:off x="2132082" y="5756860"/>
+              <a:off x="2044683" y="5756686"/>
               <a:ext cx="63202" cy="63202"/>
             </a:xfrm>
             <a:custGeom>
@@ -11716,7 +11716,7 @@
           </p:nvSpPr>
           <p:spPr>
             <a:xfrm>
-              <a:off x="2174723" y="5774279"/>
+              <a:off x="2206744" y="5774217"/>
               <a:ext cx="63202" cy="63202"/>
             </a:xfrm>
             <a:custGeom>
@@ -11759,7 +11759,7 @@
           </p:nvSpPr>
           <p:spPr>
             <a:xfrm>
-              <a:off x="1959054" y="5767878"/>
+              <a:off x="1643478" y="5767757"/>
               <a:ext cx="63202" cy="63202"/>
             </a:xfrm>
             <a:custGeom>
@@ -11802,7 +11802,7 @@
           </p:nvSpPr>
           <p:spPr>
             <a:xfrm>
-              <a:off x="3458962" y="6809079"/>
+              <a:off x="3878523" y="6809079"/>
               <a:ext cx="63202" cy="63202"/>
             </a:xfrm>
             <a:custGeom>
@@ -11901,7 +11901,7 @@
           </p:nvSpPr>
           <p:spPr>
             <a:xfrm>
-              <a:off x="4284320" y="2806800"/>
+              <a:off x="4284320" y="2806689"/>
               <a:ext cx="2817450" cy="0"/>
             </a:xfrm>
             <a:custGeom>
@@ -11944,7 +11944,7 @@
           </p:nvSpPr>
           <p:spPr>
             <a:xfrm>
-              <a:off x="4284320" y="2438131"/>
+              <a:off x="4284320" y="2438007"/>
               <a:ext cx="2817450" cy="0"/>
             </a:xfrm>
             <a:custGeom>
@@ -11987,7 +11987,7 @@
           </p:nvSpPr>
           <p:spPr>
             <a:xfrm>
-              <a:off x="4284320" y="2069463"/>
+              <a:off x="4284320" y="2069325"/>
               <a:ext cx="2817450" cy="0"/>
             </a:xfrm>
             <a:custGeom>
@@ -12030,7 +12030,7 @@
           </p:nvSpPr>
           <p:spPr>
             <a:xfrm>
-              <a:off x="4284320" y="1700795"/>
+              <a:off x="4284320" y="1700642"/>
               <a:ext cx="2817450" cy="0"/>
             </a:xfrm>
             <a:custGeom>
@@ -12073,7 +12073,7 @@
           </p:nvSpPr>
           <p:spPr>
             <a:xfrm>
-              <a:off x="4284320" y="2991134"/>
+              <a:off x="4284320" y="2991030"/>
               <a:ext cx="2817450" cy="0"/>
             </a:xfrm>
             <a:custGeom>
@@ -12116,7 +12116,7 @@
           </p:nvSpPr>
           <p:spPr>
             <a:xfrm>
-              <a:off x="4284320" y="2622466"/>
+              <a:off x="4284320" y="2622348"/>
               <a:ext cx="2817450" cy="0"/>
             </a:xfrm>
             <a:custGeom>
@@ -12159,7 +12159,7 @@
           </p:nvSpPr>
           <p:spPr>
             <a:xfrm>
-              <a:off x="4284320" y="2253797"/>
+              <a:off x="4284320" y="2253666"/>
               <a:ext cx="2817450" cy="0"/>
             </a:xfrm>
             <a:custGeom>
@@ -12202,7 +12202,7 @@
           </p:nvSpPr>
           <p:spPr>
             <a:xfrm>
-              <a:off x="4284320" y="1885129"/>
+              <a:off x="4284320" y="1884983"/>
               <a:ext cx="2817450" cy="0"/>
             </a:xfrm>
             <a:custGeom>
@@ -12245,7 +12245,7 @@
           </p:nvSpPr>
           <p:spPr>
             <a:xfrm>
-              <a:off x="4284320" y="1516461"/>
+              <a:off x="4284320" y="1516301"/>
               <a:ext cx="2817450" cy="0"/>
             </a:xfrm>
             <a:custGeom>
@@ -12417,7 +12417,7 @@
           </p:nvSpPr>
           <p:spPr>
             <a:xfrm>
-              <a:off x="4650683" y="1668334"/>
+              <a:off x="5075213" y="1668401"/>
               <a:ext cx="63202" cy="63202"/>
             </a:xfrm>
             <a:custGeom>
@@ -12460,7 +12460,7 @@
           </p:nvSpPr>
           <p:spPr>
             <a:xfrm>
-              <a:off x="4567704" y="1721860"/>
+              <a:off x="5047644" y="1721787"/>
               <a:ext cx="63202" cy="63202"/>
             </a:xfrm>
             <a:custGeom>
@@ -12503,7 +12503,7 @@
           </p:nvSpPr>
           <p:spPr>
             <a:xfrm>
-              <a:off x="5010508" y="1629791"/>
+              <a:off x="4432984" y="1629595"/>
               <a:ext cx="63202" cy="63202"/>
             </a:xfrm>
             <a:custGeom>
@@ -12546,7 +12546,7 @@
           </p:nvSpPr>
           <p:spPr>
             <a:xfrm>
-              <a:off x="4718690" y="1624194"/>
+              <a:off x="4547869" y="1623966"/>
               <a:ext cx="63202" cy="63202"/>
             </a:xfrm>
             <a:custGeom>
@@ -12589,7 +12589,7 @@
           </p:nvSpPr>
           <p:spPr>
             <a:xfrm>
-              <a:off x="4853038" y="1610216"/>
+              <a:off x="5057860" y="1610191"/>
               <a:ext cx="63202" cy="63202"/>
             </a:xfrm>
             <a:custGeom>
@@ -12632,7 +12632,7 @@
           </p:nvSpPr>
           <p:spPr>
             <a:xfrm>
-              <a:off x="4926214" y="1651103"/>
+              <a:off x="4899388" y="1651114"/>
               <a:ext cx="63202" cy="63202"/>
             </a:xfrm>
             <a:custGeom>
@@ -12675,7 +12675,7 @@
           </p:nvSpPr>
           <p:spPr>
             <a:xfrm>
-              <a:off x="4705052" y="1640886"/>
+              <a:off x="4532587" y="1640715"/>
               <a:ext cx="63202" cy="63202"/>
             </a:xfrm>
             <a:custGeom>
@@ -12718,7 +12718,7 @@
           </p:nvSpPr>
           <p:spPr>
             <a:xfrm>
-              <a:off x="4508244" y="1638917"/>
+              <a:off x="4476588" y="1638947"/>
               <a:ext cx="63202" cy="63202"/>
             </a:xfrm>
             <a:custGeom>
@@ -12761,7 +12761,7 @@
           </p:nvSpPr>
           <p:spPr>
             <a:xfrm>
-              <a:off x="4612527" y="1632964"/>
+              <a:off x="4957095" y="1632902"/>
               <a:ext cx="63202" cy="63202"/>
             </a:xfrm>
             <a:custGeom>
@@ -12804,7 +12804,7 @@
           </p:nvSpPr>
           <p:spPr>
             <a:xfrm>
-              <a:off x="4686313" y="1599393"/>
+              <a:off x="4868368" y="1599277"/>
               <a:ext cx="63202" cy="63202"/>
             </a:xfrm>
             <a:custGeom>
@@ -12847,7 +12847,7 @@
           </p:nvSpPr>
           <p:spPr>
             <a:xfrm>
-              <a:off x="4602971" y="1644257"/>
+              <a:off x="4589689" y="1643894"/>
               <a:ext cx="63202" cy="63202"/>
             </a:xfrm>
             <a:custGeom>
@@ -12890,7 +12890,7 @@
           </p:nvSpPr>
           <p:spPr>
             <a:xfrm>
-              <a:off x="4766699" y="1648954"/>
+              <a:off x="4505655" y="1648862"/>
               <a:ext cx="63202" cy="63202"/>
             </a:xfrm>
             <a:custGeom>
@@ -12933,7 +12933,7 @@
           </p:nvSpPr>
           <p:spPr>
             <a:xfrm>
-              <a:off x="4517246" y="1649517"/>
+              <a:off x="4470516" y="1649406"/>
               <a:ext cx="63202" cy="63202"/>
             </a:xfrm>
             <a:custGeom>
@@ -12976,7 +12976,7 @@
           </p:nvSpPr>
           <p:spPr>
             <a:xfrm>
-              <a:off x="5005953" y="1591278"/>
+              <a:off x="4764199" y="1591247"/>
               <a:ext cx="63202" cy="63202"/>
             </a:xfrm>
             <a:custGeom>
@@ -13019,7 +13019,7 @@
           </p:nvSpPr>
           <p:spPr>
             <a:xfrm>
-              <a:off x="4586245" y="1641677"/>
+              <a:off x="4798467" y="1641511"/>
               <a:ext cx="63202" cy="63202"/>
             </a:xfrm>
             <a:custGeom>
@@ -13062,7 +13062,7 @@
           </p:nvSpPr>
           <p:spPr>
             <a:xfrm>
-              <a:off x="4951635" y="1589234"/>
+              <a:off x="4773146" y="1589083"/>
               <a:ext cx="63202" cy="63202"/>
             </a:xfrm>
             <a:custGeom>
@@ -13105,7 +13105,7 @@
           </p:nvSpPr>
           <p:spPr>
             <a:xfrm>
-              <a:off x="5073627" y="1645086"/>
+              <a:off x="4535951" y="1645127"/>
               <a:ext cx="63202" cy="63202"/>
             </a:xfrm>
             <a:custGeom>
@@ -13148,7 +13148,7 @@
           </p:nvSpPr>
           <p:spPr>
             <a:xfrm>
-              <a:off x="4831108" y="1642175"/>
+              <a:off x="4674513" y="1642092"/>
               <a:ext cx="63202" cy="63202"/>
             </a:xfrm>
             <a:custGeom>
@@ -13191,7 +13191,7 @@
           </p:nvSpPr>
           <p:spPr>
             <a:xfrm>
-              <a:off x="4878892" y="1672241"/>
+              <a:off x="4913072" y="1672057"/>
               <a:ext cx="63202" cy="63202"/>
             </a:xfrm>
             <a:custGeom>
@@ -13234,7 +13234,7 @@
           </p:nvSpPr>
           <p:spPr>
             <a:xfrm>
-              <a:off x="4789777" y="1795528"/>
+              <a:off x="4525937" y="1795611"/>
               <a:ext cx="63202" cy="63202"/>
             </a:xfrm>
             <a:custGeom>
@@ -13277,7 +13277,7 @@
           </p:nvSpPr>
           <p:spPr>
             <a:xfrm>
-              <a:off x="4800913" y="1940656"/>
+              <a:off x="4859635" y="1940445"/>
               <a:ext cx="63202" cy="63202"/>
             </a:xfrm>
             <a:custGeom>
@@ -13320,7 +13320,7 @@
           </p:nvSpPr>
           <p:spPr>
             <a:xfrm>
-              <a:off x="4986805" y="1646345"/>
+              <a:off x="5059914" y="1646245"/>
               <a:ext cx="63202" cy="63202"/>
             </a:xfrm>
             <a:custGeom>
@@ -13363,7 +13363,7 @@
           </p:nvSpPr>
           <p:spPr>
             <a:xfrm>
-              <a:off x="5362227" y="2420055"/>
+              <a:off x="5405994" y="2419912"/>
               <a:ext cx="63202" cy="63202"/>
             </a:xfrm>
             <a:custGeom>
@@ -13406,7 +13406,7 @@
           </p:nvSpPr>
           <p:spPr>
             <a:xfrm>
-              <a:off x="4561896" y="1633100"/>
+              <a:off x="4729351" y="1632841"/>
               <a:ext cx="63202" cy="63202"/>
             </a:xfrm>
             <a:custGeom>
@@ -13449,7 +13449,7 @@
           </p:nvSpPr>
           <p:spPr>
             <a:xfrm>
-              <a:off x="4553462" y="1839501"/>
+              <a:off x="5051919" y="1839341"/>
               <a:ext cx="63202" cy="63202"/>
             </a:xfrm>
             <a:custGeom>
@@ -13492,7 +13492,7 @@
           </p:nvSpPr>
           <p:spPr>
             <a:xfrm>
-              <a:off x="4612493" y="1668953"/>
+              <a:off x="4655609" y="1668773"/>
               <a:ext cx="63202" cy="63202"/>
             </a:xfrm>
             <a:custGeom>
@@ -13535,7 +13535,7 @@
           </p:nvSpPr>
           <p:spPr>
             <a:xfrm>
-              <a:off x="5118329" y="1817400"/>
+              <a:off x="4532166" y="1817198"/>
               <a:ext cx="63202" cy="63202"/>
             </a:xfrm>
             <a:custGeom>
@@ -13578,7 +13578,7 @@
           </p:nvSpPr>
           <p:spPr>
             <a:xfrm>
-              <a:off x="4678649" y="1597270"/>
+              <a:off x="4623021" y="1597087"/>
               <a:ext cx="63202" cy="63202"/>
             </a:xfrm>
             <a:custGeom>
@@ -13621,7 +13621,7 @@
           </p:nvSpPr>
           <p:spPr>
             <a:xfrm>
-              <a:off x="4842659" y="1627633"/>
+              <a:off x="4988354" y="1627380"/>
               <a:ext cx="63202" cy="63202"/>
             </a:xfrm>
             <a:custGeom>
@@ -13664,7 +13664,7 @@
           </p:nvSpPr>
           <p:spPr>
             <a:xfrm>
-              <a:off x="4481672" y="1630103"/>
+              <a:off x="4845130" y="1629988"/>
               <a:ext cx="63202" cy="63202"/>
             </a:xfrm>
             <a:custGeom>
@@ -13707,7 +13707,7 @@
           </p:nvSpPr>
           <p:spPr>
             <a:xfrm>
-              <a:off x="5904496" y="2667144"/>
+              <a:off x="5354738" y="2666945"/>
               <a:ext cx="63202" cy="63202"/>
             </a:xfrm>
             <a:custGeom>
@@ -13750,7 +13750,7 @@
           </p:nvSpPr>
           <p:spPr>
             <a:xfrm>
-              <a:off x="4777902" y="1648772"/>
+              <a:off x="4883785" y="1648907"/>
               <a:ext cx="63202" cy="63202"/>
             </a:xfrm>
             <a:custGeom>
@@ -13793,7 +13793,7 @@
           </p:nvSpPr>
           <p:spPr>
             <a:xfrm>
-              <a:off x="4721837" y="1644402"/>
+              <a:off x="4837675" y="1644278"/>
               <a:ext cx="63202" cy="63202"/>
             </a:xfrm>
             <a:custGeom>
@@ -13836,7 +13836,7 @@
           </p:nvSpPr>
           <p:spPr>
             <a:xfrm>
-              <a:off x="4927911" y="1721295"/>
+              <a:off x="4512639" y="1721001"/>
               <a:ext cx="63202" cy="63202"/>
             </a:xfrm>
             <a:custGeom>
@@ -13879,7 +13879,7 @@
           </p:nvSpPr>
           <p:spPr>
             <a:xfrm>
-              <a:off x="4763005" y="1602740"/>
+              <a:off x="4529646" y="1602622"/>
               <a:ext cx="63202" cy="63202"/>
             </a:xfrm>
             <a:custGeom>
@@ -13922,7 +13922,7 @@
           </p:nvSpPr>
           <p:spPr>
             <a:xfrm>
-              <a:off x="5059879" y="1597627"/>
+              <a:off x="4501143" y="1597458"/>
               <a:ext cx="63202" cy="63202"/>
             </a:xfrm>
             <a:custGeom>
@@ -13965,7 +13965,7 @@
           </p:nvSpPr>
           <p:spPr>
             <a:xfrm>
-              <a:off x="4925426" y="1648224"/>
+              <a:off x="5122243" y="1648125"/>
               <a:ext cx="63202" cy="63202"/>
             </a:xfrm>
             <a:custGeom>
@@ -14008,7 +14008,7 @@
           </p:nvSpPr>
           <p:spPr>
             <a:xfrm>
-              <a:off x="4429284" y="1648275"/>
+              <a:off x="4709127" y="1647964"/>
               <a:ext cx="63202" cy="63202"/>
             </a:xfrm>
             <a:custGeom>
@@ -14051,7 +14051,7 @@
           </p:nvSpPr>
           <p:spPr>
             <a:xfrm>
-              <a:off x="5090492" y="1637351"/>
+              <a:off x="4509012" y="1637364"/>
               <a:ext cx="63202" cy="63202"/>
             </a:xfrm>
             <a:custGeom>
@@ -14094,7 +14094,7 @@
           </p:nvSpPr>
           <p:spPr>
             <a:xfrm>
-              <a:off x="4706098" y="2190469"/>
+              <a:off x="4900550" y="2190308"/>
               <a:ext cx="63202" cy="63202"/>
             </a:xfrm>
             <a:custGeom>
@@ -14137,7 +14137,7 @@
           </p:nvSpPr>
           <p:spPr>
             <a:xfrm>
-              <a:off x="4649443" y="1670578"/>
+              <a:off x="5056896" y="1670617"/>
               <a:ext cx="63202" cy="63202"/>
             </a:xfrm>
             <a:custGeom>
@@ -14180,7 +14180,7 @@
           </p:nvSpPr>
           <p:spPr>
             <a:xfrm>
-              <a:off x="4515344" y="2210690"/>
+              <a:off x="4798661" y="2210518"/>
               <a:ext cx="63202" cy="63202"/>
             </a:xfrm>
             <a:custGeom>
@@ -14223,7 +14223,7 @@
           </p:nvSpPr>
           <p:spPr>
             <a:xfrm>
-              <a:off x="5080039" y="1582067"/>
+              <a:off x="4852523" y="1582000"/>
               <a:ext cx="63202" cy="63202"/>
             </a:xfrm>
             <a:custGeom>
@@ -14266,7 +14266,7 @@
           </p:nvSpPr>
           <p:spPr>
             <a:xfrm>
-              <a:off x="4790334" y="1931274"/>
+              <a:off x="4633745" y="1931231"/>
               <a:ext cx="63202" cy="63202"/>
             </a:xfrm>
             <a:custGeom>
@@ -14309,7 +14309,7 @@
           </p:nvSpPr>
           <p:spPr>
             <a:xfrm>
-              <a:off x="4609454" y="1640314"/>
+              <a:off x="4522291" y="1640287"/>
               <a:ext cx="63202" cy="63202"/>
             </a:xfrm>
             <a:custGeom>
@@ -14352,7 +14352,7 @@
           </p:nvSpPr>
           <p:spPr>
             <a:xfrm>
-              <a:off x="5095112" y="1709115"/>
+              <a:off x="4742859" y="1708742"/>
               <a:ext cx="63202" cy="63202"/>
             </a:xfrm>
             <a:custGeom>
@@ -14395,7 +14395,7 @@
           </p:nvSpPr>
           <p:spPr>
             <a:xfrm>
-              <a:off x="4723169" y="1717079"/>
+              <a:off x="4869983" y="1716825"/>
               <a:ext cx="63202" cy="63202"/>
             </a:xfrm>
             <a:custGeom>
@@ -14438,7 +14438,7 @@
           </p:nvSpPr>
           <p:spPr>
             <a:xfrm>
-              <a:off x="4507716" y="1666000"/>
+              <a:off x="4794646" y="1665772"/>
               <a:ext cx="63202" cy="63202"/>
             </a:xfrm>
             <a:custGeom>
@@ -14481,7 +14481,7 @@
           </p:nvSpPr>
           <p:spPr>
             <a:xfrm>
-              <a:off x="4470212" y="1649508"/>
+              <a:off x="4535722" y="1649446"/>
               <a:ext cx="63202" cy="63202"/>
             </a:xfrm>
             <a:custGeom>
@@ -14524,7 +14524,7 @@
           </p:nvSpPr>
           <p:spPr>
             <a:xfrm>
-              <a:off x="4667614" y="1648207"/>
+              <a:off x="4850013" y="1648160"/>
               <a:ext cx="63202" cy="63202"/>
             </a:xfrm>
             <a:custGeom>
@@ -14567,7 +14567,7 @@
           </p:nvSpPr>
           <p:spPr>
             <a:xfrm>
-              <a:off x="4469413" y="1759287"/>
+              <a:off x="4547445" y="1759024"/>
               <a:ext cx="63202" cy="63202"/>
             </a:xfrm>
             <a:custGeom>
@@ -14610,7 +14610,7 @@
           </p:nvSpPr>
           <p:spPr>
             <a:xfrm>
-              <a:off x="5103342" y="1789125"/>
+              <a:off x="4953874" y="1788791"/>
               <a:ext cx="63202" cy="63202"/>
             </a:xfrm>
             <a:custGeom>
@@ -14653,7 +14653,7 @@
           </p:nvSpPr>
           <p:spPr>
             <a:xfrm>
-              <a:off x="5107151" y="1663533"/>
+              <a:off x="4809173" y="1663492"/>
               <a:ext cx="63202" cy="63202"/>
             </a:xfrm>
             <a:custGeom>
@@ -14696,7 +14696,7 @@
           </p:nvSpPr>
           <p:spPr>
             <a:xfrm>
-              <a:off x="4692004" y="1654022"/>
+              <a:off x="4559132" y="1653855"/>
               <a:ext cx="63202" cy="63202"/>
             </a:xfrm>
             <a:custGeom>
@@ -14739,7 +14739,7 @@
           </p:nvSpPr>
           <p:spPr>
             <a:xfrm>
-              <a:off x="4588626" y="1711231"/>
+              <a:off x="4850772" y="1710994"/>
               <a:ext cx="63202" cy="63202"/>
             </a:xfrm>
             <a:custGeom>
@@ -14782,7 +14782,7 @@
           </p:nvSpPr>
           <p:spPr>
             <a:xfrm>
-              <a:off x="4480744" y="1640330"/>
+              <a:off x="4905825" y="1640280"/>
               <a:ext cx="63202" cy="63202"/>
             </a:xfrm>
             <a:custGeom>
@@ -14825,7 +14825,7 @@
           </p:nvSpPr>
           <p:spPr>
             <a:xfrm>
-              <a:off x="4638091" y="1588823"/>
+              <a:off x="4873051" y="1588591"/>
               <a:ext cx="63202" cy="63202"/>
             </a:xfrm>
             <a:custGeom>
@@ -14868,7 +14868,7 @@
           </p:nvSpPr>
           <p:spPr>
             <a:xfrm>
-              <a:off x="5066636" y="1689425"/>
+              <a:off x="4974119" y="1689431"/>
               <a:ext cx="63202" cy="63202"/>
             </a:xfrm>
             <a:custGeom>
@@ -14911,7 +14911,7 @@
           </p:nvSpPr>
           <p:spPr>
             <a:xfrm>
-              <a:off x="4884426" y="1759004"/>
+              <a:off x="4716423" y="1758913"/>
               <a:ext cx="63202" cy="63202"/>
             </a:xfrm>
             <a:custGeom>
@@ -14954,7 +14954,7 @@
           </p:nvSpPr>
           <p:spPr>
             <a:xfrm>
-              <a:off x="4537020" y="1610598"/>
+              <a:off x="5106360" y="1610510"/>
               <a:ext cx="63202" cy="63202"/>
             </a:xfrm>
             <a:custGeom>
@@ -14997,7 +14997,7 @@
           </p:nvSpPr>
           <p:spPr>
             <a:xfrm>
-              <a:off x="4772154" y="2117741"/>
+              <a:off x="4765462" y="2117796"/>
               <a:ext cx="63202" cy="63202"/>
             </a:xfrm>
             <a:custGeom>
@@ -15040,7 +15040,7 @@
           </p:nvSpPr>
           <p:spPr>
             <a:xfrm>
-              <a:off x="4579663" y="1722650"/>
+              <a:off x="4877569" y="1722509"/>
               <a:ext cx="63202" cy="63202"/>
             </a:xfrm>
             <a:custGeom>
@@ -15083,7 +15083,7 @@
           </p:nvSpPr>
           <p:spPr>
             <a:xfrm>
-              <a:off x="4844389" y="1660048"/>
+              <a:off x="4960411" y="1659792"/>
               <a:ext cx="63202" cy="63202"/>
             </a:xfrm>
             <a:custGeom>
@@ -15126,7 +15126,7 @@
           </p:nvSpPr>
           <p:spPr>
             <a:xfrm>
-              <a:off x="4743428" y="1591019"/>
+              <a:off x="5079120" y="1590749"/>
               <a:ext cx="63202" cy="63202"/>
             </a:xfrm>
             <a:custGeom>
@@ -15169,7 +15169,7 @@
           </p:nvSpPr>
           <p:spPr>
             <a:xfrm>
-              <a:off x="4762932" y="1594576"/>
+              <a:off x="4924860" y="1594624"/>
               <a:ext cx="63202" cy="63202"/>
             </a:xfrm>
             <a:custGeom>
@@ -15212,7 +15212,7 @@
           </p:nvSpPr>
           <p:spPr>
             <a:xfrm>
-              <a:off x="4832642" y="1683627"/>
+              <a:off x="5066886" y="1683414"/>
               <a:ext cx="63202" cy="63202"/>
             </a:xfrm>
             <a:custGeom>
@@ -15255,7 +15255,7 @@
           </p:nvSpPr>
           <p:spPr>
             <a:xfrm>
-              <a:off x="4630718" y="1637552"/>
+              <a:off x="4943109" y="1637253"/>
               <a:ext cx="63202" cy="63202"/>
             </a:xfrm>
             <a:custGeom>
@@ -15298,7 +15298,7 @@
           </p:nvSpPr>
           <p:spPr>
             <a:xfrm>
-              <a:off x="5115255" y="1916134"/>
+              <a:off x="4650969" y="1916146"/>
               <a:ext cx="63202" cy="63202"/>
             </a:xfrm>
             <a:custGeom>
@@ -15341,7 +15341,7 @@
           </p:nvSpPr>
           <p:spPr>
             <a:xfrm>
-              <a:off x="4544773" y="1645332"/>
+              <a:off x="4823368" y="1645078"/>
               <a:ext cx="63202" cy="63202"/>
             </a:xfrm>
             <a:custGeom>
@@ -15384,7 +15384,7 @@
           </p:nvSpPr>
           <p:spPr>
             <a:xfrm>
-              <a:off x="4952915" y="1866556"/>
+              <a:off x="4878279" y="1866228"/>
               <a:ext cx="63202" cy="63202"/>
             </a:xfrm>
             <a:custGeom>
@@ -15427,7 +15427,7 @@
           </p:nvSpPr>
           <p:spPr>
             <a:xfrm>
-              <a:off x="6269564" y="2957601"/>
+              <a:off x="6699979" y="2957556"/>
               <a:ext cx="63202" cy="63202"/>
             </a:xfrm>
             <a:custGeom>
@@ -15470,7 +15470,7 @@
           </p:nvSpPr>
           <p:spPr>
             <a:xfrm>
-              <a:off x="4453417" y="1735790"/>
+              <a:off x="4726255" y="1735843"/>
               <a:ext cx="63202" cy="63202"/>
             </a:xfrm>
             <a:custGeom>
@@ -15513,7 +15513,7 @@
           </p:nvSpPr>
           <p:spPr>
             <a:xfrm>
-              <a:off x="4665148" y="1651494"/>
+              <a:off x="4738793" y="1651396"/>
               <a:ext cx="63202" cy="63202"/>
             </a:xfrm>
             <a:custGeom>
@@ -15556,7 +15556,7 @@
           </p:nvSpPr>
           <p:spPr>
             <a:xfrm>
-              <a:off x="4519412" y="1963620"/>
+              <a:off x="4585322" y="1963587"/>
               <a:ext cx="63202" cy="63202"/>
             </a:xfrm>
             <a:custGeom>
@@ -15599,7 +15599,7 @@
           </p:nvSpPr>
           <p:spPr>
             <a:xfrm>
-              <a:off x="5032034" y="1960755"/>
+              <a:off x="4440985" y="1960544"/>
               <a:ext cx="63202" cy="63202"/>
             </a:xfrm>
             <a:custGeom>
@@ -15642,7 +15642,7 @@
           </p:nvSpPr>
           <p:spPr>
             <a:xfrm>
-              <a:off x="5696409" y="2555378"/>
+              <a:off x="5805665" y="2555324"/>
               <a:ext cx="63202" cy="63202"/>
             </a:xfrm>
             <a:custGeom>
@@ -15685,7 +15685,7 @@
           </p:nvSpPr>
           <p:spPr>
             <a:xfrm>
-              <a:off x="4833623" y="1653360"/>
+              <a:off x="4893896" y="1653193"/>
               <a:ext cx="63202" cy="63202"/>
             </a:xfrm>
             <a:custGeom>
@@ -15728,7 +15728,7 @@
           </p:nvSpPr>
           <p:spPr>
             <a:xfrm>
-              <a:off x="4446523" y="2180470"/>
+              <a:off x="4900427" y="2180546"/>
               <a:ext cx="63202" cy="63202"/>
             </a:xfrm>
             <a:custGeom>
@@ -15771,7 +15771,7 @@
           </p:nvSpPr>
           <p:spPr>
             <a:xfrm>
-              <a:off x="4789750" y="1650697"/>
+              <a:off x="4470590" y="1650635"/>
               <a:ext cx="63202" cy="63202"/>
             </a:xfrm>
             <a:custGeom>
@@ -15814,7 +15814,7 @@
           </p:nvSpPr>
           <p:spPr>
             <a:xfrm>
-              <a:off x="5113186" y="1697091"/>
+              <a:off x="5031687" y="1697077"/>
               <a:ext cx="63202" cy="63202"/>
             </a:xfrm>
             <a:custGeom>
@@ -15857,7 +15857,7 @@
           </p:nvSpPr>
           <p:spPr>
             <a:xfrm>
-              <a:off x="5061202" y="1667759"/>
+              <a:off x="4892705" y="1667549"/>
               <a:ext cx="63202" cy="63202"/>
             </a:xfrm>
             <a:custGeom>
@@ -15900,7 +15900,7 @@
           </p:nvSpPr>
           <p:spPr>
             <a:xfrm>
-              <a:off x="4935629" y="1785078"/>
+              <a:off x="4634152" y="1784661"/>
               <a:ext cx="63202" cy="63202"/>
             </a:xfrm>
             <a:custGeom>
@@ -15943,7 +15943,7 @@
           </p:nvSpPr>
           <p:spPr>
             <a:xfrm>
-              <a:off x="4971093" y="1648242"/>
+              <a:off x="4970796" y="1648076"/>
               <a:ext cx="63202" cy="63202"/>
             </a:xfrm>
             <a:custGeom>
@@ -15986,7 +15986,7 @@
           </p:nvSpPr>
           <p:spPr>
             <a:xfrm>
-              <a:off x="4507980" y="1593985"/>
+              <a:off x="4545675" y="1593716"/>
               <a:ext cx="63202" cy="63202"/>
             </a:xfrm>
             <a:custGeom>
@@ -16029,7 +16029,7 @@
           </p:nvSpPr>
           <p:spPr>
             <a:xfrm>
-              <a:off x="4590179" y="1739560"/>
+              <a:off x="4718831" y="1739380"/>
               <a:ext cx="63202" cy="63202"/>
             </a:xfrm>
             <a:custGeom>
@@ -16072,7 +16072,7 @@
           </p:nvSpPr>
           <p:spPr>
             <a:xfrm>
-              <a:off x="4733446" y="1734551"/>
+              <a:off x="4579137" y="1734337"/>
               <a:ext cx="63202" cy="63202"/>
             </a:xfrm>
             <a:custGeom>
@@ -16171,7 +16171,7 @@
           </p:nvSpPr>
           <p:spPr>
             <a:xfrm>
-              <a:off x="4284320" y="4732132"/>
+              <a:off x="4284320" y="4732022"/>
               <a:ext cx="2817450" cy="0"/>
             </a:xfrm>
             <a:custGeom>
@@ -16214,7 +16214,7 @@
           </p:nvSpPr>
           <p:spPr>
             <a:xfrm>
-              <a:off x="4284320" y="4363464"/>
+              <a:off x="4284320" y="4363340"/>
               <a:ext cx="2817450" cy="0"/>
             </a:xfrm>
             <a:custGeom>
@@ -16257,7 +16257,7 @@
           </p:nvSpPr>
           <p:spPr>
             <a:xfrm>
-              <a:off x="4284320" y="3994796"/>
+              <a:off x="4284320" y="3994657"/>
               <a:ext cx="2817450" cy="0"/>
             </a:xfrm>
             <a:custGeom>
@@ -16300,7 +16300,7 @@
           </p:nvSpPr>
           <p:spPr>
             <a:xfrm>
-              <a:off x="4284320" y="3626128"/>
+              <a:off x="4284320" y="3625975"/>
               <a:ext cx="2817450" cy="0"/>
             </a:xfrm>
             <a:custGeom>
@@ -16343,7 +16343,7 @@
           </p:nvSpPr>
           <p:spPr>
             <a:xfrm>
-              <a:off x="4284320" y="4916466"/>
+              <a:off x="4284320" y="4916363"/>
               <a:ext cx="2817450" cy="0"/>
             </a:xfrm>
             <a:custGeom>
@@ -16386,7 +16386,7 @@
           </p:nvSpPr>
           <p:spPr>
             <a:xfrm>
-              <a:off x="4284320" y="4547798"/>
+              <a:off x="4284320" y="4547681"/>
               <a:ext cx="2817450" cy="0"/>
             </a:xfrm>
             <a:custGeom>
@@ -16429,7 +16429,7 @@
           </p:nvSpPr>
           <p:spPr>
             <a:xfrm>
-              <a:off x="4284320" y="4179130"/>
+              <a:off x="4284320" y="4178998"/>
               <a:ext cx="2817450" cy="0"/>
             </a:xfrm>
             <a:custGeom>
@@ -16472,7 +16472,7 @@
           </p:nvSpPr>
           <p:spPr>
             <a:xfrm>
-              <a:off x="4284320" y="3810462"/>
+              <a:off x="4284320" y="3810316"/>
               <a:ext cx="2817450" cy="0"/>
             </a:xfrm>
             <a:custGeom>
@@ -16515,7 +16515,7 @@
           </p:nvSpPr>
           <p:spPr>
             <a:xfrm>
-              <a:off x="4284320" y="3441794"/>
+              <a:off x="4284320" y="3441634"/>
               <a:ext cx="2817450" cy="0"/>
             </a:xfrm>
             <a:custGeom>
@@ -16687,7 +16687,7 @@
           </p:nvSpPr>
           <p:spPr>
             <a:xfrm>
-              <a:off x="5896726" y="4160864"/>
+              <a:off x="5769572" y="4160700"/>
               <a:ext cx="63202" cy="63202"/>
             </a:xfrm>
             <a:custGeom>
@@ -16730,7 +16730,7 @@
           </p:nvSpPr>
           <p:spPr>
             <a:xfrm>
-              <a:off x="4937723" y="3691955"/>
+              <a:off x="4449080" y="3691590"/>
               <a:ext cx="63202" cy="63202"/>
             </a:xfrm>
             <a:custGeom>
@@ -16773,7 +16773,7 @@
           </p:nvSpPr>
           <p:spPr>
             <a:xfrm>
-              <a:off x="6663232" y="3947841"/>
+              <a:off x="6799828" y="3947463"/>
               <a:ext cx="63202" cy="63202"/>
             </a:xfrm>
             <a:custGeom>
@@ -16816,7 +16816,7 @@
           </p:nvSpPr>
           <p:spPr>
             <a:xfrm>
-              <a:off x="6611145" y="4838871"/>
+              <a:off x="6510547" y="4838696"/>
               <a:ext cx="63202" cy="63202"/>
             </a:xfrm>
             <a:custGeom>
@@ -16859,7 +16859,7 @@
           </p:nvSpPr>
           <p:spPr>
             <a:xfrm>
-              <a:off x="6410303" y="4870734"/>
+              <a:off x="6673812" y="4870774"/>
               <a:ext cx="63202" cy="63202"/>
             </a:xfrm>
             <a:custGeom>
@@ -16958,7 +16958,7 @@
           </p:nvSpPr>
           <p:spPr>
             <a:xfrm>
-              <a:off x="4284320" y="6657465"/>
+              <a:off x="4284320" y="6657354"/>
               <a:ext cx="2817450" cy="0"/>
             </a:xfrm>
             <a:custGeom>
@@ -17001,7 +17001,7 @@
           </p:nvSpPr>
           <p:spPr>
             <a:xfrm>
-              <a:off x="4284320" y="6288797"/>
+              <a:off x="4284320" y="6288672"/>
               <a:ext cx="2817450" cy="0"/>
             </a:xfrm>
             <a:custGeom>
@@ -17044,7 +17044,7 @@
           </p:nvSpPr>
           <p:spPr>
             <a:xfrm>
-              <a:off x="4284320" y="5920128"/>
+              <a:off x="4284320" y="5919990"/>
               <a:ext cx="2817450" cy="0"/>
             </a:xfrm>
             <a:custGeom>
@@ -17087,7 +17087,7 @@
           </p:nvSpPr>
           <p:spPr>
             <a:xfrm>
-              <a:off x="4284320" y="5551460"/>
+              <a:off x="4284320" y="5551307"/>
               <a:ext cx="2817450" cy="0"/>
             </a:xfrm>
             <a:custGeom>
@@ -17130,7 +17130,7 @@
           </p:nvSpPr>
           <p:spPr>
             <a:xfrm>
-              <a:off x="4284320" y="6841799"/>
+              <a:off x="4284320" y="6841696"/>
               <a:ext cx="2817450" cy="0"/>
             </a:xfrm>
             <a:custGeom>
@@ -17173,7 +17173,7 @@
           </p:nvSpPr>
           <p:spPr>
             <a:xfrm>
-              <a:off x="4284320" y="6473131"/>
+              <a:off x="4284320" y="6473013"/>
               <a:ext cx="2817450" cy="0"/>
             </a:xfrm>
             <a:custGeom>
@@ -17216,7 +17216,7 @@
           </p:nvSpPr>
           <p:spPr>
             <a:xfrm>
-              <a:off x="4284320" y="6104463"/>
+              <a:off x="4284320" y="6104331"/>
               <a:ext cx="2817450" cy="0"/>
             </a:xfrm>
             <a:custGeom>
@@ -17259,7 +17259,7 @@
           </p:nvSpPr>
           <p:spPr>
             <a:xfrm>
-              <a:off x="4284320" y="5735794"/>
+              <a:off x="4284320" y="5735649"/>
               <a:ext cx="2817450" cy="0"/>
             </a:xfrm>
             <a:custGeom>
@@ -17302,7 +17302,7 @@
           </p:nvSpPr>
           <p:spPr>
             <a:xfrm>
-              <a:off x="4284320" y="5367126"/>
+              <a:off x="4284320" y="5366966"/>
               <a:ext cx="2817450" cy="0"/>
             </a:xfrm>
             <a:custGeom>
@@ -17474,7 +17474,7 @@
           </p:nvSpPr>
           <p:spPr>
             <a:xfrm>
-              <a:off x="5013219" y="5399693"/>
+              <a:off x="4583069" y="5399522"/>
               <a:ext cx="63202" cy="63202"/>
             </a:xfrm>
             <a:custGeom>
@@ -17517,7 +17517,7 @@
           </p:nvSpPr>
           <p:spPr>
             <a:xfrm>
-              <a:off x="4531834" y="5333632"/>
+              <a:off x="4764116" y="5333476"/>
               <a:ext cx="63202" cy="63202"/>
             </a:xfrm>
             <a:custGeom>
@@ -17560,7 +17560,7 @@
           </p:nvSpPr>
           <p:spPr>
             <a:xfrm>
-              <a:off x="4808055" y="5353474"/>
+              <a:off x="4569304" y="5353519"/>
               <a:ext cx="63202" cy="63202"/>
             </a:xfrm>
             <a:custGeom>
@@ -17603,7 +17603,7 @@
           </p:nvSpPr>
           <p:spPr>
             <a:xfrm>
-              <a:off x="5101793" y="5356648"/>
+              <a:off x="4739059" y="5356407"/>
               <a:ext cx="63202" cy="63202"/>
             </a:xfrm>
             <a:custGeom>
@@ -17646,7 +17646,7 @@
           </p:nvSpPr>
           <p:spPr>
             <a:xfrm>
-              <a:off x="6814393" y="6802804"/>
+              <a:off x="6515452" y="6802793"/>
               <a:ext cx="63202" cy="63202"/>
             </a:xfrm>
             <a:custGeom>
@@ -17689,7 +17689,7 @@
           </p:nvSpPr>
           <p:spPr>
             <a:xfrm>
-              <a:off x="4758040" y="5385591"/>
+              <a:off x="5019810" y="5385539"/>
               <a:ext cx="63202" cy="63202"/>
             </a:xfrm>
             <a:custGeom>
@@ -17732,7 +17732,7 @@
           </p:nvSpPr>
           <p:spPr>
             <a:xfrm>
-              <a:off x="5007212" y="5339281"/>
+              <a:off x="4940029" y="5339136"/>
               <a:ext cx="63202" cy="63202"/>
             </a:xfrm>
             <a:custGeom>
@@ -17775,7 +17775,7 @@
           </p:nvSpPr>
           <p:spPr>
             <a:xfrm>
-              <a:off x="4566112" y="5395953"/>
+              <a:off x="4492749" y="5395894"/>
               <a:ext cx="63202" cy="63202"/>
             </a:xfrm>
             <a:custGeom>
@@ -17818,7 +17818,7 @@
           </p:nvSpPr>
           <p:spPr>
             <a:xfrm>
-              <a:off x="4615207" y="5359241"/>
+              <a:off x="4845317" y="5358909"/>
               <a:ext cx="63202" cy="63202"/>
             </a:xfrm>
             <a:custGeom>
@@ -17861,7 +17861,7 @@
           </p:nvSpPr>
           <p:spPr>
             <a:xfrm>
-              <a:off x="4594040" y="5396010"/>
+              <a:off x="4623440" y="5395772"/>
               <a:ext cx="63202" cy="63202"/>
             </a:xfrm>
             <a:custGeom>
@@ -17904,7 +17904,7 @@
           </p:nvSpPr>
           <p:spPr>
             <a:xfrm>
-              <a:off x="4771742" y="5350900"/>
+              <a:off x="4742285" y="5350776"/>
               <a:ext cx="63202" cy="63202"/>
             </a:xfrm>
             <a:custGeom>
@@ -17947,7 +17947,7 @@
           </p:nvSpPr>
           <p:spPr>
             <a:xfrm>
-              <a:off x="4760312" y="5502219"/>
+              <a:off x="4963779" y="5501998"/>
               <a:ext cx="63202" cy="63202"/>
             </a:xfrm>
             <a:custGeom>
@@ -17990,7 +17990,7 @@
           </p:nvSpPr>
           <p:spPr>
             <a:xfrm>
-              <a:off x="4894304" y="5333045"/>
+              <a:off x="5014867" y="5332806"/>
               <a:ext cx="63202" cy="63202"/>
             </a:xfrm>
             <a:custGeom>
@@ -18033,7 +18033,7 @@
           </p:nvSpPr>
           <p:spPr>
             <a:xfrm>
-              <a:off x="4698856" y="5350318"/>
+              <a:off x="4903582" y="5350050"/>
               <a:ext cx="63202" cy="63202"/>
             </a:xfrm>
             <a:custGeom>
@@ -18076,7 +18076,7 @@
           </p:nvSpPr>
           <p:spPr>
             <a:xfrm>
-              <a:off x="5102085" y="5350389"/>
+              <a:off x="5028197" y="5350203"/>
               <a:ext cx="63202" cy="63202"/>
             </a:xfrm>
             <a:custGeom>
@@ -18119,7 +18119,7 @@
           </p:nvSpPr>
           <p:spPr>
             <a:xfrm>
-              <a:off x="4722846" y="5328599"/>
+              <a:off x="5008076" y="5328434"/>
               <a:ext cx="63202" cy="63202"/>
             </a:xfrm>
             <a:custGeom>
@@ -18162,7 +18162,7 @@
           </p:nvSpPr>
           <p:spPr>
             <a:xfrm>
-              <a:off x="4834297" y="5351274"/>
+              <a:off x="4718515" y="5351297"/>
               <a:ext cx="63202" cy="63202"/>
             </a:xfrm>
             <a:custGeom>
@@ -18205,7 +18205,7 @@
           </p:nvSpPr>
           <p:spPr>
             <a:xfrm>
-              <a:off x="4921496" y="5322857"/>
+              <a:off x="4748478" y="5322754"/>
               <a:ext cx="63202" cy="63202"/>
             </a:xfrm>
             <a:custGeom>
@@ -18248,7 +18248,7 @@
           </p:nvSpPr>
           <p:spPr>
             <a:xfrm>
-              <a:off x="5056931" y="5385577"/>
+              <a:off x="5058450" y="5385516"/>
               <a:ext cx="63202" cy="63202"/>
             </a:xfrm>
             <a:custGeom>
@@ -18291,7 +18291,7 @@
           </p:nvSpPr>
           <p:spPr>
             <a:xfrm>
-              <a:off x="4705233" y="5322235"/>
+              <a:off x="4471148" y="5322206"/>
               <a:ext cx="63202" cy="63202"/>
             </a:xfrm>
             <a:custGeom>
@@ -18334,7 +18334,7 @@
           </p:nvSpPr>
           <p:spPr>
             <a:xfrm>
-              <a:off x="4603585" y="5376474"/>
+              <a:off x="4469324" y="5376434"/>
               <a:ext cx="63202" cy="63202"/>
             </a:xfrm>
             <a:custGeom>
@@ -18377,7 +18377,7 @@
           </p:nvSpPr>
           <p:spPr>
             <a:xfrm>
-              <a:off x="4915741" y="5370433"/>
+              <a:off x="4479358" y="5370381"/>
               <a:ext cx="63202" cy="63202"/>
             </a:xfrm>
             <a:custGeom>
@@ -18420,7 +18420,7 @@
           </p:nvSpPr>
           <p:spPr>
             <a:xfrm>
-              <a:off x="4898340" y="5394793"/>
+              <a:off x="5058928" y="5394632"/>
               <a:ext cx="63202" cy="63202"/>
             </a:xfrm>
             <a:custGeom>
@@ -18463,7 +18463,7 @@
           </p:nvSpPr>
           <p:spPr>
             <a:xfrm>
-              <a:off x="4529022" y="5381855"/>
+              <a:off x="4784066" y="5381883"/>
               <a:ext cx="63202" cy="63202"/>
             </a:xfrm>
             <a:custGeom>
@@ -18506,7 +18506,7 @@
           </p:nvSpPr>
           <p:spPr>
             <a:xfrm>
-              <a:off x="5087013" y="5340205"/>
+              <a:off x="4651964" y="5340125"/>
               <a:ext cx="63202" cy="63202"/>
             </a:xfrm>
             <a:custGeom>
@@ -18549,7 +18549,7 @@
           </p:nvSpPr>
           <p:spPr>
             <a:xfrm>
-              <a:off x="4620093" y="5385426"/>
+              <a:off x="5112151" y="5385185"/>
               <a:ext cx="63202" cy="63202"/>
             </a:xfrm>
             <a:custGeom>
@@ -18592,7 +18592,7 @@
           </p:nvSpPr>
           <p:spPr>
             <a:xfrm>
-              <a:off x="4662290" y="5405514"/>
+              <a:off x="4445700" y="5405398"/>
               <a:ext cx="63202" cy="63202"/>
             </a:xfrm>
             <a:custGeom>
@@ -18635,7 +18635,7 @@
           </p:nvSpPr>
           <p:spPr>
             <a:xfrm>
-              <a:off x="4438840" y="5415459"/>
+              <a:off x="5098680" y="5415323"/>
               <a:ext cx="63202" cy="63202"/>
             </a:xfrm>
             <a:custGeom>
@@ -18678,7 +18678,7 @@
           </p:nvSpPr>
           <p:spPr>
             <a:xfrm>
-              <a:off x="4593323" y="5406794"/>
+              <a:off x="4942874" y="5406585"/>
               <a:ext cx="63202" cy="63202"/>
             </a:xfrm>
             <a:custGeom>
@@ -18721,7 +18721,7 @@
           </p:nvSpPr>
           <p:spPr>
             <a:xfrm>
-              <a:off x="4616388" y="5336291"/>
+              <a:off x="4487763" y="5336245"/>
               <a:ext cx="63202" cy="63202"/>
             </a:xfrm>
             <a:custGeom>
@@ -18764,7 +18764,7 @@
           </p:nvSpPr>
           <p:spPr>
             <a:xfrm>
-              <a:off x="4858450" y="5360222"/>
+              <a:off x="4924880" y="5360112"/>
               <a:ext cx="63202" cy="63202"/>
             </a:xfrm>
             <a:custGeom>
@@ -18807,7 +18807,7 @@
           </p:nvSpPr>
           <p:spPr>
             <a:xfrm>
-              <a:off x="4668297" y="5375245"/>
+              <a:off x="5049387" y="5375105"/>
               <a:ext cx="63202" cy="63202"/>
             </a:xfrm>
             <a:custGeom>
@@ -18850,7 +18850,7 @@
           </p:nvSpPr>
           <p:spPr>
             <a:xfrm>
-              <a:off x="5023910" y="5342555"/>
+              <a:off x="4779202" y="5342503"/>
               <a:ext cx="63202" cy="63202"/>
             </a:xfrm>
             <a:custGeom>
@@ -18893,7 +18893,7 @@
           </p:nvSpPr>
           <p:spPr>
             <a:xfrm>
-              <a:off x="4677829" y="5339309"/>
+              <a:off x="4699426" y="5339065"/>
               <a:ext cx="63202" cy="63202"/>
             </a:xfrm>
             <a:custGeom>
@@ -18936,7 +18936,7 @@
           </p:nvSpPr>
           <p:spPr>
             <a:xfrm>
-              <a:off x="4826000" y="5397853"/>
+              <a:off x="4607293" y="5397552"/>
               <a:ext cx="63202" cy="63202"/>
             </a:xfrm>
             <a:custGeom>
@@ -18979,7 +18979,7 @@
           </p:nvSpPr>
           <p:spPr>
             <a:xfrm>
-              <a:off x="4549308" y="5385776"/>
+              <a:off x="4531903" y="5385464"/>
               <a:ext cx="63202" cy="63202"/>
             </a:xfrm>
             <a:custGeom>
@@ -19022,7 +19022,7 @@
           </p:nvSpPr>
           <p:spPr>
             <a:xfrm>
-              <a:off x="4459392" y="5343234"/>
+              <a:off x="5109392" y="5343203"/>
               <a:ext cx="63202" cy="63202"/>
             </a:xfrm>
             <a:custGeom>
@@ -19065,7 +19065,7 @@
           </p:nvSpPr>
           <p:spPr>
             <a:xfrm>
-              <a:off x="5038909" y="5328528"/>
+              <a:off x="4923434" y="5328337"/>
               <a:ext cx="63202" cy="63202"/>
             </a:xfrm>
             <a:custGeom>
@@ -19108,7 +19108,7 @@
           </p:nvSpPr>
           <p:spPr>
             <a:xfrm>
-              <a:off x="4669459" y="5385560"/>
+              <a:off x="4792298" y="5385360"/>
               <a:ext cx="63202" cy="63202"/>
             </a:xfrm>
             <a:custGeom>
@@ -19151,7 +19151,7 @@
           </p:nvSpPr>
           <p:spPr>
             <a:xfrm>
-              <a:off x="4940167" y="5380405"/>
+              <a:off x="4626713" y="5380406"/>
               <a:ext cx="63202" cy="63202"/>
             </a:xfrm>
             <a:custGeom>
@@ -19194,7 +19194,7 @@
           </p:nvSpPr>
           <p:spPr>
             <a:xfrm>
-              <a:off x="4532828" y="5341540"/>
+              <a:off x="5062394" y="5341231"/>
               <a:ext cx="63202" cy="63202"/>
             </a:xfrm>
             <a:custGeom>
@@ -19237,7 +19237,7 @@
           </p:nvSpPr>
           <p:spPr>
             <a:xfrm>
-              <a:off x="4939267" y="5346596"/>
+              <a:off x="4960718" y="5346395"/>
               <a:ext cx="63202" cy="63202"/>
             </a:xfrm>
             <a:custGeom>
@@ -19280,7 +19280,7 @@
           </p:nvSpPr>
           <p:spPr>
             <a:xfrm>
-              <a:off x="5610036" y="6413108"/>
+              <a:off x="5401953" y="6413020"/>
               <a:ext cx="63202" cy="63202"/>
             </a:xfrm>
             <a:custGeom>
@@ -19323,7 +19323,7 @@
           </p:nvSpPr>
           <p:spPr>
             <a:xfrm>
-              <a:off x="5028932" y="5361798"/>
+              <a:off x="4634241" y="5361417"/>
               <a:ext cx="63202" cy="63202"/>
             </a:xfrm>
             <a:custGeom>
@@ -19366,7 +19366,7 @@
           </p:nvSpPr>
           <p:spPr>
             <a:xfrm>
-              <a:off x="4745460" y="5391313"/>
+              <a:off x="4648751" y="5391048"/>
               <a:ext cx="63202" cy="63202"/>
             </a:xfrm>
             <a:custGeom>
@@ -19409,7 +19409,7 @@
           </p:nvSpPr>
           <p:spPr>
             <a:xfrm>
-              <a:off x="4579172" y="5343959"/>
+              <a:off x="4516133" y="5343828"/>
               <a:ext cx="63202" cy="63202"/>
             </a:xfrm>
             <a:custGeom>
@@ -19452,7 +19452,7 @@
           </p:nvSpPr>
           <p:spPr>
             <a:xfrm>
-              <a:off x="4644905" y="5433354"/>
+              <a:off x="4562997" y="5433037"/>
               <a:ext cx="63202" cy="63202"/>
             </a:xfrm>
             <a:custGeom>
@@ -19495,7 +19495,7 @@
           </p:nvSpPr>
           <p:spPr>
             <a:xfrm>
-              <a:off x="4450211" y="5348850"/>
+              <a:off x="4780807" y="5348736"/>
               <a:ext cx="63202" cy="63202"/>
             </a:xfrm>
             <a:custGeom>
@@ -19538,7 +19538,7 @@
           </p:nvSpPr>
           <p:spPr>
             <a:xfrm>
-              <a:off x="4675617" y="5371394"/>
+              <a:off x="4759285" y="5371127"/>
               <a:ext cx="63202" cy="63202"/>
             </a:xfrm>
             <a:custGeom>
@@ -19581,7 +19581,7 @@
           </p:nvSpPr>
           <p:spPr>
             <a:xfrm>
-              <a:off x="4606990" y="5341665"/>
+              <a:off x="4676075" y="5341569"/>
               <a:ext cx="63202" cy="63202"/>
             </a:xfrm>
             <a:custGeom>
@@ -19624,7 +19624,7 @@
           </p:nvSpPr>
           <p:spPr>
             <a:xfrm>
-              <a:off x="4686427" y="5336390"/>
+              <a:off x="4862105" y="5336197"/>
               <a:ext cx="63202" cy="63202"/>
             </a:xfrm>
             <a:custGeom>
@@ -19667,7 +19667,7 @@
           </p:nvSpPr>
           <p:spPr>
             <a:xfrm>
-              <a:off x="4823682" y="5371700"/>
+              <a:off x="5102700" y="5371450"/>
               <a:ext cx="63202" cy="63202"/>
             </a:xfrm>
             <a:custGeom>
@@ -19710,7 +19710,7 @@
           </p:nvSpPr>
           <p:spPr>
             <a:xfrm>
-              <a:off x="4474291" y="5359792"/>
+              <a:off x="5022894" y="5359636"/>
               <a:ext cx="63202" cy="63202"/>
             </a:xfrm>
             <a:custGeom>
@@ -19753,7 +19753,7 @@
           </p:nvSpPr>
           <p:spPr>
             <a:xfrm>
-              <a:off x="5051264" y="5383526"/>
+              <a:off x="4857710" y="5383404"/>
               <a:ext cx="63202" cy="63202"/>
             </a:xfrm>
             <a:custGeom>
@@ -19796,7 +19796,7 @@
           </p:nvSpPr>
           <p:spPr>
             <a:xfrm>
-              <a:off x="4849683" y="5367267"/>
+              <a:off x="5001138" y="5366967"/>
               <a:ext cx="63202" cy="63202"/>
             </a:xfrm>
             <a:custGeom>
@@ -19839,7 +19839,7 @@
           </p:nvSpPr>
           <p:spPr>
             <a:xfrm>
-              <a:off x="5117748" y="5342233"/>
+              <a:off x="4512022" y="5342035"/>
               <a:ext cx="63202" cy="63202"/>
             </a:xfrm>
             <a:custGeom>
@@ -19882,7 +19882,7 @@
           </p:nvSpPr>
           <p:spPr>
             <a:xfrm>
-              <a:off x="4530520" y="5335824"/>
+              <a:off x="4889323" y="5335870"/>
               <a:ext cx="63202" cy="63202"/>
             </a:xfrm>
             <a:custGeom>
@@ -19925,7 +19925,7 @@
           </p:nvSpPr>
           <p:spPr>
             <a:xfrm>
-              <a:off x="4893938" y="5337460"/>
+              <a:off x="4671531" y="5337200"/>
               <a:ext cx="63202" cy="63202"/>
             </a:xfrm>
             <a:custGeom>
@@ -19968,7 +19968,7 @@
           </p:nvSpPr>
           <p:spPr>
             <a:xfrm>
-              <a:off x="5028321" y="5351309"/>
+              <a:off x="4787577" y="5351115"/>
               <a:ext cx="63202" cy="63202"/>
             </a:xfrm>
             <a:custGeom>
@@ -20011,7 +20011,7 @@
           </p:nvSpPr>
           <p:spPr>
             <a:xfrm>
-              <a:off x="5024286" y="5329531"/>
+              <a:off x="4722570" y="5329429"/>
               <a:ext cx="63202" cy="63202"/>
             </a:xfrm>
             <a:custGeom>
@@ -20054,7 +20054,7 @@
           </p:nvSpPr>
           <p:spPr>
             <a:xfrm>
-              <a:off x="5091767" y="5357691"/>
+              <a:off x="4497061" y="5357494"/>
               <a:ext cx="63202" cy="63202"/>
             </a:xfrm>
             <a:custGeom>
@@ -20097,7 +20097,7 @@
           </p:nvSpPr>
           <p:spPr>
             <a:xfrm>
-              <a:off x="4524822" y="5344355"/>
+              <a:off x="4819924" y="5344230"/>
               <a:ext cx="63202" cy="63202"/>
             </a:xfrm>
             <a:custGeom>
@@ -20140,7 +20140,7 @@
           </p:nvSpPr>
           <p:spPr>
             <a:xfrm>
-              <a:off x="6587266" y="6795366"/>
+              <a:off x="6710351" y="6795216"/>
               <a:ext cx="63202" cy="63202"/>
             </a:xfrm>
             <a:custGeom>
@@ -20183,7 +20183,7 @@
           </p:nvSpPr>
           <p:spPr>
             <a:xfrm>
-              <a:off x="4979761" y="5339143"/>
+              <a:off x="4520123" y="5339117"/>
               <a:ext cx="63202" cy="63202"/>
             </a:xfrm>
             <a:custGeom>
@@ -20226,7 +20226,7 @@
           </p:nvSpPr>
           <p:spPr>
             <a:xfrm>
-              <a:off x="4891952" y="5383878"/>
+              <a:off x="4454660" y="5383587"/>
               <a:ext cx="63202" cy="63202"/>
             </a:xfrm>
             <a:custGeom>
@@ -20269,7 +20269,7 @@
           </p:nvSpPr>
           <p:spPr>
             <a:xfrm>
-              <a:off x="4556149" y="5370892"/>
+              <a:off x="5010424" y="5370847"/>
               <a:ext cx="63202" cy="63202"/>
             </a:xfrm>
             <a:custGeom>
@@ -20312,7 +20312,7 @@
           </p:nvSpPr>
           <p:spPr>
             <a:xfrm>
-              <a:off x="4982397" y="5334654"/>
+              <a:off x="4904088" y="5334530"/>
               <a:ext cx="63202" cy="63202"/>
             </a:xfrm>
             <a:custGeom>
@@ -20355,7 +20355,7 @@
           </p:nvSpPr>
           <p:spPr>
             <a:xfrm>
-              <a:off x="4893532" y="5584472"/>
+              <a:off x="4525993" y="5584242"/>
               <a:ext cx="63202" cy="63202"/>
             </a:xfrm>
             <a:custGeom>
@@ -20398,7 +20398,7 @@
           </p:nvSpPr>
           <p:spPr>
             <a:xfrm>
-              <a:off x="5634223" y="6224397"/>
+              <a:off x="5679594" y="6224175"/>
               <a:ext cx="63202" cy="63202"/>
             </a:xfrm>
             <a:custGeom>
@@ -20441,7 +20441,7 @@
           </p:nvSpPr>
           <p:spPr>
             <a:xfrm>
-              <a:off x="4429527" y="5385964"/>
+              <a:off x="4919800" y="5385866"/>
               <a:ext cx="63202" cy="63202"/>
             </a:xfrm>
             <a:custGeom>
@@ -20484,7 +20484,7 @@
           </p:nvSpPr>
           <p:spPr>
             <a:xfrm>
-              <a:off x="4943607" y="5377065"/>
+              <a:off x="4480520" y="5377006"/>
               <a:ext cx="63202" cy="63202"/>
             </a:xfrm>
             <a:custGeom>
@@ -20527,7 +20527,7 @@
           </p:nvSpPr>
           <p:spPr>
             <a:xfrm>
-              <a:off x="4548387" y="5328436"/>
+              <a:off x="4600506" y="5328462"/>
               <a:ext cx="63202" cy="63202"/>
             </a:xfrm>
             <a:custGeom>
@@ -20570,7 +20570,7 @@
           </p:nvSpPr>
           <p:spPr>
             <a:xfrm>
-              <a:off x="4778170" y="5520354"/>
+              <a:off x="5115258" y="5520132"/>
               <a:ext cx="63202" cy="63202"/>
             </a:xfrm>
             <a:custGeom>
@@ -20613,7 +20613,7 @@
           </p:nvSpPr>
           <p:spPr>
             <a:xfrm>
-              <a:off x="4579790" y="5323598"/>
+              <a:off x="4764921" y="5323598"/>
               <a:ext cx="63202" cy="63202"/>
             </a:xfrm>
             <a:custGeom>
@@ -20656,7 +20656,7 @@
           </p:nvSpPr>
           <p:spPr>
             <a:xfrm>
-              <a:off x="4492366" y="5375441"/>
+              <a:off x="4634782" y="5375193"/>
               <a:ext cx="63202" cy="63202"/>
             </a:xfrm>
             <a:custGeom>
@@ -20699,7 +20699,7 @@
           </p:nvSpPr>
           <p:spPr>
             <a:xfrm>
-              <a:off x="4542843" y="5433180"/>
+              <a:off x="4858372" y="5432949"/>
               <a:ext cx="63202" cy="63202"/>
             </a:xfrm>
             <a:custGeom>
@@ -20742,7 +20742,7 @@
           </p:nvSpPr>
           <p:spPr>
             <a:xfrm>
-              <a:off x="4743943" y="5729159"/>
+              <a:off x="4933296" y="5729178"/>
               <a:ext cx="63202" cy="63202"/>
             </a:xfrm>
             <a:custGeom>
@@ -20785,7 +20785,7 @@
           </p:nvSpPr>
           <p:spPr>
             <a:xfrm>
-              <a:off x="4776648" y="5357513"/>
+              <a:off x="4650019" y="5357508"/>
               <a:ext cx="63202" cy="63202"/>
             </a:xfrm>
             <a:custGeom>
@@ -20828,7 +20828,7 @@
           </p:nvSpPr>
           <p:spPr>
             <a:xfrm>
-              <a:off x="4657519" y="5339185"/>
+              <a:off x="5039217" y="5339122"/>
               <a:ext cx="63202" cy="63202"/>
             </a:xfrm>
             <a:custGeom>
@@ -20871,7 +20871,7 @@
           </p:nvSpPr>
           <p:spPr>
             <a:xfrm>
-              <a:off x="4842228" y="5405218"/>
+              <a:off x="5077922" y="5405069"/>
               <a:ext cx="63202" cy="63202"/>
             </a:xfrm>
             <a:custGeom>
@@ -20914,7 +20914,7 @@
           </p:nvSpPr>
           <p:spPr>
             <a:xfrm>
-              <a:off x="4877633" y="5727752"/>
+              <a:off x="4610760" y="5727757"/>
               <a:ext cx="63202" cy="63202"/>
             </a:xfrm>
             <a:custGeom>
@@ -20957,7 +20957,7 @@
           </p:nvSpPr>
           <p:spPr>
             <a:xfrm>
-              <a:off x="5017957" y="5678467"/>
+              <a:off x="4857752" y="5678355"/>
               <a:ext cx="63202" cy="63202"/>
             </a:xfrm>
             <a:custGeom>
@@ -21000,7 +21000,7 @@
           </p:nvSpPr>
           <p:spPr>
             <a:xfrm>
-              <a:off x="4512297" y="5960162"/>
+              <a:off x="4495950" y="5959818"/>
               <a:ext cx="63202" cy="63202"/>
             </a:xfrm>
             <a:custGeom>
@@ -21043,7 +21043,7 @@
           </p:nvSpPr>
           <p:spPr>
             <a:xfrm>
-              <a:off x="4675600" y="5388641"/>
+              <a:off x="4797475" y="5388588"/>
               <a:ext cx="63202" cy="63202"/>
             </a:xfrm>
             <a:custGeom>
@@ -21086,7 +21086,7 @@
           </p:nvSpPr>
           <p:spPr>
             <a:xfrm>
-              <a:off x="5326340" y="6485142"/>
+              <a:off x="5478279" y="6484812"/>
               <a:ext cx="63202" cy="63202"/>
             </a:xfrm>
             <a:custGeom>
@@ -21129,7 +21129,7 @@
           </p:nvSpPr>
           <p:spPr>
             <a:xfrm>
-              <a:off x="4657044" y="5356453"/>
+              <a:off x="4522040" y="5356463"/>
               <a:ext cx="63202" cy="63202"/>
             </a:xfrm>
             <a:custGeom>
@@ -21172,7 +21172,7 @@
           </p:nvSpPr>
           <p:spPr>
             <a:xfrm>
-              <a:off x="4786574" y="5362022"/>
+              <a:off x="4566007" y="5361915"/>
               <a:ext cx="63202" cy="63202"/>
             </a:xfrm>
             <a:custGeom>
@@ -21215,7 +21215,7 @@
           </p:nvSpPr>
           <p:spPr>
             <a:xfrm>
-              <a:off x="5043373" y="5351634"/>
+              <a:off x="4623735" y="5351659"/>
               <a:ext cx="63202" cy="63202"/>
             </a:xfrm>
             <a:custGeom>
@@ -21258,7 +21258,7 @@
           </p:nvSpPr>
           <p:spPr>
             <a:xfrm>
-              <a:off x="5071221" y="6057269"/>
+              <a:off x="5025933" y="6057237"/>
               <a:ext cx="63202" cy="63202"/>
             </a:xfrm>
             <a:custGeom>
@@ -21301,7 +21301,7 @@
           </p:nvSpPr>
           <p:spPr>
             <a:xfrm>
-              <a:off x="4867008" y="5337771"/>
+              <a:off x="4541238" y="5337678"/>
               <a:ext cx="63202" cy="63202"/>
             </a:xfrm>
             <a:custGeom>
@@ -21344,7 +21344,7 @@
           </p:nvSpPr>
           <p:spPr>
             <a:xfrm>
-              <a:off x="5123137" y="5395995"/>
+              <a:off x="4911662" y="5395972"/>
               <a:ext cx="63202" cy="63202"/>
             </a:xfrm>
             <a:custGeom>
@@ -21387,7 +21387,7 @@
           </p:nvSpPr>
           <p:spPr>
             <a:xfrm>
-              <a:off x="4974182" y="5485593"/>
+              <a:off x="4438238" y="5485500"/>
               <a:ext cx="63202" cy="63202"/>
             </a:xfrm>
             <a:custGeom>
@@ -21430,7 +21430,7 @@
           </p:nvSpPr>
           <p:spPr>
             <a:xfrm>
-              <a:off x="4755534" y="5335498"/>
+              <a:off x="5130237" y="5335486"/>
               <a:ext cx="63202" cy="63202"/>
             </a:xfrm>
             <a:custGeom>
@@ -21473,7 +21473,7 @@
           </p:nvSpPr>
           <p:spPr>
             <a:xfrm>
-              <a:off x="4436841" y="5358664"/>
+              <a:off x="5090360" y="5358677"/>
               <a:ext cx="63202" cy="63202"/>
             </a:xfrm>
             <a:custGeom>
@@ -21516,7 +21516,7 @@
           </p:nvSpPr>
           <p:spPr>
             <a:xfrm>
-              <a:off x="4581482" y="5342065"/>
+              <a:off x="5067050" y="5342101"/>
               <a:ext cx="63202" cy="63202"/>
             </a:xfrm>
             <a:custGeom>
@@ -21559,7 +21559,7 @@
           </p:nvSpPr>
           <p:spPr>
             <a:xfrm>
-              <a:off x="4878658" y="5366850"/>
+              <a:off x="4543603" y="5366695"/>
               <a:ext cx="63202" cy="63202"/>
             </a:xfrm>
             <a:custGeom>
@@ -21602,7 +21602,7 @@
           </p:nvSpPr>
           <p:spPr>
             <a:xfrm>
-              <a:off x="4842018" y="5341326"/>
+              <a:off x="5010360" y="5341223"/>
               <a:ext cx="63202" cy="63202"/>
             </a:xfrm>
             <a:custGeom>
@@ -21645,7 +21645,7 @@
           </p:nvSpPr>
           <p:spPr>
             <a:xfrm>
-              <a:off x="5044866" y="5678371"/>
+              <a:off x="4674400" y="5678129"/>
               <a:ext cx="63202" cy="63202"/>
             </a:xfrm>
             <a:custGeom>
@@ -21688,7 +21688,7 @@
           </p:nvSpPr>
           <p:spPr>
             <a:xfrm>
-              <a:off x="4730473" y="5349421"/>
+              <a:off x="4563912" y="5349449"/>
               <a:ext cx="63202" cy="63202"/>
             </a:xfrm>
             <a:custGeom>
@@ -21731,7 +21731,7 @@
           </p:nvSpPr>
           <p:spPr>
             <a:xfrm>
-              <a:off x="5021762" y="5401025"/>
+              <a:off x="4465503" y="5401124"/>
               <a:ext cx="63202" cy="63202"/>
             </a:xfrm>
             <a:custGeom>
@@ -21774,7 +21774,7 @@
           </p:nvSpPr>
           <p:spPr>
             <a:xfrm>
-              <a:off x="4782291" y="5350148"/>
+              <a:off x="4463782" y="5350018"/>
               <a:ext cx="63202" cy="63202"/>
             </a:xfrm>
             <a:custGeom>
@@ -21817,7 +21817,7 @@
           </p:nvSpPr>
           <p:spPr>
             <a:xfrm>
-              <a:off x="4681723" y="5816696"/>
+              <a:off x="4782686" y="5816480"/>
               <a:ext cx="63202" cy="63202"/>
             </a:xfrm>
             <a:custGeom>
@@ -21860,7 +21860,7 @@
           </p:nvSpPr>
           <p:spPr>
             <a:xfrm>
-              <a:off x="4643227" y="5332306"/>
+              <a:off x="5000141" y="5332127"/>
               <a:ext cx="63202" cy="63202"/>
             </a:xfrm>
             <a:custGeom>
@@ -21903,7 +21903,7 @@
           </p:nvSpPr>
           <p:spPr>
             <a:xfrm>
-              <a:off x="4670901" y="5384336"/>
+              <a:off x="5016842" y="5384135"/>
               <a:ext cx="63202" cy="63202"/>
             </a:xfrm>
             <a:custGeom>
@@ -21946,7 +21946,7 @@
           </p:nvSpPr>
           <p:spPr>
             <a:xfrm>
-              <a:off x="4796024" y="5333040"/>
+              <a:off x="4669180" y="5332871"/>
               <a:ext cx="63202" cy="63202"/>
             </a:xfrm>
             <a:custGeom>
@@ -21989,7 +21989,7 @@
           </p:nvSpPr>
           <p:spPr>
             <a:xfrm>
-              <a:off x="5978705" y="6221490"/>
+              <a:off x="5419368" y="6221274"/>
               <a:ext cx="63202" cy="63202"/>
             </a:xfrm>
             <a:custGeom>
@@ -22032,7 +22032,7 @@
           </p:nvSpPr>
           <p:spPr>
             <a:xfrm>
-              <a:off x="5527908" y="6104243"/>
+              <a:off x="5845117" y="6104069"/>
               <a:ext cx="63202" cy="63202"/>
             </a:xfrm>
             <a:custGeom>
@@ -22075,7 +22075,7 @@
           </p:nvSpPr>
           <p:spPr>
             <a:xfrm>
-              <a:off x="4843158" y="5379830"/>
+              <a:off x="4715408" y="5379727"/>
               <a:ext cx="63202" cy="63202"/>
             </a:xfrm>
             <a:custGeom>
@@ -22118,7 +22118,7 @@
           </p:nvSpPr>
           <p:spPr>
             <a:xfrm>
-              <a:off x="4843141" y="5328599"/>
+              <a:off x="4654599" y="5328454"/>
               <a:ext cx="63202" cy="63202"/>
             </a:xfrm>
             <a:custGeom>
@@ -22161,7 +22161,7 @@
           </p:nvSpPr>
           <p:spPr>
             <a:xfrm>
-              <a:off x="4848444" y="5328613"/>
+              <a:off x="4962666" y="5328293"/>
               <a:ext cx="63202" cy="63202"/>
             </a:xfrm>
             <a:custGeom>
@@ -22204,7 +22204,7 @@
           </p:nvSpPr>
           <p:spPr>
             <a:xfrm>
-              <a:off x="4509238" y="5328504"/>
+              <a:off x="4911704" y="5328387"/>
               <a:ext cx="63202" cy="63202"/>
             </a:xfrm>
             <a:custGeom>
@@ -22247,7 +22247,7 @@
           </p:nvSpPr>
           <p:spPr>
             <a:xfrm>
-              <a:off x="4796445" y="5328464"/>
+              <a:off x="4670231" y="5328219"/>
               <a:ext cx="63202" cy="63202"/>
             </a:xfrm>
             <a:custGeom>
@@ -22290,7 +22290,7 @@
           </p:nvSpPr>
           <p:spPr>
             <a:xfrm>
-              <a:off x="4606668" y="5382800"/>
+              <a:off x="5123042" y="5382432"/>
               <a:ext cx="63202" cy="63202"/>
             </a:xfrm>
             <a:custGeom>
@@ -22333,7 +22333,7 @@
           </p:nvSpPr>
           <p:spPr>
             <a:xfrm>
-              <a:off x="4770402" y="5641807"/>
+              <a:off x="4593839" y="5641883"/>
               <a:ext cx="63202" cy="63202"/>
             </a:xfrm>
             <a:custGeom>
@@ -22376,7 +22376,7 @@
           </p:nvSpPr>
           <p:spPr>
             <a:xfrm>
-              <a:off x="5041276" y="5326654"/>
+              <a:off x="4800662" y="5326399"/>
               <a:ext cx="63202" cy="63202"/>
             </a:xfrm>
             <a:custGeom>
@@ -22419,7 +22419,7 @@
           </p:nvSpPr>
           <p:spPr>
             <a:xfrm>
-              <a:off x="4849557" y="5364191"/>
+              <a:off x="4681445" y="5364067"/>
               <a:ext cx="63202" cy="63202"/>
             </a:xfrm>
             <a:custGeom>
@@ -22462,7 +22462,7 @@
           </p:nvSpPr>
           <p:spPr>
             <a:xfrm>
-              <a:off x="4559511" y="5373627"/>
+              <a:off x="4591178" y="5373416"/>
               <a:ext cx="63202" cy="63202"/>
             </a:xfrm>
             <a:custGeom>
@@ -22505,7 +22505,7 @@
           </p:nvSpPr>
           <p:spPr>
             <a:xfrm>
-              <a:off x="4757526" y="5340455"/>
+              <a:off x="4731709" y="5340027"/>
               <a:ext cx="63202" cy="63202"/>
             </a:xfrm>
             <a:custGeom>
@@ -22548,7 +22548,7 @@
           </p:nvSpPr>
           <p:spPr>
             <a:xfrm>
-              <a:off x="4781295" y="5352869"/>
+              <a:off x="5073383" y="5352633"/>
               <a:ext cx="63202" cy="63202"/>
             </a:xfrm>
             <a:custGeom>
@@ -22591,7 +22591,7 @@
           </p:nvSpPr>
           <p:spPr>
             <a:xfrm>
-              <a:off x="6435537" y="6800215"/>
+              <a:off x="6573724" y="6800060"/>
               <a:ext cx="63202" cy="63202"/>
             </a:xfrm>
             <a:custGeom>
@@ -22634,7 +22634,7 @@
           </p:nvSpPr>
           <p:spPr>
             <a:xfrm>
-              <a:off x="4877838" y="5512521"/>
+              <a:off x="4835677" y="5512231"/>
               <a:ext cx="63202" cy="63202"/>
             </a:xfrm>
             <a:custGeom>
@@ -22677,7 +22677,7 @@
           </p:nvSpPr>
           <p:spPr>
             <a:xfrm>
-              <a:off x="5088919" y="5383017"/>
+              <a:off x="5079864" y="5383019"/>
               <a:ext cx="63202" cy="63202"/>
             </a:xfrm>
             <a:custGeom>
@@ -22720,7 +22720,7 @@
           </p:nvSpPr>
           <p:spPr>
             <a:xfrm>
-              <a:off x="4463542" y="5334143"/>
+              <a:off x="4546277" y="5333753"/>
               <a:ext cx="63202" cy="63202"/>
             </a:xfrm>
             <a:custGeom>
@@ -22763,7 +22763,7 @@
           </p:nvSpPr>
           <p:spPr>
             <a:xfrm>
-              <a:off x="4876148" y="5345217"/>
+              <a:off x="4940105" y="5345084"/>
               <a:ext cx="63202" cy="63202"/>
             </a:xfrm>
             <a:custGeom>
@@ -22806,7 +22806,7 @@
           </p:nvSpPr>
           <p:spPr>
             <a:xfrm>
-              <a:off x="4465964" y="5542624"/>
+              <a:off x="4992195" y="5542699"/>
               <a:ext cx="63202" cy="63202"/>
             </a:xfrm>
             <a:custGeom>
@@ -22849,7 +22849,7 @@
           </p:nvSpPr>
           <p:spPr>
             <a:xfrm>
-              <a:off x="4551139" y="5385541"/>
+              <a:off x="4861475" y="5385557"/>
               <a:ext cx="63202" cy="63202"/>
             </a:xfrm>
             <a:custGeom>
@@ -22892,7 +22892,7 @@
           </p:nvSpPr>
           <p:spPr>
             <a:xfrm>
-              <a:off x="4704048" y="5356075"/>
+              <a:off x="4572836" y="5355922"/>
               <a:ext cx="63202" cy="63202"/>
             </a:xfrm>
             <a:custGeom>
@@ -22935,7 +22935,7 @@
           </p:nvSpPr>
           <p:spPr>
             <a:xfrm>
-              <a:off x="4467305" y="5569741"/>
+              <a:off x="4668247" y="5569333"/>
               <a:ext cx="63202" cy="63202"/>
             </a:xfrm>
             <a:custGeom>
@@ -22978,7 +22978,7 @@
           </p:nvSpPr>
           <p:spPr>
             <a:xfrm>
-              <a:off x="4497459" y="5332879"/>
+              <a:off x="4834581" y="5332791"/>
               <a:ext cx="63202" cy="63202"/>
             </a:xfrm>
             <a:custGeom>
@@ -23021,7 +23021,7 @@
           </p:nvSpPr>
           <p:spPr>
             <a:xfrm>
-              <a:off x="4595437" y="5353599"/>
+              <a:off x="4533820" y="5353562"/>
               <a:ext cx="63202" cy="63202"/>
             </a:xfrm>
             <a:custGeom>
@@ -23064,7 +23064,7 @@
           </p:nvSpPr>
           <p:spPr>
             <a:xfrm>
-              <a:off x="5914013" y="6217742"/>
+              <a:off x="5987804" y="6217578"/>
               <a:ext cx="63202" cy="63202"/>
             </a:xfrm>
             <a:custGeom>
@@ -23107,7 +23107,7 @@
           </p:nvSpPr>
           <p:spPr>
             <a:xfrm>
-              <a:off x="5707765" y="6217867"/>
+              <a:off x="5454607" y="6217721"/>
               <a:ext cx="63202" cy="63202"/>
             </a:xfrm>
             <a:custGeom>
@@ -23150,7 +23150,7 @@
           </p:nvSpPr>
           <p:spPr>
             <a:xfrm>
-              <a:off x="4742739" y="5342045"/>
+              <a:off x="4595087" y="5342027"/>
               <a:ext cx="63202" cy="63202"/>
             </a:xfrm>
             <a:custGeom>
@@ -23193,7 +23193,7 @@
           </p:nvSpPr>
           <p:spPr>
             <a:xfrm>
-              <a:off x="4469587" y="5328560"/>
+              <a:off x="4616178" y="5328503"/>
               <a:ext cx="63202" cy="63202"/>
             </a:xfrm>
             <a:custGeom>
@@ -23236,7 +23236,7 @@
           </p:nvSpPr>
           <p:spPr>
             <a:xfrm>
-              <a:off x="5907527" y="6521854"/>
+              <a:off x="5751905" y="6521721"/>
               <a:ext cx="63202" cy="63202"/>
             </a:xfrm>
             <a:custGeom>
@@ -23279,7 +23279,7 @@
           </p:nvSpPr>
           <p:spPr>
             <a:xfrm>
-              <a:off x="5915315" y="6423692"/>
+              <a:off x="5544657" y="6423810"/>
               <a:ext cx="63202" cy="63202"/>
             </a:xfrm>
             <a:custGeom>
@@ -23322,7 +23322,7 @@
           </p:nvSpPr>
           <p:spPr>
             <a:xfrm>
-              <a:off x="5060080" y="5533462"/>
+              <a:off x="4842058" y="5533331"/>
               <a:ext cx="63202" cy="63202"/>
             </a:xfrm>
             <a:custGeom>
@@ -23365,7 +23365,7 @@
           </p:nvSpPr>
           <p:spPr>
             <a:xfrm>
-              <a:off x="4970737" y="5365688"/>
+              <a:off x="4529961" y="5365451"/>
               <a:ext cx="63202" cy="63202"/>
             </a:xfrm>
             <a:custGeom>
@@ -23408,7 +23408,7 @@
           </p:nvSpPr>
           <p:spPr>
             <a:xfrm>
-              <a:off x="4907228" y="5441189"/>
+              <a:off x="4812862" y="5441227"/>
               <a:ext cx="63202" cy="63202"/>
             </a:xfrm>
             <a:custGeom>
@@ -23451,7 +23451,7 @@
           </p:nvSpPr>
           <p:spPr>
             <a:xfrm>
-              <a:off x="5879302" y="6394038"/>
+              <a:off x="5569110" y="6393846"/>
               <a:ext cx="63202" cy="63202"/>
             </a:xfrm>
             <a:custGeom>
@@ -23494,7 +23494,7 @@
           </p:nvSpPr>
           <p:spPr>
             <a:xfrm>
-              <a:off x="4908121" y="5367497"/>
+              <a:off x="4563373" y="5367365"/>
               <a:ext cx="63202" cy="63202"/>
             </a:xfrm>
             <a:custGeom>
@@ -23537,7 +23537,7 @@
           </p:nvSpPr>
           <p:spPr>
             <a:xfrm>
-              <a:off x="4565613" y="5810372"/>
+              <a:off x="4851985" y="5810151"/>
               <a:ext cx="63202" cy="63202"/>
             </a:xfrm>
             <a:custGeom>
@@ -23580,7 +23580,7 @@
           </p:nvSpPr>
           <p:spPr>
             <a:xfrm>
-              <a:off x="4983585" y="5461921"/>
+              <a:off x="4546632" y="5461866"/>
               <a:ext cx="63202" cy="63202"/>
             </a:xfrm>
             <a:custGeom>
@@ -23623,7 +23623,7 @@
           </p:nvSpPr>
           <p:spPr>
             <a:xfrm>
-              <a:off x="5069856" y="5394412"/>
+              <a:off x="4960670" y="5394231"/>
               <a:ext cx="63202" cy="63202"/>
             </a:xfrm>
             <a:custGeom>
@@ -23666,7 +23666,7 @@
           </p:nvSpPr>
           <p:spPr>
             <a:xfrm>
-              <a:off x="4543649" y="5389241"/>
+              <a:off x="4927725" y="5389310"/>
               <a:ext cx="63202" cy="63202"/>
             </a:xfrm>
             <a:custGeom>
@@ -23709,7 +23709,7 @@
           </p:nvSpPr>
           <p:spPr>
             <a:xfrm>
-              <a:off x="4466440" y="5555564"/>
+              <a:off x="5095788" y="5555508"/>
               <a:ext cx="63202" cy="63202"/>
             </a:xfrm>
             <a:custGeom>
@@ -23752,7 +23752,7 @@
           </p:nvSpPr>
           <p:spPr>
             <a:xfrm>
-              <a:off x="4852632" y="5369556"/>
+              <a:off x="4839544" y="5369210"/>
               <a:ext cx="63202" cy="63202"/>
             </a:xfrm>
             <a:custGeom>
@@ -23795,7 +23795,7 @@
           </p:nvSpPr>
           <p:spPr>
             <a:xfrm>
-              <a:off x="4554976" y="5350271"/>
+              <a:off x="4867587" y="5350255"/>
               <a:ext cx="63202" cy="63202"/>
             </a:xfrm>
             <a:custGeom>
@@ -23838,7 +23838,7 @@
           </p:nvSpPr>
           <p:spPr>
             <a:xfrm>
-              <a:off x="5579624" y="6454396"/>
+              <a:off x="5348160" y="6454192"/>
               <a:ext cx="63202" cy="63202"/>
             </a:xfrm>
             <a:custGeom>
@@ -23881,7 +23881,7 @@
           </p:nvSpPr>
           <p:spPr>
             <a:xfrm>
-              <a:off x="4592226" y="5332590"/>
+              <a:off x="5124852" y="5332313"/>
               <a:ext cx="63202" cy="63202"/>
             </a:xfrm>
             <a:custGeom>
@@ -23924,7 +23924,7 @@
           </p:nvSpPr>
           <p:spPr>
             <a:xfrm>
-              <a:off x="4810978" y="5370929"/>
+              <a:off x="4524847" y="5370874"/>
               <a:ext cx="63202" cy="63202"/>
             </a:xfrm>
             <a:custGeom>
@@ -23967,7 +23967,7 @@
           </p:nvSpPr>
           <p:spPr>
             <a:xfrm>
-              <a:off x="4601554" y="5350547"/>
+              <a:off x="4981983" y="5350400"/>
               <a:ext cx="63202" cy="63202"/>
             </a:xfrm>
             <a:custGeom>
@@ -24010,7 +24010,7 @@
           </p:nvSpPr>
           <p:spPr>
             <a:xfrm>
-              <a:off x="4935274" y="5373262"/>
+              <a:off x="4947676" y="5372890"/>
               <a:ext cx="63202" cy="63202"/>
             </a:xfrm>
             <a:custGeom>
@@ -24053,7 +24053,7 @@
           </p:nvSpPr>
           <p:spPr>
             <a:xfrm>
-              <a:off x="4794655" y="5385665"/>
+              <a:off x="4737168" y="5385395"/>
               <a:ext cx="63202" cy="63202"/>
             </a:xfrm>
             <a:custGeom>
@@ -24096,7 +24096,7 @@
           </p:nvSpPr>
           <p:spPr>
             <a:xfrm>
-              <a:off x="4964618" y="5337619"/>
+              <a:off x="4455827" y="5337463"/>
               <a:ext cx="63202" cy="63202"/>
             </a:xfrm>
             <a:custGeom>
@@ -24139,7 +24139,7 @@
           </p:nvSpPr>
           <p:spPr>
             <a:xfrm>
-              <a:off x="4503072" y="5349768"/>
+              <a:off x="4714100" y="5349784"/>
               <a:ext cx="63202" cy="63202"/>
             </a:xfrm>
             <a:custGeom>
@@ -24182,7 +24182,7 @@
           </p:nvSpPr>
           <p:spPr>
             <a:xfrm>
-              <a:off x="4435530" y="5816317"/>
+              <a:off x="5055212" y="5816062"/>
               <a:ext cx="63202" cy="63202"/>
             </a:xfrm>
             <a:custGeom>
@@ -24225,7 +24225,7 @@
           </p:nvSpPr>
           <p:spPr>
             <a:xfrm>
-              <a:off x="4811664" y="5386472"/>
+              <a:off x="4871485" y="5386381"/>
               <a:ext cx="63202" cy="63202"/>
             </a:xfrm>
             <a:custGeom>
@@ -24268,7 +24268,7 @@
           </p:nvSpPr>
           <p:spPr>
             <a:xfrm>
-              <a:off x="4897860" y="5384959"/>
+              <a:off x="4995455" y="5384623"/>
               <a:ext cx="63202" cy="63202"/>
             </a:xfrm>
             <a:custGeom>
@@ -24311,7 +24311,7 @@
           </p:nvSpPr>
           <p:spPr>
             <a:xfrm>
-              <a:off x="4782621" y="5384117"/>
+              <a:off x="4646749" y="5384042"/>
               <a:ext cx="63202" cy="63202"/>
             </a:xfrm>
             <a:custGeom>
@@ -24354,7 +24354,7 @@
           </p:nvSpPr>
           <p:spPr>
             <a:xfrm>
-              <a:off x="4755471" y="5428176"/>
+              <a:off x="5014645" y="5427947"/>
               <a:ext cx="63202" cy="63202"/>
             </a:xfrm>
             <a:custGeom>
@@ -24397,7 +24397,7 @@
           </p:nvSpPr>
           <p:spPr>
             <a:xfrm>
-              <a:off x="5086581" y="5439764"/>
+              <a:off x="4847012" y="5439707"/>
               <a:ext cx="63202" cy="63202"/>
             </a:xfrm>
             <a:custGeom>
@@ -24440,7 +24440,7 @@
           </p:nvSpPr>
           <p:spPr>
             <a:xfrm>
-              <a:off x="4581446" y="5333666"/>
+              <a:off x="4463057" y="5333543"/>
               <a:ext cx="63202" cy="63202"/>
             </a:xfrm>
             <a:custGeom>
@@ -24483,7 +24483,7 @@
           </p:nvSpPr>
           <p:spPr>
             <a:xfrm>
-              <a:off x="4647268" y="5385589"/>
+              <a:off x="5110129" y="5385438"/>
               <a:ext cx="63202" cy="63202"/>
             </a:xfrm>
             <a:custGeom>
@@ -24526,7 +24526,7 @@
           </p:nvSpPr>
           <p:spPr>
             <a:xfrm>
-              <a:off x="4741112" y="5385694"/>
+              <a:off x="4674924" y="5385407"/>
               <a:ext cx="63202" cy="63202"/>
             </a:xfrm>
             <a:custGeom>
@@ -24569,7 +24569,7 @@
           </p:nvSpPr>
           <p:spPr>
             <a:xfrm>
-              <a:off x="5052240" y="5355014"/>
+              <a:off x="5101582" y="5354981"/>
               <a:ext cx="63202" cy="63202"/>
             </a:xfrm>
             <a:custGeom>
@@ -24612,7 +24612,7 @@
           </p:nvSpPr>
           <p:spPr>
             <a:xfrm>
-              <a:off x="4777026" y="5372655"/>
+              <a:off x="5018545" y="5372546"/>
               <a:ext cx="63202" cy="63202"/>
             </a:xfrm>
             <a:custGeom>
@@ -24655,7 +24655,7 @@
           </p:nvSpPr>
           <p:spPr>
             <a:xfrm>
-              <a:off x="5020290" y="5350743"/>
+              <a:off x="4536535" y="5350372"/>
               <a:ext cx="63202" cy="63202"/>
             </a:xfrm>
             <a:custGeom>
@@ -24698,7 +24698,7 @@
           </p:nvSpPr>
           <p:spPr>
             <a:xfrm>
-              <a:off x="4791023" y="5328543"/>
+              <a:off x="4552781" y="5328257"/>
               <a:ext cx="63202" cy="63202"/>
             </a:xfrm>
             <a:custGeom>
@@ -24741,7 +24741,7 @@
           </p:nvSpPr>
           <p:spPr>
             <a:xfrm>
-              <a:off x="4612885" y="5363677"/>
+              <a:off x="4815875" y="5363490"/>
               <a:ext cx="63202" cy="63202"/>
             </a:xfrm>
             <a:custGeom>
@@ -24784,7 +24784,7 @@
           </p:nvSpPr>
           <p:spPr>
             <a:xfrm>
-              <a:off x="4870371" y="5389495"/>
+              <a:off x="4885692" y="5389223"/>
               <a:ext cx="63202" cy="63202"/>
             </a:xfrm>
             <a:custGeom>
@@ -24827,7 +24827,7 @@
           </p:nvSpPr>
           <p:spPr>
             <a:xfrm>
-              <a:off x="5017504" y="5777987"/>
+              <a:off x="4784279" y="5777647"/>
               <a:ext cx="63202" cy="63202"/>
             </a:xfrm>
             <a:custGeom>
@@ -24870,7 +24870,7 @@
           </p:nvSpPr>
           <p:spPr>
             <a:xfrm>
-              <a:off x="5055817" y="5470861"/>
+              <a:off x="4635234" y="5470793"/>
               <a:ext cx="63202" cy="63202"/>
             </a:xfrm>
             <a:custGeom>
@@ -24913,7 +24913,7 @@
           </p:nvSpPr>
           <p:spPr>
             <a:xfrm>
-              <a:off x="4548175" y="5383174"/>
+              <a:off x="4514481" y="5382874"/>
               <a:ext cx="63202" cy="63202"/>
             </a:xfrm>
             <a:custGeom>
@@ -24956,7 +24956,7 @@
           </p:nvSpPr>
           <p:spPr>
             <a:xfrm>
-              <a:off x="4634568" y="5442144"/>
+              <a:off x="4825058" y="5441787"/>
               <a:ext cx="63202" cy="63202"/>
             </a:xfrm>
             <a:custGeom>
@@ -24999,7 +24999,7 @@
           </p:nvSpPr>
           <p:spPr>
             <a:xfrm>
-              <a:off x="5113306" y="5322577"/>
+              <a:off x="4561618" y="5322390"/>
               <a:ext cx="63202" cy="63202"/>
             </a:xfrm>
             <a:custGeom>
@@ -25042,7 +25042,7 @@
           </p:nvSpPr>
           <p:spPr>
             <a:xfrm>
-              <a:off x="4580541" y="5328629"/>
+              <a:off x="4819267" y="5328493"/>
               <a:ext cx="63202" cy="63202"/>
             </a:xfrm>
             <a:custGeom>
@@ -25085,7 +25085,7 @@
           </p:nvSpPr>
           <p:spPr>
             <a:xfrm>
-              <a:off x="4567915" y="5865229"/>
+              <a:off x="4793556" y="5865136"/>
               <a:ext cx="63202" cy="63202"/>
             </a:xfrm>
             <a:custGeom>
@@ -25128,7 +25128,7 @@
           </p:nvSpPr>
           <p:spPr>
             <a:xfrm>
-              <a:off x="4636876" y="5348325"/>
+              <a:off x="4475554" y="5348235"/>
               <a:ext cx="63202" cy="63202"/>
             </a:xfrm>
             <a:custGeom>
@@ -25171,7 +25171,7 @@
           </p:nvSpPr>
           <p:spPr>
             <a:xfrm>
-              <a:off x="4595285" y="5598861"/>
+              <a:off x="4722422" y="5598498"/>
               <a:ext cx="63202" cy="63202"/>
             </a:xfrm>
             <a:custGeom>
@@ -25214,7 +25214,7 @@
           </p:nvSpPr>
           <p:spPr>
             <a:xfrm>
-              <a:off x="5036946" y="5367513"/>
+              <a:off x="4801713" y="5367524"/>
               <a:ext cx="63202" cy="63202"/>
             </a:xfrm>
             <a:custGeom>
@@ -25257,7 +25257,7 @@
           </p:nvSpPr>
           <p:spPr>
             <a:xfrm>
-              <a:off x="5086221" y="5375596"/>
+              <a:off x="4588787" y="5375547"/>
               <a:ext cx="63202" cy="63202"/>
             </a:xfrm>
             <a:custGeom>
@@ -25300,7 +25300,7 @@
           </p:nvSpPr>
           <p:spPr>
             <a:xfrm>
-              <a:off x="5050594" y="5362731"/>
+              <a:off x="4765845" y="5362624"/>
               <a:ext cx="63202" cy="63202"/>
             </a:xfrm>
             <a:custGeom>
@@ -25343,7 +25343,7 @@
           </p:nvSpPr>
           <p:spPr>
             <a:xfrm>
-              <a:off x="4676144" y="5350874"/>
+              <a:off x="5011575" y="5350981"/>
               <a:ext cx="63202" cy="63202"/>
             </a:xfrm>
             <a:custGeom>
@@ -25386,7 +25386,7 @@
           </p:nvSpPr>
           <p:spPr>
             <a:xfrm>
-              <a:off x="4794032" y="5378593"/>
+              <a:off x="4904391" y="5378522"/>
               <a:ext cx="63202" cy="63202"/>
             </a:xfrm>
             <a:custGeom>
@@ -25429,7 +25429,7 @@
           </p:nvSpPr>
           <p:spPr>
             <a:xfrm>
-              <a:off x="5095309" y="5348735"/>
+              <a:off x="4814003" y="5348545"/>
               <a:ext cx="63202" cy="63202"/>
             </a:xfrm>
             <a:custGeom>
@@ -25472,7 +25472,7 @@
           </p:nvSpPr>
           <p:spPr>
             <a:xfrm>
-              <a:off x="4818614" y="5383165"/>
+              <a:off x="4809250" y="5382949"/>
               <a:ext cx="63202" cy="63202"/>
             </a:xfrm>
             <a:custGeom>
@@ -25515,7 +25515,7 @@
           </p:nvSpPr>
           <p:spPr>
             <a:xfrm>
-              <a:off x="5110753" y="5391231"/>
+              <a:off x="4849987" y="5390974"/>
               <a:ext cx="63202" cy="63202"/>
             </a:xfrm>
             <a:custGeom>
@@ -25558,7 +25558,7 @@
           </p:nvSpPr>
           <p:spPr>
             <a:xfrm>
-              <a:off x="6570386" y="6804055"/>
+              <a:off x="6641134" y="6803833"/>
               <a:ext cx="63202" cy="63202"/>
             </a:xfrm>
             <a:custGeom>
@@ -25601,7 +25601,7 @@
           </p:nvSpPr>
           <p:spPr>
             <a:xfrm>
-              <a:off x="4552204" y="5334671"/>
+              <a:off x="4450316" y="5334612"/>
               <a:ext cx="63202" cy="63202"/>
             </a:xfrm>
             <a:custGeom>
@@ -25644,7 +25644,7 @@
           </p:nvSpPr>
           <p:spPr>
             <a:xfrm>
-              <a:off x="5345781" y="6424322"/>
+              <a:off x="5782404" y="6424183"/>
               <a:ext cx="63202" cy="63202"/>
             </a:xfrm>
             <a:custGeom>
@@ -25687,7 +25687,7 @@
           </p:nvSpPr>
           <p:spPr>
             <a:xfrm>
-              <a:off x="4635212" y="5335989"/>
+              <a:off x="5095181" y="5335607"/>
               <a:ext cx="63202" cy="63202"/>
             </a:xfrm>
             <a:custGeom>
@@ -25730,7 +25730,7 @@
           </p:nvSpPr>
           <p:spPr>
             <a:xfrm>
-              <a:off x="4735102" y="5825022"/>
+              <a:off x="4857579" y="5825029"/>
               <a:ext cx="63202" cy="63202"/>
             </a:xfrm>
             <a:custGeom>
@@ -25773,7 +25773,7 @@
           </p:nvSpPr>
           <p:spPr>
             <a:xfrm>
-              <a:off x="4890108" y="5361363"/>
+              <a:off x="5125030" y="5361169"/>
               <a:ext cx="63202" cy="63202"/>
             </a:xfrm>
             <a:custGeom>
@@ -25816,7 +25816,7 @@
           </p:nvSpPr>
           <p:spPr>
             <a:xfrm>
-              <a:off x="4761844" y="5489964"/>
+              <a:off x="4897810" y="5489881"/>
               <a:ext cx="63202" cy="63202"/>
             </a:xfrm>
             <a:custGeom>
@@ -25859,7 +25859,7 @@
           </p:nvSpPr>
           <p:spPr>
             <a:xfrm>
-              <a:off x="5122191" y="5361332"/>
+              <a:off x="5001700" y="5361317"/>
               <a:ext cx="63202" cy="63202"/>
             </a:xfrm>
             <a:custGeom>
@@ -25902,7 +25902,7 @@
           </p:nvSpPr>
           <p:spPr>
             <a:xfrm>
-              <a:off x="4735352" y="5367148"/>
+              <a:off x="4775055" y="5367022"/>
               <a:ext cx="63202" cy="63202"/>
             </a:xfrm>
             <a:custGeom>
@@ -25945,7 +25945,7 @@
           </p:nvSpPr>
           <p:spPr>
             <a:xfrm>
-              <a:off x="4519870" y="5413356"/>
+              <a:off x="4910254" y="5413191"/>
               <a:ext cx="63202" cy="63202"/>
             </a:xfrm>
             <a:custGeom>
@@ -25988,7 +25988,7 @@
           </p:nvSpPr>
           <p:spPr>
             <a:xfrm>
-              <a:off x="4732298" y="5377565"/>
+              <a:off x="4472575" y="5377330"/>
               <a:ext cx="63202" cy="63202"/>
             </a:xfrm>
             <a:custGeom>
@@ -26031,7 +26031,7 @@
           </p:nvSpPr>
           <p:spPr>
             <a:xfrm>
-              <a:off x="4618782" y="5353251"/>
+              <a:off x="4679563" y="5353117"/>
               <a:ext cx="63202" cy="63202"/>
             </a:xfrm>
             <a:custGeom>
@@ -26074,7 +26074,7 @@
           </p:nvSpPr>
           <p:spPr>
             <a:xfrm>
-              <a:off x="4996293" y="5354961"/>
+              <a:off x="4859121" y="5354813"/>
               <a:ext cx="63202" cy="63202"/>
             </a:xfrm>
             <a:custGeom>
@@ -26117,7 +26117,7 @@
           </p:nvSpPr>
           <p:spPr>
             <a:xfrm>
-              <a:off x="4777412" y="5633771"/>
+              <a:off x="4575076" y="5633573"/>
               <a:ext cx="63202" cy="63202"/>
             </a:xfrm>
             <a:custGeom>
@@ -26160,7 +26160,7 @@
           </p:nvSpPr>
           <p:spPr>
             <a:xfrm>
-              <a:off x="4785706" y="5337235"/>
+              <a:off x="4860873" y="5337334"/>
               <a:ext cx="63202" cy="63202"/>
             </a:xfrm>
             <a:custGeom>
@@ -26203,7 +26203,7 @@
           </p:nvSpPr>
           <p:spPr>
             <a:xfrm>
-              <a:off x="5131318" y="5345926"/>
+              <a:off x="4512089" y="5345810"/>
               <a:ext cx="63202" cy="63202"/>
             </a:xfrm>
             <a:custGeom>
@@ -26246,7 +26246,7 @@
           </p:nvSpPr>
           <p:spPr>
             <a:xfrm>
-              <a:off x="4659313" y="5384845"/>
+              <a:off x="4995488" y="5384624"/>
               <a:ext cx="63202" cy="63202"/>
             </a:xfrm>
             <a:custGeom>
@@ -26289,7 +26289,7 @@
           </p:nvSpPr>
           <p:spPr>
             <a:xfrm>
-              <a:off x="5079852" y="5348077"/>
+              <a:off x="4576705" y="5347761"/>
               <a:ext cx="63202" cy="63202"/>
             </a:xfrm>
             <a:custGeom>
@@ -26332,7 +26332,7 @@
           </p:nvSpPr>
           <p:spPr>
             <a:xfrm>
-              <a:off x="4858567" y="5350305"/>
+              <a:off x="4682360" y="5350203"/>
               <a:ext cx="63202" cy="63202"/>
             </a:xfrm>
             <a:custGeom>
@@ -26375,7 +26375,7 @@
           </p:nvSpPr>
           <p:spPr>
             <a:xfrm>
-              <a:off x="4895512" y="5343362"/>
+              <a:off x="4538568" y="5343130"/>
               <a:ext cx="63202" cy="63202"/>
             </a:xfrm>
             <a:custGeom>
@@ -26418,7 +26418,7 @@
           </p:nvSpPr>
           <p:spPr>
             <a:xfrm>
-              <a:off x="5352254" y="6156504"/>
+              <a:off x="5705428" y="6156478"/>
               <a:ext cx="63202" cy="63202"/>
             </a:xfrm>
             <a:custGeom>
@@ -26461,7 +26461,7 @@
           </p:nvSpPr>
           <p:spPr>
             <a:xfrm>
-              <a:off x="4573118" y="5441741"/>
+              <a:off x="4827068" y="5441476"/>
               <a:ext cx="63202" cy="63202"/>
             </a:xfrm>
             <a:custGeom>
@@ -26504,7 +26504,7 @@
           </p:nvSpPr>
           <p:spPr>
             <a:xfrm>
-              <a:off x="4773129" y="5385577"/>
+              <a:off x="4664829" y="5385516"/>
               <a:ext cx="63202" cy="63202"/>
             </a:xfrm>
             <a:custGeom>
@@ -26547,7 +26547,7 @@
           </p:nvSpPr>
           <p:spPr>
             <a:xfrm>
-              <a:off x="4782088" y="5350671"/>
+              <a:off x="4974459" y="5350595"/>
               <a:ext cx="63202" cy="63202"/>
             </a:xfrm>
             <a:custGeom>
@@ -26590,7 +26590,7 @@
           </p:nvSpPr>
           <p:spPr>
             <a:xfrm>
-              <a:off x="4786851" y="5358047"/>
+              <a:off x="4592877" y="5357892"/>
               <a:ext cx="63202" cy="63202"/>
             </a:xfrm>
             <a:custGeom>
@@ -26633,7 +26633,7 @@
           </p:nvSpPr>
           <p:spPr>
             <a:xfrm>
-              <a:off x="4765044" y="5326605"/>
+              <a:off x="4599254" y="5326647"/>
               <a:ext cx="63202" cy="63202"/>
             </a:xfrm>
             <a:custGeom>
@@ -26676,7 +26676,7 @@
           </p:nvSpPr>
           <p:spPr>
             <a:xfrm>
-              <a:off x="5056341" y="5349639"/>
+              <a:off x="4630816" y="5349470"/>
               <a:ext cx="63202" cy="63202"/>
             </a:xfrm>
             <a:custGeom>
@@ -26719,7 +26719,7 @@
           </p:nvSpPr>
           <p:spPr>
             <a:xfrm>
-              <a:off x="5048661" y="5349480"/>
+              <a:off x="4827590" y="5349438"/>
               <a:ext cx="63202" cy="63202"/>
             </a:xfrm>
             <a:custGeom>
@@ -26762,7 +26762,7 @@
           </p:nvSpPr>
           <p:spPr>
             <a:xfrm>
-              <a:off x="4462706" y="5350645"/>
+              <a:off x="4938223" y="5350619"/>
               <a:ext cx="63202" cy="63202"/>
             </a:xfrm>
             <a:custGeom>
@@ -26805,7 +26805,7 @@
           </p:nvSpPr>
           <p:spPr>
             <a:xfrm>
-              <a:off x="4916411" y="5445887"/>
+              <a:off x="5052570" y="5445517"/>
               <a:ext cx="63202" cy="63202"/>
             </a:xfrm>
             <a:custGeom>
@@ -26848,7 +26848,7 @@
           </p:nvSpPr>
           <p:spPr>
             <a:xfrm>
-              <a:off x="4610600" y="5445693"/>
+              <a:off x="5101275" y="5445667"/>
               <a:ext cx="63202" cy="63202"/>
             </a:xfrm>
             <a:custGeom>
@@ -26891,7 +26891,7 @@
           </p:nvSpPr>
           <p:spPr>
             <a:xfrm>
-              <a:off x="4809365" y="5362053"/>
+              <a:off x="4843309" y="5361924"/>
               <a:ext cx="63202" cy="63202"/>
             </a:xfrm>
             <a:custGeom>
@@ -26934,7 +26934,7 @@
           </p:nvSpPr>
           <p:spPr>
             <a:xfrm>
-              <a:off x="4629409" y="5346653"/>
+              <a:off x="4924403" y="5346353"/>
               <a:ext cx="63202" cy="63202"/>
             </a:xfrm>
             <a:custGeom>
@@ -26977,7 +26977,7 @@
           </p:nvSpPr>
           <p:spPr>
             <a:xfrm>
-              <a:off x="6010134" y="6089830"/>
+              <a:off x="5485444" y="6089579"/>
               <a:ext cx="63202" cy="63202"/>
             </a:xfrm>
             <a:custGeom>
@@ -27020,7 +27020,7 @@
           </p:nvSpPr>
           <p:spPr>
             <a:xfrm>
-              <a:off x="4940384" y="5381869"/>
+              <a:off x="4780019" y="5381673"/>
               <a:ext cx="63202" cy="63202"/>
             </a:xfrm>
             <a:custGeom>
@@ -27063,7 +27063,7 @@
           </p:nvSpPr>
           <p:spPr>
             <a:xfrm>
-              <a:off x="4676766" y="5339811"/>
+              <a:off x="4618496" y="5339712"/>
               <a:ext cx="63202" cy="63202"/>
             </a:xfrm>
             <a:custGeom>
@@ -27106,7 +27106,7 @@
           </p:nvSpPr>
           <p:spPr>
             <a:xfrm>
-              <a:off x="5124203" y="5330291"/>
+              <a:off x="4627856" y="5330155"/>
               <a:ext cx="63202" cy="63202"/>
             </a:xfrm>
             <a:custGeom>
@@ -27149,7 +27149,7 @@
           </p:nvSpPr>
           <p:spPr>
             <a:xfrm>
-              <a:off x="4755284" y="5412961"/>
+              <a:off x="4644881" y="5412755"/>
               <a:ext cx="63202" cy="63202"/>
             </a:xfrm>
             <a:custGeom>
@@ -27192,7 +27192,7 @@
           </p:nvSpPr>
           <p:spPr>
             <a:xfrm>
-              <a:off x="4883947" y="5379779"/>
+              <a:off x="4752035" y="5379750"/>
               <a:ext cx="63202" cy="63202"/>
             </a:xfrm>
             <a:custGeom>
@@ -27235,7 +27235,7 @@
           </p:nvSpPr>
           <p:spPr>
             <a:xfrm>
-              <a:off x="5127539" y="5333440"/>
+              <a:off x="5002064" y="5333124"/>
               <a:ext cx="63202" cy="63202"/>
             </a:xfrm>
             <a:custGeom>
@@ -27278,7 +27278,7 @@
           </p:nvSpPr>
           <p:spPr>
             <a:xfrm>
-              <a:off x="4439339" y="5333698"/>
+              <a:off x="4816773" y="5333402"/>
               <a:ext cx="63202" cy="63202"/>
             </a:xfrm>
             <a:custGeom>
@@ -27321,7 +27321,7 @@
           </p:nvSpPr>
           <p:spPr>
             <a:xfrm>
-              <a:off x="4677326" y="5328290"/>
+              <a:off x="4576168" y="5328072"/>
               <a:ext cx="63202" cy="63202"/>
             </a:xfrm>
             <a:custGeom>
@@ -27364,7 +27364,7 @@
           </p:nvSpPr>
           <p:spPr>
             <a:xfrm>
-              <a:off x="4441640" y="5330276"/>
+              <a:off x="5117587" y="5330328"/>
               <a:ext cx="63202" cy="63202"/>
             </a:xfrm>
             <a:custGeom>
@@ -27407,7 +27407,7 @@
           </p:nvSpPr>
           <p:spPr>
             <a:xfrm>
-              <a:off x="4886486" y="5325915"/>
+              <a:off x="5068864" y="5325648"/>
               <a:ext cx="63202" cy="63202"/>
             </a:xfrm>
             <a:custGeom>
@@ -27450,7 +27450,7 @@
           </p:nvSpPr>
           <p:spPr>
             <a:xfrm>
-              <a:off x="4674941" y="5411693"/>
+              <a:off x="4733114" y="5411793"/>
               <a:ext cx="63202" cy="63202"/>
             </a:xfrm>
             <a:custGeom>
@@ -27493,7 +27493,7 @@
           </p:nvSpPr>
           <p:spPr>
             <a:xfrm>
-              <a:off x="4461945" y="5456797"/>
+              <a:off x="4570662" y="5456683"/>
               <a:ext cx="63202" cy="63202"/>
             </a:xfrm>
             <a:custGeom>
@@ -27536,7 +27536,7 @@
           </p:nvSpPr>
           <p:spPr>
             <a:xfrm>
-              <a:off x="4709042" y="5342912"/>
+              <a:off x="4441285" y="5342715"/>
               <a:ext cx="63202" cy="63202"/>
             </a:xfrm>
             <a:custGeom>
@@ -27579,7 +27579,7 @@
           </p:nvSpPr>
           <p:spPr>
             <a:xfrm>
-              <a:off x="4789554" y="5345554"/>
+              <a:off x="4627818" y="5345229"/>
               <a:ext cx="63202" cy="63202"/>
             </a:xfrm>
             <a:custGeom>
@@ -27622,7 +27622,7 @@
           </p:nvSpPr>
           <p:spPr>
             <a:xfrm>
-              <a:off x="5019855" y="5357878"/>
+              <a:off x="4489616" y="5357910"/>
               <a:ext cx="63202" cy="63202"/>
             </a:xfrm>
             <a:custGeom>
@@ -27665,7 +27665,7 @@
           </p:nvSpPr>
           <p:spPr>
             <a:xfrm>
-              <a:off x="4658080" y="5333434"/>
+              <a:off x="4765928" y="5333089"/>
               <a:ext cx="63202" cy="63202"/>
             </a:xfrm>
             <a:custGeom>
@@ -27708,7 +27708,7 @@
           </p:nvSpPr>
           <p:spPr>
             <a:xfrm>
-              <a:off x="4562556" y="5324749"/>
+              <a:off x="4987056" y="5324779"/>
               <a:ext cx="63202" cy="63202"/>
             </a:xfrm>
             <a:custGeom>
@@ -27751,7 +27751,7 @@
           </p:nvSpPr>
           <p:spPr>
             <a:xfrm>
-              <a:off x="5069388" y="5336255"/>
+              <a:off x="4797254" y="5336117"/>
               <a:ext cx="63202" cy="63202"/>
             </a:xfrm>
             <a:custGeom>
@@ -27794,7 +27794,7 @@
           </p:nvSpPr>
           <p:spPr>
             <a:xfrm>
-              <a:off x="4572862" y="5358140"/>
+              <a:off x="4823124" y="5357768"/>
               <a:ext cx="63202" cy="63202"/>
             </a:xfrm>
             <a:custGeom>
@@ -27837,7 +27837,7 @@
           </p:nvSpPr>
           <p:spPr>
             <a:xfrm>
-              <a:off x="4725104" y="5345769"/>
+              <a:off x="4843431" y="5345630"/>
               <a:ext cx="63202" cy="63202"/>
             </a:xfrm>
             <a:custGeom>
@@ -27880,7 +27880,7 @@
           </p:nvSpPr>
           <p:spPr>
             <a:xfrm>
-              <a:off x="4770598" y="5352146"/>
+              <a:off x="4592720" y="5351965"/>
               <a:ext cx="63202" cy="63202"/>
             </a:xfrm>
             <a:custGeom>
@@ -27923,7 +27923,7 @@
           </p:nvSpPr>
           <p:spPr>
             <a:xfrm>
-              <a:off x="5018993" y="5339935"/>
+              <a:off x="5085482" y="5339766"/>
               <a:ext cx="63202" cy="63202"/>
             </a:xfrm>
             <a:custGeom>
@@ -27966,7 +27966,7 @@
           </p:nvSpPr>
           <p:spPr>
             <a:xfrm>
-              <a:off x="4841367" y="5345821"/>
+              <a:off x="4429884" y="5345688"/>
               <a:ext cx="63202" cy="63202"/>
             </a:xfrm>
             <a:custGeom>
@@ -28009,7 +28009,7 @@
           </p:nvSpPr>
           <p:spPr>
             <a:xfrm>
-              <a:off x="4622292" y="5358762"/>
+              <a:off x="4437858" y="5358536"/>
               <a:ext cx="63202" cy="63202"/>
             </a:xfrm>
             <a:custGeom>
@@ -28052,7 +28052,7 @@
           </p:nvSpPr>
           <p:spPr>
             <a:xfrm>
-              <a:off x="6012108" y="6368678"/>
+              <a:off x="5785958" y="6368505"/>
               <a:ext cx="63202" cy="63202"/>
             </a:xfrm>
             <a:custGeom>
@@ -28095,7 +28095,7 @@
           </p:nvSpPr>
           <p:spPr>
             <a:xfrm>
-              <a:off x="5034730" y="5359538"/>
+              <a:off x="4927710" y="5359447"/>
               <a:ext cx="63202" cy="63202"/>
             </a:xfrm>
             <a:custGeom>
@@ -28138,7 +28138,7 @@
           </p:nvSpPr>
           <p:spPr>
             <a:xfrm>
-              <a:off x="4749346" y="5427593"/>
+              <a:off x="4458310" y="5427541"/>
               <a:ext cx="63202" cy="63202"/>
             </a:xfrm>
             <a:custGeom>
@@ -28181,7 +28181,7 @@
           </p:nvSpPr>
           <p:spPr>
             <a:xfrm>
-              <a:off x="4869234" y="5352211"/>
+              <a:off x="4547846" y="5351899"/>
               <a:ext cx="63202" cy="63202"/>
             </a:xfrm>
             <a:custGeom>
@@ -28224,7 +28224,7 @@
           </p:nvSpPr>
           <p:spPr>
             <a:xfrm>
-              <a:off x="4457765" y="5395227"/>
+              <a:off x="4623654" y="5394971"/>
               <a:ext cx="63202" cy="63202"/>
             </a:xfrm>
             <a:custGeom>
@@ -28267,7 +28267,7 @@
           </p:nvSpPr>
           <p:spPr>
             <a:xfrm>
-              <a:off x="4989206" y="5386738"/>
+              <a:off x="4826176" y="5386731"/>
               <a:ext cx="63202" cy="63202"/>
             </a:xfrm>
             <a:custGeom>
@@ -28310,7 +28310,7 @@
           </p:nvSpPr>
           <p:spPr>
             <a:xfrm>
-              <a:off x="6847978" y="6632105"/>
+              <a:off x="6514197" y="6632057"/>
               <a:ext cx="63202" cy="63202"/>
             </a:xfrm>
             <a:custGeom>
@@ -28353,7 +28353,7 @@
           </p:nvSpPr>
           <p:spPr>
             <a:xfrm>
-              <a:off x="4466898" y="5349188"/>
+              <a:off x="5083115" y="5348944"/>
               <a:ext cx="63202" cy="63202"/>
             </a:xfrm>
             <a:custGeom>
@@ -28396,7 +28396,7 @@
           </p:nvSpPr>
           <p:spPr>
             <a:xfrm>
-              <a:off x="5108388" y="5363984"/>
+              <a:off x="4835862" y="5363882"/>
               <a:ext cx="63202" cy="63202"/>
             </a:xfrm>
             <a:custGeom>
@@ -28439,7 +28439,7 @@
           </p:nvSpPr>
           <p:spPr>
             <a:xfrm>
-              <a:off x="4851736" y="5755889"/>
+              <a:off x="4599987" y="5755621"/>
               <a:ext cx="63202" cy="63202"/>
             </a:xfrm>
             <a:custGeom>
@@ -28482,7 +28482,7 @@
           </p:nvSpPr>
           <p:spPr>
             <a:xfrm>
-              <a:off x="4630111" y="5341699"/>
+              <a:off x="4942201" y="5341572"/>
               <a:ext cx="63202" cy="63202"/>
             </a:xfrm>
             <a:custGeom>
@@ -28525,7 +28525,7 @@
           </p:nvSpPr>
           <p:spPr>
             <a:xfrm>
-              <a:off x="4692106" y="5396739"/>
+              <a:off x="5064292" y="5396445"/>
               <a:ext cx="63202" cy="63202"/>
             </a:xfrm>
             <a:custGeom>
@@ -28568,7 +28568,7 @@
           </p:nvSpPr>
           <p:spPr>
             <a:xfrm>
-              <a:off x="4826473" y="5356432"/>
+              <a:off x="4510418" y="5356247"/>
               <a:ext cx="63202" cy="63202"/>
             </a:xfrm>
             <a:custGeom>
@@ -28611,7 +28611,7 @@
           </p:nvSpPr>
           <p:spPr>
             <a:xfrm>
-              <a:off x="4486721" y="5343507"/>
+              <a:off x="4867537" y="5343483"/>
               <a:ext cx="63202" cy="63202"/>
             </a:xfrm>
             <a:custGeom>
@@ -28654,7 +28654,7 @@
           </p:nvSpPr>
           <p:spPr>
             <a:xfrm>
-              <a:off x="4901453" y="5384304"/>
+              <a:off x="5093650" y="5383985"/>
               <a:ext cx="63202" cy="63202"/>
             </a:xfrm>
             <a:custGeom>
@@ -28697,7 +28697,7 @@
           </p:nvSpPr>
           <p:spPr>
             <a:xfrm>
-              <a:off x="4645870" y="5366558"/>
+              <a:off x="4860527" y="5366279"/>
               <a:ext cx="63202" cy="63202"/>
             </a:xfrm>
             <a:custGeom>
@@ -28740,7 +28740,7 @@
           </p:nvSpPr>
           <p:spPr>
             <a:xfrm>
-              <a:off x="4999377" y="5342430"/>
+              <a:off x="4684613" y="5342330"/>
               <a:ext cx="63202" cy="63202"/>
             </a:xfrm>
             <a:custGeom>
@@ -28783,7 +28783,7 @@
           </p:nvSpPr>
           <p:spPr>
             <a:xfrm>
-              <a:off x="4551950" y="5351641"/>
+              <a:off x="4477555" y="5351448"/>
               <a:ext cx="63202" cy="63202"/>
             </a:xfrm>
             <a:custGeom>
@@ -28826,7 +28826,7 @@
           </p:nvSpPr>
           <p:spPr>
             <a:xfrm>
-              <a:off x="4725899" y="5349984"/>
+              <a:off x="4484400" y="5349872"/>
               <a:ext cx="63202" cy="63202"/>
             </a:xfrm>
             <a:custGeom>
@@ -28869,7 +28869,7 @@
           </p:nvSpPr>
           <p:spPr>
             <a:xfrm>
-              <a:off x="4752153" y="5428783"/>
+              <a:off x="5030908" y="5428749"/>
               <a:ext cx="63202" cy="63202"/>
             </a:xfrm>
             <a:custGeom>
@@ -28912,7 +28912,7 @@
           </p:nvSpPr>
           <p:spPr>
             <a:xfrm>
-              <a:off x="4455512" y="5393430"/>
+              <a:off x="4561845" y="5393126"/>
               <a:ext cx="63202" cy="63202"/>
             </a:xfrm>
             <a:custGeom>
@@ -28955,7 +28955,7 @@
           </p:nvSpPr>
           <p:spPr>
             <a:xfrm>
-              <a:off x="4429718" y="5378222"/>
+              <a:off x="4796506" y="5378274"/>
               <a:ext cx="63202" cy="63202"/>
             </a:xfrm>
             <a:custGeom>
@@ -28998,7 +28998,7 @@
           </p:nvSpPr>
           <p:spPr>
             <a:xfrm>
-              <a:off x="4483916" y="5335779"/>
+              <a:off x="4802515" y="5335878"/>
               <a:ext cx="63202" cy="63202"/>
             </a:xfrm>
             <a:custGeom>
@@ -29041,7 +29041,7 @@
           </p:nvSpPr>
           <p:spPr>
             <a:xfrm>
-              <a:off x="5112933" y="5336032"/>
+              <a:off x="4782790" y="5335854"/>
               <a:ext cx="63202" cy="63202"/>
             </a:xfrm>
             <a:custGeom>
@@ -29084,7 +29084,7 @@
           </p:nvSpPr>
           <p:spPr>
             <a:xfrm>
-              <a:off x="4510712" y="5339525"/>
+              <a:off x="5046643" y="5339507"/>
               <a:ext cx="63202" cy="63202"/>
             </a:xfrm>
             <a:custGeom>
@@ -29127,7 +29127,7 @@
           </p:nvSpPr>
           <p:spPr>
             <a:xfrm>
-              <a:off x="5016899" y="5338451"/>
+              <a:off x="4807138" y="5338334"/>
               <a:ext cx="63202" cy="63202"/>
             </a:xfrm>
             <a:custGeom>
@@ -29170,7 +29170,7 @@
           </p:nvSpPr>
           <p:spPr>
             <a:xfrm>
-              <a:off x="4879905" y="5337137"/>
+              <a:off x="4618461" y="5336946"/>
               <a:ext cx="63202" cy="63202"/>
             </a:xfrm>
             <a:custGeom>
@@ -29213,7 +29213,7 @@
           </p:nvSpPr>
           <p:spPr>
             <a:xfrm>
-              <a:off x="5045536" y="5317369"/>
+              <a:off x="5036166" y="5317369"/>
               <a:ext cx="63202" cy="63202"/>
             </a:xfrm>
             <a:custGeom>
@@ -29256,7 +29256,7 @@
           </p:nvSpPr>
           <p:spPr>
             <a:xfrm>
-              <a:off x="4472776" y="5391317"/>
+              <a:off x="5059125" y="5391034"/>
               <a:ext cx="63202" cy="63202"/>
             </a:xfrm>
             <a:custGeom>
@@ -29299,7 +29299,7 @@
           </p:nvSpPr>
           <p:spPr>
             <a:xfrm>
-              <a:off x="5014076" y="5408907"/>
+              <a:off x="5073730" y="5408879"/>
               <a:ext cx="63202" cy="63202"/>
             </a:xfrm>
             <a:custGeom>
@@ -29342,7 +29342,7 @@
           </p:nvSpPr>
           <p:spPr>
             <a:xfrm>
-              <a:off x="4474183" y="5363045"/>
+              <a:off x="4587906" y="5362977"/>
               <a:ext cx="63202" cy="63202"/>
             </a:xfrm>
             <a:custGeom>
@@ -29385,7 +29385,7 @@
           </p:nvSpPr>
           <p:spPr>
             <a:xfrm>
-              <a:off x="4815155" y="5387966"/>
+              <a:off x="4786553" y="5387789"/>
               <a:ext cx="63202" cy="63202"/>
             </a:xfrm>
             <a:custGeom>
@@ -29428,7 +29428,7 @@
           </p:nvSpPr>
           <p:spPr>
             <a:xfrm>
-              <a:off x="4642637" y="5394881"/>
+              <a:off x="4665213" y="5394805"/>
               <a:ext cx="63202" cy="63202"/>
             </a:xfrm>
             <a:custGeom>
@@ -29471,7 +29471,7 @@
           </p:nvSpPr>
           <p:spPr>
             <a:xfrm>
-              <a:off x="5117341" y="5375474"/>
+              <a:off x="5017639" y="5375148"/>
               <a:ext cx="63202" cy="63202"/>
             </a:xfrm>
             <a:custGeom>
@@ -29514,7 +29514,7 @@
           </p:nvSpPr>
           <p:spPr>
             <a:xfrm>
-              <a:off x="4462418" y="5336887"/>
+              <a:off x="4778502" y="5336862"/>
               <a:ext cx="63202" cy="63202"/>
             </a:xfrm>
             <a:custGeom>
@@ -29557,7 +29557,7 @@
           </p:nvSpPr>
           <p:spPr>
             <a:xfrm>
-              <a:off x="4447085" y="5394207"/>
+              <a:off x="4783244" y="5393872"/>
               <a:ext cx="63202" cy="63202"/>
             </a:xfrm>
             <a:custGeom>
@@ -29600,7 +29600,7 @@
           </p:nvSpPr>
           <p:spPr>
             <a:xfrm>
-              <a:off x="5117949" y="5349840"/>
+              <a:off x="5078293" y="5349681"/>
               <a:ext cx="63202" cy="63202"/>
             </a:xfrm>
             <a:custGeom>
@@ -29643,7 +29643,7 @@
           </p:nvSpPr>
           <p:spPr>
             <a:xfrm>
-              <a:off x="4950183" y="5339318"/>
+              <a:off x="4729375" y="5339021"/>
               <a:ext cx="63202" cy="63202"/>
             </a:xfrm>
             <a:custGeom>
@@ -29686,7 +29686,7 @@
           </p:nvSpPr>
           <p:spPr>
             <a:xfrm>
-              <a:off x="4763119" y="5767889"/>
+              <a:off x="5088391" y="5767867"/>
               <a:ext cx="63202" cy="63202"/>
             </a:xfrm>
             <a:custGeom>
@@ -29729,7 +29729,7 @@
           </p:nvSpPr>
           <p:spPr>
             <a:xfrm>
-              <a:off x="5061031" y="5341921"/>
+              <a:off x="5022286" y="5341731"/>
               <a:ext cx="63202" cy="63202"/>
             </a:xfrm>
             <a:custGeom>
@@ -29772,7 +29772,7 @@
           </p:nvSpPr>
           <p:spPr>
             <a:xfrm>
-              <a:off x="4521261" y="5341731"/>
+              <a:off x="4736133" y="5341547"/>
               <a:ext cx="63202" cy="63202"/>
             </a:xfrm>
             <a:custGeom>
@@ -29815,7 +29815,7 @@
           </p:nvSpPr>
           <p:spPr>
             <a:xfrm>
-              <a:off x="4873663" y="5341896"/>
+              <a:off x="4688259" y="5341612"/>
               <a:ext cx="63202" cy="63202"/>
             </a:xfrm>
             <a:custGeom>
@@ -29858,7 +29858,7 @@
           </p:nvSpPr>
           <p:spPr>
             <a:xfrm>
-              <a:off x="4928585" y="5332223"/>
+              <a:off x="4527187" y="5332032"/>
               <a:ext cx="63202" cy="63202"/>
             </a:xfrm>
             <a:custGeom>
@@ -29901,7 +29901,7 @@
           </p:nvSpPr>
           <p:spPr>
             <a:xfrm>
-              <a:off x="4737749" y="5383117"/>
+              <a:off x="4433477" y="5382962"/>
               <a:ext cx="63202" cy="63202"/>
             </a:xfrm>
             <a:custGeom>
@@ -29944,7 +29944,7 @@
           </p:nvSpPr>
           <p:spPr>
             <a:xfrm>
-              <a:off x="4566998" y="5397067"/>
+              <a:off x="4709164" y="5397027"/>
               <a:ext cx="63202" cy="63202"/>
             </a:xfrm>
             <a:custGeom>
@@ -29987,7 +29987,7 @@
           </p:nvSpPr>
           <p:spPr>
             <a:xfrm>
-              <a:off x="4755968" y="5324848"/>
+              <a:off x="4787881" y="5324756"/>
               <a:ext cx="63202" cy="63202"/>
             </a:xfrm>
             <a:custGeom>
@@ -30030,7 +30030,7 @@
           </p:nvSpPr>
           <p:spPr>
             <a:xfrm>
-              <a:off x="4444718" y="5351057"/>
+              <a:off x="4655397" y="5350792"/>
               <a:ext cx="63202" cy="63202"/>
             </a:xfrm>
             <a:custGeom>
@@ -30073,7 +30073,7 @@
           </p:nvSpPr>
           <p:spPr>
             <a:xfrm>
-              <a:off x="5038672" y="5343870"/>
+              <a:off x="4677443" y="5343729"/>
               <a:ext cx="63202" cy="63202"/>
             </a:xfrm>
             <a:custGeom>
@@ -30116,7 +30116,7 @@
           </p:nvSpPr>
           <p:spPr>
             <a:xfrm>
-              <a:off x="4667347" y="5341514"/>
+              <a:off x="5066731" y="5341198"/>
               <a:ext cx="63202" cy="63202"/>
             </a:xfrm>
             <a:custGeom>
@@ -30159,7 +30159,7 @@
           </p:nvSpPr>
           <p:spPr>
             <a:xfrm>
-              <a:off x="5046548" y="5550970"/>
+              <a:off x="4595593" y="5550749"/>
               <a:ext cx="63202" cy="63202"/>
             </a:xfrm>
             <a:custGeom>
@@ -30202,7 +30202,7 @@
           </p:nvSpPr>
           <p:spPr>
             <a:xfrm>
-              <a:off x="4979115" y="5355786"/>
+              <a:off x="5114539" y="5355725"/>
               <a:ext cx="63202" cy="63202"/>
             </a:xfrm>
             <a:custGeom>
@@ -30245,7 +30245,7 @@
           </p:nvSpPr>
           <p:spPr>
             <a:xfrm>
-              <a:off x="4459688" y="5440094"/>
+              <a:off x="4484734" y="5439983"/>
               <a:ext cx="63202" cy="63202"/>
             </a:xfrm>
             <a:custGeom>
@@ -30288,7 +30288,7 @@
           </p:nvSpPr>
           <p:spPr>
             <a:xfrm>
-              <a:off x="4708542" y="5384156"/>
+              <a:off x="4728255" y="5383953"/>
               <a:ext cx="63202" cy="63202"/>
             </a:xfrm>
             <a:custGeom>
@@ -30331,7 +30331,7 @@
           </p:nvSpPr>
           <p:spPr>
             <a:xfrm>
-              <a:off x="4613634" y="5339981"/>
+              <a:off x="5106251" y="5339752"/>
               <a:ext cx="63202" cy="63202"/>
             </a:xfrm>
             <a:custGeom>
@@ -30374,7 +30374,7 @@
           </p:nvSpPr>
           <p:spPr>
             <a:xfrm>
-              <a:off x="4540015" y="5344264"/>
+              <a:off x="4829172" y="5344123"/>
               <a:ext cx="63202" cy="63202"/>
             </a:xfrm>
             <a:custGeom>
@@ -30417,7 +30417,7 @@
           </p:nvSpPr>
           <p:spPr>
             <a:xfrm>
-              <a:off x="4726924" y="5405228"/>
+              <a:off x="4678293" y="5405061"/>
               <a:ext cx="63202" cy="63202"/>
             </a:xfrm>
             <a:custGeom>
@@ -30460,7 +30460,7 @@
           </p:nvSpPr>
           <p:spPr>
             <a:xfrm>
-              <a:off x="4742959" y="5396083"/>
+              <a:off x="4596766" y="5395897"/>
               <a:ext cx="63202" cy="63202"/>
             </a:xfrm>
             <a:custGeom>
@@ -30503,7 +30503,7 @@
           </p:nvSpPr>
           <p:spPr>
             <a:xfrm>
-              <a:off x="4685412" y="5440455"/>
+              <a:off x="4701906" y="5440454"/>
               <a:ext cx="63202" cy="63202"/>
             </a:xfrm>
             <a:custGeom>
@@ -30546,7 +30546,7 @@
           </p:nvSpPr>
           <p:spPr>
             <a:xfrm>
-              <a:off x="5087266" y="5359200"/>
+              <a:off x="4557383" y="5359106"/>
               <a:ext cx="63202" cy="63202"/>
             </a:xfrm>
             <a:custGeom>
@@ -30589,7 +30589,7 @@
           </p:nvSpPr>
           <p:spPr>
             <a:xfrm>
-              <a:off x="4925035" y="5367980"/>
+              <a:off x="5020500" y="5367691"/>
               <a:ext cx="63202" cy="63202"/>
             </a:xfrm>
             <a:custGeom>
@@ -30632,7 +30632,7 @@
           </p:nvSpPr>
           <p:spPr>
             <a:xfrm>
-              <a:off x="4655499" y="5395610"/>
+              <a:off x="4699097" y="5395464"/>
               <a:ext cx="63202" cy="63202"/>
             </a:xfrm>
             <a:custGeom>
@@ -30675,7 +30675,7 @@
           </p:nvSpPr>
           <p:spPr>
             <a:xfrm>
-              <a:off x="5069039" y="5352567"/>
+              <a:off x="4794456" y="5352287"/>
               <a:ext cx="63202" cy="63202"/>
             </a:xfrm>
             <a:custGeom>
@@ -30718,7 +30718,7 @@
           </p:nvSpPr>
           <p:spPr>
             <a:xfrm>
-              <a:off x="4459837" y="5385761"/>
+              <a:off x="4870774" y="5385465"/>
               <a:ext cx="63202" cy="63202"/>
             </a:xfrm>
             <a:custGeom>
@@ -30761,7 +30761,7 @@
           </p:nvSpPr>
           <p:spPr>
             <a:xfrm>
-              <a:off x="4540717" y="5395630"/>
+              <a:off x="4913160" y="5395439"/>
               <a:ext cx="63202" cy="63202"/>
             </a:xfrm>
             <a:custGeom>
@@ -30804,7 +30804,7 @@
           </p:nvSpPr>
           <p:spPr>
             <a:xfrm>
-              <a:off x="4546933" y="5345505"/>
+              <a:off x="4520230" y="5345337"/>
               <a:ext cx="63202" cy="63202"/>
             </a:xfrm>
             <a:custGeom>
@@ -30847,7 +30847,7 @@
           </p:nvSpPr>
           <p:spPr>
             <a:xfrm>
-              <a:off x="4775933" y="5533525"/>
+              <a:off x="4452634" y="5533237"/>
               <a:ext cx="63202" cy="63202"/>
             </a:xfrm>
             <a:custGeom>
@@ -30890,7 +30890,7 @@
           </p:nvSpPr>
           <p:spPr>
             <a:xfrm>
-              <a:off x="4942690" y="5380276"/>
+              <a:off x="4555184" y="5379929"/>
               <a:ext cx="63202" cy="63202"/>
             </a:xfrm>
             <a:custGeom>
@@ -30933,7 +30933,7 @@
           </p:nvSpPr>
           <p:spPr>
             <a:xfrm>
-              <a:off x="4456515" y="5385649"/>
+              <a:off x="4523237" y="5385480"/>
               <a:ext cx="63202" cy="63202"/>
             </a:xfrm>
             <a:custGeom>
@@ -30976,7 +30976,7 @@
           </p:nvSpPr>
           <p:spPr>
             <a:xfrm>
-              <a:off x="4799878" y="5399000"/>
+              <a:off x="4576545" y="5398690"/>
               <a:ext cx="63202" cy="63202"/>
             </a:xfrm>
             <a:custGeom>
@@ -31019,7 +31019,7 @@
           </p:nvSpPr>
           <p:spPr>
             <a:xfrm>
-              <a:off x="4574065" y="5404593"/>
+              <a:off x="4617139" y="5404387"/>
               <a:ext cx="63202" cy="63202"/>
             </a:xfrm>
             <a:custGeom>
@@ -31062,7 +31062,7 @@
           </p:nvSpPr>
           <p:spPr>
             <a:xfrm>
-              <a:off x="4768946" y="5325686"/>
+              <a:off x="4928625" y="5325318"/>
               <a:ext cx="63202" cy="63202"/>
             </a:xfrm>
             <a:custGeom>
@@ -31105,7 +31105,7 @@
           </p:nvSpPr>
           <p:spPr>
             <a:xfrm>
-              <a:off x="4637321" y="5438419"/>
+              <a:off x="4695374" y="5438278"/>
               <a:ext cx="63202" cy="63202"/>
             </a:xfrm>
             <a:custGeom>
@@ -31148,7 +31148,7 @@
           </p:nvSpPr>
           <p:spPr>
             <a:xfrm>
-              <a:off x="4871159" y="5632567"/>
+              <a:off x="4895969" y="5632602"/>
               <a:ext cx="63202" cy="63202"/>
             </a:xfrm>
             <a:custGeom>
@@ -31191,7 +31191,7 @@
           </p:nvSpPr>
           <p:spPr>
             <a:xfrm>
-              <a:off x="4631977" y="5955023"/>
+              <a:off x="5018987" y="5954784"/>
               <a:ext cx="63202" cy="63202"/>
             </a:xfrm>
             <a:custGeom>
@@ -31234,7 +31234,7 @@
           </p:nvSpPr>
           <p:spPr>
             <a:xfrm>
-              <a:off x="4963792" y="5791174"/>
+              <a:off x="4472633" y="5791088"/>
               <a:ext cx="63202" cy="63202"/>
             </a:xfrm>
             <a:custGeom>
@@ -31277,7 +31277,7 @@
           </p:nvSpPr>
           <p:spPr>
             <a:xfrm>
-              <a:off x="4570374" y="5351736"/>
+              <a:off x="4727647" y="5351547"/>
               <a:ext cx="63202" cy="63202"/>
             </a:xfrm>
             <a:custGeom>
@@ -31320,7 +31320,7 @@
           </p:nvSpPr>
           <p:spPr>
             <a:xfrm>
-              <a:off x="4565149" y="5460029"/>
+              <a:off x="4486921" y="5459964"/>
               <a:ext cx="63202" cy="63202"/>
             </a:xfrm>
             <a:custGeom>
@@ -31363,7 +31363,7 @@
           </p:nvSpPr>
           <p:spPr>
             <a:xfrm>
-              <a:off x="4614232" y="5443942"/>
+              <a:off x="4520184" y="5443622"/>
               <a:ext cx="63202" cy="63202"/>
             </a:xfrm>
             <a:custGeom>
@@ -31406,7 +31406,7 @@
           </p:nvSpPr>
           <p:spPr>
             <a:xfrm>
-              <a:off x="4523569" y="5359126"/>
+              <a:off x="4596423" y="5358995"/>
               <a:ext cx="63202" cy="63202"/>
             </a:xfrm>
             <a:custGeom>
@@ -31449,7 +31449,7 @@
           </p:nvSpPr>
           <p:spPr>
             <a:xfrm>
-              <a:off x="5114209" y="5530832"/>
+              <a:off x="4798298" y="5530892"/>
               <a:ext cx="63202" cy="63202"/>
             </a:xfrm>
             <a:custGeom>
@@ -31492,7 +31492,7 @@
           </p:nvSpPr>
           <p:spPr>
             <a:xfrm>
-              <a:off x="4771006" y="5331729"/>
+              <a:off x="4670125" y="5331753"/>
               <a:ext cx="63202" cy="63202"/>
             </a:xfrm>
             <a:custGeom>
@@ -31535,7 +31535,7 @@
           </p:nvSpPr>
           <p:spPr>
             <a:xfrm>
-              <a:off x="4563683" y="5684292"/>
+              <a:off x="5117324" y="5684017"/>
               <a:ext cx="63202" cy="63202"/>
             </a:xfrm>
             <a:custGeom>
@@ -31578,7 +31578,7 @@
           </p:nvSpPr>
           <p:spPr>
             <a:xfrm>
-              <a:off x="4829636" y="5353110"/>
+              <a:off x="5110064" y="5352955"/>
               <a:ext cx="63202" cy="63202"/>
             </a:xfrm>
             <a:custGeom>
@@ -31621,7 +31621,7 @@
           </p:nvSpPr>
           <p:spPr>
             <a:xfrm>
-              <a:off x="4921572" y="5781021"/>
+              <a:off x="4925648" y="5780790"/>
               <a:ext cx="63202" cy="63202"/>
             </a:xfrm>
             <a:custGeom>
@@ -31664,7 +31664,7 @@
           </p:nvSpPr>
           <p:spPr>
             <a:xfrm>
-              <a:off x="4741269" y="5362666"/>
+              <a:off x="4702931" y="5362676"/>
               <a:ext cx="63202" cy="63202"/>
             </a:xfrm>
             <a:custGeom>
@@ -31707,7 +31707,7 @@
           </p:nvSpPr>
           <p:spPr>
             <a:xfrm>
-              <a:off x="4862376" y="5334029"/>
+              <a:off x="4454730" y="5333956"/>
               <a:ext cx="63202" cy="63202"/>
             </a:xfrm>
             <a:custGeom>
@@ -31750,7 +31750,7 @@
           </p:nvSpPr>
           <p:spPr>
             <a:xfrm>
-              <a:off x="4686203" y="5343528"/>
+              <a:off x="4488284" y="5343601"/>
               <a:ext cx="63202" cy="63202"/>
             </a:xfrm>
             <a:custGeom>
@@ -31793,7 +31793,7 @@
           </p:nvSpPr>
           <p:spPr>
             <a:xfrm>
-              <a:off x="5058059" y="5325542"/>
+              <a:off x="5054861" y="5325402"/>
               <a:ext cx="63202" cy="63202"/>
             </a:xfrm>
             <a:custGeom>
@@ -31836,7 +31836,7 @@
           </p:nvSpPr>
           <p:spPr>
             <a:xfrm>
-              <a:off x="4498939" y="5350605"/>
+              <a:off x="4940734" y="5350540"/>
               <a:ext cx="63202" cy="63202"/>
             </a:xfrm>
             <a:custGeom>
@@ -31879,7 +31879,7 @@
           </p:nvSpPr>
           <p:spPr>
             <a:xfrm>
-              <a:off x="4701632" y="5340341"/>
+              <a:off x="4786587" y="5340202"/>
               <a:ext cx="63202" cy="63202"/>
             </a:xfrm>
             <a:custGeom>
@@ -31922,7 +31922,7 @@
           </p:nvSpPr>
           <p:spPr>
             <a:xfrm>
-              <a:off x="4717184" y="5352935"/>
+              <a:off x="4541108" y="5352832"/>
               <a:ext cx="63202" cy="63202"/>
             </a:xfrm>
             <a:custGeom>
@@ -31965,7 +31965,7 @@
           </p:nvSpPr>
           <p:spPr>
             <a:xfrm>
-              <a:off x="4978997" y="5352863"/>
+              <a:off x="4960275" y="5352827"/>
               <a:ext cx="63202" cy="63202"/>
             </a:xfrm>
             <a:custGeom>
@@ -32008,7 +32008,7 @@
           </p:nvSpPr>
           <p:spPr>
             <a:xfrm>
-              <a:off x="5033482" y="5352789"/>
+              <a:off x="4530865" y="5352732"/>
               <a:ext cx="63202" cy="63202"/>
             </a:xfrm>
             <a:custGeom>
@@ -32051,7 +32051,7 @@
           </p:nvSpPr>
           <p:spPr>
             <a:xfrm>
-              <a:off x="4923793" y="5352812"/>
+              <a:off x="4810467" y="5352587"/>
               <a:ext cx="63202" cy="63202"/>
             </a:xfrm>
             <a:custGeom>
@@ -32094,7 +32094,7 @@
           </p:nvSpPr>
           <p:spPr>
             <a:xfrm>
-              <a:off x="4870202" y="5390218"/>
+              <a:off x="4528751" y="5389897"/>
               <a:ext cx="63202" cy="63202"/>
             </a:xfrm>
             <a:custGeom>
@@ -32137,7 +32137,7 @@
           </p:nvSpPr>
           <p:spPr>
             <a:xfrm>
-              <a:off x="5083069" y="5351082"/>
+              <a:off x="5039251" y="5350853"/>
               <a:ext cx="63202" cy="63202"/>
             </a:xfrm>
             <a:custGeom>
@@ -32180,7 +32180,7 @@
           </p:nvSpPr>
           <p:spPr>
             <a:xfrm>
-              <a:off x="4804958" y="5700821"/>
+              <a:off x="4902812" y="5700779"/>
               <a:ext cx="63202" cy="63202"/>
             </a:xfrm>
             <a:custGeom>
@@ -32223,7 +32223,7 @@
           </p:nvSpPr>
           <p:spPr>
             <a:xfrm>
-              <a:off x="5406802" y="6539978"/>
+              <a:off x="5851145" y="6539804"/>
               <a:ext cx="63202" cy="63202"/>
             </a:xfrm>
             <a:custGeom>
@@ -32266,7 +32266,7 @@
           </p:nvSpPr>
           <p:spPr>
             <a:xfrm>
-              <a:off x="5079402" y="5357529"/>
+              <a:off x="4434595" y="5357576"/>
               <a:ext cx="63202" cy="63202"/>
             </a:xfrm>
             <a:custGeom>
@@ -32309,7 +32309,7 @@
           </p:nvSpPr>
           <p:spPr>
             <a:xfrm>
-              <a:off x="4840400" y="5334844"/>
+              <a:off x="4783449" y="5334525"/>
               <a:ext cx="63202" cy="63202"/>
             </a:xfrm>
             <a:custGeom>
@@ -32352,7 +32352,7 @@
           </p:nvSpPr>
           <p:spPr>
             <a:xfrm>
-              <a:off x="4653727" y="5330239"/>
+              <a:off x="4581771" y="5330139"/>
               <a:ext cx="63202" cy="63202"/>
             </a:xfrm>
             <a:custGeom>
@@ -32395,7 +32395,7 @@
           </p:nvSpPr>
           <p:spPr>
             <a:xfrm>
-              <a:off x="5054047" y="5526361"/>
+              <a:off x="4469447" y="5526293"/>
               <a:ext cx="63202" cy="63202"/>
             </a:xfrm>
             <a:custGeom>
@@ -32438,7 +32438,7 @@
           </p:nvSpPr>
           <p:spPr>
             <a:xfrm>
-              <a:off x="4977423" y="5364710"/>
+              <a:off x="4875956" y="5364618"/>
               <a:ext cx="63202" cy="63202"/>
             </a:xfrm>
             <a:custGeom>
@@ -32481,7 +32481,7 @@
           </p:nvSpPr>
           <p:spPr>
             <a:xfrm>
-              <a:off x="4438754" y="5362702"/>
+              <a:off x="4877162" y="5362585"/>
               <a:ext cx="63202" cy="63202"/>
             </a:xfrm>
             <a:custGeom>
@@ -32524,7 +32524,7 @@
           </p:nvSpPr>
           <p:spPr>
             <a:xfrm>
-              <a:off x="4787458" y="5336953"/>
+              <a:off x="4797440" y="5336788"/>
               <a:ext cx="63202" cy="63202"/>
             </a:xfrm>
             <a:custGeom>
@@ -32623,7 +32623,7 @@
           </p:nvSpPr>
           <p:spPr>
             <a:xfrm>
-              <a:off x="7171360" y="2806800"/>
+              <a:off x="7171360" y="2806689"/>
               <a:ext cx="2817450" cy="0"/>
             </a:xfrm>
             <a:custGeom>
@@ -32666,7 +32666,7 @@
           </p:nvSpPr>
           <p:spPr>
             <a:xfrm>
-              <a:off x="7171360" y="2438131"/>
+              <a:off x="7171360" y="2438007"/>
               <a:ext cx="2817450" cy="0"/>
             </a:xfrm>
             <a:custGeom>
@@ -32709,7 +32709,7 @@
           </p:nvSpPr>
           <p:spPr>
             <a:xfrm>
-              <a:off x="7171360" y="2069463"/>
+              <a:off x="7171360" y="2069325"/>
               <a:ext cx="2817450" cy="0"/>
             </a:xfrm>
             <a:custGeom>
@@ -32752,7 +32752,7 @@
           </p:nvSpPr>
           <p:spPr>
             <a:xfrm>
-              <a:off x="7171360" y="1700795"/>
+              <a:off x="7171360" y="1700642"/>
               <a:ext cx="2817450" cy="0"/>
             </a:xfrm>
             <a:custGeom>
@@ -32795,7 +32795,7 @@
           </p:nvSpPr>
           <p:spPr>
             <a:xfrm>
-              <a:off x="7171360" y="2991134"/>
+              <a:off x="7171360" y="2991030"/>
               <a:ext cx="2817450" cy="0"/>
             </a:xfrm>
             <a:custGeom>
@@ -32838,7 +32838,7 @@
           </p:nvSpPr>
           <p:spPr>
             <a:xfrm>
-              <a:off x="7171360" y="2622466"/>
+              <a:off x="7171360" y="2622348"/>
               <a:ext cx="2817450" cy="0"/>
             </a:xfrm>
             <a:custGeom>
@@ -32881,7 +32881,7 @@
           </p:nvSpPr>
           <p:spPr>
             <a:xfrm>
-              <a:off x="7171360" y="2253797"/>
+              <a:off x="7171360" y="2253666"/>
               <a:ext cx="2817450" cy="0"/>
             </a:xfrm>
             <a:custGeom>
@@ -32924,7 +32924,7 @@
           </p:nvSpPr>
           <p:spPr>
             <a:xfrm>
-              <a:off x="7171360" y="1885129"/>
+              <a:off x="7171360" y="1884983"/>
               <a:ext cx="2817450" cy="0"/>
             </a:xfrm>
             <a:custGeom>
@@ -32967,7 +32967,7 @@
           </p:nvSpPr>
           <p:spPr>
             <a:xfrm>
-              <a:off x="7171360" y="1516461"/>
+              <a:off x="7171360" y="1516301"/>
               <a:ext cx="2817450" cy="0"/>
             </a:xfrm>
             <a:custGeom>
@@ -33139,7 +33139,7 @@
           </p:nvSpPr>
           <p:spPr>
             <a:xfrm>
-              <a:off x="9342314" y="2938182"/>
+              <a:off x="9630093" y="2938092"/>
               <a:ext cx="63202" cy="63202"/>
             </a:xfrm>
             <a:custGeom>
@@ -33182,7 +33182,7 @@
           </p:nvSpPr>
           <p:spPr>
             <a:xfrm>
-              <a:off x="7504773" y="2180232"/>
+              <a:off x="7573491" y="2180156"/>
               <a:ext cx="63202" cy="63202"/>
             </a:xfrm>
             <a:custGeom>
@@ -33225,7 +33225,7 @@
           </p:nvSpPr>
           <p:spPr>
             <a:xfrm>
-              <a:off x="7348520" y="2187787"/>
+              <a:off x="7352592" y="2187838"/>
               <a:ext cx="63202" cy="63202"/>
             </a:xfrm>
             <a:custGeom>
@@ -33268,7 +33268,7 @@
           </p:nvSpPr>
           <p:spPr>
             <a:xfrm>
-              <a:off x="7501880" y="2209560"/>
+              <a:off x="7329029" y="2209488"/>
               <a:ext cx="63202" cy="63202"/>
             </a:xfrm>
             <a:custGeom>
@@ -33311,7 +33311,7 @@
           </p:nvSpPr>
           <p:spPr>
             <a:xfrm>
-              <a:off x="7580244" y="2200700"/>
+              <a:off x="7822888" y="2200728"/>
               <a:ext cx="63202" cy="63202"/>
             </a:xfrm>
             <a:custGeom>
@@ -33354,7 +33354,7 @@
           </p:nvSpPr>
           <p:spPr>
             <a:xfrm>
-              <a:off x="7858570" y="2105996"/>
+              <a:off x="8010651" y="2105957"/>
               <a:ext cx="63202" cy="63202"/>
             </a:xfrm>
             <a:custGeom>
@@ -33397,7 +33397,7 @@
           </p:nvSpPr>
           <p:spPr>
             <a:xfrm>
-              <a:off x="8473439" y="2267317"/>
+              <a:off x="8414761" y="2267089"/>
               <a:ext cx="63202" cy="63202"/>
             </a:xfrm>
             <a:custGeom>
@@ -33440,7 +33440,7 @@
           </p:nvSpPr>
           <p:spPr>
             <a:xfrm>
-              <a:off x="7680335" y="2178412"/>
+              <a:off x="7819327" y="2178176"/>
               <a:ext cx="63202" cy="63202"/>
             </a:xfrm>
             <a:custGeom>
@@ -33483,7 +33483,7 @@
           </p:nvSpPr>
           <p:spPr>
             <a:xfrm>
-              <a:off x="7950984" y="2200374"/>
+              <a:off x="7559780" y="2200436"/>
               <a:ext cx="63202" cy="63202"/>
             </a:xfrm>
             <a:custGeom>
@@ -33526,7 +33526,7 @@
           </p:nvSpPr>
           <p:spPr>
             <a:xfrm>
-              <a:off x="7891113" y="2194672"/>
+              <a:off x="7470210" y="2194529"/>
               <a:ext cx="63202" cy="63202"/>
             </a:xfrm>
             <a:custGeom>
@@ -33569,7 +33569,7 @@
           </p:nvSpPr>
           <p:spPr>
             <a:xfrm>
-              <a:off x="8842421" y="2267514"/>
+              <a:off x="8330910" y="2267335"/>
               <a:ext cx="63202" cy="63202"/>
             </a:xfrm>
             <a:custGeom>
@@ -33612,7 +33612,7 @@
           </p:nvSpPr>
           <p:spPr>
             <a:xfrm>
-              <a:off x="8366700" y="2340155"/>
+              <a:off x="8701515" y="2340133"/>
               <a:ext cx="63202" cy="63202"/>
             </a:xfrm>
             <a:custGeom>
@@ -33655,7 +33655,7 @@
           </p:nvSpPr>
           <p:spPr>
             <a:xfrm>
-              <a:off x="8254721" y="2268898"/>
+              <a:off x="8553692" y="2269032"/>
               <a:ext cx="63202" cy="63202"/>
             </a:xfrm>
             <a:custGeom>
@@ -33698,7 +33698,7 @@
           </p:nvSpPr>
           <p:spPr>
             <a:xfrm>
-              <a:off x="8237201" y="2465894"/>
+              <a:off x="8505076" y="2465675"/>
               <a:ext cx="63202" cy="63202"/>
             </a:xfrm>
             <a:custGeom>
@@ -33741,7 +33741,7 @@
           </p:nvSpPr>
           <p:spPr>
             <a:xfrm>
-              <a:off x="8266262" y="2263728"/>
+              <a:off x="8578784" y="2263838"/>
               <a:ext cx="63202" cy="63202"/>
             </a:xfrm>
             <a:custGeom>
@@ -33784,7 +33784,7 @@
           </p:nvSpPr>
           <p:spPr>
             <a:xfrm>
-              <a:off x="7483188" y="2205319"/>
+              <a:off x="7797438" y="2205056"/>
               <a:ext cx="63202" cy="63202"/>
             </a:xfrm>
             <a:custGeom>
@@ -33827,7 +33827,7 @@
           </p:nvSpPr>
           <p:spPr>
             <a:xfrm>
-              <a:off x="8900468" y="2415888"/>
+              <a:off x="8348022" y="2415688"/>
               <a:ext cx="63202" cy="63202"/>
             </a:xfrm>
             <a:custGeom>
@@ -33870,7 +33870,7 @@
           </p:nvSpPr>
           <p:spPr>
             <a:xfrm>
-              <a:off x="8431219" y="2301085"/>
+              <a:off x="8685841" y="2300874"/>
               <a:ext cx="63202" cy="63202"/>
             </a:xfrm>
             <a:custGeom>
@@ -33913,7 +33913,7 @@
           </p:nvSpPr>
           <p:spPr>
             <a:xfrm>
-              <a:off x="8584443" y="2259932"/>
+              <a:off x="8649998" y="2259561"/>
               <a:ext cx="63202" cy="63202"/>
             </a:xfrm>
             <a:custGeom>
@@ -33956,7 +33956,7 @@
           </p:nvSpPr>
           <p:spPr>
             <a:xfrm>
-              <a:off x="7753545" y="2180120"/>
+              <a:off x="7669417" y="2179999"/>
               <a:ext cx="63202" cy="63202"/>
             </a:xfrm>
             <a:custGeom>
@@ -33999,7 +33999,7 @@
           </p:nvSpPr>
           <p:spPr>
             <a:xfrm>
-              <a:off x="8438014" y="2360841"/>
+              <a:off x="8506689" y="2360824"/>
               <a:ext cx="63202" cy="63202"/>
             </a:xfrm>
             <a:custGeom>
@@ -34042,7 +34042,7 @@
           </p:nvSpPr>
           <p:spPr>
             <a:xfrm>
-              <a:off x="8668688" y="2256109"/>
+              <a:off x="8881019" y="2256094"/>
               <a:ext cx="63202" cy="63202"/>
             </a:xfrm>
             <a:custGeom>
@@ -34085,7 +34085,7 @@
           </p:nvSpPr>
           <p:spPr>
             <a:xfrm>
-              <a:off x="8459951" y="2268962"/>
+              <a:off x="8627603" y="2268887"/>
               <a:ext cx="63202" cy="63202"/>
             </a:xfrm>
             <a:custGeom>
@@ -34128,7 +34128,7 @@
           </p:nvSpPr>
           <p:spPr>
             <a:xfrm>
-              <a:off x="7749695" y="2076512"/>
+              <a:off x="7772748" y="2076519"/>
               <a:ext cx="63202" cy="63202"/>
             </a:xfrm>
             <a:custGeom>
@@ -34171,7 +34171,7 @@
           </p:nvSpPr>
           <p:spPr>
             <a:xfrm>
-              <a:off x="7924251" y="2182987"/>
+              <a:off x="7373111" y="2182862"/>
               <a:ext cx="63202" cy="63202"/>
             </a:xfrm>
             <a:custGeom>
@@ -34214,7 +34214,7 @@
           </p:nvSpPr>
           <p:spPr>
             <a:xfrm>
-              <a:off x="8336717" y="2275303"/>
+              <a:off x="8494963" y="2275136"/>
               <a:ext cx="63202" cy="63202"/>
             </a:xfrm>
             <a:custGeom>
@@ -34257,7 +34257,7 @@
           </p:nvSpPr>
           <p:spPr>
             <a:xfrm>
-              <a:off x="8277643" y="2297894"/>
+              <a:off x="8323570" y="2297557"/>
               <a:ext cx="63202" cy="63202"/>
             </a:xfrm>
             <a:custGeom>
@@ -34300,7 +34300,7 @@
           </p:nvSpPr>
           <p:spPr>
             <a:xfrm>
-              <a:off x="9482038" y="2931951"/>
+              <a:off x="9313638" y="2931840"/>
               <a:ext cx="63202" cy="63202"/>
             </a:xfrm>
             <a:custGeom>
@@ -34343,7 +34343,7 @@
           </p:nvSpPr>
           <p:spPr>
             <a:xfrm>
-              <a:off x="7695744" y="2196641"/>
+              <a:off x="7479945" y="2196773"/>
               <a:ext cx="63202" cy="63202"/>
             </a:xfrm>
             <a:custGeom>
@@ -34386,7 +34386,7 @@
           </p:nvSpPr>
           <p:spPr>
             <a:xfrm>
-              <a:off x="7793974" y="2194658"/>
+              <a:off x="7435025" y="2194486"/>
               <a:ext cx="63202" cy="63202"/>
             </a:xfrm>
             <a:custGeom>
@@ -34429,7 +34429,7 @@
           </p:nvSpPr>
           <p:spPr>
             <a:xfrm>
-              <a:off x="7648710" y="2191218"/>
+              <a:off x="7734665" y="2191097"/>
               <a:ext cx="63202" cy="63202"/>
             </a:xfrm>
             <a:custGeom>
@@ -34472,7 +34472,7 @@
           </p:nvSpPr>
           <p:spPr>
             <a:xfrm>
-              <a:off x="7519700" y="2191451"/>
+              <a:off x="7547708" y="2191348"/>
               <a:ext cx="63202" cy="63202"/>
             </a:xfrm>
             <a:custGeom>
@@ -34515,7 +34515,7 @@
           </p:nvSpPr>
           <p:spPr>
             <a:xfrm>
-              <a:off x="7750511" y="2193551"/>
+              <a:off x="7738008" y="2193452"/>
               <a:ext cx="63202" cy="63202"/>
             </a:xfrm>
             <a:custGeom>
@@ -34558,7 +34558,7 @@
           </p:nvSpPr>
           <p:spPr>
             <a:xfrm>
-              <a:off x="7576295" y="2206710"/>
+              <a:off x="7638303" y="2206573"/>
               <a:ext cx="63202" cy="63202"/>
             </a:xfrm>
             <a:custGeom>
@@ -34601,7 +34601,7 @@
           </p:nvSpPr>
           <p:spPr>
             <a:xfrm>
-              <a:off x="8840487" y="2228049"/>
+              <a:off x="8225152" y="2228029"/>
               <a:ext cx="63202" cy="63202"/>
             </a:xfrm>
             <a:custGeom>
@@ -34644,7 +34644,7 @@
           </p:nvSpPr>
           <p:spPr>
             <a:xfrm>
-              <a:off x="8467674" y="2260816"/>
+              <a:off x="8690462" y="2260755"/>
               <a:ext cx="63202" cy="63202"/>
             </a:xfrm>
             <a:custGeom>
@@ -34687,7 +34687,7 @@
           </p:nvSpPr>
           <p:spPr>
             <a:xfrm>
-              <a:off x="8221366" y="2268266"/>
+              <a:off x="8614974" y="2268118"/>
               <a:ext cx="63202" cy="63202"/>
             </a:xfrm>
             <a:custGeom>
@@ -34730,7 +34730,7 @@
           </p:nvSpPr>
           <p:spPr>
             <a:xfrm>
-              <a:off x="8216829" y="2669627"/>
+              <a:off x="8711947" y="2669687"/>
               <a:ext cx="63202" cy="63202"/>
             </a:xfrm>
             <a:custGeom>
@@ -34773,7 +34773,7 @@
           </p:nvSpPr>
           <p:spPr>
             <a:xfrm>
-              <a:off x="7961382" y="2210113"/>
+              <a:off x="7907093" y="2209887"/>
               <a:ext cx="63202" cy="63202"/>
             </a:xfrm>
             <a:custGeom>
@@ -34816,7 +34816,7 @@
           </p:nvSpPr>
           <p:spPr>
             <a:xfrm>
-              <a:off x="7562667" y="2000716"/>
+              <a:off x="7758859" y="2000430"/>
               <a:ext cx="63202" cy="63202"/>
             </a:xfrm>
             <a:custGeom>
@@ -34859,7 +34859,7 @@
           </p:nvSpPr>
           <p:spPr>
             <a:xfrm>
-              <a:off x="7417459" y="2059189"/>
+              <a:off x="7629154" y="2059044"/>
               <a:ext cx="63202" cy="63202"/>
             </a:xfrm>
             <a:custGeom>
@@ -34902,7 +34902,7 @@
           </p:nvSpPr>
           <p:spPr>
             <a:xfrm>
-              <a:off x="7575939" y="2204588"/>
+              <a:off x="7362707" y="2204415"/>
               <a:ext cx="63202" cy="63202"/>
             </a:xfrm>
             <a:custGeom>
@@ -34945,7 +34945,7 @@
           </p:nvSpPr>
           <p:spPr>
             <a:xfrm>
-              <a:off x="7696753" y="2208334"/>
+              <a:off x="7681675" y="2207940"/>
               <a:ext cx="63202" cy="63202"/>
             </a:xfrm>
             <a:custGeom>
@@ -34988,7 +34988,7 @@
           </p:nvSpPr>
           <p:spPr>
             <a:xfrm>
-              <a:off x="7535824" y="2207852"/>
+              <a:off x="7716705" y="2207765"/>
               <a:ext cx="63202" cy="63202"/>
             </a:xfrm>
             <a:custGeom>
@@ -35031,7 +35031,7 @@
           </p:nvSpPr>
           <p:spPr>
             <a:xfrm>
-              <a:off x="7860840" y="2203786"/>
+              <a:off x="7816561" y="2203746"/>
               <a:ext cx="63202" cy="63202"/>
             </a:xfrm>
             <a:custGeom>
@@ -35074,7 +35074,7 @@
           </p:nvSpPr>
           <p:spPr>
             <a:xfrm>
-              <a:off x="7549108" y="2200932"/>
+              <a:off x="7981190" y="2200590"/>
               <a:ext cx="63202" cy="63202"/>
             </a:xfrm>
             <a:custGeom>
@@ -35173,7 +35173,7 @@
           </p:nvSpPr>
           <p:spPr>
             <a:xfrm>
-              <a:off x="7171360" y="4732132"/>
+              <a:off x="7171360" y="4732022"/>
               <a:ext cx="2817450" cy="0"/>
             </a:xfrm>
             <a:custGeom>
@@ -35216,7 +35216,7 @@
           </p:nvSpPr>
           <p:spPr>
             <a:xfrm>
-              <a:off x="7171360" y="4363464"/>
+              <a:off x="7171360" y="4363340"/>
               <a:ext cx="2817450" cy="0"/>
             </a:xfrm>
             <a:custGeom>
@@ -35259,7 +35259,7 @@
           </p:nvSpPr>
           <p:spPr>
             <a:xfrm>
-              <a:off x="7171360" y="3994796"/>
+              <a:off x="7171360" y="3994657"/>
               <a:ext cx="2817450" cy="0"/>
             </a:xfrm>
             <a:custGeom>
@@ -35302,7 +35302,7 @@
           </p:nvSpPr>
           <p:spPr>
             <a:xfrm>
-              <a:off x="7171360" y="3626128"/>
+              <a:off x="7171360" y="3625975"/>
               <a:ext cx="2817450" cy="0"/>
             </a:xfrm>
             <a:custGeom>
@@ -35345,7 +35345,7 @@
           </p:nvSpPr>
           <p:spPr>
             <a:xfrm>
-              <a:off x="7171360" y="4916466"/>
+              <a:off x="7171360" y="4916363"/>
               <a:ext cx="2817450" cy="0"/>
             </a:xfrm>
             <a:custGeom>
@@ -35388,7 +35388,7 @@
           </p:nvSpPr>
           <p:spPr>
             <a:xfrm>
-              <a:off x="7171360" y="4547798"/>
+              <a:off x="7171360" y="4547681"/>
               <a:ext cx="2817450" cy="0"/>
             </a:xfrm>
             <a:custGeom>
@@ -35431,7 +35431,7 @@
           </p:nvSpPr>
           <p:spPr>
             <a:xfrm>
-              <a:off x="7171360" y="4179130"/>
+              <a:off x="7171360" y="4178998"/>
               <a:ext cx="2817450" cy="0"/>
             </a:xfrm>
             <a:custGeom>
@@ -35474,7 +35474,7 @@
           </p:nvSpPr>
           <p:spPr>
             <a:xfrm>
-              <a:off x="7171360" y="3810462"/>
+              <a:off x="7171360" y="3810316"/>
               <a:ext cx="2817450" cy="0"/>
             </a:xfrm>
             <a:custGeom>
@@ -35517,7 +35517,7 @@
           </p:nvSpPr>
           <p:spPr>
             <a:xfrm>
-              <a:off x="7171360" y="3441794"/>
+              <a:off x="7171360" y="3441634"/>
               <a:ext cx="2817450" cy="0"/>
             </a:xfrm>
             <a:custGeom>
@@ -35689,7 +35689,7 @@
           </p:nvSpPr>
           <p:spPr>
             <a:xfrm>
-              <a:off x="8268805" y="4217686"/>
+              <a:off x="8301287" y="4217515"/>
               <a:ext cx="63202" cy="63202"/>
             </a:xfrm>
             <a:custGeom>
@@ -35732,7 +35732,7 @@
           </p:nvSpPr>
           <p:spPr>
             <a:xfrm>
-              <a:off x="8268517" y="4539529"/>
+              <a:off x="8215329" y="4539290"/>
               <a:ext cx="63202" cy="63202"/>
             </a:xfrm>
             <a:custGeom>
@@ -35775,7 +35775,7 @@
           </p:nvSpPr>
           <p:spPr>
             <a:xfrm>
-              <a:off x="9130674" y="4788166"/>
+              <a:off x="9299383" y="4788279"/>
               <a:ext cx="63202" cy="63202"/>
             </a:xfrm>
             <a:custGeom>
@@ -35818,7 +35818,7 @@
           </p:nvSpPr>
           <p:spPr>
             <a:xfrm>
-              <a:off x="9224970" y="4878985"/>
+              <a:off x="9455869" y="4878877"/>
               <a:ext cx="63202" cy="63202"/>
             </a:xfrm>
             <a:custGeom>
@@ -35861,7 +35861,7 @@
           </p:nvSpPr>
           <p:spPr>
             <a:xfrm>
-              <a:off x="9389159" y="4830999"/>
+              <a:off x="9447128" y="4830918"/>
               <a:ext cx="63202" cy="63202"/>
             </a:xfrm>
             <a:custGeom>
@@ -35904,7 +35904,7 @@
           </p:nvSpPr>
           <p:spPr>
             <a:xfrm>
-              <a:off x="8690594" y="4411883"/>
+              <a:off x="8544879" y="4411688"/>
               <a:ext cx="63202" cy="63202"/>
             </a:xfrm>
             <a:custGeom>
@@ -35947,7 +35947,7 @@
           </p:nvSpPr>
           <p:spPr>
             <a:xfrm>
-              <a:off x="8486936" y="4674701"/>
+              <a:off x="8632411" y="4674624"/>
               <a:ext cx="63202" cy="63202"/>
             </a:xfrm>
             <a:custGeom>
@@ -35990,7 +35990,7 @@
           </p:nvSpPr>
           <p:spPr>
             <a:xfrm>
-              <a:off x="8252519" y="4195075"/>
+              <a:off x="8340996" y="4194989"/>
               <a:ext cx="63202" cy="63202"/>
             </a:xfrm>
             <a:custGeom>
@@ -36033,7 +36033,7 @@
           </p:nvSpPr>
           <p:spPr>
             <a:xfrm>
-              <a:off x="9429086" y="4817138"/>
+              <a:off x="9416791" y="4816878"/>
               <a:ext cx="63202" cy="63202"/>
             </a:xfrm>
             <a:custGeom>
@@ -36076,7 +36076,7 @@
           </p:nvSpPr>
           <p:spPr>
             <a:xfrm>
-              <a:off x="8781337" y="4565898"/>
+              <a:off x="8207890" y="4565934"/>
               <a:ext cx="63202" cy="63202"/>
             </a:xfrm>
             <a:custGeom>
@@ -36119,7 +36119,7 @@
           </p:nvSpPr>
           <p:spPr>
             <a:xfrm>
-              <a:off x="8203710" y="4575579"/>
+              <a:off x="8481816" y="4575449"/>
               <a:ext cx="63202" cy="63202"/>
             </a:xfrm>
             <a:custGeom>
@@ -36162,7 +36162,7 @@
           </p:nvSpPr>
           <p:spPr>
             <a:xfrm>
-              <a:off x="8844370" y="4152237"/>
+              <a:off x="8351729" y="4152301"/>
               <a:ext cx="63202" cy="63202"/>
             </a:xfrm>
             <a:custGeom>
@@ -36205,7 +36205,7 @@
           </p:nvSpPr>
           <p:spPr>
             <a:xfrm>
-              <a:off x="8603920" y="4250785"/>
+              <a:off x="8701849" y="4250696"/>
               <a:ext cx="63202" cy="63202"/>
             </a:xfrm>
             <a:custGeom>
@@ -36248,7 +36248,7 @@
           </p:nvSpPr>
           <p:spPr>
             <a:xfrm>
-              <a:off x="9504665" y="4731588"/>
+              <a:off x="9273234" y="4731428"/>
               <a:ext cx="63202" cy="63202"/>
             </a:xfrm>
             <a:custGeom>
@@ -37743,7 +37743,7 @@
           </p:nvSpPr>
           <p:spPr>
             <a:xfrm>
-              <a:off x="1148183" y="2949442"/>
+              <a:off x="1148183" y="2949339"/>
               <a:ext cx="186466" cy="81691"/>
             </a:xfrm>
             <a:prstGeom prst="rect">
@@ -37789,7 +37789,7 @@
           </p:nvSpPr>
           <p:spPr>
             <a:xfrm>
-              <a:off x="1148183" y="2580774"/>
+              <a:off x="1148183" y="2580656"/>
               <a:ext cx="186466" cy="81691"/>
             </a:xfrm>
             <a:prstGeom prst="rect">
@@ -37835,7 +37835,7 @@
           </p:nvSpPr>
           <p:spPr>
             <a:xfrm>
-              <a:off x="1148183" y="2212051"/>
+              <a:off x="1148183" y="2211919"/>
               <a:ext cx="186466" cy="81746"/>
             </a:xfrm>
             <a:prstGeom prst="rect">
@@ -37881,7 +37881,7 @@
           </p:nvSpPr>
           <p:spPr>
             <a:xfrm>
-              <a:off x="1148183" y="1843438"/>
+              <a:off x="1148183" y="1843292"/>
               <a:ext cx="186466" cy="81691"/>
             </a:xfrm>
             <a:prstGeom prst="rect">
@@ -37927,7 +37927,7 @@
           </p:nvSpPr>
           <p:spPr>
             <a:xfrm>
-              <a:off x="1148183" y="1474769"/>
+              <a:off x="1148183" y="1474609"/>
               <a:ext cx="186466" cy="81691"/>
             </a:xfrm>
             <a:prstGeom prst="rect">
@@ -37973,7 +37973,7 @@
           </p:nvSpPr>
           <p:spPr>
             <a:xfrm>
-              <a:off x="1362485" y="2991134"/>
+              <a:off x="1362485" y="2991030"/>
               <a:ext cx="34794" cy="0"/>
             </a:xfrm>
             <a:custGeom>
@@ -38013,7 +38013,7 @@
           </p:nvSpPr>
           <p:spPr>
             <a:xfrm>
-              <a:off x="1362485" y="2622466"/>
+              <a:off x="1362485" y="2622348"/>
               <a:ext cx="34794" cy="0"/>
             </a:xfrm>
             <a:custGeom>
@@ -38053,7 +38053,7 @@
           </p:nvSpPr>
           <p:spPr>
             <a:xfrm>
-              <a:off x="1362485" y="2253797"/>
+              <a:off x="1362485" y="2253666"/>
               <a:ext cx="34794" cy="0"/>
             </a:xfrm>
             <a:custGeom>
@@ -38093,7 +38093,7 @@
           </p:nvSpPr>
           <p:spPr>
             <a:xfrm>
-              <a:off x="1362485" y="1885129"/>
+              <a:off x="1362485" y="1884983"/>
               <a:ext cx="34794" cy="0"/>
             </a:xfrm>
             <a:custGeom>
@@ -38133,7 +38133,7 @@
           </p:nvSpPr>
           <p:spPr>
             <a:xfrm>
-              <a:off x="1362485" y="1516461"/>
+              <a:off x="1362485" y="1516301"/>
               <a:ext cx="34794" cy="0"/>
             </a:xfrm>
             <a:custGeom>
@@ -38173,7 +38173,7 @@
           </p:nvSpPr>
           <p:spPr>
             <a:xfrm>
-              <a:off x="1148183" y="4874775"/>
+              <a:off x="1148183" y="4874671"/>
               <a:ext cx="186466" cy="81691"/>
             </a:xfrm>
             <a:prstGeom prst="rect">
@@ -38219,7 +38219,7 @@
           </p:nvSpPr>
           <p:spPr>
             <a:xfrm>
-              <a:off x="1148183" y="4506106"/>
+              <a:off x="1148183" y="4505989"/>
               <a:ext cx="186466" cy="81691"/>
             </a:xfrm>
             <a:prstGeom prst="rect">
@@ -38265,7 +38265,7 @@
           </p:nvSpPr>
           <p:spPr>
             <a:xfrm>
-              <a:off x="1148183" y="4137384"/>
+              <a:off x="1148183" y="4137252"/>
               <a:ext cx="186466" cy="81746"/>
             </a:xfrm>
             <a:prstGeom prst="rect">
@@ -38311,7 +38311,7 @@
           </p:nvSpPr>
           <p:spPr>
             <a:xfrm>
-              <a:off x="1148183" y="3768770"/>
+              <a:off x="1148183" y="3768624"/>
               <a:ext cx="186466" cy="81691"/>
             </a:xfrm>
             <a:prstGeom prst="rect">
@@ -38357,7 +38357,7 @@
           </p:nvSpPr>
           <p:spPr>
             <a:xfrm>
-              <a:off x="1148183" y="3400102"/>
+              <a:off x="1148183" y="3399942"/>
               <a:ext cx="186466" cy="81691"/>
             </a:xfrm>
             <a:prstGeom prst="rect">
@@ -38403,7 +38403,7 @@
           </p:nvSpPr>
           <p:spPr>
             <a:xfrm>
-              <a:off x="1362485" y="4916466"/>
+              <a:off x="1362485" y="4916363"/>
               <a:ext cx="34794" cy="0"/>
             </a:xfrm>
             <a:custGeom>
@@ -38443,7 +38443,7 @@
           </p:nvSpPr>
           <p:spPr>
             <a:xfrm>
-              <a:off x="1362485" y="4547798"/>
+              <a:off x="1362485" y="4547681"/>
               <a:ext cx="34794" cy="0"/>
             </a:xfrm>
             <a:custGeom>
@@ -38483,7 +38483,7 @@
           </p:nvSpPr>
           <p:spPr>
             <a:xfrm>
-              <a:off x="1362485" y="4179130"/>
+              <a:off x="1362485" y="4178998"/>
               <a:ext cx="34794" cy="0"/>
             </a:xfrm>
             <a:custGeom>
@@ -38523,7 +38523,7 @@
           </p:nvSpPr>
           <p:spPr>
             <a:xfrm>
-              <a:off x="1362485" y="3810462"/>
+              <a:off x="1362485" y="3810316"/>
               <a:ext cx="34794" cy="0"/>
             </a:xfrm>
             <a:custGeom>
@@ -38563,7 +38563,7 @@
           </p:nvSpPr>
           <p:spPr>
             <a:xfrm>
-              <a:off x="1362485" y="3441794"/>
+              <a:off x="1362485" y="3441634"/>
               <a:ext cx="34794" cy="0"/>
             </a:xfrm>
             <a:custGeom>
@@ -38603,7 +38603,7 @@
           </p:nvSpPr>
           <p:spPr>
             <a:xfrm>
-              <a:off x="1148183" y="6800107"/>
+              <a:off x="1148183" y="6800004"/>
               <a:ext cx="186466" cy="81691"/>
             </a:xfrm>
             <a:prstGeom prst="rect">
@@ -38649,7 +38649,7 @@
           </p:nvSpPr>
           <p:spPr>
             <a:xfrm>
-              <a:off x="1148183" y="6431439"/>
+              <a:off x="1148183" y="6431322"/>
               <a:ext cx="186466" cy="81691"/>
             </a:xfrm>
             <a:prstGeom prst="rect">
@@ -38695,7 +38695,7 @@
           </p:nvSpPr>
           <p:spPr>
             <a:xfrm>
-              <a:off x="1148183" y="6062716"/>
+              <a:off x="1148183" y="6062585"/>
               <a:ext cx="186466" cy="81746"/>
             </a:xfrm>
             <a:prstGeom prst="rect">
@@ -38741,7 +38741,7 @@
           </p:nvSpPr>
           <p:spPr>
             <a:xfrm>
-              <a:off x="1148183" y="5694103"/>
+              <a:off x="1148183" y="5693957"/>
               <a:ext cx="186466" cy="81691"/>
             </a:xfrm>
             <a:prstGeom prst="rect">
@@ -38787,7 +38787,7 @@
           </p:nvSpPr>
           <p:spPr>
             <a:xfrm>
-              <a:off x="1148183" y="5325434"/>
+              <a:off x="1148183" y="5325275"/>
               <a:ext cx="186466" cy="81691"/>
             </a:xfrm>
             <a:prstGeom prst="rect">
@@ -38833,7 +38833,7 @@
           </p:nvSpPr>
           <p:spPr>
             <a:xfrm>
-              <a:off x="1362485" y="6841799"/>
+              <a:off x="1362485" y="6841696"/>
               <a:ext cx="34794" cy="0"/>
             </a:xfrm>
             <a:custGeom>
@@ -38873,7 +38873,7 @@
           </p:nvSpPr>
           <p:spPr>
             <a:xfrm>
-              <a:off x="1362485" y="6473131"/>
+              <a:off x="1362485" y="6473013"/>
               <a:ext cx="34794" cy="0"/>
             </a:xfrm>
             <a:custGeom>
@@ -38913,7 +38913,7 @@
           </p:nvSpPr>
           <p:spPr>
             <a:xfrm>
-              <a:off x="1362485" y="6104463"/>
+              <a:off x="1362485" y="6104331"/>
               <a:ext cx="34794" cy="0"/>
             </a:xfrm>
             <a:custGeom>
@@ -38953,7 +38953,7 @@
           </p:nvSpPr>
           <p:spPr>
             <a:xfrm>
-              <a:off x="1362485" y="5735794"/>
+              <a:off x="1362485" y="5735649"/>
               <a:ext cx="34794" cy="0"/>
             </a:xfrm>
             <a:custGeom>
@@ -38993,7 +38993,7 @@
           </p:nvSpPr>
           <p:spPr>
             <a:xfrm>
-              <a:off x="1362485" y="5367126"/>
+              <a:off x="1362485" y="5366966"/>
               <a:ext cx="34794" cy="0"/>
             </a:xfrm>
             <a:custGeom>

--- a/Images/Figures_PPT/Jitter_Plot_LST8_Domain.pptx
+++ b/Images/Figures_PPT/Jitter_Plot_LST8_Domain.pptx
@@ -2359,7 +2359,7 @@
           </p:nvSpPr>
           <p:spPr>
             <a:xfrm>
-              <a:off x="1397280" y="2806689"/>
+              <a:off x="1397280" y="2806803"/>
               <a:ext cx="2817450" cy="0"/>
             </a:xfrm>
             <a:custGeom>
@@ -2402,7 +2402,7 @@
           </p:nvSpPr>
           <p:spPr>
             <a:xfrm>
-              <a:off x="1397280" y="2438007"/>
+              <a:off x="1397280" y="2438080"/>
               <a:ext cx="2817450" cy="0"/>
             </a:xfrm>
             <a:custGeom>
@@ -2445,7 +2445,7 @@
           </p:nvSpPr>
           <p:spPr>
             <a:xfrm>
-              <a:off x="1397280" y="2069325"/>
+              <a:off x="1397280" y="2069357"/>
               <a:ext cx="2817450" cy="0"/>
             </a:xfrm>
             <a:custGeom>
@@ -2488,7 +2488,7 @@
           </p:nvSpPr>
           <p:spPr>
             <a:xfrm>
-              <a:off x="1397280" y="1700642"/>
+              <a:off x="1397280" y="1700635"/>
               <a:ext cx="2817450" cy="0"/>
             </a:xfrm>
             <a:custGeom>
@@ -2531,7 +2531,7 @@
           </p:nvSpPr>
           <p:spPr>
             <a:xfrm>
-              <a:off x="1397280" y="2991030"/>
+              <a:off x="1397280" y="2991164"/>
               <a:ext cx="2817450" cy="0"/>
             </a:xfrm>
             <a:custGeom>
@@ -2574,7 +2574,7 @@
           </p:nvSpPr>
           <p:spPr>
             <a:xfrm>
-              <a:off x="1397280" y="2622348"/>
+              <a:off x="1397280" y="2622441"/>
               <a:ext cx="2817450" cy="0"/>
             </a:xfrm>
             <a:custGeom>
@@ -2617,7 +2617,7 @@
           </p:nvSpPr>
           <p:spPr>
             <a:xfrm>
-              <a:off x="1397280" y="2253666"/>
+              <a:off x="1397280" y="2253719"/>
               <a:ext cx="2817450" cy="0"/>
             </a:xfrm>
             <a:custGeom>
@@ -2660,7 +2660,7 @@
           </p:nvSpPr>
           <p:spPr>
             <a:xfrm>
-              <a:off x="1397280" y="1884983"/>
+              <a:off x="1397280" y="1884996"/>
               <a:ext cx="2817450" cy="0"/>
             </a:xfrm>
             <a:custGeom>
@@ -2703,7 +2703,7 @@
           </p:nvSpPr>
           <p:spPr>
             <a:xfrm>
-              <a:off x="1397280" y="1516301"/>
+              <a:off x="1397280" y="1516274"/>
               <a:ext cx="2817450" cy="0"/>
             </a:xfrm>
             <a:custGeom>
@@ -2875,7 +2875,7 @@
           </p:nvSpPr>
           <p:spPr>
             <a:xfrm>
-              <a:off x="2766667" y="2231564"/>
+              <a:off x="2482965" y="2231838"/>
               <a:ext cx="63202" cy="63202"/>
             </a:xfrm>
             <a:custGeom>
@@ -2918,7 +2918,7 @@
           </p:nvSpPr>
           <p:spPr>
             <a:xfrm>
-              <a:off x="1862521" y="2183363"/>
+              <a:off x="2184471" y="2183378"/>
               <a:ext cx="63202" cy="63202"/>
             </a:xfrm>
             <a:custGeom>
@@ -2961,7 +2961,7 @@
           </p:nvSpPr>
           <p:spPr>
             <a:xfrm>
-              <a:off x="3767428" y="2937360"/>
+              <a:off x="3458063" y="2937410"/>
               <a:ext cx="63202" cy="63202"/>
             </a:xfrm>
             <a:custGeom>
@@ -3004,7 +3004,7 @@
           </p:nvSpPr>
           <p:spPr>
             <a:xfrm>
-              <a:off x="3332359" y="2875371"/>
+              <a:off x="3897490" y="2875405"/>
               <a:ext cx="63202" cy="63202"/>
             </a:xfrm>
             <a:custGeom>
@@ -3047,7 +3047,7 @@
           </p:nvSpPr>
           <p:spPr>
             <a:xfrm>
-              <a:off x="3407004" y="2917696"/>
+              <a:off x="3603224" y="2917857"/>
               <a:ext cx="63202" cy="63202"/>
             </a:xfrm>
             <a:custGeom>
@@ -3090,7 +3090,7 @@
           </p:nvSpPr>
           <p:spPr>
             <a:xfrm>
-              <a:off x="1858218" y="2216311"/>
+              <a:off x="2163705" y="2216271"/>
               <a:ext cx="63202" cy="63202"/>
             </a:xfrm>
             <a:custGeom>
@@ -3133,7 +3133,7 @@
           </p:nvSpPr>
           <p:spPr>
             <a:xfrm>
-              <a:off x="3085961" y="2328742"/>
+              <a:off x="2709110" y="2328801"/>
               <a:ext cx="63202" cy="63202"/>
             </a:xfrm>
             <a:custGeom>
@@ -3176,7 +3176,7 @@
           </p:nvSpPr>
           <p:spPr>
             <a:xfrm>
-              <a:off x="3667327" y="2887223"/>
+              <a:off x="3385137" y="2887154"/>
               <a:ext cx="63202" cy="63202"/>
             </a:xfrm>
             <a:custGeom>
@@ -3219,7 +3219,7 @@
           </p:nvSpPr>
           <p:spPr>
             <a:xfrm>
-              <a:off x="1697613" y="2152362"/>
+              <a:off x="2032042" y="2152430"/>
               <a:ext cx="63202" cy="63202"/>
             </a:xfrm>
             <a:custGeom>
@@ -3262,7 +3262,7 @@
           </p:nvSpPr>
           <p:spPr>
             <a:xfrm>
-              <a:off x="3607823" y="2875028"/>
+              <a:off x="3583004" y="2874992"/>
               <a:ext cx="63202" cy="63202"/>
             </a:xfrm>
             <a:custGeom>
@@ -3305,7 +3305,7 @@
           </p:nvSpPr>
           <p:spPr>
             <a:xfrm>
-              <a:off x="2915670" y="2505857"/>
+              <a:off x="2992929" y="2505982"/>
               <a:ext cx="63202" cy="63202"/>
             </a:xfrm>
             <a:custGeom>
@@ -3348,7 +3348,7 @@
           </p:nvSpPr>
           <p:spPr>
             <a:xfrm>
-              <a:off x="3634092" y="2896524"/>
+              <a:off x="3751548" y="2896419"/>
               <a:ext cx="63202" cy="63202"/>
             </a:xfrm>
             <a:custGeom>
@@ -3391,7 +3391,7 @@
           </p:nvSpPr>
           <p:spPr>
             <a:xfrm>
-              <a:off x="3321337" y="2893090"/>
+              <a:off x="3648337" y="2893131"/>
               <a:ext cx="63202" cy="63202"/>
             </a:xfrm>
             <a:custGeom>
@@ -3434,7 +3434,7 @@
           </p:nvSpPr>
           <p:spPr>
             <a:xfrm>
-              <a:off x="2226510" y="2152308"/>
+              <a:off x="1742046" y="2152473"/>
               <a:ext cx="63202" cy="63202"/>
             </a:xfrm>
             <a:custGeom>
@@ -3477,7 +3477,7 @@
           </p:nvSpPr>
           <p:spPr>
             <a:xfrm>
-              <a:off x="3462531" y="2921429"/>
+              <a:off x="3989255" y="2921595"/>
               <a:ext cx="63202" cy="63202"/>
             </a:xfrm>
             <a:custGeom>
@@ -3520,7 +3520,7 @@
           </p:nvSpPr>
           <p:spPr>
             <a:xfrm>
-              <a:off x="2833969" y="2436739"/>
+              <a:off x="2707818" y="2436825"/>
               <a:ext cx="63202" cy="63202"/>
             </a:xfrm>
             <a:custGeom>
@@ -3563,7 +3563,7 @@
           </p:nvSpPr>
           <p:spPr>
             <a:xfrm>
-              <a:off x="3682358" y="2896340"/>
+              <a:off x="3402039" y="2896392"/>
               <a:ext cx="63202" cy="63202"/>
             </a:xfrm>
             <a:custGeom>
@@ -3606,7 +3606,7 @@
           </p:nvSpPr>
           <p:spPr>
             <a:xfrm>
-              <a:off x="3648308" y="2896382"/>
+              <a:off x="3839270" y="2896640"/>
               <a:ext cx="63202" cy="63202"/>
             </a:xfrm>
             <a:custGeom>
@@ -3649,7 +3649,7 @@
           </p:nvSpPr>
           <p:spPr>
             <a:xfrm>
-              <a:off x="3759528" y="2893013"/>
+              <a:off x="3424637" y="2893113"/>
               <a:ext cx="63202" cy="63202"/>
             </a:xfrm>
             <a:custGeom>
@@ -3692,7 +3692,7 @@
           </p:nvSpPr>
           <p:spPr>
             <a:xfrm>
-              <a:off x="3694608" y="2896482"/>
+              <a:off x="3366089" y="2896566"/>
               <a:ext cx="63202" cy="63202"/>
             </a:xfrm>
             <a:custGeom>
@@ -3735,7 +3735,7 @@
           </p:nvSpPr>
           <p:spPr>
             <a:xfrm>
-              <a:off x="3902489" y="2896494"/>
+              <a:off x="3544225" y="2896596"/>
               <a:ext cx="63202" cy="63202"/>
             </a:xfrm>
             <a:custGeom>
@@ -3778,7 +3778,7 @@
           </p:nvSpPr>
           <p:spPr>
             <a:xfrm>
-              <a:off x="3929717" y="2892961"/>
+              <a:off x="3903390" y="2893070"/>
               <a:ext cx="63202" cy="63202"/>
             </a:xfrm>
             <a:custGeom>
@@ -3821,7 +3821,7 @@
           </p:nvSpPr>
           <p:spPr>
             <a:xfrm>
-              <a:off x="3807500" y="2896264"/>
+              <a:off x="3691274" y="2896545"/>
               <a:ext cx="63202" cy="63202"/>
             </a:xfrm>
             <a:custGeom>
@@ -3864,7 +3864,7 @@
           </p:nvSpPr>
           <p:spPr>
             <a:xfrm>
-              <a:off x="3307728" y="2890940"/>
+              <a:off x="3509424" y="2891015"/>
               <a:ext cx="63202" cy="63202"/>
             </a:xfrm>
             <a:custGeom>
@@ -3907,7 +3907,7 @@
           </p:nvSpPr>
           <p:spPr>
             <a:xfrm>
-              <a:off x="3610206" y="2887955"/>
+              <a:off x="3358885" y="2888150"/>
               <a:ext cx="63202" cy="63202"/>
             </a:xfrm>
             <a:custGeom>
@@ -3950,7 +3950,7 @@
           </p:nvSpPr>
           <p:spPr>
             <a:xfrm>
-              <a:off x="3844215" y="2896479"/>
+              <a:off x="3792715" y="2896547"/>
               <a:ext cx="63202" cy="63202"/>
             </a:xfrm>
             <a:custGeom>
@@ -3993,7 +3993,7 @@
           </p:nvSpPr>
           <p:spPr>
             <a:xfrm>
-              <a:off x="3953866" y="2901415"/>
+              <a:off x="3438027" y="2901601"/>
               <a:ext cx="63202" cy="63202"/>
             </a:xfrm>
             <a:custGeom>
@@ -4036,7 +4036,7 @@
           </p:nvSpPr>
           <p:spPr>
             <a:xfrm>
-              <a:off x="3719520" y="2905377"/>
+              <a:off x="3446195" y="2905424"/>
               <a:ext cx="63202" cy="63202"/>
             </a:xfrm>
             <a:custGeom>
@@ -4079,7 +4079,7 @@
           </p:nvSpPr>
           <p:spPr>
             <a:xfrm>
-              <a:off x="3008266" y="2226546"/>
+              <a:off x="2974244" y="2226410"/>
               <a:ext cx="63202" cy="63202"/>
             </a:xfrm>
             <a:custGeom>
@@ -4122,7 +4122,7 @@
           </p:nvSpPr>
           <p:spPr>
             <a:xfrm>
-              <a:off x="2541800" y="2237965"/>
+              <a:off x="3025433" y="2238036"/>
               <a:ext cx="63202" cy="63202"/>
             </a:xfrm>
             <a:custGeom>
@@ -4165,7 +4165,7 @@
           </p:nvSpPr>
           <p:spPr>
             <a:xfrm>
-              <a:off x="3627011" y="2892328"/>
+              <a:off x="3450260" y="2892504"/>
               <a:ext cx="63202" cy="63202"/>
             </a:xfrm>
             <a:custGeom>
@@ -4208,7 +4208,7 @@
           </p:nvSpPr>
           <p:spPr>
             <a:xfrm>
-              <a:off x="3422996" y="2928058"/>
+              <a:off x="3663494" y="2928150"/>
               <a:ext cx="63202" cy="63202"/>
             </a:xfrm>
             <a:custGeom>
@@ -4251,7 +4251,7 @@
           </p:nvSpPr>
           <p:spPr>
             <a:xfrm>
-              <a:off x="3852115" y="2896271"/>
+              <a:off x="3800803" y="2896371"/>
               <a:ext cx="63202" cy="63202"/>
             </a:xfrm>
             <a:custGeom>
@@ -4294,7 +4294,7 @@
           </p:nvSpPr>
           <p:spPr>
             <a:xfrm>
-              <a:off x="2870440" y="2483516"/>
+              <a:off x="2669686" y="2483574"/>
               <a:ext cx="63202" cy="63202"/>
             </a:xfrm>
             <a:custGeom>
@@ -4337,7 +4337,7 @@
           </p:nvSpPr>
           <p:spPr>
             <a:xfrm>
-              <a:off x="2946329" y="2501101"/>
+              <a:off x="2523080" y="2501208"/>
               <a:ext cx="63202" cy="63202"/>
             </a:xfrm>
             <a:custGeom>
@@ -4380,7 +4380,7 @@
           </p:nvSpPr>
           <p:spPr>
             <a:xfrm>
-              <a:off x="2790232" y="2338500"/>
+              <a:off x="2713586" y="2338637"/>
               <a:ext cx="63202" cy="63202"/>
             </a:xfrm>
             <a:custGeom>
@@ -4423,7 +4423,7 @@
           </p:nvSpPr>
           <p:spPr>
             <a:xfrm>
-              <a:off x="2177119" y="2145019"/>
+              <a:off x="1750398" y="2145045"/>
               <a:ext cx="63202" cy="63202"/>
             </a:xfrm>
             <a:custGeom>
@@ -4466,7 +4466,7 @@
           </p:nvSpPr>
           <p:spPr>
             <a:xfrm>
-              <a:off x="1623122" y="2151286"/>
+              <a:off x="1963998" y="2151247"/>
               <a:ext cx="63202" cy="63202"/>
             </a:xfrm>
             <a:custGeom>
@@ -4509,7 +4509,7 @@
           </p:nvSpPr>
           <p:spPr>
             <a:xfrm>
-              <a:off x="1703600" y="2154242"/>
+              <a:off x="1925696" y="2154325"/>
               <a:ext cx="63202" cy="63202"/>
             </a:xfrm>
             <a:custGeom>
@@ -4552,7 +4552,7 @@
           </p:nvSpPr>
           <p:spPr>
             <a:xfrm>
-              <a:off x="3720857" y="2921448"/>
+              <a:off x="3504116" y="2921444"/>
               <a:ext cx="63202" cy="63202"/>
             </a:xfrm>
             <a:custGeom>
@@ -4595,7 +4595,7 @@
           </p:nvSpPr>
           <p:spPr>
             <a:xfrm>
-              <a:off x="3904863" y="2874649"/>
+              <a:off x="3999702" y="2874693"/>
               <a:ext cx="63202" cy="63202"/>
             </a:xfrm>
             <a:custGeom>
@@ -4638,7 +4638,7 @@
           </p:nvSpPr>
           <p:spPr>
             <a:xfrm>
-              <a:off x="1778342" y="1953954"/>
+              <a:off x="2210594" y="1953958"/>
               <a:ext cx="63202" cy="63202"/>
             </a:xfrm>
             <a:custGeom>
@@ -4681,7 +4681,7 @@
           </p:nvSpPr>
           <p:spPr>
             <a:xfrm>
-              <a:off x="3798525" y="2935103"/>
+              <a:off x="3696532" y="2935163"/>
               <a:ext cx="63202" cy="63202"/>
             </a:xfrm>
             <a:custGeom>
@@ -4724,7 +4724,7 @@
           </p:nvSpPr>
           <p:spPr>
             <a:xfrm>
-              <a:off x="3047188" y="2299585"/>
+              <a:off x="2525029" y="2299470"/>
               <a:ext cx="63202" cy="63202"/>
             </a:xfrm>
             <a:custGeom>
@@ -4767,7 +4767,7 @@
           </p:nvSpPr>
           <p:spPr>
             <a:xfrm>
-              <a:off x="2471226" y="2416041"/>
+              <a:off x="2872733" y="2416019"/>
               <a:ext cx="63202" cy="63202"/>
             </a:xfrm>
             <a:custGeom>
@@ -4810,7 +4810,7 @@
           </p:nvSpPr>
           <p:spPr>
             <a:xfrm>
-              <a:off x="3938358" y="2862561"/>
+              <a:off x="3595074" y="2862453"/>
               <a:ext cx="63202" cy="63202"/>
             </a:xfrm>
             <a:custGeom>
@@ -4853,7 +4853,7 @@
           </p:nvSpPr>
           <p:spPr>
             <a:xfrm>
-              <a:off x="1653660" y="2155468"/>
+              <a:off x="1726459" y="2155468"/>
               <a:ext cx="63202" cy="63202"/>
             </a:xfrm>
             <a:custGeom>
@@ -4952,7 +4952,7 @@
           </p:nvSpPr>
           <p:spPr>
             <a:xfrm>
-              <a:off x="1397280" y="4732022"/>
+              <a:off x="1397280" y="4732135"/>
               <a:ext cx="2817450" cy="0"/>
             </a:xfrm>
             <a:custGeom>
@@ -4995,7 +4995,7 @@
           </p:nvSpPr>
           <p:spPr>
             <a:xfrm>
-              <a:off x="1397280" y="4363340"/>
+              <a:off x="1397280" y="4363413"/>
               <a:ext cx="2817450" cy="0"/>
             </a:xfrm>
             <a:custGeom>
@@ -5038,7 +5038,7 @@
           </p:nvSpPr>
           <p:spPr>
             <a:xfrm>
-              <a:off x="1397280" y="3994657"/>
+              <a:off x="1397280" y="3994690"/>
               <a:ext cx="2817450" cy="0"/>
             </a:xfrm>
             <a:custGeom>
@@ -5081,7 +5081,7 @@
           </p:nvSpPr>
           <p:spPr>
             <a:xfrm>
-              <a:off x="1397280" y="3625975"/>
+              <a:off x="1397280" y="3625967"/>
               <a:ext cx="2817450" cy="0"/>
             </a:xfrm>
             <a:custGeom>
@@ -5124,7 +5124,7 @@
           </p:nvSpPr>
           <p:spPr>
             <a:xfrm>
-              <a:off x="1397280" y="4916363"/>
+              <a:off x="1397280" y="4916496"/>
               <a:ext cx="2817450" cy="0"/>
             </a:xfrm>
             <a:custGeom>
@@ -5167,7 +5167,7 @@
           </p:nvSpPr>
           <p:spPr>
             <a:xfrm>
-              <a:off x="1397280" y="4547681"/>
+              <a:off x="1397280" y="4547774"/>
               <a:ext cx="2817450" cy="0"/>
             </a:xfrm>
             <a:custGeom>
@@ -5210,7 +5210,7 @@
           </p:nvSpPr>
           <p:spPr>
             <a:xfrm>
-              <a:off x="1397280" y="4178998"/>
+              <a:off x="1397280" y="4179051"/>
               <a:ext cx="2817450" cy="0"/>
             </a:xfrm>
             <a:custGeom>
@@ -5253,7 +5253,7 @@
           </p:nvSpPr>
           <p:spPr>
             <a:xfrm>
-              <a:off x="1397280" y="3810316"/>
+              <a:off x="1397280" y="3810329"/>
               <a:ext cx="2817450" cy="0"/>
             </a:xfrm>
             <a:custGeom>
@@ -5296,7 +5296,7 @@
           </p:nvSpPr>
           <p:spPr>
             <a:xfrm>
-              <a:off x="1397280" y="3441634"/>
+              <a:off x="1397280" y="3441606"/>
               <a:ext cx="2817450" cy="0"/>
             </a:xfrm>
             <a:custGeom>
@@ -5468,7 +5468,7 @@
           </p:nvSpPr>
           <p:spPr>
             <a:xfrm>
-              <a:off x="2944050" y="4532729"/>
+              <a:off x="2550305" y="4532839"/>
               <a:ext cx="63202" cy="63202"/>
             </a:xfrm>
             <a:custGeom>
@@ -5511,7 +5511,7 @@
           </p:nvSpPr>
           <p:spPr>
             <a:xfrm>
-              <a:off x="2773125" y="4471747"/>
+              <a:off x="2940842" y="4471856"/>
               <a:ext cx="63202" cy="63202"/>
             </a:xfrm>
             <a:custGeom>
@@ -5554,7 +5554,7 @@
           </p:nvSpPr>
           <p:spPr>
             <a:xfrm>
-              <a:off x="2998231" y="4537564"/>
+              <a:off x="2697382" y="4537428"/>
               <a:ext cx="63202" cy="63202"/>
             </a:xfrm>
             <a:custGeom>
@@ -5597,7 +5597,7 @@
           </p:nvSpPr>
           <p:spPr>
             <a:xfrm>
-              <a:off x="2577942" y="4565985"/>
+              <a:off x="3108919" y="4565898"/>
               <a:ext cx="63202" cy="63202"/>
             </a:xfrm>
             <a:custGeom>
@@ -5640,7 +5640,7 @@
           </p:nvSpPr>
           <p:spPr>
             <a:xfrm>
-              <a:off x="2610796" y="4536130"/>
+              <a:off x="2822358" y="4536085"/>
               <a:ext cx="63202" cy="63202"/>
             </a:xfrm>
             <a:custGeom>
@@ -5683,7 +5683,7 @@
           </p:nvSpPr>
           <p:spPr>
             <a:xfrm>
-              <a:off x="3066336" y="4566614"/>
+              <a:off x="2882985" y="4566700"/>
               <a:ext cx="63202" cy="63202"/>
             </a:xfrm>
             <a:custGeom>
@@ -5726,7 +5726,7 @@
           </p:nvSpPr>
           <p:spPr>
             <a:xfrm>
-              <a:off x="3806838" y="4708509"/>
+              <a:off x="3987856" y="4708755"/>
               <a:ext cx="63202" cy="63202"/>
             </a:xfrm>
             <a:custGeom>
@@ -5769,7 +5769,7 @@
           </p:nvSpPr>
           <p:spPr>
             <a:xfrm>
-              <a:off x="2601156" y="4496515"/>
+              <a:off x="2703610" y="4496776"/>
               <a:ext cx="63202" cy="63202"/>
             </a:xfrm>
             <a:custGeom>
@@ -5812,7 +5812,7 @@
           </p:nvSpPr>
           <p:spPr>
             <a:xfrm>
-              <a:off x="3499890" y="4812096"/>
+              <a:off x="3662653" y="4812140"/>
               <a:ext cx="63202" cy="63202"/>
             </a:xfrm>
             <a:custGeom>
@@ -5855,7 +5855,7 @@
           </p:nvSpPr>
           <p:spPr>
             <a:xfrm>
-              <a:off x="3574115" y="4846909"/>
+              <a:off x="3557746" y="4846780"/>
               <a:ext cx="63202" cy="63202"/>
             </a:xfrm>
             <a:custGeom>
@@ -5898,7 +5898,7 @@
           </p:nvSpPr>
           <p:spPr>
             <a:xfrm>
-              <a:off x="3961419" y="4789498"/>
+              <a:off x="3808933" y="4789765"/>
               <a:ext cx="63202" cy="63202"/>
             </a:xfrm>
             <a:custGeom>
@@ -5941,7 +5941,7 @@
           </p:nvSpPr>
           <p:spPr>
             <a:xfrm>
-              <a:off x="2478653" y="4383716"/>
+              <a:off x="2494695" y="4383839"/>
               <a:ext cx="63202" cy="63202"/>
             </a:xfrm>
             <a:custGeom>
@@ -5984,7 +5984,7 @@
           </p:nvSpPr>
           <p:spPr>
             <a:xfrm>
-              <a:off x="3110365" y="4549886"/>
+              <a:off x="3111345" y="4550129"/>
               <a:ext cx="63202" cy="63202"/>
             </a:xfrm>
             <a:custGeom>
@@ -6027,7 +6027,7 @@
           </p:nvSpPr>
           <p:spPr>
             <a:xfrm>
-              <a:off x="3480785" y="4737574"/>
+              <a:off x="3751894" y="4737817"/>
               <a:ext cx="63202" cy="63202"/>
             </a:xfrm>
             <a:custGeom>
@@ -6070,7 +6070,7 @@
           </p:nvSpPr>
           <p:spPr>
             <a:xfrm>
-              <a:off x="1601322" y="3909878"/>
+              <a:off x="1728393" y="3909873"/>
               <a:ext cx="63202" cy="63202"/>
             </a:xfrm>
             <a:custGeom>
@@ -6113,7 +6113,7 @@
           </p:nvSpPr>
           <p:spPr>
             <a:xfrm>
-              <a:off x="1647799" y="3882424"/>
+              <a:off x="1779765" y="3882421"/>
               <a:ext cx="63202" cy="63202"/>
             </a:xfrm>
             <a:custGeom>
@@ -6156,7 +6156,7 @@
           </p:nvSpPr>
           <p:spPr>
             <a:xfrm>
-              <a:off x="1559896" y="3767657"/>
+              <a:off x="1911078" y="3767560"/>
               <a:ext cx="63202" cy="63202"/>
             </a:xfrm>
             <a:custGeom>
@@ -6199,7 +6199,7 @@
           </p:nvSpPr>
           <p:spPr>
             <a:xfrm>
-              <a:off x="3598944" y="4729203"/>
+              <a:off x="3414652" y="4729175"/>
               <a:ext cx="63202" cy="63202"/>
             </a:xfrm>
             <a:custGeom>
@@ -6242,7 +6242,7 @@
           </p:nvSpPr>
           <p:spPr>
             <a:xfrm>
-              <a:off x="3050707" y="4520584"/>
+              <a:off x="2813507" y="4520553"/>
               <a:ext cx="63202" cy="63202"/>
             </a:xfrm>
             <a:custGeom>
@@ -6285,7 +6285,7 @@
           </p:nvSpPr>
           <p:spPr>
             <a:xfrm>
-              <a:off x="3100346" y="4528126"/>
+              <a:off x="2785097" y="4528360"/>
               <a:ext cx="63202" cy="63202"/>
             </a:xfrm>
             <a:custGeom>
@@ -6328,7 +6328,7 @@
           </p:nvSpPr>
           <p:spPr>
             <a:xfrm>
-              <a:off x="3917006" y="4797855"/>
+              <a:off x="3967778" y="4797867"/>
               <a:ext cx="63202" cy="63202"/>
             </a:xfrm>
             <a:custGeom>
@@ -6427,7 +6427,7 @@
           </p:nvSpPr>
           <p:spPr>
             <a:xfrm>
-              <a:off x="1397280" y="6657354"/>
+              <a:off x="1397280" y="6657468"/>
               <a:ext cx="2817450" cy="0"/>
             </a:xfrm>
             <a:custGeom>
@@ -6470,7 +6470,7 @@
           </p:nvSpPr>
           <p:spPr>
             <a:xfrm>
-              <a:off x="1397280" y="6288672"/>
+              <a:off x="1397280" y="6288745"/>
               <a:ext cx="2817450" cy="0"/>
             </a:xfrm>
             <a:custGeom>
@@ -6513,7 +6513,7 @@
           </p:nvSpPr>
           <p:spPr>
             <a:xfrm>
-              <a:off x="1397280" y="5919990"/>
+              <a:off x="1397280" y="5920023"/>
               <a:ext cx="2817450" cy="0"/>
             </a:xfrm>
             <a:custGeom>
@@ -6556,7 +6556,7 @@
           </p:nvSpPr>
           <p:spPr>
             <a:xfrm>
-              <a:off x="1397280" y="5551307"/>
+              <a:off x="1397280" y="5551300"/>
               <a:ext cx="2817450" cy="0"/>
             </a:xfrm>
             <a:custGeom>
@@ -6599,7 +6599,7 @@
           </p:nvSpPr>
           <p:spPr>
             <a:xfrm>
-              <a:off x="1397280" y="6841696"/>
+              <a:off x="1397280" y="6841829"/>
               <a:ext cx="2817450" cy="0"/>
             </a:xfrm>
             <a:custGeom>
@@ -6642,7 +6642,7 @@
           </p:nvSpPr>
           <p:spPr>
             <a:xfrm>
-              <a:off x="1397280" y="6473013"/>
+              <a:off x="1397280" y="6473106"/>
               <a:ext cx="2817450" cy="0"/>
             </a:xfrm>
             <a:custGeom>
@@ -6685,7 +6685,7 @@
           </p:nvSpPr>
           <p:spPr>
             <a:xfrm>
-              <a:off x="1397280" y="6104331"/>
+              <a:off x="1397280" y="6104384"/>
               <a:ext cx="2817450" cy="0"/>
             </a:xfrm>
             <a:custGeom>
@@ -6728,7 +6728,7 @@
           </p:nvSpPr>
           <p:spPr>
             <a:xfrm>
-              <a:off x="1397280" y="5735649"/>
+              <a:off x="1397280" y="5735661"/>
               <a:ext cx="2817450" cy="0"/>
             </a:xfrm>
             <a:custGeom>
@@ -6771,7 +6771,7 @@
           </p:nvSpPr>
           <p:spPr>
             <a:xfrm>
-              <a:off x="1397280" y="5366966"/>
+              <a:off x="1397280" y="5366939"/>
               <a:ext cx="2817450" cy="0"/>
             </a:xfrm>
             <a:custGeom>
@@ -6943,7 +6943,7 @@
           </p:nvSpPr>
           <p:spPr>
             <a:xfrm>
-              <a:off x="1843288" y="5748692"/>
+              <a:off x="1827109" y="5748752"/>
               <a:ext cx="63202" cy="63202"/>
             </a:xfrm>
             <a:custGeom>
@@ -6986,7 +6986,7 @@
           </p:nvSpPr>
           <p:spPr>
             <a:xfrm>
-              <a:off x="1593565" y="5841203"/>
+              <a:off x="1687651" y="5841107"/>
               <a:ext cx="63202" cy="63202"/>
             </a:xfrm>
             <a:custGeom>
@@ -7029,7 +7029,7 @@
           </p:nvSpPr>
           <p:spPr>
             <a:xfrm>
-              <a:off x="1790110" y="5830248"/>
+              <a:off x="1549221" y="5830144"/>
               <a:ext cx="63202" cy="63202"/>
             </a:xfrm>
             <a:custGeom>
@@ -7072,7 +7072,7 @@
           </p:nvSpPr>
           <p:spPr>
             <a:xfrm>
-              <a:off x="1868542" y="5825602"/>
+              <a:off x="1571605" y="5825838"/>
               <a:ext cx="63202" cy="63202"/>
             </a:xfrm>
             <a:custGeom>
@@ -7115,7 +7115,7 @@
           </p:nvSpPr>
           <p:spPr>
             <a:xfrm>
-              <a:off x="3972827" y="6749116"/>
+              <a:off x="3335529" y="6749455"/>
               <a:ext cx="63202" cy="63202"/>
             </a:xfrm>
             <a:custGeom>
@@ -7158,7 +7158,7 @@
           </p:nvSpPr>
           <p:spPr>
             <a:xfrm>
-              <a:off x="2131966" y="5978676"/>
+              <a:off x="1860611" y="5978802"/>
               <a:ext cx="63202" cy="63202"/>
             </a:xfrm>
             <a:custGeom>
@@ -7201,7 +7201,7 @@
           </p:nvSpPr>
           <p:spPr>
             <a:xfrm>
-              <a:off x="1756488" y="5771276"/>
+              <a:off x="1672594" y="5771032"/>
               <a:ext cx="63202" cy="63202"/>
             </a:xfrm>
             <a:custGeom>
@@ -7244,7 +7244,7 @@
           </p:nvSpPr>
           <p:spPr>
             <a:xfrm>
-              <a:off x="2119858" y="5787341"/>
+              <a:off x="1880334" y="5787517"/>
               <a:ext cx="63202" cy="63202"/>
             </a:xfrm>
             <a:custGeom>
@@ -7287,7 +7287,7 @@
           </p:nvSpPr>
           <p:spPr>
             <a:xfrm>
-              <a:off x="2152225" y="5958105"/>
+              <a:off x="1545614" y="5958190"/>
               <a:ext cx="63202" cy="63202"/>
             </a:xfrm>
             <a:custGeom>
@@ -7330,7 +7330,7 @@
           </p:nvSpPr>
           <p:spPr>
             <a:xfrm>
-              <a:off x="1663702" y="5835742"/>
+              <a:off x="2233187" y="5835781"/>
               <a:ext cx="63202" cy="63202"/>
             </a:xfrm>
             <a:custGeom>
@@ -7373,7 +7373,7 @@
           </p:nvSpPr>
           <p:spPr>
             <a:xfrm>
-              <a:off x="1761037" y="6061617"/>
+              <a:off x="1632216" y="6061724"/>
               <a:ext cx="63202" cy="63202"/>
             </a:xfrm>
             <a:custGeom>
@@ -7416,7 +7416,7 @@
           </p:nvSpPr>
           <p:spPr>
             <a:xfrm>
-              <a:off x="2641375" y="6243174"/>
+              <a:off x="2429343" y="6243147"/>
               <a:ext cx="63202" cy="63202"/>
             </a:xfrm>
             <a:custGeom>
@@ -7459,7 +7459,7 @@
           </p:nvSpPr>
           <p:spPr>
             <a:xfrm>
-              <a:off x="2233077" y="5787452"/>
+              <a:off x="1966244" y="5787530"/>
               <a:ext cx="63202" cy="63202"/>
             </a:xfrm>
             <a:custGeom>
@@ -7502,7 +7502,7 @@
           </p:nvSpPr>
           <p:spPr>
             <a:xfrm>
-              <a:off x="2101953" y="6038822"/>
+              <a:off x="2030257" y="6038728"/>
               <a:ext cx="63202" cy="63202"/>
             </a:xfrm>
             <a:custGeom>
@@ -7545,7 +7545,7 @@
           </p:nvSpPr>
           <p:spPr>
             <a:xfrm>
-              <a:off x="3090220" y="6079708"/>
+              <a:off x="2715489" y="6079868"/>
               <a:ext cx="63202" cy="63202"/>
             </a:xfrm>
             <a:custGeom>
@@ -7588,7 +7588,7 @@
           </p:nvSpPr>
           <p:spPr>
             <a:xfrm>
-              <a:off x="1783617" y="6011540"/>
+              <a:off x="1725041" y="6011575"/>
               <a:ext cx="63202" cy="63202"/>
             </a:xfrm>
             <a:custGeom>
@@ -7631,7 +7631,7 @@
           </p:nvSpPr>
           <p:spPr>
             <a:xfrm>
-              <a:off x="1896767" y="5829828"/>
+              <a:off x="1716054" y="5829775"/>
               <a:ext cx="63202" cy="63202"/>
             </a:xfrm>
             <a:custGeom>
@@ -7674,7 +7674,7 @@
           </p:nvSpPr>
           <p:spPr>
             <a:xfrm>
-              <a:off x="1559578" y="5995387"/>
+              <a:off x="1826610" y="5995276"/>
               <a:ext cx="63202" cy="63202"/>
             </a:xfrm>
             <a:custGeom>
@@ -7717,7 +7717,7 @@
           </p:nvSpPr>
           <p:spPr>
             <a:xfrm>
-              <a:off x="2109876" y="5926649"/>
+              <a:off x="2076810" y="5926854"/>
               <a:ext cx="63202" cy="63202"/>
             </a:xfrm>
             <a:custGeom>
@@ -7760,7 +7760,7 @@
           </p:nvSpPr>
           <p:spPr>
             <a:xfrm>
-              <a:off x="1645352" y="6037591"/>
+              <a:off x="1561471" y="6037664"/>
               <a:ext cx="63202" cy="63202"/>
             </a:xfrm>
             <a:custGeom>
@@ -7803,7 +7803,7 @@
           </p:nvSpPr>
           <p:spPr>
             <a:xfrm>
-              <a:off x="2668262" y="6087865"/>
+              <a:off x="2502332" y="6087838"/>
               <a:ext cx="63202" cy="63202"/>
             </a:xfrm>
             <a:custGeom>
@@ -7846,7 +7846,7 @@
           </p:nvSpPr>
           <p:spPr>
             <a:xfrm>
-              <a:off x="1888781" y="5765584"/>
+              <a:off x="1999623" y="5765714"/>
               <a:ext cx="63202" cy="63202"/>
             </a:xfrm>
             <a:custGeom>
@@ -7889,7 +7889,7 @@
           </p:nvSpPr>
           <p:spPr>
             <a:xfrm>
-              <a:off x="1895620" y="5708204"/>
+              <a:off x="1887059" y="5708014"/>
               <a:ext cx="63202" cy="63202"/>
             </a:xfrm>
             <a:custGeom>
@@ -7932,7 +7932,7 @@
           </p:nvSpPr>
           <p:spPr>
             <a:xfrm>
-              <a:off x="1574252" y="5707283"/>
+              <a:off x="1873729" y="5707346"/>
               <a:ext cx="63202" cy="63202"/>
             </a:xfrm>
             <a:custGeom>
@@ -7975,7 +7975,7 @@
           </p:nvSpPr>
           <p:spPr>
             <a:xfrm>
-              <a:off x="1809203" y="5760151"/>
+              <a:off x="1877497" y="5760178"/>
               <a:ext cx="63202" cy="63202"/>
             </a:xfrm>
             <a:custGeom>
@@ -8018,7 +8018,7 @@
           </p:nvSpPr>
           <p:spPr>
             <a:xfrm>
-              <a:off x="2952762" y="6324564"/>
+              <a:off x="3117756" y="6324759"/>
               <a:ext cx="63202" cy="63202"/>
             </a:xfrm>
             <a:custGeom>
@@ -8061,7 +8061,7 @@
           </p:nvSpPr>
           <p:spPr>
             <a:xfrm>
-              <a:off x="1945779" y="5555440"/>
+              <a:off x="1941359" y="5555435"/>
               <a:ext cx="63202" cy="63202"/>
             </a:xfrm>
             <a:custGeom>
@@ -8104,7 +8104,7 @@
           </p:nvSpPr>
           <p:spPr>
             <a:xfrm>
-              <a:off x="1909949" y="5909788"/>
+              <a:off x="1710438" y="5909732"/>
               <a:ext cx="63202" cy="63202"/>
             </a:xfrm>
             <a:custGeom>
@@ -8147,7 +8147,7 @@
           </p:nvSpPr>
           <p:spPr>
             <a:xfrm>
-              <a:off x="1802457" y="5956244"/>
+              <a:off x="1994597" y="5956342"/>
               <a:ext cx="63202" cy="63202"/>
             </a:xfrm>
             <a:custGeom>
@@ -8190,7 +8190,7 @@
           </p:nvSpPr>
           <p:spPr>
             <a:xfrm>
-              <a:off x="2085708" y="5754182"/>
+              <a:off x="2060482" y="5754173"/>
               <a:ext cx="63202" cy="63202"/>
             </a:xfrm>
             <a:custGeom>
@@ -8233,7 +8233,7 @@
           </p:nvSpPr>
           <p:spPr>
             <a:xfrm>
-              <a:off x="1704365" y="5846751"/>
+              <a:off x="2051864" y="5846896"/>
               <a:ext cx="63202" cy="63202"/>
             </a:xfrm>
             <a:custGeom>
@@ -8276,7 +8276,7 @@
           </p:nvSpPr>
           <p:spPr>
             <a:xfrm>
-              <a:off x="2062166" y="5824147"/>
+              <a:off x="1877730" y="5824220"/>
               <a:ext cx="63202" cy="63202"/>
             </a:xfrm>
             <a:custGeom>
@@ -8319,7 +8319,7 @@
           </p:nvSpPr>
           <p:spPr>
             <a:xfrm>
-              <a:off x="4000720" y="6752949"/>
+              <a:off x="3353729" y="6753016"/>
               <a:ext cx="63202" cy="63202"/>
             </a:xfrm>
             <a:custGeom>
@@ -8362,7 +8362,7 @@
           </p:nvSpPr>
           <p:spPr>
             <a:xfrm>
-              <a:off x="1954642" y="5884292"/>
+              <a:off x="1664308" y="5884446"/>
               <a:ext cx="63202" cy="63202"/>
             </a:xfrm>
             <a:custGeom>
@@ -8405,7 +8405,7 @@
           </p:nvSpPr>
           <p:spPr>
             <a:xfrm>
-              <a:off x="1674344" y="5957738"/>
+              <a:off x="1918630" y="5957873"/>
               <a:ext cx="63202" cy="63202"/>
             </a:xfrm>
             <a:custGeom>
@@ -8448,7 +8448,7 @@
           </p:nvSpPr>
           <p:spPr>
             <a:xfrm>
-              <a:off x="3103763" y="6495503"/>
+              <a:off x="2457876" y="6495737"/>
               <a:ext cx="63202" cy="63202"/>
             </a:xfrm>
             <a:custGeom>
@@ -8491,7 +8491,7 @@
           </p:nvSpPr>
           <p:spPr>
             <a:xfrm>
-              <a:off x="1680870" y="5667563"/>
+              <a:off x="1633603" y="5667560"/>
               <a:ext cx="63202" cy="63202"/>
             </a:xfrm>
             <a:custGeom>
@@ -8534,7 +8534,7 @@
           </p:nvSpPr>
           <p:spPr>
             <a:xfrm>
-              <a:off x="1868043" y="5825593"/>
+              <a:off x="1948681" y="5825885"/>
               <a:ext cx="63202" cy="63202"/>
             </a:xfrm>
             <a:custGeom>
@@ -8577,7 +8577,7 @@
           </p:nvSpPr>
           <p:spPr>
             <a:xfrm>
-              <a:off x="1795371" y="5757869"/>
+              <a:off x="1852549" y="5757905"/>
               <a:ext cx="63202" cy="63202"/>
             </a:xfrm>
             <a:custGeom>
@@ -8620,7 +8620,7 @@
           </p:nvSpPr>
           <p:spPr>
             <a:xfrm>
-              <a:off x="3014361" y="6121659"/>
+              <a:off x="2678484" y="6121709"/>
               <a:ext cx="63202" cy="63202"/>
             </a:xfrm>
             <a:custGeom>
@@ -8663,7 +8663,7 @@
           </p:nvSpPr>
           <p:spPr>
             <a:xfrm>
-              <a:off x="1583031" y="5800159"/>
+              <a:off x="1589204" y="5800273"/>
               <a:ext cx="63202" cy="63202"/>
             </a:xfrm>
             <a:custGeom>
@@ -8706,7 +8706,7 @@
           </p:nvSpPr>
           <p:spPr>
             <a:xfrm>
-              <a:off x="1837476" y="5861768"/>
+              <a:off x="2076293" y="5861811"/>
               <a:ext cx="63202" cy="63202"/>
             </a:xfrm>
             <a:custGeom>
@@ -8749,7 +8749,7 @@
           </p:nvSpPr>
           <p:spPr>
             <a:xfrm>
-              <a:off x="2587421" y="6277826"/>
+              <a:off x="2901956" y="6277687"/>
               <a:ext cx="63202" cy="63202"/>
             </a:xfrm>
             <a:custGeom>
@@ -8792,7 +8792,7 @@
           </p:nvSpPr>
           <p:spPr>
             <a:xfrm>
-              <a:off x="2109135" y="5902270"/>
+              <a:off x="2167829" y="5902447"/>
               <a:ext cx="63202" cy="63202"/>
             </a:xfrm>
             <a:custGeom>
@@ -8835,7 +8835,7 @@
           </p:nvSpPr>
           <p:spPr>
             <a:xfrm>
-              <a:off x="1936095" y="5871429"/>
+              <a:off x="2193304" y="5871550"/>
               <a:ext cx="63202" cy="63202"/>
             </a:xfrm>
             <a:custGeom>
@@ -8878,7 +8878,7 @@
           </p:nvSpPr>
           <p:spPr>
             <a:xfrm>
-              <a:off x="1845924" y="5814223"/>
+              <a:off x="1913667" y="5814174"/>
               <a:ext cx="63202" cy="63202"/>
             </a:xfrm>
             <a:custGeom>
@@ -8921,7 +8921,7 @@
           </p:nvSpPr>
           <p:spPr>
             <a:xfrm>
-              <a:off x="1753895" y="5763463"/>
+              <a:off x="1993891" y="5763473"/>
               <a:ext cx="63202" cy="63202"/>
             </a:xfrm>
             <a:custGeom>
@@ -8964,7 +8964,7 @@
           </p:nvSpPr>
           <p:spPr>
             <a:xfrm>
-              <a:off x="1724825" y="5892852"/>
+              <a:off x="2009955" y="5892943"/>
               <a:ext cx="63202" cy="63202"/>
             </a:xfrm>
             <a:custGeom>
@@ -9007,7 +9007,7 @@
           </p:nvSpPr>
           <p:spPr>
             <a:xfrm>
-              <a:off x="1906601" y="5951463"/>
+              <a:off x="1992071" y="5951540"/>
               <a:ext cx="63202" cy="63202"/>
             </a:xfrm>
             <a:custGeom>
@@ -9050,7 +9050,7 @@
           </p:nvSpPr>
           <p:spPr>
             <a:xfrm>
-              <a:off x="3087253" y="6190661"/>
+              <a:off x="2710442" y="6190686"/>
               <a:ext cx="63202" cy="63202"/>
             </a:xfrm>
             <a:custGeom>
@@ -9093,7 +9093,7 @@
           </p:nvSpPr>
           <p:spPr>
             <a:xfrm>
-              <a:off x="2226578" y="5834852"/>
+              <a:off x="2031014" y="5835032"/>
               <a:ext cx="63202" cy="63202"/>
             </a:xfrm>
             <a:custGeom>
@@ -9136,7 +9136,7 @@
           </p:nvSpPr>
           <p:spPr>
             <a:xfrm>
-              <a:off x="1941946" y="5947612"/>
+              <a:off x="2229939" y="5947691"/>
               <a:ext cx="63202" cy="63202"/>
             </a:xfrm>
             <a:custGeom>
@@ -9179,7 +9179,7 @@
           </p:nvSpPr>
           <p:spPr>
             <a:xfrm>
-              <a:off x="2140826" y="5667896"/>
+              <a:off x="2097050" y="5667806"/>
               <a:ext cx="63202" cy="63202"/>
             </a:xfrm>
             <a:custGeom>
@@ -9222,7 +9222,7 @@
           </p:nvSpPr>
           <p:spPr>
             <a:xfrm>
-              <a:off x="3001593" y="6121630"/>
+              <a:off x="2445769" y="6121899"/>
               <a:ext cx="63202" cy="63202"/>
             </a:xfrm>
             <a:custGeom>
@@ -9265,7 +9265,7 @@
           </p:nvSpPr>
           <p:spPr>
             <a:xfrm>
-              <a:off x="1942483" y="5781413"/>
+              <a:off x="1634997" y="5781520"/>
               <a:ext cx="63202" cy="63202"/>
             </a:xfrm>
             <a:custGeom>
@@ -9308,7 +9308,7 @@
           </p:nvSpPr>
           <p:spPr>
             <a:xfrm>
-              <a:off x="2001524" y="5745683"/>
+              <a:off x="1937266" y="5745801"/>
               <a:ext cx="63202" cy="63202"/>
             </a:xfrm>
             <a:custGeom>
@@ -9351,7 +9351,7 @@
           </p:nvSpPr>
           <p:spPr>
             <a:xfrm>
-              <a:off x="2024476" y="5745669"/>
+              <a:off x="2106100" y="5745614"/>
               <a:ext cx="63202" cy="63202"/>
             </a:xfrm>
             <a:custGeom>
@@ -9394,7 +9394,7 @@
           </p:nvSpPr>
           <p:spPr>
             <a:xfrm>
-              <a:off x="1660958" y="5745705"/>
+              <a:off x="1799717" y="5745767"/>
               <a:ext cx="63202" cy="63202"/>
             </a:xfrm>
             <a:custGeom>
@@ -9437,7 +9437,7 @@
           </p:nvSpPr>
           <p:spPr>
             <a:xfrm>
-              <a:off x="2074298" y="5750043"/>
+              <a:off x="1895066" y="5750124"/>
               <a:ext cx="63202" cy="63202"/>
             </a:xfrm>
             <a:custGeom>
@@ -9480,7 +9480,7 @@
           </p:nvSpPr>
           <p:spPr>
             <a:xfrm>
-              <a:off x="2016225" y="5745736"/>
+              <a:off x="2231578" y="5745800"/>
               <a:ext cx="63202" cy="63202"/>
             </a:xfrm>
             <a:custGeom>
@@ -9523,7 +9523,7 @@
           </p:nvSpPr>
           <p:spPr>
             <a:xfrm>
-              <a:off x="2180836" y="5693133"/>
+              <a:off x="1556989" y="5693103"/>
               <a:ext cx="63202" cy="63202"/>
             </a:xfrm>
             <a:custGeom>
@@ -9566,7 +9566,7 @@
           </p:nvSpPr>
           <p:spPr>
             <a:xfrm>
-              <a:off x="1985138" y="5657622"/>
+              <a:off x="1900373" y="5657564"/>
               <a:ext cx="63202" cy="63202"/>
             </a:xfrm>
             <a:custGeom>
@@ -9609,7 +9609,7 @@
           </p:nvSpPr>
           <p:spPr>
             <a:xfrm>
-              <a:off x="2838785" y="6382092"/>
+              <a:off x="2950931" y="6382007"/>
               <a:ext cx="63202" cy="63202"/>
             </a:xfrm>
             <a:custGeom>
@@ -9652,7 +9652,7 @@
           </p:nvSpPr>
           <p:spPr>
             <a:xfrm>
-              <a:off x="1886010" y="5781607"/>
+              <a:off x="1907348" y="5781556"/>
               <a:ext cx="63202" cy="63202"/>
             </a:xfrm>
             <a:custGeom>
@@ -9695,7 +9695,7 @@
           </p:nvSpPr>
           <p:spPr>
             <a:xfrm>
-              <a:off x="2057684" y="5709954"/>
+              <a:off x="2184580" y="5709977"/>
               <a:ext cx="63202" cy="63202"/>
             </a:xfrm>
             <a:custGeom>
@@ -9738,7 +9738,7 @@
           </p:nvSpPr>
           <p:spPr>
             <a:xfrm>
-              <a:off x="1929157" y="5785964"/>
+              <a:off x="1626025" y="5785798"/>
               <a:ext cx="63202" cy="63202"/>
             </a:xfrm>
             <a:custGeom>
@@ -9781,7 +9781,7 @@
           </p:nvSpPr>
           <p:spPr>
             <a:xfrm>
-              <a:off x="2803702" y="6254206"/>
+              <a:off x="2700218" y="6254099"/>
               <a:ext cx="63202" cy="63202"/>
             </a:xfrm>
             <a:custGeom>
@@ -9824,7 +9824,7 @@
           </p:nvSpPr>
           <p:spPr>
             <a:xfrm>
-              <a:off x="2139235" y="5767916"/>
+              <a:off x="1718085" y="5767816"/>
               <a:ext cx="63202" cy="63202"/>
             </a:xfrm>
             <a:custGeom>
@@ -9867,7 +9867,7 @@
           </p:nvSpPr>
           <p:spPr>
             <a:xfrm>
-              <a:off x="1995030" y="5932705"/>
+              <a:off x="2019959" y="5932650"/>
               <a:ext cx="63202" cy="63202"/>
             </a:xfrm>
             <a:custGeom>
@@ -9910,7 +9910,7 @@
           </p:nvSpPr>
           <p:spPr>
             <a:xfrm>
-              <a:off x="1616508" y="5714672"/>
+              <a:off x="1679747" y="5714805"/>
               <a:ext cx="63202" cy="63202"/>
             </a:xfrm>
             <a:custGeom>
@@ -9953,7 +9953,7 @@
           </p:nvSpPr>
           <p:spPr>
             <a:xfrm>
-              <a:off x="2114912" y="5667032"/>
+              <a:off x="2185261" y="5667165"/>
               <a:ext cx="63202" cy="63202"/>
             </a:xfrm>
             <a:custGeom>
@@ -9996,7 +9996,7 @@
           </p:nvSpPr>
           <p:spPr>
             <a:xfrm>
-              <a:off x="2019953" y="5759007"/>
+              <a:off x="1748999" y="5759121"/>
               <a:ext cx="63202" cy="63202"/>
             </a:xfrm>
             <a:custGeom>
@@ -10039,7 +10039,7 @@
           </p:nvSpPr>
           <p:spPr>
             <a:xfrm>
-              <a:off x="1769719" y="5763114"/>
+              <a:off x="1903685" y="5762934"/>
               <a:ext cx="63202" cy="63202"/>
             </a:xfrm>
             <a:custGeom>
@@ -10082,7 +10082,7 @@
           </p:nvSpPr>
           <p:spPr>
             <a:xfrm>
-              <a:off x="1664736" y="5727719"/>
+              <a:off x="1588878" y="5727601"/>
               <a:ext cx="63202" cy="63202"/>
             </a:xfrm>
             <a:custGeom>
@@ -10125,7 +10125,7 @@
           </p:nvSpPr>
           <p:spPr>
             <a:xfrm>
-              <a:off x="1609545" y="5801011"/>
+              <a:off x="1616805" y="5800960"/>
               <a:ext cx="63202" cy="63202"/>
             </a:xfrm>
             <a:custGeom>
@@ -10168,7 +10168,7 @@
           </p:nvSpPr>
           <p:spPr>
             <a:xfrm>
-              <a:off x="1573521" y="5760815"/>
+              <a:off x="2198173" y="5760853"/>
               <a:ext cx="63202" cy="63202"/>
             </a:xfrm>
             <a:custGeom>
@@ -10211,7 +10211,7 @@
           </p:nvSpPr>
           <p:spPr>
             <a:xfrm>
-              <a:off x="1819006" y="5754232"/>
+              <a:off x="1808789" y="5754207"/>
               <a:ext cx="63202" cy="63202"/>
             </a:xfrm>
             <a:custGeom>
@@ -10254,7 +10254,7 @@
           </p:nvSpPr>
           <p:spPr>
             <a:xfrm>
-              <a:off x="1925401" y="5759346"/>
+              <a:off x="1638843" y="5759334"/>
               <a:ext cx="63202" cy="63202"/>
             </a:xfrm>
             <a:custGeom>
@@ -10297,7 +10297,7 @@
           </p:nvSpPr>
           <p:spPr>
             <a:xfrm>
-              <a:off x="1640630" y="5668005"/>
+              <a:off x="2015903" y="5667961"/>
               <a:ext cx="63202" cy="63202"/>
             </a:xfrm>
             <a:custGeom>
@@ -10340,7 +10340,7 @@
           </p:nvSpPr>
           <p:spPr>
             <a:xfrm>
-              <a:off x="1582836" y="5670186"/>
+              <a:off x="1621046" y="5669999"/>
               <a:ext cx="63202" cy="63202"/>
             </a:xfrm>
             <a:custGeom>
@@ -10383,7 +10383,7 @@
           </p:nvSpPr>
           <p:spPr>
             <a:xfrm>
-              <a:off x="2105092" y="5757806"/>
+              <a:off x="2156114" y="5757916"/>
               <a:ext cx="63202" cy="63202"/>
             </a:xfrm>
             <a:custGeom>
@@ -10426,7 +10426,7 @@
           </p:nvSpPr>
           <p:spPr>
             <a:xfrm>
-              <a:off x="1731038" y="5771635"/>
+              <a:off x="1727049" y="5771628"/>
               <a:ext cx="63202" cy="63202"/>
             </a:xfrm>
             <a:custGeom>
@@ -10469,7 +10469,7 @@
           </p:nvSpPr>
           <p:spPr>
             <a:xfrm>
-              <a:off x="1997438" y="5763305"/>
+              <a:off x="1991825" y="5763469"/>
               <a:ext cx="63202" cy="63202"/>
             </a:xfrm>
             <a:custGeom>
@@ -10512,7 +10512,7 @@
           </p:nvSpPr>
           <p:spPr>
             <a:xfrm>
-              <a:off x="1815020" y="5763299"/>
+              <a:off x="2091614" y="5763334"/>
               <a:ext cx="63202" cy="63202"/>
             </a:xfrm>
             <a:custGeom>
@@ -10555,7 +10555,7 @@
           </p:nvSpPr>
           <p:spPr>
             <a:xfrm>
-              <a:off x="2094127" y="5763170"/>
+              <a:off x="1668257" y="5763132"/>
               <a:ext cx="63202" cy="63202"/>
             </a:xfrm>
             <a:custGeom>
@@ -10598,7 +10598,7 @@
           </p:nvSpPr>
           <p:spPr>
             <a:xfrm>
-              <a:off x="1687920" y="5956161"/>
+              <a:off x="1552155" y="5956272"/>
               <a:ext cx="63202" cy="63202"/>
             </a:xfrm>
             <a:custGeom>
@@ -10641,7 +10641,7 @@
           </p:nvSpPr>
           <p:spPr>
             <a:xfrm>
-              <a:off x="1586282" y="5773336"/>
+              <a:off x="1699409" y="5773260"/>
               <a:ext cx="63202" cy="63202"/>
             </a:xfrm>
             <a:custGeom>
@@ -10684,7 +10684,7 @@
           </p:nvSpPr>
           <p:spPr>
             <a:xfrm>
-              <a:off x="1989492" y="5755225"/>
+              <a:off x="2052154" y="5755447"/>
               <a:ext cx="63202" cy="63202"/>
             </a:xfrm>
             <a:custGeom>
@@ -10727,7 +10727,7 @@
           </p:nvSpPr>
           <p:spPr>
             <a:xfrm>
-              <a:off x="2010093" y="5668918"/>
+              <a:off x="2233980" y="5669104"/>
               <a:ext cx="63202" cy="63202"/>
             </a:xfrm>
             <a:custGeom>
@@ -10770,7 +10770,7 @@
           </p:nvSpPr>
           <p:spPr>
             <a:xfrm>
-              <a:off x="1596378" y="5876364"/>
+              <a:off x="1639654" y="5876393"/>
               <a:ext cx="63202" cy="63202"/>
             </a:xfrm>
             <a:custGeom>
@@ -10813,7 +10813,7 @@
           </p:nvSpPr>
           <p:spPr>
             <a:xfrm>
-              <a:off x="2445464" y="6239697"/>
+              <a:off x="2591457" y="6239720"/>
               <a:ext cx="63202" cy="63202"/>
             </a:xfrm>
             <a:custGeom>
@@ -10856,7 +10856,7 @@
           </p:nvSpPr>
           <p:spPr>
             <a:xfrm>
-              <a:off x="2097793" y="6029517"/>
+              <a:off x="1641114" y="6029776"/>
               <a:ext cx="63202" cy="63202"/>
             </a:xfrm>
             <a:custGeom>
@@ -10899,7 +10899,7 @@
           </p:nvSpPr>
           <p:spPr>
             <a:xfrm>
-              <a:off x="2676699" y="6271322"/>
+              <a:off x="2535802" y="6271424"/>
               <a:ext cx="63202" cy="63202"/>
             </a:xfrm>
             <a:custGeom>
@@ -10942,7 +10942,7 @@
           </p:nvSpPr>
           <p:spPr>
             <a:xfrm>
-              <a:off x="2537343" y="6276274"/>
+              <a:off x="2511173" y="6276307"/>
               <a:ext cx="63202" cy="63202"/>
             </a:xfrm>
             <a:custGeom>
@@ -10985,7 +10985,7 @@
           </p:nvSpPr>
           <p:spPr>
             <a:xfrm>
-              <a:off x="1732345" y="5843117"/>
+              <a:off x="1651675" y="5842946"/>
               <a:ext cx="63202" cy="63202"/>
             </a:xfrm>
             <a:custGeom>
@@ -11028,7 +11028,7 @@
           </p:nvSpPr>
           <p:spPr>
             <a:xfrm>
-              <a:off x="2136149" y="5838381"/>
+              <a:off x="2143748" y="5838253"/>
               <a:ext cx="63202" cy="63202"/>
             </a:xfrm>
             <a:custGeom>
@@ -11071,7 +11071,7 @@
           </p:nvSpPr>
           <p:spPr>
             <a:xfrm>
-              <a:off x="1885423" y="5838261"/>
+              <a:off x="2132750" y="5838385"/>
               <a:ext cx="63202" cy="63202"/>
             </a:xfrm>
             <a:custGeom>
@@ -11114,7 +11114,7 @@
           </p:nvSpPr>
           <p:spPr>
             <a:xfrm>
-              <a:off x="1759677" y="5829120"/>
+              <a:off x="2131865" y="5829023"/>
               <a:ext cx="63202" cy="63202"/>
             </a:xfrm>
             <a:custGeom>
@@ -11157,7 +11157,7 @@
           </p:nvSpPr>
           <p:spPr>
             <a:xfrm>
-              <a:off x="1711560" y="5931575"/>
+              <a:off x="2060766" y="5931665"/>
               <a:ext cx="63202" cy="63202"/>
             </a:xfrm>
             <a:custGeom>
@@ -11200,7 +11200,7 @@
           </p:nvSpPr>
           <p:spPr>
             <a:xfrm>
-              <a:off x="3108557" y="6328840"/>
+              <a:off x="3067973" y="6329035"/>
               <a:ext cx="63202" cy="63202"/>
             </a:xfrm>
             <a:custGeom>
@@ -11243,7 +11243,7 @@
           </p:nvSpPr>
           <p:spPr>
             <a:xfrm>
-              <a:off x="2459289" y="6239274"/>
+              <a:off x="2514060" y="6239463"/>
               <a:ext cx="63202" cy="63202"/>
             </a:xfrm>
             <a:custGeom>
@@ -11286,7 +11286,7 @@
           </p:nvSpPr>
           <p:spPr>
             <a:xfrm>
-              <a:off x="1589248" y="6054651"/>
+              <a:off x="1830348" y="6054768"/>
               <a:ext cx="63202" cy="63202"/>
             </a:xfrm>
             <a:custGeom>
@@ -11329,7 +11329,7 @@
           </p:nvSpPr>
           <p:spPr>
             <a:xfrm>
-              <a:off x="2560613" y="6255859"/>
+              <a:off x="2507777" y="6256158"/>
               <a:ext cx="63202" cy="63202"/>
             </a:xfrm>
             <a:custGeom>
@@ -11372,7 +11372,7 @@
           </p:nvSpPr>
           <p:spPr>
             <a:xfrm>
-              <a:off x="2830219" y="6239398"/>
+              <a:off x="2905129" y="6239550"/>
               <a:ext cx="63202" cy="63202"/>
             </a:xfrm>
             <a:custGeom>
@@ -11415,7 +11415,7 @@
           </p:nvSpPr>
           <p:spPr>
             <a:xfrm>
-              <a:off x="1656189" y="5759672"/>
+              <a:off x="1555910" y="5759609"/>
               <a:ext cx="63202" cy="63202"/>
             </a:xfrm>
             <a:custGeom>
@@ -11458,7 +11458,7 @@
           </p:nvSpPr>
           <p:spPr>
             <a:xfrm>
-              <a:off x="3428333" y="6755875"/>
+              <a:off x="3737176" y="6756024"/>
               <a:ext cx="63202" cy="63202"/>
             </a:xfrm>
             <a:custGeom>
@@ -11501,7 +11501,7 @@
           </p:nvSpPr>
           <p:spPr>
             <a:xfrm>
-              <a:off x="1697900" y="5973870"/>
+              <a:off x="1671363" y="5973861"/>
               <a:ext cx="63202" cy="63202"/>
             </a:xfrm>
             <a:custGeom>
@@ -11544,7 +11544,7 @@
           </p:nvSpPr>
           <p:spPr>
             <a:xfrm>
-              <a:off x="1571553" y="5745030"/>
+              <a:off x="1718157" y="5745131"/>
               <a:ext cx="63202" cy="63202"/>
             </a:xfrm>
             <a:custGeom>
@@ -11587,7 +11587,7 @@
           </p:nvSpPr>
           <p:spPr>
             <a:xfrm>
-              <a:off x="1765351" y="5828376"/>
+              <a:off x="1750472" y="5828189"/>
               <a:ext cx="63202" cy="63202"/>
             </a:xfrm>
             <a:custGeom>
@@ -11630,7 +11630,7 @@
           </p:nvSpPr>
           <p:spPr>
             <a:xfrm>
-              <a:off x="2135437" y="5755343"/>
+              <a:off x="1737006" y="5755367"/>
               <a:ext cx="63202" cy="63202"/>
             </a:xfrm>
             <a:custGeom>
@@ -11673,7 +11673,7 @@
           </p:nvSpPr>
           <p:spPr>
             <a:xfrm>
-              <a:off x="2044683" y="5756686"/>
+              <a:off x="2028440" y="5756762"/>
               <a:ext cx="63202" cy="63202"/>
             </a:xfrm>
             <a:custGeom>
@@ -11716,7 +11716,7 @@
           </p:nvSpPr>
           <p:spPr>
             <a:xfrm>
-              <a:off x="2206744" y="5774217"/>
+              <a:off x="1562068" y="5773993"/>
               <a:ext cx="63202" cy="63202"/>
             </a:xfrm>
             <a:custGeom>
@@ -11759,7 +11759,7 @@
           </p:nvSpPr>
           <p:spPr>
             <a:xfrm>
-              <a:off x="1643478" y="5767757"/>
+              <a:off x="1655702" y="5767959"/>
               <a:ext cx="63202" cy="63202"/>
             </a:xfrm>
             <a:custGeom>
@@ -11802,7 +11802,7 @@
           </p:nvSpPr>
           <p:spPr>
             <a:xfrm>
-              <a:off x="3878523" y="6809079"/>
+              <a:off x="3848003" y="6809079"/>
               <a:ext cx="63202" cy="63202"/>
             </a:xfrm>
             <a:custGeom>
@@ -11901,7 +11901,7 @@
           </p:nvSpPr>
           <p:spPr>
             <a:xfrm>
-              <a:off x="4284320" y="2806689"/>
+              <a:off x="4284320" y="2806803"/>
               <a:ext cx="2817450" cy="0"/>
             </a:xfrm>
             <a:custGeom>
@@ -11944,7 +11944,7 @@
           </p:nvSpPr>
           <p:spPr>
             <a:xfrm>
-              <a:off x="4284320" y="2438007"/>
+              <a:off x="4284320" y="2438080"/>
               <a:ext cx="2817450" cy="0"/>
             </a:xfrm>
             <a:custGeom>
@@ -11987,7 +11987,7 @@
           </p:nvSpPr>
           <p:spPr>
             <a:xfrm>
-              <a:off x="4284320" y="2069325"/>
+              <a:off x="4284320" y="2069357"/>
               <a:ext cx="2817450" cy="0"/>
             </a:xfrm>
             <a:custGeom>
@@ -12030,7 +12030,7 @@
           </p:nvSpPr>
           <p:spPr>
             <a:xfrm>
-              <a:off x="4284320" y="1700642"/>
+              <a:off x="4284320" y="1700635"/>
               <a:ext cx="2817450" cy="0"/>
             </a:xfrm>
             <a:custGeom>
@@ -12073,7 +12073,7 @@
           </p:nvSpPr>
           <p:spPr>
             <a:xfrm>
-              <a:off x="4284320" y="2991030"/>
+              <a:off x="4284320" y="2991164"/>
               <a:ext cx="2817450" cy="0"/>
             </a:xfrm>
             <a:custGeom>
@@ -12116,7 +12116,7 @@
           </p:nvSpPr>
           <p:spPr>
             <a:xfrm>
-              <a:off x="4284320" y="2622348"/>
+              <a:off x="4284320" y="2622441"/>
               <a:ext cx="2817450" cy="0"/>
             </a:xfrm>
             <a:custGeom>
@@ -12159,7 +12159,7 @@
           </p:nvSpPr>
           <p:spPr>
             <a:xfrm>
-              <a:off x="4284320" y="2253666"/>
+              <a:off x="4284320" y="2253719"/>
               <a:ext cx="2817450" cy="0"/>
             </a:xfrm>
             <a:custGeom>
@@ -12202,7 +12202,7 @@
           </p:nvSpPr>
           <p:spPr>
             <a:xfrm>
-              <a:off x="4284320" y="1884983"/>
+              <a:off x="4284320" y="1884996"/>
               <a:ext cx="2817450" cy="0"/>
             </a:xfrm>
             <a:custGeom>
@@ -12245,7 +12245,7 @@
           </p:nvSpPr>
           <p:spPr>
             <a:xfrm>
-              <a:off x="4284320" y="1516301"/>
+              <a:off x="4284320" y="1516274"/>
               <a:ext cx="2817450" cy="0"/>
             </a:xfrm>
             <a:custGeom>
@@ -12417,7 +12417,7 @@
           </p:nvSpPr>
           <p:spPr>
             <a:xfrm>
-              <a:off x="5075213" y="1668401"/>
+              <a:off x="5118397" y="1668241"/>
               <a:ext cx="63202" cy="63202"/>
             </a:xfrm>
             <a:custGeom>
@@ -12460,7 +12460,7 @@
           </p:nvSpPr>
           <p:spPr>
             <a:xfrm>
-              <a:off x="5047644" y="1721787"/>
+              <a:off x="4809549" y="1721648"/>
               <a:ext cx="63202" cy="63202"/>
             </a:xfrm>
             <a:custGeom>
@@ -12503,7 +12503,7 @@
           </p:nvSpPr>
           <p:spPr>
             <a:xfrm>
-              <a:off x="4432984" y="1629595"/>
+              <a:off x="4697701" y="1629657"/>
               <a:ext cx="63202" cy="63202"/>
             </a:xfrm>
             <a:custGeom>
@@ -12546,7 +12546,7 @@
           </p:nvSpPr>
           <p:spPr>
             <a:xfrm>
-              <a:off x="4547869" y="1623966"/>
+              <a:off x="4696054" y="1624007"/>
               <a:ext cx="63202" cy="63202"/>
             </a:xfrm>
             <a:custGeom>
@@ -12589,7 +12589,7 @@
           </p:nvSpPr>
           <p:spPr>
             <a:xfrm>
-              <a:off x="5057860" y="1610191"/>
+              <a:off x="4865953" y="1609913"/>
               <a:ext cx="63202" cy="63202"/>
             </a:xfrm>
             <a:custGeom>
@@ -12632,7 +12632,7 @@
           </p:nvSpPr>
           <p:spPr>
             <a:xfrm>
-              <a:off x="4899388" y="1651114"/>
+              <a:off x="5025526" y="1650991"/>
               <a:ext cx="63202" cy="63202"/>
             </a:xfrm>
             <a:custGeom>
@@ -12675,7 +12675,7 @@
           </p:nvSpPr>
           <p:spPr>
             <a:xfrm>
-              <a:off x="4532587" y="1640715"/>
+              <a:off x="4938824" y="1640541"/>
               <a:ext cx="63202" cy="63202"/>
             </a:xfrm>
             <a:custGeom>
@@ -12718,7 +12718,7 @@
           </p:nvSpPr>
           <p:spPr>
             <a:xfrm>
-              <a:off x="4476588" y="1638947"/>
+              <a:off x="4692186" y="1638835"/>
               <a:ext cx="63202" cy="63202"/>
             </a:xfrm>
             <a:custGeom>
@@ -12761,7 +12761,7 @@
           </p:nvSpPr>
           <p:spPr>
             <a:xfrm>
-              <a:off x="4957095" y="1632902"/>
+              <a:off x="5130405" y="1633005"/>
               <a:ext cx="63202" cy="63202"/>
             </a:xfrm>
             <a:custGeom>
@@ -12804,7 +12804,7 @@
           </p:nvSpPr>
           <p:spPr>
             <a:xfrm>
-              <a:off x="4868368" y="1599277"/>
+              <a:off x="4881507" y="1599392"/>
               <a:ext cx="63202" cy="63202"/>
             </a:xfrm>
             <a:custGeom>
@@ -12847,7 +12847,7 @@
           </p:nvSpPr>
           <p:spPr>
             <a:xfrm>
-              <a:off x="4589689" y="1643894"/>
+              <a:off x="4996953" y="1643863"/>
               <a:ext cx="63202" cy="63202"/>
             </a:xfrm>
             <a:custGeom>
@@ -12890,7 +12890,7 @@
           </p:nvSpPr>
           <p:spPr>
             <a:xfrm>
-              <a:off x="4505655" y="1648862"/>
+              <a:off x="4624407" y="1648667"/>
               <a:ext cx="63202" cy="63202"/>
             </a:xfrm>
             <a:custGeom>
@@ -12933,7 +12933,7 @@
           </p:nvSpPr>
           <p:spPr>
             <a:xfrm>
-              <a:off x="4470516" y="1649406"/>
+              <a:off x="4675483" y="1649373"/>
               <a:ext cx="63202" cy="63202"/>
             </a:xfrm>
             <a:custGeom>
@@ -12976,7 +12976,7 @@
           </p:nvSpPr>
           <p:spPr>
             <a:xfrm>
-              <a:off x="4764199" y="1591247"/>
+              <a:off x="4872747" y="1591336"/>
               <a:ext cx="63202" cy="63202"/>
             </a:xfrm>
             <a:custGeom>
@@ -13019,7 +13019,7 @@
           </p:nvSpPr>
           <p:spPr>
             <a:xfrm>
-              <a:off x="4798467" y="1641511"/>
+              <a:off x="5061568" y="1641282"/>
               <a:ext cx="63202" cy="63202"/>
             </a:xfrm>
             <a:custGeom>
@@ -13062,7 +13062,7 @@
           </p:nvSpPr>
           <p:spPr>
             <a:xfrm>
-              <a:off x="4773146" y="1589083"/>
+              <a:off x="4717901" y="1589081"/>
               <a:ext cx="63202" cy="63202"/>
             </a:xfrm>
             <a:custGeom>
@@ -13105,7 +13105,7 @@
           </p:nvSpPr>
           <p:spPr>
             <a:xfrm>
-              <a:off x="4535951" y="1645127"/>
+              <a:off x="5012058" y="1645123"/>
               <a:ext cx="63202" cy="63202"/>
             </a:xfrm>
             <a:custGeom>
@@ -13148,7 +13148,7 @@
           </p:nvSpPr>
           <p:spPr>
             <a:xfrm>
-              <a:off x="4674513" y="1642092"/>
+              <a:off x="4682111" y="1642121"/>
               <a:ext cx="63202" cy="63202"/>
             </a:xfrm>
             <a:custGeom>
@@ -13191,7 +13191,7 @@
           </p:nvSpPr>
           <p:spPr>
             <a:xfrm>
-              <a:off x="4913072" y="1672057"/>
+              <a:off x="4621183" y="1671960"/>
               <a:ext cx="63202" cy="63202"/>
             </a:xfrm>
             <a:custGeom>
@@ -13234,7 +13234,7 @@
           </p:nvSpPr>
           <p:spPr>
             <a:xfrm>
-              <a:off x="4525937" y="1795611"/>
+              <a:off x="4458051" y="1795457"/>
               <a:ext cx="63202" cy="63202"/>
             </a:xfrm>
             <a:custGeom>
@@ -13277,7 +13277,7 @@
           </p:nvSpPr>
           <p:spPr>
             <a:xfrm>
-              <a:off x="4859635" y="1940445"/>
+              <a:off x="4609806" y="1940353"/>
               <a:ext cx="63202" cy="63202"/>
             </a:xfrm>
             <a:custGeom>
@@ -13320,7 +13320,7 @@
           </p:nvSpPr>
           <p:spPr>
             <a:xfrm>
-              <a:off x="5059914" y="1646245"/>
+              <a:off x="5102274" y="1646303"/>
               <a:ext cx="63202" cy="63202"/>
             </a:xfrm>
             <a:custGeom>
@@ -13363,7 +13363,7 @@
           </p:nvSpPr>
           <p:spPr>
             <a:xfrm>
-              <a:off x="5405994" y="2419912"/>
+              <a:off x="5730587" y="2420232"/>
               <a:ext cx="63202" cy="63202"/>
             </a:xfrm>
             <a:custGeom>
@@ -13406,7 +13406,7 @@
           </p:nvSpPr>
           <p:spPr>
             <a:xfrm>
-              <a:off x="4729351" y="1632841"/>
+              <a:off x="4811740" y="1632931"/>
               <a:ext cx="63202" cy="63202"/>
             </a:xfrm>
             <a:custGeom>
@@ -13449,7 +13449,7 @@
           </p:nvSpPr>
           <p:spPr>
             <a:xfrm>
-              <a:off x="5051919" y="1839341"/>
+              <a:off x="5043283" y="1839324"/>
               <a:ext cx="63202" cy="63202"/>
             </a:xfrm>
             <a:custGeom>
@@ -13492,7 +13492,7 @@
           </p:nvSpPr>
           <p:spPr>
             <a:xfrm>
-              <a:off x="4655609" y="1668773"/>
+              <a:off x="4921020" y="1668656"/>
               <a:ext cx="63202" cy="63202"/>
             </a:xfrm>
             <a:custGeom>
@@ -13535,7 +13535,7 @@
           </p:nvSpPr>
           <p:spPr>
             <a:xfrm>
-              <a:off x="4532166" y="1817198"/>
+              <a:off x="4594347" y="1817368"/>
               <a:ext cx="63202" cy="63202"/>
             </a:xfrm>
             <a:custGeom>
@@ -13578,7 +13578,7 @@
           </p:nvSpPr>
           <p:spPr>
             <a:xfrm>
-              <a:off x="4623021" y="1597087"/>
+              <a:off x="4628177" y="1597123"/>
               <a:ext cx="63202" cy="63202"/>
             </a:xfrm>
             <a:custGeom>
@@ -13621,7 +13621,7 @@
           </p:nvSpPr>
           <p:spPr>
             <a:xfrm>
-              <a:off x="4988354" y="1627380"/>
+              <a:off x="4430137" y="1627255"/>
               <a:ext cx="63202" cy="63202"/>
             </a:xfrm>
             <a:custGeom>
@@ -13664,7 +13664,7 @@
           </p:nvSpPr>
           <p:spPr>
             <a:xfrm>
-              <a:off x="4845130" y="1629988"/>
+              <a:off x="4831114" y="1629892"/>
               <a:ext cx="63202" cy="63202"/>
             </a:xfrm>
             <a:custGeom>
@@ -13707,7 +13707,7 @@
           </p:nvSpPr>
           <p:spPr>
             <a:xfrm>
-              <a:off x="5354738" y="2666945"/>
+              <a:off x="5587545" y="2667209"/>
               <a:ext cx="63202" cy="63202"/>
             </a:xfrm>
             <a:custGeom>
@@ -13750,7 +13750,7 @@
           </p:nvSpPr>
           <p:spPr>
             <a:xfrm>
-              <a:off x="4883785" y="1648907"/>
+              <a:off x="4556520" y="1648727"/>
               <a:ext cx="63202" cy="63202"/>
             </a:xfrm>
             <a:custGeom>
@@ -13793,7 +13793,7 @@
           </p:nvSpPr>
           <p:spPr>
             <a:xfrm>
-              <a:off x="4837675" y="1644278"/>
+              <a:off x="4571807" y="1644372"/>
               <a:ext cx="63202" cy="63202"/>
             </a:xfrm>
             <a:custGeom>
@@ -13836,7 +13836,7 @@
           </p:nvSpPr>
           <p:spPr>
             <a:xfrm>
-              <a:off x="4512639" y="1721001"/>
+              <a:off x="5124952" y="1721130"/>
               <a:ext cx="63202" cy="63202"/>
             </a:xfrm>
             <a:custGeom>
@@ -13879,7 +13879,7 @@
           </p:nvSpPr>
           <p:spPr>
             <a:xfrm>
-              <a:off x="4529646" y="1602622"/>
+              <a:off x="4807010" y="1602561"/>
               <a:ext cx="63202" cy="63202"/>
             </a:xfrm>
             <a:custGeom>
@@ -13922,7 +13922,7 @@
           </p:nvSpPr>
           <p:spPr>
             <a:xfrm>
-              <a:off x="4501143" y="1597458"/>
+              <a:off x="4742933" y="1597513"/>
               <a:ext cx="63202" cy="63202"/>
             </a:xfrm>
             <a:custGeom>
@@ -13965,7 +13965,7 @@
           </p:nvSpPr>
           <p:spPr>
             <a:xfrm>
-              <a:off x="5122243" y="1648125"/>
+              <a:off x="4639791" y="1648003"/>
               <a:ext cx="63202" cy="63202"/>
             </a:xfrm>
             <a:custGeom>
@@ -14008,7 +14008,7 @@
           </p:nvSpPr>
           <p:spPr>
             <a:xfrm>
-              <a:off x="4709127" y="1647964"/>
+              <a:off x="5040528" y="1648133"/>
               <a:ext cx="63202" cy="63202"/>
             </a:xfrm>
             <a:custGeom>
@@ -14051,7 +14051,7 @@
           </p:nvSpPr>
           <p:spPr>
             <a:xfrm>
-              <a:off x="4509012" y="1637364"/>
+              <a:off x="4644862" y="1637449"/>
               <a:ext cx="63202" cy="63202"/>
             </a:xfrm>
             <a:custGeom>
@@ -14094,7 +14094,7 @@
           </p:nvSpPr>
           <p:spPr>
             <a:xfrm>
-              <a:off x="4900550" y="2190308"/>
+              <a:off x="5088048" y="2190344"/>
               <a:ext cx="63202" cy="63202"/>
             </a:xfrm>
             <a:custGeom>
@@ -14137,7 +14137,7 @@
           </p:nvSpPr>
           <p:spPr>
             <a:xfrm>
-              <a:off x="5056896" y="1670617"/>
+              <a:off x="4947451" y="1670652"/>
               <a:ext cx="63202" cy="63202"/>
             </a:xfrm>
             <a:custGeom>
@@ -14180,7 +14180,7 @@
           </p:nvSpPr>
           <p:spPr>
             <a:xfrm>
-              <a:off x="4798661" y="2210518"/>
+              <a:off x="5104074" y="2210725"/>
               <a:ext cx="63202" cy="63202"/>
             </a:xfrm>
             <a:custGeom>
@@ -14223,7 +14223,7 @@
           </p:nvSpPr>
           <p:spPr>
             <a:xfrm>
-              <a:off x="4852523" y="1582000"/>
+              <a:off x="4445058" y="1582137"/>
               <a:ext cx="63202" cy="63202"/>
             </a:xfrm>
             <a:custGeom>
@@ -14266,7 +14266,7 @@
           </p:nvSpPr>
           <p:spPr>
             <a:xfrm>
-              <a:off x="4633745" y="1931231"/>
+              <a:off x="5058336" y="1931239"/>
               <a:ext cx="63202" cy="63202"/>
             </a:xfrm>
             <a:custGeom>
@@ -14309,7 +14309,7 @@
           </p:nvSpPr>
           <p:spPr>
             <a:xfrm>
-              <a:off x="4522291" y="1640287"/>
+              <a:off x="4544637" y="1640147"/>
               <a:ext cx="63202" cy="63202"/>
             </a:xfrm>
             <a:custGeom>
@@ -14352,7 +14352,7 @@
           </p:nvSpPr>
           <p:spPr>
             <a:xfrm>
-              <a:off x="4742859" y="1708742"/>
+              <a:off x="4910288" y="1708722"/>
               <a:ext cx="63202" cy="63202"/>
             </a:xfrm>
             <a:custGeom>
@@ -14395,7 +14395,7 @@
           </p:nvSpPr>
           <p:spPr>
             <a:xfrm>
-              <a:off x="4869983" y="1716825"/>
+              <a:off x="4901059" y="1717108"/>
               <a:ext cx="63202" cy="63202"/>
             </a:xfrm>
             <a:custGeom>
@@ -14438,7 +14438,7 @@
           </p:nvSpPr>
           <p:spPr>
             <a:xfrm>
-              <a:off x="4794646" y="1665772"/>
+              <a:off x="4963682" y="1665569"/>
               <a:ext cx="63202" cy="63202"/>
             </a:xfrm>
             <a:custGeom>
@@ -14481,7 +14481,7 @@
           </p:nvSpPr>
           <p:spPr>
             <a:xfrm>
-              <a:off x="4535722" y="1649446"/>
+              <a:off x="4531788" y="1649589"/>
               <a:ext cx="63202" cy="63202"/>
             </a:xfrm>
             <a:custGeom>
@@ -14524,7 +14524,7 @@
           </p:nvSpPr>
           <p:spPr>
             <a:xfrm>
-              <a:off x="4850013" y="1648160"/>
+              <a:off x="4577354" y="1647983"/>
               <a:ext cx="63202" cy="63202"/>
             </a:xfrm>
             <a:custGeom>
@@ -14567,7 +14567,7 @@
           </p:nvSpPr>
           <p:spPr>
             <a:xfrm>
-              <a:off x="4547445" y="1759024"/>
+              <a:off x="4509290" y="1759145"/>
               <a:ext cx="63202" cy="63202"/>
             </a:xfrm>
             <a:custGeom>
@@ -14610,7 +14610,7 @@
           </p:nvSpPr>
           <p:spPr>
             <a:xfrm>
-              <a:off x="4953874" y="1788791"/>
+              <a:off x="4882694" y="1788836"/>
               <a:ext cx="63202" cy="63202"/>
             </a:xfrm>
             <a:custGeom>
@@ -14653,7 +14653,7 @@
           </p:nvSpPr>
           <p:spPr>
             <a:xfrm>
-              <a:off x="4809173" y="1663492"/>
+              <a:off x="4839746" y="1663382"/>
               <a:ext cx="63202" cy="63202"/>
             </a:xfrm>
             <a:custGeom>
@@ -14696,7 +14696,7 @@
           </p:nvSpPr>
           <p:spPr>
             <a:xfrm>
-              <a:off x="4559132" y="1653855"/>
+              <a:off x="4790680" y="1653771"/>
               <a:ext cx="63202" cy="63202"/>
             </a:xfrm>
             <a:custGeom>
@@ -14739,7 +14739,7 @@
           </p:nvSpPr>
           <p:spPr>
             <a:xfrm>
-              <a:off x="4850772" y="1710994"/>
+              <a:off x="5121141" y="1710981"/>
               <a:ext cx="63202" cy="63202"/>
             </a:xfrm>
             <a:custGeom>
@@ -14782,7 +14782,7 @@
           </p:nvSpPr>
           <p:spPr>
             <a:xfrm>
-              <a:off x="4905825" y="1640280"/>
+              <a:off x="5000412" y="1640383"/>
               <a:ext cx="63202" cy="63202"/>
             </a:xfrm>
             <a:custGeom>
@@ -14825,7 +14825,7 @@
           </p:nvSpPr>
           <p:spPr>
             <a:xfrm>
-              <a:off x="4873051" y="1588591"/>
+              <a:off x="5090630" y="1588535"/>
               <a:ext cx="63202" cy="63202"/>
             </a:xfrm>
             <a:custGeom>
@@ -14868,7 +14868,7 @@
           </p:nvSpPr>
           <p:spPr>
             <a:xfrm>
-              <a:off x="4974119" y="1689431"/>
+              <a:off x="4651222" y="1689287"/>
               <a:ext cx="63202" cy="63202"/>
             </a:xfrm>
             <a:custGeom>
@@ -14911,7 +14911,7 @@
           </p:nvSpPr>
           <p:spPr>
             <a:xfrm>
-              <a:off x="4716423" y="1758913"/>
+              <a:off x="4861961" y="1758974"/>
               <a:ext cx="63202" cy="63202"/>
             </a:xfrm>
             <a:custGeom>
@@ -14954,7 +14954,7 @@
           </p:nvSpPr>
           <p:spPr>
             <a:xfrm>
-              <a:off x="5106360" y="1610510"/>
+              <a:off x="4567192" y="1610277"/>
               <a:ext cx="63202" cy="63202"/>
             </a:xfrm>
             <a:custGeom>
@@ -14997,7 +14997,7 @@
           </p:nvSpPr>
           <p:spPr>
             <a:xfrm>
-              <a:off x="4765462" y="2117796"/>
+              <a:off x="4685574" y="2117736"/>
               <a:ext cx="63202" cy="63202"/>
             </a:xfrm>
             <a:custGeom>
@@ -15040,7 +15040,7 @@
           </p:nvSpPr>
           <p:spPr>
             <a:xfrm>
-              <a:off x="4877569" y="1722509"/>
+              <a:off x="4971207" y="1722465"/>
               <a:ext cx="63202" cy="63202"/>
             </a:xfrm>
             <a:custGeom>
@@ -15083,7 +15083,7 @@
           </p:nvSpPr>
           <p:spPr>
             <a:xfrm>
-              <a:off x="4960411" y="1659792"/>
+              <a:off x="5065815" y="1659846"/>
               <a:ext cx="63202" cy="63202"/>
             </a:xfrm>
             <a:custGeom>
@@ -15126,7 +15126,7 @@
           </p:nvSpPr>
           <p:spPr>
             <a:xfrm>
-              <a:off x="5079120" y="1590749"/>
+              <a:off x="5056525" y="1590824"/>
               <a:ext cx="63202" cy="63202"/>
             </a:xfrm>
             <a:custGeom>
@@ -15169,7 +15169,7 @@
           </p:nvSpPr>
           <p:spPr>
             <a:xfrm>
-              <a:off x="4924860" y="1594624"/>
+              <a:off x="4444805" y="1594694"/>
               <a:ext cx="63202" cy="63202"/>
             </a:xfrm>
             <a:custGeom>
@@ -15212,7 +15212,7 @@
           </p:nvSpPr>
           <p:spPr>
             <a:xfrm>
-              <a:off x="5066886" y="1683414"/>
+              <a:off x="5076571" y="1683319"/>
               <a:ext cx="63202" cy="63202"/>
             </a:xfrm>
             <a:custGeom>
@@ -15255,7 +15255,7 @@
           </p:nvSpPr>
           <p:spPr>
             <a:xfrm>
-              <a:off x="4943109" y="1637253"/>
+              <a:off x="4950405" y="1637385"/>
               <a:ext cx="63202" cy="63202"/>
             </a:xfrm>
             <a:custGeom>
@@ -15298,7 +15298,7 @@
           </p:nvSpPr>
           <p:spPr>
             <a:xfrm>
-              <a:off x="4650969" y="1916146"/>
+              <a:off x="5090268" y="1916026"/>
               <a:ext cx="63202" cy="63202"/>
             </a:xfrm>
             <a:custGeom>
@@ -15341,7 +15341,7 @@
           </p:nvSpPr>
           <p:spPr>
             <a:xfrm>
-              <a:off x="4823368" y="1645078"/>
+              <a:off x="4647004" y="1644979"/>
               <a:ext cx="63202" cy="63202"/>
             </a:xfrm>
             <a:custGeom>
@@ -15384,7 +15384,7 @@
           </p:nvSpPr>
           <p:spPr>
             <a:xfrm>
-              <a:off x="4878279" y="1866228"/>
+              <a:off x="5044640" y="1866338"/>
               <a:ext cx="63202" cy="63202"/>
             </a:xfrm>
             <a:custGeom>
@@ -15427,7 +15427,7 @@
           </p:nvSpPr>
           <p:spPr>
             <a:xfrm>
-              <a:off x="6699979" y="2957556"/>
+              <a:off x="6567629" y="2957728"/>
               <a:ext cx="63202" cy="63202"/>
             </a:xfrm>
             <a:custGeom>
@@ -15470,7 +15470,7 @@
           </p:nvSpPr>
           <p:spPr>
             <a:xfrm>
-              <a:off x="4726255" y="1735843"/>
+              <a:off x="4837327" y="1735701"/>
               <a:ext cx="63202" cy="63202"/>
             </a:xfrm>
             <a:custGeom>
@@ -15513,7 +15513,7 @@
           </p:nvSpPr>
           <p:spPr>
             <a:xfrm>
-              <a:off x="4738793" y="1651396"/>
+              <a:off x="4891637" y="1651376"/>
               <a:ext cx="63202" cy="63202"/>
             </a:xfrm>
             <a:custGeom>
@@ -15556,7 +15556,7 @@
           </p:nvSpPr>
           <p:spPr>
             <a:xfrm>
-              <a:off x="4585322" y="1963587"/>
+              <a:off x="4461334" y="1963641"/>
               <a:ext cx="63202" cy="63202"/>
             </a:xfrm>
             <a:custGeom>
@@ -15599,7 +15599,7 @@
           </p:nvSpPr>
           <p:spPr>
             <a:xfrm>
-              <a:off x="4440985" y="1960544"/>
+              <a:off x="4678275" y="1960808"/>
               <a:ext cx="63202" cy="63202"/>
             </a:xfrm>
             <a:custGeom>
@@ -15642,7 +15642,7 @@
           </p:nvSpPr>
           <p:spPr>
             <a:xfrm>
-              <a:off x="5805665" y="2555324"/>
+              <a:off x="5752680" y="2555343"/>
               <a:ext cx="63202" cy="63202"/>
             </a:xfrm>
             <a:custGeom>
@@ -15685,7 +15685,7 @@
           </p:nvSpPr>
           <p:spPr>
             <a:xfrm>
-              <a:off x="4893896" y="1653193"/>
+              <a:off x="4648279" y="1653219"/>
               <a:ext cx="63202" cy="63202"/>
             </a:xfrm>
             <a:custGeom>
@@ -15728,7 +15728,7 @@
           </p:nvSpPr>
           <p:spPr>
             <a:xfrm>
-              <a:off x="4900427" y="2180546"/>
+              <a:off x="4603540" y="2180522"/>
               <a:ext cx="63202" cy="63202"/>
             </a:xfrm>
             <a:custGeom>
@@ -15771,7 +15771,7 @@
           </p:nvSpPr>
           <p:spPr>
             <a:xfrm>
-              <a:off x="4470590" y="1650635"/>
+              <a:off x="4801484" y="1650550"/>
               <a:ext cx="63202" cy="63202"/>
             </a:xfrm>
             <a:custGeom>
@@ -15814,7 +15814,7 @@
           </p:nvSpPr>
           <p:spPr>
             <a:xfrm>
-              <a:off x="5031687" y="1697077"/>
+              <a:off x="4795597" y="1697018"/>
               <a:ext cx="63202" cy="63202"/>
             </a:xfrm>
             <a:custGeom>
@@ -15857,7 +15857,7 @@
           </p:nvSpPr>
           <p:spPr>
             <a:xfrm>
-              <a:off x="4892705" y="1667549"/>
+              <a:off x="5067899" y="1667601"/>
               <a:ext cx="63202" cy="63202"/>
             </a:xfrm>
             <a:custGeom>
@@ -15900,7 +15900,7 @@
           </p:nvSpPr>
           <p:spPr>
             <a:xfrm>
-              <a:off x="4634152" y="1784661"/>
+              <a:off x="4635036" y="1784835"/>
               <a:ext cx="63202" cy="63202"/>
             </a:xfrm>
             <a:custGeom>
@@ -15943,7 +15943,7 @@
           </p:nvSpPr>
           <p:spPr>
             <a:xfrm>
-              <a:off x="4970796" y="1648076"/>
+              <a:off x="4726328" y="1648061"/>
               <a:ext cx="63202" cy="63202"/>
             </a:xfrm>
             <a:custGeom>
@@ -15986,7 +15986,7 @@
           </p:nvSpPr>
           <p:spPr>
             <a:xfrm>
-              <a:off x="4545675" y="1593716"/>
+              <a:off x="5073373" y="1593922"/>
               <a:ext cx="63202" cy="63202"/>
             </a:xfrm>
             <a:custGeom>
@@ -16029,7 +16029,7 @@
           </p:nvSpPr>
           <p:spPr>
             <a:xfrm>
-              <a:off x="4718831" y="1739380"/>
+              <a:off x="5132922" y="1739568"/>
               <a:ext cx="63202" cy="63202"/>
             </a:xfrm>
             <a:custGeom>
@@ -16072,7 +16072,7 @@
           </p:nvSpPr>
           <p:spPr>
             <a:xfrm>
-              <a:off x="4579137" y="1734337"/>
+              <a:off x="4480735" y="1734358"/>
               <a:ext cx="63202" cy="63202"/>
             </a:xfrm>
             <a:custGeom>
@@ -16171,7 +16171,7 @@
           </p:nvSpPr>
           <p:spPr>
             <a:xfrm>
-              <a:off x="4284320" y="4732022"/>
+              <a:off x="4284320" y="4732135"/>
               <a:ext cx="2817450" cy="0"/>
             </a:xfrm>
             <a:custGeom>
@@ -16214,7 +16214,7 @@
           </p:nvSpPr>
           <p:spPr>
             <a:xfrm>
-              <a:off x="4284320" y="4363340"/>
+              <a:off x="4284320" y="4363413"/>
               <a:ext cx="2817450" cy="0"/>
             </a:xfrm>
             <a:custGeom>
@@ -16257,7 +16257,7 @@
           </p:nvSpPr>
           <p:spPr>
             <a:xfrm>
-              <a:off x="4284320" y="3994657"/>
+              <a:off x="4284320" y="3994690"/>
               <a:ext cx="2817450" cy="0"/>
             </a:xfrm>
             <a:custGeom>
@@ -16300,7 +16300,7 @@
           </p:nvSpPr>
           <p:spPr>
             <a:xfrm>
-              <a:off x="4284320" y="3625975"/>
+              <a:off x="4284320" y="3625967"/>
               <a:ext cx="2817450" cy="0"/>
             </a:xfrm>
             <a:custGeom>
@@ -16343,7 +16343,7 @@
           </p:nvSpPr>
           <p:spPr>
             <a:xfrm>
-              <a:off x="4284320" y="4916363"/>
+              <a:off x="4284320" y="4916496"/>
               <a:ext cx="2817450" cy="0"/>
             </a:xfrm>
             <a:custGeom>
@@ -16386,7 +16386,7 @@
           </p:nvSpPr>
           <p:spPr>
             <a:xfrm>
-              <a:off x="4284320" y="4547681"/>
+              <a:off x="4284320" y="4547774"/>
               <a:ext cx="2817450" cy="0"/>
             </a:xfrm>
             <a:custGeom>
@@ -16429,7 +16429,7 @@
           </p:nvSpPr>
           <p:spPr>
             <a:xfrm>
-              <a:off x="4284320" y="4178998"/>
+              <a:off x="4284320" y="4179051"/>
               <a:ext cx="2817450" cy="0"/>
             </a:xfrm>
             <a:custGeom>
@@ -16472,7 +16472,7 @@
           </p:nvSpPr>
           <p:spPr>
             <a:xfrm>
-              <a:off x="4284320" y="3810316"/>
+              <a:off x="4284320" y="3810329"/>
               <a:ext cx="2817450" cy="0"/>
             </a:xfrm>
             <a:custGeom>
@@ -16515,7 +16515,7 @@
           </p:nvSpPr>
           <p:spPr>
             <a:xfrm>
-              <a:off x="4284320" y="3441634"/>
+              <a:off x="4284320" y="3441606"/>
               <a:ext cx="2817450" cy="0"/>
             </a:xfrm>
             <a:custGeom>
@@ -16687,7 +16687,7 @@
           </p:nvSpPr>
           <p:spPr>
             <a:xfrm>
-              <a:off x="5769572" y="4160700"/>
+              <a:off x="6001077" y="4160663"/>
               <a:ext cx="63202" cy="63202"/>
             </a:xfrm>
             <a:custGeom>
@@ -16730,7 +16730,7 @@
           </p:nvSpPr>
           <p:spPr>
             <a:xfrm>
-              <a:off x="4449080" y="3691590"/>
+              <a:off x="4484863" y="3691659"/>
               <a:ext cx="63202" cy="63202"/>
             </a:xfrm>
             <a:custGeom>
@@ -16773,7 +16773,7 @@
           </p:nvSpPr>
           <p:spPr>
             <a:xfrm>
-              <a:off x="6799828" y="3947463"/>
+              <a:off x="6777182" y="3947659"/>
               <a:ext cx="63202" cy="63202"/>
             </a:xfrm>
             <a:custGeom>
@@ -16816,7 +16816,7 @@
           </p:nvSpPr>
           <p:spPr>
             <a:xfrm>
-              <a:off x="6510547" y="4838696"/>
+              <a:off x="6847382" y="4838887"/>
               <a:ext cx="63202" cy="63202"/>
             </a:xfrm>
             <a:custGeom>
@@ -16859,7 +16859,7 @@
           </p:nvSpPr>
           <p:spPr>
             <a:xfrm>
-              <a:off x="6673812" y="4870774"/>
+              <a:off x="6229967" y="4871020"/>
               <a:ext cx="63202" cy="63202"/>
             </a:xfrm>
             <a:custGeom>
@@ -16958,7 +16958,7 @@
           </p:nvSpPr>
           <p:spPr>
             <a:xfrm>
-              <a:off x="4284320" y="6657354"/>
+              <a:off x="4284320" y="6657468"/>
               <a:ext cx="2817450" cy="0"/>
             </a:xfrm>
             <a:custGeom>
@@ -17001,7 +17001,7 @@
           </p:nvSpPr>
           <p:spPr>
             <a:xfrm>
-              <a:off x="4284320" y="6288672"/>
+              <a:off x="4284320" y="6288745"/>
               <a:ext cx="2817450" cy="0"/>
             </a:xfrm>
             <a:custGeom>
@@ -17044,7 +17044,7 @@
           </p:nvSpPr>
           <p:spPr>
             <a:xfrm>
-              <a:off x="4284320" y="5919990"/>
+              <a:off x="4284320" y="5920023"/>
               <a:ext cx="2817450" cy="0"/>
             </a:xfrm>
             <a:custGeom>
@@ -17087,7 +17087,7 @@
           </p:nvSpPr>
           <p:spPr>
             <a:xfrm>
-              <a:off x="4284320" y="5551307"/>
+              <a:off x="4284320" y="5551300"/>
               <a:ext cx="2817450" cy="0"/>
             </a:xfrm>
             <a:custGeom>
@@ -17130,7 +17130,7 @@
           </p:nvSpPr>
           <p:spPr>
             <a:xfrm>
-              <a:off x="4284320" y="6841696"/>
+              <a:off x="4284320" y="6841829"/>
               <a:ext cx="2817450" cy="0"/>
             </a:xfrm>
             <a:custGeom>
@@ -17173,7 +17173,7 @@
           </p:nvSpPr>
           <p:spPr>
             <a:xfrm>
-              <a:off x="4284320" y="6473013"/>
+              <a:off x="4284320" y="6473106"/>
               <a:ext cx="2817450" cy="0"/>
             </a:xfrm>
             <a:custGeom>
@@ -17216,7 +17216,7 @@
           </p:nvSpPr>
           <p:spPr>
             <a:xfrm>
-              <a:off x="4284320" y="6104331"/>
+              <a:off x="4284320" y="6104384"/>
               <a:ext cx="2817450" cy="0"/>
             </a:xfrm>
             <a:custGeom>
@@ -17259,7 +17259,7 @@
           </p:nvSpPr>
           <p:spPr>
             <a:xfrm>
-              <a:off x="4284320" y="5735649"/>
+              <a:off x="4284320" y="5735661"/>
               <a:ext cx="2817450" cy="0"/>
             </a:xfrm>
             <a:custGeom>
@@ -17302,7 +17302,7 @@
           </p:nvSpPr>
           <p:spPr>
             <a:xfrm>
-              <a:off x="4284320" y="5366966"/>
+              <a:off x="4284320" y="5366939"/>
               <a:ext cx="2817450" cy="0"/>
             </a:xfrm>
             <a:custGeom>
@@ -17474,7 +17474,7 @@
           </p:nvSpPr>
           <p:spPr>
             <a:xfrm>
-              <a:off x="4583069" y="5399522"/>
+              <a:off x="4646284" y="5399635"/>
               <a:ext cx="63202" cy="63202"/>
             </a:xfrm>
             <a:custGeom>
@@ -17517,7 +17517,7 @@
           </p:nvSpPr>
           <p:spPr>
             <a:xfrm>
-              <a:off x="4764116" y="5333476"/>
+              <a:off x="4560949" y="5333372"/>
               <a:ext cx="63202" cy="63202"/>
             </a:xfrm>
             <a:custGeom>
@@ -17560,7 +17560,7 @@
           </p:nvSpPr>
           <p:spPr>
             <a:xfrm>
-              <a:off x="4569304" y="5353519"/>
+              <a:off x="4662004" y="5353406"/>
               <a:ext cx="63202" cy="63202"/>
             </a:xfrm>
             <a:custGeom>
@@ -17603,7 +17603,7 @@
           </p:nvSpPr>
           <p:spPr>
             <a:xfrm>
-              <a:off x="4739059" y="5356407"/>
+              <a:off x="4613966" y="5356463"/>
               <a:ext cx="63202" cy="63202"/>
             </a:xfrm>
             <a:custGeom>
@@ -17646,7 +17646,7 @@
           </p:nvSpPr>
           <p:spPr>
             <a:xfrm>
-              <a:off x="6515452" y="6802793"/>
+              <a:off x="6297610" y="6802809"/>
               <a:ext cx="63202" cy="63202"/>
             </a:xfrm>
             <a:custGeom>
@@ -17689,7 +17689,7 @@
           </p:nvSpPr>
           <p:spPr>
             <a:xfrm>
-              <a:off x="5019810" y="5385539"/>
+              <a:off x="4835318" y="5385598"/>
               <a:ext cx="63202" cy="63202"/>
             </a:xfrm>
             <a:custGeom>
@@ -17732,7 +17732,7 @@
           </p:nvSpPr>
           <p:spPr>
             <a:xfrm>
-              <a:off x="4940029" y="5339136"/>
+              <a:off x="4544266" y="5339054"/>
               <a:ext cx="63202" cy="63202"/>
             </a:xfrm>
             <a:custGeom>
@@ -17775,7 +17775,7 @@
           </p:nvSpPr>
           <p:spPr>
             <a:xfrm>
-              <a:off x="4492749" y="5395894"/>
+              <a:off x="4796701" y="5395860"/>
               <a:ext cx="63202" cy="63202"/>
             </a:xfrm>
             <a:custGeom>
@@ -17818,7 +17818,7 @@
           </p:nvSpPr>
           <p:spPr>
             <a:xfrm>
-              <a:off x="4845317" y="5358909"/>
+              <a:off x="4702569" y="5359076"/>
               <a:ext cx="63202" cy="63202"/>
             </a:xfrm>
             <a:custGeom>
@@ -17861,7 +17861,7 @@
           </p:nvSpPr>
           <p:spPr>
             <a:xfrm>
-              <a:off x="4623440" y="5395772"/>
+              <a:off x="5019641" y="5395783"/>
               <a:ext cx="63202" cy="63202"/>
             </a:xfrm>
             <a:custGeom>
@@ -17904,7 +17904,7 @@
           </p:nvSpPr>
           <p:spPr>
             <a:xfrm>
-              <a:off x="4742285" y="5350776"/>
+              <a:off x="4519155" y="5350942"/>
               <a:ext cx="63202" cy="63202"/>
             </a:xfrm>
             <a:custGeom>
@@ -17947,7 +17947,7 @@
           </p:nvSpPr>
           <p:spPr>
             <a:xfrm>
-              <a:off x="4963779" y="5501998"/>
+              <a:off x="4875289" y="5502140"/>
               <a:ext cx="63202" cy="63202"/>
             </a:xfrm>
             <a:custGeom>
@@ -17990,7 +17990,7 @@
           </p:nvSpPr>
           <p:spPr>
             <a:xfrm>
-              <a:off x="5014867" y="5332806"/>
+              <a:off x="4583966" y="5332869"/>
               <a:ext cx="63202" cy="63202"/>
             </a:xfrm>
             <a:custGeom>
@@ -18033,7 +18033,7 @@
           </p:nvSpPr>
           <p:spPr>
             <a:xfrm>
-              <a:off x="4903582" y="5350050"/>
+              <a:off x="4955923" y="5350119"/>
               <a:ext cx="63202" cy="63202"/>
             </a:xfrm>
             <a:custGeom>
@@ -18076,7 +18076,7 @@
           </p:nvSpPr>
           <p:spPr>
             <a:xfrm>
-              <a:off x="5028197" y="5350203"/>
+              <a:off x="4835619" y="5349954"/>
               <a:ext cx="63202" cy="63202"/>
             </a:xfrm>
             <a:custGeom>
@@ -18119,7 +18119,7 @@
           </p:nvSpPr>
           <p:spPr>
             <a:xfrm>
-              <a:off x="5008076" y="5328434"/>
+              <a:off x="4898319" y="5328331"/>
               <a:ext cx="63202" cy="63202"/>
             </a:xfrm>
             <a:custGeom>
@@ -18162,7 +18162,7 @@
           </p:nvSpPr>
           <p:spPr>
             <a:xfrm>
-              <a:off x="4718515" y="5351297"/>
+              <a:off x="4971739" y="5351108"/>
               <a:ext cx="63202" cy="63202"/>
             </a:xfrm>
             <a:custGeom>
@@ -18205,7 +18205,7 @@
           </p:nvSpPr>
           <p:spPr>
             <a:xfrm>
-              <a:off x="4748478" y="5322754"/>
+              <a:off x="5075901" y="5322774"/>
               <a:ext cx="63202" cy="63202"/>
             </a:xfrm>
             <a:custGeom>
@@ -18248,7 +18248,7 @@
           </p:nvSpPr>
           <p:spPr>
             <a:xfrm>
-              <a:off x="5058450" y="5385516"/>
+              <a:off x="4894283" y="5385532"/>
               <a:ext cx="63202" cy="63202"/>
             </a:xfrm>
             <a:custGeom>
@@ -18291,7 +18291,7 @@
           </p:nvSpPr>
           <p:spPr>
             <a:xfrm>
-              <a:off x="4471148" y="5322206"/>
+              <a:off x="4444867" y="5322081"/>
               <a:ext cx="63202" cy="63202"/>
             </a:xfrm>
             <a:custGeom>
@@ -18334,7 +18334,7 @@
           </p:nvSpPr>
           <p:spPr>
             <a:xfrm>
-              <a:off x="4469324" y="5376434"/>
+              <a:off x="4789845" y="5376159"/>
               <a:ext cx="63202" cy="63202"/>
             </a:xfrm>
             <a:custGeom>
@@ -18377,7 +18377,7 @@
           </p:nvSpPr>
           <p:spPr>
             <a:xfrm>
-              <a:off x="4479358" y="5370381"/>
+              <a:off x="4501308" y="5370380"/>
               <a:ext cx="63202" cy="63202"/>
             </a:xfrm>
             <a:custGeom>
@@ -18420,7 +18420,7 @@
           </p:nvSpPr>
           <p:spPr>
             <a:xfrm>
-              <a:off x="5058928" y="5394632"/>
+              <a:off x="4601442" y="5394734"/>
               <a:ext cx="63202" cy="63202"/>
             </a:xfrm>
             <a:custGeom>
@@ -18463,7 +18463,7 @@
           </p:nvSpPr>
           <p:spPr>
             <a:xfrm>
-              <a:off x="4784066" y="5381883"/>
+              <a:off x="4952888" y="5381731"/>
               <a:ext cx="63202" cy="63202"/>
             </a:xfrm>
             <a:custGeom>
@@ -18506,7 +18506,7 @@
           </p:nvSpPr>
           <p:spPr>
             <a:xfrm>
-              <a:off x="4651964" y="5340125"/>
+              <a:off x="5119039" y="5340149"/>
               <a:ext cx="63202" cy="63202"/>
             </a:xfrm>
             <a:custGeom>
@@ -18549,7 +18549,7 @@
           </p:nvSpPr>
           <p:spPr>
             <a:xfrm>
-              <a:off x="5112151" y="5385185"/>
+              <a:off x="4957958" y="5384975"/>
               <a:ext cx="63202" cy="63202"/>
             </a:xfrm>
             <a:custGeom>
@@ -18592,7 +18592,7 @@
           </p:nvSpPr>
           <p:spPr>
             <a:xfrm>
-              <a:off x="4445700" y="5405398"/>
+              <a:off x="4769682" y="5405310"/>
               <a:ext cx="63202" cy="63202"/>
             </a:xfrm>
             <a:custGeom>
@@ -18635,7 +18635,7 @@
           </p:nvSpPr>
           <p:spPr>
             <a:xfrm>
-              <a:off x="5098680" y="5415323"/>
+              <a:off x="4912697" y="5415338"/>
               <a:ext cx="63202" cy="63202"/>
             </a:xfrm>
             <a:custGeom>
@@ -18678,7 +18678,7 @@
           </p:nvSpPr>
           <p:spPr>
             <a:xfrm>
-              <a:off x="4942874" y="5406585"/>
+              <a:off x="4916288" y="5406648"/>
               <a:ext cx="63202" cy="63202"/>
             </a:xfrm>
             <a:custGeom>
@@ -18721,7 +18721,7 @@
           </p:nvSpPr>
           <p:spPr>
             <a:xfrm>
-              <a:off x="4487763" y="5336245"/>
+              <a:off x="4464932" y="5336131"/>
               <a:ext cx="63202" cy="63202"/>
             </a:xfrm>
             <a:custGeom>
@@ -18764,7 +18764,7 @@
           </p:nvSpPr>
           <p:spPr>
             <a:xfrm>
-              <a:off x="4924880" y="5360112"/>
+              <a:off x="5115114" y="5360141"/>
               <a:ext cx="63202" cy="63202"/>
             </a:xfrm>
             <a:custGeom>
@@ -18807,7 +18807,7 @@
           </p:nvSpPr>
           <p:spPr>
             <a:xfrm>
-              <a:off x="5049387" y="5375105"/>
+              <a:off x="4530091" y="5375117"/>
               <a:ext cx="63202" cy="63202"/>
             </a:xfrm>
             <a:custGeom>
@@ -18850,7 +18850,7 @@
           </p:nvSpPr>
           <p:spPr>
             <a:xfrm>
-              <a:off x="4779202" y="5342503"/>
+              <a:off x="4932141" y="5342347"/>
               <a:ext cx="63202" cy="63202"/>
             </a:xfrm>
             <a:custGeom>
@@ -18893,7 +18893,7 @@
           </p:nvSpPr>
           <p:spPr>
             <a:xfrm>
-              <a:off x="4699426" y="5339065"/>
+              <a:off x="4856580" y="5339170"/>
               <a:ext cx="63202" cy="63202"/>
             </a:xfrm>
             <a:custGeom>
@@ -18936,7 +18936,7 @@
           </p:nvSpPr>
           <p:spPr>
             <a:xfrm>
-              <a:off x="4607293" y="5397552"/>
+              <a:off x="5027885" y="5397706"/>
               <a:ext cx="63202" cy="63202"/>
             </a:xfrm>
             <a:custGeom>
@@ -18979,7 +18979,7 @@
           </p:nvSpPr>
           <p:spPr>
             <a:xfrm>
-              <a:off x="4531903" y="5385464"/>
+              <a:off x="4982066" y="5385395"/>
               <a:ext cx="63202" cy="63202"/>
             </a:xfrm>
             <a:custGeom>
@@ -19022,7 +19022,7 @@
           </p:nvSpPr>
           <p:spPr>
             <a:xfrm>
-              <a:off x="5109392" y="5343203"/>
+              <a:off x="4851552" y="5342971"/>
               <a:ext cx="63202" cy="63202"/>
             </a:xfrm>
             <a:custGeom>
@@ -19065,7 +19065,7 @@
           </p:nvSpPr>
           <p:spPr>
             <a:xfrm>
-              <a:off x="4923434" y="5328337"/>
+              <a:off x="5031457" y="5328289"/>
               <a:ext cx="63202" cy="63202"/>
             </a:xfrm>
             <a:custGeom>
@@ -19108,7 +19108,7 @@
           </p:nvSpPr>
           <p:spPr>
             <a:xfrm>
-              <a:off x="4792298" y="5385360"/>
+              <a:off x="5111654" y="5385509"/>
               <a:ext cx="63202" cy="63202"/>
             </a:xfrm>
             <a:custGeom>
@@ -19151,7 +19151,7 @@
           </p:nvSpPr>
           <p:spPr>
             <a:xfrm>
-              <a:off x="4626713" y="5380406"/>
+              <a:off x="5054550" y="5380216"/>
               <a:ext cx="63202" cy="63202"/>
             </a:xfrm>
             <a:custGeom>
@@ -19194,7 +19194,7 @@
           </p:nvSpPr>
           <p:spPr>
             <a:xfrm>
-              <a:off x="5062394" y="5341231"/>
+              <a:off x="4646352" y="5341374"/>
               <a:ext cx="63202" cy="63202"/>
             </a:xfrm>
             <a:custGeom>
@@ -19237,7 +19237,7 @@
           </p:nvSpPr>
           <p:spPr>
             <a:xfrm>
-              <a:off x="4960718" y="5346395"/>
+              <a:off x="4725105" y="5346329"/>
               <a:ext cx="63202" cy="63202"/>
             </a:xfrm>
             <a:custGeom>
@@ -19280,7 +19280,7 @@
           </p:nvSpPr>
           <p:spPr>
             <a:xfrm>
-              <a:off x="5401953" y="6413020"/>
+              <a:off x="5643060" y="6413185"/>
               <a:ext cx="63202" cy="63202"/>
             </a:xfrm>
             <a:custGeom>
@@ -19323,7 +19323,7 @@
           </p:nvSpPr>
           <p:spPr>
             <a:xfrm>
-              <a:off x="4634241" y="5361417"/>
+              <a:off x="4940756" y="5361643"/>
               <a:ext cx="63202" cy="63202"/>
             </a:xfrm>
             <a:custGeom>
@@ -19366,7 +19366,7 @@
           </p:nvSpPr>
           <p:spPr>
             <a:xfrm>
-              <a:off x="4648751" y="5391048"/>
+              <a:off x="4854110" y="5391141"/>
               <a:ext cx="63202" cy="63202"/>
             </a:xfrm>
             <a:custGeom>
@@ -19409,7 +19409,7 @@
           </p:nvSpPr>
           <p:spPr>
             <a:xfrm>
-              <a:off x="4516133" y="5343828"/>
+              <a:off x="4537655" y="5343909"/>
               <a:ext cx="63202" cy="63202"/>
             </a:xfrm>
             <a:custGeom>
@@ -19452,7 +19452,7 @@
           </p:nvSpPr>
           <p:spPr>
             <a:xfrm>
-              <a:off x="4562997" y="5433037"/>
+              <a:off x="4456901" y="5432926"/>
               <a:ext cx="63202" cy="63202"/>
             </a:xfrm>
             <a:custGeom>
@@ -19495,7 +19495,7 @@
           </p:nvSpPr>
           <p:spPr>
             <a:xfrm>
-              <a:off x="4780807" y="5348736"/>
+              <a:off x="5049144" y="5348642"/>
               <a:ext cx="63202" cy="63202"/>
             </a:xfrm>
             <a:custGeom>
@@ -19538,7 +19538,7 @@
           </p:nvSpPr>
           <p:spPr>
             <a:xfrm>
-              <a:off x="4759285" y="5371127"/>
+              <a:off x="4878811" y="5371082"/>
               <a:ext cx="63202" cy="63202"/>
             </a:xfrm>
             <a:custGeom>
@@ -19581,7 +19581,7 @@
           </p:nvSpPr>
           <p:spPr>
             <a:xfrm>
-              <a:off x="4676075" y="5341569"/>
+              <a:off x="4961689" y="5341481"/>
               <a:ext cx="63202" cy="63202"/>
             </a:xfrm>
             <a:custGeom>
@@ -19624,7 +19624,7 @@
           </p:nvSpPr>
           <p:spPr>
             <a:xfrm>
-              <a:off x="4862105" y="5336197"/>
+              <a:off x="4992301" y="5336163"/>
               <a:ext cx="63202" cy="63202"/>
             </a:xfrm>
             <a:custGeom>
@@ -19667,7 +19667,7 @@
           </p:nvSpPr>
           <p:spPr>
             <a:xfrm>
-              <a:off x="5102700" y="5371450"/>
+              <a:off x="5092060" y="5371349"/>
               <a:ext cx="63202" cy="63202"/>
             </a:xfrm>
             <a:custGeom>
@@ -19710,7 +19710,7 @@
           </p:nvSpPr>
           <p:spPr>
             <a:xfrm>
-              <a:off x="5022894" y="5359636"/>
+              <a:off x="4630265" y="5359540"/>
               <a:ext cx="63202" cy="63202"/>
             </a:xfrm>
             <a:custGeom>
@@ -19753,7 +19753,7 @@
           </p:nvSpPr>
           <p:spPr>
             <a:xfrm>
-              <a:off x="4857710" y="5383404"/>
+              <a:off x="4964489" y="5383323"/>
               <a:ext cx="63202" cy="63202"/>
             </a:xfrm>
             <a:custGeom>
@@ -19796,7 +19796,7 @@
           </p:nvSpPr>
           <p:spPr>
             <a:xfrm>
-              <a:off x="5001138" y="5366967"/>
+              <a:off x="4736978" y="5367083"/>
               <a:ext cx="63202" cy="63202"/>
             </a:xfrm>
             <a:custGeom>
@@ -19839,7 +19839,7 @@
           </p:nvSpPr>
           <p:spPr>
             <a:xfrm>
-              <a:off x="4512022" y="5342035"/>
+              <a:off x="4720718" y="5342114"/>
               <a:ext cx="63202" cy="63202"/>
             </a:xfrm>
             <a:custGeom>
@@ -19882,7 +19882,7 @@
           </p:nvSpPr>
           <p:spPr>
             <a:xfrm>
-              <a:off x="4889323" y="5335870"/>
+              <a:off x="4577022" y="5335733"/>
               <a:ext cx="63202" cy="63202"/>
             </a:xfrm>
             <a:custGeom>
@@ -19925,7 +19925,7 @@
           </p:nvSpPr>
           <p:spPr>
             <a:xfrm>
-              <a:off x="4671531" y="5337200"/>
+              <a:off x="4760512" y="5337113"/>
               <a:ext cx="63202" cy="63202"/>
             </a:xfrm>
             <a:custGeom>
@@ -19968,7 +19968,7 @@
           </p:nvSpPr>
           <p:spPr>
             <a:xfrm>
-              <a:off x="4787577" y="5351115"/>
+              <a:off x="4871234" y="5351187"/>
               <a:ext cx="63202" cy="63202"/>
             </a:xfrm>
             <a:custGeom>
@@ -20011,7 +20011,7 @@
           </p:nvSpPr>
           <p:spPr>
             <a:xfrm>
-              <a:off x="4722570" y="5329429"/>
+              <a:off x="4789590" y="5329557"/>
               <a:ext cx="63202" cy="63202"/>
             </a:xfrm>
             <a:custGeom>
@@ -20054,7 +20054,7 @@
           </p:nvSpPr>
           <p:spPr>
             <a:xfrm>
-              <a:off x="4497061" y="5357494"/>
+              <a:off x="4925360" y="5357327"/>
               <a:ext cx="63202" cy="63202"/>
             </a:xfrm>
             <a:custGeom>
@@ -20097,7 +20097,7 @@
           </p:nvSpPr>
           <p:spPr>
             <a:xfrm>
-              <a:off x="4819924" y="5344230"/>
+              <a:off x="5025414" y="5344133"/>
               <a:ext cx="63202" cy="63202"/>
             </a:xfrm>
             <a:custGeom>
@@ -20140,7 +20140,7 @@
           </p:nvSpPr>
           <p:spPr>
             <a:xfrm>
-              <a:off x="6710351" y="6795216"/>
+              <a:off x="6332624" y="6795451"/>
               <a:ext cx="63202" cy="63202"/>
             </a:xfrm>
             <a:custGeom>
@@ -20183,7 +20183,7 @@
           </p:nvSpPr>
           <p:spPr>
             <a:xfrm>
-              <a:off x="4520123" y="5339117"/>
+              <a:off x="4858366" y="5339116"/>
               <a:ext cx="63202" cy="63202"/>
             </a:xfrm>
             <a:custGeom>
@@ -20226,7 +20226,7 @@
           </p:nvSpPr>
           <p:spPr>
             <a:xfrm>
-              <a:off x="4454660" y="5383587"/>
+              <a:off x="4616064" y="5383692"/>
               <a:ext cx="63202" cy="63202"/>
             </a:xfrm>
             <a:custGeom>
@@ -20269,7 +20269,7 @@
           </p:nvSpPr>
           <p:spPr>
             <a:xfrm>
-              <a:off x="5010424" y="5370847"/>
+              <a:off x="4557504" y="5370829"/>
               <a:ext cx="63202" cy="63202"/>
             </a:xfrm>
             <a:custGeom>
@@ -20312,7 +20312,7 @@
           </p:nvSpPr>
           <p:spPr>
             <a:xfrm>
-              <a:off x="4904088" y="5334530"/>
+              <a:off x="4807302" y="5334728"/>
               <a:ext cx="63202" cy="63202"/>
             </a:xfrm>
             <a:custGeom>
@@ -20355,7 +20355,7 @@
           </p:nvSpPr>
           <p:spPr>
             <a:xfrm>
-              <a:off x="4525993" y="5584242"/>
+              <a:off x="5032921" y="5584260"/>
               <a:ext cx="63202" cy="63202"/>
             </a:xfrm>
             <a:custGeom>
@@ -20398,7 +20398,7 @@
           </p:nvSpPr>
           <p:spPr>
             <a:xfrm>
-              <a:off x="5679594" y="6224175"/>
+              <a:off x="5434989" y="6224279"/>
               <a:ext cx="63202" cy="63202"/>
             </a:xfrm>
             <a:custGeom>
@@ -20441,7 +20441,7 @@
           </p:nvSpPr>
           <p:spPr>
             <a:xfrm>
-              <a:off x="4919800" y="5385866"/>
+              <a:off x="5070663" y="5385852"/>
               <a:ext cx="63202" cy="63202"/>
             </a:xfrm>
             <a:custGeom>
@@ -20484,7 +20484,7 @@
           </p:nvSpPr>
           <p:spPr>
             <a:xfrm>
-              <a:off x="4480520" y="5377006"/>
+              <a:off x="4533851" y="5377068"/>
               <a:ext cx="63202" cy="63202"/>
             </a:xfrm>
             <a:custGeom>
@@ -20527,7 +20527,7 @@
           </p:nvSpPr>
           <p:spPr>
             <a:xfrm>
-              <a:off x="4600506" y="5328462"/>
+              <a:off x="4775065" y="5328362"/>
               <a:ext cx="63202" cy="63202"/>
             </a:xfrm>
             <a:custGeom>
@@ -20570,7 +20570,7 @@
           </p:nvSpPr>
           <p:spPr>
             <a:xfrm>
-              <a:off x="5115258" y="5520132"/>
+              <a:off x="4653682" y="5520203"/>
               <a:ext cx="63202" cy="63202"/>
             </a:xfrm>
             <a:custGeom>
@@ -20613,7 +20613,7 @@
           </p:nvSpPr>
           <p:spPr>
             <a:xfrm>
-              <a:off x="4764921" y="5323598"/>
+              <a:off x="4927697" y="5323547"/>
               <a:ext cx="63202" cy="63202"/>
             </a:xfrm>
             <a:custGeom>
@@ -20656,7 +20656,7 @@
           </p:nvSpPr>
           <p:spPr>
             <a:xfrm>
-              <a:off x="4634782" y="5375193"/>
+              <a:off x="5068696" y="5375201"/>
               <a:ext cx="63202" cy="63202"/>
             </a:xfrm>
             <a:custGeom>
@@ -20699,7 +20699,7 @@
           </p:nvSpPr>
           <p:spPr>
             <a:xfrm>
-              <a:off x="4858372" y="5432949"/>
+              <a:off x="4990356" y="5432976"/>
               <a:ext cx="63202" cy="63202"/>
             </a:xfrm>
             <a:custGeom>
@@ -20742,7 +20742,7 @@
           </p:nvSpPr>
           <p:spPr>
             <a:xfrm>
-              <a:off x="4933296" y="5729178"/>
+              <a:off x="4775023" y="5729181"/>
               <a:ext cx="63202" cy="63202"/>
             </a:xfrm>
             <a:custGeom>
@@ -20785,7 +20785,7 @@
           </p:nvSpPr>
           <p:spPr>
             <a:xfrm>
-              <a:off x="4650019" y="5357508"/>
+              <a:off x="4710805" y="5357347"/>
               <a:ext cx="63202" cy="63202"/>
             </a:xfrm>
             <a:custGeom>
@@ -20828,7 +20828,7 @@
           </p:nvSpPr>
           <p:spPr>
             <a:xfrm>
-              <a:off x="5039217" y="5339122"/>
+              <a:off x="5120692" y="5339010"/>
               <a:ext cx="63202" cy="63202"/>
             </a:xfrm>
             <a:custGeom>
@@ -20871,7 +20871,7 @@
           </p:nvSpPr>
           <p:spPr>
             <a:xfrm>
-              <a:off x="5077922" y="5405069"/>
+              <a:off x="5129077" y="5404894"/>
               <a:ext cx="63202" cy="63202"/>
             </a:xfrm>
             <a:custGeom>
@@ -20914,7 +20914,7 @@
           </p:nvSpPr>
           <p:spPr>
             <a:xfrm>
-              <a:off x="4610760" y="5727757"/>
+              <a:off x="5039725" y="5727664"/>
               <a:ext cx="63202" cy="63202"/>
             </a:xfrm>
             <a:custGeom>
@@ -20957,7 +20957,7 @@
           </p:nvSpPr>
           <p:spPr>
             <a:xfrm>
-              <a:off x="4857752" y="5678355"/>
+              <a:off x="4538983" y="5678350"/>
               <a:ext cx="63202" cy="63202"/>
             </a:xfrm>
             <a:custGeom>
@@ -21000,7 +21000,7 @@
           </p:nvSpPr>
           <p:spPr>
             <a:xfrm>
-              <a:off x="4495950" y="5959818"/>
+              <a:off x="4545719" y="5960026"/>
               <a:ext cx="63202" cy="63202"/>
             </a:xfrm>
             <a:custGeom>
@@ -21043,7 +21043,7 @@
           </p:nvSpPr>
           <p:spPr>
             <a:xfrm>
-              <a:off x="4797475" y="5388588"/>
+              <a:off x="4737647" y="5388295"/>
               <a:ext cx="63202" cy="63202"/>
             </a:xfrm>
             <a:custGeom>
@@ -21086,7 +21086,7 @@
           </p:nvSpPr>
           <p:spPr>
             <a:xfrm>
-              <a:off x="5478279" y="6484812"/>
+              <a:off x="5851102" y="6484960"/>
               <a:ext cx="63202" cy="63202"/>
             </a:xfrm>
             <a:custGeom>
@@ -21129,7 +21129,7 @@
           </p:nvSpPr>
           <p:spPr>
             <a:xfrm>
-              <a:off x="4522040" y="5356463"/>
+              <a:off x="4691294" y="5356341"/>
               <a:ext cx="63202" cy="63202"/>
             </a:xfrm>
             <a:custGeom>
@@ -21172,7 +21172,7 @@
           </p:nvSpPr>
           <p:spPr>
             <a:xfrm>
-              <a:off x="4566007" y="5361915"/>
+              <a:off x="4531949" y="5361881"/>
               <a:ext cx="63202" cy="63202"/>
             </a:xfrm>
             <a:custGeom>
@@ -21215,7 +21215,7 @@
           </p:nvSpPr>
           <p:spPr>
             <a:xfrm>
-              <a:off x="4623735" y="5351659"/>
+              <a:off x="4490319" y="5351440"/>
               <a:ext cx="63202" cy="63202"/>
             </a:xfrm>
             <a:custGeom>
@@ -21258,7 +21258,7 @@
           </p:nvSpPr>
           <p:spPr>
             <a:xfrm>
-              <a:off x="5025933" y="6057237"/>
+              <a:off x="4489513" y="6057267"/>
               <a:ext cx="63202" cy="63202"/>
             </a:xfrm>
             <a:custGeom>
@@ -21301,7 +21301,7 @@
           </p:nvSpPr>
           <p:spPr>
             <a:xfrm>
-              <a:off x="4541238" y="5337678"/>
+              <a:off x="4924272" y="5337622"/>
               <a:ext cx="63202" cy="63202"/>
             </a:xfrm>
             <a:custGeom>
@@ -21344,7 +21344,7 @@
           </p:nvSpPr>
           <p:spPr>
             <a:xfrm>
-              <a:off x="4911662" y="5395972"/>
+              <a:off x="4871258" y="5395799"/>
               <a:ext cx="63202" cy="63202"/>
             </a:xfrm>
             <a:custGeom>
@@ -21387,7 +21387,7 @@
           </p:nvSpPr>
           <p:spPr>
             <a:xfrm>
-              <a:off x="4438238" y="5485500"/>
+              <a:off x="5120332" y="5485365"/>
               <a:ext cx="63202" cy="63202"/>
             </a:xfrm>
             <a:custGeom>
@@ -21430,7 +21430,7 @@
           </p:nvSpPr>
           <p:spPr>
             <a:xfrm>
-              <a:off x="5130237" y="5335486"/>
+              <a:off x="4984095" y="5335225"/>
               <a:ext cx="63202" cy="63202"/>
             </a:xfrm>
             <a:custGeom>
@@ -21473,7 +21473,7 @@
           </p:nvSpPr>
           <p:spPr>
             <a:xfrm>
-              <a:off x="5090360" y="5358677"/>
+              <a:off x="4792369" y="5358483"/>
               <a:ext cx="63202" cy="63202"/>
             </a:xfrm>
             <a:custGeom>
@@ -21516,7 +21516,7 @@
           </p:nvSpPr>
           <p:spPr>
             <a:xfrm>
-              <a:off x="5067050" y="5342101"/>
+              <a:off x="5128792" y="5341974"/>
               <a:ext cx="63202" cy="63202"/>
             </a:xfrm>
             <a:custGeom>
@@ -21559,7 +21559,7 @@
           </p:nvSpPr>
           <p:spPr>
             <a:xfrm>
-              <a:off x="4543603" y="5366695"/>
+              <a:off x="4953405" y="5366735"/>
               <a:ext cx="63202" cy="63202"/>
             </a:xfrm>
             <a:custGeom>
@@ -21602,7 +21602,7 @@
           </p:nvSpPr>
           <p:spPr>
             <a:xfrm>
-              <a:off x="5010360" y="5341223"/>
+              <a:off x="4656373" y="5341289"/>
               <a:ext cx="63202" cy="63202"/>
             </a:xfrm>
             <a:custGeom>
@@ -21645,7 +21645,7 @@
           </p:nvSpPr>
           <p:spPr>
             <a:xfrm>
-              <a:off x="4674400" y="5678129"/>
+              <a:off x="4442095" y="5678352"/>
               <a:ext cx="63202" cy="63202"/>
             </a:xfrm>
             <a:custGeom>
@@ -21688,7 +21688,7 @@
           </p:nvSpPr>
           <p:spPr>
             <a:xfrm>
-              <a:off x="4563912" y="5349449"/>
+              <a:off x="4895358" y="5349471"/>
               <a:ext cx="63202" cy="63202"/>
             </a:xfrm>
             <a:custGeom>
@@ -21731,7 +21731,7 @@
           </p:nvSpPr>
           <p:spPr>
             <a:xfrm>
-              <a:off x="4465503" y="5401124"/>
+              <a:off x="4921770" y="5400873"/>
               <a:ext cx="63202" cy="63202"/>
             </a:xfrm>
             <a:custGeom>
@@ -21774,7 +21774,7 @@
           </p:nvSpPr>
           <p:spPr>
             <a:xfrm>
-              <a:off x="4463782" y="5350018"/>
+              <a:off x="4847601" y="5350166"/>
               <a:ext cx="63202" cy="63202"/>
             </a:xfrm>
             <a:custGeom>
@@ -21817,7 +21817,7 @@
           </p:nvSpPr>
           <p:spPr>
             <a:xfrm>
-              <a:off x="4782686" y="5816480"/>
+              <a:off x="4489319" y="5816591"/>
               <a:ext cx="63202" cy="63202"/>
             </a:xfrm>
             <a:custGeom>
@@ -21860,7 +21860,7 @@
           </p:nvSpPr>
           <p:spPr>
             <a:xfrm>
-              <a:off x="5000141" y="5332127"/>
+              <a:off x="4477116" y="5332154"/>
               <a:ext cx="63202" cy="63202"/>
             </a:xfrm>
             <a:custGeom>
@@ -21903,7 +21903,7 @@
           </p:nvSpPr>
           <p:spPr>
             <a:xfrm>
-              <a:off x="5016842" y="5384135"/>
+              <a:off x="5089183" y="5384057"/>
               <a:ext cx="63202" cy="63202"/>
             </a:xfrm>
             <a:custGeom>
@@ -21946,7 +21946,7 @@
           </p:nvSpPr>
           <p:spPr>
             <a:xfrm>
-              <a:off x="4669180" y="5332871"/>
+              <a:off x="4826466" y="5332784"/>
               <a:ext cx="63202" cy="63202"/>
             </a:xfrm>
             <a:custGeom>
@@ -21989,7 +21989,7 @@
           </p:nvSpPr>
           <p:spPr>
             <a:xfrm>
-              <a:off x="5419368" y="6221274"/>
+              <a:off x="5450271" y="6221378"/>
               <a:ext cx="63202" cy="63202"/>
             </a:xfrm>
             <a:custGeom>
@@ -22032,7 +22032,7 @@
           </p:nvSpPr>
           <p:spPr>
             <a:xfrm>
-              <a:off x="5845117" y="6104069"/>
+              <a:off x="5491110" y="6104060"/>
               <a:ext cx="63202" cy="63202"/>
             </a:xfrm>
             <a:custGeom>
@@ -22075,7 +22075,7 @@
           </p:nvSpPr>
           <p:spPr>
             <a:xfrm>
-              <a:off x="4715408" y="5379727"/>
+              <a:off x="5067561" y="5379624"/>
               <a:ext cx="63202" cy="63202"/>
             </a:xfrm>
             <a:custGeom>
@@ -22118,7 +22118,7 @@
           </p:nvSpPr>
           <p:spPr>
             <a:xfrm>
-              <a:off x="4654599" y="5328454"/>
+              <a:off x="4523421" y="5328245"/>
               <a:ext cx="63202" cy="63202"/>
             </a:xfrm>
             <a:custGeom>
@@ -22161,7 +22161,7 @@
           </p:nvSpPr>
           <p:spPr>
             <a:xfrm>
-              <a:off x="4962666" y="5328293"/>
+              <a:off x="4685329" y="5328465"/>
               <a:ext cx="63202" cy="63202"/>
             </a:xfrm>
             <a:custGeom>
@@ -22204,7 +22204,7 @@
           </p:nvSpPr>
           <p:spPr>
             <a:xfrm>
-              <a:off x="4911704" y="5328387"/>
+              <a:off x="4970383" y="5328295"/>
               <a:ext cx="63202" cy="63202"/>
             </a:xfrm>
             <a:custGeom>
@@ -22247,7 +22247,7 @@
           </p:nvSpPr>
           <p:spPr>
             <a:xfrm>
-              <a:off x="4670231" y="5328219"/>
+              <a:off x="4638609" y="5328190"/>
               <a:ext cx="63202" cy="63202"/>
             </a:xfrm>
             <a:custGeom>
@@ -22290,7 +22290,7 @@
           </p:nvSpPr>
           <p:spPr>
             <a:xfrm>
-              <a:off x="5123042" y="5382432"/>
+              <a:off x="4672819" y="5382578"/>
               <a:ext cx="63202" cy="63202"/>
             </a:xfrm>
             <a:custGeom>
@@ -22333,7 +22333,7 @@
           </p:nvSpPr>
           <p:spPr>
             <a:xfrm>
-              <a:off x="4593839" y="5641883"/>
+              <a:off x="4865816" y="5641606"/>
               <a:ext cx="63202" cy="63202"/>
             </a:xfrm>
             <a:custGeom>
@@ -22376,7 +22376,7 @@
           </p:nvSpPr>
           <p:spPr>
             <a:xfrm>
-              <a:off x="4800662" y="5326399"/>
+              <a:off x="4550306" y="5326515"/>
               <a:ext cx="63202" cy="63202"/>
             </a:xfrm>
             <a:custGeom>
@@ -22419,7 +22419,7 @@
           </p:nvSpPr>
           <p:spPr>
             <a:xfrm>
-              <a:off x="4681445" y="5364067"/>
+              <a:off x="4495087" y="5364057"/>
               <a:ext cx="63202" cy="63202"/>
             </a:xfrm>
             <a:custGeom>
@@ -22462,7 +22462,7 @@
           </p:nvSpPr>
           <p:spPr>
             <a:xfrm>
-              <a:off x="4591178" y="5373416"/>
+              <a:off x="5033647" y="5373343"/>
               <a:ext cx="63202" cy="63202"/>
             </a:xfrm>
             <a:custGeom>
@@ -22505,7 +22505,7 @@
           </p:nvSpPr>
           <p:spPr>
             <a:xfrm>
-              <a:off x="4731709" y="5340027"/>
+              <a:off x="4911302" y="5340063"/>
               <a:ext cx="63202" cy="63202"/>
             </a:xfrm>
             <a:custGeom>
@@ -22548,7 +22548,7 @@
           </p:nvSpPr>
           <p:spPr>
             <a:xfrm>
-              <a:off x="5073383" y="5352633"/>
+              <a:off x="4613361" y="5352659"/>
               <a:ext cx="63202" cy="63202"/>
             </a:xfrm>
             <a:custGeom>
@@ -22591,7 +22591,7 @@
           </p:nvSpPr>
           <p:spPr>
             <a:xfrm>
-              <a:off x="6573724" y="6800060"/>
+              <a:off x="6381731" y="6800213"/>
               <a:ext cx="63202" cy="63202"/>
             </a:xfrm>
             <a:custGeom>
@@ -22634,7 +22634,7 @@
           </p:nvSpPr>
           <p:spPr>
             <a:xfrm>
-              <a:off x="4835677" y="5512231"/>
+              <a:off x="4969456" y="5512282"/>
               <a:ext cx="63202" cy="63202"/>
             </a:xfrm>
             <a:custGeom>
@@ -22677,7 +22677,7 @@
           </p:nvSpPr>
           <p:spPr>
             <a:xfrm>
-              <a:off x="5079864" y="5383019"/>
+              <a:off x="5130997" y="5383033"/>
               <a:ext cx="63202" cy="63202"/>
             </a:xfrm>
             <a:custGeom>
@@ -22720,7 +22720,7 @@
           </p:nvSpPr>
           <p:spPr>
             <a:xfrm>
-              <a:off x="4546277" y="5333753"/>
+              <a:off x="4974621" y="5333883"/>
               <a:ext cx="63202" cy="63202"/>
             </a:xfrm>
             <a:custGeom>
@@ -22763,7 +22763,7 @@
           </p:nvSpPr>
           <p:spPr>
             <a:xfrm>
-              <a:off x="4940105" y="5345084"/>
+              <a:off x="4769220" y="5344943"/>
               <a:ext cx="63202" cy="63202"/>
             </a:xfrm>
             <a:custGeom>
@@ -22806,7 +22806,7 @@
           </p:nvSpPr>
           <p:spPr>
             <a:xfrm>
-              <a:off x="4992195" y="5542699"/>
+              <a:off x="5132793" y="5542541"/>
               <a:ext cx="63202" cy="63202"/>
             </a:xfrm>
             <a:custGeom>
@@ -22849,7 +22849,7 @@
           </p:nvSpPr>
           <p:spPr>
             <a:xfrm>
-              <a:off x="4861475" y="5385557"/>
+              <a:off x="4576966" y="5385444"/>
               <a:ext cx="63202" cy="63202"/>
             </a:xfrm>
             <a:custGeom>
@@ -22892,7 +22892,7 @@
           </p:nvSpPr>
           <p:spPr>
             <a:xfrm>
-              <a:off x="4572836" y="5355922"/>
+              <a:off x="4996596" y="5356031"/>
               <a:ext cx="63202" cy="63202"/>
             </a:xfrm>
             <a:custGeom>
@@ -22935,7 +22935,7 @@
           </p:nvSpPr>
           <p:spPr>
             <a:xfrm>
-              <a:off x="4668247" y="5569333"/>
+              <a:off x="4662831" y="5569517"/>
               <a:ext cx="63202" cy="63202"/>
             </a:xfrm>
             <a:custGeom>
@@ -22978,7 +22978,7 @@
           </p:nvSpPr>
           <p:spPr>
             <a:xfrm>
-              <a:off x="4834581" y="5332791"/>
+              <a:off x="4754110" y="5332893"/>
               <a:ext cx="63202" cy="63202"/>
             </a:xfrm>
             <a:custGeom>
@@ -23021,7 +23021,7 @@
           </p:nvSpPr>
           <p:spPr>
             <a:xfrm>
-              <a:off x="4533820" y="5353562"/>
+              <a:off x="5113024" y="5353326"/>
               <a:ext cx="63202" cy="63202"/>
             </a:xfrm>
             <a:custGeom>
@@ -23064,7 +23064,7 @@
           </p:nvSpPr>
           <p:spPr>
             <a:xfrm>
-              <a:off x="5987804" y="6217578"/>
+              <a:off x="5601807" y="6217779"/>
               <a:ext cx="63202" cy="63202"/>
             </a:xfrm>
             <a:custGeom>
@@ -23107,7 +23107,7 @@
           </p:nvSpPr>
           <p:spPr>
             <a:xfrm>
-              <a:off x="5454607" y="6217721"/>
+              <a:off x="5666106" y="6217739"/>
               <a:ext cx="63202" cy="63202"/>
             </a:xfrm>
             <a:custGeom>
@@ -23150,7 +23150,7 @@
           </p:nvSpPr>
           <p:spPr>
             <a:xfrm>
-              <a:off x="4595087" y="5342027"/>
+              <a:off x="4548582" y="5341931"/>
               <a:ext cx="63202" cy="63202"/>
             </a:xfrm>
             <a:custGeom>
@@ -23193,7 +23193,7 @@
           </p:nvSpPr>
           <p:spPr>
             <a:xfrm>
-              <a:off x="4616178" y="5328503"/>
+              <a:off x="4963986" y="5328405"/>
               <a:ext cx="63202" cy="63202"/>
             </a:xfrm>
             <a:custGeom>
@@ -23236,7 +23236,7 @@
           </p:nvSpPr>
           <p:spPr>
             <a:xfrm>
-              <a:off x="5751905" y="6521721"/>
+              <a:off x="5982274" y="6521801"/>
               <a:ext cx="63202" cy="63202"/>
             </a:xfrm>
             <a:custGeom>
@@ -23279,7 +23279,7 @@
           </p:nvSpPr>
           <p:spPr>
             <a:xfrm>
-              <a:off x="5544657" y="6423810"/>
+              <a:off x="5595588" y="6423820"/>
               <a:ext cx="63202" cy="63202"/>
             </a:xfrm>
             <a:custGeom>
@@ -23322,7 +23322,7 @@
           </p:nvSpPr>
           <p:spPr>
             <a:xfrm>
-              <a:off x="4842058" y="5533331"/>
+              <a:off x="4533454" y="5533452"/>
               <a:ext cx="63202" cy="63202"/>
             </a:xfrm>
             <a:custGeom>
@@ -23365,7 +23365,7 @@
           </p:nvSpPr>
           <p:spPr>
             <a:xfrm>
-              <a:off x="4529961" y="5365451"/>
+              <a:off x="4611346" y="5365459"/>
               <a:ext cx="63202" cy="63202"/>
             </a:xfrm>
             <a:custGeom>
@@ -23408,7 +23408,7 @@
           </p:nvSpPr>
           <p:spPr>
             <a:xfrm>
-              <a:off x="4812862" y="5441227"/>
+              <a:off x="4488524" y="5441245"/>
               <a:ext cx="63202" cy="63202"/>
             </a:xfrm>
             <a:custGeom>
@@ -23451,7 +23451,7 @@
           </p:nvSpPr>
           <p:spPr>
             <a:xfrm>
-              <a:off x="5569110" y="6393846"/>
+              <a:off x="5530088" y="6393815"/>
               <a:ext cx="63202" cy="63202"/>
             </a:xfrm>
             <a:custGeom>
@@ -23494,7 +23494,7 @@
           </p:nvSpPr>
           <p:spPr>
             <a:xfrm>
-              <a:off x="4563373" y="5367365"/>
+              <a:off x="5057941" y="5367396"/>
               <a:ext cx="63202" cy="63202"/>
             </a:xfrm>
             <a:custGeom>
@@ -23537,7 +23537,7 @@
           </p:nvSpPr>
           <p:spPr>
             <a:xfrm>
-              <a:off x="4851985" y="5810151"/>
+              <a:off x="4459801" y="5810270"/>
               <a:ext cx="63202" cy="63202"/>
             </a:xfrm>
             <a:custGeom>
@@ -23580,7 +23580,7 @@
           </p:nvSpPr>
           <p:spPr>
             <a:xfrm>
-              <a:off x="4546632" y="5461866"/>
+              <a:off x="4558743" y="5461856"/>
               <a:ext cx="63202" cy="63202"/>
             </a:xfrm>
             <a:custGeom>
@@ -23623,7 +23623,7 @@
           </p:nvSpPr>
           <p:spPr>
             <a:xfrm>
-              <a:off x="4960670" y="5394231"/>
+              <a:off x="4433743" y="5394428"/>
               <a:ext cx="63202" cy="63202"/>
             </a:xfrm>
             <a:custGeom>
@@ -23666,7 +23666,7 @@
           </p:nvSpPr>
           <p:spPr>
             <a:xfrm>
-              <a:off x="4927725" y="5389310"/>
+              <a:off x="4600864" y="5389031"/>
               <a:ext cx="63202" cy="63202"/>
             </a:xfrm>
             <a:custGeom>
@@ -23709,7 +23709,7 @@
           </p:nvSpPr>
           <p:spPr>
             <a:xfrm>
-              <a:off x="5095788" y="5555508"/>
+              <a:off x="4513595" y="5555404"/>
               <a:ext cx="63202" cy="63202"/>
             </a:xfrm>
             <a:custGeom>
@@ -23752,7 +23752,7 @@
           </p:nvSpPr>
           <p:spPr>
             <a:xfrm>
-              <a:off x="4839544" y="5369210"/>
+              <a:off x="5054869" y="5369233"/>
               <a:ext cx="63202" cy="63202"/>
             </a:xfrm>
             <a:custGeom>
@@ -23795,7 +23795,7 @@
           </p:nvSpPr>
           <p:spPr>
             <a:xfrm>
-              <a:off x="4867587" y="5350255"/>
+              <a:off x="4513595" y="5349974"/>
               <a:ext cx="63202" cy="63202"/>
             </a:xfrm>
             <a:custGeom>
@@ -23838,7 +23838,7 @@
           </p:nvSpPr>
           <p:spPr>
             <a:xfrm>
-              <a:off x="5348160" y="6454192"/>
+              <a:off x="5954659" y="6454521"/>
               <a:ext cx="63202" cy="63202"/>
             </a:xfrm>
             <a:custGeom>
@@ -23881,7 +23881,7 @@
           </p:nvSpPr>
           <p:spPr>
             <a:xfrm>
-              <a:off x="5124852" y="5332313"/>
+              <a:off x="4657597" y="5332275"/>
               <a:ext cx="63202" cy="63202"/>
             </a:xfrm>
             <a:custGeom>
@@ -23924,7 +23924,7 @@
           </p:nvSpPr>
           <p:spPr>
             <a:xfrm>
-              <a:off x="4524847" y="5370874"/>
+              <a:off x="4632585" y="5370881"/>
               <a:ext cx="63202" cy="63202"/>
             </a:xfrm>
             <a:custGeom>
@@ -23967,7 +23967,7 @@
           </p:nvSpPr>
           <p:spPr>
             <a:xfrm>
-              <a:off x="4981983" y="5350400"/>
+              <a:off x="4722841" y="5350428"/>
               <a:ext cx="63202" cy="63202"/>
             </a:xfrm>
             <a:custGeom>
@@ -24010,7 +24010,7 @@
           </p:nvSpPr>
           <p:spPr>
             <a:xfrm>
-              <a:off x="4947676" y="5372890"/>
+              <a:off x="5070995" y="5372821"/>
               <a:ext cx="63202" cy="63202"/>
             </a:xfrm>
             <a:custGeom>
@@ -24053,7 +24053,7 @@
           </p:nvSpPr>
           <p:spPr>
             <a:xfrm>
-              <a:off x="4737168" y="5385395"/>
+              <a:off x="4954848" y="5385347"/>
               <a:ext cx="63202" cy="63202"/>
             </a:xfrm>
             <a:custGeom>
@@ -24096,7 +24096,7 @@
           </p:nvSpPr>
           <p:spPr>
             <a:xfrm>
-              <a:off x="4455827" y="5337463"/>
+              <a:off x="4899755" y="5337467"/>
               <a:ext cx="63202" cy="63202"/>
             </a:xfrm>
             <a:custGeom>
@@ -24139,7 +24139,7 @@
           </p:nvSpPr>
           <p:spPr>
             <a:xfrm>
-              <a:off x="4714100" y="5349784"/>
+              <a:off x="4578822" y="5349858"/>
               <a:ext cx="63202" cy="63202"/>
             </a:xfrm>
             <a:custGeom>
@@ -24182,7 +24182,7 @@
           </p:nvSpPr>
           <p:spPr>
             <a:xfrm>
-              <a:off x="5055212" y="5816062"/>
+              <a:off x="5001518" y="5816280"/>
               <a:ext cx="63202" cy="63202"/>
             </a:xfrm>
             <a:custGeom>
@@ -24225,7 +24225,7 @@
           </p:nvSpPr>
           <p:spPr>
             <a:xfrm>
-              <a:off x="4871485" y="5386381"/>
+              <a:off x="5002025" y="5386331"/>
               <a:ext cx="63202" cy="63202"/>
             </a:xfrm>
             <a:custGeom>
@@ -24268,7 +24268,7 @@
           </p:nvSpPr>
           <p:spPr>
             <a:xfrm>
-              <a:off x="4995455" y="5384623"/>
+              <a:off x="4965442" y="5384802"/>
               <a:ext cx="63202" cy="63202"/>
             </a:xfrm>
             <a:custGeom>
@@ -24311,7 +24311,7 @@
           </p:nvSpPr>
           <p:spPr>
             <a:xfrm>
-              <a:off x="4646749" y="5384042"/>
+              <a:off x="4732162" y="5384014"/>
               <a:ext cx="63202" cy="63202"/>
             </a:xfrm>
             <a:custGeom>
@@ -24354,7 +24354,7 @@
           </p:nvSpPr>
           <p:spPr>
             <a:xfrm>
-              <a:off x="5014645" y="5427947"/>
+              <a:off x="4534759" y="5427790"/>
               <a:ext cx="63202" cy="63202"/>
             </a:xfrm>
             <a:custGeom>
@@ -24397,7 +24397,7 @@
           </p:nvSpPr>
           <p:spPr>
             <a:xfrm>
-              <a:off x="4847012" y="5439707"/>
+              <a:off x="4539480" y="5439800"/>
               <a:ext cx="63202" cy="63202"/>
             </a:xfrm>
             <a:custGeom>
@@ -24440,7 +24440,7 @@
           </p:nvSpPr>
           <p:spPr>
             <a:xfrm>
-              <a:off x="4463057" y="5333543"/>
+              <a:off x="4742133" y="5333634"/>
               <a:ext cx="63202" cy="63202"/>
             </a:xfrm>
             <a:custGeom>
@@ -24483,7 +24483,7 @@
           </p:nvSpPr>
           <p:spPr>
             <a:xfrm>
-              <a:off x="5110129" y="5385438"/>
+              <a:off x="4692545" y="5385346"/>
               <a:ext cx="63202" cy="63202"/>
             </a:xfrm>
             <a:custGeom>
@@ -24526,7 +24526,7 @@
           </p:nvSpPr>
           <p:spPr>
             <a:xfrm>
-              <a:off x="4674924" y="5385407"/>
+              <a:off x="5100162" y="5385584"/>
               <a:ext cx="63202" cy="63202"/>
             </a:xfrm>
             <a:custGeom>
@@ -24569,7 +24569,7 @@
           </p:nvSpPr>
           <p:spPr>
             <a:xfrm>
-              <a:off x="5101582" y="5354981"/>
+              <a:off x="4591685" y="5354981"/>
               <a:ext cx="63202" cy="63202"/>
             </a:xfrm>
             <a:custGeom>
@@ -24612,7 +24612,7 @@
           </p:nvSpPr>
           <p:spPr>
             <a:xfrm>
-              <a:off x="5018545" y="5372546"/>
+              <a:off x="4646400" y="5372573"/>
               <a:ext cx="63202" cy="63202"/>
             </a:xfrm>
             <a:custGeom>
@@ -24655,7 +24655,7 @@
           </p:nvSpPr>
           <p:spPr>
             <a:xfrm>
-              <a:off x="4536535" y="5350372"/>
+              <a:off x="4467979" y="5350367"/>
               <a:ext cx="63202" cy="63202"/>
             </a:xfrm>
             <a:custGeom>
@@ -24698,7 +24698,7 @@
           </p:nvSpPr>
           <p:spPr>
             <a:xfrm>
-              <a:off x="4552781" y="5328257"/>
+              <a:off x="4861144" y="5328381"/>
               <a:ext cx="63202" cy="63202"/>
             </a:xfrm>
             <a:custGeom>
@@ -24741,7 +24741,7 @@
           </p:nvSpPr>
           <p:spPr>
             <a:xfrm>
-              <a:off x="4815875" y="5363490"/>
+              <a:off x="4514360" y="5363374"/>
               <a:ext cx="63202" cy="63202"/>
             </a:xfrm>
             <a:custGeom>
@@ -24784,7 +24784,7 @@
           </p:nvSpPr>
           <p:spPr>
             <a:xfrm>
-              <a:off x="4885692" y="5389223"/>
+              <a:off x="4690373" y="5389259"/>
               <a:ext cx="63202" cy="63202"/>
             </a:xfrm>
             <a:custGeom>
@@ -24827,7 +24827,7 @@
           </p:nvSpPr>
           <p:spPr>
             <a:xfrm>
-              <a:off x="4784279" y="5777647"/>
+              <a:off x="4533660" y="5777883"/>
               <a:ext cx="63202" cy="63202"/>
             </a:xfrm>
             <a:custGeom>
@@ -24870,7 +24870,7 @@
           </p:nvSpPr>
           <p:spPr>
             <a:xfrm>
-              <a:off x="4635234" y="5470793"/>
+              <a:off x="5037886" y="5470777"/>
               <a:ext cx="63202" cy="63202"/>
             </a:xfrm>
             <a:custGeom>
@@ -24913,7 +24913,7 @@
           </p:nvSpPr>
           <p:spPr>
             <a:xfrm>
-              <a:off x="4514481" y="5382874"/>
+              <a:off x="4951431" y="5382760"/>
               <a:ext cx="63202" cy="63202"/>
             </a:xfrm>
             <a:custGeom>
@@ -24956,7 +24956,7 @@
           </p:nvSpPr>
           <p:spPr>
             <a:xfrm>
-              <a:off x="4825058" y="5441787"/>
+              <a:off x="5129509" y="5441987"/>
               <a:ext cx="63202" cy="63202"/>
             </a:xfrm>
             <a:custGeom>
@@ -24999,7 +24999,7 @@
           </p:nvSpPr>
           <p:spPr>
             <a:xfrm>
-              <a:off x="4561618" y="5322390"/>
+              <a:off x="4902892" y="5322538"/>
               <a:ext cx="63202" cy="63202"/>
             </a:xfrm>
             <a:custGeom>
@@ -25042,7 +25042,7 @@
           </p:nvSpPr>
           <p:spPr>
             <a:xfrm>
-              <a:off x="4819267" y="5328493"/>
+              <a:off x="4791162" y="5328416"/>
               <a:ext cx="63202" cy="63202"/>
             </a:xfrm>
             <a:custGeom>
@@ -25085,7 +25085,7 @@
           </p:nvSpPr>
           <p:spPr>
             <a:xfrm>
-              <a:off x="4793556" y="5865136"/>
+              <a:off x="4462363" y="5865081"/>
               <a:ext cx="63202" cy="63202"/>
             </a:xfrm>
             <a:custGeom>
@@ -25128,7 +25128,7 @@
           </p:nvSpPr>
           <p:spPr>
             <a:xfrm>
-              <a:off x="4475554" y="5348235"/>
+              <a:off x="4607673" y="5348341"/>
               <a:ext cx="63202" cy="63202"/>
             </a:xfrm>
             <a:custGeom>
@@ -25171,7 +25171,7 @@
           </p:nvSpPr>
           <p:spPr>
             <a:xfrm>
-              <a:off x="4722422" y="5598498"/>
+              <a:off x="4455545" y="5598498"/>
               <a:ext cx="63202" cy="63202"/>
             </a:xfrm>
             <a:custGeom>
@@ -25214,7 +25214,7 @@
           </p:nvSpPr>
           <p:spPr>
             <a:xfrm>
-              <a:off x="4801713" y="5367524"/>
+              <a:off x="4648477" y="5367488"/>
               <a:ext cx="63202" cy="63202"/>
             </a:xfrm>
             <a:custGeom>
@@ -25257,7 +25257,7 @@
           </p:nvSpPr>
           <p:spPr>
             <a:xfrm>
-              <a:off x="4588787" y="5375547"/>
+              <a:off x="4934069" y="5375398"/>
               <a:ext cx="63202" cy="63202"/>
             </a:xfrm>
             <a:custGeom>
@@ -25300,7 +25300,7 @@
           </p:nvSpPr>
           <p:spPr>
             <a:xfrm>
-              <a:off x="4765845" y="5362624"/>
+              <a:off x="5065371" y="5362555"/>
               <a:ext cx="63202" cy="63202"/>
             </a:xfrm>
             <a:custGeom>
@@ -25343,7 +25343,7 @@
           </p:nvSpPr>
           <p:spPr>
             <a:xfrm>
-              <a:off x="5011575" y="5350981"/>
+              <a:off x="4510948" y="5350761"/>
               <a:ext cx="63202" cy="63202"/>
             </a:xfrm>
             <a:custGeom>
@@ -25386,7 +25386,7 @@
           </p:nvSpPr>
           <p:spPr>
             <a:xfrm>
-              <a:off x="4904391" y="5378522"/>
+              <a:off x="4841212" y="5378338"/>
               <a:ext cx="63202" cy="63202"/>
             </a:xfrm>
             <a:custGeom>
@@ -25429,7 +25429,7 @@
           </p:nvSpPr>
           <p:spPr>
             <a:xfrm>
-              <a:off x="4814003" y="5348545"/>
+              <a:off x="4627891" y="5348511"/>
               <a:ext cx="63202" cy="63202"/>
             </a:xfrm>
             <a:custGeom>
@@ -25472,7 +25472,7 @@
           </p:nvSpPr>
           <p:spPr>
             <a:xfrm>
-              <a:off x="4809250" y="5382949"/>
+              <a:off x="4586887" y="5382756"/>
               <a:ext cx="63202" cy="63202"/>
             </a:xfrm>
             <a:custGeom>
@@ -25515,7 +25515,7 @@
           </p:nvSpPr>
           <p:spPr>
             <a:xfrm>
-              <a:off x="4849987" y="5390974"/>
+              <a:off x="4775332" y="5391132"/>
               <a:ext cx="63202" cy="63202"/>
             </a:xfrm>
             <a:custGeom>
@@ -25558,7 +25558,7 @@
           </p:nvSpPr>
           <p:spPr>
             <a:xfrm>
-              <a:off x="6641134" y="6803833"/>
+              <a:off x="6289806" y="6803877"/>
               <a:ext cx="63202" cy="63202"/>
             </a:xfrm>
             <a:custGeom>
@@ -25601,7 +25601,7 @@
           </p:nvSpPr>
           <p:spPr>
             <a:xfrm>
-              <a:off x="4450316" y="5334612"/>
+              <a:off x="5062962" y="5334480"/>
               <a:ext cx="63202" cy="63202"/>
             </a:xfrm>
             <a:custGeom>
@@ -25644,7 +25644,7 @@
           </p:nvSpPr>
           <p:spPr>
             <a:xfrm>
-              <a:off x="5782404" y="6424183"/>
+              <a:off x="5599213" y="6424128"/>
               <a:ext cx="63202" cy="63202"/>
             </a:xfrm>
             <a:custGeom>
@@ -25687,7 +25687,7 @@
           </p:nvSpPr>
           <p:spPr>
             <a:xfrm>
-              <a:off x="5095181" y="5335607"/>
+              <a:off x="4649748" y="5335718"/>
               <a:ext cx="63202" cy="63202"/>
             </a:xfrm>
             <a:custGeom>
@@ -25730,7 +25730,7 @@
           </p:nvSpPr>
           <p:spPr>
             <a:xfrm>
-              <a:off x="4857579" y="5825029"/>
+              <a:off x="4974976" y="5824987"/>
               <a:ext cx="63202" cy="63202"/>
             </a:xfrm>
             <a:custGeom>
@@ -25773,7 +25773,7 @@
           </p:nvSpPr>
           <p:spPr>
             <a:xfrm>
-              <a:off x="5125030" y="5361169"/>
+              <a:off x="5111429" y="5361150"/>
               <a:ext cx="63202" cy="63202"/>
             </a:xfrm>
             <a:custGeom>
@@ -25816,7 +25816,7 @@
           </p:nvSpPr>
           <p:spPr>
             <a:xfrm>
-              <a:off x="4897810" y="5489881"/>
+              <a:off x="4510407" y="5489693"/>
               <a:ext cx="63202" cy="63202"/>
             </a:xfrm>
             <a:custGeom>
@@ -25859,7 +25859,7 @@
           </p:nvSpPr>
           <p:spPr>
             <a:xfrm>
-              <a:off x="5001700" y="5361317"/>
+              <a:off x="4579476" y="5361061"/>
               <a:ext cx="63202" cy="63202"/>
             </a:xfrm>
             <a:custGeom>
@@ -25902,7 +25902,7 @@
           </p:nvSpPr>
           <p:spPr>
             <a:xfrm>
-              <a:off x="4775055" y="5367022"/>
+              <a:off x="4487680" y="5366974"/>
               <a:ext cx="63202" cy="63202"/>
             </a:xfrm>
             <a:custGeom>
@@ -25945,7 +25945,7 @@
           </p:nvSpPr>
           <p:spPr>
             <a:xfrm>
-              <a:off x="4910254" y="5413191"/>
+              <a:off x="4628666" y="5413068"/>
               <a:ext cx="63202" cy="63202"/>
             </a:xfrm>
             <a:custGeom>
@@ -25988,7 +25988,7 @@
           </p:nvSpPr>
           <p:spPr>
             <a:xfrm>
-              <a:off x="4472575" y="5377330"/>
+              <a:off x="4697563" y="5377460"/>
               <a:ext cx="63202" cy="63202"/>
             </a:xfrm>
             <a:custGeom>
@@ -26031,7 +26031,7 @@
           </p:nvSpPr>
           <p:spPr>
             <a:xfrm>
-              <a:off x="4679563" y="5353117"/>
+              <a:off x="4780605" y="5352909"/>
               <a:ext cx="63202" cy="63202"/>
             </a:xfrm>
             <a:custGeom>
@@ -26074,7 +26074,7 @@
           </p:nvSpPr>
           <p:spPr>
             <a:xfrm>
-              <a:off x="4859121" y="5354813"/>
+              <a:off x="4456872" y="5355004"/>
               <a:ext cx="63202" cy="63202"/>
             </a:xfrm>
             <a:custGeom>
@@ -26117,7 +26117,7 @@
           </p:nvSpPr>
           <p:spPr>
             <a:xfrm>
-              <a:off x="4575076" y="5633573"/>
+              <a:off x="5113036" y="5633754"/>
               <a:ext cx="63202" cy="63202"/>
             </a:xfrm>
             <a:custGeom>
@@ -26160,7 +26160,7 @@
           </p:nvSpPr>
           <p:spPr>
             <a:xfrm>
-              <a:off x="4860873" y="5337334"/>
+              <a:off x="4910623" y="5337072"/>
               <a:ext cx="63202" cy="63202"/>
             </a:xfrm>
             <a:custGeom>
@@ -26203,7 +26203,7 @@
           </p:nvSpPr>
           <p:spPr>
             <a:xfrm>
-              <a:off x="4512089" y="5345810"/>
+              <a:off x="4909226" y="5345626"/>
               <a:ext cx="63202" cy="63202"/>
             </a:xfrm>
             <a:custGeom>
@@ -26246,7 +26246,7 @@
           </p:nvSpPr>
           <p:spPr>
             <a:xfrm>
-              <a:off x="4995488" y="5384624"/>
+              <a:off x="4891508" y="5384879"/>
               <a:ext cx="63202" cy="63202"/>
             </a:xfrm>
             <a:custGeom>
@@ -26289,7 +26289,7 @@
           </p:nvSpPr>
           <p:spPr>
             <a:xfrm>
-              <a:off x="4576705" y="5347761"/>
+              <a:off x="4742806" y="5348011"/>
               <a:ext cx="63202" cy="63202"/>
             </a:xfrm>
             <a:custGeom>
@@ -26332,7 +26332,7 @@
           </p:nvSpPr>
           <p:spPr>
             <a:xfrm>
-              <a:off x="4682360" y="5350203"/>
+              <a:off x="5121565" y="5350087"/>
               <a:ext cx="63202" cy="63202"/>
             </a:xfrm>
             <a:custGeom>
@@ -26375,7 +26375,7 @@
           </p:nvSpPr>
           <p:spPr>
             <a:xfrm>
-              <a:off x="4538568" y="5343130"/>
+              <a:off x="4715330" y="5342968"/>
               <a:ext cx="63202" cy="63202"/>
             </a:xfrm>
             <a:custGeom>
@@ -26418,7 +26418,7 @@
           </p:nvSpPr>
           <p:spPr>
             <a:xfrm>
-              <a:off x="5705428" y="6156478"/>
+              <a:off x="5818533" y="6156436"/>
               <a:ext cx="63202" cy="63202"/>
             </a:xfrm>
             <a:custGeom>
@@ -26461,7 +26461,7 @@
           </p:nvSpPr>
           <p:spPr>
             <a:xfrm>
-              <a:off x="4827068" y="5441476"/>
+              <a:off x="4920500" y="5441504"/>
               <a:ext cx="63202" cy="63202"/>
             </a:xfrm>
             <a:custGeom>
@@ -26504,7 +26504,7 @@
           </p:nvSpPr>
           <p:spPr>
             <a:xfrm>
-              <a:off x="4664829" y="5385516"/>
+              <a:off x="4762126" y="5385607"/>
               <a:ext cx="63202" cy="63202"/>
             </a:xfrm>
             <a:custGeom>
@@ -26547,7 +26547,7 @@
           </p:nvSpPr>
           <p:spPr>
             <a:xfrm>
-              <a:off x="4974459" y="5350595"/>
+              <a:off x="4756090" y="5350422"/>
               <a:ext cx="63202" cy="63202"/>
             </a:xfrm>
             <a:custGeom>
@@ -26590,7 +26590,7 @@
           </p:nvSpPr>
           <p:spPr>
             <a:xfrm>
-              <a:off x="4592877" y="5357892"/>
+              <a:off x="4683051" y="5357796"/>
               <a:ext cx="63202" cy="63202"/>
             </a:xfrm>
             <a:custGeom>
@@ -26633,7 +26633,7 @@
           </p:nvSpPr>
           <p:spPr>
             <a:xfrm>
-              <a:off x="4599254" y="5326647"/>
+              <a:off x="5115617" y="5326606"/>
               <a:ext cx="63202" cy="63202"/>
             </a:xfrm>
             <a:custGeom>
@@ -26676,7 +26676,7 @@
           </p:nvSpPr>
           <p:spPr>
             <a:xfrm>
-              <a:off x="4630816" y="5349470"/>
+              <a:off x="4652326" y="5349215"/>
               <a:ext cx="63202" cy="63202"/>
             </a:xfrm>
             <a:custGeom>
@@ -26719,7 +26719,7 @@
           </p:nvSpPr>
           <p:spPr>
             <a:xfrm>
-              <a:off x="4827590" y="5349438"/>
+              <a:off x="4935012" y="5349283"/>
               <a:ext cx="63202" cy="63202"/>
             </a:xfrm>
             <a:custGeom>
@@ -26762,7 +26762,7 @@
           </p:nvSpPr>
           <p:spPr>
             <a:xfrm>
-              <a:off x="4938223" y="5350619"/>
+              <a:off x="4578414" y="5350518"/>
               <a:ext cx="63202" cy="63202"/>
             </a:xfrm>
             <a:custGeom>
@@ -26805,7 +26805,7 @@
           </p:nvSpPr>
           <p:spPr>
             <a:xfrm>
-              <a:off x="5052570" y="5445517"/>
+              <a:off x="4737814" y="5445701"/>
               <a:ext cx="63202" cy="63202"/>
             </a:xfrm>
             <a:custGeom>
@@ -26848,7 +26848,7 @@
           </p:nvSpPr>
           <p:spPr>
             <a:xfrm>
-              <a:off x="5101275" y="5445667"/>
+              <a:off x="4888595" y="5445512"/>
               <a:ext cx="63202" cy="63202"/>
             </a:xfrm>
             <a:custGeom>
@@ -26891,7 +26891,7 @@
           </p:nvSpPr>
           <p:spPr>
             <a:xfrm>
-              <a:off x="4843309" y="5361924"/>
+              <a:off x="4775527" y="5361999"/>
               <a:ext cx="63202" cy="63202"/>
             </a:xfrm>
             <a:custGeom>
@@ -26934,7 +26934,7 @@
           </p:nvSpPr>
           <p:spPr>
             <a:xfrm>
-              <a:off x="4924403" y="5346353"/>
+              <a:off x="4535957" y="5346309"/>
               <a:ext cx="63202" cy="63202"/>
             </a:xfrm>
             <a:custGeom>
@@ -26977,7 +26977,7 @@
           </p:nvSpPr>
           <p:spPr>
             <a:xfrm>
-              <a:off x="5485444" y="6089579"/>
+              <a:off x="5435241" y="6089858"/>
               <a:ext cx="63202" cy="63202"/>
             </a:xfrm>
             <a:custGeom>
@@ -27020,7 +27020,7 @@
           </p:nvSpPr>
           <p:spPr>
             <a:xfrm>
-              <a:off x="4780019" y="5381673"/>
+              <a:off x="4882846" y="5381836"/>
               <a:ext cx="63202" cy="63202"/>
             </a:xfrm>
             <a:custGeom>
@@ -27063,7 +27063,7 @@
           </p:nvSpPr>
           <p:spPr>
             <a:xfrm>
-              <a:off x="4618496" y="5339712"/>
+              <a:off x="5097214" y="5339658"/>
               <a:ext cx="63202" cy="63202"/>
             </a:xfrm>
             <a:custGeom>
@@ -27106,7 +27106,7 @@
           </p:nvSpPr>
           <p:spPr>
             <a:xfrm>
-              <a:off x="4627856" y="5330155"/>
+              <a:off x="5099086" y="5330040"/>
               <a:ext cx="63202" cy="63202"/>
             </a:xfrm>
             <a:custGeom>
@@ -27149,7 +27149,7 @@
           </p:nvSpPr>
           <p:spPr>
             <a:xfrm>
-              <a:off x="4644881" y="5412755"/>
+              <a:off x="5083368" y="5412903"/>
               <a:ext cx="63202" cy="63202"/>
             </a:xfrm>
             <a:custGeom>
@@ -27192,7 +27192,7 @@
           </p:nvSpPr>
           <p:spPr>
             <a:xfrm>
-              <a:off x="4752035" y="5379750"/>
+              <a:off x="4633982" y="5379439"/>
               <a:ext cx="63202" cy="63202"/>
             </a:xfrm>
             <a:custGeom>
@@ -27235,7 +27235,7 @@
           </p:nvSpPr>
           <p:spPr>
             <a:xfrm>
-              <a:off x="5002064" y="5333124"/>
+              <a:off x="4563676" y="5333038"/>
               <a:ext cx="63202" cy="63202"/>
             </a:xfrm>
             <a:custGeom>
@@ -27278,7 +27278,7 @@
           </p:nvSpPr>
           <p:spPr>
             <a:xfrm>
-              <a:off x="4816773" y="5333402"/>
+              <a:off x="4927423" y="5333480"/>
               <a:ext cx="63202" cy="63202"/>
             </a:xfrm>
             <a:custGeom>
@@ -27321,7 +27321,7 @@
           </p:nvSpPr>
           <p:spPr>
             <a:xfrm>
-              <a:off x="4576168" y="5328072"/>
+              <a:off x="4807412" y="5327900"/>
               <a:ext cx="63202" cy="63202"/>
             </a:xfrm>
             <a:custGeom>
@@ -27364,7 +27364,7 @@
           </p:nvSpPr>
           <p:spPr>
             <a:xfrm>
-              <a:off x="5117587" y="5330328"/>
+              <a:off x="5044027" y="5330205"/>
               <a:ext cx="63202" cy="63202"/>
             </a:xfrm>
             <a:custGeom>
@@ -27407,7 +27407,7 @@
           </p:nvSpPr>
           <p:spPr>
             <a:xfrm>
-              <a:off x="5068864" y="5325648"/>
+              <a:off x="5027977" y="5325873"/>
               <a:ext cx="63202" cy="63202"/>
             </a:xfrm>
             <a:custGeom>
@@ -27450,7 +27450,7 @@
           </p:nvSpPr>
           <p:spPr>
             <a:xfrm>
-              <a:off x="4733114" y="5411793"/>
+              <a:off x="5039933" y="5411637"/>
               <a:ext cx="63202" cy="63202"/>
             </a:xfrm>
             <a:custGeom>
@@ -27493,7 +27493,7 @@
           </p:nvSpPr>
           <p:spPr>
             <a:xfrm>
-              <a:off x="4570662" y="5456683"/>
+              <a:off x="4505229" y="5456576"/>
               <a:ext cx="63202" cy="63202"/>
             </a:xfrm>
             <a:custGeom>
@@ -27536,7 +27536,7 @@
           </p:nvSpPr>
           <p:spPr>
             <a:xfrm>
-              <a:off x="4441285" y="5342715"/>
+              <a:off x="5069485" y="5342698"/>
               <a:ext cx="63202" cy="63202"/>
             </a:xfrm>
             <a:custGeom>
@@ -27579,7 +27579,7 @@
           </p:nvSpPr>
           <p:spPr>
             <a:xfrm>
-              <a:off x="4627818" y="5345229"/>
+              <a:off x="4696316" y="5345279"/>
               <a:ext cx="63202" cy="63202"/>
             </a:xfrm>
             <a:custGeom>
@@ -27622,7 +27622,7 @@
           </p:nvSpPr>
           <p:spPr>
             <a:xfrm>
-              <a:off x="4489616" y="5357910"/>
+              <a:off x="4918234" y="5357719"/>
               <a:ext cx="63202" cy="63202"/>
             </a:xfrm>
             <a:custGeom>
@@ -27665,7 +27665,7 @@
           </p:nvSpPr>
           <p:spPr>
             <a:xfrm>
-              <a:off x="4765928" y="5333089"/>
+              <a:off x="4497152" y="5333219"/>
               <a:ext cx="63202" cy="63202"/>
             </a:xfrm>
             <a:custGeom>
@@ -27708,7 +27708,7 @@
           </p:nvSpPr>
           <p:spPr>
             <a:xfrm>
-              <a:off x="4987056" y="5324779"/>
+              <a:off x="4563400" y="5324560"/>
               <a:ext cx="63202" cy="63202"/>
             </a:xfrm>
             <a:custGeom>
@@ -27751,7 +27751,7 @@
           </p:nvSpPr>
           <p:spPr>
             <a:xfrm>
-              <a:off x="4797254" y="5336117"/>
+              <a:off x="4751297" y="5335942"/>
               <a:ext cx="63202" cy="63202"/>
             </a:xfrm>
             <a:custGeom>
@@ -27794,7 +27794,7 @@
           </p:nvSpPr>
           <p:spPr>
             <a:xfrm>
-              <a:off x="4823124" y="5357768"/>
+              <a:off x="4966437" y="5357914"/>
               <a:ext cx="63202" cy="63202"/>
             </a:xfrm>
             <a:custGeom>
@@ -27837,7 +27837,7 @@
           </p:nvSpPr>
           <p:spPr>
             <a:xfrm>
-              <a:off x="4843431" y="5345630"/>
+              <a:off x="4452723" y="5345660"/>
               <a:ext cx="63202" cy="63202"/>
             </a:xfrm>
             <a:custGeom>
@@ -27880,7 +27880,7 @@
           </p:nvSpPr>
           <p:spPr>
             <a:xfrm>
-              <a:off x="4592720" y="5351965"/>
+              <a:off x="4951459" y="5352021"/>
               <a:ext cx="63202" cy="63202"/>
             </a:xfrm>
             <a:custGeom>
@@ -27923,7 +27923,7 @@
           </p:nvSpPr>
           <p:spPr>
             <a:xfrm>
-              <a:off x="5085482" y="5339766"/>
+              <a:off x="4885128" y="5339834"/>
               <a:ext cx="63202" cy="63202"/>
             </a:xfrm>
             <a:custGeom>
@@ -27966,7 +27966,7 @@
           </p:nvSpPr>
           <p:spPr>
             <a:xfrm>
-              <a:off x="4429884" y="5345688"/>
+              <a:off x="4828333" y="5345767"/>
               <a:ext cx="63202" cy="63202"/>
             </a:xfrm>
             <a:custGeom>
@@ -28009,7 +28009,7 @@
           </p:nvSpPr>
           <p:spPr>
             <a:xfrm>
-              <a:off x="4437858" y="5358536"/>
+              <a:off x="4569418" y="5358439"/>
               <a:ext cx="63202" cy="63202"/>
             </a:xfrm>
             <a:custGeom>
@@ -28052,7 +28052,7 @@
           </p:nvSpPr>
           <p:spPr>
             <a:xfrm>
-              <a:off x="5785958" y="6368505"/>
+              <a:off x="5902170" y="6368600"/>
               <a:ext cx="63202" cy="63202"/>
             </a:xfrm>
             <a:custGeom>
@@ -28095,7 +28095,7 @@
           </p:nvSpPr>
           <p:spPr>
             <a:xfrm>
-              <a:off x="4927710" y="5359447"/>
+              <a:off x="4953797" y="5359382"/>
               <a:ext cx="63202" cy="63202"/>
             </a:xfrm>
             <a:custGeom>
@@ -28138,7 +28138,7 @@
           </p:nvSpPr>
           <p:spPr>
             <a:xfrm>
-              <a:off x="4458310" y="5427541"/>
+              <a:off x="4969294" y="5427447"/>
               <a:ext cx="63202" cy="63202"/>
             </a:xfrm>
             <a:custGeom>
@@ -28181,7 +28181,7 @@
           </p:nvSpPr>
           <p:spPr>
             <a:xfrm>
-              <a:off x="4547846" y="5351899"/>
+              <a:off x="5038006" y="5351913"/>
               <a:ext cx="63202" cy="63202"/>
             </a:xfrm>
             <a:custGeom>
@@ -28224,7 +28224,7 @@
           </p:nvSpPr>
           <p:spPr>
             <a:xfrm>
-              <a:off x="4623654" y="5394971"/>
+              <a:off x="4984849" y="5395109"/>
               <a:ext cx="63202" cy="63202"/>
             </a:xfrm>
             <a:custGeom>
@@ -28267,7 +28267,7 @@
           </p:nvSpPr>
           <p:spPr>
             <a:xfrm>
-              <a:off x="4826176" y="5386731"/>
+              <a:off x="4536094" y="5386648"/>
               <a:ext cx="63202" cy="63202"/>
             </a:xfrm>
             <a:custGeom>
@@ -28310,7 +28310,7 @@
           </p:nvSpPr>
           <p:spPr>
             <a:xfrm>
-              <a:off x="6514197" y="6632057"/>
+              <a:off x="6796667" y="6632102"/>
               <a:ext cx="63202" cy="63202"/>
             </a:xfrm>
             <a:custGeom>
@@ -28353,7 +28353,7 @@
           </p:nvSpPr>
           <p:spPr>
             <a:xfrm>
-              <a:off x="5083115" y="5348944"/>
+              <a:off x="4776416" y="5349042"/>
               <a:ext cx="63202" cy="63202"/>
             </a:xfrm>
             <a:custGeom>
@@ -28396,7 +28396,7 @@
           </p:nvSpPr>
           <p:spPr>
             <a:xfrm>
-              <a:off x="4835862" y="5363882"/>
+              <a:off x="4735318" y="5363657"/>
               <a:ext cx="63202" cy="63202"/>
             </a:xfrm>
             <a:custGeom>
@@ -28439,7 +28439,7 @@
           </p:nvSpPr>
           <p:spPr>
             <a:xfrm>
-              <a:off x="4599987" y="5755621"/>
+              <a:off x="4954137" y="5755693"/>
               <a:ext cx="63202" cy="63202"/>
             </a:xfrm>
             <a:custGeom>
@@ -28482,7 +28482,7 @@
           </p:nvSpPr>
           <p:spPr>
             <a:xfrm>
-              <a:off x="4942201" y="5341572"/>
+              <a:off x="4567781" y="5341524"/>
               <a:ext cx="63202" cy="63202"/>
             </a:xfrm>
             <a:custGeom>
@@ -28525,7 +28525,7 @@
           </p:nvSpPr>
           <p:spPr>
             <a:xfrm>
-              <a:off x="5064292" y="5396445"/>
+              <a:off x="5011931" y="5396676"/>
               <a:ext cx="63202" cy="63202"/>
             </a:xfrm>
             <a:custGeom>
@@ -28568,7 +28568,7 @@
           </p:nvSpPr>
           <p:spPr>
             <a:xfrm>
-              <a:off x="4510418" y="5356247"/>
+              <a:off x="4897248" y="5356212"/>
               <a:ext cx="63202" cy="63202"/>
             </a:xfrm>
             <a:custGeom>
@@ -28611,7 +28611,7 @@
           </p:nvSpPr>
           <p:spPr>
             <a:xfrm>
-              <a:off x="4867537" y="5343483"/>
+              <a:off x="4832707" y="5343395"/>
               <a:ext cx="63202" cy="63202"/>
             </a:xfrm>
             <a:custGeom>
@@ -28654,7 +28654,7 @@
           </p:nvSpPr>
           <p:spPr>
             <a:xfrm>
-              <a:off x="5093650" y="5383985"/>
+              <a:off x="5018170" y="5384115"/>
               <a:ext cx="63202" cy="63202"/>
             </a:xfrm>
             <a:custGeom>
@@ -28697,7 +28697,7 @@
           </p:nvSpPr>
           <p:spPr>
             <a:xfrm>
-              <a:off x="4860527" y="5366279"/>
+              <a:off x="5028574" y="5366248"/>
               <a:ext cx="63202" cy="63202"/>
             </a:xfrm>
             <a:custGeom>
@@ -28740,7 +28740,7 @@
           </p:nvSpPr>
           <p:spPr>
             <a:xfrm>
-              <a:off x="4684613" y="5342330"/>
+              <a:off x="4614450" y="5342204"/>
               <a:ext cx="63202" cy="63202"/>
             </a:xfrm>
             <a:custGeom>
@@ -28783,7 +28783,7 @@
           </p:nvSpPr>
           <p:spPr>
             <a:xfrm>
-              <a:off x="4477555" y="5351448"/>
+              <a:off x="4551668" y="5351611"/>
               <a:ext cx="63202" cy="63202"/>
             </a:xfrm>
             <a:custGeom>
@@ -28826,7 +28826,7 @@
           </p:nvSpPr>
           <p:spPr>
             <a:xfrm>
-              <a:off x="4484400" y="5349872"/>
+              <a:off x="4823585" y="5349599"/>
               <a:ext cx="63202" cy="63202"/>
             </a:xfrm>
             <a:custGeom>
@@ -28869,7 +28869,7 @@
           </p:nvSpPr>
           <p:spPr>
             <a:xfrm>
-              <a:off x="5030908" y="5428749"/>
+              <a:off x="5089154" y="5428642"/>
               <a:ext cx="63202" cy="63202"/>
             </a:xfrm>
             <a:custGeom>
@@ -28912,7 +28912,7 @@
           </p:nvSpPr>
           <p:spPr>
             <a:xfrm>
-              <a:off x="4561845" y="5393126"/>
+              <a:off x="4837532" y="5393125"/>
               <a:ext cx="63202" cy="63202"/>
             </a:xfrm>
             <a:custGeom>
@@ -28955,7 +28955,7 @@
           </p:nvSpPr>
           <p:spPr>
             <a:xfrm>
-              <a:off x="4796506" y="5378274"/>
+              <a:off x="4929178" y="5378031"/>
               <a:ext cx="63202" cy="63202"/>
             </a:xfrm>
             <a:custGeom>
@@ -28998,7 +28998,7 @@
           </p:nvSpPr>
           <p:spPr>
             <a:xfrm>
-              <a:off x="4802515" y="5335878"/>
+              <a:off x="4740085" y="5335799"/>
               <a:ext cx="63202" cy="63202"/>
             </a:xfrm>
             <a:custGeom>
@@ -29041,7 +29041,7 @@
           </p:nvSpPr>
           <p:spPr>
             <a:xfrm>
-              <a:off x="4782790" y="5335854"/>
+              <a:off x="5053128" y="5335733"/>
               <a:ext cx="63202" cy="63202"/>
             </a:xfrm>
             <a:custGeom>
@@ -29084,7 +29084,7 @@
           </p:nvSpPr>
           <p:spPr>
             <a:xfrm>
-              <a:off x="5046643" y="5339507"/>
+              <a:off x="4961826" y="5339292"/>
               <a:ext cx="63202" cy="63202"/>
             </a:xfrm>
             <a:custGeom>
@@ -29127,7 +29127,7 @@
           </p:nvSpPr>
           <p:spPr>
             <a:xfrm>
-              <a:off x="4807138" y="5338334"/>
+              <a:off x="4608112" y="5338433"/>
               <a:ext cx="63202" cy="63202"/>
             </a:xfrm>
             <a:custGeom>
@@ -29170,7 +29170,7 @@
           </p:nvSpPr>
           <p:spPr>
             <a:xfrm>
-              <a:off x="4618461" y="5336946"/>
+              <a:off x="4898634" y="5336942"/>
               <a:ext cx="63202" cy="63202"/>
             </a:xfrm>
             <a:custGeom>
@@ -29213,7 +29213,7 @@
           </p:nvSpPr>
           <p:spPr>
             <a:xfrm>
-              <a:off x="5036166" y="5317369"/>
+              <a:off x="4772633" y="5317369"/>
               <a:ext cx="63202" cy="63202"/>
             </a:xfrm>
             <a:custGeom>
@@ -29256,7 +29256,7 @@
           </p:nvSpPr>
           <p:spPr>
             <a:xfrm>
-              <a:off x="5059125" y="5391034"/>
+              <a:off x="5089009" y="5391154"/>
               <a:ext cx="63202" cy="63202"/>
             </a:xfrm>
             <a:custGeom>
@@ -29299,7 +29299,7 @@
           </p:nvSpPr>
           <p:spPr>
             <a:xfrm>
-              <a:off x="5073730" y="5408879"/>
+              <a:off x="4441590" y="5408622"/>
               <a:ext cx="63202" cy="63202"/>
             </a:xfrm>
             <a:custGeom>
@@ -29342,7 +29342,7 @@
           </p:nvSpPr>
           <p:spPr>
             <a:xfrm>
-              <a:off x="4587906" y="5362977"/>
+              <a:off x="5057024" y="5362931"/>
               <a:ext cx="63202" cy="63202"/>
             </a:xfrm>
             <a:custGeom>
@@ -29385,7 +29385,7 @@
           </p:nvSpPr>
           <p:spPr>
             <a:xfrm>
-              <a:off x="4786553" y="5387789"/>
+              <a:off x="4646565" y="5387796"/>
               <a:ext cx="63202" cy="63202"/>
             </a:xfrm>
             <a:custGeom>
@@ -29428,7 +29428,7 @@
           </p:nvSpPr>
           <p:spPr>
             <a:xfrm>
-              <a:off x="4665213" y="5394805"/>
+              <a:off x="5010912" y="5394785"/>
               <a:ext cx="63202" cy="63202"/>
             </a:xfrm>
             <a:custGeom>
@@ -29471,7 +29471,7 @@
           </p:nvSpPr>
           <p:spPr>
             <a:xfrm>
-              <a:off x="5017639" y="5375148"/>
+              <a:off x="4528347" y="5375074"/>
               <a:ext cx="63202" cy="63202"/>
             </a:xfrm>
             <a:custGeom>
@@ -29514,7 +29514,7 @@
           </p:nvSpPr>
           <p:spPr>
             <a:xfrm>
-              <a:off x="4778502" y="5336862"/>
+              <a:off x="4685943" y="5336797"/>
               <a:ext cx="63202" cy="63202"/>
             </a:xfrm>
             <a:custGeom>
@@ -29557,7 +29557,7 @@
           </p:nvSpPr>
           <p:spPr>
             <a:xfrm>
-              <a:off x="4783244" y="5393872"/>
+              <a:off x="5033924" y="5394021"/>
               <a:ext cx="63202" cy="63202"/>
             </a:xfrm>
             <a:custGeom>
@@ -29600,7 +29600,7 @@
           </p:nvSpPr>
           <p:spPr>
             <a:xfrm>
-              <a:off x="5078293" y="5349681"/>
+              <a:off x="4960045" y="5349680"/>
               <a:ext cx="63202" cy="63202"/>
             </a:xfrm>
             <a:custGeom>
@@ -29643,7 +29643,7 @@
           </p:nvSpPr>
           <p:spPr>
             <a:xfrm>
-              <a:off x="4729375" y="5339021"/>
+              <a:off x="4965926" y="5338892"/>
               <a:ext cx="63202" cy="63202"/>
             </a:xfrm>
             <a:custGeom>
@@ -29686,7 +29686,7 @@
           </p:nvSpPr>
           <p:spPr>
             <a:xfrm>
-              <a:off x="5088391" y="5767867"/>
+              <a:off x="4750799" y="5767733"/>
               <a:ext cx="63202" cy="63202"/>
             </a:xfrm>
             <a:custGeom>
@@ -29729,7 +29729,7 @@
           </p:nvSpPr>
           <p:spPr>
             <a:xfrm>
-              <a:off x="5022286" y="5341731"/>
+              <a:off x="5098963" y="5341503"/>
               <a:ext cx="63202" cy="63202"/>
             </a:xfrm>
             <a:custGeom>
@@ -29772,7 +29772,7 @@
           </p:nvSpPr>
           <p:spPr>
             <a:xfrm>
-              <a:off x="4736133" y="5341547"/>
+              <a:off x="5003054" y="5341536"/>
               <a:ext cx="63202" cy="63202"/>
             </a:xfrm>
             <a:custGeom>
@@ -29815,7 +29815,7 @@
           </p:nvSpPr>
           <p:spPr>
             <a:xfrm>
-              <a:off x="4688259" y="5341612"/>
+              <a:off x="4571875" y="5341716"/>
               <a:ext cx="63202" cy="63202"/>
             </a:xfrm>
             <a:custGeom>
@@ -29858,7 +29858,7 @@
           </p:nvSpPr>
           <p:spPr>
             <a:xfrm>
-              <a:off x="4527187" y="5332032"/>
+              <a:off x="4857911" y="5331932"/>
               <a:ext cx="63202" cy="63202"/>
             </a:xfrm>
             <a:custGeom>
@@ -29901,7 +29901,7 @@
           </p:nvSpPr>
           <p:spPr>
             <a:xfrm>
-              <a:off x="4433477" y="5382962"/>
+              <a:off x="4431247" y="5382921"/>
               <a:ext cx="63202" cy="63202"/>
             </a:xfrm>
             <a:custGeom>
@@ -29944,7 +29944,7 @@
           </p:nvSpPr>
           <p:spPr>
             <a:xfrm>
-              <a:off x="4709164" y="5397027"/>
+              <a:off x="4509983" y="5396864"/>
               <a:ext cx="63202" cy="63202"/>
             </a:xfrm>
             <a:custGeom>
@@ -29987,7 +29987,7 @@
           </p:nvSpPr>
           <p:spPr>
             <a:xfrm>
-              <a:off x="4787881" y="5324756"/>
+              <a:off x="4513775" y="5324657"/>
               <a:ext cx="63202" cy="63202"/>
             </a:xfrm>
             <a:custGeom>
@@ -30030,7 +30030,7 @@
           </p:nvSpPr>
           <p:spPr>
             <a:xfrm>
-              <a:off x="4655397" y="5350792"/>
+              <a:off x="4594941" y="5350817"/>
               <a:ext cx="63202" cy="63202"/>
             </a:xfrm>
             <a:custGeom>
@@ -30073,7 +30073,7 @@
           </p:nvSpPr>
           <p:spPr>
             <a:xfrm>
-              <a:off x="4677443" y="5343729"/>
+              <a:off x="4950545" y="5343844"/>
               <a:ext cx="63202" cy="63202"/>
             </a:xfrm>
             <a:custGeom>
@@ -30116,7 +30116,7 @@
           </p:nvSpPr>
           <p:spPr>
             <a:xfrm>
-              <a:off x="5066731" y="5341198"/>
+              <a:off x="4529894" y="5341188"/>
               <a:ext cx="63202" cy="63202"/>
             </a:xfrm>
             <a:custGeom>
@@ -30159,7 +30159,7 @@
           </p:nvSpPr>
           <p:spPr>
             <a:xfrm>
-              <a:off x="4595593" y="5550749"/>
+              <a:off x="4599936" y="5550569"/>
               <a:ext cx="63202" cy="63202"/>
             </a:xfrm>
             <a:custGeom>
@@ -30202,7 +30202,7 @@
           </p:nvSpPr>
           <p:spPr>
             <a:xfrm>
-              <a:off x="5114539" y="5355725"/>
+              <a:off x="4767998" y="5355572"/>
               <a:ext cx="63202" cy="63202"/>
             </a:xfrm>
             <a:custGeom>
@@ -30245,7 +30245,7 @@
           </p:nvSpPr>
           <p:spPr>
             <a:xfrm>
-              <a:off x="4484734" y="5439983"/>
+              <a:off x="4575409" y="5440178"/>
               <a:ext cx="63202" cy="63202"/>
             </a:xfrm>
             <a:custGeom>
@@ -30288,7 +30288,7 @@
           </p:nvSpPr>
           <p:spPr>
             <a:xfrm>
-              <a:off x="4728255" y="5383953"/>
+              <a:off x="4876003" y="5384090"/>
               <a:ext cx="63202" cy="63202"/>
             </a:xfrm>
             <a:custGeom>
@@ -30331,7 +30331,7 @@
           </p:nvSpPr>
           <p:spPr>
             <a:xfrm>
-              <a:off x="5106251" y="5339752"/>
+              <a:off x="4712165" y="5339867"/>
               <a:ext cx="63202" cy="63202"/>
             </a:xfrm>
             <a:custGeom>
@@ -30374,7 +30374,7 @@
           </p:nvSpPr>
           <p:spPr>
             <a:xfrm>
-              <a:off x="4829172" y="5344123"/>
+              <a:off x="4594494" y="5344189"/>
               <a:ext cx="63202" cy="63202"/>
             </a:xfrm>
             <a:custGeom>
@@ -30417,7 +30417,7 @@
           </p:nvSpPr>
           <p:spPr>
             <a:xfrm>
-              <a:off x="4678293" y="5405061"/>
+              <a:off x="4866503" y="5404966"/>
               <a:ext cx="63202" cy="63202"/>
             </a:xfrm>
             <a:custGeom>
@@ -30460,7 +30460,7 @@
           </p:nvSpPr>
           <p:spPr>
             <a:xfrm>
-              <a:off x="4596766" y="5395897"/>
+              <a:off x="4717073" y="5395845"/>
               <a:ext cx="63202" cy="63202"/>
             </a:xfrm>
             <a:custGeom>
@@ -30503,7 +30503,7 @@
           </p:nvSpPr>
           <p:spPr>
             <a:xfrm>
-              <a:off x="4701906" y="5440454"/>
+              <a:off x="4810167" y="5440307"/>
               <a:ext cx="63202" cy="63202"/>
             </a:xfrm>
             <a:custGeom>
@@ -30546,7 +30546,7 @@
           </p:nvSpPr>
           <p:spPr>
             <a:xfrm>
-              <a:off x="4557383" y="5359106"/>
+              <a:off x="4890899" y="5358807"/>
               <a:ext cx="63202" cy="63202"/>
             </a:xfrm>
             <a:custGeom>
@@ -30589,7 +30589,7 @@
           </p:nvSpPr>
           <p:spPr>
             <a:xfrm>
-              <a:off x="5020500" y="5367691"/>
+              <a:off x="4671976" y="5367866"/>
               <a:ext cx="63202" cy="63202"/>
             </a:xfrm>
             <a:custGeom>
@@ -30632,7 +30632,7 @@
           </p:nvSpPr>
           <p:spPr>
             <a:xfrm>
-              <a:off x="4699097" y="5395464"/>
+              <a:off x="4646712" y="5395530"/>
               <a:ext cx="63202" cy="63202"/>
             </a:xfrm>
             <a:custGeom>
@@ -30675,7 +30675,7 @@
           </p:nvSpPr>
           <p:spPr>
             <a:xfrm>
-              <a:off x="4794456" y="5352287"/>
+              <a:off x="5055772" y="5352166"/>
               <a:ext cx="63202" cy="63202"/>
             </a:xfrm>
             <a:custGeom>
@@ -30718,7 +30718,7 @@
           </p:nvSpPr>
           <p:spPr>
             <a:xfrm>
-              <a:off x="4870774" y="5385465"/>
+              <a:off x="4464647" y="5385358"/>
               <a:ext cx="63202" cy="63202"/>
             </a:xfrm>
             <a:custGeom>
@@ -30761,7 +30761,7 @@
           </p:nvSpPr>
           <p:spPr>
             <a:xfrm>
-              <a:off x="4913160" y="5395439"/>
+              <a:off x="5006833" y="5395490"/>
               <a:ext cx="63202" cy="63202"/>
             </a:xfrm>
             <a:custGeom>
@@ -30804,7 +30804,7 @@
           </p:nvSpPr>
           <p:spPr>
             <a:xfrm>
-              <a:off x="4520230" y="5345337"/>
+              <a:off x="4889148" y="5345154"/>
               <a:ext cx="63202" cy="63202"/>
             </a:xfrm>
             <a:custGeom>
@@ -30847,7 +30847,7 @@
           </p:nvSpPr>
           <p:spPr>
             <a:xfrm>
-              <a:off x="4452634" y="5533237"/>
+              <a:off x="5019585" y="5533198"/>
               <a:ext cx="63202" cy="63202"/>
             </a:xfrm>
             <a:custGeom>
@@ -30890,7 +30890,7 @@
           </p:nvSpPr>
           <p:spPr>
             <a:xfrm>
-              <a:off x="4555184" y="5379929"/>
+              <a:off x="5056141" y="5379916"/>
               <a:ext cx="63202" cy="63202"/>
             </a:xfrm>
             <a:custGeom>
@@ -30933,7 +30933,7 @@
           </p:nvSpPr>
           <p:spPr>
             <a:xfrm>
-              <a:off x="4523237" y="5385480"/>
+              <a:off x="4486150" y="5385380"/>
               <a:ext cx="63202" cy="63202"/>
             </a:xfrm>
             <a:custGeom>
@@ -30976,7 +30976,7 @@
           </p:nvSpPr>
           <p:spPr>
             <a:xfrm>
-              <a:off x="4576545" y="5398690"/>
+              <a:off x="4930085" y="5398664"/>
               <a:ext cx="63202" cy="63202"/>
             </a:xfrm>
             <a:custGeom>
@@ -31019,7 +31019,7 @@
           </p:nvSpPr>
           <p:spPr>
             <a:xfrm>
-              <a:off x="4617139" y="5404387"/>
+              <a:off x="4874416" y="5404320"/>
               <a:ext cx="63202" cy="63202"/>
             </a:xfrm>
             <a:custGeom>
@@ -31062,7 +31062,7 @@
           </p:nvSpPr>
           <p:spPr>
             <a:xfrm>
-              <a:off x="4928625" y="5325318"/>
+              <a:off x="4928228" y="5325502"/>
               <a:ext cx="63202" cy="63202"/>
             </a:xfrm>
             <a:custGeom>
@@ -31105,7 +31105,7 @@
           </p:nvSpPr>
           <p:spPr>
             <a:xfrm>
-              <a:off x="4695374" y="5438278"/>
+              <a:off x="4683517" y="5438130"/>
               <a:ext cx="63202" cy="63202"/>
             </a:xfrm>
             <a:custGeom>
@@ -31148,7 +31148,7 @@
           </p:nvSpPr>
           <p:spPr>
             <a:xfrm>
-              <a:off x="4895969" y="5632602"/>
+              <a:off x="4755178" y="5632492"/>
               <a:ext cx="63202" cy="63202"/>
             </a:xfrm>
             <a:custGeom>
@@ -31191,7 +31191,7 @@
           </p:nvSpPr>
           <p:spPr>
             <a:xfrm>
-              <a:off x="5018987" y="5954784"/>
+              <a:off x="5036181" y="5954905"/>
               <a:ext cx="63202" cy="63202"/>
             </a:xfrm>
             <a:custGeom>
@@ -31234,7 +31234,7 @@
           </p:nvSpPr>
           <p:spPr>
             <a:xfrm>
-              <a:off x="4472633" y="5791088"/>
+              <a:off x="4947317" y="5791080"/>
               <a:ext cx="63202" cy="63202"/>
             </a:xfrm>
             <a:custGeom>
@@ -31277,7 +31277,7 @@
           </p:nvSpPr>
           <p:spPr>
             <a:xfrm>
-              <a:off x="4727647" y="5351547"/>
+              <a:off x="4819939" y="5351669"/>
               <a:ext cx="63202" cy="63202"/>
             </a:xfrm>
             <a:custGeom>
@@ -31320,7 +31320,7 @@
           </p:nvSpPr>
           <p:spPr>
             <a:xfrm>
-              <a:off x="4486921" y="5459964"/>
+              <a:off x="4493147" y="5460012"/>
               <a:ext cx="63202" cy="63202"/>
             </a:xfrm>
             <a:custGeom>
@@ -31363,7 +31363,7 @@
           </p:nvSpPr>
           <p:spPr>
             <a:xfrm>
-              <a:off x="4520184" y="5443622"/>
+              <a:off x="4698618" y="5443676"/>
               <a:ext cx="63202" cy="63202"/>
             </a:xfrm>
             <a:custGeom>
@@ -31406,7 +31406,7 @@
           </p:nvSpPr>
           <p:spPr>
             <a:xfrm>
-              <a:off x="4596423" y="5358995"/>
+              <a:off x="4973948" y="5358884"/>
               <a:ext cx="63202" cy="63202"/>
             </a:xfrm>
             <a:custGeom>
@@ -31449,7 +31449,7 @@
           </p:nvSpPr>
           <p:spPr>
             <a:xfrm>
-              <a:off x="4798298" y="5530892"/>
+              <a:off x="4835759" y="5530701"/>
               <a:ext cx="63202" cy="63202"/>
             </a:xfrm>
             <a:custGeom>
@@ -31492,7 +31492,7 @@
           </p:nvSpPr>
           <p:spPr>
             <a:xfrm>
-              <a:off x="4670125" y="5331753"/>
+              <a:off x="4507706" y="5331635"/>
               <a:ext cx="63202" cy="63202"/>
             </a:xfrm>
             <a:custGeom>
@@ -31535,7 +31535,7 @@
           </p:nvSpPr>
           <p:spPr>
             <a:xfrm>
-              <a:off x="5117324" y="5684017"/>
+              <a:off x="4960577" y="5684079"/>
               <a:ext cx="63202" cy="63202"/>
             </a:xfrm>
             <a:custGeom>
@@ -31578,7 +31578,7 @@
           </p:nvSpPr>
           <p:spPr>
             <a:xfrm>
-              <a:off x="5110064" y="5352955"/>
+              <a:off x="4869284" y="5352949"/>
               <a:ext cx="63202" cy="63202"/>
             </a:xfrm>
             <a:custGeom>
@@ -31621,7 +31621,7 @@
           </p:nvSpPr>
           <p:spPr>
             <a:xfrm>
-              <a:off x="4925648" y="5780790"/>
+              <a:off x="4838829" y="5780777"/>
               <a:ext cx="63202" cy="63202"/>
             </a:xfrm>
             <a:custGeom>
@@ -31664,7 +31664,7 @@
           </p:nvSpPr>
           <p:spPr>
             <a:xfrm>
-              <a:off x="4702931" y="5362676"/>
+              <a:off x="4863495" y="5362633"/>
               <a:ext cx="63202" cy="63202"/>
             </a:xfrm>
             <a:custGeom>
@@ -31707,7 +31707,7 @@
           </p:nvSpPr>
           <p:spPr>
             <a:xfrm>
-              <a:off x="4454730" y="5333956"/>
+              <a:off x="4857925" y="5333830"/>
               <a:ext cx="63202" cy="63202"/>
             </a:xfrm>
             <a:custGeom>
@@ -31750,7 +31750,7 @@
           </p:nvSpPr>
           <p:spPr>
             <a:xfrm>
-              <a:off x="4488284" y="5343601"/>
+              <a:off x="4566452" y="5343447"/>
               <a:ext cx="63202" cy="63202"/>
             </a:xfrm>
             <a:custGeom>
@@ -31793,7 +31793,7 @@
           </p:nvSpPr>
           <p:spPr>
             <a:xfrm>
-              <a:off x="5054861" y="5325402"/>
+              <a:off x="4874170" y="5325314"/>
               <a:ext cx="63202" cy="63202"/>
             </a:xfrm>
             <a:custGeom>
@@ -31836,7 +31836,7 @@
           </p:nvSpPr>
           <p:spPr>
             <a:xfrm>
-              <a:off x="4940734" y="5350540"/>
+              <a:off x="4830296" y="5350392"/>
               <a:ext cx="63202" cy="63202"/>
             </a:xfrm>
             <a:custGeom>
@@ -31879,7 +31879,7 @@
           </p:nvSpPr>
           <p:spPr>
             <a:xfrm>
-              <a:off x="4786587" y="5340202"/>
+              <a:off x="4881439" y="5340194"/>
               <a:ext cx="63202" cy="63202"/>
             </a:xfrm>
             <a:custGeom>
@@ -31922,7 +31922,7 @@
           </p:nvSpPr>
           <p:spPr>
             <a:xfrm>
-              <a:off x="4541108" y="5352832"/>
+              <a:off x="4683818" y="5352647"/>
               <a:ext cx="63202" cy="63202"/>
             </a:xfrm>
             <a:custGeom>
@@ -31965,7 +31965,7 @@
           </p:nvSpPr>
           <p:spPr>
             <a:xfrm>
-              <a:off x="4960275" y="5352827"/>
+              <a:off x="4744014" y="5352553"/>
               <a:ext cx="63202" cy="63202"/>
             </a:xfrm>
             <a:custGeom>
@@ -32008,7 +32008,7 @@
           </p:nvSpPr>
           <p:spPr>
             <a:xfrm>
-              <a:off x="4530865" y="5352732"/>
+              <a:off x="4571054" y="5352533"/>
               <a:ext cx="63202" cy="63202"/>
             </a:xfrm>
             <a:custGeom>
@@ -32051,7 +32051,7 @@
           </p:nvSpPr>
           <p:spPr>
             <a:xfrm>
-              <a:off x="4810467" y="5352587"/>
+              <a:off x="4991321" y="5352779"/>
               <a:ext cx="63202" cy="63202"/>
             </a:xfrm>
             <a:custGeom>
@@ -32094,7 +32094,7 @@
           </p:nvSpPr>
           <p:spPr>
             <a:xfrm>
-              <a:off x="4528751" y="5389897"/>
+              <a:off x="4654344" y="5389897"/>
               <a:ext cx="63202" cy="63202"/>
             </a:xfrm>
             <a:custGeom>
@@ -32137,7 +32137,7 @@
           </p:nvSpPr>
           <p:spPr>
             <a:xfrm>
-              <a:off x="5039251" y="5350853"/>
+              <a:off x="5105793" y="5350905"/>
               <a:ext cx="63202" cy="63202"/>
             </a:xfrm>
             <a:custGeom>
@@ -32180,7 +32180,7 @@
           </p:nvSpPr>
           <p:spPr>
             <a:xfrm>
-              <a:off x="4902812" y="5700779"/>
+              <a:off x="4827085" y="5700799"/>
               <a:ext cx="63202" cy="63202"/>
             </a:xfrm>
             <a:custGeom>
@@ -32223,7 +32223,7 @@
           </p:nvSpPr>
           <p:spPr>
             <a:xfrm>
-              <a:off x="5851145" y="6539804"/>
+              <a:off x="5587813" y="6540031"/>
               <a:ext cx="63202" cy="63202"/>
             </a:xfrm>
             <a:custGeom>
@@ -32266,7 +32266,7 @@
           </p:nvSpPr>
           <p:spPr>
             <a:xfrm>
-              <a:off x="4434595" y="5357576"/>
+              <a:off x="4500111" y="5357332"/>
               <a:ext cx="63202" cy="63202"/>
             </a:xfrm>
             <a:custGeom>
@@ -32309,7 +32309,7 @@
           </p:nvSpPr>
           <p:spPr>
             <a:xfrm>
-              <a:off x="4783449" y="5334525"/>
+              <a:off x="4517444" y="5334454"/>
               <a:ext cx="63202" cy="63202"/>
             </a:xfrm>
             <a:custGeom>
@@ -32352,7 +32352,7 @@
           </p:nvSpPr>
           <p:spPr>
             <a:xfrm>
-              <a:off x="4581771" y="5330139"/>
+              <a:off x="4754534" y="5330164"/>
               <a:ext cx="63202" cy="63202"/>
             </a:xfrm>
             <a:custGeom>
@@ -32395,7 +32395,7 @@
           </p:nvSpPr>
           <p:spPr>
             <a:xfrm>
-              <a:off x="4469447" y="5526293"/>
+              <a:off x="5116178" y="5526359"/>
               <a:ext cx="63202" cy="63202"/>
             </a:xfrm>
             <a:custGeom>
@@ -32438,7 +32438,7 @@
           </p:nvSpPr>
           <p:spPr>
             <a:xfrm>
-              <a:off x="4875956" y="5364618"/>
+              <a:off x="4514942" y="5364329"/>
               <a:ext cx="63202" cy="63202"/>
             </a:xfrm>
             <a:custGeom>
@@ -32481,7 +32481,7 @@
           </p:nvSpPr>
           <p:spPr>
             <a:xfrm>
-              <a:off x="4877162" y="5362585"/>
+              <a:off x="5072837" y="5362684"/>
               <a:ext cx="63202" cy="63202"/>
             </a:xfrm>
             <a:custGeom>
@@ -32524,7 +32524,7 @@
           </p:nvSpPr>
           <p:spPr>
             <a:xfrm>
-              <a:off x="4797440" y="5336788"/>
+              <a:off x="4507441" y="5336947"/>
               <a:ext cx="63202" cy="63202"/>
             </a:xfrm>
             <a:custGeom>
@@ -32623,7 +32623,7 @@
           </p:nvSpPr>
           <p:spPr>
             <a:xfrm>
-              <a:off x="7171360" y="2806689"/>
+              <a:off x="7171360" y="2806803"/>
               <a:ext cx="2817450" cy="0"/>
             </a:xfrm>
             <a:custGeom>
@@ -32666,7 +32666,7 @@
           </p:nvSpPr>
           <p:spPr>
             <a:xfrm>
-              <a:off x="7171360" y="2438007"/>
+              <a:off x="7171360" y="2438080"/>
               <a:ext cx="2817450" cy="0"/>
             </a:xfrm>
             <a:custGeom>
@@ -32709,7 +32709,7 @@
           </p:nvSpPr>
           <p:spPr>
             <a:xfrm>
-              <a:off x="7171360" y="2069325"/>
+              <a:off x="7171360" y="2069357"/>
               <a:ext cx="2817450" cy="0"/>
             </a:xfrm>
             <a:custGeom>
@@ -32752,7 +32752,7 @@
           </p:nvSpPr>
           <p:spPr>
             <a:xfrm>
-              <a:off x="7171360" y="1700642"/>
+              <a:off x="7171360" y="1700635"/>
               <a:ext cx="2817450" cy="0"/>
             </a:xfrm>
             <a:custGeom>
@@ -32795,7 +32795,7 @@
           </p:nvSpPr>
           <p:spPr>
             <a:xfrm>
-              <a:off x="7171360" y="2991030"/>
+              <a:off x="7171360" y="2991164"/>
               <a:ext cx="2817450" cy="0"/>
             </a:xfrm>
             <a:custGeom>
@@ -32838,7 +32838,7 @@
           </p:nvSpPr>
           <p:spPr>
             <a:xfrm>
-              <a:off x="7171360" y="2622348"/>
+              <a:off x="7171360" y="2622441"/>
               <a:ext cx="2817450" cy="0"/>
             </a:xfrm>
             <a:custGeom>
@@ -32881,7 +32881,7 @@
           </p:nvSpPr>
           <p:spPr>
             <a:xfrm>
-              <a:off x="7171360" y="2253666"/>
+              <a:off x="7171360" y="2253719"/>
               <a:ext cx="2817450" cy="0"/>
             </a:xfrm>
             <a:custGeom>
@@ -32924,7 +32924,7 @@
           </p:nvSpPr>
           <p:spPr>
             <a:xfrm>
-              <a:off x="7171360" y="1884983"/>
+              <a:off x="7171360" y="1884996"/>
               <a:ext cx="2817450" cy="0"/>
             </a:xfrm>
             <a:custGeom>
@@ -32967,7 +32967,7 @@
           </p:nvSpPr>
           <p:spPr>
             <a:xfrm>
-              <a:off x="7171360" y="1516301"/>
+              <a:off x="7171360" y="1516274"/>
               <a:ext cx="2817450" cy="0"/>
             </a:xfrm>
             <a:custGeom>
@@ -33139,7 +33139,7 @@
           </p:nvSpPr>
           <p:spPr>
             <a:xfrm>
-              <a:off x="9630093" y="2938092"/>
+              <a:off x="9149712" y="2938321"/>
               <a:ext cx="63202" cy="63202"/>
             </a:xfrm>
             <a:custGeom>
@@ -33182,7 +33182,7 @@
           </p:nvSpPr>
           <p:spPr>
             <a:xfrm>
-              <a:off x="7573491" y="2180156"/>
+              <a:off x="7385900" y="2180129"/>
               <a:ext cx="63202" cy="63202"/>
             </a:xfrm>
             <a:custGeom>
@@ -33225,7 +33225,7 @@
           </p:nvSpPr>
           <p:spPr>
             <a:xfrm>
-              <a:off x="7352592" y="2187838"/>
+              <a:off x="7779471" y="2187783"/>
               <a:ext cx="63202" cy="63202"/>
             </a:xfrm>
             <a:custGeom>
@@ -33268,7 +33268,7 @@
           </p:nvSpPr>
           <p:spPr>
             <a:xfrm>
-              <a:off x="7329029" y="2209488"/>
+              <a:off x="7322785" y="2209579"/>
               <a:ext cx="63202" cy="63202"/>
             </a:xfrm>
             <a:custGeom>
@@ -33311,7 +33311,7 @@
           </p:nvSpPr>
           <p:spPr>
             <a:xfrm>
-              <a:off x="7822888" y="2200728"/>
+              <a:off x="7963314" y="2200800"/>
               <a:ext cx="63202" cy="63202"/>
             </a:xfrm>
             <a:custGeom>
@@ -33354,7 +33354,7 @@
           </p:nvSpPr>
           <p:spPr>
             <a:xfrm>
-              <a:off x="8010651" y="2105957"/>
+              <a:off x="7835386" y="2105935"/>
               <a:ext cx="63202" cy="63202"/>
             </a:xfrm>
             <a:custGeom>
@@ -33397,7 +33397,7 @@
           </p:nvSpPr>
           <p:spPr>
             <a:xfrm>
-              <a:off x="8414761" y="2267089"/>
+              <a:off x="8220869" y="2267184"/>
               <a:ext cx="63202" cy="63202"/>
             </a:xfrm>
             <a:custGeom>
@@ -33440,7 +33440,7 @@
           </p:nvSpPr>
           <p:spPr>
             <a:xfrm>
-              <a:off x="7819327" y="2178176"/>
+              <a:off x="7396056" y="2178093"/>
               <a:ext cx="63202" cy="63202"/>
             </a:xfrm>
             <a:custGeom>
@@ -33483,7 +33483,7 @@
           </p:nvSpPr>
           <p:spPr>
             <a:xfrm>
-              <a:off x="7559780" y="2200436"/>
+              <a:off x="7637790" y="2200417"/>
               <a:ext cx="63202" cy="63202"/>
             </a:xfrm>
             <a:custGeom>
@@ -33526,7 +33526,7 @@
           </p:nvSpPr>
           <p:spPr>
             <a:xfrm>
-              <a:off x="7470210" y="2194529"/>
+              <a:off x="7633343" y="2194362"/>
               <a:ext cx="63202" cy="63202"/>
             </a:xfrm>
             <a:custGeom>
@@ -33569,7 +33569,7 @@
           </p:nvSpPr>
           <p:spPr>
             <a:xfrm>
-              <a:off x="8330910" y="2267335"/>
+              <a:off x="8517620" y="2267447"/>
               <a:ext cx="63202" cy="63202"/>
             </a:xfrm>
             <a:custGeom>
@@ -33612,7 +33612,7 @@
           </p:nvSpPr>
           <p:spPr>
             <a:xfrm>
-              <a:off x="8701515" y="2340133"/>
+              <a:off x="8810332" y="2340187"/>
               <a:ext cx="63202" cy="63202"/>
             </a:xfrm>
             <a:custGeom>
@@ -33655,7 +33655,7 @@
           </p:nvSpPr>
           <p:spPr>
             <a:xfrm>
-              <a:off x="8553692" y="2269032"/>
+              <a:off x="8584614" y="2268821"/>
               <a:ext cx="63202" cy="63202"/>
             </a:xfrm>
             <a:custGeom>
@@ -33698,7 +33698,7 @@
           </p:nvSpPr>
           <p:spPr>
             <a:xfrm>
-              <a:off x="8505076" y="2465675"/>
+              <a:off x="8869469" y="2465792"/>
               <a:ext cx="63202" cy="63202"/>
             </a:xfrm>
             <a:custGeom>
@@ -33741,7 +33741,7 @@
           </p:nvSpPr>
           <p:spPr>
             <a:xfrm>
-              <a:off x="8578784" y="2263838"/>
+              <a:off x="8299983" y="2263692"/>
               <a:ext cx="63202" cy="63202"/>
             </a:xfrm>
             <a:custGeom>
@@ -33784,7 +33784,7 @@
           </p:nvSpPr>
           <p:spPr>
             <a:xfrm>
-              <a:off x="7797438" y="2205056"/>
+              <a:off x="7738796" y="2205179"/>
               <a:ext cx="63202" cy="63202"/>
             </a:xfrm>
             <a:custGeom>
@@ -33827,7 +33827,7 @@
           </p:nvSpPr>
           <p:spPr>
             <a:xfrm>
-              <a:off x="8348022" y="2415688"/>
+              <a:off x="8221818" y="2415669"/>
               <a:ext cx="63202" cy="63202"/>
             </a:xfrm>
             <a:custGeom>
@@ -33870,7 +33870,7 @@
           </p:nvSpPr>
           <p:spPr>
             <a:xfrm>
-              <a:off x="8685841" y="2300874"/>
+              <a:off x="8316802" y="2301100"/>
               <a:ext cx="63202" cy="63202"/>
             </a:xfrm>
             <a:custGeom>
@@ -33913,7 +33913,7 @@
           </p:nvSpPr>
           <p:spPr>
             <a:xfrm>
-              <a:off x="8649998" y="2259561"/>
+              <a:off x="8704956" y="2259665"/>
               <a:ext cx="63202" cy="63202"/>
             </a:xfrm>
             <a:custGeom>
@@ -33956,7 +33956,7 @@
           </p:nvSpPr>
           <p:spPr>
             <a:xfrm>
-              <a:off x="7669417" y="2179999"/>
+              <a:off x="7597742" y="2180173"/>
               <a:ext cx="63202" cy="63202"/>
             </a:xfrm>
             <a:custGeom>
@@ -33999,7 +33999,7 @@
           </p:nvSpPr>
           <p:spPr>
             <a:xfrm>
-              <a:off x="8506689" y="2360824"/>
+              <a:off x="8503224" y="2360890"/>
               <a:ext cx="63202" cy="63202"/>
             </a:xfrm>
             <a:custGeom>
@@ -34042,7 +34042,7 @@
           </p:nvSpPr>
           <p:spPr>
             <a:xfrm>
-              <a:off x="8881019" y="2256094"/>
+              <a:off x="8470701" y="2255986"/>
               <a:ext cx="63202" cy="63202"/>
             </a:xfrm>
             <a:custGeom>
@@ -34085,7 +34085,7 @@
           </p:nvSpPr>
           <p:spPr>
             <a:xfrm>
-              <a:off x="8627603" y="2268887"/>
+              <a:off x="8864148" y="2268832"/>
               <a:ext cx="63202" cy="63202"/>
             </a:xfrm>
             <a:custGeom>
@@ -34128,7 +34128,7 @@
           </p:nvSpPr>
           <p:spPr>
             <a:xfrm>
-              <a:off x="7772748" y="2076519"/>
+              <a:off x="7376776" y="2076408"/>
               <a:ext cx="63202" cy="63202"/>
             </a:xfrm>
             <a:custGeom>
@@ -34171,7 +34171,7 @@
           </p:nvSpPr>
           <p:spPr>
             <a:xfrm>
-              <a:off x="7373111" y="2182862"/>
+              <a:off x="7578573" y="2182887"/>
               <a:ext cx="63202" cy="63202"/>
             </a:xfrm>
             <a:custGeom>
@@ -34214,7 +34214,7 @@
           </p:nvSpPr>
           <p:spPr>
             <a:xfrm>
-              <a:off x="8494963" y="2275136"/>
+              <a:off x="8229956" y="2275153"/>
               <a:ext cx="63202" cy="63202"/>
             </a:xfrm>
             <a:custGeom>
@@ -34257,7 +34257,7 @@
           </p:nvSpPr>
           <p:spPr>
             <a:xfrm>
-              <a:off x="8323570" y="2297557"/>
+              <a:off x="8325682" y="2297583"/>
               <a:ext cx="63202" cy="63202"/>
             </a:xfrm>
             <a:custGeom>
@@ -34300,7 +34300,7 @@
           </p:nvSpPr>
           <p:spPr>
             <a:xfrm>
-              <a:off x="9313638" y="2931840"/>
+              <a:off x="9085868" y="2931797"/>
               <a:ext cx="63202" cy="63202"/>
             </a:xfrm>
             <a:custGeom>
@@ -34343,7 +34343,7 @@
           </p:nvSpPr>
           <p:spPr>
             <a:xfrm>
-              <a:off x="7479945" y="2196773"/>
+              <a:off x="7820398" y="2196741"/>
               <a:ext cx="63202" cy="63202"/>
             </a:xfrm>
             <a:custGeom>
@@ -34386,7 +34386,7 @@
           </p:nvSpPr>
           <p:spPr>
             <a:xfrm>
-              <a:off x="7435025" y="2194486"/>
+              <a:off x="7903835" y="2194466"/>
               <a:ext cx="63202" cy="63202"/>
             </a:xfrm>
             <a:custGeom>
@@ -34429,7 +34429,7 @@
           </p:nvSpPr>
           <p:spPr>
             <a:xfrm>
-              <a:off x="7734665" y="2191097"/>
+              <a:off x="7558474" y="2191001"/>
               <a:ext cx="63202" cy="63202"/>
             </a:xfrm>
             <a:custGeom>
@@ -34472,7 +34472,7 @@
           </p:nvSpPr>
           <p:spPr>
             <a:xfrm>
-              <a:off x="7547708" y="2191348"/>
+              <a:off x="7369255" y="2191593"/>
               <a:ext cx="63202" cy="63202"/>
             </a:xfrm>
             <a:custGeom>
@@ -34515,7 +34515,7 @@
           </p:nvSpPr>
           <p:spPr>
             <a:xfrm>
-              <a:off x="7738008" y="2193452"/>
+              <a:off x="7606170" y="2193241"/>
               <a:ext cx="63202" cy="63202"/>
             </a:xfrm>
             <a:custGeom>
@@ -34558,7 +34558,7 @@
           </p:nvSpPr>
           <p:spPr>
             <a:xfrm>
-              <a:off x="7638303" y="2206573"/>
+              <a:off x="7470152" y="2206690"/>
               <a:ext cx="63202" cy="63202"/>
             </a:xfrm>
             <a:custGeom>
@@ -34601,7 +34601,7 @@
           </p:nvSpPr>
           <p:spPr>
             <a:xfrm>
-              <a:off x="8225152" y="2228029"/>
+              <a:off x="8426143" y="2228152"/>
               <a:ext cx="63202" cy="63202"/>
             </a:xfrm>
             <a:custGeom>
@@ -34644,7 +34644,7 @@
           </p:nvSpPr>
           <p:spPr>
             <a:xfrm>
-              <a:off x="8690462" y="2260755"/>
+              <a:off x="8828246" y="2260885"/>
               <a:ext cx="63202" cy="63202"/>
             </a:xfrm>
             <a:custGeom>
@@ -34687,7 +34687,7 @@
           </p:nvSpPr>
           <p:spPr>
             <a:xfrm>
-              <a:off x="8614974" y="2268118"/>
+              <a:off x="8449932" y="2268224"/>
               <a:ext cx="63202" cy="63202"/>
             </a:xfrm>
             <a:custGeom>
@@ -34730,7 +34730,7 @@
           </p:nvSpPr>
           <p:spPr>
             <a:xfrm>
-              <a:off x="8711947" y="2669687"/>
+              <a:off x="8537273" y="2669608"/>
               <a:ext cx="63202" cy="63202"/>
             </a:xfrm>
             <a:custGeom>
@@ -34773,7 +34773,7 @@
           </p:nvSpPr>
           <p:spPr>
             <a:xfrm>
-              <a:off x="7907093" y="2209887"/>
+              <a:off x="8005993" y="2210056"/>
               <a:ext cx="63202" cy="63202"/>
             </a:xfrm>
             <a:custGeom>
@@ -34816,7 +34816,7 @@
           </p:nvSpPr>
           <p:spPr>
             <a:xfrm>
-              <a:off x="7758859" y="2000430"/>
+              <a:off x="7641917" y="2000442"/>
               <a:ext cx="63202" cy="63202"/>
             </a:xfrm>
             <a:custGeom>
@@ -34859,7 +34859,7 @@
           </p:nvSpPr>
           <p:spPr>
             <a:xfrm>
-              <a:off x="7629154" y="2059044"/>
+              <a:off x="7532019" y="2059062"/>
               <a:ext cx="63202" cy="63202"/>
             </a:xfrm>
             <a:custGeom>
@@ -34902,7 +34902,7 @@
           </p:nvSpPr>
           <p:spPr>
             <a:xfrm>
-              <a:off x="7362707" y="2204415"/>
+              <a:off x="7493863" y="2204278"/>
               <a:ext cx="63202" cy="63202"/>
             </a:xfrm>
             <a:custGeom>
@@ -34945,7 +34945,7 @@
           </p:nvSpPr>
           <p:spPr>
             <a:xfrm>
-              <a:off x="7681675" y="2207940"/>
+              <a:off x="7848095" y="2208148"/>
               <a:ext cx="63202" cy="63202"/>
             </a:xfrm>
             <a:custGeom>
@@ -34988,7 +34988,7 @@
           </p:nvSpPr>
           <p:spPr>
             <a:xfrm>
-              <a:off x="7716705" y="2207765"/>
+              <a:off x="7955453" y="2207764"/>
               <a:ext cx="63202" cy="63202"/>
             </a:xfrm>
             <a:custGeom>
@@ -35031,7 +35031,7 @@
           </p:nvSpPr>
           <p:spPr>
             <a:xfrm>
-              <a:off x="7816561" y="2203746"/>
+              <a:off x="7873678" y="2203828"/>
               <a:ext cx="63202" cy="63202"/>
             </a:xfrm>
             <a:custGeom>
@@ -35074,7 +35074,7 @@
           </p:nvSpPr>
           <p:spPr>
             <a:xfrm>
-              <a:off x="7981190" y="2200590"/>
+              <a:off x="7319564" y="2200683"/>
               <a:ext cx="63202" cy="63202"/>
             </a:xfrm>
             <a:custGeom>
@@ -35173,7 +35173,7 @@
           </p:nvSpPr>
           <p:spPr>
             <a:xfrm>
-              <a:off x="7171360" y="4732022"/>
+              <a:off x="7171360" y="4732135"/>
               <a:ext cx="2817450" cy="0"/>
             </a:xfrm>
             <a:custGeom>
@@ -35216,7 +35216,7 @@
           </p:nvSpPr>
           <p:spPr>
             <a:xfrm>
-              <a:off x="7171360" y="4363340"/>
+              <a:off x="7171360" y="4363413"/>
               <a:ext cx="2817450" cy="0"/>
             </a:xfrm>
             <a:custGeom>
@@ -35259,7 +35259,7 @@
           </p:nvSpPr>
           <p:spPr>
             <a:xfrm>
-              <a:off x="7171360" y="3994657"/>
+              <a:off x="7171360" y="3994690"/>
               <a:ext cx="2817450" cy="0"/>
             </a:xfrm>
             <a:custGeom>
@@ -35302,7 +35302,7 @@
           </p:nvSpPr>
           <p:spPr>
             <a:xfrm>
-              <a:off x="7171360" y="3625975"/>
+              <a:off x="7171360" y="3625967"/>
               <a:ext cx="2817450" cy="0"/>
             </a:xfrm>
             <a:custGeom>
@@ -35345,7 +35345,7 @@
           </p:nvSpPr>
           <p:spPr>
             <a:xfrm>
-              <a:off x="7171360" y="4916363"/>
+              <a:off x="7171360" y="4916496"/>
               <a:ext cx="2817450" cy="0"/>
             </a:xfrm>
             <a:custGeom>
@@ -35388,7 +35388,7 @@
           </p:nvSpPr>
           <p:spPr>
             <a:xfrm>
-              <a:off x="7171360" y="4547681"/>
+              <a:off x="7171360" y="4547774"/>
               <a:ext cx="2817450" cy="0"/>
             </a:xfrm>
             <a:custGeom>
@@ -35431,7 +35431,7 @@
           </p:nvSpPr>
           <p:spPr>
             <a:xfrm>
-              <a:off x="7171360" y="4178998"/>
+              <a:off x="7171360" y="4179051"/>
               <a:ext cx="2817450" cy="0"/>
             </a:xfrm>
             <a:custGeom>
@@ -35474,7 +35474,7 @@
           </p:nvSpPr>
           <p:spPr>
             <a:xfrm>
-              <a:off x="7171360" y="3810316"/>
+              <a:off x="7171360" y="3810329"/>
               <a:ext cx="2817450" cy="0"/>
             </a:xfrm>
             <a:custGeom>
@@ -35517,7 +35517,7 @@
           </p:nvSpPr>
           <p:spPr>
             <a:xfrm>
-              <a:off x="7171360" y="3441634"/>
+              <a:off x="7171360" y="3441606"/>
               <a:ext cx="2817450" cy="0"/>
             </a:xfrm>
             <a:custGeom>
@@ -35689,7 +35689,7 @@
           </p:nvSpPr>
           <p:spPr>
             <a:xfrm>
-              <a:off x="8301287" y="4217515"/>
+              <a:off x="8658824" y="4217514"/>
               <a:ext cx="63202" cy="63202"/>
             </a:xfrm>
             <a:custGeom>
@@ -35732,7 +35732,7 @@
           </p:nvSpPr>
           <p:spPr>
             <a:xfrm>
-              <a:off x="8215329" y="4539290"/>
+              <a:off x="8352820" y="4539363"/>
               <a:ext cx="63202" cy="63202"/>
             </a:xfrm>
             <a:custGeom>
@@ -35775,7 +35775,7 @@
           </p:nvSpPr>
           <p:spPr>
             <a:xfrm>
-              <a:off x="9299383" y="4788279"/>
+              <a:off x="9111316" y="4788231"/>
               <a:ext cx="63202" cy="63202"/>
             </a:xfrm>
             <a:custGeom>
@@ -35818,7 +35818,7 @@
           </p:nvSpPr>
           <p:spPr>
             <a:xfrm>
-              <a:off x="9455869" y="4878877"/>
+              <a:off x="9296420" y="4878924"/>
               <a:ext cx="63202" cy="63202"/>
             </a:xfrm>
             <a:custGeom>
@@ -35861,7 +35861,7 @@
           </p:nvSpPr>
           <p:spPr>
             <a:xfrm>
-              <a:off x="9447128" y="4830918"/>
+              <a:off x="9604595" y="4831196"/>
               <a:ext cx="63202" cy="63202"/>
             </a:xfrm>
             <a:custGeom>
@@ -35904,7 +35904,7 @@
           </p:nvSpPr>
           <p:spPr>
             <a:xfrm>
-              <a:off x="8544879" y="4411688"/>
+              <a:off x="8490872" y="4411788"/>
               <a:ext cx="63202" cy="63202"/>
             </a:xfrm>
             <a:custGeom>
@@ -35947,7 +35947,7 @@
           </p:nvSpPr>
           <p:spPr>
             <a:xfrm>
-              <a:off x="8632411" y="4674624"/>
+              <a:off x="8754934" y="4674780"/>
               <a:ext cx="63202" cy="63202"/>
             </a:xfrm>
             <a:custGeom>
@@ -35990,7 +35990,7 @@
           </p:nvSpPr>
           <p:spPr>
             <a:xfrm>
-              <a:off x="8340996" y="4194989"/>
+              <a:off x="8729929" y="4195029"/>
               <a:ext cx="63202" cy="63202"/>
             </a:xfrm>
             <a:custGeom>
@@ -36033,7 +36033,7 @@
           </p:nvSpPr>
           <p:spPr>
             <a:xfrm>
-              <a:off x="9416791" y="4816878"/>
+              <a:off x="9093408" y="4817098"/>
               <a:ext cx="63202" cy="63202"/>
             </a:xfrm>
             <a:custGeom>
@@ -36076,7 +36076,7 @@
           </p:nvSpPr>
           <p:spPr>
             <a:xfrm>
-              <a:off x="8207890" y="4565934"/>
+              <a:off x="8745646" y="4565826"/>
               <a:ext cx="63202" cy="63202"/>
             </a:xfrm>
             <a:custGeom>
@@ -36119,7 +36119,7 @@
           </p:nvSpPr>
           <p:spPr>
             <a:xfrm>
-              <a:off x="8481816" y="4575449"/>
+              <a:off x="8573795" y="4575673"/>
               <a:ext cx="63202" cy="63202"/>
             </a:xfrm>
             <a:custGeom>
@@ -36162,7 +36162,7 @@
           </p:nvSpPr>
           <p:spPr>
             <a:xfrm>
-              <a:off x="8351729" y="4152301"/>
+              <a:off x="8232139" y="4152213"/>
               <a:ext cx="63202" cy="63202"/>
             </a:xfrm>
             <a:custGeom>
@@ -36205,7 +36205,7 @@
           </p:nvSpPr>
           <p:spPr>
             <a:xfrm>
-              <a:off x="8701849" y="4250696"/>
+              <a:off x="8900514" y="4250616"/>
               <a:ext cx="63202" cy="63202"/>
             </a:xfrm>
             <a:custGeom>
@@ -36248,7 +36248,7 @@
           </p:nvSpPr>
           <p:spPr>
             <a:xfrm>
-              <a:off x="9273234" y="4731428"/>
+              <a:off x="9670159" y="4731566"/>
               <a:ext cx="63202" cy="63202"/>
             </a:xfrm>
             <a:custGeom>
@@ -37743,7 +37743,7 @@
           </p:nvSpPr>
           <p:spPr>
             <a:xfrm>
-              <a:off x="1148183" y="2949339"/>
+              <a:off x="1148183" y="2949472"/>
               <a:ext cx="186466" cy="81691"/>
             </a:xfrm>
             <a:prstGeom prst="rect">
@@ -37789,7 +37789,7 @@
           </p:nvSpPr>
           <p:spPr>
             <a:xfrm>
-              <a:off x="1148183" y="2580656"/>
+              <a:off x="1148183" y="2580750"/>
               <a:ext cx="186466" cy="81691"/>
             </a:xfrm>
             <a:prstGeom prst="rect">
@@ -37835,7 +37835,7 @@
           </p:nvSpPr>
           <p:spPr>
             <a:xfrm>
-              <a:off x="1148183" y="2211919"/>
+              <a:off x="1148183" y="2211972"/>
               <a:ext cx="186466" cy="81746"/>
             </a:xfrm>
             <a:prstGeom prst="rect">
@@ -37881,7 +37881,7 @@
           </p:nvSpPr>
           <p:spPr>
             <a:xfrm>
-              <a:off x="1148183" y="1843292"/>
+              <a:off x="1148183" y="1843304"/>
               <a:ext cx="186466" cy="81691"/>
             </a:xfrm>
             <a:prstGeom prst="rect">
@@ -37927,7 +37927,7 @@
           </p:nvSpPr>
           <p:spPr>
             <a:xfrm>
-              <a:off x="1148183" y="1474609"/>
+              <a:off x="1148183" y="1474582"/>
               <a:ext cx="186466" cy="81691"/>
             </a:xfrm>
             <a:prstGeom prst="rect">
@@ -37973,7 +37973,7 @@
           </p:nvSpPr>
           <p:spPr>
             <a:xfrm>
-              <a:off x="1362485" y="2991030"/>
+              <a:off x="1362485" y="2991164"/>
               <a:ext cx="34794" cy="0"/>
             </a:xfrm>
             <a:custGeom>
@@ -38013,7 +38013,7 @@
           </p:nvSpPr>
           <p:spPr>
             <a:xfrm>
-              <a:off x="1362485" y="2622348"/>
+              <a:off x="1362485" y="2622441"/>
               <a:ext cx="34794" cy="0"/>
             </a:xfrm>
             <a:custGeom>
@@ -38053,7 +38053,7 @@
           </p:nvSpPr>
           <p:spPr>
             <a:xfrm>
-              <a:off x="1362485" y="2253666"/>
+              <a:off x="1362485" y="2253719"/>
               <a:ext cx="34794" cy="0"/>
             </a:xfrm>
             <a:custGeom>
@@ -38093,7 +38093,7 @@
           </p:nvSpPr>
           <p:spPr>
             <a:xfrm>
-              <a:off x="1362485" y="1884983"/>
+              <a:off x="1362485" y="1884996"/>
               <a:ext cx="34794" cy="0"/>
             </a:xfrm>
             <a:custGeom>
@@ -38133,7 +38133,7 @@
           </p:nvSpPr>
           <p:spPr>
             <a:xfrm>
-              <a:off x="1362485" y="1516301"/>
+              <a:off x="1362485" y="1516274"/>
               <a:ext cx="34794" cy="0"/>
             </a:xfrm>
             <a:custGeom>
@@ -38173,7 +38173,7 @@
           </p:nvSpPr>
           <p:spPr>
             <a:xfrm>
-              <a:off x="1148183" y="4874671"/>
+              <a:off x="1148183" y="4874805"/>
               <a:ext cx="186466" cy="81691"/>
             </a:xfrm>
             <a:prstGeom prst="rect">
@@ -38219,7 +38219,7 @@
           </p:nvSpPr>
           <p:spPr>
             <a:xfrm>
-              <a:off x="1148183" y="4505989"/>
+              <a:off x="1148183" y="4506082"/>
               <a:ext cx="186466" cy="81691"/>
             </a:xfrm>
             <a:prstGeom prst="rect">
@@ -38265,7 +38265,7 @@
           </p:nvSpPr>
           <p:spPr>
             <a:xfrm>
-              <a:off x="1148183" y="4137252"/>
+              <a:off x="1148183" y="4137305"/>
               <a:ext cx="186466" cy="81746"/>
             </a:xfrm>
             <a:prstGeom prst="rect">
@@ -38311,7 +38311,7 @@
           </p:nvSpPr>
           <p:spPr>
             <a:xfrm>
-              <a:off x="1148183" y="3768624"/>
+              <a:off x="1148183" y="3768637"/>
               <a:ext cx="186466" cy="81691"/>
             </a:xfrm>
             <a:prstGeom prst="rect">
@@ -38357,7 +38357,7 @@
           </p:nvSpPr>
           <p:spPr>
             <a:xfrm>
-              <a:off x="1148183" y="3399942"/>
+              <a:off x="1148183" y="3399914"/>
               <a:ext cx="186466" cy="81691"/>
             </a:xfrm>
             <a:prstGeom prst="rect">
@@ -38403,7 +38403,7 @@
           </p:nvSpPr>
           <p:spPr>
             <a:xfrm>
-              <a:off x="1362485" y="4916363"/>
+              <a:off x="1362485" y="4916496"/>
               <a:ext cx="34794" cy="0"/>
             </a:xfrm>
             <a:custGeom>
@@ -38443,7 +38443,7 @@
           </p:nvSpPr>
           <p:spPr>
             <a:xfrm>
-              <a:off x="1362485" y="4547681"/>
+              <a:off x="1362485" y="4547774"/>
               <a:ext cx="34794" cy="0"/>
             </a:xfrm>
             <a:custGeom>
@@ -38483,7 +38483,7 @@
           </p:nvSpPr>
           <p:spPr>
             <a:xfrm>
-              <a:off x="1362485" y="4178998"/>
+              <a:off x="1362485" y="4179051"/>
               <a:ext cx="34794" cy="0"/>
             </a:xfrm>
             <a:custGeom>
@@ -38523,7 +38523,7 @@
           </p:nvSpPr>
           <p:spPr>
             <a:xfrm>
-              <a:off x="1362485" y="3810316"/>
+              <a:off x="1362485" y="3810329"/>
               <a:ext cx="34794" cy="0"/>
             </a:xfrm>
             <a:custGeom>
@@ -38563,7 +38563,7 @@
           </p:nvSpPr>
           <p:spPr>
             <a:xfrm>
-              <a:off x="1362485" y="3441634"/>
+              <a:off x="1362485" y="3441606"/>
               <a:ext cx="34794" cy="0"/>
             </a:xfrm>
             <a:custGeom>
@@ -38603,7 +38603,7 @@
           </p:nvSpPr>
           <p:spPr>
             <a:xfrm>
-              <a:off x="1148183" y="6800004"/>
+              <a:off x="1148183" y="6800137"/>
               <a:ext cx="186466" cy="81691"/>
             </a:xfrm>
             <a:prstGeom prst="rect">
@@ -38649,7 +38649,7 @@
           </p:nvSpPr>
           <p:spPr>
             <a:xfrm>
-              <a:off x="1148183" y="6431322"/>
+              <a:off x="1148183" y="6431415"/>
               <a:ext cx="186466" cy="81691"/>
             </a:xfrm>
             <a:prstGeom prst="rect">
@@ -38695,7 +38695,7 @@
           </p:nvSpPr>
           <p:spPr>
             <a:xfrm>
-              <a:off x="1148183" y="6062585"/>
+              <a:off x="1148183" y="6062638"/>
               <a:ext cx="186466" cy="81746"/>
             </a:xfrm>
             <a:prstGeom prst="rect">
@@ -38741,7 +38741,7 @@
           </p:nvSpPr>
           <p:spPr>
             <a:xfrm>
-              <a:off x="1148183" y="5693957"/>
+              <a:off x="1148183" y="5693970"/>
               <a:ext cx="186466" cy="81691"/>
             </a:xfrm>
             <a:prstGeom prst="rect">
@@ -38787,7 +38787,7 @@
           </p:nvSpPr>
           <p:spPr>
             <a:xfrm>
-              <a:off x="1148183" y="5325275"/>
+              <a:off x="1148183" y="5325247"/>
               <a:ext cx="186466" cy="81691"/>
             </a:xfrm>
             <a:prstGeom prst="rect">
@@ -38833,7 +38833,7 @@
           </p:nvSpPr>
           <p:spPr>
             <a:xfrm>
-              <a:off x="1362485" y="6841696"/>
+              <a:off x="1362485" y="6841829"/>
               <a:ext cx="34794" cy="0"/>
             </a:xfrm>
             <a:custGeom>
@@ -38873,7 +38873,7 @@
           </p:nvSpPr>
           <p:spPr>
             <a:xfrm>
-              <a:off x="1362485" y="6473013"/>
+              <a:off x="1362485" y="6473106"/>
               <a:ext cx="34794" cy="0"/>
             </a:xfrm>
             <a:custGeom>
@@ -38913,7 +38913,7 @@
           </p:nvSpPr>
           <p:spPr>
             <a:xfrm>
-              <a:off x="1362485" y="6104331"/>
+              <a:off x="1362485" y="6104384"/>
               <a:ext cx="34794" cy="0"/>
             </a:xfrm>
             <a:custGeom>
@@ -38953,7 +38953,7 @@
           </p:nvSpPr>
           <p:spPr>
             <a:xfrm>
-              <a:off x="1362485" y="5735649"/>
+              <a:off x="1362485" y="5735661"/>
               <a:ext cx="34794" cy="0"/>
             </a:xfrm>
             <a:custGeom>
@@ -38993,7 +38993,7 @@
           </p:nvSpPr>
           <p:spPr>
             <a:xfrm>
-              <a:off x="1362485" y="5366966"/>
+              <a:off x="1362485" y="5366939"/>
               <a:ext cx="34794" cy="0"/>
             </a:xfrm>
             <a:custGeom>

--- a/Images/Figures_PPT/Jitter_Plot_LST8_Domain.pptx
+++ b/Images/Figures_PPT/Jitter_Plot_LST8_Domain.pptx
@@ -2359,7 +2359,7 @@
           </p:nvSpPr>
           <p:spPr>
             <a:xfrm>
-              <a:off x="1397280" y="2806803"/>
+              <a:off x="1397280" y="2806901"/>
               <a:ext cx="2817450" cy="0"/>
             </a:xfrm>
             <a:custGeom>
@@ -2402,7 +2402,7 @@
           </p:nvSpPr>
           <p:spPr>
             <a:xfrm>
-              <a:off x="1397280" y="2438080"/>
+              <a:off x="1397280" y="2438165"/>
               <a:ext cx="2817450" cy="0"/>
             </a:xfrm>
             <a:custGeom>
@@ -2445,7 +2445,7 @@
           </p:nvSpPr>
           <p:spPr>
             <a:xfrm>
-              <a:off x="1397280" y="2069357"/>
+              <a:off x="1397280" y="2069430"/>
               <a:ext cx="2817450" cy="0"/>
             </a:xfrm>
             <a:custGeom>
@@ -2488,7 +2488,7 @@
           </p:nvSpPr>
           <p:spPr>
             <a:xfrm>
-              <a:off x="1397280" y="1700635"/>
+              <a:off x="1397280" y="1700694"/>
               <a:ext cx="2817450" cy="0"/>
             </a:xfrm>
             <a:custGeom>
@@ -2531,7 +2531,7 @@
           </p:nvSpPr>
           <p:spPr>
             <a:xfrm>
-              <a:off x="1397280" y="2991164"/>
+              <a:off x="1397280" y="2991268"/>
               <a:ext cx="2817450" cy="0"/>
             </a:xfrm>
             <a:custGeom>
@@ -2574,7 +2574,7 @@
           </p:nvSpPr>
           <p:spPr>
             <a:xfrm>
-              <a:off x="1397280" y="2622441"/>
+              <a:off x="1397280" y="2622533"/>
               <a:ext cx="2817450" cy="0"/>
             </a:xfrm>
             <a:custGeom>
@@ -2617,7 +2617,7 @@
           </p:nvSpPr>
           <p:spPr>
             <a:xfrm>
-              <a:off x="1397280" y="2253719"/>
+              <a:off x="1397280" y="2253798"/>
               <a:ext cx="2817450" cy="0"/>
             </a:xfrm>
             <a:custGeom>
@@ -2660,7 +2660,7 @@
           </p:nvSpPr>
           <p:spPr>
             <a:xfrm>
-              <a:off x="1397280" y="1884996"/>
+              <a:off x="1397280" y="1885062"/>
               <a:ext cx="2817450" cy="0"/>
             </a:xfrm>
             <a:custGeom>
@@ -2703,7 +2703,7 @@
           </p:nvSpPr>
           <p:spPr>
             <a:xfrm>
-              <a:off x="1397280" y="1516274"/>
+              <a:off x="1397280" y="1516327"/>
               <a:ext cx="2817450" cy="0"/>
             </a:xfrm>
             <a:custGeom>
@@ -2875,7 +2875,7 @@
           </p:nvSpPr>
           <p:spPr>
             <a:xfrm>
-              <a:off x="2482965" y="2231838"/>
+              <a:off x="2711023" y="2231920"/>
               <a:ext cx="63202" cy="63202"/>
             </a:xfrm>
             <a:custGeom>
@@ -2918,7 +2918,7 @@
           </p:nvSpPr>
           <p:spPr>
             <a:xfrm>
-              <a:off x="2184471" y="2183378"/>
+              <a:off x="1616683" y="2183424"/>
               <a:ext cx="63202" cy="63202"/>
             </a:xfrm>
             <a:custGeom>
@@ -2961,7 +2961,7 @@
           </p:nvSpPr>
           <p:spPr>
             <a:xfrm>
-              <a:off x="3458063" y="2937410"/>
+              <a:off x="3497043" y="2937539"/>
               <a:ext cx="63202" cy="63202"/>
             </a:xfrm>
             <a:custGeom>
@@ -3004,7 +3004,7 @@
           </p:nvSpPr>
           <p:spPr>
             <a:xfrm>
-              <a:off x="3897490" y="2875405"/>
+              <a:off x="3831775" y="2875559"/>
               <a:ext cx="63202" cy="63202"/>
             </a:xfrm>
             <a:custGeom>
@@ -3047,7 +3047,7 @@
           </p:nvSpPr>
           <p:spPr>
             <a:xfrm>
-              <a:off x="3603224" y="2917857"/>
+              <a:off x="3769656" y="2918028"/>
               <a:ext cx="63202" cy="63202"/>
             </a:xfrm>
             <a:custGeom>
@@ -3090,7 +3090,7 @@
           </p:nvSpPr>
           <p:spPr>
             <a:xfrm>
-              <a:off x="2163705" y="2216271"/>
+              <a:off x="1619775" y="2216346"/>
               <a:ext cx="63202" cy="63202"/>
             </a:xfrm>
             <a:custGeom>
@@ -3133,7 +3133,7 @@
           </p:nvSpPr>
           <p:spPr>
             <a:xfrm>
-              <a:off x="2709110" y="2328801"/>
+              <a:off x="2449008" y="2328765"/>
               <a:ext cx="63202" cy="63202"/>
             </a:xfrm>
             <a:custGeom>
@@ -3176,7 +3176,7 @@
           </p:nvSpPr>
           <p:spPr>
             <a:xfrm>
-              <a:off x="3385137" y="2887154"/>
+              <a:off x="3425034" y="2887363"/>
               <a:ext cx="63202" cy="63202"/>
             </a:xfrm>
             <a:custGeom>
@@ -3219,7 +3219,7 @@
           </p:nvSpPr>
           <p:spPr>
             <a:xfrm>
-              <a:off x="2032042" y="2152430"/>
+              <a:off x="1727783" y="2152533"/>
               <a:ext cx="63202" cy="63202"/>
             </a:xfrm>
             <a:custGeom>
@@ -3262,7 +3262,7 @@
           </p:nvSpPr>
           <p:spPr>
             <a:xfrm>
-              <a:off x="3583004" y="2874992"/>
+              <a:off x="3839305" y="2875248"/>
               <a:ext cx="63202" cy="63202"/>
             </a:xfrm>
             <a:custGeom>
@@ -3305,7 +3305,7 @@
           </p:nvSpPr>
           <p:spPr>
             <a:xfrm>
-              <a:off x="2992929" y="2505982"/>
+              <a:off x="3046715" y="2506210"/>
               <a:ext cx="63202" cy="63202"/>
             </a:xfrm>
             <a:custGeom>
@@ -3348,7 +3348,7 @@
           </p:nvSpPr>
           <p:spPr>
             <a:xfrm>
-              <a:off x="3751548" y="2896419"/>
+              <a:off x="3867170" y="2896601"/>
               <a:ext cx="63202" cy="63202"/>
             </a:xfrm>
             <a:custGeom>
@@ -3391,7 +3391,7 @@
           </p:nvSpPr>
           <p:spPr>
             <a:xfrm>
-              <a:off x="3648337" y="2893131"/>
+              <a:off x="3504446" y="2893416"/>
               <a:ext cx="63202" cy="63202"/>
             </a:xfrm>
             <a:custGeom>
@@ -3434,7 +3434,7 @@
           </p:nvSpPr>
           <p:spPr>
             <a:xfrm>
-              <a:off x="1742046" y="2152473"/>
+              <a:off x="1861436" y="2152378"/>
               <a:ext cx="63202" cy="63202"/>
             </a:xfrm>
             <a:custGeom>
@@ -3477,7 +3477,7 @@
           </p:nvSpPr>
           <p:spPr>
             <a:xfrm>
-              <a:off x="3989255" y="2921595"/>
+              <a:off x="3698248" y="2921784"/>
               <a:ext cx="63202" cy="63202"/>
             </a:xfrm>
             <a:custGeom>
@@ -3520,7 +3520,7 @@
           </p:nvSpPr>
           <p:spPr>
             <a:xfrm>
-              <a:off x="2707818" y="2436825"/>
+              <a:off x="2711137" y="2436838"/>
               <a:ext cx="63202" cy="63202"/>
             </a:xfrm>
             <a:custGeom>
@@ -3563,7 +3563,7 @@
           </p:nvSpPr>
           <p:spPr>
             <a:xfrm>
-              <a:off x="3402039" y="2896392"/>
+              <a:off x="3690824" y="2896470"/>
               <a:ext cx="63202" cy="63202"/>
             </a:xfrm>
             <a:custGeom>
@@ -3606,7 +3606,7 @@
           </p:nvSpPr>
           <p:spPr>
             <a:xfrm>
-              <a:off x="3839270" y="2896640"/>
+              <a:off x="3815231" y="2896491"/>
               <a:ext cx="63202" cy="63202"/>
             </a:xfrm>
             <a:custGeom>
@@ -3649,7 +3649,7 @@
           </p:nvSpPr>
           <p:spPr>
             <a:xfrm>
-              <a:off x="3424637" y="2893113"/>
+              <a:off x="3994407" y="2893435"/>
               <a:ext cx="63202" cy="63202"/>
             </a:xfrm>
             <a:custGeom>
@@ -3692,7 +3692,7 @@
           </p:nvSpPr>
           <p:spPr>
             <a:xfrm>
-              <a:off x="3366089" y="2896566"/>
+              <a:off x="3882015" y="2896473"/>
               <a:ext cx="63202" cy="63202"/>
             </a:xfrm>
             <a:custGeom>
@@ -3735,7 +3735,7 @@
           </p:nvSpPr>
           <p:spPr>
             <a:xfrm>
-              <a:off x="3544225" y="2896596"/>
+              <a:off x="3563155" y="2896583"/>
               <a:ext cx="63202" cy="63202"/>
             </a:xfrm>
             <a:custGeom>
@@ -3778,7 +3778,7 @@
           </p:nvSpPr>
           <p:spPr>
             <a:xfrm>
-              <a:off x="3903390" y="2893070"/>
+              <a:off x="3928300" y="2893440"/>
               <a:ext cx="63202" cy="63202"/>
             </a:xfrm>
             <a:custGeom>
@@ -3821,7 +3821,7 @@
           </p:nvSpPr>
           <p:spPr>
             <a:xfrm>
-              <a:off x="3691274" y="2896545"/>
+              <a:off x="3664953" y="2896475"/>
               <a:ext cx="63202" cy="63202"/>
             </a:xfrm>
             <a:custGeom>
@@ -3864,7 +3864,7 @@
           </p:nvSpPr>
           <p:spPr>
             <a:xfrm>
-              <a:off x="3509424" y="2891015"/>
+              <a:off x="3510148" y="2891201"/>
               <a:ext cx="63202" cy="63202"/>
             </a:xfrm>
             <a:custGeom>
@@ -3907,7 +3907,7 @@
           </p:nvSpPr>
           <p:spPr>
             <a:xfrm>
-              <a:off x="3358885" y="2888150"/>
+              <a:off x="3371188" y="2888172"/>
               <a:ext cx="63202" cy="63202"/>
             </a:xfrm>
             <a:custGeom>
@@ -3950,7 +3950,7 @@
           </p:nvSpPr>
           <p:spPr>
             <a:xfrm>
-              <a:off x="3792715" y="2896547"/>
+              <a:off x="3369099" y="2896512"/>
               <a:ext cx="63202" cy="63202"/>
             </a:xfrm>
             <a:custGeom>
@@ -3993,7 +3993,7 @@
           </p:nvSpPr>
           <p:spPr>
             <a:xfrm>
-              <a:off x="3438027" y="2901601"/>
+              <a:off x="3863168" y="2901782"/>
               <a:ext cx="63202" cy="63202"/>
             </a:xfrm>
             <a:custGeom>
@@ -4036,7 +4036,7 @@
           </p:nvSpPr>
           <p:spPr>
             <a:xfrm>
-              <a:off x="3446195" y="2905424"/>
+              <a:off x="3528929" y="2905440"/>
               <a:ext cx="63202" cy="63202"/>
             </a:xfrm>
             <a:custGeom>
@@ -4079,7 +4079,7 @@
           </p:nvSpPr>
           <p:spPr>
             <a:xfrm>
-              <a:off x="2974244" y="2226410"/>
+              <a:off x="2533255" y="2226493"/>
               <a:ext cx="63202" cy="63202"/>
             </a:xfrm>
             <a:custGeom>
@@ -4122,7 +4122,7 @@
           </p:nvSpPr>
           <p:spPr>
             <a:xfrm>
-              <a:off x="3025433" y="2238036"/>
+              <a:off x="2817952" y="2238163"/>
               <a:ext cx="63202" cy="63202"/>
             </a:xfrm>
             <a:custGeom>
@@ -4165,7 +4165,7 @@
           </p:nvSpPr>
           <p:spPr>
             <a:xfrm>
-              <a:off x="3450260" y="2892504"/>
+              <a:off x="3694831" y="2892498"/>
               <a:ext cx="63202" cy="63202"/>
             </a:xfrm>
             <a:custGeom>
@@ -4208,7 +4208,7 @@
           </p:nvSpPr>
           <p:spPr>
             <a:xfrm>
-              <a:off x="3663494" y="2928150"/>
+              <a:off x="3684621" y="2928465"/>
               <a:ext cx="63202" cy="63202"/>
             </a:xfrm>
             <a:custGeom>
@@ -4251,7 +4251,7 @@
           </p:nvSpPr>
           <p:spPr>
             <a:xfrm>
-              <a:off x="3800803" y="2896371"/>
+              <a:off x="3383251" y="2896654"/>
               <a:ext cx="63202" cy="63202"/>
             </a:xfrm>
             <a:custGeom>
@@ -4294,7 +4294,7 @@
           </p:nvSpPr>
           <p:spPr>
             <a:xfrm>
-              <a:off x="2669686" y="2483574"/>
+              <a:off x="2544405" y="2483722"/>
               <a:ext cx="63202" cy="63202"/>
             </a:xfrm>
             <a:custGeom>
@@ -4337,7 +4337,7 @@
           </p:nvSpPr>
           <p:spPr>
             <a:xfrm>
-              <a:off x="2523080" y="2501208"/>
+              <a:off x="2854770" y="2501254"/>
               <a:ext cx="63202" cy="63202"/>
             </a:xfrm>
             <a:custGeom>
@@ -4380,7 +4380,7 @@
           </p:nvSpPr>
           <p:spPr>
             <a:xfrm>
-              <a:off x="2713586" y="2338637"/>
+              <a:off x="2842607" y="2338814"/>
               <a:ext cx="63202" cy="63202"/>
             </a:xfrm>
             <a:custGeom>
@@ -4423,7 +4423,7 @@
           </p:nvSpPr>
           <p:spPr>
             <a:xfrm>
-              <a:off x="1750398" y="2145045"/>
+              <a:off x="1997163" y="2145271"/>
               <a:ext cx="63202" cy="63202"/>
             </a:xfrm>
             <a:custGeom>
@@ -4466,7 +4466,7 @@
           </p:nvSpPr>
           <p:spPr>
             <a:xfrm>
-              <a:off x="1963998" y="2151247"/>
+              <a:off x="1785817" y="2151319"/>
               <a:ext cx="63202" cy="63202"/>
             </a:xfrm>
             <a:custGeom>
@@ -4509,7 +4509,7 @@
           </p:nvSpPr>
           <p:spPr>
             <a:xfrm>
-              <a:off x="1925696" y="2154325"/>
+              <a:off x="2206839" y="2154250"/>
               <a:ext cx="63202" cy="63202"/>
             </a:xfrm>
             <a:custGeom>
@@ -4552,7 +4552,7 @@
           </p:nvSpPr>
           <p:spPr>
             <a:xfrm>
-              <a:off x="3504116" y="2921444"/>
+              <a:off x="3543620" y="2921687"/>
               <a:ext cx="63202" cy="63202"/>
             </a:xfrm>
             <a:custGeom>
@@ -4595,7 +4595,7 @@
           </p:nvSpPr>
           <p:spPr>
             <a:xfrm>
-              <a:off x="3999702" y="2874693"/>
+              <a:off x="3580519" y="2874775"/>
               <a:ext cx="63202" cy="63202"/>
             </a:xfrm>
             <a:custGeom>
@@ -4638,7 +4638,7 @@
           </p:nvSpPr>
           <p:spPr>
             <a:xfrm>
-              <a:off x="2210594" y="1953958"/>
+              <a:off x="1543649" y="1954239"/>
               <a:ext cx="63202" cy="63202"/>
             </a:xfrm>
             <a:custGeom>
@@ -4681,7 +4681,7 @@
           </p:nvSpPr>
           <p:spPr>
             <a:xfrm>
-              <a:off x="3696532" y="2935163"/>
+              <a:off x="3458700" y="2935203"/>
               <a:ext cx="63202" cy="63202"/>
             </a:xfrm>
             <a:custGeom>
@@ -4724,7 +4724,7 @@
           </p:nvSpPr>
           <p:spPr>
             <a:xfrm>
-              <a:off x="2525029" y="2299470"/>
+              <a:off x="2924874" y="2299734"/>
               <a:ext cx="63202" cy="63202"/>
             </a:xfrm>
             <a:custGeom>
@@ -4767,7 +4767,7 @@
           </p:nvSpPr>
           <p:spPr>
             <a:xfrm>
-              <a:off x="2872733" y="2416019"/>
+              <a:off x="3107879" y="2416085"/>
               <a:ext cx="63202" cy="63202"/>
             </a:xfrm>
             <a:custGeom>
@@ -4810,7 +4810,7 @@
           </p:nvSpPr>
           <p:spPr>
             <a:xfrm>
-              <a:off x="3595074" y="2862453"/>
+              <a:off x="3402388" y="2862801"/>
               <a:ext cx="63202" cy="63202"/>
             </a:xfrm>
             <a:custGeom>
@@ -4853,7 +4853,7 @@
           </p:nvSpPr>
           <p:spPr>
             <a:xfrm>
-              <a:off x="1726459" y="2155468"/>
+              <a:off x="1792400" y="2155386"/>
               <a:ext cx="63202" cy="63202"/>
             </a:xfrm>
             <a:custGeom>
@@ -4952,7 +4952,7 @@
           </p:nvSpPr>
           <p:spPr>
             <a:xfrm>
-              <a:off x="1397280" y="4732135"/>
+              <a:off x="1397280" y="4732233"/>
               <a:ext cx="2817450" cy="0"/>
             </a:xfrm>
             <a:custGeom>
@@ -4995,7 +4995,7 @@
           </p:nvSpPr>
           <p:spPr>
             <a:xfrm>
-              <a:off x="1397280" y="4363413"/>
+              <a:off x="1397280" y="4363498"/>
               <a:ext cx="2817450" cy="0"/>
             </a:xfrm>
             <a:custGeom>
@@ -5038,7 +5038,7 @@
           </p:nvSpPr>
           <p:spPr>
             <a:xfrm>
-              <a:off x="1397280" y="3994690"/>
+              <a:off x="1397280" y="3994762"/>
               <a:ext cx="2817450" cy="0"/>
             </a:xfrm>
             <a:custGeom>
@@ -5081,7 +5081,7 @@
           </p:nvSpPr>
           <p:spPr>
             <a:xfrm>
-              <a:off x="1397280" y="3625967"/>
+              <a:off x="1397280" y="3626027"/>
               <a:ext cx="2817450" cy="0"/>
             </a:xfrm>
             <a:custGeom>
@@ -5124,7 +5124,7 @@
           </p:nvSpPr>
           <p:spPr>
             <a:xfrm>
-              <a:off x="1397280" y="4916496"/>
+              <a:off x="1397280" y="4916601"/>
               <a:ext cx="2817450" cy="0"/>
             </a:xfrm>
             <a:custGeom>
@@ -5167,7 +5167,7 @@
           </p:nvSpPr>
           <p:spPr>
             <a:xfrm>
-              <a:off x="1397280" y="4547774"/>
+              <a:off x="1397280" y="4547865"/>
               <a:ext cx="2817450" cy="0"/>
             </a:xfrm>
             <a:custGeom>
@@ -5210,7 +5210,7 @@
           </p:nvSpPr>
           <p:spPr>
             <a:xfrm>
-              <a:off x="1397280" y="4179051"/>
+              <a:off x="1397280" y="4179130"/>
               <a:ext cx="2817450" cy="0"/>
             </a:xfrm>
             <a:custGeom>
@@ -5253,7 +5253,7 @@
           </p:nvSpPr>
           <p:spPr>
             <a:xfrm>
-              <a:off x="1397280" y="3810329"/>
+              <a:off x="1397280" y="3810395"/>
               <a:ext cx="2817450" cy="0"/>
             </a:xfrm>
             <a:custGeom>
@@ -5296,7 +5296,7 @@
           </p:nvSpPr>
           <p:spPr>
             <a:xfrm>
-              <a:off x="1397280" y="3441606"/>
+              <a:off x="1397280" y="3441659"/>
               <a:ext cx="2817450" cy="0"/>
             </a:xfrm>
             <a:custGeom>
@@ -5468,7 +5468,7 @@
           </p:nvSpPr>
           <p:spPr>
             <a:xfrm>
-              <a:off x="2550305" y="4532839"/>
+              <a:off x="2946304" y="4533000"/>
               <a:ext cx="63202" cy="63202"/>
             </a:xfrm>
             <a:custGeom>
@@ -5511,7 +5511,7 @@
           </p:nvSpPr>
           <p:spPr>
             <a:xfrm>
-              <a:off x="2940842" y="4471856"/>
+              <a:off x="2512103" y="4471956"/>
               <a:ext cx="63202" cy="63202"/>
             </a:xfrm>
             <a:custGeom>
@@ -5554,7 +5554,7 @@
           </p:nvSpPr>
           <p:spPr>
             <a:xfrm>
-              <a:off x="2697382" y="4537428"/>
+              <a:off x="2999076" y="4537555"/>
               <a:ext cx="63202" cy="63202"/>
             </a:xfrm>
             <a:custGeom>
@@ -5597,7 +5597,7 @@
           </p:nvSpPr>
           <p:spPr>
             <a:xfrm>
-              <a:off x="3108919" y="4565898"/>
+              <a:off x="2827500" y="4566023"/>
               <a:ext cx="63202" cy="63202"/>
             </a:xfrm>
             <a:custGeom>
@@ -5640,7 +5640,7 @@
           </p:nvSpPr>
           <p:spPr>
             <a:xfrm>
-              <a:off x="2822358" y="4536085"/>
+              <a:off x="2948869" y="4536237"/>
               <a:ext cx="63202" cy="63202"/>
             </a:xfrm>
             <a:custGeom>
@@ -5683,7 +5683,7 @@
           </p:nvSpPr>
           <p:spPr>
             <a:xfrm>
-              <a:off x="2882985" y="4566700"/>
+              <a:off x="2984640" y="4566867"/>
               <a:ext cx="63202" cy="63202"/>
             </a:xfrm>
             <a:custGeom>
@@ -5726,7 +5726,7 @@
           </p:nvSpPr>
           <p:spPr>
             <a:xfrm>
-              <a:off x="3987856" y="4708755"/>
+              <a:off x="3336809" y="4708861"/>
               <a:ext cx="63202" cy="63202"/>
             </a:xfrm>
             <a:custGeom>
@@ -5769,7 +5769,7 @@
           </p:nvSpPr>
           <p:spPr>
             <a:xfrm>
-              <a:off x="2703610" y="4496776"/>
+              <a:off x="2458372" y="4496587"/>
               <a:ext cx="63202" cy="63202"/>
             </a:xfrm>
             <a:custGeom>
@@ -5812,7 +5812,7 @@
           </p:nvSpPr>
           <p:spPr>
             <a:xfrm>
-              <a:off x="3662653" y="4812140"/>
+              <a:off x="3616242" y="4812420"/>
               <a:ext cx="63202" cy="63202"/>
             </a:xfrm>
             <a:custGeom>
@@ -5855,7 +5855,7 @@
           </p:nvSpPr>
           <p:spPr>
             <a:xfrm>
-              <a:off x="3557746" y="4846780"/>
+              <a:off x="3608477" y="4847106"/>
               <a:ext cx="63202" cy="63202"/>
             </a:xfrm>
             <a:custGeom>
@@ -5898,7 +5898,7 @@
           </p:nvSpPr>
           <p:spPr>
             <a:xfrm>
-              <a:off x="3808933" y="4789765"/>
+              <a:off x="3351989" y="4789794"/>
               <a:ext cx="63202" cy="63202"/>
             </a:xfrm>
             <a:custGeom>
@@ -5941,7 +5941,7 @@
           </p:nvSpPr>
           <p:spPr>
             <a:xfrm>
-              <a:off x="2494695" y="4383839"/>
+              <a:off x="2654282" y="4383896"/>
               <a:ext cx="63202" cy="63202"/>
             </a:xfrm>
             <a:custGeom>
@@ -5984,7 +5984,7 @@
           </p:nvSpPr>
           <p:spPr>
             <a:xfrm>
-              <a:off x="3111345" y="4550129"/>
+              <a:off x="3066938" y="4550277"/>
               <a:ext cx="63202" cy="63202"/>
             </a:xfrm>
             <a:custGeom>
@@ -6027,7 +6027,7 @@
           </p:nvSpPr>
           <p:spPr>
             <a:xfrm>
-              <a:off x="3751894" y="4737817"/>
+              <a:off x="3936273" y="4737835"/>
               <a:ext cx="63202" cy="63202"/>
             </a:xfrm>
             <a:custGeom>
@@ -6070,7 +6070,7 @@
           </p:nvSpPr>
           <p:spPr>
             <a:xfrm>
-              <a:off x="1728393" y="3909873"/>
+              <a:off x="1719495" y="3910013"/>
               <a:ext cx="63202" cy="63202"/>
             </a:xfrm>
             <a:custGeom>
@@ -6113,7 +6113,7 @@
           </p:nvSpPr>
           <p:spPr>
             <a:xfrm>
-              <a:off x="1779765" y="3882421"/>
+              <a:off x="1812093" y="3882388"/>
               <a:ext cx="63202" cy="63202"/>
             </a:xfrm>
             <a:custGeom>
@@ -6156,7 +6156,7 @@
           </p:nvSpPr>
           <p:spPr>
             <a:xfrm>
-              <a:off x="1911078" y="3767560"/>
+              <a:off x="2197226" y="3767878"/>
               <a:ext cx="63202" cy="63202"/>
             </a:xfrm>
             <a:custGeom>
@@ -6199,7 +6199,7 @@
           </p:nvSpPr>
           <p:spPr>
             <a:xfrm>
-              <a:off x="3414652" y="4729175"/>
+              <a:off x="3604880" y="4729360"/>
               <a:ext cx="63202" cy="63202"/>
             </a:xfrm>
             <a:custGeom>
@@ -6242,7 +6242,7 @@
           </p:nvSpPr>
           <p:spPr>
             <a:xfrm>
-              <a:off x="2813507" y="4520553"/>
+              <a:off x="2550264" y="4520692"/>
               <a:ext cx="63202" cy="63202"/>
             </a:xfrm>
             <a:custGeom>
@@ -6285,7 +6285,7 @@
           </p:nvSpPr>
           <p:spPr>
             <a:xfrm>
-              <a:off x="2785097" y="4528360"/>
+              <a:off x="2853591" y="4528347"/>
               <a:ext cx="63202" cy="63202"/>
             </a:xfrm>
             <a:custGeom>
@@ -6328,7 +6328,7 @@
           </p:nvSpPr>
           <p:spPr>
             <a:xfrm>
-              <a:off x="3967778" y="4797867"/>
+              <a:off x="3876942" y="4798042"/>
               <a:ext cx="63202" cy="63202"/>
             </a:xfrm>
             <a:custGeom>
@@ -6427,7 +6427,7 @@
           </p:nvSpPr>
           <p:spPr>
             <a:xfrm>
-              <a:off x="1397280" y="6657468"/>
+              <a:off x="1397280" y="6657566"/>
               <a:ext cx="2817450" cy="0"/>
             </a:xfrm>
             <a:custGeom>
@@ -6470,7 +6470,7 @@
           </p:nvSpPr>
           <p:spPr>
             <a:xfrm>
-              <a:off x="1397280" y="6288745"/>
+              <a:off x="1397280" y="6288830"/>
               <a:ext cx="2817450" cy="0"/>
             </a:xfrm>
             <a:custGeom>
@@ -6513,7 +6513,7 @@
           </p:nvSpPr>
           <p:spPr>
             <a:xfrm>
-              <a:off x="1397280" y="5920023"/>
+              <a:off x="1397280" y="5920095"/>
               <a:ext cx="2817450" cy="0"/>
             </a:xfrm>
             <a:custGeom>
@@ -6556,7 +6556,7 @@
           </p:nvSpPr>
           <p:spPr>
             <a:xfrm>
-              <a:off x="1397280" y="5551300"/>
+              <a:off x="1397280" y="5551360"/>
               <a:ext cx="2817450" cy="0"/>
             </a:xfrm>
             <a:custGeom>
@@ -6599,7 +6599,7 @@
           </p:nvSpPr>
           <p:spPr>
             <a:xfrm>
-              <a:off x="1397280" y="6841829"/>
+              <a:off x="1397280" y="6841933"/>
               <a:ext cx="2817450" cy="0"/>
             </a:xfrm>
             <a:custGeom>
@@ -6642,7 +6642,7 @@
           </p:nvSpPr>
           <p:spPr>
             <a:xfrm>
-              <a:off x="1397280" y="6473106"/>
+              <a:off x="1397280" y="6473198"/>
               <a:ext cx="2817450" cy="0"/>
             </a:xfrm>
             <a:custGeom>
@@ -6685,7 +6685,7 @@
           </p:nvSpPr>
           <p:spPr>
             <a:xfrm>
-              <a:off x="1397280" y="6104384"/>
+              <a:off x="1397280" y="6104463"/>
               <a:ext cx="2817450" cy="0"/>
             </a:xfrm>
             <a:custGeom>
@@ -6728,7 +6728,7 @@
           </p:nvSpPr>
           <p:spPr>
             <a:xfrm>
-              <a:off x="1397280" y="5735661"/>
+              <a:off x="1397280" y="5735727"/>
               <a:ext cx="2817450" cy="0"/>
             </a:xfrm>
             <a:custGeom>
@@ -6771,7 +6771,7 @@
           </p:nvSpPr>
           <p:spPr>
             <a:xfrm>
-              <a:off x="1397280" y="5366939"/>
+              <a:off x="1397280" y="5366992"/>
               <a:ext cx="2817450" cy="0"/>
             </a:xfrm>
             <a:custGeom>
@@ -6943,7 +6943,7 @@
           </p:nvSpPr>
           <p:spPr>
             <a:xfrm>
-              <a:off x="1827109" y="5748752"/>
+              <a:off x="2038368" y="5748890"/>
               <a:ext cx="63202" cy="63202"/>
             </a:xfrm>
             <a:custGeom>
@@ -6986,7 +6986,7 @@
           </p:nvSpPr>
           <p:spPr>
             <a:xfrm>
-              <a:off x="1687651" y="5841107"/>
+              <a:off x="1606066" y="5841271"/>
               <a:ext cx="63202" cy="63202"/>
             </a:xfrm>
             <a:custGeom>
@@ -7029,7 +7029,7 @@
           </p:nvSpPr>
           <p:spPr>
             <a:xfrm>
-              <a:off x="1549221" y="5830144"/>
+              <a:off x="2216052" y="5830139"/>
               <a:ext cx="63202" cy="63202"/>
             </a:xfrm>
             <a:custGeom>
@@ -7072,7 +7072,7 @@
           </p:nvSpPr>
           <p:spPr>
             <a:xfrm>
-              <a:off x="1571605" y="5825838"/>
+              <a:off x="1760219" y="5825777"/>
               <a:ext cx="63202" cy="63202"/>
             </a:xfrm>
             <a:custGeom>
@@ -7115,7 +7115,7 @@
           </p:nvSpPr>
           <p:spPr>
             <a:xfrm>
-              <a:off x="3335529" y="6749455"/>
+              <a:off x="3469946" y="6749352"/>
               <a:ext cx="63202" cy="63202"/>
             </a:xfrm>
             <a:custGeom>
@@ -7158,7 +7158,7 @@
           </p:nvSpPr>
           <p:spPr>
             <a:xfrm>
-              <a:off x="1860611" y="5978802"/>
+              <a:off x="1772858" y="5978771"/>
               <a:ext cx="63202" cy="63202"/>
             </a:xfrm>
             <a:custGeom>
@@ -7201,7 +7201,7 @@
           </p:nvSpPr>
           <p:spPr>
             <a:xfrm>
-              <a:off x="1672594" y="5771032"/>
+              <a:off x="2152520" y="5771318"/>
               <a:ext cx="63202" cy="63202"/>
             </a:xfrm>
             <a:custGeom>
@@ -7244,7 +7244,7 @@
           </p:nvSpPr>
           <p:spPr>
             <a:xfrm>
-              <a:off x="1880334" y="5787517"/>
+              <a:off x="1727071" y="5787467"/>
               <a:ext cx="63202" cy="63202"/>
             </a:xfrm>
             <a:custGeom>
@@ -7287,7 +7287,7 @@
           </p:nvSpPr>
           <p:spPr>
             <a:xfrm>
-              <a:off x="1545614" y="5958190"/>
+              <a:off x="1815303" y="5958299"/>
               <a:ext cx="63202" cy="63202"/>
             </a:xfrm>
             <a:custGeom>
@@ -7330,7 +7330,7 @@
           </p:nvSpPr>
           <p:spPr>
             <a:xfrm>
-              <a:off x="2233187" y="5835781"/>
+              <a:off x="1725111" y="5835768"/>
               <a:ext cx="63202" cy="63202"/>
             </a:xfrm>
             <a:custGeom>
@@ -7373,7 +7373,7 @@
           </p:nvSpPr>
           <p:spPr>
             <a:xfrm>
-              <a:off x="1632216" y="6061724"/>
+              <a:off x="1547914" y="6061906"/>
               <a:ext cx="63202" cy="63202"/>
             </a:xfrm>
             <a:custGeom>
@@ -7416,7 +7416,7 @@
           </p:nvSpPr>
           <p:spPr>
             <a:xfrm>
-              <a:off x="2429343" y="6243147"/>
+              <a:off x="2691672" y="6243201"/>
               <a:ext cx="63202" cy="63202"/>
             </a:xfrm>
             <a:custGeom>
@@ -7459,7 +7459,7 @@
           </p:nvSpPr>
           <p:spPr>
             <a:xfrm>
-              <a:off x="1966244" y="5787530"/>
+              <a:off x="1785043" y="5787357"/>
               <a:ext cx="63202" cy="63202"/>
             </a:xfrm>
             <a:custGeom>
@@ -7502,7 +7502,7 @@
           </p:nvSpPr>
           <p:spPr>
             <a:xfrm>
-              <a:off x="2030257" y="6038728"/>
+              <a:off x="2232012" y="6039048"/>
               <a:ext cx="63202" cy="63202"/>
             </a:xfrm>
             <a:custGeom>
@@ -7545,7 +7545,7 @@
           </p:nvSpPr>
           <p:spPr>
             <a:xfrm>
-              <a:off x="2715489" y="6079868"/>
+              <a:off x="2875961" y="6079735"/>
               <a:ext cx="63202" cy="63202"/>
             </a:xfrm>
             <a:custGeom>
@@ -7588,7 +7588,7 @@
           </p:nvSpPr>
           <p:spPr>
             <a:xfrm>
-              <a:off x="1725041" y="6011575"/>
+              <a:off x="2002400" y="6011775"/>
               <a:ext cx="63202" cy="63202"/>
             </a:xfrm>
             <a:custGeom>
@@ -7631,7 +7631,7 @@
           </p:nvSpPr>
           <p:spPr>
             <a:xfrm>
-              <a:off x="1716054" y="5829775"/>
+              <a:off x="1889511" y="5830012"/>
               <a:ext cx="63202" cy="63202"/>
             </a:xfrm>
             <a:custGeom>
@@ -7674,7 +7674,7 @@
           </p:nvSpPr>
           <p:spPr>
             <a:xfrm>
-              <a:off x="1826610" y="5995276"/>
+              <a:off x="1654872" y="5995291"/>
               <a:ext cx="63202" cy="63202"/>
             </a:xfrm>
             <a:custGeom>
@@ -7717,7 +7717,7 @@
           </p:nvSpPr>
           <p:spPr>
             <a:xfrm>
-              <a:off x="2076810" y="5926854"/>
+              <a:off x="1787934" y="5926757"/>
               <a:ext cx="63202" cy="63202"/>
             </a:xfrm>
             <a:custGeom>
@@ -7760,7 +7760,7 @@
           </p:nvSpPr>
           <p:spPr>
             <a:xfrm>
-              <a:off x="1561471" y="6037664"/>
+              <a:off x="1713223" y="6037841"/>
               <a:ext cx="63202" cy="63202"/>
             </a:xfrm>
             <a:custGeom>
@@ -7803,7 +7803,7 @@
           </p:nvSpPr>
           <p:spPr>
             <a:xfrm>
-              <a:off x="2502332" y="6087838"/>
+              <a:off x="3005053" y="6088018"/>
               <a:ext cx="63202" cy="63202"/>
             </a:xfrm>
             <a:custGeom>
@@ -7846,7 +7846,7 @@
           </p:nvSpPr>
           <p:spPr>
             <a:xfrm>
-              <a:off x="1999623" y="5765714"/>
+              <a:off x="1997466" y="5765796"/>
               <a:ext cx="63202" cy="63202"/>
             </a:xfrm>
             <a:custGeom>
@@ -7889,7 +7889,7 @@
           </p:nvSpPr>
           <p:spPr>
             <a:xfrm>
-              <a:off x="1887059" y="5708014"/>
+              <a:off x="2001785" y="5708308"/>
               <a:ext cx="63202" cy="63202"/>
             </a:xfrm>
             <a:custGeom>
@@ -7932,7 +7932,7 @@
           </p:nvSpPr>
           <p:spPr>
             <a:xfrm>
-              <a:off x="1873729" y="5707346"/>
+              <a:off x="1741687" y="5707454"/>
               <a:ext cx="63202" cy="63202"/>
             </a:xfrm>
             <a:custGeom>
@@ -7975,7 +7975,7 @@
           </p:nvSpPr>
           <p:spPr>
             <a:xfrm>
-              <a:off x="1877497" y="5760178"/>
+              <a:off x="2023732" y="5760271"/>
               <a:ext cx="63202" cy="63202"/>
             </a:xfrm>
             <a:custGeom>
@@ -8018,7 +8018,7 @@
           </p:nvSpPr>
           <p:spPr>
             <a:xfrm>
-              <a:off x="3117756" y="6324759"/>
+              <a:off x="2870605" y="6324612"/>
               <a:ext cx="63202" cy="63202"/>
             </a:xfrm>
             <a:custGeom>
@@ -8061,7 +8061,7 @@
           </p:nvSpPr>
           <p:spPr>
             <a:xfrm>
-              <a:off x="1941359" y="5555435"/>
+              <a:off x="2098678" y="5555669"/>
               <a:ext cx="63202" cy="63202"/>
             </a:xfrm>
             <a:custGeom>
@@ -8104,7 +8104,7 @@
           </p:nvSpPr>
           <p:spPr>
             <a:xfrm>
-              <a:off x="1710438" y="5909732"/>
+              <a:off x="1964475" y="5909869"/>
               <a:ext cx="63202" cy="63202"/>
             </a:xfrm>
             <a:custGeom>
@@ -8147,7 +8147,7 @@
           </p:nvSpPr>
           <p:spPr>
             <a:xfrm>
-              <a:off x="1994597" y="5956342"/>
+              <a:off x="1548611" y="5956313"/>
               <a:ext cx="63202" cy="63202"/>
             </a:xfrm>
             <a:custGeom>
@@ -8190,7 +8190,7 @@
           </p:nvSpPr>
           <p:spPr>
             <a:xfrm>
-              <a:off x="2060482" y="5754173"/>
+              <a:off x="2100994" y="5754381"/>
               <a:ext cx="63202" cy="63202"/>
             </a:xfrm>
             <a:custGeom>
@@ -8233,7 +8233,7 @@
           </p:nvSpPr>
           <p:spPr>
             <a:xfrm>
-              <a:off x="2051864" y="5846896"/>
+              <a:off x="2115729" y="5846908"/>
               <a:ext cx="63202" cy="63202"/>
             </a:xfrm>
             <a:custGeom>
@@ -8276,7 +8276,7 @@
           </p:nvSpPr>
           <p:spPr>
             <a:xfrm>
-              <a:off x="1877730" y="5824220"/>
+              <a:off x="1952570" y="5824271"/>
               <a:ext cx="63202" cy="63202"/>
             </a:xfrm>
             <a:custGeom>
@@ -8319,7 +8319,7 @@
           </p:nvSpPr>
           <p:spPr>
             <a:xfrm>
-              <a:off x="3353729" y="6753016"/>
+              <a:off x="3943935" y="6753226"/>
               <a:ext cx="63202" cy="63202"/>
             </a:xfrm>
             <a:custGeom>
@@ -8362,7 +8362,7 @@
           </p:nvSpPr>
           <p:spPr>
             <a:xfrm>
-              <a:off x="1664308" y="5884446"/>
+              <a:off x="1872880" y="5884447"/>
               <a:ext cx="63202" cy="63202"/>
             </a:xfrm>
             <a:custGeom>
@@ -8405,7 +8405,7 @@
           </p:nvSpPr>
           <p:spPr>
             <a:xfrm>
-              <a:off x="1918630" y="5957873"/>
+              <a:off x="2216046" y="5957903"/>
               <a:ext cx="63202" cy="63202"/>
             </a:xfrm>
             <a:custGeom>
@@ -8448,7 +8448,7 @@
           </p:nvSpPr>
           <p:spPr>
             <a:xfrm>
-              <a:off x="2457876" y="6495737"/>
+              <a:off x="2490173" y="6495746"/>
               <a:ext cx="63202" cy="63202"/>
             </a:xfrm>
             <a:custGeom>
@@ -8491,7 +8491,7 @@
           </p:nvSpPr>
           <p:spPr>
             <a:xfrm>
-              <a:off x="1633603" y="5667560"/>
+              <a:off x="1670192" y="5667673"/>
               <a:ext cx="63202" cy="63202"/>
             </a:xfrm>
             <a:custGeom>
@@ -8534,7 +8534,7 @@
           </p:nvSpPr>
           <p:spPr>
             <a:xfrm>
-              <a:off x="1948681" y="5825885"/>
+              <a:off x="1717462" y="5825720"/>
               <a:ext cx="63202" cy="63202"/>
             </a:xfrm>
             <a:custGeom>
@@ -8577,7 +8577,7 @@
           </p:nvSpPr>
           <p:spPr>
             <a:xfrm>
-              <a:off x="1852549" y="5757905"/>
+              <a:off x="1825912" y="5757898"/>
               <a:ext cx="63202" cy="63202"/>
             </a:xfrm>
             <a:custGeom>
@@ -8620,7 +8620,7 @@
           </p:nvSpPr>
           <p:spPr>
             <a:xfrm>
-              <a:off x="2678484" y="6121709"/>
+              <a:off x="2479760" y="6121837"/>
               <a:ext cx="63202" cy="63202"/>
             </a:xfrm>
             <a:custGeom>
@@ -8663,7 +8663,7 @@
           </p:nvSpPr>
           <p:spPr>
             <a:xfrm>
-              <a:off x="1589204" y="5800273"/>
+              <a:off x="1678755" y="5800414"/>
               <a:ext cx="63202" cy="63202"/>
             </a:xfrm>
             <a:custGeom>
@@ -8706,7 +8706,7 @@
           </p:nvSpPr>
           <p:spPr>
             <a:xfrm>
-              <a:off x="2076293" y="5861811"/>
+              <a:off x="1560054" y="5861980"/>
               <a:ext cx="63202" cy="63202"/>
             </a:xfrm>
             <a:custGeom>
@@ -8749,7 +8749,7 @@
           </p:nvSpPr>
           <p:spPr>
             <a:xfrm>
-              <a:off x="2901956" y="6277687"/>
+              <a:off x="2581876" y="6278017"/>
               <a:ext cx="63202" cy="63202"/>
             </a:xfrm>
             <a:custGeom>
@@ -8792,7 +8792,7 @@
           </p:nvSpPr>
           <p:spPr>
             <a:xfrm>
-              <a:off x="2167829" y="5902447"/>
+              <a:off x="1809598" y="5902407"/>
               <a:ext cx="63202" cy="63202"/>
             </a:xfrm>
             <a:custGeom>
@@ -8835,7 +8835,7 @@
           </p:nvSpPr>
           <p:spPr>
             <a:xfrm>
-              <a:off x="2193304" y="5871550"/>
+              <a:off x="1620677" y="5871627"/>
               <a:ext cx="63202" cy="63202"/>
             </a:xfrm>
             <a:custGeom>
@@ -8878,7 +8878,7 @@
           </p:nvSpPr>
           <p:spPr>
             <a:xfrm>
-              <a:off x="1913667" y="5814174"/>
+              <a:off x="2074462" y="5814471"/>
               <a:ext cx="63202" cy="63202"/>
             </a:xfrm>
             <a:custGeom>
@@ -8921,7 +8921,7 @@
           </p:nvSpPr>
           <p:spPr>
             <a:xfrm>
-              <a:off x="1993891" y="5763473"/>
+              <a:off x="1845428" y="5763427"/>
               <a:ext cx="63202" cy="63202"/>
             </a:xfrm>
             <a:custGeom>
@@ -8964,7 +8964,7 @@
           </p:nvSpPr>
           <p:spPr>
             <a:xfrm>
-              <a:off x="2009955" y="5892943"/>
+              <a:off x="1715038" y="5892953"/>
               <a:ext cx="63202" cy="63202"/>
             </a:xfrm>
             <a:custGeom>
@@ -9007,7 +9007,7 @@
           </p:nvSpPr>
           <p:spPr>
             <a:xfrm>
-              <a:off x="1992071" y="5951540"/>
+              <a:off x="1774088" y="5951614"/>
               <a:ext cx="63202" cy="63202"/>
             </a:xfrm>
             <a:custGeom>
@@ -9050,7 +9050,7 @@
           </p:nvSpPr>
           <p:spPr>
             <a:xfrm>
-              <a:off x="2710442" y="6190686"/>
+              <a:off x="2754914" y="6190841"/>
               <a:ext cx="63202" cy="63202"/>
             </a:xfrm>
             <a:custGeom>
@@ -9093,7 +9093,7 @@
           </p:nvSpPr>
           <p:spPr>
             <a:xfrm>
-              <a:off x="2031014" y="5835032"/>
+              <a:off x="1910431" y="5835120"/>
               <a:ext cx="63202" cy="63202"/>
             </a:xfrm>
             <a:custGeom>
@@ -9136,7 +9136,7 @@
           </p:nvSpPr>
           <p:spPr>
             <a:xfrm>
-              <a:off x="2229939" y="5947691"/>
+              <a:off x="1905096" y="5947751"/>
               <a:ext cx="63202" cy="63202"/>
             </a:xfrm>
             <a:custGeom>
@@ -9179,7 +9179,7 @@
           </p:nvSpPr>
           <p:spPr>
             <a:xfrm>
-              <a:off x="2097050" y="5667806"/>
+              <a:off x="2050637" y="5667843"/>
               <a:ext cx="63202" cy="63202"/>
             </a:xfrm>
             <a:custGeom>
@@ -9222,7 +9222,7 @@
           </p:nvSpPr>
           <p:spPr>
             <a:xfrm>
-              <a:off x="2445769" y="6121899"/>
+              <a:off x="2545170" y="6121909"/>
               <a:ext cx="63202" cy="63202"/>
             </a:xfrm>
             <a:custGeom>
@@ -9265,7 +9265,7 @@
           </p:nvSpPr>
           <p:spPr>
             <a:xfrm>
-              <a:off x="1634997" y="5781520"/>
+              <a:off x="2153395" y="5781468"/>
               <a:ext cx="63202" cy="63202"/>
             </a:xfrm>
             <a:custGeom>
@@ -9308,7 +9308,7 @@
           </p:nvSpPr>
           <p:spPr>
             <a:xfrm>
-              <a:off x="1937266" y="5745801"/>
+              <a:off x="1542958" y="5745866"/>
               <a:ext cx="63202" cy="63202"/>
             </a:xfrm>
             <a:custGeom>
@@ -9351,7 +9351,7 @@
           </p:nvSpPr>
           <p:spPr>
             <a:xfrm>
-              <a:off x="2106100" y="5745614"/>
+              <a:off x="1911182" y="5745923"/>
               <a:ext cx="63202" cy="63202"/>
             </a:xfrm>
             <a:custGeom>
@@ -9394,7 +9394,7 @@
           </p:nvSpPr>
           <p:spPr>
             <a:xfrm>
-              <a:off x="1799717" y="5745767"/>
+              <a:off x="1803318" y="5745801"/>
               <a:ext cx="63202" cy="63202"/>
             </a:xfrm>
             <a:custGeom>
@@ -9437,7 +9437,7 @@
           </p:nvSpPr>
           <p:spPr>
             <a:xfrm>
-              <a:off x="1895066" y="5750124"/>
+              <a:off x="1683179" y="5750348"/>
               <a:ext cx="63202" cy="63202"/>
             </a:xfrm>
             <a:custGeom>
@@ -9480,7 +9480,7 @@
           </p:nvSpPr>
           <p:spPr>
             <a:xfrm>
-              <a:off x="2231578" y="5745800"/>
+              <a:off x="1866268" y="5745774"/>
               <a:ext cx="63202" cy="63202"/>
             </a:xfrm>
             <a:custGeom>
@@ -9523,7 +9523,7 @@
           </p:nvSpPr>
           <p:spPr>
             <a:xfrm>
-              <a:off x="1556989" y="5693103"/>
+              <a:off x="1834448" y="5693096"/>
               <a:ext cx="63202" cy="63202"/>
             </a:xfrm>
             <a:custGeom>
@@ -9566,7 +9566,7 @@
           </p:nvSpPr>
           <p:spPr>
             <a:xfrm>
-              <a:off x="1900373" y="5657564"/>
+              <a:off x="1597086" y="5657802"/>
               <a:ext cx="63202" cy="63202"/>
             </a:xfrm>
             <a:custGeom>
@@ -9609,7 +9609,7 @@
           </p:nvSpPr>
           <p:spPr>
             <a:xfrm>
-              <a:off x="2950931" y="6382007"/>
+              <a:off x="2543807" y="6382283"/>
               <a:ext cx="63202" cy="63202"/>
             </a:xfrm>
             <a:custGeom>
@@ -9652,7 +9652,7 @@
           </p:nvSpPr>
           <p:spPr>
             <a:xfrm>
-              <a:off x="1907348" y="5781556"/>
+              <a:off x="1898995" y="5781674"/>
               <a:ext cx="63202" cy="63202"/>
             </a:xfrm>
             <a:custGeom>
@@ -9695,7 +9695,7 @@
           </p:nvSpPr>
           <p:spPr>
             <a:xfrm>
-              <a:off x="2184580" y="5709977"/>
+              <a:off x="2016367" y="5709905"/>
               <a:ext cx="63202" cy="63202"/>
             </a:xfrm>
             <a:custGeom>
@@ -9738,7 +9738,7 @@
           </p:nvSpPr>
           <p:spPr>
             <a:xfrm>
-              <a:off x="1626025" y="5785798"/>
+              <a:off x="1885383" y="5785996"/>
               <a:ext cx="63202" cy="63202"/>
             </a:xfrm>
             <a:custGeom>
@@ -9781,7 +9781,7 @@
           </p:nvSpPr>
           <p:spPr>
             <a:xfrm>
-              <a:off x="2700218" y="6254099"/>
+              <a:off x="2955181" y="6254248"/>
               <a:ext cx="63202" cy="63202"/>
             </a:xfrm>
             <a:custGeom>
@@ -9824,7 +9824,7 @@
           </p:nvSpPr>
           <p:spPr>
             <a:xfrm>
-              <a:off x="1718085" y="5767816"/>
+              <a:off x="2013743" y="5767773"/>
               <a:ext cx="63202" cy="63202"/>
             </a:xfrm>
             <a:custGeom>
@@ -9867,7 +9867,7 @@
           </p:nvSpPr>
           <p:spPr>
             <a:xfrm>
-              <a:off x="2019959" y="5932650"/>
+              <a:off x="2014168" y="5932842"/>
               <a:ext cx="63202" cy="63202"/>
             </a:xfrm>
             <a:custGeom>
@@ -9910,7 +9910,7 @@
           </p:nvSpPr>
           <p:spPr>
             <a:xfrm>
-              <a:off x="1679747" y="5714805"/>
+              <a:off x="1704860" y="5714737"/>
               <a:ext cx="63202" cy="63202"/>
             </a:xfrm>
             <a:custGeom>
@@ -9953,7 +9953,7 @@
           </p:nvSpPr>
           <p:spPr>
             <a:xfrm>
-              <a:off x="2185261" y="5667165"/>
+              <a:off x="1939691" y="5667300"/>
               <a:ext cx="63202" cy="63202"/>
             </a:xfrm>
             <a:custGeom>
@@ -9996,7 +9996,7 @@
           </p:nvSpPr>
           <p:spPr>
             <a:xfrm>
-              <a:off x="1748999" y="5759121"/>
+              <a:off x="1864788" y="5759190"/>
               <a:ext cx="63202" cy="63202"/>
             </a:xfrm>
             <a:custGeom>
@@ -10039,7 +10039,7 @@
           </p:nvSpPr>
           <p:spPr>
             <a:xfrm>
-              <a:off x="1903685" y="5762934"/>
+              <a:off x="1813299" y="5763020"/>
               <a:ext cx="63202" cy="63202"/>
             </a:xfrm>
             <a:custGeom>
@@ -10082,7 +10082,7 @@
           </p:nvSpPr>
           <p:spPr>
             <a:xfrm>
-              <a:off x="1588878" y="5727601"/>
+              <a:off x="1813377" y="5727661"/>
               <a:ext cx="63202" cy="63202"/>
             </a:xfrm>
             <a:custGeom>
@@ -10125,7 +10125,7 @@
           </p:nvSpPr>
           <p:spPr>
             <a:xfrm>
-              <a:off x="1616805" y="5800960"/>
+              <a:off x="2179288" y="5801201"/>
               <a:ext cx="63202" cy="63202"/>
             </a:xfrm>
             <a:custGeom>
@@ -10168,7 +10168,7 @@
           </p:nvSpPr>
           <p:spPr>
             <a:xfrm>
-              <a:off x="2198173" y="5760853"/>
+              <a:off x="1981463" y="5760827"/>
               <a:ext cx="63202" cy="63202"/>
             </a:xfrm>
             <a:custGeom>
@@ -10211,7 +10211,7 @@
           </p:nvSpPr>
           <p:spPr>
             <a:xfrm>
-              <a:off x="1808789" y="5754207"/>
+              <a:off x="1665156" y="5754239"/>
               <a:ext cx="63202" cy="63202"/>
             </a:xfrm>
             <a:custGeom>
@@ -10254,7 +10254,7 @@
           </p:nvSpPr>
           <p:spPr>
             <a:xfrm>
-              <a:off x="1638843" y="5759334"/>
+              <a:off x="1659991" y="5759521"/>
               <a:ext cx="63202" cy="63202"/>
             </a:xfrm>
             <a:custGeom>
@@ -10297,7 +10297,7 @@
           </p:nvSpPr>
           <p:spPr>
             <a:xfrm>
-              <a:off x="2015903" y="5667961"/>
+              <a:off x="2090564" y="5667869"/>
               <a:ext cx="63202" cy="63202"/>
             </a:xfrm>
             <a:custGeom>
@@ -10340,7 +10340,7 @@
           </p:nvSpPr>
           <p:spPr>
             <a:xfrm>
-              <a:off x="1621046" y="5669999"/>
+              <a:off x="1619906" y="5670286"/>
               <a:ext cx="63202" cy="63202"/>
             </a:xfrm>
             <a:custGeom>
@@ -10383,7 +10383,7 @@
           </p:nvSpPr>
           <p:spPr>
             <a:xfrm>
-              <a:off x="2156114" y="5757916"/>
+              <a:off x="2173930" y="5757860"/>
               <a:ext cx="63202" cy="63202"/>
             </a:xfrm>
             <a:custGeom>
@@ -10426,7 +10426,7 @@
           </p:nvSpPr>
           <p:spPr>
             <a:xfrm>
-              <a:off x="1727049" y="5771628"/>
+              <a:off x="1874321" y="5771532"/>
               <a:ext cx="63202" cy="63202"/>
             </a:xfrm>
             <a:custGeom>
@@ -10469,7 +10469,7 @@
           </p:nvSpPr>
           <p:spPr>
             <a:xfrm>
-              <a:off x="1991825" y="5763469"/>
+              <a:off x="1683634" y="5763365"/>
               <a:ext cx="63202" cy="63202"/>
             </a:xfrm>
             <a:custGeom>
@@ -10512,7 +10512,7 @@
           </p:nvSpPr>
           <p:spPr>
             <a:xfrm>
-              <a:off x="2091614" y="5763334"/>
+              <a:off x="1818659" y="5763554"/>
               <a:ext cx="63202" cy="63202"/>
             </a:xfrm>
             <a:custGeom>
@@ -10555,7 +10555,7 @@
           </p:nvSpPr>
           <p:spPr>
             <a:xfrm>
-              <a:off x="1668257" y="5763132"/>
+              <a:off x="1652082" y="5763050"/>
               <a:ext cx="63202" cy="63202"/>
             </a:xfrm>
             <a:custGeom>
@@ -10598,7 +10598,7 @@
           </p:nvSpPr>
           <p:spPr>
             <a:xfrm>
-              <a:off x="1552155" y="5956272"/>
+              <a:off x="1882346" y="5956249"/>
               <a:ext cx="63202" cy="63202"/>
             </a:xfrm>
             <a:custGeom>
@@ -10641,7 +10641,7 @@
           </p:nvSpPr>
           <p:spPr>
             <a:xfrm>
-              <a:off x="1699409" y="5773260"/>
+              <a:off x="2136850" y="5773382"/>
               <a:ext cx="63202" cy="63202"/>
             </a:xfrm>
             <a:custGeom>
@@ -10684,7 +10684,7 @@
           </p:nvSpPr>
           <p:spPr>
             <a:xfrm>
-              <a:off x="2052154" y="5755447"/>
+              <a:off x="1683437" y="5755339"/>
               <a:ext cx="63202" cy="63202"/>
             </a:xfrm>
             <a:custGeom>
@@ -10727,7 +10727,7 @@
           </p:nvSpPr>
           <p:spPr>
             <a:xfrm>
-              <a:off x="2233980" y="5669104"/>
+              <a:off x="1910644" y="5668978"/>
               <a:ext cx="63202" cy="63202"/>
             </a:xfrm>
             <a:custGeom>
@@ -10770,7 +10770,7 @@
           </p:nvSpPr>
           <p:spPr>
             <a:xfrm>
-              <a:off x="1639654" y="5876393"/>
+              <a:off x="1729168" y="5876309"/>
               <a:ext cx="63202" cy="63202"/>
             </a:xfrm>
             <a:custGeom>
@@ -10813,7 +10813,7 @@
           </p:nvSpPr>
           <p:spPr>
             <a:xfrm>
-              <a:off x="2591457" y="6239720"/>
+              <a:off x="3050308" y="6239794"/>
               <a:ext cx="63202" cy="63202"/>
             </a:xfrm>
             <a:custGeom>
@@ -10856,7 +10856,7 @@
           </p:nvSpPr>
           <p:spPr>
             <a:xfrm>
-              <a:off x="1641114" y="6029776"/>
+              <a:off x="1973320" y="6029693"/>
               <a:ext cx="63202" cy="63202"/>
             </a:xfrm>
             <a:custGeom>
@@ -10899,7 +10899,7 @@
           </p:nvSpPr>
           <p:spPr>
             <a:xfrm>
-              <a:off x="2535802" y="6271424"/>
+              <a:off x="2723053" y="6271624"/>
               <a:ext cx="63202" cy="63202"/>
             </a:xfrm>
             <a:custGeom>
@@ -10942,7 +10942,7 @@
           </p:nvSpPr>
           <p:spPr>
             <a:xfrm>
-              <a:off x="2511173" y="6276307"/>
+              <a:off x="2953380" y="6276289"/>
               <a:ext cx="63202" cy="63202"/>
             </a:xfrm>
             <a:custGeom>
@@ -10985,7 +10985,7 @@
           </p:nvSpPr>
           <p:spPr>
             <a:xfrm>
-              <a:off x="1651675" y="5842946"/>
+              <a:off x="1698851" y="5843184"/>
               <a:ext cx="63202" cy="63202"/>
             </a:xfrm>
             <a:custGeom>
@@ -11028,7 +11028,7 @@
           </p:nvSpPr>
           <p:spPr>
             <a:xfrm>
-              <a:off x="2143748" y="5838253"/>
+              <a:off x="1741862" y="5838463"/>
               <a:ext cx="63202" cy="63202"/>
             </a:xfrm>
             <a:custGeom>
@@ -11071,7 +11071,7 @@
           </p:nvSpPr>
           <p:spPr>
             <a:xfrm>
-              <a:off x="2132750" y="5838385"/>
+              <a:off x="1674163" y="5838476"/>
               <a:ext cx="63202" cy="63202"/>
             </a:xfrm>
             <a:custGeom>
@@ -11114,7 +11114,7 @@
           </p:nvSpPr>
           <p:spPr>
             <a:xfrm>
-              <a:off x="2131865" y="5829023"/>
+              <a:off x="1562967" y="5829243"/>
               <a:ext cx="63202" cy="63202"/>
             </a:xfrm>
             <a:custGeom>
@@ -11157,7 +11157,7 @@
           </p:nvSpPr>
           <p:spPr>
             <a:xfrm>
-              <a:off x="2060766" y="5931665"/>
+              <a:off x="1715695" y="5931559"/>
               <a:ext cx="63202" cy="63202"/>
             </a:xfrm>
             <a:custGeom>
@@ -11200,7 +11200,7 @@
           </p:nvSpPr>
           <p:spPr>
             <a:xfrm>
-              <a:off x="3067973" y="6329035"/>
+              <a:off x="3087516" y="6329012"/>
               <a:ext cx="63202" cy="63202"/>
             </a:xfrm>
             <a:custGeom>
@@ -11243,7 +11243,7 @@
           </p:nvSpPr>
           <p:spPr>
             <a:xfrm>
-              <a:off x="2514060" y="6239463"/>
+              <a:off x="2455999" y="6239427"/>
               <a:ext cx="63202" cy="63202"/>
             </a:xfrm>
             <a:custGeom>
@@ -11286,7 +11286,7 @@
           </p:nvSpPr>
           <p:spPr>
             <a:xfrm>
-              <a:off x="1830348" y="6054768"/>
+              <a:off x="1702082" y="6054667"/>
               <a:ext cx="63202" cy="63202"/>
             </a:xfrm>
             <a:custGeom>
@@ -11329,7 +11329,7 @@
           </p:nvSpPr>
           <p:spPr>
             <a:xfrm>
-              <a:off x="2507777" y="6256158"/>
+              <a:off x="2924233" y="6256015"/>
               <a:ext cx="63202" cy="63202"/>
             </a:xfrm>
             <a:custGeom>
@@ -11372,7 +11372,7 @@
           </p:nvSpPr>
           <p:spPr>
             <a:xfrm>
-              <a:off x="2905129" y="6239550"/>
+              <a:off x="2931304" y="6239529"/>
               <a:ext cx="63202" cy="63202"/>
             </a:xfrm>
             <a:custGeom>
@@ -11415,7 +11415,7 @@
           </p:nvSpPr>
           <p:spPr>
             <a:xfrm>
-              <a:off x="1555910" y="5759609"/>
+              <a:off x="1616259" y="5759668"/>
               <a:ext cx="63202" cy="63202"/>
             </a:xfrm>
             <a:custGeom>
@@ -11458,7 +11458,7 @@
           </p:nvSpPr>
           <p:spPr>
             <a:xfrm>
-              <a:off x="3737176" y="6756024"/>
+              <a:off x="3901135" y="6756134"/>
               <a:ext cx="63202" cy="63202"/>
             </a:xfrm>
             <a:custGeom>
@@ -11501,7 +11501,7 @@
           </p:nvSpPr>
           <p:spPr>
             <a:xfrm>
-              <a:off x="1671363" y="5973861"/>
+              <a:off x="2073938" y="5973895"/>
               <a:ext cx="63202" cy="63202"/>
             </a:xfrm>
             <a:custGeom>
@@ -11544,7 +11544,7 @@
           </p:nvSpPr>
           <p:spPr>
             <a:xfrm>
-              <a:off x="1718157" y="5745131"/>
+              <a:off x="1586212" y="5745053"/>
               <a:ext cx="63202" cy="63202"/>
             </a:xfrm>
             <a:custGeom>
@@ -11587,7 +11587,7 @@
           </p:nvSpPr>
           <p:spPr>
             <a:xfrm>
-              <a:off x="1750472" y="5828189"/>
+              <a:off x="1964071" y="5828307"/>
               <a:ext cx="63202" cy="63202"/>
             </a:xfrm>
             <a:custGeom>
@@ -11630,7 +11630,7 @@
           </p:nvSpPr>
           <p:spPr>
             <a:xfrm>
-              <a:off x="1737006" y="5755367"/>
+              <a:off x="1980932" y="5755405"/>
               <a:ext cx="63202" cy="63202"/>
             </a:xfrm>
             <a:custGeom>
@@ -11673,7 +11673,7 @@
           </p:nvSpPr>
           <p:spPr>
             <a:xfrm>
-              <a:off x="2028440" y="5756762"/>
+              <a:off x="1834258" y="5756861"/>
               <a:ext cx="63202" cy="63202"/>
             </a:xfrm>
             <a:custGeom>
@@ -11716,7 +11716,7 @@
           </p:nvSpPr>
           <p:spPr>
             <a:xfrm>
-              <a:off x="1562068" y="5773993"/>
+              <a:off x="1561790" y="5774240"/>
               <a:ext cx="63202" cy="63202"/>
             </a:xfrm>
             <a:custGeom>
@@ -11759,7 +11759,7 @@
           </p:nvSpPr>
           <p:spPr>
             <a:xfrm>
-              <a:off x="1655702" y="5767959"/>
+              <a:off x="1841477" y="5767881"/>
               <a:ext cx="63202" cy="63202"/>
             </a:xfrm>
             <a:custGeom>
@@ -11802,7 +11802,7 @@
           </p:nvSpPr>
           <p:spPr>
             <a:xfrm>
-              <a:off x="3848003" y="6809079"/>
+              <a:off x="3937213" y="6809079"/>
               <a:ext cx="63202" cy="63202"/>
             </a:xfrm>
             <a:custGeom>
@@ -11901,7 +11901,7 @@
           </p:nvSpPr>
           <p:spPr>
             <a:xfrm>
-              <a:off x="4284320" y="2806803"/>
+              <a:off x="4284320" y="2806901"/>
               <a:ext cx="2817450" cy="0"/>
             </a:xfrm>
             <a:custGeom>
@@ -11944,7 +11944,7 @@
           </p:nvSpPr>
           <p:spPr>
             <a:xfrm>
-              <a:off x="4284320" y="2438080"/>
+              <a:off x="4284320" y="2438165"/>
               <a:ext cx="2817450" cy="0"/>
             </a:xfrm>
             <a:custGeom>
@@ -11987,7 +11987,7 @@
           </p:nvSpPr>
           <p:spPr>
             <a:xfrm>
-              <a:off x="4284320" y="2069357"/>
+              <a:off x="4284320" y="2069430"/>
               <a:ext cx="2817450" cy="0"/>
             </a:xfrm>
             <a:custGeom>
@@ -12030,7 +12030,7 @@
           </p:nvSpPr>
           <p:spPr>
             <a:xfrm>
-              <a:off x="4284320" y="1700635"/>
+              <a:off x="4284320" y="1700694"/>
               <a:ext cx="2817450" cy="0"/>
             </a:xfrm>
             <a:custGeom>
@@ -12073,7 +12073,7 @@
           </p:nvSpPr>
           <p:spPr>
             <a:xfrm>
-              <a:off x="4284320" y="2991164"/>
+              <a:off x="4284320" y="2991268"/>
               <a:ext cx="2817450" cy="0"/>
             </a:xfrm>
             <a:custGeom>
@@ -12116,7 +12116,7 @@
           </p:nvSpPr>
           <p:spPr>
             <a:xfrm>
-              <a:off x="4284320" y="2622441"/>
+              <a:off x="4284320" y="2622533"/>
               <a:ext cx="2817450" cy="0"/>
             </a:xfrm>
             <a:custGeom>
@@ -12159,7 +12159,7 @@
           </p:nvSpPr>
           <p:spPr>
             <a:xfrm>
-              <a:off x="4284320" y="2253719"/>
+              <a:off x="4284320" y="2253798"/>
               <a:ext cx="2817450" cy="0"/>
             </a:xfrm>
             <a:custGeom>
@@ -12202,7 +12202,7 @@
           </p:nvSpPr>
           <p:spPr>
             <a:xfrm>
-              <a:off x="4284320" y="1884996"/>
+              <a:off x="4284320" y="1885062"/>
               <a:ext cx="2817450" cy="0"/>
             </a:xfrm>
             <a:custGeom>
@@ -12245,7 +12245,7 @@
           </p:nvSpPr>
           <p:spPr>
             <a:xfrm>
-              <a:off x="4284320" y="1516274"/>
+              <a:off x="4284320" y="1516327"/>
               <a:ext cx="2817450" cy="0"/>
             </a:xfrm>
             <a:custGeom>
@@ -12417,7 +12417,7 @@
           </p:nvSpPr>
           <p:spPr>
             <a:xfrm>
-              <a:off x="5118397" y="1668241"/>
+              <a:off x="4909335" y="1668353"/>
               <a:ext cx="63202" cy="63202"/>
             </a:xfrm>
             <a:custGeom>
@@ -12460,7 +12460,7 @@
           </p:nvSpPr>
           <p:spPr>
             <a:xfrm>
-              <a:off x="4809549" y="1721648"/>
+              <a:off x="4642591" y="1721949"/>
               <a:ext cx="63202" cy="63202"/>
             </a:xfrm>
             <a:custGeom>
@@ -12503,7 +12503,7 @@
           </p:nvSpPr>
           <p:spPr>
             <a:xfrm>
-              <a:off x="4697701" y="1629657"/>
+              <a:off x="4533835" y="1629565"/>
               <a:ext cx="63202" cy="63202"/>
             </a:xfrm>
             <a:custGeom>
@@ -12546,7 +12546,7 @@
           </p:nvSpPr>
           <p:spPr>
             <a:xfrm>
-              <a:off x="4696054" y="1624007"/>
+              <a:off x="4844746" y="1624010"/>
               <a:ext cx="63202" cy="63202"/>
             </a:xfrm>
             <a:custGeom>
@@ -12589,7 +12589,7 @@
           </p:nvSpPr>
           <p:spPr>
             <a:xfrm>
-              <a:off x="4865953" y="1609913"/>
+              <a:off x="4449890" y="1610168"/>
               <a:ext cx="63202" cy="63202"/>
             </a:xfrm>
             <a:custGeom>
@@ -12632,7 +12632,7 @@
           </p:nvSpPr>
           <p:spPr>
             <a:xfrm>
-              <a:off x="5025526" y="1650991"/>
+              <a:off x="4887590" y="1651090"/>
               <a:ext cx="63202" cy="63202"/>
             </a:xfrm>
             <a:custGeom>
@@ -12675,7 +12675,7 @@
           </p:nvSpPr>
           <p:spPr>
             <a:xfrm>
-              <a:off x="4938824" y="1640541"/>
+              <a:off x="4540915" y="1640592"/>
               <a:ext cx="63202" cy="63202"/>
             </a:xfrm>
             <a:custGeom>
@@ -12718,7 +12718,7 @@
           </p:nvSpPr>
           <p:spPr>
             <a:xfrm>
-              <a:off x="4692186" y="1638835"/>
+              <a:off x="5043326" y="1638779"/>
               <a:ext cx="63202" cy="63202"/>
             </a:xfrm>
             <a:custGeom>
@@ -12761,7 +12761,7 @@
           </p:nvSpPr>
           <p:spPr>
             <a:xfrm>
-              <a:off x="5130405" y="1633005"/>
+              <a:off x="4483867" y="1633023"/>
               <a:ext cx="63202" cy="63202"/>
             </a:xfrm>
             <a:custGeom>
@@ -12804,7 +12804,7 @@
           </p:nvSpPr>
           <p:spPr>
             <a:xfrm>
-              <a:off x="4881507" y="1599392"/>
+              <a:off x="4769831" y="1599462"/>
               <a:ext cx="63202" cy="63202"/>
             </a:xfrm>
             <a:custGeom>
@@ -12847,7 +12847,7 @@
           </p:nvSpPr>
           <p:spPr>
             <a:xfrm>
-              <a:off x="4996953" y="1643863"/>
+              <a:off x="4541915" y="1644076"/>
               <a:ext cx="63202" cy="63202"/>
             </a:xfrm>
             <a:custGeom>
@@ -12890,7 +12890,7 @@
           </p:nvSpPr>
           <p:spPr>
             <a:xfrm>
-              <a:off x="4624407" y="1648667"/>
+              <a:off x="4941185" y="1648681"/>
               <a:ext cx="63202" cy="63202"/>
             </a:xfrm>
             <a:custGeom>
@@ -12933,7 +12933,7 @@
           </p:nvSpPr>
           <p:spPr>
             <a:xfrm>
-              <a:off x="4675483" y="1649373"/>
+              <a:off x="4766767" y="1649505"/>
               <a:ext cx="63202" cy="63202"/>
             </a:xfrm>
             <a:custGeom>
@@ -12976,7 +12976,7 @@
           </p:nvSpPr>
           <p:spPr>
             <a:xfrm>
-              <a:off x="4872747" y="1591336"/>
+              <a:off x="5079084" y="1591193"/>
               <a:ext cx="63202" cy="63202"/>
             </a:xfrm>
             <a:custGeom>
@@ -13019,7 +13019,7 @@
           </p:nvSpPr>
           <p:spPr>
             <a:xfrm>
-              <a:off x="5061568" y="1641282"/>
+              <a:off x="5007771" y="1641350"/>
               <a:ext cx="63202" cy="63202"/>
             </a:xfrm>
             <a:custGeom>
@@ -13062,7 +13062,7 @@
           </p:nvSpPr>
           <p:spPr>
             <a:xfrm>
-              <a:off x="4717901" y="1589081"/>
+              <a:off x="5078210" y="1588932"/>
               <a:ext cx="63202" cy="63202"/>
             </a:xfrm>
             <a:custGeom>
@@ -13105,7 +13105,7 @@
           </p:nvSpPr>
           <p:spPr>
             <a:xfrm>
-              <a:off x="5012058" y="1645123"/>
+              <a:off x="4614128" y="1645076"/>
               <a:ext cx="63202" cy="63202"/>
             </a:xfrm>
             <a:custGeom>
@@ -13148,7 +13148,7 @@
           </p:nvSpPr>
           <p:spPr>
             <a:xfrm>
-              <a:off x="4682111" y="1642121"/>
+              <a:off x="4754298" y="1642090"/>
               <a:ext cx="63202" cy="63202"/>
             </a:xfrm>
             <a:custGeom>
@@ -13191,7 +13191,7 @@
           </p:nvSpPr>
           <p:spPr>
             <a:xfrm>
-              <a:off x="4621183" y="1671960"/>
+              <a:off x="4976083" y="1672138"/>
               <a:ext cx="63202" cy="63202"/>
             </a:xfrm>
             <a:custGeom>
@@ -13234,7 +13234,7 @@
           </p:nvSpPr>
           <p:spPr>
             <a:xfrm>
-              <a:off x="4458051" y="1795457"/>
+              <a:off x="5058135" y="1795489"/>
               <a:ext cx="63202" cy="63202"/>
             </a:xfrm>
             <a:custGeom>
@@ -13277,7 +13277,7 @@
           </p:nvSpPr>
           <p:spPr>
             <a:xfrm>
-              <a:off x="4609806" y="1940353"/>
+              <a:off x="4853766" y="1940369"/>
               <a:ext cx="63202" cy="63202"/>
             </a:xfrm>
             <a:custGeom>
@@ -13320,7 +13320,7 @@
           </p:nvSpPr>
           <p:spPr>
             <a:xfrm>
-              <a:off x="5102274" y="1646303"/>
+              <a:off x="4965460" y="1646179"/>
               <a:ext cx="63202" cy="63202"/>
             </a:xfrm>
             <a:custGeom>
@@ -13363,7 +13363,7 @@
           </p:nvSpPr>
           <p:spPr>
             <a:xfrm>
-              <a:off x="5730587" y="2420232"/>
+              <a:off x="5401144" y="2420250"/>
               <a:ext cx="63202" cy="63202"/>
             </a:xfrm>
             <a:custGeom>
@@ -13406,7 +13406,7 @@
           </p:nvSpPr>
           <p:spPr>
             <a:xfrm>
-              <a:off x="4811740" y="1632931"/>
+              <a:off x="5010721" y="1633014"/>
               <a:ext cx="63202" cy="63202"/>
             </a:xfrm>
             <a:custGeom>
@@ -13449,7 +13449,7 @@
           </p:nvSpPr>
           <p:spPr>
             <a:xfrm>
-              <a:off x="5043283" y="1839324"/>
+              <a:off x="4909176" y="1839511"/>
               <a:ext cx="63202" cy="63202"/>
             </a:xfrm>
             <a:custGeom>
@@ -13492,7 +13492,7 @@
           </p:nvSpPr>
           <p:spPr>
             <a:xfrm>
-              <a:off x="4921020" y="1668656"/>
+              <a:off x="4461080" y="1668734"/>
               <a:ext cx="63202" cy="63202"/>
             </a:xfrm>
             <a:custGeom>
@@ -13535,7 +13535,7 @@
           </p:nvSpPr>
           <p:spPr>
             <a:xfrm>
-              <a:off x="4594347" y="1817368"/>
+              <a:off x="4980788" y="1817184"/>
               <a:ext cx="63202" cy="63202"/>
             </a:xfrm>
             <a:custGeom>
@@ -13578,7 +13578,7 @@
           </p:nvSpPr>
           <p:spPr>
             <a:xfrm>
-              <a:off x="4628177" y="1597123"/>
+              <a:off x="5071443" y="1597252"/>
               <a:ext cx="63202" cy="63202"/>
             </a:xfrm>
             <a:custGeom>
@@ -13621,7 +13621,7 @@
           </p:nvSpPr>
           <p:spPr>
             <a:xfrm>
-              <a:off x="4430137" y="1627255"/>
+              <a:off x="4621544" y="1627301"/>
               <a:ext cx="63202" cy="63202"/>
             </a:xfrm>
             <a:custGeom>
@@ -13664,7 +13664,7 @@
           </p:nvSpPr>
           <p:spPr>
             <a:xfrm>
-              <a:off x="4831114" y="1629892"/>
+              <a:off x="4982064" y="1629869"/>
               <a:ext cx="63202" cy="63202"/>
             </a:xfrm>
             <a:custGeom>
@@ -13707,7 +13707,7 @@
           </p:nvSpPr>
           <p:spPr>
             <a:xfrm>
-              <a:off x="5587545" y="2667209"/>
+              <a:off x="5869629" y="2667302"/>
               <a:ext cx="63202" cy="63202"/>
             </a:xfrm>
             <a:custGeom>
@@ -13750,7 +13750,7 @@
           </p:nvSpPr>
           <p:spPr>
             <a:xfrm>
-              <a:off x="4556520" y="1648727"/>
+              <a:off x="5020141" y="1648746"/>
               <a:ext cx="63202" cy="63202"/>
             </a:xfrm>
             <a:custGeom>
@@ -13793,7 +13793,7 @@
           </p:nvSpPr>
           <p:spPr>
             <a:xfrm>
-              <a:off x="4571807" y="1644372"/>
+              <a:off x="4435933" y="1644320"/>
               <a:ext cx="63202" cy="63202"/>
             </a:xfrm>
             <a:custGeom>
@@ -13836,7 +13836,7 @@
           </p:nvSpPr>
           <p:spPr>
             <a:xfrm>
-              <a:off x="5124952" y="1721130"/>
+              <a:off x="4722095" y="1721116"/>
               <a:ext cx="63202" cy="63202"/>
             </a:xfrm>
             <a:custGeom>
@@ -13879,7 +13879,7 @@
           </p:nvSpPr>
           <p:spPr>
             <a:xfrm>
-              <a:off x="4807010" y="1602561"/>
+              <a:off x="5070141" y="1602640"/>
               <a:ext cx="63202" cy="63202"/>
             </a:xfrm>
             <a:custGeom>
@@ -13922,7 +13922,7 @@
           </p:nvSpPr>
           <p:spPr>
             <a:xfrm>
-              <a:off x="4742933" y="1597513"/>
+              <a:off x="4521123" y="1597589"/>
               <a:ext cx="63202" cy="63202"/>
             </a:xfrm>
             <a:custGeom>
@@ -13965,7 +13965,7 @@
           </p:nvSpPr>
           <p:spPr>
             <a:xfrm>
-              <a:off x="4639791" y="1648003"/>
+              <a:off x="5126556" y="1647995"/>
               <a:ext cx="63202" cy="63202"/>
             </a:xfrm>
             <a:custGeom>
@@ -14008,7 +14008,7 @@
           </p:nvSpPr>
           <p:spPr>
             <a:xfrm>
-              <a:off x="5040528" y="1648133"/>
+              <a:off x="5093107" y="1648191"/>
               <a:ext cx="63202" cy="63202"/>
             </a:xfrm>
             <a:custGeom>
@@ -14051,7 +14051,7 @@
           </p:nvSpPr>
           <p:spPr>
             <a:xfrm>
-              <a:off x="4644862" y="1637449"/>
+              <a:off x="4556767" y="1637525"/>
               <a:ext cx="63202" cy="63202"/>
             </a:xfrm>
             <a:custGeom>
@@ -14094,7 +14094,7 @@
           </p:nvSpPr>
           <p:spPr>
             <a:xfrm>
-              <a:off x="5088048" y="2190344"/>
+              <a:off x="5034830" y="2190477"/>
               <a:ext cx="63202" cy="63202"/>
             </a:xfrm>
             <a:custGeom>
@@ -14137,7 +14137,7 @@
           </p:nvSpPr>
           <p:spPr>
             <a:xfrm>
-              <a:off x="4947451" y="1670652"/>
+              <a:off x="5109970" y="1670481"/>
               <a:ext cx="63202" cy="63202"/>
             </a:xfrm>
             <a:custGeom>
@@ -14180,7 +14180,7 @@
           </p:nvSpPr>
           <p:spPr>
             <a:xfrm>
-              <a:off x="5104074" y="2210725"/>
+              <a:off x="4656656" y="2210743"/>
               <a:ext cx="63202" cy="63202"/>
             </a:xfrm>
             <a:custGeom>
@@ -14223,7 +14223,7 @@
           </p:nvSpPr>
           <p:spPr>
             <a:xfrm>
-              <a:off x="4445058" y="1582137"/>
+              <a:off x="4452901" y="1582160"/>
               <a:ext cx="63202" cy="63202"/>
             </a:xfrm>
             <a:custGeom>
@@ -14266,7 +14266,7 @@
           </p:nvSpPr>
           <p:spPr>
             <a:xfrm>
-              <a:off x="5058336" y="1931239"/>
+              <a:off x="4622284" y="1931300"/>
               <a:ext cx="63202" cy="63202"/>
             </a:xfrm>
             <a:custGeom>
@@ -14309,7 +14309,7 @@
           </p:nvSpPr>
           <p:spPr>
             <a:xfrm>
-              <a:off x="4544637" y="1640147"/>
+              <a:off x="4857674" y="1640273"/>
               <a:ext cx="63202" cy="63202"/>
             </a:xfrm>
             <a:custGeom>
@@ -14352,7 +14352,7 @@
           </p:nvSpPr>
           <p:spPr>
             <a:xfrm>
-              <a:off x="4910288" y="1708722"/>
+              <a:off x="5006659" y="1708937"/>
               <a:ext cx="63202" cy="63202"/>
             </a:xfrm>
             <a:custGeom>
@@ -14395,7 +14395,7 @@
           </p:nvSpPr>
           <p:spPr>
             <a:xfrm>
-              <a:off x="4901059" y="1717108"/>
+              <a:off x="4537387" y="1716976"/>
               <a:ext cx="63202" cy="63202"/>
             </a:xfrm>
             <a:custGeom>
@@ -14438,7 +14438,7 @@
           </p:nvSpPr>
           <p:spPr>
             <a:xfrm>
-              <a:off x="4963682" y="1665569"/>
+              <a:off x="5085537" y="1665749"/>
               <a:ext cx="63202" cy="63202"/>
             </a:xfrm>
             <a:custGeom>
@@ -14481,7 +14481,7 @@
           </p:nvSpPr>
           <p:spPr>
             <a:xfrm>
-              <a:off x="4531788" y="1649589"/>
+              <a:off x="5106833" y="1649426"/>
               <a:ext cx="63202" cy="63202"/>
             </a:xfrm>
             <a:custGeom>
@@ -14524,7 +14524,7 @@
           </p:nvSpPr>
           <p:spPr>
             <a:xfrm>
-              <a:off x="4577354" y="1647983"/>
+              <a:off x="4580119" y="1648165"/>
               <a:ext cx="63202" cy="63202"/>
             </a:xfrm>
             <a:custGeom>
@@ -14567,7 +14567,7 @@
           </p:nvSpPr>
           <p:spPr>
             <a:xfrm>
-              <a:off x="4509290" y="1759145"/>
+              <a:off x="4948328" y="1759044"/>
               <a:ext cx="63202" cy="63202"/>
             </a:xfrm>
             <a:custGeom>
@@ -14610,7 +14610,7 @@
           </p:nvSpPr>
           <p:spPr>
             <a:xfrm>
-              <a:off x="4882694" y="1788836"/>
+              <a:off x="4871995" y="1788974"/>
               <a:ext cx="63202" cy="63202"/>
             </a:xfrm>
             <a:custGeom>
@@ -14653,7 +14653,7 @@
           </p:nvSpPr>
           <p:spPr>
             <a:xfrm>
-              <a:off x="4839746" y="1663382"/>
+              <a:off x="4964709" y="1663660"/>
               <a:ext cx="63202" cy="63202"/>
             </a:xfrm>
             <a:custGeom>
@@ -14696,7 +14696,7 @@
           </p:nvSpPr>
           <p:spPr>
             <a:xfrm>
-              <a:off x="4790680" y="1653771"/>
+              <a:off x="4766447" y="1653832"/>
               <a:ext cx="63202" cy="63202"/>
             </a:xfrm>
             <a:custGeom>
@@ -14739,7 +14739,7 @@
           </p:nvSpPr>
           <p:spPr>
             <a:xfrm>
-              <a:off x="5121141" y="1710981"/>
+              <a:off x="5055767" y="1711248"/>
               <a:ext cx="63202" cy="63202"/>
             </a:xfrm>
             <a:custGeom>
@@ -14782,7 +14782,7 @@
           </p:nvSpPr>
           <p:spPr>
             <a:xfrm>
-              <a:off x="5000412" y="1640383"/>
+              <a:off x="4550880" y="1640318"/>
               <a:ext cx="63202" cy="63202"/>
             </a:xfrm>
             <a:custGeom>
@@ -14825,7 +14825,7 @@
           </p:nvSpPr>
           <p:spPr>
             <a:xfrm>
-              <a:off x="5090630" y="1588535"/>
+              <a:off x="4436640" y="1588693"/>
               <a:ext cx="63202" cy="63202"/>
             </a:xfrm>
             <a:custGeom>
@@ -14868,7 +14868,7 @@
           </p:nvSpPr>
           <p:spPr>
             <a:xfrm>
-              <a:off x="4651222" y="1689287"/>
+              <a:off x="4776801" y="1689322"/>
               <a:ext cx="63202" cy="63202"/>
             </a:xfrm>
             <a:custGeom>
@@ -14911,7 +14911,7 @@
           </p:nvSpPr>
           <p:spPr>
             <a:xfrm>
-              <a:off x="4861961" y="1758974"/>
+              <a:off x="4529025" y="1759018"/>
               <a:ext cx="63202" cy="63202"/>
             </a:xfrm>
             <a:custGeom>
@@ -14954,7 +14954,7 @@
           </p:nvSpPr>
           <p:spPr>
             <a:xfrm>
-              <a:off x="4567192" y="1610277"/>
+              <a:off x="4526503" y="1610408"/>
               <a:ext cx="63202" cy="63202"/>
             </a:xfrm>
             <a:custGeom>
@@ -14997,7 +14997,7 @@
           </p:nvSpPr>
           <p:spPr>
             <a:xfrm>
-              <a:off x="4685574" y="2117736"/>
+              <a:off x="4737638" y="2117920"/>
               <a:ext cx="63202" cy="63202"/>
             </a:xfrm>
             <a:custGeom>
@@ -15040,7 +15040,7 @@
           </p:nvSpPr>
           <p:spPr>
             <a:xfrm>
-              <a:off x="4971207" y="1722465"/>
+              <a:off x="4864980" y="1722515"/>
               <a:ext cx="63202" cy="63202"/>
             </a:xfrm>
             <a:custGeom>
@@ -15083,7 +15083,7 @@
           </p:nvSpPr>
           <p:spPr>
             <a:xfrm>
-              <a:off x="5065815" y="1659846"/>
+              <a:off x="4684607" y="1660009"/>
               <a:ext cx="63202" cy="63202"/>
             </a:xfrm>
             <a:custGeom>
@@ -15126,7 +15126,7 @@
           </p:nvSpPr>
           <p:spPr>
             <a:xfrm>
-              <a:off x="5056525" y="1590824"/>
+              <a:off x="4918585" y="1590832"/>
               <a:ext cx="63202" cy="63202"/>
             </a:xfrm>
             <a:custGeom>
@@ -15169,7 +15169,7 @@
           </p:nvSpPr>
           <p:spPr>
             <a:xfrm>
-              <a:off x="4444805" y="1594694"/>
+              <a:off x="4602711" y="1594555"/>
               <a:ext cx="63202" cy="63202"/>
             </a:xfrm>
             <a:custGeom>
@@ -15212,7 +15212,7 @@
           </p:nvSpPr>
           <p:spPr>
             <a:xfrm>
-              <a:off x="5076571" y="1683319"/>
+              <a:off x="4729396" y="1683559"/>
               <a:ext cx="63202" cy="63202"/>
             </a:xfrm>
             <a:custGeom>
@@ -15255,7 +15255,7 @@
           </p:nvSpPr>
           <p:spPr>
             <a:xfrm>
-              <a:off x="4950405" y="1637385"/>
+              <a:off x="4535047" y="1637502"/>
               <a:ext cx="63202" cy="63202"/>
             </a:xfrm>
             <a:custGeom>
@@ -15298,7 +15298,7 @@
           </p:nvSpPr>
           <p:spPr>
             <a:xfrm>
-              <a:off x="5090268" y="1916026"/>
+              <a:off x="4622094" y="1916255"/>
               <a:ext cx="63202" cy="63202"/>
             </a:xfrm>
             <a:custGeom>
@@ -15341,7 +15341,7 @@
           </p:nvSpPr>
           <p:spPr>
             <a:xfrm>
-              <a:off x="4647004" y="1644979"/>
+              <a:off x="4859832" y="1645053"/>
               <a:ext cx="63202" cy="63202"/>
             </a:xfrm>
             <a:custGeom>
@@ -15384,7 +15384,7 @@
           </p:nvSpPr>
           <p:spPr>
             <a:xfrm>
-              <a:off x="5044640" y="1866338"/>
+              <a:off x="4609267" y="1866349"/>
               <a:ext cx="63202" cy="63202"/>
             </a:xfrm>
             <a:custGeom>
@@ -15427,7 +15427,7 @@
           </p:nvSpPr>
           <p:spPr>
             <a:xfrm>
-              <a:off x="6567629" y="2957728"/>
+              <a:off x="6683361" y="2957957"/>
               <a:ext cx="63202" cy="63202"/>
             </a:xfrm>
             <a:custGeom>
@@ -15470,7 +15470,7 @@
           </p:nvSpPr>
           <p:spPr>
             <a:xfrm>
-              <a:off x="4837327" y="1735701"/>
+              <a:off x="4608185" y="1735749"/>
               <a:ext cx="63202" cy="63202"/>
             </a:xfrm>
             <a:custGeom>
@@ -15513,7 +15513,7 @@
           </p:nvSpPr>
           <p:spPr>
             <a:xfrm>
-              <a:off x="4891637" y="1651376"/>
+              <a:off x="4491093" y="1651379"/>
               <a:ext cx="63202" cy="63202"/>
             </a:xfrm>
             <a:custGeom>
@@ -15556,7 +15556,7 @@
           </p:nvSpPr>
           <p:spPr>
             <a:xfrm>
-              <a:off x="4461334" y="1963641"/>
+              <a:off x="4606009" y="1963828"/>
               <a:ext cx="63202" cy="63202"/>
             </a:xfrm>
             <a:custGeom>
@@ -15599,7 +15599,7 @@
           </p:nvSpPr>
           <p:spPr>
             <a:xfrm>
-              <a:off x="4678275" y="1960808"/>
+              <a:off x="4753342" y="1960889"/>
               <a:ext cx="63202" cy="63202"/>
             </a:xfrm>
             <a:custGeom>
@@ -15642,7 +15642,7 @@
           </p:nvSpPr>
           <p:spPr>
             <a:xfrm>
-              <a:off x="5752680" y="2555343"/>
+              <a:off x="5447501" y="2555612"/>
               <a:ext cx="63202" cy="63202"/>
             </a:xfrm>
             <a:custGeom>
@@ -15685,7 +15685,7 @@
           </p:nvSpPr>
           <p:spPr>
             <a:xfrm>
-              <a:off x="4648279" y="1653219"/>
+              <a:off x="4884697" y="1653298"/>
               <a:ext cx="63202" cy="63202"/>
             </a:xfrm>
             <a:custGeom>
@@ -15728,7 +15728,7 @@
           </p:nvSpPr>
           <p:spPr>
             <a:xfrm>
-              <a:off x="4603540" y="2180522"/>
+              <a:off x="4966208" y="2180589"/>
               <a:ext cx="63202" cy="63202"/>
             </a:xfrm>
             <a:custGeom>
@@ -15771,7 +15771,7 @@
           </p:nvSpPr>
           <p:spPr>
             <a:xfrm>
-              <a:off x="4801484" y="1650550"/>
+              <a:off x="4787441" y="1650690"/>
               <a:ext cx="63202" cy="63202"/>
             </a:xfrm>
             <a:custGeom>
@@ -15814,7 +15814,7 @@
           </p:nvSpPr>
           <p:spPr>
             <a:xfrm>
-              <a:off x="4795597" y="1697018"/>
+              <a:off x="4947656" y="1697244"/>
               <a:ext cx="63202" cy="63202"/>
             </a:xfrm>
             <a:custGeom>
@@ -15857,7 +15857,7 @@
           </p:nvSpPr>
           <p:spPr>
             <a:xfrm>
-              <a:off x="5067899" y="1667601"/>
+              <a:off x="4633774" y="1667526"/>
               <a:ext cx="63202" cy="63202"/>
             </a:xfrm>
             <a:custGeom>
@@ -15900,7 +15900,7 @@
           </p:nvSpPr>
           <p:spPr>
             <a:xfrm>
-              <a:off x="4635036" y="1784835"/>
+              <a:off x="4807681" y="1784739"/>
               <a:ext cx="63202" cy="63202"/>
             </a:xfrm>
             <a:custGeom>
@@ -15943,7 +15943,7 @@
           </p:nvSpPr>
           <p:spPr>
             <a:xfrm>
-              <a:off x="4726328" y="1648061"/>
+              <a:off x="5116485" y="1648181"/>
               <a:ext cx="63202" cy="63202"/>
             </a:xfrm>
             <a:custGeom>
@@ -15986,7 +15986,7 @@
           </p:nvSpPr>
           <p:spPr>
             <a:xfrm>
-              <a:off x="5073373" y="1593922"/>
+              <a:off x="4429717" y="1593796"/>
               <a:ext cx="63202" cy="63202"/>
             </a:xfrm>
             <a:custGeom>
@@ -16029,7 +16029,7 @@
           </p:nvSpPr>
           <p:spPr>
             <a:xfrm>
-              <a:off x="5132922" y="1739568"/>
+              <a:off x="5034299" y="1739540"/>
               <a:ext cx="63202" cy="63202"/>
             </a:xfrm>
             <a:custGeom>
@@ -16072,7 +16072,7 @@
           </p:nvSpPr>
           <p:spPr>
             <a:xfrm>
-              <a:off x="4480735" y="1734358"/>
+              <a:off x="4506590" y="1734249"/>
               <a:ext cx="63202" cy="63202"/>
             </a:xfrm>
             <a:custGeom>
@@ -16171,7 +16171,7 @@
           </p:nvSpPr>
           <p:spPr>
             <a:xfrm>
-              <a:off x="4284320" y="4732135"/>
+              <a:off x="4284320" y="4732233"/>
               <a:ext cx="2817450" cy="0"/>
             </a:xfrm>
             <a:custGeom>
@@ -16214,7 +16214,7 @@
           </p:nvSpPr>
           <p:spPr>
             <a:xfrm>
-              <a:off x="4284320" y="4363413"/>
+              <a:off x="4284320" y="4363498"/>
               <a:ext cx="2817450" cy="0"/>
             </a:xfrm>
             <a:custGeom>
@@ -16257,7 +16257,7 @@
           </p:nvSpPr>
           <p:spPr>
             <a:xfrm>
-              <a:off x="4284320" y="3994690"/>
+              <a:off x="4284320" y="3994762"/>
               <a:ext cx="2817450" cy="0"/>
             </a:xfrm>
             <a:custGeom>
@@ -16300,7 +16300,7 @@
           </p:nvSpPr>
           <p:spPr>
             <a:xfrm>
-              <a:off x="4284320" y="3625967"/>
+              <a:off x="4284320" y="3626027"/>
               <a:ext cx="2817450" cy="0"/>
             </a:xfrm>
             <a:custGeom>
@@ -16343,7 +16343,7 @@
           </p:nvSpPr>
           <p:spPr>
             <a:xfrm>
-              <a:off x="4284320" y="4916496"/>
+              <a:off x="4284320" y="4916601"/>
               <a:ext cx="2817450" cy="0"/>
             </a:xfrm>
             <a:custGeom>
@@ -16386,7 +16386,7 @@
           </p:nvSpPr>
           <p:spPr>
             <a:xfrm>
-              <a:off x="4284320" y="4547774"/>
+              <a:off x="4284320" y="4547865"/>
               <a:ext cx="2817450" cy="0"/>
             </a:xfrm>
             <a:custGeom>
@@ -16429,7 +16429,7 @@
           </p:nvSpPr>
           <p:spPr>
             <a:xfrm>
-              <a:off x="4284320" y="4179051"/>
+              <a:off x="4284320" y="4179130"/>
               <a:ext cx="2817450" cy="0"/>
             </a:xfrm>
             <a:custGeom>
@@ -16472,7 +16472,7 @@
           </p:nvSpPr>
           <p:spPr>
             <a:xfrm>
-              <a:off x="4284320" y="3810329"/>
+              <a:off x="4284320" y="3810395"/>
               <a:ext cx="2817450" cy="0"/>
             </a:xfrm>
             <a:custGeom>
@@ -16515,7 +16515,7 @@
           </p:nvSpPr>
           <p:spPr>
             <a:xfrm>
-              <a:off x="4284320" y="3441606"/>
+              <a:off x="4284320" y="3441659"/>
               <a:ext cx="2817450" cy="0"/>
             </a:xfrm>
             <a:custGeom>
@@ -16687,7 +16687,7 @@
           </p:nvSpPr>
           <p:spPr>
             <a:xfrm>
-              <a:off x="6001077" y="4160663"/>
+              <a:off x="5776402" y="4160803"/>
               <a:ext cx="63202" cy="63202"/>
             </a:xfrm>
             <a:custGeom>
@@ -16730,7 +16730,7 @@
           </p:nvSpPr>
           <p:spPr>
             <a:xfrm>
-              <a:off x="4484863" y="3691659"/>
+              <a:off x="4594245" y="3691713"/>
               <a:ext cx="63202" cy="63202"/>
             </a:xfrm>
             <a:custGeom>
@@ -16773,7 +16773,7 @@
           </p:nvSpPr>
           <p:spPr>
             <a:xfrm>
-              <a:off x="6777182" y="3947659"/>
+              <a:off x="6624281" y="3947629"/>
               <a:ext cx="63202" cy="63202"/>
             </a:xfrm>
             <a:custGeom>
@@ -16816,7 +16816,7 @@
           </p:nvSpPr>
           <p:spPr>
             <a:xfrm>
-              <a:off x="6847382" y="4838887"/>
+              <a:off x="6385813" y="4838885"/>
               <a:ext cx="63202" cy="63202"/>
             </a:xfrm>
             <a:custGeom>
@@ -16859,7 +16859,7 @@
           </p:nvSpPr>
           <p:spPr>
             <a:xfrm>
-              <a:off x="6229967" y="4871020"/>
+              <a:off x="6280954" y="4870956"/>
               <a:ext cx="63202" cy="63202"/>
             </a:xfrm>
             <a:custGeom>
@@ -16958,7 +16958,7 @@
           </p:nvSpPr>
           <p:spPr>
             <a:xfrm>
-              <a:off x="4284320" y="6657468"/>
+              <a:off x="4284320" y="6657566"/>
               <a:ext cx="2817450" cy="0"/>
             </a:xfrm>
             <a:custGeom>
@@ -17001,7 +17001,7 @@
           </p:nvSpPr>
           <p:spPr>
             <a:xfrm>
-              <a:off x="4284320" y="6288745"/>
+              <a:off x="4284320" y="6288830"/>
               <a:ext cx="2817450" cy="0"/>
             </a:xfrm>
             <a:custGeom>
@@ -17044,7 +17044,7 @@
           </p:nvSpPr>
           <p:spPr>
             <a:xfrm>
-              <a:off x="4284320" y="5920023"/>
+              <a:off x="4284320" y="5920095"/>
               <a:ext cx="2817450" cy="0"/>
             </a:xfrm>
             <a:custGeom>
@@ -17087,7 +17087,7 @@
           </p:nvSpPr>
           <p:spPr>
             <a:xfrm>
-              <a:off x="4284320" y="5551300"/>
+              <a:off x="4284320" y="5551360"/>
               <a:ext cx="2817450" cy="0"/>
             </a:xfrm>
             <a:custGeom>
@@ -17130,7 +17130,7 @@
           </p:nvSpPr>
           <p:spPr>
             <a:xfrm>
-              <a:off x="4284320" y="6841829"/>
+              <a:off x="4284320" y="6841933"/>
               <a:ext cx="2817450" cy="0"/>
             </a:xfrm>
             <a:custGeom>
@@ -17173,7 +17173,7 @@
           </p:nvSpPr>
           <p:spPr>
             <a:xfrm>
-              <a:off x="4284320" y="6473106"/>
+              <a:off x="4284320" y="6473198"/>
               <a:ext cx="2817450" cy="0"/>
             </a:xfrm>
             <a:custGeom>
@@ -17216,7 +17216,7 @@
           </p:nvSpPr>
           <p:spPr>
             <a:xfrm>
-              <a:off x="4284320" y="6104384"/>
+              <a:off x="4284320" y="6104463"/>
               <a:ext cx="2817450" cy="0"/>
             </a:xfrm>
             <a:custGeom>
@@ -17259,7 +17259,7 @@
           </p:nvSpPr>
           <p:spPr>
             <a:xfrm>
-              <a:off x="4284320" y="5735661"/>
+              <a:off x="4284320" y="5735727"/>
               <a:ext cx="2817450" cy="0"/>
             </a:xfrm>
             <a:custGeom>
@@ -17302,7 +17302,7 @@
           </p:nvSpPr>
           <p:spPr>
             <a:xfrm>
-              <a:off x="4284320" y="5366939"/>
+              <a:off x="4284320" y="5366992"/>
               <a:ext cx="2817450" cy="0"/>
             </a:xfrm>
             <a:custGeom>
@@ -17474,7 +17474,7 @@
           </p:nvSpPr>
           <p:spPr>
             <a:xfrm>
-              <a:off x="4646284" y="5399635"/>
+              <a:off x="5113528" y="5399426"/>
               <a:ext cx="63202" cy="63202"/>
             </a:xfrm>
             <a:custGeom>
@@ -17517,7 +17517,7 @@
           </p:nvSpPr>
           <p:spPr>
             <a:xfrm>
-              <a:off x="4560949" y="5333372"/>
+              <a:off x="4593260" y="5333614"/>
               <a:ext cx="63202" cy="63202"/>
             </a:xfrm>
             <a:custGeom>
@@ -17560,7 +17560,7 @@
           </p:nvSpPr>
           <p:spPr>
             <a:xfrm>
-              <a:off x="4662004" y="5353406"/>
+              <a:off x="4893586" y="5353423"/>
               <a:ext cx="63202" cy="63202"/>
             </a:xfrm>
             <a:custGeom>
@@ -17603,7 +17603,7 @@
           </p:nvSpPr>
           <p:spPr>
             <a:xfrm>
-              <a:off x="4613966" y="5356463"/>
+              <a:off x="4943585" y="5356442"/>
               <a:ext cx="63202" cy="63202"/>
             </a:xfrm>
             <a:custGeom>
@@ -17646,7 +17646,7 @@
           </p:nvSpPr>
           <p:spPr>
             <a:xfrm>
-              <a:off x="6297610" y="6802809"/>
+              <a:off x="6244528" y="6802959"/>
               <a:ext cx="63202" cy="63202"/>
             </a:xfrm>
             <a:custGeom>
@@ -17689,7 +17689,7 @@
           </p:nvSpPr>
           <p:spPr>
             <a:xfrm>
-              <a:off x="4835318" y="5385598"/>
+              <a:off x="4683033" y="5385454"/>
               <a:ext cx="63202" cy="63202"/>
             </a:xfrm>
             <a:custGeom>
@@ -17732,7 +17732,7 @@
           </p:nvSpPr>
           <p:spPr>
             <a:xfrm>
-              <a:off x="4544266" y="5339054"/>
+              <a:off x="5080277" y="5339154"/>
               <a:ext cx="63202" cy="63202"/>
             </a:xfrm>
             <a:custGeom>
@@ -17775,7 +17775,7 @@
           </p:nvSpPr>
           <p:spPr>
             <a:xfrm>
-              <a:off x="4796701" y="5395860"/>
+              <a:off x="4978589" y="5395783"/>
               <a:ext cx="63202" cy="63202"/>
             </a:xfrm>
             <a:custGeom>
@@ -17818,7 +17818,7 @@
           </p:nvSpPr>
           <p:spPr>
             <a:xfrm>
-              <a:off x="4702569" y="5359076"/>
+              <a:off x="4615188" y="5358857"/>
               <a:ext cx="63202" cy="63202"/>
             </a:xfrm>
             <a:custGeom>
@@ -17861,7 +17861,7 @@
           </p:nvSpPr>
           <p:spPr>
             <a:xfrm>
-              <a:off x="5019641" y="5395783"/>
+              <a:off x="5055591" y="5396008"/>
               <a:ext cx="63202" cy="63202"/>
             </a:xfrm>
             <a:custGeom>
@@ -17904,7 +17904,7 @@
           </p:nvSpPr>
           <p:spPr>
             <a:xfrm>
-              <a:off x="4519155" y="5350942"/>
+              <a:off x="4776115" y="5350874"/>
               <a:ext cx="63202" cy="63202"/>
             </a:xfrm>
             <a:custGeom>
@@ -17947,7 +17947,7 @@
           </p:nvSpPr>
           <p:spPr>
             <a:xfrm>
-              <a:off x="4875289" y="5502140"/>
+              <a:off x="4862678" y="5502116"/>
               <a:ext cx="63202" cy="63202"/>
             </a:xfrm>
             <a:custGeom>
@@ -17990,7 +17990,7 @@
           </p:nvSpPr>
           <p:spPr>
             <a:xfrm>
-              <a:off x="4583966" y="5332869"/>
+              <a:off x="4706187" y="5332929"/>
               <a:ext cx="63202" cy="63202"/>
             </a:xfrm>
             <a:custGeom>
@@ -18033,7 +18033,7 @@
           </p:nvSpPr>
           <p:spPr>
             <a:xfrm>
-              <a:off x="4955923" y="5350119"/>
+              <a:off x="4872129" y="5350012"/>
               <a:ext cx="63202" cy="63202"/>
             </a:xfrm>
             <a:custGeom>
@@ -18076,7 +18076,7 @@
           </p:nvSpPr>
           <p:spPr>
             <a:xfrm>
-              <a:off x="4835619" y="5349954"/>
+              <a:off x="4649618" y="5350238"/>
               <a:ext cx="63202" cy="63202"/>
             </a:xfrm>
             <a:custGeom>
@@ -18119,7 +18119,7 @@
           </p:nvSpPr>
           <p:spPr>
             <a:xfrm>
-              <a:off x="4898319" y="5328331"/>
+              <a:off x="4976751" y="5328478"/>
               <a:ext cx="63202" cy="63202"/>
             </a:xfrm>
             <a:custGeom>
@@ -18162,7 +18162,7 @@
           </p:nvSpPr>
           <p:spPr>
             <a:xfrm>
-              <a:off x="4971739" y="5351108"/>
+              <a:off x="4789642" y="5351322"/>
               <a:ext cx="63202" cy="63202"/>
             </a:xfrm>
             <a:custGeom>
@@ -18205,7 +18205,7 @@
           </p:nvSpPr>
           <p:spPr>
             <a:xfrm>
-              <a:off x="5075901" y="5322774"/>
+              <a:off x="4466372" y="5322780"/>
               <a:ext cx="63202" cy="63202"/>
             </a:xfrm>
             <a:custGeom>
@@ -18248,7 +18248,7 @@
           </p:nvSpPr>
           <p:spPr>
             <a:xfrm>
-              <a:off x="4894283" y="5385532"/>
+              <a:off x="4988301" y="5385665"/>
               <a:ext cx="63202" cy="63202"/>
             </a:xfrm>
             <a:custGeom>
@@ -18291,7 +18291,7 @@
           </p:nvSpPr>
           <p:spPr>
             <a:xfrm>
-              <a:off x="4444867" y="5322081"/>
+              <a:off x="4435900" y="5322182"/>
               <a:ext cx="63202" cy="63202"/>
             </a:xfrm>
             <a:custGeom>
@@ -18334,7 +18334,7 @@
           </p:nvSpPr>
           <p:spPr>
             <a:xfrm>
-              <a:off x="4789845" y="5376159"/>
+              <a:off x="5102094" y="5376388"/>
               <a:ext cx="63202" cy="63202"/>
             </a:xfrm>
             <a:custGeom>
@@ -18377,7 +18377,7 @@
           </p:nvSpPr>
           <p:spPr>
             <a:xfrm>
-              <a:off x="4501308" y="5370380"/>
+              <a:off x="4748363" y="5370346"/>
               <a:ext cx="63202" cy="63202"/>
             </a:xfrm>
             <a:custGeom>
@@ -18420,7 +18420,7 @@
           </p:nvSpPr>
           <p:spPr>
             <a:xfrm>
-              <a:off x="4601442" y="5394734"/>
+              <a:off x="4686358" y="5394692"/>
               <a:ext cx="63202" cy="63202"/>
             </a:xfrm>
             <a:custGeom>
@@ -18463,7 +18463,7 @@
           </p:nvSpPr>
           <p:spPr>
             <a:xfrm>
-              <a:off x="4952888" y="5381731"/>
+              <a:off x="4517694" y="5381870"/>
               <a:ext cx="63202" cy="63202"/>
             </a:xfrm>
             <a:custGeom>
@@ -18506,7 +18506,7 @@
           </p:nvSpPr>
           <p:spPr>
             <a:xfrm>
-              <a:off x="5119039" y="5340149"/>
+              <a:off x="5090604" y="5340075"/>
               <a:ext cx="63202" cy="63202"/>
             </a:xfrm>
             <a:custGeom>
@@ -18549,7 +18549,7 @@
           </p:nvSpPr>
           <p:spPr>
             <a:xfrm>
-              <a:off x="4957958" y="5384975"/>
+              <a:off x="4942750" y="5385222"/>
               <a:ext cx="63202" cy="63202"/>
             </a:xfrm>
             <a:custGeom>
@@ -18592,7 +18592,7 @@
           </p:nvSpPr>
           <p:spPr>
             <a:xfrm>
-              <a:off x="4769682" y="5405310"/>
+              <a:off x="4473250" y="5405435"/>
               <a:ext cx="63202" cy="63202"/>
             </a:xfrm>
             <a:custGeom>
@@ -18635,7 +18635,7 @@
           </p:nvSpPr>
           <p:spPr>
             <a:xfrm>
-              <a:off x="4912697" y="5415338"/>
+              <a:off x="4526077" y="5415520"/>
               <a:ext cx="63202" cy="63202"/>
             </a:xfrm>
             <a:custGeom>
@@ -18678,7 +18678,7 @@
           </p:nvSpPr>
           <p:spPr>
             <a:xfrm>
-              <a:off x="4916288" y="5406648"/>
+              <a:off x="4833547" y="5406491"/>
               <a:ext cx="63202" cy="63202"/>
             </a:xfrm>
             <a:custGeom>
@@ -18721,7 +18721,7 @@
           </p:nvSpPr>
           <p:spPr>
             <a:xfrm>
-              <a:off x="4464932" y="5336131"/>
+              <a:off x="5070389" y="5336031"/>
               <a:ext cx="63202" cy="63202"/>
             </a:xfrm>
             <a:custGeom>
@@ -18764,7 +18764,7 @@
           </p:nvSpPr>
           <p:spPr>
             <a:xfrm>
-              <a:off x="5115114" y="5360141"/>
+              <a:off x="4616799" y="5360068"/>
               <a:ext cx="63202" cy="63202"/>
             </a:xfrm>
             <a:custGeom>
@@ -18807,7 +18807,7 @@
           </p:nvSpPr>
           <p:spPr>
             <a:xfrm>
-              <a:off x="4530091" y="5375117"/>
+              <a:off x="4795440" y="5375302"/>
               <a:ext cx="63202" cy="63202"/>
             </a:xfrm>
             <a:custGeom>
@@ -18850,7 +18850,7 @@
           </p:nvSpPr>
           <p:spPr>
             <a:xfrm>
-              <a:off x="4932141" y="5342347"/>
+              <a:off x="4588653" y="5342301"/>
               <a:ext cx="63202" cy="63202"/>
             </a:xfrm>
             <a:custGeom>
@@ -18893,7 +18893,7 @@
           </p:nvSpPr>
           <p:spPr>
             <a:xfrm>
-              <a:off x="4856580" y="5339170"/>
+              <a:off x="5119479" y="5339171"/>
               <a:ext cx="63202" cy="63202"/>
             </a:xfrm>
             <a:custGeom>
@@ -18936,7 +18936,7 @@
           </p:nvSpPr>
           <p:spPr>
             <a:xfrm>
-              <a:off x="5027885" y="5397706"/>
+              <a:off x="5128644" y="5397570"/>
               <a:ext cx="63202" cy="63202"/>
             </a:xfrm>
             <a:custGeom>
@@ -18979,7 +18979,7 @@
           </p:nvSpPr>
           <p:spPr>
             <a:xfrm>
-              <a:off x="4982066" y="5385395"/>
+              <a:off x="4574731" y="5385549"/>
               <a:ext cx="63202" cy="63202"/>
             </a:xfrm>
             <a:custGeom>
@@ -19022,7 +19022,7 @@
           </p:nvSpPr>
           <p:spPr>
             <a:xfrm>
-              <a:off x="4851552" y="5342971"/>
+              <a:off x="5080513" y="5343145"/>
               <a:ext cx="63202" cy="63202"/>
             </a:xfrm>
             <a:custGeom>
@@ -19065,7 +19065,7 @@
           </p:nvSpPr>
           <p:spPr>
             <a:xfrm>
-              <a:off x="5031457" y="5328289"/>
+              <a:off x="4986683" y="5328241"/>
               <a:ext cx="63202" cy="63202"/>
             </a:xfrm>
             <a:custGeom>
@@ -19108,7 +19108,7 @@
           </p:nvSpPr>
           <p:spPr>
             <a:xfrm>
-              <a:off x="5111654" y="5385509"/>
+              <a:off x="4437339" y="5385409"/>
               <a:ext cx="63202" cy="63202"/>
             </a:xfrm>
             <a:custGeom>
@@ -19151,7 +19151,7 @@
           </p:nvSpPr>
           <p:spPr>
             <a:xfrm>
-              <a:off x="5054550" y="5380216"/>
+              <a:off x="4988878" y="5380437"/>
               <a:ext cx="63202" cy="63202"/>
             </a:xfrm>
             <a:custGeom>
@@ -19194,7 +19194,7 @@
           </p:nvSpPr>
           <p:spPr>
             <a:xfrm>
-              <a:off x="4646352" y="5341374"/>
+              <a:off x="5037719" y="5341257"/>
               <a:ext cx="63202" cy="63202"/>
             </a:xfrm>
             <a:custGeom>
@@ -19237,7 +19237,7 @@
           </p:nvSpPr>
           <p:spPr>
             <a:xfrm>
-              <a:off x="4725105" y="5346329"/>
+              <a:off x="4468859" y="5346422"/>
               <a:ext cx="63202" cy="63202"/>
             </a:xfrm>
             <a:custGeom>
@@ -19280,7 +19280,7 @@
           </p:nvSpPr>
           <p:spPr>
             <a:xfrm>
-              <a:off x="5643060" y="6413185"/>
+              <a:off x="5978915" y="6413328"/>
               <a:ext cx="63202" cy="63202"/>
             </a:xfrm>
             <a:custGeom>
@@ -19323,7 +19323,7 @@
           </p:nvSpPr>
           <p:spPr>
             <a:xfrm>
-              <a:off x="4940756" y="5361643"/>
+              <a:off x="5018686" y="5361590"/>
               <a:ext cx="63202" cy="63202"/>
             </a:xfrm>
             <a:custGeom>
@@ -19366,7 +19366,7 @@
           </p:nvSpPr>
           <p:spPr>
             <a:xfrm>
-              <a:off x="4854110" y="5391141"/>
+              <a:off x="5075146" y="5390938"/>
               <a:ext cx="63202" cy="63202"/>
             </a:xfrm>
             <a:custGeom>
@@ -19409,7 +19409,7 @@
           </p:nvSpPr>
           <p:spPr>
             <a:xfrm>
-              <a:off x="4537655" y="5343909"/>
+              <a:off x="5094050" y="5343852"/>
               <a:ext cx="63202" cy="63202"/>
             </a:xfrm>
             <a:custGeom>
@@ -19452,7 +19452,7 @@
           </p:nvSpPr>
           <p:spPr>
             <a:xfrm>
-              <a:off x="4456901" y="5432926"/>
+              <a:off x="4832574" y="5433174"/>
               <a:ext cx="63202" cy="63202"/>
             </a:xfrm>
             <a:custGeom>
@@ -19495,7 +19495,7 @@
           </p:nvSpPr>
           <p:spPr>
             <a:xfrm>
-              <a:off x="5049144" y="5348642"/>
+              <a:off x="4749478" y="5348738"/>
               <a:ext cx="63202" cy="63202"/>
             </a:xfrm>
             <a:custGeom>
@@ -19538,7 +19538,7 @@
           </p:nvSpPr>
           <p:spPr>
             <a:xfrm>
-              <a:off x="4878811" y="5371082"/>
+              <a:off x="4479543" y="5371283"/>
               <a:ext cx="63202" cy="63202"/>
             </a:xfrm>
             <a:custGeom>
@@ -19581,7 +19581,7 @@
           </p:nvSpPr>
           <p:spPr>
             <a:xfrm>
-              <a:off x="4961689" y="5341481"/>
+              <a:off x="4898528" y="5341559"/>
               <a:ext cx="63202" cy="63202"/>
             </a:xfrm>
             <a:custGeom>
@@ -19624,7 +19624,7 @@
           </p:nvSpPr>
           <p:spPr>
             <a:xfrm>
-              <a:off x="4992301" y="5336163"/>
+              <a:off x="4905648" y="5336154"/>
               <a:ext cx="63202" cy="63202"/>
             </a:xfrm>
             <a:custGeom>
@@ -19667,7 +19667,7 @@
           </p:nvSpPr>
           <p:spPr>
             <a:xfrm>
-              <a:off x="5092060" y="5371349"/>
+              <a:off x="4825314" y="5371668"/>
               <a:ext cx="63202" cy="63202"/>
             </a:xfrm>
             <a:custGeom>
@@ -19710,7 +19710,7 @@
           </p:nvSpPr>
           <p:spPr>
             <a:xfrm>
-              <a:off x="4630265" y="5359540"/>
+              <a:off x="4923165" y="5359725"/>
               <a:ext cx="63202" cy="63202"/>
             </a:xfrm>
             <a:custGeom>
@@ -19753,7 +19753,7 @@
           </p:nvSpPr>
           <p:spPr>
             <a:xfrm>
-              <a:off x="4964489" y="5383323"/>
+              <a:off x="4992446" y="5383185"/>
               <a:ext cx="63202" cy="63202"/>
             </a:xfrm>
             <a:custGeom>
@@ -19796,7 +19796,7 @@
           </p:nvSpPr>
           <p:spPr>
             <a:xfrm>
-              <a:off x="4736978" y="5367083"/>
+              <a:off x="4588568" y="5366990"/>
               <a:ext cx="63202" cy="63202"/>
             </a:xfrm>
             <a:custGeom>
@@ -19839,7 +19839,7 @@
           </p:nvSpPr>
           <p:spPr>
             <a:xfrm>
-              <a:off x="4720718" y="5342114"/>
+              <a:off x="5109846" y="5342046"/>
               <a:ext cx="63202" cy="63202"/>
             </a:xfrm>
             <a:custGeom>
@@ -19882,7 +19882,7 @@
           </p:nvSpPr>
           <p:spPr>
             <a:xfrm>
-              <a:off x="4577022" y="5335733"/>
+              <a:off x="4903732" y="5335626"/>
               <a:ext cx="63202" cy="63202"/>
             </a:xfrm>
             <a:custGeom>
@@ -19925,7 +19925,7 @@
           </p:nvSpPr>
           <p:spPr>
             <a:xfrm>
-              <a:off x="4760512" y="5337113"/>
+              <a:off x="4766776" y="5337133"/>
               <a:ext cx="63202" cy="63202"/>
             </a:xfrm>
             <a:custGeom>
@@ -19968,7 +19968,7 @@
           </p:nvSpPr>
           <p:spPr>
             <a:xfrm>
-              <a:off x="4871234" y="5351187"/>
+              <a:off x="4550361" y="5351272"/>
               <a:ext cx="63202" cy="63202"/>
             </a:xfrm>
             <a:custGeom>
@@ -20011,7 +20011,7 @@
           </p:nvSpPr>
           <p:spPr>
             <a:xfrm>
-              <a:off x="4789590" y="5329557"/>
+              <a:off x="4841738" y="5329362"/>
               <a:ext cx="63202" cy="63202"/>
             </a:xfrm>
             <a:custGeom>
@@ -20054,7 +20054,7 @@
           </p:nvSpPr>
           <p:spPr>
             <a:xfrm>
-              <a:off x="4925360" y="5357327"/>
+              <a:off x="5010953" y="5357573"/>
               <a:ext cx="63202" cy="63202"/>
             </a:xfrm>
             <a:custGeom>
@@ -20097,7 +20097,7 @@
           </p:nvSpPr>
           <p:spPr>
             <a:xfrm>
-              <a:off x="5025414" y="5344133"/>
+              <a:off x="4754762" y="5344222"/>
               <a:ext cx="63202" cy="63202"/>
             </a:xfrm>
             <a:custGeom>
@@ -20140,7 +20140,7 @@
           </p:nvSpPr>
           <p:spPr>
             <a:xfrm>
-              <a:off x="6332624" y="6795451"/>
+              <a:off x="6249532" y="6795689"/>
               <a:ext cx="63202" cy="63202"/>
             </a:xfrm>
             <a:custGeom>
@@ -20183,7 +20183,7 @@
           </p:nvSpPr>
           <p:spPr>
             <a:xfrm>
-              <a:off x="4858366" y="5339116"/>
+              <a:off x="4965256" y="5338996"/>
               <a:ext cx="63202" cy="63202"/>
             </a:xfrm>
             <a:custGeom>
@@ -20226,7 +20226,7 @@
           </p:nvSpPr>
           <p:spPr>
             <a:xfrm>
-              <a:off x="4616064" y="5383692"/>
+              <a:off x="4734343" y="5383757"/>
               <a:ext cx="63202" cy="63202"/>
             </a:xfrm>
             <a:custGeom>
@@ -20269,7 +20269,7 @@
           </p:nvSpPr>
           <p:spPr>
             <a:xfrm>
-              <a:off x="4557504" y="5370829"/>
+              <a:off x="4572169" y="5370685"/>
               <a:ext cx="63202" cy="63202"/>
             </a:xfrm>
             <a:custGeom>
@@ -20312,7 +20312,7 @@
           </p:nvSpPr>
           <p:spPr>
             <a:xfrm>
-              <a:off x="4807302" y="5334728"/>
+              <a:off x="4717724" y="5334569"/>
               <a:ext cx="63202" cy="63202"/>
             </a:xfrm>
             <a:custGeom>
@@ -20355,7 +20355,7 @@
           </p:nvSpPr>
           <p:spPr>
             <a:xfrm>
-              <a:off x="5032921" y="5584260"/>
+              <a:off x="5013333" y="5584152"/>
               <a:ext cx="63202" cy="63202"/>
             </a:xfrm>
             <a:custGeom>
@@ -20398,7 +20398,7 @@
           </p:nvSpPr>
           <p:spPr>
             <a:xfrm>
-              <a:off x="5434989" y="6224279"/>
+              <a:off x="5761468" y="6224462"/>
               <a:ext cx="63202" cy="63202"/>
             </a:xfrm>
             <a:custGeom>
@@ -20441,7 +20441,7 @@
           </p:nvSpPr>
           <p:spPr>
             <a:xfrm>
-              <a:off x="5070663" y="5385852"/>
+              <a:off x="4546415" y="5385837"/>
               <a:ext cx="63202" cy="63202"/>
             </a:xfrm>
             <a:custGeom>
@@ -20484,7 +20484,7 @@
           </p:nvSpPr>
           <p:spPr>
             <a:xfrm>
-              <a:off x="4533851" y="5377068"/>
+              <a:off x="4883137" y="5376930"/>
               <a:ext cx="63202" cy="63202"/>
             </a:xfrm>
             <a:custGeom>
@@ -20527,7 +20527,7 @@
           </p:nvSpPr>
           <p:spPr>
             <a:xfrm>
-              <a:off x="4775065" y="5328362"/>
+              <a:off x="4711440" y="5328289"/>
               <a:ext cx="63202" cy="63202"/>
             </a:xfrm>
             <a:custGeom>
@@ -20570,7 +20570,7 @@
           </p:nvSpPr>
           <p:spPr>
             <a:xfrm>
-              <a:off x="4653682" y="5520203"/>
+              <a:off x="4936989" y="5520156"/>
               <a:ext cx="63202" cy="63202"/>
             </a:xfrm>
             <a:custGeom>
@@ -20613,7 +20613,7 @@
           </p:nvSpPr>
           <p:spPr>
             <a:xfrm>
-              <a:off x="4927697" y="5323547"/>
+              <a:off x="4572133" y="5323546"/>
               <a:ext cx="63202" cy="63202"/>
             </a:xfrm>
             <a:custGeom>
@@ -20656,7 +20656,7 @@
           </p:nvSpPr>
           <p:spPr>
             <a:xfrm>
-              <a:off x="5068696" y="5375201"/>
+              <a:off x="4845829" y="5375257"/>
               <a:ext cx="63202" cy="63202"/>
             </a:xfrm>
             <a:custGeom>
@@ -20699,7 +20699,7 @@
           </p:nvSpPr>
           <p:spPr>
             <a:xfrm>
-              <a:off x="4990356" y="5432976"/>
+              <a:off x="4659056" y="5433240"/>
               <a:ext cx="63202" cy="63202"/>
             </a:xfrm>
             <a:custGeom>
@@ -20742,7 +20742,7 @@
           </p:nvSpPr>
           <p:spPr>
             <a:xfrm>
-              <a:off x="4775023" y="5729181"/>
+              <a:off x="4926428" y="5729204"/>
               <a:ext cx="63202" cy="63202"/>
             </a:xfrm>
             <a:custGeom>
@@ -20785,7 +20785,7 @@
           </p:nvSpPr>
           <p:spPr>
             <a:xfrm>
-              <a:off x="4710805" y="5357347"/>
+              <a:off x="5022477" y="5357520"/>
               <a:ext cx="63202" cy="63202"/>
             </a:xfrm>
             <a:custGeom>
@@ -20828,7 +20828,7 @@
           </p:nvSpPr>
           <p:spPr>
             <a:xfrm>
-              <a:off x="5120692" y="5339010"/>
+              <a:off x="4884665" y="5339124"/>
               <a:ext cx="63202" cy="63202"/>
             </a:xfrm>
             <a:custGeom>
@@ -20871,7 +20871,7 @@
           </p:nvSpPr>
           <p:spPr>
             <a:xfrm>
-              <a:off x="5129077" y="5404894"/>
+              <a:off x="5093075" y="5404963"/>
               <a:ext cx="63202" cy="63202"/>
             </a:xfrm>
             <a:custGeom>
@@ -20914,7 +20914,7 @@
           </p:nvSpPr>
           <p:spPr>
             <a:xfrm>
-              <a:off x="5039725" y="5727664"/>
+              <a:off x="4783652" y="5727628"/>
               <a:ext cx="63202" cy="63202"/>
             </a:xfrm>
             <a:custGeom>
@@ -20957,7 +20957,7 @@
           </p:nvSpPr>
           <p:spPr>
             <a:xfrm>
-              <a:off x="4538983" y="5678350"/>
+              <a:off x="4632089" y="5678384"/>
               <a:ext cx="63202" cy="63202"/>
             </a:xfrm>
             <a:custGeom>
@@ -21000,7 +21000,7 @@
           </p:nvSpPr>
           <p:spPr>
             <a:xfrm>
-              <a:off x="4545719" y="5960026"/>
+              <a:off x="4658894" y="5960174"/>
               <a:ext cx="63202" cy="63202"/>
             </a:xfrm>
             <a:custGeom>
@@ -21043,7 +21043,7 @@
           </p:nvSpPr>
           <p:spPr>
             <a:xfrm>
-              <a:off x="4737647" y="5388295"/>
+              <a:off x="4579237" y="5388467"/>
               <a:ext cx="63202" cy="63202"/>
             </a:xfrm>
             <a:custGeom>
@@ -21086,7 +21086,7 @@
           </p:nvSpPr>
           <p:spPr>
             <a:xfrm>
-              <a:off x="5851102" y="6484960"/>
+              <a:off x="5642224" y="6485242"/>
               <a:ext cx="63202" cy="63202"/>
             </a:xfrm>
             <a:custGeom>
@@ -21129,7 +21129,7 @@
           </p:nvSpPr>
           <p:spPr>
             <a:xfrm>
-              <a:off x="4691294" y="5356341"/>
+              <a:off x="4501794" y="5356333"/>
               <a:ext cx="63202" cy="63202"/>
             </a:xfrm>
             <a:custGeom>
@@ -21172,7 +21172,7 @@
           </p:nvSpPr>
           <p:spPr>
             <a:xfrm>
-              <a:off x="4531949" y="5361881"/>
+              <a:off x="4444022" y="5362046"/>
               <a:ext cx="63202" cy="63202"/>
             </a:xfrm>
             <a:custGeom>
@@ -21215,7 +21215,7 @@
           </p:nvSpPr>
           <p:spPr>
             <a:xfrm>
-              <a:off x="4490319" y="5351440"/>
+              <a:off x="4758005" y="5351639"/>
               <a:ext cx="63202" cy="63202"/>
             </a:xfrm>
             <a:custGeom>
@@ -21258,7 +21258,7 @@
           </p:nvSpPr>
           <p:spPr>
             <a:xfrm>
-              <a:off x="4489513" y="6057267"/>
+              <a:off x="4743637" y="6057499"/>
               <a:ext cx="63202" cy="63202"/>
             </a:xfrm>
             <a:custGeom>
@@ -21301,7 +21301,7 @@
           </p:nvSpPr>
           <p:spPr>
             <a:xfrm>
-              <a:off x="4924272" y="5337622"/>
+              <a:off x="4731428" y="5337492"/>
               <a:ext cx="63202" cy="63202"/>
             </a:xfrm>
             <a:custGeom>
@@ -21344,7 +21344,7 @@
           </p:nvSpPr>
           <p:spPr>
             <a:xfrm>
-              <a:off x="4871258" y="5395799"/>
+              <a:off x="4915767" y="5395907"/>
               <a:ext cx="63202" cy="63202"/>
             </a:xfrm>
             <a:custGeom>
@@ -21387,7 +21387,7 @@
           </p:nvSpPr>
           <p:spPr>
             <a:xfrm>
-              <a:off x="5120332" y="5485365"/>
+              <a:off x="4748587" y="5485543"/>
               <a:ext cx="63202" cy="63202"/>
             </a:xfrm>
             <a:custGeom>
@@ -21430,7 +21430,7 @@
           </p:nvSpPr>
           <p:spPr>
             <a:xfrm>
-              <a:off x="4984095" y="5335225"/>
+              <a:off x="4697186" y="5335343"/>
               <a:ext cx="63202" cy="63202"/>
             </a:xfrm>
             <a:custGeom>
@@ -21473,7 +21473,7 @@
           </p:nvSpPr>
           <p:spPr>
             <a:xfrm>
-              <a:off x="4792369" y="5358483"/>
+              <a:off x="4852053" y="5358611"/>
               <a:ext cx="63202" cy="63202"/>
             </a:xfrm>
             <a:custGeom>
@@ -21516,7 +21516,7 @@
           </p:nvSpPr>
           <p:spPr>
             <a:xfrm>
-              <a:off x="5128792" y="5341974"/>
+              <a:off x="5087936" y="5342162"/>
               <a:ext cx="63202" cy="63202"/>
             </a:xfrm>
             <a:custGeom>
@@ -21559,7 +21559,7 @@
           </p:nvSpPr>
           <p:spPr>
             <a:xfrm>
-              <a:off x="4953405" y="5366735"/>
+              <a:off x="4832563" y="5366636"/>
               <a:ext cx="63202" cy="63202"/>
             </a:xfrm>
             <a:custGeom>
@@ -21602,7 +21602,7 @@
           </p:nvSpPr>
           <p:spPr>
             <a:xfrm>
-              <a:off x="4656373" y="5341289"/>
+              <a:off x="4794723" y="5341177"/>
               <a:ext cx="63202" cy="63202"/>
             </a:xfrm>
             <a:custGeom>
@@ -21645,7 +21645,7 @@
           </p:nvSpPr>
           <p:spPr>
             <a:xfrm>
-              <a:off x="4442095" y="5678352"/>
+              <a:off x="5017203" y="5678408"/>
               <a:ext cx="63202" cy="63202"/>
             </a:xfrm>
             <a:custGeom>
@@ -21688,7 +21688,7 @@
           </p:nvSpPr>
           <p:spPr>
             <a:xfrm>
-              <a:off x="4895358" y="5349471"/>
+              <a:off x="4463441" y="5349480"/>
               <a:ext cx="63202" cy="63202"/>
             </a:xfrm>
             <a:custGeom>
@@ -21731,7 +21731,7 @@
           </p:nvSpPr>
           <p:spPr>
             <a:xfrm>
-              <a:off x="4921770" y="5400873"/>
+              <a:off x="4443048" y="5401046"/>
               <a:ext cx="63202" cy="63202"/>
             </a:xfrm>
             <a:custGeom>
@@ -21774,7 +21774,7 @@
           </p:nvSpPr>
           <p:spPr>
             <a:xfrm>
-              <a:off x="4847601" y="5350166"/>
+              <a:off x="4560742" y="5350012"/>
               <a:ext cx="63202" cy="63202"/>
             </a:xfrm>
             <a:custGeom>
@@ -21817,7 +21817,7 @@
           </p:nvSpPr>
           <p:spPr>
             <a:xfrm>
-              <a:off x="4489319" y="5816591"/>
+              <a:off x="4908375" y="5816700"/>
               <a:ext cx="63202" cy="63202"/>
             </a:xfrm>
             <a:custGeom>
@@ -21860,7 +21860,7 @@
           </p:nvSpPr>
           <p:spPr>
             <a:xfrm>
-              <a:off x="4477116" y="5332154"/>
+              <a:off x="4940678" y="5332011"/>
               <a:ext cx="63202" cy="63202"/>
             </a:xfrm>
             <a:custGeom>
@@ -21903,7 +21903,7 @@
           </p:nvSpPr>
           <p:spPr>
             <a:xfrm>
-              <a:off x="5089183" y="5384057"/>
+              <a:off x="4745348" y="5384210"/>
               <a:ext cx="63202" cy="63202"/>
             </a:xfrm>
             <a:custGeom>
@@ -21946,7 +21946,7 @@
           </p:nvSpPr>
           <p:spPr>
             <a:xfrm>
-              <a:off x="4826466" y="5332784"/>
+              <a:off x="5104731" y="5332701"/>
               <a:ext cx="63202" cy="63202"/>
             </a:xfrm>
             <a:custGeom>
@@ -21989,7 +21989,7 @@
           </p:nvSpPr>
           <p:spPr>
             <a:xfrm>
-              <a:off x="5450271" y="6221378"/>
+              <a:off x="5903295" y="6221416"/>
               <a:ext cx="63202" cy="63202"/>
             </a:xfrm>
             <a:custGeom>
@@ -22032,7 +22032,7 @@
           </p:nvSpPr>
           <p:spPr>
             <a:xfrm>
-              <a:off x="5491110" y="6104060"/>
+              <a:off x="5489607" y="6104164"/>
               <a:ext cx="63202" cy="63202"/>
             </a:xfrm>
             <a:custGeom>
@@ -22075,7 +22075,7 @@
           </p:nvSpPr>
           <p:spPr>
             <a:xfrm>
-              <a:off x="5067561" y="5379624"/>
+              <a:off x="4646899" y="5379761"/>
               <a:ext cx="63202" cy="63202"/>
             </a:xfrm>
             <a:custGeom>
@@ -22118,7 +22118,7 @@
           </p:nvSpPr>
           <p:spPr>
             <a:xfrm>
-              <a:off x="4523421" y="5328245"/>
+              <a:off x="4881365" y="5328431"/>
               <a:ext cx="63202" cy="63202"/>
             </a:xfrm>
             <a:custGeom>
@@ -22161,7 +22161,7 @@
           </p:nvSpPr>
           <p:spPr>
             <a:xfrm>
-              <a:off x="4685329" y="5328465"/>
+              <a:off x="4999072" y="5328365"/>
               <a:ext cx="63202" cy="63202"/>
             </a:xfrm>
             <a:custGeom>
@@ -22204,7 +22204,7 @@
           </p:nvSpPr>
           <p:spPr>
             <a:xfrm>
-              <a:off x="4970383" y="5328295"/>
+              <a:off x="4678501" y="5328373"/>
               <a:ext cx="63202" cy="63202"/>
             </a:xfrm>
             <a:custGeom>
@@ -22247,7 +22247,7 @@
           </p:nvSpPr>
           <p:spPr>
             <a:xfrm>
-              <a:off x="4638609" y="5328190"/>
+              <a:off x="4854596" y="5328408"/>
               <a:ext cx="63202" cy="63202"/>
             </a:xfrm>
             <a:custGeom>
@@ -22290,7 +22290,7 @@
           </p:nvSpPr>
           <p:spPr>
             <a:xfrm>
-              <a:off x="4672819" y="5382578"/>
+              <a:off x="5068216" y="5382458"/>
               <a:ext cx="63202" cy="63202"/>
             </a:xfrm>
             <a:custGeom>
@@ -22333,7 +22333,7 @@
           </p:nvSpPr>
           <p:spPr>
             <a:xfrm>
-              <a:off x="4865816" y="5641606"/>
+              <a:off x="4563398" y="5641849"/>
               <a:ext cx="63202" cy="63202"/>
             </a:xfrm>
             <a:custGeom>
@@ -22376,7 +22376,7 @@
           </p:nvSpPr>
           <p:spPr>
             <a:xfrm>
-              <a:off x="4550306" y="5326515"/>
+              <a:off x="4711464" y="5326687"/>
               <a:ext cx="63202" cy="63202"/>
             </a:xfrm>
             <a:custGeom>
@@ -22419,7 +22419,7 @@
           </p:nvSpPr>
           <p:spPr>
             <a:xfrm>
-              <a:off x="4495087" y="5364057"/>
+              <a:off x="4628503" y="5364274"/>
               <a:ext cx="63202" cy="63202"/>
             </a:xfrm>
             <a:custGeom>
@@ -22462,7 +22462,7 @@
           </p:nvSpPr>
           <p:spPr>
             <a:xfrm>
-              <a:off x="5033647" y="5373343"/>
+              <a:off x="4781589" y="5373377"/>
               <a:ext cx="63202" cy="63202"/>
             </a:xfrm>
             <a:custGeom>
@@ -22505,7 +22505,7 @@
           </p:nvSpPr>
           <p:spPr>
             <a:xfrm>
-              <a:off x="4911302" y="5340063"/>
+              <a:off x="4634459" y="5340126"/>
               <a:ext cx="63202" cy="63202"/>
             </a:xfrm>
             <a:custGeom>
@@ -22548,7 +22548,7 @@
           </p:nvSpPr>
           <p:spPr>
             <a:xfrm>
-              <a:off x="4613361" y="5352659"/>
+              <a:off x="4737557" y="5352789"/>
               <a:ext cx="63202" cy="63202"/>
             </a:xfrm>
             <a:custGeom>
@@ -22591,7 +22591,7 @@
           </p:nvSpPr>
           <p:spPr>
             <a:xfrm>
-              <a:off x="6381731" y="6800213"/>
+              <a:off x="6237073" y="6800277"/>
               <a:ext cx="63202" cy="63202"/>
             </a:xfrm>
             <a:custGeom>
@@ -22634,7 +22634,7 @@
           </p:nvSpPr>
           <p:spPr>
             <a:xfrm>
-              <a:off x="4969456" y="5512282"/>
+              <a:off x="4768395" y="5512529"/>
               <a:ext cx="63202" cy="63202"/>
             </a:xfrm>
             <a:custGeom>
@@ -22677,7 +22677,7 @@
           </p:nvSpPr>
           <p:spPr>
             <a:xfrm>
-              <a:off x="5130997" y="5383033"/>
+              <a:off x="4865379" y="5382941"/>
               <a:ext cx="63202" cy="63202"/>
             </a:xfrm>
             <a:custGeom>
@@ -22720,7 +22720,7 @@
           </p:nvSpPr>
           <p:spPr>
             <a:xfrm>
-              <a:off x="4974621" y="5333883"/>
+              <a:off x="4973555" y="5333843"/>
               <a:ext cx="63202" cy="63202"/>
             </a:xfrm>
             <a:custGeom>
@@ -22763,7 +22763,7 @@
           </p:nvSpPr>
           <p:spPr>
             <a:xfrm>
-              <a:off x="4769220" y="5344943"/>
+              <a:off x="4739511" y="5345013"/>
               <a:ext cx="63202" cy="63202"/>
             </a:xfrm>
             <a:custGeom>
@@ -22806,7 +22806,7 @@
           </p:nvSpPr>
           <p:spPr>
             <a:xfrm>
-              <a:off x="5132793" y="5542541"/>
+              <a:off x="4647350" y="5542706"/>
               <a:ext cx="63202" cy="63202"/>
             </a:xfrm>
             <a:custGeom>
@@ -22849,7 +22849,7 @@
           </p:nvSpPr>
           <p:spPr>
             <a:xfrm>
-              <a:off x="4576966" y="5385444"/>
+              <a:off x="4631870" y="5385396"/>
               <a:ext cx="63202" cy="63202"/>
             </a:xfrm>
             <a:custGeom>
@@ -22892,7 +22892,7 @@
           </p:nvSpPr>
           <p:spPr>
             <a:xfrm>
-              <a:off x="4996596" y="5356031"/>
+              <a:off x="4807370" y="5356124"/>
               <a:ext cx="63202" cy="63202"/>
             </a:xfrm>
             <a:custGeom>
@@ -22935,7 +22935,7 @@
           </p:nvSpPr>
           <p:spPr>
             <a:xfrm>
-              <a:off x="4662831" y="5569517"/>
+              <a:off x="5082475" y="5569660"/>
               <a:ext cx="63202" cy="63202"/>
             </a:xfrm>
             <a:custGeom>
@@ -22978,7 +22978,7 @@
           </p:nvSpPr>
           <p:spPr>
             <a:xfrm>
-              <a:off x="4754110" y="5332893"/>
+              <a:off x="4748837" y="5332802"/>
               <a:ext cx="63202" cy="63202"/>
             </a:xfrm>
             <a:custGeom>
@@ -23021,7 +23021,7 @@
           </p:nvSpPr>
           <p:spPr>
             <a:xfrm>
-              <a:off x="5113024" y="5353326"/>
+              <a:off x="5080205" y="5353594"/>
               <a:ext cx="63202" cy="63202"/>
             </a:xfrm>
             <a:custGeom>
@@ -23064,7 +23064,7 @@
           </p:nvSpPr>
           <p:spPr>
             <a:xfrm>
-              <a:off x="5601807" y="6217779"/>
+              <a:off x="5518032" y="6217819"/>
               <a:ext cx="63202" cy="63202"/>
             </a:xfrm>
             <a:custGeom>
@@ -23107,7 +23107,7 @@
           </p:nvSpPr>
           <p:spPr>
             <a:xfrm>
-              <a:off x="5666106" y="6217739"/>
+              <a:off x="5788039" y="6217786"/>
               <a:ext cx="63202" cy="63202"/>
             </a:xfrm>
             <a:custGeom>
@@ -23150,7 +23150,7 @@
           </p:nvSpPr>
           <p:spPr>
             <a:xfrm>
-              <a:off x="4548582" y="5341931"/>
+              <a:off x="4803213" y="5342134"/>
               <a:ext cx="63202" cy="63202"/>
             </a:xfrm>
             <a:custGeom>
@@ -23193,7 +23193,7 @@
           </p:nvSpPr>
           <p:spPr>
             <a:xfrm>
-              <a:off x="4963986" y="5328405"/>
+              <a:off x="4949556" y="5328291"/>
               <a:ext cx="63202" cy="63202"/>
             </a:xfrm>
             <a:custGeom>
@@ -23236,7 +23236,7 @@
           </p:nvSpPr>
           <p:spPr>
             <a:xfrm>
-              <a:off x="5982274" y="6521801"/>
+              <a:off x="5882595" y="6522028"/>
               <a:ext cx="63202" cy="63202"/>
             </a:xfrm>
             <a:custGeom>
@@ -23279,7 +23279,7 @@
           </p:nvSpPr>
           <p:spPr>
             <a:xfrm>
-              <a:off x="5595588" y="6423820"/>
+              <a:off x="5830666" y="6423986"/>
               <a:ext cx="63202" cy="63202"/>
             </a:xfrm>
             <a:custGeom>
@@ -23322,7 +23322,7 @@
           </p:nvSpPr>
           <p:spPr>
             <a:xfrm>
-              <a:off x="4533454" y="5533452"/>
+              <a:off x="4822351" y="5533283"/>
               <a:ext cx="63202" cy="63202"/>
             </a:xfrm>
             <a:custGeom>
@@ -23365,7 +23365,7 @@
           </p:nvSpPr>
           <p:spPr>
             <a:xfrm>
-              <a:off x="4611346" y="5365459"/>
+              <a:off x="4842917" y="5365533"/>
               <a:ext cx="63202" cy="63202"/>
             </a:xfrm>
             <a:custGeom>
@@ -23408,7 +23408,7 @@
           </p:nvSpPr>
           <p:spPr>
             <a:xfrm>
-              <a:off x="4488524" y="5441245"/>
+              <a:off x="4903841" y="5441161"/>
               <a:ext cx="63202" cy="63202"/>
             </a:xfrm>
             <a:custGeom>
@@ -23451,7 +23451,7 @@
           </p:nvSpPr>
           <p:spPr>
             <a:xfrm>
-              <a:off x="5530088" y="6393815"/>
+              <a:off x="5424561" y="6393998"/>
               <a:ext cx="63202" cy="63202"/>
             </a:xfrm>
             <a:custGeom>
@@ -23494,7 +23494,7 @@
           </p:nvSpPr>
           <p:spPr>
             <a:xfrm>
-              <a:off x="5057941" y="5367396"/>
+              <a:off x="4619761" y="5367344"/>
               <a:ext cx="63202" cy="63202"/>
             </a:xfrm>
             <a:custGeom>
@@ -23537,7 +23537,7 @@
           </p:nvSpPr>
           <p:spPr>
             <a:xfrm>
-              <a:off x="4459801" y="5810270"/>
+              <a:off x="4645748" y="5810442"/>
               <a:ext cx="63202" cy="63202"/>
             </a:xfrm>
             <a:custGeom>
@@ -23580,7 +23580,7 @@
           </p:nvSpPr>
           <p:spPr>
             <a:xfrm>
-              <a:off x="4558743" y="5461856"/>
+              <a:off x="4994610" y="5462013"/>
               <a:ext cx="63202" cy="63202"/>
             </a:xfrm>
             <a:custGeom>
@@ -23623,7 +23623,7 @@
           </p:nvSpPr>
           <p:spPr>
             <a:xfrm>
-              <a:off x="4433743" y="5394428"/>
+              <a:off x="4593770" y="5394420"/>
               <a:ext cx="63202" cy="63202"/>
             </a:xfrm>
             <a:custGeom>
@@ -23666,7 +23666,7 @@
           </p:nvSpPr>
           <p:spPr>
             <a:xfrm>
-              <a:off x="4600864" y="5389031"/>
+              <a:off x="4891212" y="5389277"/>
               <a:ext cx="63202" cy="63202"/>
             </a:xfrm>
             <a:custGeom>
@@ -23709,7 +23709,7 @@
           </p:nvSpPr>
           <p:spPr>
             <a:xfrm>
-              <a:off x="4513595" y="5555404"/>
+              <a:off x="4812827" y="5555586"/>
               <a:ext cx="63202" cy="63202"/>
             </a:xfrm>
             <a:custGeom>
@@ -23752,7 +23752,7 @@
           </p:nvSpPr>
           <p:spPr>
             <a:xfrm>
-              <a:off x="5054869" y="5369233"/>
+              <a:off x="4641628" y="5369391"/>
               <a:ext cx="63202" cy="63202"/>
             </a:xfrm>
             <a:custGeom>
@@ -23795,7 +23795,7 @@
           </p:nvSpPr>
           <p:spPr>
             <a:xfrm>
-              <a:off x="4513595" y="5349974"/>
+              <a:off x="4683725" y="5350079"/>
               <a:ext cx="63202" cy="63202"/>
             </a:xfrm>
             <a:custGeom>
@@ -23838,7 +23838,7 @@
           </p:nvSpPr>
           <p:spPr>
             <a:xfrm>
-              <a:off x="5954659" y="6454521"/>
+              <a:off x="5402800" y="6454579"/>
               <a:ext cx="63202" cy="63202"/>
             </a:xfrm>
             <a:custGeom>
@@ -23881,7 +23881,7 @@
           </p:nvSpPr>
           <p:spPr>
             <a:xfrm>
-              <a:off x="4657597" y="5332275"/>
+              <a:off x="4863509" y="5332414"/>
               <a:ext cx="63202" cy="63202"/>
             </a:xfrm>
             <a:custGeom>
@@ -23924,7 +23924,7 @@
           </p:nvSpPr>
           <p:spPr>
             <a:xfrm>
-              <a:off x="4632585" y="5370881"/>
+              <a:off x="5031305" y="5370668"/>
               <a:ext cx="63202" cy="63202"/>
             </a:xfrm>
             <a:custGeom>
@@ -23967,7 +23967,7 @@
           </p:nvSpPr>
           <p:spPr>
             <a:xfrm>
-              <a:off x="4722841" y="5350428"/>
+              <a:off x="4701134" y="5350372"/>
               <a:ext cx="63202" cy="63202"/>
             </a:xfrm>
             <a:custGeom>
@@ -24010,7 +24010,7 @@
           </p:nvSpPr>
           <p:spPr>
             <a:xfrm>
-              <a:off x="5070995" y="5372821"/>
+              <a:off x="4707296" y="5372876"/>
               <a:ext cx="63202" cy="63202"/>
             </a:xfrm>
             <a:custGeom>
@@ -24053,7 +24053,7 @@
           </p:nvSpPr>
           <p:spPr>
             <a:xfrm>
-              <a:off x="4954848" y="5385347"/>
+              <a:off x="4442307" y="5385660"/>
               <a:ext cx="63202" cy="63202"/>
             </a:xfrm>
             <a:custGeom>
@@ -24096,7 +24096,7 @@
           </p:nvSpPr>
           <p:spPr>
             <a:xfrm>
-              <a:off x="4899755" y="5337467"/>
+              <a:off x="4464280" y="5337463"/>
               <a:ext cx="63202" cy="63202"/>
             </a:xfrm>
             <a:custGeom>
@@ -24139,7 +24139,7 @@
           </p:nvSpPr>
           <p:spPr>
             <a:xfrm>
-              <a:off x="4578822" y="5349858"/>
+              <a:off x="4935320" y="5349823"/>
               <a:ext cx="63202" cy="63202"/>
             </a:xfrm>
             <a:custGeom>
@@ -24182,7 +24182,7 @@
           </p:nvSpPr>
           <p:spPr>
             <a:xfrm>
-              <a:off x="5001518" y="5816280"/>
+              <a:off x="4627503" y="5816223"/>
               <a:ext cx="63202" cy="63202"/>
             </a:xfrm>
             <a:custGeom>
@@ -24225,7 +24225,7 @@
           </p:nvSpPr>
           <p:spPr>
             <a:xfrm>
-              <a:off x="5002025" y="5386331"/>
+              <a:off x="5039902" y="5386399"/>
               <a:ext cx="63202" cy="63202"/>
             </a:xfrm>
             <a:custGeom>
@@ -24268,7 +24268,7 @@
           </p:nvSpPr>
           <p:spPr>
             <a:xfrm>
-              <a:off x="4965442" y="5384802"/>
+              <a:off x="4450169" y="5384878"/>
               <a:ext cx="63202" cy="63202"/>
             </a:xfrm>
             <a:custGeom>
@@ -24311,7 +24311,7 @@
           </p:nvSpPr>
           <p:spPr>
             <a:xfrm>
-              <a:off x="4732162" y="5384014"/>
+              <a:off x="5092053" y="5384135"/>
               <a:ext cx="63202" cy="63202"/>
             </a:xfrm>
             <a:custGeom>
@@ -24354,7 +24354,7 @@
           </p:nvSpPr>
           <p:spPr>
             <a:xfrm>
-              <a:off x="4534759" y="5427790"/>
+              <a:off x="4769421" y="5427967"/>
               <a:ext cx="63202" cy="63202"/>
             </a:xfrm>
             <a:custGeom>
@@ -24397,7 +24397,7 @@
           </p:nvSpPr>
           <p:spPr>
             <a:xfrm>
-              <a:off x="4539480" y="5439800"/>
+              <a:off x="4916656" y="5439720"/>
               <a:ext cx="63202" cy="63202"/>
             </a:xfrm>
             <a:custGeom>
@@ -24440,7 +24440,7 @@
           </p:nvSpPr>
           <p:spPr>
             <a:xfrm>
-              <a:off x="4742133" y="5333634"/>
+              <a:off x="4795362" y="5333626"/>
               <a:ext cx="63202" cy="63202"/>
             </a:xfrm>
             <a:custGeom>
@@ -24483,7 +24483,7 @@
           </p:nvSpPr>
           <p:spPr>
             <a:xfrm>
-              <a:off x="4692545" y="5385346"/>
+              <a:off x="4583316" y="5385642"/>
               <a:ext cx="63202" cy="63202"/>
             </a:xfrm>
             <a:custGeom>
@@ -24526,7 +24526,7 @@
           </p:nvSpPr>
           <p:spPr>
             <a:xfrm>
-              <a:off x="5100162" y="5385584"/>
+              <a:off x="4933761" y="5385530"/>
               <a:ext cx="63202" cy="63202"/>
             </a:xfrm>
             <a:custGeom>
@@ -24569,7 +24569,7 @@
           </p:nvSpPr>
           <p:spPr>
             <a:xfrm>
-              <a:off x="4591685" y="5354981"/>
+              <a:off x="4914454" y="5354818"/>
               <a:ext cx="63202" cy="63202"/>
             </a:xfrm>
             <a:custGeom>
@@ -24612,7 +24612,7 @@
           </p:nvSpPr>
           <p:spPr>
             <a:xfrm>
-              <a:off x="4646400" y="5372573"/>
+              <a:off x="4466832" y="5372652"/>
               <a:ext cx="63202" cy="63202"/>
             </a:xfrm>
             <a:custGeom>
@@ -24655,7 +24655,7 @@
           </p:nvSpPr>
           <p:spPr>
             <a:xfrm>
-              <a:off x="4467979" y="5350367"/>
+              <a:off x="4458209" y="5350395"/>
               <a:ext cx="63202" cy="63202"/>
             </a:xfrm>
             <a:custGeom>
@@ -24698,7 +24698,7 @@
           </p:nvSpPr>
           <p:spPr>
             <a:xfrm>
-              <a:off x="4861144" y="5328381"/>
+              <a:off x="4622372" y="5328312"/>
               <a:ext cx="63202" cy="63202"/>
             </a:xfrm>
             <a:custGeom>
@@ -24741,7 +24741,7 @@
           </p:nvSpPr>
           <p:spPr>
             <a:xfrm>
-              <a:off x="4514360" y="5363374"/>
+              <a:off x="4968139" y="5363388"/>
               <a:ext cx="63202" cy="63202"/>
             </a:xfrm>
             <a:custGeom>
@@ -24784,7 +24784,7 @@
           </p:nvSpPr>
           <p:spPr>
             <a:xfrm>
-              <a:off x="4690373" y="5389259"/>
+              <a:off x="5104463" y="5389346"/>
               <a:ext cx="63202" cy="63202"/>
             </a:xfrm>
             <a:custGeom>
@@ -24827,7 +24827,7 @@
           </p:nvSpPr>
           <p:spPr>
             <a:xfrm>
-              <a:off x="4533660" y="5777883"/>
+              <a:off x="5005268" y="5777986"/>
               <a:ext cx="63202" cy="63202"/>
             </a:xfrm>
             <a:custGeom>
@@ -24870,7 +24870,7 @@
           </p:nvSpPr>
           <p:spPr>
             <a:xfrm>
-              <a:off x="5037886" y="5470777"/>
+              <a:off x="4596591" y="5470808"/>
               <a:ext cx="63202" cy="63202"/>
             </a:xfrm>
             <a:custGeom>
@@ -24913,7 +24913,7 @@
           </p:nvSpPr>
           <p:spPr>
             <a:xfrm>
-              <a:off x="4951431" y="5382760"/>
+              <a:off x="4580255" y="5382881"/>
               <a:ext cx="63202" cy="63202"/>
             </a:xfrm>
             <a:custGeom>
@@ -24956,7 +24956,7 @@
           </p:nvSpPr>
           <p:spPr>
             <a:xfrm>
-              <a:off x="5129509" y="5441987"/>
+              <a:off x="5060506" y="5441950"/>
               <a:ext cx="63202" cy="63202"/>
             </a:xfrm>
             <a:custGeom>
@@ -24999,7 +24999,7 @@
           </p:nvSpPr>
           <p:spPr>
             <a:xfrm>
-              <a:off x="4902892" y="5322538"/>
+              <a:off x="5043645" y="5322575"/>
               <a:ext cx="63202" cy="63202"/>
             </a:xfrm>
             <a:custGeom>
@@ -25042,7 +25042,7 @@
           </p:nvSpPr>
           <p:spPr>
             <a:xfrm>
-              <a:off x="4791162" y="5328416"/>
+              <a:off x="4713310" y="5328279"/>
               <a:ext cx="63202" cy="63202"/>
             </a:xfrm>
             <a:custGeom>
@@ -25085,7 +25085,7 @@
           </p:nvSpPr>
           <p:spPr>
             <a:xfrm>
-              <a:off x="4462363" y="5865081"/>
+              <a:off x="4550776" y="5865235"/>
               <a:ext cx="63202" cy="63202"/>
             </a:xfrm>
             <a:custGeom>
@@ -25128,7 +25128,7 @@
           </p:nvSpPr>
           <p:spPr>
             <a:xfrm>
-              <a:off x="4607673" y="5348341"/>
+              <a:off x="5107467" y="5348234"/>
               <a:ext cx="63202" cy="63202"/>
             </a:xfrm>
             <a:custGeom>
@@ -25171,7 +25171,7 @@
           </p:nvSpPr>
           <p:spPr>
             <a:xfrm>
-              <a:off x="4455545" y="5598498"/>
+              <a:off x="4515605" y="5598580"/>
               <a:ext cx="63202" cy="63202"/>
             </a:xfrm>
             <a:custGeom>
@@ -25214,7 +25214,7 @@
           </p:nvSpPr>
           <p:spPr>
             <a:xfrm>
-              <a:off x="4648477" y="5367488"/>
+              <a:off x="4553112" y="5367403"/>
               <a:ext cx="63202" cy="63202"/>
             </a:xfrm>
             <a:custGeom>
@@ -25257,7 +25257,7 @@
           </p:nvSpPr>
           <p:spPr>
             <a:xfrm>
-              <a:off x="4934069" y="5375398"/>
+              <a:off x="4556007" y="5375655"/>
               <a:ext cx="63202" cy="63202"/>
             </a:xfrm>
             <a:custGeom>
@@ -25300,7 +25300,7 @@
           </p:nvSpPr>
           <p:spPr>
             <a:xfrm>
-              <a:off x="5065371" y="5362555"/>
+              <a:off x="4947722" y="5362687"/>
               <a:ext cx="63202" cy="63202"/>
             </a:xfrm>
             <a:custGeom>
@@ -25343,7 +25343,7 @@
           </p:nvSpPr>
           <p:spPr>
             <a:xfrm>
-              <a:off x="4510948" y="5350761"/>
+              <a:off x="4643118" y="5350814"/>
               <a:ext cx="63202" cy="63202"/>
             </a:xfrm>
             <a:custGeom>
@@ -25386,7 +25386,7 @@
           </p:nvSpPr>
           <p:spPr>
             <a:xfrm>
-              <a:off x="4841212" y="5378338"/>
+              <a:off x="4465873" y="5378608"/>
               <a:ext cx="63202" cy="63202"/>
             </a:xfrm>
             <a:custGeom>
@@ -25429,7 +25429,7 @@
           </p:nvSpPr>
           <p:spPr>
             <a:xfrm>
-              <a:off x="4627891" y="5348511"/>
+              <a:off x="4789726" y="5348733"/>
               <a:ext cx="63202" cy="63202"/>
             </a:xfrm>
             <a:custGeom>
@@ -25472,7 +25472,7 @@
           </p:nvSpPr>
           <p:spPr>
             <a:xfrm>
-              <a:off x="4586887" y="5382756"/>
+              <a:off x="4677493" y="5382979"/>
               <a:ext cx="63202" cy="63202"/>
             </a:xfrm>
             <a:custGeom>
@@ -25515,7 +25515,7 @@
           </p:nvSpPr>
           <p:spPr>
             <a:xfrm>
-              <a:off x="4775332" y="5391132"/>
+              <a:off x="4638997" y="5390984"/>
               <a:ext cx="63202" cy="63202"/>
             </a:xfrm>
             <a:custGeom>
@@ -25558,7 +25558,7 @@
           </p:nvSpPr>
           <p:spPr>
             <a:xfrm>
-              <a:off x="6289806" y="6803877"/>
+              <a:off x="6425499" y="6804109"/>
               <a:ext cx="63202" cy="63202"/>
             </a:xfrm>
             <a:custGeom>
@@ -25601,7 +25601,7 @@
           </p:nvSpPr>
           <p:spPr>
             <a:xfrm>
-              <a:off x="5062962" y="5334480"/>
+              <a:off x="5020031" y="5334519"/>
               <a:ext cx="63202" cy="63202"/>
             </a:xfrm>
             <a:custGeom>
@@ -25644,7 +25644,7 @@
           </p:nvSpPr>
           <p:spPr>
             <a:xfrm>
-              <a:off x="5599213" y="6424128"/>
+              <a:off x="5740825" y="6424318"/>
               <a:ext cx="63202" cy="63202"/>
             </a:xfrm>
             <a:custGeom>
@@ -25687,7 +25687,7 @@
           </p:nvSpPr>
           <p:spPr>
             <a:xfrm>
-              <a:off x="4649748" y="5335718"/>
+              <a:off x="4472396" y="5335822"/>
               <a:ext cx="63202" cy="63202"/>
             </a:xfrm>
             <a:custGeom>
@@ -25730,7 +25730,7 @@
           </p:nvSpPr>
           <p:spPr>
             <a:xfrm>
-              <a:off x="4974976" y="5824987"/>
+              <a:off x="5082808" y="5824984"/>
               <a:ext cx="63202" cy="63202"/>
             </a:xfrm>
             <a:custGeom>
@@ -25773,7 +25773,7 @@
           </p:nvSpPr>
           <p:spPr>
             <a:xfrm>
-              <a:off x="5111429" y="5361150"/>
+              <a:off x="4543158" y="5361329"/>
               <a:ext cx="63202" cy="63202"/>
             </a:xfrm>
             <a:custGeom>
@@ -25816,7 +25816,7 @@
           </p:nvSpPr>
           <p:spPr>
             <a:xfrm>
-              <a:off x="4510407" y="5489693"/>
+              <a:off x="5054993" y="5489784"/>
               <a:ext cx="63202" cy="63202"/>
             </a:xfrm>
             <a:custGeom>
@@ -25859,7 +25859,7 @@
           </p:nvSpPr>
           <p:spPr>
             <a:xfrm>
-              <a:off x="4579476" y="5361061"/>
+              <a:off x="4954137" y="5361197"/>
               <a:ext cx="63202" cy="63202"/>
             </a:xfrm>
             <a:custGeom>
@@ -25902,7 +25902,7 @@
           </p:nvSpPr>
           <p:spPr>
             <a:xfrm>
-              <a:off x="4487680" y="5366974"/>
+              <a:off x="4953442" y="5366974"/>
               <a:ext cx="63202" cy="63202"/>
             </a:xfrm>
             <a:custGeom>
@@ -25945,7 +25945,7 @@
           </p:nvSpPr>
           <p:spPr>
             <a:xfrm>
-              <a:off x="4628666" y="5413068"/>
+              <a:off x="5107978" y="5413157"/>
               <a:ext cx="63202" cy="63202"/>
             </a:xfrm>
             <a:custGeom>
@@ -25988,7 +25988,7 @@
           </p:nvSpPr>
           <p:spPr>
             <a:xfrm>
-              <a:off x="4697563" y="5377460"/>
+              <a:off x="4745934" y="5377349"/>
               <a:ext cx="63202" cy="63202"/>
             </a:xfrm>
             <a:custGeom>
@@ -26031,7 +26031,7 @@
           </p:nvSpPr>
           <p:spPr>
             <a:xfrm>
-              <a:off x="4780605" y="5352909"/>
+              <a:off x="4933834" y="5353102"/>
               <a:ext cx="63202" cy="63202"/>
             </a:xfrm>
             <a:custGeom>
@@ -26074,7 +26074,7 @@
           </p:nvSpPr>
           <p:spPr>
             <a:xfrm>
-              <a:off x="4456872" y="5355004"/>
+              <a:off x="4765236" y="5355043"/>
               <a:ext cx="63202" cy="63202"/>
             </a:xfrm>
             <a:custGeom>
@@ -26117,7 +26117,7 @@
           </p:nvSpPr>
           <p:spPr>
             <a:xfrm>
-              <a:off x="5113036" y="5633754"/>
+              <a:off x="4478302" y="5633644"/>
               <a:ext cx="63202" cy="63202"/>
             </a:xfrm>
             <a:custGeom>
@@ -26160,7 +26160,7 @@
           </p:nvSpPr>
           <p:spPr>
             <a:xfrm>
-              <a:off x="4910623" y="5337072"/>
+              <a:off x="4510287" y="5337307"/>
               <a:ext cx="63202" cy="63202"/>
             </a:xfrm>
             <a:custGeom>
@@ -26203,7 +26203,7 @@
           </p:nvSpPr>
           <p:spPr>
             <a:xfrm>
-              <a:off x="4909226" y="5345626"/>
+              <a:off x="4649313" y="5345771"/>
               <a:ext cx="63202" cy="63202"/>
             </a:xfrm>
             <a:custGeom>
@@ -26246,7 +26246,7 @@
           </p:nvSpPr>
           <p:spPr>
             <a:xfrm>
-              <a:off x="4891508" y="5384879"/>
+              <a:off x="4468960" y="5384837"/>
               <a:ext cx="63202" cy="63202"/>
             </a:xfrm>
             <a:custGeom>
@@ -26289,7 +26289,7 @@
           </p:nvSpPr>
           <p:spPr>
             <a:xfrm>
-              <a:off x="4742806" y="5348011"/>
+              <a:off x="5133138" y="5347841"/>
               <a:ext cx="63202" cy="63202"/>
             </a:xfrm>
             <a:custGeom>
@@ -26332,7 +26332,7 @@
           </p:nvSpPr>
           <p:spPr>
             <a:xfrm>
-              <a:off x="5121565" y="5350087"/>
+              <a:off x="4986332" y="5350121"/>
               <a:ext cx="63202" cy="63202"/>
             </a:xfrm>
             <a:custGeom>
@@ -26375,7 +26375,7 @@
           </p:nvSpPr>
           <p:spPr>
             <a:xfrm>
-              <a:off x="4715330" y="5342968"/>
+              <a:off x="4776130" y="5343197"/>
               <a:ext cx="63202" cy="63202"/>
             </a:xfrm>
             <a:custGeom>
@@ -26418,7 +26418,7 @@
           </p:nvSpPr>
           <p:spPr>
             <a:xfrm>
-              <a:off x="5818533" y="6156436"/>
+              <a:off x="5521753" y="6156612"/>
               <a:ext cx="63202" cy="63202"/>
             </a:xfrm>
             <a:custGeom>
@@ -26461,7 +26461,7 @@
           </p:nvSpPr>
           <p:spPr>
             <a:xfrm>
-              <a:off x="4920500" y="5441504"/>
+              <a:off x="5079085" y="5441722"/>
               <a:ext cx="63202" cy="63202"/>
             </a:xfrm>
             <a:custGeom>
@@ -26504,7 +26504,7 @@
           </p:nvSpPr>
           <p:spPr>
             <a:xfrm>
-              <a:off x="4762126" y="5385607"/>
+              <a:off x="5004633" y="5385652"/>
               <a:ext cx="63202" cy="63202"/>
             </a:xfrm>
             <a:custGeom>
@@ -26547,7 +26547,7 @@
           </p:nvSpPr>
           <p:spPr>
             <a:xfrm>
-              <a:off x="4756090" y="5350422"/>
+              <a:off x="4635776" y="5350616"/>
               <a:ext cx="63202" cy="63202"/>
             </a:xfrm>
             <a:custGeom>
@@ -26590,7 +26590,7 @@
           </p:nvSpPr>
           <p:spPr>
             <a:xfrm>
-              <a:off x="4683051" y="5357796"/>
+              <a:off x="5013189" y="5357987"/>
               <a:ext cx="63202" cy="63202"/>
             </a:xfrm>
             <a:custGeom>
@@ -26633,7 +26633,7 @@
           </p:nvSpPr>
           <p:spPr>
             <a:xfrm>
-              <a:off x="5115617" y="5326606"/>
+              <a:off x="4696921" y="5326597"/>
               <a:ext cx="63202" cy="63202"/>
             </a:xfrm>
             <a:custGeom>
@@ -26676,7 +26676,7 @@
           </p:nvSpPr>
           <p:spPr>
             <a:xfrm>
-              <a:off x="4652326" y="5349215"/>
+              <a:off x="4537852" y="5349426"/>
               <a:ext cx="63202" cy="63202"/>
             </a:xfrm>
             <a:custGeom>
@@ -26719,7 +26719,7 @@
           </p:nvSpPr>
           <p:spPr>
             <a:xfrm>
-              <a:off x="4935012" y="5349283"/>
+              <a:off x="4879745" y="5349487"/>
               <a:ext cx="63202" cy="63202"/>
             </a:xfrm>
             <a:custGeom>
@@ -26762,7 +26762,7 @@
           </p:nvSpPr>
           <p:spPr>
             <a:xfrm>
-              <a:off x="4578414" y="5350518"/>
+              <a:off x="4968329" y="5350584"/>
               <a:ext cx="63202" cy="63202"/>
             </a:xfrm>
             <a:custGeom>
@@ -26805,7 +26805,7 @@
           </p:nvSpPr>
           <p:spPr>
             <a:xfrm>
-              <a:off x="4737814" y="5445701"/>
+              <a:off x="4597285" y="5445597"/>
               <a:ext cx="63202" cy="63202"/>
             </a:xfrm>
             <a:custGeom>
@@ -26848,7 +26848,7 @@
           </p:nvSpPr>
           <p:spPr>
             <a:xfrm>
-              <a:off x="4888595" y="5445512"/>
+              <a:off x="4980436" y="5445563"/>
               <a:ext cx="63202" cy="63202"/>
             </a:xfrm>
             <a:custGeom>
@@ -26891,7 +26891,7 @@
           </p:nvSpPr>
           <p:spPr>
             <a:xfrm>
-              <a:off x="4775527" y="5361999"/>
+              <a:off x="4822328" y="5361897"/>
               <a:ext cx="63202" cy="63202"/>
             </a:xfrm>
             <a:custGeom>
@@ -26934,7 +26934,7 @@
           </p:nvSpPr>
           <p:spPr>
             <a:xfrm>
-              <a:off x="4535957" y="5346309"/>
+              <a:off x="4858540" y="5346569"/>
               <a:ext cx="63202" cy="63202"/>
             </a:xfrm>
             <a:custGeom>
@@ -26977,7 +26977,7 @@
           </p:nvSpPr>
           <p:spPr>
             <a:xfrm>
-              <a:off x="5435241" y="6089858"/>
+              <a:off x="5432729" y="6089754"/>
               <a:ext cx="63202" cy="63202"/>
             </a:xfrm>
             <a:custGeom>
@@ -27020,7 +27020,7 @@
           </p:nvSpPr>
           <p:spPr>
             <a:xfrm>
-              <a:off x="4882846" y="5381836"/>
+              <a:off x="4453221" y="5381853"/>
               <a:ext cx="63202" cy="63202"/>
             </a:xfrm>
             <a:custGeom>
@@ -27063,7 +27063,7 @@
           </p:nvSpPr>
           <p:spPr>
             <a:xfrm>
-              <a:off x="5097214" y="5339658"/>
+              <a:off x="4818878" y="5339681"/>
               <a:ext cx="63202" cy="63202"/>
             </a:xfrm>
             <a:custGeom>
@@ -27106,7 +27106,7 @@
           </p:nvSpPr>
           <p:spPr>
             <a:xfrm>
-              <a:off x="5099086" y="5330040"/>
+              <a:off x="4442097" y="5330301"/>
               <a:ext cx="63202" cy="63202"/>
             </a:xfrm>
             <a:custGeom>
@@ -27149,7 +27149,7 @@
           </p:nvSpPr>
           <p:spPr>
             <a:xfrm>
-              <a:off x="5083368" y="5412903"/>
+              <a:off x="4438110" y="5412749"/>
               <a:ext cx="63202" cy="63202"/>
             </a:xfrm>
             <a:custGeom>
@@ -27192,7 +27192,7 @@
           </p:nvSpPr>
           <p:spPr>
             <a:xfrm>
-              <a:off x="4633982" y="5379439"/>
+              <a:off x="4572733" y="5379719"/>
               <a:ext cx="63202" cy="63202"/>
             </a:xfrm>
             <a:custGeom>
@@ -27235,7 +27235,7 @@
           </p:nvSpPr>
           <p:spPr>
             <a:xfrm>
-              <a:off x="4563676" y="5333038"/>
+              <a:off x="4832277" y="5333129"/>
               <a:ext cx="63202" cy="63202"/>
             </a:xfrm>
             <a:custGeom>
@@ -27278,7 +27278,7 @@
           </p:nvSpPr>
           <p:spPr>
             <a:xfrm>
-              <a:off x="4927423" y="5333480"/>
+              <a:off x="4753042" y="5333562"/>
               <a:ext cx="63202" cy="63202"/>
             </a:xfrm>
             <a:custGeom>
@@ -27321,7 +27321,7 @@
           </p:nvSpPr>
           <p:spPr>
             <a:xfrm>
-              <a:off x="4807412" y="5327900"/>
+              <a:off x="5114493" y="5327994"/>
               <a:ext cx="63202" cy="63202"/>
             </a:xfrm>
             <a:custGeom>
@@ -27364,7 +27364,7 @@
           </p:nvSpPr>
           <p:spPr>
             <a:xfrm>
-              <a:off x="5044027" y="5330205"/>
+              <a:off x="4470763" y="5330326"/>
               <a:ext cx="63202" cy="63202"/>
             </a:xfrm>
             <a:custGeom>
@@ -27407,7 +27407,7 @@
           </p:nvSpPr>
           <p:spPr>
             <a:xfrm>
-              <a:off x="5027977" y="5325873"/>
+              <a:off x="5002015" y="5325734"/>
               <a:ext cx="63202" cy="63202"/>
             </a:xfrm>
             <a:custGeom>
@@ -27450,7 +27450,7 @@
           </p:nvSpPr>
           <p:spPr>
             <a:xfrm>
-              <a:off x="5039933" y="5411637"/>
+              <a:off x="4982954" y="5411829"/>
               <a:ext cx="63202" cy="63202"/>
             </a:xfrm>
             <a:custGeom>
@@ -27493,7 +27493,7 @@
           </p:nvSpPr>
           <p:spPr>
             <a:xfrm>
-              <a:off x="4505229" y="5456576"/>
+              <a:off x="4882167" y="5456603"/>
               <a:ext cx="63202" cy="63202"/>
             </a:xfrm>
             <a:custGeom>
@@ -27536,7 +27536,7 @@
           </p:nvSpPr>
           <p:spPr>
             <a:xfrm>
-              <a:off x="5069485" y="5342698"/>
+              <a:off x="4545099" y="5342845"/>
               <a:ext cx="63202" cy="63202"/>
             </a:xfrm>
             <a:custGeom>
@@ -27579,7 +27579,7 @@
           </p:nvSpPr>
           <p:spPr>
             <a:xfrm>
-              <a:off x="4696316" y="5345279"/>
+              <a:off x="4587032" y="5345225"/>
               <a:ext cx="63202" cy="63202"/>
             </a:xfrm>
             <a:custGeom>
@@ -27622,7 +27622,7 @@
           </p:nvSpPr>
           <p:spPr>
             <a:xfrm>
-              <a:off x="4918234" y="5357719"/>
+              <a:off x="4530130" y="5358017"/>
               <a:ext cx="63202" cy="63202"/>
             </a:xfrm>
             <a:custGeom>
@@ -27665,7 +27665,7 @@
           </p:nvSpPr>
           <p:spPr>
             <a:xfrm>
-              <a:off x="4497152" y="5333219"/>
+              <a:off x="4712907" y="5333118"/>
               <a:ext cx="63202" cy="63202"/>
             </a:xfrm>
             <a:custGeom>
@@ -27708,7 +27708,7 @@
           </p:nvSpPr>
           <p:spPr>
             <a:xfrm>
-              <a:off x="4563400" y="5324560"/>
+              <a:off x="5059809" y="5324554"/>
               <a:ext cx="63202" cy="63202"/>
             </a:xfrm>
             <a:custGeom>
@@ -27751,7 +27751,7 @@
           </p:nvSpPr>
           <p:spPr>
             <a:xfrm>
-              <a:off x="4751297" y="5335942"/>
+              <a:off x="4729236" y="5336017"/>
               <a:ext cx="63202" cy="63202"/>
             </a:xfrm>
             <a:custGeom>
@@ -27794,7 +27794,7 @@
           </p:nvSpPr>
           <p:spPr>
             <a:xfrm>
-              <a:off x="4966437" y="5357914"/>
+              <a:off x="4846311" y="5357950"/>
               <a:ext cx="63202" cy="63202"/>
             </a:xfrm>
             <a:custGeom>
@@ -27837,7 +27837,7 @@
           </p:nvSpPr>
           <p:spPr>
             <a:xfrm>
-              <a:off x="4452723" y="5345660"/>
+              <a:off x="4911155" y="5345643"/>
               <a:ext cx="63202" cy="63202"/>
             </a:xfrm>
             <a:custGeom>
@@ -27880,7 +27880,7 @@
           </p:nvSpPr>
           <p:spPr>
             <a:xfrm>
-              <a:off x="4951459" y="5352021"/>
+              <a:off x="4797172" y="5352052"/>
               <a:ext cx="63202" cy="63202"/>
             </a:xfrm>
             <a:custGeom>
@@ -27923,7 +27923,7 @@
           </p:nvSpPr>
           <p:spPr>
             <a:xfrm>
-              <a:off x="4885128" y="5339834"/>
+              <a:off x="4486931" y="5339848"/>
               <a:ext cx="63202" cy="63202"/>
             </a:xfrm>
             <a:custGeom>
@@ -27966,7 +27966,7 @@
           </p:nvSpPr>
           <p:spPr>
             <a:xfrm>
-              <a:off x="4828333" y="5345767"/>
+              <a:off x="4885756" y="5345592"/>
               <a:ext cx="63202" cy="63202"/>
             </a:xfrm>
             <a:custGeom>
@@ -28009,7 +28009,7 @@
           </p:nvSpPr>
           <p:spPr>
             <a:xfrm>
-              <a:off x="4569418" y="5358439"/>
+              <a:off x="4579788" y="5358624"/>
               <a:ext cx="63202" cy="63202"/>
             </a:xfrm>
             <a:custGeom>
@@ -28052,7 +28052,7 @@
           </p:nvSpPr>
           <p:spPr>
             <a:xfrm>
-              <a:off x="5902170" y="6368600"/>
+              <a:off x="5984379" y="6368545"/>
               <a:ext cx="63202" cy="63202"/>
             </a:xfrm>
             <a:custGeom>
@@ -28095,7 +28095,7 @@
           </p:nvSpPr>
           <p:spPr>
             <a:xfrm>
-              <a:off x="4953797" y="5359382"/>
+              <a:off x="4484383" y="5359490"/>
               <a:ext cx="63202" cy="63202"/>
             </a:xfrm>
             <a:custGeom>
@@ -28138,7 +28138,7 @@
           </p:nvSpPr>
           <p:spPr>
             <a:xfrm>
-              <a:off x="4969294" y="5427447"/>
+              <a:off x="4823206" y="5427460"/>
               <a:ext cx="63202" cy="63202"/>
             </a:xfrm>
             <a:custGeom>
@@ -28181,7 +28181,7 @@
           </p:nvSpPr>
           <p:spPr>
             <a:xfrm>
-              <a:off x="5038006" y="5351913"/>
+              <a:off x="4722658" y="5351935"/>
               <a:ext cx="63202" cy="63202"/>
             </a:xfrm>
             <a:custGeom>
@@ -28224,7 +28224,7 @@
           </p:nvSpPr>
           <p:spPr>
             <a:xfrm>
-              <a:off x="4984849" y="5395109"/>
+              <a:off x="5100641" y="5395170"/>
               <a:ext cx="63202" cy="63202"/>
             </a:xfrm>
             <a:custGeom>
@@ -28267,7 +28267,7 @@
           </p:nvSpPr>
           <p:spPr>
             <a:xfrm>
-              <a:off x="4536094" y="5386648"/>
+              <a:off x="5072897" y="5386590"/>
               <a:ext cx="63202" cy="63202"/>
             </a:xfrm>
             <a:custGeom>
@@ -28310,7 +28310,7 @@
           </p:nvSpPr>
           <p:spPr>
             <a:xfrm>
-              <a:off x="6796667" y="6632102"/>
+              <a:off x="6459756" y="6632376"/>
               <a:ext cx="63202" cy="63202"/>
             </a:xfrm>
             <a:custGeom>
@@ -28353,7 +28353,7 @@
           </p:nvSpPr>
           <p:spPr>
             <a:xfrm>
-              <a:off x="4776416" y="5349042"/>
+              <a:off x="4501694" y="5349081"/>
               <a:ext cx="63202" cy="63202"/>
             </a:xfrm>
             <a:custGeom>
@@ -28396,7 +28396,7 @@
           </p:nvSpPr>
           <p:spPr>
             <a:xfrm>
-              <a:off x="4735318" y="5363657"/>
+              <a:off x="4857284" y="5363671"/>
               <a:ext cx="63202" cy="63202"/>
             </a:xfrm>
             <a:custGeom>
@@ -28439,7 +28439,7 @@
           </p:nvSpPr>
           <p:spPr>
             <a:xfrm>
-              <a:off x="4954137" y="5755693"/>
+              <a:off x="4841904" y="5755742"/>
               <a:ext cx="63202" cy="63202"/>
             </a:xfrm>
             <a:custGeom>
@@ -28482,7 +28482,7 @@
           </p:nvSpPr>
           <p:spPr>
             <a:xfrm>
-              <a:off x="4567781" y="5341524"/>
+              <a:off x="5016799" y="5341728"/>
               <a:ext cx="63202" cy="63202"/>
             </a:xfrm>
             <a:custGeom>
@@ -28525,7 +28525,7 @@
           </p:nvSpPr>
           <p:spPr>
             <a:xfrm>
-              <a:off x="5011931" y="5396676"/>
+              <a:off x="4640863" y="5396530"/>
               <a:ext cx="63202" cy="63202"/>
             </a:xfrm>
             <a:custGeom>
@@ -28568,7 +28568,7 @@
           </p:nvSpPr>
           <p:spPr>
             <a:xfrm>
-              <a:off x="4897248" y="5356212"/>
+              <a:off x="5101695" y="5356448"/>
               <a:ext cx="63202" cy="63202"/>
             </a:xfrm>
             <a:custGeom>
@@ -28611,7 +28611,7 @@
           </p:nvSpPr>
           <p:spPr>
             <a:xfrm>
-              <a:off x="4832707" y="5343395"/>
+              <a:off x="4944979" y="5343554"/>
               <a:ext cx="63202" cy="63202"/>
             </a:xfrm>
             <a:custGeom>
@@ -28654,7 +28654,7 @@
           </p:nvSpPr>
           <p:spPr>
             <a:xfrm>
-              <a:off x="5018170" y="5384115"/>
+              <a:off x="5084691" y="5384166"/>
               <a:ext cx="63202" cy="63202"/>
             </a:xfrm>
             <a:custGeom>
@@ -28697,7 +28697,7 @@
           </p:nvSpPr>
           <p:spPr>
             <a:xfrm>
-              <a:off x="5028574" y="5366248"/>
+              <a:off x="4818751" y="5366324"/>
               <a:ext cx="63202" cy="63202"/>
             </a:xfrm>
             <a:custGeom>
@@ -28740,7 +28740,7 @@
           </p:nvSpPr>
           <p:spPr>
             <a:xfrm>
-              <a:off x="4614450" y="5342204"/>
+              <a:off x="4736082" y="5342442"/>
               <a:ext cx="63202" cy="63202"/>
             </a:xfrm>
             <a:custGeom>
@@ -28783,7 +28783,7 @@
           </p:nvSpPr>
           <p:spPr>
             <a:xfrm>
-              <a:off x="4551668" y="5351611"/>
+              <a:off x="4636981" y="5351635"/>
               <a:ext cx="63202" cy="63202"/>
             </a:xfrm>
             <a:custGeom>
@@ -28826,7 +28826,7 @@
           </p:nvSpPr>
           <p:spPr>
             <a:xfrm>
-              <a:off x="4823585" y="5349599"/>
+              <a:off x="4709261" y="5349717"/>
               <a:ext cx="63202" cy="63202"/>
             </a:xfrm>
             <a:custGeom>
@@ -28869,7 +28869,7 @@
           </p:nvSpPr>
           <p:spPr>
             <a:xfrm>
-              <a:off x="5089154" y="5428642"/>
+              <a:off x="5065253" y="5428719"/>
               <a:ext cx="63202" cy="63202"/>
             </a:xfrm>
             <a:custGeom>
@@ -28912,7 +28912,7 @@
           </p:nvSpPr>
           <p:spPr>
             <a:xfrm>
-              <a:off x="4837532" y="5393125"/>
+              <a:off x="4531376" y="5393313"/>
               <a:ext cx="63202" cy="63202"/>
             </a:xfrm>
             <a:custGeom>
@@ -28955,7 +28955,7 @@
           </p:nvSpPr>
           <p:spPr>
             <a:xfrm>
-              <a:off x="4929178" y="5378031"/>
+              <a:off x="4517114" y="5378309"/>
               <a:ext cx="63202" cy="63202"/>
             </a:xfrm>
             <a:custGeom>
@@ -28998,7 +28998,7 @@
           </p:nvSpPr>
           <p:spPr>
             <a:xfrm>
-              <a:off x="4740085" y="5335799"/>
+              <a:off x="4561670" y="5335752"/>
               <a:ext cx="63202" cy="63202"/>
             </a:xfrm>
             <a:custGeom>
@@ -29041,7 +29041,7 @@
           </p:nvSpPr>
           <p:spPr>
             <a:xfrm>
-              <a:off x="5053128" y="5335733"/>
+              <a:off x="4990445" y="5335641"/>
               <a:ext cx="63202" cy="63202"/>
             </a:xfrm>
             <a:custGeom>
@@ -29084,7 +29084,7 @@
           </p:nvSpPr>
           <p:spPr>
             <a:xfrm>
-              <a:off x="4961826" y="5339292"/>
+              <a:off x="4776693" y="5339399"/>
               <a:ext cx="63202" cy="63202"/>
             </a:xfrm>
             <a:custGeom>
@@ -29127,7 +29127,7 @@
           </p:nvSpPr>
           <p:spPr>
             <a:xfrm>
-              <a:off x="4608112" y="5338433"/>
+              <a:off x="4662314" y="5338348"/>
               <a:ext cx="63202" cy="63202"/>
             </a:xfrm>
             <a:custGeom>
@@ -29170,7 +29170,7 @@
           </p:nvSpPr>
           <p:spPr>
             <a:xfrm>
-              <a:off x="4898634" y="5336942"/>
+              <a:off x="4837641" y="5336936"/>
               <a:ext cx="63202" cy="63202"/>
             </a:xfrm>
             <a:custGeom>
@@ -29213,7 +29213,7 @@
           </p:nvSpPr>
           <p:spPr>
             <a:xfrm>
-              <a:off x="4772633" y="5317369"/>
+              <a:off x="5057558" y="5317369"/>
               <a:ext cx="63202" cy="63202"/>
             </a:xfrm>
             <a:custGeom>
@@ -29256,7 +29256,7 @@
           </p:nvSpPr>
           <p:spPr>
             <a:xfrm>
-              <a:off x="5089009" y="5391154"/>
+              <a:off x="4465501" y="5391216"/>
               <a:ext cx="63202" cy="63202"/>
             </a:xfrm>
             <a:custGeom>
@@ -29299,7 +29299,7 @@
           </p:nvSpPr>
           <p:spPr>
             <a:xfrm>
-              <a:off x="4441590" y="5408622"/>
+              <a:off x="4593481" y="5408700"/>
               <a:ext cx="63202" cy="63202"/>
             </a:xfrm>
             <a:custGeom>
@@ -29342,7 +29342,7 @@
           </p:nvSpPr>
           <p:spPr>
             <a:xfrm>
-              <a:off x="5057024" y="5362931"/>
+              <a:off x="4916229" y="5363045"/>
               <a:ext cx="63202" cy="63202"/>
             </a:xfrm>
             <a:custGeom>
@@ -29385,7 +29385,7 @@
           </p:nvSpPr>
           <p:spPr>
             <a:xfrm>
-              <a:off x="4646565" y="5387796"/>
+              <a:off x="4432655" y="5387624"/>
               <a:ext cx="63202" cy="63202"/>
             </a:xfrm>
             <a:custGeom>
@@ -29428,7 +29428,7 @@
           </p:nvSpPr>
           <p:spPr>
             <a:xfrm>
-              <a:off x="5010912" y="5394785"/>
+              <a:off x="4580047" y="5394742"/>
               <a:ext cx="63202" cy="63202"/>
             </a:xfrm>
             <a:custGeom>
@@ -29471,7 +29471,7 @@
           </p:nvSpPr>
           <p:spPr>
             <a:xfrm>
-              <a:off x="4528347" y="5375074"/>
+              <a:off x="4876569" y="5375121"/>
               <a:ext cx="63202" cy="63202"/>
             </a:xfrm>
             <a:custGeom>
@@ -29514,7 +29514,7 @@
           </p:nvSpPr>
           <p:spPr>
             <a:xfrm>
-              <a:off x="4685943" y="5336797"/>
+              <a:off x="4557925" y="5336875"/>
               <a:ext cx="63202" cy="63202"/>
             </a:xfrm>
             <a:custGeom>
@@ -29557,7 +29557,7 @@
           </p:nvSpPr>
           <p:spPr>
             <a:xfrm>
-              <a:off x="5033924" y="5394021"/>
+              <a:off x="4852211" y="5394012"/>
               <a:ext cx="63202" cy="63202"/>
             </a:xfrm>
             <a:custGeom>
@@ -29600,7 +29600,7 @@
           </p:nvSpPr>
           <p:spPr>
             <a:xfrm>
-              <a:off x="4960045" y="5349680"/>
+              <a:off x="4857963" y="5349892"/>
               <a:ext cx="63202" cy="63202"/>
             </a:xfrm>
             <a:custGeom>
@@ -29643,7 +29643,7 @@
           </p:nvSpPr>
           <p:spPr>
             <a:xfrm>
-              <a:off x="4965926" y="5338892"/>
+              <a:off x="4843657" y="5339030"/>
               <a:ext cx="63202" cy="63202"/>
             </a:xfrm>
             <a:custGeom>
@@ -29686,7 +29686,7 @@
           </p:nvSpPr>
           <p:spPr>
             <a:xfrm>
-              <a:off x="4750799" y="5767733"/>
+              <a:off x="5119151" y="5767888"/>
               <a:ext cx="63202" cy="63202"/>
             </a:xfrm>
             <a:custGeom>
@@ -29729,7 +29729,7 @@
           </p:nvSpPr>
           <p:spPr>
             <a:xfrm>
-              <a:off x="5098963" y="5341503"/>
+              <a:off x="4779632" y="5341798"/>
               <a:ext cx="63202" cy="63202"/>
             </a:xfrm>
             <a:custGeom>
@@ -29772,7 +29772,7 @@
           </p:nvSpPr>
           <p:spPr>
             <a:xfrm>
-              <a:off x="5003054" y="5341536"/>
+              <a:off x="5094612" y="5341647"/>
               <a:ext cx="63202" cy="63202"/>
             </a:xfrm>
             <a:custGeom>
@@ -29815,7 +29815,7 @@
           </p:nvSpPr>
           <p:spPr>
             <a:xfrm>
-              <a:off x="4571875" y="5341716"/>
+              <a:off x="4947193" y="5341734"/>
               <a:ext cx="63202" cy="63202"/>
             </a:xfrm>
             <a:custGeom>
@@ -29858,7 +29858,7 @@
           </p:nvSpPr>
           <p:spPr>
             <a:xfrm>
-              <a:off x="4857911" y="5331932"/>
+              <a:off x="4973671" y="5331991"/>
               <a:ext cx="63202" cy="63202"/>
             </a:xfrm>
             <a:custGeom>
@@ -29901,7 +29901,7 @@
           </p:nvSpPr>
           <p:spPr>
             <a:xfrm>
-              <a:off x="4431247" y="5382921"/>
+              <a:off x="4685581" y="5383040"/>
               <a:ext cx="63202" cy="63202"/>
             </a:xfrm>
             <a:custGeom>
@@ -29944,7 +29944,7 @@
           </p:nvSpPr>
           <p:spPr>
             <a:xfrm>
-              <a:off x="4509983" y="5396864"/>
+              <a:off x="4677679" y="5397004"/>
               <a:ext cx="63202" cy="63202"/>
             </a:xfrm>
             <a:custGeom>
@@ -29987,7 +29987,7 @@
           </p:nvSpPr>
           <p:spPr>
             <a:xfrm>
-              <a:off x="4513775" y="5324657"/>
+              <a:off x="5020837" y="5324559"/>
               <a:ext cx="63202" cy="63202"/>
             </a:xfrm>
             <a:custGeom>
@@ -30030,7 +30030,7 @@
           </p:nvSpPr>
           <p:spPr>
             <a:xfrm>
-              <a:off x="4594941" y="5350817"/>
+              <a:off x="4815182" y="5350977"/>
               <a:ext cx="63202" cy="63202"/>
             </a:xfrm>
             <a:custGeom>
@@ -30073,7 +30073,7 @@
           </p:nvSpPr>
           <p:spPr>
             <a:xfrm>
-              <a:off x="4950545" y="5343844"/>
+              <a:off x="4996691" y="5343860"/>
               <a:ext cx="63202" cy="63202"/>
             </a:xfrm>
             <a:custGeom>
@@ -30116,7 +30116,7 @@
           </p:nvSpPr>
           <p:spPr>
             <a:xfrm>
-              <a:off x="4529894" y="5341188"/>
+              <a:off x="4453384" y="5341426"/>
               <a:ext cx="63202" cy="63202"/>
             </a:xfrm>
             <a:custGeom>
@@ -30159,7 +30159,7 @@
           </p:nvSpPr>
           <p:spPr>
             <a:xfrm>
-              <a:off x="4599936" y="5550569"/>
+              <a:off x="4520217" y="5550777"/>
               <a:ext cx="63202" cy="63202"/>
             </a:xfrm>
             <a:custGeom>
@@ -30202,7 +30202,7 @@
           </p:nvSpPr>
           <p:spPr>
             <a:xfrm>
-              <a:off x="4767998" y="5355572"/>
+              <a:off x="4686956" y="5355795"/>
               <a:ext cx="63202" cy="63202"/>
             </a:xfrm>
             <a:custGeom>
@@ -30245,7 +30245,7 @@
           </p:nvSpPr>
           <p:spPr>
             <a:xfrm>
-              <a:off x="4575409" y="5440178"/>
+              <a:off x="4819813" y="5440235"/>
               <a:ext cx="63202" cy="63202"/>
             </a:xfrm>
             <a:custGeom>
@@ -30288,7 +30288,7 @@
           </p:nvSpPr>
           <p:spPr>
             <a:xfrm>
-              <a:off x="4876003" y="5384090"/>
+              <a:off x="4627009" y="5384039"/>
               <a:ext cx="63202" cy="63202"/>
             </a:xfrm>
             <a:custGeom>
@@ -30331,7 +30331,7 @@
           </p:nvSpPr>
           <p:spPr>
             <a:xfrm>
-              <a:off x="4712165" y="5339867"/>
+              <a:off x="4808960" y="5339688"/>
               <a:ext cx="63202" cy="63202"/>
             </a:xfrm>
             <a:custGeom>
@@ -30374,7 +30374,7 @@
           </p:nvSpPr>
           <p:spPr>
             <a:xfrm>
-              <a:off x="4594494" y="5344189"/>
+              <a:off x="4861860" y="5344249"/>
               <a:ext cx="63202" cy="63202"/>
             </a:xfrm>
             <a:custGeom>
@@ -30417,7 +30417,7 @@
           </p:nvSpPr>
           <p:spPr>
             <a:xfrm>
-              <a:off x="4866503" y="5404966"/>
+              <a:off x="5086762" y="5405221"/>
               <a:ext cx="63202" cy="63202"/>
             </a:xfrm>
             <a:custGeom>
@@ -30460,7 +30460,7 @@
           </p:nvSpPr>
           <p:spPr>
             <a:xfrm>
-              <a:off x="4717073" y="5395845"/>
+              <a:off x="4494620" y="5395772"/>
               <a:ext cx="63202" cy="63202"/>
             </a:xfrm>
             <a:custGeom>
@@ -30503,7 +30503,7 @@
           </p:nvSpPr>
           <p:spPr>
             <a:xfrm>
-              <a:off x="4810167" y="5440307"/>
+              <a:off x="4904522" y="5440501"/>
               <a:ext cx="63202" cy="63202"/>
             </a:xfrm>
             <a:custGeom>
@@ -30546,7 +30546,7 @@
           </p:nvSpPr>
           <p:spPr>
             <a:xfrm>
-              <a:off x="4890899" y="5358807"/>
+              <a:off x="4823223" y="5358967"/>
               <a:ext cx="63202" cy="63202"/>
             </a:xfrm>
             <a:custGeom>
@@ -30589,7 +30589,7 @@
           </p:nvSpPr>
           <p:spPr>
             <a:xfrm>
-              <a:off x="4671976" y="5367866"/>
+              <a:off x="4496478" y="5367834"/>
               <a:ext cx="63202" cy="63202"/>
             </a:xfrm>
             <a:custGeom>
@@ -30632,7 +30632,7 @@
           </p:nvSpPr>
           <p:spPr>
             <a:xfrm>
-              <a:off x="4646712" y="5395530"/>
+              <a:off x="5032826" y="5395580"/>
               <a:ext cx="63202" cy="63202"/>
             </a:xfrm>
             <a:custGeom>
@@ -30675,7 +30675,7 @@
           </p:nvSpPr>
           <p:spPr>
             <a:xfrm>
-              <a:off x="5055772" y="5352166"/>
+              <a:off x="5104342" y="5352449"/>
               <a:ext cx="63202" cy="63202"/>
             </a:xfrm>
             <a:custGeom>
@@ -30718,7 +30718,7 @@
           </p:nvSpPr>
           <p:spPr>
             <a:xfrm>
-              <a:off x="4464647" y="5385358"/>
+              <a:off x="5107118" y="5385590"/>
               <a:ext cx="63202" cy="63202"/>
             </a:xfrm>
             <a:custGeom>
@@ -30761,7 +30761,7 @@
           </p:nvSpPr>
           <p:spPr>
             <a:xfrm>
-              <a:off x="5006833" y="5395490"/>
+              <a:off x="5082357" y="5395627"/>
               <a:ext cx="63202" cy="63202"/>
             </a:xfrm>
             <a:custGeom>
@@ -30804,7 +30804,7 @@
           </p:nvSpPr>
           <p:spPr>
             <a:xfrm>
-              <a:off x="4889148" y="5345154"/>
+              <a:off x="4784519" y="5345302"/>
               <a:ext cx="63202" cy="63202"/>
             </a:xfrm>
             <a:custGeom>
@@ -30847,7 +30847,7 @@
           </p:nvSpPr>
           <p:spPr>
             <a:xfrm>
-              <a:off x="5019585" y="5533198"/>
+              <a:off x="4673711" y="5533535"/>
               <a:ext cx="63202" cy="63202"/>
             </a:xfrm>
             <a:custGeom>
@@ -30890,7 +30890,7 @@
           </p:nvSpPr>
           <p:spPr>
             <a:xfrm>
-              <a:off x="5056141" y="5379916"/>
+              <a:off x="4770392" y="5380047"/>
               <a:ext cx="63202" cy="63202"/>
             </a:xfrm>
             <a:custGeom>
@@ -30933,7 +30933,7 @@
           </p:nvSpPr>
           <p:spPr>
             <a:xfrm>
-              <a:off x="4486150" y="5385380"/>
+              <a:off x="4765114" y="5385496"/>
               <a:ext cx="63202" cy="63202"/>
             </a:xfrm>
             <a:custGeom>
@@ -30976,7 +30976,7 @@
           </p:nvSpPr>
           <p:spPr>
             <a:xfrm>
-              <a:off x="4930085" y="5398664"/>
+              <a:off x="4955942" y="5398735"/>
               <a:ext cx="63202" cy="63202"/>
             </a:xfrm>
             <a:custGeom>
@@ -31019,7 +31019,7 @@
           </p:nvSpPr>
           <p:spPr>
             <a:xfrm>
-              <a:off x="4874416" y="5404320"/>
+              <a:off x="4877908" y="5404209"/>
               <a:ext cx="63202" cy="63202"/>
             </a:xfrm>
             <a:custGeom>
@@ -31062,7 +31062,7 @@
           </p:nvSpPr>
           <p:spPr>
             <a:xfrm>
-              <a:off x="4928228" y="5325502"/>
+              <a:off x="4918871" y="5325428"/>
               <a:ext cx="63202" cy="63202"/>
             </a:xfrm>
             <a:custGeom>
@@ -31105,7 +31105,7 @@
           </p:nvSpPr>
           <p:spPr>
             <a:xfrm>
-              <a:off x="4683517" y="5438130"/>
+              <a:off x="4875819" y="5438376"/>
               <a:ext cx="63202" cy="63202"/>
             </a:xfrm>
             <a:custGeom>
@@ -31148,7 +31148,7 @@
           </p:nvSpPr>
           <p:spPr>
             <a:xfrm>
-              <a:off x="4755178" y="5632492"/>
+              <a:off x="4727646" y="5632735"/>
               <a:ext cx="63202" cy="63202"/>
             </a:xfrm>
             <a:custGeom>
@@ -31191,7 +31191,7 @@
           </p:nvSpPr>
           <p:spPr>
             <a:xfrm>
-              <a:off x="5036181" y="5954905"/>
+              <a:off x="4607022" y="5954844"/>
               <a:ext cx="63202" cy="63202"/>
             </a:xfrm>
             <a:custGeom>
@@ -31234,7 +31234,7 @@
           </p:nvSpPr>
           <p:spPr>
             <a:xfrm>
-              <a:off x="4947317" y="5791080"/>
+              <a:off x="4750571" y="5791286"/>
               <a:ext cx="63202" cy="63202"/>
             </a:xfrm>
             <a:custGeom>
@@ -31277,7 +31277,7 @@
           </p:nvSpPr>
           <p:spPr>
             <a:xfrm>
-              <a:off x="4819939" y="5351669"/>
+              <a:off x="5085237" y="5351725"/>
               <a:ext cx="63202" cy="63202"/>
             </a:xfrm>
             <a:custGeom>
@@ -31320,7 +31320,7 @@
           </p:nvSpPr>
           <p:spPr>
             <a:xfrm>
-              <a:off x="4493147" y="5460012"/>
+              <a:off x="4509278" y="5460142"/>
               <a:ext cx="63202" cy="63202"/>
             </a:xfrm>
             <a:custGeom>
@@ -31363,7 +31363,7 @@
           </p:nvSpPr>
           <p:spPr>
             <a:xfrm>
-              <a:off x="4698618" y="5443676"/>
+              <a:off x="4585889" y="5443812"/>
               <a:ext cx="63202" cy="63202"/>
             </a:xfrm>
             <a:custGeom>
@@ -31406,7 +31406,7 @@
           </p:nvSpPr>
           <p:spPr>
             <a:xfrm>
-              <a:off x="4973948" y="5358884"/>
+              <a:off x="5059525" y="5359055"/>
               <a:ext cx="63202" cy="63202"/>
             </a:xfrm>
             <a:custGeom>
@@ -31449,7 +31449,7 @@
           </p:nvSpPr>
           <p:spPr>
             <a:xfrm>
-              <a:off x="4835759" y="5530701"/>
+              <a:off x="5032177" y="5530808"/>
               <a:ext cx="63202" cy="63202"/>
             </a:xfrm>
             <a:custGeom>
@@ -31492,7 +31492,7 @@
           </p:nvSpPr>
           <p:spPr>
             <a:xfrm>
-              <a:off x="4507706" y="5331635"/>
+              <a:off x="4666499" y="5331840"/>
               <a:ext cx="63202" cy="63202"/>
             </a:xfrm>
             <a:custGeom>
@@ -31535,7 +31535,7 @@
           </p:nvSpPr>
           <p:spPr>
             <a:xfrm>
-              <a:off x="4960577" y="5684079"/>
+              <a:off x="4583327" y="5684235"/>
               <a:ext cx="63202" cy="63202"/>
             </a:xfrm>
             <a:custGeom>
@@ -31578,7 +31578,7 @@
           </p:nvSpPr>
           <p:spPr>
             <a:xfrm>
-              <a:off x="4869284" y="5352949"/>
+              <a:off x="4583038" y="5352984"/>
               <a:ext cx="63202" cy="63202"/>
             </a:xfrm>
             <a:custGeom>
@@ -31621,7 +31621,7 @@
           </p:nvSpPr>
           <p:spPr>
             <a:xfrm>
-              <a:off x="4838829" y="5780777"/>
+              <a:off x="4439969" y="5780887"/>
               <a:ext cx="63202" cy="63202"/>
             </a:xfrm>
             <a:custGeom>
@@ -31664,7 +31664,7 @@
           </p:nvSpPr>
           <p:spPr>
             <a:xfrm>
-              <a:off x="4863495" y="5362633"/>
+              <a:off x="4515624" y="5362534"/>
               <a:ext cx="63202" cy="63202"/>
             </a:xfrm>
             <a:custGeom>
@@ -31707,7 +31707,7 @@
           </p:nvSpPr>
           <p:spPr>
             <a:xfrm>
-              <a:off x="4857925" y="5333830"/>
+              <a:off x="4985166" y="5333922"/>
               <a:ext cx="63202" cy="63202"/>
             </a:xfrm>
             <a:custGeom>
@@ -31750,7 +31750,7 @@
           </p:nvSpPr>
           <p:spPr>
             <a:xfrm>
-              <a:off x="4566452" y="5343447"/>
+              <a:off x="4975840" y="5343394"/>
               <a:ext cx="63202" cy="63202"/>
             </a:xfrm>
             <a:custGeom>
@@ -31793,7 +31793,7 @@
           </p:nvSpPr>
           <p:spPr>
             <a:xfrm>
-              <a:off x="4874170" y="5325314"/>
+              <a:off x="5007852" y="5325341"/>
               <a:ext cx="63202" cy="63202"/>
             </a:xfrm>
             <a:custGeom>
@@ -31836,7 +31836,7 @@
           </p:nvSpPr>
           <p:spPr>
             <a:xfrm>
-              <a:off x="4830296" y="5350392"/>
+              <a:off x="4991232" y="5350593"/>
               <a:ext cx="63202" cy="63202"/>
             </a:xfrm>
             <a:custGeom>
@@ -31879,7 +31879,7 @@
           </p:nvSpPr>
           <p:spPr>
             <a:xfrm>
-              <a:off x="4881439" y="5340194"/>
+              <a:off x="4529467" y="5340198"/>
               <a:ext cx="63202" cy="63202"/>
             </a:xfrm>
             <a:custGeom>
@@ -31922,7 +31922,7 @@
           </p:nvSpPr>
           <p:spPr>
             <a:xfrm>
-              <a:off x="4683818" y="5352647"/>
+              <a:off x="4465346" y="5352641"/>
               <a:ext cx="63202" cy="63202"/>
             </a:xfrm>
             <a:custGeom>
@@ -31965,7 +31965,7 @@
           </p:nvSpPr>
           <p:spPr>
             <a:xfrm>
-              <a:off x="4744014" y="5352553"/>
+              <a:off x="4604074" y="5352838"/>
               <a:ext cx="63202" cy="63202"/>
             </a:xfrm>
             <a:custGeom>
@@ -32008,7 +32008,7 @@
           </p:nvSpPr>
           <p:spPr>
             <a:xfrm>
-              <a:off x="4571054" y="5352533"/>
+              <a:off x="4733829" y="5352799"/>
               <a:ext cx="63202" cy="63202"/>
             </a:xfrm>
             <a:custGeom>
@@ -32051,7 +32051,7 @@
           </p:nvSpPr>
           <p:spPr>
             <a:xfrm>
-              <a:off x="4991321" y="5352779"/>
+              <a:off x="4608527" y="5352800"/>
               <a:ext cx="63202" cy="63202"/>
             </a:xfrm>
             <a:custGeom>
@@ -32094,7 +32094,7 @@
           </p:nvSpPr>
           <p:spPr>
             <a:xfrm>
-              <a:off x="4654344" y="5389897"/>
+              <a:off x="4893461" y="5389929"/>
               <a:ext cx="63202" cy="63202"/>
             </a:xfrm>
             <a:custGeom>
@@ -32137,7 +32137,7 @@
           </p:nvSpPr>
           <p:spPr>
             <a:xfrm>
-              <a:off x="5105793" y="5350905"/>
+              <a:off x="4715682" y="5350954"/>
               <a:ext cx="63202" cy="63202"/>
             </a:xfrm>
             <a:custGeom>
@@ -32180,7 +32180,7 @@
           </p:nvSpPr>
           <p:spPr>
             <a:xfrm>
-              <a:off x="4827085" y="5700799"/>
+              <a:off x="4630531" y="5700929"/>
               <a:ext cx="63202" cy="63202"/>
             </a:xfrm>
             <a:custGeom>
@@ -32223,7 +32223,7 @@
           </p:nvSpPr>
           <p:spPr>
             <a:xfrm>
-              <a:off x="5587813" y="6540031"/>
+              <a:off x="5911352" y="6540174"/>
               <a:ext cx="63202" cy="63202"/>
             </a:xfrm>
             <a:custGeom>
@@ -32266,7 +32266,7 @@
           </p:nvSpPr>
           <p:spPr>
             <a:xfrm>
-              <a:off x="4500111" y="5357332"/>
+              <a:off x="4853084" y="5357524"/>
               <a:ext cx="63202" cy="63202"/>
             </a:xfrm>
             <a:custGeom>
@@ -32309,7 +32309,7 @@
           </p:nvSpPr>
           <p:spPr>
             <a:xfrm>
-              <a:off x="4517444" y="5334454"/>
+              <a:off x="4780943" y="5334613"/>
               <a:ext cx="63202" cy="63202"/>
             </a:xfrm>
             <a:custGeom>
@@ -32352,7 +32352,7 @@
           </p:nvSpPr>
           <p:spPr>
             <a:xfrm>
-              <a:off x="4754534" y="5330164"/>
+              <a:off x="5002156" y="5330096"/>
               <a:ext cx="63202" cy="63202"/>
             </a:xfrm>
             <a:custGeom>
@@ -32395,7 +32395,7 @@
           </p:nvSpPr>
           <p:spPr>
             <a:xfrm>
-              <a:off x="5116178" y="5526359"/>
+              <a:off x="4894997" y="5526393"/>
               <a:ext cx="63202" cy="63202"/>
             </a:xfrm>
             <a:custGeom>
@@ -32438,7 +32438,7 @@
           </p:nvSpPr>
           <p:spPr>
             <a:xfrm>
-              <a:off x="4514942" y="5364329"/>
+              <a:off x="4932953" y="5364396"/>
               <a:ext cx="63202" cy="63202"/>
             </a:xfrm>
             <a:custGeom>
@@ -32481,7 +32481,7 @@
           </p:nvSpPr>
           <p:spPr>
             <a:xfrm>
-              <a:off x="5072837" y="5362684"/>
+              <a:off x="5045734" y="5362557"/>
               <a:ext cx="63202" cy="63202"/>
             </a:xfrm>
             <a:custGeom>
@@ -32524,7 +32524,7 @@
           </p:nvSpPr>
           <p:spPr>
             <a:xfrm>
-              <a:off x="4507441" y="5336947"/>
+              <a:off x="4795147" y="5336979"/>
               <a:ext cx="63202" cy="63202"/>
             </a:xfrm>
             <a:custGeom>
@@ -32623,7 +32623,7 @@
           </p:nvSpPr>
           <p:spPr>
             <a:xfrm>
-              <a:off x="7171360" y="2806803"/>
+              <a:off x="7171360" y="2806901"/>
               <a:ext cx="2817450" cy="0"/>
             </a:xfrm>
             <a:custGeom>
@@ -32666,7 +32666,7 @@
           </p:nvSpPr>
           <p:spPr>
             <a:xfrm>
-              <a:off x="7171360" y="2438080"/>
+              <a:off x="7171360" y="2438165"/>
               <a:ext cx="2817450" cy="0"/>
             </a:xfrm>
             <a:custGeom>
@@ -32709,7 +32709,7 @@
           </p:nvSpPr>
           <p:spPr>
             <a:xfrm>
-              <a:off x="7171360" y="2069357"/>
+              <a:off x="7171360" y="2069430"/>
               <a:ext cx="2817450" cy="0"/>
             </a:xfrm>
             <a:custGeom>
@@ -32752,7 +32752,7 @@
           </p:nvSpPr>
           <p:spPr>
             <a:xfrm>
-              <a:off x="7171360" y="1700635"/>
+              <a:off x="7171360" y="1700694"/>
               <a:ext cx="2817450" cy="0"/>
             </a:xfrm>
             <a:custGeom>
@@ -32795,7 +32795,7 @@
           </p:nvSpPr>
           <p:spPr>
             <a:xfrm>
-              <a:off x="7171360" y="2991164"/>
+              <a:off x="7171360" y="2991268"/>
               <a:ext cx="2817450" cy="0"/>
             </a:xfrm>
             <a:custGeom>
@@ -32838,7 +32838,7 @@
           </p:nvSpPr>
           <p:spPr>
             <a:xfrm>
-              <a:off x="7171360" y="2622441"/>
+              <a:off x="7171360" y="2622533"/>
               <a:ext cx="2817450" cy="0"/>
             </a:xfrm>
             <a:custGeom>
@@ -32881,7 +32881,7 @@
           </p:nvSpPr>
           <p:spPr>
             <a:xfrm>
-              <a:off x="7171360" y="2253719"/>
+              <a:off x="7171360" y="2253798"/>
               <a:ext cx="2817450" cy="0"/>
             </a:xfrm>
             <a:custGeom>
@@ -32924,7 +32924,7 @@
           </p:nvSpPr>
           <p:spPr>
             <a:xfrm>
-              <a:off x="7171360" y="1884996"/>
+              <a:off x="7171360" y="1885062"/>
               <a:ext cx="2817450" cy="0"/>
             </a:xfrm>
             <a:custGeom>
@@ -32967,7 +32967,7 @@
           </p:nvSpPr>
           <p:spPr>
             <a:xfrm>
-              <a:off x="7171360" y="1516274"/>
+              <a:off x="7171360" y="1516327"/>
               <a:ext cx="2817450" cy="0"/>
             </a:xfrm>
             <a:custGeom>
@@ -33139,7 +33139,7 @@
           </p:nvSpPr>
           <p:spPr>
             <a:xfrm>
-              <a:off x="9149712" y="2938321"/>
+              <a:off x="9744994" y="2938219"/>
               <a:ext cx="63202" cy="63202"/>
             </a:xfrm>
             <a:custGeom>
@@ -33182,7 +33182,7 @@
           </p:nvSpPr>
           <p:spPr>
             <a:xfrm>
-              <a:off x="7385900" y="2180129"/>
+              <a:off x="7988918" y="2180308"/>
               <a:ext cx="63202" cy="63202"/>
             </a:xfrm>
             <a:custGeom>
@@ -33225,7 +33225,7 @@
           </p:nvSpPr>
           <p:spPr>
             <a:xfrm>
-              <a:off x="7779471" y="2187783"/>
+              <a:off x="7646654" y="2187903"/>
               <a:ext cx="63202" cy="63202"/>
             </a:xfrm>
             <a:custGeom>
@@ -33268,7 +33268,7 @@
           </p:nvSpPr>
           <p:spPr>
             <a:xfrm>
-              <a:off x="7322785" y="2209579"/>
+              <a:off x="7859907" y="2209736"/>
               <a:ext cx="63202" cy="63202"/>
             </a:xfrm>
             <a:custGeom>
@@ -33311,7 +33311,7 @@
           </p:nvSpPr>
           <p:spPr>
             <a:xfrm>
-              <a:off x="7963314" y="2200800"/>
+              <a:off x="7577323" y="2200687"/>
               <a:ext cx="63202" cy="63202"/>
             </a:xfrm>
             <a:custGeom>
@@ -33354,7 +33354,7 @@
           </p:nvSpPr>
           <p:spPr>
             <a:xfrm>
-              <a:off x="7835386" y="2105935"/>
+              <a:off x="7720608" y="2106017"/>
               <a:ext cx="63202" cy="63202"/>
             </a:xfrm>
             <a:custGeom>
@@ -33397,7 +33397,7 @@
           </p:nvSpPr>
           <p:spPr>
             <a:xfrm>
-              <a:off x="8220869" y="2267184"/>
+              <a:off x="8316396" y="2267320"/>
               <a:ext cx="63202" cy="63202"/>
             </a:xfrm>
             <a:custGeom>
@@ -33440,7 +33440,7 @@
           </p:nvSpPr>
           <p:spPr>
             <a:xfrm>
-              <a:off x="7396056" y="2178093"/>
+              <a:off x="7965181" y="2178195"/>
               <a:ext cx="63202" cy="63202"/>
             </a:xfrm>
             <a:custGeom>
@@ -33483,7 +33483,7 @@
           </p:nvSpPr>
           <p:spPr>
             <a:xfrm>
-              <a:off x="7637790" y="2200417"/>
+              <a:off x="7883904" y="2200429"/>
               <a:ext cx="63202" cy="63202"/>
             </a:xfrm>
             <a:custGeom>
@@ -33526,7 +33526,7 @@
           </p:nvSpPr>
           <p:spPr>
             <a:xfrm>
-              <a:off x="7633343" y="2194362"/>
+              <a:off x="7694024" y="2194624"/>
               <a:ext cx="63202" cy="63202"/>
             </a:xfrm>
             <a:custGeom>
@@ -33569,7 +33569,7 @@
           </p:nvSpPr>
           <p:spPr>
             <a:xfrm>
-              <a:off x="8517620" y="2267447"/>
+              <a:off x="8836805" y="2267634"/>
               <a:ext cx="63202" cy="63202"/>
             </a:xfrm>
             <a:custGeom>
@@ -33612,7 +33612,7 @@
           </p:nvSpPr>
           <p:spPr>
             <a:xfrm>
-              <a:off x="8810332" y="2340187"/>
+              <a:off x="8513256" y="2340128"/>
               <a:ext cx="63202" cy="63202"/>
             </a:xfrm>
             <a:custGeom>
@@ -33655,7 +33655,7 @@
           </p:nvSpPr>
           <p:spPr>
             <a:xfrm>
-              <a:off x="8584614" y="2268821"/>
+              <a:off x="8892983" y="2269105"/>
               <a:ext cx="63202" cy="63202"/>
             </a:xfrm>
             <a:custGeom>
@@ -33698,7 +33698,7 @@
           </p:nvSpPr>
           <p:spPr>
             <a:xfrm>
-              <a:off x="8869469" y="2465792"/>
+              <a:off x="8650119" y="2466055"/>
               <a:ext cx="63202" cy="63202"/>
             </a:xfrm>
             <a:custGeom>
@@ -33741,7 +33741,7 @@
           </p:nvSpPr>
           <p:spPr>
             <a:xfrm>
-              <a:off x="8299983" y="2263692"/>
+              <a:off x="8717604" y="2263962"/>
               <a:ext cx="63202" cy="63202"/>
             </a:xfrm>
             <a:custGeom>
@@ -33784,7 +33784,7 @@
           </p:nvSpPr>
           <p:spPr>
             <a:xfrm>
-              <a:off x="7738796" y="2205179"/>
+              <a:off x="7744126" y="2205193"/>
               <a:ext cx="63202" cy="63202"/>
             </a:xfrm>
             <a:custGeom>
@@ -33827,7 +33827,7 @@
           </p:nvSpPr>
           <p:spPr>
             <a:xfrm>
-              <a:off x="8221818" y="2415669"/>
+              <a:off x="8871567" y="2415646"/>
               <a:ext cx="63202" cy="63202"/>
             </a:xfrm>
             <a:custGeom>
@@ -33870,7 +33870,7 @@
           </p:nvSpPr>
           <p:spPr>
             <a:xfrm>
-              <a:off x="8316802" y="2301100"/>
+              <a:off x="8649276" y="2301024"/>
               <a:ext cx="63202" cy="63202"/>
             </a:xfrm>
             <a:custGeom>
@@ -33913,7 +33913,7 @@
           </p:nvSpPr>
           <p:spPr>
             <a:xfrm>
-              <a:off x="8704956" y="2259665"/>
+              <a:off x="8276753" y="2259868"/>
               <a:ext cx="63202" cy="63202"/>
             </a:xfrm>
             <a:custGeom>
@@ -33956,7 +33956,7 @@
           </p:nvSpPr>
           <p:spPr>
             <a:xfrm>
-              <a:off x="7597742" y="2180173"/>
+              <a:off x="7317346" y="2180271"/>
               <a:ext cx="63202" cy="63202"/>
             </a:xfrm>
             <a:custGeom>
@@ -33999,7 +33999,7 @@
           </p:nvSpPr>
           <p:spPr>
             <a:xfrm>
-              <a:off x="8503224" y="2360890"/>
+              <a:off x="8864629" y="2360825"/>
               <a:ext cx="63202" cy="63202"/>
             </a:xfrm>
             <a:custGeom>
@@ -34042,7 +34042,7 @@
           </p:nvSpPr>
           <p:spPr>
             <a:xfrm>
-              <a:off x="8470701" y="2255986"/>
+              <a:off x="8383875" y="2256081"/>
               <a:ext cx="63202" cy="63202"/>
             </a:xfrm>
             <a:custGeom>
@@ -34085,7 +34085,7 @@
           </p:nvSpPr>
           <p:spPr>
             <a:xfrm>
-              <a:off x="8864148" y="2268832"/>
+              <a:off x="8441469" y="2268922"/>
               <a:ext cx="63202" cy="63202"/>
             </a:xfrm>
             <a:custGeom>
@@ -34128,7 +34128,7 @@
           </p:nvSpPr>
           <p:spPr>
             <a:xfrm>
-              <a:off x="7376776" y="2076408"/>
+              <a:off x="7727925" y="2076688"/>
               <a:ext cx="63202" cy="63202"/>
             </a:xfrm>
             <a:custGeom>
@@ -34171,7 +34171,7 @@
           </p:nvSpPr>
           <p:spPr>
             <a:xfrm>
-              <a:off x="7578573" y="2182887"/>
+              <a:off x="7930489" y="2183144"/>
               <a:ext cx="63202" cy="63202"/>
             </a:xfrm>
             <a:custGeom>
@@ -34214,7 +34214,7 @@
           </p:nvSpPr>
           <p:spPr>
             <a:xfrm>
-              <a:off x="8229956" y="2275153"/>
+              <a:off x="8870695" y="2275376"/>
               <a:ext cx="63202" cy="63202"/>
             </a:xfrm>
             <a:custGeom>
@@ -34257,7 +34257,7 @@
           </p:nvSpPr>
           <p:spPr>
             <a:xfrm>
-              <a:off x="8325682" y="2297583"/>
+              <a:off x="8489691" y="2297699"/>
               <a:ext cx="63202" cy="63202"/>
             </a:xfrm>
             <a:custGeom>
@@ -34300,7 +34300,7 @@
           </p:nvSpPr>
           <p:spPr>
             <a:xfrm>
-              <a:off x="9085868" y="2931797"/>
+              <a:off x="9759436" y="2932040"/>
               <a:ext cx="63202" cy="63202"/>
             </a:xfrm>
             <a:custGeom>
@@ -34343,7 +34343,7 @@
           </p:nvSpPr>
           <p:spPr>
             <a:xfrm>
-              <a:off x="7820398" y="2196741"/>
+              <a:off x="7413529" y="2196717"/>
               <a:ext cx="63202" cy="63202"/>
             </a:xfrm>
             <a:custGeom>
@@ -34386,7 +34386,7 @@
           </p:nvSpPr>
           <p:spPr>
             <a:xfrm>
-              <a:off x="7903835" y="2194466"/>
+              <a:off x="7332956" y="2194675"/>
               <a:ext cx="63202" cy="63202"/>
             </a:xfrm>
             <a:custGeom>
@@ -34429,7 +34429,7 @@
           </p:nvSpPr>
           <p:spPr>
             <a:xfrm>
-              <a:off x="7558474" y="2191001"/>
+              <a:off x="7606828" y="2191215"/>
               <a:ext cx="63202" cy="63202"/>
             </a:xfrm>
             <a:custGeom>
@@ -34472,7 +34472,7 @@
           </p:nvSpPr>
           <p:spPr>
             <a:xfrm>
-              <a:off x="7369255" y="2191593"/>
+              <a:off x="7994644" y="2191557"/>
               <a:ext cx="63202" cy="63202"/>
             </a:xfrm>
             <a:custGeom>
@@ -34515,7 +34515,7 @@
           </p:nvSpPr>
           <p:spPr>
             <a:xfrm>
-              <a:off x="7606170" y="2193241"/>
+              <a:off x="7430284" y="2193538"/>
               <a:ext cx="63202" cy="63202"/>
             </a:xfrm>
             <a:custGeom>
@@ -34558,7 +34558,7 @@
           </p:nvSpPr>
           <p:spPr>
             <a:xfrm>
-              <a:off x="7470152" y="2206690"/>
+              <a:off x="7375794" y="2206850"/>
               <a:ext cx="63202" cy="63202"/>
             </a:xfrm>
             <a:custGeom>
@@ -34601,7 +34601,7 @@
           </p:nvSpPr>
           <p:spPr>
             <a:xfrm>
-              <a:off x="8426143" y="2228152"/>
+              <a:off x="8383288" y="2227996"/>
               <a:ext cx="63202" cy="63202"/>
             </a:xfrm>
             <a:custGeom>
@@ -34644,7 +34644,7 @@
           </p:nvSpPr>
           <p:spPr>
             <a:xfrm>
-              <a:off x="8828246" y="2260885"/>
+              <a:off x="8459889" y="2260906"/>
               <a:ext cx="63202" cy="63202"/>
             </a:xfrm>
             <a:custGeom>
@@ -34687,7 +34687,7 @@
           </p:nvSpPr>
           <p:spPr>
             <a:xfrm>
-              <a:off x="8449932" y="2268224"/>
+              <a:off x="8738116" y="2268382"/>
               <a:ext cx="63202" cy="63202"/>
             </a:xfrm>
             <a:custGeom>
@@ -34730,7 +34730,7 @@
           </p:nvSpPr>
           <p:spPr>
             <a:xfrm>
-              <a:off x="8537273" y="2669608"/>
+              <a:off x="8209691" y="2669921"/>
               <a:ext cx="63202" cy="63202"/>
             </a:xfrm>
             <a:custGeom>
@@ -34773,7 +34773,7 @@
           </p:nvSpPr>
           <p:spPr>
             <a:xfrm>
-              <a:off x="8005993" y="2210056"/>
+              <a:off x="7975425" y="2209997"/>
               <a:ext cx="63202" cy="63202"/>
             </a:xfrm>
             <a:custGeom>
@@ -34816,7 +34816,7 @@
           </p:nvSpPr>
           <p:spPr>
             <a:xfrm>
-              <a:off x="7641917" y="2000442"/>
+              <a:off x="7986288" y="2000475"/>
               <a:ext cx="63202" cy="63202"/>
             </a:xfrm>
             <a:custGeom>
@@ -34859,7 +34859,7 @@
           </p:nvSpPr>
           <p:spPr>
             <a:xfrm>
-              <a:off x="7532019" y="2059062"/>
+              <a:off x="7577615" y="2059075"/>
               <a:ext cx="63202" cy="63202"/>
             </a:xfrm>
             <a:custGeom>
@@ -34902,7 +34902,7 @@
           </p:nvSpPr>
           <p:spPr>
             <a:xfrm>
-              <a:off x="7493863" y="2204278"/>
+              <a:off x="7615746" y="2204629"/>
               <a:ext cx="63202" cy="63202"/>
             </a:xfrm>
             <a:custGeom>
@@ -34945,7 +34945,7 @@
           </p:nvSpPr>
           <p:spPr>
             <a:xfrm>
-              <a:off x="7848095" y="2208148"/>
+              <a:off x="7563303" y="2208315"/>
               <a:ext cx="63202" cy="63202"/>
             </a:xfrm>
             <a:custGeom>
@@ -34988,7 +34988,7 @@
           </p:nvSpPr>
           <p:spPr>
             <a:xfrm>
-              <a:off x="7955453" y="2207764"/>
+              <a:off x="7598352" y="2207807"/>
               <a:ext cx="63202" cy="63202"/>
             </a:xfrm>
             <a:custGeom>
@@ -35031,7 +35031,7 @@
           </p:nvSpPr>
           <p:spPr>
             <a:xfrm>
-              <a:off x="7873678" y="2203828"/>
+              <a:off x="7319314" y="2203730"/>
               <a:ext cx="63202" cy="63202"/>
             </a:xfrm>
             <a:custGeom>
@@ -35074,7 +35074,7 @@
           </p:nvSpPr>
           <p:spPr>
             <a:xfrm>
-              <a:off x="7319564" y="2200683"/>
+              <a:off x="7529784" y="2200704"/>
               <a:ext cx="63202" cy="63202"/>
             </a:xfrm>
             <a:custGeom>
@@ -35173,7 +35173,7 @@
           </p:nvSpPr>
           <p:spPr>
             <a:xfrm>
-              <a:off x="7171360" y="4732135"/>
+              <a:off x="7171360" y="4732233"/>
               <a:ext cx="2817450" cy="0"/>
             </a:xfrm>
             <a:custGeom>
@@ -35216,7 +35216,7 @@
           </p:nvSpPr>
           <p:spPr>
             <a:xfrm>
-              <a:off x="7171360" y="4363413"/>
+              <a:off x="7171360" y="4363498"/>
               <a:ext cx="2817450" cy="0"/>
             </a:xfrm>
             <a:custGeom>
@@ -35259,7 +35259,7 @@
           </p:nvSpPr>
           <p:spPr>
             <a:xfrm>
-              <a:off x="7171360" y="3994690"/>
+              <a:off x="7171360" y="3994762"/>
               <a:ext cx="2817450" cy="0"/>
             </a:xfrm>
             <a:custGeom>
@@ -35302,7 +35302,7 @@
           </p:nvSpPr>
           <p:spPr>
             <a:xfrm>
-              <a:off x="7171360" y="3625967"/>
+              <a:off x="7171360" y="3626027"/>
               <a:ext cx="2817450" cy="0"/>
             </a:xfrm>
             <a:custGeom>
@@ -35345,7 +35345,7 @@
           </p:nvSpPr>
           <p:spPr>
             <a:xfrm>
-              <a:off x="7171360" y="4916496"/>
+              <a:off x="7171360" y="4916601"/>
               <a:ext cx="2817450" cy="0"/>
             </a:xfrm>
             <a:custGeom>
@@ -35388,7 +35388,7 @@
           </p:nvSpPr>
           <p:spPr>
             <a:xfrm>
-              <a:off x="7171360" y="4547774"/>
+              <a:off x="7171360" y="4547865"/>
               <a:ext cx="2817450" cy="0"/>
             </a:xfrm>
             <a:custGeom>
@@ -35431,7 +35431,7 @@
           </p:nvSpPr>
           <p:spPr>
             <a:xfrm>
-              <a:off x="7171360" y="4179051"/>
+              <a:off x="7171360" y="4179130"/>
               <a:ext cx="2817450" cy="0"/>
             </a:xfrm>
             <a:custGeom>
@@ -35474,7 +35474,7 @@
           </p:nvSpPr>
           <p:spPr>
             <a:xfrm>
-              <a:off x="7171360" y="3810329"/>
+              <a:off x="7171360" y="3810395"/>
               <a:ext cx="2817450" cy="0"/>
             </a:xfrm>
             <a:custGeom>
@@ -35517,7 +35517,7 @@
           </p:nvSpPr>
           <p:spPr>
             <a:xfrm>
-              <a:off x="7171360" y="3441606"/>
+              <a:off x="7171360" y="3441659"/>
               <a:ext cx="2817450" cy="0"/>
             </a:xfrm>
             <a:custGeom>
@@ -35689,7 +35689,7 @@
           </p:nvSpPr>
           <p:spPr>
             <a:xfrm>
-              <a:off x="8658824" y="4217514"/>
+              <a:off x="8689801" y="4217534"/>
               <a:ext cx="63202" cy="63202"/>
             </a:xfrm>
             <a:custGeom>
@@ -35732,7 +35732,7 @@
           </p:nvSpPr>
           <p:spPr>
             <a:xfrm>
-              <a:off x="8352820" y="4539363"/>
+              <a:off x="8734967" y="4539546"/>
               <a:ext cx="63202" cy="63202"/>
             </a:xfrm>
             <a:custGeom>
@@ -35775,7 +35775,7 @@
           </p:nvSpPr>
           <p:spPr>
             <a:xfrm>
-              <a:off x="9111316" y="4788231"/>
+              <a:off x="9321129" y="4788459"/>
               <a:ext cx="63202" cy="63202"/>
             </a:xfrm>
             <a:custGeom>
@@ -35818,7 +35818,7 @@
           </p:nvSpPr>
           <p:spPr>
             <a:xfrm>
-              <a:off x="9296420" y="4878924"/>
+              <a:off x="9136403" y="4878973"/>
               <a:ext cx="63202" cy="63202"/>
             </a:xfrm>
             <a:custGeom>
@@ -35861,7 +35861,7 @@
           </p:nvSpPr>
           <p:spPr>
             <a:xfrm>
-              <a:off x="9604595" y="4831196"/>
+              <a:off x="9658602" y="4831221"/>
               <a:ext cx="63202" cy="63202"/>
             </a:xfrm>
             <a:custGeom>
@@ -35904,7 +35904,7 @@
           </p:nvSpPr>
           <p:spPr>
             <a:xfrm>
-              <a:off x="8490872" y="4411788"/>
+              <a:off x="8283632" y="4411792"/>
               <a:ext cx="63202" cy="63202"/>
             </a:xfrm>
             <a:custGeom>
@@ -35947,7 +35947,7 @@
           </p:nvSpPr>
           <p:spPr>
             <a:xfrm>
-              <a:off x="8754934" y="4674780"/>
+              <a:off x="8866309" y="4674775"/>
               <a:ext cx="63202" cy="63202"/>
             </a:xfrm>
             <a:custGeom>
@@ -35990,7 +35990,7 @@
           </p:nvSpPr>
           <p:spPr>
             <a:xfrm>
-              <a:off x="8729929" y="4195029"/>
+              <a:off x="8238648" y="4195211"/>
               <a:ext cx="63202" cy="63202"/>
             </a:xfrm>
             <a:custGeom>
@@ -36033,7 +36033,7 @@
           </p:nvSpPr>
           <p:spPr>
             <a:xfrm>
-              <a:off x="9093408" y="4817098"/>
+              <a:off x="9558089" y="4817203"/>
               <a:ext cx="63202" cy="63202"/>
             </a:xfrm>
             <a:custGeom>
@@ -36076,7 +36076,7 @@
           </p:nvSpPr>
           <p:spPr>
             <a:xfrm>
-              <a:off x="8745646" y="4565826"/>
+              <a:off x="8427222" y="4566077"/>
               <a:ext cx="63202" cy="63202"/>
             </a:xfrm>
             <a:custGeom>
@@ -36119,7 +36119,7 @@
           </p:nvSpPr>
           <p:spPr>
             <a:xfrm>
-              <a:off x="8573795" y="4575673"/>
+              <a:off x="8350422" y="4575556"/>
               <a:ext cx="63202" cy="63202"/>
             </a:xfrm>
             <a:custGeom>
@@ -36162,7 +36162,7 @@
           </p:nvSpPr>
           <p:spPr>
             <a:xfrm>
-              <a:off x="8232139" y="4152213"/>
+              <a:off x="8547099" y="4152408"/>
               <a:ext cx="63202" cy="63202"/>
             </a:xfrm>
             <a:custGeom>
@@ -36205,7 +36205,7 @@
           </p:nvSpPr>
           <p:spPr>
             <a:xfrm>
-              <a:off x="8900514" y="4250616"/>
+              <a:off x="8833468" y="4250761"/>
               <a:ext cx="63202" cy="63202"/>
             </a:xfrm>
             <a:custGeom>
@@ -36248,7 +36248,7 @@
           </p:nvSpPr>
           <p:spPr>
             <a:xfrm>
-              <a:off x="9670159" y="4731566"/>
+              <a:off x="9249656" y="4731713"/>
               <a:ext cx="63202" cy="63202"/>
             </a:xfrm>
             <a:custGeom>
@@ -37743,7 +37743,7 @@
           </p:nvSpPr>
           <p:spPr>
             <a:xfrm>
-              <a:off x="1148183" y="2949472"/>
+              <a:off x="1148183" y="2949577"/>
               <a:ext cx="186466" cy="81691"/>
             </a:xfrm>
             <a:prstGeom prst="rect">
@@ -37789,7 +37789,7 @@
           </p:nvSpPr>
           <p:spPr>
             <a:xfrm>
-              <a:off x="1148183" y="2580750"/>
+              <a:off x="1148183" y="2580841"/>
               <a:ext cx="186466" cy="81691"/>
             </a:xfrm>
             <a:prstGeom prst="rect">
@@ -37835,7 +37835,7 @@
           </p:nvSpPr>
           <p:spPr>
             <a:xfrm>
-              <a:off x="1148183" y="2211972"/>
+              <a:off x="1148183" y="2212051"/>
               <a:ext cx="186466" cy="81746"/>
             </a:xfrm>
             <a:prstGeom prst="rect">
@@ -37881,7 +37881,7 @@
           </p:nvSpPr>
           <p:spPr>
             <a:xfrm>
-              <a:off x="1148183" y="1843304"/>
+              <a:off x="1148183" y="1843370"/>
               <a:ext cx="186466" cy="81691"/>
             </a:xfrm>
             <a:prstGeom prst="rect">
@@ -37927,7 +37927,7 @@
           </p:nvSpPr>
           <p:spPr>
             <a:xfrm>
-              <a:off x="1148183" y="1474582"/>
+              <a:off x="1148183" y="1474635"/>
               <a:ext cx="186466" cy="81691"/>
             </a:xfrm>
             <a:prstGeom prst="rect">
@@ -37973,7 +37973,7 @@
           </p:nvSpPr>
           <p:spPr>
             <a:xfrm>
-              <a:off x="1362485" y="2991164"/>
+              <a:off x="1362485" y="2991268"/>
               <a:ext cx="34794" cy="0"/>
             </a:xfrm>
             <a:custGeom>
@@ -38013,7 +38013,7 @@
           </p:nvSpPr>
           <p:spPr>
             <a:xfrm>
-              <a:off x="1362485" y="2622441"/>
+              <a:off x="1362485" y="2622533"/>
               <a:ext cx="34794" cy="0"/>
             </a:xfrm>
             <a:custGeom>
@@ -38053,7 +38053,7 @@
           </p:nvSpPr>
           <p:spPr>
             <a:xfrm>
-              <a:off x="1362485" y="2253719"/>
+              <a:off x="1362485" y="2253798"/>
               <a:ext cx="34794" cy="0"/>
             </a:xfrm>
             <a:custGeom>
@@ -38093,7 +38093,7 @@
           </p:nvSpPr>
           <p:spPr>
             <a:xfrm>
-              <a:off x="1362485" y="1884996"/>
+              <a:off x="1362485" y="1885062"/>
               <a:ext cx="34794" cy="0"/>
             </a:xfrm>
             <a:custGeom>
@@ -38133,7 +38133,7 @@
           </p:nvSpPr>
           <p:spPr>
             <a:xfrm>
-              <a:off x="1362485" y="1516274"/>
+              <a:off x="1362485" y="1516327"/>
               <a:ext cx="34794" cy="0"/>
             </a:xfrm>
             <a:custGeom>
@@ -38173,7 +38173,7 @@
           </p:nvSpPr>
           <p:spPr>
             <a:xfrm>
-              <a:off x="1148183" y="4874805"/>
+              <a:off x="1148183" y="4874909"/>
               <a:ext cx="186466" cy="81691"/>
             </a:xfrm>
             <a:prstGeom prst="rect">
@@ -38219,7 +38219,7 @@
           </p:nvSpPr>
           <p:spPr>
             <a:xfrm>
-              <a:off x="1148183" y="4506082"/>
+              <a:off x="1148183" y="4506174"/>
               <a:ext cx="186466" cy="81691"/>
             </a:xfrm>
             <a:prstGeom prst="rect">
@@ -38265,7 +38265,7 @@
           </p:nvSpPr>
           <p:spPr>
             <a:xfrm>
-              <a:off x="1148183" y="4137305"/>
+              <a:off x="1148183" y="4137384"/>
               <a:ext cx="186466" cy="81746"/>
             </a:xfrm>
             <a:prstGeom prst="rect">
@@ -38311,7 +38311,7 @@
           </p:nvSpPr>
           <p:spPr>
             <a:xfrm>
-              <a:off x="1148183" y="3768637"/>
+              <a:off x="1148183" y="3768703"/>
               <a:ext cx="186466" cy="81691"/>
             </a:xfrm>
             <a:prstGeom prst="rect">
@@ -38357,7 +38357,7 @@
           </p:nvSpPr>
           <p:spPr>
             <a:xfrm>
-              <a:off x="1148183" y="3399914"/>
+              <a:off x="1148183" y="3399968"/>
               <a:ext cx="186466" cy="81691"/>
             </a:xfrm>
             <a:prstGeom prst="rect">
@@ -38403,7 +38403,7 @@
           </p:nvSpPr>
           <p:spPr>
             <a:xfrm>
-              <a:off x="1362485" y="4916496"/>
+              <a:off x="1362485" y="4916601"/>
               <a:ext cx="34794" cy="0"/>
             </a:xfrm>
             <a:custGeom>
@@ -38443,7 +38443,7 @@
           </p:nvSpPr>
           <p:spPr>
             <a:xfrm>
-              <a:off x="1362485" y="4547774"/>
+              <a:off x="1362485" y="4547865"/>
               <a:ext cx="34794" cy="0"/>
             </a:xfrm>
             <a:custGeom>
@@ -38483,7 +38483,7 @@
           </p:nvSpPr>
           <p:spPr>
             <a:xfrm>
-              <a:off x="1362485" y="4179051"/>
+              <a:off x="1362485" y="4179130"/>
               <a:ext cx="34794" cy="0"/>
             </a:xfrm>
             <a:custGeom>
@@ -38523,7 +38523,7 @@
           </p:nvSpPr>
           <p:spPr>
             <a:xfrm>
-              <a:off x="1362485" y="3810329"/>
+              <a:off x="1362485" y="3810395"/>
               <a:ext cx="34794" cy="0"/>
             </a:xfrm>
             <a:custGeom>
@@ -38563,7 +38563,7 @@
           </p:nvSpPr>
           <p:spPr>
             <a:xfrm>
-              <a:off x="1362485" y="3441606"/>
+              <a:off x="1362485" y="3441659"/>
               <a:ext cx="34794" cy="0"/>
             </a:xfrm>
             <a:custGeom>
@@ -38603,7 +38603,7 @@
           </p:nvSpPr>
           <p:spPr>
             <a:xfrm>
-              <a:off x="1148183" y="6800137"/>
+              <a:off x="1148183" y="6800242"/>
               <a:ext cx="186466" cy="81691"/>
             </a:xfrm>
             <a:prstGeom prst="rect">
@@ -38649,7 +38649,7 @@
           </p:nvSpPr>
           <p:spPr>
             <a:xfrm>
-              <a:off x="1148183" y="6431415"/>
+              <a:off x="1148183" y="6431506"/>
               <a:ext cx="186466" cy="81691"/>
             </a:xfrm>
             <a:prstGeom prst="rect">
@@ -38695,7 +38695,7 @@
           </p:nvSpPr>
           <p:spPr>
             <a:xfrm>
-              <a:off x="1148183" y="6062638"/>
+              <a:off x="1148183" y="6062716"/>
               <a:ext cx="186466" cy="81746"/>
             </a:xfrm>
             <a:prstGeom prst="rect">
@@ -38741,7 +38741,7 @@
           </p:nvSpPr>
           <p:spPr>
             <a:xfrm>
-              <a:off x="1148183" y="5693970"/>
+              <a:off x="1148183" y="5694036"/>
               <a:ext cx="186466" cy="81691"/>
             </a:xfrm>
             <a:prstGeom prst="rect">
@@ -38787,7 +38787,7 @@
           </p:nvSpPr>
           <p:spPr>
             <a:xfrm>
-              <a:off x="1148183" y="5325247"/>
+              <a:off x="1148183" y="5325300"/>
               <a:ext cx="186466" cy="81691"/>
             </a:xfrm>
             <a:prstGeom prst="rect">
@@ -38833,7 +38833,7 @@
           </p:nvSpPr>
           <p:spPr>
             <a:xfrm>
-              <a:off x="1362485" y="6841829"/>
+              <a:off x="1362485" y="6841933"/>
               <a:ext cx="34794" cy="0"/>
             </a:xfrm>
             <a:custGeom>
@@ -38873,7 +38873,7 @@
           </p:nvSpPr>
           <p:spPr>
             <a:xfrm>
-              <a:off x="1362485" y="6473106"/>
+              <a:off x="1362485" y="6473198"/>
               <a:ext cx="34794" cy="0"/>
             </a:xfrm>
             <a:custGeom>
@@ -38913,7 +38913,7 @@
           </p:nvSpPr>
           <p:spPr>
             <a:xfrm>
-              <a:off x="1362485" y="6104384"/>
+              <a:off x="1362485" y="6104463"/>
               <a:ext cx="34794" cy="0"/>
             </a:xfrm>
             <a:custGeom>
@@ -38953,7 +38953,7 @@
           </p:nvSpPr>
           <p:spPr>
             <a:xfrm>
-              <a:off x="1362485" y="5735661"/>
+              <a:off x="1362485" y="5735727"/>
               <a:ext cx="34794" cy="0"/>
             </a:xfrm>
             <a:custGeom>
@@ -38993,7 +38993,7 @@
           </p:nvSpPr>
           <p:spPr>
             <a:xfrm>
-              <a:off x="1362485" y="5366939"/>
+              <a:off x="1362485" y="5366992"/>
               <a:ext cx="34794" cy="0"/>
             </a:xfrm>
             <a:custGeom>

--- a/Images/Figures_PPT/Jitter_Plot_LST8_Domain.pptx
+++ b/Images/Figures_PPT/Jitter_Plot_LST8_Domain.pptx
@@ -2359,7 +2359,7 @@
           </p:nvSpPr>
           <p:spPr>
             <a:xfrm>
-              <a:off x="1397280" y="2806901"/>
+              <a:off x="1397280" y="2806658"/>
               <a:ext cx="2817450" cy="0"/>
             </a:xfrm>
             <a:custGeom>
@@ -2402,7 +2402,7 @@
           </p:nvSpPr>
           <p:spPr>
             <a:xfrm>
-              <a:off x="1397280" y="2438165"/>
+              <a:off x="1397280" y="2438015"/>
               <a:ext cx="2817450" cy="0"/>
             </a:xfrm>
             <a:custGeom>
@@ -2445,7 +2445,7 @@
           </p:nvSpPr>
           <p:spPr>
             <a:xfrm>
-              <a:off x="1397280" y="2069430"/>
+              <a:off x="1397280" y="2069373"/>
               <a:ext cx="2817450" cy="0"/>
             </a:xfrm>
             <a:custGeom>
@@ -2488,7 +2488,7 @@
           </p:nvSpPr>
           <p:spPr>
             <a:xfrm>
-              <a:off x="1397280" y="1700694"/>
+              <a:off x="1397280" y="1700730"/>
               <a:ext cx="2817450" cy="0"/>
             </a:xfrm>
             <a:custGeom>
@@ -2531,7 +2531,7 @@
           </p:nvSpPr>
           <p:spPr>
             <a:xfrm>
-              <a:off x="1397280" y="2991268"/>
+              <a:off x="1397280" y="2990979"/>
               <a:ext cx="2817450" cy="0"/>
             </a:xfrm>
             <a:custGeom>
@@ -2574,7 +2574,7 @@
           </p:nvSpPr>
           <p:spPr>
             <a:xfrm>
-              <a:off x="1397280" y="2622533"/>
+              <a:off x="1397280" y="2622337"/>
               <a:ext cx="2817450" cy="0"/>
             </a:xfrm>
             <a:custGeom>
@@ -2617,7 +2617,7 @@
           </p:nvSpPr>
           <p:spPr>
             <a:xfrm>
-              <a:off x="1397280" y="2253798"/>
+              <a:off x="1397280" y="2253694"/>
               <a:ext cx="2817450" cy="0"/>
             </a:xfrm>
             <a:custGeom>
@@ -2660,7 +2660,7 @@
           </p:nvSpPr>
           <p:spPr>
             <a:xfrm>
-              <a:off x="1397280" y="1885062"/>
+              <a:off x="1397280" y="1885051"/>
               <a:ext cx="2817450" cy="0"/>
             </a:xfrm>
             <a:custGeom>
@@ -2703,7 +2703,7 @@
           </p:nvSpPr>
           <p:spPr>
             <a:xfrm>
-              <a:off x="1397280" y="1516327"/>
+              <a:off x="1397280" y="1516409"/>
               <a:ext cx="2817450" cy="0"/>
             </a:xfrm>
             <a:custGeom>
@@ -2875,7 +2875,7 @@
           </p:nvSpPr>
           <p:spPr>
             <a:xfrm>
-              <a:off x="2711023" y="2231920"/>
+              <a:off x="2886365" y="2231676"/>
               <a:ext cx="63202" cy="63202"/>
             </a:xfrm>
             <a:custGeom>
@@ -2918,7 +2918,7 @@
           </p:nvSpPr>
           <p:spPr>
             <a:xfrm>
-              <a:off x="1616683" y="2183424"/>
+              <a:off x="2107596" y="2183470"/>
               <a:ext cx="63202" cy="63202"/>
             </a:xfrm>
             <a:custGeom>
@@ -2961,7 +2961,7 @@
           </p:nvSpPr>
           <p:spPr>
             <a:xfrm>
-              <a:off x="3497043" y="2937539"/>
+              <a:off x="3733044" y="2937264"/>
               <a:ext cx="63202" cy="63202"/>
             </a:xfrm>
             <a:custGeom>
@@ -3004,7 +3004,7 @@
           </p:nvSpPr>
           <p:spPr>
             <a:xfrm>
-              <a:off x="3831775" y="2875559"/>
+              <a:off x="3682908" y="2875410"/>
               <a:ext cx="63202" cy="63202"/>
             </a:xfrm>
             <a:custGeom>
@@ -3047,7 +3047,7 @@
           </p:nvSpPr>
           <p:spPr>
             <a:xfrm>
-              <a:off x="3769656" y="2918028"/>
+              <a:off x="3420013" y="2917845"/>
               <a:ext cx="63202" cy="63202"/>
             </a:xfrm>
             <a:custGeom>
@@ -3090,7 +3090,7 @@
           </p:nvSpPr>
           <p:spPr>
             <a:xfrm>
-              <a:off x="1619775" y="2216346"/>
+              <a:off x="2082894" y="2216214"/>
               <a:ext cx="63202" cy="63202"/>
             </a:xfrm>
             <a:custGeom>
@@ -3133,7 +3133,7 @@
           </p:nvSpPr>
           <p:spPr>
             <a:xfrm>
-              <a:off x="2449008" y="2328765"/>
+              <a:off x="2682626" y="2328566"/>
               <a:ext cx="63202" cy="63202"/>
             </a:xfrm>
             <a:custGeom>
@@ -3176,7 +3176,7 @@
           </p:nvSpPr>
           <p:spPr>
             <a:xfrm>
-              <a:off x="3425034" y="2887363"/>
+              <a:off x="3663175" y="2887220"/>
               <a:ext cx="63202" cy="63202"/>
             </a:xfrm>
             <a:custGeom>
@@ -3219,7 +3219,7 @@
           </p:nvSpPr>
           <p:spPr>
             <a:xfrm>
-              <a:off x="1727783" y="2152533"/>
+              <a:off x="1575168" y="2152495"/>
               <a:ext cx="63202" cy="63202"/>
             </a:xfrm>
             <a:custGeom>
@@ -3262,7 +3262,7 @@
           </p:nvSpPr>
           <p:spPr>
             <a:xfrm>
-              <a:off x="3839305" y="2875248"/>
+              <a:off x="3643729" y="2875031"/>
               <a:ext cx="63202" cy="63202"/>
             </a:xfrm>
             <a:custGeom>
@@ -3305,7 +3305,7 @@
           </p:nvSpPr>
           <p:spPr>
             <a:xfrm>
-              <a:off x="3046715" y="2506210"/>
+              <a:off x="2852417" y="2505909"/>
               <a:ext cx="63202" cy="63202"/>
             </a:xfrm>
             <a:custGeom>
@@ -3348,7 +3348,7 @@
           </p:nvSpPr>
           <p:spPr>
             <a:xfrm>
-              <a:off x="3867170" y="2896601"/>
+              <a:off x="3496434" y="2896319"/>
               <a:ext cx="63202" cy="63202"/>
             </a:xfrm>
             <a:custGeom>
@@ -3391,7 +3391,7 @@
           </p:nvSpPr>
           <p:spPr>
             <a:xfrm>
-              <a:off x="3504446" y="2893416"/>
+              <a:off x="3578549" y="2893020"/>
               <a:ext cx="63202" cy="63202"/>
             </a:xfrm>
             <a:custGeom>
@@ -3434,7 +3434,7 @@
           </p:nvSpPr>
           <p:spPr>
             <a:xfrm>
-              <a:off x="1861436" y="2152378"/>
+              <a:off x="2217117" y="2152423"/>
               <a:ext cx="63202" cy="63202"/>
             </a:xfrm>
             <a:custGeom>
@@ -3477,7 +3477,7 @@
           </p:nvSpPr>
           <p:spPr>
             <a:xfrm>
-              <a:off x="3698248" y="2921784"/>
+              <a:off x="3794711" y="2921332"/>
               <a:ext cx="63202" cy="63202"/>
             </a:xfrm>
             <a:custGeom>
@@ -3520,7 +3520,7 @@
           </p:nvSpPr>
           <p:spPr>
             <a:xfrm>
-              <a:off x="2711137" y="2436838"/>
+              <a:off x="2832478" y="2436602"/>
               <a:ext cx="63202" cy="63202"/>
             </a:xfrm>
             <a:custGeom>
@@ -3563,7 +3563,7 @@
           </p:nvSpPr>
           <p:spPr>
             <a:xfrm>
-              <a:off x="3690824" y="2896470"/>
+              <a:off x="3425280" y="2896210"/>
               <a:ext cx="63202" cy="63202"/>
             </a:xfrm>
             <a:custGeom>
@@ -3606,7 +3606,7 @@
           </p:nvSpPr>
           <p:spPr>
             <a:xfrm>
-              <a:off x="3815231" y="2896491"/>
+              <a:off x="3333718" y="2896285"/>
               <a:ext cx="63202" cy="63202"/>
             </a:xfrm>
             <a:custGeom>
@@ -3649,7 +3649,7 @@
           </p:nvSpPr>
           <p:spPr>
             <a:xfrm>
-              <a:off x="3994407" y="2893435"/>
+              <a:off x="3453100" y="2892957"/>
               <a:ext cx="63202" cy="63202"/>
             </a:xfrm>
             <a:custGeom>
@@ -3692,7 +3692,7 @@
           </p:nvSpPr>
           <p:spPr>
             <a:xfrm>
-              <a:off x="3882015" y="2896473"/>
+              <a:off x="3397380" y="2896194"/>
               <a:ext cx="63202" cy="63202"/>
             </a:xfrm>
             <a:custGeom>
@@ -3735,7 +3735,7 @@
           </p:nvSpPr>
           <p:spPr>
             <a:xfrm>
-              <a:off x="3563155" y="2896583"/>
+              <a:off x="3329361" y="2896257"/>
               <a:ext cx="63202" cy="63202"/>
             </a:xfrm>
             <a:custGeom>
@@ -3778,7 +3778,7 @@
           </p:nvSpPr>
           <p:spPr>
             <a:xfrm>
-              <a:off x="3928300" y="2893440"/>
+              <a:off x="3402097" y="2893155"/>
               <a:ext cx="63202" cy="63202"/>
             </a:xfrm>
             <a:custGeom>
@@ -3821,7 +3821,7 @@
           </p:nvSpPr>
           <p:spPr>
             <a:xfrm>
-              <a:off x="3664953" y="2896475"/>
+              <a:off x="3632120" y="2896333"/>
               <a:ext cx="63202" cy="63202"/>
             </a:xfrm>
             <a:custGeom>
@@ -3864,7 +3864,7 @@
           </p:nvSpPr>
           <p:spPr>
             <a:xfrm>
-              <a:off x="3510148" y="2891201"/>
+              <a:off x="3887741" y="2890767"/>
               <a:ext cx="63202" cy="63202"/>
             </a:xfrm>
             <a:custGeom>
@@ -3907,7 +3907,7 @@
           </p:nvSpPr>
           <p:spPr>
             <a:xfrm>
-              <a:off x="3371188" y="2888172"/>
+              <a:off x="3814798" y="2887965"/>
               <a:ext cx="63202" cy="63202"/>
             </a:xfrm>
             <a:custGeom>
@@ -3950,7 +3950,7 @@
           </p:nvSpPr>
           <p:spPr>
             <a:xfrm>
-              <a:off x="3369099" y="2896512"/>
+              <a:off x="3817026" y="2896286"/>
               <a:ext cx="63202" cy="63202"/>
             </a:xfrm>
             <a:custGeom>
@@ -3993,7 +3993,7 @@
           </p:nvSpPr>
           <p:spPr>
             <a:xfrm>
-              <a:off x="3863168" y="2901782"/>
+              <a:off x="3636656" y="2901456"/>
               <a:ext cx="63202" cy="63202"/>
             </a:xfrm>
             <a:custGeom>
@@ -4036,7 +4036,7 @@
           </p:nvSpPr>
           <p:spPr>
             <a:xfrm>
-              <a:off x="3528929" y="2905440"/>
+              <a:off x="3952515" y="2905163"/>
               <a:ext cx="63202" cy="63202"/>
             </a:xfrm>
             <a:custGeom>
@@ -4079,7 +4079,7 @@
           </p:nvSpPr>
           <p:spPr>
             <a:xfrm>
-              <a:off x="2533255" y="2226493"/>
+              <a:off x="2727960" y="2226433"/>
               <a:ext cx="63202" cy="63202"/>
             </a:xfrm>
             <a:custGeom>
@@ -4122,7 +4122,7 @@
           </p:nvSpPr>
           <p:spPr>
             <a:xfrm>
-              <a:off x="2817952" y="2238163"/>
+              <a:off x="2486530" y="2237931"/>
               <a:ext cx="63202" cy="63202"/>
             </a:xfrm>
             <a:custGeom>
@@ -4165,7 +4165,7 @@
           </p:nvSpPr>
           <p:spPr>
             <a:xfrm>
-              <a:off x="3694831" y="2892498"/>
+              <a:off x="3480369" y="2892390"/>
               <a:ext cx="63202" cy="63202"/>
             </a:xfrm>
             <a:custGeom>
@@ -4208,7 +4208,7 @@
           </p:nvSpPr>
           <p:spPr>
             <a:xfrm>
-              <a:off x="3684621" y="2928465"/>
+              <a:off x="3752700" y="2927908"/>
               <a:ext cx="63202" cy="63202"/>
             </a:xfrm>
             <a:custGeom>
@@ -4251,7 +4251,7 @@
           </p:nvSpPr>
           <p:spPr>
             <a:xfrm>
-              <a:off x="3383251" y="2896654"/>
+              <a:off x="3544942" y="2896364"/>
               <a:ext cx="63202" cy="63202"/>
             </a:xfrm>
             <a:custGeom>
@@ -4294,7 +4294,7 @@
           </p:nvSpPr>
           <p:spPr>
             <a:xfrm>
-              <a:off x="2544405" y="2483722"/>
+              <a:off x="2929780" y="2483547"/>
               <a:ext cx="63202" cy="63202"/>
             </a:xfrm>
             <a:custGeom>
@@ -4337,7 +4337,7 @@
           </p:nvSpPr>
           <p:spPr>
             <a:xfrm>
-              <a:off x="2854770" y="2501254"/>
+              <a:off x="2670706" y="2501156"/>
               <a:ext cx="63202" cy="63202"/>
             </a:xfrm>
             <a:custGeom>
@@ -4380,7 +4380,7 @@
           </p:nvSpPr>
           <p:spPr>
             <a:xfrm>
-              <a:off x="2842607" y="2338814"/>
+              <a:off x="2971122" y="2338520"/>
               <a:ext cx="63202" cy="63202"/>
             </a:xfrm>
             <a:custGeom>
@@ -4423,7 +4423,7 @@
           </p:nvSpPr>
           <p:spPr>
             <a:xfrm>
-              <a:off x="1997163" y="2145271"/>
+              <a:off x="1748585" y="2145014"/>
               <a:ext cx="63202" cy="63202"/>
             </a:xfrm>
             <a:custGeom>
@@ -4466,7 +4466,7 @@
           </p:nvSpPr>
           <p:spPr>
             <a:xfrm>
-              <a:off x="1785817" y="2151319"/>
+              <a:off x="2038652" y="2151325"/>
               <a:ext cx="63202" cy="63202"/>
             </a:xfrm>
             <a:custGeom>
@@ -4509,7 +4509,7 @@
           </p:nvSpPr>
           <p:spPr>
             <a:xfrm>
-              <a:off x="2206839" y="2154250"/>
+              <a:off x="1981249" y="2154324"/>
               <a:ext cx="63202" cy="63202"/>
             </a:xfrm>
             <a:custGeom>
@@ -4552,7 +4552,7 @@
           </p:nvSpPr>
           <p:spPr>
             <a:xfrm>
-              <a:off x="3543620" y="2921687"/>
+              <a:off x="3835977" y="2921273"/>
               <a:ext cx="63202" cy="63202"/>
             </a:xfrm>
             <a:custGeom>
@@ -4595,7 +4595,7 @@
           </p:nvSpPr>
           <p:spPr>
             <a:xfrm>
-              <a:off x="3580519" y="2874775"/>
+              <a:off x="3785323" y="2874591"/>
               <a:ext cx="63202" cy="63202"/>
             </a:xfrm>
             <a:custGeom>
@@ -4638,7 +4638,7 @@
           </p:nvSpPr>
           <p:spPr>
             <a:xfrm>
-              <a:off x="1543649" y="1954239"/>
+              <a:off x="2229240" y="1954175"/>
               <a:ext cx="63202" cy="63202"/>
             </a:xfrm>
             <a:custGeom>
@@ -4681,7 +4681,7 @@
           </p:nvSpPr>
           <p:spPr>
             <a:xfrm>
-              <a:off x="3458700" y="2935203"/>
+              <a:off x="3609822" y="2934977"/>
               <a:ext cx="63202" cy="63202"/>
             </a:xfrm>
             <a:custGeom>
@@ -4724,7 +4724,7 @@
           </p:nvSpPr>
           <p:spPr>
             <a:xfrm>
-              <a:off x="2924874" y="2299734"/>
+              <a:off x="2740545" y="2299409"/>
               <a:ext cx="63202" cy="63202"/>
             </a:xfrm>
             <a:custGeom>
@@ -4767,7 +4767,7 @@
           </p:nvSpPr>
           <p:spPr>
             <a:xfrm>
-              <a:off x="3107879" y="2416085"/>
+              <a:off x="2778798" y="2416038"/>
               <a:ext cx="63202" cy="63202"/>
             </a:xfrm>
             <a:custGeom>
@@ -4810,7 +4810,7 @@
           </p:nvSpPr>
           <p:spPr>
             <a:xfrm>
-              <a:off x="3402388" y="2862801"/>
+              <a:off x="3871368" y="2862361"/>
               <a:ext cx="63202" cy="63202"/>
             </a:xfrm>
             <a:custGeom>
@@ -4853,7 +4853,7 @@
           </p:nvSpPr>
           <p:spPr>
             <a:xfrm>
-              <a:off x="1792400" y="2155386"/>
+              <a:off x="1626753" y="2155284"/>
               <a:ext cx="63202" cy="63202"/>
             </a:xfrm>
             <a:custGeom>
@@ -4952,7 +4952,7 @@
           </p:nvSpPr>
           <p:spPr>
             <a:xfrm>
-              <a:off x="1397280" y="4732233"/>
+              <a:off x="1397280" y="4731990"/>
               <a:ext cx="2817450" cy="0"/>
             </a:xfrm>
             <a:custGeom>
@@ -4995,7 +4995,7 @@
           </p:nvSpPr>
           <p:spPr>
             <a:xfrm>
-              <a:off x="1397280" y="4363498"/>
+              <a:off x="1397280" y="4363348"/>
               <a:ext cx="2817450" cy="0"/>
             </a:xfrm>
             <a:custGeom>
@@ -5038,7 +5038,7 @@
           </p:nvSpPr>
           <p:spPr>
             <a:xfrm>
-              <a:off x="1397280" y="3994762"/>
+              <a:off x="1397280" y="3994705"/>
               <a:ext cx="2817450" cy="0"/>
             </a:xfrm>
             <a:custGeom>
@@ -5081,7 +5081,7 @@
           </p:nvSpPr>
           <p:spPr>
             <a:xfrm>
-              <a:off x="1397280" y="3626027"/>
+              <a:off x="1397280" y="3626063"/>
               <a:ext cx="2817450" cy="0"/>
             </a:xfrm>
             <a:custGeom>
@@ -5124,7 +5124,7 @@
           </p:nvSpPr>
           <p:spPr>
             <a:xfrm>
-              <a:off x="1397280" y="4916601"/>
+              <a:off x="1397280" y="4916312"/>
               <a:ext cx="2817450" cy="0"/>
             </a:xfrm>
             <a:custGeom>
@@ -5167,7 +5167,7 @@
           </p:nvSpPr>
           <p:spPr>
             <a:xfrm>
-              <a:off x="1397280" y="4547865"/>
+              <a:off x="1397280" y="4547669"/>
               <a:ext cx="2817450" cy="0"/>
             </a:xfrm>
             <a:custGeom>
@@ -5210,7 +5210,7 @@
           </p:nvSpPr>
           <p:spPr>
             <a:xfrm>
-              <a:off x="1397280" y="4179130"/>
+              <a:off x="1397280" y="4179026"/>
               <a:ext cx="2817450" cy="0"/>
             </a:xfrm>
             <a:custGeom>
@@ -5253,7 +5253,7 @@
           </p:nvSpPr>
           <p:spPr>
             <a:xfrm>
-              <a:off x="1397280" y="3810395"/>
+              <a:off x="1397280" y="3810384"/>
               <a:ext cx="2817450" cy="0"/>
             </a:xfrm>
             <a:custGeom>
@@ -5296,7 +5296,7 @@
           </p:nvSpPr>
           <p:spPr>
             <a:xfrm>
-              <a:off x="1397280" y="3441659"/>
+              <a:off x="1397280" y="3441741"/>
               <a:ext cx="2817450" cy="0"/>
             </a:xfrm>
             <a:custGeom>
@@ -5468,7 +5468,7 @@
           </p:nvSpPr>
           <p:spPr>
             <a:xfrm>
-              <a:off x="2946304" y="4533000"/>
+              <a:off x="2441687" y="4532652"/>
               <a:ext cx="63202" cy="63202"/>
             </a:xfrm>
             <a:custGeom>
@@ -5511,7 +5511,7 @@
           </p:nvSpPr>
           <p:spPr>
             <a:xfrm>
-              <a:off x="2512103" y="4471956"/>
+              <a:off x="2929419" y="4471818"/>
               <a:ext cx="63202" cy="63202"/>
             </a:xfrm>
             <a:custGeom>
@@ -5554,7 +5554,7 @@
           </p:nvSpPr>
           <p:spPr>
             <a:xfrm>
-              <a:off x="2999076" y="4537555"/>
+              <a:off x="2938839" y="4537591"/>
               <a:ext cx="63202" cy="63202"/>
             </a:xfrm>
             <a:custGeom>
@@ -5597,7 +5597,7 @@
           </p:nvSpPr>
           <p:spPr>
             <a:xfrm>
-              <a:off x="2827500" y="4566023"/>
+              <a:off x="2564452" y="4565821"/>
               <a:ext cx="63202" cy="63202"/>
             </a:xfrm>
             <a:custGeom>
@@ -5640,7 +5640,7 @@
           </p:nvSpPr>
           <p:spPr>
             <a:xfrm>
-              <a:off x="2948869" y="4536237"/>
+              <a:off x="2994541" y="4535959"/>
               <a:ext cx="63202" cy="63202"/>
             </a:xfrm>
             <a:custGeom>
@@ -5683,7 +5683,7 @@
           </p:nvSpPr>
           <p:spPr>
             <a:xfrm>
-              <a:off x="2984640" y="4566867"/>
+              <a:off x="2560628" y="4566542"/>
               <a:ext cx="63202" cy="63202"/>
             </a:xfrm>
             <a:custGeom>
@@ -5726,7 +5726,7 @@
           </p:nvSpPr>
           <p:spPr>
             <a:xfrm>
-              <a:off x="3336809" y="4708861"/>
+              <a:off x="3416112" y="4708571"/>
               <a:ext cx="63202" cy="63202"/>
             </a:xfrm>
             <a:custGeom>
@@ -5769,7 +5769,7 @@
           </p:nvSpPr>
           <p:spPr>
             <a:xfrm>
-              <a:off x="2458372" y="4496587"/>
+              <a:off x="2986986" y="4496398"/>
               <a:ext cx="63202" cy="63202"/>
             </a:xfrm>
             <a:custGeom>
@@ -5812,7 +5812,7 @@
           </p:nvSpPr>
           <p:spPr>
             <a:xfrm>
-              <a:off x="3616242" y="4812420"/>
+              <a:off x="3505359" y="4812223"/>
               <a:ext cx="63202" cy="63202"/>
             </a:xfrm>
             <a:custGeom>
@@ -5855,7 +5855,7 @@
           </p:nvSpPr>
           <p:spPr>
             <a:xfrm>
-              <a:off x="3608477" y="4847106"/>
+              <a:off x="3492467" y="4846795"/>
               <a:ext cx="63202" cy="63202"/>
             </a:xfrm>
             <a:custGeom>
@@ -5898,7 +5898,7 @@
           </p:nvSpPr>
           <p:spPr>
             <a:xfrm>
-              <a:off x="3351989" y="4789794"/>
+              <a:off x="3620695" y="4789633"/>
               <a:ext cx="63202" cy="63202"/>
             </a:xfrm>
             <a:custGeom>
@@ -5941,7 +5941,7 @@
           </p:nvSpPr>
           <p:spPr>
             <a:xfrm>
-              <a:off x="2654282" y="4383896"/>
+              <a:off x="2818451" y="4383589"/>
               <a:ext cx="63202" cy="63202"/>
             </a:xfrm>
             <a:custGeom>
@@ -5984,7 +5984,7 @@
           </p:nvSpPr>
           <p:spPr>
             <a:xfrm>
-              <a:off x="3066938" y="4550277"/>
+              <a:off x="3007368" y="4549869"/>
               <a:ext cx="63202" cy="63202"/>
             </a:xfrm>
             <a:custGeom>
@@ -6027,7 +6027,7 @@
           </p:nvSpPr>
           <p:spPr>
             <a:xfrm>
-              <a:off x="3936273" y="4737835"/>
+              <a:off x="3861878" y="4737632"/>
               <a:ext cx="63202" cy="63202"/>
             </a:xfrm>
             <a:custGeom>
@@ -6070,7 +6070,7 @@
           </p:nvSpPr>
           <p:spPr>
             <a:xfrm>
-              <a:off x="1719495" y="3910013"/>
+              <a:off x="1571192" y="3909913"/>
               <a:ext cx="63202" cy="63202"/>
             </a:xfrm>
             <a:custGeom>
@@ -6113,7 +6113,7 @@
           </p:nvSpPr>
           <p:spPr>
             <a:xfrm>
-              <a:off x="1812093" y="3882388"/>
+              <a:off x="2127770" y="3882414"/>
               <a:ext cx="63202" cy="63202"/>
             </a:xfrm>
             <a:custGeom>
@@ -6156,7 +6156,7 @@
           </p:nvSpPr>
           <p:spPr>
             <a:xfrm>
-              <a:off x="2197226" y="3767878"/>
+              <a:off x="2225624" y="3767785"/>
               <a:ext cx="63202" cy="63202"/>
             </a:xfrm>
             <a:custGeom>
@@ -6199,7 +6199,7 @@
           </p:nvSpPr>
           <p:spPr>
             <a:xfrm>
-              <a:off x="3604880" y="4729360"/>
+              <a:off x="3477373" y="4729036"/>
               <a:ext cx="63202" cy="63202"/>
             </a:xfrm>
             <a:custGeom>
@@ -6242,7 +6242,7 @@
           </p:nvSpPr>
           <p:spPr>
             <a:xfrm>
-              <a:off x="2550264" y="4520692"/>
+              <a:off x="2739074" y="4520436"/>
               <a:ext cx="63202" cy="63202"/>
             </a:xfrm>
             <a:custGeom>
@@ -6285,7 +6285,7 @@
           </p:nvSpPr>
           <p:spPr>
             <a:xfrm>
-              <a:off x="2853591" y="4528347"/>
+              <a:off x="2659489" y="4528325"/>
               <a:ext cx="63202" cy="63202"/>
             </a:xfrm>
             <a:custGeom>
@@ -6328,7 +6328,7 @@
           </p:nvSpPr>
           <p:spPr>
             <a:xfrm>
-              <a:off x="3876942" y="4798042"/>
+              <a:off x="3787440" y="4797722"/>
               <a:ext cx="63202" cy="63202"/>
             </a:xfrm>
             <a:custGeom>
@@ -6427,7 +6427,7 @@
           </p:nvSpPr>
           <p:spPr>
             <a:xfrm>
-              <a:off x="1397280" y="6657566"/>
+              <a:off x="1397280" y="6657323"/>
               <a:ext cx="2817450" cy="0"/>
             </a:xfrm>
             <a:custGeom>
@@ -6470,7 +6470,7 @@
           </p:nvSpPr>
           <p:spPr>
             <a:xfrm>
-              <a:off x="1397280" y="6288830"/>
+              <a:off x="1397280" y="6288680"/>
               <a:ext cx="2817450" cy="0"/>
             </a:xfrm>
             <a:custGeom>
@@ -6513,7 +6513,7 @@
           </p:nvSpPr>
           <p:spPr>
             <a:xfrm>
-              <a:off x="1397280" y="5920095"/>
+              <a:off x="1397280" y="5920038"/>
               <a:ext cx="2817450" cy="0"/>
             </a:xfrm>
             <a:custGeom>
@@ -6556,7 +6556,7 @@
           </p:nvSpPr>
           <p:spPr>
             <a:xfrm>
-              <a:off x="1397280" y="5551360"/>
+              <a:off x="1397280" y="5551395"/>
               <a:ext cx="2817450" cy="0"/>
             </a:xfrm>
             <a:custGeom>
@@ -6599,7 +6599,7 @@
           </p:nvSpPr>
           <p:spPr>
             <a:xfrm>
-              <a:off x="1397280" y="6841933"/>
+              <a:off x="1397280" y="6841644"/>
               <a:ext cx="2817450" cy="0"/>
             </a:xfrm>
             <a:custGeom>
@@ -6642,7 +6642,7 @@
           </p:nvSpPr>
           <p:spPr>
             <a:xfrm>
-              <a:off x="1397280" y="6473198"/>
+              <a:off x="1397280" y="6473002"/>
               <a:ext cx="2817450" cy="0"/>
             </a:xfrm>
             <a:custGeom>
@@ -6685,7 +6685,7 @@
           </p:nvSpPr>
           <p:spPr>
             <a:xfrm>
-              <a:off x="1397280" y="6104463"/>
+              <a:off x="1397280" y="6104359"/>
               <a:ext cx="2817450" cy="0"/>
             </a:xfrm>
             <a:custGeom>
@@ -6728,7 +6728,7 @@
           </p:nvSpPr>
           <p:spPr>
             <a:xfrm>
-              <a:off x="1397280" y="5735727"/>
+              <a:off x="1397280" y="5735716"/>
               <a:ext cx="2817450" cy="0"/>
             </a:xfrm>
             <a:custGeom>
@@ -6771,7 +6771,7 @@
           </p:nvSpPr>
           <p:spPr>
             <a:xfrm>
-              <a:off x="1397280" y="5366992"/>
+              <a:off x="1397280" y="5367074"/>
               <a:ext cx="2817450" cy="0"/>
             </a:xfrm>
             <a:custGeom>
@@ -6943,7 +6943,7 @@
           </p:nvSpPr>
           <p:spPr>
             <a:xfrm>
-              <a:off x="2038368" y="5748890"/>
+              <a:off x="1703842" y="5748614"/>
               <a:ext cx="63202" cy="63202"/>
             </a:xfrm>
             <a:custGeom>
@@ -6986,7 +6986,7 @@
           </p:nvSpPr>
           <p:spPr>
             <a:xfrm>
-              <a:off x="1606066" y="5841271"/>
+              <a:off x="2104107" y="5841106"/>
               <a:ext cx="63202" cy="63202"/>
             </a:xfrm>
             <a:custGeom>
@@ -7029,7 +7029,7 @@
           </p:nvSpPr>
           <p:spPr>
             <a:xfrm>
-              <a:off x="2216052" y="5830139"/>
+              <a:off x="2172345" y="5830216"/>
               <a:ext cx="63202" cy="63202"/>
             </a:xfrm>
             <a:custGeom>
@@ -7072,7 +7072,7 @@
           </p:nvSpPr>
           <p:spPr>
             <a:xfrm>
-              <a:off x="1760219" y="5825777"/>
+              <a:off x="2035595" y="5825875"/>
               <a:ext cx="63202" cy="63202"/>
             </a:xfrm>
             <a:custGeom>
@@ -7115,7 +7115,7 @@
           </p:nvSpPr>
           <p:spPr>
             <a:xfrm>
-              <a:off x="3469946" y="6749352"/>
+              <a:off x="3350973" y="6749076"/>
               <a:ext cx="63202" cy="63202"/>
             </a:xfrm>
             <a:custGeom>
@@ -7158,7 +7158,7 @@
           </p:nvSpPr>
           <p:spPr>
             <a:xfrm>
-              <a:off x="1772858" y="5978771"/>
+              <a:off x="1555951" y="5978884"/>
               <a:ext cx="63202" cy="63202"/>
             </a:xfrm>
             <a:custGeom>
@@ -7201,7 +7201,7 @@
           </p:nvSpPr>
           <p:spPr>
             <a:xfrm>
-              <a:off x="2152520" y="5771318"/>
+              <a:off x="1896987" y="5771145"/>
               <a:ext cx="63202" cy="63202"/>
             </a:xfrm>
             <a:custGeom>
@@ -7244,7 +7244,7 @@
           </p:nvSpPr>
           <p:spPr>
             <a:xfrm>
-              <a:off x="1727071" y="5787467"/>
+              <a:off x="1856589" y="5787533"/>
               <a:ext cx="63202" cy="63202"/>
             </a:xfrm>
             <a:custGeom>
@@ -7287,7 +7287,7 @@
           </p:nvSpPr>
           <p:spPr>
             <a:xfrm>
-              <a:off x="1815303" y="5958299"/>
+              <a:off x="1589448" y="5958069"/>
               <a:ext cx="63202" cy="63202"/>
             </a:xfrm>
             <a:custGeom>
@@ -7330,7 +7330,7 @@
           </p:nvSpPr>
           <p:spPr>
             <a:xfrm>
-              <a:off x="1725111" y="5835768"/>
+              <a:off x="1673517" y="5835751"/>
               <a:ext cx="63202" cy="63202"/>
             </a:xfrm>
             <a:custGeom>
@@ -7373,7 +7373,7 @@
           </p:nvSpPr>
           <p:spPr>
             <a:xfrm>
-              <a:off x="1547914" y="6061906"/>
+              <a:off x="1919536" y="6061786"/>
               <a:ext cx="63202" cy="63202"/>
             </a:xfrm>
             <a:custGeom>
@@ -7416,7 +7416,7 @@
           </p:nvSpPr>
           <p:spPr>
             <a:xfrm>
-              <a:off x="2691672" y="6243201"/>
+              <a:off x="2679908" y="6243144"/>
               <a:ext cx="63202" cy="63202"/>
             </a:xfrm>
             <a:custGeom>
@@ -7459,7 +7459,7 @@
           </p:nvSpPr>
           <p:spPr>
             <a:xfrm>
-              <a:off x="1785043" y="5787357"/>
+              <a:off x="1935295" y="5787454"/>
               <a:ext cx="63202" cy="63202"/>
             </a:xfrm>
             <a:custGeom>
@@ -7502,7 +7502,7 @@
           </p:nvSpPr>
           <p:spPr>
             <a:xfrm>
-              <a:off x="2232012" y="6039048"/>
+              <a:off x="1919754" y="6038903"/>
               <a:ext cx="63202" cy="63202"/>
             </a:xfrm>
             <a:custGeom>
@@ -7545,7 +7545,7 @@
           </p:nvSpPr>
           <p:spPr>
             <a:xfrm>
-              <a:off x="2875961" y="6079735"/>
+              <a:off x="2544197" y="6079815"/>
               <a:ext cx="63202" cy="63202"/>
             </a:xfrm>
             <a:custGeom>
@@ -7588,7 +7588,7 @@
           </p:nvSpPr>
           <p:spPr>
             <a:xfrm>
-              <a:off x="2002400" y="6011775"/>
+              <a:off x="1881684" y="6011451"/>
               <a:ext cx="63202" cy="63202"/>
             </a:xfrm>
             <a:custGeom>
@@ -7631,7 +7631,7 @@
           </p:nvSpPr>
           <p:spPr>
             <a:xfrm>
-              <a:off x="1889511" y="5830012"/>
+              <a:off x="2114527" y="5829950"/>
               <a:ext cx="63202" cy="63202"/>
             </a:xfrm>
             <a:custGeom>
@@ -7674,7 +7674,7 @@
           </p:nvSpPr>
           <p:spPr>
             <a:xfrm>
-              <a:off x="1654872" y="5995291"/>
+              <a:off x="1618803" y="5995305"/>
               <a:ext cx="63202" cy="63202"/>
             </a:xfrm>
             <a:custGeom>
@@ -7717,7 +7717,7 @@
           </p:nvSpPr>
           <p:spPr>
             <a:xfrm>
-              <a:off x="1787934" y="5926757"/>
+              <a:off x="1861690" y="5926701"/>
               <a:ext cx="63202" cy="63202"/>
             </a:xfrm>
             <a:custGeom>
@@ -7760,7 +7760,7 @@
           </p:nvSpPr>
           <p:spPr>
             <a:xfrm>
-              <a:off x="1713223" y="6037841"/>
+              <a:off x="2222268" y="6037879"/>
               <a:ext cx="63202" cy="63202"/>
             </a:xfrm>
             <a:custGeom>
@@ -7803,7 +7803,7 @@
           </p:nvSpPr>
           <p:spPr>
             <a:xfrm>
-              <a:off x="3005053" y="6088018"/>
+              <a:off x="3024385" y="6087979"/>
               <a:ext cx="63202" cy="63202"/>
             </a:xfrm>
             <a:custGeom>
@@ -7846,7 +7846,7 @@
           </p:nvSpPr>
           <p:spPr>
             <a:xfrm>
-              <a:off x="1997466" y="5765796"/>
+              <a:off x="2191303" y="5765590"/>
               <a:ext cx="63202" cy="63202"/>
             </a:xfrm>
             <a:custGeom>
@@ -7889,7 +7889,7 @@
           </p:nvSpPr>
           <p:spPr>
             <a:xfrm>
-              <a:off x="2001785" y="5708308"/>
+              <a:off x="2183920" y="5708210"/>
               <a:ext cx="63202" cy="63202"/>
             </a:xfrm>
             <a:custGeom>
@@ -7932,7 +7932,7 @@
           </p:nvSpPr>
           <p:spPr>
             <a:xfrm>
-              <a:off x="1741687" y="5707454"/>
+              <a:off x="1963245" y="5707567"/>
               <a:ext cx="63202" cy="63202"/>
             </a:xfrm>
             <a:custGeom>
@@ -7975,7 +7975,7 @@
           </p:nvSpPr>
           <p:spPr>
             <a:xfrm>
-              <a:off x="2023732" y="5760271"/>
+              <a:off x="1729529" y="5760250"/>
               <a:ext cx="63202" cy="63202"/>
             </a:xfrm>
             <a:custGeom>
@@ -8018,7 +8018,7 @@
           </p:nvSpPr>
           <p:spPr>
             <a:xfrm>
-              <a:off x="2870605" y="6324612"/>
+              <a:off x="2581977" y="6324454"/>
               <a:ext cx="63202" cy="63202"/>
             </a:xfrm>
             <a:custGeom>
@@ -8061,7 +8061,7 @@
           </p:nvSpPr>
           <p:spPr>
             <a:xfrm>
-              <a:off x="2098678" y="5555669"/>
+              <a:off x="1779320" y="5555608"/>
               <a:ext cx="63202" cy="63202"/>
             </a:xfrm>
             <a:custGeom>
@@ -8104,7 +8104,7 @@
           </p:nvSpPr>
           <p:spPr>
             <a:xfrm>
-              <a:off x="1964475" y="5909869"/>
+              <a:off x="1756044" y="5909711"/>
               <a:ext cx="63202" cy="63202"/>
             </a:xfrm>
             <a:custGeom>
@@ -8147,7 +8147,7 @@
           </p:nvSpPr>
           <p:spPr>
             <a:xfrm>
-              <a:off x="1548611" y="5956313"/>
+              <a:off x="1875016" y="5956335"/>
               <a:ext cx="63202" cy="63202"/>
             </a:xfrm>
             <a:custGeom>
@@ -8190,7 +8190,7 @@
           </p:nvSpPr>
           <p:spPr>
             <a:xfrm>
-              <a:off x="2100994" y="5754381"/>
+              <a:off x="1676722" y="5754231"/>
               <a:ext cx="63202" cy="63202"/>
             </a:xfrm>
             <a:custGeom>
@@ -8233,7 +8233,7 @@
           </p:nvSpPr>
           <p:spPr>
             <a:xfrm>
-              <a:off x="2115729" y="5846908"/>
+              <a:off x="1799423" y="5846699"/>
               <a:ext cx="63202" cy="63202"/>
             </a:xfrm>
             <a:custGeom>
@@ -8276,7 +8276,7 @@
           </p:nvSpPr>
           <p:spPr>
             <a:xfrm>
-              <a:off x="1952570" y="5824271"/>
+              <a:off x="1631739" y="5824439"/>
               <a:ext cx="63202" cy="63202"/>
             </a:xfrm>
             <a:custGeom>
@@ -8319,7 +8319,7 @@
           </p:nvSpPr>
           <p:spPr>
             <a:xfrm>
-              <a:off x="3943935" y="6753226"/>
+              <a:off x="3584548" y="6752811"/>
               <a:ext cx="63202" cy="63202"/>
             </a:xfrm>
             <a:custGeom>
@@ -8362,7 +8362,7 @@
           </p:nvSpPr>
           <p:spPr>
             <a:xfrm>
-              <a:off x="1872880" y="5884447"/>
+              <a:off x="2194271" y="5884335"/>
               <a:ext cx="63202" cy="63202"/>
             </a:xfrm>
             <a:custGeom>
@@ -8405,7 +8405,7 @@
           </p:nvSpPr>
           <p:spPr>
             <a:xfrm>
-              <a:off x="2216046" y="5957903"/>
+              <a:off x="1603252" y="5957669"/>
               <a:ext cx="63202" cy="63202"/>
             </a:xfrm>
             <a:custGeom>
@@ -8448,7 +8448,7 @@
           </p:nvSpPr>
           <p:spPr>
             <a:xfrm>
-              <a:off x="2490173" y="6495746"/>
+              <a:off x="2604100" y="6495730"/>
               <a:ext cx="63202" cy="63202"/>
             </a:xfrm>
             <a:custGeom>
@@ -8491,7 +8491,7 @@
           </p:nvSpPr>
           <p:spPr>
             <a:xfrm>
-              <a:off x="1670192" y="5667673"/>
+              <a:off x="1933692" y="5667710"/>
               <a:ext cx="63202" cy="63202"/>
             </a:xfrm>
             <a:custGeom>
@@ -8534,7 +8534,7 @@
           </p:nvSpPr>
           <p:spPr>
             <a:xfrm>
-              <a:off x="1717462" y="5825720"/>
+              <a:off x="1797847" y="5825777"/>
               <a:ext cx="63202" cy="63202"/>
             </a:xfrm>
             <a:custGeom>
@@ -8577,7 +8577,7 @@
           </p:nvSpPr>
           <p:spPr>
             <a:xfrm>
-              <a:off x="1825912" y="5757898"/>
+              <a:off x="1575619" y="5758052"/>
               <a:ext cx="63202" cy="63202"/>
             </a:xfrm>
             <a:custGeom>
@@ -8620,7 +8620,7 @@
           </p:nvSpPr>
           <p:spPr>
             <a:xfrm>
-              <a:off x="2479760" y="6121837"/>
+              <a:off x="2930192" y="6121888"/>
               <a:ext cx="63202" cy="63202"/>
             </a:xfrm>
             <a:custGeom>
@@ -8663,7 +8663,7 @@
           </p:nvSpPr>
           <p:spPr>
             <a:xfrm>
-              <a:off x="1678755" y="5800414"/>
+              <a:off x="1689751" y="5800353"/>
               <a:ext cx="63202" cy="63202"/>
             </a:xfrm>
             <a:custGeom>
@@ -8706,7 +8706,7 @@
           </p:nvSpPr>
           <p:spPr>
             <a:xfrm>
-              <a:off x="1560054" y="5861980"/>
+              <a:off x="1793006" y="5861915"/>
               <a:ext cx="63202" cy="63202"/>
             </a:xfrm>
             <a:custGeom>
@@ -8749,7 +8749,7 @@
           </p:nvSpPr>
           <p:spPr>
             <a:xfrm>
-              <a:off x="2581876" y="6278017"/>
+              <a:off x="2510343" y="6277850"/>
               <a:ext cx="63202" cy="63202"/>
             </a:xfrm>
             <a:custGeom>
@@ -8792,7 +8792,7 @@
           </p:nvSpPr>
           <p:spPr>
             <a:xfrm>
-              <a:off x="1809598" y="5902407"/>
+              <a:off x="1955454" y="5902311"/>
               <a:ext cx="63202" cy="63202"/>
             </a:xfrm>
             <a:custGeom>
@@ -8835,7 +8835,7 @@
           </p:nvSpPr>
           <p:spPr>
             <a:xfrm>
-              <a:off x="1620677" y="5871627"/>
+              <a:off x="1631198" y="5871529"/>
               <a:ext cx="63202" cy="63202"/>
             </a:xfrm>
             <a:custGeom>
@@ -8878,7 +8878,7 @@
           </p:nvSpPr>
           <p:spPr>
             <a:xfrm>
-              <a:off x="2074462" y="5814471"/>
+              <a:off x="2106932" y="5814277"/>
               <a:ext cx="63202" cy="63202"/>
             </a:xfrm>
             <a:custGeom>
@@ -8921,7 +8921,7 @@
           </p:nvSpPr>
           <p:spPr>
             <a:xfrm>
-              <a:off x="1845428" y="5763427"/>
+              <a:off x="1598548" y="5763480"/>
               <a:ext cx="63202" cy="63202"/>
             </a:xfrm>
             <a:custGeom>
@@ -8964,7 +8964,7 @@
           </p:nvSpPr>
           <p:spPr>
             <a:xfrm>
-              <a:off x="1715038" y="5892953"/>
+              <a:off x="2066853" y="5892916"/>
               <a:ext cx="63202" cy="63202"/>
             </a:xfrm>
             <a:custGeom>
@@ -9007,7 +9007,7 @@
           </p:nvSpPr>
           <p:spPr>
             <a:xfrm>
-              <a:off x="1774088" y="5951614"/>
+              <a:off x="1833698" y="5951450"/>
               <a:ext cx="63202" cy="63202"/>
             </a:xfrm>
             <a:custGeom>
@@ -9050,7 +9050,7 @@
           </p:nvSpPr>
           <p:spPr>
             <a:xfrm>
-              <a:off x="2754914" y="6190841"/>
+              <a:off x="2605961" y="6190847"/>
               <a:ext cx="63202" cy="63202"/>
             </a:xfrm>
             <a:custGeom>
@@ -9093,7 +9093,7 @@
           </p:nvSpPr>
           <p:spPr>
             <a:xfrm>
-              <a:off x="1910431" y="5835120"/>
+              <a:off x="1877952" y="5835046"/>
               <a:ext cx="63202" cy="63202"/>
             </a:xfrm>
             <a:custGeom>
@@ -9136,7 +9136,7 @@
           </p:nvSpPr>
           <p:spPr>
             <a:xfrm>
-              <a:off x="1905096" y="5947751"/>
+              <a:off x="1681047" y="5947889"/>
               <a:ext cx="63202" cy="63202"/>
             </a:xfrm>
             <a:custGeom>
@@ -9179,7 +9179,7 @@
           </p:nvSpPr>
           <p:spPr>
             <a:xfrm>
-              <a:off x="2050637" y="5667843"/>
+              <a:off x="2013741" y="5667931"/>
               <a:ext cx="63202" cy="63202"/>
             </a:xfrm>
             <a:custGeom>
@@ -9222,7 +9222,7 @@
           </p:nvSpPr>
           <p:spPr>
             <a:xfrm>
-              <a:off x="2545170" y="6121909"/>
+              <a:off x="2672309" y="6121784"/>
               <a:ext cx="63202" cy="63202"/>
             </a:xfrm>
             <a:custGeom>
@@ -9265,7 +9265,7 @@
           </p:nvSpPr>
           <p:spPr>
             <a:xfrm>
-              <a:off x="2153395" y="5781468"/>
+              <a:off x="2030786" y="5781570"/>
               <a:ext cx="63202" cy="63202"/>
             </a:xfrm>
             <a:custGeom>
@@ -9308,7 +9308,7 @@
           </p:nvSpPr>
           <p:spPr>
             <a:xfrm>
-              <a:off x="1542958" y="5745866"/>
+              <a:off x="1687110" y="5745650"/>
               <a:ext cx="63202" cy="63202"/>
             </a:xfrm>
             <a:custGeom>
@@ -9351,7 +9351,7 @@
           </p:nvSpPr>
           <p:spPr>
             <a:xfrm>
-              <a:off x="1911182" y="5745923"/>
+              <a:off x="2082257" y="5745762"/>
               <a:ext cx="63202" cy="63202"/>
             </a:xfrm>
             <a:custGeom>
@@ -9394,7 +9394,7 @@
           </p:nvSpPr>
           <p:spPr>
             <a:xfrm>
-              <a:off x="1803318" y="5745801"/>
+              <a:off x="2055530" y="5745672"/>
               <a:ext cx="63202" cy="63202"/>
             </a:xfrm>
             <a:custGeom>
@@ -9437,7 +9437,7 @@
           </p:nvSpPr>
           <p:spPr>
             <a:xfrm>
-              <a:off x="1683179" y="5750348"/>
+              <a:off x="1573613" y="5750222"/>
               <a:ext cx="63202" cy="63202"/>
             </a:xfrm>
             <a:custGeom>
@@ -9480,7 +9480,7 @@
           </p:nvSpPr>
           <p:spPr>
             <a:xfrm>
-              <a:off x="1866268" y="5745774"/>
+              <a:off x="1880773" y="5745740"/>
               <a:ext cx="63202" cy="63202"/>
             </a:xfrm>
             <a:custGeom>
@@ -9523,7 +9523,7 @@
           </p:nvSpPr>
           <p:spPr>
             <a:xfrm>
-              <a:off x="1834448" y="5693096"/>
+              <a:off x="1943124" y="5692991"/>
               <a:ext cx="63202" cy="63202"/>
             </a:xfrm>
             <a:custGeom>
@@ -9566,7 +9566,7 @@
           </p:nvSpPr>
           <p:spPr>
             <a:xfrm>
-              <a:off x="1597086" y="5657802"/>
+              <a:off x="1675753" y="5657798"/>
               <a:ext cx="63202" cy="63202"/>
             </a:xfrm>
             <a:custGeom>
@@ -9609,7 +9609,7 @@
           </p:nvSpPr>
           <p:spPr>
             <a:xfrm>
-              <a:off x="2543807" y="6382283"/>
+              <a:off x="2523783" y="6382140"/>
               <a:ext cx="63202" cy="63202"/>
             </a:xfrm>
             <a:custGeom>
@@ -9652,7 +9652,7 @@
           </p:nvSpPr>
           <p:spPr>
             <a:xfrm>
-              <a:off x="1898995" y="5781674"/>
+              <a:off x="1915364" y="5781613"/>
               <a:ext cx="63202" cy="63202"/>
             </a:xfrm>
             <a:custGeom>
@@ -9695,7 +9695,7 @@
           </p:nvSpPr>
           <p:spPr>
             <a:xfrm>
-              <a:off x="2016367" y="5709905"/>
+              <a:off x="1941638" y="5709995"/>
               <a:ext cx="63202" cy="63202"/>
             </a:xfrm>
             <a:custGeom>
@@ -9738,7 +9738,7 @@
           </p:nvSpPr>
           <p:spPr>
             <a:xfrm>
-              <a:off x="1885383" y="5785996"/>
+              <a:off x="2178316" y="5785847"/>
               <a:ext cx="63202" cy="63202"/>
             </a:xfrm>
             <a:custGeom>
@@ -9781,7 +9781,7 @@
           </p:nvSpPr>
           <p:spPr>
             <a:xfrm>
-              <a:off x="2955181" y="6254248"/>
+              <a:off x="2755127" y="6254082"/>
               <a:ext cx="63202" cy="63202"/>
             </a:xfrm>
             <a:custGeom>
@@ -9824,7 +9824,7 @@
           </p:nvSpPr>
           <p:spPr>
             <a:xfrm>
-              <a:off x="2013743" y="5767773"/>
+              <a:off x="2143246" y="5767863"/>
               <a:ext cx="63202" cy="63202"/>
             </a:xfrm>
             <a:custGeom>
@@ -9867,7 +9867,7 @@
           </p:nvSpPr>
           <p:spPr>
             <a:xfrm>
-              <a:off x="2014168" y="5932842"/>
+              <a:off x="1676358" y="5932550"/>
               <a:ext cx="63202" cy="63202"/>
             </a:xfrm>
             <a:custGeom>
@@ -9910,7 +9910,7 @@
           </p:nvSpPr>
           <p:spPr>
             <a:xfrm>
-              <a:off x="1704860" y="5714737"/>
+              <a:off x="1616639" y="5714922"/>
               <a:ext cx="63202" cy="63202"/>
             </a:xfrm>
             <a:custGeom>
@@ -9953,7 +9953,7 @@
           </p:nvSpPr>
           <p:spPr>
             <a:xfrm>
-              <a:off x="1939691" y="5667300"/>
+              <a:off x="1941627" y="5667190"/>
               <a:ext cx="63202" cy="63202"/>
             </a:xfrm>
             <a:custGeom>
@@ -9996,7 +9996,7 @@
           </p:nvSpPr>
           <p:spPr>
             <a:xfrm>
-              <a:off x="1864788" y="5759190"/>
+              <a:off x="1707259" y="5759042"/>
               <a:ext cx="63202" cy="63202"/>
             </a:xfrm>
             <a:custGeom>
@@ -10039,7 +10039,7 @@
           </p:nvSpPr>
           <p:spPr>
             <a:xfrm>
-              <a:off x="1813299" y="5763020"/>
+              <a:off x="1659663" y="5763140"/>
               <a:ext cx="63202" cy="63202"/>
             </a:xfrm>
             <a:custGeom>
@@ -10082,7 +10082,7 @@
           </p:nvSpPr>
           <p:spPr>
             <a:xfrm>
-              <a:off x="1813377" y="5727661"/>
+              <a:off x="1585785" y="5727585"/>
               <a:ext cx="63202" cy="63202"/>
             </a:xfrm>
             <a:custGeom>
@@ -10125,7 +10125,7 @@
           </p:nvSpPr>
           <p:spPr>
             <a:xfrm>
-              <a:off x="2179288" y="5801201"/>
+              <a:off x="1954152" y="5801179"/>
               <a:ext cx="63202" cy="63202"/>
             </a:xfrm>
             <a:custGeom>
@@ -10168,7 +10168,7 @@
           </p:nvSpPr>
           <p:spPr>
             <a:xfrm>
-              <a:off x="1981463" y="5760827"/>
+              <a:off x="2155035" y="5760995"/>
               <a:ext cx="63202" cy="63202"/>
             </a:xfrm>
             <a:custGeom>
@@ -10211,7 +10211,7 @@
           </p:nvSpPr>
           <p:spPr>
             <a:xfrm>
-              <a:off x="1665156" y="5754239"/>
+              <a:off x="1818665" y="5754160"/>
               <a:ext cx="63202" cy="63202"/>
             </a:xfrm>
             <a:custGeom>
@@ -10254,7 +10254,7 @@
           </p:nvSpPr>
           <p:spPr>
             <a:xfrm>
-              <a:off x="1659991" y="5759521"/>
+              <a:off x="1693608" y="5759272"/>
               <a:ext cx="63202" cy="63202"/>
             </a:xfrm>
             <a:custGeom>
@@ -10297,7 +10297,7 @@
           </p:nvSpPr>
           <p:spPr>
             <a:xfrm>
-              <a:off x="2090564" y="5667869"/>
+              <a:off x="1723780" y="5667900"/>
               <a:ext cx="63202" cy="63202"/>
             </a:xfrm>
             <a:custGeom>
@@ -10340,7 +10340,7 @@
           </p:nvSpPr>
           <p:spPr>
             <a:xfrm>
-              <a:off x="1619906" y="5670286"/>
+              <a:off x="2168662" y="5670267"/>
               <a:ext cx="63202" cy="63202"/>
             </a:xfrm>
             <a:custGeom>
@@ -10383,7 +10383,7 @@
           </p:nvSpPr>
           <p:spPr>
             <a:xfrm>
-              <a:off x="2173930" y="5757860"/>
+              <a:off x="1765776" y="5758002"/>
               <a:ext cx="63202" cy="63202"/>
             </a:xfrm>
             <a:custGeom>
@@ -10426,7 +10426,7 @@
           </p:nvSpPr>
           <p:spPr>
             <a:xfrm>
-              <a:off x="1874321" y="5771532"/>
+              <a:off x="1824876" y="5771674"/>
               <a:ext cx="63202" cy="63202"/>
             </a:xfrm>
             <a:custGeom>
@@ -10469,7 +10469,7 @@
           </p:nvSpPr>
           <p:spPr>
             <a:xfrm>
-              <a:off x="1683634" y="5763365"/>
+              <a:off x="1998486" y="5763547"/>
               <a:ext cx="63202" cy="63202"/>
             </a:xfrm>
             <a:custGeom>
@@ -10512,7 +10512,7 @@
           </p:nvSpPr>
           <p:spPr>
             <a:xfrm>
-              <a:off x="1818659" y="5763554"/>
+              <a:off x="2069571" y="5763349"/>
               <a:ext cx="63202" cy="63202"/>
             </a:xfrm>
             <a:custGeom>
@@ -10555,7 +10555,7 @@
           </p:nvSpPr>
           <p:spPr>
             <a:xfrm>
-              <a:off x="1652082" y="5763050"/>
+              <a:off x="2188936" y="5763140"/>
               <a:ext cx="63202" cy="63202"/>
             </a:xfrm>
             <a:custGeom>
@@ -10598,7 +10598,7 @@
           </p:nvSpPr>
           <p:spPr>
             <a:xfrm>
-              <a:off x="1882346" y="5956249"/>
+              <a:off x="2070134" y="5956299"/>
               <a:ext cx="63202" cy="63202"/>
             </a:xfrm>
             <a:custGeom>
@@ -10641,7 +10641,7 @@
           </p:nvSpPr>
           <p:spPr>
             <a:xfrm>
-              <a:off x="2136850" y="5773382"/>
+              <a:off x="2172099" y="5773374"/>
               <a:ext cx="63202" cy="63202"/>
             </a:xfrm>
             <a:custGeom>
@@ -10684,7 +10684,7 @@
           </p:nvSpPr>
           <p:spPr>
             <a:xfrm>
-              <a:off x="1683437" y="5755339"/>
+              <a:off x="1994028" y="5755438"/>
               <a:ext cx="63202" cy="63202"/>
             </a:xfrm>
             <a:custGeom>
@@ -10727,7 +10727,7 @@
           </p:nvSpPr>
           <p:spPr>
             <a:xfrm>
-              <a:off x="1910644" y="5668978"/>
+              <a:off x="1761719" y="5669078"/>
               <a:ext cx="63202" cy="63202"/>
             </a:xfrm>
             <a:custGeom>
@@ -10770,7 +10770,7 @@
           </p:nvSpPr>
           <p:spPr>
             <a:xfrm>
-              <a:off x="1729168" y="5876309"/>
+              <a:off x="1549118" y="5876346"/>
               <a:ext cx="63202" cy="63202"/>
             </a:xfrm>
             <a:custGeom>
@@ -10813,7 +10813,7 @@
           </p:nvSpPr>
           <p:spPr>
             <a:xfrm>
-              <a:off x="3050308" y="6239794"/>
+              <a:off x="2683845" y="6239624"/>
               <a:ext cx="63202" cy="63202"/>
             </a:xfrm>
             <a:custGeom>
@@ -10856,7 +10856,7 @@
           </p:nvSpPr>
           <p:spPr>
             <a:xfrm>
-              <a:off x="1973320" y="6029693"/>
+              <a:off x="1790803" y="6029576"/>
               <a:ext cx="63202" cy="63202"/>
             </a:xfrm>
             <a:custGeom>
@@ -10899,7 +10899,7 @@
           </p:nvSpPr>
           <p:spPr>
             <a:xfrm>
-              <a:off x="2723053" y="6271624"/>
+              <a:off x="2779454" y="6271603"/>
               <a:ext cx="63202" cy="63202"/>
             </a:xfrm>
             <a:custGeom>
@@ -10942,7 +10942,7 @@
           </p:nvSpPr>
           <p:spPr>
             <a:xfrm>
-              <a:off x="2953380" y="6276289"/>
+              <a:off x="3045615" y="6276342"/>
               <a:ext cx="63202" cy="63202"/>
             </a:xfrm>
             <a:custGeom>
@@ -10985,7 +10985,7 @@
           </p:nvSpPr>
           <p:spPr>
             <a:xfrm>
-              <a:off x="1698851" y="5843184"/>
+              <a:off x="2150970" y="5843108"/>
               <a:ext cx="63202" cy="63202"/>
             </a:xfrm>
             <a:custGeom>
@@ -11028,7 +11028,7 @@
           </p:nvSpPr>
           <p:spPr>
             <a:xfrm>
-              <a:off x="1741862" y="5838463"/>
+              <a:off x="2066430" y="5838386"/>
               <a:ext cx="63202" cy="63202"/>
             </a:xfrm>
             <a:custGeom>
@@ -11071,7 +11071,7 @@
           </p:nvSpPr>
           <p:spPr>
             <a:xfrm>
-              <a:off x="1674163" y="5838476"/>
+              <a:off x="2172603" y="5838257"/>
               <a:ext cx="63202" cy="63202"/>
             </a:xfrm>
             <a:custGeom>
@@ -11114,7 +11114,7 @@
           </p:nvSpPr>
           <p:spPr>
             <a:xfrm>
-              <a:off x="1562967" y="5829243"/>
+              <a:off x="2081965" y="5829144"/>
               <a:ext cx="63202" cy="63202"/>
             </a:xfrm>
             <a:custGeom>
@@ -11157,7 +11157,7 @@
           </p:nvSpPr>
           <p:spPr>
             <a:xfrm>
-              <a:off x="1715695" y="5931559"/>
+              <a:off x="2156721" y="5931520"/>
               <a:ext cx="63202" cy="63202"/>
             </a:xfrm>
             <a:custGeom>
@@ -11200,7 +11200,7 @@
           </p:nvSpPr>
           <p:spPr>
             <a:xfrm>
-              <a:off x="3087516" y="6329012"/>
+              <a:off x="2535307" y="6328839"/>
               <a:ext cx="63202" cy="63202"/>
             </a:xfrm>
             <a:custGeom>
@@ -11243,7 +11243,7 @@
           </p:nvSpPr>
           <p:spPr>
             <a:xfrm>
-              <a:off x="2455999" y="6239427"/>
+              <a:off x="2987981" y="6239396"/>
               <a:ext cx="63202" cy="63202"/>
             </a:xfrm>
             <a:custGeom>
@@ -11286,7 +11286,7 @@
           </p:nvSpPr>
           <p:spPr>
             <a:xfrm>
-              <a:off x="1702082" y="6054667"/>
+              <a:off x="2033274" y="6054754"/>
               <a:ext cx="63202" cy="63202"/>
             </a:xfrm>
             <a:custGeom>
@@ -11329,7 +11329,7 @@
           </p:nvSpPr>
           <p:spPr>
             <a:xfrm>
-              <a:off x="2924233" y="6256015"/>
+              <a:off x="2456187" y="6256094"/>
               <a:ext cx="63202" cy="63202"/>
             </a:xfrm>
             <a:custGeom>
@@ -11372,7 +11372,7 @@
           </p:nvSpPr>
           <p:spPr>
             <a:xfrm>
-              <a:off x="2931304" y="6239529"/>
+              <a:off x="2881129" y="6239365"/>
               <a:ext cx="63202" cy="63202"/>
             </a:xfrm>
             <a:custGeom>
@@ -11415,7 +11415,7 @@
           </p:nvSpPr>
           <p:spPr>
             <a:xfrm>
-              <a:off x="1616259" y="5759668"/>
+              <a:off x="2205781" y="5759660"/>
               <a:ext cx="63202" cy="63202"/>
             </a:xfrm>
             <a:custGeom>
@@ -11458,7 +11458,7 @@
           </p:nvSpPr>
           <p:spPr>
             <a:xfrm>
-              <a:off x="3901135" y="6756134"/>
+              <a:off x="3416461" y="6755841"/>
               <a:ext cx="63202" cy="63202"/>
             </a:xfrm>
             <a:custGeom>
@@ -11501,7 +11501,7 @@
           </p:nvSpPr>
           <p:spPr>
             <a:xfrm>
-              <a:off x="2073938" y="5973895"/>
+              <a:off x="1792320" y="5973852"/>
               <a:ext cx="63202" cy="63202"/>
             </a:xfrm>
             <a:custGeom>
@@ -11544,7 +11544,7 @@
           </p:nvSpPr>
           <p:spPr>
             <a:xfrm>
-              <a:off x="1586212" y="5745053"/>
+              <a:off x="1868417" y="5744899"/>
               <a:ext cx="63202" cy="63202"/>
             </a:xfrm>
             <a:custGeom>
@@ -11587,7 +11587,7 @@
           </p:nvSpPr>
           <p:spPr>
             <a:xfrm>
-              <a:off x="1964071" y="5828307"/>
+              <a:off x="2028401" y="5828208"/>
               <a:ext cx="63202" cy="63202"/>
             </a:xfrm>
             <a:custGeom>
@@ -11630,7 +11630,7 @@
           </p:nvSpPr>
           <p:spPr>
             <a:xfrm>
-              <a:off x="1980932" y="5755405"/>
+              <a:off x="2115953" y="5755356"/>
               <a:ext cx="63202" cy="63202"/>
             </a:xfrm>
             <a:custGeom>
@@ -11673,7 +11673,7 @@
           </p:nvSpPr>
           <p:spPr>
             <a:xfrm>
-              <a:off x="1834258" y="5756861"/>
+              <a:off x="1623130" y="5756788"/>
               <a:ext cx="63202" cy="63202"/>
             </a:xfrm>
             <a:custGeom>
@@ -11716,7 +11716,7 @@
           </p:nvSpPr>
           <p:spPr>
             <a:xfrm>
-              <a:off x="1561790" y="5774240"/>
+              <a:off x="2221199" y="5774134"/>
               <a:ext cx="63202" cy="63202"/>
             </a:xfrm>
             <a:custGeom>
@@ -11759,7 +11759,7 @@
           </p:nvSpPr>
           <p:spPr>
             <a:xfrm>
-              <a:off x="1841477" y="5767881"/>
+              <a:off x="1901816" y="5767788"/>
               <a:ext cx="63202" cy="63202"/>
             </a:xfrm>
             <a:custGeom>
@@ -11802,7 +11802,7 @@
           </p:nvSpPr>
           <p:spPr>
             <a:xfrm>
-              <a:off x="3937213" y="6809079"/>
+              <a:off x="3887525" y="6809079"/>
               <a:ext cx="63202" cy="63202"/>
             </a:xfrm>
             <a:custGeom>
@@ -11901,7 +11901,7 @@
           </p:nvSpPr>
           <p:spPr>
             <a:xfrm>
-              <a:off x="4284320" y="2806901"/>
+              <a:off x="4284320" y="2806658"/>
               <a:ext cx="2817450" cy="0"/>
             </a:xfrm>
             <a:custGeom>
@@ -11944,7 +11944,7 @@
           </p:nvSpPr>
           <p:spPr>
             <a:xfrm>
-              <a:off x="4284320" y="2438165"/>
+              <a:off x="4284320" y="2438015"/>
               <a:ext cx="2817450" cy="0"/>
             </a:xfrm>
             <a:custGeom>
@@ -11987,7 +11987,7 @@
           </p:nvSpPr>
           <p:spPr>
             <a:xfrm>
-              <a:off x="4284320" y="2069430"/>
+              <a:off x="4284320" y="2069373"/>
               <a:ext cx="2817450" cy="0"/>
             </a:xfrm>
             <a:custGeom>
@@ -12030,7 +12030,7 @@
           </p:nvSpPr>
           <p:spPr>
             <a:xfrm>
-              <a:off x="4284320" y="1700694"/>
+              <a:off x="4284320" y="1700730"/>
               <a:ext cx="2817450" cy="0"/>
             </a:xfrm>
             <a:custGeom>
@@ -12073,7 +12073,7 @@
           </p:nvSpPr>
           <p:spPr>
             <a:xfrm>
-              <a:off x="4284320" y="2991268"/>
+              <a:off x="4284320" y="2990979"/>
               <a:ext cx="2817450" cy="0"/>
             </a:xfrm>
             <a:custGeom>
@@ -12116,7 +12116,7 @@
           </p:nvSpPr>
           <p:spPr>
             <a:xfrm>
-              <a:off x="4284320" y="2622533"/>
+              <a:off x="4284320" y="2622337"/>
               <a:ext cx="2817450" cy="0"/>
             </a:xfrm>
             <a:custGeom>
@@ -12159,7 +12159,7 @@
           </p:nvSpPr>
           <p:spPr>
             <a:xfrm>
-              <a:off x="4284320" y="2253798"/>
+              <a:off x="4284320" y="2253694"/>
               <a:ext cx="2817450" cy="0"/>
             </a:xfrm>
             <a:custGeom>
@@ -12202,7 +12202,7 @@
           </p:nvSpPr>
           <p:spPr>
             <a:xfrm>
-              <a:off x="4284320" y="1885062"/>
+              <a:off x="4284320" y="1885051"/>
               <a:ext cx="2817450" cy="0"/>
             </a:xfrm>
             <a:custGeom>
@@ -12245,7 +12245,7 @@
           </p:nvSpPr>
           <p:spPr>
             <a:xfrm>
-              <a:off x="4284320" y="1516327"/>
+              <a:off x="4284320" y="1516409"/>
               <a:ext cx="2817450" cy="0"/>
             </a:xfrm>
             <a:custGeom>
@@ -12417,7 +12417,7 @@
           </p:nvSpPr>
           <p:spPr>
             <a:xfrm>
-              <a:off x="4909335" y="1668353"/>
+              <a:off x="5082744" y="1668248"/>
               <a:ext cx="63202" cy="63202"/>
             </a:xfrm>
             <a:custGeom>
@@ -12460,7 +12460,7 @@
           </p:nvSpPr>
           <p:spPr>
             <a:xfrm>
-              <a:off x="4642591" y="1721949"/>
+              <a:off x="4960103" y="1721959"/>
               <a:ext cx="63202" cy="63202"/>
             </a:xfrm>
             <a:custGeom>
@@ -12503,7 +12503,7 @@
           </p:nvSpPr>
           <p:spPr>
             <a:xfrm>
-              <a:off x="4533835" y="1629565"/>
+              <a:off x="5102921" y="1629556"/>
               <a:ext cx="63202" cy="63202"/>
             </a:xfrm>
             <a:custGeom>
@@ -12546,7 +12546,7 @@
           </p:nvSpPr>
           <p:spPr>
             <a:xfrm>
-              <a:off x="4844746" y="1624010"/>
+              <a:off x="4996179" y="1624107"/>
               <a:ext cx="63202" cy="63202"/>
             </a:xfrm>
             <a:custGeom>
@@ -12589,7 +12589,7 @@
           </p:nvSpPr>
           <p:spPr>
             <a:xfrm>
-              <a:off x="4449890" y="1610168"/>
+              <a:off x="4479256" y="1610053"/>
               <a:ext cx="63202" cy="63202"/>
             </a:xfrm>
             <a:custGeom>
@@ -12632,7 +12632,7 @@
           </p:nvSpPr>
           <p:spPr>
             <a:xfrm>
-              <a:off x="4887590" y="1651090"/>
+              <a:off x="4568388" y="1651137"/>
               <a:ext cx="63202" cy="63202"/>
             </a:xfrm>
             <a:custGeom>
@@ -12675,7 +12675,7 @@
           </p:nvSpPr>
           <p:spPr>
             <a:xfrm>
-              <a:off x="4540915" y="1640592"/>
+              <a:off x="5119717" y="1640670"/>
               <a:ext cx="63202" cy="63202"/>
             </a:xfrm>
             <a:custGeom>
@@ -12718,7 +12718,7 @@
           </p:nvSpPr>
           <p:spPr>
             <a:xfrm>
-              <a:off x="5043326" y="1638779"/>
+              <a:off x="4697658" y="1638835"/>
               <a:ext cx="63202" cy="63202"/>
             </a:xfrm>
             <a:custGeom>
@@ -12761,7 +12761,7 @@
           </p:nvSpPr>
           <p:spPr>
             <a:xfrm>
-              <a:off x="4483867" y="1633023"/>
+              <a:off x="4584227" y="1633105"/>
               <a:ext cx="63202" cy="63202"/>
             </a:xfrm>
             <a:custGeom>
@@ -12804,7 +12804,7 @@
           </p:nvSpPr>
           <p:spPr>
             <a:xfrm>
-              <a:off x="4769831" y="1599462"/>
+              <a:off x="5038689" y="1599580"/>
               <a:ext cx="63202" cy="63202"/>
             </a:xfrm>
             <a:custGeom>
@@ -12847,7 +12847,7 @@
           </p:nvSpPr>
           <p:spPr>
             <a:xfrm>
-              <a:off x="4541915" y="1644076"/>
+              <a:off x="4819571" y="1644090"/>
               <a:ext cx="63202" cy="63202"/>
             </a:xfrm>
             <a:custGeom>
@@ -12890,7 +12890,7 @@
           </p:nvSpPr>
           <p:spPr>
             <a:xfrm>
-              <a:off x="4941185" y="1648681"/>
+              <a:off x="5100729" y="1648916"/>
               <a:ext cx="63202" cy="63202"/>
             </a:xfrm>
             <a:custGeom>
@@ -12933,7 +12933,7 @@
           </p:nvSpPr>
           <p:spPr>
             <a:xfrm>
-              <a:off x="4766767" y="1649505"/>
+              <a:off x="4659902" y="1649450"/>
               <a:ext cx="63202" cy="63202"/>
             </a:xfrm>
             <a:custGeom>
@@ -12976,7 +12976,7 @@
           </p:nvSpPr>
           <p:spPr>
             <a:xfrm>
-              <a:off x="5079084" y="1591193"/>
+              <a:off x="4906140" y="1591243"/>
               <a:ext cx="63202" cy="63202"/>
             </a:xfrm>
             <a:custGeom>
@@ -13019,7 +13019,7 @@
           </p:nvSpPr>
           <p:spPr>
             <a:xfrm>
-              <a:off x="5007771" y="1641350"/>
+              <a:off x="5081271" y="1641557"/>
               <a:ext cx="63202" cy="63202"/>
             </a:xfrm>
             <a:custGeom>
@@ -13062,7 +13062,7 @@
           </p:nvSpPr>
           <p:spPr>
             <a:xfrm>
-              <a:off x="5078210" y="1588932"/>
+              <a:off x="4490027" y="1589030"/>
               <a:ext cx="63202" cy="63202"/>
             </a:xfrm>
             <a:custGeom>
@@ -13105,7 +13105,7 @@
           </p:nvSpPr>
           <p:spPr>
             <a:xfrm>
-              <a:off x="4614128" y="1645076"/>
+              <a:off x="5054051" y="1645247"/>
               <a:ext cx="63202" cy="63202"/>
             </a:xfrm>
             <a:custGeom>
@@ -13148,7 +13148,7 @@
           </p:nvSpPr>
           <p:spPr>
             <a:xfrm>
-              <a:off x="4754298" y="1642090"/>
+              <a:off x="4803055" y="1642265"/>
               <a:ext cx="63202" cy="63202"/>
             </a:xfrm>
             <a:custGeom>
@@ -13191,7 +13191,7 @@
           </p:nvSpPr>
           <p:spPr>
             <a:xfrm>
-              <a:off x="4976083" y="1672138"/>
+              <a:off x="4615188" y="1671966"/>
               <a:ext cx="63202" cy="63202"/>
             </a:xfrm>
             <a:custGeom>
@@ -13234,7 +13234,7 @@
           </p:nvSpPr>
           <p:spPr>
             <a:xfrm>
-              <a:off x="5058135" y="1795489"/>
+              <a:off x="4699042" y="1795661"/>
               <a:ext cx="63202" cy="63202"/>
             </a:xfrm>
             <a:custGeom>
@@ -13277,7 +13277,7 @@
           </p:nvSpPr>
           <p:spPr>
             <a:xfrm>
-              <a:off x="4853766" y="1940369"/>
+              <a:off x="4971916" y="1940434"/>
               <a:ext cx="63202" cy="63202"/>
             </a:xfrm>
             <a:custGeom>
@@ -13320,7 +13320,7 @@
           </p:nvSpPr>
           <p:spPr>
             <a:xfrm>
-              <a:off x="4965460" y="1646179"/>
+              <a:off x="4885186" y="1646128"/>
               <a:ext cx="63202" cy="63202"/>
             </a:xfrm>
             <a:custGeom>
@@ -13363,7 +13363,7 @@
           </p:nvSpPr>
           <p:spPr>
             <a:xfrm>
-              <a:off x="5401144" y="2420250"/>
+              <a:off x="5394956" y="2420037"/>
               <a:ext cx="63202" cy="63202"/>
             </a:xfrm>
             <a:custGeom>
@@ -13406,7 +13406,7 @@
           </p:nvSpPr>
           <p:spPr>
             <a:xfrm>
-              <a:off x="5010721" y="1633014"/>
+              <a:off x="5114795" y="1633073"/>
               <a:ext cx="63202" cy="63202"/>
             </a:xfrm>
             <a:custGeom>
@@ -13449,7 +13449,7 @@
           </p:nvSpPr>
           <p:spPr>
             <a:xfrm>
-              <a:off x="4909176" y="1839511"/>
+              <a:off x="5105509" y="1839549"/>
               <a:ext cx="63202" cy="63202"/>
             </a:xfrm>
             <a:custGeom>
@@ -13492,7 +13492,7 @@
           </p:nvSpPr>
           <p:spPr>
             <a:xfrm>
-              <a:off x="4461080" y="1668734"/>
+              <a:off x="4730876" y="1668766"/>
               <a:ext cx="63202" cy="63202"/>
             </a:xfrm>
             <a:custGeom>
@@ -13535,7 +13535,7 @@
           </p:nvSpPr>
           <p:spPr>
             <a:xfrm>
-              <a:off x="4980788" y="1817184"/>
+              <a:off x="4840786" y="1817280"/>
               <a:ext cx="63202" cy="63202"/>
             </a:xfrm>
             <a:custGeom>
@@ -13578,7 +13578,7 @@
           </p:nvSpPr>
           <p:spPr>
             <a:xfrm>
-              <a:off x="5071443" y="1597252"/>
+              <a:off x="5059584" y="1597284"/>
               <a:ext cx="63202" cy="63202"/>
             </a:xfrm>
             <a:custGeom>
@@ -13621,7 +13621,7 @@
           </p:nvSpPr>
           <p:spPr>
             <a:xfrm>
-              <a:off x="4621544" y="1627301"/>
+              <a:off x="4648330" y="1627472"/>
               <a:ext cx="63202" cy="63202"/>
             </a:xfrm>
             <a:custGeom>
@@ -13664,7 +13664,7 @@
           </p:nvSpPr>
           <p:spPr>
             <a:xfrm>
-              <a:off x="4982064" y="1629869"/>
+              <a:off x="4615162" y="1630094"/>
               <a:ext cx="63202" cy="63202"/>
             </a:xfrm>
             <a:custGeom>
@@ -13707,7 +13707,7 @@
           </p:nvSpPr>
           <p:spPr>
             <a:xfrm>
-              <a:off x="5869629" y="2667302"/>
+              <a:off x="5771924" y="2667144"/>
               <a:ext cx="63202" cy="63202"/>
             </a:xfrm>
             <a:custGeom>
@@ -13750,7 +13750,7 @@
           </p:nvSpPr>
           <p:spPr>
             <a:xfrm>
-              <a:off x="5020141" y="1648746"/>
+              <a:off x="4767901" y="1648977"/>
               <a:ext cx="63202" cy="63202"/>
             </a:xfrm>
             <a:custGeom>
@@ -13793,7 +13793,7 @@
           </p:nvSpPr>
           <p:spPr>
             <a:xfrm>
-              <a:off x="4435933" y="1644320"/>
+              <a:off x="4991672" y="1644458"/>
               <a:ext cx="63202" cy="63202"/>
             </a:xfrm>
             <a:custGeom>
@@ -13836,7 +13836,7 @@
           </p:nvSpPr>
           <p:spPr>
             <a:xfrm>
-              <a:off x="4722095" y="1721116"/>
+              <a:off x="4710205" y="1721021"/>
               <a:ext cx="63202" cy="63202"/>
             </a:xfrm>
             <a:custGeom>
@@ -13879,7 +13879,7 @@
           </p:nvSpPr>
           <p:spPr>
             <a:xfrm>
-              <a:off x="5070141" y="1602640"/>
+              <a:off x="4457992" y="1602785"/>
               <a:ext cx="63202" cy="63202"/>
             </a:xfrm>
             <a:custGeom>
@@ -13922,7 +13922,7 @@
           </p:nvSpPr>
           <p:spPr>
             <a:xfrm>
-              <a:off x="4521123" y="1597589"/>
+              <a:off x="4848013" y="1597529"/>
               <a:ext cx="63202" cy="63202"/>
             </a:xfrm>
             <a:custGeom>
@@ -13965,7 +13965,7 @@
           </p:nvSpPr>
           <p:spPr>
             <a:xfrm>
-              <a:off x="5126556" y="1647995"/>
+              <a:off x="4847936" y="1648115"/>
               <a:ext cx="63202" cy="63202"/>
             </a:xfrm>
             <a:custGeom>
@@ -14008,7 +14008,7 @@
           </p:nvSpPr>
           <p:spPr>
             <a:xfrm>
-              <a:off x="5093107" y="1648191"/>
+              <a:off x="4838598" y="1648140"/>
               <a:ext cx="63202" cy="63202"/>
             </a:xfrm>
             <a:custGeom>
@@ -14051,7 +14051,7 @@
           </p:nvSpPr>
           <p:spPr>
             <a:xfrm>
-              <a:off x="4556767" y="1637525"/>
+              <a:off x="5025386" y="1637501"/>
               <a:ext cx="63202" cy="63202"/>
             </a:xfrm>
             <a:custGeom>
@@ -14094,7 +14094,7 @@
           </p:nvSpPr>
           <p:spPr>
             <a:xfrm>
-              <a:off x="5034830" y="2190477"/>
+              <a:off x="4889189" y="2190355"/>
               <a:ext cx="63202" cy="63202"/>
             </a:xfrm>
             <a:custGeom>
@@ -14137,7 +14137,7 @@
           </p:nvSpPr>
           <p:spPr>
             <a:xfrm>
-              <a:off x="5109970" y="1670481"/>
+              <a:off x="4640396" y="1670462"/>
               <a:ext cx="63202" cy="63202"/>
             </a:xfrm>
             <a:custGeom>
@@ -14180,7 +14180,7 @@
           </p:nvSpPr>
           <p:spPr>
             <a:xfrm>
-              <a:off x="4656656" y="2210743"/>
+              <a:off x="4497406" y="2210713"/>
               <a:ext cx="63202" cy="63202"/>
             </a:xfrm>
             <a:custGeom>
@@ -14223,7 +14223,7 @@
           </p:nvSpPr>
           <p:spPr>
             <a:xfrm>
-              <a:off x="4452901" y="1582160"/>
+              <a:off x="4735894" y="1582202"/>
               <a:ext cx="63202" cy="63202"/>
             </a:xfrm>
             <a:custGeom>
@@ -14266,7 +14266,7 @@
           </p:nvSpPr>
           <p:spPr>
             <a:xfrm>
-              <a:off x="4622284" y="1931300"/>
+              <a:off x="4789190" y="1931323"/>
               <a:ext cx="63202" cy="63202"/>
             </a:xfrm>
             <a:custGeom>
@@ -14309,7 +14309,7 @@
           </p:nvSpPr>
           <p:spPr>
             <a:xfrm>
-              <a:off x="4857674" y="1640273"/>
+              <a:off x="4662747" y="1640312"/>
               <a:ext cx="63202" cy="63202"/>
             </a:xfrm>
             <a:custGeom>
@@ -14352,7 +14352,7 @@
           </p:nvSpPr>
           <p:spPr>
             <a:xfrm>
-              <a:off x="5006659" y="1708937"/>
+              <a:off x="4591684" y="1709087"/>
               <a:ext cx="63202" cy="63202"/>
             </a:xfrm>
             <a:custGeom>
@@ -14395,7 +14395,7 @@
           </p:nvSpPr>
           <p:spPr>
             <a:xfrm>
-              <a:off x="4537387" y="1716976"/>
+              <a:off x="4519821" y="1716997"/>
               <a:ext cx="63202" cy="63202"/>
             </a:xfrm>
             <a:custGeom>
@@ -14438,7 +14438,7 @@
           </p:nvSpPr>
           <p:spPr>
             <a:xfrm>
-              <a:off x="5085537" y="1665749"/>
+              <a:off x="4899107" y="1665938"/>
               <a:ext cx="63202" cy="63202"/>
             </a:xfrm>
             <a:custGeom>
@@ -14481,7 +14481,7 @@
           </p:nvSpPr>
           <p:spPr>
             <a:xfrm>
-              <a:off x="5106833" y="1649426"/>
+              <a:off x="5123904" y="1649635"/>
               <a:ext cx="63202" cy="63202"/>
             </a:xfrm>
             <a:custGeom>
@@ -14524,7 +14524,7 @@
           </p:nvSpPr>
           <p:spPr>
             <a:xfrm>
-              <a:off x="4580119" y="1648165"/>
+              <a:off x="4828880" y="1648026"/>
               <a:ext cx="63202" cy="63202"/>
             </a:xfrm>
             <a:custGeom>
@@ -14567,7 +14567,7 @@
           </p:nvSpPr>
           <p:spPr>
             <a:xfrm>
-              <a:off x="4948328" y="1759044"/>
+              <a:off x="4684788" y="1759155"/>
               <a:ext cx="63202" cy="63202"/>
             </a:xfrm>
             <a:custGeom>
@@ -14610,7 +14610,7 @@
           </p:nvSpPr>
           <p:spPr>
             <a:xfrm>
-              <a:off x="4871995" y="1788974"/>
+              <a:off x="4928956" y="1788820"/>
               <a:ext cx="63202" cy="63202"/>
             </a:xfrm>
             <a:custGeom>
@@ -14653,7 +14653,7 @@
           </p:nvSpPr>
           <p:spPr>
             <a:xfrm>
-              <a:off x="4964709" y="1663660"/>
+              <a:off x="5083860" y="1663526"/>
               <a:ext cx="63202" cy="63202"/>
             </a:xfrm>
             <a:custGeom>
@@ -14696,7 +14696,7 @@
           </p:nvSpPr>
           <p:spPr>
             <a:xfrm>
-              <a:off x="4766447" y="1653832"/>
+              <a:off x="4999016" y="1653912"/>
               <a:ext cx="63202" cy="63202"/>
             </a:xfrm>
             <a:custGeom>
@@ -14739,7 +14739,7 @@
           </p:nvSpPr>
           <p:spPr>
             <a:xfrm>
-              <a:off x="5055767" y="1711248"/>
+              <a:off x="4903545" y="1711080"/>
               <a:ext cx="63202" cy="63202"/>
             </a:xfrm>
             <a:custGeom>
@@ -14782,7 +14782,7 @@
           </p:nvSpPr>
           <p:spPr>
             <a:xfrm>
-              <a:off x="4550880" y="1640318"/>
+              <a:off x="4568180" y="1640520"/>
               <a:ext cx="63202" cy="63202"/>
             </a:xfrm>
             <a:custGeom>
@@ -14825,7 +14825,7 @@
           </p:nvSpPr>
           <p:spPr>
             <a:xfrm>
-              <a:off x="4436640" y="1588693"/>
+              <a:off x="4655687" y="1588851"/>
               <a:ext cx="63202" cy="63202"/>
             </a:xfrm>
             <a:custGeom>
@@ -14868,7 +14868,7 @@
           </p:nvSpPr>
           <p:spPr>
             <a:xfrm>
-              <a:off x="4776801" y="1689322"/>
+              <a:off x="4571176" y="1689536"/>
               <a:ext cx="63202" cy="63202"/>
             </a:xfrm>
             <a:custGeom>
@@ -14911,7 +14911,7 @@
           </p:nvSpPr>
           <p:spPr>
             <a:xfrm>
-              <a:off x="4529025" y="1759018"/>
+              <a:off x="4805478" y="1758943"/>
               <a:ext cx="63202" cy="63202"/>
             </a:xfrm>
             <a:custGeom>
@@ -14954,7 +14954,7 @@
           </p:nvSpPr>
           <p:spPr>
             <a:xfrm>
-              <a:off x="4526503" y="1610408"/>
+              <a:off x="4684437" y="1610649"/>
               <a:ext cx="63202" cy="63202"/>
             </a:xfrm>
             <a:custGeom>
@@ -14997,7 +14997,7 @@
           </p:nvSpPr>
           <p:spPr>
             <a:xfrm>
-              <a:off x="4737638" y="2117920"/>
+              <a:off x="5031462" y="2117638"/>
               <a:ext cx="63202" cy="63202"/>
             </a:xfrm>
             <a:custGeom>
@@ -15040,7 +15040,7 @@
           </p:nvSpPr>
           <p:spPr>
             <a:xfrm>
-              <a:off x="4864980" y="1722515"/>
+              <a:off x="5068850" y="1722487"/>
               <a:ext cx="63202" cy="63202"/>
             </a:xfrm>
             <a:custGeom>
@@ -15083,7 +15083,7 @@
           </p:nvSpPr>
           <p:spPr>
             <a:xfrm>
-              <a:off x="4684607" y="1660009"/>
+              <a:off x="4538079" y="1659960"/>
               <a:ext cx="63202" cy="63202"/>
             </a:xfrm>
             <a:custGeom>
@@ -15126,7 +15126,7 @@
           </p:nvSpPr>
           <p:spPr>
             <a:xfrm>
-              <a:off x="4918585" y="1590832"/>
+              <a:off x="4841420" y="1590965"/>
               <a:ext cx="63202" cy="63202"/>
             </a:xfrm>
             <a:custGeom>
@@ -15169,7 +15169,7 @@
           </p:nvSpPr>
           <p:spPr>
             <a:xfrm>
-              <a:off x="4602711" y="1594555"/>
+              <a:off x="4443323" y="1594803"/>
               <a:ext cx="63202" cy="63202"/>
             </a:xfrm>
             <a:custGeom>
@@ -15212,7 +15212,7 @@
           </p:nvSpPr>
           <p:spPr>
             <a:xfrm>
-              <a:off x="4729396" y="1683559"/>
+              <a:off x="4824386" y="1683469"/>
               <a:ext cx="63202" cy="63202"/>
             </a:xfrm>
             <a:custGeom>
@@ -15255,7 +15255,7 @@
           </p:nvSpPr>
           <p:spPr>
             <a:xfrm>
-              <a:off x="4535047" y="1637502"/>
+              <a:off x="5059289" y="1637356"/>
               <a:ext cx="63202" cy="63202"/>
             </a:xfrm>
             <a:custGeom>
@@ -15298,7 +15298,7 @@
           </p:nvSpPr>
           <p:spPr>
             <a:xfrm>
-              <a:off x="4622094" y="1916255"/>
+              <a:off x="4441009" y="1916242"/>
               <a:ext cx="63202" cy="63202"/>
             </a:xfrm>
             <a:custGeom>
@@ -15341,7 +15341,7 @@
           </p:nvSpPr>
           <p:spPr>
             <a:xfrm>
-              <a:off x="4859832" y="1645053"/>
+              <a:off x="4990152" y="1645264"/>
               <a:ext cx="63202" cy="63202"/>
             </a:xfrm>
             <a:custGeom>
@@ -15384,7 +15384,7 @@
           </p:nvSpPr>
           <p:spPr>
             <a:xfrm>
-              <a:off x="4609267" y="1866349"/>
+              <a:off x="4593376" y="1866282"/>
               <a:ext cx="63202" cy="63202"/>
             </a:xfrm>
             <a:custGeom>
@@ -15427,7 +15427,7 @@
           </p:nvSpPr>
           <p:spPr>
             <a:xfrm>
-              <a:off x="6683361" y="2957957"/>
+              <a:off x="6238310" y="2957627"/>
               <a:ext cx="63202" cy="63202"/>
             </a:xfrm>
             <a:custGeom>
@@ -15470,7 +15470,7 @@
           </p:nvSpPr>
           <p:spPr>
             <a:xfrm>
-              <a:off x="4608185" y="1735749"/>
+              <a:off x="5100737" y="1735748"/>
               <a:ext cx="63202" cy="63202"/>
             </a:xfrm>
             <a:custGeom>
@@ -15513,7 +15513,7 @@
           </p:nvSpPr>
           <p:spPr>
             <a:xfrm>
-              <a:off x="4491093" y="1651379"/>
+              <a:off x="4976092" y="1651565"/>
               <a:ext cx="63202" cy="63202"/>
             </a:xfrm>
             <a:custGeom>
@@ -15556,7 +15556,7 @@
           </p:nvSpPr>
           <p:spPr>
             <a:xfrm>
-              <a:off x="4606009" y="1963828"/>
+              <a:off x="4870201" y="1963804"/>
               <a:ext cx="63202" cy="63202"/>
             </a:xfrm>
             <a:custGeom>
@@ -15599,7 +15599,7 @@
           </p:nvSpPr>
           <p:spPr>
             <a:xfrm>
-              <a:off x="4753342" y="1960889"/>
+              <a:off x="4732346" y="1960773"/>
               <a:ext cx="63202" cy="63202"/>
             </a:xfrm>
             <a:custGeom>
@@ -15642,7 +15642,7 @@
           </p:nvSpPr>
           <p:spPr>
             <a:xfrm>
-              <a:off x="5447501" y="2555612"/>
+              <a:off x="5326714" y="2555255"/>
               <a:ext cx="63202" cy="63202"/>
             </a:xfrm>
             <a:custGeom>
@@ -15685,7 +15685,7 @@
           </p:nvSpPr>
           <p:spPr>
             <a:xfrm>
-              <a:off x="4884697" y="1653298"/>
+              <a:off x="4640977" y="1653177"/>
               <a:ext cx="63202" cy="63202"/>
             </a:xfrm>
             <a:custGeom>
@@ -15728,7 +15728,7 @@
           </p:nvSpPr>
           <p:spPr>
             <a:xfrm>
-              <a:off x="4966208" y="2180589"/>
+              <a:off x="4687224" y="2180344"/>
               <a:ext cx="63202" cy="63202"/>
             </a:xfrm>
             <a:custGeom>
@@ -15771,7 +15771,7 @@
           </p:nvSpPr>
           <p:spPr>
             <a:xfrm>
-              <a:off x="4787441" y="1650690"/>
+              <a:off x="5072990" y="1650691"/>
               <a:ext cx="63202" cy="63202"/>
             </a:xfrm>
             <a:custGeom>
@@ -15814,7 +15814,7 @@
           </p:nvSpPr>
           <p:spPr>
             <a:xfrm>
-              <a:off x="4947656" y="1697244"/>
+              <a:off x="5036726" y="1697043"/>
               <a:ext cx="63202" cy="63202"/>
             </a:xfrm>
             <a:custGeom>
@@ -15857,7 +15857,7 @@
           </p:nvSpPr>
           <p:spPr>
             <a:xfrm>
-              <a:off x="4633774" y="1667526"/>
+              <a:off x="4606488" y="1667785"/>
               <a:ext cx="63202" cy="63202"/>
             </a:xfrm>
             <a:custGeom>
@@ -15900,7 +15900,7 @@
           </p:nvSpPr>
           <p:spPr>
             <a:xfrm>
-              <a:off x="4807681" y="1784739"/>
+              <a:off x="4444705" y="1784807"/>
               <a:ext cx="63202" cy="63202"/>
             </a:xfrm>
             <a:custGeom>
@@ -15943,7 +15943,7 @@
           </p:nvSpPr>
           <p:spPr>
             <a:xfrm>
-              <a:off x="5116485" y="1648181"/>
+              <a:off x="5085315" y="1647986"/>
               <a:ext cx="63202" cy="63202"/>
             </a:xfrm>
             <a:custGeom>
@@ -15986,7 +15986,7 @@
           </p:nvSpPr>
           <p:spPr>
             <a:xfrm>
-              <a:off x="4429717" y="1593796"/>
+              <a:off x="5033401" y="1593792"/>
               <a:ext cx="63202" cy="63202"/>
             </a:xfrm>
             <a:custGeom>
@@ -16029,7 +16029,7 @@
           </p:nvSpPr>
           <p:spPr>
             <a:xfrm>
-              <a:off x="5034299" y="1739540"/>
+              <a:off x="4690090" y="1739685"/>
               <a:ext cx="63202" cy="63202"/>
             </a:xfrm>
             <a:custGeom>
@@ -16072,7 +16072,7 @@
           </p:nvSpPr>
           <p:spPr>
             <a:xfrm>
-              <a:off x="4506590" y="1734249"/>
+              <a:off x="4591447" y="1734247"/>
               <a:ext cx="63202" cy="63202"/>
             </a:xfrm>
             <a:custGeom>
@@ -16171,7 +16171,7 @@
           </p:nvSpPr>
           <p:spPr>
             <a:xfrm>
-              <a:off x="4284320" y="4732233"/>
+              <a:off x="4284320" y="4731990"/>
               <a:ext cx="2817450" cy="0"/>
             </a:xfrm>
             <a:custGeom>
@@ -16214,7 +16214,7 @@
           </p:nvSpPr>
           <p:spPr>
             <a:xfrm>
-              <a:off x="4284320" y="4363498"/>
+              <a:off x="4284320" y="4363348"/>
               <a:ext cx="2817450" cy="0"/>
             </a:xfrm>
             <a:custGeom>
@@ -16257,7 +16257,7 @@
           </p:nvSpPr>
           <p:spPr>
             <a:xfrm>
-              <a:off x="4284320" y="3994762"/>
+              <a:off x="4284320" y="3994705"/>
               <a:ext cx="2817450" cy="0"/>
             </a:xfrm>
             <a:custGeom>
@@ -16300,7 +16300,7 @@
           </p:nvSpPr>
           <p:spPr>
             <a:xfrm>
-              <a:off x="4284320" y="3626027"/>
+              <a:off x="4284320" y="3626063"/>
               <a:ext cx="2817450" cy="0"/>
             </a:xfrm>
             <a:custGeom>
@@ -16343,7 +16343,7 @@
           </p:nvSpPr>
           <p:spPr>
             <a:xfrm>
-              <a:off x="4284320" y="4916601"/>
+              <a:off x="4284320" y="4916312"/>
               <a:ext cx="2817450" cy="0"/>
             </a:xfrm>
             <a:custGeom>
@@ -16386,7 +16386,7 @@
           </p:nvSpPr>
           <p:spPr>
             <a:xfrm>
-              <a:off x="4284320" y="4547865"/>
+              <a:off x="4284320" y="4547669"/>
               <a:ext cx="2817450" cy="0"/>
             </a:xfrm>
             <a:custGeom>
@@ -16429,7 +16429,7 @@
           </p:nvSpPr>
           <p:spPr>
             <a:xfrm>
-              <a:off x="4284320" y="4179130"/>
+              <a:off x="4284320" y="4179026"/>
               <a:ext cx="2817450" cy="0"/>
             </a:xfrm>
             <a:custGeom>
@@ -16472,7 +16472,7 @@
           </p:nvSpPr>
           <p:spPr>
             <a:xfrm>
-              <a:off x="4284320" y="3810395"/>
+              <a:off x="4284320" y="3810384"/>
               <a:ext cx="2817450" cy="0"/>
             </a:xfrm>
             <a:custGeom>
@@ -16515,7 +16515,7 @@
           </p:nvSpPr>
           <p:spPr>
             <a:xfrm>
-              <a:off x="4284320" y="3441659"/>
+              <a:off x="4284320" y="3441741"/>
               <a:ext cx="2817450" cy="0"/>
             </a:xfrm>
             <a:custGeom>
@@ -16687,7 +16687,7 @@
           </p:nvSpPr>
           <p:spPr>
             <a:xfrm>
-              <a:off x="5776402" y="4160803"/>
+              <a:off x="5539834" y="4160744"/>
               <a:ext cx="63202" cy="63202"/>
             </a:xfrm>
             <a:custGeom>
@@ -16730,7 +16730,7 @@
           </p:nvSpPr>
           <p:spPr>
             <a:xfrm>
-              <a:off x="4594245" y="3691713"/>
+              <a:off x="4748492" y="3691699"/>
               <a:ext cx="63202" cy="63202"/>
             </a:xfrm>
             <a:custGeom>
@@ -16773,7 +16773,7 @@
           </p:nvSpPr>
           <p:spPr>
             <a:xfrm>
-              <a:off x="6624281" y="3947629"/>
+              <a:off x="6205749" y="3947682"/>
               <a:ext cx="63202" cy="63202"/>
             </a:xfrm>
             <a:custGeom>
@@ -16816,7 +16816,7 @@
           </p:nvSpPr>
           <p:spPr>
             <a:xfrm>
-              <a:off x="6385813" y="4838885"/>
+              <a:off x="6696881" y="4838513"/>
               <a:ext cx="63202" cy="63202"/>
             </a:xfrm>
             <a:custGeom>
@@ -16859,7 +16859,7 @@
           </p:nvSpPr>
           <p:spPr>
             <a:xfrm>
-              <a:off x="6280954" y="4870956"/>
+              <a:off x="6601622" y="4870660"/>
               <a:ext cx="63202" cy="63202"/>
             </a:xfrm>
             <a:custGeom>
@@ -16958,7 +16958,7 @@
           </p:nvSpPr>
           <p:spPr>
             <a:xfrm>
-              <a:off x="4284320" y="6657566"/>
+              <a:off x="4284320" y="6657323"/>
               <a:ext cx="2817450" cy="0"/>
             </a:xfrm>
             <a:custGeom>
@@ -17001,7 +17001,7 @@
           </p:nvSpPr>
           <p:spPr>
             <a:xfrm>
-              <a:off x="4284320" y="6288830"/>
+              <a:off x="4284320" y="6288680"/>
               <a:ext cx="2817450" cy="0"/>
             </a:xfrm>
             <a:custGeom>
@@ -17044,7 +17044,7 @@
           </p:nvSpPr>
           <p:spPr>
             <a:xfrm>
-              <a:off x="4284320" y="5920095"/>
+              <a:off x="4284320" y="5920038"/>
               <a:ext cx="2817450" cy="0"/>
             </a:xfrm>
             <a:custGeom>
@@ -17087,7 +17087,7 @@
           </p:nvSpPr>
           <p:spPr>
             <a:xfrm>
-              <a:off x="4284320" y="5551360"/>
+              <a:off x="4284320" y="5551395"/>
               <a:ext cx="2817450" cy="0"/>
             </a:xfrm>
             <a:custGeom>
@@ -17130,7 +17130,7 @@
           </p:nvSpPr>
           <p:spPr>
             <a:xfrm>
-              <a:off x="4284320" y="6841933"/>
+              <a:off x="4284320" y="6841644"/>
               <a:ext cx="2817450" cy="0"/>
             </a:xfrm>
             <a:custGeom>
@@ -17173,7 +17173,7 @@
           </p:nvSpPr>
           <p:spPr>
             <a:xfrm>
-              <a:off x="4284320" y="6473198"/>
+              <a:off x="4284320" y="6473002"/>
               <a:ext cx="2817450" cy="0"/>
             </a:xfrm>
             <a:custGeom>
@@ -17216,7 +17216,7 @@
           </p:nvSpPr>
           <p:spPr>
             <a:xfrm>
-              <a:off x="4284320" y="6104463"/>
+              <a:off x="4284320" y="6104359"/>
               <a:ext cx="2817450" cy="0"/>
             </a:xfrm>
             <a:custGeom>
@@ -17259,7 +17259,7 @@
           </p:nvSpPr>
           <p:spPr>
             <a:xfrm>
-              <a:off x="4284320" y="5735727"/>
+              <a:off x="4284320" y="5735716"/>
               <a:ext cx="2817450" cy="0"/>
             </a:xfrm>
             <a:custGeom>
@@ -17302,7 +17302,7 @@
           </p:nvSpPr>
           <p:spPr>
             <a:xfrm>
-              <a:off x="4284320" y="5366992"/>
+              <a:off x="4284320" y="5367074"/>
               <a:ext cx="2817450" cy="0"/>
             </a:xfrm>
             <a:custGeom>
@@ -17474,7 +17474,7 @@
           </p:nvSpPr>
           <p:spPr>
             <a:xfrm>
-              <a:off x="5113528" y="5399426"/>
+              <a:off x="5027217" y="5399644"/>
               <a:ext cx="63202" cy="63202"/>
             </a:xfrm>
             <a:custGeom>
@@ -17517,7 +17517,7 @@
           </p:nvSpPr>
           <p:spPr>
             <a:xfrm>
-              <a:off x="4593260" y="5333614"/>
+              <a:off x="4756671" y="5333486"/>
               <a:ext cx="63202" cy="63202"/>
             </a:xfrm>
             <a:custGeom>
@@ -17560,7 +17560,7 @@
           </p:nvSpPr>
           <p:spPr>
             <a:xfrm>
-              <a:off x="4893586" y="5353423"/>
+              <a:off x="4601014" y="5353659"/>
               <a:ext cx="63202" cy="63202"/>
             </a:xfrm>
             <a:custGeom>
@@ -17603,7 +17603,7 @@
           </p:nvSpPr>
           <p:spPr>
             <a:xfrm>
-              <a:off x="4943585" y="5356442"/>
+              <a:off x="4580676" y="5356459"/>
               <a:ext cx="63202" cy="63202"/>
             </a:xfrm>
             <a:custGeom>
@@ -17646,7 +17646,7 @@
           </p:nvSpPr>
           <p:spPr>
             <a:xfrm>
-              <a:off x="6244528" y="6802959"/>
+              <a:off x="6272691" y="6802764"/>
               <a:ext cx="63202" cy="63202"/>
             </a:xfrm>
             <a:custGeom>
@@ -17689,7 +17689,7 @@
           </p:nvSpPr>
           <p:spPr>
             <a:xfrm>
-              <a:off x="4683033" y="5385454"/>
+              <a:off x="4772269" y="5385674"/>
               <a:ext cx="63202" cy="63202"/>
             </a:xfrm>
             <a:custGeom>
@@ -17732,7 +17732,7 @@
           </p:nvSpPr>
           <p:spPr>
             <a:xfrm>
-              <a:off x="5080277" y="5339154"/>
+              <a:off x="4766825" y="5339262"/>
               <a:ext cx="63202" cy="63202"/>
             </a:xfrm>
             <a:custGeom>
@@ -17775,7 +17775,7 @@
           </p:nvSpPr>
           <p:spPr>
             <a:xfrm>
-              <a:off x="4978589" y="5395783"/>
+              <a:off x="5074920" y="5395831"/>
               <a:ext cx="63202" cy="63202"/>
             </a:xfrm>
             <a:custGeom>
@@ -17818,7 +17818,7 @@
           </p:nvSpPr>
           <p:spPr>
             <a:xfrm>
-              <a:off x="4615188" y="5358857"/>
+              <a:off x="4531302" y="5359055"/>
               <a:ext cx="63202" cy="63202"/>
             </a:xfrm>
             <a:custGeom>
@@ -17861,7 +17861,7 @@
           </p:nvSpPr>
           <p:spPr>
             <a:xfrm>
-              <a:off x="5055591" y="5396008"/>
+              <a:off x="4514266" y="5395866"/>
               <a:ext cx="63202" cy="63202"/>
             </a:xfrm>
             <a:custGeom>
@@ -17904,7 +17904,7 @@
           </p:nvSpPr>
           <p:spPr>
             <a:xfrm>
-              <a:off x="4776115" y="5350874"/>
+              <a:off x="4726914" y="5350943"/>
               <a:ext cx="63202" cy="63202"/>
             </a:xfrm>
             <a:custGeom>
@@ -17947,7 +17947,7 @@
           </p:nvSpPr>
           <p:spPr>
             <a:xfrm>
-              <a:off x="4862678" y="5502116"/>
+              <a:off x="4770274" y="5502104"/>
               <a:ext cx="63202" cy="63202"/>
             </a:xfrm>
             <a:custGeom>
@@ -17990,7 +17990,7 @@
           </p:nvSpPr>
           <p:spPr>
             <a:xfrm>
-              <a:off x="4706187" y="5332929"/>
+              <a:off x="4807792" y="5332995"/>
               <a:ext cx="63202" cy="63202"/>
             </a:xfrm>
             <a:custGeom>
@@ -18033,7 +18033,7 @@
           </p:nvSpPr>
           <p:spPr>
             <a:xfrm>
-              <a:off x="4872129" y="5350012"/>
+              <a:off x="4745503" y="5350133"/>
               <a:ext cx="63202" cy="63202"/>
             </a:xfrm>
             <a:custGeom>
@@ -18076,7 +18076,7 @@
           </p:nvSpPr>
           <p:spPr>
             <a:xfrm>
-              <a:off x="4649618" y="5350238"/>
+              <a:off x="5043309" y="5350349"/>
               <a:ext cx="63202" cy="63202"/>
             </a:xfrm>
             <a:custGeom>
@@ -18119,7 +18119,7 @@
           </p:nvSpPr>
           <p:spPr>
             <a:xfrm>
-              <a:off x="4976751" y="5328478"/>
+              <a:off x="4727793" y="5328333"/>
               <a:ext cx="63202" cy="63202"/>
             </a:xfrm>
             <a:custGeom>
@@ -18162,7 +18162,7 @@
           </p:nvSpPr>
           <p:spPr>
             <a:xfrm>
-              <a:off x="4789642" y="5351322"/>
+              <a:off x="4888560" y="5351352"/>
               <a:ext cx="63202" cy="63202"/>
             </a:xfrm>
             <a:custGeom>
@@ -18205,7 +18205,7 @@
           </p:nvSpPr>
           <p:spPr>
             <a:xfrm>
-              <a:off x="4466372" y="5322780"/>
+              <a:off x="4832500" y="5322864"/>
               <a:ext cx="63202" cy="63202"/>
             </a:xfrm>
             <a:custGeom>
@@ -18248,7 +18248,7 @@
           </p:nvSpPr>
           <p:spPr>
             <a:xfrm>
-              <a:off x="4988301" y="5385665"/>
+              <a:off x="4441068" y="5385513"/>
               <a:ext cx="63202" cy="63202"/>
             </a:xfrm>
             <a:custGeom>
@@ -18291,7 +18291,7 @@
           </p:nvSpPr>
           <p:spPr>
             <a:xfrm>
-              <a:off x="4435900" y="5322182"/>
+              <a:off x="4545176" y="5322220"/>
               <a:ext cx="63202" cy="63202"/>
             </a:xfrm>
             <a:custGeom>
@@ -18334,7 +18334,7 @@
           </p:nvSpPr>
           <p:spPr>
             <a:xfrm>
-              <a:off x="5102094" y="5376388"/>
+              <a:off x="4687568" y="5376389"/>
               <a:ext cx="63202" cy="63202"/>
             </a:xfrm>
             <a:custGeom>
@@ -18377,7 +18377,7 @@
           </p:nvSpPr>
           <p:spPr>
             <a:xfrm>
-              <a:off x="4748363" y="5370346"/>
+              <a:off x="4965308" y="5370392"/>
               <a:ext cx="63202" cy="63202"/>
             </a:xfrm>
             <a:custGeom>
@@ -18420,7 +18420,7 @@
           </p:nvSpPr>
           <p:spPr>
             <a:xfrm>
-              <a:off x="4686358" y="5394692"/>
+              <a:off x="4693199" y="5394920"/>
               <a:ext cx="63202" cy="63202"/>
             </a:xfrm>
             <a:custGeom>
@@ -18463,7 +18463,7 @@
           </p:nvSpPr>
           <p:spPr>
             <a:xfrm>
-              <a:off x="4517694" y="5381870"/>
+              <a:off x="4532581" y="5381975"/>
               <a:ext cx="63202" cy="63202"/>
             </a:xfrm>
             <a:custGeom>
@@ -18506,7 +18506,7 @@
           </p:nvSpPr>
           <p:spPr>
             <a:xfrm>
-              <a:off x="5090604" y="5340075"/>
+              <a:off x="4491216" y="5340161"/>
               <a:ext cx="63202" cy="63202"/>
             </a:xfrm>
             <a:custGeom>
@@ -18549,7 +18549,7 @@
           </p:nvSpPr>
           <p:spPr>
             <a:xfrm>
-              <a:off x="4942750" y="5385222"/>
+              <a:off x="5096877" y="5385179"/>
               <a:ext cx="63202" cy="63202"/>
             </a:xfrm>
             <a:custGeom>
@@ -18592,7 +18592,7 @@
           </p:nvSpPr>
           <p:spPr>
             <a:xfrm>
-              <a:off x="4473250" y="5405435"/>
+              <a:off x="4566832" y="5405603"/>
               <a:ext cx="63202" cy="63202"/>
             </a:xfrm>
             <a:custGeom>
@@ -18635,7 +18635,7 @@
           </p:nvSpPr>
           <p:spPr>
             <a:xfrm>
-              <a:off x="4526077" y="5415520"/>
+              <a:off x="4510748" y="5415432"/>
               <a:ext cx="63202" cy="63202"/>
             </a:xfrm>
             <a:custGeom>
@@ -18678,7 +18678,7 @@
           </p:nvSpPr>
           <p:spPr>
             <a:xfrm>
-              <a:off x="4833547" y="5406491"/>
+              <a:off x="4468462" y="5406641"/>
               <a:ext cx="63202" cy="63202"/>
             </a:xfrm>
             <a:custGeom>
@@ -18721,7 +18721,7 @@
           </p:nvSpPr>
           <p:spPr>
             <a:xfrm>
-              <a:off x="5070389" y="5336031"/>
+              <a:off x="5070130" y="5336261"/>
               <a:ext cx="63202" cy="63202"/>
             </a:xfrm>
             <a:custGeom>
@@ -18764,7 +18764,7 @@
           </p:nvSpPr>
           <p:spPr>
             <a:xfrm>
-              <a:off x="4616799" y="5360068"/>
+              <a:off x="5094012" y="5360025"/>
               <a:ext cx="63202" cy="63202"/>
             </a:xfrm>
             <a:custGeom>
@@ -18807,7 +18807,7 @@
           </p:nvSpPr>
           <p:spPr>
             <a:xfrm>
-              <a:off x="4795440" y="5375302"/>
+              <a:off x="4711220" y="5375211"/>
               <a:ext cx="63202" cy="63202"/>
             </a:xfrm>
             <a:custGeom>
@@ -18850,7 +18850,7 @@
           </p:nvSpPr>
           <p:spPr>
             <a:xfrm>
-              <a:off x="4588653" y="5342301"/>
+              <a:off x="4860062" y="5342398"/>
               <a:ext cx="63202" cy="63202"/>
             </a:xfrm>
             <a:custGeom>
@@ -18893,7 +18893,7 @@
           </p:nvSpPr>
           <p:spPr>
             <a:xfrm>
-              <a:off x="5119479" y="5339171"/>
+              <a:off x="4675881" y="5339269"/>
               <a:ext cx="63202" cy="63202"/>
             </a:xfrm>
             <a:custGeom>
@@ -18936,7 +18936,7 @@
           </p:nvSpPr>
           <p:spPr>
             <a:xfrm>
-              <a:off x="5128644" y="5397570"/>
+              <a:off x="4649960" y="5397880"/>
               <a:ext cx="63202" cy="63202"/>
             </a:xfrm>
             <a:custGeom>
@@ -18979,7 +18979,7 @@
           </p:nvSpPr>
           <p:spPr>
             <a:xfrm>
-              <a:off x="4574731" y="5385549"/>
+              <a:off x="4745009" y="5385563"/>
               <a:ext cx="63202" cy="63202"/>
             </a:xfrm>
             <a:custGeom>
@@ -19022,7 +19022,7 @@
           </p:nvSpPr>
           <p:spPr>
             <a:xfrm>
-              <a:off x="5080513" y="5343145"/>
+              <a:off x="4946969" y="5343256"/>
               <a:ext cx="63202" cy="63202"/>
             </a:xfrm>
             <a:custGeom>
@@ -19065,7 +19065,7 @@
           </p:nvSpPr>
           <p:spPr>
             <a:xfrm>
-              <a:off x="4986683" y="5328241"/>
+              <a:off x="4848804" y="5328485"/>
               <a:ext cx="63202" cy="63202"/>
             </a:xfrm>
             <a:custGeom>
@@ -19108,7 +19108,7 @@
           </p:nvSpPr>
           <p:spPr>
             <a:xfrm>
-              <a:off x="4437339" y="5385409"/>
+              <a:off x="5127204" y="5385703"/>
               <a:ext cx="63202" cy="63202"/>
             </a:xfrm>
             <a:custGeom>
@@ -19151,7 +19151,7 @@
           </p:nvSpPr>
           <p:spPr>
             <a:xfrm>
-              <a:off x="4988878" y="5380437"/>
+              <a:off x="4434534" y="5380416"/>
               <a:ext cx="63202" cy="63202"/>
             </a:xfrm>
             <a:custGeom>
@@ -19194,7 +19194,7 @@
           </p:nvSpPr>
           <p:spPr>
             <a:xfrm>
-              <a:off x="5037719" y="5341257"/>
+              <a:off x="4732059" y="5341262"/>
               <a:ext cx="63202" cy="63202"/>
             </a:xfrm>
             <a:custGeom>
@@ -19237,7 +19237,7 @@
           </p:nvSpPr>
           <p:spPr>
             <a:xfrm>
-              <a:off x="4468859" y="5346422"/>
+              <a:off x="5005865" y="5346627"/>
               <a:ext cx="63202" cy="63202"/>
             </a:xfrm>
             <a:custGeom>
@@ -19280,7 +19280,7 @@
           </p:nvSpPr>
           <p:spPr>
             <a:xfrm>
-              <a:off x="5978915" y="6413328"/>
+              <a:off x="5570272" y="6413038"/>
               <a:ext cx="63202" cy="63202"/>
             </a:xfrm>
             <a:custGeom>
@@ -19323,7 +19323,7 @@
           </p:nvSpPr>
           <p:spPr>
             <a:xfrm>
-              <a:off x="5018686" y="5361590"/>
+              <a:off x="4667472" y="5361634"/>
               <a:ext cx="63202" cy="63202"/>
             </a:xfrm>
             <a:custGeom>
@@ -19366,7 +19366,7 @@
           </p:nvSpPr>
           <p:spPr>
             <a:xfrm>
-              <a:off x="5075146" y="5390938"/>
+              <a:off x="5062925" y="5391103"/>
               <a:ext cx="63202" cy="63202"/>
             </a:xfrm>
             <a:custGeom>
@@ -19409,7 +19409,7 @@
           </p:nvSpPr>
           <p:spPr>
             <a:xfrm>
-              <a:off x="5094050" y="5343852"/>
+              <a:off x="4460058" y="5343924"/>
               <a:ext cx="63202" cy="63202"/>
             </a:xfrm>
             <a:custGeom>
@@ -19452,7 +19452,7 @@
           </p:nvSpPr>
           <p:spPr>
             <a:xfrm>
-              <a:off x="4832574" y="5433174"/>
+              <a:off x="4465753" y="5433092"/>
               <a:ext cx="63202" cy="63202"/>
             </a:xfrm>
             <a:custGeom>
@@ -19495,7 +19495,7 @@
           </p:nvSpPr>
           <p:spPr>
             <a:xfrm>
-              <a:off x="4749478" y="5348738"/>
+              <a:off x="4854040" y="5348788"/>
               <a:ext cx="63202" cy="63202"/>
             </a:xfrm>
             <a:custGeom>
@@ -19538,7 +19538,7 @@
           </p:nvSpPr>
           <p:spPr>
             <a:xfrm>
-              <a:off x="4479543" y="5371283"/>
+              <a:off x="4775583" y="5371224"/>
               <a:ext cx="63202" cy="63202"/>
             </a:xfrm>
             <a:custGeom>
@@ -19581,7 +19581,7 @@
           </p:nvSpPr>
           <p:spPr>
             <a:xfrm>
-              <a:off x="4898528" y="5341559"/>
+              <a:off x="5001771" y="5341705"/>
               <a:ext cx="63202" cy="63202"/>
             </a:xfrm>
             <a:custGeom>
@@ -19624,7 +19624,7 @@
           </p:nvSpPr>
           <p:spPr>
             <a:xfrm>
-              <a:off x="4905648" y="5336154"/>
+              <a:off x="4987903" y="5336183"/>
               <a:ext cx="63202" cy="63202"/>
             </a:xfrm>
             <a:custGeom>
@@ -19667,7 +19667,7 @@
           </p:nvSpPr>
           <p:spPr>
             <a:xfrm>
-              <a:off x="4825314" y="5371668"/>
+              <a:off x="4527125" y="5371725"/>
               <a:ext cx="63202" cy="63202"/>
             </a:xfrm>
             <a:custGeom>
@@ -19710,7 +19710,7 @@
           </p:nvSpPr>
           <p:spPr>
             <a:xfrm>
-              <a:off x="4923165" y="5359725"/>
+              <a:off x="5063759" y="5359939"/>
               <a:ext cx="63202" cy="63202"/>
             </a:xfrm>
             <a:custGeom>
@@ -19753,7 +19753,7 @@
           </p:nvSpPr>
           <p:spPr>
             <a:xfrm>
-              <a:off x="4992446" y="5383185"/>
+              <a:off x="4504261" y="5383339"/>
               <a:ext cx="63202" cy="63202"/>
             </a:xfrm>
             <a:custGeom>
@@ -19796,7 +19796,7 @@
           </p:nvSpPr>
           <p:spPr>
             <a:xfrm>
-              <a:off x="4588568" y="5366990"/>
+              <a:off x="4675473" y="5367146"/>
               <a:ext cx="63202" cy="63202"/>
             </a:xfrm>
             <a:custGeom>
@@ -19839,7 +19839,7 @@
           </p:nvSpPr>
           <p:spPr>
             <a:xfrm>
-              <a:off x="5109846" y="5342046"/>
+              <a:off x="4554444" y="5342178"/>
               <a:ext cx="63202" cy="63202"/>
             </a:xfrm>
             <a:custGeom>
@@ -19882,7 +19882,7 @@
           </p:nvSpPr>
           <p:spPr>
             <a:xfrm>
-              <a:off x="4903732" y="5335626"/>
+              <a:off x="4936036" y="5335694"/>
               <a:ext cx="63202" cy="63202"/>
             </a:xfrm>
             <a:custGeom>
@@ -19925,7 +19925,7 @@
           </p:nvSpPr>
           <p:spPr>
             <a:xfrm>
-              <a:off x="4766776" y="5337133"/>
+              <a:off x="5008289" y="5337409"/>
               <a:ext cx="63202" cy="63202"/>
             </a:xfrm>
             <a:custGeom>
@@ -19968,7 +19968,7 @@
           </p:nvSpPr>
           <p:spPr>
             <a:xfrm>
-              <a:off x="4550361" y="5351272"/>
+              <a:off x="4837470" y="5351339"/>
               <a:ext cx="63202" cy="63202"/>
             </a:xfrm>
             <a:custGeom>
@@ -20011,7 +20011,7 @@
           </p:nvSpPr>
           <p:spPr>
             <a:xfrm>
-              <a:off x="4841738" y="5329362"/>
+              <a:off x="4638713" y="5329681"/>
               <a:ext cx="63202" cy="63202"/>
             </a:xfrm>
             <a:custGeom>
@@ -20054,7 +20054,7 @@
           </p:nvSpPr>
           <p:spPr>
             <a:xfrm>
-              <a:off x="5010953" y="5357573"/>
+              <a:off x="4644286" y="5357498"/>
               <a:ext cx="63202" cy="63202"/>
             </a:xfrm>
             <a:custGeom>
@@ -20097,7 +20097,7 @@
           </p:nvSpPr>
           <p:spPr>
             <a:xfrm>
-              <a:off x="4754762" y="5344222"/>
+              <a:off x="4701361" y="5344423"/>
               <a:ext cx="63202" cy="63202"/>
             </a:xfrm>
             <a:custGeom>
@@ -20140,7 +20140,7 @@
           </p:nvSpPr>
           <p:spPr>
             <a:xfrm>
-              <a:off x="6249532" y="6795689"/>
+              <a:off x="6618196" y="6795165"/>
               <a:ext cx="63202" cy="63202"/>
             </a:xfrm>
             <a:custGeom>
@@ -20183,7 +20183,7 @@
           </p:nvSpPr>
           <p:spPr>
             <a:xfrm>
-              <a:off x="4965256" y="5338996"/>
+              <a:off x="4957339" y="5339067"/>
               <a:ext cx="63202" cy="63202"/>
             </a:xfrm>
             <a:custGeom>
@@ -20226,7 +20226,7 @@
           </p:nvSpPr>
           <p:spPr>
             <a:xfrm>
-              <a:off x="4734343" y="5383757"/>
+              <a:off x="4598159" y="5383715"/>
               <a:ext cx="63202" cy="63202"/>
             </a:xfrm>
             <a:custGeom>
@@ -20269,7 +20269,7 @@
           </p:nvSpPr>
           <p:spPr>
             <a:xfrm>
-              <a:off x="4572169" y="5370685"/>
+              <a:off x="5051238" y="5370917"/>
               <a:ext cx="63202" cy="63202"/>
             </a:xfrm>
             <a:custGeom>
@@ -20312,7 +20312,7 @@
           </p:nvSpPr>
           <p:spPr>
             <a:xfrm>
-              <a:off x="4717724" y="5334569"/>
+              <a:off x="4642773" y="5334737"/>
               <a:ext cx="63202" cy="63202"/>
             </a:xfrm>
             <a:custGeom>
@@ -20355,7 +20355,7 @@
           </p:nvSpPr>
           <p:spPr>
             <a:xfrm>
-              <a:off x="5013333" y="5584152"/>
+              <a:off x="4854559" y="5584447"/>
               <a:ext cx="63202" cy="63202"/>
             </a:xfrm>
             <a:custGeom>
@@ -20398,7 +20398,7 @@
           </p:nvSpPr>
           <p:spPr>
             <a:xfrm>
-              <a:off x="5761468" y="6224462"/>
+              <a:off x="5338870" y="6224151"/>
               <a:ext cx="63202" cy="63202"/>
             </a:xfrm>
             <a:custGeom>
@@ -20441,7 +20441,7 @@
           </p:nvSpPr>
           <p:spPr>
             <a:xfrm>
-              <a:off x="4546415" y="5385837"/>
+              <a:off x="4738335" y="5386030"/>
               <a:ext cx="63202" cy="63202"/>
             </a:xfrm>
             <a:custGeom>
@@ -20484,7 +20484,7 @@
           </p:nvSpPr>
           <p:spPr>
             <a:xfrm>
-              <a:off x="4883137" y="5376930"/>
+              <a:off x="4606040" y="5377189"/>
               <a:ext cx="63202" cy="63202"/>
             </a:xfrm>
             <a:custGeom>
@@ -20527,7 +20527,7 @@
           </p:nvSpPr>
           <p:spPr>
             <a:xfrm>
-              <a:off x="4711440" y="5328289"/>
+              <a:off x="4570183" y="5328488"/>
               <a:ext cx="63202" cy="63202"/>
             </a:xfrm>
             <a:custGeom>
@@ -20570,7 +20570,7 @@
           </p:nvSpPr>
           <p:spPr>
             <a:xfrm>
-              <a:off x="4936989" y="5520156"/>
+              <a:off x="4703915" y="5520216"/>
               <a:ext cx="63202" cy="63202"/>
             </a:xfrm>
             <a:custGeom>
@@ -20613,7 +20613,7 @@
           </p:nvSpPr>
           <p:spPr>
             <a:xfrm>
-              <a:off x="4572133" y="5323546"/>
+              <a:off x="4720996" y="5323746"/>
               <a:ext cx="63202" cy="63202"/>
             </a:xfrm>
             <a:custGeom>
@@ -20656,7 +20656,7 @@
           </p:nvSpPr>
           <p:spPr>
             <a:xfrm>
-              <a:off x="4845829" y="5375257"/>
+              <a:off x="5023840" y="5375230"/>
               <a:ext cx="63202" cy="63202"/>
             </a:xfrm>
             <a:custGeom>
@@ -20699,7 +20699,7 @@
           </p:nvSpPr>
           <p:spPr>
             <a:xfrm>
-              <a:off x="4659056" y="5433240"/>
+              <a:off x="4998645" y="5433116"/>
               <a:ext cx="63202" cy="63202"/>
             </a:xfrm>
             <a:custGeom>
@@ -20742,7 +20742,7 @@
           </p:nvSpPr>
           <p:spPr>
             <a:xfrm>
-              <a:off x="4926428" y="5729204"/>
+              <a:off x="4642856" y="5729093"/>
               <a:ext cx="63202" cy="63202"/>
             </a:xfrm>
             <a:custGeom>
@@ -20785,7 +20785,7 @@
           </p:nvSpPr>
           <p:spPr>
             <a:xfrm>
-              <a:off x="5022477" y="5357520"/>
+              <a:off x="4670145" y="5357575"/>
               <a:ext cx="63202" cy="63202"/>
             </a:xfrm>
             <a:custGeom>
@@ -20828,7 +20828,7 @@
           </p:nvSpPr>
           <p:spPr>
             <a:xfrm>
-              <a:off x="4884665" y="5339124"/>
+              <a:off x="4844556" y="5339243"/>
               <a:ext cx="63202" cy="63202"/>
             </a:xfrm>
             <a:custGeom>
@@ -20871,7 +20871,7 @@
           </p:nvSpPr>
           <p:spPr>
             <a:xfrm>
-              <a:off x="5093075" y="5404963"/>
+              <a:off x="4876976" y="5405119"/>
               <a:ext cx="63202" cy="63202"/>
             </a:xfrm>
             <a:custGeom>
@@ -20914,7 +20914,7 @@
           </p:nvSpPr>
           <p:spPr>
             <a:xfrm>
-              <a:off x="4783652" y="5727628"/>
+              <a:off x="4468826" y="5727770"/>
               <a:ext cx="63202" cy="63202"/>
             </a:xfrm>
             <a:custGeom>
@@ -20957,7 +20957,7 @@
           </p:nvSpPr>
           <p:spPr>
             <a:xfrm>
-              <a:off x="4632089" y="5678384"/>
+              <a:off x="4478530" y="5678429"/>
               <a:ext cx="63202" cy="63202"/>
             </a:xfrm>
             <a:custGeom>
@@ -21000,7 +21000,7 @@
           </p:nvSpPr>
           <p:spPr>
             <a:xfrm>
-              <a:off x="4658894" y="5960174"/>
+              <a:off x="4512007" y="5959969"/>
               <a:ext cx="63202" cy="63202"/>
             </a:xfrm>
             <a:custGeom>
@@ -21043,7 +21043,7 @@
           </p:nvSpPr>
           <p:spPr>
             <a:xfrm>
-              <a:off x="4579237" y="5388467"/>
+              <a:off x="5106444" y="5388495"/>
               <a:ext cx="63202" cy="63202"/>
             </a:xfrm>
             <a:custGeom>
@@ -21086,7 +21086,7 @@
           </p:nvSpPr>
           <p:spPr>
             <a:xfrm>
-              <a:off x="5642224" y="6485242"/>
+              <a:off x="5595799" y="6484832"/>
               <a:ext cx="63202" cy="63202"/>
             </a:xfrm>
             <a:custGeom>
@@ -21129,7 +21129,7 @@
           </p:nvSpPr>
           <p:spPr>
             <a:xfrm>
-              <a:off x="4501794" y="5356333"/>
+              <a:off x="5125583" y="5356399"/>
               <a:ext cx="63202" cy="63202"/>
             </a:xfrm>
             <a:custGeom>
@@ -21172,7 +21172,7 @@
           </p:nvSpPr>
           <p:spPr>
             <a:xfrm>
-              <a:off x="4444022" y="5362046"/>
+              <a:off x="4569666" y="5362077"/>
               <a:ext cx="63202" cy="63202"/>
             </a:xfrm>
             <a:custGeom>
@@ -21215,7 +21215,7 @@
           </p:nvSpPr>
           <p:spPr>
             <a:xfrm>
-              <a:off x="4758005" y="5351639"/>
+              <a:off x="4586394" y="5351747"/>
               <a:ext cx="63202" cy="63202"/>
             </a:xfrm>
             <a:custGeom>
@@ -21258,7 +21258,7 @@
           </p:nvSpPr>
           <p:spPr>
             <a:xfrm>
-              <a:off x="4743637" y="6057499"/>
+              <a:off x="4510478" y="6057371"/>
               <a:ext cx="63202" cy="63202"/>
             </a:xfrm>
             <a:custGeom>
@@ -21301,7 +21301,7 @@
           </p:nvSpPr>
           <p:spPr>
             <a:xfrm>
-              <a:off x="4731428" y="5337492"/>
+              <a:off x="4826150" y="5337803"/>
               <a:ext cx="63202" cy="63202"/>
             </a:xfrm>
             <a:custGeom>
@@ -21344,7 +21344,7 @@
           </p:nvSpPr>
           <p:spPr>
             <a:xfrm>
-              <a:off x="4915767" y="5395907"/>
+              <a:off x="4911374" y="5395831"/>
               <a:ext cx="63202" cy="63202"/>
             </a:xfrm>
             <a:custGeom>
@@ -21387,7 +21387,7 @@
           </p:nvSpPr>
           <p:spPr>
             <a:xfrm>
-              <a:off x="4748587" y="5485543"/>
+              <a:off x="4845440" y="5485611"/>
               <a:ext cx="63202" cy="63202"/>
             </a:xfrm>
             <a:custGeom>
@@ -21430,7 +21430,7 @@
           </p:nvSpPr>
           <p:spPr>
             <a:xfrm>
-              <a:off x="4697186" y="5335343"/>
+              <a:off x="4749093" y="5335493"/>
               <a:ext cx="63202" cy="63202"/>
             </a:xfrm>
             <a:custGeom>
@@ -21473,7 +21473,7 @@
           </p:nvSpPr>
           <p:spPr>
             <a:xfrm>
-              <a:off x="4852053" y="5358611"/>
+              <a:off x="5017364" y="5358754"/>
               <a:ext cx="63202" cy="63202"/>
             </a:xfrm>
             <a:custGeom>
@@ -21516,7 +21516,7 @@
           </p:nvSpPr>
           <p:spPr>
             <a:xfrm>
-              <a:off x="5087936" y="5342162"/>
+              <a:off x="5055527" y="5342119"/>
               <a:ext cx="63202" cy="63202"/>
             </a:xfrm>
             <a:custGeom>
@@ -21559,7 +21559,7 @@
           </p:nvSpPr>
           <p:spPr>
             <a:xfrm>
-              <a:off x="4832563" y="5366636"/>
+              <a:off x="4840168" y="5366924"/>
               <a:ext cx="63202" cy="63202"/>
             </a:xfrm>
             <a:custGeom>
@@ -21602,7 +21602,7 @@
           </p:nvSpPr>
           <p:spPr>
             <a:xfrm>
-              <a:off x="4794723" y="5341177"/>
+              <a:off x="4985722" y="5341509"/>
               <a:ext cx="63202" cy="63202"/>
             </a:xfrm>
             <a:custGeom>
@@ -21645,7 +21645,7 @@
           </p:nvSpPr>
           <p:spPr>
             <a:xfrm>
-              <a:off x="5017203" y="5678408"/>
+              <a:off x="5071670" y="5678188"/>
               <a:ext cx="63202" cy="63202"/>
             </a:xfrm>
             <a:custGeom>
@@ -21688,7 +21688,7 @@
           </p:nvSpPr>
           <p:spPr>
             <a:xfrm>
-              <a:off x="4463441" y="5349480"/>
+              <a:off x="4738698" y="5349436"/>
               <a:ext cx="63202" cy="63202"/>
             </a:xfrm>
             <a:custGeom>
@@ -21731,7 +21731,7 @@
           </p:nvSpPr>
           <p:spPr>
             <a:xfrm>
-              <a:off x="4443048" y="5401046"/>
+              <a:off x="4529299" y="5401234"/>
               <a:ext cx="63202" cy="63202"/>
             </a:xfrm>
             <a:custGeom>
@@ -21774,7 +21774,7 @@
           </p:nvSpPr>
           <p:spPr>
             <a:xfrm>
-              <a:off x="4560742" y="5350012"/>
+              <a:off x="5129952" y="5350219"/>
               <a:ext cx="63202" cy="63202"/>
             </a:xfrm>
             <a:custGeom>
@@ -21817,7 +21817,7 @@
           </p:nvSpPr>
           <p:spPr>
             <a:xfrm>
-              <a:off x="4908375" y="5816700"/>
+              <a:off x="4539707" y="5816564"/>
               <a:ext cx="63202" cy="63202"/>
             </a:xfrm>
             <a:custGeom>
@@ -21860,7 +21860,7 @@
           </p:nvSpPr>
           <p:spPr>
             <a:xfrm>
-              <a:off x="4940678" y="5332011"/>
+              <a:off x="4626520" y="5332019"/>
               <a:ext cx="63202" cy="63202"/>
             </a:xfrm>
             <a:custGeom>
@@ -21903,7 +21903,7 @@
           </p:nvSpPr>
           <p:spPr>
             <a:xfrm>
-              <a:off x="4745348" y="5384210"/>
+              <a:off x="4675646" y="5384011"/>
               <a:ext cx="63202" cy="63202"/>
             </a:xfrm>
             <a:custGeom>
@@ -21946,7 +21946,7 @@
           </p:nvSpPr>
           <p:spPr>
             <a:xfrm>
-              <a:off x="5104731" y="5332701"/>
+              <a:off x="4498054" y="5332902"/>
               <a:ext cx="63202" cy="63202"/>
             </a:xfrm>
             <a:custGeom>
@@ -21989,7 +21989,7 @@
           </p:nvSpPr>
           <p:spPr>
             <a:xfrm>
-              <a:off x="5903295" y="6221416"/>
+              <a:off x="5594214" y="6221269"/>
               <a:ext cx="63202" cy="63202"/>
             </a:xfrm>
             <a:custGeom>
@@ -22032,7 +22032,7 @@
           </p:nvSpPr>
           <p:spPr>
             <a:xfrm>
-              <a:off x="5489607" y="6104164"/>
+              <a:off x="5663534" y="6104224"/>
               <a:ext cx="63202" cy="63202"/>
             </a:xfrm>
             <a:custGeom>
@@ -22075,7 +22075,7 @@
           </p:nvSpPr>
           <p:spPr>
             <a:xfrm>
-              <a:off x="4646899" y="5379761"/>
+              <a:off x="4744267" y="5379761"/>
               <a:ext cx="63202" cy="63202"/>
             </a:xfrm>
             <a:custGeom>
@@ -22118,7 +22118,7 @@
           </p:nvSpPr>
           <p:spPr>
             <a:xfrm>
-              <a:off x="4881365" y="5328431"/>
+              <a:off x="4598961" y="5328514"/>
               <a:ext cx="63202" cy="63202"/>
             </a:xfrm>
             <a:custGeom>
@@ -22161,7 +22161,7 @@
           </p:nvSpPr>
           <p:spPr>
             <a:xfrm>
-              <a:off x="4999072" y="5328365"/>
+              <a:off x="4553873" y="5328384"/>
               <a:ext cx="63202" cy="63202"/>
             </a:xfrm>
             <a:custGeom>
@@ -22204,7 +22204,7 @@
           </p:nvSpPr>
           <p:spPr>
             <a:xfrm>
-              <a:off x="4678501" y="5328373"/>
+              <a:off x="4483326" y="5328615"/>
               <a:ext cx="63202" cy="63202"/>
             </a:xfrm>
             <a:custGeom>
@@ -22247,7 +22247,7 @@
           </p:nvSpPr>
           <p:spPr>
             <a:xfrm>
-              <a:off x="4854596" y="5328408"/>
+              <a:off x="4849924" y="5328322"/>
               <a:ext cx="63202" cy="63202"/>
             </a:xfrm>
             <a:custGeom>
@@ -22290,7 +22290,7 @@
           </p:nvSpPr>
           <p:spPr>
             <a:xfrm>
-              <a:off x="5068216" y="5382458"/>
+              <a:off x="5126194" y="5382689"/>
               <a:ext cx="63202" cy="63202"/>
             </a:xfrm>
             <a:custGeom>
@@ -22333,7 +22333,7 @@
           </p:nvSpPr>
           <p:spPr>
             <a:xfrm>
-              <a:off x="4563398" y="5641849"/>
+              <a:off x="4930064" y="5641899"/>
               <a:ext cx="63202" cy="63202"/>
             </a:xfrm>
             <a:custGeom>
@@ -22376,7 +22376,7 @@
           </p:nvSpPr>
           <p:spPr>
             <a:xfrm>
-              <a:off x="4711464" y="5326687"/>
+              <a:off x="4583505" y="5326636"/>
               <a:ext cx="63202" cy="63202"/>
             </a:xfrm>
             <a:custGeom>
@@ -22419,7 +22419,7 @@
           </p:nvSpPr>
           <p:spPr>
             <a:xfrm>
-              <a:off x="4628503" y="5364274"/>
+              <a:off x="4687133" y="5364117"/>
               <a:ext cx="63202" cy="63202"/>
             </a:xfrm>
             <a:custGeom>
@@ -22462,7 +22462,7 @@
           </p:nvSpPr>
           <p:spPr>
             <a:xfrm>
-              <a:off x="4781589" y="5373377"/>
+              <a:off x="4557682" y="5373453"/>
               <a:ext cx="63202" cy="63202"/>
             </a:xfrm>
             <a:custGeom>
@@ -22505,7 +22505,7 @@
           </p:nvSpPr>
           <p:spPr>
             <a:xfrm>
-              <a:off x="4634459" y="5340126"/>
+              <a:off x="4587950" y="5340203"/>
               <a:ext cx="63202" cy="63202"/>
             </a:xfrm>
             <a:custGeom>
@@ -22548,7 +22548,7 @@
           </p:nvSpPr>
           <p:spPr>
             <a:xfrm>
-              <a:off x="4737557" y="5352789"/>
+              <a:off x="4670286" y="5352733"/>
               <a:ext cx="63202" cy="63202"/>
             </a:xfrm>
             <a:custGeom>
@@ -22591,7 +22591,7 @@
           </p:nvSpPr>
           <p:spPr>
             <a:xfrm>
-              <a:off x="6237073" y="6800277"/>
+              <a:off x="6702530" y="6800107"/>
               <a:ext cx="63202" cy="63202"/>
             </a:xfrm>
             <a:custGeom>
@@ -22634,7 +22634,7 @@
           </p:nvSpPr>
           <p:spPr>
             <a:xfrm>
-              <a:off x="4768395" y="5512529"/>
+              <a:off x="4743737" y="5512380"/>
               <a:ext cx="63202" cy="63202"/>
             </a:xfrm>
             <a:custGeom>
@@ -22677,7 +22677,7 @@
           </p:nvSpPr>
           <p:spPr>
             <a:xfrm>
-              <a:off x="4865379" y="5382941"/>
+              <a:off x="5115981" y="5383081"/>
               <a:ext cx="63202" cy="63202"/>
             </a:xfrm>
             <a:custGeom>
@@ -22720,7 +22720,7 @@
           </p:nvSpPr>
           <p:spPr>
             <a:xfrm>
-              <a:off x="4973555" y="5333843"/>
+              <a:off x="4822266" y="5334048"/>
               <a:ext cx="63202" cy="63202"/>
             </a:xfrm>
             <a:custGeom>
@@ -22763,7 +22763,7 @@
           </p:nvSpPr>
           <p:spPr>
             <a:xfrm>
-              <a:off x="4739511" y="5345013"/>
+              <a:off x="5105340" y="5345059"/>
               <a:ext cx="63202" cy="63202"/>
             </a:xfrm>
             <a:custGeom>
@@ -22806,7 +22806,7 @@
           </p:nvSpPr>
           <p:spPr>
             <a:xfrm>
-              <a:off x="4647350" y="5542706"/>
+              <a:off x="4809109" y="5542784"/>
               <a:ext cx="63202" cy="63202"/>
             </a:xfrm>
             <a:custGeom>
@@ -22849,7 +22849,7 @@
           </p:nvSpPr>
           <p:spPr>
             <a:xfrm>
-              <a:off x="4631870" y="5385396"/>
+              <a:off x="4449560" y="5385513"/>
               <a:ext cx="63202" cy="63202"/>
             </a:xfrm>
             <a:custGeom>
@@ -22892,7 +22892,7 @@
           </p:nvSpPr>
           <p:spPr>
             <a:xfrm>
-              <a:off x="4807370" y="5356124"/>
+              <a:off x="4578835" y="5355972"/>
               <a:ext cx="63202" cy="63202"/>
             </a:xfrm>
             <a:custGeom>
@@ -22935,7 +22935,7 @@
           </p:nvSpPr>
           <p:spPr>
             <a:xfrm>
-              <a:off x="5082475" y="5569660"/>
+              <a:off x="5043325" y="5569424"/>
               <a:ext cx="63202" cy="63202"/>
             </a:xfrm>
             <a:custGeom>
@@ -22978,7 +22978,7 @@
           </p:nvSpPr>
           <p:spPr>
             <a:xfrm>
-              <a:off x="4748837" y="5332802"/>
+              <a:off x="5087115" y="5332764"/>
               <a:ext cx="63202" cy="63202"/>
             </a:xfrm>
             <a:custGeom>
@@ -23021,7 +23021,7 @@
           </p:nvSpPr>
           <p:spPr>
             <a:xfrm>
-              <a:off x="5080205" y="5353594"/>
+              <a:off x="4790115" y="5353389"/>
               <a:ext cx="63202" cy="63202"/>
             </a:xfrm>
             <a:custGeom>
@@ -23064,7 +23064,7 @@
           </p:nvSpPr>
           <p:spPr>
             <a:xfrm>
-              <a:off x="5518032" y="6217819"/>
+              <a:off x="5372452" y="6217593"/>
               <a:ext cx="63202" cy="63202"/>
             </a:xfrm>
             <a:custGeom>
@@ -23107,7 +23107,7 @@
           </p:nvSpPr>
           <p:spPr>
             <a:xfrm>
-              <a:off x="5788039" y="6217786"/>
+              <a:off x="5353639" y="6217661"/>
               <a:ext cx="63202" cy="63202"/>
             </a:xfrm>
             <a:custGeom>
@@ -23150,7 +23150,7 @@
           </p:nvSpPr>
           <p:spPr>
             <a:xfrm>
-              <a:off x="4803213" y="5342134"/>
+              <a:off x="4710128" y="5342171"/>
               <a:ext cx="63202" cy="63202"/>
             </a:xfrm>
             <a:custGeom>
@@ -23193,7 +23193,7 @@
           </p:nvSpPr>
           <p:spPr>
             <a:xfrm>
-              <a:off x="4949556" y="5328291"/>
+              <a:off x="5006552" y="5328326"/>
               <a:ext cx="63202" cy="63202"/>
             </a:xfrm>
             <a:custGeom>
@@ -23236,7 +23236,7 @@
           </p:nvSpPr>
           <p:spPr>
             <a:xfrm>
-              <a:off x="5882595" y="6522028"/>
+              <a:off x="5925185" y="6521815"/>
               <a:ext cx="63202" cy="63202"/>
             </a:xfrm>
             <a:custGeom>
@@ -23279,7 +23279,7 @@
           </p:nvSpPr>
           <p:spPr>
             <a:xfrm>
-              <a:off x="5830666" y="6423986"/>
+              <a:off x="5935282" y="6423813"/>
               <a:ext cx="63202" cy="63202"/>
             </a:xfrm>
             <a:custGeom>
@@ -23322,7 +23322,7 @@
           </p:nvSpPr>
           <p:spPr>
             <a:xfrm>
-              <a:off x="4822351" y="5533283"/>
+              <a:off x="4889807" y="5533475"/>
               <a:ext cx="63202" cy="63202"/>
             </a:xfrm>
             <a:custGeom>
@@ -23365,7 +23365,7 @@
           </p:nvSpPr>
           <p:spPr>
             <a:xfrm>
-              <a:off x="4842917" y="5365533"/>
+              <a:off x="4898074" y="5365598"/>
               <a:ext cx="63202" cy="63202"/>
             </a:xfrm>
             <a:custGeom>
@@ -23408,7 +23408,7 @@
           </p:nvSpPr>
           <p:spPr>
             <a:xfrm>
-              <a:off x="4903841" y="5441161"/>
+              <a:off x="4597772" y="5441222"/>
               <a:ext cx="63202" cy="63202"/>
             </a:xfrm>
             <a:custGeom>
@@ -23451,7 +23451,7 @@
           </p:nvSpPr>
           <p:spPr>
             <a:xfrm>
-              <a:off x="5424561" y="6393998"/>
+              <a:off x="5537053" y="6393703"/>
               <a:ext cx="63202" cy="63202"/>
             </a:xfrm>
             <a:custGeom>
@@ -23494,7 +23494,7 @@
           </p:nvSpPr>
           <p:spPr>
             <a:xfrm>
-              <a:off x="4619761" y="5367344"/>
+              <a:off x="5123373" y="5367672"/>
               <a:ext cx="63202" cy="63202"/>
             </a:xfrm>
             <a:custGeom>
@@ -23537,7 +23537,7 @@
           </p:nvSpPr>
           <p:spPr>
             <a:xfrm>
-              <a:off x="4645748" y="5810442"/>
+              <a:off x="4728204" y="5810227"/>
               <a:ext cx="63202" cy="63202"/>
             </a:xfrm>
             <a:custGeom>
@@ -23580,7 +23580,7 @@
           </p:nvSpPr>
           <p:spPr>
             <a:xfrm>
-              <a:off x="4994610" y="5462013"/>
+              <a:off x="4691448" y="5461839"/>
               <a:ext cx="63202" cy="63202"/>
             </a:xfrm>
             <a:custGeom>
@@ -23623,7 +23623,7 @@
           </p:nvSpPr>
           <p:spPr>
             <a:xfrm>
-              <a:off x="4593770" y="5394420"/>
+              <a:off x="4937882" y="5394548"/>
               <a:ext cx="63202" cy="63202"/>
             </a:xfrm>
             <a:custGeom>
@@ -23666,7 +23666,7 @@
           </p:nvSpPr>
           <p:spPr>
             <a:xfrm>
-              <a:off x="4891212" y="5389277"/>
+              <a:off x="4955102" y="5389303"/>
               <a:ext cx="63202" cy="63202"/>
             </a:xfrm>
             <a:custGeom>
@@ -23709,7 +23709,7 @@
           </p:nvSpPr>
           <p:spPr>
             <a:xfrm>
-              <a:off x="4812827" y="5555586"/>
+              <a:off x="4972810" y="5555409"/>
               <a:ext cx="63202" cy="63202"/>
             </a:xfrm>
             <a:custGeom>
@@ -23752,7 +23752,7 @@
           </p:nvSpPr>
           <p:spPr>
             <a:xfrm>
-              <a:off x="4641628" y="5369391"/>
+              <a:off x="4846855" y="5369272"/>
               <a:ext cx="63202" cy="63202"/>
             </a:xfrm>
             <a:custGeom>
@@ -23795,7 +23795,7 @@
           </p:nvSpPr>
           <p:spPr>
             <a:xfrm>
-              <a:off x="4683725" y="5350079"/>
+              <a:off x="4745285" y="5350279"/>
               <a:ext cx="63202" cy="63202"/>
             </a:xfrm>
             <a:custGeom>
@@ -23838,7 +23838,7 @@
           </p:nvSpPr>
           <p:spPr>
             <a:xfrm>
-              <a:off x="5402800" y="6454579"/>
+              <a:off x="5346690" y="6454276"/>
               <a:ext cx="63202" cy="63202"/>
             </a:xfrm>
             <a:custGeom>
@@ -23881,7 +23881,7 @@
           </p:nvSpPr>
           <p:spPr>
             <a:xfrm>
-              <a:off x="4863509" y="5332414"/>
+              <a:off x="4439970" y="5332460"/>
               <a:ext cx="63202" cy="63202"/>
             </a:xfrm>
             <a:custGeom>
@@ -23924,7 +23924,7 @@
           </p:nvSpPr>
           <p:spPr>
             <a:xfrm>
-              <a:off x="5031305" y="5370668"/>
+              <a:off x="4552940" y="5370816"/>
               <a:ext cx="63202" cy="63202"/>
             </a:xfrm>
             <a:custGeom>
@@ -23967,7 +23967,7 @@
           </p:nvSpPr>
           <p:spPr>
             <a:xfrm>
-              <a:off x="4701134" y="5350372"/>
+              <a:off x="4936643" y="5350624"/>
               <a:ext cx="63202" cy="63202"/>
             </a:xfrm>
             <a:custGeom>
@@ -24010,7 +24010,7 @@
           </p:nvSpPr>
           <p:spPr>
             <a:xfrm>
-              <a:off x="4707296" y="5372876"/>
+              <a:off x="4993956" y="5372976"/>
               <a:ext cx="63202" cy="63202"/>
             </a:xfrm>
             <a:custGeom>
@@ -24053,7 +24053,7 @@
           </p:nvSpPr>
           <p:spPr>
             <a:xfrm>
-              <a:off x="4442307" y="5385660"/>
+              <a:off x="4437238" y="5385542"/>
               <a:ext cx="63202" cy="63202"/>
             </a:xfrm>
             <a:custGeom>
@@ -24096,7 +24096,7 @@
           </p:nvSpPr>
           <p:spPr>
             <a:xfrm>
-              <a:off x="4464280" y="5337463"/>
+              <a:off x="4558101" y="5337676"/>
               <a:ext cx="63202" cy="63202"/>
             </a:xfrm>
             <a:custGeom>
@@ -24139,7 +24139,7 @@
           </p:nvSpPr>
           <p:spPr>
             <a:xfrm>
-              <a:off x="4935320" y="5349823"/>
+              <a:off x="4632445" y="5349705"/>
               <a:ext cx="63202" cy="63202"/>
             </a:xfrm>
             <a:custGeom>
@@ -24182,7 +24182,7 @@
           </p:nvSpPr>
           <p:spPr>
             <a:xfrm>
-              <a:off x="4627503" y="5816223"/>
+              <a:off x="4441201" y="5816066"/>
               <a:ext cx="63202" cy="63202"/>
             </a:xfrm>
             <a:custGeom>
@@ -24225,7 +24225,7 @@
           </p:nvSpPr>
           <p:spPr>
             <a:xfrm>
-              <a:off x="5039902" y="5386399"/>
+              <a:off x="4701204" y="5386265"/>
               <a:ext cx="63202" cy="63202"/>
             </a:xfrm>
             <a:custGeom>
@@ -24268,7 +24268,7 @@
           </p:nvSpPr>
           <p:spPr>
             <a:xfrm>
-              <a:off x="4450169" y="5384878"/>
+              <a:off x="4572458" y="5384883"/>
               <a:ext cx="63202" cy="63202"/>
             </a:xfrm>
             <a:custGeom>
@@ -24311,7 +24311,7 @@
           </p:nvSpPr>
           <p:spPr>
             <a:xfrm>
-              <a:off x="5092053" y="5384135"/>
+              <a:off x="4465820" y="5384127"/>
               <a:ext cx="63202" cy="63202"/>
             </a:xfrm>
             <a:custGeom>
@@ -24354,7 +24354,7 @@
           </p:nvSpPr>
           <p:spPr>
             <a:xfrm>
-              <a:off x="4769421" y="5427967"/>
+              <a:off x="4809924" y="5427908"/>
               <a:ext cx="63202" cy="63202"/>
             </a:xfrm>
             <a:custGeom>
@@ -24397,7 +24397,7 @@
           </p:nvSpPr>
           <p:spPr>
             <a:xfrm>
-              <a:off x="4916656" y="5439720"/>
+              <a:off x="4602649" y="5439656"/>
               <a:ext cx="63202" cy="63202"/>
             </a:xfrm>
             <a:custGeom>
@@ -24440,7 +24440,7 @@
           </p:nvSpPr>
           <p:spPr>
             <a:xfrm>
-              <a:off x="4795362" y="5333626"/>
+              <a:off x="4914003" y="5333586"/>
               <a:ext cx="63202" cy="63202"/>
             </a:xfrm>
             <a:custGeom>
@@ -24483,7 +24483,7 @@
           </p:nvSpPr>
           <p:spPr>
             <a:xfrm>
-              <a:off x="4583316" y="5385642"/>
+              <a:off x="4556662" y="5385683"/>
               <a:ext cx="63202" cy="63202"/>
             </a:xfrm>
             <a:custGeom>
@@ -24526,7 +24526,7 @@
           </p:nvSpPr>
           <p:spPr>
             <a:xfrm>
-              <a:off x="4933761" y="5385530"/>
+              <a:off x="4542049" y="5385688"/>
               <a:ext cx="63202" cy="63202"/>
             </a:xfrm>
             <a:custGeom>
@@ -24569,7 +24569,7 @@
           </p:nvSpPr>
           <p:spPr>
             <a:xfrm>
-              <a:off x="4914454" y="5354818"/>
+              <a:off x="5058387" y="5355099"/>
               <a:ext cx="63202" cy="63202"/>
             </a:xfrm>
             <a:custGeom>
@@ -24612,7 +24612,7 @@
           </p:nvSpPr>
           <p:spPr>
             <a:xfrm>
-              <a:off x="4466832" y="5372652"/>
+              <a:off x="4870592" y="5372689"/>
               <a:ext cx="63202" cy="63202"/>
             </a:xfrm>
             <a:custGeom>
@@ -24655,7 +24655,7 @@
           </p:nvSpPr>
           <p:spPr>
             <a:xfrm>
-              <a:off x="4458209" y="5350395"/>
+              <a:off x="4469133" y="5350477"/>
               <a:ext cx="63202" cy="63202"/>
             </a:xfrm>
             <a:custGeom>
@@ -24698,7 +24698,7 @@
           </p:nvSpPr>
           <p:spPr>
             <a:xfrm>
-              <a:off x="4622372" y="5328312"/>
+              <a:off x="4699431" y="5328407"/>
               <a:ext cx="63202" cy="63202"/>
             </a:xfrm>
             <a:custGeom>
@@ -24741,7 +24741,7 @@
           </p:nvSpPr>
           <p:spPr>
             <a:xfrm>
-              <a:off x="4968139" y="5363388"/>
+              <a:off x="4982398" y="5363437"/>
               <a:ext cx="63202" cy="63202"/>
             </a:xfrm>
             <a:custGeom>
@@ -24784,7 +24784,7 @@
           </p:nvSpPr>
           <p:spPr>
             <a:xfrm>
-              <a:off x="5104463" y="5389346"/>
+              <a:off x="4705416" y="5389238"/>
               <a:ext cx="63202" cy="63202"/>
             </a:xfrm>
             <a:custGeom>
@@ -24827,7 +24827,7 @@
           </p:nvSpPr>
           <p:spPr>
             <a:xfrm>
-              <a:off x="5005268" y="5777986"/>
+              <a:off x="4849371" y="5777990"/>
               <a:ext cx="63202" cy="63202"/>
             </a:xfrm>
             <a:custGeom>
@@ -24870,7 +24870,7 @@
           </p:nvSpPr>
           <p:spPr>
             <a:xfrm>
-              <a:off x="4596591" y="5470808"/>
+              <a:off x="4432046" y="5470661"/>
               <a:ext cx="63202" cy="63202"/>
             </a:xfrm>
             <a:custGeom>
@@ -24913,7 +24913,7 @@
           </p:nvSpPr>
           <p:spPr>
             <a:xfrm>
-              <a:off x="4580255" y="5382881"/>
+              <a:off x="4987927" y="5383026"/>
               <a:ext cx="63202" cy="63202"/>
             </a:xfrm>
             <a:custGeom>
@@ -24956,7 +24956,7 @@
           </p:nvSpPr>
           <p:spPr>
             <a:xfrm>
-              <a:off x="5060506" y="5441950"/>
+              <a:off x="4609889" y="5442141"/>
               <a:ext cx="63202" cy="63202"/>
             </a:xfrm>
             <a:custGeom>
@@ -24999,7 +24999,7 @@
           </p:nvSpPr>
           <p:spPr>
             <a:xfrm>
-              <a:off x="5043645" y="5322575"/>
+              <a:off x="4936067" y="5322441"/>
               <a:ext cx="63202" cy="63202"/>
             </a:xfrm>
             <a:custGeom>
@@ -25042,7 +25042,7 @@
           </p:nvSpPr>
           <p:spPr>
             <a:xfrm>
-              <a:off x="4713310" y="5328279"/>
+              <a:off x="4455507" y="5328323"/>
               <a:ext cx="63202" cy="63202"/>
             </a:xfrm>
             <a:custGeom>
@@ -25085,7 +25085,7 @@
           </p:nvSpPr>
           <p:spPr>
             <a:xfrm>
-              <a:off x="4550776" y="5865235"/>
+              <a:off x="4500353" y="5865286"/>
               <a:ext cx="63202" cy="63202"/>
             </a:xfrm>
             <a:custGeom>
@@ -25128,7 +25128,7 @@
           </p:nvSpPr>
           <p:spPr>
             <a:xfrm>
-              <a:off x="5107467" y="5348234"/>
+              <a:off x="5012707" y="5348459"/>
               <a:ext cx="63202" cy="63202"/>
             </a:xfrm>
             <a:custGeom>
@@ -25171,7 +25171,7 @@
           </p:nvSpPr>
           <p:spPr>
             <a:xfrm>
-              <a:off x="4515605" y="5598580"/>
+              <a:off x="4911749" y="5598813"/>
               <a:ext cx="63202" cy="63202"/>
             </a:xfrm>
             <a:custGeom>
@@ -25214,7 +25214,7 @@
           </p:nvSpPr>
           <p:spPr>
             <a:xfrm>
-              <a:off x="4553112" y="5367403"/>
+              <a:off x="5077452" y="5367429"/>
               <a:ext cx="63202" cy="63202"/>
             </a:xfrm>
             <a:custGeom>
@@ -25257,7 +25257,7 @@
           </p:nvSpPr>
           <p:spPr>
             <a:xfrm>
-              <a:off x="4556007" y="5375655"/>
+              <a:off x="4986341" y="5375529"/>
               <a:ext cx="63202" cy="63202"/>
             </a:xfrm>
             <a:custGeom>
@@ -25300,7 +25300,7 @@
           </p:nvSpPr>
           <p:spPr>
             <a:xfrm>
-              <a:off x="4947722" y="5362687"/>
+              <a:off x="5090600" y="5362822"/>
               <a:ext cx="63202" cy="63202"/>
             </a:xfrm>
             <a:custGeom>
@@ -25343,7 +25343,7 @@
           </p:nvSpPr>
           <p:spPr>
             <a:xfrm>
-              <a:off x="4643118" y="5350814"/>
+              <a:off x="4855029" y="5351043"/>
               <a:ext cx="63202" cy="63202"/>
             </a:xfrm>
             <a:custGeom>
@@ -25386,7 +25386,7 @@
           </p:nvSpPr>
           <p:spPr>
             <a:xfrm>
-              <a:off x="4465873" y="5378608"/>
+              <a:off x="4950727" y="5378561"/>
               <a:ext cx="63202" cy="63202"/>
             </a:xfrm>
             <a:custGeom>
@@ -25429,7 +25429,7 @@
           </p:nvSpPr>
           <p:spPr>
             <a:xfrm>
-              <a:off x="4789726" y="5348733"/>
+              <a:off x="4929844" y="5348811"/>
               <a:ext cx="63202" cy="63202"/>
             </a:xfrm>
             <a:custGeom>
@@ -25472,7 +25472,7 @@
           </p:nvSpPr>
           <p:spPr>
             <a:xfrm>
-              <a:off x="4677493" y="5382979"/>
+              <a:off x="4746573" y="5383148"/>
               <a:ext cx="63202" cy="63202"/>
             </a:xfrm>
             <a:custGeom>
@@ -25515,7 +25515,7 @@
           </p:nvSpPr>
           <p:spPr>
             <a:xfrm>
-              <a:off x="4638997" y="5390984"/>
+              <a:off x="4803195" y="5391136"/>
               <a:ext cx="63202" cy="63202"/>
             </a:xfrm>
             <a:custGeom>
@@ -25558,7 +25558,7 @@
           </p:nvSpPr>
           <p:spPr>
             <a:xfrm>
-              <a:off x="6425499" y="6804109"/>
+              <a:off x="6467534" y="6803878"/>
               <a:ext cx="63202" cy="63202"/>
             </a:xfrm>
             <a:custGeom>
@@ -25601,7 +25601,7 @@
           </p:nvSpPr>
           <p:spPr>
             <a:xfrm>
-              <a:off x="5020031" y="5334519"/>
+              <a:off x="4705781" y="5334813"/>
               <a:ext cx="63202" cy="63202"/>
             </a:xfrm>
             <a:custGeom>
@@ -25644,7 +25644,7 @@
           </p:nvSpPr>
           <p:spPr>
             <a:xfrm>
-              <a:off x="5740825" y="6424318"/>
+              <a:off x="5649287" y="6423982"/>
               <a:ext cx="63202" cy="63202"/>
             </a:xfrm>
             <a:custGeom>
@@ -25687,7 +25687,7 @@
           </p:nvSpPr>
           <p:spPr>
             <a:xfrm>
-              <a:off x="4472396" y="5335822"/>
+              <a:off x="5075329" y="5335942"/>
               <a:ext cx="63202" cy="63202"/>
             </a:xfrm>
             <a:custGeom>
@@ -25730,7 +25730,7 @@
           </p:nvSpPr>
           <p:spPr>
             <a:xfrm>
-              <a:off x="5082808" y="5824984"/>
+              <a:off x="4555940" y="5825047"/>
               <a:ext cx="63202" cy="63202"/>
             </a:xfrm>
             <a:custGeom>
@@ -25773,7 +25773,7 @@
           </p:nvSpPr>
           <p:spPr>
             <a:xfrm>
-              <a:off x="4543158" y="5361329"/>
+              <a:off x="4675914" y="5361268"/>
               <a:ext cx="63202" cy="63202"/>
             </a:xfrm>
             <a:custGeom>
@@ -25816,7 +25816,7 @@
           </p:nvSpPr>
           <p:spPr>
             <a:xfrm>
-              <a:off x="5054993" y="5489784"/>
+              <a:off x="4598008" y="5489878"/>
               <a:ext cx="63202" cy="63202"/>
             </a:xfrm>
             <a:custGeom>
@@ -25859,7 +25859,7 @@
           </p:nvSpPr>
           <p:spPr>
             <a:xfrm>
-              <a:off x="4954137" y="5361197"/>
+              <a:off x="4499567" y="5361213"/>
               <a:ext cx="63202" cy="63202"/>
             </a:xfrm>
             <a:custGeom>
@@ -25902,7 +25902,7 @@
           </p:nvSpPr>
           <p:spPr>
             <a:xfrm>
-              <a:off x="4953442" y="5366974"/>
+              <a:off x="4902387" y="5367273"/>
               <a:ext cx="63202" cy="63202"/>
             </a:xfrm>
             <a:custGeom>
@@ -25945,7 +25945,7 @@
           </p:nvSpPr>
           <p:spPr>
             <a:xfrm>
-              <a:off x="5107978" y="5413157"/>
+              <a:off x="4987456" y="5413225"/>
               <a:ext cx="63202" cy="63202"/>
             </a:xfrm>
             <a:custGeom>
@@ -25988,7 +25988,7 @@
           </p:nvSpPr>
           <p:spPr>
             <a:xfrm>
-              <a:off x="4745934" y="5377349"/>
+              <a:off x="4809332" y="5377354"/>
               <a:ext cx="63202" cy="63202"/>
             </a:xfrm>
             <a:custGeom>
@@ -26031,7 +26031,7 @@
           </p:nvSpPr>
           <p:spPr>
             <a:xfrm>
-              <a:off x="4933834" y="5353102"/>
+              <a:off x="4998299" y="5353282"/>
               <a:ext cx="63202" cy="63202"/>
             </a:xfrm>
             <a:custGeom>
@@ -26074,7 +26074,7 @@
           </p:nvSpPr>
           <p:spPr>
             <a:xfrm>
-              <a:off x="4765236" y="5355043"/>
+              <a:off x="4537819" y="5355025"/>
               <a:ext cx="63202" cy="63202"/>
             </a:xfrm>
             <a:custGeom>
@@ -26117,7 +26117,7 @@
           </p:nvSpPr>
           <p:spPr>
             <a:xfrm>
-              <a:off x="4478302" y="5633644"/>
+              <a:off x="4730318" y="5633583"/>
               <a:ext cx="63202" cy="63202"/>
             </a:xfrm>
             <a:custGeom>
@@ -26160,7 +26160,7 @@
           </p:nvSpPr>
           <p:spPr>
             <a:xfrm>
-              <a:off x="4510287" y="5337307"/>
+              <a:off x="4758210" y="5337177"/>
               <a:ext cx="63202" cy="63202"/>
             </a:xfrm>
             <a:custGeom>
@@ -26203,7 +26203,7 @@
           </p:nvSpPr>
           <p:spPr>
             <a:xfrm>
-              <a:off x="4649313" y="5345771"/>
+              <a:off x="4498216" y="5345790"/>
               <a:ext cx="63202" cy="63202"/>
             </a:xfrm>
             <a:custGeom>
@@ -26246,7 +26246,7 @@
           </p:nvSpPr>
           <p:spPr>
             <a:xfrm>
-              <a:off x="4468960" y="5384837"/>
+              <a:off x="4564696" y="5384732"/>
               <a:ext cx="63202" cy="63202"/>
             </a:xfrm>
             <a:custGeom>
@@ -26289,7 +26289,7 @@
           </p:nvSpPr>
           <p:spPr>
             <a:xfrm>
-              <a:off x="5133138" y="5347841"/>
+              <a:off x="4528754" y="5347879"/>
               <a:ext cx="63202" cy="63202"/>
             </a:xfrm>
             <a:custGeom>
@@ -26332,7 +26332,7 @@
           </p:nvSpPr>
           <p:spPr>
             <a:xfrm>
-              <a:off x="4986332" y="5350121"/>
+              <a:off x="4739269" y="5350351"/>
               <a:ext cx="63202" cy="63202"/>
             </a:xfrm>
             <a:custGeom>
@@ -26375,7 +26375,7 @@
           </p:nvSpPr>
           <p:spPr>
             <a:xfrm>
-              <a:off x="4776130" y="5343197"/>
+              <a:off x="5031590" y="5343078"/>
               <a:ext cx="63202" cy="63202"/>
             </a:xfrm>
             <a:custGeom>
@@ -26418,7 +26418,7 @@
           </p:nvSpPr>
           <p:spPr>
             <a:xfrm>
-              <a:off x="5521753" y="6156612"/>
+              <a:off x="5739845" y="6156352"/>
               <a:ext cx="63202" cy="63202"/>
             </a:xfrm>
             <a:custGeom>
@@ -26461,7 +26461,7 @@
           </p:nvSpPr>
           <p:spPr>
             <a:xfrm>
-              <a:off x="5079085" y="5441722"/>
+              <a:off x="4630118" y="5441778"/>
               <a:ext cx="63202" cy="63202"/>
             </a:xfrm>
             <a:custGeom>
@@ -26504,7 +26504,7 @@
           </p:nvSpPr>
           <p:spPr>
             <a:xfrm>
-              <a:off x="5004633" y="5385652"/>
+              <a:off x="4558470" y="5385511"/>
               <a:ext cx="63202" cy="63202"/>
             </a:xfrm>
             <a:custGeom>
@@ -26547,7 +26547,7 @@
           </p:nvSpPr>
           <p:spPr>
             <a:xfrm>
-              <a:off x="4635776" y="5350616"/>
+              <a:off x="4693685" y="5350518"/>
               <a:ext cx="63202" cy="63202"/>
             </a:xfrm>
             <a:custGeom>
@@ -26590,7 +26590,7 @@
           </p:nvSpPr>
           <p:spPr>
             <a:xfrm>
-              <a:off x="5013189" y="5357987"/>
+              <a:off x="4501952" y="5357948"/>
               <a:ext cx="63202" cy="63202"/>
             </a:xfrm>
             <a:custGeom>
@@ -26633,7 +26633,7 @@
           </p:nvSpPr>
           <p:spPr>
             <a:xfrm>
-              <a:off x="4696921" y="5326597"/>
+              <a:off x="4947436" y="5326602"/>
               <a:ext cx="63202" cy="63202"/>
             </a:xfrm>
             <a:custGeom>
@@ -26676,7 +26676,7 @@
           </p:nvSpPr>
           <p:spPr>
             <a:xfrm>
-              <a:off x="4537852" y="5349426"/>
+              <a:off x="4665074" y="5349369"/>
               <a:ext cx="63202" cy="63202"/>
             </a:xfrm>
             <a:custGeom>
@@ -26719,7 +26719,7 @@
           </p:nvSpPr>
           <p:spPr>
             <a:xfrm>
-              <a:off x="4879745" y="5349487"/>
+              <a:off x="4590256" y="5349480"/>
               <a:ext cx="63202" cy="63202"/>
             </a:xfrm>
             <a:custGeom>
@@ -26762,7 +26762,7 @@
           </p:nvSpPr>
           <p:spPr>
             <a:xfrm>
-              <a:off x="4968329" y="5350584"/>
+              <a:off x="4773807" y="5350522"/>
               <a:ext cx="63202" cy="63202"/>
             </a:xfrm>
             <a:custGeom>
@@ -26805,7 +26805,7 @@
           </p:nvSpPr>
           <p:spPr>
             <a:xfrm>
-              <a:off x="4597285" y="5445597"/>
+              <a:off x="4634831" y="5445718"/>
               <a:ext cx="63202" cy="63202"/>
             </a:xfrm>
             <a:custGeom>
@@ -26848,7 +26848,7 @@
           </p:nvSpPr>
           <p:spPr>
             <a:xfrm>
-              <a:off x="4980436" y="5445563"/>
+              <a:off x="4567127" y="5445773"/>
               <a:ext cx="63202" cy="63202"/>
             </a:xfrm>
             <a:custGeom>
@@ -26891,7 +26891,7 @@
           </p:nvSpPr>
           <p:spPr>
             <a:xfrm>
-              <a:off x="4822328" y="5361897"/>
+              <a:off x="4602306" y="5362046"/>
               <a:ext cx="63202" cy="63202"/>
             </a:xfrm>
             <a:custGeom>
@@ -26934,7 +26934,7 @@
           </p:nvSpPr>
           <p:spPr>
             <a:xfrm>
-              <a:off x="4858540" y="5346569"/>
+              <a:off x="4804027" y="5346638"/>
               <a:ext cx="63202" cy="63202"/>
             </a:xfrm>
             <a:custGeom>
@@ -26977,7 +26977,7 @@
           </p:nvSpPr>
           <p:spPr>
             <a:xfrm>
-              <a:off x="5432729" y="6089754"/>
+              <a:off x="5710791" y="6089606"/>
               <a:ext cx="63202" cy="63202"/>
             </a:xfrm>
             <a:custGeom>
@@ -27020,7 +27020,7 @@
           </p:nvSpPr>
           <p:spPr>
             <a:xfrm>
-              <a:off x="4453221" y="5381853"/>
+              <a:off x="4962687" y="5382012"/>
               <a:ext cx="63202" cy="63202"/>
             </a:xfrm>
             <a:custGeom>
@@ -27063,7 +27063,7 @@
           </p:nvSpPr>
           <p:spPr>
             <a:xfrm>
-              <a:off x="4818878" y="5339681"/>
+              <a:off x="4463876" y="5339975"/>
               <a:ext cx="63202" cy="63202"/>
             </a:xfrm>
             <a:custGeom>
@@ -27106,7 +27106,7 @@
           </p:nvSpPr>
           <p:spPr>
             <a:xfrm>
-              <a:off x="4442097" y="5330301"/>
+              <a:off x="4813397" y="5330440"/>
               <a:ext cx="63202" cy="63202"/>
             </a:xfrm>
             <a:custGeom>
@@ -27149,7 +27149,7 @@
           </p:nvSpPr>
           <p:spPr>
             <a:xfrm>
-              <a:off x="4438110" y="5412749"/>
+              <a:off x="4909659" y="5412761"/>
               <a:ext cx="63202" cy="63202"/>
             </a:xfrm>
             <a:custGeom>
@@ -27192,7 +27192,7 @@
           </p:nvSpPr>
           <p:spPr>
             <a:xfrm>
-              <a:off x="4572733" y="5379719"/>
+              <a:off x="5128653" y="5379742"/>
               <a:ext cx="63202" cy="63202"/>
             </a:xfrm>
             <a:custGeom>
@@ -27235,7 +27235,7 @@
           </p:nvSpPr>
           <p:spPr>
             <a:xfrm>
-              <a:off x="4832277" y="5333129"/>
+              <a:off x="4853779" y="5333331"/>
               <a:ext cx="63202" cy="63202"/>
             </a:xfrm>
             <a:custGeom>
@@ -27278,7 +27278,7 @@
           </p:nvSpPr>
           <p:spPr>
             <a:xfrm>
-              <a:off x="4753042" y="5333562"/>
+              <a:off x="5132234" y="5333540"/>
               <a:ext cx="63202" cy="63202"/>
             </a:xfrm>
             <a:custGeom>
@@ -27321,7 +27321,7 @@
           </p:nvSpPr>
           <p:spPr>
             <a:xfrm>
-              <a:off x="5114493" y="5327994"/>
+              <a:off x="4826656" y="5328013"/>
               <a:ext cx="63202" cy="63202"/>
             </a:xfrm>
             <a:custGeom>
@@ -27364,7 +27364,7 @@
           </p:nvSpPr>
           <p:spPr>
             <a:xfrm>
-              <a:off x="4470763" y="5330326"/>
+              <a:off x="5040207" y="5330302"/>
               <a:ext cx="63202" cy="63202"/>
             </a:xfrm>
             <a:custGeom>
@@ -27407,7 +27407,7 @@
           </p:nvSpPr>
           <p:spPr>
             <a:xfrm>
-              <a:off x="5002015" y="5325734"/>
+              <a:off x="4876987" y="5326007"/>
               <a:ext cx="63202" cy="63202"/>
             </a:xfrm>
             <a:custGeom>
@@ -27450,7 +27450,7 @@
           </p:nvSpPr>
           <p:spPr>
             <a:xfrm>
-              <a:off x="4982954" y="5411829"/>
+              <a:off x="4746520" y="5411766"/>
               <a:ext cx="63202" cy="63202"/>
             </a:xfrm>
             <a:custGeom>
@@ -27493,7 +27493,7 @@
           </p:nvSpPr>
           <p:spPr>
             <a:xfrm>
-              <a:off x="4882167" y="5456603"/>
+              <a:off x="4537524" y="5456723"/>
               <a:ext cx="63202" cy="63202"/>
             </a:xfrm>
             <a:custGeom>
@@ -27536,7 +27536,7 @@
           </p:nvSpPr>
           <p:spPr>
             <a:xfrm>
-              <a:off x="4545099" y="5342845"/>
+              <a:off x="4552846" y="5342806"/>
               <a:ext cx="63202" cy="63202"/>
             </a:xfrm>
             <a:custGeom>
@@ -27579,7 +27579,7 @@
           </p:nvSpPr>
           <p:spPr>
             <a:xfrm>
-              <a:off x="4587032" y="5345225"/>
+              <a:off x="4463278" y="5345367"/>
               <a:ext cx="63202" cy="63202"/>
             </a:xfrm>
             <a:custGeom>
@@ -27622,7 +27622,7 @@
           </p:nvSpPr>
           <p:spPr>
             <a:xfrm>
-              <a:off x="4530130" y="5358017"/>
+              <a:off x="4720861" y="5358016"/>
               <a:ext cx="63202" cy="63202"/>
             </a:xfrm>
             <a:custGeom>
@@ -27665,7 +27665,7 @@
           </p:nvSpPr>
           <p:spPr>
             <a:xfrm>
-              <a:off x="4712907" y="5333118"/>
+              <a:off x="4467259" y="5333347"/>
               <a:ext cx="63202" cy="63202"/>
             </a:xfrm>
             <a:custGeom>
@@ -27708,7 +27708,7 @@
           </p:nvSpPr>
           <p:spPr>
             <a:xfrm>
-              <a:off x="5059809" y="5324554"/>
+              <a:off x="4477981" y="5324887"/>
               <a:ext cx="63202" cy="63202"/>
             </a:xfrm>
             <a:custGeom>
@@ -27751,7 +27751,7 @@
           </p:nvSpPr>
           <p:spPr>
             <a:xfrm>
-              <a:off x="4729236" y="5336017"/>
+              <a:off x="4679971" y="5336174"/>
               <a:ext cx="63202" cy="63202"/>
             </a:xfrm>
             <a:custGeom>
@@ -27794,7 +27794,7 @@
           </p:nvSpPr>
           <p:spPr>
             <a:xfrm>
-              <a:off x="4846311" y="5357950"/>
+              <a:off x="4861244" y="5358064"/>
               <a:ext cx="63202" cy="63202"/>
             </a:xfrm>
             <a:custGeom>
@@ -27837,7 +27837,7 @@
           </p:nvSpPr>
           <p:spPr>
             <a:xfrm>
-              <a:off x="4911155" y="5345643"/>
+              <a:off x="4563030" y="5345829"/>
               <a:ext cx="63202" cy="63202"/>
             </a:xfrm>
             <a:custGeom>
@@ -27880,7 +27880,7 @@
           </p:nvSpPr>
           <p:spPr>
             <a:xfrm>
-              <a:off x="4797172" y="5352052"/>
+              <a:off x="5102904" y="5351948"/>
               <a:ext cx="63202" cy="63202"/>
             </a:xfrm>
             <a:custGeom>
@@ -27923,7 +27923,7 @@
           </p:nvSpPr>
           <p:spPr>
             <a:xfrm>
-              <a:off x="4486931" y="5339848"/>
+              <a:off x="5002201" y="5339796"/>
               <a:ext cx="63202" cy="63202"/>
             </a:xfrm>
             <a:custGeom>
@@ -27966,7 +27966,7 @@
           </p:nvSpPr>
           <p:spPr>
             <a:xfrm>
-              <a:off x="4885756" y="5345592"/>
+              <a:off x="5058296" y="5345773"/>
               <a:ext cx="63202" cy="63202"/>
             </a:xfrm>
             <a:custGeom>
@@ -28009,7 +28009,7 @@
           </p:nvSpPr>
           <p:spPr>
             <a:xfrm>
-              <a:off x="4579788" y="5358624"/>
+              <a:off x="4728484" y="5358790"/>
               <a:ext cx="63202" cy="63202"/>
             </a:xfrm>
             <a:custGeom>
@@ -28052,7 +28052,7 @@
           </p:nvSpPr>
           <p:spPr>
             <a:xfrm>
-              <a:off x="5984379" y="6368545"/>
+              <a:off x="5854508" y="6368429"/>
               <a:ext cx="63202" cy="63202"/>
             </a:xfrm>
             <a:custGeom>
@@ -28095,7 +28095,7 @@
           </p:nvSpPr>
           <p:spPr>
             <a:xfrm>
-              <a:off x="4484383" y="5359490"/>
+              <a:off x="4721548" y="5359534"/>
               <a:ext cx="63202" cy="63202"/>
             </a:xfrm>
             <a:custGeom>
@@ -28138,7 +28138,7 @@
           </p:nvSpPr>
           <p:spPr>
             <a:xfrm>
-              <a:off x="4823206" y="5427460"/>
+              <a:off x="5047784" y="5427500"/>
               <a:ext cx="63202" cy="63202"/>
             </a:xfrm>
             <a:custGeom>
@@ -28181,7 +28181,7 @@
           </p:nvSpPr>
           <p:spPr>
             <a:xfrm>
-              <a:off x="4722658" y="5351935"/>
+              <a:off x="5120705" y="5352204"/>
               <a:ext cx="63202" cy="63202"/>
             </a:xfrm>
             <a:custGeom>
@@ -28224,7 +28224,7 @@
           </p:nvSpPr>
           <p:spPr>
             <a:xfrm>
-              <a:off x="5100641" y="5395170"/>
+              <a:off x="5064937" y="5395051"/>
               <a:ext cx="63202" cy="63202"/>
             </a:xfrm>
             <a:custGeom>
@@ -28267,7 +28267,7 @@
           </p:nvSpPr>
           <p:spPr>
             <a:xfrm>
-              <a:off x="5072897" y="5386590"/>
+              <a:off x="4490904" y="5386609"/>
               <a:ext cx="63202" cy="63202"/>
             </a:xfrm>
             <a:custGeom>
@@ -28310,7 +28310,7 @@
           </p:nvSpPr>
           <p:spPr>
             <a:xfrm>
-              <a:off x="6459756" y="6632376"/>
+              <a:off x="6283672" y="6631950"/>
               <a:ext cx="63202" cy="63202"/>
             </a:xfrm>
             <a:custGeom>
@@ -28353,7 +28353,7 @@
           </p:nvSpPr>
           <p:spPr>
             <a:xfrm>
-              <a:off x="4501694" y="5349081"/>
+              <a:off x="5001760" y="5349018"/>
               <a:ext cx="63202" cy="63202"/>
             </a:xfrm>
             <a:custGeom>
@@ -28396,7 +28396,7 @@
           </p:nvSpPr>
           <p:spPr>
             <a:xfrm>
-              <a:off x="4857284" y="5363671"/>
+              <a:off x="4526957" y="5363920"/>
               <a:ext cx="63202" cy="63202"/>
             </a:xfrm>
             <a:custGeom>
@@ -28439,7 +28439,7 @@
           </p:nvSpPr>
           <p:spPr>
             <a:xfrm>
-              <a:off x="4841904" y="5755742"/>
+              <a:off x="4592096" y="5755690"/>
               <a:ext cx="63202" cy="63202"/>
             </a:xfrm>
             <a:custGeom>
@@ -28482,7 +28482,7 @@
           </p:nvSpPr>
           <p:spPr>
             <a:xfrm>
-              <a:off x="5016799" y="5341728"/>
+              <a:off x="5063244" y="5341633"/>
               <a:ext cx="63202" cy="63202"/>
             </a:xfrm>
             <a:custGeom>
@@ -28525,7 +28525,7 @@
           </p:nvSpPr>
           <p:spPr>
             <a:xfrm>
-              <a:off x="4640863" y="5396530"/>
+              <a:off x="4851076" y="5396793"/>
               <a:ext cx="63202" cy="63202"/>
             </a:xfrm>
             <a:custGeom>
@@ -28568,7 +28568,7 @@
           </p:nvSpPr>
           <p:spPr>
             <a:xfrm>
-              <a:off x="5101695" y="5356448"/>
+              <a:off x="4728930" y="5356407"/>
               <a:ext cx="63202" cy="63202"/>
             </a:xfrm>
             <a:custGeom>
@@ -28611,7 +28611,7 @@
           </p:nvSpPr>
           <p:spPr>
             <a:xfrm>
-              <a:off x="4944979" y="5343554"/>
+              <a:off x="4668630" y="5343484"/>
               <a:ext cx="63202" cy="63202"/>
             </a:xfrm>
             <a:custGeom>
@@ -28654,7 +28654,7 @@
           </p:nvSpPr>
           <p:spPr>
             <a:xfrm>
-              <a:off x="5084691" y="5384166"/>
+              <a:off x="4644103" y="5384074"/>
               <a:ext cx="63202" cy="63202"/>
             </a:xfrm>
             <a:custGeom>
@@ -28697,7 +28697,7 @@
           </p:nvSpPr>
           <p:spPr>
             <a:xfrm>
-              <a:off x="4818751" y="5366324"/>
+              <a:off x="4837080" y="5366581"/>
               <a:ext cx="63202" cy="63202"/>
             </a:xfrm>
             <a:custGeom>
@@ -28740,7 +28740,7 @@
           </p:nvSpPr>
           <p:spPr>
             <a:xfrm>
-              <a:off x="4736082" y="5342442"/>
+              <a:off x="5008969" y="5342352"/>
               <a:ext cx="63202" cy="63202"/>
             </a:xfrm>
             <a:custGeom>
@@ -28783,7 +28783,7 @@
           </p:nvSpPr>
           <p:spPr>
             <a:xfrm>
-              <a:off x="4636981" y="5351635"/>
+              <a:off x="4560315" y="5351692"/>
               <a:ext cx="63202" cy="63202"/>
             </a:xfrm>
             <a:custGeom>
@@ -28826,7 +28826,7 @@
           </p:nvSpPr>
           <p:spPr>
             <a:xfrm>
-              <a:off x="4709261" y="5349717"/>
+              <a:off x="4737328" y="5349889"/>
               <a:ext cx="63202" cy="63202"/>
             </a:xfrm>
             <a:custGeom>
@@ -28869,7 +28869,7 @@
           </p:nvSpPr>
           <p:spPr>
             <a:xfrm>
-              <a:off x="5065253" y="5428719"/>
+              <a:off x="4445931" y="5428749"/>
               <a:ext cx="63202" cy="63202"/>
             </a:xfrm>
             <a:custGeom>
@@ -28912,7 +28912,7 @@
           </p:nvSpPr>
           <p:spPr>
             <a:xfrm>
-              <a:off x="4531376" y="5393313"/>
+              <a:off x="5020372" y="5393259"/>
               <a:ext cx="63202" cy="63202"/>
             </a:xfrm>
             <a:custGeom>
@@ -28955,7 +28955,7 @@
           </p:nvSpPr>
           <p:spPr>
             <a:xfrm>
-              <a:off x="4517114" y="5378309"/>
+              <a:off x="4806592" y="5378362"/>
               <a:ext cx="63202" cy="63202"/>
             </a:xfrm>
             <a:custGeom>
@@ -28998,7 +28998,7 @@
           </p:nvSpPr>
           <p:spPr>
             <a:xfrm>
-              <a:off x="4561670" y="5335752"/>
+              <a:off x="4650588" y="5335790"/>
               <a:ext cx="63202" cy="63202"/>
             </a:xfrm>
             <a:custGeom>
@@ -29041,7 +29041,7 @@
           </p:nvSpPr>
           <p:spPr>
             <a:xfrm>
-              <a:off x="4990445" y="5335641"/>
+              <a:off x="4747918" y="5335957"/>
               <a:ext cx="63202" cy="63202"/>
             </a:xfrm>
             <a:custGeom>
@@ -29084,7 +29084,7 @@
           </p:nvSpPr>
           <p:spPr>
             <a:xfrm>
-              <a:off x="4776693" y="5339399"/>
+              <a:off x="4561759" y="5339582"/>
               <a:ext cx="63202" cy="63202"/>
             </a:xfrm>
             <a:custGeom>
@@ -29127,7 +29127,7 @@
           </p:nvSpPr>
           <p:spPr>
             <a:xfrm>
-              <a:off x="4662314" y="5338348"/>
+              <a:off x="4945276" y="5338436"/>
               <a:ext cx="63202" cy="63202"/>
             </a:xfrm>
             <a:custGeom>
@@ -29170,7 +29170,7 @@
           </p:nvSpPr>
           <p:spPr>
             <a:xfrm>
-              <a:off x="4837641" y="5336936"/>
+              <a:off x="4653685" y="5337083"/>
               <a:ext cx="63202" cy="63202"/>
             </a:xfrm>
             <a:custGeom>
@@ -29213,7 +29213,7 @@
           </p:nvSpPr>
           <p:spPr>
             <a:xfrm>
-              <a:off x="5057558" y="5317369"/>
+              <a:off x="4901774" y="5317369"/>
               <a:ext cx="63202" cy="63202"/>
             </a:xfrm>
             <a:custGeom>
@@ -29256,7 +29256,7 @@
           </p:nvSpPr>
           <p:spPr>
             <a:xfrm>
-              <a:off x="4465501" y="5391216"/>
+              <a:off x="4598155" y="5391240"/>
               <a:ext cx="63202" cy="63202"/>
             </a:xfrm>
             <a:custGeom>
@@ -29299,7 +29299,7 @@
           </p:nvSpPr>
           <p:spPr>
             <a:xfrm>
-              <a:off x="4593481" y="5408700"/>
+              <a:off x="4527607" y="5408915"/>
               <a:ext cx="63202" cy="63202"/>
             </a:xfrm>
             <a:custGeom>
@@ -29342,7 +29342,7 @@
           </p:nvSpPr>
           <p:spPr>
             <a:xfrm>
-              <a:off x="4916229" y="5363045"/>
+              <a:off x="4628140" y="5363054"/>
               <a:ext cx="63202" cy="63202"/>
             </a:xfrm>
             <a:custGeom>
@@ -29385,7 +29385,7 @@
           </p:nvSpPr>
           <p:spPr>
             <a:xfrm>
-              <a:off x="4432655" y="5387624"/>
+              <a:off x="4769875" y="5387924"/>
               <a:ext cx="63202" cy="63202"/>
             </a:xfrm>
             <a:custGeom>
@@ -29428,7 +29428,7 @@
           </p:nvSpPr>
           <p:spPr>
             <a:xfrm>
-              <a:off x="4580047" y="5394742"/>
+              <a:off x="4515139" y="5394934"/>
               <a:ext cx="63202" cy="63202"/>
             </a:xfrm>
             <a:custGeom>
@@ -29471,7 +29471,7 @@
           </p:nvSpPr>
           <p:spPr>
             <a:xfrm>
-              <a:off x="4876569" y="5375121"/>
+              <a:off x="5109502" y="5375294"/>
               <a:ext cx="63202" cy="63202"/>
             </a:xfrm>
             <a:custGeom>
@@ -29514,7 +29514,7 @@
           </p:nvSpPr>
           <p:spPr>
             <a:xfrm>
-              <a:off x="4557925" y="5336875"/>
+              <a:off x="4834878" y="5336951"/>
               <a:ext cx="63202" cy="63202"/>
             </a:xfrm>
             <a:custGeom>
@@ -29557,7 +29557,7 @@
           </p:nvSpPr>
           <p:spPr>
             <a:xfrm>
-              <a:off x="4852211" y="5394012"/>
+              <a:off x="4612325" y="5393943"/>
               <a:ext cx="63202" cy="63202"/>
             </a:xfrm>
             <a:custGeom>
@@ -29600,7 +29600,7 @@
           </p:nvSpPr>
           <p:spPr>
             <a:xfrm>
-              <a:off x="4857963" y="5349892"/>
+              <a:off x="4670198" y="5349848"/>
               <a:ext cx="63202" cy="63202"/>
             </a:xfrm>
             <a:custGeom>
@@ -29643,7 +29643,7 @@
           </p:nvSpPr>
           <p:spPr>
             <a:xfrm>
-              <a:off x="4843657" y="5339030"/>
+              <a:off x="4765209" y="5339132"/>
               <a:ext cx="63202" cy="63202"/>
             </a:xfrm>
             <a:custGeom>
@@ -29686,7 +29686,7 @@
           </p:nvSpPr>
           <p:spPr>
             <a:xfrm>
-              <a:off x="5119151" y="5767888"/>
+              <a:off x="4810600" y="5767957"/>
               <a:ext cx="63202" cy="63202"/>
             </a:xfrm>
             <a:custGeom>
@@ -29729,7 +29729,7 @@
           </p:nvSpPr>
           <p:spPr>
             <a:xfrm>
-              <a:off x="4779632" y="5341798"/>
+              <a:off x="4574101" y="5341730"/>
               <a:ext cx="63202" cy="63202"/>
             </a:xfrm>
             <a:custGeom>
@@ -29772,7 +29772,7 @@
           </p:nvSpPr>
           <p:spPr>
             <a:xfrm>
-              <a:off x="5094612" y="5341647"/>
+              <a:off x="4630567" y="5341854"/>
               <a:ext cx="63202" cy="63202"/>
             </a:xfrm>
             <a:custGeom>
@@ -29815,7 +29815,7 @@
           </p:nvSpPr>
           <p:spPr>
             <a:xfrm>
-              <a:off x="4947193" y="5341734"/>
+              <a:off x="5081960" y="5341616"/>
               <a:ext cx="63202" cy="63202"/>
             </a:xfrm>
             <a:custGeom>
@@ -29858,7 +29858,7 @@
           </p:nvSpPr>
           <p:spPr>
             <a:xfrm>
-              <a:off x="4973671" y="5331991"/>
+              <a:off x="4605895" y="5332140"/>
               <a:ext cx="63202" cy="63202"/>
             </a:xfrm>
             <a:custGeom>
@@ -29901,7 +29901,7 @@
           </p:nvSpPr>
           <p:spPr>
             <a:xfrm>
-              <a:off x="4685581" y="5383040"/>
+              <a:off x="4651766" y="5383074"/>
               <a:ext cx="63202" cy="63202"/>
             </a:xfrm>
             <a:custGeom>
@@ -29944,7 +29944,7 @@
           </p:nvSpPr>
           <p:spPr>
             <a:xfrm>
-              <a:off x="4677679" y="5397004"/>
+              <a:off x="4871501" y="5396997"/>
               <a:ext cx="63202" cy="63202"/>
             </a:xfrm>
             <a:custGeom>
@@ -29987,7 +29987,7 @@
           </p:nvSpPr>
           <p:spPr>
             <a:xfrm>
-              <a:off x="5020837" y="5324559"/>
+              <a:off x="4799846" y="5324803"/>
               <a:ext cx="63202" cy="63202"/>
             </a:xfrm>
             <a:custGeom>
@@ -30030,7 +30030,7 @@
           </p:nvSpPr>
           <p:spPr>
             <a:xfrm>
-              <a:off x="4815182" y="5350977"/>
+              <a:off x="4710027" y="5350823"/>
               <a:ext cx="63202" cy="63202"/>
             </a:xfrm>
             <a:custGeom>
@@ -30073,7 +30073,7 @@
           </p:nvSpPr>
           <p:spPr>
             <a:xfrm>
-              <a:off x="4996691" y="5343860"/>
+              <a:off x="4482041" y="5344081"/>
               <a:ext cx="63202" cy="63202"/>
             </a:xfrm>
             <a:custGeom>
@@ -30116,7 +30116,7 @@
           </p:nvSpPr>
           <p:spPr>
             <a:xfrm>
-              <a:off x="4453384" y="5341426"/>
+              <a:off x="4589106" y="5341497"/>
               <a:ext cx="63202" cy="63202"/>
             </a:xfrm>
             <a:custGeom>
@@ -30159,7 +30159,7 @@
           </p:nvSpPr>
           <p:spPr>
             <a:xfrm>
-              <a:off x="4520217" y="5550777"/>
+              <a:off x="4479690" y="5550811"/>
               <a:ext cx="63202" cy="63202"/>
             </a:xfrm>
             <a:custGeom>
@@ -30202,7 +30202,7 @@
           </p:nvSpPr>
           <p:spPr>
             <a:xfrm>
-              <a:off x="4686956" y="5355795"/>
+              <a:off x="4929045" y="5355606"/>
               <a:ext cx="63202" cy="63202"/>
             </a:xfrm>
             <a:custGeom>
@@ -30245,7 +30245,7 @@
           </p:nvSpPr>
           <p:spPr>
             <a:xfrm>
-              <a:off x="4819813" y="5440235"/>
+              <a:off x="4504225" y="5440282"/>
               <a:ext cx="63202" cy="63202"/>
             </a:xfrm>
             <a:custGeom>
@@ -30288,7 +30288,7 @@
           </p:nvSpPr>
           <p:spPr>
             <a:xfrm>
-              <a:off x="4627009" y="5384039"/>
+              <a:off x="4911111" y="5384137"/>
               <a:ext cx="63202" cy="63202"/>
             </a:xfrm>
             <a:custGeom>
@@ -30331,7 +30331,7 @@
           </p:nvSpPr>
           <p:spPr>
             <a:xfrm>
-              <a:off x="4808960" y="5339688"/>
+              <a:off x="4917665" y="5339958"/>
               <a:ext cx="63202" cy="63202"/>
             </a:xfrm>
             <a:custGeom>
@@ -30374,7 +30374,7 @@
           </p:nvSpPr>
           <p:spPr>
             <a:xfrm>
-              <a:off x="4861860" y="5344249"/>
+              <a:off x="5068580" y="5344262"/>
               <a:ext cx="63202" cy="63202"/>
             </a:xfrm>
             <a:custGeom>
@@ -30417,7 +30417,7 @@
           </p:nvSpPr>
           <p:spPr>
             <a:xfrm>
-              <a:off x="5086762" y="5405221"/>
+              <a:off x="4529245" y="5405234"/>
               <a:ext cx="63202" cy="63202"/>
             </a:xfrm>
             <a:custGeom>
@@ -30460,7 +30460,7 @@
           </p:nvSpPr>
           <p:spPr>
             <a:xfrm>
-              <a:off x="4494620" y="5395772"/>
+              <a:off x="4636957" y="5395820"/>
               <a:ext cx="63202" cy="63202"/>
             </a:xfrm>
             <a:custGeom>
@@ -30503,7 +30503,7 @@
           </p:nvSpPr>
           <p:spPr>
             <a:xfrm>
-              <a:off x="4904522" y="5440501"/>
+              <a:off x="5060879" y="5440662"/>
               <a:ext cx="63202" cy="63202"/>
             </a:xfrm>
             <a:custGeom>
@@ -30546,7 +30546,7 @@
           </p:nvSpPr>
           <p:spPr>
             <a:xfrm>
-              <a:off x="4823223" y="5358967"/>
+              <a:off x="4605070" y="5359014"/>
               <a:ext cx="63202" cy="63202"/>
             </a:xfrm>
             <a:custGeom>
@@ -30589,7 +30589,7 @@
           </p:nvSpPr>
           <p:spPr>
             <a:xfrm>
-              <a:off x="4496478" y="5367834"/>
+              <a:off x="4465464" y="5367959"/>
               <a:ext cx="63202" cy="63202"/>
             </a:xfrm>
             <a:custGeom>
@@ -30632,7 +30632,7 @@
           </p:nvSpPr>
           <p:spPr>
             <a:xfrm>
-              <a:off x="5032826" y="5395580"/>
+              <a:off x="5053382" y="5395620"/>
               <a:ext cx="63202" cy="63202"/>
             </a:xfrm>
             <a:custGeom>
@@ -30675,7 +30675,7 @@
           </p:nvSpPr>
           <p:spPr>
             <a:xfrm>
-              <a:off x="5104342" y="5352449"/>
+              <a:off x="4476335" y="5352379"/>
               <a:ext cx="63202" cy="63202"/>
             </a:xfrm>
             <a:custGeom>
@@ -30718,7 +30718,7 @@
           </p:nvSpPr>
           <p:spPr>
             <a:xfrm>
-              <a:off x="5107118" y="5385590"/>
+              <a:off x="4756461" y="5385548"/>
               <a:ext cx="63202" cy="63202"/>
             </a:xfrm>
             <a:custGeom>
@@ -30761,7 +30761,7 @@
           </p:nvSpPr>
           <p:spPr>
             <a:xfrm>
-              <a:off x="5082357" y="5395627"/>
+              <a:off x="4982534" y="5395486"/>
               <a:ext cx="63202" cy="63202"/>
             </a:xfrm>
             <a:custGeom>
@@ -30804,7 +30804,7 @@
           </p:nvSpPr>
           <p:spPr>
             <a:xfrm>
-              <a:off x="4784519" y="5345302"/>
+              <a:off x="4907260" y="5345459"/>
               <a:ext cx="63202" cy="63202"/>
             </a:xfrm>
             <a:custGeom>
@@ -30847,7 +30847,7 @@
           </p:nvSpPr>
           <p:spPr>
             <a:xfrm>
-              <a:off x="4673711" y="5533535"/>
+              <a:off x="4994731" y="5533414"/>
               <a:ext cx="63202" cy="63202"/>
             </a:xfrm>
             <a:custGeom>
@@ -30890,7 +30890,7 @@
           </p:nvSpPr>
           <p:spPr>
             <a:xfrm>
-              <a:off x="4770392" y="5380047"/>
+              <a:off x="4478171" y="5380211"/>
               <a:ext cx="63202" cy="63202"/>
             </a:xfrm>
             <a:custGeom>
@@ -30933,7 +30933,7 @@
           </p:nvSpPr>
           <p:spPr>
             <a:xfrm>
-              <a:off x="4765114" y="5385496"/>
+              <a:off x="5132511" y="5385560"/>
               <a:ext cx="63202" cy="63202"/>
             </a:xfrm>
             <a:custGeom>
@@ -30976,7 +30976,7 @@
           </p:nvSpPr>
           <p:spPr>
             <a:xfrm>
-              <a:off x="4955942" y="5398735"/>
+              <a:off x="5004582" y="5398978"/>
               <a:ext cx="63202" cy="63202"/>
             </a:xfrm>
             <a:custGeom>
@@ -31019,7 +31019,7 @@
           </p:nvSpPr>
           <p:spPr>
             <a:xfrm>
-              <a:off x="4877908" y="5404209"/>
+              <a:off x="4531424" y="5404337"/>
               <a:ext cx="63202" cy="63202"/>
             </a:xfrm>
             <a:custGeom>
@@ -31062,7 +31062,7 @@
           </p:nvSpPr>
           <p:spPr>
             <a:xfrm>
-              <a:off x="4918871" y="5325428"/>
+              <a:off x="4841921" y="5325491"/>
               <a:ext cx="63202" cy="63202"/>
             </a:xfrm>
             <a:custGeom>
@@ -31105,7 +31105,7 @@
           </p:nvSpPr>
           <p:spPr>
             <a:xfrm>
-              <a:off x="4875819" y="5438376"/>
+              <a:off x="4819617" y="5438391"/>
               <a:ext cx="63202" cy="63202"/>
             </a:xfrm>
             <a:custGeom>
@@ -31148,7 +31148,7 @@
           </p:nvSpPr>
           <p:spPr>
             <a:xfrm>
-              <a:off x="4727646" y="5632735"/>
+              <a:off x="4819074" y="5632659"/>
               <a:ext cx="63202" cy="63202"/>
             </a:xfrm>
             <a:custGeom>
@@ -31191,7 +31191,7 @@
           </p:nvSpPr>
           <p:spPr>
             <a:xfrm>
-              <a:off x="4607022" y="5954844"/>
+              <a:off x="5080833" y="5954905"/>
               <a:ext cx="63202" cy="63202"/>
             </a:xfrm>
             <a:custGeom>
@@ -31234,7 +31234,7 @@
           </p:nvSpPr>
           <p:spPr>
             <a:xfrm>
-              <a:off x="4750571" y="5791286"/>
+              <a:off x="5053741" y="5791217"/>
               <a:ext cx="63202" cy="63202"/>
             </a:xfrm>
             <a:custGeom>
@@ -31277,7 +31277,7 @@
           </p:nvSpPr>
           <p:spPr>
             <a:xfrm>
-              <a:off x="5085237" y="5351725"/>
+              <a:off x="4813251" y="5351614"/>
               <a:ext cx="63202" cy="63202"/>
             </a:xfrm>
             <a:custGeom>
@@ -31320,7 +31320,7 @@
           </p:nvSpPr>
           <p:spPr>
             <a:xfrm>
-              <a:off x="4509278" y="5460142"/>
+              <a:off x="4571934" y="5460051"/>
               <a:ext cx="63202" cy="63202"/>
             </a:xfrm>
             <a:custGeom>
@@ -31363,7 +31363,7 @@
           </p:nvSpPr>
           <p:spPr>
             <a:xfrm>
-              <a:off x="4585889" y="5443812"/>
+              <a:off x="4578032" y="5443910"/>
               <a:ext cx="63202" cy="63202"/>
             </a:xfrm>
             <a:custGeom>
@@ -31406,7 +31406,7 @@
           </p:nvSpPr>
           <p:spPr>
             <a:xfrm>
-              <a:off x="5059525" y="5359055"/>
+              <a:off x="5063306" y="5359142"/>
               <a:ext cx="63202" cy="63202"/>
             </a:xfrm>
             <a:custGeom>
@@ -31449,7 +31449,7 @@
           </p:nvSpPr>
           <p:spPr>
             <a:xfrm>
-              <a:off x="5032177" y="5530808"/>
+              <a:off x="4562756" y="5530888"/>
               <a:ext cx="63202" cy="63202"/>
             </a:xfrm>
             <a:custGeom>
@@ -31492,7 +31492,7 @@
           </p:nvSpPr>
           <p:spPr>
             <a:xfrm>
-              <a:off x="4666499" y="5331840"/>
+              <a:off x="4670479" y="5331680"/>
               <a:ext cx="63202" cy="63202"/>
             </a:xfrm>
             <a:custGeom>
@@ -31535,7 +31535,7 @@
           </p:nvSpPr>
           <p:spPr>
             <a:xfrm>
-              <a:off x="4583327" y="5684235"/>
+              <a:off x="5090439" y="5684343"/>
               <a:ext cx="63202" cy="63202"/>
             </a:xfrm>
             <a:custGeom>
@@ -31578,7 +31578,7 @@
           </p:nvSpPr>
           <p:spPr>
             <a:xfrm>
-              <a:off x="4583038" y="5352984"/>
+              <a:off x="4516322" y="5353265"/>
               <a:ext cx="63202" cy="63202"/>
             </a:xfrm>
             <a:custGeom>
@@ -31621,7 +31621,7 @@
           </p:nvSpPr>
           <p:spPr>
             <a:xfrm>
-              <a:off x="4439969" y="5780887"/>
+              <a:off x="5049415" y="5780808"/>
               <a:ext cx="63202" cy="63202"/>
             </a:xfrm>
             <a:custGeom>
@@ -31664,7 +31664,7 @@
           </p:nvSpPr>
           <p:spPr>
             <a:xfrm>
-              <a:off x="4515624" y="5362534"/>
+              <a:off x="4455926" y="5362756"/>
               <a:ext cx="63202" cy="63202"/>
             </a:xfrm>
             <a:custGeom>
@@ -31707,7 +31707,7 @@
           </p:nvSpPr>
           <p:spPr>
             <a:xfrm>
-              <a:off x="4985166" y="5333922"/>
+              <a:off x="4762814" y="5334066"/>
               <a:ext cx="63202" cy="63202"/>
             </a:xfrm>
             <a:custGeom>
@@ -31750,7 +31750,7 @@
           </p:nvSpPr>
           <p:spPr>
             <a:xfrm>
-              <a:off x="4975840" y="5343394"/>
+              <a:off x="5037363" y="5343697"/>
               <a:ext cx="63202" cy="63202"/>
             </a:xfrm>
             <a:custGeom>
@@ -31793,7 +31793,7 @@
           </p:nvSpPr>
           <p:spPr>
             <a:xfrm>
-              <a:off x="5007852" y="5325341"/>
+              <a:off x="4673132" y="5325425"/>
               <a:ext cx="63202" cy="63202"/>
             </a:xfrm>
             <a:custGeom>
@@ -31836,7 +31836,7 @@
           </p:nvSpPr>
           <p:spPr>
             <a:xfrm>
-              <a:off x="4991232" y="5350593"/>
+              <a:off x="4608468" y="5350589"/>
               <a:ext cx="63202" cy="63202"/>
             </a:xfrm>
             <a:custGeom>
@@ -31879,7 +31879,7 @@
           </p:nvSpPr>
           <p:spPr>
             <a:xfrm>
-              <a:off x="4529467" y="5340198"/>
+              <a:off x="4588526" y="5340391"/>
               <a:ext cx="63202" cy="63202"/>
             </a:xfrm>
             <a:custGeom>
@@ -31922,7 +31922,7 @@
           </p:nvSpPr>
           <p:spPr>
             <a:xfrm>
-              <a:off x="4465346" y="5352641"/>
+              <a:off x="4496855" y="5352722"/>
               <a:ext cx="63202" cy="63202"/>
             </a:xfrm>
             <a:custGeom>
@@ -31965,7 +31965,7 @@
           </p:nvSpPr>
           <p:spPr>
             <a:xfrm>
-              <a:off x="4604074" y="5352838"/>
+              <a:off x="4948692" y="5352936"/>
               <a:ext cx="63202" cy="63202"/>
             </a:xfrm>
             <a:custGeom>
@@ -32008,7 +32008,7 @@
           </p:nvSpPr>
           <p:spPr>
             <a:xfrm>
-              <a:off x="4733829" y="5352799"/>
+              <a:off x="4562972" y="5352748"/>
               <a:ext cx="63202" cy="63202"/>
             </a:xfrm>
             <a:custGeom>
@@ -32051,7 +32051,7 @@
           </p:nvSpPr>
           <p:spPr>
             <a:xfrm>
-              <a:off x="4608527" y="5352800"/>
+              <a:off x="4878020" y="5352711"/>
               <a:ext cx="63202" cy="63202"/>
             </a:xfrm>
             <a:custGeom>
@@ -32094,7 +32094,7 @@
           </p:nvSpPr>
           <p:spPr>
             <a:xfrm>
-              <a:off x="4893461" y="5389929"/>
+              <a:off x="5062284" y="5389972"/>
               <a:ext cx="63202" cy="63202"/>
             </a:xfrm>
             <a:custGeom>
@@ -32137,7 +32137,7 @@
           </p:nvSpPr>
           <p:spPr>
             <a:xfrm>
-              <a:off x="4715682" y="5350954"/>
+              <a:off x="5132464" y="5351024"/>
               <a:ext cx="63202" cy="63202"/>
             </a:xfrm>
             <a:custGeom>
@@ -32180,7 +32180,7 @@
           </p:nvSpPr>
           <p:spPr>
             <a:xfrm>
-              <a:off x="4630531" y="5700929"/>
+              <a:off x="4988425" y="5700772"/>
               <a:ext cx="63202" cy="63202"/>
             </a:xfrm>
             <a:custGeom>
@@ -32223,7 +32223,7 @@
           </p:nvSpPr>
           <p:spPr>
             <a:xfrm>
-              <a:off x="5911352" y="6540174"/>
+              <a:off x="5928690" y="6539794"/>
               <a:ext cx="63202" cy="63202"/>
             </a:xfrm>
             <a:custGeom>
@@ -32266,7 +32266,7 @@
           </p:nvSpPr>
           <p:spPr>
             <a:xfrm>
-              <a:off x="4853084" y="5357524"/>
+              <a:off x="4848617" y="5357625"/>
               <a:ext cx="63202" cy="63202"/>
             </a:xfrm>
             <a:custGeom>
@@ -32309,7 +32309,7 @@
           </p:nvSpPr>
           <p:spPr>
             <a:xfrm>
-              <a:off x="4780943" y="5334613"/>
+              <a:off x="4816382" y="5334858"/>
               <a:ext cx="63202" cy="63202"/>
             </a:xfrm>
             <a:custGeom>
@@ -32352,7 +32352,7 @@
           </p:nvSpPr>
           <p:spPr>
             <a:xfrm>
-              <a:off x="5002156" y="5330096"/>
+              <a:off x="4508030" y="5330418"/>
               <a:ext cx="63202" cy="63202"/>
             </a:xfrm>
             <a:custGeom>
@@ -32395,7 +32395,7 @@
           </p:nvSpPr>
           <p:spPr>
             <a:xfrm>
-              <a:off x="4894997" y="5526393"/>
+              <a:off x="4830466" y="5526484"/>
               <a:ext cx="63202" cy="63202"/>
             </a:xfrm>
             <a:custGeom>
@@ -32438,7 +32438,7 @@
           </p:nvSpPr>
           <p:spPr>
             <a:xfrm>
-              <a:off x="4932953" y="5364396"/>
+              <a:off x="4834060" y="5364466"/>
               <a:ext cx="63202" cy="63202"/>
             </a:xfrm>
             <a:custGeom>
@@ -32481,7 +32481,7 @@
           </p:nvSpPr>
           <p:spPr>
             <a:xfrm>
-              <a:off x="5045734" y="5362557"/>
+              <a:off x="4541691" y="5362842"/>
               <a:ext cx="63202" cy="63202"/>
             </a:xfrm>
             <a:custGeom>
@@ -32524,7 +32524,7 @@
           </p:nvSpPr>
           <p:spPr>
             <a:xfrm>
-              <a:off x="4795147" y="5336979"/>
+              <a:off x="4767321" y="5336852"/>
               <a:ext cx="63202" cy="63202"/>
             </a:xfrm>
             <a:custGeom>
@@ -32623,7 +32623,7 @@
           </p:nvSpPr>
           <p:spPr>
             <a:xfrm>
-              <a:off x="7171360" y="2806901"/>
+              <a:off x="7171360" y="2806658"/>
               <a:ext cx="2817450" cy="0"/>
             </a:xfrm>
             <a:custGeom>
@@ -32666,7 +32666,7 @@
           </p:nvSpPr>
           <p:spPr>
             <a:xfrm>
-              <a:off x="7171360" y="2438165"/>
+              <a:off x="7171360" y="2438015"/>
               <a:ext cx="2817450" cy="0"/>
             </a:xfrm>
             <a:custGeom>
@@ -32709,7 +32709,7 @@
           </p:nvSpPr>
           <p:spPr>
             <a:xfrm>
-              <a:off x="7171360" y="2069430"/>
+              <a:off x="7171360" y="2069373"/>
               <a:ext cx="2817450" cy="0"/>
             </a:xfrm>
             <a:custGeom>
@@ -32752,7 +32752,7 @@
           </p:nvSpPr>
           <p:spPr>
             <a:xfrm>
-              <a:off x="7171360" y="1700694"/>
+              <a:off x="7171360" y="1700730"/>
               <a:ext cx="2817450" cy="0"/>
             </a:xfrm>
             <a:custGeom>
@@ -32795,7 +32795,7 @@
           </p:nvSpPr>
           <p:spPr>
             <a:xfrm>
-              <a:off x="7171360" y="2991268"/>
+              <a:off x="7171360" y="2990979"/>
               <a:ext cx="2817450" cy="0"/>
             </a:xfrm>
             <a:custGeom>
@@ -32838,7 +32838,7 @@
           </p:nvSpPr>
           <p:spPr>
             <a:xfrm>
-              <a:off x="7171360" y="2622533"/>
+              <a:off x="7171360" y="2622337"/>
               <a:ext cx="2817450" cy="0"/>
             </a:xfrm>
             <a:custGeom>
@@ -32881,7 +32881,7 @@
           </p:nvSpPr>
           <p:spPr>
             <a:xfrm>
-              <a:off x="7171360" y="2253798"/>
+              <a:off x="7171360" y="2253694"/>
               <a:ext cx="2817450" cy="0"/>
             </a:xfrm>
             <a:custGeom>
@@ -32924,7 +32924,7 @@
           </p:nvSpPr>
           <p:spPr>
             <a:xfrm>
-              <a:off x="7171360" y="1885062"/>
+              <a:off x="7171360" y="1885051"/>
               <a:ext cx="2817450" cy="0"/>
             </a:xfrm>
             <a:custGeom>
@@ -32967,7 +32967,7 @@
           </p:nvSpPr>
           <p:spPr>
             <a:xfrm>
-              <a:off x="7171360" y="1516327"/>
+              <a:off x="7171360" y="1516409"/>
               <a:ext cx="2817450" cy="0"/>
             </a:xfrm>
             <a:custGeom>
@@ -33139,7 +33139,7 @@
           </p:nvSpPr>
           <p:spPr>
             <a:xfrm>
-              <a:off x="9744994" y="2938219"/>
+              <a:off x="9327932" y="2938008"/>
               <a:ext cx="63202" cy="63202"/>
             </a:xfrm>
             <a:custGeom>
@@ -33182,7 +33182,7 @@
           </p:nvSpPr>
           <p:spPr>
             <a:xfrm>
-              <a:off x="7988918" y="2180308"/>
+              <a:off x="7943614" y="2180028"/>
               <a:ext cx="63202" cy="63202"/>
             </a:xfrm>
             <a:custGeom>
@@ -33225,7 +33225,7 @@
           </p:nvSpPr>
           <p:spPr>
             <a:xfrm>
-              <a:off x="7646654" y="2187903"/>
+              <a:off x="8004971" y="2187910"/>
               <a:ext cx="63202" cy="63202"/>
             </a:xfrm>
             <a:custGeom>
@@ -33268,7 +33268,7 @@
           </p:nvSpPr>
           <p:spPr>
             <a:xfrm>
-              <a:off x="7859907" y="2209736"/>
+              <a:off x="7930849" y="2209522"/>
               <a:ext cx="63202" cy="63202"/>
             </a:xfrm>
             <a:custGeom>
@@ -33311,7 +33311,7 @@
           </p:nvSpPr>
           <p:spPr>
             <a:xfrm>
-              <a:off x="7577323" y="2200687"/>
+              <a:off x="7613273" y="2200667"/>
               <a:ext cx="63202" cy="63202"/>
             </a:xfrm>
             <a:custGeom>
@@ -33354,7 +33354,7 @@
           </p:nvSpPr>
           <p:spPr>
             <a:xfrm>
-              <a:off x="7720608" y="2106017"/>
+              <a:off x="7717415" y="2105854"/>
               <a:ext cx="63202" cy="63202"/>
             </a:xfrm>
             <a:custGeom>
@@ -33397,7 +33397,7 @@
           </p:nvSpPr>
           <p:spPr>
             <a:xfrm>
-              <a:off x="8316396" y="2267320"/>
+              <a:off x="8251621" y="2267009"/>
               <a:ext cx="63202" cy="63202"/>
             </a:xfrm>
             <a:custGeom>
@@ -33440,7 +33440,7 @@
           </p:nvSpPr>
           <p:spPr>
             <a:xfrm>
-              <a:off x="7965181" y="2178195"/>
+              <a:off x="7916434" y="2178322"/>
               <a:ext cx="63202" cy="63202"/>
             </a:xfrm>
             <a:custGeom>
@@ -33483,7 +33483,7 @@
           </p:nvSpPr>
           <p:spPr>
             <a:xfrm>
-              <a:off x="7883904" y="2200429"/>
+              <a:off x="7926590" y="2200288"/>
               <a:ext cx="63202" cy="63202"/>
             </a:xfrm>
             <a:custGeom>
@@ -33526,7 +33526,7 @@
           </p:nvSpPr>
           <p:spPr>
             <a:xfrm>
-              <a:off x="7694024" y="2194624"/>
+              <a:off x="7475390" y="2194444"/>
               <a:ext cx="63202" cy="63202"/>
             </a:xfrm>
             <a:custGeom>
@@ -33569,7 +33569,7 @@
           </p:nvSpPr>
           <p:spPr>
             <a:xfrm>
-              <a:off x="8836805" y="2267634"/>
+              <a:off x="8403430" y="2267345"/>
               <a:ext cx="63202" cy="63202"/>
             </a:xfrm>
             <a:custGeom>
@@ -33612,7 +33612,7 @@
           </p:nvSpPr>
           <p:spPr>
             <a:xfrm>
-              <a:off x="8513256" y="2340128"/>
+              <a:off x="8741421" y="2340190"/>
               <a:ext cx="63202" cy="63202"/>
             </a:xfrm>
             <a:custGeom>
@@ -33655,7 +33655,7 @@
           </p:nvSpPr>
           <p:spPr>
             <a:xfrm>
-              <a:off x="8892983" y="2269105"/>
+              <a:off x="8888007" y="2268776"/>
               <a:ext cx="63202" cy="63202"/>
             </a:xfrm>
             <a:custGeom>
@@ -33698,7 +33698,7 @@
           </p:nvSpPr>
           <p:spPr>
             <a:xfrm>
-              <a:off x="8650119" y="2466055"/>
+              <a:off x="8733772" y="2465737"/>
               <a:ext cx="63202" cy="63202"/>
             </a:xfrm>
             <a:custGeom>
@@ -33741,7 +33741,7 @@
           </p:nvSpPr>
           <p:spPr>
             <a:xfrm>
-              <a:off x="8717604" y="2263962"/>
+              <a:off x="8463914" y="2263827"/>
               <a:ext cx="63202" cy="63202"/>
             </a:xfrm>
             <a:custGeom>
@@ -33784,7 +33784,7 @@
           </p:nvSpPr>
           <p:spPr>
             <a:xfrm>
-              <a:off x="7744126" y="2205193"/>
+              <a:off x="7903189" y="2204993"/>
               <a:ext cx="63202" cy="63202"/>
             </a:xfrm>
             <a:custGeom>
@@ -33827,7 +33827,7 @@
           </p:nvSpPr>
           <p:spPr>
             <a:xfrm>
-              <a:off x="8871567" y="2415646"/>
+              <a:off x="8557354" y="2415707"/>
               <a:ext cx="63202" cy="63202"/>
             </a:xfrm>
             <a:custGeom>
@@ -33870,7 +33870,7 @@
           </p:nvSpPr>
           <p:spPr>
             <a:xfrm>
-              <a:off x="8649276" y="2301024"/>
+              <a:off x="8736492" y="2300934"/>
               <a:ext cx="63202" cy="63202"/>
             </a:xfrm>
             <a:custGeom>
@@ -33913,7 +33913,7 @@
           </p:nvSpPr>
           <p:spPr>
             <a:xfrm>
-              <a:off x="8276753" y="2259868"/>
+              <a:off x="8550058" y="2259727"/>
               <a:ext cx="63202" cy="63202"/>
             </a:xfrm>
             <a:custGeom>
@@ -33956,7 +33956,7 @@
           </p:nvSpPr>
           <p:spPr>
             <a:xfrm>
-              <a:off x="7317346" y="2180271"/>
+              <a:off x="7477199" y="2180173"/>
               <a:ext cx="63202" cy="63202"/>
             </a:xfrm>
             <a:custGeom>
@@ -33999,7 +33999,7 @@
           </p:nvSpPr>
           <p:spPr>
             <a:xfrm>
-              <a:off x="8864629" y="2360825"/>
+              <a:off x="8299721" y="2360557"/>
               <a:ext cx="63202" cy="63202"/>
             </a:xfrm>
             <a:custGeom>
@@ -34042,7 +34042,7 @@
           </p:nvSpPr>
           <p:spPr>
             <a:xfrm>
-              <a:off x="8383875" y="2256081"/>
+              <a:off x="8451183" y="2256010"/>
               <a:ext cx="63202" cy="63202"/>
             </a:xfrm>
             <a:custGeom>
@@ -34085,7 +34085,7 @@
           </p:nvSpPr>
           <p:spPr>
             <a:xfrm>
-              <a:off x="8441469" y="2268922"/>
+              <a:off x="8348852" y="2268910"/>
               <a:ext cx="63202" cy="63202"/>
             </a:xfrm>
             <a:custGeom>
@@ -34128,7 +34128,7 @@
           </p:nvSpPr>
           <p:spPr>
             <a:xfrm>
-              <a:off x="7727925" y="2076688"/>
+              <a:off x="7966901" y="2076475"/>
               <a:ext cx="63202" cy="63202"/>
             </a:xfrm>
             <a:custGeom>
@@ -34171,7 +34171,7 @@
           </p:nvSpPr>
           <p:spPr>
             <a:xfrm>
-              <a:off x="7930489" y="2183144"/>
+              <a:off x="7889178" y="2182974"/>
               <a:ext cx="63202" cy="63202"/>
             </a:xfrm>
             <a:custGeom>
@@ -34214,7 +34214,7 @@
           </p:nvSpPr>
           <p:spPr>
             <a:xfrm>
-              <a:off x="8870695" y="2275376"/>
+              <a:off x="8474228" y="2275047"/>
               <a:ext cx="63202" cy="63202"/>
             </a:xfrm>
             <a:custGeom>
@@ -34257,7 +34257,7 @@
           </p:nvSpPr>
           <p:spPr>
             <a:xfrm>
-              <a:off x="8489691" y="2297699"/>
+              <a:off x="8829254" y="2297683"/>
               <a:ext cx="63202" cy="63202"/>
             </a:xfrm>
             <a:custGeom>
@@ -34300,7 +34300,7 @@
           </p:nvSpPr>
           <p:spPr>
             <a:xfrm>
-              <a:off x="9759436" y="2932040"/>
+              <a:off x="9552026" y="2931663"/>
               <a:ext cx="63202" cy="63202"/>
             </a:xfrm>
             <a:custGeom>
@@ -34343,7 +34343,7 @@
           </p:nvSpPr>
           <p:spPr>
             <a:xfrm>
-              <a:off x="7413529" y="2196717"/>
+              <a:off x="7933451" y="2196613"/>
               <a:ext cx="63202" cy="63202"/>
             </a:xfrm>
             <a:custGeom>
@@ -34386,7 +34386,7 @@
           </p:nvSpPr>
           <p:spPr>
             <a:xfrm>
-              <a:off x="7332956" y="2194675"/>
+              <a:off x="7705772" y="2194454"/>
               <a:ext cx="63202" cy="63202"/>
             </a:xfrm>
             <a:custGeom>
@@ -34429,7 +34429,7 @@
           </p:nvSpPr>
           <p:spPr>
             <a:xfrm>
-              <a:off x="7606828" y="2191215"/>
+              <a:off x="7510751" y="2191081"/>
               <a:ext cx="63202" cy="63202"/>
             </a:xfrm>
             <a:custGeom>
@@ -34472,7 +34472,7 @@
           </p:nvSpPr>
           <p:spPr>
             <a:xfrm>
-              <a:off x="7994644" y="2191557"/>
+              <a:off x="7322313" y="2191507"/>
               <a:ext cx="63202" cy="63202"/>
             </a:xfrm>
             <a:custGeom>
@@ -34515,7 +34515,7 @@
           </p:nvSpPr>
           <p:spPr>
             <a:xfrm>
-              <a:off x="7430284" y="2193538"/>
+              <a:off x="7447126" y="2193266"/>
               <a:ext cx="63202" cy="63202"/>
             </a:xfrm>
             <a:custGeom>
@@ -34558,7 +34558,7 @@
           </p:nvSpPr>
           <p:spPr>
             <a:xfrm>
-              <a:off x="7375794" y="2206850"/>
+              <a:off x="7881131" y="2206527"/>
               <a:ext cx="63202" cy="63202"/>
             </a:xfrm>
             <a:custGeom>
@@ -34601,7 +34601,7 @@
           </p:nvSpPr>
           <p:spPr>
             <a:xfrm>
-              <a:off x="8383288" y="2227996"/>
+              <a:off x="8355652" y="2227948"/>
               <a:ext cx="63202" cy="63202"/>
             </a:xfrm>
             <a:custGeom>
@@ -34644,7 +34644,7 @@
           </p:nvSpPr>
           <p:spPr>
             <a:xfrm>
-              <a:off x="8459889" y="2260906"/>
+              <a:off x="8779587" y="2260855"/>
               <a:ext cx="63202" cy="63202"/>
             </a:xfrm>
             <a:custGeom>
@@ -34687,7 +34687,7 @@
           </p:nvSpPr>
           <p:spPr>
             <a:xfrm>
-              <a:off x="8738116" y="2268382"/>
+              <a:off x="8218409" y="2268118"/>
               <a:ext cx="63202" cy="63202"/>
             </a:xfrm>
             <a:custGeom>
@@ -34730,7 +34730,7 @@
           </p:nvSpPr>
           <p:spPr>
             <a:xfrm>
-              <a:off x="8209691" y="2669921"/>
+              <a:off x="8849264" y="2669712"/>
               <a:ext cx="63202" cy="63202"/>
             </a:xfrm>
             <a:custGeom>
@@ -34773,7 +34773,7 @@
           </p:nvSpPr>
           <p:spPr>
             <a:xfrm>
-              <a:off x="7975425" y="2209997"/>
+              <a:off x="7622696" y="2209788"/>
               <a:ext cx="63202" cy="63202"/>
             </a:xfrm>
             <a:custGeom>
@@ -34816,7 +34816,7 @@
           </p:nvSpPr>
           <p:spPr>
             <a:xfrm>
-              <a:off x="7986288" y="2000475"/>
+              <a:off x="7792836" y="2000511"/>
               <a:ext cx="63202" cy="63202"/>
             </a:xfrm>
             <a:custGeom>
@@ -34859,7 +34859,7 @@
           </p:nvSpPr>
           <p:spPr>
             <a:xfrm>
-              <a:off x="7577615" y="2059075"/>
+              <a:off x="7360820" y="2059027"/>
               <a:ext cx="63202" cy="63202"/>
             </a:xfrm>
             <a:custGeom>
@@ -34902,7 +34902,7 @@
           </p:nvSpPr>
           <p:spPr>
             <a:xfrm>
-              <a:off x="7615746" y="2204629"/>
+              <a:off x="7522688" y="2204438"/>
               <a:ext cx="63202" cy="63202"/>
             </a:xfrm>
             <a:custGeom>
@@ -34945,7 +34945,7 @@
           </p:nvSpPr>
           <p:spPr>
             <a:xfrm>
-              <a:off x="7563303" y="2208315"/>
+              <a:off x="7514171" y="2208034"/>
               <a:ext cx="63202" cy="63202"/>
             </a:xfrm>
             <a:custGeom>
@@ -34988,7 +34988,7 @@
           </p:nvSpPr>
           <p:spPr>
             <a:xfrm>
-              <a:off x="7598352" y="2207807"/>
+              <a:off x="7358704" y="2207740"/>
               <a:ext cx="63202" cy="63202"/>
             </a:xfrm>
             <a:custGeom>
@@ -35031,7 +35031,7 @@
           </p:nvSpPr>
           <p:spPr>
             <a:xfrm>
-              <a:off x="7319314" y="2203730"/>
+              <a:off x="7539632" y="2203545"/>
               <a:ext cx="63202" cy="63202"/>
             </a:xfrm>
             <a:custGeom>
@@ -35074,7 +35074,7 @@
           </p:nvSpPr>
           <p:spPr>
             <a:xfrm>
-              <a:off x="7529784" y="2200704"/>
+              <a:off x="7700532" y="2200717"/>
               <a:ext cx="63202" cy="63202"/>
             </a:xfrm>
             <a:custGeom>
@@ -35173,7 +35173,7 @@
           </p:nvSpPr>
           <p:spPr>
             <a:xfrm>
-              <a:off x="7171360" y="4732233"/>
+              <a:off x="7171360" y="4731990"/>
               <a:ext cx="2817450" cy="0"/>
             </a:xfrm>
             <a:custGeom>
@@ -35216,7 +35216,7 @@
           </p:nvSpPr>
           <p:spPr>
             <a:xfrm>
-              <a:off x="7171360" y="4363498"/>
+              <a:off x="7171360" y="4363348"/>
               <a:ext cx="2817450" cy="0"/>
             </a:xfrm>
             <a:custGeom>
@@ -35259,7 +35259,7 @@
           </p:nvSpPr>
           <p:spPr>
             <a:xfrm>
-              <a:off x="7171360" y="3994762"/>
+              <a:off x="7171360" y="3994705"/>
               <a:ext cx="2817450" cy="0"/>
             </a:xfrm>
             <a:custGeom>
@@ -35302,7 +35302,7 @@
           </p:nvSpPr>
           <p:spPr>
             <a:xfrm>
-              <a:off x="7171360" y="3626027"/>
+              <a:off x="7171360" y="3626063"/>
               <a:ext cx="2817450" cy="0"/>
             </a:xfrm>
             <a:custGeom>
@@ -35345,7 +35345,7 @@
           </p:nvSpPr>
           <p:spPr>
             <a:xfrm>
-              <a:off x="7171360" y="4916601"/>
+              <a:off x="7171360" y="4916312"/>
               <a:ext cx="2817450" cy="0"/>
             </a:xfrm>
             <a:custGeom>
@@ -35388,7 +35388,7 @@
           </p:nvSpPr>
           <p:spPr>
             <a:xfrm>
-              <a:off x="7171360" y="4547865"/>
+              <a:off x="7171360" y="4547669"/>
               <a:ext cx="2817450" cy="0"/>
             </a:xfrm>
             <a:custGeom>
@@ -35431,7 +35431,7 @@
           </p:nvSpPr>
           <p:spPr>
             <a:xfrm>
-              <a:off x="7171360" y="4179130"/>
+              <a:off x="7171360" y="4179026"/>
               <a:ext cx="2817450" cy="0"/>
             </a:xfrm>
             <a:custGeom>
@@ -35474,7 +35474,7 @@
           </p:nvSpPr>
           <p:spPr>
             <a:xfrm>
-              <a:off x="7171360" y="3810395"/>
+              <a:off x="7171360" y="3810384"/>
               <a:ext cx="2817450" cy="0"/>
             </a:xfrm>
             <a:custGeom>
@@ -35517,7 +35517,7 @@
           </p:nvSpPr>
           <p:spPr>
             <a:xfrm>
-              <a:off x="7171360" y="3441659"/>
+              <a:off x="7171360" y="3441741"/>
               <a:ext cx="2817450" cy="0"/>
             </a:xfrm>
             <a:custGeom>
@@ -35689,7 +35689,7 @@
           </p:nvSpPr>
           <p:spPr>
             <a:xfrm>
-              <a:off x="8689801" y="4217534"/>
+              <a:off x="8411543" y="4217564"/>
               <a:ext cx="63202" cy="63202"/>
             </a:xfrm>
             <a:custGeom>
@@ -35732,7 +35732,7 @@
           </p:nvSpPr>
           <p:spPr>
             <a:xfrm>
-              <a:off x="8734967" y="4539546"/>
+              <a:off x="8396155" y="4539422"/>
               <a:ext cx="63202" cy="63202"/>
             </a:xfrm>
             <a:custGeom>
@@ -35775,7 +35775,7 @@
           </p:nvSpPr>
           <p:spPr>
             <a:xfrm>
-              <a:off x="9321129" y="4788459"/>
+              <a:off x="9112259" y="4787980"/>
               <a:ext cx="63202" cy="63202"/>
             </a:xfrm>
             <a:custGeom>
@@ -35818,7 +35818,7 @@
           </p:nvSpPr>
           <p:spPr>
             <a:xfrm>
-              <a:off x="9136403" y="4878973"/>
+              <a:off x="9509915" y="4878897"/>
               <a:ext cx="63202" cy="63202"/>
             </a:xfrm>
             <a:custGeom>
@@ -35861,7 +35861,7 @@
           </p:nvSpPr>
           <p:spPr>
             <a:xfrm>
-              <a:off x="9658602" y="4831221"/>
+              <a:off x="9695401" y="4831013"/>
               <a:ext cx="63202" cy="63202"/>
             </a:xfrm>
             <a:custGeom>
@@ -35904,7 +35904,7 @@
           </p:nvSpPr>
           <p:spPr>
             <a:xfrm>
-              <a:off x="8283632" y="4411792"/>
+              <a:off x="8422795" y="4411664"/>
               <a:ext cx="63202" cy="63202"/>
             </a:xfrm>
             <a:custGeom>
@@ -35947,7 +35947,7 @@
           </p:nvSpPr>
           <p:spPr>
             <a:xfrm>
-              <a:off x="8866309" y="4674775"/>
+              <a:off x="8298837" y="4674549"/>
               <a:ext cx="63202" cy="63202"/>
             </a:xfrm>
             <a:custGeom>
@@ -35990,7 +35990,7 @@
           </p:nvSpPr>
           <p:spPr>
             <a:xfrm>
-              <a:off x="8238648" y="4195211"/>
+              <a:off x="8523320" y="4194894"/>
               <a:ext cx="63202" cy="63202"/>
             </a:xfrm>
             <a:custGeom>
@@ -36033,7 +36033,7 @@
           </p:nvSpPr>
           <p:spPr>
             <a:xfrm>
-              <a:off x="9558089" y="4817203"/>
+              <a:off x="9747517" y="4816945"/>
               <a:ext cx="63202" cy="63202"/>
             </a:xfrm>
             <a:custGeom>
@@ -36076,7 +36076,7 @@
           </p:nvSpPr>
           <p:spPr>
             <a:xfrm>
-              <a:off x="8427222" y="4566077"/>
+              <a:off x="8762545" y="4565838"/>
               <a:ext cx="63202" cy="63202"/>
             </a:xfrm>
             <a:custGeom>
@@ -36119,7 +36119,7 @@
           </p:nvSpPr>
           <p:spPr>
             <a:xfrm>
-              <a:off x="8350422" y="4575556"/>
+              <a:off x="8432889" y="4575462"/>
               <a:ext cx="63202" cy="63202"/>
             </a:xfrm>
             <a:custGeom>
@@ -36162,7 +36162,7 @@
           </p:nvSpPr>
           <p:spPr>
             <a:xfrm>
-              <a:off x="8547099" y="4152408"/>
+              <a:off x="8624845" y="4152195"/>
               <a:ext cx="63202" cy="63202"/>
             </a:xfrm>
             <a:custGeom>
@@ -36205,7 +36205,7 @@
           </p:nvSpPr>
           <p:spPr>
             <a:xfrm>
-              <a:off x="8833468" y="4250761"/>
+              <a:off x="8723862" y="4250614"/>
               <a:ext cx="63202" cy="63202"/>
             </a:xfrm>
             <a:custGeom>
@@ -36248,7 +36248,7 @@
           </p:nvSpPr>
           <p:spPr>
             <a:xfrm>
-              <a:off x="9249656" y="4731713"/>
+              <a:off x="9438321" y="4731312"/>
               <a:ext cx="63202" cy="63202"/>
             </a:xfrm>
             <a:custGeom>
@@ -37743,7 +37743,7 @@
           </p:nvSpPr>
           <p:spPr>
             <a:xfrm>
-              <a:off x="1148183" y="2949577"/>
+              <a:off x="1148183" y="2949287"/>
               <a:ext cx="186466" cy="81691"/>
             </a:xfrm>
             <a:prstGeom prst="rect">
@@ -37789,7 +37789,7 @@
           </p:nvSpPr>
           <p:spPr>
             <a:xfrm>
-              <a:off x="1148183" y="2580841"/>
+              <a:off x="1148183" y="2580645"/>
               <a:ext cx="186466" cy="81691"/>
             </a:xfrm>
             <a:prstGeom prst="rect">
@@ -37835,7 +37835,7 @@
           </p:nvSpPr>
           <p:spPr>
             <a:xfrm>
-              <a:off x="1148183" y="2212051"/>
+              <a:off x="1148183" y="2211948"/>
               <a:ext cx="186466" cy="81746"/>
             </a:xfrm>
             <a:prstGeom prst="rect">
@@ -37881,7 +37881,7 @@
           </p:nvSpPr>
           <p:spPr>
             <a:xfrm>
-              <a:off x="1148183" y="1843370"/>
+              <a:off x="1148183" y="1843360"/>
               <a:ext cx="186466" cy="81691"/>
             </a:xfrm>
             <a:prstGeom prst="rect">
@@ -37927,7 +37927,7 @@
           </p:nvSpPr>
           <p:spPr>
             <a:xfrm>
-              <a:off x="1148183" y="1474635"/>
+              <a:off x="1148183" y="1474717"/>
               <a:ext cx="186466" cy="81691"/>
             </a:xfrm>
             <a:prstGeom prst="rect">
@@ -37973,7 +37973,7 @@
           </p:nvSpPr>
           <p:spPr>
             <a:xfrm>
-              <a:off x="1362485" y="2991268"/>
+              <a:off x="1362485" y="2990979"/>
               <a:ext cx="34794" cy="0"/>
             </a:xfrm>
             <a:custGeom>
@@ -38013,7 +38013,7 @@
           </p:nvSpPr>
           <p:spPr>
             <a:xfrm>
-              <a:off x="1362485" y="2622533"/>
+              <a:off x="1362485" y="2622337"/>
               <a:ext cx="34794" cy="0"/>
             </a:xfrm>
             <a:custGeom>
@@ -38053,7 +38053,7 @@
           </p:nvSpPr>
           <p:spPr>
             <a:xfrm>
-              <a:off x="1362485" y="2253798"/>
+              <a:off x="1362485" y="2253694"/>
               <a:ext cx="34794" cy="0"/>
             </a:xfrm>
             <a:custGeom>
@@ -38093,7 +38093,7 @@
           </p:nvSpPr>
           <p:spPr>
             <a:xfrm>
-              <a:off x="1362485" y="1885062"/>
+              <a:off x="1362485" y="1885051"/>
               <a:ext cx="34794" cy="0"/>
             </a:xfrm>
             <a:custGeom>
@@ -38133,7 +38133,7 @@
           </p:nvSpPr>
           <p:spPr>
             <a:xfrm>
-              <a:off x="1362485" y="1516327"/>
+              <a:off x="1362485" y="1516409"/>
               <a:ext cx="34794" cy="0"/>
             </a:xfrm>
             <a:custGeom>
@@ -38173,7 +38173,7 @@
           </p:nvSpPr>
           <p:spPr>
             <a:xfrm>
-              <a:off x="1148183" y="4874909"/>
+              <a:off x="1148183" y="4874620"/>
               <a:ext cx="186466" cy="81691"/>
             </a:xfrm>
             <a:prstGeom prst="rect">
@@ -38219,7 +38219,7 @@
           </p:nvSpPr>
           <p:spPr>
             <a:xfrm>
-              <a:off x="1148183" y="4506174"/>
+              <a:off x="1148183" y="4505977"/>
               <a:ext cx="186466" cy="81691"/>
             </a:xfrm>
             <a:prstGeom prst="rect">
@@ -38265,7 +38265,7 @@
           </p:nvSpPr>
           <p:spPr>
             <a:xfrm>
-              <a:off x="1148183" y="4137384"/>
+              <a:off x="1148183" y="4137280"/>
               <a:ext cx="186466" cy="81746"/>
             </a:xfrm>
             <a:prstGeom prst="rect">
@@ -38311,7 +38311,7 @@
           </p:nvSpPr>
           <p:spPr>
             <a:xfrm>
-              <a:off x="1148183" y="3768703"/>
+              <a:off x="1148183" y="3768692"/>
               <a:ext cx="186466" cy="81691"/>
             </a:xfrm>
             <a:prstGeom prst="rect">
@@ -38357,7 +38357,7 @@
           </p:nvSpPr>
           <p:spPr>
             <a:xfrm>
-              <a:off x="1148183" y="3399968"/>
+              <a:off x="1148183" y="3400050"/>
               <a:ext cx="186466" cy="81691"/>
             </a:xfrm>
             <a:prstGeom prst="rect">
@@ -38403,7 +38403,7 @@
           </p:nvSpPr>
           <p:spPr>
             <a:xfrm>
-              <a:off x="1362485" y="4916601"/>
+              <a:off x="1362485" y="4916312"/>
               <a:ext cx="34794" cy="0"/>
             </a:xfrm>
             <a:custGeom>
@@ -38443,7 +38443,7 @@
           </p:nvSpPr>
           <p:spPr>
             <a:xfrm>
-              <a:off x="1362485" y="4547865"/>
+              <a:off x="1362485" y="4547669"/>
               <a:ext cx="34794" cy="0"/>
             </a:xfrm>
             <a:custGeom>
@@ -38483,7 +38483,7 @@
           </p:nvSpPr>
           <p:spPr>
             <a:xfrm>
-              <a:off x="1362485" y="4179130"/>
+              <a:off x="1362485" y="4179026"/>
               <a:ext cx="34794" cy="0"/>
             </a:xfrm>
             <a:custGeom>
@@ -38523,7 +38523,7 @@
           </p:nvSpPr>
           <p:spPr>
             <a:xfrm>
-              <a:off x="1362485" y="3810395"/>
+              <a:off x="1362485" y="3810384"/>
               <a:ext cx="34794" cy="0"/>
             </a:xfrm>
             <a:custGeom>
@@ -38563,7 +38563,7 @@
           </p:nvSpPr>
           <p:spPr>
             <a:xfrm>
-              <a:off x="1362485" y="3441659"/>
+              <a:off x="1362485" y="3441741"/>
               <a:ext cx="34794" cy="0"/>
             </a:xfrm>
             <a:custGeom>
@@ -38603,7 +38603,7 @@
           </p:nvSpPr>
           <p:spPr>
             <a:xfrm>
-              <a:off x="1148183" y="6800242"/>
+              <a:off x="1148183" y="6799953"/>
               <a:ext cx="186466" cy="81691"/>
             </a:xfrm>
             <a:prstGeom prst="rect">
@@ -38649,7 +38649,7 @@
           </p:nvSpPr>
           <p:spPr>
             <a:xfrm>
-              <a:off x="1148183" y="6431506"/>
+              <a:off x="1148183" y="6431310"/>
               <a:ext cx="186466" cy="81691"/>
             </a:xfrm>
             <a:prstGeom prst="rect">
@@ -38695,7 +38695,7 @@
           </p:nvSpPr>
           <p:spPr>
             <a:xfrm>
-              <a:off x="1148183" y="6062716"/>
+              <a:off x="1148183" y="6062613"/>
               <a:ext cx="186466" cy="81746"/>
             </a:xfrm>
             <a:prstGeom prst="rect">
@@ -38741,7 +38741,7 @@
           </p:nvSpPr>
           <p:spPr>
             <a:xfrm>
-              <a:off x="1148183" y="5694036"/>
+              <a:off x="1148183" y="5694025"/>
               <a:ext cx="186466" cy="81691"/>
             </a:xfrm>
             <a:prstGeom prst="rect">
@@ -38787,7 +38787,7 @@
           </p:nvSpPr>
           <p:spPr>
             <a:xfrm>
-              <a:off x="1148183" y="5325300"/>
+              <a:off x="1148183" y="5325382"/>
               <a:ext cx="186466" cy="81691"/>
             </a:xfrm>
             <a:prstGeom prst="rect">
@@ -38833,7 +38833,7 @@
           </p:nvSpPr>
           <p:spPr>
             <a:xfrm>
-              <a:off x="1362485" y="6841933"/>
+              <a:off x="1362485" y="6841644"/>
               <a:ext cx="34794" cy="0"/>
             </a:xfrm>
             <a:custGeom>
@@ -38873,7 +38873,7 @@
           </p:nvSpPr>
           <p:spPr>
             <a:xfrm>
-              <a:off x="1362485" y="6473198"/>
+              <a:off x="1362485" y="6473002"/>
               <a:ext cx="34794" cy="0"/>
             </a:xfrm>
             <a:custGeom>
@@ -38913,7 +38913,7 @@
           </p:nvSpPr>
           <p:spPr>
             <a:xfrm>
-              <a:off x="1362485" y="6104463"/>
+              <a:off x="1362485" y="6104359"/>
               <a:ext cx="34794" cy="0"/>
             </a:xfrm>
             <a:custGeom>
@@ -38953,7 +38953,7 @@
           </p:nvSpPr>
           <p:spPr>
             <a:xfrm>
-              <a:off x="1362485" y="5735727"/>
+              <a:off x="1362485" y="5735716"/>
               <a:ext cx="34794" cy="0"/>
             </a:xfrm>
             <a:custGeom>
@@ -38993,7 +38993,7 @@
           </p:nvSpPr>
           <p:spPr>
             <a:xfrm>
-              <a:off x="1362485" y="5366992"/>
+              <a:off x="1362485" y="5367074"/>
               <a:ext cx="34794" cy="0"/>
             </a:xfrm>
             <a:custGeom>
